--- a/Diapositivas/Code Smells and Refactoring.pptx
+++ b/Diapositivas/Code Smells and Refactoring.pptx
@@ -5,51 +5,52 @@
     <p:sldMasterId id="2147483684" r:id="rId1"/>
   </p:sldMasterIdLst>
   <p:notesMasterIdLst>
-    <p:notesMasterId r:id="rId44"/>
+    <p:notesMasterId r:id="rId45"/>
   </p:notesMasterIdLst>
   <p:sldIdLst>
     <p:sldId id="321" r:id="rId2"/>
-    <p:sldId id="712" r:id="rId3"/>
-    <p:sldId id="713" r:id="rId4"/>
-    <p:sldId id="714" r:id="rId5"/>
-    <p:sldId id="715" r:id="rId6"/>
-    <p:sldId id="318" r:id="rId7"/>
-    <p:sldId id="317" r:id="rId8"/>
-    <p:sldId id="691" r:id="rId9"/>
-    <p:sldId id="329" r:id="rId10"/>
-    <p:sldId id="330" r:id="rId11"/>
-    <p:sldId id="697" r:id="rId12"/>
-    <p:sldId id="698" r:id="rId13"/>
-    <p:sldId id="333" r:id="rId14"/>
-    <p:sldId id="498" r:id="rId15"/>
-    <p:sldId id="699" r:id="rId16"/>
-    <p:sldId id="700" r:id="rId17"/>
-    <p:sldId id="334" r:id="rId18"/>
-    <p:sldId id="335" r:id="rId19"/>
-    <p:sldId id="502" r:id="rId20"/>
-    <p:sldId id="506" r:id="rId21"/>
-    <p:sldId id="504" r:id="rId22"/>
-    <p:sldId id="505" r:id="rId23"/>
-    <p:sldId id="508" r:id="rId24"/>
-    <p:sldId id="507" r:id="rId25"/>
-    <p:sldId id="711" r:id="rId26"/>
-    <p:sldId id="509" r:id="rId27"/>
-    <p:sldId id="716" r:id="rId28"/>
-    <p:sldId id="514" r:id="rId29"/>
-    <p:sldId id="340" r:id="rId30"/>
-    <p:sldId id="668" r:id="rId31"/>
-    <p:sldId id="667" r:id="rId32"/>
-    <p:sldId id="341" r:id="rId33"/>
-    <p:sldId id="692" r:id="rId34"/>
-    <p:sldId id="706" r:id="rId35"/>
-    <p:sldId id="707" r:id="rId36"/>
-    <p:sldId id="708" r:id="rId37"/>
-    <p:sldId id="709" r:id="rId38"/>
-    <p:sldId id="342" r:id="rId39"/>
-    <p:sldId id="519" r:id="rId40"/>
-    <p:sldId id="344" r:id="rId41"/>
-    <p:sldId id="710" r:id="rId42"/>
-    <p:sldId id="705" r:id="rId43"/>
+    <p:sldId id="717" r:id="rId3"/>
+    <p:sldId id="712" r:id="rId4"/>
+    <p:sldId id="713" r:id="rId5"/>
+    <p:sldId id="714" r:id="rId6"/>
+    <p:sldId id="715" r:id="rId7"/>
+    <p:sldId id="318" r:id="rId8"/>
+    <p:sldId id="317" r:id="rId9"/>
+    <p:sldId id="691" r:id="rId10"/>
+    <p:sldId id="329" r:id="rId11"/>
+    <p:sldId id="330" r:id="rId12"/>
+    <p:sldId id="697" r:id="rId13"/>
+    <p:sldId id="698" r:id="rId14"/>
+    <p:sldId id="333" r:id="rId15"/>
+    <p:sldId id="498" r:id="rId16"/>
+    <p:sldId id="699" r:id="rId17"/>
+    <p:sldId id="700" r:id="rId18"/>
+    <p:sldId id="334" r:id="rId19"/>
+    <p:sldId id="335" r:id="rId20"/>
+    <p:sldId id="502" r:id="rId21"/>
+    <p:sldId id="506" r:id="rId22"/>
+    <p:sldId id="504" r:id="rId23"/>
+    <p:sldId id="505" r:id="rId24"/>
+    <p:sldId id="508" r:id="rId25"/>
+    <p:sldId id="507" r:id="rId26"/>
+    <p:sldId id="711" r:id="rId27"/>
+    <p:sldId id="509" r:id="rId28"/>
+    <p:sldId id="716" r:id="rId29"/>
+    <p:sldId id="514" r:id="rId30"/>
+    <p:sldId id="340" r:id="rId31"/>
+    <p:sldId id="668" r:id="rId32"/>
+    <p:sldId id="667" r:id="rId33"/>
+    <p:sldId id="341" r:id="rId34"/>
+    <p:sldId id="692" r:id="rId35"/>
+    <p:sldId id="706" r:id="rId36"/>
+    <p:sldId id="707" r:id="rId37"/>
+    <p:sldId id="708" r:id="rId38"/>
+    <p:sldId id="709" r:id="rId39"/>
+    <p:sldId id="342" r:id="rId40"/>
+    <p:sldId id="519" r:id="rId41"/>
+    <p:sldId id="344" r:id="rId42"/>
+    <p:sldId id="710" r:id="rId43"/>
+    <p:sldId id="705" r:id="rId44"/>
   </p:sldIdLst>
   <p:sldSz cx="9144000" cy="6858000" type="screen4x3"/>
   <p:notesSz cx="6858000" cy="9144000"/>
@@ -1271,406 +1272,6 @@
       <dsp:cNvGrpSpPr/>
     </dsp:nvGrpSpPr>
     <dsp:grpSpPr/>
-    <dsp:sp modelId="{24CAC893-EE9B-4D01-BB90-0CB36FFE22ED}">
-      <dsp:nvSpPr>
-        <dsp:cNvPr id="0" name=""/>
-        <dsp:cNvSpPr/>
-      </dsp:nvSpPr>
-      <dsp:spPr>
-        <a:xfrm>
-          <a:off x="3206" y="16090"/>
-          <a:ext cx="1816742" cy="726697"/>
-        </a:xfrm>
-        <a:prstGeom prst="homePlate">
-          <a:avLst/>
-        </a:prstGeom>
-        <a:solidFill>
-          <a:schemeClr val="accent1">
-            <a:hueOff val="0"/>
-            <a:satOff val="0"/>
-            <a:lumOff val="0"/>
-            <a:alphaOff val="0"/>
-          </a:schemeClr>
-        </a:solidFill>
-        <a:ln w="25400" cap="flat" cmpd="sng" algn="ctr">
-          <a:solidFill>
-            <a:schemeClr val="lt1">
-              <a:hueOff val="0"/>
-              <a:satOff val="0"/>
-              <a:lumOff val="0"/>
-              <a:alphaOff val="0"/>
-            </a:schemeClr>
-          </a:solidFill>
-          <a:prstDash val="solid"/>
-        </a:ln>
-        <a:effectLst/>
-      </dsp:spPr>
-      <dsp:style>
-        <a:lnRef idx="2">
-          <a:scrgbClr r="0" g="0" b="0"/>
-        </a:lnRef>
-        <a:fillRef idx="1">
-          <a:scrgbClr r="0" g="0" b="0"/>
-        </a:fillRef>
-        <a:effectRef idx="0">
-          <a:scrgbClr r="0" g="0" b="0"/>
-        </a:effectRef>
-        <a:fontRef idx="minor">
-          <a:schemeClr val="lt1"/>
-        </a:fontRef>
-      </dsp:style>
-      <dsp:txBody>
-        <a:bodyPr spcFirstLastPara="0" vert="horz" wrap="square" lIns="106680" tIns="53340" rIns="26670" bIns="53340" numCol="1" spcCol="1270" anchor="ctr" anchorCtr="0">
-          <a:noAutofit/>
-        </a:bodyPr>
-        <a:lstStyle/>
-        <a:p>
-          <a:pPr lvl="0" algn="ctr" defTabSz="889000">
-            <a:lnSpc>
-              <a:spcPct val="90000"/>
-            </a:lnSpc>
-            <a:spcBef>
-              <a:spcPct val="0"/>
-            </a:spcBef>
-            <a:spcAft>
-              <a:spcPct val="35000"/>
-            </a:spcAft>
-          </a:pPr>
-          <a:r>
-            <a:rPr lang="es-PE" sz="2000" b="1" kern="1200" dirty="0" smtClean="0"/>
-            <a:t>Small </a:t>
-          </a:r>
-          <a:br>
-            <a:rPr lang="es-PE" sz="2000" b="1" kern="1200" dirty="0" smtClean="0"/>
-          </a:br>
-          <a:r>
-            <a:rPr lang="es-PE" sz="2000" b="1" kern="1200" dirty="0" smtClean="0"/>
-            <a:t>Refactoring</a:t>
-          </a:r>
-          <a:endParaRPr lang="es-PE" sz="2000" b="1" kern="1200" dirty="0"/>
-        </a:p>
-      </dsp:txBody>
-      <dsp:txXfrm>
-        <a:off x="3206" y="16090"/>
-        <a:ext cx="1635068" cy="726697"/>
-      </dsp:txXfrm>
-    </dsp:sp>
-    <dsp:sp modelId="{B5F9542A-6098-4FB8-BB83-B5125E571D9D}">
-      <dsp:nvSpPr>
-        <dsp:cNvPr id="0" name=""/>
-        <dsp:cNvSpPr/>
-      </dsp:nvSpPr>
-      <dsp:spPr>
-        <a:xfrm>
-          <a:off x="1456600" y="16090"/>
-          <a:ext cx="1816742" cy="726697"/>
-        </a:xfrm>
-        <a:prstGeom prst="chevron">
-          <a:avLst/>
-        </a:prstGeom>
-        <a:solidFill>
-          <a:schemeClr val="accent1">
-            <a:hueOff val="0"/>
-            <a:satOff val="0"/>
-            <a:lumOff val="0"/>
-            <a:alphaOff val="0"/>
-          </a:schemeClr>
-        </a:solidFill>
-        <a:ln w="25400" cap="flat" cmpd="sng" algn="ctr">
-          <a:solidFill>
-            <a:schemeClr val="lt1">
-              <a:hueOff val="0"/>
-              <a:satOff val="0"/>
-              <a:lumOff val="0"/>
-              <a:alphaOff val="0"/>
-            </a:schemeClr>
-          </a:solidFill>
-          <a:prstDash val="solid"/>
-        </a:ln>
-        <a:effectLst/>
-      </dsp:spPr>
-      <dsp:style>
-        <a:lnRef idx="2">
-          <a:scrgbClr r="0" g="0" b="0"/>
-        </a:lnRef>
-        <a:fillRef idx="1">
-          <a:scrgbClr r="0" g="0" b="0"/>
-        </a:fillRef>
-        <a:effectRef idx="0">
-          <a:scrgbClr r="0" g="0" b="0"/>
-        </a:effectRef>
-        <a:fontRef idx="minor">
-          <a:schemeClr val="lt1"/>
-        </a:fontRef>
-      </dsp:style>
-      <dsp:txBody>
-        <a:bodyPr spcFirstLastPara="0" vert="horz" wrap="square" lIns="80010" tIns="53340" rIns="26670" bIns="53340" numCol="1" spcCol="1270" anchor="ctr" anchorCtr="0">
-          <a:noAutofit/>
-        </a:bodyPr>
-        <a:lstStyle/>
-        <a:p>
-          <a:pPr lvl="0" algn="ctr" defTabSz="889000">
-            <a:lnSpc>
-              <a:spcPct val="90000"/>
-            </a:lnSpc>
-            <a:spcBef>
-              <a:spcPct val="0"/>
-            </a:spcBef>
-            <a:spcAft>
-              <a:spcPct val="35000"/>
-            </a:spcAft>
-          </a:pPr>
-          <a:r>
-            <a:rPr lang="es-PE" sz="2000" b="1" kern="1200" dirty="0" err="1" smtClean="0"/>
-            <a:t>Run</a:t>
-          </a:r>
-          <a:r>
-            <a:rPr lang="es-PE" sz="2000" b="1" kern="1200" dirty="0" smtClean="0"/>
-            <a:t> Test</a:t>
-          </a:r>
-          <a:endParaRPr lang="es-PE" sz="2000" b="1" kern="1200" dirty="0"/>
-        </a:p>
-      </dsp:txBody>
-      <dsp:txXfrm>
-        <a:off x="1819949" y="16090"/>
-        <a:ext cx="1090045" cy="726697"/>
-      </dsp:txXfrm>
-    </dsp:sp>
-    <dsp:sp modelId="{601A0D37-4256-4B03-929F-B3C0F426A913}">
-      <dsp:nvSpPr>
-        <dsp:cNvPr id="0" name=""/>
-        <dsp:cNvSpPr/>
-      </dsp:nvSpPr>
-      <dsp:spPr>
-        <a:xfrm>
-          <a:off x="2909995" y="16090"/>
-          <a:ext cx="2172896" cy="726697"/>
-        </a:xfrm>
-        <a:prstGeom prst="chevron">
-          <a:avLst/>
-        </a:prstGeom>
-        <a:solidFill>
-          <a:schemeClr val="accent1">
-            <a:hueOff val="0"/>
-            <a:satOff val="0"/>
-            <a:lumOff val="0"/>
-            <a:alphaOff val="0"/>
-          </a:schemeClr>
-        </a:solidFill>
-        <a:ln w="25400" cap="flat" cmpd="sng" algn="ctr">
-          <a:solidFill>
-            <a:schemeClr val="lt1">
-              <a:hueOff val="0"/>
-              <a:satOff val="0"/>
-              <a:lumOff val="0"/>
-              <a:alphaOff val="0"/>
-            </a:schemeClr>
-          </a:solidFill>
-          <a:prstDash val="solid"/>
-        </a:ln>
-        <a:effectLst/>
-      </dsp:spPr>
-      <dsp:style>
-        <a:lnRef idx="2">
-          <a:scrgbClr r="0" g="0" b="0"/>
-        </a:lnRef>
-        <a:fillRef idx="1">
-          <a:scrgbClr r="0" g="0" b="0"/>
-        </a:fillRef>
-        <a:effectRef idx="0">
-          <a:scrgbClr r="0" g="0" b="0"/>
-        </a:effectRef>
-        <a:fontRef idx="minor">
-          <a:schemeClr val="lt1"/>
-        </a:fontRef>
-      </dsp:style>
-      <dsp:txBody>
-        <a:bodyPr spcFirstLastPara="0" vert="horz" wrap="square" lIns="80010" tIns="53340" rIns="26670" bIns="53340" numCol="1" spcCol="1270" anchor="ctr" anchorCtr="0">
-          <a:noAutofit/>
-        </a:bodyPr>
-        <a:lstStyle/>
-        <a:p>
-          <a:pPr lvl="0" algn="ctr" defTabSz="889000">
-            <a:lnSpc>
-              <a:spcPct val="90000"/>
-            </a:lnSpc>
-            <a:spcBef>
-              <a:spcPct val="0"/>
-            </a:spcBef>
-            <a:spcAft>
-              <a:spcPct val="35000"/>
-            </a:spcAft>
-          </a:pPr>
-          <a:r>
-            <a:rPr lang="es-PE" sz="2000" b="1" kern="1200" dirty="0" smtClean="0"/>
-            <a:t>Small Refactoring</a:t>
-          </a:r>
-          <a:endParaRPr lang="es-PE" sz="2000" b="1" kern="1200" dirty="0"/>
-        </a:p>
-      </dsp:txBody>
-      <dsp:txXfrm>
-        <a:off x="3273344" y="16090"/>
-        <a:ext cx="1446199" cy="726697"/>
-      </dsp:txXfrm>
-    </dsp:sp>
-    <dsp:sp modelId="{28010DC8-3136-49BC-9983-7489D855A8B1}">
-      <dsp:nvSpPr>
-        <dsp:cNvPr id="0" name=""/>
-        <dsp:cNvSpPr/>
-      </dsp:nvSpPr>
-      <dsp:spPr>
-        <a:xfrm>
-          <a:off x="4719543" y="16090"/>
-          <a:ext cx="1816742" cy="726697"/>
-        </a:xfrm>
-        <a:prstGeom prst="chevron">
-          <a:avLst/>
-        </a:prstGeom>
-        <a:solidFill>
-          <a:schemeClr val="accent1">
-            <a:hueOff val="0"/>
-            <a:satOff val="0"/>
-            <a:lumOff val="0"/>
-            <a:alphaOff val="0"/>
-          </a:schemeClr>
-        </a:solidFill>
-        <a:ln w="25400" cap="flat" cmpd="sng" algn="ctr">
-          <a:solidFill>
-            <a:schemeClr val="lt1">
-              <a:hueOff val="0"/>
-              <a:satOff val="0"/>
-              <a:lumOff val="0"/>
-              <a:alphaOff val="0"/>
-            </a:schemeClr>
-          </a:solidFill>
-          <a:prstDash val="solid"/>
-        </a:ln>
-        <a:effectLst/>
-      </dsp:spPr>
-      <dsp:style>
-        <a:lnRef idx="2">
-          <a:scrgbClr r="0" g="0" b="0"/>
-        </a:lnRef>
-        <a:fillRef idx="1">
-          <a:scrgbClr r="0" g="0" b="0"/>
-        </a:fillRef>
-        <a:effectRef idx="0">
-          <a:scrgbClr r="0" g="0" b="0"/>
-        </a:effectRef>
-        <a:fontRef idx="minor">
-          <a:schemeClr val="lt1"/>
-        </a:fontRef>
-      </dsp:style>
-      <dsp:txBody>
-        <a:bodyPr spcFirstLastPara="0" vert="horz" wrap="square" lIns="80010" tIns="53340" rIns="26670" bIns="53340" numCol="1" spcCol="1270" anchor="ctr" anchorCtr="0">
-          <a:noAutofit/>
-        </a:bodyPr>
-        <a:lstStyle/>
-        <a:p>
-          <a:pPr lvl="0" algn="ctr" defTabSz="889000">
-            <a:lnSpc>
-              <a:spcPct val="90000"/>
-            </a:lnSpc>
-            <a:spcBef>
-              <a:spcPct val="0"/>
-            </a:spcBef>
-            <a:spcAft>
-              <a:spcPct val="35000"/>
-            </a:spcAft>
-          </a:pPr>
-          <a:r>
-            <a:rPr lang="es-PE" sz="2000" b="1" kern="1200" dirty="0" err="1" smtClean="0"/>
-            <a:t>Run</a:t>
-          </a:r>
-          <a:r>
-            <a:rPr lang="es-PE" sz="2000" b="1" kern="1200" dirty="0" smtClean="0"/>
-            <a:t> Test</a:t>
-          </a:r>
-          <a:endParaRPr lang="es-PE" sz="2000" b="1" kern="1200" dirty="0"/>
-        </a:p>
-      </dsp:txBody>
-      <dsp:txXfrm>
-        <a:off x="5082892" y="16090"/>
-        <a:ext cx="1090045" cy="726697"/>
-      </dsp:txXfrm>
-    </dsp:sp>
-    <dsp:sp modelId="{1DD64DFB-8EE0-41B5-B8F9-3F2D3C1A3C58}">
-      <dsp:nvSpPr>
-        <dsp:cNvPr id="0" name=""/>
-        <dsp:cNvSpPr/>
-      </dsp:nvSpPr>
-      <dsp:spPr>
-        <a:xfrm>
-          <a:off x="6172937" y="16090"/>
-          <a:ext cx="1816742" cy="726697"/>
-        </a:xfrm>
-        <a:prstGeom prst="chevron">
-          <a:avLst/>
-        </a:prstGeom>
-        <a:solidFill>
-          <a:schemeClr val="accent1">
-            <a:hueOff val="0"/>
-            <a:satOff val="0"/>
-            <a:lumOff val="0"/>
-            <a:alphaOff val="0"/>
-          </a:schemeClr>
-        </a:solidFill>
-        <a:ln w="25400" cap="flat" cmpd="sng" algn="ctr">
-          <a:solidFill>
-            <a:schemeClr val="lt1">
-              <a:hueOff val="0"/>
-              <a:satOff val="0"/>
-              <a:lumOff val="0"/>
-              <a:alphaOff val="0"/>
-            </a:schemeClr>
-          </a:solidFill>
-          <a:prstDash val="solid"/>
-        </a:ln>
-        <a:effectLst/>
-      </dsp:spPr>
-      <dsp:style>
-        <a:lnRef idx="2">
-          <a:scrgbClr r="0" g="0" b="0"/>
-        </a:lnRef>
-        <a:fillRef idx="1">
-          <a:scrgbClr r="0" g="0" b="0"/>
-        </a:fillRef>
-        <a:effectRef idx="0">
-          <a:scrgbClr r="0" g="0" b="0"/>
-        </a:effectRef>
-        <a:fontRef idx="minor">
-          <a:schemeClr val="lt1"/>
-        </a:fontRef>
-      </dsp:style>
-      <dsp:txBody>
-        <a:bodyPr spcFirstLastPara="0" vert="horz" wrap="square" lIns="80010" tIns="53340" rIns="26670" bIns="53340" numCol="1" spcCol="1270" anchor="ctr" anchorCtr="0">
-          <a:noAutofit/>
-        </a:bodyPr>
-        <a:lstStyle/>
-        <a:p>
-          <a:pPr lvl="0" algn="ctr" defTabSz="889000">
-            <a:lnSpc>
-              <a:spcPct val="90000"/>
-            </a:lnSpc>
-            <a:spcBef>
-              <a:spcPct val="0"/>
-            </a:spcBef>
-            <a:spcAft>
-              <a:spcPct val="35000"/>
-            </a:spcAft>
-          </a:pPr>
-          <a:r>
-            <a:rPr lang="es-PE" sz="2000" b="1" kern="1200" dirty="0" smtClean="0"/>
-            <a:t>….</a:t>
-          </a:r>
-          <a:endParaRPr lang="es-PE" sz="2000" b="1" kern="1200" dirty="0"/>
-        </a:p>
-      </dsp:txBody>
-      <dsp:txXfrm>
-        <a:off x="6536286" y="16090"/>
-        <a:ext cx="1090045" cy="726697"/>
-      </dsp:txXfrm>
-    </dsp:sp>
   </dsp:spTree>
 </dsp:drawing>
 </file>
@@ -3375,113 +2976,7 @@
           <a:bodyPr/>
           <a:lstStyle/>
           <a:p>
-            <a:r>
-              <a:rPr lang="en-US" i="1" dirty="0" err="1" smtClean="0"/>
-              <a:t>Imaginen</a:t>
-            </a:r>
-            <a:r>
-              <a:rPr lang="en-US" i="1" dirty="0" smtClean="0"/>
-              <a:t>…..</a:t>
-            </a:r>
-          </a:p>
-          <a:p>
-            <a:pPr fontAlgn="base"/>
-            <a:r>
-              <a:rPr lang="es-PE" sz="1200" b="0" i="0" kern="1200" dirty="0" smtClean="0">
-                <a:solidFill>
-                  <a:schemeClr val="tx1"/>
-                </a:solidFill>
-                <a:effectLst/>
-                <a:latin typeface="+mn-lt"/>
-                <a:ea typeface="+mn-ea"/>
-                <a:cs typeface="+mn-cs"/>
-              </a:rPr>
-              <a:t>¿Qué desarrollador de software nunca ha estado una semana programando a toda velocidad, casi sin saber que hace, ya que la fecha de entrega está cerca y todo tiene que estar terminado “para ayer”? ¿Quién no se ha encontrado en la situación de saber que está programando una chapuza, pensando que otro día lo mejorará, y ese día nunca llega? ¿Quién alguna vez, al ver una porción de código fuente no ha exclamado indignado: ¡qué narices hace este código! o ¡quién leches lo ha programado!?</a:t>
-            </a:r>
-          </a:p>
-          <a:p>
-            <a:pPr fontAlgn="base"/>
-            <a:r>
-              <a:rPr lang="es-PE" sz="1200" b="0" i="0" kern="1200" dirty="0" smtClean="0">
-                <a:solidFill>
-                  <a:schemeClr val="tx1"/>
-                </a:solidFill>
-                <a:effectLst/>
-                <a:latin typeface="+mn-lt"/>
-                <a:ea typeface="+mn-ea"/>
-                <a:cs typeface="+mn-cs"/>
-              </a:rPr>
-              <a:t>A todo este código lo solemos calificar como chapuzas, apaños, </a:t>
-            </a:r>
-            <a:r>
-              <a:rPr lang="es-PE" sz="1200" b="0" i="0" kern="1200" dirty="0" err="1" smtClean="0">
-                <a:solidFill>
-                  <a:schemeClr val="tx1"/>
-                </a:solidFill>
-                <a:effectLst/>
-                <a:latin typeface="+mn-lt"/>
-                <a:ea typeface="+mn-ea"/>
-                <a:cs typeface="+mn-cs"/>
-              </a:rPr>
-              <a:t>ñapas</a:t>
-            </a:r>
-            <a:r>
-              <a:rPr lang="es-PE" sz="1200" b="0" i="0" kern="1200" dirty="0" smtClean="0">
-                <a:solidFill>
-                  <a:schemeClr val="tx1"/>
-                </a:solidFill>
-                <a:effectLst/>
-                <a:latin typeface="+mn-lt"/>
-                <a:ea typeface="+mn-ea"/>
-                <a:cs typeface="+mn-cs"/>
-              </a:rPr>
-              <a:t>, mierdecillas… Su problema es que, por lo general, se va extendiendo de forma exponencial y acumulándose a lo largo del desarrollo de un proyecto. Y en consecuencia tenemos como resultado un código fuente que es muy difícil de mantener, extender y reutilizar; y un aplicativo que funcionalmente tiene problemas.</a:t>
-            </a:r>
-          </a:p>
-          <a:p>
-            <a:endParaRPr lang="en-US" i="1" dirty="0" smtClean="0"/>
-          </a:p>
-          <a:p>
-            <a:endParaRPr lang="en-US" i="1" dirty="0" smtClean="0"/>
-          </a:p>
-          <a:p>
-            <a:r>
-              <a:rPr lang="en-US" i="1" dirty="0" smtClean="0"/>
-              <a:t>In this metaphor, doing things the quick and dirty way sets us up with a technical debt, which is similar to a financial debt. Like a financial debt, the technical debt incurs interest payments, which come in the form of the extra effort that we have to do in future development because of the quick and dirty design choice. We can choose to continue paying the interest, or we can pay down the principal by refactoring the quick and dirty design into the better design. Although it costs to pay down the principal, we gain by reduced interest payments in the future.</a:t>
-            </a:r>
-          </a:p>
-          <a:p>
-            <a:endParaRPr lang="en-US" i="1" dirty="0" smtClean="0"/>
-          </a:p>
-          <a:p>
-            <a:r>
-              <a:rPr lang="en-US" i="1" dirty="0" smtClean="0"/>
-              <a:t>You have a piece of functionality that you need to add to your system. You see two ways to do it, one is quick to do but is messy - you are sure that it will make further changes harder in the future. The other results in a cleaner design, but will take longer to put in place.</a:t>
-            </a:r>
-          </a:p>
-          <a:p>
-            <a:endParaRPr lang="en-US" i="1" dirty="0" smtClean="0"/>
-          </a:p>
-          <a:p>
-            <a:r>
-              <a:rPr lang="en-US" i="1" dirty="0" smtClean="0"/>
-              <a:t>Technical Debt is a wonderful metaphor developed by Ward Cunningham to help us think about this problem. In this metaphor, doing things the quick and dirty way sets us up with a technical debt, which is similar to a financial debt. Like a financial debt, the technical debt incurs interest payments, which come in the form of the extra effort that we have to do in future development because of the quick and dirty design choice. We can choose to continue paying the interest, or we can pay down the principal by refactoring the quick and dirty design into the better design. Although it costs to pay down the principal, we gain by reduced interest payments in the future.</a:t>
-            </a:r>
-          </a:p>
-          <a:p>
-            <a:endParaRPr lang="en-US" i="1" dirty="0" smtClean="0"/>
-          </a:p>
-          <a:p>
-            <a:r>
-              <a:rPr lang="en-US" i="1" dirty="0" smtClean="0"/>
-              <a:t>The metaphor also explains why it may be sensible to do the quick and dirty approach. Just as a business incurs some debt to take advantage of a market opportunity developers may incur technical debt to hit an important deadline. The all too common problem is that development organizations let their debt get out of control and spend most of their future development effort paying crippling interest payments.</a:t>
-            </a:r>
-          </a:p>
-          <a:p>
-            <a:endParaRPr lang="en-US" i="1" dirty="0" smtClean="0"/>
-          </a:p>
-          <a:p>
-            <a:endParaRPr lang="en-US" dirty="0"/>
+            <a:endParaRPr lang="es-PE" dirty="0"/>
           </a:p>
         </p:txBody>
       </p:sp>
@@ -3500,7 +2995,7 @@
           <a:bodyPr/>
           <a:lstStyle/>
           <a:p>
-            <a:fld id="{96DE5A63-0F1F-4DC0-ADE0-CC17EBA6F230}" type="slidenum">
+            <a:fld id="{80C14895-23C8-45AE-85D5-3B35E5980A68}" type="slidenum">
               <a:rPr lang="es-PE" smtClean="0"/>
               <a:t>2</a:t>
             </a:fld>
@@ -3511,7 +3006,7 @@
     </p:spTree>
     <p:extLst>
       <p:ext uri="{BB962C8B-B14F-4D97-AF65-F5344CB8AC3E}">
-        <p14:creationId xmlns:p14="http://schemas.microsoft.com/office/powerpoint/2010/main" val="3614550747"/>
+        <p14:creationId xmlns:p14="http://schemas.microsoft.com/office/powerpoint/2010/main" val="3432092158"/>
       </p:ext>
     </p:extLst>
   </p:cSld>
@@ -3565,15 +3060,7 @@
           <a:bodyPr/>
           <a:lstStyle/>
           <a:p>
-            <a:r>
-              <a:rPr lang="es-PE" dirty="0" smtClean="0"/>
-              <a:t>Nos juntamos en grupos,</a:t>
-            </a:r>
-            <a:r>
-              <a:rPr lang="es-PE" baseline="0" dirty="0" smtClean="0"/>
-              <a:t> cada pareja comparte el significado </a:t>
-            </a:r>
-            <a:endParaRPr lang="es-PE" dirty="0"/>
+            <a:endParaRPr lang="es-PE"/>
           </a:p>
         </p:txBody>
       </p:sp>
@@ -3594,7 +3081,7 @@
           <a:p>
             <a:fld id="{80C14895-23C8-45AE-85D5-3B35E5980A68}" type="slidenum">
               <a:rPr lang="es-PE" smtClean="0"/>
-              <a:t>25</a:t>
+              <a:t>21</a:t>
             </a:fld>
             <a:endParaRPr lang="es-PE"/>
           </a:p>
@@ -3603,7 +3090,7 @@
     </p:spTree>
     <p:extLst>
       <p:ext uri="{BB962C8B-B14F-4D97-AF65-F5344CB8AC3E}">
-        <p14:creationId xmlns:p14="http://schemas.microsoft.com/office/powerpoint/2010/main" val="3432092158"/>
+        <p14:creationId xmlns:p14="http://schemas.microsoft.com/office/powerpoint/2010/main" val="3291725310"/>
       </p:ext>
     </p:extLst>
   </p:cSld>
@@ -3749,6 +3236,14 @@
           <a:bodyPr/>
           <a:lstStyle/>
           <a:p>
+            <a:r>
+              <a:rPr lang="es-PE" dirty="0" smtClean="0"/>
+              <a:t>Nos juntamos en grupos,</a:t>
+            </a:r>
+            <a:r>
+              <a:rPr lang="es-PE" baseline="0" dirty="0" smtClean="0"/>
+              <a:t> cada pareja comparte el significado </a:t>
+            </a:r>
             <a:endParaRPr lang="es-PE" dirty="0"/>
           </a:p>
         </p:txBody>
@@ -3833,29 +3328,6 @@
           <a:bodyPr/>
           <a:lstStyle/>
           <a:p>
-            <a:pPr marL="0" marR="0" indent="0" algn="l" defTabSz="914400" rtl="0" eaLnBrk="1" fontAlgn="auto" latinLnBrk="0" hangingPunct="1">
-              <a:lnSpc>
-                <a:spcPct val="100000"/>
-              </a:lnSpc>
-              <a:spcBef>
-                <a:spcPts val="0"/>
-              </a:spcBef>
-              <a:spcAft>
-                <a:spcPts val="0"/>
-              </a:spcAft>
-              <a:buClrTx/>
-              <a:buSzTx/>
-              <a:buFontTx/>
-              <a:buNone/>
-              <a:tabLst/>
-              <a:defRPr/>
-            </a:pPr>
-            <a:r>
-              <a:rPr lang="es-PE" sz="1200" dirty="0" smtClean="0"/>
-              <a:t>Recordar que en un enfoque ágil entregamos valor de manera constante.</a:t>
-            </a:r>
-          </a:p>
-          <a:p>
             <a:endParaRPr lang="es-PE" dirty="0"/>
           </a:p>
         </p:txBody>
@@ -3877,7 +3349,7 @@
           <a:p>
             <a:fld id="{80C14895-23C8-45AE-85D5-3B35E5980A68}" type="slidenum">
               <a:rPr lang="es-PE" smtClean="0"/>
-              <a:t>31</a:t>
+              <a:t>28</a:t>
             </a:fld>
             <a:endParaRPr lang="es-PE"/>
           </a:p>
@@ -3886,7 +3358,7 @@
     </p:spTree>
     <p:extLst>
       <p:ext uri="{BB962C8B-B14F-4D97-AF65-F5344CB8AC3E}">
-        <p14:creationId xmlns:p14="http://schemas.microsoft.com/office/powerpoint/2010/main" val="2610960858"/>
+        <p14:creationId xmlns:p14="http://schemas.microsoft.com/office/powerpoint/2010/main" val="3432092158"/>
       </p:ext>
     </p:extLst>
   </p:cSld>
@@ -3940,10 +3412,29 @@
           <a:bodyPr/>
           <a:lstStyle/>
           <a:p>
-            <a:r>
-              <a:rPr lang="es-PE" dirty="0" smtClean="0"/>
-              <a:t>Qué nos motiva a mejorar el código.</a:t>
-            </a:r>
+            <a:pPr marL="0" marR="0" indent="0" algn="l" defTabSz="914400" rtl="0" eaLnBrk="1" fontAlgn="auto" latinLnBrk="0" hangingPunct="1">
+              <a:lnSpc>
+                <a:spcPct val="100000"/>
+              </a:lnSpc>
+              <a:spcBef>
+                <a:spcPts val="0"/>
+              </a:spcBef>
+              <a:spcAft>
+                <a:spcPts val="0"/>
+              </a:spcAft>
+              <a:buClrTx/>
+              <a:buSzTx/>
+              <a:buFontTx/>
+              <a:buNone/>
+              <a:tabLst/>
+              <a:defRPr/>
+            </a:pPr>
+            <a:r>
+              <a:rPr lang="es-PE" sz="1200" dirty="0" smtClean="0"/>
+              <a:t>Recordar que en un enfoque ágil entregamos valor de manera constante.</a:t>
+            </a:r>
+          </a:p>
+          <a:p>
             <a:endParaRPr lang="es-PE" dirty="0"/>
           </a:p>
         </p:txBody>
@@ -3974,7 +3465,7 @@
     </p:spTree>
     <p:extLst>
       <p:ext uri="{BB962C8B-B14F-4D97-AF65-F5344CB8AC3E}">
-        <p14:creationId xmlns:p14="http://schemas.microsoft.com/office/powerpoint/2010/main" val="3098316260"/>
+        <p14:creationId xmlns:p14="http://schemas.microsoft.com/office/powerpoint/2010/main" val="2610960858"/>
       </p:ext>
     </p:extLst>
   </p:cSld>
@@ -4028,101 +3519,10 @@
           <a:bodyPr/>
           <a:lstStyle/>
           <a:p>
-            <a:pPr fontAlgn="base"/>
-            <a:r>
-              <a:rPr lang="en-US" sz="1200" b="0" i="0" kern="1200" dirty="0" smtClean="0">
-                <a:solidFill>
-                  <a:schemeClr val="tx1"/>
-                </a:solidFill>
-                <a:effectLst/>
-                <a:latin typeface="+mn-lt"/>
-                <a:ea typeface="+mn-ea"/>
-                <a:cs typeface="+mn-cs"/>
-              </a:rPr>
-              <a:t>Extract Method is one of the most common </a:t>
-            </a:r>
-            <a:r>
-              <a:rPr lang="en-US" sz="1200" b="0" i="0" kern="1200" dirty="0" err="1" smtClean="0">
-                <a:solidFill>
-                  <a:schemeClr val="tx1"/>
-                </a:solidFill>
-                <a:effectLst/>
-                <a:latin typeface="+mn-lt"/>
-                <a:ea typeface="+mn-ea"/>
-                <a:cs typeface="+mn-cs"/>
-              </a:rPr>
-              <a:t>refactorings</a:t>
-            </a:r>
-            <a:r>
-              <a:rPr lang="en-US" sz="1200" b="0" i="0" kern="1200" dirty="0" smtClean="0">
-                <a:solidFill>
-                  <a:schemeClr val="tx1"/>
-                </a:solidFill>
-                <a:effectLst/>
-                <a:latin typeface="+mn-lt"/>
-                <a:ea typeface="+mn-ea"/>
-                <a:cs typeface="+mn-cs"/>
-              </a:rPr>
-              <a:t> I do. I look at a method that is too long or look at code that needs a comment to understand its purpose. I then turn that fragment of code into its own method.</a:t>
-            </a:r>
-          </a:p>
-          <a:p>
-            <a:pPr fontAlgn="base"/>
-            <a:r>
-              <a:rPr lang="en-US" sz="1200" b="0" i="0" u="none" strike="noStrike" kern="1200" dirty="0" smtClean="0">
-                <a:solidFill>
-                  <a:schemeClr val="tx1"/>
-                </a:solidFill>
-                <a:effectLst/>
-                <a:latin typeface="+mn-lt"/>
-                <a:ea typeface="+mn-ea"/>
-                <a:cs typeface="+mn-cs"/>
-                <a:hlinkClick r:id="rId3" tooltip="Permalink to this place"/>
-              </a:rPr>
-              <a:t>06</a:t>
-            </a:r>
-            <a:r>
-              <a:rPr lang="en-US" sz="1200" b="0" i="0" kern="1200" dirty="0" smtClean="0">
-                <a:solidFill>
-                  <a:schemeClr val="tx1"/>
-                </a:solidFill>
-                <a:effectLst/>
-                <a:latin typeface="+mn-lt"/>
-                <a:ea typeface="+mn-ea"/>
-                <a:cs typeface="+mn-cs"/>
-              </a:rPr>
-              <a:t>I prefer short, well-named methods for several reasons. First, it increases the chances that other methods can use a method when the method is finely grained. Second, it allows the higher-level methods to read more like a series of comments. Overriding also is easier when the methods are finely grained.</a:t>
-            </a:r>
-          </a:p>
-          <a:p>
-            <a:pPr fontAlgn="base"/>
-            <a:r>
-              <a:rPr lang="en-US" sz="1200" b="0" i="0" u="none" strike="noStrike" kern="1200" dirty="0" smtClean="0">
-                <a:solidFill>
-                  <a:schemeClr val="tx1"/>
-                </a:solidFill>
-                <a:effectLst/>
-                <a:latin typeface="+mn-lt"/>
-                <a:ea typeface="+mn-ea"/>
-                <a:cs typeface="+mn-cs"/>
-                <a:hlinkClick r:id="rId3" tooltip="Permalink to this place"/>
-              </a:rPr>
-              <a:t>07</a:t>
-            </a:r>
-            <a:r>
-              <a:rPr lang="en-US" sz="1200" b="0" i="0" kern="1200" dirty="0" smtClean="0">
-                <a:solidFill>
-                  <a:schemeClr val="tx1"/>
-                </a:solidFill>
-                <a:effectLst/>
-                <a:latin typeface="+mn-lt"/>
-                <a:ea typeface="+mn-ea"/>
-                <a:cs typeface="+mn-cs"/>
-              </a:rPr>
-              <a:t>It does take a little getting used to if you are used to seeing larger methods. And small methods really work only when you have good names, so you need to pay attention to naming. People sometimes ask me what length I look for in a method. To me length is not the issue. The key is the semantic distance between the method name and the method body. If extracting improves clarity, do it, even if the name is longer than the code you have extracted.</a:t>
-            </a:r>
-          </a:p>
-          <a:p>
+            <a:r>
+              <a:rPr lang="es-PE" dirty="0" smtClean="0"/>
+              <a:t>Qué nos motiva a mejorar el código.</a:t>
+            </a:r>
             <a:endParaRPr lang="es-PE" dirty="0"/>
           </a:p>
         </p:txBody>
@@ -4144,7 +3544,7 @@
           <a:p>
             <a:fld id="{80C14895-23C8-45AE-85D5-3B35E5980A68}" type="slidenum">
               <a:rPr lang="es-PE" smtClean="0"/>
-              <a:t>34</a:t>
+              <a:t>33</a:t>
             </a:fld>
             <a:endParaRPr lang="es-PE"/>
           </a:p>
@@ -4153,7 +3553,7 @@
     </p:spTree>
     <p:extLst>
       <p:ext uri="{BB962C8B-B14F-4D97-AF65-F5344CB8AC3E}">
-        <p14:creationId xmlns:p14="http://schemas.microsoft.com/office/powerpoint/2010/main" val="3335069799"/>
+        <p14:creationId xmlns:p14="http://schemas.microsoft.com/office/powerpoint/2010/main" val="3098316260"/>
       </p:ext>
     </p:extLst>
   </p:cSld>
@@ -4218,7 +3618,31 @@
                 <a:ea typeface="+mn-ea"/>
                 <a:cs typeface="+mn-cs"/>
               </a:rPr>
-              <a:t>An important part of the code style I am advocating is small methods to factor complex processes. Done badly, this can lead you on a merry dance to find out what all the little methods do. The key to avoiding this merry dance is naming the methods. Methods should be named in a way that communicates their intention. A good way to do this is to think what the comment for the method would be and turn that comment into the name of the method.</a:t>
+              <a:t>Extract Method is one of the most common </a:t>
+            </a:r>
+            <a:r>
+              <a:rPr lang="en-US" sz="1200" b="0" i="0" kern="1200" dirty="0" err="1" smtClean="0">
+                <a:solidFill>
+                  <a:schemeClr val="tx1"/>
+                </a:solidFill>
+                <a:effectLst/>
+                <a:latin typeface="+mn-lt"/>
+                <a:ea typeface="+mn-ea"/>
+                <a:cs typeface="+mn-cs"/>
+              </a:rPr>
+              <a:t>refactorings</a:t>
+            </a:r>
+            <a:r>
+              <a:rPr lang="en-US" sz="1200" b="0" i="0" kern="1200" dirty="0" smtClean="0">
+                <a:solidFill>
+                  <a:schemeClr val="tx1"/>
+                </a:solidFill>
+                <a:effectLst/>
+                <a:latin typeface="+mn-lt"/>
+                <a:ea typeface="+mn-ea"/>
+                <a:cs typeface="+mn-cs"/>
+              </a:rPr>
+              <a:t> I do. I look at a method that is too long or look at code that needs a comment to understand its purpose. I then turn that fragment of code into its own method.</a:t>
             </a:r>
           </a:p>
           <a:p>
@@ -4234,7 +3658,7 @@
                 <a:cs typeface="+mn-cs"/>
                 <a:hlinkClick r:id="rId3" tooltip="Permalink to this place"/>
               </a:rPr>
-              <a:t>04</a:t>
+              <a:t>06</a:t>
             </a:r>
             <a:r>
               <a:rPr lang="en-US" sz="1200" b="0" i="0" kern="1200" dirty="0" smtClean="0">
@@ -4246,10 +3670,13 @@
                 <a:ea typeface="+mn-ea"/>
                 <a:cs typeface="+mn-cs"/>
               </a:rPr>
-              <a:t>Life being what it is, you won’t get your names right the first time. In this situation you may well be tempted to leave it—after all it’s only a name. That is the work of the evil demon </a:t>
-            </a:r>
-            <a:r>
-              <a:rPr lang="en-US" sz="1200" b="0" i="1" kern="1200" dirty="0" err="1" smtClean="0">
+              <a:t>I prefer short, well-named methods for several reasons. First, it increases the chances that other methods can use a method when the method is finely grained. Second, it allows the higher-level methods to read more like a series of comments. Overriding also is easier when the methods are finely grained.</a:t>
+            </a:r>
+          </a:p>
+          <a:p>
+            <a:pPr fontAlgn="base"/>
+            <a:r>
+              <a:rPr lang="en-US" sz="1200" b="0" i="0" u="none" strike="noStrike" kern="1200" dirty="0" smtClean="0">
                 <a:solidFill>
                   <a:schemeClr val="tx1"/>
                 </a:solidFill>
@@ -4257,11 +3684,12 @@
                 <a:latin typeface="+mn-lt"/>
                 <a:ea typeface="+mn-ea"/>
                 <a:cs typeface="+mn-cs"/>
-              </a:rPr>
-              <a:t>Obfuscatis</a:t>
-            </a:r>
-            <a:r>
-              <a:rPr lang="en-US" sz="1200" b="0" i="1" kern="1200" dirty="0" smtClean="0">
+                <a:hlinkClick r:id="rId3" tooltip="Permalink to this place"/>
+              </a:rPr>
+              <a:t>07</a:t>
+            </a:r>
+            <a:r>
+              <a:rPr lang="en-US" sz="1200" b="0" i="0" kern="1200" dirty="0" smtClean="0">
                 <a:solidFill>
                   <a:schemeClr val="tx1"/>
                 </a:solidFill>
@@ -4270,19 +3698,7 @@
                 <a:ea typeface="+mn-ea"/>
                 <a:cs typeface="+mn-cs"/>
               </a:rPr>
-              <a:t>;</a:t>
-            </a:r>
-            <a:r>
-              <a:rPr lang="en-US" sz="1200" b="0" i="0" kern="1200" dirty="0" smtClean="0">
-                <a:solidFill>
-                  <a:schemeClr val="tx1"/>
-                </a:solidFill>
-                <a:effectLst/>
-                <a:latin typeface="+mn-lt"/>
-                <a:ea typeface="+mn-ea"/>
-                <a:cs typeface="+mn-cs"/>
-              </a:rPr>
-              <a:t> don’t listen to him. If you see a badly named method, it is imperative that you change it. Remember your code is for a human first and a computer second. Humans need good names. Take note of when you have spent ages trying to do something that would have been easier if a couple of methods had been better named. Good naming is a skill that requires practice; improving this skill is the key to being a truly skillful programmer. </a:t>
+              <a:t>It does take a little getting used to if you are used to seeing larger methods. And small methods really work only when you have good names, so you need to pay attention to naming. People sometimes ask me what length I look for in a method. To me length is not the issue. The key is the semantic distance between the method name and the method body. If extracting improves clarity, do it, even if the name is longer than the code you have extracted.</a:t>
             </a:r>
           </a:p>
           <a:p>
@@ -4370,6 +3786,85 @@
           <a:bodyPr/>
           <a:lstStyle/>
           <a:p>
+            <a:pPr fontAlgn="base"/>
+            <a:r>
+              <a:rPr lang="en-US" sz="1200" b="0" i="0" kern="1200" dirty="0" smtClean="0">
+                <a:solidFill>
+                  <a:schemeClr val="tx1"/>
+                </a:solidFill>
+                <a:effectLst/>
+                <a:latin typeface="+mn-lt"/>
+                <a:ea typeface="+mn-ea"/>
+                <a:cs typeface="+mn-cs"/>
+              </a:rPr>
+              <a:t>An important part of the code style I am advocating is small methods to factor complex processes. Done badly, this can lead you on a merry dance to find out what all the little methods do. The key to avoiding this merry dance is naming the methods. Methods should be named in a way that communicates their intention. A good way to do this is to think what the comment for the method would be and turn that comment into the name of the method.</a:t>
+            </a:r>
+          </a:p>
+          <a:p>
+            <a:pPr fontAlgn="base"/>
+            <a:r>
+              <a:rPr lang="en-US" sz="1200" b="0" i="0" u="none" strike="noStrike" kern="1200" dirty="0" smtClean="0">
+                <a:solidFill>
+                  <a:schemeClr val="tx1"/>
+                </a:solidFill>
+                <a:effectLst/>
+                <a:latin typeface="+mn-lt"/>
+                <a:ea typeface="+mn-ea"/>
+                <a:cs typeface="+mn-cs"/>
+                <a:hlinkClick r:id="rId3" tooltip="Permalink to this place"/>
+              </a:rPr>
+              <a:t>04</a:t>
+            </a:r>
+            <a:r>
+              <a:rPr lang="en-US" sz="1200" b="0" i="0" kern="1200" dirty="0" smtClean="0">
+                <a:solidFill>
+                  <a:schemeClr val="tx1"/>
+                </a:solidFill>
+                <a:effectLst/>
+                <a:latin typeface="+mn-lt"/>
+                <a:ea typeface="+mn-ea"/>
+                <a:cs typeface="+mn-cs"/>
+              </a:rPr>
+              <a:t>Life being what it is, you won’t get your names right the first time. In this situation you may well be tempted to leave it—after all it’s only a name. That is the work of the evil demon </a:t>
+            </a:r>
+            <a:r>
+              <a:rPr lang="en-US" sz="1200" b="0" i="1" kern="1200" dirty="0" err="1" smtClean="0">
+                <a:solidFill>
+                  <a:schemeClr val="tx1"/>
+                </a:solidFill>
+                <a:effectLst/>
+                <a:latin typeface="+mn-lt"/>
+                <a:ea typeface="+mn-ea"/>
+                <a:cs typeface="+mn-cs"/>
+              </a:rPr>
+              <a:t>Obfuscatis</a:t>
+            </a:r>
+            <a:r>
+              <a:rPr lang="en-US" sz="1200" b="0" i="1" kern="1200" dirty="0" smtClean="0">
+                <a:solidFill>
+                  <a:schemeClr val="tx1"/>
+                </a:solidFill>
+                <a:effectLst/>
+                <a:latin typeface="+mn-lt"/>
+                <a:ea typeface="+mn-ea"/>
+                <a:cs typeface="+mn-cs"/>
+              </a:rPr>
+              <a:t>;</a:t>
+            </a:r>
+            <a:r>
+              <a:rPr lang="en-US" sz="1200" b="0" i="0" kern="1200" dirty="0" smtClean="0">
+                <a:solidFill>
+                  <a:schemeClr val="tx1"/>
+                </a:solidFill>
+                <a:effectLst/>
+                <a:latin typeface="+mn-lt"/>
+                <a:ea typeface="+mn-ea"/>
+                <a:cs typeface="+mn-cs"/>
+              </a:rPr>
+              <a:t> don’t listen to him. If you see a badly named method, it is imperative that you change it. Remember your code is for a human first and a computer second. Humans need good names. Take note of when you have spent ages trying to do something that would have been easier if a couple of methods had been better named. Good naming is a skill that requires practice; improving this skill is the key to being a truly skillful programmer. </a:t>
+            </a:r>
+          </a:p>
+          <a:p>
             <a:endParaRPr lang="es-PE" dirty="0"/>
           </a:p>
         </p:txBody>
@@ -4400,7 +3895,7 @@
     </p:spTree>
     <p:extLst>
       <p:ext uri="{BB962C8B-B14F-4D97-AF65-F5344CB8AC3E}">
-        <p14:creationId xmlns:p14="http://schemas.microsoft.com/office/powerpoint/2010/main" val="3432092158"/>
+        <p14:creationId xmlns:p14="http://schemas.microsoft.com/office/powerpoint/2010/main" val="3335069799"/>
       </p:ext>
     </p:extLst>
   </p:cSld>
@@ -4622,11 +4117,113 @@
           <a:bodyPr/>
           <a:lstStyle/>
           <a:p>
-            <a:pPr marL="0" indent="0">
-              <a:buFont typeface="Arial" pitchFamily="34" charset="0"/>
-              <a:buNone/>
-            </a:pPr>
-            <a:endParaRPr lang="es-PE" sz="1200" dirty="0" smtClean="0"/>
+            <a:r>
+              <a:rPr lang="en-US" i="1" dirty="0" err="1" smtClean="0"/>
+              <a:t>Imaginen</a:t>
+            </a:r>
+            <a:r>
+              <a:rPr lang="en-US" i="1" dirty="0" smtClean="0"/>
+              <a:t>…..</a:t>
+            </a:r>
+          </a:p>
+          <a:p>
+            <a:pPr fontAlgn="base"/>
+            <a:r>
+              <a:rPr lang="es-PE" sz="1200" b="0" i="0" kern="1200" dirty="0" smtClean="0">
+                <a:solidFill>
+                  <a:schemeClr val="tx1"/>
+                </a:solidFill>
+                <a:effectLst/>
+                <a:latin typeface="+mn-lt"/>
+                <a:ea typeface="+mn-ea"/>
+                <a:cs typeface="+mn-cs"/>
+              </a:rPr>
+              <a:t>¿Qué desarrollador de software nunca ha estado una semana programando a toda velocidad, casi sin saber que hace, ya que la fecha de entrega está cerca y todo tiene que estar terminado “para ayer”? ¿Quién no se ha encontrado en la situación de saber que está programando una chapuza, pensando que otro día lo mejorará, y ese día nunca llega? ¿Quién alguna vez, al ver una porción de código fuente no ha exclamado indignado: ¡qué narices hace este código! o ¡quién leches lo ha programado!?</a:t>
+            </a:r>
+          </a:p>
+          <a:p>
+            <a:pPr fontAlgn="base"/>
+            <a:r>
+              <a:rPr lang="es-PE" sz="1200" b="0" i="0" kern="1200" dirty="0" smtClean="0">
+                <a:solidFill>
+                  <a:schemeClr val="tx1"/>
+                </a:solidFill>
+                <a:effectLst/>
+                <a:latin typeface="+mn-lt"/>
+                <a:ea typeface="+mn-ea"/>
+                <a:cs typeface="+mn-cs"/>
+              </a:rPr>
+              <a:t>A todo este código lo solemos calificar como chapuzas, apaños, </a:t>
+            </a:r>
+            <a:r>
+              <a:rPr lang="es-PE" sz="1200" b="0" i="0" kern="1200" dirty="0" err="1" smtClean="0">
+                <a:solidFill>
+                  <a:schemeClr val="tx1"/>
+                </a:solidFill>
+                <a:effectLst/>
+                <a:latin typeface="+mn-lt"/>
+                <a:ea typeface="+mn-ea"/>
+                <a:cs typeface="+mn-cs"/>
+              </a:rPr>
+              <a:t>ñapas</a:t>
+            </a:r>
+            <a:r>
+              <a:rPr lang="es-PE" sz="1200" b="0" i="0" kern="1200" dirty="0" smtClean="0">
+                <a:solidFill>
+                  <a:schemeClr val="tx1"/>
+                </a:solidFill>
+                <a:effectLst/>
+                <a:latin typeface="+mn-lt"/>
+                <a:ea typeface="+mn-ea"/>
+                <a:cs typeface="+mn-cs"/>
+              </a:rPr>
+              <a:t>, mierdecillas… Su problema es que, por lo general, se va extendiendo de forma exponencial y acumulándose a lo largo del desarrollo de un proyecto. Y en consecuencia tenemos como resultado un código fuente que es muy difícil de mantener, extender y reutilizar; y un aplicativo que funcionalmente tiene problemas.</a:t>
+            </a:r>
+          </a:p>
+          <a:p>
+            <a:endParaRPr lang="en-US" i="1" dirty="0" smtClean="0"/>
+          </a:p>
+          <a:p>
+            <a:endParaRPr lang="en-US" i="1" dirty="0" smtClean="0"/>
+          </a:p>
+          <a:p>
+            <a:r>
+              <a:rPr lang="en-US" i="1" dirty="0" smtClean="0"/>
+              <a:t>In this metaphor, doing things the quick and dirty way sets us up with a technical debt, which is similar to a financial debt. Like a financial debt, the technical debt incurs interest payments, which come in the form of the extra effort that we have to do in future development because of the quick and dirty design choice. We can choose to continue paying the interest, or we can pay down the principal by refactoring the quick and dirty design into the better design. Although it costs to pay down the principal, we gain by reduced interest payments in the future.</a:t>
+            </a:r>
+          </a:p>
+          <a:p>
+            <a:endParaRPr lang="en-US" i="1" dirty="0" smtClean="0"/>
+          </a:p>
+          <a:p>
+            <a:r>
+              <a:rPr lang="en-US" i="1" dirty="0" smtClean="0"/>
+              <a:t>You have a piece of functionality that you need to add to your system. You see two ways to do it, one is quick to do but is messy - you are sure that it will make further changes harder in the future. The other results in a cleaner design, but will take longer to put in place.</a:t>
+            </a:r>
+          </a:p>
+          <a:p>
+            <a:endParaRPr lang="en-US" i="1" dirty="0" smtClean="0"/>
+          </a:p>
+          <a:p>
+            <a:r>
+              <a:rPr lang="en-US" i="1" dirty="0" smtClean="0"/>
+              <a:t>Technical Debt is a wonderful metaphor developed by Ward Cunningham to help us think about this problem. In this metaphor, doing things the quick and dirty way sets us up with a technical debt, which is similar to a financial debt. Like a financial debt, the technical debt incurs interest payments, which come in the form of the extra effort that we have to do in future development because of the quick and dirty design choice. We can choose to continue paying the interest, or we can pay down the principal by refactoring the quick and dirty design into the better design. Although it costs to pay down the principal, we gain by reduced interest payments in the future.</a:t>
+            </a:r>
+          </a:p>
+          <a:p>
+            <a:endParaRPr lang="en-US" i="1" dirty="0" smtClean="0"/>
+          </a:p>
+          <a:p>
+            <a:r>
+              <a:rPr lang="en-US" i="1" dirty="0" smtClean="0"/>
+              <a:t>The metaphor also explains why it may be sensible to do the quick and dirty approach. Just as a business incurs some debt to take advantage of a market opportunity developers may incur technical debt to hit an important deadline. The all too common problem is that development organizations let their debt get out of control and spend most of their future development effort paying crippling interest payments.</a:t>
+            </a:r>
+          </a:p>
+          <a:p>
+            <a:endParaRPr lang="en-US" i="1" dirty="0" smtClean="0"/>
+          </a:p>
+          <a:p>
+            <a:endParaRPr lang="en-US" dirty="0"/>
           </a:p>
         </p:txBody>
       </p:sp>
@@ -4918,6 +4515,90 @@
 </p:notes>
 </file>
 
+<file path=ppt/notesSlides/notesSlide23.xml><?xml version="1.0" encoding="utf-8"?>
+<p:notes xmlns:a="http://schemas.openxmlformats.org/drawingml/2006/main" xmlns:r="http://schemas.openxmlformats.org/officeDocument/2006/relationships" xmlns:p="http://schemas.openxmlformats.org/presentationml/2006/main">
+  <p:cSld>
+    <p:spTree>
+      <p:nvGrpSpPr>
+        <p:cNvPr id="1" name=""/>
+        <p:cNvGrpSpPr/>
+        <p:nvPr/>
+      </p:nvGrpSpPr>
+      <p:grpSpPr>
+        <a:xfrm>
+          <a:off x="0" y="0"/>
+          <a:ext cx="0" cy="0"/>
+          <a:chOff x="0" y="0"/>
+          <a:chExt cx="0" cy="0"/>
+        </a:xfrm>
+      </p:grpSpPr>
+      <p:sp>
+        <p:nvSpPr>
+          <p:cNvPr id="2" name="1 Marcador de imagen de diapositiva"/>
+          <p:cNvSpPr>
+            <a:spLocks noGrp="1" noRot="1" noChangeAspect="1"/>
+          </p:cNvSpPr>
+          <p:nvPr>
+            <p:ph type="sldImg"/>
+          </p:nvPr>
+        </p:nvSpPr>
+        <p:spPr/>
+      </p:sp>
+      <p:sp>
+        <p:nvSpPr>
+          <p:cNvPr id="3" name="2 Marcador de notas"/>
+          <p:cNvSpPr>
+            <a:spLocks noGrp="1"/>
+          </p:cNvSpPr>
+          <p:nvPr>
+            <p:ph type="body" idx="1"/>
+          </p:nvPr>
+        </p:nvSpPr>
+        <p:spPr/>
+        <p:txBody>
+          <a:bodyPr/>
+          <a:lstStyle/>
+          <a:p>
+            <a:endParaRPr lang="es-PE" dirty="0"/>
+          </a:p>
+        </p:txBody>
+      </p:sp>
+      <p:sp>
+        <p:nvSpPr>
+          <p:cNvPr id="4" name="3 Marcador de número de diapositiva"/>
+          <p:cNvSpPr>
+            <a:spLocks noGrp="1"/>
+          </p:cNvSpPr>
+          <p:nvPr>
+            <p:ph type="sldNum" sz="quarter" idx="10"/>
+          </p:nvPr>
+        </p:nvSpPr>
+        <p:spPr/>
+        <p:txBody>
+          <a:bodyPr/>
+          <a:lstStyle/>
+          <a:p>
+            <a:fld id="{80C14895-23C8-45AE-85D5-3B35E5980A68}" type="slidenum">
+              <a:rPr lang="es-PE" smtClean="0"/>
+              <a:t>42</a:t>
+            </a:fld>
+            <a:endParaRPr lang="es-PE"/>
+          </a:p>
+        </p:txBody>
+      </p:sp>
+    </p:spTree>
+    <p:extLst>
+      <p:ext uri="{BB962C8B-B14F-4D97-AF65-F5344CB8AC3E}">
+        <p14:creationId xmlns:p14="http://schemas.microsoft.com/office/powerpoint/2010/main" val="3432092158"/>
+      </p:ext>
+    </p:extLst>
+  </p:cSld>
+  <p:clrMapOvr>
+    <a:masterClrMapping/>
+  </p:clrMapOvr>
+</p:notes>
+</file>
+
 <file path=ppt/notesSlides/notesSlide3.xml><?xml version="1.0" encoding="utf-8"?>
 <p:notes xmlns:a="http://schemas.openxmlformats.org/drawingml/2006/main" xmlns:r="http://schemas.openxmlformats.org/officeDocument/2006/relationships" xmlns:p="http://schemas.openxmlformats.org/presentationml/2006/main">
   <p:cSld>
@@ -4962,19 +4643,11 @@
           <a:bodyPr/>
           <a:lstStyle/>
           <a:p>
-            <a:r>
-              <a:rPr lang="en-US" dirty="0" err="1" smtClean="0"/>
-              <a:t>CoC</a:t>
-            </a:r>
-            <a:r>
-              <a:rPr lang="en-US" dirty="0" smtClean="0"/>
-              <a:t>=Cost</a:t>
-            </a:r>
-            <a:r>
-              <a:rPr lang="en-US" baseline="0" dirty="0" smtClean="0"/>
-              <a:t> of Change</a:t>
-            </a:r>
-            <a:endParaRPr lang="en-US" dirty="0"/>
+            <a:pPr marL="0" indent="0">
+              <a:buFont typeface="Arial" pitchFamily="34" charset="0"/>
+              <a:buNone/>
+            </a:pPr>
+            <a:endParaRPr lang="es-PE" sz="1200" dirty="0" smtClean="0"/>
           </a:p>
         </p:txBody>
       </p:sp>
@@ -5058,11 +4731,19 @@
           <a:bodyPr/>
           <a:lstStyle/>
           <a:p>
-            <a:pPr marL="342900" indent="-342900">
-              <a:buFont typeface="Arial" pitchFamily="34" charset="0"/>
-              <a:buChar char="•"/>
-            </a:pPr>
-            <a:endParaRPr lang="es-PE" sz="1200" dirty="0" smtClean="0"/>
+            <a:r>
+              <a:rPr lang="en-US" dirty="0" err="1" smtClean="0"/>
+              <a:t>CoC</a:t>
+            </a:r>
+            <a:r>
+              <a:rPr lang="en-US" dirty="0" smtClean="0"/>
+              <a:t>=Cost</a:t>
+            </a:r>
+            <a:r>
+              <a:rPr lang="en-US" baseline="0" dirty="0" smtClean="0"/>
+              <a:t> of Change</a:t>
+            </a:r>
+            <a:endParaRPr lang="en-US" dirty="0"/>
           </a:p>
         </p:txBody>
       </p:sp>
@@ -5146,20 +4827,11 @@
           <a:bodyPr/>
           <a:lstStyle/>
           <a:p>
-            <a:pPr lvl="0" algn="l"/>
-            <a:r>
-              <a:rPr lang="en-US" sz="1200" b="0" i="0" kern="1200" dirty="0" smtClean="0">
-                <a:solidFill>
-                  <a:schemeClr val="tx1"/>
-                </a:solidFill>
-                <a:effectLst/>
-                <a:latin typeface="+mn-lt"/>
-                <a:ea typeface="+mn-ea"/>
-                <a:cs typeface="+mn-cs"/>
-              </a:rPr>
-              <a:t>deciding when to start refactoring, and when to stop, is just as important to refactoring as knowing how to operate the mechanics of a refactoring.</a:t>
-            </a:r>
-            <a:endParaRPr lang="es-PE" dirty="0"/>
+            <a:pPr marL="342900" indent="-342900">
+              <a:buFont typeface="Arial" pitchFamily="34" charset="0"/>
+              <a:buChar char="•"/>
+            </a:pPr>
+            <a:endParaRPr lang="es-PE" sz="1200" dirty="0" smtClean="0"/>
           </a:p>
         </p:txBody>
       </p:sp>
@@ -5178,7 +4850,7 @@
           <a:bodyPr/>
           <a:lstStyle/>
           <a:p>
-            <a:fld id="{80C14895-23C8-45AE-85D5-3B35E5980A68}" type="slidenum">
+            <a:fld id="{96DE5A63-0F1F-4DC0-ADE0-CC17EBA6F230}" type="slidenum">
               <a:rPr lang="es-PE" smtClean="0"/>
               <a:t>6</a:t>
             </a:fld>
@@ -5189,7 +4861,7 @@
     </p:spTree>
     <p:extLst>
       <p:ext uri="{BB962C8B-B14F-4D97-AF65-F5344CB8AC3E}">
-        <p14:creationId xmlns:p14="http://schemas.microsoft.com/office/powerpoint/2010/main" val="1838723941"/>
+        <p14:creationId xmlns:p14="http://schemas.microsoft.com/office/powerpoint/2010/main" val="3614550747"/>
       </p:ext>
     </p:extLst>
   </p:cSld>
@@ -5243,27 +4915,7 @@
           <a:bodyPr/>
           <a:lstStyle/>
           <a:p>
-            <a:r>
-              <a:rPr lang="es-PE" dirty="0" smtClean="0"/>
-              <a:t>Diseño que duplica</a:t>
-            </a:r>
-            <a:r>
-              <a:rPr lang="es-PE" baseline="0" dirty="0" smtClean="0"/>
-              <a:t>, complica o acopla el c</a:t>
-            </a:r>
-            <a:r>
-              <a:rPr lang="en-US" baseline="0" dirty="0" err="1" smtClean="0"/>
-              <a:t>ódigo</a:t>
-            </a:r>
-            <a:r>
-              <a:rPr lang="en-US" baseline="0" dirty="0" smtClean="0"/>
-              <a:t>.</a:t>
-            </a:r>
-          </a:p>
-          <a:p>
-            <a:endParaRPr lang="en-US" baseline="0" dirty="0" smtClean="0"/>
-          </a:p>
-          <a:p>
+            <a:pPr lvl="0" algn="l"/>
             <a:r>
               <a:rPr lang="en-US" sz="1200" b="0" i="0" kern="1200" dirty="0" smtClean="0">
                 <a:solidFill>
@@ -5274,56 +4926,7 @@
                 <a:ea typeface="+mn-ea"/>
                 <a:cs typeface="+mn-cs"/>
               </a:rPr>
-              <a:t>Every code smell documents a "classic" poor design.</a:t>
-            </a:r>
-          </a:p>
-          <a:p>
-            <a:endParaRPr lang="en-US" sz="1200" b="0" i="0" kern="1200" dirty="0" smtClean="0">
-              <a:solidFill>
-                <a:schemeClr val="tx1"/>
-              </a:solidFill>
-              <a:effectLst/>
-              <a:latin typeface="+mn-lt"/>
-              <a:ea typeface="+mn-ea"/>
-              <a:cs typeface="+mn-cs"/>
-            </a:endParaRPr>
-          </a:p>
-          <a:p>
-            <a:r>
-              <a:rPr lang="en-US" sz="1200" b="1" i="0" kern="1200" dirty="0" smtClean="0">
-                <a:solidFill>
-                  <a:schemeClr val="tx1"/>
-                </a:solidFill>
-                <a:effectLst/>
-                <a:latin typeface="+mn-lt"/>
-                <a:ea typeface="+mn-ea"/>
-                <a:cs typeface="+mn-cs"/>
-              </a:rPr>
-              <a:t>Code Smells document wisdom about how </a:t>
-            </a:r>
-            <a:r>
-              <a:rPr lang="en-US" sz="1200" b="1" i="1" kern="1200" dirty="0" smtClean="0">
-                <a:solidFill>
-                  <a:schemeClr val="tx1"/>
-                </a:solidFill>
-                <a:effectLst/>
-                <a:latin typeface="+mn-lt"/>
-                <a:ea typeface="+mn-ea"/>
-                <a:cs typeface="+mn-cs"/>
-              </a:rPr>
-              <a:t>not</a:t>
-            </a:r>
-            <a:r>
-              <a:rPr lang="en-US" sz="1200" b="1" i="0" kern="1200" dirty="0" smtClean="0">
-                <a:solidFill>
-                  <a:schemeClr val="tx1"/>
-                </a:solidFill>
-                <a:effectLst/>
-                <a:latin typeface="+mn-lt"/>
-                <a:ea typeface="+mn-ea"/>
-                <a:cs typeface="+mn-cs"/>
-              </a:rPr>
-              <a:t> to design software!</a:t>
+              <a:t>deciding when to start refactoring, and when to stop, is just as important to refactoring as knowing how to operate the mechanics of a refactoring.</a:t>
             </a:r>
             <a:endParaRPr lang="es-PE" dirty="0"/>
           </a:p>
@@ -5355,7 +4958,7 @@
     </p:spTree>
     <p:extLst>
       <p:ext uri="{BB962C8B-B14F-4D97-AF65-F5344CB8AC3E}">
-        <p14:creationId xmlns:p14="http://schemas.microsoft.com/office/powerpoint/2010/main" val="1468000410"/>
+        <p14:creationId xmlns:p14="http://schemas.microsoft.com/office/powerpoint/2010/main" val="1838723941"/>
       </p:ext>
     </p:extLst>
   </p:cSld>
@@ -5409,6 +5012,88 @@
           <a:bodyPr/>
           <a:lstStyle/>
           <a:p>
+            <a:r>
+              <a:rPr lang="es-PE" dirty="0" smtClean="0"/>
+              <a:t>Diseño que duplica</a:t>
+            </a:r>
+            <a:r>
+              <a:rPr lang="es-PE" baseline="0" dirty="0" smtClean="0"/>
+              <a:t>, complica o acopla el c</a:t>
+            </a:r>
+            <a:r>
+              <a:rPr lang="en-US" baseline="0" dirty="0" err="1" smtClean="0"/>
+              <a:t>ódigo</a:t>
+            </a:r>
+            <a:r>
+              <a:rPr lang="en-US" baseline="0" dirty="0" smtClean="0"/>
+              <a:t>.</a:t>
+            </a:r>
+          </a:p>
+          <a:p>
+            <a:endParaRPr lang="en-US" baseline="0" dirty="0" smtClean="0"/>
+          </a:p>
+          <a:p>
+            <a:r>
+              <a:rPr lang="en-US" sz="1200" b="0" i="0" kern="1200" dirty="0" smtClean="0">
+                <a:solidFill>
+                  <a:schemeClr val="tx1"/>
+                </a:solidFill>
+                <a:effectLst/>
+                <a:latin typeface="+mn-lt"/>
+                <a:ea typeface="+mn-ea"/>
+                <a:cs typeface="+mn-cs"/>
+              </a:rPr>
+              <a:t>Every code smell documents a "classic" poor design.</a:t>
+            </a:r>
+          </a:p>
+          <a:p>
+            <a:endParaRPr lang="en-US" sz="1200" b="0" i="0" kern="1200" dirty="0" smtClean="0">
+              <a:solidFill>
+                <a:schemeClr val="tx1"/>
+              </a:solidFill>
+              <a:effectLst/>
+              <a:latin typeface="+mn-lt"/>
+              <a:ea typeface="+mn-ea"/>
+              <a:cs typeface="+mn-cs"/>
+            </a:endParaRPr>
+          </a:p>
+          <a:p>
+            <a:r>
+              <a:rPr lang="en-US" sz="1200" b="1" i="0" kern="1200" dirty="0" smtClean="0">
+                <a:solidFill>
+                  <a:schemeClr val="tx1"/>
+                </a:solidFill>
+                <a:effectLst/>
+                <a:latin typeface="+mn-lt"/>
+                <a:ea typeface="+mn-ea"/>
+                <a:cs typeface="+mn-cs"/>
+              </a:rPr>
+              <a:t>Code Smells document wisdom about how </a:t>
+            </a:r>
+            <a:r>
+              <a:rPr lang="en-US" sz="1200" b="1" i="1" kern="1200" dirty="0" smtClean="0">
+                <a:solidFill>
+                  <a:schemeClr val="tx1"/>
+                </a:solidFill>
+                <a:effectLst/>
+                <a:latin typeface="+mn-lt"/>
+                <a:ea typeface="+mn-ea"/>
+                <a:cs typeface="+mn-cs"/>
+              </a:rPr>
+              <a:t>not</a:t>
+            </a:r>
+            <a:r>
+              <a:rPr lang="en-US" sz="1200" b="1" i="0" kern="1200" dirty="0" smtClean="0">
+                <a:solidFill>
+                  <a:schemeClr val="tx1"/>
+                </a:solidFill>
+                <a:effectLst/>
+                <a:latin typeface="+mn-lt"/>
+                <a:ea typeface="+mn-ea"/>
+                <a:cs typeface="+mn-cs"/>
+              </a:rPr>
+              <a:t> to design software!</a:t>
+            </a:r>
             <a:endParaRPr lang="es-PE" dirty="0"/>
           </a:p>
         </p:txBody>
@@ -5430,7 +5115,7 @@
           <a:p>
             <a:fld id="{80C14895-23C8-45AE-85D5-3B35E5980A68}" type="slidenum">
               <a:rPr lang="es-PE" smtClean="0"/>
-              <a:t>9</a:t>
+              <a:t>8</a:t>
             </a:fld>
             <a:endParaRPr lang="es-PE"/>
           </a:p>
@@ -5439,7 +5124,7 @@
     </p:spTree>
     <p:extLst>
       <p:ext uri="{BB962C8B-B14F-4D97-AF65-F5344CB8AC3E}">
-        <p14:creationId xmlns:p14="http://schemas.microsoft.com/office/powerpoint/2010/main" val="2971750898"/>
+        <p14:creationId xmlns:p14="http://schemas.microsoft.com/office/powerpoint/2010/main" val="1468000410"/>
       </p:ext>
     </p:extLst>
   </p:cSld>
@@ -5493,35 +5178,7 @@
           <a:bodyPr/>
           <a:lstStyle/>
           <a:p>
-            <a:pPr marL="0" marR="0" indent="0" algn="l" defTabSz="914400" rtl="0" eaLnBrk="1" fontAlgn="auto" latinLnBrk="0" hangingPunct="1">
-              <a:lnSpc>
-                <a:spcPct val="100000"/>
-              </a:lnSpc>
-              <a:spcBef>
-                <a:spcPts val="0"/>
-              </a:spcBef>
-              <a:spcAft>
-                <a:spcPts val="0"/>
-              </a:spcAft>
-              <a:buClrTx/>
-              <a:buSzTx/>
-              <a:buFontTx/>
-              <a:buNone/>
-              <a:tabLst/>
-              <a:defRPr/>
-            </a:pPr>
-            <a:r>
-              <a:rPr lang="es-PE" dirty="0" smtClean="0">
-                <a:solidFill>
-                  <a:srgbClr val="FFC000"/>
-                </a:solidFill>
-              </a:rPr>
-              <a:t>Poco Testeable: </a:t>
-            </a:r>
-            <a:r>
-              <a:rPr lang="es-PE" dirty="0" smtClean="0"/>
-              <a:t>Se puede realizar más fácilmente pruebas unitarias a métodos cortos.</a:t>
-            </a:r>
+            <a:endParaRPr lang="es-PE" dirty="0"/>
           </a:p>
         </p:txBody>
       </p:sp>
@@ -5542,7 +5199,7 @@
           <a:p>
             <a:fld id="{80C14895-23C8-45AE-85D5-3B35E5980A68}" type="slidenum">
               <a:rPr lang="es-PE" smtClean="0"/>
-              <a:t>12</a:t>
+              <a:t>10</a:t>
             </a:fld>
             <a:endParaRPr lang="es-PE"/>
           </a:p>
@@ -5551,7 +5208,7 @@
     </p:spTree>
     <p:extLst>
       <p:ext uri="{BB962C8B-B14F-4D97-AF65-F5344CB8AC3E}">
-        <p14:creationId xmlns:p14="http://schemas.microsoft.com/office/powerpoint/2010/main" val="4020650734"/>
+        <p14:creationId xmlns:p14="http://schemas.microsoft.com/office/powerpoint/2010/main" val="2971750898"/>
       </p:ext>
     </p:extLst>
   </p:cSld>
@@ -5605,7 +5262,35 @@
           <a:bodyPr/>
           <a:lstStyle/>
           <a:p>
-            <a:endParaRPr lang="es-PE"/>
+            <a:pPr marL="0" marR="0" indent="0" algn="l" defTabSz="914400" rtl="0" eaLnBrk="1" fontAlgn="auto" latinLnBrk="0" hangingPunct="1">
+              <a:lnSpc>
+                <a:spcPct val="100000"/>
+              </a:lnSpc>
+              <a:spcBef>
+                <a:spcPts val="0"/>
+              </a:spcBef>
+              <a:spcAft>
+                <a:spcPts val="0"/>
+              </a:spcAft>
+              <a:buClrTx/>
+              <a:buSzTx/>
+              <a:buFontTx/>
+              <a:buNone/>
+              <a:tabLst/>
+              <a:defRPr/>
+            </a:pPr>
+            <a:r>
+              <a:rPr lang="es-PE" dirty="0" smtClean="0">
+                <a:solidFill>
+                  <a:srgbClr val="FFC000"/>
+                </a:solidFill>
+              </a:rPr>
+              <a:t>Poco Testeable: </a:t>
+            </a:r>
+            <a:r>
+              <a:rPr lang="es-PE" dirty="0" smtClean="0"/>
+              <a:t>Se puede realizar más fácilmente pruebas unitarias a métodos cortos.</a:t>
+            </a:r>
           </a:p>
         </p:txBody>
       </p:sp>
@@ -5626,7 +5311,7 @@
           <a:p>
             <a:fld id="{80C14895-23C8-45AE-85D5-3B35E5980A68}" type="slidenum">
               <a:rPr lang="es-PE" smtClean="0"/>
-              <a:t>20</a:t>
+              <a:t>13</a:t>
             </a:fld>
             <a:endParaRPr lang="es-PE"/>
           </a:p>
@@ -5635,7 +5320,7 @@
     </p:spTree>
     <p:extLst>
       <p:ext uri="{BB962C8B-B14F-4D97-AF65-F5344CB8AC3E}">
-        <p14:creationId xmlns:p14="http://schemas.microsoft.com/office/powerpoint/2010/main" val="3291725310"/>
+        <p14:creationId xmlns:p14="http://schemas.microsoft.com/office/powerpoint/2010/main" val="4020650734"/>
       </p:ext>
     </p:extLst>
   </p:cSld>
@@ -9242,6 +8927,344 @@
       </p:grpSpPr>
       <p:sp>
         <p:nvSpPr>
+          <p:cNvPr id="3" name="2 Marcador de contenido"/>
+          <p:cNvSpPr>
+            <a:spLocks noGrp="1"/>
+          </p:cNvSpPr>
+          <p:nvPr>
+            <p:ph idx="1"/>
+          </p:nvPr>
+        </p:nvSpPr>
+        <p:spPr>
+          <a:xfrm>
+            <a:off x="445223" y="1988840"/>
+            <a:ext cx="8229600" cy="2044821"/>
+          </a:xfrm>
+        </p:spPr>
+        <p:txBody>
+          <a:bodyPr/>
+          <a:lstStyle/>
+          <a:p>
+            <a:r>
+              <a:rPr lang="es-PE" sz="2800" dirty="0" smtClean="0"/>
+              <a:t>Aprender los </a:t>
+            </a:r>
+            <a:r>
+              <a:rPr lang="es-PE" sz="2800" dirty="0" err="1" smtClean="0"/>
+              <a:t>code</a:t>
+            </a:r>
+            <a:r>
+              <a:rPr lang="es-PE" sz="2800" dirty="0" smtClean="0"/>
+              <a:t> </a:t>
+            </a:r>
+            <a:r>
+              <a:rPr lang="es-PE" sz="2800" dirty="0" err="1" smtClean="0"/>
+              <a:t>smells</a:t>
+            </a:r>
+            <a:r>
+              <a:rPr lang="es-PE" sz="2800" dirty="0" smtClean="0"/>
+              <a:t> más importantes</a:t>
+            </a:r>
+          </a:p>
+          <a:p>
+            <a:r>
+              <a:rPr lang="es-PE" sz="2800" dirty="0" smtClean="0"/>
+              <a:t>Reconocer </a:t>
+            </a:r>
+            <a:r>
+              <a:rPr lang="es-PE" sz="2800" dirty="0" err="1" smtClean="0"/>
+              <a:t>code</a:t>
+            </a:r>
+            <a:r>
+              <a:rPr lang="es-PE" sz="2800" dirty="0" smtClean="0"/>
+              <a:t> </a:t>
+            </a:r>
+            <a:r>
+              <a:rPr lang="es-PE" sz="2800" dirty="0" err="1" smtClean="0"/>
+              <a:t>smells</a:t>
+            </a:r>
+            <a:r>
+              <a:rPr lang="es-PE" sz="2800" dirty="0" smtClean="0"/>
+              <a:t> en nuestro código</a:t>
+            </a:r>
+          </a:p>
+          <a:p>
+            <a:r>
+              <a:rPr lang="es-PE" sz="2800" dirty="0" smtClean="0"/>
+              <a:t>Considerar como limpiar un </a:t>
+            </a:r>
+            <a:r>
+              <a:rPr lang="es-PE" sz="2800" dirty="0" err="1" smtClean="0"/>
+              <a:t>code</a:t>
+            </a:r>
+            <a:r>
+              <a:rPr lang="es-PE" sz="2800" dirty="0" smtClean="0"/>
+              <a:t> </a:t>
+            </a:r>
+            <a:r>
+              <a:rPr lang="es-PE" sz="2800" dirty="0" err="1" smtClean="0"/>
+              <a:t>smell</a:t>
+            </a:r>
+            <a:r>
+              <a:rPr lang="es-PE" sz="2800" dirty="0" smtClean="0"/>
+              <a:t>.</a:t>
+            </a:r>
+            <a:endParaRPr lang="es-PE" sz="2800" dirty="0"/>
+          </a:p>
+        </p:txBody>
+      </p:sp>
+      <p:sp>
+        <p:nvSpPr>
+          <p:cNvPr id="4" name="1 Título"/>
+          <p:cNvSpPr txBox="1">
+            <a:spLocks/>
+          </p:cNvSpPr>
+          <p:nvPr/>
+        </p:nvSpPr>
+        <p:spPr bwMode="auto">
+          <a:xfrm>
+            <a:off x="445223" y="476672"/>
+            <a:ext cx="8229600" cy="1143000"/>
+          </a:xfrm>
+          <a:prstGeom prst="rect">
+            <a:avLst/>
+          </a:prstGeom>
+          <a:noFill/>
+          <a:ln w="9525">
+            <a:noFill/>
+            <a:miter lim="800000"/>
+            <a:headEnd/>
+            <a:tailEnd/>
+          </a:ln>
+        </p:spPr>
+        <p:txBody>
+          <a:bodyPr vert="horz" wrap="square" lIns="91440" tIns="45720" rIns="91440" bIns="45720" numCol="1" anchor="ctr" anchorCtr="0" compatLnSpc="1">
+            <a:prstTxWarp prst="textNoShape">
+              <a:avLst/>
+            </a:prstTxWarp>
+          </a:bodyPr>
+          <a:lstStyle>
+            <a:lvl1pPr algn="ctr" rtl="0" eaLnBrk="1" fontAlgn="base" hangingPunct="1">
+              <a:spcBef>
+                <a:spcPct val="0"/>
+              </a:spcBef>
+              <a:spcAft>
+                <a:spcPct val="0"/>
+              </a:spcAft>
+              <a:defRPr sz="4400" kern="1200">
+                <a:solidFill>
+                  <a:schemeClr val="tx1"/>
+                </a:solidFill>
+                <a:latin typeface="+mj-lt"/>
+                <a:ea typeface="+mj-ea"/>
+                <a:cs typeface="+mj-cs"/>
+              </a:defRPr>
+            </a:lvl1pPr>
+            <a:lvl2pPr algn="ctr" rtl="0" eaLnBrk="1" fontAlgn="base" hangingPunct="1">
+              <a:spcBef>
+                <a:spcPct val="0"/>
+              </a:spcBef>
+              <a:spcAft>
+                <a:spcPct val="0"/>
+              </a:spcAft>
+              <a:defRPr sz="4400">
+                <a:solidFill>
+                  <a:schemeClr val="tx1"/>
+                </a:solidFill>
+                <a:latin typeface="Calibri" pitchFamily="34" charset="0"/>
+              </a:defRPr>
+            </a:lvl2pPr>
+            <a:lvl3pPr algn="ctr" rtl="0" eaLnBrk="1" fontAlgn="base" hangingPunct="1">
+              <a:spcBef>
+                <a:spcPct val="0"/>
+              </a:spcBef>
+              <a:spcAft>
+                <a:spcPct val="0"/>
+              </a:spcAft>
+              <a:defRPr sz="4400">
+                <a:solidFill>
+                  <a:schemeClr val="tx1"/>
+                </a:solidFill>
+                <a:latin typeface="Calibri" pitchFamily="34" charset="0"/>
+              </a:defRPr>
+            </a:lvl3pPr>
+            <a:lvl4pPr algn="ctr" rtl="0" eaLnBrk="1" fontAlgn="base" hangingPunct="1">
+              <a:spcBef>
+                <a:spcPct val="0"/>
+              </a:spcBef>
+              <a:spcAft>
+                <a:spcPct val="0"/>
+              </a:spcAft>
+              <a:defRPr sz="4400">
+                <a:solidFill>
+                  <a:schemeClr val="tx1"/>
+                </a:solidFill>
+                <a:latin typeface="Calibri" pitchFamily="34" charset="0"/>
+              </a:defRPr>
+            </a:lvl4pPr>
+            <a:lvl5pPr algn="ctr" rtl="0" eaLnBrk="1" fontAlgn="base" hangingPunct="1">
+              <a:spcBef>
+                <a:spcPct val="0"/>
+              </a:spcBef>
+              <a:spcAft>
+                <a:spcPct val="0"/>
+              </a:spcAft>
+              <a:defRPr sz="4400">
+                <a:solidFill>
+                  <a:schemeClr val="tx1"/>
+                </a:solidFill>
+                <a:latin typeface="Calibri" pitchFamily="34" charset="0"/>
+              </a:defRPr>
+            </a:lvl5pPr>
+            <a:lvl6pPr marL="457200" algn="ctr" rtl="0" eaLnBrk="1" fontAlgn="base" hangingPunct="1">
+              <a:spcBef>
+                <a:spcPct val="0"/>
+              </a:spcBef>
+              <a:spcAft>
+                <a:spcPct val="0"/>
+              </a:spcAft>
+              <a:defRPr sz="4400">
+                <a:solidFill>
+                  <a:schemeClr val="tx1"/>
+                </a:solidFill>
+                <a:latin typeface="Calibri" pitchFamily="34" charset="0"/>
+              </a:defRPr>
+            </a:lvl6pPr>
+            <a:lvl7pPr marL="914400" algn="ctr" rtl="0" eaLnBrk="1" fontAlgn="base" hangingPunct="1">
+              <a:spcBef>
+                <a:spcPct val="0"/>
+              </a:spcBef>
+              <a:spcAft>
+                <a:spcPct val="0"/>
+              </a:spcAft>
+              <a:defRPr sz="4400">
+                <a:solidFill>
+                  <a:schemeClr val="tx1"/>
+                </a:solidFill>
+                <a:latin typeface="Calibri" pitchFamily="34" charset="0"/>
+              </a:defRPr>
+            </a:lvl7pPr>
+            <a:lvl8pPr marL="1371600" algn="ctr" rtl="0" eaLnBrk="1" fontAlgn="base" hangingPunct="1">
+              <a:spcBef>
+                <a:spcPct val="0"/>
+              </a:spcBef>
+              <a:spcAft>
+                <a:spcPct val="0"/>
+              </a:spcAft>
+              <a:defRPr sz="4400">
+                <a:solidFill>
+                  <a:schemeClr val="tx1"/>
+                </a:solidFill>
+                <a:latin typeface="Calibri" pitchFamily="34" charset="0"/>
+              </a:defRPr>
+            </a:lvl8pPr>
+            <a:lvl9pPr marL="1828800" algn="ctr" rtl="0" eaLnBrk="1" fontAlgn="base" hangingPunct="1">
+              <a:spcBef>
+                <a:spcPct val="0"/>
+              </a:spcBef>
+              <a:spcAft>
+                <a:spcPct val="0"/>
+              </a:spcAft>
+              <a:defRPr sz="4400">
+                <a:solidFill>
+                  <a:schemeClr val="tx1"/>
+                </a:solidFill>
+                <a:latin typeface="Calibri" pitchFamily="34" charset="0"/>
+              </a:defRPr>
+            </a:lvl9pPr>
+          </a:lstStyle>
+          <a:p>
+            <a:r>
+              <a:rPr lang="es-PE" dirty="0" smtClean="0">
+                <a:solidFill>
+                  <a:srgbClr val="009A46"/>
+                </a:solidFill>
+              </a:rPr>
+              <a:t>¿Cómo vamos a incrementar la sensibilidad de nuestra nariz?</a:t>
+            </a:r>
+            <a:endParaRPr lang="es-PE" dirty="0">
+              <a:solidFill>
+                <a:srgbClr val="009A46"/>
+              </a:solidFill>
+            </a:endParaRPr>
+          </a:p>
+        </p:txBody>
+      </p:sp>
+      <p:pic>
+        <p:nvPicPr>
+          <p:cNvPr id="5" name="4 Imagen"/>
+          <p:cNvPicPr>
+            <a:picLocks noChangeAspect="1"/>
+          </p:cNvPicPr>
+          <p:nvPr/>
+        </p:nvPicPr>
+        <p:blipFill>
+          <a:blip r:embed="rId3" cstate="print">
+            <a:extLst>
+              <a:ext uri="{28A0092B-C50C-407E-A947-70E740481C1C}">
+                <a14:useLocalDpi xmlns:a14="http://schemas.microsoft.com/office/drawing/2010/main" val="0"/>
+              </a:ext>
+            </a:extLst>
+          </a:blip>
+          <a:stretch>
+            <a:fillRect/>
+          </a:stretch>
+        </p:blipFill>
+        <p:spPr>
+          <a:xfrm>
+            <a:off x="3563888" y="3861048"/>
+            <a:ext cx="2521260" cy="2492896"/>
+          </a:xfrm>
+          <a:prstGeom prst="rect">
+            <a:avLst/>
+          </a:prstGeom>
+          <a:ln>
+            <a:noFill/>
+          </a:ln>
+          <a:effectLst>
+            <a:softEdge rad="112500"/>
+          </a:effectLst>
+        </p:spPr>
+      </p:pic>
+    </p:spTree>
+    <p:extLst>
+      <p:ext uri="{BB962C8B-B14F-4D97-AF65-F5344CB8AC3E}">
+        <p14:creationId xmlns:p14="http://schemas.microsoft.com/office/powerpoint/2010/main" val="1999379388"/>
+      </p:ext>
+    </p:extLst>
+  </p:cSld>
+  <p:clrMapOvr>
+    <a:masterClrMapping/>
+  </p:clrMapOvr>
+  <p:timing>
+    <p:tnLst>
+      <p:par>
+        <p:cTn id="1" dur="indefinite" restart="never" nodeType="tmRoot"/>
+      </p:par>
+    </p:tnLst>
+  </p:timing>
+</p:sld>
+</file>
+
+<file path=ppt/slides/slide11.xml><?xml version="1.0" encoding="utf-8"?>
+<p:sld xmlns:a="http://schemas.openxmlformats.org/drawingml/2006/main" xmlns:r="http://schemas.openxmlformats.org/officeDocument/2006/relationships" xmlns:p="http://schemas.openxmlformats.org/presentationml/2006/main">
+  <p:cSld>
+    <p:spTree>
+      <p:nvGrpSpPr>
+        <p:cNvPr id="1" name=""/>
+        <p:cNvGrpSpPr/>
+        <p:nvPr/>
+      </p:nvGrpSpPr>
+      <p:grpSpPr>
+        <a:xfrm>
+          <a:off x="0" y="0"/>
+          <a:ext cx="0" cy="0"/>
+          <a:chOff x="0" y="0"/>
+          <a:chExt cx="0" cy="0"/>
+        </a:xfrm>
+      </p:grpSpPr>
+      <p:sp>
+        <p:nvSpPr>
           <p:cNvPr id="4" name="1 Título"/>
           <p:cNvSpPr txBox="1">
             <a:spLocks/>
@@ -9609,7 +9632,7 @@
 </p:sld>
 </file>
 
-<file path=ppt/slides/slide11.xml><?xml version="1.0" encoding="utf-8"?>
+<file path=ppt/slides/slide12.xml><?xml version="1.0" encoding="utf-8"?>
 <p:sld xmlns:a="http://schemas.openxmlformats.org/drawingml/2006/main" xmlns:r="http://schemas.openxmlformats.org/officeDocument/2006/relationships" xmlns:p="http://schemas.openxmlformats.org/presentationml/2006/main">
   <p:cSld>
     <p:spTree>
@@ -9957,7 +9980,7 @@
 </p:sld>
 </file>
 
-<file path=ppt/slides/slide12.xml><?xml version="1.0" encoding="utf-8"?>
+<file path=ppt/slides/slide13.xml><?xml version="1.0" encoding="utf-8"?>
 <p:sld xmlns:a="http://schemas.openxmlformats.org/drawingml/2006/main" xmlns:r="http://schemas.openxmlformats.org/officeDocument/2006/relationships" xmlns:p="http://schemas.openxmlformats.org/presentationml/2006/main">
   <p:cSld>
     <p:spTree>
@@ -10095,7 +10118,7 @@
 </p:sld>
 </file>
 
-<file path=ppt/slides/slide13.xml><?xml version="1.0" encoding="utf-8"?>
+<file path=ppt/slides/slide14.xml><?xml version="1.0" encoding="utf-8"?>
 <p:sld xmlns:a="http://schemas.openxmlformats.org/drawingml/2006/main" xmlns:r="http://schemas.openxmlformats.org/officeDocument/2006/relationships" xmlns:p="http://schemas.openxmlformats.org/presentationml/2006/main">
   <p:cSld>
     <p:spTree>
@@ -10315,7 +10338,7 @@
 </p:sld>
 </file>
 
-<file path=ppt/slides/slide14.xml><?xml version="1.0" encoding="utf-8"?>
+<file path=ppt/slides/slide15.xml><?xml version="1.0" encoding="utf-8"?>
 <p:sld xmlns:a="http://schemas.openxmlformats.org/drawingml/2006/main" xmlns:r="http://schemas.openxmlformats.org/officeDocument/2006/relationships" xmlns:p="http://schemas.openxmlformats.org/presentationml/2006/main">
   <p:cSld>
     <p:spTree>
@@ -10492,7 +10515,7 @@
 </p:sld>
 </file>
 
-<file path=ppt/slides/slide15.xml><?xml version="1.0" encoding="utf-8"?>
+<file path=ppt/slides/slide16.xml><?xml version="1.0" encoding="utf-8"?>
 <p:sld xmlns:a="http://schemas.openxmlformats.org/drawingml/2006/main" xmlns:r="http://schemas.openxmlformats.org/officeDocument/2006/relationships" xmlns:p="http://schemas.openxmlformats.org/presentationml/2006/main">
   <p:cSld>
     <p:spTree>
@@ -10713,7 +10736,7 @@
 </p:sld>
 </file>
 
-<file path=ppt/slides/slide16.xml><?xml version="1.0" encoding="utf-8"?>
+<file path=ppt/slides/slide17.xml><?xml version="1.0" encoding="utf-8"?>
 <p:sld xmlns:a="http://schemas.openxmlformats.org/drawingml/2006/main" xmlns:r="http://schemas.openxmlformats.org/officeDocument/2006/relationships" xmlns:p="http://schemas.openxmlformats.org/presentationml/2006/main">
   <p:cSld>
     <p:spTree>
@@ -10861,7 +10884,7 @@
 </p:sld>
 </file>
 
-<file path=ppt/slides/slide17.xml><?xml version="1.0" encoding="utf-8"?>
+<file path=ppt/slides/slide18.xml><?xml version="1.0" encoding="utf-8"?>
 <p:sld xmlns:a="http://schemas.openxmlformats.org/drawingml/2006/main" xmlns:r="http://schemas.openxmlformats.org/officeDocument/2006/relationships" xmlns:p="http://schemas.openxmlformats.org/presentationml/2006/main">
   <p:cSld>
     <p:spTree>
@@ -11198,7 +11221,7 @@
 </p:sld>
 </file>
 
-<file path=ppt/slides/slide18.xml><?xml version="1.0" encoding="utf-8"?>
+<file path=ppt/slides/slide19.xml><?xml version="1.0" encoding="utf-8"?>
 <p:sld xmlns:a="http://schemas.openxmlformats.org/drawingml/2006/main" xmlns:r="http://schemas.openxmlformats.org/officeDocument/2006/relationships" xmlns:p="http://schemas.openxmlformats.org/presentationml/2006/main">
   <p:cSld>
     <p:spTree>
@@ -11376,7 +11399,319 @@
 </p:sld>
 </file>
 
-<file path=ppt/slides/slide19.xml><?xml version="1.0" encoding="utf-8"?>
+<file path=ppt/slides/slide2.xml><?xml version="1.0" encoding="utf-8"?>
+<p:sld xmlns:a="http://schemas.openxmlformats.org/drawingml/2006/main" xmlns:r="http://schemas.openxmlformats.org/officeDocument/2006/relationships" xmlns:p="http://schemas.openxmlformats.org/presentationml/2006/main">
+  <p:cSld>
+    <p:spTree>
+      <p:nvGrpSpPr>
+        <p:cNvPr id="1" name=""/>
+        <p:cNvGrpSpPr/>
+        <p:nvPr/>
+      </p:nvGrpSpPr>
+      <p:grpSpPr>
+        <a:xfrm>
+          <a:off x="0" y="0"/>
+          <a:ext cx="0" cy="0"/>
+          <a:chOff x="0" y="0"/>
+          <a:chExt cx="0" cy="0"/>
+        </a:xfrm>
+      </p:grpSpPr>
+      <p:sp>
+        <p:nvSpPr>
+          <p:cNvPr id="6" name="2 Título"/>
+          <p:cNvSpPr>
+            <a:spLocks noGrp="1"/>
+          </p:cNvSpPr>
+          <p:nvPr>
+            <p:ph type="title"/>
+          </p:nvPr>
+        </p:nvSpPr>
+        <p:spPr>
+          <a:xfrm>
+            <a:off x="529208" y="44624"/>
+            <a:ext cx="8229600" cy="792088"/>
+          </a:xfrm>
+        </p:spPr>
+        <p:txBody>
+          <a:bodyPr/>
+          <a:lstStyle/>
+          <a:p>
+            <a:r>
+              <a:rPr lang="es-PE" dirty="0" smtClean="0">
+                <a:solidFill>
+                  <a:srgbClr val="00823B"/>
+                </a:solidFill>
+              </a:rPr>
+              <a:t>Licencia de Uso</a:t>
+            </a:r>
+            <a:endParaRPr lang="es-PE" dirty="0">
+              <a:solidFill>
+                <a:srgbClr val="00823B"/>
+              </a:solidFill>
+            </a:endParaRPr>
+          </a:p>
+        </p:txBody>
+      </p:sp>
+      <p:pic>
+        <p:nvPicPr>
+          <p:cNvPr id="1028" name="Picture 4"/>
+          <p:cNvPicPr>
+            <a:picLocks noChangeAspect="1" noChangeArrowheads="1"/>
+          </p:cNvPicPr>
+          <p:nvPr/>
+        </p:nvPicPr>
+        <p:blipFill>
+          <a:blip r:embed="rId3">
+            <a:extLst>
+              <a:ext uri="{28A0092B-C50C-407E-A947-70E740481C1C}">
+                <a14:useLocalDpi xmlns:a14="http://schemas.microsoft.com/office/drawing/2010/main" val="0"/>
+              </a:ext>
+            </a:extLst>
+          </a:blip>
+          <a:srcRect/>
+          <a:stretch>
+            <a:fillRect/>
+          </a:stretch>
+        </p:blipFill>
+        <p:spPr bwMode="auto">
+          <a:xfrm>
+            <a:off x="228576" y="839624"/>
+            <a:ext cx="8686848" cy="4706722"/>
+          </a:xfrm>
+          <a:prstGeom prst="rect">
+            <a:avLst/>
+          </a:prstGeom>
+          <a:noFill/>
+          <a:ln>
+            <a:noFill/>
+          </a:ln>
+          <a:effectLst/>
+          <a:extLst>
+            <a:ext uri="{909E8E84-426E-40DD-AFC4-6F175D3DCCD1}">
+              <a14:hiddenFill xmlns:a14="http://schemas.microsoft.com/office/drawing/2010/main">
+                <a:solidFill>
+                  <a:schemeClr val="accent1"/>
+                </a:solidFill>
+              </a14:hiddenFill>
+            </a:ext>
+            <a:ext uri="{91240B29-F687-4F45-9708-019B960494DF}">
+              <a14:hiddenLine xmlns:a14="http://schemas.microsoft.com/office/drawing/2010/main" w="9525">
+                <a:solidFill>
+                  <a:schemeClr val="tx1"/>
+                </a:solidFill>
+                <a:miter lim="800000"/>
+                <a:headEnd/>
+                <a:tailEnd/>
+              </a14:hiddenLine>
+            </a:ext>
+            <a:ext uri="{AF507438-7753-43E0-B8FC-AC1667EBCBE1}">
+              <a14:hiddenEffects xmlns:a14="http://schemas.microsoft.com/office/drawing/2010/main">
+                <a:effectLst>
+                  <a:outerShdw dist="35921" dir="2700000" algn="ctr" rotWithShape="0">
+                    <a:schemeClr val="bg2"/>
+                  </a:outerShdw>
+                </a:effectLst>
+              </a14:hiddenEffects>
+            </a:ext>
+          </a:extLst>
+        </p:spPr>
+      </p:pic>
+      <p:sp>
+        <p:nvSpPr>
+          <p:cNvPr id="5" name="4 Rectángulo"/>
+          <p:cNvSpPr/>
+          <p:nvPr/>
+        </p:nvSpPr>
+        <p:spPr>
+          <a:xfrm>
+            <a:off x="135422" y="5567000"/>
+            <a:ext cx="8334672" cy="1138773"/>
+          </a:xfrm>
+          <a:prstGeom prst="rect">
+            <a:avLst/>
+          </a:prstGeom>
+        </p:spPr>
+        <p:txBody>
+          <a:bodyPr wrap="square">
+            <a:spAutoFit/>
+          </a:bodyPr>
+          <a:lstStyle/>
+          <a:p>
+            <a:r>
+              <a:rPr lang="en-US" sz="2200" dirty="0" smtClean="0"/>
+              <a:t>"Code Smells and Refactoring"</a:t>
+            </a:r>
+            <a:r>
+              <a:rPr lang="en-US" sz="2200" dirty="0"/>
+              <a:t>  is licensed under a </a:t>
+            </a:r>
+            <a:r>
+              <a:rPr lang="en-US" sz="2200" dirty="0" smtClean="0"/>
+              <a:t/>
+            </a:r>
+            <a:br>
+              <a:rPr lang="en-US" sz="2200" dirty="0" smtClean="0"/>
+            </a:br>
+            <a:r>
+              <a:rPr lang="en-US" sz="2200" dirty="0" smtClean="0">
+                <a:solidFill>
+                  <a:srgbClr val="FFC000"/>
+                </a:solidFill>
+              </a:rPr>
+              <a:t>Creative </a:t>
+            </a:r>
+            <a:r>
+              <a:rPr lang="en-US" sz="2200" dirty="0">
+                <a:solidFill>
+                  <a:srgbClr val="FFC000"/>
+                </a:solidFill>
+              </a:rPr>
+              <a:t>Commons Attribution-</a:t>
+            </a:r>
+            <a:r>
+              <a:rPr lang="en-US" sz="2200" dirty="0" err="1">
+                <a:solidFill>
+                  <a:srgbClr val="FFC000"/>
+                </a:solidFill>
+              </a:rPr>
+              <a:t>ShareAlike</a:t>
+            </a:r>
+            <a:r>
+              <a:rPr lang="en-US" sz="2200" dirty="0">
+                <a:solidFill>
+                  <a:srgbClr val="FFC000"/>
+                </a:solidFill>
+              </a:rPr>
+              <a:t> 3.0 </a:t>
+            </a:r>
+            <a:r>
+              <a:rPr lang="en-US" sz="2200" dirty="0" err="1">
+                <a:solidFill>
+                  <a:srgbClr val="FFC000"/>
+                </a:solidFill>
+              </a:rPr>
+              <a:t>Unported</a:t>
+            </a:r>
+            <a:r>
+              <a:rPr lang="en-US" sz="2200" dirty="0">
+                <a:solidFill>
+                  <a:srgbClr val="FFC000"/>
+                </a:solidFill>
+              </a:rPr>
+              <a:t> </a:t>
+            </a:r>
+            <a:r>
+              <a:rPr lang="en-US" sz="2200" dirty="0" smtClean="0">
+                <a:solidFill>
+                  <a:srgbClr val="FFC000"/>
+                </a:solidFill>
+              </a:rPr>
+              <a:t>License</a:t>
+            </a:r>
+          </a:p>
+          <a:p>
+            <a:r>
+              <a:rPr lang="es-PE" sz="2200" dirty="0"/>
+              <a:t>http://creativecommons.org/licenses/by-nc-sa/3.0/deed.es</a:t>
+            </a:r>
+            <a:endParaRPr lang="es-PE" sz="2200" dirty="0">
+              <a:solidFill>
+                <a:srgbClr val="FFC000"/>
+              </a:solidFill>
+            </a:endParaRPr>
+          </a:p>
+        </p:txBody>
+      </p:sp>
+      <p:sp>
+        <p:nvSpPr>
+          <p:cNvPr id="9" name="AutoShape 10" descr="http://i.creativecommons.org/l/by-sa/3.0/88x31.png"/>
+          <p:cNvSpPr>
+            <a:spLocks noChangeAspect="1" noChangeArrowheads="1"/>
+          </p:cNvSpPr>
+          <p:nvPr/>
+        </p:nvSpPr>
+        <p:spPr bwMode="auto">
+          <a:xfrm>
+            <a:off x="155575" y="-144463"/>
+            <a:ext cx="304800" cy="304801"/>
+          </a:xfrm>
+          <a:prstGeom prst="rect">
+            <a:avLst/>
+          </a:prstGeom>
+          <a:noFill/>
+          <a:extLst>
+            <a:ext uri="{909E8E84-426E-40DD-AFC4-6F175D3DCCD1}">
+              <a14:hiddenFill xmlns:a14="http://schemas.microsoft.com/office/drawing/2010/main">
+                <a:solidFill>
+                  <a:srgbClr val="FFFFFF"/>
+                </a:solidFill>
+              </a14:hiddenFill>
+            </a:ext>
+          </a:extLst>
+        </p:spPr>
+        <p:txBody>
+          <a:bodyPr vert="horz" wrap="square" lIns="91440" tIns="45720" rIns="91440" bIns="45720" numCol="1" anchor="t" anchorCtr="0" compatLnSpc="1">
+            <a:prstTxWarp prst="textNoShape">
+              <a:avLst/>
+            </a:prstTxWarp>
+          </a:bodyPr>
+          <a:lstStyle/>
+          <a:p>
+            <a:endParaRPr lang="es-PE"/>
+          </a:p>
+        </p:txBody>
+      </p:sp>
+      <p:pic>
+        <p:nvPicPr>
+          <p:cNvPr id="15" name="14 Imagen"/>
+          <p:cNvPicPr>
+            <a:picLocks noChangeAspect="1"/>
+          </p:cNvPicPr>
+          <p:nvPr/>
+        </p:nvPicPr>
+        <p:blipFill>
+          <a:blip r:embed="rId4">
+            <a:extLst>
+              <a:ext uri="{28A0092B-C50C-407E-A947-70E740481C1C}">
+                <a14:useLocalDpi xmlns:a14="http://schemas.microsoft.com/office/drawing/2010/main" val="0"/>
+              </a:ext>
+            </a:extLst>
+          </a:blip>
+          <a:stretch>
+            <a:fillRect/>
+          </a:stretch>
+        </p:blipFill>
+        <p:spPr>
+          <a:xfrm>
+            <a:off x="7669841" y="5916993"/>
+            <a:ext cx="1245583" cy="438785"/>
+          </a:xfrm>
+          <a:prstGeom prst="rect">
+            <a:avLst/>
+          </a:prstGeom>
+        </p:spPr>
+      </p:pic>
+    </p:spTree>
+    <p:extLst>
+      <p:ext uri="{BB962C8B-B14F-4D97-AF65-F5344CB8AC3E}">
+        <p14:creationId xmlns:p14="http://schemas.microsoft.com/office/powerpoint/2010/main" val="1719661553"/>
+      </p:ext>
+    </p:extLst>
+  </p:cSld>
+  <p:clrMapOvr>
+    <a:masterClrMapping/>
+  </p:clrMapOvr>
+  <p:timing>
+    <p:tnLst>
+      <p:par>
+        <p:cTn id="1" dur="indefinite" restart="never" nodeType="tmRoot"/>
+      </p:par>
+    </p:tnLst>
+  </p:timing>
+</p:sld>
+</file>
+
+<file path=ppt/slides/slide20.xml><?xml version="1.0" encoding="utf-8"?>
 <p:sld xmlns:a="http://schemas.openxmlformats.org/drawingml/2006/main" xmlns:r="http://schemas.openxmlformats.org/officeDocument/2006/relationships" xmlns:p="http://schemas.openxmlformats.org/presentationml/2006/main">
   <p:cSld>
     <p:spTree>
@@ -11556,158 +11891,7 @@
 </p:sld>
 </file>
 
-<file path=ppt/slides/slide2.xml><?xml version="1.0" encoding="utf-8"?>
-<p:sld xmlns:a="http://schemas.openxmlformats.org/drawingml/2006/main" xmlns:r="http://schemas.openxmlformats.org/officeDocument/2006/relationships" xmlns:p="http://schemas.openxmlformats.org/presentationml/2006/main">
-  <p:cSld>
-    <p:spTree>
-      <p:nvGrpSpPr>
-        <p:cNvPr id="1" name=""/>
-        <p:cNvGrpSpPr/>
-        <p:nvPr/>
-      </p:nvGrpSpPr>
-      <p:grpSpPr>
-        <a:xfrm>
-          <a:off x="0" y="0"/>
-          <a:ext cx="0" cy="0"/>
-          <a:chOff x="0" y="0"/>
-          <a:chExt cx="0" cy="0"/>
-        </a:xfrm>
-      </p:grpSpPr>
-      <p:sp>
-        <p:nvSpPr>
-          <p:cNvPr id="2" name="1 Título"/>
-          <p:cNvSpPr>
-            <a:spLocks noGrp="1"/>
-          </p:cNvSpPr>
-          <p:nvPr>
-            <p:ph type="title"/>
-          </p:nvPr>
-        </p:nvSpPr>
-        <p:spPr>
-          <a:xfrm>
-            <a:off x="518864" y="188640"/>
-            <a:ext cx="8229600" cy="818254"/>
-          </a:xfrm>
-          <a:noFill/>
-          <a:ln w="9525">
-            <a:noFill/>
-            <a:miter lim="800000"/>
-            <a:headEnd/>
-            <a:tailEnd/>
-          </a:ln>
-        </p:spPr>
-        <p:txBody>
-          <a:bodyPr vert="horz" wrap="square" lIns="91440" tIns="45720" rIns="91440" bIns="45720" numCol="1" anchor="ctr" anchorCtr="0" compatLnSpc="1">
-            <a:prstTxWarp prst="textNoShape">
-              <a:avLst/>
-            </a:prstTxWarp>
-          </a:bodyPr>
-          <a:lstStyle/>
-          <a:p>
-            <a:r>
-              <a:rPr lang="en-US" dirty="0">
-                <a:solidFill>
-                  <a:srgbClr val="009A46"/>
-                </a:solidFill>
-              </a:rPr>
-              <a:t>Technical Debt</a:t>
-            </a:r>
-          </a:p>
-        </p:txBody>
-      </p:sp>
-      <p:sp>
-        <p:nvSpPr>
-          <p:cNvPr id="20" name="19 CuadroTexto"/>
-          <p:cNvSpPr txBox="1"/>
-          <p:nvPr/>
-        </p:nvSpPr>
-        <p:spPr>
-          <a:xfrm>
-            <a:off x="384050" y="1016160"/>
-            <a:ext cx="8561175" cy="1815882"/>
-          </a:xfrm>
-          <a:prstGeom prst="rect">
-            <a:avLst/>
-          </a:prstGeom>
-          <a:noFill/>
-        </p:spPr>
-        <p:txBody>
-          <a:bodyPr wrap="square" rtlCol="0">
-            <a:spAutoFit/>
-          </a:bodyPr>
-          <a:lstStyle/>
-          <a:p>
-            <a:pPr algn="ctr"/>
-            <a:r>
-              <a:rPr lang="es-PE" sz="2800" dirty="0" smtClean="0"/>
-              <a:t>Obligaciones que una organización toma cuando disminuye consciente o inconscientemente la calidad interna del producto para satisfacer metas a corto plazo pero que son perjudiciales a largo plazo.</a:t>
-            </a:r>
-            <a:endParaRPr lang="es-PE" sz="2800" dirty="0"/>
-          </a:p>
-        </p:txBody>
-      </p:sp>
-      <p:pic>
-        <p:nvPicPr>
-          <p:cNvPr id="2052" name="Picture 4" descr="http://www.debtconsolidationusa.com/wp-content/uploads/2012/02/bad-credit-loans.jpg"/>
-          <p:cNvPicPr>
-            <a:picLocks noChangeAspect="1" noChangeArrowheads="1"/>
-          </p:cNvPicPr>
-          <p:nvPr/>
-        </p:nvPicPr>
-        <p:blipFill>
-          <a:blip r:embed="rId3">
-            <a:extLst>
-              <a:ext uri="{28A0092B-C50C-407E-A947-70E740481C1C}">
-                <a14:useLocalDpi xmlns:a14="http://schemas.microsoft.com/office/drawing/2010/main" val="0"/>
-              </a:ext>
-            </a:extLst>
-          </a:blip>
-          <a:srcRect/>
-          <a:stretch>
-            <a:fillRect/>
-          </a:stretch>
-        </p:blipFill>
-        <p:spPr bwMode="auto">
-          <a:xfrm>
-            <a:off x="2379397" y="2996952"/>
-            <a:ext cx="4570479" cy="3427859"/>
-          </a:xfrm>
-          <a:prstGeom prst="rect">
-            <a:avLst/>
-          </a:prstGeom>
-          <a:noFill/>
-          <a:extLst>
-            <a:ext uri="{909E8E84-426E-40DD-AFC4-6F175D3DCCD1}">
-              <a14:hiddenFill xmlns:a14="http://schemas.microsoft.com/office/drawing/2010/main">
-                <a:solidFill>
-                  <a:srgbClr val="FFFFFF"/>
-                </a:solidFill>
-              </a14:hiddenFill>
-            </a:ext>
-          </a:extLst>
-        </p:spPr>
-      </p:pic>
-    </p:spTree>
-    <p:extLst>
-      <p:ext uri="{BB962C8B-B14F-4D97-AF65-F5344CB8AC3E}">
-        <p14:creationId xmlns:p14="http://schemas.microsoft.com/office/powerpoint/2010/main" val="222094944"/>
-      </p:ext>
-    </p:extLst>
-  </p:cSld>
-  <p:clrMapOvr>
-    <a:masterClrMapping/>
-  </p:clrMapOvr>
-  <p:timing>
-    <p:tnLst>
-      <p:par>
-        <p:cTn id="1" dur="indefinite" restart="never" nodeType="tmRoot"/>
-      </p:par>
-    </p:tnLst>
-  </p:timing>
-</p:sld>
-</file>
-
-<file path=ppt/slides/slide20.xml><?xml version="1.0" encoding="utf-8"?>
+<file path=ppt/slides/slide21.xml><?xml version="1.0" encoding="utf-8"?>
 <p:sld xmlns:a="http://schemas.openxmlformats.org/drawingml/2006/main" xmlns:r="http://schemas.openxmlformats.org/officeDocument/2006/relationships" xmlns:p="http://schemas.openxmlformats.org/presentationml/2006/main">
   <p:cSld>
     <p:spTree>
@@ -11868,7 +12052,7 @@
 </p:sld>
 </file>
 
-<file path=ppt/slides/slide21.xml><?xml version="1.0" encoding="utf-8"?>
+<file path=ppt/slides/slide22.xml><?xml version="1.0" encoding="utf-8"?>
 <p:sld xmlns:a="http://schemas.openxmlformats.org/drawingml/2006/main" xmlns:r="http://schemas.openxmlformats.org/officeDocument/2006/relationships" xmlns:p="http://schemas.openxmlformats.org/presentationml/2006/main">
   <p:cSld>
     <p:spTree>
@@ -12017,7 +12201,7 @@
 </p:sld>
 </file>
 
-<file path=ppt/slides/slide22.xml><?xml version="1.0" encoding="utf-8"?>
+<file path=ppt/slides/slide23.xml><?xml version="1.0" encoding="utf-8"?>
 <p:sld xmlns:a="http://schemas.openxmlformats.org/drawingml/2006/main" xmlns:r="http://schemas.openxmlformats.org/officeDocument/2006/relationships" xmlns:p="http://schemas.openxmlformats.org/presentationml/2006/main">
   <p:cSld>
     <p:spTree>
@@ -12167,7 +12351,7 @@
 </p:sld>
 </file>
 
-<file path=ppt/slides/slide23.xml><?xml version="1.0" encoding="utf-8"?>
+<file path=ppt/slides/slide24.xml><?xml version="1.0" encoding="utf-8"?>
 <p:sld xmlns:a="http://schemas.openxmlformats.org/drawingml/2006/main" xmlns:r="http://schemas.openxmlformats.org/officeDocument/2006/relationships" xmlns:p="http://schemas.openxmlformats.org/presentationml/2006/main">
   <p:cSld>
     <p:spTree>
@@ -12328,169 +12512,6 @@
 </p:sld>
 </file>
 
-<file path=ppt/slides/slide24.xml><?xml version="1.0" encoding="utf-8"?>
-<p:sld xmlns:a="http://schemas.openxmlformats.org/drawingml/2006/main" xmlns:r="http://schemas.openxmlformats.org/officeDocument/2006/relationships" xmlns:p="http://schemas.openxmlformats.org/presentationml/2006/main">
-  <p:cSld>
-    <p:spTree>
-      <p:nvGrpSpPr>
-        <p:cNvPr id="1" name=""/>
-        <p:cNvGrpSpPr/>
-        <p:nvPr/>
-      </p:nvGrpSpPr>
-      <p:grpSpPr>
-        <a:xfrm>
-          <a:off x="0" y="0"/>
-          <a:ext cx="0" cy="0"/>
-          <a:chOff x="0" y="0"/>
-          <a:chExt cx="0" cy="0"/>
-        </a:xfrm>
-      </p:grpSpPr>
-      <p:sp>
-        <p:nvSpPr>
-          <p:cNvPr id="2" name="1 Título"/>
-          <p:cNvSpPr>
-            <a:spLocks noGrp="1"/>
-          </p:cNvSpPr>
-          <p:nvPr>
-            <p:ph type="title"/>
-          </p:nvPr>
-        </p:nvSpPr>
-        <p:spPr/>
-        <p:txBody>
-          <a:bodyPr/>
-          <a:lstStyle/>
-          <a:p>
-            <a:r>
-              <a:rPr lang="es-PE" dirty="0" smtClean="0">
-                <a:solidFill>
-                  <a:srgbClr val="FF0000"/>
-                </a:solidFill>
-              </a:rPr>
-              <a:t>Problemas del </a:t>
-            </a:r>
-            <a:r>
-              <a:rPr lang="es-PE" dirty="0" err="1" smtClean="0">
-                <a:solidFill>
-                  <a:srgbClr val="FF0000"/>
-                </a:solidFill>
-              </a:rPr>
-              <a:t>Primitive</a:t>
-            </a:r>
-            <a:r>
-              <a:rPr lang="es-PE" dirty="0" smtClean="0">
-                <a:solidFill>
-                  <a:srgbClr val="FF0000"/>
-                </a:solidFill>
-              </a:rPr>
-              <a:t> </a:t>
-            </a:r>
-            <a:r>
-              <a:rPr lang="es-PE" dirty="0" err="1" smtClean="0">
-                <a:solidFill>
-                  <a:srgbClr val="FF0000"/>
-                </a:solidFill>
-              </a:rPr>
-              <a:t>Obsession</a:t>
-            </a:r>
-            <a:endParaRPr lang="es-PE" dirty="0">
-              <a:solidFill>
-                <a:srgbClr val="FF0000"/>
-              </a:solidFill>
-            </a:endParaRPr>
-          </a:p>
-        </p:txBody>
-      </p:sp>
-      <p:sp>
-        <p:nvSpPr>
-          <p:cNvPr id="3" name="2 Marcador de contenido"/>
-          <p:cNvSpPr>
-            <a:spLocks noGrp="1"/>
-          </p:cNvSpPr>
-          <p:nvPr>
-            <p:ph idx="1"/>
-          </p:nvPr>
-        </p:nvSpPr>
-        <p:spPr>
-          <a:xfrm>
-            <a:off x="457200" y="1600203"/>
-            <a:ext cx="8219256" cy="3628997"/>
-          </a:xfrm>
-        </p:spPr>
-        <p:txBody>
-          <a:bodyPr/>
-          <a:lstStyle/>
-          <a:p>
-            <a:r>
-              <a:rPr lang="es-PE" dirty="0" smtClean="0">
-                <a:solidFill>
-                  <a:srgbClr val="FFC000"/>
-                </a:solidFill>
-              </a:rPr>
-              <a:t>Alta  dependencia: </a:t>
-            </a:r>
-            <a:r>
-              <a:rPr lang="es-PE" dirty="0" smtClean="0"/>
-              <a:t>El método está dependiendo directamente de muchas funcionalidades de la otra clase.</a:t>
-            </a:r>
-          </a:p>
-          <a:p>
-            <a:endParaRPr lang="es-PE" dirty="0"/>
-          </a:p>
-          <a:p>
-            <a:r>
-              <a:rPr lang="es-PE" dirty="0">
-                <a:solidFill>
-                  <a:srgbClr val="FFC000"/>
-                </a:solidFill>
-              </a:rPr>
-              <a:t>Pobre diseño: </a:t>
-            </a:r>
-            <a:r>
-              <a:rPr lang="es-PE" dirty="0"/>
-              <a:t>Violación del principio de POO «</a:t>
-            </a:r>
-            <a:r>
-              <a:rPr lang="es-PE" dirty="0" err="1"/>
-              <a:t>Tell</a:t>
-            </a:r>
-            <a:r>
-              <a:rPr lang="es-PE" dirty="0"/>
-              <a:t> </a:t>
-            </a:r>
-            <a:r>
-              <a:rPr lang="es-PE" dirty="0" err="1"/>
-              <a:t>dont</a:t>
-            </a:r>
-            <a:r>
-              <a:rPr lang="es-PE" dirty="0"/>
-              <a:t> Ask» lo que lleva a un mal diseño.</a:t>
-            </a:r>
-          </a:p>
-          <a:p>
-            <a:endParaRPr lang="es-PE" dirty="0"/>
-          </a:p>
-        </p:txBody>
-      </p:sp>
-    </p:spTree>
-    <p:extLst>
-      <p:ext uri="{BB962C8B-B14F-4D97-AF65-F5344CB8AC3E}">
-        <p14:creationId xmlns:p14="http://schemas.microsoft.com/office/powerpoint/2010/main" val="940161427"/>
-      </p:ext>
-    </p:extLst>
-  </p:cSld>
-  <p:clrMapOvr>
-    <a:masterClrMapping/>
-  </p:clrMapOvr>
-  <p:timing>
-    <p:tnLst>
-      <p:par>
-        <p:cTn id="1" dur="indefinite" restart="never" nodeType="tmRoot"/>
-      </p:par>
-    </p:tnLst>
-  </p:timing>
-</p:sld>
-</file>
-
 <file path=ppt/slides/slide25.xml><?xml version="1.0" encoding="utf-8"?>
 <p:sld xmlns:a="http://schemas.openxmlformats.org/drawingml/2006/main" xmlns:r="http://schemas.openxmlformats.org/officeDocument/2006/relationships" xmlns:p="http://schemas.openxmlformats.org/presentationml/2006/main">
   <p:cSld>
@@ -12510,7 +12531,7 @@
       </p:grpSpPr>
       <p:sp>
         <p:nvSpPr>
-          <p:cNvPr id="3" name="2 Título"/>
+          <p:cNvPr id="2" name="1 Título"/>
           <p:cNvSpPr>
             <a:spLocks noGrp="1"/>
           </p:cNvSpPr>
@@ -12518,10 +12539,65 @@
             <p:ph type="title"/>
           </p:nvPr>
         </p:nvSpPr>
+        <p:spPr/>
+        <p:txBody>
+          <a:bodyPr/>
+          <a:lstStyle/>
+          <a:p>
+            <a:r>
+              <a:rPr lang="es-PE" dirty="0" smtClean="0">
+                <a:solidFill>
+                  <a:srgbClr val="FF0000"/>
+                </a:solidFill>
+              </a:rPr>
+              <a:t>Problemas del </a:t>
+            </a:r>
+            <a:r>
+              <a:rPr lang="es-PE" dirty="0" err="1" smtClean="0">
+                <a:solidFill>
+                  <a:srgbClr val="FF0000"/>
+                </a:solidFill>
+              </a:rPr>
+              <a:t>Primitive</a:t>
+            </a:r>
+            <a:r>
+              <a:rPr lang="es-PE" dirty="0" smtClean="0">
+                <a:solidFill>
+                  <a:srgbClr val="FF0000"/>
+                </a:solidFill>
+              </a:rPr>
+              <a:t> </a:t>
+            </a:r>
+            <a:r>
+              <a:rPr lang="es-PE" dirty="0" err="1" smtClean="0">
+                <a:solidFill>
+                  <a:srgbClr val="FF0000"/>
+                </a:solidFill>
+              </a:rPr>
+              <a:t>Obsession</a:t>
+            </a:r>
+            <a:endParaRPr lang="es-PE" dirty="0">
+              <a:solidFill>
+                <a:srgbClr val="FF0000"/>
+              </a:solidFill>
+            </a:endParaRPr>
+          </a:p>
+        </p:txBody>
+      </p:sp>
+      <p:sp>
+        <p:nvSpPr>
+          <p:cNvPr id="3" name="2 Marcador de contenido"/>
+          <p:cNvSpPr>
+            <a:spLocks noGrp="1"/>
+          </p:cNvSpPr>
+          <p:nvPr>
+            <p:ph idx="1"/>
+          </p:nvPr>
+        </p:nvSpPr>
         <p:spPr>
           <a:xfrm>
-            <a:off x="395536" y="260648"/>
-            <a:ext cx="8229600" cy="1800200"/>
+            <a:off x="457200" y="1600203"/>
+            <a:ext cx="8219256" cy="3628997"/>
           </a:xfrm>
         </p:spPr>
         <p:txBody>
@@ -12534,178 +12610,55 @@
                   <a:srgbClr val="FFC000"/>
                 </a:solidFill>
               </a:rPr>
-              <a:t>Ejercicio </a:t>
-            </a:r>
-            <a:r>
-              <a:rPr lang="es-PE" dirty="0" smtClean="0">
-                <a:solidFill>
-                  <a:srgbClr val="00823B"/>
-                </a:solidFill>
-              </a:rPr>
-              <a:t/>
-            </a:r>
-            <a:br>
-              <a:rPr lang="es-PE" dirty="0" smtClean="0">
-                <a:solidFill>
-                  <a:srgbClr val="00823B"/>
-                </a:solidFill>
-              </a:rPr>
-            </a:br>
-            <a:r>
-              <a:rPr lang="es-PE" dirty="0" smtClean="0">
-                <a:solidFill>
-                  <a:srgbClr val="00823B"/>
-                </a:solidFill>
-              </a:rPr>
-              <a:t>Aprender y reconocer </a:t>
-            </a:r>
-            <a:r>
-              <a:rPr lang="es-PE" dirty="0" err="1" smtClean="0">
-                <a:solidFill>
-                  <a:srgbClr val="00823B"/>
-                </a:solidFill>
-              </a:rPr>
-              <a:t>Code</a:t>
-            </a:r>
-            <a:r>
-              <a:rPr lang="es-PE" dirty="0" smtClean="0">
-                <a:solidFill>
-                  <a:srgbClr val="00823B"/>
-                </a:solidFill>
-              </a:rPr>
+              <a:t>Alta  dependencia: </a:t>
+            </a:r>
+            <a:r>
+              <a:rPr lang="es-PE" dirty="0" smtClean="0"/>
+              <a:t>El método está dependiendo directamente de muchas funcionalidades de la otra clase.</a:t>
+            </a:r>
+          </a:p>
+          <a:p>
+            <a:endParaRPr lang="es-PE" dirty="0"/>
+          </a:p>
+          <a:p>
+            <a:r>
+              <a:rPr lang="es-PE" dirty="0">
+                <a:solidFill>
+                  <a:srgbClr val="FFC000"/>
+                </a:solidFill>
+              </a:rPr>
+              <a:t>Pobre diseño: </a:t>
+            </a:r>
+            <a:r>
+              <a:rPr lang="es-PE" dirty="0"/>
+              <a:t>Violación del principio de POO «</a:t>
+            </a:r>
+            <a:r>
+              <a:rPr lang="es-PE" dirty="0" err="1"/>
+              <a:t>Tell</a:t>
+            </a:r>
+            <a:r>
+              <a:rPr lang="es-PE" dirty="0"/>
               <a:t> </a:t>
             </a:r>
             <a:r>
-              <a:rPr lang="es-PE" dirty="0" err="1" smtClean="0">
-                <a:solidFill>
-                  <a:srgbClr val="00823B"/>
-                </a:solidFill>
-              </a:rPr>
-              <a:t>Smells</a:t>
-            </a:r>
-            <a:r>
-              <a:rPr lang="es-PE" dirty="0" smtClean="0">
-                <a:solidFill>
-                  <a:srgbClr val="00823B"/>
-                </a:solidFill>
-              </a:rPr>
-              <a:t> dentro del código</a:t>
-            </a:r>
-            <a:endParaRPr lang="es-PE" dirty="0">
-              <a:solidFill>
-                <a:srgbClr val="00823B"/>
-              </a:solidFill>
-            </a:endParaRPr>
-          </a:p>
-        </p:txBody>
-      </p:sp>
-      <p:sp>
-        <p:nvSpPr>
-          <p:cNvPr id="4" name="3 CuadroTexto"/>
-          <p:cNvSpPr txBox="1"/>
-          <p:nvPr/>
-        </p:nvSpPr>
-        <p:spPr>
-          <a:xfrm>
-            <a:off x="323529" y="2298352"/>
-            <a:ext cx="8496944" cy="4154984"/>
-          </a:xfrm>
-          <a:prstGeom prst="rect">
-            <a:avLst/>
-          </a:prstGeom>
-          <a:noFill/>
-        </p:spPr>
-        <p:txBody>
-          <a:bodyPr wrap="square" rtlCol="0">
-            <a:spAutoFit/>
-          </a:bodyPr>
-          <a:lstStyle/>
-          <a:p>
-            <a:pPr marL="285750" indent="-285750">
-              <a:buFont typeface="Arial" pitchFamily="34" charset="0"/>
-              <a:buChar char="•"/>
-            </a:pPr>
-            <a:r>
-              <a:rPr lang="es-PE" sz="2400" smtClean="0"/>
-              <a:t>A cada persona se le ha entregado un catálogo de Code Smells</a:t>
-            </a:r>
-            <a:r>
-              <a:rPr lang="es-PE" sz="2400" smtClean="0"/>
-              <a:t> y un pequeño listado de atributos de calidad de software.</a:t>
-            </a:r>
-          </a:p>
-          <a:p>
-            <a:pPr marL="285750" indent="-285750">
-              <a:buFont typeface="Arial" pitchFamily="34" charset="0"/>
-              <a:buChar char="•"/>
-            </a:pPr>
-            <a:endParaRPr lang="es-PE" sz="2400" smtClean="0"/>
-          </a:p>
-          <a:p>
-            <a:pPr marL="285750" indent="-285750">
-              <a:buFont typeface="Arial" pitchFamily="34" charset="0"/>
-              <a:buChar char="•"/>
-            </a:pPr>
-            <a:r>
-              <a:rPr lang="es-PE" sz="2400" smtClean="0"/>
-              <a:t>Cada uno debe elegir el nombre de un smell de manera aleatoria.</a:t>
-            </a:r>
-            <a:endParaRPr lang="es-PE" sz="2400" smtClean="0"/>
-          </a:p>
-          <a:p>
-            <a:pPr marL="285750" indent="-285750">
-              <a:buFont typeface="Arial" pitchFamily="34" charset="0"/>
-              <a:buChar char="•"/>
-            </a:pPr>
-            <a:endParaRPr lang="es-PE" sz="2400" smtClean="0"/>
-          </a:p>
-          <a:p>
-            <a:pPr marL="285750" indent="-285750">
-              <a:buFont typeface="Arial" pitchFamily="34" charset="0"/>
-              <a:buChar char="•"/>
-            </a:pPr>
-            <a:r>
-              <a:rPr lang="es-PE" sz="2400" smtClean="0"/>
-              <a:t>De manera individual: </a:t>
-            </a:r>
-          </a:p>
-          <a:p>
-            <a:pPr marL="914400" lvl="1" indent="-457200">
-              <a:buFont typeface="Courier New" pitchFamily="49" charset="0"/>
-              <a:buChar char="o"/>
-            </a:pPr>
-            <a:r>
-              <a:rPr lang="es-PE" sz="2400" smtClean="0"/>
-              <a:t>Entender el significado del smell que le ha sido asignado.</a:t>
-            </a:r>
-          </a:p>
-          <a:p>
-            <a:pPr marL="914400" lvl="1" indent="-457200">
-              <a:buFont typeface="Courier New" pitchFamily="49" charset="0"/>
-              <a:buChar char="o"/>
-            </a:pPr>
-            <a:r>
-              <a:rPr lang="es-PE" sz="2400" smtClean="0"/>
-              <a:t>Pensar un ejemplo de código muy sencillo que ayude a entender mejor el smell. </a:t>
-            </a:r>
-          </a:p>
-          <a:p>
-            <a:pPr marL="914400" lvl="1" indent="-457200">
-              <a:buFont typeface="Courier New" pitchFamily="49" charset="0"/>
-              <a:buChar char="o"/>
-            </a:pPr>
-            <a:r>
-              <a:rPr lang="es-PE" sz="2400" smtClean="0"/>
-              <a:t>Identificar cuál  es el atributo de calidad más afectado.</a:t>
-            </a:r>
-            <a:endParaRPr lang="es-PE" sz="2400" smtClean="0"/>
+              <a:rPr lang="es-PE" dirty="0" err="1"/>
+              <a:t>dont</a:t>
+            </a:r>
+            <a:r>
+              <a:rPr lang="es-PE" dirty="0"/>
+              <a:t> Ask» lo que lleva a un mal diseño.</a:t>
+            </a:r>
+          </a:p>
+          <a:p>
+            <a:endParaRPr lang="es-PE" dirty="0"/>
           </a:p>
         </p:txBody>
       </p:sp>
     </p:spTree>
     <p:extLst>
       <p:ext uri="{BB962C8B-B14F-4D97-AF65-F5344CB8AC3E}">
-        <p14:creationId xmlns:p14="http://schemas.microsoft.com/office/powerpoint/2010/main" val="1201667538"/>
+        <p14:creationId xmlns:p14="http://schemas.microsoft.com/office/powerpoint/2010/main" val="940161427"/>
       </p:ext>
     </p:extLst>
   </p:cSld>
@@ -12751,6 +12704,231 @@
         </p:nvSpPr>
         <p:spPr>
           <a:xfrm>
+            <a:off x="395536" y="260648"/>
+            <a:ext cx="8229600" cy="1800200"/>
+          </a:xfrm>
+        </p:spPr>
+        <p:txBody>
+          <a:bodyPr/>
+          <a:lstStyle/>
+          <a:p>
+            <a:r>
+              <a:rPr lang="es-PE" dirty="0" smtClean="0">
+                <a:solidFill>
+                  <a:srgbClr val="FFC000"/>
+                </a:solidFill>
+              </a:rPr>
+              <a:t>Ejercicio </a:t>
+            </a:r>
+            <a:r>
+              <a:rPr lang="es-PE" dirty="0" smtClean="0">
+                <a:solidFill>
+                  <a:srgbClr val="00823B"/>
+                </a:solidFill>
+              </a:rPr>
+              <a:t/>
+            </a:r>
+            <a:br>
+              <a:rPr lang="es-PE" dirty="0" smtClean="0">
+                <a:solidFill>
+                  <a:srgbClr val="00823B"/>
+                </a:solidFill>
+              </a:rPr>
+            </a:br>
+            <a:r>
+              <a:rPr lang="es-PE" dirty="0" smtClean="0">
+                <a:solidFill>
+                  <a:srgbClr val="00823B"/>
+                </a:solidFill>
+              </a:rPr>
+              <a:t>Aprender y reconocer </a:t>
+            </a:r>
+            <a:r>
+              <a:rPr lang="es-PE" dirty="0" err="1" smtClean="0">
+                <a:solidFill>
+                  <a:srgbClr val="00823B"/>
+                </a:solidFill>
+              </a:rPr>
+              <a:t>Code</a:t>
+            </a:r>
+            <a:r>
+              <a:rPr lang="es-PE" dirty="0" smtClean="0">
+                <a:solidFill>
+                  <a:srgbClr val="00823B"/>
+                </a:solidFill>
+              </a:rPr>
+              <a:t> </a:t>
+            </a:r>
+            <a:r>
+              <a:rPr lang="es-PE" dirty="0" err="1" smtClean="0">
+                <a:solidFill>
+                  <a:srgbClr val="00823B"/>
+                </a:solidFill>
+              </a:rPr>
+              <a:t>Smells</a:t>
+            </a:r>
+            <a:r>
+              <a:rPr lang="es-PE" dirty="0" smtClean="0">
+                <a:solidFill>
+                  <a:srgbClr val="00823B"/>
+                </a:solidFill>
+              </a:rPr>
+              <a:t> dentro del código</a:t>
+            </a:r>
+            <a:endParaRPr lang="es-PE" dirty="0">
+              <a:solidFill>
+                <a:srgbClr val="00823B"/>
+              </a:solidFill>
+            </a:endParaRPr>
+          </a:p>
+        </p:txBody>
+      </p:sp>
+      <p:sp>
+        <p:nvSpPr>
+          <p:cNvPr id="4" name="3 CuadroTexto"/>
+          <p:cNvSpPr txBox="1"/>
+          <p:nvPr/>
+        </p:nvSpPr>
+        <p:spPr>
+          <a:xfrm>
+            <a:off x="323529" y="2298352"/>
+            <a:ext cx="8496944" cy="4154984"/>
+          </a:xfrm>
+          <a:prstGeom prst="rect">
+            <a:avLst/>
+          </a:prstGeom>
+          <a:noFill/>
+        </p:spPr>
+        <p:txBody>
+          <a:bodyPr wrap="square" rtlCol="0">
+            <a:spAutoFit/>
+          </a:bodyPr>
+          <a:lstStyle/>
+          <a:p>
+            <a:pPr marL="285750" indent="-285750">
+              <a:buFont typeface="Arial" pitchFamily="34" charset="0"/>
+              <a:buChar char="•"/>
+            </a:pPr>
+            <a:r>
+              <a:rPr lang="es-PE" sz="2400" smtClean="0"/>
+              <a:t>A cada persona se le ha entregado un catálogo de Code Smells y un pequeño listado de atributos de calidad de software.</a:t>
+            </a:r>
+          </a:p>
+          <a:p>
+            <a:pPr marL="285750" indent="-285750">
+              <a:buFont typeface="Arial" pitchFamily="34" charset="0"/>
+              <a:buChar char="•"/>
+            </a:pPr>
+            <a:endParaRPr lang="es-PE" sz="2400" smtClean="0"/>
+          </a:p>
+          <a:p>
+            <a:pPr marL="285750" indent="-285750">
+              <a:buFont typeface="Arial" pitchFamily="34" charset="0"/>
+              <a:buChar char="•"/>
+            </a:pPr>
+            <a:r>
+              <a:rPr lang="es-PE" sz="2400" smtClean="0"/>
+              <a:t>Cada uno debe elegir el nombre de un smell de manera aleatoria.</a:t>
+            </a:r>
+          </a:p>
+          <a:p>
+            <a:pPr marL="285750" indent="-285750">
+              <a:buFont typeface="Arial" pitchFamily="34" charset="0"/>
+              <a:buChar char="•"/>
+            </a:pPr>
+            <a:endParaRPr lang="es-PE" sz="2400" smtClean="0"/>
+          </a:p>
+          <a:p>
+            <a:pPr marL="285750" indent="-285750">
+              <a:buFont typeface="Arial" pitchFamily="34" charset="0"/>
+              <a:buChar char="•"/>
+            </a:pPr>
+            <a:r>
+              <a:rPr lang="es-PE" sz="2400" smtClean="0"/>
+              <a:t>De manera individual: </a:t>
+            </a:r>
+          </a:p>
+          <a:p>
+            <a:pPr marL="914400" lvl="1" indent="-457200">
+              <a:buFont typeface="Courier New" pitchFamily="49" charset="0"/>
+              <a:buChar char="o"/>
+            </a:pPr>
+            <a:r>
+              <a:rPr lang="es-PE" sz="2400" smtClean="0"/>
+              <a:t>Entender el significado del smell que le ha sido asignado.</a:t>
+            </a:r>
+          </a:p>
+          <a:p>
+            <a:pPr marL="914400" lvl="1" indent="-457200">
+              <a:buFont typeface="Courier New" pitchFamily="49" charset="0"/>
+              <a:buChar char="o"/>
+            </a:pPr>
+            <a:r>
+              <a:rPr lang="es-PE" sz="2400" smtClean="0"/>
+              <a:t>Pensar un ejemplo de código muy sencillo que ayude a entender mejor el smell. </a:t>
+            </a:r>
+          </a:p>
+          <a:p>
+            <a:pPr marL="914400" lvl="1" indent="-457200">
+              <a:buFont typeface="Courier New" pitchFamily="49" charset="0"/>
+              <a:buChar char="o"/>
+            </a:pPr>
+            <a:r>
+              <a:rPr lang="es-PE" sz="2400" smtClean="0"/>
+              <a:t>Identificar cuál  es el atributo de calidad más afectado.</a:t>
+            </a:r>
+          </a:p>
+        </p:txBody>
+      </p:sp>
+    </p:spTree>
+    <p:extLst>
+      <p:ext uri="{BB962C8B-B14F-4D97-AF65-F5344CB8AC3E}">
+        <p14:creationId xmlns:p14="http://schemas.microsoft.com/office/powerpoint/2010/main" val="1201667538"/>
+      </p:ext>
+    </p:extLst>
+  </p:cSld>
+  <p:clrMapOvr>
+    <a:masterClrMapping/>
+  </p:clrMapOvr>
+  <p:timing>
+    <p:tnLst>
+      <p:par>
+        <p:cTn id="1" dur="indefinite" restart="never" nodeType="tmRoot"/>
+      </p:par>
+    </p:tnLst>
+  </p:timing>
+</p:sld>
+</file>
+
+<file path=ppt/slides/slide27.xml><?xml version="1.0" encoding="utf-8"?>
+<p:sld xmlns:a="http://schemas.openxmlformats.org/drawingml/2006/main" xmlns:r="http://schemas.openxmlformats.org/officeDocument/2006/relationships" xmlns:p="http://schemas.openxmlformats.org/presentationml/2006/main">
+  <p:cSld>
+    <p:spTree>
+      <p:nvGrpSpPr>
+        <p:cNvPr id="1" name=""/>
+        <p:cNvGrpSpPr/>
+        <p:nvPr/>
+      </p:nvGrpSpPr>
+      <p:grpSpPr>
+        <a:xfrm>
+          <a:off x="0" y="0"/>
+          <a:ext cx="0" cy="0"/>
+          <a:chOff x="0" y="0"/>
+          <a:chExt cx="0" cy="0"/>
+        </a:xfrm>
+      </p:grpSpPr>
+      <p:sp>
+        <p:nvSpPr>
+          <p:cNvPr id="3" name="2 Título"/>
+          <p:cNvSpPr>
+            <a:spLocks noGrp="1"/>
+          </p:cNvSpPr>
+          <p:nvPr>
+            <p:ph type="title"/>
+          </p:nvPr>
+        </p:nvSpPr>
+        <p:spPr>
+          <a:xfrm>
             <a:off x="395536" y="188640"/>
             <a:ext cx="8229600" cy="2088232"/>
           </a:xfrm>
@@ -12871,11 +13049,7 @@
             </a:pPr>
             <a:r>
               <a:rPr lang="es-PE" sz="2400" smtClean="0"/>
-              <a:t>En </a:t>
-            </a:r>
-            <a:r>
-              <a:rPr lang="es-PE" sz="2400" smtClean="0"/>
-              <a:t>grupos, cada pareja explica sus smells al resto del grupo y discuten al respecto.</a:t>
+              <a:t>En grupos, cada pareja explica sus smells al resto del grupo y discuten al respecto.</a:t>
             </a:r>
           </a:p>
           <a:p>
@@ -12892,13 +13066,8 @@
             </a:pPr>
             <a:r>
               <a:rPr lang="es-PE" sz="2400" smtClean="0"/>
-              <a:t>Cada grupo comparte con todos el significado de sus smells</a:t>
-            </a:r>
-            <a:r>
-              <a:rPr lang="es-PE" sz="2400" smtClean="0"/>
-              <a:t>.</a:t>
-            </a:r>
-            <a:endParaRPr lang="es-PE" sz="2400" smtClean="0"/>
+              <a:t>Cada grupo comparte con todos el significado de sus smells.</a:t>
+            </a:r>
           </a:p>
         </p:txBody>
       </p:sp>
@@ -12994,7 +13163,7 @@
 </p:sld>
 </file>
 
-<file path=ppt/slides/slide27.xml><?xml version="1.0" encoding="utf-8"?>
+<file path=ppt/slides/slide28.xml><?xml version="1.0" encoding="utf-8"?>
 <p:sld xmlns:a="http://schemas.openxmlformats.org/drawingml/2006/main" xmlns:r="http://schemas.openxmlformats.org/officeDocument/2006/relationships" xmlns:p="http://schemas.openxmlformats.org/presentationml/2006/main">
   <p:cSld>
     <p:spTree>
@@ -13335,110 +13504,6 @@
 </p:sld>
 </file>
 
-<file path=ppt/slides/slide28.xml><?xml version="1.0" encoding="utf-8"?>
-<p:sld xmlns:a="http://schemas.openxmlformats.org/drawingml/2006/main" xmlns:r="http://schemas.openxmlformats.org/officeDocument/2006/relationships" xmlns:p="http://schemas.openxmlformats.org/presentationml/2006/main">
-  <p:cSld>
-    <p:spTree>
-      <p:nvGrpSpPr>
-        <p:cNvPr id="1" name=""/>
-        <p:cNvGrpSpPr/>
-        <p:nvPr/>
-      </p:nvGrpSpPr>
-      <p:grpSpPr>
-        <a:xfrm>
-          <a:off x="0" y="0"/>
-          <a:ext cx="0" cy="0"/>
-          <a:chOff x="0" y="0"/>
-          <a:chExt cx="0" cy="0"/>
-        </a:xfrm>
-      </p:grpSpPr>
-      <p:sp>
-        <p:nvSpPr>
-          <p:cNvPr id="3" name="2 Marcador de contenido"/>
-          <p:cNvSpPr>
-            <a:spLocks noGrp="1"/>
-          </p:cNvSpPr>
-          <p:nvPr>
-            <p:ph idx="1"/>
-          </p:nvPr>
-        </p:nvSpPr>
-        <p:spPr>
-          <a:xfrm>
-            <a:off x="467544" y="2752331"/>
-            <a:ext cx="8229600" cy="1468757"/>
-          </a:xfrm>
-        </p:spPr>
-        <p:txBody>
-          <a:bodyPr/>
-          <a:lstStyle/>
-          <a:p>
-            <a:pPr marL="0" indent="0" algn="ctr">
-              <a:buNone/>
-            </a:pPr>
-            <a:r>
-              <a:rPr lang="es-PE" dirty="0" smtClean="0"/>
-              <a:t>Ahora que sabemos </a:t>
-            </a:r>
-            <a:r>
-              <a:rPr lang="es-PE" sz="4400" dirty="0">
-                <a:solidFill>
-                  <a:srgbClr val="FFC000"/>
-                </a:solidFill>
-              </a:rPr>
-              <a:t>qué</a:t>
-            </a:r>
-            <a:r>
-              <a:rPr lang="es-PE" dirty="0">
-                <a:solidFill>
-                  <a:srgbClr val="FFC000"/>
-                </a:solidFill>
-              </a:rPr>
-              <a:t> </a:t>
-            </a:r>
-            <a:r>
-              <a:rPr lang="es-PE" dirty="0" smtClean="0"/>
-              <a:t>mejorar, vamos a aprender </a:t>
-            </a:r>
-            <a:r>
-              <a:rPr lang="es-PE" sz="4400" dirty="0" smtClean="0">
-                <a:solidFill>
-                  <a:srgbClr val="FFC000"/>
-                </a:solidFill>
-              </a:rPr>
-              <a:t>cómo</a:t>
-            </a:r>
-            <a:r>
-              <a:rPr lang="es-PE" sz="4400" dirty="0" smtClean="0"/>
-              <a:t> </a:t>
-            </a:r>
-            <a:r>
-              <a:rPr lang="es-PE" dirty="0" smtClean="0"/>
-              <a:t>mejorarlo.</a:t>
-            </a:r>
-            <a:endParaRPr lang="es-PE" dirty="0"/>
-          </a:p>
-        </p:txBody>
-      </p:sp>
-    </p:spTree>
-    <p:extLst>
-      <p:ext uri="{BB962C8B-B14F-4D97-AF65-F5344CB8AC3E}">
-        <p14:creationId xmlns:p14="http://schemas.microsoft.com/office/powerpoint/2010/main" val="4040939438"/>
-      </p:ext>
-    </p:extLst>
-  </p:cSld>
-  <p:clrMapOvr>
-    <a:masterClrMapping/>
-  </p:clrMapOvr>
-  <p:timing>
-    <p:tnLst>
-      <p:par>
-        <p:cTn id="1" dur="indefinite" restart="never" nodeType="tmRoot"/>
-      </p:par>
-    </p:tnLst>
-  </p:timing>
-</p:sld>
-</file>
-
 <file path=ppt/slides/slide29.xml><?xml version="1.0" encoding="utf-8"?>
 <p:sld xmlns:a="http://schemas.openxmlformats.org/drawingml/2006/main" xmlns:r="http://schemas.openxmlformats.org/officeDocument/2006/relationships" xmlns:p="http://schemas.openxmlformats.org/presentationml/2006/main">
   <p:cSld>
@@ -13458,129 +13523,75 @@
       </p:grpSpPr>
       <p:sp>
         <p:nvSpPr>
-          <p:cNvPr id="7" name="1 Título"/>
+          <p:cNvPr id="3" name="2 Marcador de contenido"/>
           <p:cNvSpPr>
             <a:spLocks noGrp="1"/>
           </p:cNvSpPr>
           <p:nvPr>
-            <p:ph type="title"/>
+            <p:ph idx="1"/>
           </p:nvPr>
         </p:nvSpPr>
         <p:spPr>
           <a:xfrm>
-            <a:off x="493204" y="1124744"/>
-            <a:ext cx="8229600" cy="1143000"/>
+            <a:off x="467544" y="2752331"/>
+            <a:ext cx="8229600" cy="1468757"/>
           </a:xfrm>
         </p:spPr>
         <p:txBody>
           <a:bodyPr/>
           <a:lstStyle/>
           <a:p>
-            <a:r>
-              <a:rPr lang="es-PE" dirty="0" smtClean="0">
-                <a:solidFill>
-                  <a:srgbClr val="009A46"/>
-                </a:solidFill>
-              </a:rPr>
-              <a:t>¿Qué es </a:t>
-            </a:r>
-            <a:r>
-              <a:rPr lang="es-PE" dirty="0" err="1" smtClean="0">
-                <a:solidFill>
-                  <a:srgbClr val="009A46"/>
-                </a:solidFill>
-              </a:rPr>
-              <a:t>Refactoring</a:t>
-            </a:r>
-            <a:r>
-              <a:rPr lang="es-PE" dirty="0" smtClean="0">
-                <a:solidFill>
-                  <a:srgbClr val="009A46"/>
-                </a:solidFill>
-              </a:rPr>
-              <a:t> ?</a:t>
-            </a:r>
-            <a:endParaRPr lang="es-PE" dirty="0">
-              <a:solidFill>
-                <a:srgbClr val="009A46"/>
-              </a:solidFill>
-            </a:endParaRPr>
-          </a:p>
-        </p:txBody>
-      </p:sp>
-      <p:sp>
-        <p:nvSpPr>
-          <p:cNvPr id="3" name="2 CuadroTexto"/>
-          <p:cNvSpPr txBox="1"/>
-          <p:nvPr/>
-        </p:nvSpPr>
-        <p:spPr>
-          <a:xfrm>
-            <a:off x="899592" y="2348880"/>
-            <a:ext cx="7416824" cy="1384995"/>
-          </a:xfrm>
-          <a:prstGeom prst="rect">
-            <a:avLst/>
-          </a:prstGeom>
-          <a:noFill/>
-        </p:spPr>
-        <p:txBody>
-          <a:bodyPr wrap="square" rtlCol="0">
-            <a:spAutoFit/>
-          </a:bodyPr>
-          <a:lstStyle/>
-          <a:p>
-            <a:pPr algn="ctr"/>
-            <a:r>
-              <a:rPr lang="es-PE" sz="2800" i="1" dirty="0">
-                <a:latin typeface="Arial" pitchFamily="34" charset="0"/>
-                <a:cs typeface="Arial" pitchFamily="34" charset="0"/>
-              </a:rPr>
-              <a:t>Es una técnica disciplinada que nos permite mejorar la estructura interna del código sin alterar su comportamiento.</a:t>
-            </a:r>
-          </a:p>
-        </p:txBody>
-      </p:sp>
-      <p:sp>
-        <p:nvSpPr>
-          <p:cNvPr id="5" name="4 CuadroTexto"/>
-          <p:cNvSpPr txBox="1"/>
-          <p:nvPr/>
-        </p:nvSpPr>
-        <p:spPr>
-          <a:xfrm>
-            <a:off x="4420158" y="4136821"/>
-            <a:ext cx="3896258" cy="461665"/>
-          </a:xfrm>
-          <a:prstGeom prst="rect">
-            <a:avLst/>
-          </a:prstGeom>
-          <a:noFill/>
-        </p:spPr>
-        <p:txBody>
-          <a:bodyPr wrap="none" rtlCol="0">
-            <a:spAutoFit/>
-          </a:bodyPr>
-          <a:lstStyle/>
-          <a:p>
-            <a:pPr algn="ctr"/>
-            <a:r>
-              <a:rPr lang="es-PE" sz="2400" dirty="0">
+            <a:pPr marL="0" indent="0" algn="ctr">
+              <a:buNone/>
+            </a:pPr>
+            <a:r>
+              <a:rPr lang="es-PE" dirty="0" smtClean="0"/>
+              <a:t>Ahora que sabemos </a:t>
+            </a:r>
+            <a:r>
+              <a:rPr lang="es-PE" sz="4400" dirty="0">
                 <a:solidFill>
                   <a:srgbClr val="FFC000"/>
                 </a:solidFill>
-                <a:latin typeface="Arial" pitchFamily="34" charset="0"/>
-                <a:cs typeface="Arial" pitchFamily="34" charset="0"/>
-              </a:rPr>
-              <a:t>http://www.refactoring.com/</a:t>
-            </a:r>
+              </a:rPr>
+              <a:t>qué</a:t>
+            </a:r>
+            <a:r>
+              <a:rPr lang="es-PE" dirty="0">
+                <a:solidFill>
+                  <a:srgbClr val="FFC000"/>
+                </a:solidFill>
+              </a:rPr>
+              <a:t> </a:t>
+            </a:r>
+            <a:r>
+              <a:rPr lang="es-PE" dirty="0" smtClean="0"/>
+              <a:t>mejorar, vamos a aprender </a:t>
+            </a:r>
+            <a:r>
+              <a:rPr lang="es-PE" sz="4400" dirty="0" smtClean="0">
+                <a:solidFill>
+                  <a:srgbClr val="FFC000"/>
+                </a:solidFill>
+              </a:rPr>
+              <a:t>cómo</a:t>
+            </a:r>
+            <a:r>
+              <a:rPr lang="es-PE" sz="4400" dirty="0" smtClean="0"/>
+              <a:t> </a:t>
+            </a:r>
+            <a:r>
+              <a:rPr lang="es-PE" dirty="0" smtClean="0"/>
+              <a:t>mejorarlo.</a:t>
+            </a:r>
+            <a:endParaRPr lang="es-PE" dirty="0"/>
           </a:p>
         </p:txBody>
       </p:sp>
     </p:spTree>
     <p:extLst>
       <p:ext uri="{BB962C8B-B14F-4D97-AF65-F5344CB8AC3E}">
-        <p14:creationId xmlns:p14="http://schemas.microsoft.com/office/powerpoint/2010/main" val="3147889052"/>
+        <p14:creationId xmlns:p14="http://schemas.microsoft.com/office/powerpoint/2010/main" val="4040939438"/>
       </p:ext>
     </p:extLst>
   </p:cSld>
@@ -13626,7 +13637,7 @@
         </p:nvSpPr>
         <p:spPr>
           <a:xfrm>
-            <a:off x="393768" y="404664"/>
+            <a:off x="518864" y="188640"/>
             <a:ext cx="8229600" cy="818254"/>
           </a:xfrm>
           <a:noFill/>
@@ -13646,18 +13657,13 @@
           <a:lstStyle/>
           <a:p>
             <a:r>
-              <a:rPr lang="es-PE" dirty="0" smtClean="0">
+              <a:rPr lang="en-US" dirty="0">
                 <a:solidFill>
                   <a:srgbClr val="009A46"/>
                 </a:solidFill>
               </a:rPr>
-              <a:t>Problemas de la Deuda Técnica</a:t>
-            </a:r>
-            <a:endParaRPr lang="es-ES" dirty="0">
-              <a:solidFill>
-                <a:srgbClr val="009A46"/>
-              </a:solidFill>
-            </a:endParaRPr>
+              <a:t>Technical Debt</a:t>
+            </a:r>
           </a:p>
         </p:txBody>
       </p:sp>
@@ -13669,8 +13675,8 @@
         </p:nvSpPr>
         <p:spPr>
           <a:xfrm>
-            <a:off x="1187624" y="1484784"/>
-            <a:ext cx="7272807" cy="3785652"/>
+            <a:off x="384050" y="1016160"/>
+            <a:ext cx="8561175" cy="1815882"/>
           </a:xfrm>
           <a:prstGeom prst="rect">
             <a:avLst/>
@@ -13683,174 +13689,60 @@
           </a:bodyPr>
           <a:lstStyle/>
           <a:p>
-            <a:pPr marL="342900" indent="-342900">
-              <a:buFont typeface="Arial" pitchFamily="34" charset="0"/>
-              <a:buChar char="•"/>
-            </a:pPr>
-            <a:r>
-              <a:rPr lang="es-PE" sz="2400" dirty="0" smtClean="0"/>
-              <a:t>Responder de manera muy lenta ante nuevas funcionalidades o cambios.</a:t>
-            </a:r>
-          </a:p>
-          <a:p>
-            <a:pPr marL="342900" indent="-342900">
-              <a:buFont typeface="Arial" pitchFamily="34" charset="0"/>
-              <a:buChar char="•"/>
-            </a:pPr>
-            <a:endParaRPr lang="es-PE" sz="2400" dirty="0" smtClean="0"/>
-          </a:p>
-          <a:p>
-            <a:pPr marL="342900" indent="-342900">
-              <a:buFont typeface="Arial" pitchFamily="34" charset="0"/>
-              <a:buChar char="•"/>
-            </a:pPr>
-            <a:r>
-              <a:rPr lang="es-PE" sz="2400" dirty="0" smtClean="0"/>
-              <a:t>Número elevado de errores en post producción.</a:t>
-            </a:r>
-          </a:p>
-          <a:p>
-            <a:pPr marL="342900" indent="-342900">
-              <a:buFont typeface="Arial" pitchFamily="34" charset="0"/>
-              <a:buChar char="•"/>
-            </a:pPr>
-            <a:endParaRPr lang="es-PE" sz="2400" dirty="0"/>
-          </a:p>
-          <a:p>
-            <a:pPr marL="342900" indent="-342900">
-              <a:buFont typeface="Arial" pitchFamily="34" charset="0"/>
-              <a:buChar char="•"/>
-            </a:pPr>
-            <a:r>
-              <a:rPr lang="es-PE" sz="2400" dirty="0" smtClean="0"/>
-              <a:t>Dificultad para incorporar nuevos recursos  y rotación de empleados.</a:t>
-            </a:r>
-            <a:endParaRPr lang="es-PE" sz="2400" dirty="0"/>
-          </a:p>
-          <a:p>
-            <a:pPr marL="342900" indent="-342900">
-              <a:buFont typeface="Arial" pitchFamily="34" charset="0"/>
-              <a:buChar char="•"/>
-            </a:pPr>
-            <a:endParaRPr lang="es-PE" sz="2400" dirty="0"/>
-          </a:p>
-          <a:p>
-            <a:pPr marL="342900" indent="-342900">
-              <a:buFont typeface="Arial" pitchFamily="34" charset="0"/>
-              <a:buChar char="•"/>
-            </a:pPr>
-            <a:r>
-              <a:rPr lang="es-PE" sz="2400" dirty="0" smtClean="0"/>
-              <a:t>Incapacidad de predecir o estimar algo sobre la aplicación. </a:t>
-            </a:r>
+            <a:pPr algn="ctr"/>
+            <a:r>
+              <a:rPr lang="es-PE" sz="2800" dirty="0" smtClean="0"/>
+              <a:t>Obligaciones que una organización toma cuando disminuye consciente o inconscientemente la calidad interna del producto para satisfacer metas a corto plazo pero que son perjudiciales a largo plazo.</a:t>
+            </a:r>
+            <a:endParaRPr lang="es-PE" sz="2800" dirty="0"/>
           </a:p>
         </p:txBody>
       </p:sp>
-      <p:cxnSp>
-        <p:nvCxnSpPr>
-          <p:cNvPr id="5" name="4 Conector recto"/>
-          <p:cNvCxnSpPr/>
+      <p:pic>
+        <p:nvPicPr>
+          <p:cNvPr id="2052" name="Picture 4" descr="http://www.debtconsolidationusa.com/wp-content/uploads/2012/02/bad-credit-loans.jpg"/>
+          <p:cNvPicPr>
+            <a:picLocks noChangeAspect="1" noChangeArrowheads="1"/>
+          </p:cNvPicPr>
           <p:nvPr/>
-        </p:nvCxnSpPr>
-        <p:spPr>
+        </p:nvPicPr>
+        <p:blipFill>
+          <a:blip r:embed="rId3">
+            <a:extLst>
+              <a:ext uri="{28A0092B-C50C-407E-A947-70E740481C1C}">
+                <a14:useLocalDpi xmlns:a14="http://schemas.microsoft.com/office/drawing/2010/main" val="0"/>
+              </a:ext>
+            </a:extLst>
+          </a:blip>
+          <a:srcRect/>
+          <a:stretch>
+            <a:fillRect/>
+          </a:stretch>
+        </p:blipFill>
+        <p:spPr bwMode="auto">
           <a:xfrm>
-            <a:off x="683569" y="5385990"/>
-            <a:ext cx="7920879" cy="0"/>
-          </a:xfrm>
-          <a:prstGeom prst="line">
-            <a:avLst/>
-          </a:prstGeom>
-          <a:ln w="57150">
-            <a:solidFill>
-              <a:schemeClr val="tx1"/>
-            </a:solidFill>
-          </a:ln>
-        </p:spPr>
-        <p:style>
-          <a:lnRef idx="1">
-            <a:schemeClr val="accent1"/>
-          </a:lnRef>
-          <a:fillRef idx="0">
-            <a:schemeClr val="accent1"/>
-          </a:fillRef>
-          <a:effectRef idx="0">
-            <a:schemeClr val="accent1"/>
-          </a:effectRef>
-          <a:fontRef idx="minor">
-            <a:schemeClr val="tx1"/>
-          </a:fontRef>
-        </p:style>
-      </p:cxnSp>
-      <p:sp>
-        <p:nvSpPr>
-          <p:cNvPr id="7" name="6 Rectángulo"/>
-          <p:cNvSpPr/>
-          <p:nvPr/>
-        </p:nvSpPr>
-        <p:spPr>
-          <a:xfrm>
-            <a:off x="899592" y="5385990"/>
-            <a:ext cx="7488832" cy="923330"/>
+            <a:off x="2379397" y="2996952"/>
+            <a:ext cx="4570479" cy="3427859"/>
           </a:xfrm>
           <a:prstGeom prst="rect">
             <a:avLst/>
           </a:prstGeom>
+          <a:noFill/>
+          <a:extLst>
+            <a:ext uri="{909E8E84-426E-40DD-AFC4-6F175D3DCCD1}">
+              <a14:hiddenFill xmlns:a14="http://schemas.microsoft.com/office/drawing/2010/main">
+                <a:solidFill>
+                  <a:srgbClr val="FFFFFF"/>
+                </a:solidFill>
+              </a14:hiddenFill>
+            </a:ext>
+          </a:extLst>
         </p:spPr>
-        <p:txBody>
-          <a:bodyPr wrap="square">
-            <a:spAutoFit/>
-          </a:bodyPr>
-          <a:lstStyle/>
-          <a:p>
-            <a:pPr algn="ctr"/>
-            <a:r>
-              <a:rPr lang="es-PE" sz="5400" dirty="0" smtClean="0">
-                <a:solidFill>
-                  <a:srgbClr val="FF0000"/>
-                </a:solidFill>
-              </a:rPr>
-              <a:t>Perdida de Dinero</a:t>
-            </a:r>
-            <a:endParaRPr lang="es-PE" sz="5400" dirty="0">
-              <a:solidFill>
-                <a:srgbClr val="FF0000"/>
-              </a:solidFill>
-            </a:endParaRPr>
-          </a:p>
-        </p:txBody>
-      </p:sp>
-      <p:sp>
-        <p:nvSpPr>
-          <p:cNvPr id="6" name="5 Rectángulo"/>
-          <p:cNvSpPr/>
-          <p:nvPr/>
-        </p:nvSpPr>
-        <p:spPr>
-          <a:xfrm>
-            <a:off x="532458" y="2674859"/>
-            <a:ext cx="567784" cy="1015663"/>
-          </a:xfrm>
-          <a:prstGeom prst="rect">
-            <a:avLst/>
-          </a:prstGeom>
-        </p:spPr>
-        <p:txBody>
-          <a:bodyPr wrap="none">
-            <a:spAutoFit/>
-          </a:bodyPr>
-          <a:lstStyle/>
-          <a:p>
-            <a:r>
-              <a:rPr lang="es-PE" sz="6000" b="1" dirty="0"/>
-              <a:t>+</a:t>
-            </a:r>
-          </a:p>
-        </p:txBody>
-      </p:sp>
+      </p:pic>
     </p:spTree>
     <p:extLst>
       <p:ext uri="{BB962C8B-B14F-4D97-AF65-F5344CB8AC3E}">
-        <p14:creationId xmlns:p14="http://schemas.microsoft.com/office/powerpoint/2010/main" val="2820780824"/>
+        <p14:creationId xmlns:p14="http://schemas.microsoft.com/office/powerpoint/2010/main" val="222094944"/>
       </p:ext>
     </p:extLst>
   </p:cSld>
@@ -13860,135 +13752,9 @@
   <p:timing>
     <p:tnLst>
       <p:par>
-        <p:cTn id="1" dur="indefinite" restart="never" nodeType="tmRoot">
-          <p:childTnLst>
-            <p:seq concurrent="1" nextAc="seek">
-              <p:cTn id="2" dur="indefinite" nodeType="mainSeq">
-                <p:childTnLst>
-                  <p:par>
-                    <p:cTn id="3" fill="hold">
-                      <p:stCondLst>
-                        <p:cond delay="indefinite"/>
-                      </p:stCondLst>
-                      <p:childTnLst>
-                        <p:par>
-                          <p:cTn id="4" fill="hold">
-                            <p:stCondLst>
-                              <p:cond delay="0"/>
-                            </p:stCondLst>
-                            <p:childTnLst>
-                              <p:par>
-                                <p:cTn id="5" presetID="1" presetClass="entr" presetSubtype="0" fill="hold" grpId="0" nodeType="clickEffect">
-                                  <p:stCondLst>
-                                    <p:cond delay="0"/>
-                                  </p:stCondLst>
-                                  <p:childTnLst>
-                                    <p:set>
-                                      <p:cBhvr>
-                                        <p:cTn id="6" dur="1" fill="hold">
-                                          <p:stCondLst>
-                                            <p:cond delay="0"/>
-                                          </p:stCondLst>
-                                        </p:cTn>
-                                        <p:tgtEl>
-                                          <p:spTgt spid="6"/>
-                                        </p:tgtEl>
-                                        <p:attrNameLst>
-                                          <p:attrName>style.visibility</p:attrName>
-                                        </p:attrNameLst>
-                                      </p:cBhvr>
-                                      <p:to>
-                                        <p:strVal val="visible"/>
-                                      </p:to>
-                                    </p:set>
-                                  </p:childTnLst>
-                                </p:cTn>
-                              </p:par>
-                              <p:par>
-                                <p:cTn id="7" presetID="1" presetClass="entr" presetSubtype="0" fill="hold" grpId="0" nodeType="withEffect">
-                                  <p:stCondLst>
-                                    <p:cond delay="0"/>
-                                  </p:stCondLst>
-                                  <p:childTnLst>
-                                    <p:set>
-                                      <p:cBhvr>
-                                        <p:cTn id="8" dur="1" fill="hold">
-                                          <p:stCondLst>
-                                            <p:cond delay="0"/>
-                                          </p:stCondLst>
-                                        </p:cTn>
-                                        <p:tgtEl>
-                                          <p:spTgt spid="7"/>
-                                        </p:tgtEl>
-                                        <p:attrNameLst>
-                                          <p:attrName>style.visibility</p:attrName>
-                                        </p:attrNameLst>
-                                      </p:cBhvr>
-                                      <p:to>
-                                        <p:strVal val="visible"/>
-                                      </p:to>
-                                    </p:set>
-                                  </p:childTnLst>
-                                </p:cTn>
-                              </p:par>
-                              <p:par>
-                                <p:cTn id="9" presetID="1" presetClass="entr" presetSubtype="0" fill="hold" nodeType="withEffect">
-                                  <p:stCondLst>
-                                    <p:cond delay="0"/>
-                                  </p:stCondLst>
-                                  <p:childTnLst>
-                                    <p:set>
-                                      <p:cBhvr>
-                                        <p:cTn id="10" dur="1" fill="hold">
-                                          <p:stCondLst>
-                                            <p:cond delay="0"/>
-                                          </p:stCondLst>
-                                        </p:cTn>
-                                        <p:tgtEl>
-                                          <p:spTgt spid="5"/>
-                                        </p:tgtEl>
-                                        <p:attrNameLst>
-                                          <p:attrName>style.visibility</p:attrName>
-                                        </p:attrNameLst>
-                                      </p:cBhvr>
-                                      <p:to>
-                                        <p:strVal val="visible"/>
-                                      </p:to>
-                                    </p:set>
-                                  </p:childTnLst>
-                                </p:cTn>
-                              </p:par>
-                            </p:childTnLst>
-                          </p:cTn>
-                        </p:par>
-                      </p:childTnLst>
-                    </p:cTn>
-                  </p:par>
-                </p:childTnLst>
-              </p:cTn>
-              <p:prevCondLst>
-                <p:cond evt="onPrev" delay="0">
-                  <p:tgtEl>
-                    <p:sldTgt/>
-                  </p:tgtEl>
-                </p:cond>
-              </p:prevCondLst>
-              <p:nextCondLst>
-                <p:cond evt="onNext" delay="0">
-                  <p:tgtEl>
-                    <p:sldTgt/>
-                  </p:tgtEl>
-                </p:cond>
-              </p:nextCondLst>
-            </p:seq>
-          </p:childTnLst>
-        </p:cTn>
+        <p:cTn id="1" dur="indefinite" restart="never" nodeType="tmRoot"/>
       </p:par>
     </p:tnLst>
-    <p:bldLst>
-      <p:bldP spid="7" grpId="0"/>
-      <p:bldP spid="6" grpId="0"/>
-    </p:bldLst>
   </p:timing>
 </p:sld>
 </file>
@@ -14022,7 +13788,7 @@
         </p:nvSpPr>
         <p:spPr>
           <a:xfrm>
-            <a:off x="493204" y="1196752"/>
+            <a:off x="493204" y="1124744"/>
             <a:ext cx="8229600" cy="1143000"/>
           </a:xfrm>
         </p:spPr>
@@ -14070,8 +13836,8 @@
         </p:nvSpPr>
         <p:spPr>
           <a:xfrm>
-            <a:off x="899592" y="2420888"/>
-            <a:ext cx="7416824" cy="2462213"/>
+            <a:off x="899592" y="2348880"/>
+            <a:ext cx="7416824" cy="1384995"/>
           </a:xfrm>
           <a:prstGeom prst="rect">
             <a:avLst/>
@@ -14086,27 +13852,47 @@
           <a:p>
             <a:pPr algn="ctr"/>
             <a:r>
-              <a:rPr lang="es-PE" sz="2800" dirty="0" smtClean="0"/>
-              <a:t>Mejorar la estructura interna de un sistema sin modificar su comportamiento.</a:t>
-            </a:r>
-          </a:p>
+              <a:rPr lang="es-PE" sz="2800" i="1" dirty="0">
+                <a:latin typeface="Arial" pitchFamily="34" charset="0"/>
+                <a:cs typeface="Arial" pitchFamily="34" charset="0"/>
+              </a:rPr>
+              <a:t>Es una técnica disciplinada que nos permite mejorar la estructura interna del código sin alterar su comportamiento.</a:t>
+            </a:r>
+          </a:p>
+        </p:txBody>
+      </p:sp>
+      <p:sp>
+        <p:nvSpPr>
+          <p:cNvPr id="5" name="4 CuadroTexto"/>
+          <p:cNvSpPr txBox="1"/>
+          <p:nvPr/>
+        </p:nvSpPr>
+        <p:spPr>
+          <a:xfrm>
+            <a:off x="4420158" y="4136821"/>
+            <a:ext cx="3896258" cy="461665"/>
+          </a:xfrm>
+          <a:prstGeom prst="rect">
+            <a:avLst/>
+          </a:prstGeom>
+          <a:noFill/>
+        </p:spPr>
+        <p:txBody>
+          <a:bodyPr wrap="none" rtlCol="0">
+            <a:spAutoFit/>
+          </a:bodyPr>
+          <a:lstStyle/>
           <a:p>
             <a:pPr algn="ctr"/>
             <a:r>
-              <a:rPr lang="es-PE" sz="4400" dirty="0" smtClean="0"/>
-              <a:t>=</a:t>
-            </a:r>
-            <a:endParaRPr lang="es-PE" sz="4400" dirty="0"/>
-          </a:p>
-          <a:p>
-            <a:pPr algn="ctr"/>
-            <a:r>
-              <a:rPr lang="es-PE" sz="5400" dirty="0" smtClean="0">
-                <a:solidFill>
-                  <a:srgbClr val="FF0000"/>
-                </a:solidFill>
-              </a:rPr>
-              <a:t>Mejorar el diseño</a:t>
+              <a:rPr lang="es-PE" sz="2400" dirty="0">
+                <a:solidFill>
+                  <a:srgbClr val="FFC000"/>
+                </a:solidFill>
+                <a:latin typeface="Arial" pitchFamily="34" charset="0"/>
+                <a:cs typeface="Arial" pitchFamily="34" charset="0"/>
+              </a:rPr>
+              <a:t>http://www.refactoring.com/</a:t>
             </a:r>
           </a:p>
         </p:txBody>
@@ -14114,7 +13900,7 @@
     </p:spTree>
     <p:extLst>
       <p:ext uri="{BB962C8B-B14F-4D97-AF65-F5344CB8AC3E}">
-        <p14:creationId xmlns:p14="http://schemas.microsoft.com/office/powerpoint/2010/main" val="745560787"/>
+        <p14:creationId xmlns:p14="http://schemas.microsoft.com/office/powerpoint/2010/main" val="3147889052"/>
       </p:ext>
     </p:extLst>
   </p:cSld>
@@ -14160,6 +13946,144 @@
         </p:nvSpPr>
         <p:spPr>
           <a:xfrm>
+            <a:off x="493204" y="1196752"/>
+            <a:ext cx="8229600" cy="1143000"/>
+          </a:xfrm>
+        </p:spPr>
+        <p:txBody>
+          <a:bodyPr/>
+          <a:lstStyle/>
+          <a:p>
+            <a:r>
+              <a:rPr lang="es-PE" dirty="0" smtClean="0">
+                <a:solidFill>
+                  <a:srgbClr val="009A46"/>
+                </a:solidFill>
+              </a:rPr>
+              <a:t>¿Qué es </a:t>
+            </a:r>
+            <a:r>
+              <a:rPr lang="es-PE" dirty="0" err="1" smtClean="0">
+                <a:solidFill>
+                  <a:srgbClr val="009A46"/>
+                </a:solidFill>
+              </a:rPr>
+              <a:t>Refactoring</a:t>
+            </a:r>
+            <a:r>
+              <a:rPr lang="es-PE" dirty="0" smtClean="0">
+                <a:solidFill>
+                  <a:srgbClr val="009A46"/>
+                </a:solidFill>
+              </a:rPr>
+              <a:t> ?</a:t>
+            </a:r>
+            <a:endParaRPr lang="es-PE" dirty="0">
+              <a:solidFill>
+                <a:srgbClr val="009A46"/>
+              </a:solidFill>
+            </a:endParaRPr>
+          </a:p>
+        </p:txBody>
+      </p:sp>
+      <p:sp>
+        <p:nvSpPr>
+          <p:cNvPr id="3" name="2 CuadroTexto"/>
+          <p:cNvSpPr txBox="1"/>
+          <p:nvPr/>
+        </p:nvSpPr>
+        <p:spPr>
+          <a:xfrm>
+            <a:off x="899592" y="2420888"/>
+            <a:ext cx="7416824" cy="2462213"/>
+          </a:xfrm>
+          <a:prstGeom prst="rect">
+            <a:avLst/>
+          </a:prstGeom>
+          <a:noFill/>
+        </p:spPr>
+        <p:txBody>
+          <a:bodyPr wrap="square" rtlCol="0">
+            <a:spAutoFit/>
+          </a:bodyPr>
+          <a:lstStyle/>
+          <a:p>
+            <a:pPr algn="ctr"/>
+            <a:r>
+              <a:rPr lang="es-PE" sz="2800" dirty="0" smtClean="0"/>
+              <a:t>Mejorar la estructura interna de un sistema sin modificar su comportamiento.</a:t>
+            </a:r>
+          </a:p>
+          <a:p>
+            <a:pPr algn="ctr"/>
+            <a:r>
+              <a:rPr lang="es-PE" sz="4400" dirty="0" smtClean="0"/>
+              <a:t>=</a:t>
+            </a:r>
+            <a:endParaRPr lang="es-PE" sz="4400" dirty="0"/>
+          </a:p>
+          <a:p>
+            <a:pPr algn="ctr"/>
+            <a:r>
+              <a:rPr lang="es-PE" sz="5400" dirty="0" smtClean="0">
+                <a:solidFill>
+                  <a:srgbClr val="FF0000"/>
+                </a:solidFill>
+              </a:rPr>
+              <a:t>Mejorar el diseño</a:t>
+            </a:r>
+          </a:p>
+        </p:txBody>
+      </p:sp>
+    </p:spTree>
+    <p:extLst>
+      <p:ext uri="{BB962C8B-B14F-4D97-AF65-F5344CB8AC3E}">
+        <p14:creationId xmlns:p14="http://schemas.microsoft.com/office/powerpoint/2010/main" val="745560787"/>
+      </p:ext>
+    </p:extLst>
+  </p:cSld>
+  <p:clrMapOvr>
+    <a:masterClrMapping/>
+  </p:clrMapOvr>
+  <p:timing>
+    <p:tnLst>
+      <p:par>
+        <p:cTn id="1" dur="indefinite" restart="never" nodeType="tmRoot"/>
+      </p:par>
+    </p:tnLst>
+  </p:timing>
+</p:sld>
+</file>
+
+<file path=ppt/slides/slide32.xml><?xml version="1.0" encoding="utf-8"?>
+<p:sld xmlns:a="http://schemas.openxmlformats.org/drawingml/2006/main" xmlns:r="http://schemas.openxmlformats.org/officeDocument/2006/relationships" xmlns:p="http://schemas.openxmlformats.org/presentationml/2006/main">
+  <p:cSld>
+    <p:spTree>
+      <p:nvGrpSpPr>
+        <p:cNvPr id="1" name=""/>
+        <p:cNvGrpSpPr/>
+        <p:nvPr/>
+      </p:nvGrpSpPr>
+      <p:grpSpPr>
+        <a:xfrm>
+          <a:off x="0" y="0"/>
+          <a:ext cx="0" cy="0"/>
+          <a:chOff x="0" y="0"/>
+          <a:chExt cx="0" cy="0"/>
+        </a:xfrm>
+      </p:grpSpPr>
+      <p:sp>
+        <p:nvSpPr>
+          <p:cNvPr id="7" name="1 Título"/>
+          <p:cNvSpPr>
+            <a:spLocks noGrp="1"/>
+          </p:cNvSpPr>
+          <p:nvPr>
+            <p:ph type="title"/>
+          </p:nvPr>
+        </p:nvSpPr>
+        <p:spPr>
+          <a:xfrm>
             <a:off x="467544" y="624751"/>
             <a:ext cx="8229600" cy="1143000"/>
           </a:xfrm>
@@ -14534,7 +14458,7 @@
 </p:sld>
 </file>
 
-<file path=ppt/slides/slide32.xml><?xml version="1.0" encoding="utf-8"?>
+<file path=ppt/slides/slide33.xml><?xml version="1.0" encoding="utf-8"?>
 <p:sld xmlns:a="http://schemas.openxmlformats.org/drawingml/2006/main" xmlns:r="http://schemas.openxmlformats.org/officeDocument/2006/relationships" xmlns:p="http://schemas.openxmlformats.org/presentationml/2006/main">
   <p:cSld>
     <p:spTree>
@@ -14832,7 +14756,7 @@
 </p:sld>
 </file>
 
-<file path=ppt/slides/slide33.xml><?xml version="1.0" encoding="utf-8"?>
+<file path=ppt/slides/slide34.xml><?xml version="1.0" encoding="utf-8"?>
 <p:sld xmlns:a="http://schemas.openxmlformats.org/drawingml/2006/main" xmlns:r="http://schemas.openxmlformats.org/officeDocument/2006/relationships" xmlns:p="http://schemas.openxmlformats.org/presentationml/2006/main">
   <p:cSld>
     <p:bg>
@@ -14899,7 +14823,7 @@
 </p:sld>
 </file>
 
-<file path=ppt/slides/slide34.xml><?xml version="1.0" encoding="utf-8"?>
+<file path=ppt/slides/slide35.xml><?xml version="1.0" encoding="utf-8"?>
 <p:sld xmlns:a="http://schemas.openxmlformats.org/drawingml/2006/main" xmlns:r="http://schemas.openxmlformats.org/officeDocument/2006/relationships" xmlns:p="http://schemas.openxmlformats.org/presentationml/2006/main">
   <p:cSld>
     <p:spTree>
@@ -15048,7 +14972,7 @@
 </p:sld>
 </file>
 
-<file path=ppt/slides/slide35.xml><?xml version="1.0" encoding="utf-8"?>
+<file path=ppt/slides/slide36.xml><?xml version="1.0" encoding="utf-8"?>
 <p:sld xmlns:a="http://schemas.openxmlformats.org/drawingml/2006/main" xmlns:r="http://schemas.openxmlformats.org/officeDocument/2006/relationships" xmlns:p="http://schemas.openxmlformats.org/presentationml/2006/main">
   <p:cSld>
     <p:spTree>
@@ -15181,7 +15105,7 @@
 </p:sld>
 </file>
 
-<file path=ppt/slides/slide36.xml><?xml version="1.0" encoding="utf-8"?>
+<file path=ppt/slides/slide37.xml><?xml version="1.0" encoding="utf-8"?>
 <p:sld xmlns:a="http://schemas.openxmlformats.org/drawingml/2006/main" xmlns:r="http://schemas.openxmlformats.org/officeDocument/2006/relationships" xmlns:p="http://schemas.openxmlformats.org/presentationml/2006/main">
   <p:cSld>
     <p:spTree>
@@ -15545,7 +15469,7 @@
 </p:sld>
 </file>
 
-<file path=ppt/slides/slide37.xml><?xml version="1.0" encoding="utf-8"?>
+<file path=ppt/slides/slide38.xml><?xml version="1.0" encoding="utf-8"?>
 <p:sld xmlns:a="http://schemas.openxmlformats.org/drawingml/2006/main" xmlns:r="http://schemas.openxmlformats.org/officeDocument/2006/relationships" xmlns:p="http://schemas.openxmlformats.org/presentationml/2006/main">
   <p:cSld>
     <p:spTree>
@@ -16094,7 +16018,7 @@
 </p:sld>
 </file>
 
-<file path=ppt/slides/slide38.xml><?xml version="1.0" encoding="utf-8"?>
+<file path=ppt/slides/slide39.xml><?xml version="1.0" encoding="utf-8"?>
 <p:sld xmlns:a="http://schemas.openxmlformats.org/drawingml/2006/main" xmlns:r="http://schemas.openxmlformats.org/officeDocument/2006/relationships" xmlns:p="http://schemas.openxmlformats.org/presentationml/2006/main">
   <p:cSld>
     <p:spTree>
@@ -16649,7 +16573,403 @@
 </p:sld>
 </file>
 
-<file path=ppt/slides/slide39.xml><?xml version="1.0" encoding="utf-8"?>
+<file path=ppt/slides/slide4.xml><?xml version="1.0" encoding="utf-8"?>
+<p:sld xmlns:a="http://schemas.openxmlformats.org/drawingml/2006/main" xmlns:r="http://schemas.openxmlformats.org/officeDocument/2006/relationships" xmlns:p="http://schemas.openxmlformats.org/presentationml/2006/main">
+  <p:cSld>
+    <p:spTree>
+      <p:nvGrpSpPr>
+        <p:cNvPr id="1" name=""/>
+        <p:cNvGrpSpPr/>
+        <p:nvPr/>
+      </p:nvGrpSpPr>
+      <p:grpSpPr>
+        <a:xfrm>
+          <a:off x="0" y="0"/>
+          <a:ext cx="0" cy="0"/>
+          <a:chOff x="0" y="0"/>
+          <a:chExt cx="0" cy="0"/>
+        </a:xfrm>
+      </p:grpSpPr>
+      <p:sp>
+        <p:nvSpPr>
+          <p:cNvPr id="2" name="1 Título"/>
+          <p:cNvSpPr>
+            <a:spLocks noGrp="1"/>
+          </p:cNvSpPr>
+          <p:nvPr>
+            <p:ph type="title"/>
+          </p:nvPr>
+        </p:nvSpPr>
+        <p:spPr>
+          <a:xfrm>
+            <a:off x="393768" y="404664"/>
+            <a:ext cx="8229600" cy="818254"/>
+          </a:xfrm>
+          <a:noFill/>
+          <a:ln w="9525">
+            <a:noFill/>
+            <a:miter lim="800000"/>
+            <a:headEnd/>
+            <a:tailEnd/>
+          </a:ln>
+        </p:spPr>
+        <p:txBody>
+          <a:bodyPr vert="horz" wrap="square" lIns="91440" tIns="45720" rIns="91440" bIns="45720" numCol="1" anchor="ctr" anchorCtr="0" compatLnSpc="1">
+            <a:prstTxWarp prst="textNoShape">
+              <a:avLst/>
+            </a:prstTxWarp>
+          </a:bodyPr>
+          <a:lstStyle/>
+          <a:p>
+            <a:r>
+              <a:rPr lang="es-PE" dirty="0" smtClean="0">
+                <a:solidFill>
+                  <a:srgbClr val="009A46"/>
+                </a:solidFill>
+              </a:rPr>
+              <a:t>Problemas de la Deuda Técnica</a:t>
+            </a:r>
+            <a:endParaRPr lang="es-ES" dirty="0">
+              <a:solidFill>
+                <a:srgbClr val="009A46"/>
+              </a:solidFill>
+            </a:endParaRPr>
+          </a:p>
+        </p:txBody>
+      </p:sp>
+      <p:sp>
+        <p:nvSpPr>
+          <p:cNvPr id="20" name="19 CuadroTexto"/>
+          <p:cNvSpPr txBox="1"/>
+          <p:nvPr/>
+        </p:nvSpPr>
+        <p:spPr>
+          <a:xfrm>
+            <a:off x="1187624" y="1484784"/>
+            <a:ext cx="7272807" cy="3785652"/>
+          </a:xfrm>
+          <a:prstGeom prst="rect">
+            <a:avLst/>
+          </a:prstGeom>
+          <a:noFill/>
+        </p:spPr>
+        <p:txBody>
+          <a:bodyPr wrap="square" rtlCol="0">
+            <a:spAutoFit/>
+          </a:bodyPr>
+          <a:lstStyle/>
+          <a:p>
+            <a:pPr marL="342900" indent="-342900">
+              <a:buFont typeface="Arial" pitchFamily="34" charset="0"/>
+              <a:buChar char="•"/>
+            </a:pPr>
+            <a:r>
+              <a:rPr lang="es-PE" sz="2400" dirty="0" smtClean="0"/>
+              <a:t>Responder de manera muy lenta ante nuevas funcionalidades o cambios.</a:t>
+            </a:r>
+          </a:p>
+          <a:p>
+            <a:pPr marL="342900" indent="-342900">
+              <a:buFont typeface="Arial" pitchFamily="34" charset="0"/>
+              <a:buChar char="•"/>
+            </a:pPr>
+            <a:endParaRPr lang="es-PE" sz="2400" dirty="0" smtClean="0"/>
+          </a:p>
+          <a:p>
+            <a:pPr marL="342900" indent="-342900">
+              <a:buFont typeface="Arial" pitchFamily="34" charset="0"/>
+              <a:buChar char="•"/>
+            </a:pPr>
+            <a:r>
+              <a:rPr lang="es-PE" sz="2400" dirty="0" smtClean="0"/>
+              <a:t>Número elevado de errores en post producción.</a:t>
+            </a:r>
+          </a:p>
+          <a:p>
+            <a:pPr marL="342900" indent="-342900">
+              <a:buFont typeface="Arial" pitchFamily="34" charset="0"/>
+              <a:buChar char="•"/>
+            </a:pPr>
+            <a:endParaRPr lang="es-PE" sz="2400" dirty="0"/>
+          </a:p>
+          <a:p>
+            <a:pPr marL="342900" indent="-342900">
+              <a:buFont typeface="Arial" pitchFamily="34" charset="0"/>
+              <a:buChar char="•"/>
+            </a:pPr>
+            <a:r>
+              <a:rPr lang="es-PE" sz="2400" dirty="0" smtClean="0"/>
+              <a:t>Dificultad para incorporar nuevos recursos  y rotación de empleados.</a:t>
+            </a:r>
+            <a:endParaRPr lang="es-PE" sz="2400" dirty="0"/>
+          </a:p>
+          <a:p>
+            <a:pPr marL="342900" indent="-342900">
+              <a:buFont typeface="Arial" pitchFamily="34" charset="0"/>
+              <a:buChar char="•"/>
+            </a:pPr>
+            <a:endParaRPr lang="es-PE" sz="2400" dirty="0"/>
+          </a:p>
+          <a:p>
+            <a:pPr marL="342900" indent="-342900">
+              <a:buFont typeface="Arial" pitchFamily="34" charset="0"/>
+              <a:buChar char="•"/>
+            </a:pPr>
+            <a:r>
+              <a:rPr lang="es-PE" sz="2400" dirty="0" smtClean="0"/>
+              <a:t>Incapacidad de predecir o estimar algo sobre la aplicación. </a:t>
+            </a:r>
+          </a:p>
+        </p:txBody>
+      </p:sp>
+      <p:cxnSp>
+        <p:nvCxnSpPr>
+          <p:cNvPr id="5" name="4 Conector recto"/>
+          <p:cNvCxnSpPr/>
+          <p:nvPr/>
+        </p:nvCxnSpPr>
+        <p:spPr>
+          <a:xfrm>
+            <a:off x="683569" y="5385990"/>
+            <a:ext cx="7920879" cy="0"/>
+          </a:xfrm>
+          <a:prstGeom prst="line">
+            <a:avLst/>
+          </a:prstGeom>
+          <a:ln w="57150">
+            <a:solidFill>
+              <a:schemeClr val="tx1"/>
+            </a:solidFill>
+          </a:ln>
+        </p:spPr>
+        <p:style>
+          <a:lnRef idx="1">
+            <a:schemeClr val="accent1"/>
+          </a:lnRef>
+          <a:fillRef idx="0">
+            <a:schemeClr val="accent1"/>
+          </a:fillRef>
+          <a:effectRef idx="0">
+            <a:schemeClr val="accent1"/>
+          </a:effectRef>
+          <a:fontRef idx="minor">
+            <a:schemeClr val="tx1"/>
+          </a:fontRef>
+        </p:style>
+      </p:cxnSp>
+      <p:sp>
+        <p:nvSpPr>
+          <p:cNvPr id="7" name="6 Rectángulo"/>
+          <p:cNvSpPr/>
+          <p:nvPr/>
+        </p:nvSpPr>
+        <p:spPr>
+          <a:xfrm>
+            <a:off x="899592" y="5385990"/>
+            <a:ext cx="7488832" cy="923330"/>
+          </a:xfrm>
+          <a:prstGeom prst="rect">
+            <a:avLst/>
+          </a:prstGeom>
+        </p:spPr>
+        <p:txBody>
+          <a:bodyPr wrap="square">
+            <a:spAutoFit/>
+          </a:bodyPr>
+          <a:lstStyle/>
+          <a:p>
+            <a:pPr algn="ctr"/>
+            <a:r>
+              <a:rPr lang="es-PE" sz="5400" dirty="0" smtClean="0">
+                <a:solidFill>
+                  <a:srgbClr val="FF0000"/>
+                </a:solidFill>
+              </a:rPr>
+              <a:t>Perdida de Dinero</a:t>
+            </a:r>
+            <a:endParaRPr lang="es-PE" sz="5400" dirty="0">
+              <a:solidFill>
+                <a:srgbClr val="FF0000"/>
+              </a:solidFill>
+            </a:endParaRPr>
+          </a:p>
+        </p:txBody>
+      </p:sp>
+      <p:sp>
+        <p:nvSpPr>
+          <p:cNvPr id="6" name="5 Rectángulo"/>
+          <p:cNvSpPr/>
+          <p:nvPr/>
+        </p:nvSpPr>
+        <p:spPr>
+          <a:xfrm>
+            <a:off x="532458" y="2674859"/>
+            <a:ext cx="567784" cy="1015663"/>
+          </a:xfrm>
+          <a:prstGeom prst="rect">
+            <a:avLst/>
+          </a:prstGeom>
+        </p:spPr>
+        <p:txBody>
+          <a:bodyPr wrap="none">
+            <a:spAutoFit/>
+          </a:bodyPr>
+          <a:lstStyle/>
+          <a:p>
+            <a:r>
+              <a:rPr lang="es-PE" sz="6000" b="1" dirty="0"/>
+              <a:t>+</a:t>
+            </a:r>
+          </a:p>
+        </p:txBody>
+      </p:sp>
+    </p:spTree>
+    <p:extLst>
+      <p:ext uri="{BB962C8B-B14F-4D97-AF65-F5344CB8AC3E}">
+        <p14:creationId xmlns:p14="http://schemas.microsoft.com/office/powerpoint/2010/main" val="2820780824"/>
+      </p:ext>
+    </p:extLst>
+  </p:cSld>
+  <p:clrMapOvr>
+    <a:masterClrMapping/>
+  </p:clrMapOvr>
+  <p:timing>
+    <p:tnLst>
+      <p:par>
+        <p:cTn id="1" dur="indefinite" restart="never" nodeType="tmRoot">
+          <p:childTnLst>
+            <p:seq concurrent="1" nextAc="seek">
+              <p:cTn id="2" dur="indefinite" nodeType="mainSeq">
+                <p:childTnLst>
+                  <p:par>
+                    <p:cTn id="3" fill="hold">
+                      <p:stCondLst>
+                        <p:cond delay="indefinite"/>
+                      </p:stCondLst>
+                      <p:childTnLst>
+                        <p:par>
+                          <p:cTn id="4" fill="hold">
+                            <p:stCondLst>
+                              <p:cond delay="0"/>
+                            </p:stCondLst>
+                            <p:childTnLst>
+                              <p:par>
+                                <p:cTn id="5" presetID="1" presetClass="entr" presetSubtype="0" fill="hold" grpId="0" nodeType="clickEffect">
+                                  <p:stCondLst>
+                                    <p:cond delay="0"/>
+                                  </p:stCondLst>
+                                  <p:childTnLst>
+                                    <p:set>
+                                      <p:cBhvr>
+                                        <p:cTn id="6" dur="1" fill="hold">
+                                          <p:stCondLst>
+                                            <p:cond delay="0"/>
+                                          </p:stCondLst>
+                                        </p:cTn>
+                                        <p:tgtEl>
+                                          <p:spTgt spid="6"/>
+                                        </p:tgtEl>
+                                        <p:attrNameLst>
+                                          <p:attrName>style.visibility</p:attrName>
+                                        </p:attrNameLst>
+                                      </p:cBhvr>
+                                      <p:to>
+                                        <p:strVal val="visible"/>
+                                      </p:to>
+                                    </p:set>
+                                  </p:childTnLst>
+                                </p:cTn>
+                              </p:par>
+                              <p:par>
+                                <p:cTn id="7" presetID="1" presetClass="entr" presetSubtype="0" fill="hold" grpId="0" nodeType="withEffect">
+                                  <p:stCondLst>
+                                    <p:cond delay="0"/>
+                                  </p:stCondLst>
+                                  <p:childTnLst>
+                                    <p:set>
+                                      <p:cBhvr>
+                                        <p:cTn id="8" dur="1" fill="hold">
+                                          <p:stCondLst>
+                                            <p:cond delay="0"/>
+                                          </p:stCondLst>
+                                        </p:cTn>
+                                        <p:tgtEl>
+                                          <p:spTgt spid="7"/>
+                                        </p:tgtEl>
+                                        <p:attrNameLst>
+                                          <p:attrName>style.visibility</p:attrName>
+                                        </p:attrNameLst>
+                                      </p:cBhvr>
+                                      <p:to>
+                                        <p:strVal val="visible"/>
+                                      </p:to>
+                                    </p:set>
+                                  </p:childTnLst>
+                                </p:cTn>
+                              </p:par>
+                              <p:par>
+                                <p:cTn id="9" presetID="1" presetClass="entr" presetSubtype="0" fill="hold" nodeType="withEffect">
+                                  <p:stCondLst>
+                                    <p:cond delay="0"/>
+                                  </p:stCondLst>
+                                  <p:childTnLst>
+                                    <p:set>
+                                      <p:cBhvr>
+                                        <p:cTn id="10" dur="1" fill="hold">
+                                          <p:stCondLst>
+                                            <p:cond delay="0"/>
+                                          </p:stCondLst>
+                                        </p:cTn>
+                                        <p:tgtEl>
+                                          <p:spTgt spid="5"/>
+                                        </p:tgtEl>
+                                        <p:attrNameLst>
+                                          <p:attrName>style.visibility</p:attrName>
+                                        </p:attrNameLst>
+                                      </p:cBhvr>
+                                      <p:to>
+                                        <p:strVal val="visible"/>
+                                      </p:to>
+                                    </p:set>
+                                  </p:childTnLst>
+                                </p:cTn>
+                              </p:par>
+                            </p:childTnLst>
+                          </p:cTn>
+                        </p:par>
+                      </p:childTnLst>
+                    </p:cTn>
+                  </p:par>
+                </p:childTnLst>
+              </p:cTn>
+              <p:prevCondLst>
+                <p:cond evt="onPrev" delay="0">
+                  <p:tgtEl>
+                    <p:sldTgt/>
+                  </p:tgtEl>
+                </p:cond>
+              </p:prevCondLst>
+              <p:nextCondLst>
+                <p:cond evt="onNext" delay="0">
+                  <p:tgtEl>
+                    <p:sldTgt/>
+                  </p:tgtEl>
+                </p:cond>
+              </p:nextCondLst>
+            </p:seq>
+          </p:childTnLst>
+        </p:cTn>
+      </p:par>
+    </p:tnLst>
+    <p:bldLst>
+      <p:bldP spid="7" grpId="0"/>
+      <p:bldP spid="6" grpId="0"/>
+    </p:bldLst>
+  </p:timing>
+</p:sld>
+</file>
+
+<file path=ppt/slides/slide40.xml><?xml version="1.0" encoding="utf-8"?>
 <p:sld xmlns:a="http://schemas.openxmlformats.org/drawingml/2006/main" xmlns:r="http://schemas.openxmlformats.org/officeDocument/2006/relationships" xmlns:p="http://schemas.openxmlformats.org/presentationml/2006/main">
   <p:cSld>
     <p:spTree>
@@ -16984,7 +17304,1362 @@
 </p:sld>
 </file>
 
-<file path=ppt/slides/slide4.xml><?xml version="1.0" encoding="utf-8"?>
+<file path=ppt/slides/slide41.xml><?xml version="1.0" encoding="utf-8"?>
+<p:sld xmlns:a="http://schemas.openxmlformats.org/drawingml/2006/main" xmlns:r="http://schemas.openxmlformats.org/officeDocument/2006/relationships" xmlns:p="http://schemas.openxmlformats.org/presentationml/2006/main">
+  <p:cSld>
+    <p:spTree>
+      <p:nvGrpSpPr>
+        <p:cNvPr id="1" name=""/>
+        <p:cNvGrpSpPr/>
+        <p:nvPr/>
+      </p:nvGrpSpPr>
+      <p:grpSpPr>
+        <a:xfrm>
+          <a:off x="0" y="0"/>
+          <a:ext cx="0" cy="0"/>
+          <a:chOff x="0" y="0"/>
+          <a:chExt cx="0" cy="0"/>
+        </a:xfrm>
+      </p:grpSpPr>
+      <p:sp>
+        <p:nvSpPr>
+          <p:cNvPr id="3" name="2 Título"/>
+          <p:cNvSpPr>
+            <a:spLocks noGrp="1"/>
+          </p:cNvSpPr>
+          <p:nvPr>
+            <p:ph type="title"/>
+          </p:nvPr>
+        </p:nvSpPr>
+        <p:spPr>
+          <a:xfrm>
+            <a:off x="457200" y="260648"/>
+            <a:ext cx="8229600" cy="796950"/>
+          </a:xfrm>
+        </p:spPr>
+        <p:txBody>
+          <a:bodyPr/>
+          <a:lstStyle/>
+          <a:p>
+            <a:r>
+              <a:rPr lang="es-PE" dirty="0" smtClean="0">
+                <a:solidFill>
+                  <a:srgbClr val="00823B"/>
+                </a:solidFill>
+              </a:rPr>
+              <a:t>Herramientas </a:t>
+            </a:r>
+            <a:r>
+              <a:rPr lang="es-PE" dirty="0" err="1" smtClean="0">
+                <a:solidFill>
+                  <a:srgbClr val="00823B"/>
+                </a:solidFill>
+              </a:rPr>
+              <a:t>Refactoring</a:t>
+            </a:r>
+            <a:endParaRPr lang="es-PE" dirty="0">
+              <a:solidFill>
+                <a:srgbClr val="00823B"/>
+              </a:solidFill>
+            </a:endParaRPr>
+          </a:p>
+        </p:txBody>
+      </p:sp>
+      <p:sp>
+        <p:nvSpPr>
+          <p:cNvPr id="7" name="5 Marcador de contenido"/>
+          <p:cNvSpPr txBox="1">
+            <a:spLocks/>
+          </p:cNvSpPr>
+          <p:nvPr/>
+        </p:nvSpPr>
+        <p:spPr bwMode="auto">
+          <a:xfrm>
+            <a:off x="393882" y="5358226"/>
+            <a:ext cx="8428243" cy="1066945"/>
+          </a:xfrm>
+          <a:prstGeom prst="rect">
+            <a:avLst/>
+          </a:prstGeom>
+          <a:noFill/>
+          <a:ln w="9525">
+            <a:noFill/>
+            <a:miter lim="800000"/>
+            <a:headEnd/>
+            <a:tailEnd/>
+          </a:ln>
+        </p:spPr>
+        <p:txBody>
+          <a:bodyPr vert="horz" wrap="square" lIns="91440" tIns="45720" rIns="91440" bIns="45720" numCol="1" anchor="t" anchorCtr="0" compatLnSpc="1">
+            <a:prstTxWarp prst="textNoShape">
+              <a:avLst/>
+            </a:prstTxWarp>
+          </a:bodyPr>
+          <a:lstStyle>
+            <a:lvl1pPr marL="342900" indent="-342900" algn="l" rtl="0" eaLnBrk="1" fontAlgn="base" hangingPunct="1">
+              <a:spcBef>
+                <a:spcPct val="20000"/>
+              </a:spcBef>
+              <a:spcAft>
+                <a:spcPct val="0"/>
+              </a:spcAft>
+              <a:buFont typeface="Arial" charset="0"/>
+              <a:buChar char="•"/>
+              <a:defRPr sz="3200" kern="1200">
+                <a:solidFill>
+                  <a:schemeClr val="tx1"/>
+                </a:solidFill>
+                <a:latin typeface="+mn-lt"/>
+                <a:ea typeface="+mn-ea"/>
+                <a:cs typeface="+mn-cs"/>
+              </a:defRPr>
+            </a:lvl1pPr>
+            <a:lvl2pPr marL="742950" indent="-285750" algn="l" rtl="0" eaLnBrk="1" fontAlgn="base" hangingPunct="1">
+              <a:spcBef>
+                <a:spcPct val="20000"/>
+              </a:spcBef>
+              <a:spcAft>
+                <a:spcPct val="0"/>
+              </a:spcAft>
+              <a:buFont typeface="Arial" charset="0"/>
+              <a:buChar char="–"/>
+              <a:defRPr sz="2800" kern="1200">
+                <a:solidFill>
+                  <a:schemeClr val="tx1"/>
+                </a:solidFill>
+                <a:latin typeface="+mn-lt"/>
+                <a:ea typeface="+mn-ea"/>
+                <a:cs typeface="+mn-cs"/>
+              </a:defRPr>
+            </a:lvl2pPr>
+            <a:lvl3pPr marL="1143000" indent="-228600" algn="l" rtl="0" eaLnBrk="1" fontAlgn="base" hangingPunct="1">
+              <a:spcBef>
+                <a:spcPct val="20000"/>
+              </a:spcBef>
+              <a:spcAft>
+                <a:spcPct val="0"/>
+              </a:spcAft>
+              <a:buFont typeface="Arial" charset="0"/>
+              <a:buChar char="•"/>
+              <a:defRPr sz="2400" kern="1200">
+                <a:solidFill>
+                  <a:schemeClr val="tx1"/>
+                </a:solidFill>
+                <a:latin typeface="+mn-lt"/>
+                <a:ea typeface="+mn-ea"/>
+                <a:cs typeface="+mn-cs"/>
+              </a:defRPr>
+            </a:lvl3pPr>
+            <a:lvl4pPr marL="1600200" indent="-228600" algn="l" rtl="0" eaLnBrk="1" fontAlgn="base" hangingPunct="1">
+              <a:spcBef>
+                <a:spcPct val="20000"/>
+              </a:spcBef>
+              <a:spcAft>
+                <a:spcPct val="0"/>
+              </a:spcAft>
+              <a:buFont typeface="Arial" charset="0"/>
+              <a:buChar char="–"/>
+              <a:defRPr sz="2000" kern="1200">
+                <a:solidFill>
+                  <a:schemeClr val="tx1"/>
+                </a:solidFill>
+                <a:latin typeface="+mn-lt"/>
+                <a:ea typeface="+mn-ea"/>
+                <a:cs typeface="+mn-cs"/>
+              </a:defRPr>
+            </a:lvl4pPr>
+            <a:lvl5pPr marL="2057400" indent="-228600" algn="l" rtl="0" eaLnBrk="1" fontAlgn="base" hangingPunct="1">
+              <a:spcBef>
+                <a:spcPct val="20000"/>
+              </a:spcBef>
+              <a:spcAft>
+                <a:spcPct val="0"/>
+              </a:spcAft>
+              <a:buFont typeface="Arial" charset="0"/>
+              <a:buChar char="»"/>
+              <a:defRPr sz="2000" kern="1200">
+                <a:solidFill>
+                  <a:schemeClr val="tx1"/>
+                </a:solidFill>
+                <a:latin typeface="+mn-lt"/>
+                <a:ea typeface="+mn-ea"/>
+                <a:cs typeface="+mn-cs"/>
+              </a:defRPr>
+            </a:lvl5pPr>
+            <a:lvl6pPr marL="2514600" indent="-228600" algn="l" defTabSz="914400" rtl="0" eaLnBrk="1" latinLnBrk="0" hangingPunct="1">
+              <a:spcBef>
+                <a:spcPct val="20000"/>
+              </a:spcBef>
+              <a:buFont typeface="Arial" pitchFamily="34" charset="0"/>
+              <a:buChar char="•"/>
+              <a:defRPr sz="2000" kern="1200">
+                <a:solidFill>
+                  <a:schemeClr val="tx1"/>
+                </a:solidFill>
+                <a:latin typeface="+mn-lt"/>
+                <a:ea typeface="+mn-ea"/>
+                <a:cs typeface="+mn-cs"/>
+              </a:defRPr>
+            </a:lvl6pPr>
+            <a:lvl7pPr marL="2971800" indent="-228600" algn="l" defTabSz="914400" rtl="0" eaLnBrk="1" latinLnBrk="0" hangingPunct="1">
+              <a:spcBef>
+                <a:spcPct val="20000"/>
+              </a:spcBef>
+              <a:buFont typeface="Arial" pitchFamily="34" charset="0"/>
+              <a:buChar char="•"/>
+              <a:defRPr sz="2000" kern="1200">
+                <a:solidFill>
+                  <a:schemeClr val="tx1"/>
+                </a:solidFill>
+                <a:latin typeface="+mn-lt"/>
+                <a:ea typeface="+mn-ea"/>
+                <a:cs typeface="+mn-cs"/>
+              </a:defRPr>
+            </a:lvl7pPr>
+            <a:lvl8pPr marL="3429000" indent="-228600" algn="l" defTabSz="914400" rtl="0" eaLnBrk="1" latinLnBrk="0" hangingPunct="1">
+              <a:spcBef>
+                <a:spcPct val="20000"/>
+              </a:spcBef>
+              <a:buFont typeface="Arial" pitchFamily="34" charset="0"/>
+              <a:buChar char="•"/>
+              <a:defRPr sz="2000" kern="1200">
+                <a:solidFill>
+                  <a:schemeClr val="tx1"/>
+                </a:solidFill>
+                <a:latin typeface="+mn-lt"/>
+                <a:ea typeface="+mn-ea"/>
+                <a:cs typeface="+mn-cs"/>
+              </a:defRPr>
+            </a:lvl8pPr>
+            <a:lvl9pPr marL="3886200" indent="-228600" algn="l" defTabSz="914400" rtl="0" eaLnBrk="1" latinLnBrk="0" hangingPunct="1">
+              <a:spcBef>
+                <a:spcPct val="20000"/>
+              </a:spcBef>
+              <a:buFont typeface="Arial" pitchFamily="34" charset="0"/>
+              <a:buChar char="•"/>
+              <a:defRPr sz="2000" kern="1200">
+                <a:solidFill>
+                  <a:schemeClr val="tx1"/>
+                </a:solidFill>
+                <a:latin typeface="+mn-lt"/>
+                <a:ea typeface="+mn-ea"/>
+                <a:cs typeface="+mn-cs"/>
+              </a:defRPr>
+            </a:lvl9pPr>
+          </a:lstStyle>
+          <a:p>
+            <a:r>
+              <a:rPr lang="es-PE" sz="2600" dirty="0" smtClean="0">
+                <a:solidFill>
+                  <a:schemeClr val="tx1">
+                    <a:lumMod val="95000"/>
+                  </a:schemeClr>
+                </a:solidFill>
+              </a:rPr>
+              <a:t>La gran mayoría de </a:t>
+            </a:r>
+            <a:r>
+              <a:rPr lang="es-PE" sz="2600" dirty="0" err="1" smtClean="0">
+                <a:solidFill>
+                  <a:schemeClr val="tx1">
+                    <a:lumMod val="95000"/>
+                  </a:schemeClr>
+                </a:solidFill>
+              </a:rPr>
+              <a:t>IDEs</a:t>
+            </a:r>
+            <a:r>
+              <a:rPr lang="es-PE" sz="2600" dirty="0" smtClean="0">
+                <a:solidFill>
+                  <a:schemeClr val="tx1">
+                    <a:lumMod val="95000"/>
+                  </a:schemeClr>
+                </a:solidFill>
+              </a:rPr>
+              <a:t> ya proveen estas herramientas.</a:t>
+            </a:r>
+          </a:p>
+          <a:p>
+            <a:r>
+              <a:rPr lang="es-PE" sz="2600" dirty="0" smtClean="0">
+                <a:solidFill>
+                  <a:schemeClr val="tx1">
+                    <a:lumMod val="95000"/>
+                  </a:schemeClr>
+                </a:solidFill>
+              </a:rPr>
+              <a:t>No son perfectas.</a:t>
+            </a:r>
+            <a:endParaRPr lang="es-PE" sz="2600" dirty="0">
+              <a:solidFill>
+                <a:schemeClr val="tx1">
+                  <a:lumMod val="95000"/>
+                </a:schemeClr>
+              </a:solidFill>
+            </a:endParaRPr>
+          </a:p>
+        </p:txBody>
+      </p:sp>
+      <p:pic>
+        <p:nvPicPr>
+          <p:cNvPr id="9" name="Picture 2"/>
+          <p:cNvPicPr>
+            <a:picLocks noChangeAspect="1" noChangeArrowheads="1"/>
+          </p:cNvPicPr>
+          <p:nvPr/>
+        </p:nvPicPr>
+        <p:blipFill rotWithShape="1">
+          <a:blip r:embed="rId3">
+            <a:extLst>
+              <a:ext uri="{28A0092B-C50C-407E-A947-70E740481C1C}">
+                <a14:useLocalDpi xmlns:a14="http://schemas.microsoft.com/office/drawing/2010/main" val="0"/>
+              </a:ext>
+            </a:extLst>
+          </a:blip>
+          <a:srcRect l="7605" r="-1" b="17955"/>
+          <a:stretch/>
+        </p:blipFill>
+        <p:spPr bwMode="auto">
+          <a:xfrm>
+            <a:off x="2842267" y="2261882"/>
+            <a:ext cx="3531474" cy="2952328"/>
+          </a:xfrm>
+          <a:prstGeom prst="rect">
+            <a:avLst/>
+          </a:prstGeom>
+          <a:noFill/>
+          <a:ln>
+            <a:noFill/>
+          </a:ln>
+          <a:effectLst/>
+          <a:extLst>
+            <a:ext uri="{909E8E84-426E-40DD-AFC4-6F175D3DCCD1}">
+              <a14:hiddenFill xmlns:a14="http://schemas.microsoft.com/office/drawing/2010/main">
+                <a:solidFill>
+                  <a:schemeClr val="accent1"/>
+                </a:solidFill>
+              </a14:hiddenFill>
+            </a:ext>
+            <a:ext uri="{91240B29-F687-4F45-9708-019B960494DF}">
+              <a14:hiddenLine xmlns:a14="http://schemas.microsoft.com/office/drawing/2010/main" w="9525">
+                <a:solidFill>
+                  <a:schemeClr val="tx1"/>
+                </a:solidFill>
+                <a:miter lim="800000"/>
+                <a:headEnd/>
+                <a:tailEnd/>
+              </a14:hiddenLine>
+            </a:ext>
+            <a:ext uri="{AF507438-7753-43E0-B8FC-AC1667EBCBE1}">
+              <a14:hiddenEffects xmlns:a14="http://schemas.microsoft.com/office/drawing/2010/main">
+                <a:effectLst>
+                  <a:outerShdw dist="35921" dir="2700000" algn="ctr" rotWithShape="0">
+                    <a:schemeClr val="bg2"/>
+                  </a:outerShdw>
+                </a:effectLst>
+              </a14:hiddenEffects>
+            </a:ext>
+          </a:extLst>
+        </p:spPr>
+      </p:pic>
+      <p:sp>
+        <p:nvSpPr>
+          <p:cNvPr id="10" name="9 Rectángulo"/>
+          <p:cNvSpPr/>
+          <p:nvPr/>
+        </p:nvSpPr>
+        <p:spPr>
+          <a:xfrm>
+            <a:off x="1151620" y="1124744"/>
+            <a:ext cx="6912768" cy="954107"/>
+          </a:xfrm>
+          <a:prstGeom prst="rect">
+            <a:avLst/>
+          </a:prstGeom>
+        </p:spPr>
+        <p:txBody>
+          <a:bodyPr wrap="square">
+            <a:spAutoFit/>
+          </a:bodyPr>
+          <a:lstStyle/>
+          <a:p>
+            <a:pPr algn="ctr"/>
+            <a:r>
+              <a:rPr lang="es-PE" sz="2800" dirty="0" smtClean="0">
+                <a:solidFill>
+                  <a:srgbClr val="FFC000"/>
+                </a:solidFill>
+              </a:rPr>
+              <a:t>Permiten producir </a:t>
+            </a:r>
+            <a:r>
+              <a:rPr lang="es-PE" sz="2800" dirty="0">
+                <a:solidFill>
+                  <a:srgbClr val="FFC000"/>
+                </a:solidFill>
+              </a:rPr>
+              <a:t>mejoras significativas en el diseño sin mucho </a:t>
+            </a:r>
+            <a:r>
+              <a:rPr lang="es-PE" sz="2800" dirty="0" smtClean="0">
+                <a:solidFill>
+                  <a:srgbClr val="FFC000"/>
+                </a:solidFill>
+              </a:rPr>
+              <a:t>esfuerzo. </a:t>
+            </a:r>
+            <a:endParaRPr lang="es-PE" sz="2800" dirty="0">
+              <a:solidFill>
+                <a:srgbClr val="FFC000"/>
+              </a:solidFill>
+            </a:endParaRPr>
+          </a:p>
+        </p:txBody>
+      </p:sp>
+    </p:spTree>
+    <p:extLst>
+      <p:ext uri="{BB962C8B-B14F-4D97-AF65-F5344CB8AC3E}">
+        <p14:creationId xmlns:p14="http://schemas.microsoft.com/office/powerpoint/2010/main" val="201101586"/>
+      </p:ext>
+    </p:extLst>
+  </p:cSld>
+  <p:clrMapOvr>
+    <a:masterClrMapping/>
+  </p:clrMapOvr>
+  <p:timing>
+    <p:tnLst>
+      <p:par>
+        <p:cTn id="1" dur="indefinite" restart="never" nodeType="tmRoot"/>
+      </p:par>
+    </p:tnLst>
+  </p:timing>
+</p:sld>
+</file>
+
+<file path=ppt/slides/slide42.xml><?xml version="1.0" encoding="utf-8"?>
+<p:sld xmlns:a="http://schemas.openxmlformats.org/drawingml/2006/main" xmlns:r="http://schemas.openxmlformats.org/officeDocument/2006/relationships" xmlns:p="http://schemas.openxmlformats.org/presentationml/2006/main">
+  <p:cSld>
+    <p:spTree>
+      <p:nvGrpSpPr>
+        <p:cNvPr id="1" name=""/>
+        <p:cNvGrpSpPr/>
+        <p:nvPr/>
+      </p:nvGrpSpPr>
+      <p:grpSpPr>
+        <a:xfrm>
+          <a:off x="0" y="0"/>
+          <a:ext cx="0" cy="0"/>
+          <a:chOff x="0" y="0"/>
+          <a:chExt cx="0" cy="0"/>
+        </a:xfrm>
+      </p:grpSpPr>
+      <p:sp>
+        <p:nvSpPr>
+          <p:cNvPr id="3" name="2 Título"/>
+          <p:cNvSpPr>
+            <a:spLocks noGrp="1"/>
+          </p:cNvSpPr>
+          <p:nvPr>
+            <p:ph type="title"/>
+          </p:nvPr>
+        </p:nvSpPr>
+        <p:spPr>
+          <a:xfrm>
+            <a:off x="467544" y="2348880"/>
+            <a:ext cx="8229600" cy="1296144"/>
+          </a:xfrm>
+        </p:spPr>
+        <p:txBody>
+          <a:bodyPr/>
+          <a:lstStyle/>
+          <a:p>
+            <a:r>
+              <a:rPr lang="es-PE" dirty="0" smtClean="0">
+                <a:solidFill>
+                  <a:srgbClr val="FFC000"/>
+                </a:solidFill>
+              </a:rPr>
+              <a:t>Ejercicio </a:t>
+            </a:r>
+            <a:r>
+              <a:rPr lang="es-PE" dirty="0" smtClean="0">
+                <a:solidFill>
+                  <a:srgbClr val="00823B"/>
+                </a:solidFill>
+              </a:rPr>
+              <a:t/>
+            </a:r>
+            <a:br>
+              <a:rPr lang="es-PE" dirty="0" smtClean="0">
+                <a:solidFill>
+                  <a:srgbClr val="00823B"/>
+                </a:solidFill>
+              </a:rPr>
+            </a:br>
+            <a:r>
+              <a:rPr lang="es-PE" dirty="0" err="1" smtClean="0">
+                <a:solidFill>
+                  <a:srgbClr val="00823B"/>
+                </a:solidFill>
+              </a:rPr>
+              <a:t>Refactorizar</a:t>
+            </a:r>
+            <a:r>
+              <a:rPr lang="es-PE" dirty="0" smtClean="0">
+                <a:solidFill>
+                  <a:srgbClr val="00823B"/>
+                </a:solidFill>
+              </a:rPr>
+              <a:t> </a:t>
+            </a:r>
+            <a:r>
+              <a:rPr lang="es-PE" dirty="0" err="1" smtClean="0">
+                <a:solidFill>
+                  <a:srgbClr val="00823B"/>
+                </a:solidFill>
+              </a:rPr>
+              <a:t>Code</a:t>
+            </a:r>
+            <a:r>
+              <a:rPr lang="es-PE" dirty="0" smtClean="0">
+                <a:solidFill>
+                  <a:srgbClr val="00823B"/>
+                </a:solidFill>
+              </a:rPr>
+              <a:t> </a:t>
+            </a:r>
+            <a:r>
+              <a:rPr lang="es-PE" dirty="0" err="1" smtClean="0">
+                <a:solidFill>
+                  <a:srgbClr val="00823B"/>
+                </a:solidFill>
+              </a:rPr>
+              <a:t>Smells</a:t>
+            </a:r>
+            <a:endParaRPr lang="es-PE" dirty="0">
+              <a:solidFill>
+                <a:srgbClr val="00823B"/>
+              </a:solidFill>
+            </a:endParaRPr>
+          </a:p>
+        </p:txBody>
+      </p:sp>
+    </p:spTree>
+    <p:extLst>
+      <p:ext uri="{BB962C8B-B14F-4D97-AF65-F5344CB8AC3E}">
+        <p14:creationId xmlns:p14="http://schemas.microsoft.com/office/powerpoint/2010/main" val="1734597820"/>
+      </p:ext>
+    </p:extLst>
+  </p:cSld>
+  <p:clrMapOvr>
+    <a:masterClrMapping/>
+  </p:clrMapOvr>
+  <p:timing>
+    <p:tnLst>
+      <p:par>
+        <p:cTn id="1" dur="indefinite" restart="never" nodeType="tmRoot"/>
+      </p:par>
+    </p:tnLst>
+  </p:timing>
+</p:sld>
+</file>
+
+<file path=ppt/slides/slide43.xml><?xml version="1.0" encoding="utf-8"?>
+<p:sld xmlns:a="http://schemas.openxmlformats.org/drawingml/2006/main" xmlns:r="http://schemas.openxmlformats.org/officeDocument/2006/relationships" xmlns:p="http://schemas.openxmlformats.org/presentationml/2006/main">
+  <p:cSld>
+    <p:spTree>
+      <p:nvGrpSpPr>
+        <p:cNvPr id="1" name=""/>
+        <p:cNvGrpSpPr/>
+        <p:nvPr/>
+      </p:nvGrpSpPr>
+      <p:grpSpPr>
+        <a:xfrm>
+          <a:off x="0" y="0"/>
+          <a:ext cx="0" cy="0"/>
+          <a:chOff x="0" y="0"/>
+          <a:chExt cx="0" cy="0"/>
+        </a:xfrm>
+      </p:grpSpPr>
+      <p:sp>
+        <p:nvSpPr>
+          <p:cNvPr id="8" name="1 Título"/>
+          <p:cNvSpPr txBox="1">
+            <a:spLocks/>
+          </p:cNvSpPr>
+          <p:nvPr/>
+        </p:nvSpPr>
+        <p:spPr bwMode="auto">
+          <a:xfrm>
+            <a:off x="467544" y="216350"/>
+            <a:ext cx="8229600" cy="720080"/>
+          </a:xfrm>
+          <a:prstGeom prst="rect">
+            <a:avLst/>
+          </a:prstGeom>
+          <a:noFill/>
+          <a:ln w="9525">
+            <a:noFill/>
+            <a:miter lim="800000"/>
+            <a:headEnd/>
+            <a:tailEnd/>
+          </a:ln>
+        </p:spPr>
+        <p:txBody>
+          <a:bodyPr vert="horz" wrap="square" lIns="91440" tIns="45720" rIns="91440" bIns="45720" numCol="1" anchor="ctr" anchorCtr="0" compatLnSpc="1">
+            <a:prstTxWarp prst="textNoShape">
+              <a:avLst/>
+            </a:prstTxWarp>
+            <a:normAutofit fontScale="97500" lnSpcReduction="10000"/>
+          </a:bodyPr>
+          <a:lstStyle>
+            <a:lvl1pPr algn="ctr" rtl="0" eaLnBrk="1" fontAlgn="base" hangingPunct="1">
+              <a:spcBef>
+                <a:spcPct val="0"/>
+              </a:spcBef>
+              <a:spcAft>
+                <a:spcPct val="0"/>
+              </a:spcAft>
+              <a:defRPr sz="4400" kern="1200">
+                <a:solidFill>
+                  <a:schemeClr val="tx1"/>
+                </a:solidFill>
+                <a:latin typeface="+mj-lt"/>
+                <a:ea typeface="+mj-ea"/>
+                <a:cs typeface="+mj-cs"/>
+              </a:defRPr>
+            </a:lvl1pPr>
+            <a:lvl2pPr algn="ctr" rtl="0" eaLnBrk="1" fontAlgn="base" hangingPunct="1">
+              <a:spcBef>
+                <a:spcPct val="0"/>
+              </a:spcBef>
+              <a:spcAft>
+                <a:spcPct val="0"/>
+              </a:spcAft>
+              <a:defRPr sz="4400">
+                <a:solidFill>
+                  <a:schemeClr val="tx1"/>
+                </a:solidFill>
+                <a:latin typeface="Calibri" pitchFamily="34" charset="0"/>
+              </a:defRPr>
+            </a:lvl2pPr>
+            <a:lvl3pPr algn="ctr" rtl="0" eaLnBrk="1" fontAlgn="base" hangingPunct="1">
+              <a:spcBef>
+                <a:spcPct val="0"/>
+              </a:spcBef>
+              <a:spcAft>
+                <a:spcPct val="0"/>
+              </a:spcAft>
+              <a:defRPr sz="4400">
+                <a:solidFill>
+                  <a:schemeClr val="tx1"/>
+                </a:solidFill>
+                <a:latin typeface="Calibri" pitchFamily="34" charset="0"/>
+              </a:defRPr>
+            </a:lvl3pPr>
+            <a:lvl4pPr algn="ctr" rtl="0" eaLnBrk="1" fontAlgn="base" hangingPunct="1">
+              <a:spcBef>
+                <a:spcPct val="0"/>
+              </a:spcBef>
+              <a:spcAft>
+                <a:spcPct val="0"/>
+              </a:spcAft>
+              <a:defRPr sz="4400">
+                <a:solidFill>
+                  <a:schemeClr val="tx1"/>
+                </a:solidFill>
+                <a:latin typeface="Calibri" pitchFamily="34" charset="0"/>
+              </a:defRPr>
+            </a:lvl4pPr>
+            <a:lvl5pPr algn="ctr" rtl="0" eaLnBrk="1" fontAlgn="base" hangingPunct="1">
+              <a:spcBef>
+                <a:spcPct val="0"/>
+              </a:spcBef>
+              <a:spcAft>
+                <a:spcPct val="0"/>
+              </a:spcAft>
+              <a:defRPr sz="4400">
+                <a:solidFill>
+                  <a:schemeClr val="tx1"/>
+                </a:solidFill>
+                <a:latin typeface="Calibri" pitchFamily="34" charset="0"/>
+              </a:defRPr>
+            </a:lvl5pPr>
+            <a:lvl6pPr marL="457200" algn="ctr" rtl="0" eaLnBrk="1" fontAlgn="base" hangingPunct="1">
+              <a:spcBef>
+                <a:spcPct val="0"/>
+              </a:spcBef>
+              <a:spcAft>
+                <a:spcPct val="0"/>
+              </a:spcAft>
+              <a:defRPr sz="4400">
+                <a:solidFill>
+                  <a:schemeClr val="tx1"/>
+                </a:solidFill>
+                <a:latin typeface="Calibri" pitchFamily="34" charset="0"/>
+              </a:defRPr>
+            </a:lvl6pPr>
+            <a:lvl7pPr marL="914400" algn="ctr" rtl="0" eaLnBrk="1" fontAlgn="base" hangingPunct="1">
+              <a:spcBef>
+                <a:spcPct val="0"/>
+              </a:spcBef>
+              <a:spcAft>
+                <a:spcPct val="0"/>
+              </a:spcAft>
+              <a:defRPr sz="4400">
+                <a:solidFill>
+                  <a:schemeClr val="tx1"/>
+                </a:solidFill>
+                <a:latin typeface="Calibri" pitchFamily="34" charset="0"/>
+              </a:defRPr>
+            </a:lvl7pPr>
+            <a:lvl8pPr marL="1371600" algn="ctr" rtl="0" eaLnBrk="1" fontAlgn="base" hangingPunct="1">
+              <a:spcBef>
+                <a:spcPct val="0"/>
+              </a:spcBef>
+              <a:spcAft>
+                <a:spcPct val="0"/>
+              </a:spcAft>
+              <a:defRPr sz="4400">
+                <a:solidFill>
+                  <a:schemeClr val="tx1"/>
+                </a:solidFill>
+                <a:latin typeface="Calibri" pitchFamily="34" charset="0"/>
+              </a:defRPr>
+            </a:lvl8pPr>
+            <a:lvl9pPr marL="1828800" algn="ctr" rtl="0" eaLnBrk="1" fontAlgn="base" hangingPunct="1">
+              <a:spcBef>
+                <a:spcPct val="0"/>
+              </a:spcBef>
+              <a:spcAft>
+                <a:spcPct val="0"/>
+              </a:spcAft>
+              <a:defRPr sz="4400">
+                <a:solidFill>
+                  <a:schemeClr val="tx1"/>
+                </a:solidFill>
+                <a:latin typeface="Calibri" pitchFamily="34" charset="0"/>
+              </a:defRPr>
+            </a:lvl9pPr>
+          </a:lstStyle>
+          <a:p>
+            <a:r>
+              <a:rPr lang="es-PE" dirty="0" smtClean="0">
+                <a:solidFill>
+                  <a:srgbClr val="009A46"/>
+                </a:solidFill>
+                <a:latin typeface="Arial" pitchFamily="34" charset="0"/>
+                <a:cs typeface="Arial" pitchFamily="34" charset="0"/>
+              </a:rPr>
+              <a:t>Referencias</a:t>
+            </a:r>
+            <a:endParaRPr lang="es-PE" dirty="0">
+              <a:solidFill>
+                <a:srgbClr val="009A46"/>
+              </a:solidFill>
+              <a:latin typeface="Arial" pitchFamily="34" charset="0"/>
+              <a:cs typeface="Arial" pitchFamily="34" charset="0"/>
+            </a:endParaRPr>
+          </a:p>
+        </p:txBody>
+      </p:sp>
+      <p:sp>
+        <p:nvSpPr>
+          <p:cNvPr id="9" name="8 CuadroTexto"/>
+          <p:cNvSpPr txBox="1"/>
+          <p:nvPr/>
+        </p:nvSpPr>
+        <p:spPr>
+          <a:xfrm>
+            <a:off x="251520" y="1196752"/>
+            <a:ext cx="8638873" cy="3046988"/>
+          </a:xfrm>
+          <a:prstGeom prst="rect">
+            <a:avLst/>
+          </a:prstGeom>
+          <a:noFill/>
+        </p:spPr>
+        <p:txBody>
+          <a:bodyPr wrap="square" rtlCol="0">
+            <a:spAutoFit/>
+          </a:bodyPr>
+          <a:lstStyle/>
+          <a:p>
+            <a:pPr>
+              <a:buNone/>
+            </a:pPr>
+            <a:r>
+              <a:rPr lang="es-PE" sz="2400" b="1" dirty="0" smtClean="0">
+                <a:latin typeface="Arial" pitchFamily="34" charset="0"/>
+                <a:cs typeface="Arial" pitchFamily="34" charset="0"/>
+              </a:rPr>
+              <a:t>Páginas</a:t>
+            </a:r>
+            <a:endParaRPr lang="es-PE" sz="2000" b="1" dirty="0">
+              <a:latin typeface="Arial" pitchFamily="34" charset="0"/>
+              <a:cs typeface="Arial" pitchFamily="34" charset="0"/>
+            </a:endParaRPr>
+          </a:p>
+          <a:p>
+            <a:pPr marL="342900" lvl="0" indent="-342900" eaLnBrk="0" fontAlgn="base" hangingPunct="0">
+              <a:spcBef>
+                <a:spcPct val="0"/>
+              </a:spcBef>
+              <a:spcAft>
+                <a:spcPct val="0"/>
+              </a:spcAft>
+              <a:buFont typeface="Arial" pitchFamily="34" charset="0"/>
+              <a:buChar char="•"/>
+            </a:pPr>
+            <a:r>
+              <a:rPr lang="es-PE" sz="2000" dirty="0" smtClean="0">
+                <a:latin typeface="Arial" pitchFamily="34" charset="0"/>
+                <a:cs typeface="Arial" pitchFamily="34" charset="0"/>
+              </a:rPr>
+              <a:t>Martin </a:t>
+            </a:r>
+            <a:r>
+              <a:rPr lang="es-PE" sz="2000" dirty="0" err="1" smtClean="0">
+                <a:latin typeface="Arial" pitchFamily="34" charset="0"/>
+                <a:cs typeface="Arial" pitchFamily="34" charset="0"/>
+              </a:rPr>
+              <a:t>fowler</a:t>
+            </a:r>
+            <a:r>
+              <a:rPr lang="es-PE" sz="2000" dirty="0" smtClean="0">
+                <a:latin typeface="Arial" pitchFamily="34" charset="0"/>
+                <a:cs typeface="Arial" pitchFamily="34" charset="0"/>
+              </a:rPr>
+              <a:t> - </a:t>
+            </a:r>
+            <a:r>
+              <a:rPr lang="es-PE" sz="2000" dirty="0" smtClean="0">
+                <a:solidFill>
+                  <a:srgbClr val="FF0000"/>
+                </a:solidFill>
+                <a:latin typeface="Arial" pitchFamily="34" charset="0"/>
+                <a:ea typeface="Calibri" pitchFamily="34" charset="0"/>
+                <a:cs typeface="Arial" pitchFamily="34" charset="0"/>
+              </a:rPr>
+              <a:t>http</a:t>
+            </a:r>
+            <a:r>
+              <a:rPr lang="es-PE" sz="2000" dirty="0">
+                <a:solidFill>
+                  <a:srgbClr val="FF0000"/>
+                </a:solidFill>
+                <a:latin typeface="Arial" pitchFamily="34" charset="0"/>
+                <a:ea typeface="Calibri" pitchFamily="34" charset="0"/>
+                <a:cs typeface="Arial" pitchFamily="34" charset="0"/>
+              </a:rPr>
+              <a:t>://martinfowler.com/bliki/refactoring.html</a:t>
+            </a:r>
+            <a:r>
+              <a:rPr lang="es-PE" sz="2000" dirty="0">
+                <a:solidFill>
+                  <a:srgbClr val="FF0000"/>
+                </a:solidFill>
+                <a:latin typeface="Arial" pitchFamily="34" charset="0"/>
+                <a:cs typeface="Arial" pitchFamily="34" charset="0"/>
+              </a:rPr>
+              <a:t> </a:t>
+            </a:r>
+            <a:endParaRPr lang="es-PE" sz="2000" dirty="0" smtClean="0">
+              <a:solidFill>
+                <a:srgbClr val="FF0000"/>
+              </a:solidFill>
+              <a:latin typeface="Arial" pitchFamily="34" charset="0"/>
+              <a:cs typeface="Arial" pitchFamily="34" charset="0"/>
+            </a:endParaRPr>
+          </a:p>
+          <a:p>
+            <a:pPr marL="342900" lvl="0" indent="-342900" eaLnBrk="0" fontAlgn="base" hangingPunct="0">
+              <a:spcBef>
+                <a:spcPct val="0"/>
+              </a:spcBef>
+              <a:spcAft>
+                <a:spcPct val="0"/>
+              </a:spcAft>
+              <a:buFont typeface="Arial" pitchFamily="34" charset="0"/>
+              <a:buChar char="•"/>
+            </a:pPr>
+            <a:r>
+              <a:rPr lang="es-PE" sz="2000" dirty="0" err="1" smtClean="0">
+                <a:latin typeface="Arial" pitchFamily="34" charset="0"/>
+                <a:cs typeface="Arial" pitchFamily="34" charset="0"/>
+              </a:rPr>
+              <a:t>Source</a:t>
+            </a:r>
+            <a:r>
+              <a:rPr lang="es-PE" sz="2000" dirty="0" smtClean="0">
+                <a:latin typeface="Arial" pitchFamily="34" charset="0"/>
+                <a:cs typeface="Arial" pitchFamily="34" charset="0"/>
+              </a:rPr>
+              <a:t> </a:t>
+            </a:r>
+            <a:r>
+              <a:rPr lang="es-PE" sz="2000" dirty="0" err="1" smtClean="0">
+                <a:latin typeface="Arial" pitchFamily="34" charset="0"/>
+                <a:cs typeface="Arial" pitchFamily="34" charset="0"/>
+              </a:rPr>
+              <a:t>Making</a:t>
+            </a:r>
+            <a:r>
+              <a:rPr lang="es-PE" sz="2000" dirty="0" smtClean="0">
+                <a:latin typeface="Arial" pitchFamily="34" charset="0"/>
+                <a:cs typeface="Arial" pitchFamily="34" charset="0"/>
+              </a:rPr>
+              <a:t> - </a:t>
+            </a:r>
+            <a:r>
+              <a:rPr lang="es-PE" sz="2000" dirty="0">
+                <a:solidFill>
+                  <a:srgbClr val="FF0000"/>
+                </a:solidFill>
+                <a:latin typeface="Arial" pitchFamily="34" charset="0"/>
+                <a:ea typeface="Calibri" pitchFamily="34" charset="0"/>
+                <a:cs typeface="Arial" pitchFamily="34" charset="0"/>
+              </a:rPr>
+              <a:t>http://sourcemaking.com/refactoring</a:t>
+            </a:r>
+            <a:r>
+              <a:rPr lang="es-PE" sz="2000" dirty="0">
+                <a:solidFill>
+                  <a:srgbClr val="0070C0"/>
+                </a:solidFill>
+                <a:latin typeface="Arial" pitchFamily="34" charset="0"/>
+                <a:cs typeface="Arial" pitchFamily="34" charset="0"/>
+              </a:rPr>
+              <a:t> </a:t>
+            </a:r>
+          </a:p>
+          <a:p>
+            <a:pPr>
+              <a:buNone/>
+            </a:pPr>
+            <a:endParaRPr lang="es-PE" sz="2400" b="1" dirty="0">
+              <a:latin typeface="Arial" pitchFamily="34" charset="0"/>
+              <a:cs typeface="Arial" pitchFamily="34" charset="0"/>
+            </a:endParaRPr>
+          </a:p>
+          <a:p>
+            <a:pPr>
+              <a:buNone/>
+            </a:pPr>
+            <a:r>
+              <a:rPr lang="es-PE" sz="2400" b="1" dirty="0" smtClean="0">
+                <a:latin typeface="Arial" pitchFamily="34" charset="0"/>
+                <a:cs typeface="Arial" pitchFamily="34" charset="0"/>
+              </a:rPr>
+              <a:t>Libros</a:t>
+            </a:r>
+          </a:p>
+          <a:p>
+            <a:pPr marL="342900" indent="-342900">
+              <a:buFont typeface="Arial" pitchFamily="34" charset="0"/>
+              <a:buChar char="•"/>
+            </a:pPr>
+            <a:r>
+              <a:rPr lang="es-PE" sz="2000" dirty="0" err="1" smtClean="0">
+                <a:latin typeface="Arial" pitchFamily="34" charset="0"/>
+                <a:cs typeface="Arial" pitchFamily="34" charset="0"/>
+              </a:rPr>
+              <a:t>Clean</a:t>
+            </a:r>
+            <a:r>
+              <a:rPr lang="es-PE" sz="2000" dirty="0" smtClean="0">
+                <a:latin typeface="Arial" pitchFamily="34" charset="0"/>
+                <a:cs typeface="Arial" pitchFamily="34" charset="0"/>
+              </a:rPr>
+              <a:t> </a:t>
+            </a:r>
+            <a:r>
+              <a:rPr lang="es-PE" sz="2000" dirty="0" err="1" smtClean="0">
+                <a:latin typeface="Arial" pitchFamily="34" charset="0"/>
+                <a:cs typeface="Arial" pitchFamily="34" charset="0"/>
+              </a:rPr>
+              <a:t>Code</a:t>
+            </a:r>
+            <a:endParaRPr lang="es-PE" sz="2000" dirty="0" smtClean="0">
+              <a:latin typeface="Arial" pitchFamily="34" charset="0"/>
+              <a:cs typeface="Arial" pitchFamily="34" charset="0"/>
+            </a:endParaRPr>
+          </a:p>
+          <a:p>
+            <a:pPr marL="342900" indent="-342900">
+              <a:buFont typeface="Arial" pitchFamily="34" charset="0"/>
+              <a:buChar char="•"/>
+            </a:pPr>
+            <a:r>
+              <a:rPr lang="es-PE" sz="2000" dirty="0" err="1" smtClean="0">
+                <a:latin typeface="Arial" pitchFamily="34" charset="0"/>
+                <a:cs typeface="Arial" pitchFamily="34" charset="0"/>
+              </a:rPr>
+              <a:t>Improving</a:t>
+            </a:r>
+            <a:r>
+              <a:rPr lang="es-PE" sz="2000" dirty="0" smtClean="0">
+                <a:latin typeface="Arial" pitchFamily="34" charset="0"/>
+                <a:cs typeface="Arial" pitchFamily="34" charset="0"/>
+              </a:rPr>
+              <a:t> </a:t>
+            </a:r>
+            <a:r>
+              <a:rPr lang="es-PE" sz="2000" dirty="0" err="1" smtClean="0">
+                <a:latin typeface="Arial" pitchFamily="34" charset="0"/>
+                <a:cs typeface="Arial" pitchFamily="34" charset="0"/>
+              </a:rPr>
+              <a:t>the</a:t>
+            </a:r>
+            <a:r>
+              <a:rPr lang="es-PE" sz="2000" dirty="0" smtClean="0">
+                <a:latin typeface="Arial" pitchFamily="34" charset="0"/>
+                <a:cs typeface="Arial" pitchFamily="34" charset="0"/>
+              </a:rPr>
+              <a:t> </a:t>
+            </a:r>
+            <a:r>
+              <a:rPr lang="es-PE" sz="2000" dirty="0" err="1" smtClean="0">
+                <a:latin typeface="Arial" pitchFamily="34" charset="0"/>
+                <a:cs typeface="Arial" pitchFamily="34" charset="0"/>
+              </a:rPr>
+              <a:t>Design</a:t>
+            </a:r>
+            <a:r>
+              <a:rPr lang="es-PE" sz="2000" dirty="0" smtClean="0">
+                <a:latin typeface="Arial" pitchFamily="34" charset="0"/>
+                <a:cs typeface="Arial" pitchFamily="34" charset="0"/>
+              </a:rPr>
+              <a:t> of </a:t>
+            </a:r>
+            <a:r>
+              <a:rPr lang="es-PE" sz="2000" dirty="0" err="1" smtClean="0">
+                <a:latin typeface="Arial" pitchFamily="34" charset="0"/>
+                <a:cs typeface="Arial" pitchFamily="34" charset="0"/>
+              </a:rPr>
+              <a:t>Existing</a:t>
+            </a:r>
+            <a:r>
+              <a:rPr lang="es-PE" sz="2000" dirty="0" smtClean="0">
+                <a:latin typeface="Arial" pitchFamily="34" charset="0"/>
+                <a:cs typeface="Arial" pitchFamily="34" charset="0"/>
+              </a:rPr>
+              <a:t> </a:t>
+            </a:r>
+            <a:r>
+              <a:rPr lang="es-PE" sz="2000" dirty="0" err="1" smtClean="0">
+                <a:latin typeface="Arial" pitchFamily="34" charset="0"/>
+                <a:cs typeface="Arial" pitchFamily="34" charset="0"/>
+              </a:rPr>
+              <a:t>Code</a:t>
+            </a:r>
+            <a:endParaRPr lang="es-PE" sz="2000" dirty="0" smtClean="0">
+              <a:latin typeface="Arial" pitchFamily="34" charset="0"/>
+              <a:cs typeface="Arial" pitchFamily="34" charset="0"/>
+            </a:endParaRPr>
+          </a:p>
+          <a:p>
+            <a:pPr marL="342900" indent="-342900">
+              <a:buFont typeface="Arial" pitchFamily="34" charset="0"/>
+              <a:buChar char="•"/>
+            </a:pPr>
+            <a:r>
+              <a:rPr lang="es-PE" sz="2000" dirty="0" smtClean="0">
+                <a:latin typeface="Arial" pitchFamily="34" charset="0"/>
+                <a:cs typeface="Arial" pitchFamily="34" charset="0"/>
+              </a:rPr>
+              <a:t>Refactoring </a:t>
+            </a:r>
+            <a:r>
+              <a:rPr lang="es-PE" sz="2000" dirty="0" err="1" smtClean="0">
+                <a:latin typeface="Arial" pitchFamily="34" charset="0"/>
+                <a:cs typeface="Arial" pitchFamily="34" charset="0"/>
+              </a:rPr>
+              <a:t>to</a:t>
+            </a:r>
+            <a:r>
+              <a:rPr lang="es-PE" sz="2000" dirty="0" smtClean="0">
+                <a:latin typeface="Arial" pitchFamily="34" charset="0"/>
+                <a:cs typeface="Arial" pitchFamily="34" charset="0"/>
+              </a:rPr>
+              <a:t> </a:t>
+            </a:r>
+            <a:r>
+              <a:rPr lang="es-PE" sz="2000" dirty="0" err="1" smtClean="0">
+                <a:latin typeface="Arial" pitchFamily="34" charset="0"/>
+                <a:cs typeface="Arial" pitchFamily="34" charset="0"/>
+              </a:rPr>
+              <a:t>Patterns</a:t>
+            </a:r>
+            <a:endParaRPr lang="es-PE" sz="2000" dirty="0" smtClean="0">
+              <a:latin typeface="Arial" pitchFamily="34" charset="0"/>
+              <a:cs typeface="Arial" pitchFamily="34" charset="0"/>
+            </a:endParaRPr>
+          </a:p>
+          <a:p>
+            <a:pPr marL="342900" indent="-342900">
+              <a:buFont typeface="Arial" pitchFamily="34" charset="0"/>
+              <a:buChar char="•"/>
+            </a:pPr>
+            <a:r>
+              <a:rPr lang="es-PE" sz="2000" dirty="0">
+                <a:latin typeface="Arial" pitchFamily="34" charset="0"/>
+                <a:ea typeface="Calibri" pitchFamily="34" charset="0"/>
+                <a:cs typeface="Arial" pitchFamily="34" charset="0"/>
+              </a:rPr>
+              <a:t>Refactoring </a:t>
+            </a:r>
+            <a:r>
+              <a:rPr lang="es-PE" sz="2000" dirty="0" err="1" smtClean="0">
+                <a:latin typeface="Arial" pitchFamily="34" charset="0"/>
+                <a:ea typeface="Calibri" pitchFamily="34" charset="0"/>
+                <a:cs typeface="Arial" pitchFamily="34" charset="0"/>
+              </a:rPr>
+              <a:t>Workbook</a:t>
+            </a:r>
+            <a:endParaRPr lang="es-PE" sz="2000" dirty="0">
+              <a:latin typeface="Arial" pitchFamily="34" charset="0"/>
+              <a:ea typeface="Calibri" pitchFamily="34" charset="0"/>
+              <a:cs typeface="Arial" pitchFamily="34" charset="0"/>
+            </a:endParaRPr>
+          </a:p>
+        </p:txBody>
+      </p:sp>
+      <p:sp>
+        <p:nvSpPr>
+          <p:cNvPr id="12" name="2 Subtítulo"/>
+          <p:cNvSpPr txBox="1">
+            <a:spLocks/>
+          </p:cNvSpPr>
+          <p:nvPr/>
+        </p:nvSpPr>
+        <p:spPr bwMode="auto">
+          <a:xfrm>
+            <a:off x="179512" y="5407164"/>
+            <a:ext cx="3214709" cy="515717"/>
+          </a:xfrm>
+          <a:prstGeom prst="rect">
+            <a:avLst/>
+          </a:prstGeom>
+          <a:noFill/>
+          <a:ln w="9525">
+            <a:noFill/>
+            <a:miter lim="800000"/>
+            <a:headEnd/>
+            <a:tailEnd/>
+          </a:ln>
+        </p:spPr>
+        <p:txBody>
+          <a:bodyPr vert="horz" wrap="square" lIns="91440" tIns="45720" rIns="91440" bIns="45720" numCol="1" rtlCol="0" anchor="t" anchorCtr="0" compatLnSpc="1">
+            <a:prstTxWarp prst="textNoShape">
+              <a:avLst/>
+            </a:prstTxWarp>
+            <a:noAutofit/>
+          </a:bodyPr>
+          <a:lstStyle/>
+          <a:p>
+            <a:pPr marL="0" marR="0" lvl="0" indent="0" algn="ctr" defTabSz="914400" rtl="0" eaLnBrk="1" fontAlgn="auto" latinLnBrk="0" hangingPunct="1">
+              <a:lnSpc>
+                <a:spcPct val="100000"/>
+              </a:lnSpc>
+              <a:spcBef>
+                <a:spcPct val="20000"/>
+              </a:spcBef>
+              <a:spcAft>
+                <a:spcPts val="0"/>
+              </a:spcAft>
+              <a:buClrTx/>
+              <a:buSzTx/>
+              <a:buFont typeface="Arial" pitchFamily="34" charset="0"/>
+              <a:buNone/>
+              <a:tabLst/>
+              <a:defRPr/>
+            </a:pPr>
+            <a:r>
+              <a:rPr kumimoji="0" lang="es-PE" sz="2600" b="1" i="0" u="none" strike="noStrike" kern="1200" cap="none" spc="0" normalizeH="0" baseline="0" noProof="0" dirty="0" smtClean="0">
+                <a:ln>
+                  <a:noFill/>
+                </a:ln>
+                <a:solidFill>
+                  <a:srgbClr val="00B050"/>
+                </a:solidFill>
+                <a:effectLst/>
+                <a:uLnTx/>
+                <a:uFillTx/>
+              </a:rPr>
+              <a:t>Angel Núñez Salazar</a:t>
+            </a:r>
+          </a:p>
+        </p:txBody>
+      </p:sp>
+      <p:sp>
+        <p:nvSpPr>
+          <p:cNvPr id="13" name="Rectangle 1"/>
+          <p:cNvSpPr>
+            <a:spLocks noChangeArrowheads="1"/>
+          </p:cNvSpPr>
+          <p:nvPr/>
+        </p:nvSpPr>
+        <p:spPr bwMode="auto">
+          <a:xfrm>
+            <a:off x="3715072" y="5157192"/>
+            <a:ext cx="5105400" cy="1015663"/>
+          </a:xfrm>
+          <a:prstGeom prst="rect">
+            <a:avLst/>
+          </a:prstGeom>
+          <a:noFill/>
+          <a:ln w="9525">
+            <a:noFill/>
+            <a:miter lim="800000"/>
+            <a:headEnd/>
+            <a:tailEnd/>
+          </a:ln>
+          <a:effectLst/>
+        </p:spPr>
+        <p:txBody>
+          <a:bodyPr vert="horz" wrap="square" lIns="91440" tIns="45720" rIns="91440" bIns="45720" numCol="1" anchor="ctr" anchorCtr="0" compatLnSpc="1">
+            <a:prstTxWarp prst="textNoShape">
+              <a:avLst/>
+            </a:prstTxWarp>
+            <a:spAutoFit/>
+          </a:bodyPr>
+          <a:lstStyle/>
+          <a:p>
+            <a:pPr algn="r" fontAlgn="base">
+              <a:spcBef>
+                <a:spcPct val="0"/>
+              </a:spcBef>
+              <a:spcAft>
+                <a:spcPct val="0"/>
+              </a:spcAft>
+            </a:pPr>
+            <a:r>
+              <a:rPr lang="en-US" sz="2000" dirty="0" smtClean="0">
+                <a:latin typeface="Trebuchet MS" pitchFamily="34" charset="0"/>
+                <a:ea typeface="Calibri" pitchFamily="34" charset="0"/>
+                <a:cs typeface="Arial" pitchFamily="34" charset="0"/>
+              </a:rPr>
+              <a:t>Email: </a:t>
+            </a:r>
+            <a:r>
+              <a:rPr lang="en-US" sz="2000" dirty="0">
+                <a:solidFill>
+                  <a:srgbClr val="FFC000"/>
+                </a:solidFill>
+                <a:latin typeface="Trebuchet MS" pitchFamily="34" charset="0"/>
+                <a:ea typeface="Calibri" pitchFamily="34" charset="0"/>
+                <a:cs typeface="Arial" pitchFamily="34" charset="0"/>
+              </a:rPr>
+              <a:t>angel.nunez.salazar@gmail.com</a:t>
+            </a:r>
+          </a:p>
+          <a:p>
+            <a:pPr lvl="0" algn="r" eaLnBrk="0" fontAlgn="base" hangingPunct="0">
+              <a:spcBef>
+                <a:spcPct val="0"/>
+              </a:spcBef>
+              <a:spcAft>
+                <a:spcPct val="0"/>
+              </a:spcAft>
+            </a:pPr>
+            <a:r>
+              <a:rPr lang="en-US" sz="2000" dirty="0" smtClean="0">
+                <a:latin typeface="Trebuchet MS" pitchFamily="34" charset="0"/>
+                <a:ea typeface="Calibri" pitchFamily="34" charset="0"/>
+                <a:cs typeface="Arial" pitchFamily="34" charset="0"/>
+              </a:rPr>
+              <a:t>Blog: </a:t>
+            </a:r>
+            <a:r>
+              <a:rPr lang="en-US" sz="2000" dirty="0">
+                <a:solidFill>
+                  <a:srgbClr val="FFC000"/>
+                </a:solidFill>
+                <a:latin typeface="Trebuchet MS" pitchFamily="34" charset="0"/>
+                <a:ea typeface="Calibri" pitchFamily="34" charset="0"/>
+                <a:cs typeface="Arial" pitchFamily="34" charset="0"/>
+              </a:rPr>
+              <a:t>http://</a:t>
+            </a:r>
+            <a:r>
+              <a:rPr lang="en-US" sz="2000" dirty="0" smtClean="0">
+                <a:solidFill>
+                  <a:srgbClr val="FFC000"/>
+                </a:solidFill>
+                <a:latin typeface="Trebuchet MS" pitchFamily="34" charset="0"/>
+                <a:ea typeface="Calibri" pitchFamily="34" charset="0"/>
+                <a:cs typeface="Arial" pitchFamily="34" charset="0"/>
+              </a:rPr>
+              <a:t>snahider.blogspot.com</a:t>
+            </a:r>
+          </a:p>
+          <a:p>
+            <a:pPr lvl="0" algn="r" eaLnBrk="0" fontAlgn="base" hangingPunct="0">
+              <a:spcBef>
+                <a:spcPct val="0"/>
+              </a:spcBef>
+              <a:spcAft>
+                <a:spcPct val="0"/>
+              </a:spcAft>
+            </a:pPr>
+            <a:r>
+              <a:rPr lang="en-US" sz="2000" dirty="0" smtClean="0">
+                <a:latin typeface="Trebuchet MS" pitchFamily="34" charset="0"/>
+                <a:ea typeface="Calibri" pitchFamily="34" charset="0"/>
+                <a:cs typeface="Arial" pitchFamily="34" charset="0"/>
+              </a:rPr>
+              <a:t>Twitter: </a:t>
+            </a:r>
+            <a:r>
+              <a:rPr lang="en-US" sz="2000" dirty="0" smtClean="0">
+                <a:solidFill>
+                  <a:srgbClr val="FFC000"/>
+                </a:solidFill>
+                <a:latin typeface="Trebuchet MS" pitchFamily="34" charset="0"/>
+                <a:ea typeface="Calibri" pitchFamily="34" charset="0"/>
+                <a:cs typeface="Arial" pitchFamily="34" charset="0"/>
+              </a:rPr>
+              <a:t>@</a:t>
+            </a:r>
+            <a:r>
+              <a:rPr lang="en-US" sz="2000" dirty="0" err="1" smtClean="0">
+                <a:solidFill>
+                  <a:srgbClr val="FFC000"/>
+                </a:solidFill>
+                <a:latin typeface="Trebuchet MS" pitchFamily="34" charset="0"/>
+                <a:ea typeface="Calibri" pitchFamily="34" charset="0"/>
+                <a:cs typeface="Arial" pitchFamily="34" charset="0"/>
+              </a:rPr>
+              <a:t>snahider</a:t>
+            </a:r>
+            <a:r>
+              <a:rPr lang="en-US" sz="2000" dirty="0" smtClean="0">
+                <a:solidFill>
+                  <a:srgbClr val="FFC000"/>
+                </a:solidFill>
+                <a:latin typeface="Trebuchet MS" pitchFamily="34" charset="0"/>
+                <a:cs typeface="Arial" pitchFamily="34" charset="0"/>
+              </a:rPr>
+              <a:t> </a:t>
+            </a:r>
+          </a:p>
+        </p:txBody>
+      </p:sp>
+    </p:spTree>
+    <p:extLst>
+      <p:ext uri="{BB962C8B-B14F-4D97-AF65-F5344CB8AC3E}">
+        <p14:creationId xmlns:p14="http://schemas.microsoft.com/office/powerpoint/2010/main" val="3929104299"/>
+      </p:ext>
+    </p:extLst>
+  </p:cSld>
+  <p:clrMapOvr>
+    <a:masterClrMapping/>
+  </p:clrMapOvr>
+</p:sld>
+</file>
+
+<file path=ppt/slides/slide5.xml><?xml version="1.0" encoding="utf-8"?>
 <p:sld xmlns:a="http://schemas.openxmlformats.org/drawingml/2006/main" xmlns:r="http://schemas.openxmlformats.org/officeDocument/2006/relationships" xmlns:p="http://schemas.openxmlformats.org/presentationml/2006/main">
   <p:cSld>
     <p:spTree>
@@ -18794,1374 +20469,7 @@
 </p:sld>
 </file>
 
-<file path=ppt/slides/slide40.xml><?xml version="1.0" encoding="utf-8"?>
-<p:sld xmlns:a="http://schemas.openxmlformats.org/drawingml/2006/main" xmlns:r="http://schemas.openxmlformats.org/officeDocument/2006/relationships" xmlns:p="http://schemas.openxmlformats.org/presentationml/2006/main">
-  <p:cSld>
-    <p:spTree>
-      <p:nvGrpSpPr>
-        <p:cNvPr id="1" name=""/>
-        <p:cNvGrpSpPr/>
-        <p:nvPr/>
-      </p:nvGrpSpPr>
-      <p:grpSpPr>
-        <a:xfrm>
-          <a:off x="0" y="0"/>
-          <a:ext cx="0" cy="0"/>
-          <a:chOff x="0" y="0"/>
-          <a:chExt cx="0" cy="0"/>
-        </a:xfrm>
-      </p:grpSpPr>
-      <p:sp>
-        <p:nvSpPr>
-          <p:cNvPr id="3" name="2 Título"/>
-          <p:cNvSpPr>
-            <a:spLocks noGrp="1"/>
-          </p:cNvSpPr>
-          <p:nvPr>
-            <p:ph type="title"/>
-          </p:nvPr>
-        </p:nvSpPr>
-        <p:spPr>
-          <a:xfrm>
-            <a:off x="457200" y="260648"/>
-            <a:ext cx="8229600" cy="796950"/>
-          </a:xfrm>
-        </p:spPr>
-        <p:txBody>
-          <a:bodyPr/>
-          <a:lstStyle/>
-          <a:p>
-            <a:r>
-              <a:rPr lang="es-PE" dirty="0" smtClean="0">
-                <a:solidFill>
-                  <a:srgbClr val="00823B"/>
-                </a:solidFill>
-              </a:rPr>
-              <a:t>Herramientas </a:t>
-            </a:r>
-            <a:r>
-              <a:rPr lang="es-PE" dirty="0" err="1" smtClean="0">
-                <a:solidFill>
-                  <a:srgbClr val="00823B"/>
-                </a:solidFill>
-              </a:rPr>
-              <a:t>Refactoring</a:t>
-            </a:r>
-            <a:endParaRPr lang="es-PE" dirty="0">
-              <a:solidFill>
-                <a:srgbClr val="00823B"/>
-              </a:solidFill>
-            </a:endParaRPr>
-          </a:p>
-        </p:txBody>
-      </p:sp>
-      <p:sp>
-        <p:nvSpPr>
-          <p:cNvPr id="7" name="5 Marcador de contenido"/>
-          <p:cNvSpPr txBox="1">
-            <a:spLocks/>
-          </p:cNvSpPr>
-          <p:nvPr/>
-        </p:nvSpPr>
-        <p:spPr bwMode="auto">
-          <a:xfrm>
-            <a:off x="393882" y="5358226"/>
-            <a:ext cx="8428243" cy="1066945"/>
-          </a:xfrm>
-          <a:prstGeom prst="rect">
-            <a:avLst/>
-          </a:prstGeom>
-          <a:noFill/>
-          <a:ln w="9525">
-            <a:noFill/>
-            <a:miter lim="800000"/>
-            <a:headEnd/>
-            <a:tailEnd/>
-          </a:ln>
-        </p:spPr>
-        <p:txBody>
-          <a:bodyPr vert="horz" wrap="square" lIns="91440" tIns="45720" rIns="91440" bIns="45720" numCol="1" anchor="t" anchorCtr="0" compatLnSpc="1">
-            <a:prstTxWarp prst="textNoShape">
-              <a:avLst/>
-            </a:prstTxWarp>
-          </a:bodyPr>
-          <a:lstStyle>
-            <a:lvl1pPr marL="342900" indent="-342900" algn="l" rtl="0" eaLnBrk="1" fontAlgn="base" hangingPunct="1">
-              <a:spcBef>
-                <a:spcPct val="20000"/>
-              </a:spcBef>
-              <a:spcAft>
-                <a:spcPct val="0"/>
-              </a:spcAft>
-              <a:buFont typeface="Arial" charset="0"/>
-              <a:buChar char="•"/>
-              <a:defRPr sz="3200" kern="1200">
-                <a:solidFill>
-                  <a:schemeClr val="tx1"/>
-                </a:solidFill>
-                <a:latin typeface="+mn-lt"/>
-                <a:ea typeface="+mn-ea"/>
-                <a:cs typeface="+mn-cs"/>
-              </a:defRPr>
-            </a:lvl1pPr>
-            <a:lvl2pPr marL="742950" indent="-285750" algn="l" rtl="0" eaLnBrk="1" fontAlgn="base" hangingPunct="1">
-              <a:spcBef>
-                <a:spcPct val="20000"/>
-              </a:spcBef>
-              <a:spcAft>
-                <a:spcPct val="0"/>
-              </a:spcAft>
-              <a:buFont typeface="Arial" charset="0"/>
-              <a:buChar char="–"/>
-              <a:defRPr sz="2800" kern="1200">
-                <a:solidFill>
-                  <a:schemeClr val="tx1"/>
-                </a:solidFill>
-                <a:latin typeface="+mn-lt"/>
-                <a:ea typeface="+mn-ea"/>
-                <a:cs typeface="+mn-cs"/>
-              </a:defRPr>
-            </a:lvl2pPr>
-            <a:lvl3pPr marL="1143000" indent="-228600" algn="l" rtl="0" eaLnBrk="1" fontAlgn="base" hangingPunct="1">
-              <a:spcBef>
-                <a:spcPct val="20000"/>
-              </a:spcBef>
-              <a:spcAft>
-                <a:spcPct val="0"/>
-              </a:spcAft>
-              <a:buFont typeface="Arial" charset="0"/>
-              <a:buChar char="•"/>
-              <a:defRPr sz="2400" kern="1200">
-                <a:solidFill>
-                  <a:schemeClr val="tx1"/>
-                </a:solidFill>
-                <a:latin typeface="+mn-lt"/>
-                <a:ea typeface="+mn-ea"/>
-                <a:cs typeface="+mn-cs"/>
-              </a:defRPr>
-            </a:lvl3pPr>
-            <a:lvl4pPr marL="1600200" indent="-228600" algn="l" rtl="0" eaLnBrk="1" fontAlgn="base" hangingPunct="1">
-              <a:spcBef>
-                <a:spcPct val="20000"/>
-              </a:spcBef>
-              <a:spcAft>
-                <a:spcPct val="0"/>
-              </a:spcAft>
-              <a:buFont typeface="Arial" charset="0"/>
-              <a:buChar char="–"/>
-              <a:defRPr sz="2000" kern="1200">
-                <a:solidFill>
-                  <a:schemeClr val="tx1"/>
-                </a:solidFill>
-                <a:latin typeface="+mn-lt"/>
-                <a:ea typeface="+mn-ea"/>
-                <a:cs typeface="+mn-cs"/>
-              </a:defRPr>
-            </a:lvl4pPr>
-            <a:lvl5pPr marL="2057400" indent="-228600" algn="l" rtl="0" eaLnBrk="1" fontAlgn="base" hangingPunct="1">
-              <a:spcBef>
-                <a:spcPct val="20000"/>
-              </a:spcBef>
-              <a:spcAft>
-                <a:spcPct val="0"/>
-              </a:spcAft>
-              <a:buFont typeface="Arial" charset="0"/>
-              <a:buChar char="»"/>
-              <a:defRPr sz="2000" kern="1200">
-                <a:solidFill>
-                  <a:schemeClr val="tx1"/>
-                </a:solidFill>
-                <a:latin typeface="+mn-lt"/>
-                <a:ea typeface="+mn-ea"/>
-                <a:cs typeface="+mn-cs"/>
-              </a:defRPr>
-            </a:lvl5pPr>
-            <a:lvl6pPr marL="2514600" indent="-228600" algn="l" defTabSz="914400" rtl="0" eaLnBrk="1" latinLnBrk="0" hangingPunct="1">
-              <a:spcBef>
-                <a:spcPct val="20000"/>
-              </a:spcBef>
-              <a:buFont typeface="Arial" pitchFamily="34" charset="0"/>
-              <a:buChar char="•"/>
-              <a:defRPr sz="2000" kern="1200">
-                <a:solidFill>
-                  <a:schemeClr val="tx1"/>
-                </a:solidFill>
-                <a:latin typeface="+mn-lt"/>
-                <a:ea typeface="+mn-ea"/>
-                <a:cs typeface="+mn-cs"/>
-              </a:defRPr>
-            </a:lvl6pPr>
-            <a:lvl7pPr marL="2971800" indent="-228600" algn="l" defTabSz="914400" rtl="0" eaLnBrk="1" latinLnBrk="0" hangingPunct="1">
-              <a:spcBef>
-                <a:spcPct val="20000"/>
-              </a:spcBef>
-              <a:buFont typeface="Arial" pitchFamily="34" charset="0"/>
-              <a:buChar char="•"/>
-              <a:defRPr sz="2000" kern="1200">
-                <a:solidFill>
-                  <a:schemeClr val="tx1"/>
-                </a:solidFill>
-                <a:latin typeface="+mn-lt"/>
-                <a:ea typeface="+mn-ea"/>
-                <a:cs typeface="+mn-cs"/>
-              </a:defRPr>
-            </a:lvl7pPr>
-            <a:lvl8pPr marL="3429000" indent="-228600" algn="l" defTabSz="914400" rtl="0" eaLnBrk="1" latinLnBrk="0" hangingPunct="1">
-              <a:spcBef>
-                <a:spcPct val="20000"/>
-              </a:spcBef>
-              <a:buFont typeface="Arial" pitchFamily="34" charset="0"/>
-              <a:buChar char="•"/>
-              <a:defRPr sz="2000" kern="1200">
-                <a:solidFill>
-                  <a:schemeClr val="tx1"/>
-                </a:solidFill>
-                <a:latin typeface="+mn-lt"/>
-                <a:ea typeface="+mn-ea"/>
-                <a:cs typeface="+mn-cs"/>
-              </a:defRPr>
-            </a:lvl8pPr>
-            <a:lvl9pPr marL="3886200" indent="-228600" algn="l" defTabSz="914400" rtl="0" eaLnBrk="1" latinLnBrk="0" hangingPunct="1">
-              <a:spcBef>
-                <a:spcPct val="20000"/>
-              </a:spcBef>
-              <a:buFont typeface="Arial" pitchFamily="34" charset="0"/>
-              <a:buChar char="•"/>
-              <a:defRPr sz="2000" kern="1200">
-                <a:solidFill>
-                  <a:schemeClr val="tx1"/>
-                </a:solidFill>
-                <a:latin typeface="+mn-lt"/>
-                <a:ea typeface="+mn-ea"/>
-                <a:cs typeface="+mn-cs"/>
-              </a:defRPr>
-            </a:lvl9pPr>
-          </a:lstStyle>
-          <a:p>
-            <a:r>
-              <a:rPr lang="es-PE" sz="2600" dirty="0" smtClean="0">
-                <a:solidFill>
-                  <a:schemeClr val="tx1">
-                    <a:lumMod val="95000"/>
-                  </a:schemeClr>
-                </a:solidFill>
-              </a:rPr>
-              <a:t>La gran mayoría de </a:t>
-            </a:r>
-            <a:r>
-              <a:rPr lang="es-PE" sz="2600" dirty="0" err="1" smtClean="0">
-                <a:solidFill>
-                  <a:schemeClr val="tx1">
-                    <a:lumMod val="95000"/>
-                  </a:schemeClr>
-                </a:solidFill>
-              </a:rPr>
-              <a:t>IDEs</a:t>
-            </a:r>
-            <a:r>
-              <a:rPr lang="es-PE" sz="2600" dirty="0" smtClean="0">
-                <a:solidFill>
-                  <a:schemeClr val="tx1">
-                    <a:lumMod val="95000"/>
-                  </a:schemeClr>
-                </a:solidFill>
-              </a:rPr>
-              <a:t> ya proveen estas herramientas.</a:t>
-            </a:r>
-          </a:p>
-          <a:p>
-            <a:r>
-              <a:rPr lang="es-PE" sz="2600" dirty="0" smtClean="0">
-                <a:solidFill>
-                  <a:schemeClr val="tx1">
-                    <a:lumMod val="95000"/>
-                  </a:schemeClr>
-                </a:solidFill>
-              </a:rPr>
-              <a:t>No son perfectas.</a:t>
-            </a:r>
-            <a:endParaRPr lang="es-PE" sz="2600" dirty="0">
-              <a:solidFill>
-                <a:schemeClr val="tx1">
-                  <a:lumMod val="95000"/>
-                </a:schemeClr>
-              </a:solidFill>
-            </a:endParaRPr>
-          </a:p>
-        </p:txBody>
-      </p:sp>
-      <p:pic>
-        <p:nvPicPr>
-          <p:cNvPr id="9" name="Picture 2"/>
-          <p:cNvPicPr>
-            <a:picLocks noChangeAspect="1" noChangeArrowheads="1"/>
-          </p:cNvPicPr>
-          <p:nvPr/>
-        </p:nvPicPr>
-        <p:blipFill rotWithShape="1">
-          <a:blip r:embed="rId3">
-            <a:extLst>
-              <a:ext uri="{28A0092B-C50C-407E-A947-70E740481C1C}">
-                <a14:useLocalDpi xmlns:a14="http://schemas.microsoft.com/office/drawing/2010/main" val="0"/>
-              </a:ext>
-            </a:extLst>
-          </a:blip>
-          <a:srcRect l="7605" r="-1" b="17955"/>
-          <a:stretch/>
-        </p:blipFill>
-        <p:spPr bwMode="auto">
-          <a:xfrm>
-            <a:off x="2842267" y="2261882"/>
-            <a:ext cx="3531474" cy="2952328"/>
-          </a:xfrm>
-          <a:prstGeom prst="rect">
-            <a:avLst/>
-          </a:prstGeom>
-          <a:noFill/>
-          <a:ln>
-            <a:noFill/>
-          </a:ln>
-          <a:effectLst/>
-          <a:extLst>
-            <a:ext uri="{909E8E84-426E-40DD-AFC4-6F175D3DCCD1}">
-              <a14:hiddenFill xmlns:a14="http://schemas.microsoft.com/office/drawing/2010/main">
-                <a:solidFill>
-                  <a:schemeClr val="accent1"/>
-                </a:solidFill>
-              </a14:hiddenFill>
-            </a:ext>
-            <a:ext uri="{91240B29-F687-4F45-9708-019B960494DF}">
-              <a14:hiddenLine xmlns:a14="http://schemas.microsoft.com/office/drawing/2010/main" w="9525">
-                <a:solidFill>
-                  <a:schemeClr val="tx1"/>
-                </a:solidFill>
-                <a:miter lim="800000"/>
-                <a:headEnd/>
-                <a:tailEnd/>
-              </a14:hiddenLine>
-            </a:ext>
-            <a:ext uri="{AF507438-7753-43E0-B8FC-AC1667EBCBE1}">
-              <a14:hiddenEffects xmlns:a14="http://schemas.microsoft.com/office/drawing/2010/main">
-                <a:effectLst>
-                  <a:outerShdw dist="35921" dir="2700000" algn="ctr" rotWithShape="0">
-                    <a:schemeClr val="bg2"/>
-                  </a:outerShdw>
-                </a:effectLst>
-              </a14:hiddenEffects>
-            </a:ext>
-          </a:extLst>
-        </p:spPr>
-      </p:pic>
-      <p:sp>
-        <p:nvSpPr>
-          <p:cNvPr id="10" name="9 Rectángulo"/>
-          <p:cNvSpPr/>
-          <p:nvPr/>
-        </p:nvSpPr>
-        <p:spPr>
-          <a:xfrm>
-            <a:off x="1151620" y="1124744"/>
-            <a:ext cx="6912768" cy="954107"/>
-          </a:xfrm>
-          <a:prstGeom prst="rect">
-            <a:avLst/>
-          </a:prstGeom>
-        </p:spPr>
-        <p:txBody>
-          <a:bodyPr wrap="square">
-            <a:spAutoFit/>
-          </a:bodyPr>
-          <a:lstStyle/>
-          <a:p>
-            <a:pPr algn="ctr"/>
-            <a:r>
-              <a:rPr lang="es-PE" sz="2800" dirty="0" smtClean="0">
-                <a:solidFill>
-                  <a:srgbClr val="FFC000"/>
-                </a:solidFill>
-              </a:rPr>
-              <a:t>Permiten producir </a:t>
-            </a:r>
-            <a:r>
-              <a:rPr lang="es-PE" sz="2800" dirty="0">
-                <a:solidFill>
-                  <a:srgbClr val="FFC000"/>
-                </a:solidFill>
-              </a:rPr>
-              <a:t>mejoras significativas en el diseño sin mucho </a:t>
-            </a:r>
-            <a:r>
-              <a:rPr lang="es-PE" sz="2800" dirty="0" smtClean="0">
-                <a:solidFill>
-                  <a:srgbClr val="FFC000"/>
-                </a:solidFill>
-              </a:rPr>
-              <a:t>esfuerzo. </a:t>
-            </a:r>
-            <a:endParaRPr lang="es-PE" sz="2800" dirty="0">
-              <a:solidFill>
-                <a:srgbClr val="FFC000"/>
-              </a:solidFill>
-            </a:endParaRPr>
-          </a:p>
-        </p:txBody>
-      </p:sp>
-    </p:spTree>
-    <p:extLst>
-      <p:ext uri="{BB962C8B-B14F-4D97-AF65-F5344CB8AC3E}">
-        <p14:creationId xmlns:p14="http://schemas.microsoft.com/office/powerpoint/2010/main" val="201101586"/>
-      </p:ext>
-    </p:extLst>
-  </p:cSld>
-  <p:clrMapOvr>
-    <a:masterClrMapping/>
-  </p:clrMapOvr>
-  <p:timing>
-    <p:tnLst>
-      <p:par>
-        <p:cTn id="1" dur="indefinite" restart="never" nodeType="tmRoot"/>
-      </p:par>
-    </p:tnLst>
-  </p:timing>
-</p:sld>
-</file>
-
-<file path=ppt/slides/slide41.xml><?xml version="1.0" encoding="utf-8"?>
-<p:sld xmlns:a="http://schemas.openxmlformats.org/drawingml/2006/main" xmlns:r="http://schemas.openxmlformats.org/officeDocument/2006/relationships" xmlns:p="http://schemas.openxmlformats.org/presentationml/2006/main">
-  <p:cSld>
-    <p:spTree>
-      <p:nvGrpSpPr>
-        <p:cNvPr id="1" name=""/>
-        <p:cNvGrpSpPr/>
-        <p:nvPr/>
-      </p:nvGrpSpPr>
-      <p:grpSpPr>
-        <a:xfrm>
-          <a:off x="0" y="0"/>
-          <a:ext cx="0" cy="0"/>
-          <a:chOff x="0" y="0"/>
-          <a:chExt cx="0" cy="0"/>
-        </a:xfrm>
-      </p:grpSpPr>
-      <p:sp>
-        <p:nvSpPr>
-          <p:cNvPr id="3" name="2 Título"/>
-          <p:cNvSpPr>
-            <a:spLocks noGrp="1"/>
-          </p:cNvSpPr>
-          <p:nvPr>
-            <p:ph type="title"/>
-          </p:nvPr>
-        </p:nvSpPr>
-        <p:spPr>
-          <a:xfrm>
-            <a:off x="467544" y="2348880"/>
-            <a:ext cx="8229600" cy="1296144"/>
-          </a:xfrm>
-        </p:spPr>
-        <p:txBody>
-          <a:bodyPr/>
-          <a:lstStyle/>
-          <a:p>
-            <a:r>
-              <a:rPr lang="es-PE" dirty="0" smtClean="0">
-                <a:solidFill>
-                  <a:srgbClr val="FFC000"/>
-                </a:solidFill>
-              </a:rPr>
-              <a:t>Ejercicio </a:t>
-            </a:r>
-            <a:r>
-              <a:rPr lang="es-PE" dirty="0" smtClean="0">
-                <a:solidFill>
-                  <a:srgbClr val="00823B"/>
-                </a:solidFill>
-              </a:rPr>
-              <a:t/>
-            </a:r>
-            <a:br>
-              <a:rPr lang="es-PE" dirty="0" smtClean="0">
-                <a:solidFill>
-                  <a:srgbClr val="00823B"/>
-                </a:solidFill>
-              </a:rPr>
-            </a:br>
-            <a:r>
-              <a:rPr lang="es-PE" dirty="0" err="1" smtClean="0">
-                <a:solidFill>
-                  <a:srgbClr val="00823B"/>
-                </a:solidFill>
-              </a:rPr>
-              <a:t>Refactorizar</a:t>
-            </a:r>
-            <a:r>
-              <a:rPr lang="es-PE" dirty="0" smtClean="0">
-                <a:solidFill>
-                  <a:srgbClr val="00823B"/>
-                </a:solidFill>
-              </a:rPr>
-              <a:t> </a:t>
-            </a:r>
-            <a:r>
-              <a:rPr lang="es-PE" dirty="0" err="1" smtClean="0">
-                <a:solidFill>
-                  <a:srgbClr val="00823B"/>
-                </a:solidFill>
-              </a:rPr>
-              <a:t>Code</a:t>
-            </a:r>
-            <a:r>
-              <a:rPr lang="es-PE" dirty="0" smtClean="0">
-                <a:solidFill>
-                  <a:srgbClr val="00823B"/>
-                </a:solidFill>
-              </a:rPr>
-              <a:t> </a:t>
-            </a:r>
-            <a:r>
-              <a:rPr lang="es-PE" dirty="0" err="1" smtClean="0">
-                <a:solidFill>
-                  <a:srgbClr val="00823B"/>
-                </a:solidFill>
-              </a:rPr>
-              <a:t>Smells</a:t>
-            </a:r>
-            <a:endParaRPr lang="es-PE" dirty="0">
-              <a:solidFill>
-                <a:srgbClr val="00823B"/>
-              </a:solidFill>
-            </a:endParaRPr>
-          </a:p>
-        </p:txBody>
-      </p:sp>
-    </p:spTree>
-    <p:extLst>
-      <p:ext uri="{BB962C8B-B14F-4D97-AF65-F5344CB8AC3E}">
-        <p14:creationId xmlns:p14="http://schemas.microsoft.com/office/powerpoint/2010/main" val="1734597820"/>
-      </p:ext>
-    </p:extLst>
-  </p:cSld>
-  <p:clrMapOvr>
-    <a:masterClrMapping/>
-  </p:clrMapOvr>
-  <p:timing>
-    <p:tnLst>
-      <p:par>
-        <p:cTn id="1" dur="indefinite" restart="never" nodeType="tmRoot"/>
-      </p:par>
-    </p:tnLst>
-  </p:timing>
-</p:sld>
-</file>
-
-<file path=ppt/slides/slide42.xml><?xml version="1.0" encoding="utf-8"?>
-<p:sld xmlns:a="http://schemas.openxmlformats.org/drawingml/2006/main" xmlns:r="http://schemas.openxmlformats.org/officeDocument/2006/relationships" xmlns:p="http://schemas.openxmlformats.org/presentationml/2006/main">
-  <p:cSld>
-    <p:spTree>
-      <p:nvGrpSpPr>
-        <p:cNvPr id="1" name=""/>
-        <p:cNvGrpSpPr/>
-        <p:nvPr/>
-      </p:nvGrpSpPr>
-      <p:grpSpPr>
-        <a:xfrm>
-          <a:off x="0" y="0"/>
-          <a:ext cx="0" cy="0"/>
-          <a:chOff x="0" y="0"/>
-          <a:chExt cx="0" cy="0"/>
-        </a:xfrm>
-      </p:grpSpPr>
-      <p:sp>
-        <p:nvSpPr>
-          <p:cNvPr id="8" name="1 Título"/>
-          <p:cNvSpPr txBox="1">
-            <a:spLocks/>
-          </p:cNvSpPr>
-          <p:nvPr/>
-        </p:nvSpPr>
-        <p:spPr bwMode="auto">
-          <a:xfrm>
-            <a:off x="467544" y="216350"/>
-            <a:ext cx="8229600" cy="720080"/>
-          </a:xfrm>
-          <a:prstGeom prst="rect">
-            <a:avLst/>
-          </a:prstGeom>
-          <a:noFill/>
-          <a:ln w="9525">
-            <a:noFill/>
-            <a:miter lim="800000"/>
-            <a:headEnd/>
-            <a:tailEnd/>
-          </a:ln>
-        </p:spPr>
-        <p:txBody>
-          <a:bodyPr vert="horz" wrap="square" lIns="91440" tIns="45720" rIns="91440" bIns="45720" numCol="1" anchor="ctr" anchorCtr="0" compatLnSpc="1">
-            <a:prstTxWarp prst="textNoShape">
-              <a:avLst/>
-            </a:prstTxWarp>
-            <a:normAutofit fontScale="97500" lnSpcReduction="10000"/>
-          </a:bodyPr>
-          <a:lstStyle>
-            <a:lvl1pPr algn="ctr" rtl="0" eaLnBrk="1" fontAlgn="base" hangingPunct="1">
-              <a:spcBef>
-                <a:spcPct val="0"/>
-              </a:spcBef>
-              <a:spcAft>
-                <a:spcPct val="0"/>
-              </a:spcAft>
-              <a:defRPr sz="4400" kern="1200">
-                <a:solidFill>
-                  <a:schemeClr val="tx1"/>
-                </a:solidFill>
-                <a:latin typeface="+mj-lt"/>
-                <a:ea typeface="+mj-ea"/>
-                <a:cs typeface="+mj-cs"/>
-              </a:defRPr>
-            </a:lvl1pPr>
-            <a:lvl2pPr algn="ctr" rtl="0" eaLnBrk="1" fontAlgn="base" hangingPunct="1">
-              <a:spcBef>
-                <a:spcPct val="0"/>
-              </a:spcBef>
-              <a:spcAft>
-                <a:spcPct val="0"/>
-              </a:spcAft>
-              <a:defRPr sz="4400">
-                <a:solidFill>
-                  <a:schemeClr val="tx1"/>
-                </a:solidFill>
-                <a:latin typeface="Calibri" pitchFamily="34" charset="0"/>
-              </a:defRPr>
-            </a:lvl2pPr>
-            <a:lvl3pPr algn="ctr" rtl="0" eaLnBrk="1" fontAlgn="base" hangingPunct="1">
-              <a:spcBef>
-                <a:spcPct val="0"/>
-              </a:spcBef>
-              <a:spcAft>
-                <a:spcPct val="0"/>
-              </a:spcAft>
-              <a:defRPr sz="4400">
-                <a:solidFill>
-                  <a:schemeClr val="tx1"/>
-                </a:solidFill>
-                <a:latin typeface="Calibri" pitchFamily="34" charset="0"/>
-              </a:defRPr>
-            </a:lvl3pPr>
-            <a:lvl4pPr algn="ctr" rtl="0" eaLnBrk="1" fontAlgn="base" hangingPunct="1">
-              <a:spcBef>
-                <a:spcPct val="0"/>
-              </a:spcBef>
-              <a:spcAft>
-                <a:spcPct val="0"/>
-              </a:spcAft>
-              <a:defRPr sz="4400">
-                <a:solidFill>
-                  <a:schemeClr val="tx1"/>
-                </a:solidFill>
-                <a:latin typeface="Calibri" pitchFamily="34" charset="0"/>
-              </a:defRPr>
-            </a:lvl4pPr>
-            <a:lvl5pPr algn="ctr" rtl="0" eaLnBrk="1" fontAlgn="base" hangingPunct="1">
-              <a:spcBef>
-                <a:spcPct val="0"/>
-              </a:spcBef>
-              <a:spcAft>
-                <a:spcPct val="0"/>
-              </a:spcAft>
-              <a:defRPr sz="4400">
-                <a:solidFill>
-                  <a:schemeClr val="tx1"/>
-                </a:solidFill>
-                <a:latin typeface="Calibri" pitchFamily="34" charset="0"/>
-              </a:defRPr>
-            </a:lvl5pPr>
-            <a:lvl6pPr marL="457200" algn="ctr" rtl="0" eaLnBrk="1" fontAlgn="base" hangingPunct="1">
-              <a:spcBef>
-                <a:spcPct val="0"/>
-              </a:spcBef>
-              <a:spcAft>
-                <a:spcPct val="0"/>
-              </a:spcAft>
-              <a:defRPr sz="4400">
-                <a:solidFill>
-                  <a:schemeClr val="tx1"/>
-                </a:solidFill>
-                <a:latin typeface="Calibri" pitchFamily="34" charset="0"/>
-              </a:defRPr>
-            </a:lvl6pPr>
-            <a:lvl7pPr marL="914400" algn="ctr" rtl="0" eaLnBrk="1" fontAlgn="base" hangingPunct="1">
-              <a:spcBef>
-                <a:spcPct val="0"/>
-              </a:spcBef>
-              <a:spcAft>
-                <a:spcPct val="0"/>
-              </a:spcAft>
-              <a:defRPr sz="4400">
-                <a:solidFill>
-                  <a:schemeClr val="tx1"/>
-                </a:solidFill>
-                <a:latin typeface="Calibri" pitchFamily="34" charset="0"/>
-              </a:defRPr>
-            </a:lvl7pPr>
-            <a:lvl8pPr marL="1371600" algn="ctr" rtl="0" eaLnBrk="1" fontAlgn="base" hangingPunct="1">
-              <a:spcBef>
-                <a:spcPct val="0"/>
-              </a:spcBef>
-              <a:spcAft>
-                <a:spcPct val="0"/>
-              </a:spcAft>
-              <a:defRPr sz="4400">
-                <a:solidFill>
-                  <a:schemeClr val="tx1"/>
-                </a:solidFill>
-                <a:latin typeface="Calibri" pitchFamily="34" charset="0"/>
-              </a:defRPr>
-            </a:lvl8pPr>
-            <a:lvl9pPr marL="1828800" algn="ctr" rtl="0" eaLnBrk="1" fontAlgn="base" hangingPunct="1">
-              <a:spcBef>
-                <a:spcPct val="0"/>
-              </a:spcBef>
-              <a:spcAft>
-                <a:spcPct val="0"/>
-              </a:spcAft>
-              <a:defRPr sz="4400">
-                <a:solidFill>
-                  <a:schemeClr val="tx1"/>
-                </a:solidFill>
-                <a:latin typeface="Calibri" pitchFamily="34" charset="0"/>
-              </a:defRPr>
-            </a:lvl9pPr>
-          </a:lstStyle>
-          <a:p>
-            <a:r>
-              <a:rPr lang="es-PE" dirty="0" smtClean="0">
-                <a:solidFill>
-                  <a:srgbClr val="009A46"/>
-                </a:solidFill>
-                <a:latin typeface="Arial" pitchFamily="34" charset="0"/>
-                <a:cs typeface="Arial" pitchFamily="34" charset="0"/>
-              </a:rPr>
-              <a:t>Referencias</a:t>
-            </a:r>
-            <a:endParaRPr lang="es-PE" dirty="0">
-              <a:solidFill>
-                <a:srgbClr val="009A46"/>
-              </a:solidFill>
-              <a:latin typeface="Arial" pitchFamily="34" charset="0"/>
-              <a:cs typeface="Arial" pitchFamily="34" charset="0"/>
-            </a:endParaRPr>
-          </a:p>
-        </p:txBody>
-      </p:sp>
-      <p:sp>
-        <p:nvSpPr>
-          <p:cNvPr id="9" name="8 CuadroTexto"/>
-          <p:cNvSpPr txBox="1"/>
-          <p:nvPr/>
-        </p:nvSpPr>
-        <p:spPr>
-          <a:xfrm>
-            <a:off x="251520" y="1196752"/>
-            <a:ext cx="8638873" cy="3046988"/>
-          </a:xfrm>
-          <a:prstGeom prst="rect">
-            <a:avLst/>
-          </a:prstGeom>
-          <a:noFill/>
-        </p:spPr>
-        <p:txBody>
-          <a:bodyPr wrap="square" rtlCol="0">
-            <a:spAutoFit/>
-          </a:bodyPr>
-          <a:lstStyle/>
-          <a:p>
-            <a:pPr>
-              <a:buNone/>
-            </a:pPr>
-            <a:r>
-              <a:rPr lang="es-PE" sz="2400" b="1" dirty="0" smtClean="0">
-                <a:latin typeface="Arial" pitchFamily="34" charset="0"/>
-                <a:cs typeface="Arial" pitchFamily="34" charset="0"/>
-              </a:rPr>
-              <a:t>Páginas</a:t>
-            </a:r>
-            <a:endParaRPr lang="es-PE" sz="2000" b="1" dirty="0">
-              <a:latin typeface="Arial" pitchFamily="34" charset="0"/>
-              <a:cs typeface="Arial" pitchFamily="34" charset="0"/>
-            </a:endParaRPr>
-          </a:p>
-          <a:p>
-            <a:pPr marL="342900" lvl="0" indent="-342900" eaLnBrk="0" fontAlgn="base" hangingPunct="0">
-              <a:spcBef>
-                <a:spcPct val="0"/>
-              </a:spcBef>
-              <a:spcAft>
-                <a:spcPct val="0"/>
-              </a:spcAft>
-              <a:buFont typeface="Arial" pitchFamily="34" charset="0"/>
-              <a:buChar char="•"/>
-            </a:pPr>
-            <a:r>
-              <a:rPr lang="es-PE" sz="2000" dirty="0" smtClean="0">
-                <a:latin typeface="Arial" pitchFamily="34" charset="0"/>
-                <a:cs typeface="Arial" pitchFamily="34" charset="0"/>
-              </a:rPr>
-              <a:t>Martin </a:t>
-            </a:r>
-            <a:r>
-              <a:rPr lang="es-PE" sz="2000" dirty="0" err="1" smtClean="0">
-                <a:latin typeface="Arial" pitchFamily="34" charset="0"/>
-                <a:cs typeface="Arial" pitchFamily="34" charset="0"/>
-              </a:rPr>
-              <a:t>fowler</a:t>
-            </a:r>
-            <a:r>
-              <a:rPr lang="es-PE" sz="2000" dirty="0" smtClean="0">
-                <a:latin typeface="Arial" pitchFamily="34" charset="0"/>
-                <a:cs typeface="Arial" pitchFamily="34" charset="0"/>
-              </a:rPr>
-              <a:t> - </a:t>
-            </a:r>
-            <a:r>
-              <a:rPr lang="es-PE" sz="2000" dirty="0" smtClean="0">
-                <a:solidFill>
-                  <a:srgbClr val="FF0000"/>
-                </a:solidFill>
-                <a:latin typeface="Arial" pitchFamily="34" charset="0"/>
-                <a:ea typeface="Calibri" pitchFamily="34" charset="0"/>
-                <a:cs typeface="Arial" pitchFamily="34" charset="0"/>
-              </a:rPr>
-              <a:t>http</a:t>
-            </a:r>
-            <a:r>
-              <a:rPr lang="es-PE" sz="2000" dirty="0">
-                <a:solidFill>
-                  <a:srgbClr val="FF0000"/>
-                </a:solidFill>
-                <a:latin typeface="Arial" pitchFamily="34" charset="0"/>
-                <a:ea typeface="Calibri" pitchFamily="34" charset="0"/>
-                <a:cs typeface="Arial" pitchFamily="34" charset="0"/>
-              </a:rPr>
-              <a:t>://martinfowler.com/bliki/refactoring.html</a:t>
-            </a:r>
-            <a:r>
-              <a:rPr lang="es-PE" sz="2000" dirty="0">
-                <a:solidFill>
-                  <a:srgbClr val="FF0000"/>
-                </a:solidFill>
-                <a:latin typeface="Arial" pitchFamily="34" charset="0"/>
-                <a:cs typeface="Arial" pitchFamily="34" charset="0"/>
-              </a:rPr>
-              <a:t> </a:t>
-            </a:r>
-            <a:endParaRPr lang="es-PE" sz="2000" dirty="0" smtClean="0">
-              <a:solidFill>
-                <a:srgbClr val="FF0000"/>
-              </a:solidFill>
-              <a:latin typeface="Arial" pitchFamily="34" charset="0"/>
-              <a:cs typeface="Arial" pitchFamily="34" charset="0"/>
-            </a:endParaRPr>
-          </a:p>
-          <a:p>
-            <a:pPr marL="342900" lvl="0" indent="-342900" eaLnBrk="0" fontAlgn="base" hangingPunct="0">
-              <a:spcBef>
-                <a:spcPct val="0"/>
-              </a:spcBef>
-              <a:spcAft>
-                <a:spcPct val="0"/>
-              </a:spcAft>
-              <a:buFont typeface="Arial" pitchFamily="34" charset="0"/>
-              <a:buChar char="•"/>
-            </a:pPr>
-            <a:r>
-              <a:rPr lang="es-PE" sz="2000" dirty="0" err="1" smtClean="0">
-                <a:latin typeface="Arial" pitchFamily="34" charset="0"/>
-                <a:cs typeface="Arial" pitchFamily="34" charset="0"/>
-              </a:rPr>
-              <a:t>Source</a:t>
-            </a:r>
-            <a:r>
-              <a:rPr lang="es-PE" sz="2000" dirty="0" smtClean="0">
-                <a:latin typeface="Arial" pitchFamily="34" charset="0"/>
-                <a:cs typeface="Arial" pitchFamily="34" charset="0"/>
-              </a:rPr>
-              <a:t> </a:t>
-            </a:r>
-            <a:r>
-              <a:rPr lang="es-PE" sz="2000" dirty="0" err="1" smtClean="0">
-                <a:latin typeface="Arial" pitchFamily="34" charset="0"/>
-                <a:cs typeface="Arial" pitchFamily="34" charset="0"/>
-              </a:rPr>
-              <a:t>Making</a:t>
-            </a:r>
-            <a:r>
-              <a:rPr lang="es-PE" sz="2000" dirty="0" smtClean="0">
-                <a:latin typeface="Arial" pitchFamily="34" charset="0"/>
-                <a:cs typeface="Arial" pitchFamily="34" charset="0"/>
-              </a:rPr>
-              <a:t> - </a:t>
-            </a:r>
-            <a:r>
-              <a:rPr lang="es-PE" sz="2000" dirty="0">
-                <a:solidFill>
-                  <a:srgbClr val="FF0000"/>
-                </a:solidFill>
-                <a:latin typeface="Arial" pitchFamily="34" charset="0"/>
-                <a:ea typeface="Calibri" pitchFamily="34" charset="0"/>
-                <a:cs typeface="Arial" pitchFamily="34" charset="0"/>
-              </a:rPr>
-              <a:t>http://sourcemaking.com/refactoring</a:t>
-            </a:r>
-            <a:r>
-              <a:rPr lang="es-PE" sz="2000" dirty="0">
-                <a:solidFill>
-                  <a:srgbClr val="0070C0"/>
-                </a:solidFill>
-                <a:latin typeface="Arial" pitchFamily="34" charset="0"/>
-                <a:cs typeface="Arial" pitchFamily="34" charset="0"/>
-              </a:rPr>
-              <a:t> </a:t>
-            </a:r>
-          </a:p>
-          <a:p>
-            <a:pPr>
-              <a:buNone/>
-            </a:pPr>
-            <a:endParaRPr lang="es-PE" sz="2400" b="1" dirty="0">
-              <a:latin typeface="Arial" pitchFamily="34" charset="0"/>
-              <a:cs typeface="Arial" pitchFamily="34" charset="0"/>
-            </a:endParaRPr>
-          </a:p>
-          <a:p>
-            <a:pPr>
-              <a:buNone/>
-            </a:pPr>
-            <a:r>
-              <a:rPr lang="es-PE" sz="2400" b="1" dirty="0" smtClean="0">
-                <a:latin typeface="Arial" pitchFamily="34" charset="0"/>
-                <a:cs typeface="Arial" pitchFamily="34" charset="0"/>
-              </a:rPr>
-              <a:t>Libros</a:t>
-            </a:r>
-            <a:endParaRPr lang="es-PE" sz="2400" b="1" dirty="0" smtClean="0">
-              <a:latin typeface="Arial" pitchFamily="34" charset="0"/>
-              <a:cs typeface="Arial" pitchFamily="34" charset="0"/>
-            </a:endParaRPr>
-          </a:p>
-          <a:p>
-            <a:pPr marL="342900" indent="-342900">
-              <a:buFont typeface="Arial" pitchFamily="34" charset="0"/>
-              <a:buChar char="•"/>
-            </a:pPr>
-            <a:r>
-              <a:rPr lang="es-PE" sz="2000" dirty="0" err="1" smtClean="0">
-                <a:latin typeface="Arial" pitchFamily="34" charset="0"/>
-                <a:cs typeface="Arial" pitchFamily="34" charset="0"/>
-              </a:rPr>
-              <a:t>Clean</a:t>
-            </a:r>
-            <a:r>
-              <a:rPr lang="es-PE" sz="2000" dirty="0" smtClean="0">
-                <a:latin typeface="Arial" pitchFamily="34" charset="0"/>
-                <a:cs typeface="Arial" pitchFamily="34" charset="0"/>
-              </a:rPr>
-              <a:t> </a:t>
-            </a:r>
-            <a:r>
-              <a:rPr lang="es-PE" sz="2000" dirty="0" err="1" smtClean="0">
-                <a:latin typeface="Arial" pitchFamily="34" charset="0"/>
-                <a:cs typeface="Arial" pitchFamily="34" charset="0"/>
-              </a:rPr>
-              <a:t>Code</a:t>
-            </a:r>
-            <a:endParaRPr lang="es-PE" sz="2000" dirty="0" smtClean="0">
-              <a:latin typeface="Arial" pitchFamily="34" charset="0"/>
-              <a:cs typeface="Arial" pitchFamily="34" charset="0"/>
-            </a:endParaRPr>
-          </a:p>
-          <a:p>
-            <a:pPr marL="342900" indent="-342900">
-              <a:buFont typeface="Arial" pitchFamily="34" charset="0"/>
-              <a:buChar char="•"/>
-            </a:pPr>
-            <a:r>
-              <a:rPr lang="es-PE" sz="2000" dirty="0" err="1" smtClean="0">
-                <a:latin typeface="Arial" pitchFamily="34" charset="0"/>
-                <a:cs typeface="Arial" pitchFamily="34" charset="0"/>
-              </a:rPr>
-              <a:t>Improving</a:t>
-            </a:r>
-            <a:r>
-              <a:rPr lang="es-PE" sz="2000" dirty="0" smtClean="0">
-                <a:latin typeface="Arial" pitchFamily="34" charset="0"/>
-                <a:cs typeface="Arial" pitchFamily="34" charset="0"/>
-              </a:rPr>
-              <a:t> </a:t>
-            </a:r>
-            <a:r>
-              <a:rPr lang="es-PE" sz="2000" dirty="0" err="1" smtClean="0">
-                <a:latin typeface="Arial" pitchFamily="34" charset="0"/>
-                <a:cs typeface="Arial" pitchFamily="34" charset="0"/>
-              </a:rPr>
-              <a:t>the</a:t>
-            </a:r>
-            <a:r>
-              <a:rPr lang="es-PE" sz="2000" dirty="0" smtClean="0">
-                <a:latin typeface="Arial" pitchFamily="34" charset="0"/>
-                <a:cs typeface="Arial" pitchFamily="34" charset="0"/>
-              </a:rPr>
-              <a:t> </a:t>
-            </a:r>
-            <a:r>
-              <a:rPr lang="es-PE" sz="2000" dirty="0" err="1" smtClean="0">
-                <a:latin typeface="Arial" pitchFamily="34" charset="0"/>
-                <a:cs typeface="Arial" pitchFamily="34" charset="0"/>
-              </a:rPr>
-              <a:t>Design</a:t>
-            </a:r>
-            <a:r>
-              <a:rPr lang="es-PE" sz="2000" dirty="0" smtClean="0">
-                <a:latin typeface="Arial" pitchFamily="34" charset="0"/>
-                <a:cs typeface="Arial" pitchFamily="34" charset="0"/>
-              </a:rPr>
-              <a:t> of </a:t>
-            </a:r>
-            <a:r>
-              <a:rPr lang="es-PE" sz="2000" dirty="0" err="1" smtClean="0">
-                <a:latin typeface="Arial" pitchFamily="34" charset="0"/>
-                <a:cs typeface="Arial" pitchFamily="34" charset="0"/>
-              </a:rPr>
-              <a:t>Existing</a:t>
-            </a:r>
-            <a:r>
-              <a:rPr lang="es-PE" sz="2000" dirty="0" smtClean="0">
-                <a:latin typeface="Arial" pitchFamily="34" charset="0"/>
-                <a:cs typeface="Arial" pitchFamily="34" charset="0"/>
-              </a:rPr>
-              <a:t> </a:t>
-            </a:r>
-            <a:r>
-              <a:rPr lang="es-PE" sz="2000" dirty="0" err="1" smtClean="0">
-                <a:latin typeface="Arial" pitchFamily="34" charset="0"/>
-                <a:cs typeface="Arial" pitchFamily="34" charset="0"/>
-              </a:rPr>
-              <a:t>Code</a:t>
-            </a:r>
-            <a:endParaRPr lang="es-PE" sz="2000" dirty="0" smtClean="0">
-              <a:latin typeface="Arial" pitchFamily="34" charset="0"/>
-              <a:cs typeface="Arial" pitchFamily="34" charset="0"/>
-            </a:endParaRPr>
-          </a:p>
-          <a:p>
-            <a:pPr marL="342900" indent="-342900">
-              <a:buFont typeface="Arial" pitchFamily="34" charset="0"/>
-              <a:buChar char="•"/>
-            </a:pPr>
-            <a:r>
-              <a:rPr lang="es-PE" sz="2000" dirty="0" smtClean="0">
-                <a:latin typeface="Arial" pitchFamily="34" charset="0"/>
-                <a:cs typeface="Arial" pitchFamily="34" charset="0"/>
-              </a:rPr>
-              <a:t>Refactoring </a:t>
-            </a:r>
-            <a:r>
-              <a:rPr lang="es-PE" sz="2000" dirty="0" err="1" smtClean="0">
-                <a:latin typeface="Arial" pitchFamily="34" charset="0"/>
-                <a:cs typeface="Arial" pitchFamily="34" charset="0"/>
-              </a:rPr>
-              <a:t>to</a:t>
-            </a:r>
-            <a:r>
-              <a:rPr lang="es-PE" sz="2000" dirty="0" smtClean="0">
-                <a:latin typeface="Arial" pitchFamily="34" charset="0"/>
-                <a:cs typeface="Arial" pitchFamily="34" charset="0"/>
-              </a:rPr>
-              <a:t> </a:t>
-            </a:r>
-            <a:r>
-              <a:rPr lang="es-PE" sz="2000" dirty="0" err="1" smtClean="0">
-                <a:latin typeface="Arial" pitchFamily="34" charset="0"/>
-                <a:cs typeface="Arial" pitchFamily="34" charset="0"/>
-              </a:rPr>
-              <a:t>Patterns</a:t>
-            </a:r>
-            <a:endParaRPr lang="es-PE" sz="2000" dirty="0" smtClean="0">
-              <a:latin typeface="Arial" pitchFamily="34" charset="0"/>
-              <a:cs typeface="Arial" pitchFamily="34" charset="0"/>
-            </a:endParaRPr>
-          </a:p>
-          <a:p>
-            <a:pPr marL="342900" indent="-342900">
-              <a:buFont typeface="Arial" pitchFamily="34" charset="0"/>
-              <a:buChar char="•"/>
-            </a:pPr>
-            <a:r>
-              <a:rPr lang="es-PE" sz="2000" dirty="0">
-                <a:latin typeface="Arial" pitchFamily="34" charset="0"/>
-                <a:ea typeface="Calibri" pitchFamily="34" charset="0"/>
-                <a:cs typeface="Arial" pitchFamily="34" charset="0"/>
-              </a:rPr>
-              <a:t>Refactoring </a:t>
-            </a:r>
-            <a:r>
-              <a:rPr lang="es-PE" sz="2000" dirty="0" err="1" smtClean="0">
-                <a:latin typeface="Arial" pitchFamily="34" charset="0"/>
-                <a:ea typeface="Calibri" pitchFamily="34" charset="0"/>
-                <a:cs typeface="Arial" pitchFamily="34" charset="0"/>
-              </a:rPr>
-              <a:t>Workbook</a:t>
-            </a:r>
-            <a:endParaRPr lang="es-PE" sz="2000" dirty="0">
-              <a:latin typeface="Arial" pitchFamily="34" charset="0"/>
-              <a:ea typeface="Calibri" pitchFamily="34" charset="0"/>
-              <a:cs typeface="Arial" pitchFamily="34" charset="0"/>
-            </a:endParaRPr>
-          </a:p>
-        </p:txBody>
-      </p:sp>
-      <p:sp>
-        <p:nvSpPr>
-          <p:cNvPr id="12" name="2 Subtítulo"/>
-          <p:cNvSpPr txBox="1">
-            <a:spLocks/>
-          </p:cNvSpPr>
-          <p:nvPr/>
-        </p:nvSpPr>
-        <p:spPr bwMode="auto">
-          <a:xfrm>
-            <a:off x="179512" y="5407164"/>
-            <a:ext cx="3214709" cy="515717"/>
-          </a:xfrm>
-          <a:prstGeom prst="rect">
-            <a:avLst/>
-          </a:prstGeom>
-          <a:noFill/>
-          <a:ln w="9525">
-            <a:noFill/>
-            <a:miter lim="800000"/>
-            <a:headEnd/>
-            <a:tailEnd/>
-          </a:ln>
-        </p:spPr>
-        <p:txBody>
-          <a:bodyPr vert="horz" wrap="square" lIns="91440" tIns="45720" rIns="91440" bIns="45720" numCol="1" rtlCol="0" anchor="t" anchorCtr="0" compatLnSpc="1">
-            <a:prstTxWarp prst="textNoShape">
-              <a:avLst/>
-            </a:prstTxWarp>
-            <a:noAutofit/>
-          </a:bodyPr>
-          <a:lstStyle/>
-          <a:p>
-            <a:pPr marL="0" marR="0" lvl="0" indent="0" algn="ctr" defTabSz="914400" rtl="0" eaLnBrk="1" fontAlgn="auto" latinLnBrk="0" hangingPunct="1">
-              <a:lnSpc>
-                <a:spcPct val="100000"/>
-              </a:lnSpc>
-              <a:spcBef>
-                <a:spcPct val="20000"/>
-              </a:spcBef>
-              <a:spcAft>
-                <a:spcPts val="0"/>
-              </a:spcAft>
-              <a:buClrTx/>
-              <a:buSzTx/>
-              <a:buFont typeface="Arial" pitchFamily="34" charset="0"/>
-              <a:buNone/>
-              <a:tabLst/>
-              <a:defRPr/>
-            </a:pPr>
-            <a:r>
-              <a:rPr kumimoji="0" lang="es-PE" sz="2600" b="1" i="0" u="none" strike="noStrike" kern="1200" cap="none" spc="0" normalizeH="0" baseline="0" noProof="0" dirty="0" smtClean="0">
-                <a:ln>
-                  <a:noFill/>
-                </a:ln>
-                <a:solidFill>
-                  <a:srgbClr val="00B050"/>
-                </a:solidFill>
-                <a:effectLst/>
-                <a:uLnTx/>
-                <a:uFillTx/>
-              </a:rPr>
-              <a:t>Angel Núñez Salazar</a:t>
-            </a:r>
-          </a:p>
-        </p:txBody>
-      </p:sp>
-      <p:sp>
-        <p:nvSpPr>
-          <p:cNvPr id="13" name="Rectangle 1"/>
-          <p:cNvSpPr>
-            <a:spLocks noChangeArrowheads="1"/>
-          </p:cNvSpPr>
-          <p:nvPr/>
-        </p:nvSpPr>
-        <p:spPr bwMode="auto">
-          <a:xfrm>
-            <a:off x="3715072" y="5157192"/>
-            <a:ext cx="5105400" cy="1015663"/>
-          </a:xfrm>
-          <a:prstGeom prst="rect">
-            <a:avLst/>
-          </a:prstGeom>
-          <a:noFill/>
-          <a:ln w="9525">
-            <a:noFill/>
-            <a:miter lim="800000"/>
-            <a:headEnd/>
-            <a:tailEnd/>
-          </a:ln>
-          <a:effectLst/>
-        </p:spPr>
-        <p:txBody>
-          <a:bodyPr vert="horz" wrap="square" lIns="91440" tIns="45720" rIns="91440" bIns="45720" numCol="1" anchor="ctr" anchorCtr="0" compatLnSpc="1">
-            <a:prstTxWarp prst="textNoShape">
-              <a:avLst/>
-            </a:prstTxWarp>
-            <a:spAutoFit/>
-          </a:bodyPr>
-          <a:lstStyle/>
-          <a:p>
-            <a:pPr algn="r" fontAlgn="base">
-              <a:spcBef>
-                <a:spcPct val="0"/>
-              </a:spcBef>
-              <a:spcAft>
-                <a:spcPct val="0"/>
-              </a:spcAft>
-            </a:pPr>
-            <a:r>
-              <a:rPr lang="en-US" sz="2000" dirty="0" smtClean="0">
-                <a:latin typeface="Trebuchet MS" pitchFamily="34" charset="0"/>
-                <a:ea typeface="Calibri" pitchFamily="34" charset="0"/>
-                <a:cs typeface="Arial" pitchFamily="34" charset="0"/>
-              </a:rPr>
-              <a:t>Email: </a:t>
-            </a:r>
-            <a:r>
-              <a:rPr lang="en-US" sz="2000" dirty="0">
-                <a:solidFill>
-                  <a:srgbClr val="FFC000"/>
-                </a:solidFill>
-                <a:latin typeface="Trebuchet MS" pitchFamily="34" charset="0"/>
-                <a:ea typeface="Calibri" pitchFamily="34" charset="0"/>
-                <a:cs typeface="Arial" pitchFamily="34" charset="0"/>
-              </a:rPr>
-              <a:t>angel.nunez.salazar@gmail.com</a:t>
-            </a:r>
-          </a:p>
-          <a:p>
-            <a:pPr lvl="0" algn="r" eaLnBrk="0" fontAlgn="base" hangingPunct="0">
-              <a:spcBef>
-                <a:spcPct val="0"/>
-              </a:spcBef>
-              <a:spcAft>
-                <a:spcPct val="0"/>
-              </a:spcAft>
-            </a:pPr>
-            <a:r>
-              <a:rPr lang="en-US" sz="2000" dirty="0" smtClean="0">
-                <a:latin typeface="Trebuchet MS" pitchFamily="34" charset="0"/>
-                <a:ea typeface="Calibri" pitchFamily="34" charset="0"/>
-                <a:cs typeface="Arial" pitchFamily="34" charset="0"/>
-              </a:rPr>
-              <a:t>Blog</a:t>
-            </a:r>
-            <a:r>
-              <a:rPr lang="en-US" sz="2000" dirty="0" smtClean="0">
-                <a:latin typeface="Trebuchet MS" pitchFamily="34" charset="0"/>
-                <a:ea typeface="Calibri" pitchFamily="34" charset="0"/>
-                <a:cs typeface="Arial" pitchFamily="34" charset="0"/>
-              </a:rPr>
-              <a:t>: </a:t>
-            </a:r>
-            <a:r>
-              <a:rPr lang="en-US" sz="2000" dirty="0">
-                <a:solidFill>
-                  <a:srgbClr val="FFC000"/>
-                </a:solidFill>
-                <a:latin typeface="Trebuchet MS" pitchFamily="34" charset="0"/>
-                <a:ea typeface="Calibri" pitchFamily="34" charset="0"/>
-                <a:cs typeface="Arial" pitchFamily="34" charset="0"/>
-              </a:rPr>
-              <a:t>http://</a:t>
-            </a:r>
-            <a:r>
-              <a:rPr lang="en-US" sz="2000" dirty="0" smtClean="0">
-                <a:solidFill>
-                  <a:srgbClr val="FFC000"/>
-                </a:solidFill>
-                <a:latin typeface="Trebuchet MS" pitchFamily="34" charset="0"/>
-                <a:ea typeface="Calibri" pitchFamily="34" charset="0"/>
-                <a:cs typeface="Arial" pitchFamily="34" charset="0"/>
-              </a:rPr>
-              <a:t>snahider.blogspot.com</a:t>
-            </a:r>
-          </a:p>
-          <a:p>
-            <a:pPr lvl="0" algn="r" eaLnBrk="0" fontAlgn="base" hangingPunct="0">
-              <a:spcBef>
-                <a:spcPct val="0"/>
-              </a:spcBef>
-              <a:spcAft>
-                <a:spcPct val="0"/>
-              </a:spcAft>
-            </a:pPr>
-            <a:r>
-              <a:rPr lang="en-US" sz="2000" dirty="0" smtClean="0">
-                <a:latin typeface="Trebuchet MS" pitchFamily="34" charset="0"/>
-                <a:ea typeface="Calibri" pitchFamily="34" charset="0"/>
-                <a:cs typeface="Arial" pitchFamily="34" charset="0"/>
-              </a:rPr>
-              <a:t>Twitter: </a:t>
-            </a:r>
-            <a:r>
-              <a:rPr lang="en-US" sz="2000" dirty="0" smtClean="0">
-                <a:solidFill>
-                  <a:srgbClr val="FFC000"/>
-                </a:solidFill>
-                <a:latin typeface="Trebuchet MS" pitchFamily="34" charset="0"/>
-                <a:ea typeface="Calibri" pitchFamily="34" charset="0"/>
-                <a:cs typeface="Arial" pitchFamily="34" charset="0"/>
-              </a:rPr>
-              <a:t>@</a:t>
-            </a:r>
-            <a:r>
-              <a:rPr lang="en-US" sz="2000" dirty="0" err="1" smtClean="0">
-                <a:solidFill>
-                  <a:srgbClr val="FFC000"/>
-                </a:solidFill>
-                <a:latin typeface="Trebuchet MS" pitchFamily="34" charset="0"/>
-                <a:ea typeface="Calibri" pitchFamily="34" charset="0"/>
-                <a:cs typeface="Arial" pitchFamily="34" charset="0"/>
-              </a:rPr>
-              <a:t>snahider</a:t>
-            </a:r>
-            <a:r>
-              <a:rPr lang="en-US" sz="2000" dirty="0" smtClean="0">
-                <a:solidFill>
-                  <a:srgbClr val="FFC000"/>
-                </a:solidFill>
-                <a:latin typeface="Trebuchet MS" pitchFamily="34" charset="0"/>
-                <a:cs typeface="Arial" pitchFamily="34" charset="0"/>
-              </a:rPr>
-              <a:t> </a:t>
-            </a:r>
-          </a:p>
-        </p:txBody>
-      </p:sp>
-    </p:spTree>
-    <p:extLst>
-      <p:ext uri="{BB962C8B-B14F-4D97-AF65-F5344CB8AC3E}">
-        <p14:creationId xmlns:p14="http://schemas.microsoft.com/office/powerpoint/2010/main" val="3929104299"/>
-      </p:ext>
-    </p:extLst>
-  </p:cSld>
-  <p:clrMapOvr>
-    <a:masterClrMapping/>
-  </p:clrMapOvr>
-</p:sld>
-</file>
-
-<file path=ppt/slides/slide5.xml><?xml version="1.0" encoding="utf-8"?>
+<file path=ppt/slides/slide6.xml><?xml version="1.0" encoding="utf-8"?>
 <p:sld xmlns:a="http://schemas.openxmlformats.org/drawingml/2006/main" xmlns:r="http://schemas.openxmlformats.org/officeDocument/2006/relationships" xmlns:p="http://schemas.openxmlformats.org/presentationml/2006/main">
   <p:cSld>
     <p:spTree>
@@ -20355,7 +20663,7 @@
 </p:sld>
 </file>
 
-<file path=ppt/slides/slide6.xml><?xml version="1.0" encoding="utf-8"?>
+<file path=ppt/slides/slide7.xml><?xml version="1.0" encoding="utf-8"?>
 <p:sld xmlns:a="http://schemas.openxmlformats.org/drawingml/2006/main" xmlns:r="http://schemas.openxmlformats.org/officeDocument/2006/relationships" xmlns:p="http://schemas.openxmlformats.org/presentationml/2006/main">
   <p:cSld>
     <p:spTree>
@@ -20455,7 +20763,7 @@
 </p:sld>
 </file>
 
-<file path=ppt/slides/slide7.xml><?xml version="1.0" encoding="utf-8"?>
+<file path=ppt/slides/slide8.xml><?xml version="1.0" encoding="utf-8"?>
 <p:sld xmlns:a="http://schemas.openxmlformats.org/drawingml/2006/main" xmlns:r="http://schemas.openxmlformats.org/officeDocument/2006/relationships" xmlns:p="http://schemas.openxmlformats.org/presentationml/2006/main">
   <p:cSld>
     <p:spTree>
@@ -20720,7 +21028,7 @@
 </p:sld>
 </file>
 
-<file path=ppt/slides/slide8.xml><?xml version="1.0" encoding="utf-8"?>
+<file path=ppt/slides/slide9.xml><?xml version="1.0" encoding="utf-8"?>
 <p:sld xmlns:a="http://schemas.openxmlformats.org/drawingml/2006/main" xmlns:r="http://schemas.openxmlformats.org/officeDocument/2006/relationships" xmlns:p="http://schemas.openxmlformats.org/presentationml/2006/main">
   <p:cSld>
     <p:bg>
@@ -20794,344 +21102,6 @@
   <p:clrMapOvr>
     <a:masterClrMapping/>
   </p:clrMapOvr>
-</p:sld>
-</file>
-
-<file path=ppt/slides/slide9.xml><?xml version="1.0" encoding="utf-8"?>
-<p:sld xmlns:a="http://schemas.openxmlformats.org/drawingml/2006/main" xmlns:r="http://schemas.openxmlformats.org/officeDocument/2006/relationships" xmlns:p="http://schemas.openxmlformats.org/presentationml/2006/main">
-  <p:cSld>
-    <p:spTree>
-      <p:nvGrpSpPr>
-        <p:cNvPr id="1" name=""/>
-        <p:cNvGrpSpPr/>
-        <p:nvPr/>
-      </p:nvGrpSpPr>
-      <p:grpSpPr>
-        <a:xfrm>
-          <a:off x="0" y="0"/>
-          <a:ext cx="0" cy="0"/>
-          <a:chOff x="0" y="0"/>
-          <a:chExt cx="0" cy="0"/>
-        </a:xfrm>
-      </p:grpSpPr>
-      <p:sp>
-        <p:nvSpPr>
-          <p:cNvPr id="3" name="2 Marcador de contenido"/>
-          <p:cNvSpPr>
-            <a:spLocks noGrp="1"/>
-          </p:cNvSpPr>
-          <p:nvPr>
-            <p:ph idx="1"/>
-          </p:nvPr>
-        </p:nvSpPr>
-        <p:spPr>
-          <a:xfrm>
-            <a:off x="445223" y="1988840"/>
-            <a:ext cx="8229600" cy="2044821"/>
-          </a:xfrm>
-        </p:spPr>
-        <p:txBody>
-          <a:bodyPr/>
-          <a:lstStyle/>
-          <a:p>
-            <a:r>
-              <a:rPr lang="es-PE" sz="2800" dirty="0" smtClean="0"/>
-              <a:t>Aprender los </a:t>
-            </a:r>
-            <a:r>
-              <a:rPr lang="es-PE" sz="2800" dirty="0" err="1" smtClean="0"/>
-              <a:t>code</a:t>
-            </a:r>
-            <a:r>
-              <a:rPr lang="es-PE" sz="2800" dirty="0" smtClean="0"/>
-              <a:t> </a:t>
-            </a:r>
-            <a:r>
-              <a:rPr lang="es-PE" sz="2800" dirty="0" err="1" smtClean="0"/>
-              <a:t>smells</a:t>
-            </a:r>
-            <a:r>
-              <a:rPr lang="es-PE" sz="2800" dirty="0" smtClean="0"/>
-              <a:t> más importantes</a:t>
-            </a:r>
-          </a:p>
-          <a:p>
-            <a:r>
-              <a:rPr lang="es-PE" sz="2800" dirty="0" smtClean="0"/>
-              <a:t>Reconocer </a:t>
-            </a:r>
-            <a:r>
-              <a:rPr lang="es-PE" sz="2800" dirty="0" err="1" smtClean="0"/>
-              <a:t>code</a:t>
-            </a:r>
-            <a:r>
-              <a:rPr lang="es-PE" sz="2800" dirty="0" smtClean="0"/>
-              <a:t> </a:t>
-            </a:r>
-            <a:r>
-              <a:rPr lang="es-PE" sz="2800" dirty="0" err="1" smtClean="0"/>
-              <a:t>smells</a:t>
-            </a:r>
-            <a:r>
-              <a:rPr lang="es-PE" sz="2800" dirty="0" smtClean="0"/>
-              <a:t> en nuestro código</a:t>
-            </a:r>
-          </a:p>
-          <a:p>
-            <a:r>
-              <a:rPr lang="es-PE" sz="2800" dirty="0" smtClean="0"/>
-              <a:t>Considerar como limpiar un </a:t>
-            </a:r>
-            <a:r>
-              <a:rPr lang="es-PE" sz="2800" dirty="0" err="1" smtClean="0"/>
-              <a:t>code</a:t>
-            </a:r>
-            <a:r>
-              <a:rPr lang="es-PE" sz="2800" dirty="0" smtClean="0"/>
-              <a:t> </a:t>
-            </a:r>
-            <a:r>
-              <a:rPr lang="es-PE" sz="2800" dirty="0" err="1" smtClean="0"/>
-              <a:t>smell</a:t>
-            </a:r>
-            <a:r>
-              <a:rPr lang="es-PE" sz="2800" dirty="0" smtClean="0"/>
-              <a:t>.</a:t>
-            </a:r>
-            <a:endParaRPr lang="es-PE" sz="2800" dirty="0"/>
-          </a:p>
-        </p:txBody>
-      </p:sp>
-      <p:sp>
-        <p:nvSpPr>
-          <p:cNvPr id="4" name="1 Título"/>
-          <p:cNvSpPr txBox="1">
-            <a:spLocks/>
-          </p:cNvSpPr>
-          <p:nvPr/>
-        </p:nvSpPr>
-        <p:spPr bwMode="auto">
-          <a:xfrm>
-            <a:off x="445223" y="476672"/>
-            <a:ext cx="8229600" cy="1143000"/>
-          </a:xfrm>
-          <a:prstGeom prst="rect">
-            <a:avLst/>
-          </a:prstGeom>
-          <a:noFill/>
-          <a:ln w="9525">
-            <a:noFill/>
-            <a:miter lim="800000"/>
-            <a:headEnd/>
-            <a:tailEnd/>
-          </a:ln>
-        </p:spPr>
-        <p:txBody>
-          <a:bodyPr vert="horz" wrap="square" lIns="91440" tIns="45720" rIns="91440" bIns="45720" numCol="1" anchor="ctr" anchorCtr="0" compatLnSpc="1">
-            <a:prstTxWarp prst="textNoShape">
-              <a:avLst/>
-            </a:prstTxWarp>
-          </a:bodyPr>
-          <a:lstStyle>
-            <a:lvl1pPr algn="ctr" rtl="0" eaLnBrk="1" fontAlgn="base" hangingPunct="1">
-              <a:spcBef>
-                <a:spcPct val="0"/>
-              </a:spcBef>
-              <a:spcAft>
-                <a:spcPct val="0"/>
-              </a:spcAft>
-              <a:defRPr sz="4400" kern="1200">
-                <a:solidFill>
-                  <a:schemeClr val="tx1"/>
-                </a:solidFill>
-                <a:latin typeface="+mj-lt"/>
-                <a:ea typeface="+mj-ea"/>
-                <a:cs typeface="+mj-cs"/>
-              </a:defRPr>
-            </a:lvl1pPr>
-            <a:lvl2pPr algn="ctr" rtl="0" eaLnBrk="1" fontAlgn="base" hangingPunct="1">
-              <a:spcBef>
-                <a:spcPct val="0"/>
-              </a:spcBef>
-              <a:spcAft>
-                <a:spcPct val="0"/>
-              </a:spcAft>
-              <a:defRPr sz="4400">
-                <a:solidFill>
-                  <a:schemeClr val="tx1"/>
-                </a:solidFill>
-                <a:latin typeface="Calibri" pitchFamily="34" charset="0"/>
-              </a:defRPr>
-            </a:lvl2pPr>
-            <a:lvl3pPr algn="ctr" rtl="0" eaLnBrk="1" fontAlgn="base" hangingPunct="1">
-              <a:spcBef>
-                <a:spcPct val="0"/>
-              </a:spcBef>
-              <a:spcAft>
-                <a:spcPct val="0"/>
-              </a:spcAft>
-              <a:defRPr sz="4400">
-                <a:solidFill>
-                  <a:schemeClr val="tx1"/>
-                </a:solidFill>
-                <a:latin typeface="Calibri" pitchFamily="34" charset="0"/>
-              </a:defRPr>
-            </a:lvl3pPr>
-            <a:lvl4pPr algn="ctr" rtl="0" eaLnBrk="1" fontAlgn="base" hangingPunct="1">
-              <a:spcBef>
-                <a:spcPct val="0"/>
-              </a:spcBef>
-              <a:spcAft>
-                <a:spcPct val="0"/>
-              </a:spcAft>
-              <a:defRPr sz="4400">
-                <a:solidFill>
-                  <a:schemeClr val="tx1"/>
-                </a:solidFill>
-                <a:latin typeface="Calibri" pitchFamily="34" charset="0"/>
-              </a:defRPr>
-            </a:lvl4pPr>
-            <a:lvl5pPr algn="ctr" rtl="0" eaLnBrk="1" fontAlgn="base" hangingPunct="1">
-              <a:spcBef>
-                <a:spcPct val="0"/>
-              </a:spcBef>
-              <a:spcAft>
-                <a:spcPct val="0"/>
-              </a:spcAft>
-              <a:defRPr sz="4400">
-                <a:solidFill>
-                  <a:schemeClr val="tx1"/>
-                </a:solidFill>
-                <a:latin typeface="Calibri" pitchFamily="34" charset="0"/>
-              </a:defRPr>
-            </a:lvl5pPr>
-            <a:lvl6pPr marL="457200" algn="ctr" rtl="0" eaLnBrk="1" fontAlgn="base" hangingPunct="1">
-              <a:spcBef>
-                <a:spcPct val="0"/>
-              </a:spcBef>
-              <a:spcAft>
-                <a:spcPct val="0"/>
-              </a:spcAft>
-              <a:defRPr sz="4400">
-                <a:solidFill>
-                  <a:schemeClr val="tx1"/>
-                </a:solidFill>
-                <a:latin typeface="Calibri" pitchFamily="34" charset="0"/>
-              </a:defRPr>
-            </a:lvl6pPr>
-            <a:lvl7pPr marL="914400" algn="ctr" rtl="0" eaLnBrk="1" fontAlgn="base" hangingPunct="1">
-              <a:spcBef>
-                <a:spcPct val="0"/>
-              </a:spcBef>
-              <a:spcAft>
-                <a:spcPct val="0"/>
-              </a:spcAft>
-              <a:defRPr sz="4400">
-                <a:solidFill>
-                  <a:schemeClr val="tx1"/>
-                </a:solidFill>
-                <a:latin typeface="Calibri" pitchFamily="34" charset="0"/>
-              </a:defRPr>
-            </a:lvl7pPr>
-            <a:lvl8pPr marL="1371600" algn="ctr" rtl="0" eaLnBrk="1" fontAlgn="base" hangingPunct="1">
-              <a:spcBef>
-                <a:spcPct val="0"/>
-              </a:spcBef>
-              <a:spcAft>
-                <a:spcPct val="0"/>
-              </a:spcAft>
-              <a:defRPr sz="4400">
-                <a:solidFill>
-                  <a:schemeClr val="tx1"/>
-                </a:solidFill>
-                <a:latin typeface="Calibri" pitchFamily="34" charset="0"/>
-              </a:defRPr>
-            </a:lvl8pPr>
-            <a:lvl9pPr marL="1828800" algn="ctr" rtl="0" eaLnBrk="1" fontAlgn="base" hangingPunct="1">
-              <a:spcBef>
-                <a:spcPct val="0"/>
-              </a:spcBef>
-              <a:spcAft>
-                <a:spcPct val="0"/>
-              </a:spcAft>
-              <a:defRPr sz="4400">
-                <a:solidFill>
-                  <a:schemeClr val="tx1"/>
-                </a:solidFill>
-                <a:latin typeface="Calibri" pitchFamily="34" charset="0"/>
-              </a:defRPr>
-            </a:lvl9pPr>
-          </a:lstStyle>
-          <a:p>
-            <a:r>
-              <a:rPr lang="es-PE" dirty="0" smtClean="0">
-                <a:solidFill>
-                  <a:srgbClr val="009A46"/>
-                </a:solidFill>
-              </a:rPr>
-              <a:t>¿Cómo vamos a incrementar la sensibilidad de nuestra nariz?</a:t>
-            </a:r>
-            <a:endParaRPr lang="es-PE" dirty="0">
-              <a:solidFill>
-                <a:srgbClr val="009A46"/>
-              </a:solidFill>
-            </a:endParaRPr>
-          </a:p>
-        </p:txBody>
-      </p:sp>
-      <p:pic>
-        <p:nvPicPr>
-          <p:cNvPr id="5" name="4 Imagen"/>
-          <p:cNvPicPr>
-            <a:picLocks noChangeAspect="1"/>
-          </p:cNvPicPr>
-          <p:nvPr/>
-        </p:nvPicPr>
-        <p:blipFill>
-          <a:blip r:embed="rId3" cstate="print">
-            <a:extLst>
-              <a:ext uri="{28A0092B-C50C-407E-A947-70E740481C1C}">
-                <a14:useLocalDpi xmlns:a14="http://schemas.microsoft.com/office/drawing/2010/main" val="0"/>
-              </a:ext>
-            </a:extLst>
-          </a:blip>
-          <a:stretch>
-            <a:fillRect/>
-          </a:stretch>
-        </p:blipFill>
-        <p:spPr>
-          <a:xfrm>
-            <a:off x="3563888" y="3861048"/>
-            <a:ext cx="2521260" cy="2492896"/>
-          </a:xfrm>
-          <a:prstGeom prst="rect">
-            <a:avLst/>
-          </a:prstGeom>
-          <a:ln>
-            <a:noFill/>
-          </a:ln>
-          <a:effectLst>
-            <a:softEdge rad="112500"/>
-          </a:effectLst>
-        </p:spPr>
-      </p:pic>
-    </p:spTree>
-    <p:extLst>
-      <p:ext uri="{BB962C8B-B14F-4D97-AF65-F5344CB8AC3E}">
-        <p14:creationId xmlns:p14="http://schemas.microsoft.com/office/powerpoint/2010/main" val="1999379388"/>
-      </p:ext>
-    </p:extLst>
-  </p:cSld>
-  <p:clrMapOvr>
-    <a:masterClrMapping/>
-  </p:clrMapOvr>
-  <p:timing>
-    <p:tnLst>
-      <p:par>
-        <p:cTn id="1" dur="indefinite" restart="never" nodeType="tmRoot"/>
-      </p:par>
-    </p:tnLst>
-  </p:timing>
 </p:sld>
 </file>
 

--- a/Diapositivas/Code Smells and Refactoring.pptx
+++ b/Diapositivas/Code Smells and Refactoring.pptx
@@ -5,7 +5,7 @@
     <p:sldMasterId id="2147483684" r:id="rId1"/>
   </p:sldMasterIdLst>
   <p:notesMasterIdLst>
-    <p:notesMasterId r:id="rId45"/>
+    <p:notesMasterId r:id="rId28"/>
   </p:notesMasterIdLst>
   <p:sldIdLst>
     <p:sldId id="321" r:id="rId2"/>
@@ -18,39 +18,22 @@
     <p:sldId id="317" r:id="rId9"/>
     <p:sldId id="691" r:id="rId10"/>
     <p:sldId id="329" r:id="rId11"/>
-    <p:sldId id="330" r:id="rId12"/>
-    <p:sldId id="697" r:id="rId13"/>
-    <p:sldId id="698" r:id="rId14"/>
-    <p:sldId id="333" r:id="rId15"/>
-    <p:sldId id="498" r:id="rId16"/>
-    <p:sldId id="699" r:id="rId17"/>
-    <p:sldId id="700" r:id="rId18"/>
-    <p:sldId id="334" r:id="rId19"/>
-    <p:sldId id="335" r:id="rId20"/>
-    <p:sldId id="502" r:id="rId21"/>
-    <p:sldId id="506" r:id="rId22"/>
-    <p:sldId id="504" r:id="rId23"/>
-    <p:sldId id="505" r:id="rId24"/>
-    <p:sldId id="508" r:id="rId25"/>
-    <p:sldId id="507" r:id="rId26"/>
-    <p:sldId id="711" r:id="rId27"/>
-    <p:sldId id="509" r:id="rId28"/>
-    <p:sldId id="716" r:id="rId29"/>
-    <p:sldId id="514" r:id="rId30"/>
-    <p:sldId id="340" r:id="rId31"/>
-    <p:sldId id="668" r:id="rId32"/>
-    <p:sldId id="667" r:id="rId33"/>
-    <p:sldId id="341" r:id="rId34"/>
-    <p:sldId id="692" r:id="rId35"/>
-    <p:sldId id="706" r:id="rId36"/>
-    <p:sldId id="707" r:id="rId37"/>
-    <p:sldId id="708" r:id="rId38"/>
-    <p:sldId id="709" r:id="rId39"/>
-    <p:sldId id="342" r:id="rId40"/>
-    <p:sldId id="519" r:id="rId41"/>
-    <p:sldId id="344" r:id="rId42"/>
-    <p:sldId id="710" r:id="rId43"/>
-    <p:sldId id="705" r:id="rId44"/>
+    <p:sldId id="711" r:id="rId12"/>
+    <p:sldId id="509" r:id="rId13"/>
+    <p:sldId id="716" r:id="rId14"/>
+    <p:sldId id="514" r:id="rId15"/>
+    <p:sldId id="340" r:id="rId16"/>
+    <p:sldId id="668" r:id="rId17"/>
+    <p:sldId id="667" r:id="rId18"/>
+    <p:sldId id="341" r:id="rId19"/>
+    <p:sldId id="692" r:id="rId20"/>
+    <p:sldId id="708" r:id="rId21"/>
+    <p:sldId id="709" r:id="rId22"/>
+    <p:sldId id="342" r:id="rId23"/>
+    <p:sldId id="519" r:id="rId24"/>
+    <p:sldId id="344" r:id="rId25"/>
+    <p:sldId id="710" r:id="rId26"/>
+    <p:sldId id="705" r:id="rId27"/>
   </p:sldIdLst>
   <p:sldSz cx="9144000" cy="6858000" type="screen4x3"/>
   <p:notesSz cx="6858000" cy="9144000"/>
@@ -164,15 +147,6 @@
   <p:cm authorId="0" dt="2012-10-30T02:25:38.882" idx="1">
     <p:pos x="10" y="10"/>
     <p:text>Texto Similar a IND</p:text>
-  </p:cm>
-</p:cmLst>
-</file>
-
-<file path=ppt/comments/comment2.xml><?xml version="1.0" encoding="utf-8"?>
-<p:cmLst xmlns:a="http://schemas.openxmlformats.org/drawingml/2006/main" xmlns:r="http://schemas.openxmlformats.org/officeDocument/2006/relationships" xmlns:p="http://schemas.openxmlformats.org/presentationml/2006/main">
-  <p:cm authorId="0" dt="2012-10-31T00:38:25.122" idx="4">
-    <p:pos x="10" y="10"/>
-    <p:text>Texto similar e imagen similar a ID</p:text>
   </p:cm>
 </p:cmLst>
 </file>
@@ -1272,6 +1246,406 @@
       <dsp:cNvGrpSpPr/>
     </dsp:nvGrpSpPr>
     <dsp:grpSpPr/>
+    <dsp:sp modelId="{24CAC893-EE9B-4D01-BB90-0CB36FFE22ED}">
+      <dsp:nvSpPr>
+        <dsp:cNvPr id="0" name=""/>
+        <dsp:cNvSpPr/>
+      </dsp:nvSpPr>
+      <dsp:spPr>
+        <a:xfrm>
+          <a:off x="3206" y="16090"/>
+          <a:ext cx="1816742" cy="726697"/>
+        </a:xfrm>
+        <a:prstGeom prst="homePlate">
+          <a:avLst/>
+        </a:prstGeom>
+        <a:solidFill>
+          <a:schemeClr val="accent1">
+            <a:hueOff val="0"/>
+            <a:satOff val="0"/>
+            <a:lumOff val="0"/>
+            <a:alphaOff val="0"/>
+          </a:schemeClr>
+        </a:solidFill>
+        <a:ln w="25400" cap="flat" cmpd="sng" algn="ctr">
+          <a:solidFill>
+            <a:schemeClr val="lt1">
+              <a:hueOff val="0"/>
+              <a:satOff val="0"/>
+              <a:lumOff val="0"/>
+              <a:alphaOff val="0"/>
+            </a:schemeClr>
+          </a:solidFill>
+          <a:prstDash val="solid"/>
+        </a:ln>
+        <a:effectLst/>
+      </dsp:spPr>
+      <dsp:style>
+        <a:lnRef idx="2">
+          <a:scrgbClr r="0" g="0" b="0"/>
+        </a:lnRef>
+        <a:fillRef idx="1">
+          <a:scrgbClr r="0" g="0" b="0"/>
+        </a:fillRef>
+        <a:effectRef idx="0">
+          <a:scrgbClr r="0" g="0" b="0"/>
+        </a:effectRef>
+        <a:fontRef idx="minor">
+          <a:schemeClr val="lt1"/>
+        </a:fontRef>
+      </dsp:style>
+      <dsp:txBody>
+        <a:bodyPr spcFirstLastPara="0" vert="horz" wrap="square" lIns="106680" tIns="53340" rIns="26670" bIns="53340" numCol="1" spcCol="1270" anchor="ctr" anchorCtr="0">
+          <a:noAutofit/>
+        </a:bodyPr>
+        <a:lstStyle/>
+        <a:p>
+          <a:pPr lvl="0" algn="ctr" defTabSz="889000">
+            <a:lnSpc>
+              <a:spcPct val="90000"/>
+            </a:lnSpc>
+            <a:spcBef>
+              <a:spcPct val="0"/>
+            </a:spcBef>
+            <a:spcAft>
+              <a:spcPct val="35000"/>
+            </a:spcAft>
+          </a:pPr>
+          <a:r>
+            <a:rPr lang="es-PE" sz="2000" b="1" kern="1200" dirty="0" smtClean="0"/>
+            <a:t>Small </a:t>
+          </a:r>
+          <a:br>
+            <a:rPr lang="es-PE" sz="2000" b="1" kern="1200" dirty="0" smtClean="0"/>
+          </a:br>
+          <a:r>
+            <a:rPr lang="es-PE" sz="2000" b="1" kern="1200" dirty="0" smtClean="0"/>
+            <a:t>Refactoring</a:t>
+          </a:r>
+          <a:endParaRPr lang="es-PE" sz="2000" b="1" kern="1200" dirty="0"/>
+        </a:p>
+      </dsp:txBody>
+      <dsp:txXfrm>
+        <a:off x="3206" y="16090"/>
+        <a:ext cx="1635068" cy="726697"/>
+      </dsp:txXfrm>
+    </dsp:sp>
+    <dsp:sp modelId="{B5F9542A-6098-4FB8-BB83-B5125E571D9D}">
+      <dsp:nvSpPr>
+        <dsp:cNvPr id="0" name=""/>
+        <dsp:cNvSpPr/>
+      </dsp:nvSpPr>
+      <dsp:spPr>
+        <a:xfrm>
+          <a:off x="1456600" y="16090"/>
+          <a:ext cx="1816742" cy="726697"/>
+        </a:xfrm>
+        <a:prstGeom prst="chevron">
+          <a:avLst/>
+        </a:prstGeom>
+        <a:solidFill>
+          <a:schemeClr val="accent1">
+            <a:hueOff val="0"/>
+            <a:satOff val="0"/>
+            <a:lumOff val="0"/>
+            <a:alphaOff val="0"/>
+          </a:schemeClr>
+        </a:solidFill>
+        <a:ln w="25400" cap="flat" cmpd="sng" algn="ctr">
+          <a:solidFill>
+            <a:schemeClr val="lt1">
+              <a:hueOff val="0"/>
+              <a:satOff val="0"/>
+              <a:lumOff val="0"/>
+              <a:alphaOff val="0"/>
+            </a:schemeClr>
+          </a:solidFill>
+          <a:prstDash val="solid"/>
+        </a:ln>
+        <a:effectLst/>
+      </dsp:spPr>
+      <dsp:style>
+        <a:lnRef idx="2">
+          <a:scrgbClr r="0" g="0" b="0"/>
+        </a:lnRef>
+        <a:fillRef idx="1">
+          <a:scrgbClr r="0" g="0" b="0"/>
+        </a:fillRef>
+        <a:effectRef idx="0">
+          <a:scrgbClr r="0" g="0" b="0"/>
+        </a:effectRef>
+        <a:fontRef idx="minor">
+          <a:schemeClr val="lt1"/>
+        </a:fontRef>
+      </dsp:style>
+      <dsp:txBody>
+        <a:bodyPr spcFirstLastPara="0" vert="horz" wrap="square" lIns="80010" tIns="53340" rIns="26670" bIns="53340" numCol="1" spcCol="1270" anchor="ctr" anchorCtr="0">
+          <a:noAutofit/>
+        </a:bodyPr>
+        <a:lstStyle/>
+        <a:p>
+          <a:pPr lvl="0" algn="ctr" defTabSz="889000">
+            <a:lnSpc>
+              <a:spcPct val="90000"/>
+            </a:lnSpc>
+            <a:spcBef>
+              <a:spcPct val="0"/>
+            </a:spcBef>
+            <a:spcAft>
+              <a:spcPct val="35000"/>
+            </a:spcAft>
+          </a:pPr>
+          <a:r>
+            <a:rPr lang="es-PE" sz="2000" b="1" kern="1200" dirty="0" err="1" smtClean="0"/>
+            <a:t>Run</a:t>
+          </a:r>
+          <a:r>
+            <a:rPr lang="es-PE" sz="2000" b="1" kern="1200" dirty="0" smtClean="0"/>
+            <a:t> Test</a:t>
+          </a:r>
+          <a:endParaRPr lang="es-PE" sz="2000" b="1" kern="1200" dirty="0"/>
+        </a:p>
+      </dsp:txBody>
+      <dsp:txXfrm>
+        <a:off x="1819949" y="16090"/>
+        <a:ext cx="1090045" cy="726697"/>
+      </dsp:txXfrm>
+    </dsp:sp>
+    <dsp:sp modelId="{601A0D37-4256-4B03-929F-B3C0F426A913}">
+      <dsp:nvSpPr>
+        <dsp:cNvPr id="0" name=""/>
+        <dsp:cNvSpPr/>
+      </dsp:nvSpPr>
+      <dsp:spPr>
+        <a:xfrm>
+          <a:off x="2909995" y="16090"/>
+          <a:ext cx="2172896" cy="726697"/>
+        </a:xfrm>
+        <a:prstGeom prst="chevron">
+          <a:avLst/>
+        </a:prstGeom>
+        <a:solidFill>
+          <a:schemeClr val="accent1">
+            <a:hueOff val="0"/>
+            <a:satOff val="0"/>
+            <a:lumOff val="0"/>
+            <a:alphaOff val="0"/>
+          </a:schemeClr>
+        </a:solidFill>
+        <a:ln w="25400" cap="flat" cmpd="sng" algn="ctr">
+          <a:solidFill>
+            <a:schemeClr val="lt1">
+              <a:hueOff val="0"/>
+              <a:satOff val="0"/>
+              <a:lumOff val="0"/>
+              <a:alphaOff val="0"/>
+            </a:schemeClr>
+          </a:solidFill>
+          <a:prstDash val="solid"/>
+        </a:ln>
+        <a:effectLst/>
+      </dsp:spPr>
+      <dsp:style>
+        <a:lnRef idx="2">
+          <a:scrgbClr r="0" g="0" b="0"/>
+        </a:lnRef>
+        <a:fillRef idx="1">
+          <a:scrgbClr r="0" g="0" b="0"/>
+        </a:fillRef>
+        <a:effectRef idx="0">
+          <a:scrgbClr r="0" g="0" b="0"/>
+        </a:effectRef>
+        <a:fontRef idx="minor">
+          <a:schemeClr val="lt1"/>
+        </a:fontRef>
+      </dsp:style>
+      <dsp:txBody>
+        <a:bodyPr spcFirstLastPara="0" vert="horz" wrap="square" lIns="80010" tIns="53340" rIns="26670" bIns="53340" numCol="1" spcCol="1270" anchor="ctr" anchorCtr="0">
+          <a:noAutofit/>
+        </a:bodyPr>
+        <a:lstStyle/>
+        <a:p>
+          <a:pPr lvl="0" algn="ctr" defTabSz="889000">
+            <a:lnSpc>
+              <a:spcPct val="90000"/>
+            </a:lnSpc>
+            <a:spcBef>
+              <a:spcPct val="0"/>
+            </a:spcBef>
+            <a:spcAft>
+              <a:spcPct val="35000"/>
+            </a:spcAft>
+          </a:pPr>
+          <a:r>
+            <a:rPr lang="es-PE" sz="2000" b="1" kern="1200" dirty="0" smtClean="0"/>
+            <a:t>Small Refactoring</a:t>
+          </a:r>
+          <a:endParaRPr lang="es-PE" sz="2000" b="1" kern="1200" dirty="0"/>
+        </a:p>
+      </dsp:txBody>
+      <dsp:txXfrm>
+        <a:off x="3273344" y="16090"/>
+        <a:ext cx="1446199" cy="726697"/>
+      </dsp:txXfrm>
+    </dsp:sp>
+    <dsp:sp modelId="{28010DC8-3136-49BC-9983-7489D855A8B1}">
+      <dsp:nvSpPr>
+        <dsp:cNvPr id="0" name=""/>
+        <dsp:cNvSpPr/>
+      </dsp:nvSpPr>
+      <dsp:spPr>
+        <a:xfrm>
+          <a:off x="4719543" y="16090"/>
+          <a:ext cx="1816742" cy="726697"/>
+        </a:xfrm>
+        <a:prstGeom prst="chevron">
+          <a:avLst/>
+        </a:prstGeom>
+        <a:solidFill>
+          <a:schemeClr val="accent1">
+            <a:hueOff val="0"/>
+            <a:satOff val="0"/>
+            <a:lumOff val="0"/>
+            <a:alphaOff val="0"/>
+          </a:schemeClr>
+        </a:solidFill>
+        <a:ln w="25400" cap="flat" cmpd="sng" algn="ctr">
+          <a:solidFill>
+            <a:schemeClr val="lt1">
+              <a:hueOff val="0"/>
+              <a:satOff val="0"/>
+              <a:lumOff val="0"/>
+              <a:alphaOff val="0"/>
+            </a:schemeClr>
+          </a:solidFill>
+          <a:prstDash val="solid"/>
+        </a:ln>
+        <a:effectLst/>
+      </dsp:spPr>
+      <dsp:style>
+        <a:lnRef idx="2">
+          <a:scrgbClr r="0" g="0" b="0"/>
+        </a:lnRef>
+        <a:fillRef idx="1">
+          <a:scrgbClr r="0" g="0" b="0"/>
+        </a:fillRef>
+        <a:effectRef idx="0">
+          <a:scrgbClr r="0" g="0" b="0"/>
+        </a:effectRef>
+        <a:fontRef idx="minor">
+          <a:schemeClr val="lt1"/>
+        </a:fontRef>
+      </dsp:style>
+      <dsp:txBody>
+        <a:bodyPr spcFirstLastPara="0" vert="horz" wrap="square" lIns="80010" tIns="53340" rIns="26670" bIns="53340" numCol="1" spcCol="1270" anchor="ctr" anchorCtr="0">
+          <a:noAutofit/>
+        </a:bodyPr>
+        <a:lstStyle/>
+        <a:p>
+          <a:pPr lvl="0" algn="ctr" defTabSz="889000">
+            <a:lnSpc>
+              <a:spcPct val="90000"/>
+            </a:lnSpc>
+            <a:spcBef>
+              <a:spcPct val="0"/>
+            </a:spcBef>
+            <a:spcAft>
+              <a:spcPct val="35000"/>
+            </a:spcAft>
+          </a:pPr>
+          <a:r>
+            <a:rPr lang="es-PE" sz="2000" b="1" kern="1200" dirty="0" err="1" smtClean="0"/>
+            <a:t>Run</a:t>
+          </a:r>
+          <a:r>
+            <a:rPr lang="es-PE" sz="2000" b="1" kern="1200" dirty="0" smtClean="0"/>
+            <a:t> Test</a:t>
+          </a:r>
+          <a:endParaRPr lang="es-PE" sz="2000" b="1" kern="1200" dirty="0"/>
+        </a:p>
+      </dsp:txBody>
+      <dsp:txXfrm>
+        <a:off x="5082892" y="16090"/>
+        <a:ext cx="1090045" cy="726697"/>
+      </dsp:txXfrm>
+    </dsp:sp>
+    <dsp:sp modelId="{1DD64DFB-8EE0-41B5-B8F9-3F2D3C1A3C58}">
+      <dsp:nvSpPr>
+        <dsp:cNvPr id="0" name=""/>
+        <dsp:cNvSpPr/>
+      </dsp:nvSpPr>
+      <dsp:spPr>
+        <a:xfrm>
+          <a:off x="6172937" y="16090"/>
+          <a:ext cx="1816742" cy="726697"/>
+        </a:xfrm>
+        <a:prstGeom prst="chevron">
+          <a:avLst/>
+        </a:prstGeom>
+        <a:solidFill>
+          <a:schemeClr val="accent1">
+            <a:hueOff val="0"/>
+            <a:satOff val="0"/>
+            <a:lumOff val="0"/>
+            <a:alphaOff val="0"/>
+          </a:schemeClr>
+        </a:solidFill>
+        <a:ln w="25400" cap="flat" cmpd="sng" algn="ctr">
+          <a:solidFill>
+            <a:schemeClr val="lt1">
+              <a:hueOff val="0"/>
+              <a:satOff val="0"/>
+              <a:lumOff val="0"/>
+              <a:alphaOff val="0"/>
+            </a:schemeClr>
+          </a:solidFill>
+          <a:prstDash val="solid"/>
+        </a:ln>
+        <a:effectLst/>
+      </dsp:spPr>
+      <dsp:style>
+        <a:lnRef idx="2">
+          <a:scrgbClr r="0" g="0" b="0"/>
+        </a:lnRef>
+        <a:fillRef idx="1">
+          <a:scrgbClr r="0" g="0" b="0"/>
+        </a:fillRef>
+        <a:effectRef idx="0">
+          <a:scrgbClr r="0" g="0" b="0"/>
+        </a:effectRef>
+        <a:fontRef idx="minor">
+          <a:schemeClr val="lt1"/>
+        </a:fontRef>
+      </dsp:style>
+      <dsp:txBody>
+        <a:bodyPr spcFirstLastPara="0" vert="horz" wrap="square" lIns="80010" tIns="53340" rIns="26670" bIns="53340" numCol="1" spcCol="1270" anchor="ctr" anchorCtr="0">
+          <a:noAutofit/>
+        </a:bodyPr>
+        <a:lstStyle/>
+        <a:p>
+          <a:pPr lvl="0" algn="ctr" defTabSz="889000">
+            <a:lnSpc>
+              <a:spcPct val="90000"/>
+            </a:lnSpc>
+            <a:spcBef>
+              <a:spcPct val="0"/>
+            </a:spcBef>
+            <a:spcAft>
+              <a:spcPct val="35000"/>
+            </a:spcAft>
+          </a:pPr>
+          <a:r>
+            <a:rPr lang="es-PE" sz="2000" b="1" kern="1200" dirty="0" smtClean="0"/>
+            <a:t>….</a:t>
+          </a:r>
+          <a:endParaRPr lang="es-PE" sz="2000" b="1" kern="1200" dirty="0"/>
+        </a:p>
+      </dsp:txBody>
+      <dsp:txXfrm>
+        <a:off x="6536286" y="16090"/>
+        <a:ext cx="1090045" cy="726697"/>
+      </dsp:txXfrm>
+    </dsp:sp>
   </dsp:spTree>
 </dsp:drawing>
 </file>
@@ -2664,7 +3038,7 @@
           <a:p>
             <a:fld id="{82731913-02B6-467D-B183-D787C0857BBF}" type="datetimeFigureOut">
               <a:rPr lang="es-PE" smtClean="0"/>
-              <a:t>08/11/2012</a:t>
+              <a:t>10/11/2012</a:t>
             </a:fld>
             <a:endParaRPr lang="es-PE"/>
           </a:p>
@@ -3060,7 +3434,15 @@
           <a:bodyPr/>
           <a:lstStyle/>
           <a:p>
-            <a:endParaRPr lang="es-PE"/>
+            <a:r>
+              <a:rPr lang="es-PE" dirty="0" smtClean="0"/>
+              <a:t>Nos juntamos en grupos,</a:t>
+            </a:r>
+            <a:r>
+              <a:rPr lang="es-PE" baseline="0" dirty="0" smtClean="0"/>
+              <a:t> cada pareja comparte el significado </a:t>
+            </a:r>
+            <a:endParaRPr lang="es-PE" dirty="0"/>
           </a:p>
         </p:txBody>
       </p:sp>
@@ -3081,7 +3463,7 @@
           <a:p>
             <a:fld id="{80C14895-23C8-45AE-85D5-3B35E5980A68}" type="slidenum">
               <a:rPr lang="es-PE" smtClean="0"/>
-              <a:t>21</a:t>
+              <a:t>12</a:t>
             </a:fld>
             <a:endParaRPr lang="es-PE"/>
           </a:p>
@@ -3090,7 +3472,7 @@
     </p:spTree>
     <p:extLst>
       <p:ext uri="{BB962C8B-B14F-4D97-AF65-F5344CB8AC3E}">
-        <p14:creationId xmlns:p14="http://schemas.microsoft.com/office/powerpoint/2010/main" val="3291725310"/>
+        <p14:creationId xmlns:p14="http://schemas.microsoft.com/office/powerpoint/2010/main" val="3432092158"/>
       </p:ext>
     </p:extLst>
   </p:cSld>
@@ -3144,14 +3526,6 @@
           <a:bodyPr/>
           <a:lstStyle/>
           <a:p>
-            <a:r>
-              <a:rPr lang="es-PE" dirty="0" smtClean="0"/>
-              <a:t>Nos juntamos en grupos,</a:t>
-            </a:r>
-            <a:r>
-              <a:rPr lang="es-PE" baseline="0" dirty="0" smtClean="0"/>
-              <a:t> cada pareja comparte el significado </a:t>
-            </a:r>
             <a:endParaRPr lang="es-PE" dirty="0"/>
           </a:p>
         </p:txBody>
@@ -3173,7 +3547,7 @@
           <a:p>
             <a:fld id="{80C14895-23C8-45AE-85D5-3B35E5980A68}" type="slidenum">
               <a:rPr lang="es-PE" smtClean="0"/>
-              <a:t>26</a:t>
+              <a:t>13</a:t>
             </a:fld>
             <a:endParaRPr lang="es-PE"/>
           </a:p>
@@ -3236,14 +3610,29 @@
           <a:bodyPr/>
           <a:lstStyle/>
           <a:p>
-            <a:r>
-              <a:rPr lang="es-PE" dirty="0" smtClean="0"/>
-              <a:t>Nos juntamos en grupos,</a:t>
-            </a:r>
-            <a:r>
-              <a:rPr lang="es-PE" baseline="0" dirty="0" smtClean="0"/>
-              <a:t> cada pareja comparte el significado </a:t>
-            </a:r>
+            <a:pPr marL="0" marR="0" indent="0" algn="l" defTabSz="914400" rtl="0" eaLnBrk="1" fontAlgn="auto" latinLnBrk="0" hangingPunct="1">
+              <a:lnSpc>
+                <a:spcPct val="100000"/>
+              </a:lnSpc>
+              <a:spcBef>
+                <a:spcPts val="0"/>
+              </a:spcBef>
+              <a:spcAft>
+                <a:spcPts val="0"/>
+              </a:spcAft>
+              <a:buClrTx/>
+              <a:buSzTx/>
+              <a:buFontTx/>
+              <a:buNone/>
+              <a:tabLst/>
+              <a:defRPr/>
+            </a:pPr>
+            <a:r>
+              <a:rPr lang="es-PE" sz="1200" dirty="0" smtClean="0"/>
+              <a:t>Recordar que en un enfoque ágil entregamos valor de manera constante.</a:t>
+            </a:r>
+          </a:p>
+          <a:p>
             <a:endParaRPr lang="es-PE" dirty="0"/>
           </a:p>
         </p:txBody>
@@ -3265,7 +3654,7 @@
           <a:p>
             <a:fld id="{80C14895-23C8-45AE-85D5-3B35E5980A68}" type="slidenum">
               <a:rPr lang="es-PE" smtClean="0"/>
-              <a:t>27</a:t>
+              <a:t>17</a:t>
             </a:fld>
             <a:endParaRPr lang="es-PE"/>
           </a:p>
@@ -3274,7 +3663,7 @@
     </p:spTree>
     <p:extLst>
       <p:ext uri="{BB962C8B-B14F-4D97-AF65-F5344CB8AC3E}">
-        <p14:creationId xmlns:p14="http://schemas.microsoft.com/office/powerpoint/2010/main" val="3432092158"/>
+        <p14:creationId xmlns:p14="http://schemas.microsoft.com/office/powerpoint/2010/main" val="2610960858"/>
       </p:ext>
     </p:extLst>
   </p:cSld>
@@ -3328,6 +3717,10 @@
           <a:bodyPr/>
           <a:lstStyle/>
           <a:p>
+            <a:r>
+              <a:rPr lang="es-PE" dirty="0" smtClean="0"/>
+              <a:t>Qué nos motiva a mejorar el código.</a:t>
+            </a:r>
             <a:endParaRPr lang="es-PE" dirty="0"/>
           </a:p>
         </p:txBody>
@@ -3349,7 +3742,7 @@
           <a:p>
             <a:fld id="{80C14895-23C8-45AE-85D5-3B35E5980A68}" type="slidenum">
               <a:rPr lang="es-PE" smtClean="0"/>
-              <a:t>28</a:t>
+              <a:t>18</a:t>
             </a:fld>
             <a:endParaRPr lang="es-PE"/>
           </a:p>
@@ -3358,7 +3751,7 @@
     </p:spTree>
     <p:extLst>
       <p:ext uri="{BB962C8B-B14F-4D97-AF65-F5344CB8AC3E}">
-        <p14:creationId xmlns:p14="http://schemas.microsoft.com/office/powerpoint/2010/main" val="3432092158"/>
+        <p14:creationId xmlns:p14="http://schemas.microsoft.com/office/powerpoint/2010/main" val="3098316260"/>
       </p:ext>
     </p:extLst>
   </p:cSld>
@@ -3412,29 +3805,6 @@
           <a:bodyPr/>
           <a:lstStyle/>
           <a:p>
-            <a:pPr marL="0" marR="0" indent="0" algn="l" defTabSz="914400" rtl="0" eaLnBrk="1" fontAlgn="auto" latinLnBrk="0" hangingPunct="1">
-              <a:lnSpc>
-                <a:spcPct val="100000"/>
-              </a:lnSpc>
-              <a:spcBef>
-                <a:spcPts val="0"/>
-              </a:spcBef>
-              <a:spcAft>
-                <a:spcPts val="0"/>
-              </a:spcAft>
-              <a:buClrTx/>
-              <a:buSzTx/>
-              <a:buFontTx/>
-              <a:buNone/>
-              <a:tabLst/>
-              <a:defRPr/>
-            </a:pPr>
-            <a:r>
-              <a:rPr lang="es-PE" sz="1200" dirty="0" smtClean="0"/>
-              <a:t>Recordar que en un enfoque ágil entregamos valor de manera constante.</a:t>
-            </a:r>
-          </a:p>
-          <a:p>
             <a:endParaRPr lang="es-PE" dirty="0"/>
           </a:p>
         </p:txBody>
@@ -3456,7 +3826,7 @@
           <a:p>
             <a:fld id="{80C14895-23C8-45AE-85D5-3B35E5980A68}" type="slidenum">
               <a:rPr lang="es-PE" smtClean="0"/>
-              <a:t>32</a:t>
+              <a:t>20</a:t>
             </a:fld>
             <a:endParaRPr lang="es-PE"/>
           </a:p>
@@ -3465,7 +3835,7 @@
     </p:spTree>
     <p:extLst>
       <p:ext uri="{BB962C8B-B14F-4D97-AF65-F5344CB8AC3E}">
-        <p14:creationId xmlns:p14="http://schemas.microsoft.com/office/powerpoint/2010/main" val="2610960858"/>
+        <p14:creationId xmlns:p14="http://schemas.microsoft.com/office/powerpoint/2010/main" val="3432092158"/>
       </p:ext>
     </p:extLst>
   </p:cSld>
@@ -3519,10 +3889,6 @@
           <a:bodyPr/>
           <a:lstStyle/>
           <a:p>
-            <a:r>
-              <a:rPr lang="es-PE" dirty="0" smtClean="0"/>
-              <a:t>Qué nos motiva a mejorar el código.</a:t>
-            </a:r>
             <a:endParaRPr lang="es-PE" dirty="0"/>
           </a:p>
         </p:txBody>
@@ -3544,7 +3910,7 @@
           <a:p>
             <a:fld id="{80C14895-23C8-45AE-85D5-3B35E5980A68}" type="slidenum">
               <a:rPr lang="es-PE" smtClean="0"/>
-              <a:t>33</a:t>
+              <a:t>21</a:t>
             </a:fld>
             <a:endParaRPr lang="es-PE"/>
           </a:p>
@@ -3553,7 +3919,7 @@
     </p:spTree>
     <p:extLst>
       <p:ext uri="{BB962C8B-B14F-4D97-AF65-F5344CB8AC3E}">
-        <p14:creationId xmlns:p14="http://schemas.microsoft.com/office/powerpoint/2010/main" val="3098316260"/>
+        <p14:creationId xmlns:p14="http://schemas.microsoft.com/office/powerpoint/2010/main" val="3432092158"/>
       </p:ext>
     </p:extLst>
   </p:cSld>
@@ -3607,101 +3973,6 @@
           <a:bodyPr/>
           <a:lstStyle/>
           <a:p>
-            <a:pPr fontAlgn="base"/>
-            <a:r>
-              <a:rPr lang="en-US" sz="1200" b="0" i="0" kern="1200" dirty="0" smtClean="0">
-                <a:solidFill>
-                  <a:schemeClr val="tx1"/>
-                </a:solidFill>
-                <a:effectLst/>
-                <a:latin typeface="+mn-lt"/>
-                <a:ea typeface="+mn-ea"/>
-                <a:cs typeface="+mn-cs"/>
-              </a:rPr>
-              <a:t>Extract Method is one of the most common </a:t>
-            </a:r>
-            <a:r>
-              <a:rPr lang="en-US" sz="1200" b="0" i="0" kern="1200" dirty="0" err="1" smtClean="0">
-                <a:solidFill>
-                  <a:schemeClr val="tx1"/>
-                </a:solidFill>
-                <a:effectLst/>
-                <a:latin typeface="+mn-lt"/>
-                <a:ea typeface="+mn-ea"/>
-                <a:cs typeface="+mn-cs"/>
-              </a:rPr>
-              <a:t>refactorings</a:t>
-            </a:r>
-            <a:r>
-              <a:rPr lang="en-US" sz="1200" b="0" i="0" kern="1200" dirty="0" smtClean="0">
-                <a:solidFill>
-                  <a:schemeClr val="tx1"/>
-                </a:solidFill>
-                <a:effectLst/>
-                <a:latin typeface="+mn-lt"/>
-                <a:ea typeface="+mn-ea"/>
-                <a:cs typeface="+mn-cs"/>
-              </a:rPr>
-              <a:t> I do. I look at a method that is too long or look at code that needs a comment to understand its purpose. I then turn that fragment of code into its own method.</a:t>
-            </a:r>
-          </a:p>
-          <a:p>
-            <a:pPr fontAlgn="base"/>
-            <a:r>
-              <a:rPr lang="en-US" sz="1200" b="0" i="0" u="none" strike="noStrike" kern="1200" dirty="0" smtClean="0">
-                <a:solidFill>
-                  <a:schemeClr val="tx1"/>
-                </a:solidFill>
-                <a:effectLst/>
-                <a:latin typeface="+mn-lt"/>
-                <a:ea typeface="+mn-ea"/>
-                <a:cs typeface="+mn-cs"/>
-                <a:hlinkClick r:id="rId3" tooltip="Permalink to this place"/>
-              </a:rPr>
-              <a:t>06</a:t>
-            </a:r>
-            <a:r>
-              <a:rPr lang="en-US" sz="1200" b="0" i="0" kern="1200" dirty="0" smtClean="0">
-                <a:solidFill>
-                  <a:schemeClr val="tx1"/>
-                </a:solidFill>
-                <a:effectLst/>
-                <a:latin typeface="+mn-lt"/>
-                <a:ea typeface="+mn-ea"/>
-                <a:cs typeface="+mn-cs"/>
-              </a:rPr>
-              <a:t>I prefer short, well-named methods for several reasons. First, it increases the chances that other methods can use a method when the method is finely grained. Second, it allows the higher-level methods to read more like a series of comments. Overriding also is easier when the methods are finely grained.</a:t>
-            </a:r>
-          </a:p>
-          <a:p>
-            <a:pPr fontAlgn="base"/>
-            <a:r>
-              <a:rPr lang="en-US" sz="1200" b="0" i="0" u="none" strike="noStrike" kern="1200" dirty="0" smtClean="0">
-                <a:solidFill>
-                  <a:schemeClr val="tx1"/>
-                </a:solidFill>
-                <a:effectLst/>
-                <a:latin typeface="+mn-lt"/>
-                <a:ea typeface="+mn-ea"/>
-                <a:cs typeface="+mn-cs"/>
-                <a:hlinkClick r:id="rId3" tooltip="Permalink to this place"/>
-              </a:rPr>
-              <a:t>07</a:t>
-            </a:r>
-            <a:r>
-              <a:rPr lang="en-US" sz="1200" b="0" i="0" kern="1200" dirty="0" smtClean="0">
-                <a:solidFill>
-                  <a:schemeClr val="tx1"/>
-                </a:solidFill>
-                <a:effectLst/>
-                <a:latin typeface="+mn-lt"/>
-                <a:ea typeface="+mn-ea"/>
-                <a:cs typeface="+mn-cs"/>
-              </a:rPr>
-              <a:t>It does take a little getting used to if you are used to seeing larger methods. And small methods really work only when you have good names, so you need to pay attention to naming. People sometimes ask me what length I look for in a method. To me length is not the issue. The key is the semantic distance between the method name and the method body. If extracting improves clarity, do it, even if the name is longer than the code you have extracted.</a:t>
-            </a:r>
-          </a:p>
-          <a:p>
             <a:endParaRPr lang="es-PE" dirty="0"/>
           </a:p>
         </p:txBody>
@@ -3723,7 +3994,7 @@
           <a:p>
             <a:fld id="{80C14895-23C8-45AE-85D5-3B35E5980A68}" type="slidenum">
               <a:rPr lang="es-PE" smtClean="0"/>
-              <a:t>35</a:t>
+              <a:t>22</a:t>
             </a:fld>
             <a:endParaRPr lang="es-PE"/>
           </a:p>
@@ -3732,7 +4003,7 @@
     </p:spTree>
     <p:extLst>
       <p:ext uri="{BB962C8B-B14F-4D97-AF65-F5344CB8AC3E}">
-        <p14:creationId xmlns:p14="http://schemas.microsoft.com/office/powerpoint/2010/main" val="3335069799"/>
+        <p14:creationId xmlns:p14="http://schemas.microsoft.com/office/powerpoint/2010/main" val="3432092158"/>
       </p:ext>
     </p:extLst>
   </p:cSld>
@@ -3786,85 +4057,6 @@
           <a:bodyPr/>
           <a:lstStyle/>
           <a:p>
-            <a:pPr fontAlgn="base"/>
-            <a:r>
-              <a:rPr lang="en-US" sz="1200" b="0" i="0" kern="1200" dirty="0" smtClean="0">
-                <a:solidFill>
-                  <a:schemeClr val="tx1"/>
-                </a:solidFill>
-                <a:effectLst/>
-                <a:latin typeface="+mn-lt"/>
-                <a:ea typeface="+mn-ea"/>
-                <a:cs typeface="+mn-cs"/>
-              </a:rPr>
-              <a:t>An important part of the code style I am advocating is small methods to factor complex processes. Done badly, this can lead you on a merry dance to find out what all the little methods do. The key to avoiding this merry dance is naming the methods. Methods should be named in a way that communicates their intention. A good way to do this is to think what the comment for the method would be and turn that comment into the name of the method.</a:t>
-            </a:r>
-          </a:p>
-          <a:p>
-            <a:pPr fontAlgn="base"/>
-            <a:r>
-              <a:rPr lang="en-US" sz="1200" b="0" i="0" u="none" strike="noStrike" kern="1200" dirty="0" smtClean="0">
-                <a:solidFill>
-                  <a:schemeClr val="tx1"/>
-                </a:solidFill>
-                <a:effectLst/>
-                <a:latin typeface="+mn-lt"/>
-                <a:ea typeface="+mn-ea"/>
-                <a:cs typeface="+mn-cs"/>
-                <a:hlinkClick r:id="rId3" tooltip="Permalink to this place"/>
-              </a:rPr>
-              <a:t>04</a:t>
-            </a:r>
-            <a:r>
-              <a:rPr lang="en-US" sz="1200" b="0" i="0" kern="1200" dirty="0" smtClean="0">
-                <a:solidFill>
-                  <a:schemeClr val="tx1"/>
-                </a:solidFill>
-                <a:effectLst/>
-                <a:latin typeface="+mn-lt"/>
-                <a:ea typeface="+mn-ea"/>
-                <a:cs typeface="+mn-cs"/>
-              </a:rPr>
-              <a:t>Life being what it is, you won’t get your names right the first time. In this situation you may well be tempted to leave it—after all it’s only a name. That is the work of the evil demon </a:t>
-            </a:r>
-            <a:r>
-              <a:rPr lang="en-US" sz="1200" b="0" i="1" kern="1200" dirty="0" err="1" smtClean="0">
-                <a:solidFill>
-                  <a:schemeClr val="tx1"/>
-                </a:solidFill>
-                <a:effectLst/>
-                <a:latin typeface="+mn-lt"/>
-                <a:ea typeface="+mn-ea"/>
-                <a:cs typeface="+mn-cs"/>
-              </a:rPr>
-              <a:t>Obfuscatis</a:t>
-            </a:r>
-            <a:r>
-              <a:rPr lang="en-US" sz="1200" b="0" i="1" kern="1200" dirty="0" smtClean="0">
-                <a:solidFill>
-                  <a:schemeClr val="tx1"/>
-                </a:solidFill>
-                <a:effectLst/>
-                <a:latin typeface="+mn-lt"/>
-                <a:ea typeface="+mn-ea"/>
-                <a:cs typeface="+mn-cs"/>
-              </a:rPr>
-              <a:t>;</a:t>
-            </a:r>
-            <a:r>
-              <a:rPr lang="en-US" sz="1200" b="0" i="0" kern="1200" dirty="0" smtClean="0">
-                <a:solidFill>
-                  <a:schemeClr val="tx1"/>
-                </a:solidFill>
-                <a:effectLst/>
-                <a:latin typeface="+mn-lt"/>
-                <a:ea typeface="+mn-ea"/>
-                <a:cs typeface="+mn-cs"/>
-              </a:rPr>
-              <a:t> don’t listen to him. If you see a badly named method, it is imperative that you change it. Remember your code is for a human first and a computer second. Humans need good names. Take note of when you have spent ages trying to do something that would have been easier if a couple of methods had been better named. Good naming is a skill that requires practice; improving this skill is the key to being a truly skillful programmer. </a:t>
-            </a:r>
-          </a:p>
-          <a:p>
             <a:endParaRPr lang="es-PE" dirty="0"/>
           </a:p>
         </p:txBody>
@@ -3886,7 +4078,7 @@
           <a:p>
             <a:fld id="{80C14895-23C8-45AE-85D5-3B35E5980A68}" type="slidenum">
               <a:rPr lang="es-PE" smtClean="0"/>
-              <a:t>36</a:t>
+              <a:t>23</a:t>
             </a:fld>
             <a:endParaRPr lang="es-PE"/>
           </a:p>
@@ -3895,7 +4087,7 @@
     </p:spTree>
     <p:extLst>
       <p:ext uri="{BB962C8B-B14F-4D97-AF65-F5344CB8AC3E}">
-        <p14:creationId xmlns:p14="http://schemas.microsoft.com/office/powerpoint/2010/main" val="3335069799"/>
+        <p14:creationId xmlns:p14="http://schemas.microsoft.com/office/powerpoint/2010/main" val="3432092158"/>
       </p:ext>
     </p:extLst>
   </p:cSld>
@@ -3970,7 +4162,7 @@
           <a:p>
             <a:fld id="{80C14895-23C8-45AE-85D5-3B35E5980A68}" type="slidenum">
               <a:rPr lang="es-PE" smtClean="0"/>
-              <a:t>37</a:t>
+              <a:t>24</a:t>
             </a:fld>
             <a:endParaRPr lang="es-PE"/>
           </a:p>
@@ -4054,7 +4246,7 @@
           <a:p>
             <a:fld id="{80C14895-23C8-45AE-85D5-3B35E5980A68}" type="slidenum">
               <a:rPr lang="es-PE" smtClean="0"/>
-              <a:t>38</a:t>
+              <a:t>25</a:t>
             </a:fld>
             <a:endParaRPr lang="es-PE"/>
           </a:p>
@@ -4263,342 +4455,6 @@
 </p:notes>
 </file>
 
-<file path=ppt/notesSlides/notesSlide20.xml><?xml version="1.0" encoding="utf-8"?>
-<p:notes xmlns:a="http://schemas.openxmlformats.org/drawingml/2006/main" xmlns:r="http://schemas.openxmlformats.org/officeDocument/2006/relationships" xmlns:p="http://schemas.openxmlformats.org/presentationml/2006/main">
-  <p:cSld>
-    <p:spTree>
-      <p:nvGrpSpPr>
-        <p:cNvPr id="1" name=""/>
-        <p:cNvGrpSpPr/>
-        <p:nvPr/>
-      </p:nvGrpSpPr>
-      <p:grpSpPr>
-        <a:xfrm>
-          <a:off x="0" y="0"/>
-          <a:ext cx="0" cy="0"/>
-          <a:chOff x="0" y="0"/>
-          <a:chExt cx="0" cy="0"/>
-        </a:xfrm>
-      </p:grpSpPr>
-      <p:sp>
-        <p:nvSpPr>
-          <p:cNvPr id="2" name="1 Marcador de imagen de diapositiva"/>
-          <p:cNvSpPr>
-            <a:spLocks noGrp="1" noRot="1" noChangeAspect="1"/>
-          </p:cNvSpPr>
-          <p:nvPr>
-            <p:ph type="sldImg"/>
-          </p:nvPr>
-        </p:nvSpPr>
-        <p:spPr/>
-      </p:sp>
-      <p:sp>
-        <p:nvSpPr>
-          <p:cNvPr id="3" name="2 Marcador de notas"/>
-          <p:cNvSpPr>
-            <a:spLocks noGrp="1"/>
-          </p:cNvSpPr>
-          <p:nvPr>
-            <p:ph type="body" idx="1"/>
-          </p:nvPr>
-        </p:nvSpPr>
-        <p:spPr/>
-        <p:txBody>
-          <a:bodyPr/>
-          <a:lstStyle/>
-          <a:p>
-            <a:endParaRPr lang="es-PE" dirty="0"/>
-          </a:p>
-        </p:txBody>
-      </p:sp>
-      <p:sp>
-        <p:nvSpPr>
-          <p:cNvPr id="4" name="3 Marcador de número de diapositiva"/>
-          <p:cNvSpPr>
-            <a:spLocks noGrp="1"/>
-          </p:cNvSpPr>
-          <p:nvPr>
-            <p:ph type="sldNum" sz="quarter" idx="10"/>
-          </p:nvPr>
-        </p:nvSpPr>
-        <p:spPr/>
-        <p:txBody>
-          <a:bodyPr/>
-          <a:lstStyle/>
-          <a:p>
-            <a:fld id="{80C14895-23C8-45AE-85D5-3B35E5980A68}" type="slidenum">
-              <a:rPr lang="es-PE" smtClean="0"/>
-              <a:t>39</a:t>
-            </a:fld>
-            <a:endParaRPr lang="es-PE"/>
-          </a:p>
-        </p:txBody>
-      </p:sp>
-    </p:spTree>
-    <p:extLst>
-      <p:ext uri="{BB962C8B-B14F-4D97-AF65-F5344CB8AC3E}">
-        <p14:creationId xmlns:p14="http://schemas.microsoft.com/office/powerpoint/2010/main" val="3432092158"/>
-      </p:ext>
-    </p:extLst>
-  </p:cSld>
-  <p:clrMapOvr>
-    <a:masterClrMapping/>
-  </p:clrMapOvr>
-</p:notes>
-</file>
-
-<file path=ppt/notesSlides/notesSlide21.xml><?xml version="1.0" encoding="utf-8"?>
-<p:notes xmlns:a="http://schemas.openxmlformats.org/drawingml/2006/main" xmlns:r="http://schemas.openxmlformats.org/officeDocument/2006/relationships" xmlns:p="http://schemas.openxmlformats.org/presentationml/2006/main">
-  <p:cSld>
-    <p:spTree>
-      <p:nvGrpSpPr>
-        <p:cNvPr id="1" name=""/>
-        <p:cNvGrpSpPr/>
-        <p:nvPr/>
-      </p:nvGrpSpPr>
-      <p:grpSpPr>
-        <a:xfrm>
-          <a:off x="0" y="0"/>
-          <a:ext cx="0" cy="0"/>
-          <a:chOff x="0" y="0"/>
-          <a:chExt cx="0" cy="0"/>
-        </a:xfrm>
-      </p:grpSpPr>
-      <p:sp>
-        <p:nvSpPr>
-          <p:cNvPr id="2" name="1 Marcador de imagen de diapositiva"/>
-          <p:cNvSpPr>
-            <a:spLocks noGrp="1" noRot="1" noChangeAspect="1"/>
-          </p:cNvSpPr>
-          <p:nvPr>
-            <p:ph type="sldImg"/>
-          </p:nvPr>
-        </p:nvSpPr>
-        <p:spPr/>
-      </p:sp>
-      <p:sp>
-        <p:nvSpPr>
-          <p:cNvPr id="3" name="2 Marcador de notas"/>
-          <p:cNvSpPr>
-            <a:spLocks noGrp="1"/>
-          </p:cNvSpPr>
-          <p:nvPr>
-            <p:ph type="body" idx="1"/>
-          </p:nvPr>
-        </p:nvSpPr>
-        <p:spPr/>
-        <p:txBody>
-          <a:bodyPr/>
-          <a:lstStyle/>
-          <a:p>
-            <a:endParaRPr lang="es-PE" dirty="0"/>
-          </a:p>
-        </p:txBody>
-      </p:sp>
-      <p:sp>
-        <p:nvSpPr>
-          <p:cNvPr id="4" name="3 Marcador de número de diapositiva"/>
-          <p:cNvSpPr>
-            <a:spLocks noGrp="1"/>
-          </p:cNvSpPr>
-          <p:nvPr>
-            <p:ph type="sldNum" sz="quarter" idx="10"/>
-          </p:nvPr>
-        </p:nvSpPr>
-        <p:spPr/>
-        <p:txBody>
-          <a:bodyPr/>
-          <a:lstStyle/>
-          <a:p>
-            <a:fld id="{80C14895-23C8-45AE-85D5-3B35E5980A68}" type="slidenum">
-              <a:rPr lang="es-PE" smtClean="0"/>
-              <a:t>40</a:t>
-            </a:fld>
-            <a:endParaRPr lang="es-PE"/>
-          </a:p>
-        </p:txBody>
-      </p:sp>
-    </p:spTree>
-    <p:extLst>
-      <p:ext uri="{BB962C8B-B14F-4D97-AF65-F5344CB8AC3E}">
-        <p14:creationId xmlns:p14="http://schemas.microsoft.com/office/powerpoint/2010/main" val="3432092158"/>
-      </p:ext>
-    </p:extLst>
-  </p:cSld>
-  <p:clrMapOvr>
-    <a:masterClrMapping/>
-  </p:clrMapOvr>
-</p:notes>
-</file>
-
-<file path=ppt/notesSlides/notesSlide22.xml><?xml version="1.0" encoding="utf-8"?>
-<p:notes xmlns:a="http://schemas.openxmlformats.org/drawingml/2006/main" xmlns:r="http://schemas.openxmlformats.org/officeDocument/2006/relationships" xmlns:p="http://schemas.openxmlformats.org/presentationml/2006/main">
-  <p:cSld>
-    <p:spTree>
-      <p:nvGrpSpPr>
-        <p:cNvPr id="1" name=""/>
-        <p:cNvGrpSpPr/>
-        <p:nvPr/>
-      </p:nvGrpSpPr>
-      <p:grpSpPr>
-        <a:xfrm>
-          <a:off x="0" y="0"/>
-          <a:ext cx="0" cy="0"/>
-          <a:chOff x="0" y="0"/>
-          <a:chExt cx="0" cy="0"/>
-        </a:xfrm>
-      </p:grpSpPr>
-      <p:sp>
-        <p:nvSpPr>
-          <p:cNvPr id="2" name="1 Marcador de imagen de diapositiva"/>
-          <p:cNvSpPr>
-            <a:spLocks noGrp="1" noRot="1" noChangeAspect="1"/>
-          </p:cNvSpPr>
-          <p:nvPr>
-            <p:ph type="sldImg"/>
-          </p:nvPr>
-        </p:nvSpPr>
-        <p:spPr/>
-      </p:sp>
-      <p:sp>
-        <p:nvSpPr>
-          <p:cNvPr id="3" name="2 Marcador de notas"/>
-          <p:cNvSpPr>
-            <a:spLocks noGrp="1"/>
-          </p:cNvSpPr>
-          <p:nvPr>
-            <p:ph type="body" idx="1"/>
-          </p:nvPr>
-        </p:nvSpPr>
-        <p:spPr/>
-        <p:txBody>
-          <a:bodyPr/>
-          <a:lstStyle/>
-          <a:p>
-            <a:endParaRPr lang="es-PE" dirty="0"/>
-          </a:p>
-        </p:txBody>
-      </p:sp>
-      <p:sp>
-        <p:nvSpPr>
-          <p:cNvPr id="4" name="3 Marcador de número de diapositiva"/>
-          <p:cNvSpPr>
-            <a:spLocks noGrp="1"/>
-          </p:cNvSpPr>
-          <p:nvPr>
-            <p:ph type="sldNum" sz="quarter" idx="10"/>
-          </p:nvPr>
-        </p:nvSpPr>
-        <p:spPr/>
-        <p:txBody>
-          <a:bodyPr/>
-          <a:lstStyle/>
-          <a:p>
-            <a:fld id="{80C14895-23C8-45AE-85D5-3B35E5980A68}" type="slidenum">
-              <a:rPr lang="es-PE" smtClean="0"/>
-              <a:t>41</a:t>
-            </a:fld>
-            <a:endParaRPr lang="es-PE"/>
-          </a:p>
-        </p:txBody>
-      </p:sp>
-    </p:spTree>
-    <p:extLst>
-      <p:ext uri="{BB962C8B-B14F-4D97-AF65-F5344CB8AC3E}">
-        <p14:creationId xmlns:p14="http://schemas.microsoft.com/office/powerpoint/2010/main" val="3432092158"/>
-      </p:ext>
-    </p:extLst>
-  </p:cSld>
-  <p:clrMapOvr>
-    <a:masterClrMapping/>
-  </p:clrMapOvr>
-</p:notes>
-</file>
-
-<file path=ppt/notesSlides/notesSlide23.xml><?xml version="1.0" encoding="utf-8"?>
-<p:notes xmlns:a="http://schemas.openxmlformats.org/drawingml/2006/main" xmlns:r="http://schemas.openxmlformats.org/officeDocument/2006/relationships" xmlns:p="http://schemas.openxmlformats.org/presentationml/2006/main">
-  <p:cSld>
-    <p:spTree>
-      <p:nvGrpSpPr>
-        <p:cNvPr id="1" name=""/>
-        <p:cNvGrpSpPr/>
-        <p:nvPr/>
-      </p:nvGrpSpPr>
-      <p:grpSpPr>
-        <a:xfrm>
-          <a:off x="0" y="0"/>
-          <a:ext cx="0" cy="0"/>
-          <a:chOff x="0" y="0"/>
-          <a:chExt cx="0" cy="0"/>
-        </a:xfrm>
-      </p:grpSpPr>
-      <p:sp>
-        <p:nvSpPr>
-          <p:cNvPr id="2" name="1 Marcador de imagen de diapositiva"/>
-          <p:cNvSpPr>
-            <a:spLocks noGrp="1" noRot="1" noChangeAspect="1"/>
-          </p:cNvSpPr>
-          <p:nvPr>
-            <p:ph type="sldImg"/>
-          </p:nvPr>
-        </p:nvSpPr>
-        <p:spPr/>
-      </p:sp>
-      <p:sp>
-        <p:nvSpPr>
-          <p:cNvPr id="3" name="2 Marcador de notas"/>
-          <p:cNvSpPr>
-            <a:spLocks noGrp="1"/>
-          </p:cNvSpPr>
-          <p:nvPr>
-            <p:ph type="body" idx="1"/>
-          </p:nvPr>
-        </p:nvSpPr>
-        <p:spPr/>
-        <p:txBody>
-          <a:bodyPr/>
-          <a:lstStyle/>
-          <a:p>
-            <a:endParaRPr lang="es-PE" dirty="0"/>
-          </a:p>
-        </p:txBody>
-      </p:sp>
-      <p:sp>
-        <p:nvSpPr>
-          <p:cNvPr id="4" name="3 Marcador de número de diapositiva"/>
-          <p:cNvSpPr>
-            <a:spLocks noGrp="1"/>
-          </p:cNvSpPr>
-          <p:nvPr>
-            <p:ph type="sldNum" sz="quarter" idx="10"/>
-          </p:nvPr>
-        </p:nvSpPr>
-        <p:spPr/>
-        <p:txBody>
-          <a:bodyPr/>
-          <a:lstStyle/>
-          <a:p>
-            <a:fld id="{80C14895-23C8-45AE-85D5-3B35E5980A68}" type="slidenum">
-              <a:rPr lang="es-PE" smtClean="0"/>
-              <a:t>42</a:t>
-            </a:fld>
-            <a:endParaRPr lang="es-PE"/>
-          </a:p>
-        </p:txBody>
-      </p:sp>
-    </p:spTree>
-    <p:extLst>
-      <p:ext uri="{BB962C8B-B14F-4D97-AF65-F5344CB8AC3E}">
-        <p14:creationId xmlns:p14="http://schemas.microsoft.com/office/powerpoint/2010/main" val="3432092158"/>
-      </p:ext>
-    </p:extLst>
-  </p:cSld>
-  <p:clrMapOvr>
-    <a:masterClrMapping/>
-  </p:clrMapOvr>
-</p:notes>
-</file>
-
 <file path=ppt/notesSlides/notesSlide3.xml><?xml version="1.0" encoding="utf-8"?>
 <p:notes xmlns:a="http://schemas.openxmlformats.org/drawingml/2006/main" xmlns:r="http://schemas.openxmlformats.org/officeDocument/2006/relationships" xmlns:p="http://schemas.openxmlformats.org/presentationml/2006/main">
   <p:cSld>
@@ -5262,35 +5118,15 @@
           <a:bodyPr/>
           <a:lstStyle/>
           <a:p>
-            <a:pPr marL="0" marR="0" indent="0" algn="l" defTabSz="914400" rtl="0" eaLnBrk="1" fontAlgn="auto" latinLnBrk="0" hangingPunct="1">
-              <a:lnSpc>
-                <a:spcPct val="100000"/>
-              </a:lnSpc>
-              <a:spcBef>
-                <a:spcPts val="0"/>
-              </a:spcBef>
-              <a:spcAft>
-                <a:spcPts val="0"/>
-              </a:spcAft>
-              <a:buClrTx/>
-              <a:buSzTx/>
-              <a:buFontTx/>
-              <a:buNone/>
-              <a:tabLst/>
-              <a:defRPr/>
-            </a:pPr>
-            <a:r>
-              <a:rPr lang="es-PE" dirty="0" smtClean="0">
-                <a:solidFill>
-                  <a:srgbClr val="FFC000"/>
-                </a:solidFill>
-              </a:rPr>
-              <a:t>Poco Testeable: </a:t>
-            </a:r>
             <a:r>
               <a:rPr lang="es-PE" dirty="0" smtClean="0"/>
-              <a:t>Se puede realizar más fácilmente pruebas unitarias a métodos cortos.</a:t>
-            </a:r>
+              <a:t>Nos juntamos en grupos,</a:t>
+            </a:r>
+            <a:r>
+              <a:rPr lang="es-PE" baseline="0" dirty="0" smtClean="0"/>
+              <a:t> cada pareja comparte el significado </a:t>
+            </a:r>
+            <a:endParaRPr lang="es-PE" dirty="0"/>
           </a:p>
         </p:txBody>
       </p:sp>
@@ -5311,7 +5147,7 @@
           <a:p>
             <a:fld id="{80C14895-23C8-45AE-85D5-3B35E5980A68}" type="slidenum">
               <a:rPr lang="es-PE" smtClean="0"/>
-              <a:t>13</a:t>
+              <a:t>11</a:t>
             </a:fld>
             <a:endParaRPr lang="es-PE"/>
           </a:p>
@@ -5320,7 +5156,7 @@
     </p:spTree>
     <p:extLst>
       <p:ext uri="{BB962C8B-B14F-4D97-AF65-F5344CB8AC3E}">
-        <p14:creationId xmlns:p14="http://schemas.microsoft.com/office/powerpoint/2010/main" val="4020650734"/>
+        <p14:creationId xmlns:p14="http://schemas.microsoft.com/office/powerpoint/2010/main" val="3432092158"/>
       </p:ext>
     </p:extLst>
   </p:cSld>
@@ -5516,7 +5352,7 @@
             <a:fld id="{807CB568-C05F-482F-9F26-AA302B8892DF}" type="datetimeFigureOut">
               <a:rPr lang="es-ES" smtClean="0"/>
               <a:pPr/>
-              <a:t>08/11/2012</a:t>
+              <a:t>10/11/2012</a:t>
             </a:fld>
             <a:endParaRPr lang="es-ES"/>
           </a:p>
@@ -5695,7 +5531,7 @@
             <a:fld id="{807CB568-C05F-482F-9F26-AA302B8892DF}" type="datetimeFigureOut">
               <a:rPr lang="es-ES" smtClean="0"/>
               <a:pPr/>
-              <a:t>08/11/2012</a:t>
+              <a:t>10/11/2012</a:t>
             </a:fld>
             <a:endParaRPr lang="es-ES"/>
           </a:p>
@@ -5884,7 +5720,7 @@
             <a:fld id="{807CB568-C05F-482F-9F26-AA302B8892DF}" type="datetimeFigureOut">
               <a:rPr lang="es-ES" smtClean="0"/>
               <a:pPr/>
-              <a:t>08/11/2012</a:t>
+              <a:t>10/11/2012</a:t>
             </a:fld>
             <a:endParaRPr lang="es-ES"/>
           </a:p>
@@ -6063,7 +5899,7 @@
             <a:fld id="{807CB568-C05F-482F-9F26-AA302B8892DF}" type="datetimeFigureOut">
               <a:rPr lang="es-ES" smtClean="0"/>
               <a:pPr/>
-              <a:t>08/11/2012</a:t>
+              <a:t>10/11/2012</a:t>
             </a:fld>
             <a:endParaRPr lang="es-ES"/>
           </a:p>
@@ -6318,7 +6154,7 @@
             <a:fld id="{807CB568-C05F-482F-9F26-AA302B8892DF}" type="datetimeFigureOut">
               <a:rPr lang="es-ES" smtClean="0"/>
               <a:pPr/>
-              <a:t>08/11/2012</a:t>
+              <a:t>10/11/2012</a:t>
             </a:fld>
             <a:endParaRPr lang="es-ES"/>
           </a:p>
@@ -6615,7 +6451,7 @@
             <a:fld id="{807CB568-C05F-482F-9F26-AA302B8892DF}" type="datetimeFigureOut">
               <a:rPr lang="es-ES" smtClean="0"/>
               <a:pPr/>
-              <a:t>08/11/2012</a:t>
+              <a:t>10/11/2012</a:t>
             </a:fld>
             <a:endParaRPr lang="es-ES"/>
           </a:p>
@@ -7046,7 +6882,7 @@
             <a:fld id="{807CB568-C05F-482F-9F26-AA302B8892DF}" type="datetimeFigureOut">
               <a:rPr lang="es-ES" smtClean="0"/>
               <a:pPr/>
-              <a:t>08/11/2012</a:t>
+              <a:t>10/11/2012</a:t>
             </a:fld>
             <a:endParaRPr lang="es-ES"/>
           </a:p>
@@ -7173,7 +7009,7 @@
             <a:fld id="{807CB568-C05F-482F-9F26-AA302B8892DF}" type="datetimeFigureOut">
               <a:rPr lang="es-ES" smtClean="0"/>
               <a:pPr/>
-              <a:t>08/11/2012</a:t>
+              <a:t>10/11/2012</a:t>
             </a:fld>
             <a:endParaRPr lang="es-ES"/>
           </a:p>
@@ -7277,7 +7113,7 @@
             <a:fld id="{807CB568-C05F-482F-9F26-AA302B8892DF}" type="datetimeFigureOut">
               <a:rPr lang="es-ES" smtClean="0"/>
               <a:pPr/>
-              <a:t>08/11/2012</a:t>
+              <a:t>10/11/2012</a:t>
             </a:fld>
             <a:endParaRPr lang="es-ES"/>
           </a:p>
@@ -7563,7 +7399,7 @@
             <a:fld id="{807CB568-C05F-482F-9F26-AA302B8892DF}" type="datetimeFigureOut">
               <a:rPr lang="es-ES" smtClean="0"/>
               <a:pPr/>
-              <a:t>08/11/2012</a:t>
+              <a:t>10/11/2012</a:t>
             </a:fld>
             <a:endParaRPr lang="es-ES"/>
           </a:p>
@@ -7832,7 +7668,7 @@
             <a:fld id="{807CB568-C05F-482F-9F26-AA302B8892DF}" type="datetimeFigureOut">
               <a:rPr lang="es-ES" smtClean="0"/>
               <a:pPr/>
-              <a:t>08/11/2012</a:t>
+              <a:t>10/11/2012</a:t>
             </a:fld>
             <a:endParaRPr lang="es-ES"/>
           </a:p>
@@ -8083,7 +7919,7 @@
             <a:fld id="{807CB568-C05F-482F-9F26-AA302B8892DF}" type="datetimeFigureOut">
               <a:rPr lang="es-ES" smtClean="0"/>
               <a:pPr/>
-              <a:t>08/11/2012</a:t>
+              <a:t>10/11/2012</a:t>
             </a:fld>
             <a:endParaRPr lang="es-ES"/>
           </a:p>
@@ -9265,3435 +9101,6 @@
       </p:grpSpPr>
       <p:sp>
         <p:nvSpPr>
-          <p:cNvPr id="4" name="1 Título"/>
-          <p:cNvSpPr txBox="1">
-            <a:spLocks/>
-          </p:cNvSpPr>
-          <p:nvPr/>
-        </p:nvSpPr>
-        <p:spPr bwMode="auto">
-          <a:xfrm>
-            <a:off x="445223" y="476672"/>
-            <a:ext cx="8229600" cy="1143000"/>
-          </a:xfrm>
-          <a:prstGeom prst="rect">
-            <a:avLst/>
-          </a:prstGeom>
-          <a:noFill/>
-          <a:ln w="9525">
-            <a:noFill/>
-            <a:miter lim="800000"/>
-            <a:headEnd/>
-            <a:tailEnd/>
-          </a:ln>
-        </p:spPr>
-        <p:txBody>
-          <a:bodyPr vert="horz" wrap="square" lIns="91440" tIns="45720" rIns="91440" bIns="45720" numCol="1" anchor="ctr" anchorCtr="0" compatLnSpc="1">
-            <a:prstTxWarp prst="textNoShape">
-              <a:avLst/>
-            </a:prstTxWarp>
-          </a:bodyPr>
-          <a:lstStyle>
-            <a:lvl1pPr algn="ctr" rtl="0" eaLnBrk="1" fontAlgn="base" hangingPunct="1">
-              <a:spcBef>
-                <a:spcPct val="0"/>
-              </a:spcBef>
-              <a:spcAft>
-                <a:spcPct val="0"/>
-              </a:spcAft>
-              <a:defRPr sz="4400" kern="1200">
-                <a:solidFill>
-                  <a:schemeClr val="tx1"/>
-                </a:solidFill>
-                <a:latin typeface="+mj-lt"/>
-                <a:ea typeface="+mj-ea"/>
-                <a:cs typeface="+mj-cs"/>
-              </a:defRPr>
-            </a:lvl1pPr>
-            <a:lvl2pPr algn="ctr" rtl="0" eaLnBrk="1" fontAlgn="base" hangingPunct="1">
-              <a:spcBef>
-                <a:spcPct val="0"/>
-              </a:spcBef>
-              <a:spcAft>
-                <a:spcPct val="0"/>
-              </a:spcAft>
-              <a:defRPr sz="4400">
-                <a:solidFill>
-                  <a:schemeClr val="tx1"/>
-                </a:solidFill>
-                <a:latin typeface="Calibri" pitchFamily="34" charset="0"/>
-              </a:defRPr>
-            </a:lvl2pPr>
-            <a:lvl3pPr algn="ctr" rtl="0" eaLnBrk="1" fontAlgn="base" hangingPunct="1">
-              <a:spcBef>
-                <a:spcPct val="0"/>
-              </a:spcBef>
-              <a:spcAft>
-                <a:spcPct val="0"/>
-              </a:spcAft>
-              <a:defRPr sz="4400">
-                <a:solidFill>
-                  <a:schemeClr val="tx1"/>
-                </a:solidFill>
-                <a:latin typeface="Calibri" pitchFamily="34" charset="0"/>
-              </a:defRPr>
-            </a:lvl3pPr>
-            <a:lvl4pPr algn="ctr" rtl="0" eaLnBrk="1" fontAlgn="base" hangingPunct="1">
-              <a:spcBef>
-                <a:spcPct val="0"/>
-              </a:spcBef>
-              <a:spcAft>
-                <a:spcPct val="0"/>
-              </a:spcAft>
-              <a:defRPr sz="4400">
-                <a:solidFill>
-                  <a:schemeClr val="tx1"/>
-                </a:solidFill>
-                <a:latin typeface="Calibri" pitchFamily="34" charset="0"/>
-              </a:defRPr>
-            </a:lvl4pPr>
-            <a:lvl5pPr algn="ctr" rtl="0" eaLnBrk="1" fontAlgn="base" hangingPunct="1">
-              <a:spcBef>
-                <a:spcPct val="0"/>
-              </a:spcBef>
-              <a:spcAft>
-                <a:spcPct val="0"/>
-              </a:spcAft>
-              <a:defRPr sz="4400">
-                <a:solidFill>
-                  <a:schemeClr val="tx1"/>
-                </a:solidFill>
-                <a:latin typeface="Calibri" pitchFamily="34" charset="0"/>
-              </a:defRPr>
-            </a:lvl5pPr>
-            <a:lvl6pPr marL="457200" algn="ctr" rtl="0" eaLnBrk="1" fontAlgn="base" hangingPunct="1">
-              <a:spcBef>
-                <a:spcPct val="0"/>
-              </a:spcBef>
-              <a:spcAft>
-                <a:spcPct val="0"/>
-              </a:spcAft>
-              <a:defRPr sz="4400">
-                <a:solidFill>
-                  <a:schemeClr val="tx1"/>
-                </a:solidFill>
-                <a:latin typeface="Calibri" pitchFamily="34" charset="0"/>
-              </a:defRPr>
-            </a:lvl6pPr>
-            <a:lvl7pPr marL="914400" algn="ctr" rtl="0" eaLnBrk="1" fontAlgn="base" hangingPunct="1">
-              <a:spcBef>
-                <a:spcPct val="0"/>
-              </a:spcBef>
-              <a:spcAft>
-                <a:spcPct val="0"/>
-              </a:spcAft>
-              <a:defRPr sz="4400">
-                <a:solidFill>
-                  <a:schemeClr val="tx1"/>
-                </a:solidFill>
-                <a:latin typeface="Calibri" pitchFamily="34" charset="0"/>
-              </a:defRPr>
-            </a:lvl7pPr>
-            <a:lvl8pPr marL="1371600" algn="ctr" rtl="0" eaLnBrk="1" fontAlgn="base" hangingPunct="1">
-              <a:spcBef>
-                <a:spcPct val="0"/>
-              </a:spcBef>
-              <a:spcAft>
-                <a:spcPct val="0"/>
-              </a:spcAft>
-              <a:defRPr sz="4400">
-                <a:solidFill>
-                  <a:schemeClr val="tx1"/>
-                </a:solidFill>
-                <a:latin typeface="Calibri" pitchFamily="34" charset="0"/>
-              </a:defRPr>
-            </a:lvl8pPr>
-            <a:lvl9pPr marL="1828800" algn="ctr" rtl="0" eaLnBrk="1" fontAlgn="base" hangingPunct="1">
-              <a:spcBef>
-                <a:spcPct val="0"/>
-              </a:spcBef>
-              <a:spcAft>
-                <a:spcPct val="0"/>
-              </a:spcAft>
-              <a:defRPr sz="4400">
-                <a:solidFill>
-                  <a:schemeClr val="tx1"/>
-                </a:solidFill>
-                <a:latin typeface="Calibri" pitchFamily="34" charset="0"/>
-              </a:defRPr>
-            </a:lvl9pPr>
-          </a:lstStyle>
-          <a:p>
-            <a:r>
-              <a:rPr lang="es-PE" dirty="0" err="1" smtClean="0">
-                <a:solidFill>
-                  <a:srgbClr val="009A46"/>
-                </a:solidFill>
-              </a:rPr>
-              <a:t>Smells</a:t>
-            </a:r>
-            <a:r>
-              <a:rPr lang="es-PE" dirty="0" smtClean="0">
-                <a:solidFill>
-                  <a:srgbClr val="009A46"/>
-                </a:solidFill>
-              </a:rPr>
-              <a:t> más comunes</a:t>
-            </a:r>
-            <a:endParaRPr lang="es-PE" dirty="0">
-              <a:solidFill>
-                <a:srgbClr val="009A46"/>
-              </a:solidFill>
-            </a:endParaRPr>
-          </a:p>
-        </p:txBody>
-      </p:sp>
-      <p:sp>
-        <p:nvSpPr>
-          <p:cNvPr id="6" name="5 CuadroTexto"/>
-          <p:cNvSpPr txBox="1"/>
-          <p:nvPr/>
-        </p:nvSpPr>
-        <p:spPr>
-          <a:xfrm>
-            <a:off x="669735" y="1844824"/>
-            <a:ext cx="4332917" cy="3416320"/>
-          </a:xfrm>
-          <a:prstGeom prst="rect">
-            <a:avLst/>
-          </a:prstGeom>
-          <a:noFill/>
-        </p:spPr>
-        <p:txBody>
-          <a:bodyPr wrap="none" rtlCol="0">
-            <a:spAutoFit/>
-          </a:bodyPr>
-          <a:lstStyle/>
-          <a:p>
-            <a:pPr marL="457200" indent="-457200">
-              <a:buFont typeface="Arial" pitchFamily="34" charset="0"/>
-              <a:buChar char="•"/>
-            </a:pPr>
-            <a:r>
-              <a:rPr lang="es-PE" sz="3600" dirty="0"/>
-              <a:t>Long </a:t>
-            </a:r>
-            <a:r>
-              <a:rPr lang="es-PE" sz="3600" dirty="0" err="1" smtClean="0"/>
-              <a:t>Method</a:t>
-            </a:r>
-            <a:endParaRPr lang="es-PE" sz="3600" dirty="0" smtClean="0"/>
-          </a:p>
-          <a:p>
-            <a:pPr marL="457200" indent="-457200">
-              <a:buFont typeface="Arial" pitchFamily="34" charset="0"/>
-              <a:buChar char="•"/>
-            </a:pPr>
-            <a:r>
-              <a:rPr lang="es-PE" sz="3600" dirty="0" err="1" smtClean="0"/>
-              <a:t>Duplicated</a:t>
-            </a:r>
-            <a:r>
-              <a:rPr lang="es-PE" sz="3600" dirty="0" smtClean="0"/>
-              <a:t> </a:t>
-            </a:r>
-            <a:r>
-              <a:rPr lang="es-PE" sz="3600" dirty="0" err="1" smtClean="0"/>
-              <a:t>Code</a:t>
-            </a:r>
-            <a:endParaRPr lang="es-PE" sz="3600" dirty="0" smtClean="0"/>
-          </a:p>
-          <a:p>
-            <a:pPr marL="457200" indent="-457200">
-              <a:buFont typeface="Arial" pitchFamily="34" charset="0"/>
-              <a:buChar char="•"/>
-            </a:pPr>
-            <a:r>
-              <a:rPr lang="es-PE" sz="3600" dirty="0" err="1"/>
-              <a:t>Dead</a:t>
-            </a:r>
-            <a:r>
-              <a:rPr lang="es-PE" sz="3600" dirty="0"/>
-              <a:t> </a:t>
-            </a:r>
-            <a:r>
-              <a:rPr lang="es-PE" sz="3600" dirty="0" err="1" smtClean="0"/>
-              <a:t>Code</a:t>
-            </a:r>
-            <a:endParaRPr lang="es-PE" sz="3600" dirty="0" smtClean="0"/>
-          </a:p>
-          <a:p>
-            <a:pPr marL="457200" indent="-457200">
-              <a:buFont typeface="Arial" pitchFamily="34" charset="0"/>
-              <a:buChar char="•"/>
-            </a:pPr>
-            <a:r>
-              <a:rPr lang="es-PE" sz="3600" dirty="0" err="1" smtClean="0"/>
-              <a:t>Comment</a:t>
-            </a:r>
-            <a:endParaRPr lang="es-PE" sz="3600" dirty="0" smtClean="0"/>
-          </a:p>
-          <a:p>
-            <a:pPr marL="457200" indent="-457200">
-              <a:buFont typeface="Arial" pitchFamily="34" charset="0"/>
-              <a:buChar char="•"/>
-            </a:pPr>
-            <a:r>
-              <a:rPr lang="es-PE" sz="3600" dirty="0" err="1" smtClean="0"/>
-              <a:t>Primitive</a:t>
-            </a:r>
-            <a:r>
-              <a:rPr lang="es-PE" sz="3600" dirty="0" smtClean="0"/>
-              <a:t> </a:t>
-            </a:r>
-            <a:r>
-              <a:rPr lang="es-PE" sz="3600" dirty="0" err="1"/>
-              <a:t>Obsession</a:t>
-            </a:r>
-            <a:endParaRPr lang="es-PE" sz="3600" dirty="0"/>
-          </a:p>
-          <a:p>
-            <a:pPr marL="457200" indent="-457200">
-              <a:buFont typeface="Arial" pitchFamily="34" charset="0"/>
-              <a:buChar char="•"/>
-            </a:pPr>
-            <a:r>
-              <a:rPr lang="es-PE" sz="3600" dirty="0" err="1"/>
-              <a:t>Feature</a:t>
-            </a:r>
-            <a:r>
-              <a:rPr lang="es-PE" sz="3600" dirty="0"/>
-              <a:t> </a:t>
-            </a:r>
-            <a:r>
-              <a:rPr lang="es-PE" sz="3600" dirty="0" err="1" smtClean="0"/>
-              <a:t>Envy</a:t>
-            </a:r>
-            <a:endParaRPr lang="es-PE" sz="3600" dirty="0"/>
-          </a:p>
-        </p:txBody>
-      </p:sp>
-      <p:pic>
-        <p:nvPicPr>
-          <p:cNvPr id="7" name="6 Imagen"/>
-          <p:cNvPicPr>
-            <a:picLocks noChangeAspect="1"/>
-          </p:cNvPicPr>
-          <p:nvPr/>
-        </p:nvPicPr>
-        <p:blipFill>
-          <a:blip r:embed="rId2">
-            <a:extLst>
-              <a:ext uri="{BEBA8EAE-BF5A-486C-A8C5-ECC9F3942E4B}">
-                <a14:imgProps xmlns:a14="http://schemas.microsoft.com/office/drawing/2010/main">
-                  <a14:imgLayer r:embed="rId3">
-                    <a14:imgEffect>
-                      <a14:artisticFilmGrain/>
-                    </a14:imgEffect>
-                  </a14:imgLayer>
-                </a14:imgProps>
-              </a:ext>
-              <a:ext uri="{28A0092B-C50C-407E-A947-70E740481C1C}">
-                <a14:useLocalDpi xmlns:a14="http://schemas.microsoft.com/office/drawing/2010/main" val="0"/>
-              </a:ext>
-            </a:extLst>
-          </a:blip>
-          <a:stretch>
-            <a:fillRect/>
-          </a:stretch>
-        </p:blipFill>
-        <p:spPr>
-          <a:xfrm flipH="1">
-            <a:off x="5364088" y="1971658"/>
-            <a:ext cx="3162651" cy="3162651"/>
-          </a:xfrm>
-          <a:prstGeom prst="rect">
-            <a:avLst/>
-          </a:prstGeom>
-        </p:spPr>
-      </p:pic>
-    </p:spTree>
-    <p:extLst>
-      <p:ext uri="{BB962C8B-B14F-4D97-AF65-F5344CB8AC3E}">
-        <p14:creationId xmlns:p14="http://schemas.microsoft.com/office/powerpoint/2010/main" val="877715281"/>
-      </p:ext>
-    </p:extLst>
-  </p:cSld>
-  <p:clrMapOvr>
-    <a:masterClrMapping/>
-  </p:clrMapOvr>
-  <p:timing>
-    <p:tnLst>
-      <p:par>
-        <p:cTn id="1" dur="indefinite" restart="never" nodeType="tmRoot"/>
-      </p:par>
-    </p:tnLst>
-  </p:timing>
-</p:sld>
-</file>
-
-<file path=ppt/slides/slide12.xml><?xml version="1.0" encoding="utf-8"?>
-<p:sld xmlns:a="http://schemas.openxmlformats.org/drawingml/2006/main" xmlns:r="http://schemas.openxmlformats.org/officeDocument/2006/relationships" xmlns:p="http://schemas.openxmlformats.org/presentationml/2006/main">
-  <p:cSld>
-    <p:spTree>
-      <p:nvGrpSpPr>
-        <p:cNvPr id="1" name=""/>
-        <p:cNvGrpSpPr/>
-        <p:nvPr/>
-      </p:nvGrpSpPr>
-      <p:grpSpPr>
-        <a:xfrm>
-          <a:off x="0" y="0"/>
-          <a:ext cx="0" cy="0"/>
-          <a:chOff x="0" y="0"/>
-          <a:chExt cx="0" cy="0"/>
-        </a:xfrm>
-      </p:grpSpPr>
-      <p:sp>
-        <p:nvSpPr>
-          <p:cNvPr id="2" name="1 Título"/>
-          <p:cNvSpPr>
-            <a:spLocks noGrp="1"/>
-          </p:cNvSpPr>
-          <p:nvPr>
-            <p:ph type="title"/>
-          </p:nvPr>
-        </p:nvSpPr>
-        <p:spPr>
-          <a:xfrm>
-            <a:off x="457200" y="125760"/>
-            <a:ext cx="8229600" cy="1143000"/>
-          </a:xfrm>
-        </p:spPr>
-        <p:txBody>
-          <a:bodyPr/>
-          <a:lstStyle/>
-          <a:p>
-            <a:r>
-              <a:rPr lang="es-PE" dirty="0" smtClean="0">
-                <a:solidFill>
-                  <a:srgbClr val="FF0000"/>
-                </a:solidFill>
-              </a:rPr>
-              <a:t>Long </a:t>
-            </a:r>
-            <a:r>
-              <a:rPr lang="es-PE" dirty="0" err="1" smtClean="0">
-                <a:solidFill>
-                  <a:srgbClr val="FF0000"/>
-                </a:solidFill>
-              </a:rPr>
-              <a:t>Method</a:t>
-            </a:r>
-            <a:endParaRPr lang="es-PE" dirty="0">
-              <a:solidFill>
-                <a:srgbClr val="FF0000"/>
-              </a:solidFill>
-            </a:endParaRPr>
-          </a:p>
-        </p:txBody>
-      </p:sp>
-      <p:sp>
-        <p:nvSpPr>
-          <p:cNvPr id="6" name="5 Marcador de contenido"/>
-          <p:cNvSpPr>
-            <a:spLocks noGrp="1"/>
-          </p:cNvSpPr>
-          <p:nvPr>
-            <p:ph idx="1"/>
-          </p:nvPr>
-        </p:nvSpPr>
-        <p:spPr>
-          <a:xfrm>
-            <a:off x="467544" y="5301208"/>
-            <a:ext cx="8182109" cy="1036709"/>
-          </a:xfrm>
-        </p:spPr>
-        <p:txBody>
-          <a:bodyPr/>
-          <a:lstStyle/>
-          <a:p>
-            <a:pPr marL="0" indent="0" algn="ctr">
-              <a:buNone/>
-            </a:pPr>
-            <a:r>
-              <a:rPr lang="es-PE" sz="2800" dirty="0" smtClean="0"/>
-              <a:t>Si uno no puede entender rápidamente que hace un método y como lo hace entonces es un Long </a:t>
-            </a:r>
-            <a:r>
-              <a:rPr lang="es-PE" sz="2800" dirty="0" err="1" smtClean="0"/>
-              <a:t>Method</a:t>
-            </a:r>
-            <a:endParaRPr lang="es-PE" sz="2800" dirty="0"/>
-          </a:p>
-        </p:txBody>
-      </p:sp>
-      <p:sp>
-        <p:nvSpPr>
-          <p:cNvPr id="8" name="5 Marcador de contenido"/>
-          <p:cNvSpPr txBox="1">
-            <a:spLocks/>
-          </p:cNvSpPr>
-          <p:nvPr/>
-        </p:nvSpPr>
-        <p:spPr bwMode="auto">
-          <a:xfrm>
-            <a:off x="416852" y="2564904"/>
-            <a:ext cx="4896544" cy="1152128"/>
-          </a:xfrm>
-          <a:prstGeom prst="rect">
-            <a:avLst/>
-          </a:prstGeom>
-          <a:noFill/>
-          <a:ln w="9525">
-            <a:noFill/>
-            <a:miter lim="800000"/>
-            <a:headEnd/>
-            <a:tailEnd/>
-          </a:ln>
-        </p:spPr>
-        <p:txBody>
-          <a:bodyPr vert="horz" wrap="square" lIns="91440" tIns="45720" rIns="91440" bIns="45720" numCol="1" anchor="t" anchorCtr="0" compatLnSpc="1">
-            <a:prstTxWarp prst="textNoShape">
-              <a:avLst/>
-            </a:prstTxWarp>
-          </a:bodyPr>
-          <a:lstStyle>
-            <a:lvl1pPr marL="342900" indent="-342900" algn="l" rtl="0" eaLnBrk="1" fontAlgn="base" hangingPunct="1">
-              <a:spcBef>
-                <a:spcPct val="20000"/>
-              </a:spcBef>
-              <a:spcAft>
-                <a:spcPct val="0"/>
-              </a:spcAft>
-              <a:buFont typeface="Arial" charset="0"/>
-              <a:buChar char="•"/>
-              <a:defRPr sz="3200" kern="1200">
-                <a:solidFill>
-                  <a:schemeClr val="tx1"/>
-                </a:solidFill>
-                <a:latin typeface="+mn-lt"/>
-                <a:ea typeface="+mn-ea"/>
-                <a:cs typeface="+mn-cs"/>
-              </a:defRPr>
-            </a:lvl1pPr>
-            <a:lvl2pPr marL="742950" indent="-285750" algn="l" rtl="0" eaLnBrk="1" fontAlgn="base" hangingPunct="1">
-              <a:spcBef>
-                <a:spcPct val="20000"/>
-              </a:spcBef>
-              <a:spcAft>
-                <a:spcPct val="0"/>
-              </a:spcAft>
-              <a:buFont typeface="Arial" charset="0"/>
-              <a:buChar char="–"/>
-              <a:defRPr sz="2800" kern="1200">
-                <a:solidFill>
-                  <a:schemeClr val="tx1"/>
-                </a:solidFill>
-                <a:latin typeface="+mn-lt"/>
-                <a:ea typeface="+mn-ea"/>
-                <a:cs typeface="+mn-cs"/>
-              </a:defRPr>
-            </a:lvl2pPr>
-            <a:lvl3pPr marL="1143000" indent="-228600" algn="l" rtl="0" eaLnBrk="1" fontAlgn="base" hangingPunct="1">
-              <a:spcBef>
-                <a:spcPct val="20000"/>
-              </a:spcBef>
-              <a:spcAft>
-                <a:spcPct val="0"/>
-              </a:spcAft>
-              <a:buFont typeface="Arial" charset="0"/>
-              <a:buChar char="•"/>
-              <a:defRPr sz="2400" kern="1200">
-                <a:solidFill>
-                  <a:schemeClr val="tx1"/>
-                </a:solidFill>
-                <a:latin typeface="+mn-lt"/>
-                <a:ea typeface="+mn-ea"/>
-                <a:cs typeface="+mn-cs"/>
-              </a:defRPr>
-            </a:lvl3pPr>
-            <a:lvl4pPr marL="1600200" indent="-228600" algn="l" rtl="0" eaLnBrk="1" fontAlgn="base" hangingPunct="1">
-              <a:spcBef>
-                <a:spcPct val="20000"/>
-              </a:spcBef>
-              <a:spcAft>
-                <a:spcPct val="0"/>
-              </a:spcAft>
-              <a:buFont typeface="Arial" charset="0"/>
-              <a:buChar char="–"/>
-              <a:defRPr sz="2000" kern="1200">
-                <a:solidFill>
-                  <a:schemeClr val="tx1"/>
-                </a:solidFill>
-                <a:latin typeface="+mn-lt"/>
-                <a:ea typeface="+mn-ea"/>
-                <a:cs typeface="+mn-cs"/>
-              </a:defRPr>
-            </a:lvl4pPr>
-            <a:lvl5pPr marL="2057400" indent="-228600" algn="l" rtl="0" eaLnBrk="1" fontAlgn="base" hangingPunct="1">
-              <a:spcBef>
-                <a:spcPct val="20000"/>
-              </a:spcBef>
-              <a:spcAft>
-                <a:spcPct val="0"/>
-              </a:spcAft>
-              <a:buFont typeface="Arial" charset="0"/>
-              <a:buChar char="»"/>
-              <a:defRPr sz="2000" kern="1200">
-                <a:solidFill>
-                  <a:schemeClr val="tx1"/>
-                </a:solidFill>
-                <a:latin typeface="+mn-lt"/>
-                <a:ea typeface="+mn-ea"/>
-                <a:cs typeface="+mn-cs"/>
-              </a:defRPr>
-            </a:lvl5pPr>
-            <a:lvl6pPr marL="2514600" indent="-228600" algn="l" defTabSz="914400" rtl="0" eaLnBrk="1" latinLnBrk="0" hangingPunct="1">
-              <a:spcBef>
-                <a:spcPct val="20000"/>
-              </a:spcBef>
-              <a:buFont typeface="Arial" pitchFamily="34" charset="0"/>
-              <a:buChar char="•"/>
-              <a:defRPr sz="2000" kern="1200">
-                <a:solidFill>
-                  <a:schemeClr val="tx1"/>
-                </a:solidFill>
-                <a:latin typeface="+mn-lt"/>
-                <a:ea typeface="+mn-ea"/>
-                <a:cs typeface="+mn-cs"/>
-              </a:defRPr>
-            </a:lvl6pPr>
-            <a:lvl7pPr marL="2971800" indent="-228600" algn="l" defTabSz="914400" rtl="0" eaLnBrk="1" latinLnBrk="0" hangingPunct="1">
-              <a:spcBef>
-                <a:spcPct val="20000"/>
-              </a:spcBef>
-              <a:buFont typeface="Arial" pitchFamily="34" charset="0"/>
-              <a:buChar char="•"/>
-              <a:defRPr sz="2000" kern="1200">
-                <a:solidFill>
-                  <a:schemeClr val="tx1"/>
-                </a:solidFill>
-                <a:latin typeface="+mn-lt"/>
-                <a:ea typeface="+mn-ea"/>
-                <a:cs typeface="+mn-cs"/>
-              </a:defRPr>
-            </a:lvl7pPr>
-            <a:lvl8pPr marL="3429000" indent="-228600" algn="l" defTabSz="914400" rtl="0" eaLnBrk="1" latinLnBrk="0" hangingPunct="1">
-              <a:spcBef>
-                <a:spcPct val="20000"/>
-              </a:spcBef>
-              <a:buFont typeface="Arial" pitchFamily="34" charset="0"/>
-              <a:buChar char="•"/>
-              <a:defRPr sz="2000" kern="1200">
-                <a:solidFill>
-                  <a:schemeClr val="tx1"/>
-                </a:solidFill>
-                <a:latin typeface="+mn-lt"/>
-                <a:ea typeface="+mn-ea"/>
-                <a:cs typeface="+mn-cs"/>
-              </a:defRPr>
-            </a:lvl8pPr>
-            <a:lvl9pPr marL="3886200" indent="-228600" algn="l" defTabSz="914400" rtl="0" eaLnBrk="1" latinLnBrk="0" hangingPunct="1">
-              <a:spcBef>
-                <a:spcPct val="20000"/>
-              </a:spcBef>
-              <a:buFont typeface="Arial" pitchFamily="34" charset="0"/>
-              <a:buChar char="•"/>
-              <a:defRPr sz="2000" kern="1200">
-                <a:solidFill>
-                  <a:schemeClr val="tx1"/>
-                </a:solidFill>
-                <a:latin typeface="+mn-lt"/>
-                <a:ea typeface="+mn-ea"/>
-                <a:cs typeface="+mn-cs"/>
-              </a:defRPr>
-            </a:lvl9pPr>
-          </a:lstStyle>
-          <a:p>
-            <a:pPr marL="0" indent="0" algn="ctr">
-              <a:buFont typeface="Arial" charset="0"/>
-              <a:buNone/>
-            </a:pPr>
-            <a:r>
-              <a:rPr lang="es-PE" sz="2800" dirty="0" smtClean="0">
-                <a:solidFill>
-                  <a:srgbClr val="FFC000"/>
-                </a:solidFill>
-              </a:rPr>
-              <a:t>Un método muy largo también es difícil de digerir</a:t>
-            </a:r>
-            <a:endParaRPr lang="es-PE" sz="2800" dirty="0">
-              <a:solidFill>
-                <a:srgbClr val="FFC000"/>
-              </a:solidFill>
-            </a:endParaRPr>
-          </a:p>
-        </p:txBody>
-      </p:sp>
-      <p:pic>
-        <p:nvPicPr>
-          <p:cNvPr id="4" name="3 Imagen"/>
-          <p:cNvPicPr>
-            <a:picLocks noChangeAspect="1"/>
-          </p:cNvPicPr>
-          <p:nvPr/>
-        </p:nvPicPr>
-        <p:blipFill rotWithShape="1">
-          <a:blip r:embed="rId2">
-            <a:extLst>
-              <a:ext uri="{28A0092B-C50C-407E-A947-70E740481C1C}">
-                <a14:useLocalDpi xmlns:a14="http://schemas.microsoft.com/office/drawing/2010/main" val="0"/>
-              </a:ext>
-            </a:extLst>
-          </a:blip>
-          <a:srcRect b="8895"/>
-          <a:stretch/>
-        </p:blipFill>
-        <p:spPr>
-          <a:xfrm>
-            <a:off x="5661187" y="1397000"/>
-            <a:ext cx="2743200" cy="3702482"/>
-          </a:xfrm>
-          <a:prstGeom prst="rect">
-            <a:avLst/>
-          </a:prstGeom>
-        </p:spPr>
-      </p:pic>
-    </p:spTree>
-    <p:extLst>
-      <p:ext uri="{BB962C8B-B14F-4D97-AF65-F5344CB8AC3E}">
-        <p14:creationId xmlns:p14="http://schemas.microsoft.com/office/powerpoint/2010/main" val="2261381452"/>
-      </p:ext>
-    </p:extLst>
-  </p:cSld>
-  <p:clrMapOvr>
-    <a:masterClrMapping/>
-  </p:clrMapOvr>
-  <p:timing>
-    <p:tnLst>
-      <p:par>
-        <p:cTn id="1" dur="indefinite" restart="never" nodeType="tmRoot"/>
-      </p:par>
-    </p:tnLst>
-  </p:timing>
-</p:sld>
-</file>
-
-<file path=ppt/slides/slide13.xml><?xml version="1.0" encoding="utf-8"?>
-<p:sld xmlns:a="http://schemas.openxmlformats.org/drawingml/2006/main" xmlns:r="http://schemas.openxmlformats.org/officeDocument/2006/relationships" xmlns:p="http://schemas.openxmlformats.org/presentationml/2006/main">
-  <p:cSld>
-    <p:spTree>
-      <p:nvGrpSpPr>
-        <p:cNvPr id="1" name=""/>
-        <p:cNvGrpSpPr/>
-        <p:nvPr/>
-      </p:nvGrpSpPr>
-      <p:grpSpPr>
-        <a:xfrm>
-          <a:off x="0" y="0"/>
-          <a:ext cx="0" cy="0"/>
-          <a:chOff x="0" y="0"/>
-          <a:chExt cx="0" cy="0"/>
-        </a:xfrm>
-      </p:grpSpPr>
-      <p:sp>
-        <p:nvSpPr>
-          <p:cNvPr id="2" name="1 Título"/>
-          <p:cNvSpPr>
-            <a:spLocks noGrp="1"/>
-          </p:cNvSpPr>
-          <p:nvPr>
-            <p:ph type="title"/>
-          </p:nvPr>
-        </p:nvSpPr>
-        <p:spPr/>
-        <p:txBody>
-          <a:bodyPr/>
-          <a:lstStyle/>
-          <a:p>
-            <a:r>
-              <a:rPr lang="es-PE" dirty="0" smtClean="0">
-                <a:solidFill>
-                  <a:srgbClr val="FF0000"/>
-                </a:solidFill>
-              </a:rPr>
-              <a:t>Problemas del Long </a:t>
-            </a:r>
-            <a:r>
-              <a:rPr lang="es-PE" dirty="0" err="1" smtClean="0">
-                <a:solidFill>
-                  <a:srgbClr val="FF0000"/>
-                </a:solidFill>
-              </a:rPr>
-              <a:t>Method</a:t>
-            </a:r>
-            <a:endParaRPr lang="es-PE" dirty="0">
-              <a:solidFill>
-                <a:srgbClr val="FF0000"/>
-              </a:solidFill>
-            </a:endParaRPr>
-          </a:p>
-        </p:txBody>
-      </p:sp>
-      <p:sp>
-        <p:nvSpPr>
-          <p:cNvPr id="3" name="2 Marcador de contenido"/>
-          <p:cNvSpPr>
-            <a:spLocks noGrp="1"/>
-          </p:cNvSpPr>
-          <p:nvPr>
-            <p:ph idx="1"/>
-          </p:nvPr>
-        </p:nvSpPr>
-        <p:spPr>
-          <a:xfrm>
-            <a:off x="457200" y="1600203"/>
-            <a:ext cx="8219256" cy="4637109"/>
-          </a:xfrm>
-        </p:spPr>
-        <p:txBody>
-          <a:bodyPr/>
-          <a:lstStyle/>
-          <a:p>
-            <a:r>
-              <a:rPr lang="es-PE" dirty="0" smtClean="0">
-                <a:solidFill>
-                  <a:srgbClr val="FFC000"/>
-                </a:solidFill>
-              </a:rPr>
-              <a:t>Poco Entendible: </a:t>
-            </a:r>
-            <a:r>
-              <a:rPr lang="es-PE" dirty="0" smtClean="0"/>
-              <a:t>Los métodos más cortos son más fáciles de entender.</a:t>
-            </a:r>
-          </a:p>
-          <a:p>
-            <a:pPr marL="0" indent="0">
-              <a:buNone/>
-            </a:pPr>
-            <a:endParaRPr lang="es-PE" dirty="0" smtClean="0"/>
-          </a:p>
-          <a:p>
-            <a:r>
-              <a:rPr lang="es-PE" dirty="0" smtClean="0">
-                <a:solidFill>
-                  <a:srgbClr val="FFC000"/>
-                </a:solidFill>
-              </a:rPr>
-              <a:t>Difícil de Reutilizar: </a:t>
-            </a:r>
-            <a:r>
-              <a:rPr lang="es-PE" dirty="0" smtClean="0"/>
-              <a:t>Los métodos más cortos permiten reutilizar funcionalidad más fácilmente.</a:t>
-            </a:r>
-          </a:p>
-          <a:p>
-            <a:endParaRPr lang="es-PE" dirty="0" smtClean="0">
-              <a:solidFill>
-                <a:srgbClr val="FFC000"/>
-              </a:solidFill>
-            </a:endParaRPr>
-          </a:p>
-        </p:txBody>
-      </p:sp>
-    </p:spTree>
-    <p:extLst>
-      <p:ext uri="{BB962C8B-B14F-4D97-AF65-F5344CB8AC3E}">
-        <p14:creationId xmlns:p14="http://schemas.microsoft.com/office/powerpoint/2010/main" val="2850191198"/>
-      </p:ext>
-    </p:extLst>
-  </p:cSld>
-  <p:clrMapOvr>
-    <a:masterClrMapping/>
-  </p:clrMapOvr>
-  <p:timing>
-    <p:tnLst>
-      <p:par>
-        <p:cTn id="1" dur="indefinite" restart="never" nodeType="tmRoot"/>
-      </p:par>
-    </p:tnLst>
-  </p:timing>
-</p:sld>
-</file>
-
-<file path=ppt/slides/slide14.xml><?xml version="1.0" encoding="utf-8"?>
-<p:sld xmlns:a="http://schemas.openxmlformats.org/drawingml/2006/main" xmlns:r="http://schemas.openxmlformats.org/officeDocument/2006/relationships" xmlns:p="http://schemas.openxmlformats.org/presentationml/2006/main">
-  <p:cSld>
-    <p:spTree>
-      <p:nvGrpSpPr>
-        <p:cNvPr id="1" name=""/>
-        <p:cNvGrpSpPr/>
-        <p:nvPr/>
-      </p:nvGrpSpPr>
-      <p:grpSpPr>
-        <a:xfrm>
-          <a:off x="0" y="0"/>
-          <a:ext cx="0" cy="0"/>
-          <a:chOff x="0" y="0"/>
-          <a:chExt cx="0" cy="0"/>
-        </a:xfrm>
-      </p:grpSpPr>
-      <p:sp>
-        <p:nvSpPr>
-          <p:cNvPr id="2" name="1 Título"/>
-          <p:cNvSpPr>
-            <a:spLocks noGrp="1"/>
-          </p:cNvSpPr>
-          <p:nvPr>
-            <p:ph type="title"/>
-          </p:nvPr>
-        </p:nvSpPr>
-        <p:spPr/>
-        <p:txBody>
-          <a:bodyPr/>
-          <a:lstStyle/>
-          <a:p>
-            <a:r>
-              <a:rPr lang="es-PE" dirty="0" err="1" smtClean="0">
-                <a:solidFill>
-                  <a:srgbClr val="FF0000"/>
-                </a:solidFill>
-              </a:rPr>
-              <a:t>Duplicate</a:t>
-            </a:r>
-            <a:r>
-              <a:rPr lang="es-PE" dirty="0" smtClean="0">
-                <a:solidFill>
-                  <a:srgbClr val="FF0000"/>
-                </a:solidFill>
-              </a:rPr>
-              <a:t> </a:t>
-            </a:r>
-            <a:r>
-              <a:rPr lang="es-PE" dirty="0" err="1" smtClean="0">
-                <a:solidFill>
-                  <a:srgbClr val="FF0000"/>
-                </a:solidFill>
-              </a:rPr>
-              <a:t>Code</a:t>
-            </a:r>
-            <a:endParaRPr lang="es-PE" dirty="0">
-              <a:solidFill>
-                <a:srgbClr val="FF0000"/>
-              </a:solidFill>
-            </a:endParaRPr>
-          </a:p>
-        </p:txBody>
-      </p:sp>
-      <p:sp>
-        <p:nvSpPr>
-          <p:cNvPr id="4" name="3 Rectángulo"/>
-          <p:cNvSpPr/>
-          <p:nvPr/>
-        </p:nvSpPr>
-        <p:spPr>
-          <a:xfrm>
-            <a:off x="574412" y="4509120"/>
-            <a:ext cx="8064896" cy="1815882"/>
-          </a:xfrm>
-          <a:prstGeom prst="rect">
-            <a:avLst/>
-          </a:prstGeom>
-        </p:spPr>
-        <p:txBody>
-          <a:bodyPr wrap="square">
-            <a:spAutoFit/>
-          </a:bodyPr>
-          <a:lstStyle/>
-          <a:p>
-            <a:pPr marL="457200" indent="-457200">
-              <a:buFont typeface="Arial" pitchFamily="34" charset="0"/>
-              <a:buChar char="•"/>
-            </a:pPr>
-            <a:r>
-              <a:rPr lang="es-PE" sz="2800" dirty="0" err="1" smtClean="0">
-                <a:solidFill>
-                  <a:srgbClr val="FF0000"/>
-                </a:solidFill>
-              </a:rPr>
-              <a:t>Blatant</a:t>
-            </a:r>
-            <a:r>
-              <a:rPr lang="es-PE" sz="2800" dirty="0" smtClean="0">
-                <a:solidFill>
-                  <a:srgbClr val="FF0000"/>
-                </a:solidFill>
-              </a:rPr>
-              <a:t>: </a:t>
-            </a:r>
-            <a:r>
-              <a:rPr lang="es-PE" sz="2800" dirty="0" smtClean="0"/>
-              <a:t>Exactamente el mismo código se encuentra en más de un lugar.</a:t>
-            </a:r>
-          </a:p>
-          <a:p>
-            <a:pPr marL="457200" indent="-457200">
-              <a:buFont typeface="Arial" pitchFamily="34" charset="0"/>
-              <a:buChar char="•"/>
-            </a:pPr>
-            <a:r>
-              <a:rPr lang="es-PE" sz="2800" dirty="0" err="1" smtClean="0">
-                <a:solidFill>
-                  <a:srgbClr val="FF0000"/>
-                </a:solidFill>
-              </a:rPr>
-              <a:t>Subtle</a:t>
-            </a:r>
-            <a:r>
-              <a:rPr lang="es-PE" sz="2800" dirty="0" smtClean="0">
-                <a:solidFill>
-                  <a:srgbClr val="FF0000"/>
-                </a:solidFill>
-              </a:rPr>
-              <a:t>: </a:t>
-            </a:r>
-            <a:r>
-              <a:rPr lang="es-PE" sz="2800" dirty="0" smtClean="0"/>
-              <a:t>Código diferente pero que realizar un comportamiento similar</a:t>
-            </a:r>
-            <a:endParaRPr lang="es-PE" sz="2800" dirty="0"/>
-          </a:p>
-        </p:txBody>
-      </p:sp>
-      <p:sp>
-        <p:nvSpPr>
-          <p:cNvPr id="6" name="5 Marcador de contenido"/>
-          <p:cNvSpPr>
-            <a:spLocks noGrp="1"/>
-          </p:cNvSpPr>
-          <p:nvPr>
-            <p:ph idx="1"/>
-          </p:nvPr>
-        </p:nvSpPr>
-        <p:spPr>
-          <a:xfrm>
-            <a:off x="251520" y="1974266"/>
-            <a:ext cx="4959425" cy="1756789"/>
-          </a:xfrm>
-        </p:spPr>
-        <p:txBody>
-          <a:bodyPr/>
-          <a:lstStyle/>
-          <a:p>
-            <a:pPr marL="0" indent="0" algn="ctr">
-              <a:buNone/>
-            </a:pPr>
-            <a:r>
-              <a:rPr lang="es-PE" sz="2800" dirty="0" smtClean="0"/>
-              <a:t>Si vemos la misma estructura de código en más de un lugar, ten la seguridad que tu programa mejorará si las unificas.</a:t>
-            </a:r>
-            <a:endParaRPr lang="es-PE" sz="2800" dirty="0"/>
-          </a:p>
-        </p:txBody>
-      </p:sp>
-      <p:pic>
-        <p:nvPicPr>
-          <p:cNvPr id="7" name="6 Imagen"/>
-          <p:cNvPicPr>
-            <a:picLocks noChangeAspect="1"/>
-          </p:cNvPicPr>
-          <p:nvPr/>
-        </p:nvPicPr>
-        <p:blipFill>
-          <a:blip r:embed="rId2">
-            <a:extLst>
-              <a:ext uri="{28A0092B-C50C-407E-A947-70E740481C1C}">
-                <a14:useLocalDpi xmlns:a14="http://schemas.microsoft.com/office/drawing/2010/main" val="0"/>
-              </a:ext>
-            </a:extLst>
-          </a:blip>
-          <a:stretch>
-            <a:fillRect/>
-          </a:stretch>
-        </p:blipFill>
-        <p:spPr>
-          <a:xfrm>
-            <a:off x="5416624" y="1556792"/>
-            <a:ext cx="3397809" cy="2591739"/>
-          </a:xfrm>
-          <a:prstGeom prst="rect">
-            <a:avLst/>
-          </a:prstGeom>
-        </p:spPr>
-      </p:pic>
-    </p:spTree>
-    <p:extLst>
-      <p:ext uri="{BB962C8B-B14F-4D97-AF65-F5344CB8AC3E}">
-        <p14:creationId xmlns:p14="http://schemas.microsoft.com/office/powerpoint/2010/main" val="3891486601"/>
-      </p:ext>
-    </p:extLst>
-  </p:cSld>
-  <p:clrMapOvr>
-    <a:masterClrMapping/>
-  </p:clrMapOvr>
-  <p:timing>
-    <p:tnLst>
-      <p:par>
-        <p:cTn id="1" dur="indefinite" restart="never" nodeType="tmRoot"/>
-      </p:par>
-    </p:tnLst>
-  </p:timing>
-</p:sld>
-</file>
-
-<file path=ppt/slides/slide15.xml><?xml version="1.0" encoding="utf-8"?>
-<p:sld xmlns:a="http://schemas.openxmlformats.org/drawingml/2006/main" xmlns:r="http://schemas.openxmlformats.org/officeDocument/2006/relationships" xmlns:p="http://schemas.openxmlformats.org/presentationml/2006/main">
-  <p:cSld>
-    <p:spTree>
-      <p:nvGrpSpPr>
-        <p:cNvPr id="1" name=""/>
-        <p:cNvGrpSpPr/>
-        <p:nvPr/>
-      </p:nvGrpSpPr>
-      <p:grpSpPr>
-        <a:xfrm>
-          <a:off x="0" y="0"/>
-          <a:ext cx="0" cy="0"/>
-          <a:chOff x="0" y="0"/>
-          <a:chExt cx="0" cy="0"/>
-        </a:xfrm>
-      </p:grpSpPr>
-      <p:sp>
-        <p:nvSpPr>
-          <p:cNvPr id="2" name="1 Título"/>
-          <p:cNvSpPr>
-            <a:spLocks noGrp="1"/>
-          </p:cNvSpPr>
-          <p:nvPr>
-            <p:ph type="title"/>
-          </p:nvPr>
-        </p:nvSpPr>
-        <p:spPr/>
-        <p:txBody>
-          <a:bodyPr/>
-          <a:lstStyle/>
-          <a:p>
-            <a:r>
-              <a:rPr lang="es-PE" dirty="0" smtClean="0">
-                <a:solidFill>
-                  <a:srgbClr val="FF0000"/>
-                </a:solidFill>
-              </a:rPr>
-              <a:t>Problemas del </a:t>
-            </a:r>
-            <a:r>
-              <a:rPr lang="es-PE" dirty="0" err="1" smtClean="0">
-                <a:solidFill>
-                  <a:srgbClr val="FF0000"/>
-                </a:solidFill>
-              </a:rPr>
-              <a:t>Duplicate</a:t>
-            </a:r>
-            <a:r>
-              <a:rPr lang="es-PE" dirty="0" smtClean="0">
-                <a:solidFill>
-                  <a:srgbClr val="FF0000"/>
-                </a:solidFill>
-              </a:rPr>
-              <a:t> </a:t>
-            </a:r>
-            <a:r>
-              <a:rPr lang="es-PE" dirty="0" err="1" smtClean="0">
-                <a:solidFill>
-                  <a:srgbClr val="FF0000"/>
-                </a:solidFill>
-              </a:rPr>
-              <a:t>Code</a:t>
-            </a:r>
-            <a:endParaRPr lang="es-PE" dirty="0">
-              <a:solidFill>
-                <a:srgbClr val="FF0000"/>
-              </a:solidFill>
-            </a:endParaRPr>
-          </a:p>
-        </p:txBody>
-      </p:sp>
-      <p:sp>
-        <p:nvSpPr>
-          <p:cNvPr id="3" name="2 Marcador de contenido"/>
-          <p:cNvSpPr>
-            <a:spLocks noGrp="1"/>
-          </p:cNvSpPr>
-          <p:nvPr>
-            <p:ph idx="1"/>
-          </p:nvPr>
-        </p:nvSpPr>
-        <p:spPr>
-          <a:xfrm>
-            <a:off x="457200" y="1600203"/>
-            <a:ext cx="8219256" cy="4637109"/>
-          </a:xfrm>
-        </p:spPr>
-        <p:txBody>
-          <a:bodyPr/>
-          <a:lstStyle/>
-          <a:p>
-            <a:r>
-              <a:rPr lang="es-PE" dirty="0" smtClean="0">
-                <a:solidFill>
-                  <a:srgbClr val="FFC000"/>
-                </a:solidFill>
-              </a:rPr>
-              <a:t> </a:t>
-            </a:r>
-            <a:r>
-              <a:rPr lang="es-PE" dirty="0">
-                <a:solidFill>
-                  <a:srgbClr val="FFC000"/>
-                </a:solidFill>
-              </a:rPr>
-              <a:t>Aumenta la complejidad: </a:t>
-            </a:r>
-            <a:r>
-              <a:rPr lang="es-PE" dirty="0"/>
-              <a:t>Incrementa el tamaño del código base lo que lo hace más difícil </a:t>
-            </a:r>
-            <a:r>
-              <a:rPr lang="es-PE" dirty="0" smtClean="0"/>
-              <a:t>de </a:t>
-            </a:r>
-            <a:r>
-              <a:rPr lang="es-PE" dirty="0"/>
-              <a:t>comprender y mantener</a:t>
-            </a:r>
-            <a:r>
-              <a:rPr lang="es-PE" dirty="0" smtClean="0"/>
-              <a:t>.</a:t>
-            </a:r>
-          </a:p>
-          <a:p>
-            <a:endParaRPr lang="es-PE" dirty="0"/>
-          </a:p>
-          <a:p>
-            <a:r>
-              <a:rPr lang="es-PE" dirty="0" smtClean="0">
-                <a:solidFill>
-                  <a:srgbClr val="FFC000"/>
-                </a:solidFill>
-              </a:rPr>
-              <a:t>Propenso a defectos</a:t>
-            </a:r>
-            <a:r>
-              <a:rPr lang="es-PE" dirty="0">
-                <a:solidFill>
-                  <a:srgbClr val="FFC000"/>
-                </a:solidFill>
-              </a:rPr>
-              <a:t>: </a:t>
-            </a:r>
-            <a:r>
-              <a:rPr lang="es-PE" dirty="0"/>
-              <a:t>Cuando se arregla o mejora el código duplicado, generalmente se olvida de hacerlo en todas sus ocurrencias</a:t>
-            </a:r>
-            <a:r>
-              <a:rPr lang="es-PE" dirty="0" smtClean="0"/>
-              <a:t>.</a:t>
-            </a:r>
-            <a:endParaRPr lang="es-PE" dirty="0"/>
-          </a:p>
-        </p:txBody>
-      </p:sp>
-    </p:spTree>
-    <p:extLst>
-      <p:ext uri="{BB962C8B-B14F-4D97-AF65-F5344CB8AC3E}">
-        <p14:creationId xmlns:p14="http://schemas.microsoft.com/office/powerpoint/2010/main" val="1443811657"/>
-      </p:ext>
-    </p:extLst>
-  </p:cSld>
-  <p:clrMapOvr>
-    <a:masterClrMapping/>
-  </p:clrMapOvr>
-  <p:timing>
-    <p:tnLst>
-      <p:par>
-        <p:cTn id="1" dur="indefinite" restart="never" nodeType="tmRoot"/>
-      </p:par>
-    </p:tnLst>
-  </p:timing>
-</p:sld>
-</file>
-
-<file path=ppt/slides/slide16.xml><?xml version="1.0" encoding="utf-8"?>
-<p:sld xmlns:a="http://schemas.openxmlformats.org/drawingml/2006/main" xmlns:r="http://schemas.openxmlformats.org/officeDocument/2006/relationships" xmlns:p="http://schemas.openxmlformats.org/presentationml/2006/main">
-  <p:cSld>
-    <p:spTree>
-      <p:nvGrpSpPr>
-        <p:cNvPr id="1" name=""/>
-        <p:cNvGrpSpPr/>
-        <p:nvPr/>
-      </p:nvGrpSpPr>
-      <p:grpSpPr>
-        <a:xfrm>
-          <a:off x="0" y="0"/>
-          <a:ext cx="0" cy="0"/>
-          <a:chOff x="0" y="0"/>
-          <a:chExt cx="0" cy="0"/>
-        </a:xfrm>
-      </p:grpSpPr>
-      <p:sp>
-        <p:nvSpPr>
-          <p:cNvPr id="2" name="1 Título"/>
-          <p:cNvSpPr>
-            <a:spLocks noGrp="1"/>
-          </p:cNvSpPr>
-          <p:nvPr>
-            <p:ph type="title"/>
-          </p:nvPr>
-        </p:nvSpPr>
-        <p:spPr/>
-        <p:txBody>
-          <a:bodyPr/>
-          <a:lstStyle/>
-          <a:p>
-            <a:r>
-              <a:rPr lang="es-PE" dirty="0" err="1">
-                <a:solidFill>
-                  <a:srgbClr val="FF0000"/>
-                </a:solidFill>
-              </a:rPr>
-              <a:t>Dead</a:t>
-            </a:r>
-            <a:r>
-              <a:rPr lang="es-PE" dirty="0">
-                <a:solidFill>
-                  <a:srgbClr val="009A46"/>
-                </a:solidFill>
-              </a:rPr>
-              <a:t> </a:t>
-            </a:r>
-            <a:r>
-              <a:rPr lang="es-PE" dirty="0" err="1">
-                <a:solidFill>
-                  <a:srgbClr val="FF0000"/>
-                </a:solidFill>
-              </a:rPr>
-              <a:t>Code</a:t>
-            </a:r>
-            <a:endParaRPr lang="es-PE" dirty="0">
-              <a:solidFill>
-                <a:srgbClr val="FF0000"/>
-              </a:solidFill>
-            </a:endParaRPr>
-          </a:p>
-        </p:txBody>
-      </p:sp>
-      <p:sp>
-        <p:nvSpPr>
-          <p:cNvPr id="3" name="2 Marcador de contenido"/>
-          <p:cNvSpPr>
-            <a:spLocks noGrp="1"/>
-          </p:cNvSpPr>
-          <p:nvPr>
-            <p:ph idx="1"/>
-          </p:nvPr>
-        </p:nvSpPr>
-        <p:spPr>
-          <a:xfrm>
-            <a:off x="323528" y="1844824"/>
-            <a:ext cx="5752822" cy="2376264"/>
-          </a:xfrm>
-        </p:spPr>
-        <p:txBody>
-          <a:bodyPr/>
-          <a:lstStyle/>
-          <a:p>
-            <a:pPr marL="0" indent="0" algn="ctr">
-              <a:buNone/>
-            </a:pPr>
-            <a:r>
-              <a:rPr lang="es-PE" sz="2800" dirty="0" smtClean="0">
-                <a:solidFill>
-                  <a:srgbClr val="FFC000"/>
-                </a:solidFill>
-              </a:rPr>
-              <a:t>Todos enterramos a nuestras mascotas si estas sufren un triste final.</a:t>
-            </a:r>
-          </a:p>
-          <a:p>
-            <a:pPr marL="0" indent="0" algn="ctr">
-              <a:buNone/>
-            </a:pPr>
-            <a:r>
-              <a:rPr lang="es-PE" sz="2800" dirty="0" smtClean="0">
-                <a:solidFill>
-                  <a:srgbClr val="FFC000"/>
-                </a:solidFill>
-              </a:rPr>
-              <a:t> </a:t>
-            </a:r>
-            <a:br>
-              <a:rPr lang="es-PE" sz="2800" dirty="0" smtClean="0">
-                <a:solidFill>
-                  <a:srgbClr val="FFC000"/>
-                </a:solidFill>
-              </a:rPr>
-            </a:br>
-            <a:r>
-              <a:rPr lang="es-PE" sz="2800" dirty="0" smtClean="0">
-                <a:solidFill>
-                  <a:srgbClr val="FFC000"/>
-                </a:solidFill>
-              </a:rPr>
-              <a:t>¿Porqué no hacemos lo mismo con nuestro código si ya no es utilizado ?</a:t>
-            </a:r>
-          </a:p>
-        </p:txBody>
-      </p:sp>
-      <p:sp>
-        <p:nvSpPr>
-          <p:cNvPr id="4" name="3 Rectángulo"/>
-          <p:cNvSpPr/>
-          <p:nvPr/>
-        </p:nvSpPr>
-        <p:spPr>
-          <a:xfrm>
-            <a:off x="599952" y="5085184"/>
-            <a:ext cx="8064896" cy="954107"/>
-          </a:xfrm>
-          <a:prstGeom prst="rect">
-            <a:avLst/>
-          </a:prstGeom>
-        </p:spPr>
-        <p:txBody>
-          <a:bodyPr wrap="square">
-            <a:spAutoFit/>
-          </a:bodyPr>
-          <a:lstStyle/>
-          <a:p>
-            <a:pPr algn="ctr"/>
-            <a:r>
-              <a:rPr lang="es-PE" sz="2800" dirty="0"/>
-              <a:t>Al código que nunca más es usado en nuestro sistema se denomina </a:t>
-            </a:r>
-            <a:r>
-              <a:rPr lang="es-PE" sz="2800" dirty="0" err="1"/>
-              <a:t>Dean</a:t>
-            </a:r>
-            <a:r>
-              <a:rPr lang="es-PE" sz="2800" dirty="0"/>
-              <a:t> </a:t>
-            </a:r>
-            <a:r>
-              <a:rPr lang="es-PE" sz="2800" dirty="0" err="1"/>
-              <a:t>Code</a:t>
-            </a:r>
-            <a:r>
-              <a:rPr lang="es-PE" sz="2800" dirty="0"/>
-              <a:t>.</a:t>
-            </a:r>
-          </a:p>
-        </p:txBody>
-      </p:sp>
-      <p:pic>
-        <p:nvPicPr>
-          <p:cNvPr id="5" name="4 Imagen"/>
-          <p:cNvPicPr>
-            <a:picLocks noChangeAspect="1"/>
-          </p:cNvPicPr>
-          <p:nvPr/>
-        </p:nvPicPr>
-        <p:blipFill>
-          <a:blip r:embed="rId2">
-            <a:extLst>
-              <a:ext uri="{28A0092B-C50C-407E-A947-70E740481C1C}">
-                <a14:useLocalDpi xmlns:a14="http://schemas.microsoft.com/office/drawing/2010/main" val="0"/>
-              </a:ext>
-            </a:extLst>
-          </a:blip>
-          <a:stretch>
-            <a:fillRect/>
-          </a:stretch>
-        </p:blipFill>
-        <p:spPr>
-          <a:xfrm>
-            <a:off x="6220366" y="1556792"/>
-            <a:ext cx="2444482" cy="3240360"/>
-          </a:xfrm>
-          <a:prstGeom prst="rect">
-            <a:avLst/>
-          </a:prstGeom>
-        </p:spPr>
-      </p:pic>
-    </p:spTree>
-    <p:extLst>
-      <p:ext uri="{BB962C8B-B14F-4D97-AF65-F5344CB8AC3E}">
-        <p14:creationId xmlns:p14="http://schemas.microsoft.com/office/powerpoint/2010/main" val="1647681756"/>
-      </p:ext>
-    </p:extLst>
-  </p:cSld>
-  <p:clrMapOvr>
-    <a:masterClrMapping/>
-  </p:clrMapOvr>
-  <p:timing>
-    <p:tnLst>
-      <p:par>
-        <p:cTn id="1" dur="indefinite" restart="never" nodeType="tmRoot"/>
-      </p:par>
-    </p:tnLst>
-  </p:timing>
-</p:sld>
-</file>
-
-<file path=ppt/slides/slide17.xml><?xml version="1.0" encoding="utf-8"?>
-<p:sld xmlns:a="http://schemas.openxmlformats.org/drawingml/2006/main" xmlns:r="http://schemas.openxmlformats.org/officeDocument/2006/relationships" xmlns:p="http://schemas.openxmlformats.org/presentationml/2006/main">
-  <p:cSld>
-    <p:spTree>
-      <p:nvGrpSpPr>
-        <p:cNvPr id="1" name=""/>
-        <p:cNvGrpSpPr/>
-        <p:nvPr/>
-      </p:nvGrpSpPr>
-      <p:grpSpPr>
-        <a:xfrm>
-          <a:off x="0" y="0"/>
-          <a:ext cx="0" cy="0"/>
-          <a:chOff x="0" y="0"/>
-          <a:chExt cx="0" cy="0"/>
-        </a:xfrm>
-      </p:grpSpPr>
-      <p:sp>
-        <p:nvSpPr>
-          <p:cNvPr id="2" name="1 Título"/>
-          <p:cNvSpPr>
-            <a:spLocks noGrp="1"/>
-          </p:cNvSpPr>
-          <p:nvPr>
-            <p:ph type="title"/>
-          </p:nvPr>
-        </p:nvSpPr>
-        <p:spPr/>
-        <p:txBody>
-          <a:bodyPr/>
-          <a:lstStyle/>
-          <a:p>
-            <a:r>
-              <a:rPr lang="es-PE" dirty="0" smtClean="0">
-                <a:solidFill>
-                  <a:srgbClr val="FF0000"/>
-                </a:solidFill>
-              </a:rPr>
-              <a:t>Problemas del </a:t>
-            </a:r>
-            <a:r>
-              <a:rPr lang="es-PE" dirty="0" err="1" smtClean="0">
-                <a:solidFill>
-                  <a:srgbClr val="FF0000"/>
-                </a:solidFill>
-              </a:rPr>
-              <a:t>Dead</a:t>
-            </a:r>
-            <a:r>
-              <a:rPr lang="es-PE" dirty="0" smtClean="0">
-                <a:solidFill>
-                  <a:srgbClr val="FF0000"/>
-                </a:solidFill>
-              </a:rPr>
-              <a:t> </a:t>
-            </a:r>
-            <a:r>
-              <a:rPr lang="es-PE" dirty="0" err="1" smtClean="0">
-                <a:solidFill>
-                  <a:srgbClr val="FF0000"/>
-                </a:solidFill>
-              </a:rPr>
-              <a:t>Code</a:t>
-            </a:r>
-            <a:endParaRPr lang="es-PE" dirty="0">
-              <a:solidFill>
-                <a:srgbClr val="FF0000"/>
-              </a:solidFill>
-            </a:endParaRPr>
-          </a:p>
-        </p:txBody>
-      </p:sp>
-      <p:sp>
-        <p:nvSpPr>
-          <p:cNvPr id="3" name="2 Marcador de contenido"/>
-          <p:cNvSpPr>
-            <a:spLocks noGrp="1"/>
-          </p:cNvSpPr>
-          <p:nvPr>
-            <p:ph idx="1"/>
-          </p:nvPr>
-        </p:nvSpPr>
-        <p:spPr>
-          <a:xfrm>
-            <a:off x="457200" y="1600203"/>
-            <a:ext cx="8219256" cy="4637109"/>
-          </a:xfrm>
-        </p:spPr>
-        <p:txBody>
-          <a:bodyPr/>
-          <a:lstStyle/>
-          <a:p>
-            <a:r>
-              <a:rPr lang="es-PE" dirty="0" smtClean="0">
-                <a:solidFill>
-                  <a:srgbClr val="FFC000"/>
-                </a:solidFill>
-              </a:rPr>
-              <a:t> Aumenta la complejidad: </a:t>
-            </a:r>
-            <a:r>
-              <a:rPr lang="es-PE" dirty="0" smtClean="0"/>
-              <a:t>Incrementa el tamaño del código base lo que lo hace más difícil de comprender y mantener.</a:t>
-            </a:r>
-          </a:p>
-          <a:p>
-            <a:pPr marL="0" indent="0">
-              <a:buNone/>
-            </a:pPr>
-            <a:endParaRPr lang="es-PE" dirty="0" smtClean="0"/>
-          </a:p>
-          <a:p>
-            <a:r>
-              <a:rPr lang="es-PE" dirty="0" smtClean="0">
-                <a:solidFill>
-                  <a:srgbClr val="FFC000"/>
-                </a:solidFill>
-              </a:rPr>
-              <a:t>Cambios accidentales: </a:t>
-            </a:r>
-            <a:r>
-              <a:rPr lang="es-PE" dirty="0" smtClean="0"/>
-              <a:t>Se puede desperdiciar tiempo extendiéndolo o mejorándolo accidentalmente.</a:t>
-            </a:r>
-            <a:endParaRPr lang="es-PE" dirty="0"/>
-          </a:p>
-        </p:txBody>
-      </p:sp>
-    </p:spTree>
-    <p:extLst>
-      <p:ext uri="{BB962C8B-B14F-4D97-AF65-F5344CB8AC3E}">
-        <p14:creationId xmlns:p14="http://schemas.microsoft.com/office/powerpoint/2010/main" val="1186385651"/>
-      </p:ext>
-    </p:extLst>
-  </p:cSld>
-  <p:clrMapOvr>
-    <a:masterClrMapping/>
-  </p:clrMapOvr>
-  <p:timing>
-    <p:tnLst>
-      <p:par>
-        <p:cTn id="1" dur="indefinite" restart="never" nodeType="tmRoot"/>
-      </p:par>
-    </p:tnLst>
-  </p:timing>
-</p:sld>
-</file>
-
-<file path=ppt/slides/slide18.xml><?xml version="1.0" encoding="utf-8"?>
-<p:sld xmlns:a="http://schemas.openxmlformats.org/drawingml/2006/main" xmlns:r="http://schemas.openxmlformats.org/officeDocument/2006/relationships" xmlns:p="http://schemas.openxmlformats.org/presentationml/2006/main">
-  <p:cSld>
-    <p:spTree>
-      <p:nvGrpSpPr>
-        <p:cNvPr id="1" name=""/>
-        <p:cNvGrpSpPr/>
-        <p:nvPr/>
-      </p:nvGrpSpPr>
-      <p:grpSpPr>
-        <a:xfrm>
-          <a:off x="0" y="0"/>
-          <a:ext cx="0" cy="0"/>
-          <a:chOff x="0" y="0"/>
-          <a:chExt cx="0" cy="0"/>
-        </a:xfrm>
-      </p:grpSpPr>
-      <p:sp>
-        <p:nvSpPr>
-          <p:cNvPr id="2" name="1 Título"/>
-          <p:cNvSpPr>
-            <a:spLocks noGrp="1"/>
-          </p:cNvSpPr>
-          <p:nvPr>
-            <p:ph type="title"/>
-          </p:nvPr>
-        </p:nvSpPr>
-        <p:spPr>
-          <a:xfrm>
-            <a:off x="457200" y="125760"/>
-            <a:ext cx="8229600" cy="1143000"/>
-          </a:xfrm>
-        </p:spPr>
-        <p:txBody>
-          <a:bodyPr/>
-          <a:lstStyle/>
-          <a:p>
-            <a:r>
-              <a:rPr lang="es-PE" dirty="0" smtClean="0">
-                <a:solidFill>
-                  <a:srgbClr val="FF0000"/>
-                </a:solidFill>
-              </a:rPr>
-              <a:t>Comentarios</a:t>
-            </a:r>
-            <a:endParaRPr lang="es-PE" dirty="0">
-              <a:solidFill>
-                <a:srgbClr val="FF0000"/>
-              </a:solidFill>
-            </a:endParaRPr>
-          </a:p>
-        </p:txBody>
-      </p:sp>
-      <p:sp>
-        <p:nvSpPr>
-          <p:cNvPr id="6" name="5 Marcador de contenido"/>
-          <p:cNvSpPr>
-            <a:spLocks noGrp="1"/>
-          </p:cNvSpPr>
-          <p:nvPr>
-            <p:ph idx="1"/>
-          </p:nvPr>
-        </p:nvSpPr>
-        <p:spPr>
-          <a:xfrm>
-            <a:off x="467544" y="5301208"/>
-            <a:ext cx="8182109" cy="1036709"/>
-          </a:xfrm>
-        </p:spPr>
-        <p:txBody>
-          <a:bodyPr/>
-          <a:lstStyle/>
-          <a:p>
-            <a:pPr marL="0" indent="0" algn="ctr">
-              <a:buNone/>
-            </a:pPr>
-            <a:r>
-              <a:rPr lang="es-PE" sz="2800" dirty="0" smtClean="0"/>
-              <a:t>Se produce cuando intentamos explicar el código envés de hacerlo auto-explicativo o auto-documentado</a:t>
-            </a:r>
-            <a:endParaRPr lang="es-PE" sz="2800" dirty="0"/>
-          </a:p>
-        </p:txBody>
-      </p:sp>
-      <p:pic>
-        <p:nvPicPr>
-          <p:cNvPr id="5" name="4 Imagen"/>
-          <p:cNvPicPr>
-            <a:picLocks noChangeAspect="1"/>
-          </p:cNvPicPr>
-          <p:nvPr/>
-        </p:nvPicPr>
-        <p:blipFill>
-          <a:blip r:embed="rId2">
-            <a:extLst>
-              <a:ext uri="{28A0092B-C50C-407E-A947-70E740481C1C}">
-                <a14:useLocalDpi xmlns:a14="http://schemas.microsoft.com/office/drawing/2010/main" val="0"/>
-              </a:ext>
-            </a:extLst>
-          </a:blip>
-          <a:stretch>
-            <a:fillRect/>
-          </a:stretch>
-        </p:blipFill>
-        <p:spPr>
-          <a:xfrm>
-            <a:off x="2195736" y="1268760"/>
-            <a:ext cx="4856463" cy="3252095"/>
-          </a:xfrm>
-          <a:prstGeom prst="rect">
-            <a:avLst/>
-          </a:prstGeom>
-        </p:spPr>
-      </p:pic>
-      <p:sp>
-        <p:nvSpPr>
-          <p:cNvPr id="8" name="5 Marcador de contenido"/>
-          <p:cNvSpPr txBox="1">
-            <a:spLocks/>
-          </p:cNvSpPr>
-          <p:nvPr/>
-        </p:nvSpPr>
-        <p:spPr bwMode="auto">
-          <a:xfrm>
-            <a:off x="1131579" y="4581128"/>
-            <a:ext cx="7272808" cy="518354"/>
-          </a:xfrm>
-          <a:prstGeom prst="rect">
-            <a:avLst/>
-          </a:prstGeom>
-          <a:noFill/>
-          <a:ln w="9525">
-            <a:noFill/>
-            <a:miter lim="800000"/>
-            <a:headEnd/>
-            <a:tailEnd/>
-          </a:ln>
-        </p:spPr>
-        <p:txBody>
-          <a:bodyPr vert="horz" wrap="square" lIns="91440" tIns="45720" rIns="91440" bIns="45720" numCol="1" anchor="t" anchorCtr="0" compatLnSpc="1">
-            <a:prstTxWarp prst="textNoShape">
-              <a:avLst/>
-            </a:prstTxWarp>
-          </a:bodyPr>
-          <a:lstStyle>
-            <a:lvl1pPr marL="342900" indent="-342900" algn="l" rtl="0" eaLnBrk="1" fontAlgn="base" hangingPunct="1">
-              <a:spcBef>
-                <a:spcPct val="20000"/>
-              </a:spcBef>
-              <a:spcAft>
-                <a:spcPct val="0"/>
-              </a:spcAft>
-              <a:buFont typeface="Arial" charset="0"/>
-              <a:buChar char="•"/>
-              <a:defRPr sz="3200" kern="1200">
-                <a:solidFill>
-                  <a:schemeClr val="tx1"/>
-                </a:solidFill>
-                <a:latin typeface="+mn-lt"/>
-                <a:ea typeface="+mn-ea"/>
-                <a:cs typeface="+mn-cs"/>
-              </a:defRPr>
-            </a:lvl1pPr>
-            <a:lvl2pPr marL="742950" indent="-285750" algn="l" rtl="0" eaLnBrk="1" fontAlgn="base" hangingPunct="1">
-              <a:spcBef>
-                <a:spcPct val="20000"/>
-              </a:spcBef>
-              <a:spcAft>
-                <a:spcPct val="0"/>
-              </a:spcAft>
-              <a:buFont typeface="Arial" charset="0"/>
-              <a:buChar char="–"/>
-              <a:defRPr sz="2800" kern="1200">
-                <a:solidFill>
-                  <a:schemeClr val="tx1"/>
-                </a:solidFill>
-                <a:latin typeface="+mn-lt"/>
-                <a:ea typeface="+mn-ea"/>
-                <a:cs typeface="+mn-cs"/>
-              </a:defRPr>
-            </a:lvl2pPr>
-            <a:lvl3pPr marL="1143000" indent="-228600" algn="l" rtl="0" eaLnBrk="1" fontAlgn="base" hangingPunct="1">
-              <a:spcBef>
-                <a:spcPct val="20000"/>
-              </a:spcBef>
-              <a:spcAft>
-                <a:spcPct val="0"/>
-              </a:spcAft>
-              <a:buFont typeface="Arial" charset="0"/>
-              <a:buChar char="•"/>
-              <a:defRPr sz="2400" kern="1200">
-                <a:solidFill>
-                  <a:schemeClr val="tx1"/>
-                </a:solidFill>
-                <a:latin typeface="+mn-lt"/>
-                <a:ea typeface="+mn-ea"/>
-                <a:cs typeface="+mn-cs"/>
-              </a:defRPr>
-            </a:lvl3pPr>
-            <a:lvl4pPr marL="1600200" indent="-228600" algn="l" rtl="0" eaLnBrk="1" fontAlgn="base" hangingPunct="1">
-              <a:spcBef>
-                <a:spcPct val="20000"/>
-              </a:spcBef>
-              <a:spcAft>
-                <a:spcPct val="0"/>
-              </a:spcAft>
-              <a:buFont typeface="Arial" charset="0"/>
-              <a:buChar char="–"/>
-              <a:defRPr sz="2000" kern="1200">
-                <a:solidFill>
-                  <a:schemeClr val="tx1"/>
-                </a:solidFill>
-                <a:latin typeface="+mn-lt"/>
-                <a:ea typeface="+mn-ea"/>
-                <a:cs typeface="+mn-cs"/>
-              </a:defRPr>
-            </a:lvl4pPr>
-            <a:lvl5pPr marL="2057400" indent="-228600" algn="l" rtl="0" eaLnBrk="1" fontAlgn="base" hangingPunct="1">
-              <a:spcBef>
-                <a:spcPct val="20000"/>
-              </a:spcBef>
-              <a:spcAft>
-                <a:spcPct val="0"/>
-              </a:spcAft>
-              <a:buFont typeface="Arial" charset="0"/>
-              <a:buChar char="»"/>
-              <a:defRPr sz="2000" kern="1200">
-                <a:solidFill>
-                  <a:schemeClr val="tx1"/>
-                </a:solidFill>
-                <a:latin typeface="+mn-lt"/>
-                <a:ea typeface="+mn-ea"/>
-                <a:cs typeface="+mn-cs"/>
-              </a:defRPr>
-            </a:lvl5pPr>
-            <a:lvl6pPr marL="2514600" indent="-228600" algn="l" defTabSz="914400" rtl="0" eaLnBrk="1" latinLnBrk="0" hangingPunct="1">
-              <a:spcBef>
-                <a:spcPct val="20000"/>
-              </a:spcBef>
-              <a:buFont typeface="Arial" pitchFamily="34" charset="0"/>
-              <a:buChar char="•"/>
-              <a:defRPr sz="2000" kern="1200">
-                <a:solidFill>
-                  <a:schemeClr val="tx1"/>
-                </a:solidFill>
-                <a:latin typeface="+mn-lt"/>
-                <a:ea typeface="+mn-ea"/>
-                <a:cs typeface="+mn-cs"/>
-              </a:defRPr>
-            </a:lvl6pPr>
-            <a:lvl7pPr marL="2971800" indent="-228600" algn="l" defTabSz="914400" rtl="0" eaLnBrk="1" latinLnBrk="0" hangingPunct="1">
-              <a:spcBef>
-                <a:spcPct val="20000"/>
-              </a:spcBef>
-              <a:buFont typeface="Arial" pitchFamily="34" charset="0"/>
-              <a:buChar char="•"/>
-              <a:defRPr sz="2000" kern="1200">
-                <a:solidFill>
-                  <a:schemeClr val="tx1"/>
-                </a:solidFill>
-                <a:latin typeface="+mn-lt"/>
-                <a:ea typeface="+mn-ea"/>
-                <a:cs typeface="+mn-cs"/>
-              </a:defRPr>
-            </a:lvl7pPr>
-            <a:lvl8pPr marL="3429000" indent="-228600" algn="l" defTabSz="914400" rtl="0" eaLnBrk="1" latinLnBrk="0" hangingPunct="1">
-              <a:spcBef>
-                <a:spcPct val="20000"/>
-              </a:spcBef>
-              <a:buFont typeface="Arial" pitchFamily="34" charset="0"/>
-              <a:buChar char="•"/>
-              <a:defRPr sz="2000" kern="1200">
-                <a:solidFill>
-                  <a:schemeClr val="tx1"/>
-                </a:solidFill>
-                <a:latin typeface="+mn-lt"/>
-                <a:ea typeface="+mn-ea"/>
-                <a:cs typeface="+mn-cs"/>
-              </a:defRPr>
-            </a:lvl8pPr>
-            <a:lvl9pPr marL="3886200" indent="-228600" algn="l" defTabSz="914400" rtl="0" eaLnBrk="1" latinLnBrk="0" hangingPunct="1">
-              <a:spcBef>
-                <a:spcPct val="20000"/>
-              </a:spcBef>
-              <a:buFont typeface="Arial" pitchFamily="34" charset="0"/>
-              <a:buChar char="•"/>
-              <a:defRPr sz="2000" kern="1200">
-                <a:solidFill>
-                  <a:schemeClr val="tx1"/>
-                </a:solidFill>
-                <a:latin typeface="+mn-lt"/>
-                <a:ea typeface="+mn-ea"/>
-                <a:cs typeface="+mn-cs"/>
-              </a:defRPr>
-            </a:lvl9pPr>
-          </a:lstStyle>
-          <a:p>
-            <a:pPr marL="0" indent="0">
-              <a:buFont typeface="Arial" charset="0"/>
-              <a:buNone/>
-            </a:pPr>
-            <a:r>
-              <a:rPr lang="es-PE" sz="2800" dirty="0" smtClean="0">
-                <a:solidFill>
-                  <a:srgbClr val="FFC000"/>
-                </a:solidFill>
-              </a:rPr>
-              <a:t>Los comentarios son usados como desodorante</a:t>
-            </a:r>
-            <a:endParaRPr lang="es-PE" sz="2800" dirty="0">
-              <a:solidFill>
-                <a:srgbClr val="FFC000"/>
-              </a:solidFill>
-            </a:endParaRPr>
-          </a:p>
-        </p:txBody>
-      </p:sp>
-    </p:spTree>
-    <p:extLst>
-      <p:ext uri="{BB962C8B-B14F-4D97-AF65-F5344CB8AC3E}">
-        <p14:creationId xmlns:p14="http://schemas.microsoft.com/office/powerpoint/2010/main" val="3390561667"/>
-      </p:ext>
-    </p:extLst>
-  </p:cSld>
-  <p:clrMapOvr>
-    <a:masterClrMapping/>
-  </p:clrMapOvr>
-  <p:timing>
-    <p:tnLst>
-      <p:par>
-        <p:cTn id="1" dur="indefinite" restart="never" nodeType="tmRoot"/>
-      </p:par>
-    </p:tnLst>
-  </p:timing>
-</p:sld>
-</file>
-
-<file path=ppt/slides/slide19.xml><?xml version="1.0" encoding="utf-8"?>
-<p:sld xmlns:a="http://schemas.openxmlformats.org/drawingml/2006/main" xmlns:r="http://schemas.openxmlformats.org/officeDocument/2006/relationships" xmlns:p="http://schemas.openxmlformats.org/presentationml/2006/main">
-  <p:cSld>
-    <p:spTree>
-      <p:nvGrpSpPr>
-        <p:cNvPr id="1" name=""/>
-        <p:cNvGrpSpPr/>
-        <p:nvPr/>
-      </p:nvGrpSpPr>
-      <p:grpSpPr>
-        <a:xfrm>
-          <a:off x="0" y="0"/>
-          <a:ext cx="0" cy="0"/>
-          <a:chOff x="0" y="0"/>
-          <a:chExt cx="0" cy="0"/>
-        </a:xfrm>
-      </p:grpSpPr>
-      <p:sp>
-        <p:nvSpPr>
-          <p:cNvPr id="2" name="1 Título"/>
-          <p:cNvSpPr>
-            <a:spLocks noGrp="1"/>
-          </p:cNvSpPr>
-          <p:nvPr>
-            <p:ph type="title"/>
-          </p:nvPr>
-        </p:nvSpPr>
-        <p:spPr>
-          <a:xfrm>
-            <a:off x="457200" y="1709936"/>
-            <a:ext cx="8229600" cy="1143000"/>
-          </a:xfrm>
-        </p:spPr>
-        <p:txBody>
-          <a:bodyPr/>
-          <a:lstStyle/>
-          <a:p>
-            <a:r>
-              <a:rPr lang="es-PE" dirty="0" smtClean="0">
-                <a:solidFill>
-                  <a:srgbClr val="009A46"/>
-                </a:solidFill>
-              </a:rPr>
-              <a:t>Una pequeña regla</a:t>
-            </a:r>
-            <a:endParaRPr lang="es-PE" dirty="0">
-              <a:solidFill>
-                <a:srgbClr val="009A46"/>
-              </a:solidFill>
-            </a:endParaRPr>
-          </a:p>
-        </p:txBody>
-      </p:sp>
-      <p:sp>
-        <p:nvSpPr>
-          <p:cNvPr id="3" name="2 Marcador de contenido"/>
-          <p:cNvSpPr>
-            <a:spLocks noGrp="1"/>
-          </p:cNvSpPr>
-          <p:nvPr>
-            <p:ph idx="1"/>
-          </p:nvPr>
-        </p:nvSpPr>
-        <p:spPr>
-          <a:xfrm>
-            <a:off x="457200" y="2868816"/>
-            <a:ext cx="8229600" cy="1496288"/>
-          </a:xfrm>
-        </p:spPr>
-        <p:txBody>
-          <a:bodyPr/>
-          <a:lstStyle/>
-          <a:p>
-            <a:pPr marL="0" indent="0" algn="ctr">
-              <a:buNone/>
-            </a:pPr>
-            <a:r>
-              <a:rPr lang="es-PE" sz="4000" dirty="0" err="1" smtClean="0">
-                <a:solidFill>
-                  <a:srgbClr val="FFC000"/>
-                </a:solidFill>
-              </a:rPr>
-              <a:t>Why</a:t>
-            </a:r>
-            <a:r>
-              <a:rPr lang="es-PE" sz="4000" dirty="0" smtClean="0">
-                <a:solidFill>
-                  <a:srgbClr val="FFC000"/>
-                </a:solidFill>
-              </a:rPr>
-              <a:t> </a:t>
-            </a:r>
-            <a:r>
-              <a:rPr lang="es-PE" dirty="0" err="1" smtClean="0"/>
-              <a:t>comments</a:t>
-            </a:r>
-            <a:r>
-              <a:rPr lang="es-PE" dirty="0" smtClean="0"/>
-              <a:t>  ==  </a:t>
-            </a:r>
-            <a:r>
-              <a:rPr lang="es-PE" sz="4000" dirty="0" err="1" smtClean="0">
-                <a:solidFill>
-                  <a:srgbClr val="FF0000"/>
-                </a:solidFill>
-              </a:rPr>
-              <a:t>Good</a:t>
-            </a:r>
-            <a:endParaRPr lang="es-PE" dirty="0" smtClean="0">
-              <a:solidFill>
-                <a:srgbClr val="FF0000"/>
-              </a:solidFill>
-            </a:endParaRPr>
-          </a:p>
-          <a:p>
-            <a:pPr marL="0" indent="0" algn="ctr">
-              <a:buNone/>
-            </a:pPr>
-            <a:r>
-              <a:rPr lang="es-PE" sz="4000" dirty="0" err="1" smtClean="0">
-                <a:solidFill>
-                  <a:srgbClr val="FFC000"/>
-                </a:solidFill>
-              </a:rPr>
-              <a:t>How</a:t>
-            </a:r>
-            <a:r>
-              <a:rPr lang="es-PE" sz="4000" dirty="0" smtClean="0">
-                <a:solidFill>
-                  <a:srgbClr val="FFC000"/>
-                </a:solidFill>
-              </a:rPr>
-              <a:t> </a:t>
-            </a:r>
-            <a:r>
-              <a:rPr lang="es-PE" dirty="0" err="1" smtClean="0"/>
-              <a:t>comments</a:t>
-            </a:r>
-            <a:r>
-              <a:rPr lang="es-PE" dirty="0" smtClean="0"/>
-              <a:t>  ==  </a:t>
-            </a:r>
-            <a:r>
-              <a:rPr lang="es-PE" sz="4000" dirty="0" err="1" smtClean="0">
-                <a:solidFill>
-                  <a:srgbClr val="FF0000"/>
-                </a:solidFill>
-              </a:rPr>
-              <a:t>Smell</a:t>
-            </a:r>
-            <a:endParaRPr lang="es-PE" dirty="0">
-              <a:solidFill>
-                <a:srgbClr val="FF0000"/>
-              </a:solidFill>
-            </a:endParaRPr>
-          </a:p>
-        </p:txBody>
-      </p:sp>
-    </p:spTree>
-    <p:extLst>
-      <p:ext uri="{BB962C8B-B14F-4D97-AF65-F5344CB8AC3E}">
-        <p14:creationId xmlns:p14="http://schemas.microsoft.com/office/powerpoint/2010/main" val="2982219071"/>
-      </p:ext>
-    </p:extLst>
-  </p:cSld>
-  <p:clrMapOvr>
-    <a:masterClrMapping/>
-  </p:clrMapOvr>
-  <p:timing>
-    <p:tnLst>
-      <p:par>
-        <p:cTn id="1" dur="indefinite" restart="never" nodeType="tmRoot"/>
-      </p:par>
-    </p:tnLst>
-  </p:timing>
-</p:sld>
-</file>
-
-<file path=ppt/slides/slide2.xml><?xml version="1.0" encoding="utf-8"?>
-<p:sld xmlns:a="http://schemas.openxmlformats.org/drawingml/2006/main" xmlns:r="http://schemas.openxmlformats.org/officeDocument/2006/relationships" xmlns:p="http://schemas.openxmlformats.org/presentationml/2006/main">
-  <p:cSld>
-    <p:spTree>
-      <p:nvGrpSpPr>
-        <p:cNvPr id="1" name=""/>
-        <p:cNvGrpSpPr/>
-        <p:nvPr/>
-      </p:nvGrpSpPr>
-      <p:grpSpPr>
-        <a:xfrm>
-          <a:off x="0" y="0"/>
-          <a:ext cx="0" cy="0"/>
-          <a:chOff x="0" y="0"/>
-          <a:chExt cx="0" cy="0"/>
-        </a:xfrm>
-      </p:grpSpPr>
-      <p:sp>
-        <p:nvSpPr>
-          <p:cNvPr id="6" name="2 Título"/>
-          <p:cNvSpPr>
-            <a:spLocks noGrp="1"/>
-          </p:cNvSpPr>
-          <p:nvPr>
-            <p:ph type="title"/>
-          </p:nvPr>
-        </p:nvSpPr>
-        <p:spPr>
-          <a:xfrm>
-            <a:off x="529208" y="44624"/>
-            <a:ext cx="8229600" cy="792088"/>
-          </a:xfrm>
-        </p:spPr>
-        <p:txBody>
-          <a:bodyPr/>
-          <a:lstStyle/>
-          <a:p>
-            <a:r>
-              <a:rPr lang="es-PE" dirty="0" smtClean="0">
-                <a:solidFill>
-                  <a:srgbClr val="00823B"/>
-                </a:solidFill>
-              </a:rPr>
-              <a:t>Licencia de Uso</a:t>
-            </a:r>
-            <a:endParaRPr lang="es-PE" dirty="0">
-              <a:solidFill>
-                <a:srgbClr val="00823B"/>
-              </a:solidFill>
-            </a:endParaRPr>
-          </a:p>
-        </p:txBody>
-      </p:sp>
-      <p:pic>
-        <p:nvPicPr>
-          <p:cNvPr id="1028" name="Picture 4"/>
-          <p:cNvPicPr>
-            <a:picLocks noChangeAspect="1" noChangeArrowheads="1"/>
-          </p:cNvPicPr>
-          <p:nvPr/>
-        </p:nvPicPr>
-        <p:blipFill>
-          <a:blip r:embed="rId3">
-            <a:extLst>
-              <a:ext uri="{28A0092B-C50C-407E-A947-70E740481C1C}">
-                <a14:useLocalDpi xmlns:a14="http://schemas.microsoft.com/office/drawing/2010/main" val="0"/>
-              </a:ext>
-            </a:extLst>
-          </a:blip>
-          <a:srcRect/>
-          <a:stretch>
-            <a:fillRect/>
-          </a:stretch>
-        </p:blipFill>
-        <p:spPr bwMode="auto">
-          <a:xfrm>
-            <a:off x="228576" y="839624"/>
-            <a:ext cx="8686848" cy="4706722"/>
-          </a:xfrm>
-          <a:prstGeom prst="rect">
-            <a:avLst/>
-          </a:prstGeom>
-          <a:noFill/>
-          <a:ln>
-            <a:noFill/>
-          </a:ln>
-          <a:effectLst/>
-          <a:extLst>
-            <a:ext uri="{909E8E84-426E-40DD-AFC4-6F175D3DCCD1}">
-              <a14:hiddenFill xmlns:a14="http://schemas.microsoft.com/office/drawing/2010/main">
-                <a:solidFill>
-                  <a:schemeClr val="accent1"/>
-                </a:solidFill>
-              </a14:hiddenFill>
-            </a:ext>
-            <a:ext uri="{91240B29-F687-4F45-9708-019B960494DF}">
-              <a14:hiddenLine xmlns:a14="http://schemas.microsoft.com/office/drawing/2010/main" w="9525">
-                <a:solidFill>
-                  <a:schemeClr val="tx1"/>
-                </a:solidFill>
-                <a:miter lim="800000"/>
-                <a:headEnd/>
-                <a:tailEnd/>
-              </a14:hiddenLine>
-            </a:ext>
-            <a:ext uri="{AF507438-7753-43E0-B8FC-AC1667EBCBE1}">
-              <a14:hiddenEffects xmlns:a14="http://schemas.microsoft.com/office/drawing/2010/main">
-                <a:effectLst>
-                  <a:outerShdw dist="35921" dir="2700000" algn="ctr" rotWithShape="0">
-                    <a:schemeClr val="bg2"/>
-                  </a:outerShdw>
-                </a:effectLst>
-              </a14:hiddenEffects>
-            </a:ext>
-          </a:extLst>
-        </p:spPr>
-      </p:pic>
-      <p:sp>
-        <p:nvSpPr>
-          <p:cNvPr id="5" name="4 Rectángulo"/>
-          <p:cNvSpPr/>
-          <p:nvPr/>
-        </p:nvSpPr>
-        <p:spPr>
-          <a:xfrm>
-            <a:off x="135422" y="5567000"/>
-            <a:ext cx="8334672" cy="1138773"/>
-          </a:xfrm>
-          <a:prstGeom prst="rect">
-            <a:avLst/>
-          </a:prstGeom>
-        </p:spPr>
-        <p:txBody>
-          <a:bodyPr wrap="square">
-            <a:spAutoFit/>
-          </a:bodyPr>
-          <a:lstStyle/>
-          <a:p>
-            <a:r>
-              <a:rPr lang="en-US" sz="2200" dirty="0" smtClean="0"/>
-              <a:t>"Code Smells and Refactoring"</a:t>
-            </a:r>
-            <a:r>
-              <a:rPr lang="en-US" sz="2200" dirty="0"/>
-              <a:t>  is licensed under a </a:t>
-            </a:r>
-            <a:r>
-              <a:rPr lang="en-US" sz="2200" dirty="0" smtClean="0"/>
-              <a:t/>
-            </a:r>
-            <a:br>
-              <a:rPr lang="en-US" sz="2200" dirty="0" smtClean="0"/>
-            </a:br>
-            <a:r>
-              <a:rPr lang="en-US" sz="2200" dirty="0" smtClean="0">
-                <a:solidFill>
-                  <a:srgbClr val="FFC000"/>
-                </a:solidFill>
-              </a:rPr>
-              <a:t>Creative </a:t>
-            </a:r>
-            <a:r>
-              <a:rPr lang="en-US" sz="2200" dirty="0">
-                <a:solidFill>
-                  <a:srgbClr val="FFC000"/>
-                </a:solidFill>
-              </a:rPr>
-              <a:t>Commons Attribution-</a:t>
-            </a:r>
-            <a:r>
-              <a:rPr lang="en-US" sz="2200" dirty="0" err="1">
-                <a:solidFill>
-                  <a:srgbClr val="FFC000"/>
-                </a:solidFill>
-              </a:rPr>
-              <a:t>ShareAlike</a:t>
-            </a:r>
-            <a:r>
-              <a:rPr lang="en-US" sz="2200" dirty="0">
-                <a:solidFill>
-                  <a:srgbClr val="FFC000"/>
-                </a:solidFill>
-              </a:rPr>
-              <a:t> 3.0 </a:t>
-            </a:r>
-            <a:r>
-              <a:rPr lang="en-US" sz="2200" dirty="0" err="1">
-                <a:solidFill>
-                  <a:srgbClr val="FFC000"/>
-                </a:solidFill>
-              </a:rPr>
-              <a:t>Unported</a:t>
-            </a:r>
-            <a:r>
-              <a:rPr lang="en-US" sz="2200" dirty="0">
-                <a:solidFill>
-                  <a:srgbClr val="FFC000"/>
-                </a:solidFill>
-              </a:rPr>
-              <a:t> </a:t>
-            </a:r>
-            <a:r>
-              <a:rPr lang="en-US" sz="2200" dirty="0" smtClean="0">
-                <a:solidFill>
-                  <a:srgbClr val="FFC000"/>
-                </a:solidFill>
-              </a:rPr>
-              <a:t>License</a:t>
-            </a:r>
-          </a:p>
-          <a:p>
-            <a:r>
-              <a:rPr lang="es-PE" sz="2200" dirty="0"/>
-              <a:t>http://creativecommons.org/licenses/by-nc-sa/3.0/deed.es</a:t>
-            </a:r>
-            <a:endParaRPr lang="es-PE" sz="2200" dirty="0">
-              <a:solidFill>
-                <a:srgbClr val="FFC000"/>
-              </a:solidFill>
-            </a:endParaRPr>
-          </a:p>
-        </p:txBody>
-      </p:sp>
-      <p:sp>
-        <p:nvSpPr>
-          <p:cNvPr id="9" name="AutoShape 10" descr="http://i.creativecommons.org/l/by-sa/3.0/88x31.png"/>
-          <p:cNvSpPr>
-            <a:spLocks noChangeAspect="1" noChangeArrowheads="1"/>
-          </p:cNvSpPr>
-          <p:nvPr/>
-        </p:nvSpPr>
-        <p:spPr bwMode="auto">
-          <a:xfrm>
-            <a:off x="155575" y="-144463"/>
-            <a:ext cx="304800" cy="304801"/>
-          </a:xfrm>
-          <a:prstGeom prst="rect">
-            <a:avLst/>
-          </a:prstGeom>
-          <a:noFill/>
-          <a:extLst>
-            <a:ext uri="{909E8E84-426E-40DD-AFC4-6F175D3DCCD1}">
-              <a14:hiddenFill xmlns:a14="http://schemas.microsoft.com/office/drawing/2010/main">
-                <a:solidFill>
-                  <a:srgbClr val="FFFFFF"/>
-                </a:solidFill>
-              </a14:hiddenFill>
-            </a:ext>
-          </a:extLst>
-        </p:spPr>
-        <p:txBody>
-          <a:bodyPr vert="horz" wrap="square" lIns="91440" tIns="45720" rIns="91440" bIns="45720" numCol="1" anchor="t" anchorCtr="0" compatLnSpc="1">
-            <a:prstTxWarp prst="textNoShape">
-              <a:avLst/>
-            </a:prstTxWarp>
-          </a:bodyPr>
-          <a:lstStyle/>
-          <a:p>
-            <a:endParaRPr lang="es-PE"/>
-          </a:p>
-        </p:txBody>
-      </p:sp>
-      <p:pic>
-        <p:nvPicPr>
-          <p:cNvPr id="15" name="14 Imagen"/>
-          <p:cNvPicPr>
-            <a:picLocks noChangeAspect="1"/>
-          </p:cNvPicPr>
-          <p:nvPr/>
-        </p:nvPicPr>
-        <p:blipFill>
-          <a:blip r:embed="rId4">
-            <a:extLst>
-              <a:ext uri="{28A0092B-C50C-407E-A947-70E740481C1C}">
-                <a14:useLocalDpi xmlns:a14="http://schemas.microsoft.com/office/drawing/2010/main" val="0"/>
-              </a:ext>
-            </a:extLst>
-          </a:blip>
-          <a:stretch>
-            <a:fillRect/>
-          </a:stretch>
-        </p:blipFill>
-        <p:spPr>
-          <a:xfrm>
-            <a:off x="7669841" y="5916993"/>
-            <a:ext cx="1245583" cy="438785"/>
-          </a:xfrm>
-          <a:prstGeom prst="rect">
-            <a:avLst/>
-          </a:prstGeom>
-        </p:spPr>
-      </p:pic>
-    </p:spTree>
-    <p:extLst>
-      <p:ext uri="{BB962C8B-B14F-4D97-AF65-F5344CB8AC3E}">
-        <p14:creationId xmlns:p14="http://schemas.microsoft.com/office/powerpoint/2010/main" val="1719661553"/>
-      </p:ext>
-    </p:extLst>
-  </p:cSld>
-  <p:clrMapOvr>
-    <a:masterClrMapping/>
-  </p:clrMapOvr>
-  <p:timing>
-    <p:tnLst>
-      <p:par>
-        <p:cTn id="1" dur="indefinite" restart="never" nodeType="tmRoot"/>
-      </p:par>
-    </p:tnLst>
-  </p:timing>
-</p:sld>
-</file>
-
-<file path=ppt/slides/slide20.xml><?xml version="1.0" encoding="utf-8"?>
-<p:sld xmlns:a="http://schemas.openxmlformats.org/drawingml/2006/main" xmlns:r="http://schemas.openxmlformats.org/officeDocument/2006/relationships" xmlns:p="http://schemas.openxmlformats.org/presentationml/2006/main">
-  <p:cSld>
-    <p:spTree>
-      <p:nvGrpSpPr>
-        <p:cNvPr id="1" name=""/>
-        <p:cNvGrpSpPr/>
-        <p:nvPr/>
-      </p:nvGrpSpPr>
-      <p:grpSpPr>
-        <a:xfrm>
-          <a:off x="0" y="0"/>
-          <a:ext cx="0" cy="0"/>
-          <a:chOff x="0" y="0"/>
-          <a:chExt cx="0" cy="0"/>
-        </a:xfrm>
-      </p:grpSpPr>
-      <p:sp>
-        <p:nvSpPr>
-          <p:cNvPr id="2" name="1 Título"/>
-          <p:cNvSpPr>
-            <a:spLocks noGrp="1"/>
-          </p:cNvSpPr>
-          <p:nvPr>
-            <p:ph type="title"/>
-          </p:nvPr>
-        </p:nvSpPr>
-        <p:spPr/>
-        <p:txBody>
-          <a:bodyPr/>
-          <a:lstStyle/>
-          <a:p>
-            <a:r>
-              <a:rPr lang="es-PE" dirty="0" err="1" smtClean="0">
-                <a:solidFill>
-                  <a:srgbClr val="FF0000"/>
-                </a:solidFill>
-              </a:rPr>
-              <a:t>Primitive</a:t>
-            </a:r>
-            <a:r>
-              <a:rPr lang="es-PE" dirty="0" smtClean="0">
-                <a:solidFill>
-                  <a:srgbClr val="FF0000"/>
-                </a:solidFill>
-              </a:rPr>
-              <a:t> </a:t>
-            </a:r>
-            <a:r>
-              <a:rPr lang="es-PE" dirty="0" err="1" smtClean="0">
-                <a:solidFill>
-                  <a:srgbClr val="FF0000"/>
-                </a:solidFill>
-              </a:rPr>
-              <a:t>Obsession</a:t>
-            </a:r>
-            <a:endParaRPr lang="es-PE" dirty="0">
-              <a:solidFill>
-                <a:srgbClr val="FF0000"/>
-              </a:solidFill>
-            </a:endParaRPr>
-          </a:p>
-        </p:txBody>
-      </p:sp>
-      <p:sp>
-        <p:nvSpPr>
-          <p:cNvPr id="6" name="5 Marcador de contenido"/>
-          <p:cNvSpPr>
-            <a:spLocks noGrp="1"/>
-          </p:cNvSpPr>
-          <p:nvPr>
-            <p:ph idx="1"/>
-          </p:nvPr>
-        </p:nvSpPr>
-        <p:spPr>
-          <a:xfrm>
-            <a:off x="462371" y="4512755"/>
-            <a:ext cx="8219257" cy="1436525"/>
-          </a:xfrm>
-        </p:spPr>
-        <p:txBody>
-          <a:bodyPr/>
-          <a:lstStyle/>
-          <a:p>
-            <a:pPr marL="0" indent="0" algn="ctr">
-              <a:buNone/>
-            </a:pPr>
-            <a:r>
-              <a:rPr lang="es-PE" sz="2800" dirty="0" smtClean="0"/>
-              <a:t>No podemos cortar el metal con una tijera. Entonces porque siempre estamos obsesionados en usar soluciones básicas.</a:t>
-            </a:r>
-            <a:endParaRPr lang="es-PE" sz="2800" dirty="0"/>
-          </a:p>
-        </p:txBody>
-      </p:sp>
-      <p:pic>
-        <p:nvPicPr>
-          <p:cNvPr id="2050" name="Picture 2"/>
-          <p:cNvPicPr>
-            <a:picLocks noChangeAspect="1" noChangeArrowheads="1"/>
-          </p:cNvPicPr>
-          <p:nvPr/>
-        </p:nvPicPr>
-        <p:blipFill>
-          <a:blip r:embed="rId2">
-            <a:extLst>
-              <a:ext uri="{28A0092B-C50C-407E-A947-70E740481C1C}">
-                <a14:useLocalDpi xmlns:a14="http://schemas.microsoft.com/office/drawing/2010/main" val="0"/>
-              </a:ext>
-            </a:extLst>
-          </a:blip>
-          <a:srcRect/>
-          <a:stretch>
-            <a:fillRect/>
-          </a:stretch>
-        </p:blipFill>
-        <p:spPr bwMode="auto">
-          <a:xfrm>
-            <a:off x="3131840" y="1462114"/>
-            <a:ext cx="3084562" cy="2914770"/>
-          </a:xfrm>
-          <a:prstGeom prst="rect">
-            <a:avLst/>
-          </a:prstGeom>
-          <a:ln>
-            <a:noFill/>
-          </a:ln>
-          <a:effectLst>
-            <a:softEdge rad="112500"/>
-          </a:effectLst>
-          <a:extLst>
-            <a:ext uri="{909E8E84-426E-40DD-AFC4-6F175D3DCCD1}">
-              <a14:hiddenFill xmlns:a14="http://schemas.microsoft.com/office/drawing/2010/main">
-                <a:solidFill>
-                  <a:schemeClr val="accent1"/>
-                </a:solidFill>
-              </a14:hiddenFill>
-            </a:ext>
-            <a:ext uri="{91240B29-F687-4F45-9708-019B960494DF}">
-              <a14:hiddenLine xmlns:a14="http://schemas.microsoft.com/office/drawing/2010/main" w="9525">
-                <a:solidFill>
-                  <a:schemeClr val="tx1"/>
-                </a:solidFill>
-                <a:miter lim="800000"/>
-                <a:headEnd/>
-                <a:tailEnd/>
-              </a14:hiddenLine>
-            </a:ext>
-            <a:ext uri="{AF507438-7753-43E0-B8FC-AC1667EBCBE1}">
-              <a14:hiddenEffects xmlns:a14="http://schemas.microsoft.com/office/drawing/2010/main">
-                <a:effectLst>
-                  <a:outerShdw dist="35921" dir="2700000" algn="ctr" rotWithShape="0">
-                    <a:schemeClr val="bg2"/>
-                  </a:outerShdw>
-                </a:effectLst>
-              </a14:hiddenEffects>
-            </a:ext>
-          </a:extLst>
-        </p:spPr>
-      </p:pic>
-    </p:spTree>
-    <p:extLst>
-      <p:ext uri="{BB962C8B-B14F-4D97-AF65-F5344CB8AC3E}">
-        <p14:creationId xmlns:p14="http://schemas.microsoft.com/office/powerpoint/2010/main" val="3151680649"/>
-      </p:ext>
-    </p:extLst>
-  </p:cSld>
-  <p:clrMapOvr>
-    <a:masterClrMapping/>
-  </p:clrMapOvr>
-  <p:timing>
-    <p:tnLst>
-      <p:par>
-        <p:cTn id="1" dur="indefinite" restart="never" nodeType="tmRoot"/>
-      </p:par>
-    </p:tnLst>
-  </p:timing>
-</p:sld>
-</file>
-
-<file path=ppt/slides/slide21.xml><?xml version="1.0" encoding="utf-8"?>
-<p:sld xmlns:a="http://schemas.openxmlformats.org/drawingml/2006/main" xmlns:r="http://schemas.openxmlformats.org/officeDocument/2006/relationships" xmlns:p="http://schemas.openxmlformats.org/presentationml/2006/main">
-  <p:cSld>
-    <p:spTree>
-      <p:nvGrpSpPr>
-        <p:cNvPr id="1" name=""/>
-        <p:cNvGrpSpPr/>
-        <p:nvPr/>
-      </p:nvGrpSpPr>
-      <p:grpSpPr>
-        <a:xfrm>
-          <a:off x="0" y="0"/>
-          <a:ext cx="0" cy="0"/>
-          <a:chOff x="0" y="0"/>
-          <a:chExt cx="0" cy="0"/>
-        </a:xfrm>
-      </p:grpSpPr>
-      <p:sp>
-        <p:nvSpPr>
-          <p:cNvPr id="2" name="1 Título"/>
-          <p:cNvSpPr>
-            <a:spLocks noGrp="1"/>
-          </p:cNvSpPr>
-          <p:nvPr>
-            <p:ph type="title"/>
-          </p:nvPr>
-        </p:nvSpPr>
-        <p:spPr>
-          <a:xfrm>
-            <a:off x="518864" y="1124744"/>
-            <a:ext cx="8229600" cy="1143000"/>
-          </a:xfrm>
-        </p:spPr>
-        <p:txBody>
-          <a:bodyPr/>
-          <a:lstStyle/>
-          <a:p>
-            <a:r>
-              <a:rPr lang="es-PE" dirty="0" smtClean="0">
-                <a:solidFill>
-                  <a:srgbClr val="FF0000"/>
-                </a:solidFill>
-              </a:rPr>
-              <a:t>Ejemplo </a:t>
-            </a:r>
-            <a:r>
-              <a:rPr lang="es-PE" dirty="0" err="1" smtClean="0">
-                <a:solidFill>
-                  <a:srgbClr val="FF0000"/>
-                </a:solidFill>
-              </a:rPr>
-              <a:t>Primitive</a:t>
-            </a:r>
-            <a:r>
-              <a:rPr lang="es-PE" dirty="0" smtClean="0">
-                <a:solidFill>
-                  <a:srgbClr val="FF0000"/>
-                </a:solidFill>
-              </a:rPr>
-              <a:t> </a:t>
-            </a:r>
-            <a:r>
-              <a:rPr lang="es-PE" dirty="0" err="1" smtClean="0">
-                <a:solidFill>
-                  <a:srgbClr val="FF0000"/>
-                </a:solidFill>
-              </a:rPr>
-              <a:t>Obsession</a:t>
-            </a:r>
-            <a:endParaRPr lang="es-PE" dirty="0">
-              <a:solidFill>
-                <a:srgbClr val="FF0000"/>
-              </a:solidFill>
-            </a:endParaRPr>
-          </a:p>
-        </p:txBody>
-      </p:sp>
-      <p:pic>
-        <p:nvPicPr>
-          <p:cNvPr id="1027" name="Picture 3"/>
-          <p:cNvPicPr>
-            <a:picLocks noChangeAspect="1" noChangeArrowheads="1"/>
-          </p:cNvPicPr>
-          <p:nvPr/>
-        </p:nvPicPr>
-        <p:blipFill>
-          <a:blip r:embed="rId3">
-            <a:extLst>
-              <a:ext uri="{28A0092B-C50C-407E-A947-70E740481C1C}">
-                <a14:useLocalDpi xmlns:a14="http://schemas.microsoft.com/office/drawing/2010/main" val="0"/>
-              </a:ext>
-            </a:extLst>
-          </a:blip>
-          <a:srcRect/>
-          <a:stretch>
-            <a:fillRect/>
-          </a:stretch>
-        </p:blipFill>
-        <p:spPr bwMode="auto">
-          <a:xfrm>
-            <a:off x="251520" y="2205038"/>
-            <a:ext cx="8724652" cy="2592114"/>
-          </a:xfrm>
-          <a:prstGeom prst="rect">
-            <a:avLst/>
-          </a:prstGeom>
-          <a:noFill/>
-          <a:ln>
-            <a:noFill/>
-          </a:ln>
-          <a:effectLst/>
-          <a:extLst>
-            <a:ext uri="{909E8E84-426E-40DD-AFC4-6F175D3DCCD1}">
-              <a14:hiddenFill xmlns:a14="http://schemas.microsoft.com/office/drawing/2010/main">
-                <a:solidFill>
-                  <a:schemeClr val="accent1"/>
-                </a:solidFill>
-              </a14:hiddenFill>
-            </a:ext>
-            <a:ext uri="{91240B29-F687-4F45-9708-019B960494DF}">
-              <a14:hiddenLine xmlns:a14="http://schemas.microsoft.com/office/drawing/2010/main" w="9525">
-                <a:solidFill>
-                  <a:schemeClr val="tx1"/>
-                </a:solidFill>
-                <a:miter lim="800000"/>
-                <a:headEnd/>
-                <a:tailEnd/>
-              </a14:hiddenLine>
-            </a:ext>
-            <a:ext uri="{AF507438-7753-43E0-B8FC-AC1667EBCBE1}">
-              <a14:hiddenEffects xmlns:a14="http://schemas.microsoft.com/office/drawing/2010/main">
-                <a:effectLst>
-                  <a:outerShdw dist="35921" dir="2700000" algn="ctr" rotWithShape="0">
-                    <a:schemeClr val="bg2"/>
-                  </a:outerShdw>
-                </a:effectLst>
-              </a14:hiddenEffects>
-            </a:ext>
-          </a:extLst>
-        </p:spPr>
-      </p:pic>
-    </p:spTree>
-    <p:extLst>
-      <p:ext uri="{BB962C8B-B14F-4D97-AF65-F5344CB8AC3E}">
-        <p14:creationId xmlns:p14="http://schemas.microsoft.com/office/powerpoint/2010/main" val="3893185943"/>
-      </p:ext>
-    </p:extLst>
-  </p:cSld>
-  <p:clrMapOvr>
-    <a:masterClrMapping/>
-  </p:clrMapOvr>
-  <p:timing>
-    <p:tnLst>
-      <p:par>
-        <p:cTn id="1" dur="indefinite" restart="never" nodeType="tmRoot"/>
-      </p:par>
-    </p:tnLst>
-  </p:timing>
-</p:sld>
-</file>
-
-<file path=ppt/slides/slide22.xml><?xml version="1.0" encoding="utf-8"?>
-<p:sld xmlns:a="http://schemas.openxmlformats.org/drawingml/2006/main" xmlns:r="http://schemas.openxmlformats.org/officeDocument/2006/relationships" xmlns:p="http://schemas.openxmlformats.org/presentationml/2006/main">
-  <p:cSld>
-    <p:spTree>
-      <p:nvGrpSpPr>
-        <p:cNvPr id="1" name=""/>
-        <p:cNvGrpSpPr/>
-        <p:nvPr/>
-      </p:nvGrpSpPr>
-      <p:grpSpPr>
-        <a:xfrm>
-          <a:off x="0" y="0"/>
-          <a:ext cx="0" cy="0"/>
-          <a:chOff x="0" y="0"/>
-          <a:chExt cx="0" cy="0"/>
-        </a:xfrm>
-      </p:grpSpPr>
-      <p:sp>
-        <p:nvSpPr>
-          <p:cNvPr id="2" name="1 Título"/>
-          <p:cNvSpPr>
-            <a:spLocks noGrp="1"/>
-          </p:cNvSpPr>
-          <p:nvPr>
-            <p:ph type="title"/>
-          </p:nvPr>
-        </p:nvSpPr>
-        <p:spPr/>
-        <p:txBody>
-          <a:bodyPr/>
-          <a:lstStyle/>
-          <a:p>
-            <a:r>
-              <a:rPr lang="es-PE" dirty="0" smtClean="0">
-                <a:solidFill>
-                  <a:srgbClr val="FF0000"/>
-                </a:solidFill>
-              </a:rPr>
-              <a:t>Problemas del </a:t>
-            </a:r>
-            <a:r>
-              <a:rPr lang="es-PE" dirty="0" err="1" smtClean="0">
-                <a:solidFill>
-                  <a:srgbClr val="FF0000"/>
-                </a:solidFill>
-              </a:rPr>
-              <a:t>Primitive</a:t>
-            </a:r>
-            <a:r>
-              <a:rPr lang="es-PE" dirty="0" smtClean="0">
-                <a:solidFill>
-                  <a:srgbClr val="FF0000"/>
-                </a:solidFill>
-              </a:rPr>
-              <a:t> </a:t>
-            </a:r>
-            <a:r>
-              <a:rPr lang="es-PE" dirty="0" err="1" smtClean="0">
-                <a:solidFill>
-                  <a:srgbClr val="FF0000"/>
-                </a:solidFill>
-              </a:rPr>
-              <a:t>Obsession</a:t>
-            </a:r>
-            <a:endParaRPr lang="es-PE" dirty="0">
-              <a:solidFill>
-                <a:srgbClr val="FF0000"/>
-              </a:solidFill>
-            </a:endParaRPr>
-          </a:p>
-        </p:txBody>
-      </p:sp>
-      <p:sp>
-        <p:nvSpPr>
-          <p:cNvPr id="3" name="2 Marcador de contenido"/>
-          <p:cNvSpPr>
-            <a:spLocks noGrp="1"/>
-          </p:cNvSpPr>
-          <p:nvPr>
-            <p:ph idx="1"/>
-          </p:nvPr>
-        </p:nvSpPr>
-        <p:spPr>
-          <a:xfrm>
-            <a:off x="457200" y="1600203"/>
-            <a:ext cx="8219256" cy="4637109"/>
-          </a:xfrm>
-        </p:spPr>
-        <p:txBody>
-          <a:bodyPr/>
-          <a:lstStyle/>
-          <a:p>
-            <a:r>
-              <a:rPr lang="es-PE" dirty="0" smtClean="0">
-                <a:solidFill>
-                  <a:srgbClr val="FFC000"/>
-                </a:solidFill>
-              </a:rPr>
-              <a:t>Código duplicado: </a:t>
-            </a:r>
-            <a:r>
-              <a:rPr lang="es-PE" dirty="0" smtClean="0"/>
-              <a:t>Los tipos primitivos realizan tareas que se repiten en muchos lugares del código.</a:t>
-            </a:r>
-          </a:p>
-          <a:p>
-            <a:endParaRPr lang="es-PE" dirty="0"/>
-          </a:p>
-          <a:p>
-            <a:r>
-              <a:rPr lang="es-PE" dirty="0">
-                <a:solidFill>
-                  <a:srgbClr val="FFC000"/>
-                </a:solidFill>
-              </a:rPr>
-              <a:t>Pobre diseño: </a:t>
-            </a:r>
-            <a:r>
-              <a:rPr lang="es-PE" dirty="0"/>
-              <a:t>Muy pocas abstracciones y un diseño no orientado a objetos</a:t>
-            </a:r>
-            <a:r>
-              <a:rPr lang="es-PE" dirty="0" smtClean="0"/>
-              <a:t>.</a:t>
-            </a:r>
-            <a:endParaRPr lang="es-PE" dirty="0"/>
-          </a:p>
-        </p:txBody>
-      </p:sp>
-    </p:spTree>
-    <p:extLst>
-      <p:ext uri="{BB962C8B-B14F-4D97-AF65-F5344CB8AC3E}">
-        <p14:creationId xmlns:p14="http://schemas.microsoft.com/office/powerpoint/2010/main" val="1494491513"/>
-      </p:ext>
-    </p:extLst>
-  </p:cSld>
-  <p:clrMapOvr>
-    <a:masterClrMapping/>
-  </p:clrMapOvr>
-  <p:timing>
-    <p:tnLst>
-      <p:par>
-        <p:cTn id="1" dur="indefinite" restart="never" nodeType="tmRoot"/>
-      </p:par>
-    </p:tnLst>
-  </p:timing>
-</p:sld>
-</file>
-
-<file path=ppt/slides/slide23.xml><?xml version="1.0" encoding="utf-8"?>
-<p:sld xmlns:a="http://schemas.openxmlformats.org/drawingml/2006/main" xmlns:r="http://schemas.openxmlformats.org/officeDocument/2006/relationships" xmlns:p="http://schemas.openxmlformats.org/presentationml/2006/main">
-  <p:cSld>
-    <p:spTree>
-      <p:nvGrpSpPr>
-        <p:cNvPr id="1" name=""/>
-        <p:cNvGrpSpPr/>
-        <p:nvPr/>
-      </p:nvGrpSpPr>
-      <p:grpSpPr>
-        <a:xfrm>
-          <a:off x="0" y="0"/>
-          <a:ext cx="0" cy="0"/>
-          <a:chOff x="0" y="0"/>
-          <a:chExt cx="0" cy="0"/>
-        </a:xfrm>
-      </p:grpSpPr>
-      <p:sp>
-        <p:nvSpPr>
-          <p:cNvPr id="2" name="1 Título"/>
-          <p:cNvSpPr>
-            <a:spLocks noGrp="1"/>
-          </p:cNvSpPr>
-          <p:nvPr>
-            <p:ph type="title"/>
-          </p:nvPr>
-        </p:nvSpPr>
-        <p:spPr>
-          <a:xfrm>
-            <a:off x="467544" y="332656"/>
-            <a:ext cx="8229600" cy="796951"/>
-          </a:xfrm>
-        </p:spPr>
-        <p:txBody>
-          <a:bodyPr/>
-          <a:lstStyle/>
-          <a:p>
-            <a:r>
-              <a:rPr lang="es-PE" dirty="0" err="1" smtClean="0">
-                <a:solidFill>
-                  <a:srgbClr val="FF0000"/>
-                </a:solidFill>
-              </a:rPr>
-              <a:t>Feature</a:t>
-            </a:r>
-            <a:r>
-              <a:rPr lang="es-PE" dirty="0" smtClean="0">
-                <a:solidFill>
-                  <a:srgbClr val="FF0000"/>
-                </a:solidFill>
-              </a:rPr>
-              <a:t> </a:t>
-            </a:r>
-            <a:r>
-              <a:rPr lang="es-PE" dirty="0" err="1" smtClean="0">
-                <a:solidFill>
-                  <a:srgbClr val="FF0000"/>
-                </a:solidFill>
-              </a:rPr>
-              <a:t>Envy</a:t>
-            </a:r>
-            <a:endParaRPr lang="es-PE" dirty="0">
-              <a:solidFill>
-                <a:srgbClr val="FF0000"/>
-              </a:solidFill>
-            </a:endParaRPr>
-          </a:p>
-        </p:txBody>
-      </p:sp>
-      <p:sp>
-        <p:nvSpPr>
-          <p:cNvPr id="6" name="5 Marcador de contenido"/>
-          <p:cNvSpPr>
-            <a:spLocks noGrp="1"/>
-          </p:cNvSpPr>
-          <p:nvPr>
-            <p:ph idx="1"/>
-          </p:nvPr>
-        </p:nvSpPr>
-        <p:spPr>
-          <a:xfrm>
-            <a:off x="467544" y="4797152"/>
-            <a:ext cx="8219257" cy="1436525"/>
-          </a:xfrm>
-        </p:spPr>
-        <p:txBody>
-          <a:bodyPr/>
-          <a:lstStyle/>
-          <a:p>
-            <a:pPr marL="0" indent="0" algn="ctr">
-              <a:buNone/>
-            </a:pPr>
-            <a:r>
-              <a:rPr lang="es-PE" sz="2800" dirty="0" smtClean="0"/>
-              <a:t>Un método que se encuentra más interesado en las funcionalidades de otra clase que las funcionalidad de la clase donde se encuentra</a:t>
-            </a:r>
-            <a:endParaRPr lang="es-PE" sz="2800" dirty="0"/>
-          </a:p>
-        </p:txBody>
-      </p:sp>
-      <p:pic>
-        <p:nvPicPr>
-          <p:cNvPr id="3" name="2 Imagen"/>
-          <p:cNvPicPr>
-            <a:picLocks noChangeAspect="1"/>
-          </p:cNvPicPr>
-          <p:nvPr/>
-        </p:nvPicPr>
-        <p:blipFill>
-          <a:blip r:embed="rId2">
-            <a:extLst>
-              <a:ext uri="{28A0092B-C50C-407E-A947-70E740481C1C}">
-                <a14:useLocalDpi xmlns:a14="http://schemas.microsoft.com/office/drawing/2010/main" val="0"/>
-              </a:ext>
-            </a:extLst>
-          </a:blip>
-          <a:stretch>
-            <a:fillRect/>
-          </a:stretch>
-        </p:blipFill>
-        <p:spPr>
-          <a:xfrm>
-            <a:off x="2026060" y="1289215"/>
-            <a:ext cx="5112568" cy="3363921"/>
-          </a:xfrm>
-          <a:prstGeom prst="rect">
-            <a:avLst/>
-          </a:prstGeom>
-        </p:spPr>
-      </p:pic>
-    </p:spTree>
-    <p:extLst>
-      <p:ext uri="{BB962C8B-B14F-4D97-AF65-F5344CB8AC3E}">
-        <p14:creationId xmlns:p14="http://schemas.microsoft.com/office/powerpoint/2010/main" val="317517426"/>
-      </p:ext>
-    </p:extLst>
-  </p:cSld>
-  <p:clrMapOvr>
-    <a:masterClrMapping/>
-  </p:clrMapOvr>
-  <p:timing>
-    <p:tnLst>
-      <p:par>
-        <p:cTn id="1" dur="indefinite" restart="never" nodeType="tmRoot"/>
-      </p:par>
-    </p:tnLst>
-  </p:timing>
-</p:sld>
-</file>
-
-<file path=ppt/slides/slide24.xml><?xml version="1.0" encoding="utf-8"?>
-<p:sld xmlns:a="http://schemas.openxmlformats.org/drawingml/2006/main" xmlns:r="http://schemas.openxmlformats.org/officeDocument/2006/relationships" xmlns:p="http://schemas.openxmlformats.org/presentationml/2006/main">
-  <p:cSld>
-    <p:spTree>
-      <p:nvGrpSpPr>
-        <p:cNvPr id="1" name=""/>
-        <p:cNvGrpSpPr/>
-        <p:nvPr/>
-      </p:nvGrpSpPr>
-      <p:grpSpPr>
-        <a:xfrm>
-          <a:off x="0" y="0"/>
-          <a:ext cx="0" cy="0"/>
-          <a:chOff x="0" y="0"/>
-          <a:chExt cx="0" cy="0"/>
-        </a:xfrm>
-      </p:grpSpPr>
-      <p:sp>
-        <p:nvSpPr>
-          <p:cNvPr id="2" name="1 Título"/>
-          <p:cNvSpPr>
-            <a:spLocks noGrp="1"/>
-          </p:cNvSpPr>
-          <p:nvPr>
-            <p:ph type="title"/>
-          </p:nvPr>
-        </p:nvSpPr>
-        <p:spPr>
-          <a:xfrm>
-            <a:off x="446856" y="836712"/>
-            <a:ext cx="8229600" cy="1143000"/>
-          </a:xfrm>
-        </p:spPr>
-        <p:txBody>
-          <a:bodyPr/>
-          <a:lstStyle/>
-          <a:p>
-            <a:r>
-              <a:rPr lang="es-PE" dirty="0" smtClean="0">
-                <a:solidFill>
-                  <a:srgbClr val="FF0000"/>
-                </a:solidFill>
-              </a:rPr>
-              <a:t>Ejemplo </a:t>
-            </a:r>
-            <a:r>
-              <a:rPr lang="es-PE" dirty="0" err="1" smtClean="0">
-                <a:solidFill>
-                  <a:srgbClr val="FF0000"/>
-                </a:solidFill>
-              </a:rPr>
-              <a:t>Feature</a:t>
-            </a:r>
-            <a:r>
-              <a:rPr lang="es-PE" dirty="0" smtClean="0">
-                <a:solidFill>
-                  <a:srgbClr val="FF0000"/>
-                </a:solidFill>
-              </a:rPr>
-              <a:t> </a:t>
-            </a:r>
-            <a:r>
-              <a:rPr lang="es-PE" dirty="0" err="1" smtClean="0">
-                <a:solidFill>
-                  <a:srgbClr val="FF0000"/>
-                </a:solidFill>
-              </a:rPr>
-              <a:t>Envy</a:t>
-            </a:r>
-            <a:endParaRPr lang="es-PE" dirty="0">
-              <a:solidFill>
-                <a:srgbClr val="FF0000"/>
-              </a:solidFill>
-            </a:endParaRPr>
-          </a:p>
-        </p:txBody>
-      </p:sp>
-      <p:pic>
-        <p:nvPicPr>
-          <p:cNvPr id="3075" name="Picture 3"/>
-          <p:cNvPicPr>
-            <a:picLocks noChangeAspect="1" noChangeArrowheads="1"/>
-          </p:cNvPicPr>
-          <p:nvPr/>
-        </p:nvPicPr>
-        <p:blipFill>
-          <a:blip r:embed="rId2">
-            <a:extLst>
-              <a:ext uri="{28A0092B-C50C-407E-A947-70E740481C1C}">
-                <a14:useLocalDpi xmlns:a14="http://schemas.microsoft.com/office/drawing/2010/main" val="0"/>
-              </a:ext>
-            </a:extLst>
-          </a:blip>
-          <a:srcRect/>
-          <a:stretch>
-            <a:fillRect/>
-          </a:stretch>
-        </p:blipFill>
-        <p:spPr bwMode="auto">
-          <a:xfrm>
-            <a:off x="179512" y="2085975"/>
-            <a:ext cx="8781640" cy="2783185"/>
-          </a:xfrm>
-          <a:prstGeom prst="rect">
-            <a:avLst/>
-          </a:prstGeom>
-          <a:noFill/>
-          <a:ln>
-            <a:noFill/>
-          </a:ln>
-          <a:effectLst/>
-          <a:extLst>
-            <a:ext uri="{909E8E84-426E-40DD-AFC4-6F175D3DCCD1}">
-              <a14:hiddenFill xmlns:a14="http://schemas.microsoft.com/office/drawing/2010/main">
-                <a:solidFill>
-                  <a:schemeClr val="accent1"/>
-                </a:solidFill>
-              </a14:hiddenFill>
-            </a:ext>
-            <a:ext uri="{91240B29-F687-4F45-9708-019B960494DF}">
-              <a14:hiddenLine xmlns:a14="http://schemas.microsoft.com/office/drawing/2010/main" w="9525">
-                <a:solidFill>
-                  <a:schemeClr val="tx1"/>
-                </a:solidFill>
-                <a:miter lim="800000"/>
-                <a:headEnd/>
-                <a:tailEnd/>
-              </a14:hiddenLine>
-            </a:ext>
-            <a:ext uri="{AF507438-7753-43E0-B8FC-AC1667EBCBE1}">
-              <a14:hiddenEffects xmlns:a14="http://schemas.microsoft.com/office/drawing/2010/main">
-                <a:effectLst>
-                  <a:outerShdw dist="35921" dir="2700000" algn="ctr" rotWithShape="0">
-                    <a:schemeClr val="bg2"/>
-                  </a:outerShdw>
-                </a:effectLst>
-              </a14:hiddenEffects>
-            </a:ext>
-          </a:extLst>
-        </p:spPr>
-      </p:pic>
-    </p:spTree>
-    <p:extLst>
-      <p:ext uri="{BB962C8B-B14F-4D97-AF65-F5344CB8AC3E}">
-        <p14:creationId xmlns:p14="http://schemas.microsoft.com/office/powerpoint/2010/main" val="3945515498"/>
-      </p:ext>
-    </p:extLst>
-  </p:cSld>
-  <p:clrMapOvr>
-    <a:masterClrMapping/>
-  </p:clrMapOvr>
-  <p:timing>
-    <p:tnLst>
-      <p:par>
-        <p:cTn id="1" dur="indefinite" restart="never" nodeType="tmRoot"/>
-      </p:par>
-    </p:tnLst>
-  </p:timing>
-</p:sld>
-</file>
-
-<file path=ppt/slides/slide25.xml><?xml version="1.0" encoding="utf-8"?>
-<p:sld xmlns:a="http://schemas.openxmlformats.org/drawingml/2006/main" xmlns:r="http://schemas.openxmlformats.org/officeDocument/2006/relationships" xmlns:p="http://schemas.openxmlformats.org/presentationml/2006/main">
-  <p:cSld>
-    <p:spTree>
-      <p:nvGrpSpPr>
-        <p:cNvPr id="1" name=""/>
-        <p:cNvGrpSpPr/>
-        <p:nvPr/>
-      </p:nvGrpSpPr>
-      <p:grpSpPr>
-        <a:xfrm>
-          <a:off x="0" y="0"/>
-          <a:ext cx="0" cy="0"/>
-          <a:chOff x="0" y="0"/>
-          <a:chExt cx="0" cy="0"/>
-        </a:xfrm>
-      </p:grpSpPr>
-      <p:sp>
-        <p:nvSpPr>
-          <p:cNvPr id="2" name="1 Título"/>
-          <p:cNvSpPr>
-            <a:spLocks noGrp="1"/>
-          </p:cNvSpPr>
-          <p:nvPr>
-            <p:ph type="title"/>
-          </p:nvPr>
-        </p:nvSpPr>
-        <p:spPr/>
-        <p:txBody>
-          <a:bodyPr/>
-          <a:lstStyle/>
-          <a:p>
-            <a:r>
-              <a:rPr lang="es-PE" dirty="0" smtClean="0">
-                <a:solidFill>
-                  <a:srgbClr val="FF0000"/>
-                </a:solidFill>
-              </a:rPr>
-              <a:t>Problemas del </a:t>
-            </a:r>
-            <a:r>
-              <a:rPr lang="es-PE" dirty="0" err="1" smtClean="0">
-                <a:solidFill>
-                  <a:srgbClr val="FF0000"/>
-                </a:solidFill>
-              </a:rPr>
-              <a:t>Primitive</a:t>
-            </a:r>
-            <a:r>
-              <a:rPr lang="es-PE" dirty="0" smtClean="0">
-                <a:solidFill>
-                  <a:srgbClr val="FF0000"/>
-                </a:solidFill>
-              </a:rPr>
-              <a:t> </a:t>
-            </a:r>
-            <a:r>
-              <a:rPr lang="es-PE" dirty="0" err="1" smtClean="0">
-                <a:solidFill>
-                  <a:srgbClr val="FF0000"/>
-                </a:solidFill>
-              </a:rPr>
-              <a:t>Obsession</a:t>
-            </a:r>
-            <a:endParaRPr lang="es-PE" dirty="0">
-              <a:solidFill>
-                <a:srgbClr val="FF0000"/>
-              </a:solidFill>
-            </a:endParaRPr>
-          </a:p>
-        </p:txBody>
-      </p:sp>
-      <p:sp>
-        <p:nvSpPr>
-          <p:cNvPr id="3" name="2 Marcador de contenido"/>
-          <p:cNvSpPr>
-            <a:spLocks noGrp="1"/>
-          </p:cNvSpPr>
-          <p:nvPr>
-            <p:ph idx="1"/>
-          </p:nvPr>
-        </p:nvSpPr>
-        <p:spPr>
-          <a:xfrm>
-            <a:off x="457200" y="1600203"/>
-            <a:ext cx="8219256" cy="3628997"/>
-          </a:xfrm>
-        </p:spPr>
-        <p:txBody>
-          <a:bodyPr/>
-          <a:lstStyle/>
-          <a:p>
-            <a:r>
-              <a:rPr lang="es-PE" dirty="0" smtClean="0">
-                <a:solidFill>
-                  <a:srgbClr val="FFC000"/>
-                </a:solidFill>
-              </a:rPr>
-              <a:t>Alta  dependencia: </a:t>
-            </a:r>
-            <a:r>
-              <a:rPr lang="es-PE" dirty="0" smtClean="0"/>
-              <a:t>El método está dependiendo directamente de muchas funcionalidades de la otra clase.</a:t>
-            </a:r>
-          </a:p>
-          <a:p>
-            <a:endParaRPr lang="es-PE" dirty="0"/>
-          </a:p>
-          <a:p>
-            <a:r>
-              <a:rPr lang="es-PE" dirty="0">
-                <a:solidFill>
-                  <a:srgbClr val="FFC000"/>
-                </a:solidFill>
-              </a:rPr>
-              <a:t>Pobre diseño: </a:t>
-            </a:r>
-            <a:r>
-              <a:rPr lang="es-PE" dirty="0"/>
-              <a:t>Violación del principio de POO «</a:t>
-            </a:r>
-            <a:r>
-              <a:rPr lang="es-PE" dirty="0" err="1"/>
-              <a:t>Tell</a:t>
-            </a:r>
-            <a:r>
-              <a:rPr lang="es-PE" dirty="0"/>
-              <a:t> </a:t>
-            </a:r>
-            <a:r>
-              <a:rPr lang="es-PE" dirty="0" err="1"/>
-              <a:t>dont</a:t>
-            </a:r>
-            <a:r>
-              <a:rPr lang="es-PE" dirty="0"/>
-              <a:t> Ask» lo que lleva a un mal diseño.</a:t>
-            </a:r>
-          </a:p>
-          <a:p>
-            <a:endParaRPr lang="es-PE" dirty="0"/>
-          </a:p>
-        </p:txBody>
-      </p:sp>
-    </p:spTree>
-    <p:extLst>
-      <p:ext uri="{BB962C8B-B14F-4D97-AF65-F5344CB8AC3E}">
-        <p14:creationId xmlns:p14="http://schemas.microsoft.com/office/powerpoint/2010/main" val="940161427"/>
-      </p:ext>
-    </p:extLst>
-  </p:cSld>
-  <p:clrMapOvr>
-    <a:masterClrMapping/>
-  </p:clrMapOvr>
-  <p:timing>
-    <p:tnLst>
-      <p:par>
-        <p:cTn id="1" dur="indefinite" restart="never" nodeType="tmRoot"/>
-      </p:par>
-    </p:tnLst>
-  </p:timing>
-</p:sld>
-</file>
-
-<file path=ppt/slides/slide26.xml><?xml version="1.0" encoding="utf-8"?>
-<p:sld xmlns:a="http://schemas.openxmlformats.org/drawingml/2006/main" xmlns:r="http://schemas.openxmlformats.org/officeDocument/2006/relationships" xmlns:p="http://schemas.openxmlformats.org/presentationml/2006/main">
-  <p:cSld>
-    <p:spTree>
-      <p:nvGrpSpPr>
-        <p:cNvPr id="1" name=""/>
-        <p:cNvGrpSpPr/>
-        <p:nvPr/>
-      </p:nvGrpSpPr>
-      <p:grpSpPr>
-        <a:xfrm>
-          <a:off x="0" y="0"/>
-          <a:ext cx="0" cy="0"/>
-          <a:chOff x="0" y="0"/>
-          <a:chExt cx="0" cy="0"/>
-        </a:xfrm>
-      </p:grpSpPr>
-      <p:sp>
-        <p:nvSpPr>
           <p:cNvPr id="3" name="2 Título"/>
           <p:cNvSpPr>
             <a:spLocks noGrp="1"/>
@@ -12900,7 +9307,7 @@
 </p:sld>
 </file>
 
-<file path=ppt/slides/slide27.xml><?xml version="1.0" encoding="utf-8"?>
+<file path=ppt/slides/slide12.xml><?xml version="1.0" encoding="utf-8"?>
 <p:sld xmlns:a="http://schemas.openxmlformats.org/drawingml/2006/main" xmlns:r="http://schemas.openxmlformats.org/officeDocument/2006/relationships" xmlns:p="http://schemas.openxmlformats.org/presentationml/2006/main">
   <p:cSld>
     <p:spTree>
@@ -13163,7 +9570,7 @@
 </p:sld>
 </file>
 
-<file path=ppt/slides/slide28.xml><?xml version="1.0" encoding="utf-8"?>
+<file path=ppt/slides/slide13.xml><?xml version="1.0" encoding="utf-8"?>
 <p:sld xmlns:a="http://schemas.openxmlformats.org/drawingml/2006/main" xmlns:r="http://schemas.openxmlformats.org/officeDocument/2006/relationships" xmlns:p="http://schemas.openxmlformats.org/presentationml/2006/main">
   <p:cSld>
     <p:spTree>
@@ -13504,7 +9911,7 @@
 </p:sld>
 </file>
 
-<file path=ppt/slides/slide29.xml><?xml version="1.0" encoding="utf-8"?>
+<file path=ppt/slides/slide14.xml><?xml version="1.0" encoding="utf-8"?>
 <p:sld xmlns:a="http://schemas.openxmlformats.org/drawingml/2006/main" xmlns:r="http://schemas.openxmlformats.org/officeDocument/2006/relationships" xmlns:p="http://schemas.openxmlformats.org/presentationml/2006/main">
   <p:cSld>
     <p:spTree>
@@ -13608,158 +10015,7 @@
 </p:sld>
 </file>
 
-<file path=ppt/slides/slide3.xml><?xml version="1.0" encoding="utf-8"?>
-<p:sld xmlns:a="http://schemas.openxmlformats.org/drawingml/2006/main" xmlns:r="http://schemas.openxmlformats.org/officeDocument/2006/relationships" xmlns:p="http://schemas.openxmlformats.org/presentationml/2006/main">
-  <p:cSld>
-    <p:spTree>
-      <p:nvGrpSpPr>
-        <p:cNvPr id="1" name=""/>
-        <p:cNvGrpSpPr/>
-        <p:nvPr/>
-      </p:nvGrpSpPr>
-      <p:grpSpPr>
-        <a:xfrm>
-          <a:off x="0" y="0"/>
-          <a:ext cx="0" cy="0"/>
-          <a:chOff x="0" y="0"/>
-          <a:chExt cx="0" cy="0"/>
-        </a:xfrm>
-      </p:grpSpPr>
-      <p:sp>
-        <p:nvSpPr>
-          <p:cNvPr id="2" name="1 Título"/>
-          <p:cNvSpPr>
-            <a:spLocks noGrp="1"/>
-          </p:cNvSpPr>
-          <p:nvPr>
-            <p:ph type="title"/>
-          </p:nvPr>
-        </p:nvSpPr>
-        <p:spPr>
-          <a:xfrm>
-            <a:off x="518864" y="188640"/>
-            <a:ext cx="8229600" cy="818254"/>
-          </a:xfrm>
-          <a:noFill/>
-          <a:ln w="9525">
-            <a:noFill/>
-            <a:miter lim="800000"/>
-            <a:headEnd/>
-            <a:tailEnd/>
-          </a:ln>
-        </p:spPr>
-        <p:txBody>
-          <a:bodyPr vert="horz" wrap="square" lIns="91440" tIns="45720" rIns="91440" bIns="45720" numCol="1" anchor="ctr" anchorCtr="0" compatLnSpc="1">
-            <a:prstTxWarp prst="textNoShape">
-              <a:avLst/>
-            </a:prstTxWarp>
-          </a:bodyPr>
-          <a:lstStyle/>
-          <a:p>
-            <a:r>
-              <a:rPr lang="en-US" dirty="0">
-                <a:solidFill>
-                  <a:srgbClr val="009A46"/>
-                </a:solidFill>
-              </a:rPr>
-              <a:t>Technical Debt</a:t>
-            </a:r>
-          </a:p>
-        </p:txBody>
-      </p:sp>
-      <p:sp>
-        <p:nvSpPr>
-          <p:cNvPr id="20" name="19 CuadroTexto"/>
-          <p:cNvSpPr txBox="1"/>
-          <p:nvPr/>
-        </p:nvSpPr>
-        <p:spPr>
-          <a:xfrm>
-            <a:off x="384050" y="1016160"/>
-            <a:ext cx="8561175" cy="1815882"/>
-          </a:xfrm>
-          <a:prstGeom prst="rect">
-            <a:avLst/>
-          </a:prstGeom>
-          <a:noFill/>
-        </p:spPr>
-        <p:txBody>
-          <a:bodyPr wrap="square" rtlCol="0">
-            <a:spAutoFit/>
-          </a:bodyPr>
-          <a:lstStyle/>
-          <a:p>
-            <a:pPr algn="ctr"/>
-            <a:r>
-              <a:rPr lang="es-PE" sz="2800" dirty="0" smtClean="0"/>
-              <a:t>Obligaciones que una organización toma cuando disminuye consciente o inconscientemente la calidad interna del producto para satisfacer metas a corto plazo pero que son perjudiciales a largo plazo.</a:t>
-            </a:r>
-            <a:endParaRPr lang="es-PE" sz="2800" dirty="0"/>
-          </a:p>
-        </p:txBody>
-      </p:sp>
-      <p:pic>
-        <p:nvPicPr>
-          <p:cNvPr id="2052" name="Picture 4" descr="http://www.debtconsolidationusa.com/wp-content/uploads/2012/02/bad-credit-loans.jpg"/>
-          <p:cNvPicPr>
-            <a:picLocks noChangeAspect="1" noChangeArrowheads="1"/>
-          </p:cNvPicPr>
-          <p:nvPr/>
-        </p:nvPicPr>
-        <p:blipFill>
-          <a:blip r:embed="rId3">
-            <a:extLst>
-              <a:ext uri="{28A0092B-C50C-407E-A947-70E740481C1C}">
-                <a14:useLocalDpi xmlns:a14="http://schemas.microsoft.com/office/drawing/2010/main" val="0"/>
-              </a:ext>
-            </a:extLst>
-          </a:blip>
-          <a:srcRect/>
-          <a:stretch>
-            <a:fillRect/>
-          </a:stretch>
-        </p:blipFill>
-        <p:spPr bwMode="auto">
-          <a:xfrm>
-            <a:off x="2379397" y="2996952"/>
-            <a:ext cx="4570479" cy="3427859"/>
-          </a:xfrm>
-          <a:prstGeom prst="rect">
-            <a:avLst/>
-          </a:prstGeom>
-          <a:noFill/>
-          <a:extLst>
-            <a:ext uri="{909E8E84-426E-40DD-AFC4-6F175D3DCCD1}">
-              <a14:hiddenFill xmlns:a14="http://schemas.microsoft.com/office/drawing/2010/main">
-                <a:solidFill>
-                  <a:srgbClr val="FFFFFF"/>
-                </a:solidFill>
-              </a14:hiddenFill>
-            </a:ext>
-          </a:extLst>
-        </p:spPr>
-      </p:pic>
-    </p:spTree>
-    <p:extLst>
-      <p:ext uri="{BB962C8B-B14F-4D97-AF65-F5344CB8AC3E}">
-        <p14:creationId xmlns:p14="http://schemas.microsoft.com/office/powerpoint/2010/main" val="222094944"/>
-      </p:ext>
-    </p:extLst>
-  </p:cSld>
-  <p:clrMapOvr>
-    <a:masterClrMapping/>
-  </p:clrMapOvr>
-  <p:timing>
-    <p:tnLst>
-      <p:par>
-        <p:cTn id="1" dur="indefinite" restart="never" nodeType="tmRoot"/>
-      </p:par>
-    </p:tnLst>
-  </p:timing>
-</p:sld>
-</file>
-
-<file path=ppt/slides/slide30.xml><?xml version="1.0" encoding="utf-8"?>
+<file path=ppt/slides/slide15.xml><?xml version="1.0" encoding="utf-8"?>
 <p:sld xmlns:a="http://schemas.openxmlformats.org/drawingml/2006/main" xmlns:r="http://schemas.openxmlformats.org/officeDocument/2006/relationships" xmlns:p="http://schemas.openxmlformats.org/presentationml/2006/main">
   <p:cSld>
     <p:spTree>
@@ -13917,7 +10173,7 @@
 </p:sld>
 </file>
 
-<file path=ppt/slides/slide31.xml><?xml version="1.0" encoding="utf-8"?>
+<file path=ppt/slides/slide16.xml><?xml version="1.0" encoding="utf-8"?>
 <p:sld xmlns:a="http://schemas.openxmlformats.org/drawingml/2006/main" xmlns:r="http://schemas.openxmlformats.org/officeDocument/2006/relationships" xmlns:p="http://schemas.openxmlformats.org/presentationml/2006/main">
   <p:cSld>
     <p:spTree>
@@ -14055,7 +10311,7 @@
 </p:sld>
 </file>
 
-<file path=ppt/slides/slide32.xml><?xml version="1.0" encoding="utf-8"?>
+<file path=ppt/slides/slide17.xml><?xml version="1.0" encoding="utf-8"?>
 <p:sld xmlns:a="http://schemas.openxmlformats.org/drawingml/2006/main" xmlns:r="http://schemas.openxmlformats.org/officeDocument/2006/relationships" xmlns:p="http://schemas.openxmlformats.org/presentationml/2006/main">
   <p:cSld>
     <p:spTree>
@@ -14458,7 +10714,7 @@
 </p:sld>
 </file>
 
-<file path=ppt/slides/slide33.xml><?xml version="1.0" encoding="utf-8"?>
+<file path=ppt/slides/slide18.xml><?xml version="1.0" encoding="utf-8"?>
 <p:sld xmlns:a="http://schemas.openxmlformats.org/drawingml/2006/main" xmlns:r="http://schemas.openxmlformats.org/officeDocument/2006/relationships" xmlns:p="http://schemas.openxmlformats.org/presentationml/2006/main">
   <p:cSld>
     <p:spTree>
@@ -14756,7 +11012,7 @@
 </p:sld>
 </file>
 
-<file path=ppt/slides/slide34.xml><?xml version="1.0" encoding="utf-8"?>
+<file path=ppt/slides/slide19.xml><?xml version="1.0" encoding="utf-8"?>
 <p:sld xmlns:a="http://schemas.openxmlformats.org/drawingml/2006/main" xmlns:r="http://schemas.openxmlformats.org/officeDocument/2006/relationships" xmlns:p="http://schemas.openxmlformats.org/presentationml/2006/main">
   <p:cSld>
     <p:bg>
@@ -14823,7 +11079,7 @@
 </p:sld>
 </file>
 
-<file path=ppt/slides/slide35.xml><?xml version="1.0" encoding="utf-8"?>
+<file path=ppt/slides/slide2.xml><?xml version="1.0" encoding="utf-8"?>
 <p:sld xmlns:a="http://schemas.openxmlformats.org/drawingml/2006/main" xmlns:r="http://schemas.openxmlformats.org/officeDocument/2006/relationships" xmlns:p="http://schemas.openxmlformats.org/presentationml/2006/main">
   <p:cSld>
     <p:spTree>
@@ -14842,7 +11098,7 @@
       </p:grpSpPr>
       <p:sp>
         <p:nvSpPr>
-          <p:cNvPr id="2" name="1 Título"/>
+          <p:cNvPr id="6" name="2 Título"/>
           <p:cNvSpPr>
             <a:spLocks noGrp="1"/>
           </p:cNvSpPr>
@@ -14852,8 +11108,8 @@
         </p:nvSpPr>
         <p:spPr>
           <a:xfrm>
-            <a:off x="457200" y="166055"/>
-            <a:ext cx="8229600" cy="634081"/>
+            <a:off x="529208" y="44624"/>
+            <a:ext cx="8229600" cy="792088"/>
           </a:xfrm>
         </p:spPr>
         <p:txBody>
@@ -14861,77 +11117,240 @@
           <a:lstStyle/>
           <a:p>
             <a:r>
-              <a:rPr lang="es-PE" dirty="0" err="1" smtClean="0">
-                <a:solidFill>
-                  <a:srgbClr val="009A46"/>
-                </a:solidFill>
-              </a:rPr>
-              <a:t>Move</a:t>
-            </a:r>
-            <a:r>
               <a:rPr lang="es-PE" dirty="0" smtClean="0">
                 <a:solidFill>
-                  <a:srgbClr val="009A46"/>
-                </a:solidFill>
-              </a:rPr>
-              <a:t> </a:t>
-            </a:r>
-            <a:r>
-              <a:rPr lang="es-PE" dirty="0" err="1" smtClean="0">
-                <a:solidFill>
-                  <a:srgbClr val="009A46"/>
-                </a:solidFill>
-              </a:rPr>
-              <a:t>Method</a:t>
+                  <a:srgbClr val="00823B"/>
+                </a:solidFill>
+              </a:rPr>
+              <a:t>Licencia de Uso</a:t>
             </a:r>
             <a:endParaRPr lang="es-PE" dirty="0">
               <a:solidFill>
-                <a:srgbClr val="009A46"/>
+                <a:srgbClr val="00823B"/>
               </a:solidFill>
             </a:endParaRPr>
           </a:p>
         </p:txBody>
       </p:sp>
-      <p:sp>
-        <p:nvSpPr>
-          <p:cNvPr id="10" name="5 Marcador de contenido"/>
-          <p:cNvSpPr>
-            <a:spLocks noGrp="1"/>
-          </p:cNvSpPr>
-          <p:nvPr>
-            <p:ph idx="1"/>
-          </p:nvPr>
+      <p:pic>
+        <p:nvPicPr>
+          <p:cNvPr id="1028" name="Picture 4"/>
+          <p:cNvPicPr>
+            <a:picLocks noChangeAspect="1" noChangeArrowheads="1"/>
+          </p:cNvPicPr>
+          <p:nvPr/>
+        </p:nvPicPr>
+        <p:blipFill>
+          <a:blip r:embed="rId3">
+            <a:extLst>
+              <a:ext uri="{28A0092B-C50C-407E-A947-70E740481C1C}">
+                <a14:useLocalDpi xmlns:a14="http://schemas.microsoft.com/office/drawing/2010/main" val="0"/>
+              </a:ext>
+            </a:extLst>
+          </a:blip>
+          <a:srcRect/>
+          <a:stretch>
+            <a:fillRect/>
+          </a:stretch>
+        </p:blipFill>
+        <p:spPr bwMode="auto">
+          <a:xfrm>
+            <a:off x="228576" y="839624"/>
+            <a:ext cx="8686848" cy="4706722"/>
+          </a:xfrm>
+          <a:prstGeom prst="rect">
+            <a:avLst/>
+          </a:prstGeom>
+          <a:noFill/>
+          <a:ln>
+            <a:noFill/>
+          </a:ln>
+          <a:effectLst/>
+          <a:extLst>
+            <a:ext uri="{909E8E84-426E-40DD-AFC4-6F175D3DCCD1}">
+              <a14:hiddenFill xmlns:a14="http://schemas.microsoft.com/office/drawing/2010/main">
+                <a:solidFill>
+                  <a:schemeClr val="accent1"/>
+                </a:solidFill>
+              </a14:hiddenFill>
+            </a:ext>
+            <a:ext uri="{91240B29-F687-4F45-9708-019B960494DF}">
+              <a14:hiddenLine xmlns:a14="http://schemas.microsoft.com/office/drawing/2010/main" w="9525">
+                <a:solidFill>
+                  <a:schemeClr val="tx1"/>
+                </a:solidFill>
+                <a:miter lim="800000"/>
+                <a:headEnd/>
+                <a:tailEnd/>
+              </a14:hiddenLine>
+            </a:ext>
+            <a:ext uri="{AF507438-7753-43E0-B8FC-AC1667EBCBE1}">
+              <a14:hiddenEffects xmlns:a14="http://schemas.microsoft.com/office/drawing/2010/main">
+                <a:effectLst>
+                  <a:outerShdw dist="35921" dir="2700000" algn="ctr" rotWithShape="0">
+                    <a:schemeClr val="bg2"/>
+                  </a:outerShdw>
+                </a:effectLst>
+              </a14:hiddenEffects>
+            </a:ext>
+          </a:extLst>
+        </p:spPr>
+      </p:pic>
+      <p:sp>
+        <p:nvSpPr>
+          <p:cNvPr id="5" name="4 Rectángulo"/>
+          <p:cNvSpPr/>
+          <p:nvPr/>
         </p:nvSpPr>
         <p:spPr>
           <a:xfrm>
-            <a:off x="462372" y="890432"/>
-            <a:ext cx="8219257" cy="1008112"/>
+            <a:off x="135422" y="5567000"/>
+            <a:ext cx="8334672" cy="1138773"/>
           </a:xfrm>
+          <a:prstGeom prst="rect">
+            <a:avLst/>
+          </a:prstGeom>
         </p:spPr>
         <p:txBody>
-          <a:bodyPr/>
+          <a:bodyPr wrap="square">
+            <a:spAutoFit/>
+          </a:bodyPr>
           <a:lstStyle/>
           <a:p>
-            <a:pPr marL="0" indent="0" algn="ctr">
-              <a:buNone/>
-            </a:pPr>
-            <a:r>
-              <a:rPr lang="es-PE" sz="2800" dirty="0" smtClean="0"/>
-              <a:t>Mover un fragmento de código a un método cuyo nombre explique el propósito del método.</a:t>
-            </a:r>
+            <a:r>
+              <a:rPr lang="en-US" sz="2200" dirty="0" smtClean="0"/>
+              <a:t>"Code Smells and Refactoring"</a:t>
+            </a:r>
+            <a:r>
+              <a:rPr lang="en-US" sz="2200" dirty="0"/>
+              <a:t>  is licensed under a </a:t>
+            </a:r>
+            <a:r>
+              <a:rPr lang="en-US" sz="2200" dirty="0" smtClean="0"/>
+              <a:t/>
+            </a:r>
+            <a:br>
+              <a:rPr lang="en-US" sz="2200" dirty="0" smtClean="0"/>
+            </a:br>
+            <a:r>
+              <a:rPr lang="en-US" sz="2200" dirty="0" smtClean="0">
+                <a:solidFill>
+                  <a:srgbClr val="FFC000"/>
+                </a:solidFill>
+              </a:rPr>
+              <a:t>Creative </a:t>
+            </a:r>
+            <a:r>
+              <a:rPr lang="en-US" sz="2200" dirty="0">
+                <a:solidFill>
+                  <a:srgbClr val="FFC000"/>
+                </a:solidFill>
+              </a:rPr>
+              <a:t>Commons Attribution-</a:t>
+            </a:r>
+            <a:r>
+              <a:rPr lang="en-US" sz="2200" dirty="0" err="1">
+                <a:solidFill>
+                  <a:srgbClr val="FFC000"/>
+                </a:solidFill>
+              </a:rPr>
+              <a:t>ShareAlike</a:t>
+            </a:r>
+            <a:r>
+              <a:rPr lang="en-US" sz="2200" dirty="0">
+                <a:solidFill>
+                  <a:srgbClr val="FFC000"/>
+                </a:solidFill>
+              </a:rPr>
+              <a:t> 3.0 </a:t>
+            </a:r>
+            <a:r>
+              <a:rPr lang="en-US" sz="2200" dirty="0" err="1">
+                <a:solidFill>
+                  <a:srgbClr val="FFC000"/>
+                </a:solidFill>
+              </a:rPr>
+              <a:t>Unported</a:t>
+            </a:r>
+            <a:r>
+              <a:rPr lang="en-US" sz="2200" dirty="0">
+                <a:solidFill>
+                  <a:srgbClr val="FFC000"/>
+                </a:solidFill>
+              </a:rPr>
+              <a:t> </a:t>
+            </a:r>
+            <a:r>
+              <a:rPr lang="en-US" sz="2200" dirty="0" smtClean="0">
+                <a:solidFill>
+                  <a:srgbClr val="FFC000"/>
+                </a:solidFill>
+              </a:rPr>
+              <a:t>License</a:t>
+            </a:r>
+          </a:p>
+          <a:p>
+            <a:r>
+              <a:rPr lang="es-PE" sz="2200" dirty="0"/>
+              <a:t>http://creativecommons.org/licenses/by-nc-sa/3.0/deed.es</a:t>
+            </a:r>
+            <a:endParaRPr lang="es-PE" sz="2200" dirty="0">
+              <a:solidFill>
+                <a:srgbClr val="FFC000"/>
+              </a:solidFill>
+            </a:endParaRPr>
+          </a:p>
+        </p:txBody>
+      </p:sp>
+      <p:sp>
+        <p:nvSpPr>
+          <p:cNvPr id="9" name="AutoShape 10" descr="http://i.creativecommons.org/l/by-sa/3.0/88x31.png"/>
+          <p:cNvSpPr>
+            <a:spLocks noChangeAspect="1" noChangeArrowheads="1"/>
+          </p:cNvSpPr>
+          <p:nvPr/>
+        </p:nvSpPr>
+        <p:spPr bwMode="auto">
+          <a:xfrm>
+            <a:off x="155575" y="-144463"/>
+            <a:ext cx="304800" cy="304801"/>
+          </a:xfrm>
+          <a:prstGeom prst="rect">
+            <a:avLst/>
+          </a:prstGeom>
+          <a:noFill/>
+          <a:extLst>
+            <a:ext uri="{909E8E84-426E-40DD-AFC4-6F175D3DCCD1}">
+              <a14:hiddenFill xmlns:a14="http://schemas.microsoft.com/office/drawing/2010/main">
+                <a:solidFill>
+                  <a:srgbClr val="FFFFFF"/>
+                </a:solidFill>
+              </a14:hiddenFill>
+            </a:ext>
+          </a:extLst>
+        </p:spPr>
+        <p:txBody>
+          <a:bodyPr vert="horz" wrap="square" lIns="91440" tIns="45720" rIns="91440" bIns="45720" numCol="1" anchor="t" anchorCtr="0" compatLnSpc="1">
+            <a:prstTxWarp prst="textNoShape">
+              <a:avLst/>
+            </a:prstTxWarp>
+          </a:bodyPr>
+          <a:lstStyle/>
+          <a:p>
+            <a:endParaRPr lang="es-PE"/>
           </a:p>
         </p:txBody>
       </p:sp>
       <p:pic>
         <p:nvPicPr>
-          <p:cNvPr id="12" name="11 Imagen"/>
+          <p:cNvPr id="15" name="14 Imagen"/>
           <p:cNvPicPr>
             <a:picLocks noChangeAspect="1"/>
           </p:cNvPicPr>
           <p:nvPr/>
         </p:nvPicPr>
         <p:blipFill>
-          <a:blip r:embed="rId3">
+          <a:blip r:embed="rId4">
             <a:extLst>
               <a:ext uri="{28A0092B-C50C-407E-A947-70E740481C1C}">
                 <a14:useLocalDpi xmlns:a14="http://schemas.microsoft.com/office/drawing/2010/main" val="0"/>
@@ -14944,8 +11363,8 @@
         </p:blipFill>
         <p:spPr>
           <a:xfrm>
-            <a:off x="683568" y="2003298"/>
-            <a:ext cx="7760808" cy="4522046"/>
+            <a:off x="7669841" y="5916993"/>
+            <a:ext cx="1245583" cy="438785"/>
           </a:xfrm>
           <a:prstGeom prst="rect">
             <a:avLst/>
@@ -14955,7 +11374,7 @@
     </p:spTree>
     <p:extLst>
       <p:ext uri="{BB962C8B-B14F-4D97-AF65-F5344CB8AC3E}">
-        <p14:creationId xmlns:p14="http://schemas.microsoft.com/office/powerpoint/2010/main" val="2015674878"/>
+        <p14:creationId xmlns:p14="http://schemas.microsoft.com/office/powerpoint/2010/main" val="1719661553"/>
       </p:ext>
     </p:extLst>
   </p:cSld>
@@ -14972,140 +11391,7 @@
 </p:sld>
 </file>
 
-<file path=ppt/slides/slide36.xml><?xml version="1.0" encoding="utf-8"?>
-<p:sld xmlns:a="http://schemas.openxmlformats.org/drawingml/2006/main" xmlns:r="http://schemas.openxmlformats.org/officeDocument/2006/relationships" xmlns:p="http://schemas.openxmlformats.org/presentationml/2006/main">
-  <p:cSld>
-    <p:spTree>
-      <p:nvGrpSpPr>
-        <p:cNvPr id="1" name=""/>
-        <p:cNvGrpSpPr/>
-        <p:nvPr/>
-      </p:nvGrpSpPr>
-      <p:grpSpPr>
-        <a:xfrm>
-          <a:off x="0" y="0"/>
-          <a:ext cx="0" cy="0"/>
-          <a:chOff x="0" y="0"/>
-          <a:chExt cx="0" cy="0"/>
-        </a:xfrm>
-      </p:grpSpPr>
-      <p:sp>
-        <p:nvSpPr>
-          <p:cNvPr id="2" name="1 Título"/>
-          <p:cNvSpPr>
-            <a:spLocks noGrp="1"/>
-          </p:cNvSpPr>
-          <p:nvPr>
-            <p:ph type="title"/>
-          </p:nvPr>
-        </p:nvSpPr>
-        <p:spPr>
-          <a:xfrm>
-            <a:off x="457200" y="166055"/>
-            <a:ext cx="8229600" cy="634081"/>
-          </a:xfrm>
-        </p:spPr>
-        <p:txBody>
-          <a:bodyPr/>
-          <a:lstStyle/>
-          <a:p>
-            <a:r>
-              <a:rPr lang="es-PE" dirty="0" err="1" smtClean="0">
-                <a:solidFill>
-                  <a:srgbClr val="009A46"/>
-                </a:solidFill>
-              </a:rPr>
-              <a:t>Rename</a:t>
-            </a:r>
-            <a:endParaRPr lang="es-PE" dirty="0">
-              <a:solidFill>
-                <a:srgbClr val="009A46"/>
-              </a:solidFill>
-            </a:endParaRPr>
-          </a:p>
-        </p:txBody>
-      </p:sp>
-      <p:sp>
-        <p:nvSpPr>
-          <p:cNvPr id="10" name="5 Marcador de contenido"/>
-          <p:cNvSpPr>
-            <a:spLocks noGrp="1"/>
-          </p:cNvSpPr>
-          <p:nvPr>
-            <p:ph idx="1"/>
-          </p:nvPr>
-        </p:nvSpPr>
-        <p:spPr>
-          <a:xfrm>
-            <a:off x="462372" y="1052736"/>
-            <a:ext cx="8219257" cy="1008112"/>
-          </a:xfrm>
-        </p:spPr>
-        <p:txBody>
-          <a:bodyPr/>
-          <a:lstStyle/>
-          <a:p>
-            <a:pPr marL="0" indent="0" algn="ctr">
-              <a:buNone/>
-            </a:pPr>
-            <a:r>
-              <a:rPr lang="es-PE" sz="2800" dirty="0" smtClean="0"/>
-              <a:t>Cambiar el nombre de una variable o método si este no revela su propósito.</a:t>
-            </a:r>
-          </a:p>
-        </p:txBody>
-      </p:sp>
-      <p:pic>
-        <p:nvPicPr>
-          <p:cNvPr id="4" name="3 Imagen"/>
-          <p:cNvPicPr>
-            <a:picLocks noChangeAspect="1"/>
-          </p:cNvPicPr>
-          <p:nvPr/>
-        </p:nvPicPr>
-        <p:blipFill>
-          <a:blip r:embed="rId3">
-            <a:extLst>
-              <a:ext uri="{28A0092B-C50C-407E-A947-70E740481C1C}">
-                <a14:useLocalDpi xmlns:a14="http://schemas.microsoft.com/office/drawing/2010/main" val="0"/>
-              </a:ext>
-            </a:extLst>
-          </a:blip>
-          <a:stretch>
-            <a:fillRect/>
-          </a:stretch>
-        </p:blipFill>
-        <p:spPr>
-          <a:xfrm>
-            <a:off x="251520" y="2276872"/>
-            <a:ext cx="8676456" cy="1588312"/>
-          </a:xfrm>
-          <a:prstGeom prst="rect">
-            <a:avLst/>
-          </a:prstGeom>
-        </p:spPr>
-      </p:pic>
-    </p:spTree>
-    <p:extLst>
-      <p:ext uri="{BB962C8B-B14F-4D97-AF65-F5344CB8AC3E}">
-        <p14:creationId xmlns:p14="http://schemas.microsoft.com/office/powerpoint/2010/main" val="527365351"/>
-      </p:ext>
-    </p:extLst>
-  </p:cSld>
-  <p:clrMapOvr>
-    <a:masterClrMapping/>
-  </p:clrMapOvr>
-  <p:timing>
-    <p:tnLst>
-      <p:par>
-        <p:cTn id="1" dur="indefinite" restart="never" nodeType="tmRoot"/>
-      </p:par>
-    </p:tnLst>
-  </p:timing>
-</p:sld>
-</file>
-
-<file path=ppt/slides/slide37.xml><?xml version="1.0" encoding="utf-8"?>
+<file path=ppt/slides/slide20.xml><?xml version="1.0" encoding="utf-8"?>
 <p:sld xmlns:a="http://schemas.openxmlformats.org/drawingml/2006/main" xmlns:r="http://schemas.openxmlformats.org/officeDocument/2006/relationships" xmlns:p="http://schemas.openxmlformats.org/presentationml/2006/main">
   <p:cSld>
     <p:spTree>
@@ -15469,7 +11755,7 @@
 </p:sld>
 </file>
 
-<file path=ppt/slides/slide38.xml><?xml version="1.0" encoding="utf-8"?>
+<file path=ppt/slides/slide21.xml><?xml version="1.0" encoding="utf-8"?>
 <p:sld xmlns:a="http://schemas.openxmlformats.org/drawingml/2006/main" xmlns:r="http://schemas.openxmlformats.org/officeDocument/2006/relationships" xmlns:p="http://schemas.openxmlformats.org/presentationml/2006/main">
   <p:cSld>
     <p:spTree>
@@ -16018,7 +12304,7 @@
 </p:sld>
 </file>
 
-<file path=ppt/slides/slide39.xml><?xml version="1.0" encoding="utf-8"?>
+<file path=ppt/slides/slide22.xml><?xml version="1.0" encoding="utf-8"?>
 <p:sld xmlns:a="http://schemas.openxmlformats.org/drawingml/2006/main" xmlns:r="http://schemas.openxmlformats.org/officeDocument/2006/relationships" xmlns:p="http://schemas.openxmlformats.org/presentationml/2006/main">
   <p:cSld>
     <p:spTree>
@@ -16557,6 +12843,1847 @@
     <p:extLst>
       <p:ext uri="{BB962C8B-B14F-4D97-AF65-F5344CB8AC3E}">
         <p14:creationId xmlns:p14="http://schemas.microsoft.com/office/powerpoint/2010/main" val="399224212"/>
+      </p:ext>
+    </p:extLst>
+  </p:cSld>
+  <p:clrMapOvr>
+    <a:masterClrMapping/>
+  </p:clrMapOvr>
+  <p:timing>
+    <p:tnLst>
+      <p:par>
+        <p:cTn id="1" dur="indefinite" restart="never" nodeType="tmRoot"/>
+      </p:par>
+    </p:tnLst>
+  </p:timing>
+</p:sld>
+</file>
+
+<file path=ppt/slides/slide23.xml><?xml version="1.0" encoding="utf-8"?>
+<p:sld xmlns:a="http://schemas.openxmlformats.org/drawingml/2006/main" xmlns:r="http://schemas.openxmlformats.org/officeDocument/2006/relationships" xmlns:p="http://schemas.openxmlformats.org/presentationml/2006/main">
+  <p:cSld>
+    <p:spTree>
+      <p:nvGrpSpPr>
+        <p:cNvPr id="1" name=""/>
+        <p:cNvGrpSpPr/>
+        <p:nvPr/>
+      </p:nvGrpSpPr>
+      <p:grpSpPr>
+        <a:xfrm>
+          <a:off x="0" y="0"/>
+          <a:ext cx="0" cy="0"/>
+          <a:chOff x="0" y="0"/>
+          <a:chExt cx="0" cy="0"/>
+        </a:xfrm>
+      </p:grpSpPr>
+      <p:sp>
+        <p:nvSpPr>
+          <p:cNvPr id="7" name="1 Título"/>
+          <p:cNvSpPr>
+            <a:spLocks noGrp="1"/>
+          </p:cNvSpPr>
+          <p:nvPr>
+            <p:ph type="title"/>
+          </p:nvPr>
+        </p:nvSpPr>
+        <p:spPr>
+          <a:xfrm>
+            <a:off x="505024" y="548680"/>
+            <a:ext cx="8229600" cy="1143000"/>
+          </a:xfrm>
+        </p:spPr>
+        <p:txBody>
+          <a:bodyPr/>
+          <a:lstStyle/>
+          <a:p>
+            <a:r>
+              <a:rPr lang="es-PE" dirty="0" smtClean="0">
+                <a:solidFill>
+                  <a:srgbClr val="009A46"/>
+                </a:solidFill>
+              </a:rPr>
+              <a:t>¿Cómo </a:t>
+            </a:r>
+            <a:r>
+              <a:rPr lang="es-PE" dirty="0" err="1" smtClean="0">
+                <a:solidFill>
+                  <a:srgbClr val="009A46"/>
+                </a:solidFill>
+              </a:rPr>
+              <a:t>refactorizar</a:t>
+            </a:r>
+            <a:r>
+              <a:rPr lang="es-PE" dirty="0" smtClean="0">
+                <a:solidFill>
+                  <a:srgbClr val="009A46"/>
+                </a:solidFill>
+              </a:rPr>
+              <a:t>?</a:t>
+            </a:r>
+            <a:endParaRPr lang="es-PE" dirty="0">
+              <a:solidFill>
+                <a:srgbClr val="009A46"/>
+              </a:solidFill>
+            </a:endParaRPr>
+          </a:p>
+        </p:txBody>
+      </p:sp>
+      <p:sp>
+        <p:nvSpPr>
+          <p:cNvPr id="8" name="5 Marcador de contenido"/>
+          <p:cNvSpPr txBox="1">
+            <a:spLocks/>
+          </p:cNvSpPr>
+          <p:nvPr/>
+        </p:nvSpPr>
+        <p:spPr bwMode="auto">
+          <a:xfrm>
+            <a:off x="539552" y="1763688"/>
+            <a:ext cx="8208912" cy="4032448"/>
+          </a:xfrm>
+          <a:prstGeom prst="rect">
+            <a:avLst/>
+          </a:prstGeom>
+          <a:noFill/>
+          <a:ln w="9525">
+            <a:noFill/>
+            <a:miter lim="800000"/>
+            <a:headEnd/>
+            <a:tailEnd/>
+          </a:ln>
+        </p:spPr>
+        <p:txBody>
+          <a:bodyPr vert="horz" wrap="square" lIns="91440" tIns="45720" rIns="91440" bIns="45720" numCol="1" anchor="t" anchorCtr="0" compatLnSpc="1">
+            <a:prstTxWarp prst="textNoShape">
+              <a:avLst/>
+            </a:prstTxWarp>
+          </a:bodyPr>
+          <a:lstStyle>
+            <a:lvl1pPr marL="342900" indent="-342900" algn="l" rtl="0" eaLnBrk="1" fontAlgn="base" hangingPunct="1">
+              <a:spcBef>
+                <a:spcPct val="20000"/>
+              </a:spcBef>
+              <a:spcAft>
+                <a:spcPct val="0"/>
+              </a:spcAft>
+              <a:buFont typeface="Arial" charset="0"/>
+              <a:buChar char="•"/>
+              <a:defRPr sz="3200" kern="1200">
+                <a:solidFill>
+                  <a:schemeClr val="tx1"/>
+                </a:solidFill>
+                <a:latin typeface="+mn-lt"/>
+                <a:ea typeface="+mn-ea"/>
+                <a:cs typeface="+mn-cs"/>
+              </a:defRPr>
+            </a:lvl1pPr>
+            <a:lvl2pPr marL="742950" indent="-285750" algn="l" rtl="0" eaLnBrk="1" fontAlgn="base" hangingPunct="1">
+              <a:spcBef>
+                <a:spcPct val="20000"/>
+              </a:spcBef>
+              <a:spcAft>
+                <a:spcPct val="0"/>
+              </a:spcAft>
+              <a:buFont typeface="Arial" charset="0"/>
+              <a:buChar char="–"/>
+              <a:defRPr sz="2800" kern="1200">
+                <a:solidFill>
+                  <a:schemeClr val="tx1"/>
+                </a:solidFill>
+                <a:latin typeface="+mn-lt"/>
+                <a:ea typeface="+mn-ea"/>
+                <a:cs typeface="+mn-cs"/>
+              </a:defRPr>
+            </a:lvl2pPr>
+            <a:lvl3pPr marL="1143000" indent="-228600" algn="l" rtl="0" eaLnBrk="1" fontAlgn="base" hangingPunct="1">
+              <a:spcBef>
+                <a:spcPct val="20000"/>
+              </a:spcBef>
+              <a:spcAft>
+                <a:spcPct val="0"/>
+              </a:spcAft>
+              <a:buFont typeface="Arial" charset="0"/>
+              <a:buChar char="•"/>
+              <a:defRPr sz="2400" kern="1200">
+                <a:solidFill>
+                  <a:schemeClr val="tx1"/>
+                </a:solidFill>
+                <a:latin typeface="+mn-lt"/>
+                <a:ea typeface="+mn-ea"/>
+                <a:cs typeface="+mn-cs"/>
+              </a:defRPr>
+            </a:lvl3pPr>
+            <a:lvl4pPr marL="1600200" indent="-228600" algn="l" rtl="0" eaLnBrk="1" fontAlgn="base" hangingPunct="1">
+              <a:spcBef>
+                <a:spcPct val="20000"/>
+              </a:spcBef>
+              <a:spcAft>
+                <a:spcPct val="0"/>
+              </a:spcAft>
+              <a:buFont typeface="Arial" charset="0"/>
+              <a:buChar char="–"/>
+              <a:defRPr sz="2000" kern="1200">
+                <a:solidFill>
+                  <a:schemeClr val="tx1"/>
+                </a:solidFill>
+                <a:latin typeface="+mn-lt"/>
+                <a:ea typeface="+mn-ea"/>
+                <a:cs typeface="+mn-cs"/>
+              </a:defRPr>
+            </a:lvl4pPr>
+            <a:lvl5pPr marL="2057400" indent="-228600" algn="l" rtl="0" eaLnBrk="1" fontAlgn="base" hangingPunct="1">
+              <a:spcBef>
+                <a:spcPct val="20000"/>
+              </a:spcBef>
+              <a:spcAft>
+                <a:spcPct val="0"/>
+              </a:spcAft>
+              <a:buFont typeface="Arial" charset="0"/>
+              <a:buChar char="»"/>
+              <a:defRPr sz="2000" kern="1200">
+                <a:solidFill>
+                  <a:schemeClr val="tx1"/>
+                </a:solidFill>
+                <a:latin typeface="+mn-lt"/>
+                <a:ea typeface="+mn-ea"/>
+                <a:cs typeface="+mn-cs"/>
+              </a:defRPr>
+            </a:lvl5pPr>
+            <a:lvl6pPr marL="2514600" indent="-228600" algn="l" defTabSz="914400" rtl="0" eaLnBrk="1" latinLnBrk="0" hangingPunct="1">
+              <a:spcBef>
+                <a:spcPct val="20000"/>
+              </a:spcBef>
+              <a:buFont typeface="Arial" pitchFamily="34" charset="0"/>
+              <a:buChar char="•"/>
+              <a:defRPr sz="2000" kern="1200">
+                <a:solidFill>
+                  <a:schemeClr val="tx1"/>
+                </a:solidFill>
+                <a:latin typeface="+mn-lt"/>
+                <a:ea typeface="+mn-ea"/>
+                <a:cs typeface="+mn-cs"/>
+              </a:defRPr>
+            </a:lvl6pPr>
+            <a:lvl7pPr marL="2971800" indent="-228600" algn="l" defTabSz="914400" rtl="0" eaLnBrk="1" latinLnBrk="0" hangingPunct="1">
+              <a:spcBef>
+                <a:spcPct val="20000"/>
+              </a:spcBef>
+              <a:buFont typeface="Arial" pitchFamily="34" charset="0"/>
+              <a:buChar char="•"/>
+              <a:defRPr sz="2000" kern="1200">
+                <a:solidFill>
+                  <a:schemeClr val="tx1"/>
+                </a:solidFill>
+                <a:latin typeface="+mn-lt"/>
+                <a:ea typeface="+mn-ea"/>
+                <a:cs typeface="+mn-cs"/>
+              </a:defRPr>
+            </a:lvl7pPr>
+            <a:lvl8pPr marL="3429000" indent="-228600" algn="l" defTabSz="914400" rtl="0" eaLnBrk="1" latinLnBrk="0" hangingPunct="1">
+              <a:spcBef>
+                <a:spcPct val="20000"/>
+              </a:spcBef>
+              <a:buFont typeface="Arial" pitchFamily="34" charset="0"/>
+              <a:buChar char="•"/>
+              <a:defRPr sz="2000" kern="1200">
+                <a:solidFill>
+                  <a:schemeClr val="tx1"/>
+                </a:solidFill>
+                <a:latin typeface="+mn-lt"/>
+                <a:ea typeface="+mn-ea"/>
+                <a:cs typeface="+mn-cs"/>
+              </a:defRPr>
+            </a:lvl8pPr>
+            <a:lvl9pPr marL="3886200" indent="-228600" algn="l" defTabSz="914400" rtl="0" eaLnBrk="1" latinLnBrk="0" hangingPunct="1">
+              <a:spcBef>
+                <a:spcPct val="20000"/>
+              </a:spcBef>
+              <a:buFont typeface="Arial" pitchFamily="34" charset="0"/>
+              <a:buChar char="•"/>
+              <a:defRPr sz="2000" kern="1200">
+                <a:solidFill>
+                  <a:schemeClr val="tx1"/>
+                </a:solidFill>
+                <a:latin typeface="+mn-lt"/>
+                <a:ea typeface="+mn-ea"/>
+                <a:cs typeface="+mn-cs"/>
+              </a:defRPr>
+            </a:lvl9pPr>
+          </a:lstStyle>
+          <a:p>
+            <a:r>
+              <a:rPr lang="es-PE" sz="2800" dirty="0" smtClean="0"/>
+              <a:t>Nunca comenzar a </a:t>
+            </a:r>
+            <a:r>
+              <a:rPr lang="es-PE" sz="2800" dirty="0" err="1" smtClean="0"/>
+              <a:t>refactorizar</a:t>
+            </a:r>
+            <a:r>
+              <a:rPr lang="es-PE" sz="2800" dirty="0" smtClean="0"/>
+              <a:t> en rojo.</a:t>
+            </a:r>
+          </a:p>
+          <a:p>
+            <a:r>
+              <a:rPr lang="es-PE" sz="2800" dirty="0" smtClean="0"/>
+              <a:t>Evitar errores de compilación o resolverlos muy rápidamente.</a:t>
+            </a:r>
+          </a:p>
+          <a:p>
+            <a:r>
+              <a:rPr lang="es-PE" sz="2800" dirty="0" smtClean="0"/>
+              <a:t>Siempre realizar pasos muy pequeños.</a:t>
+            </a:r>
+          </a:p>
+          <a:p>
+            <a:r>
+              <a:rPr lang="es-PE" sz="2800" dirty="0" smtClean="0"/>
+              <a:t>Ejecutar los test constantemente.</a:t>
+            </a:r>
+          </a:p>
+          <a:p>
+            <a:pPr marL="0" indent="0">
+              <a:buNone/>
+            </a:pPr>
+            <a:endParaRPr lang="es-PE" sz="2800" dirty="0" smtClean="0"/>
+          </a:p>
+          <a:p>
+            <a:pPr marL="0" indent="0" algn="ctr">
+              <a:buNone/>
+            </a:pPr>
+            <a:r>
+              <a:rPr lang="es-PE" sz="2800" dirty="0" smtClean="0">
+                <a:solidFill>
+                  <a:srgbClr val="FF0000"/>
+                </a:solidFill>
+              </a:rPr>
+              <a:t>El mejor camino es tomar una actitud cautelosa, siempre en pasos muy pequeños y fáciles de revertir.</a:t>
+            </a:r>
+            <a:endParaRPr lang="es-PE" sz="2800" dirty="0">
+              <a:solidFill>
+                <a:srgbClr val="FF0000"/>
+              </a:solidFill>
+            </a:endParaRPr>
+          </a:p>
+          <a:p>
+            <a:pPr marL="0" indent="0">
+              <a:buNone/>
+            </a:pPr>
+            <a:endParaRPr lang="es-PE" sz="2800" dirty="0"/>
+          </a:p>
+        </p:txBody>
+      </p:sp>
+    </p:spTree>
+    <p:extLst>
+      <p:ext uri="{BB962C8B-B14F-4D97-AF65-F5344CB8AC3E}">
+        <p14:creationId xmlns:p14="http://schemas.microsoft.com/office/powerpoint/2010/main" val="3649338716"/>
+      </p:ext>
+    </p:extLst>
+  </p:cSld>
+  <p:clrMapOvr>
+    <a:masterClrMapping/>
+  </p:clrMapOvr>
+  <p:timing>
+    <p:tnLst>
+      <p:par>
+        <p:cTn id="1" dur="indefinite" restart="never" nodeType="tmRoot"/>
+      </p:par>
+    </p:tnLst>
+  </p:timing>
+</p:sld>
+</file>
+
+<file path=ppt/slides/slide24.xml><?xml version="1.0" encoding="utf-8"?>
+<p:sld xmlns:a="http://schemas.openxmlformats.org/drawingml/2006/main" xmlns:r="http://schemas.openxmlformats.org/officeDocument/2006/relationships" xmlns:p="http://schemas.openxmlformats.org/presentationml/2006/main">
+  <p:cSld>
+    <p:spTree>
+      <p:nvGrpSpPr>
+        <p:cNvPr id="1" name=""/>
+        <p:cNvGrpSpPr/>
+        <p:nvPr/>
+      </p:nvGrpSpPr>
+      <p:grpSpPr>
+        <a:xfrm>
+          <a:off x="0" y="0"/>
+          <a:ext cx="0" cy="0"/>
+          <a:chOff x="0" y="0"/>
+          <a:chExt cx="0" cy="0"/>
+        </a:xfrm>
+      </p:grpSpPr>
+      <p:sp>
+        <p:nvSpPr>
+          <p:cNvPr id="3" name="2 Título"/>
+          <p:cNvSpPr>
+            <a:spLocks noGrp="1"/>
+          </p:cNvSpPr>
+          <p:nvPr>
+            <p:ph type="title"/>
+          </p:nvPr>
+        </p:nvSpPr>
+        <p:spPr>
+          <a:xfrm>
+            <a:off x="457200" y="260648"/>
+            <a:ext cx="8229600" cy="796950"/>
+          </a:xfrm>
+        </p:spPr>
+        <p:txBody>
+          <a:bodyPr/>
+          <a:lstStyle/>
+          <a:p>
+            <a:r>
+              <a:rPr lang="es-PE" dirty="0" smtClean="0">
+                <a:solidFill>
+                  <a:srgbClr val="00823B"/>
+                </a:solidFill>
+              </a:rPr>
+              <a:t>Herramientas </a:t>
+            </a:r>
+            <a:r>
+              <a:rPr lang="es-PE" dirty="0" err="1" smtClean="0">
+                <a:solidFill>
+                  <a:srgbClr val="00823B"/>
+                </a:solidFill>
+              </a:rPr>
+              <a:t>Refactoring</a:t>
+            </a:r>
+            <a:endParaRPr lang="es-PE" dirty="0">
+              <a:solidFill>
+                <a:srgbClr val="00823B"/>
+              </a:solidFill>
+            </a:endParaRPr>
+          </a:p>
+        </p:txBody>
+      </p:sp>
+      <p:sp>
+        <p:nvSpPr>
+          <p:cNvPr id="7" name="5 Marcador de contenido"/>
+          <p:cNvSpPr txBox="1">
+            <a:spLocks/>
+          </p:cNvSpPr>
+          <p:nvPr/>
+        </p:nvSpPr>
+        <p:spPr bwMode="auto">
+          <a:xfrm>
+            <a:off x="393882" y="5358226"/>
+            <a:ext cx="8428243" cy="1066945"/>
+          </a:xfrm>
+          <a:prstGeom prst="rect">
+            <a:avLst/>
+          </a:prstGeom>
+          <a:noFill/>
+          <a:ln w="9525">
+            <a:noFill/>
+            <a:miter lim="800000"/>
+            <a:headEnd/>
+            <a:tailEnd/>
+          </a:ln>
+        </p:spPr>
+        <p:txBody>
+          <a:bodyPr vert="horz" wrap="square" lIns="91440" tIns="45720" rIns="91440" bIns="45720" numCol="1" anchor="t" anchorCtr="0" compatLnSpc="1">
+            <a:prstTxWarp prst="textNoShape">
+              <a:avLst/>
+            </a:prstTxWarp>
+          </a:bodyPr>
+          <a:lstStyle>
+            <a:lvl1pPr marL="342900" indent="-342900" algn="l" rtl="0" eaLnBrk="1" fontAlgn="base" hangingPunct="1">
+              <a:spcBef>
+                <a:spcPct val="20000"/>
+              </a:spcBef>
+              <a:spcAft>
+                <a:spcPct val="0"/>
+              </a:spcAft>
+              <a:buFont typeface="Arial" charset="0"/>
+              <a:buChar char="•"/>
+              <a:defRPr sz="3200" kern="1200">
+                <a:solidFill>
+                  <a:schemeClr val="tx1"/>
+                </a:solidFill>
+                <a:latin typeface="+mn-lt"/>
+                <a:ea typeface="+mn-ea"/>
+                <a:cs typeface="+mn-cs"/>
+              </a:defRPr>
+            </a:lvl1pPr>
+            <a:lvl2pPr marL="742950" indent="-285750" algn="l" rtl="0" eaLnBrk="1" fontAlgn="base" hangingPunct="1">
+              <a:spcBef>
+                <a:spcPct val="20000"/>
+              </a:spcBef>
+              <a:spcAft>
+                <a:spcPct val="0"/>
+              </a:spcAft>
+              <a:buFont typeface="Arial" charset="0"/>
+              <a:buChar char="–"/>
+              <a:defRPr sz="2800" kern="1200">
+                <a:solidFill>
+                  <a:schemeClr val="tx1"/>
+                </a:solidFill>
+                <a:latin typeface="+mn-lt"/>
+                <a:ea typeface="+mn-ea"/>
+                <a:cs typeface="+mn-cs"/>
+              </a:defRPr>
+            </a:lvl2pPr>
+            <a:lvl3pPr marL="1143000" indent="-228600" algn="l" rtl="0" eaLnBrk="1" fontAlgn="base" hangingPunct="1">
+              <a:spcBef>
+                <a:spcPct val="20000"/>
+              </a:spcBef>
+              <a:spcAft>
+                <a:spcPct val="0"/>
+              </a:spcAft>
+              <a:buFont typeface="Arial" charset="0"/>
+              <a:buChar char="•"/>
+              <a:defRPr sz="2400" kern="1200">
+                <a:solidFill>
+                  <a:schemeClr val="tx1"/>
+                </a:solidFill>
+                <a:latin typeface="+mn-lt"/>
+                <a:ea typeface="+mn-ea"/>
+                <a:cs typeface="+mn-cs"/>
+              </a:defRPr>
+            </a:lvl3pPr>
+            <a:lvl4pPr marL="1600200" indent="-228600" algn="l" rtl="0" eaLnBrk="1" fontAlgn="base" hangingPunct="1">
+              <a:spcBef>
+                <a:spcPct val="20000"/>
+              </a:spcBef>
+              <a:spcAft>
+                <a:spcPct val="0"/>
+              </a:spcAft>
+              <a:buFont typeface="Arial" charset="0"/>
+              <a:buChar char="–"/>
+              <a:defRPr sz="2000" kern="1200">
+                <a:solidFill>
+                  <a:schemeClr val="tx1"/>
+                </a:solidFill>
+                <a:latin typeface="+mn-lt"/>
+                <a:ea typeface="+mn-ea"/>
+                <a:cs typeface="+mn-cs"/>
+              </a:defRPr>
+            </a:lvl4pPr>
+            <a:lvl5pPr marL="2057400" indent="-228600" algn="l" rtl="0" eaLnBrk="1" fontAlgn="base" hangingPunct="1">
+              <a:spcBef>
+                <a:spcPct val="20000"/>
+              </a:spcBef>
+              <a:spcAft>
+                <a:spcPct val="0"/>
+              </a:spcAft>
+              <a:buFont typeface="Arial" charset="0"/>
+              <a:buChar char="»"/>
+              <a:defRPr sz="2000" kern="1200">
+                <a:solidFill>
+                  <a:schemeClr val="tx1"/>
+                </a:solidFill>
+                <a:latin typeface="+mn-lt"/>
+                <a:ea typeface="+mn-ea"/>
+                <a:cs typeface="+mn-cs"/>
+              </a:defRPr>
+            </a:lvl5pPr>
+            <a:lvl6pPr marL="2514600" indent="-228600" algn="l" defTabSz="914400" rtl="0" eaLnBrk="1" latinLnBrk="0" hangingPunct="1">
+              <a:spcBef>
+                <a:spcPct val="20000"/>
+              </a:spcBef>
+              <a:buFont typeface="Arial" pitchFamily="34" charset="0"/>
+              <a:buChar char="•"/>
+              <a:defRPr sz="2000" kern="1200">
+                <a:solidFill>
+                  <a:schemeClr val="tx1"/>
+                </a:solidFill>
+                <a:latin typeface="+mn-lt"/>
+                <a:ea typeface="+mn-ea"/>
+                <a:cs typeface="+mn-cs"/>
+              </a:defRPr>
+            </a:lvl6pPr>
+            <a:lvl7pPr marL="2971800" indent="-228600" algn="l" defTabSz="914400" rtl="0" eaLnBrk="1" latinLnBrk="0" hangingPunct="1">
+              <a:spcBef>
+                <a:spcPct val="20000"/>
+              </a:spcBef>
+              <a:buFont typeface="Arial" pitchFamily="34" charset="0"/>
+              <a:buChar char="•"/>
+              <a:defRPr sz="2000" kern="1200">
+                <a:solidFill>
+                  <a:schemeClr val="tx1"/>
+                </a:solidFill>
+                <a:latin typeface="+mn-lt"/>
+                <a:ea typeface="+mn-ea"/>
+                <a:cs typeface="+mn-cs"/>
+              </a:defRPr>
+            </a:lvl7pPr>
+            <a:lvl8pPr marL="3429000" indent="-228600" algn="l" defTabSz="914400" rtl="0" eaLnBrk="1" latinLnBrk="0" hangingPunct="1">
+              <a:spcBef>
+                <a:spcPct val="20000"/>
+              </a:spcBef>
+              <a:buFont typeface="Arial" pitchFamily="34" charset="0"/>
+              <a:buChar char="•"/>
+              <a:defRPr sz="2000" kern="1200">
+                <a:solidFill>
+                  <a:schemeClr val="tx1"/>
+                </a:solidFill>
+                <a:latin typeface="+mn-lt"/>
+                <a:ea typeface="+mn-ea"/>
+                <a:cs typeface="+mn-cs"/>
+              </a:defRPr>
+            </a:lvl8pPr>
+            <a:lvl9pPr marL="3886200" indent="-228600" algn="l" defTabSz="914400" rtl="0" eaLnBrk="1" latinLnBrk="0" hangingPunct="1">
+              <a:spcBef>
+                <a:spcPct val="20000"/>
+              </a:spcBef>
+              <a:buFont typeface="Arial" pitchFamily="34" charset="0"/>
+              <a:buChar char="•"/>
+              <a:defRPr sz="2000" kern="1200">
+                <a:solidFill>
+                  <a:schemeClr val="tx1"/>
+                </a:solidFill>
+                <a:latin typeface="+mn-lt"/>
+                <a:ea typeface="+mn-ea"/>
+                <a:cs typeface="+mn-cs"/>
+              </a:defRPr>
+            </a:lvl9pPr>
+          </a:lstStyle>
+          <a:p>
+            <a:r>
+              <a:rPr lang="es-PE" sz="2600" dirty="0" smtClean="0">
+                <a:solidFill>
+                  <a:schemeClr val="tx1">
+                    <a:lumMod val="95000"/>
+                  </a:schemeClr>
+                </a:solidFill>
+              </a:rPr>
+              <a:t>La gran mayoría de </a:t>
+            </a:r>
+            <a:r>
+              <a:rPr lang="es-PE" sz="2600" dirty="0" err="1" smtClean="0">
+                <a:solidFill>
+                  <a:schemeClr val="tx1">
+                    <a:lumMod val="95000"/>
+                  </a:schemeClr>
+                </a:solidFill>
+              </a:rPr>
+              <a:t>IDEs</a:t>
+            </a:r>
+            <a:r>
+              <a:rPr lang="es-PE" sz="2600" dirty="0" smtClean="0">
+                <a:solidFill>
+                  <a:schemeClr val="tx1">
+                    <a:lumMod val="95000"/>
+                  </a:schemeClr>
+                </a:solidFill>
+              </a:rPr>
+              <a:t> ya proveen estas herramientas.</a:t>
+            </a:r>
+          </a:p>
+          <a:p>
+            <a:r>
+              <a:rPr lang="es-PE" sz="2600" dirty="0" smtClean="0">
+                <a:solidFill>
+                  <a:schemeClr val="tx1">
+                    <a:lumMod val="95000"/>
+                  </a:schemeClr>
+                </a:solidFill>
+              </a:rPr>
+              <a:t>No son perfectas.</a:t>
+            </a:r>
+            <a:endParaRPr lang="es-PE" sz="2600" dirty="0">
+              <a:solidFill>
+                <a:schemeClr val="tx1">
+                  <a:lumMod val="95000"/>
+                </a:schemeClr>
+              </a:solidFill>
+            </a:endParaRPr>
+          </a:p>
+        </p:txBody>
+      </p:sp>
+      <p:pic>
+        <p:nvPicPr>
+          <p:cNvPr id="9" name="Picture 2"/>
+          <p:cNvPicPr>
+            <a:picLocks noChangeAspect="1" noChangeArrowheads="1"/>
+          </p:cNvPicPr>
+          <p:nvPr/>
+        </p:nvPicPr>
+        <p:blipFill rotWithShape="1">
+          <a:blip r:embed="rId3">
+            <a:extLst>
+              <a:ext uri="{28A0092B-C50C-407E-A947-70E740481C1C}">
+                <a14:useLocalDpi xmlns:a14="http://schemas.microsoft.com/office/drawing/2010/main" val="0"/>
+              </a:ext>
+            </a:extLst>
+          </a:blip>
+          <a:srcRect l="7605" r="-1" b="17955"/>
+          <a:stretch/>
+        </p:blipFill>
+        <p:spPr bwMode="auto">
+          <a:xfrm>
+            <a:off x="2842267" y="2261882"/>
+            <a:ext cx="3531474" cy="2952328"/>
+          </a:xfrm>
+          <a:prstGeom prst="rect">
+            <a:avLst/>
+          </a:prstGeom>
+          <a:noFill/>
+          <a:ln>
+            <a:noFill/>
+          </a:ln>
+          <a:effectLst/>
+          <a:extLst>
+            <a:ext uri="{909E8E84-426E-40DD-AFC4-6F175D3DCCD1}">
+              <a14:hiddenFill xmlns:a14="http://schemas.microsoft.com/office/drawing/2010/main">
+                <a:solidFill>
+                  <a:schemeClr val="accent1"/>
+                </a:solidFill>
+              </a14:hiddenFill>
+            </a:ext>
+            <a:ext uri="{91240B29-F687-4F45-9708-019B960494DF}">
+              <a14:hiddenLine xmlns:a14="http://schemas.microsoft.com/office/drawing/2010/main" w="9525">
+                <a:solidFill>
+                  <a:schemeClr val="tx1"/>
+                </a:solidFill>
+                <a:miter lim="800000"/>
+                <a:headEnd/>
+                <a:tailEnd/>
+              </a14:hiddenLine>
+            </a:ext>
+            <a:ext uri="{AF507438-7753-43E0-B8FC-AC1667EBCBE1}">
+              <a14:hiddenEffects xmlns:a14="http://schemas.microsoft.com/office/drawing/2010/main">
+                <a:effectLst>
+                  <a:outerShdw dist="35921" dir="2700000" algn="ctr" rotWithShape="0">
+                    <a:schemeClr val="bg2"/>
+                  </a:outerShdw>
+                </a:effectLst>
+              </a14:hiddenEffects>
+            </a:ext>
+          </a:extLst>
+        </p:spPr>
+      </p:pic>
+      <p:sp>
+        <p:nvSpPr>
+          <p:cNvPr id="10" name="9 Rectángulo"/>
+          <p:cNvSpPr/>
+          <p:nvPr/>
+        </p:nvSpPr>
+        <p:spPr>
+          <a:xfrm>
+            <a:off x="1151620" y="1124744"/>
+            <a:ext cx="6912768" cy="954107"/>
+          </a:xfrm>
+          <a:prstGeom prst="rect">
+            <a:avLst/>
+          </a:prstGeom>
+        </p:spPr>
+        <p:txBody>
+          <a:bodyPr wrap="square">
+            <a:spAutoFit/>
+          </a:bodyPr>
+          <a:lstStyle/>
+          <a:p>
+            <a:pPr algn="ctr"/>
+            <a:r>
+              <a:rPr lang="es-PE" sz="2800" dirty="0" smtClean="0">
+                <a:solidFill>
+                  <a:srgbClr val="FFC000"/>
+                </a:solidFill>
+              </a:rPr>
+              <a:t>Permiten producir </a:t>
+            </a:r>
+            <a:r>
+              <a:rPr lang="es-PE" sz="2800" dirty="0">
+                <a:solidFill>
+                  <a:srgbClr val="FFC000"/>
+                </a:solidFill>
+              </a:rPr>
+              <a:t>mejoras significativas en el diseño sin mucho </a:t>
+            </a:r>
+            <a:r>
+              <a:rPr lang="es-PE" sz="2800" dirty="0" smtClean="0">
+                <a:solidFill>
+                  <a:srgbClr val="FFC000"/>
+                </a:solidFill>
+              </a:rPr>
+              <a:t>esfuerzo. </a:t>
+            </a:r>
+            <a:endParaRPr lang="es-PE" sz="2800" dirty="0">
+              <a:solidFill>
+                <a:srgbClr val="FFC000"/>
+              </a:solidFill>
+            </a:endParaRPr>
+          </a:p>
+        </p:txBody>
+      </p:sp>
+    </p:spTree>
+    <p:extLst>
+      <p:ext uri="{BB962C8B-B14F-4D97-AF65-F5344CB8AC3E}">
+        <p14:creationId xmlns:p14="http://schemas.microsoft.com/office/powerpoint/2010/main" val="201101586"/>
+      </p:ext>
+    </p:extLst>
+  </p:cSld>
+  <p:clrMapOvr>
+    <a:masterClrMapping/>
+  </p:clrMapOvr>
+  <p:timing>
+    <p:tnLst>
+      <p:par>
+        <p:cTn id="1" dur="indefinite" restart="never" nodeType="tmRoot"/>
+      </p:par>
+    </p:tnLst>
+  </p:timing>
+</p:sld>
+</file>
+
+<file path=ppt/slides/slide25.xml><?xml version="1.0" encoding="utf-8"?>
+<p:sld xmlns:a="http://schemas.openxmlformats.org/drawingml/2006/main" xmlns:r="http://schemas.openxmlformats.org/officeDocument/2006/relationships" xmlns:p="http://schemas.openxmlformats.org/presentationml/2006/main">
+  <p:cSld>
+    <p:spTree>
+      <p:nvGrpSpPr>
+        <p:cNvPr id="1" name=""/>
+        <p:cNvGrpSpPr/>
+        <p:nvPr/>
+      </p:nvGrpSpPr>
+      <p:grpSpPr>
+        <a:xfrm>
+          <a:off x="0" y="0"/>
+          <a:ext cx="0" cy="0"/>
+          <a:chOff x="0" y="0"/>
+          <a:chExt cx="0" cy="0"/>
+        </a:xfrm>
+      </p:grpSpPr>
+      <p:sp>
+        <p:nvSpPr>
+          <p:cNvPr id="3" name="2 Título"/>
+          <p:cNvSpPr>
+            <a:spLocks noGrp="1"/>
+          </p:cNvSpPr>
+          <p:nvPr>
+            <p:ph type="title"/>
+          </p:nvPr>
+        </p:nvSpPr>
+        <p:spPr>
+          <a:xfrm>
+            <a:off x="467544" y="2348880"/>
+            <a:ext cx="8229600" cy="1296144"/>
+          </a:xfrm>
+        </p:spPr>
+        <p:txBody>
+          <a:bodyPr/>
+          <a:lstStyle/>
+          <a:p>
+            <a:r>
+              <a:rPr lang="es-PE" dirty="0" smtClean="0">
+                <a:solidFill>
+                  <a:srgbClr val="FFC000"/>
+                </a:solidFill>
+              </a:rPr>
+              <a:t>Ejercicio </a:t>
+            </a:r>
+            <a:r>
+              <a:rPr lang="es-PE" dirty="0" smtClean="0">
+                <a:solidFill>
+                  <a:srgbClr val="00823B"/>
+                </a:solidFill>
+              </a:rPr>
+              <a:t/>
+            </a:r>
+            <a:br>
+              <a:rPr lang="es-PE" dirty="0" smtClean="0">
+                <a:solidFill>
+                  <a:srgbClr val="00823B"/>
+                </a:solidFill>
+              </a:rPr>
+            </a:br>
+            <a:r>
+              <a:rPr lang="es-PE" dirty="0" err="1" smtClean="0">
+                <a:solidFill>
+                  <a:srgbClr val="00823B"/>
+                </a:solidFill>
+              </a:rPr>
+              <a:t>Refactorizar</a:t>
+            </a:r>
+            <a:r>
+              <a:rPr lang="es-PE" dirty="0" smtClean="0">
+                <a:solidFill>
+                  <a:srgbClr val="00823B"/>
+                </a:solidFill>
+              </a:rPr>
+              <a:t> </a:t>
+            </a:r>
+            <a:r>
+              <a:rPr lang="es-PE" dirty="0" err="1" smtClean="0">
+                <a:solidFill>
+                  <a:srgbClr val="00823B"/>
+                </a:solidFill>
+              </a:rPr>
+              <a:t>Code</a:t>
+            </a:r>
+            <a:r>
+              <a:rPr lang="es-PE" dirty="0" smtClean="0">
+                <a:solidFill>
+                  <a:srgbClr val="00823B"/>
+                </a:solidFill>
+              </a:rPr>
+              <a:t> </a:t>
+            </a:r>
+            <a:r>
+              <a:rPr lang="es-PE" dirty="0" err="1" smtClean="0">
+                <a:solidFill>
+                  <a:srgbClr val="00823B"/>
+                </a:solidFill>
+              </a:rPr>
+              <a:t>Smells</a:t>
+            </a:r>
+            <a:endParaRPr lang="es-PE" dirty="0">
+              <a:solidFill>
+                <a:srgbClr val="00823B"/>
+              </a:solidFill>
+            </a:endParaRPr>
+          </a:p>
+        </p:txBody>
+      </p:sp>
+    </p:spTree>
+    <p:extLst>
+      <p:ext uri="{BB962C8B-B14F-4D97-AF65-F5344CB8AC3E}">
+        <p14:creationId xmlns:p14="http://schemas.microsoft.com/office/powerpoint/2010/main" val="1734597820"/>
+      </p:ext>
+    </p:extLst>
+  </p:cSld>
+  <p:clrMapOvr>
+    <a:masterClrMapping/>
+  </p:clrMapOvr>
+  <p:timing>
+    <p:tnLst>
+      <p:par>
+        <p:cTn id="1" dur="indefinite" restart="never" nodeType="tmRoot"/>
+      </p:par>
+    </p:tnLst>
+  </p:timing>
+</p:sld>
+</file>
+
+<file path=ppt/slides/slide26.xml><?xml version="1.0" encoding="utf-8"?>
+<p:sld xmlns:a="http://schemas.openxmlformats.org/drawingml/2006/main" xmlns:r="http://schemas.openxmlformats.org/officeDocument/2006/relationships" xmlns:p="http://schemas.openxmlformats.org/presentationml/2006/main">
+  <p:cSld>
+    <p:spTree>
+      <p:nvGrpSpPr>
+        <p:cNvPr id="1" name=""/>
+        <p:cNvGrpSpPr/>
+        <p:nvPr/>
+      </p:nvGrpSpPr>
+      <p:grpSpPr>
+        <a:xfrm>
+          <a:off x="0" y="0"/>
+          <a:ext cx="0" cy="0"/>
+          <a:chOff x="0" y="0"/>
+          <a:chExt cx="0" cy="0"/>
+        </a:xfrm>
+      </p:grpSpPr>
+      <p:sp>
+        <p:nvSpPr>
+          <p:cNvPr id="8" name="1 Título"/>
+          <p:cNvSpPr txBox="1">
+            <a:spLocks/>
+          </p:cNvSpPr>
+          <p:nvPr/>
+        </p:nvSpPr>
+        <p:spPr bwMode="auto">
+          <a:xfrm>
+            <a:off x="467544" y="216350"/>
+            <a:ext cx="8229600" cy="720080"/>
+          </a:xfrm>
+          <a:prstGeom prst="rect">
+            <a:avLst/>
+          </a:prstGeom>
+          <a:noFill/>
+          <a:ln w="9525">
+            <a:noFill/>
+            <a:miter lim="800000"/>
+            <a:headEnd/>
+            <a:tailEnd/>
+          </a:ln>
+        </p:spPr>
+        <p:txBody>
+          <a:bodyPr vert="horz" wrap="square" lIns="91440" tIns="45720" rIns="91440" bIns="45720" numCol="1" anchor="ctr" anchorCtr="0" compatLnSpc="1">
+            <a:prstTxWarp prst="textNoShape">
+              <a:avLst/>
+            </a:prstTxWarp>
+            <a:normAutofit fontScale="97500" lnSpcReduction="10000"/>
+          </a:bodyPr>
+          <a:lstStyle>
+            <a:lvl1pPr algn="ctr" rtl="0" eaLnBrk="1" fontAlgn="base" hangingPunct="1">
+              <a:spcBef>
+                <a:spcPct val="0"/>
+              </a:spcBef>
+              <a:spcAft>
+                <a:spcPct val="0"/>
+              </a:spcAft>
+              <a:defRPr sz="4400" kern="1200">
+                <a:solidFill>
+                  <a:schemeClr val="tx1"/>
+                </a:solidFill>
+                <a:latin typeface="+mj-lt"/>
+                <a:ea typeface="+mj-ea"/>
+                <a:cs typeface="+mj-cs"/>
+              </a:defRPr>
+            </a:lvl1pPr>
+            <a:lvl2pPr algn="ctr" rtl="0" eaLnBrk="1" fontAlgn="base" hangingPunct="1">
+              <a:spcBef>
+                <a:spcPct val="0"/>
+              </a:spcBef>
+              <a:spcAft>
+                <a:spcPct val="0"/>
+              </a:spcAft>
+              <a:defRPr sz="4400">
+                <a:solidFill>
+                  <a:schemeClr val="tx1"/>
+                </a:solidFill>
+                <a:latin typeface="Calibri" pitchFamily="34" charset="0"/>
+              </a:defRPr>
+            </a:lvl2pPr>
+            <a:lvl3pPr algn="ctr" rtl="0" eaLnBrk="1" fontAlgn="base" hangingPunct="1">
+              <a:spcBef>
+                <a:spcPct val="0"/>
+              </a:spcBef>
+              <a:spcAft>
+                <a:spcPct val="0"/>
+              </a:spcAft>
+              <a:defRPr sz="4400">
+                <a:solidFill>
+                  <a:schemeClr val="tx1"/>
+                </a:solidFill>
+                <a:latin typeface="Calibri" pitchFamily="34" charset="0"/>
+              </a:defRPr>
+            </a:lvl3pPr>
+            <a:lvl4pPr algn="ctr" rtl="0" eaLnBrk="1" fontAlgn="base" hangingPunct="1">
+              <a:spcBef>
+                <a:spcPct val="0"/>
+              </a:spcBef>
+              <a:spcAft>
+                <a:spcPct val="0"/>
+              </a:spcAft>
+              <a:defRPr sz="4400">
+                <a:solidFill>
+                  <a:schemeClr val="tx1"/>
+                </a:solidFill>
+                <a:latin typeface="Calibri" pitchFamily="34" charset="0"/>
+              </a:defRPr>
+            </a:lvl4pPr>
+            <a:lvl5pPr algn="ctr" rtl="0" eaLnBrk="1" fontAlgn="base" hangingPunct="1">
+              <a:spcBef>
+                <a:spcPct val="0"/>
+              </a:spcBef>
+              <a:spcAft>
+                <a:spcPct val="0"/>
+              </a:spcAft>
+              <a:defRPr sz="4400">
+                <a:solidFill>
+                  <a:schemeClr val="tx1"/>
+                </a:solidFill>
+                <a:latin typeface="Calibri" pitchFamily="34" charset="0"/>
+              </a:defRPr>
+            </a:lvl5pPr>
+            <a:lvl6pPr marL="457200" algn="ctr" rtl="0" eaLnBrk="1" fontAlgn="base" hangingPunct="1">
+              <a:spcBef>
+                <a:spcPct val="0"/>
+              </a:spcBef>
+              <a:spcAft>
+                <a:spcPct val="0"/>
+              </a:spcAft>
+              <a:defRPr sz="4400">
+                <a:solidFill>
+                  <a:schemeClr val="tx1"/>
+                </a:solidFill>
+                <a:latin typeface="Calibri" pitchFamily="34" charset="0"/>
+              </a:defRPr>
+            </a:lvl6pPr>
+            <a:lvl7pPr marL="914400" algn="ctr" rtl="0" eaLnBrk="1" fontAlgn="base" hangingPunct="1">
+              <a:spcBef>
+                <a:spcPct val="0"/>
+              </a:spcBef>
+              <a:spcAft>
+                <a:spcPct val="0"/>
+              </a:spcAft>
+              <a:defRPr sz="4400">
+                <a:solidFill>
+                  <a:schemeClr val="tx1"/>
+                </a:solidFill>
+                <a:latin typeface="Calibri" pitchFamily="34" charset="0"/>
+              </a:defRPr>
+            </a:lvl7pPr>
+            <a:lvl8pPr marL="1371600" algn="ctr" rtl="0" eaLnBrk="1" fontAlgn="base" hangingPunct="1">
+              <a:spcBef>
+                <a:spcPct val="0"/>
+              </a:spcBef>
+              <a:spcAft>
+                <a:spcPct val="0"/>
+              </a:spcAft>
+              <a:defRPr sz="4400">
+                <a:solidFill>
+                  <a:schemeClr val="tx1"/>
+                </a:solidFill>
+                <a:latin typeface="Calibri" pitchFamily="34" charset="0"/>
+              </a:defRPr>
+            </a:lvl8pPr>
+            <a:lvl9pPr marL="1828800" algn="ctr" rtl="0" eaLnBrk="1" fontAlgn="base" hangingPunct="1">
+              <a:spcBef>
+                <a:spcPct val="0"/>
+              </a:spcBef>
+              <a:spcAft>
+                <a:spcPct val="0"/>
+              </a:spcAft>
+              <a:defRPr sz="4400">
+                <a:solidFill>
+                  <a:schemeClr val="tx1"/>
+                </a:solidFill>
+                <a:latin typeface="Calibri" pitchFamily="34" charset="0"/>
+              </a:defRPr>
+            </a:lvl9pPr>
+          </a:lstStyle>
+          <a:p>
+            <a:r>
+              <a:rPr lang="es-PE" dirty="0" smtClean="0">
+                <a:solidFill>
+                  <a:srgbClr val="009A46"/>
+                </a:solidFill>
+                <a:latin typeface="Arial" pitchFamily="34" charset="0"/>
+                <a:cs typeface="Arial" pitchFamily="34" charset="0"/>
+              </a:rPr>
+              <a:t>Referencias</a:t>
+            </a:r>
+            <a:endParaRPr lang="es-PE" dirty="0">
+              <a:solidFill>
+                <a:srgbClr val="009A46"/>
+              </a:solidFill>
+              <a:latin typeface="Arial" pitchFamily="34" charset="0"/>
+              <a:cs typeface="Arial" pitchFamily="34" charset="0"/>
+            </a:endParaRPr>
+          </a:p>
+        </p:txBody>
+      </p:sp>
+      <p:sp>
+        <p:nvSpPr>
+          <p:cNvPr id="9" name="8 CuadroTexto"/>
+          <p:cNvSpPr txBox="1"/>
+          <p:nvPr/>
+        </p:nvSpPr>
+        <p:spPr>
+          <a:xfrm>
+            <a:off x="251520" y="1196752"/>
+            <a:ext cx="8638873" cy="3046988"/>
+          </a:xfrm>
+          <a:prstGeom prst="rect">
+            <a:avLst/>
+          </a:prstGeom>
+          <a:noFill/>
+        </p:spPr>
+        <p:txBody>
+          <a:bodyPr wrap="square" rtlCol="0">
+            <a:spAutoFit/>
+          </a:bodyPr>
+          <a:lstStyle/>
+          <a:p>
+            <a:pPr>
+              <a:buNone/>
+            </a:pPr>
+            <a:r>
+              <a:rPr lang="es-PE" sz="2400" b="1" dirty="0" smtClean="0">
+                <a:latin typeface="Arial" pitchFamily="34" charset="0"/>
+                <a:cs typeface="Arial" pitchFamily="34" charset="0"/>
+              </a:rPr>
+              <a:t>Páginas</a:t>
+            </a:r>
+            <a:endParaRPr lang="es-PE" sz="2000" b="1" dirty="0">
+              <a:latin typeface="Arial" pitchFamily="34" charset="0"/>
+              <a:cs typeface="Arial" pitchFamily="34" charset="0"/>
+            </a:endParaRPr>
+          </a:p>
+          <a:p>
+            <a:pPr marL="342900" lvl="0" indent="-342900" eaLnBrk="0" fontAlgn="base" hangingPunct="0">
+              <a:spcBef>
+                <a:spcPct val="0"/>
+              </a:spcBef>
+              <a:spcAft>
+                <a:spcPct val="0"/>
+              </a:spcAft>
+              <a:buFont typeface="Arial" pitchFamily="34" charset="0"/>
+              <a:buChar char="•"/>
+            </a:pPr>
+            <a:r>
+              <a:rPr lang="es-PE" sz="2000" dirty="0" smtClean="0">
+                <a:latin typeface="Arial" pitchFamily="34" charset="0"/>
+                <a:cs typeface="Arial" pitchFamily="34" charset="0"/>
+              </a:rPr>
+              <a:t>Martin </a:t>
+            </a:r>
+            <a:r>
+              <a:rPr lang="es-PE" sz="2000" dirty="0" err="1" smtClean="0">
+                <a:latin typeface="Arial" pitchFamily="34" charset="0"/>
+                <a:cs typeface="Arial" pitchFamily="34" charset="0"/>
+              </a:rPr>
+              <a:t>fowler</a:t>
+            </a:r>
+            <a:r>
+              <a:rPr lang="es-PE" sz="2000" dirty="0" smtClean="0">
+                <a:latin typeface="Arial" pitchFamily="34" charset="0"/>
+                <a:cs typeface="Arial" pitchFamily="34" charset="0"/>
+              </a:rPr>
+              <a:t> - </a:t>
+            </a:r>
+            <a:r>
+              <a:rPr lang="es-PE" sz="2000" dirty="0" smtClean="0">
+                <a:solidFill>
+                  <a:srgbClr val="FF0000"/>
+                </a:solidFill>
+                <a:latin typeface="Arial" pitchFamily="34" charset="0"/>
+                <a:ea typeface="Calibri" pitchFamily="34" charset="0"/>
+                <a:cs typeface="Arial" pitchFamily="34" charset="0"/>
+              </a:rPr>
+              <a:t>http</a:t>
+            </a:r>
+            <a:r>
+              <a:rPr lang="es-PE" sz="2000" dirty="0">
+                <a:solidFill>
+                  <a:srgbClr val="FF0000"/>
+                </a:solidFill>
+                <a:latin typeface="Arial" pitchFamily="34" charset="0"/>
+                <a:ea typeface="Calibri" pitchFamily="34" charset="0"/>
+                <a:cs typeface="Arial" pitchFamily="34" charset="0"/>
+              </a:rPr>
+              <a:t>://martinfowler.com/bliki/refactoring.html</a:t>
+            </a:r>
+            <a:r>
+              <a:rPr lang="es-PE" sz="2000" dirty="0">
+                <a:solidFill>
+                  <a:srgbClr val="FF0000"/>
+                </a:solidFill>
+                <a:latin typeface="Arial" pitchFamily="34" charset="0"/>
+                <a:cs typeface="Arial" pitchFamily="34" charset="0"/>
+              </a:rPr>
+              <a:t> </a:t>
+            </a:r>
+            <a:endParaRPr lang="es-PE" sz="2000" dirty="0" smtClean="0">
+              <a:solidFill>
+                <a:srgbClr val="FF0000"/>
+              </a:solidFill>
+              <a:latin typeface="Arial" pitchFamily="34" charset="0"/>
+              <a:cs typeface="Arial" pitchFamily="34" charset="0"/>
+            </a:endParaRPr>
+          </a:p>
+          <a:p>
+            <a:pPr marL="342900" lvl="0" indent="-342900" eaLnBrk="0" fontAlgn="base" hangingPunct="0">
+              <a:spcBef>
+                <a:spcPct val="0"/>
+              </a:spcBef>
+              <a:spcAft>
+                <a:spcPct val="0"/>
+              </a:spcAft>
+              <a:buFont typeface="Arial" pitchFamily="34" charset="0"/>
+              <a:buChar char="•"/>
+            </a:pPr>
+            <a:r>
+              <a:rPr lang="es-PE" sz="2000" dirty="0" err="1" smtClean="0">
+                <a:latin typeface="Arial" pitchFamily="34" charset="0"/>
+                <a:cs typeface="Arial" pitchFamily="34" charset="0"/>
+              </a:rPr>
+              <a:t>Source</a:t>
+            </a:r>
+            <a:r>
+              <a:rPr lang="es-PE" sz="2000" dirty="0" smtClean="0">
+                <a:latin typeface="Arial" pitchFamily="34" charset="0"/>
+                <a:cs typeface="Arial" pitchFamily="34" charset="0"/>
+              </a:rPr>
+              <a:t> </a:t>
+            </a:r>
+            <a:r>
+              <a:rPr lang="es-PE" sz="2000" dirty="0" err="1" smtClean="0">
+                <a:latin typeface="Arial" pitchFamily="34" charset="0"/>
+                <a:cs typeface="Arial" pitchFamily="34" charset="0"/>
+              </a:rPr>
+              <a:t>Making</a:t>
+            </a:r>
+            <a:r>
+              <a:rPr lang="es-PE" sz="2000" dirty="0" smtClean="0">
+                <a:latin typeface="Arial" pitchFamily="34" charset="0"/>
+                <a:cs typeface="Arial" pitchFamily="34" charset="0"/>
+              </a:rPr>
+              <a:t> - </a:t>
+            </a:r>
+            <a:r>
+              <a:rPr lang="es-PE" sz="2000" dirty="0">
+                <a:solidFill>
+                  <a:srgbClr val="FF0000"/>
+                </a:solidFill>
+                <a:latin typeface="Arial" pitchFamily="34" charset="0"/>
+                <a:ea typeface="Calibri" pitchFamily="34" charset="0"/>
+                <a:cs typeface="Arial" pitchFamily="34" charset="0"/>
+              </a:rPr>
+              <a:t>http://sourcemaking.com/refactoring</a:t>
+            </a:r>
+            <a:r>
+              <a:rPr lang="es-PE" sz="2000" dirty="0">
+                <a:solidFill>
+                  <a:srgbClr val="0070C0"/>
+                </a:solidFill>
+                <a:latin typeface="Arial" pitchFamily="34" charset="0"/>
+                <a:cs typeface="Arial" pitchFamily="34" charset="0"/>
+              </a:rPr>
+              <a:t> </a:t>
+            </a:r>
+          </a:p>
+          <a:p>
+            <a:pPr>
+              <a:buNone/>
+            </a:pPr>
+            <a:endParaRPr lang="es-PE" sz="2400" b="1" dirty="0">
+              <a:latin typeface="Arial" pitchFamily="34" charset="0"/>
+              <a:cs typeface="Arial" pitchFamily="34" charset="0"/>
+            </a:endParaRPr>
+          </a:p>
+          <a:p>
+            <a:pPr>
+              <a:buNone/>
+            </a:pPr>
+            <a:r>
+              <a:rPr lang="es-PE" sz="2400" b="1" dirty="0" smtClean="0">
+                <a:latin typeface="Arial" pitchFamily="34" charset="0"/>
+                <a:cs typeface="Arial" pitchFamily="34" charset="0"/>
+              </a:rPr>
+              <a:t>Libros</a:t>
+            </a:r>
+          </a:p>
+          <a:p>
+            <a:pPr marL="342900" indent="-342900">
+              <a:buFont typeface="Arial" pitchFamily="34" charset="0"/>
+              <a:buChar char="•"/>
+            </a:pPr>
+            <a:r>
+              <a:rPr lang="es-PE" sz="2000" dirty="0" err="1" smtClean="0">
+                <a:latin typeface="Arial" pitchFamily="34" charset="0"/>
+                <a:cs typeface="Arial" pitchFamily="34" charset="0"/>
+              </a:rPr>
+              <a:t>Clean</a:t>
+            </a:r>
+            <a:r>
+              <a:rPr lang="es-PE" sz="2000" dirty="0" smtClean="0">
+                <a:latin typeface="Arial" pitchFamily="34" charset="0"/>
+                <a:cs typeface="Arial" pitchFamily="34" charset="0"/>
+              </a:rPr>
+              <a:t> </a:t>
+            </a:r>
+            <a:r>
+              <a:rPr lang="es-PE" sz="2000" dirty="0" err="1" smtClean="0">
+                <a:latin typeface="Arial" pitchFamily="34" charset="0"/>
+                <a:cs typeface="Arial" pitchFamily="34" charset="0"/>
+              </a:rPr>
+              <a:t>Code</a:t>
+            </a:r>
+            <a:endParaRPr lang="es-PE" sz="2000" dirty="0" smtClean="0">
+              <a:latin typeface="Arial" pitchFamily="34" charset="0"/>
+              <a:cs typeface="Arial" pitchFamily="34" charset="0"/>
+            </a:endParaRPr>
+          </a:p>
+          <a:p>
+            <a:pPr marL="342900" indent="-342900">
+              <a:buFont typeface="Arial" pitchFamily="34" charset="0"/>
+              <a:buChar char="•"/>
+            </a:pPr>
+            <a:r>
+              <a:rPr lang="es-PE" sz="2000" dirty="0" err="1" smtClean="0">
+                <a:latin typeface="Arial" pitchFamily="34" charset="0"/>
+                <a:cs typeface="Arial" pitchFamily="34" charset="0"/>
+              </a:rPr>
+              <a:t>Improving</a:t>
+            </a:r>
+            <a:r>
+              <a:rPr lang="es-PE" sz="2000" dirty="0" smtClean="0">
+                <a:latin typeface="Arial" pitchFamily="34" charset="0"/>
+                <a:cs typeface="Arial" pitchFamily="34" charset="0"/>
+              </a:rPr>
+              <a:t> </a:t>
+            </a:r>
+            <a:r>
+              <a:rPr lang="es-PE" sz="2000" dirty="0" err="1" smtClean="0">
+                <a:latin typeface="Arial" pitchFamily="34" charset="0"/>
+                <a:cs typeface="Arial" pitchFamily="34" charset="0"/>
+              </a:rPr>
+              <a:t>the</a:t>
+            </a:r>
+            <a:r>
+              <a:rPr lang="es-PE" sz="2000" dirty="0" smtClean="0">
+                <a:latin typeface="Arial" pitchFamily="34" charset="0"/>
+                <a:cs typeface="Arial" pitchFamily="34" charset="0"/>
+              </a:rPr>
+              <a:t> </a:t>
+            </a:r>
+            <a:r>
+              <a:rPr lang="es-PE" sz="2000" dirty="0" err="1" smtClean="0">
+                <a:latin typeface="Arial" pitchFamily="34" charset="0"/>
+                <a:cs typeface="Arial" pitchFamily="34" charset="0"/>
+              </a:rPr>
+              <a:t>Design</a:t>
+            </a:r>
+            <a:r>
+              <a:rPr lang="es-PE" sz="2000" dirty="0" smtClean="0">
+                <a:latin typeface="Arial" pitchFamily="34" charset="0"/>
+                <a:cs typeface="Arial" pitchFamily="34" charset="0"/>
+              </a:rPr>
+              <a:t> of </a:t>
+            </a:r>
+            <a:r>
+              <a:rPr lang="es-PE" sz="2000" dirty="0" err="1" smtClean="0">
+                <a:latin typeface="Arial" pitchFamily="34" charset="0"/>
+                <a:cs typeface="Arial" pitchFamily="34" charset="0"/>
+              </a:rPr>
+              <a:t>Existing</a:t>
+            </a:r>
+            <a:r>
+              <a:rPr lang="es-PE" sz="2000" dirty="0" smtClean="0">
+                <a:latin typeface="Arial" pitchFamily="34" charset="0"/>
+                <a:cs typeface="Arial" pitchFamily="34" charset="0"/>
+              </a:rPr>
+              <a:t> </a:t>
+            </a:r>
+            <a:r>
+              <a:rPr lang="es-PE" sz="2000" dirty="0" err="1" smtClean="0">
+                <a:latin typeface="Arial" pitchFamily="34" charset="0"/>
+                <a:cs typeface="Arial" pitchFamily="34" charset="0"/>
+              </a:rPr>
+              <a:t>Code</a:t>
+            </a:r>
+            <a:endParaRPr lang="es-PE" sz="2000" dirty="0" smtClean="0">
+              <a:latin typeface="Arial" pitchFamily="34" charset="0"/>
+              <a:cs typeface="Arial" pitchFamily="34" charset="0"/>
+            </a:endParaRPr>
+          </a:p>
+          <a:p>
+            <a:pPr marL="342900" indent="-342900">
+              <a:buFont typeface="Arial" pitchFamily="34" charset="0"/>
+              <a:buChar char="•"/>
+            </a:pPr>
+            <a:r>
+              <a:rPr lang="es-PE" sz="2000" dirty="0" smtClean="0">
+                <a:latin typeface="Arial" pitchFamily="34" charset="0"/>
+                <a:cs typeface="Arial" pitchFamily="34" charset="0"/>
+              </a:rPr>
+              <a:t>Refactoring </a:t>
+            </a:r>
+            <a:r>
+              <a:rPr lang="es-PE" sz="2000" dirty="0" err="1" smtClean="0">
+                <a:latin typeface="Arial" pitchFamily="34" charset="0"/>
+                <a:cs typeface="Arial" pitchFamily="34" charset="0"/>
+              </a:rPr>
+              <a:t>to</a:t>
+            </a:r>
+            <a:r>
+              <a:rPr lang="es-PE" sz="2000" dirty="0" smtClean="0">
+                <a:latin typeface="Arial" pitchFamily="34" charset="0"/>
+                <a:cs typeface="Arial" pitchFamily="34" charset="0"/>
+              </a:rPr>
+              <a:t> </a:t>
+            </a:r>
+            <a:r>
+              <a:rPr lang="es-PE" sz="2000" dirty="0" err="1" smtClean="0">
+                <a:latin typeface="Arial" pitchFamily="34" charset="0"/>
+                <a:cs typeface="Arial" pitchFamily="34" charset="0"/>
+              </a:rPr>
+              <a:t>Patterns</a:t>
+            </a:r>
+            <a:endParaRPr lang="es-PE" sz="2000" dirty="0" smtClean="0">
+              <a:latin typeface="Arial" pitchFamily="34" charset="0"/>
+              <a:cs typeface="Arial" pitchFamily="34" charset="0"/>
+            </a:endParaRPr>
+          </a:p>
+          <a:p>
+            <a:pPr marL="342900" indent="-342900">
+              <a:buFont typeface="Arial" pitchFamily="34" charset="0"/>
+              <a:buChar char="•"/>
+            </a:pPr>
+            <a:r>
+              <a:rPr lang="es-PE" sz="2000" dirty="0">
+                <a:latin typeface="Arial" pitchFamily="34" charset="0"/>
+                <a:ea typeface="Calibri" pitchFamily="34" charset="0"/>
+                <a:cs typeface="Arial" pitchFamily="34" charset="0"/>
+              </a:rPr>
+              <a:t>Refactoring </a:t>
+            </a:r>
+            <a:r>
+              <a:rPr lang="es-PE" sz="2000" dirty="0" err="1" smtClean="0">
+                <a:latin typeface="Arial" pitchFamily="34" charset="0"/>
+                <a:ea typeface="Calibri" pitchFamily="34" charset="0"/>
+                <a:cs typeface="Arial" pitchFamily="34" charset="0"/>
+              </a:rPr>
+              <a:t>Workbook</a:t>
+            </a:r>
+            <a:endParaRPr lang="es-PE" sz="2000" dirty="0">
+              <a:latin typeface="Arial" pitchFamily="34" charset="0"/>
+              <a:ea typeface="Calibri" pitchFamily="34" charset="0"/>
+              <a:cs typeface="Arial" pitchFamily="34" charset="0"/>
+            </a:endParaRPr>
+          </a:p>
+        </p:txBody>
+      </p:sp>
+      <p:sp>
+        <p:nvSpPr>
+          <p:cNvPr id="12" name="2 Subtítulo"/>
+          <p:cNvSpPr txBox="1">
+            <a:spLocks/>
+          </p:cNvSpPr>
+          <p:nvPr/>
+        </p:nvSpPr>
+        <p:spPr bwMode="auto">
+          <a:xfrm>
+            <a:off x="179512" y="5407164"/>
+            <a:ext cx="3214709" cy="515717"/>
+          </a:xfrm>
+          <a:prstGeom prst="rect">
+            <a:avLst/>
+          </a:prstGeom>
+          <a:noFill/>
+          <a:ln w="9525">
+            <a:noFill/>
+            <a:miter lim="800000"/>
+            <a:headEnd/>
+            <a:tailEnd/>
+          </a:ln>
+        </p:spPr>
+        <p:txBody>
+          <a:bodyPr vert="horz" wrap="square" lIns="91440" tIns="45720" rIns="91440" bIns="45720" numCol="1" rtlCol="0" anchor="t" anchorCtr="0" compatLnSpc="1">
+            <a:prstTxWarp prst="textNoShape">
+              <a:avLst/>
+            </a:prstTxWarp>
+            <a:noAutofit/>
+          </a:bodyPr>
+          <a:lstStyle/>
+          <a:p>
+            <a:pPr marL="0" marR="0" lvl="0" indent="0" algn="ctr" defTabSz="914400" rtl="0" eaLnBrk="1" fontAlgn="auto" latinLnBrk="0" hangingPunct="1">
+              <a:lnSpc>
+                <a:spcPct val="100000"/>
+              </a:lnSpc>
+              <a:spcBef>
+                <a:spcPct val="20000"/>
+              </a:spcBef>
+              <a:spcAft>
+                <a:spcPts val="0"/>
+              </a:spcAft>
+              <a:buClrTx/>
+              <a:buSzTx/>
+              <a:buFont typeface="Arial" pitchFamily="34" charset="0"/>
+              <a:buNone/>
+              <a:tabLst/>
+              <a:defRPr/>
+            </a:pPr>
+            <a:r>
+              <a:rPr kumimoji="0" lang="es-PE" sz="2600" b="1" i="0" u="none" strike="noStrike" kern="1200" cap="none" spc="0" normalizeH="0" baseline="0" noProof="0" dirty="0" smtClean="0">
+                <a:ln>
+                  <a:noFill/>
+                </a:ln>
+                <a:solidFill>
+                  <a:srgbClr val="00B050"/>
+                </a:solidFill>
+                <a:effectLst/>
+                <a:uLnTx/>
+                <a:uFillTx/>
+              </a:rPr>
+              <a:t>Angel Núñez Salazar</a:t>
+            </a:r>
+          </a:p>
+        </p:txBody>
+      </p:sp>
+      <p:sp>
+        <p:nvSpPr>
+          <p:cNvPr id="13" name="Rectangle 1"/>
+          <p:cNvSpPr>
+            <a:spLocks noChangeArrowheads="1"/>
+          </p:cNvSpPr>
+          <p:nvPr/>
+        </p:nvSpPr>
+        <p:spPr bwMode="auto">
+          <a:xfrm>
+            <a:off x="3715072" y="5157192"/>
+            <a:ext cx="5105400" cy="1015663"/>
+          </a:xfrm>
+          <a:prstGeom prst="rect">
+            <a:avLst/>
+          </a:prstGeom>
+          <a:noFill/>
+          <a:ln w="9525">
+            <a:noFill/>
+            <a:miter lim="800000"/>
+            <a:headEnd/>
+            <a:tailEnd/>
+          </a:ln>
+          <a:effectLst/>
+        </p:spPr>
+        <p:txBody>
+          <a:bodyPr vert="horz" wrap="square" lIns="91440" tIns="45720" rIns="91440" bIns="45720" numCol="1" anchor="ctr" anchorCtr="0" compatLnSpc="1">
+            <a:prstTxWarp prst="textNoShape">
+              <a:avLst/>
+            </a:prstTxWarp>
+            <a:spAutoFit/>
+          </a:bodyPr>
+          <a:lstStyle/>
+          <a:p>
+            <a:pPr algn="r" fontAlgn="base">
+              <a:spcBef>
+                <a:spcPct val="0"/>
+              </a:spcBef>
+              <a:spcAft>
+                <a:spcPct val="0"/>
+              </a:spcAft>
+            </a:pPr>
+            <a:r>
+              <a:rPr lang="en-US" sz="2000" dirty="0" smtClean="0">
+                <a:latin typeface="Trebuchet MS" pitchFamily="34" charset="0"/>
+                <a:ea typeface="Calibri" pitchFamily="34" charset="0"/>
+                <a:cs typeface="Arial" pitchFamily="34" charset="0"/>
+              </a:rPr>
+              <a:t>Email: </a:t>
+            </a:r>
+            <a:r>
+              <a:rPr lang="en-US" sz="2000" dirty="0">
+                <a:solidFill>
+                  <a:srgbClr val="FFC000"/>
+                </a:solidFill>
+                <a:latin typeface="Trebuchet MS" pitchFamily="34" charset="0"/>
+                <a:ea typeface="Calibri" pitchFamily="34" charset="0"/>
+                <a:cs typeface="Arial" pitchFamily="34" charset="0"/>
+              </a:rPr>
+              <a:t>angel.nunez.salazar@gmail.com</a:t>
+            </a:r>
+          </a:p>
+          <a:p>
+            <a:pPr lvl="0" algn="r" eaLnBrk="0" fontAlgn="base" hangingPunct="0">
+              <a:spcBef>
+                <a:spcPct val="0"/>
+              </a:spcBef>
+              <a:spcAft>
+                <a:spcPct val="0"/>
+              </a:spcAft>
+            </a:pPr>
+            <a:r>
+              <a:rPr lang="en-US" sz="2000" dirty="0" smtClean="0">
+                <a:latin typeface="Trebuchet MS" pitchFamily="34" charset="0"/>
+                <a:ea typeface="Calibri" pitchFamily="34" charset="0"/>
+                <a:cs typeface="Arial" pitchFamily="34" charset="0"/>
+              </a:rPr>
+              <a:t>Blog: </a:t>
+            </a:r>
+            <a:r>
+              <a:rPr lang="en-US" sz="2000" dirty="0">
+                <a:solidFill>
+                  <a:srgbClr val="FFC000"/>
+                </a:solidFill>
+                <a:latin typeface="Trebuchet MS" pitchFamily="34" charset="0"/>
+                <a:ea typeface="Calibri" pitchFamily="34" charset="0"/>
+                <a:cs typeface="Arial" pitchFamily="34" charset="0"/>
+              </a:rPr>
+              <a:t>http://</a:t>
+            </a:r>
+            <a:r>
+              <a:rPr lang="en-US" sz="2000" dirty="0" smtClean="0">
+                <a:solidFill>
+                  <a:srgbClr val="FFC000"/>
+                </a:solidFill>
+                <a:latin typeface="Trebuchet MS" pitchFamily="34" charset="0"/>
+                <a:ea typeface="Calibri" pitchFamily="34" charset="0"/>
+                <a:cs typeface="Arial" pitchFamily="34" charset="0"/>
+              </a:rPr>
+              <a:t>snahider.blogspot.com</a:t>
+            </a:r>
+          </a:p>
+          <a:p>
+            <a:pPr lvl="0" algn="r" eaLnBrk="0" fontAlgn="base" hangingPunct="0">
+              <a:spcBef>
+                <a:spcPct val="0"/>
+              </a:spcBef>
+              <a:spcAft>
+                <a:spcPct val="0"/>
+              </a:spcAft>
+            </a:pPr>
+            <a:r>
+              <a:rPr lang="en-US" sz="2000" dirty="0" smtClean="0">
+                <a:latin typeface="Trebuchet MS" pitchFamily="34" charset="0"/>
+                <a:ea typeface="Calibri" pitchFamily="34" charset="0"/>
+                <a:cs typeface="Arial" pitchFamily="34" charset="0"/>
+              </a:rPr>
+              <a:t>Twitter: </a:t>
+            </a:r>
+            <a:r>
+              <a:rPr lang="en-US" sz="2000" dirty="0" smtClean="0">
+                <a:solidFill>
+                  <a:srgbClr val="FFC000"/>
+                </a:solidFill>
+                <a:latin typeface="Trebuchet MS" pitchFamily="34" charset="0"/>
+                <a:ea typeface="Calibri" pitchFamily="34" charset="0"/>
+                <a:cs typeface="Arial" pitchFamily="34" charset="0"/>
+              </a:rPr>
+              <a:t>@</a:t>
+            </a:r>
+            <a:r>
+              <a:rPr lang="en-US" sz="2000" dirty="0" err="1" smtClean="0">
+                <a:solidFill>
+                  <a:srgbClr val="FFC000"/>
+                </a:solidFill>
+                <a:latin typeface="Trebuchet MS" pitchFamily="34" charset="0"/>
+                <a:ea typeface="Calibri" pitchFamily="34" charset="0"/>
+                <a:cs typeface="Arial" pitchFamily="34" charset="0"/>
+              </a:rPr>
+              <a:t>snahider</a:t>
+            </a:r>
+            <a:r>
+              <a:rPr lang="en-US" sz="2000" dirty="0" smtClean="0">
+                <a:solidFill>
+                  <a:srgbClr val="FFC000"/>
+                </a:solidFill>
+                <a:latin typeface="Trebuchet MS" pitchFamily="34" charset="0"/>
+                <a:cs typeface="Arial" pitchFamily="34" charset="0"/>
+              </a:rPr>
+              <a:t> </a:t>
+            </a:r>
+          </a:p>
+        </p:txBody>
+      </p:sp>
+    </p:spTree>
+    <p:extLst>
+      <p:ext uri="{BB962C8B-B14F-4D97-AF65-F5344CB8AC3E}">
+        <p14:creationId xmlns:p14="http://schemas.microsoft.com/office/powerpoint/2010/main" val="3929104299"/>
+      </p:ext>
+    </p:extLst>
+  </p:cSld>
+  <p:clrMapOvr>
+    <a:masterClrMapping/>
+  </p:clrMapOvr>
+</p:sld>
+</file>
+
+<file path=ppt/slides/slide3.xml><?xml version="1.0" encoding="utf-8"?>
+<p:sld xmlns:a="http://schemas.openxmlformats.org/drawingml/2006/main" xmlns:r="http://schemas.openxmlformats.org/officeDocument/2006/relationships" xmlns:p="http://schemas.openxmlformats.org/presentationml/2006/main">
+  <p:cSld>
+    <p:spTree>
+      <p:nvGrpSpPr>
+        <p:cNvPr id="1" name=""/>
+        <p:cNvGrpSpPr/>
+        <p:nvPr/>
+      </p:nvGrpSpPr>
+      <p:grpSpPr>
+        <a:xfrm>
+          <a:off x="0" y="0"/>
+          <a:ext cx="0" cy="0"/>
+          <a:chOff x="0" y="0"/>
+          <a:chExt cx="0" cy="0"/>
+        </a:xfrm>
+      </p:grpSpPr>
+      <p:sp>
+        <p:nvSpPr>
+          <p:cNvPr id="2" name="1 Título"/>
+          <p:cNvSpPr>
+            <a:spLocks noGrp="1"/>
+          </p:cNvSpPr>
+          <p:nvPr>
+            <p:ph type="title"/>
+          </p:nvPr>
+        </p:nvSpPr>
+        <p:spPr>
+          <a:xfrm>
+            <a:off x="518864" y="188640"/>
+            <a:ext cx="8229600" cy="818254"/>
+          </a:xfrm>
+          <a:noFill/>
+          <a:ln w="9525">
+            <a:noFill/>
+            <a:miter lim="800000"/>
+            <a:headEnd/>
+            <a:tailEnd/>
+          </a:ln>
+        </p:spPr>
+        <p:txBody>
+          <a:bodyPr vert="horz" wrap="square" lIns="91440" tIns="45720" rIns="91440" bIns="45720" numCol="1" anchor="ctr" anchorCtr="0" compatLnSpc="1">
+            <a:prstTxWarp prst="textNoShape">
+              <a:avLst/>
+            </a:prstTxWarp>
+          </a:bodyPr>
+          <a:lstStyle/>
+          <a:p>
+            <a:r>
+              <a:rPr lang="en-US" dirty="0">
+                <a:solidFill>
+                  <a:srgbClr val="009A46"/>
+                </a:solidFill>
+              </a:rPr>
+              <a:t>Technical Debt</a:t>
+            </a:r>
+          </a:p>
+        </p:txBody>
+      </p:sp>
+      <p:sp>
+        <p:nvSpPr>
+          <p:cNvPr id="20" name="19 CuadroTexto"/>
+          <p:cNvSpPr txBox="1"/>
+          <p:nvPr/>
+        </p:nvSpPr>
+        <p:spPr>
+          <a:xfrm>
+            <a:off x="384050" y="1016160"/>
+            <a:ext cx="8561175" cy="1815882"/>
+          </a:xfrm>
+          <a:prstGeom prst="rect">
+            <a:avLst/>
+          </a:prstGeom>
+          <a:noFill/>
+        </p:spPr>
+        <p:txBody>
+          <a:bodyPr wrap="square" rtlCol="0">
+            <a:spAutoFit/>
+          </a:bodyPr>
+          <a:lstStyle/>
+          <a:p>
+            <a:pPr algn="ctr"/>
+            <a:r>
+              <a:rPr lang="es-PE" sz="2800" dirty="0" smtClean="0"/>
+              <a:t>Obligaciones que una organización toma cuando disminuye consciente o inconscientemente la calidad interna del producto para satisfacer metas a corto plazo pero que son perjudiciales a largo plazo.</a:t>
+            </a:r>
+            <a:endParaRPr lang="es-PE" sz="2800" dirty="0"/>
+          </a:p>
+        </p:txBody>
+      </p:sp>
+      <p:pic>
+        <p:nvPicPr>
+          <p:cNvPr id="2052" name="Picture 4" descr="http://www.debtconsolidationusa.com/wp-content/uploads/2012/02/bad-credit-loans.jpg"/>
+          <p:cNvPicPr>
+            <a:picLocks noChangeAspect="1" noChangeArrowheads="1"/>
+          </p:cNvPicPr>
+          <p:nvPr/>
+        </p:nvPicPr>
+        <p:blipFill>
+          <a:blip r:embed="rId3">
+            <a:extLst>
+              <a:ext uri="{28A0092B-C50C-407E-A947-70E740481C1C}">
+                <a14:useLocalDpi xmlns:a14="http://schemas.microsoft.com/office/drawing/2010/main" val="0"/>
+              </a:ext>
+            </a:extLst>
+          </a:blip>
+          <a:srcRect/>
+          <a:stretch>
+            <a:fillRect/>
+          </a:stretch>
+        </p:blipFill>
+        <p:spPr bwMode="auto">
+          <a:xfrm>
+            <a:off x="2379397" y="2996952"/>
+            <a:ext cx="4570479" cy="3427859"/>
+          </a:xfrm>
+          <a:prstGeom prst="rect">
+            <a:avLst/>
+          </a:prstGeom>
+          <a:noFill/>
+          <a:extLst>
+            <a:ext uri="{909E8E84-426E-40DD-AFC4-6F175D3DCCD1}">
+              <a14:hiddenFill xmlns:a14="http://schemas.microsoft.com/office/drawing/2010/main">
+                <a:solidFill>
+                  <a:srgbClr val="FFFFFF"/>
+                </a:solidFill>
+              </a14:hiddenFill>
+            </a:ext>
+          </a:extLst>
+        </p:spPr>
+      </p:pic>
+    </p:spTree>
+    <p:extLst>
+      <p:ext uri="{BB962C8B-B14F-4D97-AF65-F5344CB8AC3E}">
+        <p14:creationId xmlns:p14="http://schemas.microsoft.com/office/powerpoint/2010/main" val="222094944"/>
       </p:ext>
     </p:extLst>
   </p:cSld>
@@ -16966,1696 +15093,6 @@
       <p:bldP spid="6" grpId="0"/>
     </p:bldLst>
   </p:timing>
-</p:sld>
-</file>
-
-<file path=ppt/slides/slide40.xml><?xml version="1.0" encoding="utf-8"?>
-<p:sld xmlns:a="http://schemas.openxmlformats.org/drawingml/2006/main" xmlns:r="http://schemas.openxmlformats.org/officeDocument/2006/relationships" xmlns:p="http://schemas.openxmlformats.org/presentationml/2006/main">
-  <p:cSld>
-    <p:spTree>
-      <p:nvGrpSpPr>
-        <p:cNvPr id="1" name=""/>
-        <p:cNvGrpSpPr/>
-        <p:nvPr/>
-      </p:nvGrpSpPr>
-      <p:grpSpPr>
-        <a:xfrm>
-          <a:off x="0" y="0"/>
-          <a:ext cx="0" cy="0"/>
-          <a:chOff x="0" y="0"/>
-          <a:chExt cx="0" cy="0"/>
-        </a:xfrm>
-      </p:grpSpPr>
-      <p:sp>
-        <p:nvSpPr>
-          <p:cNvPr id="7" name="1 Título"/>
-          <p:cNvSpPr>
-            <a:spLocks noGrp="1"/>
-          </p:cNvSpPr>
-          <p:nvPr>
-            <p:ph type="title"/>
-          </p:nvPr>
-        </p:nvSpPr>
-        <p:spPr>
-          <a:xfrm>
-            <a:off x="505024" y="548680"/>
-            <a:ext cx="8229600" cy="1143000"/>
-          </a:xfrm>
-        </p:spPr>
-        <p:txBody>
-          <a:bodyPr/>
-          <a:lstStyle/>
-          <a:p>
-            <a:r>
-              <a:rPr lang="es-PE" dirty="0" smtClean="0">
-                <a:solidFill>
-                  <a:srgbClr val="009A46"/>
-                </a:solidFill>
-              </a:rPr>
-              <a:t>¿Cómo </a:t>
-            </a:r>
-            <a:r>
-              <a:rPr lang="es-PE" dirty="0" err="1" smtClean="0">
-                <a:solidFill>
-                  <a:srgbClr val="009A46"/>
-                </a:solidFill>
-              </a:rPr>
-              <a:t>refactorizar</a:t>
-            </a:r>
-            <a:r>
-              <a:rPr lang="es-PE" dirty="0" smtClean="0">
-                <a:solidFill>
-                  <a:srgbClr val="009A46"/>
-                </a:solidFill>
-              </a:rPr>
-              <a:t>?</a:t>
-            </a:r>
-            <a:endParaRPr lang="es-PE" dirty="0">
-              <a:solidFill>
-                <a:srgbClr val="009A46"/>
-              </a:solidFill>
-            </a:endParaRPr>
-          </a:p>
-        </p:txBody>
-      </p:sp>
-      <p:sp>
-        <p:nvSpPr>
-          <p:cNvPr id="8" name="5 Marcador de contenido"/>
-          <p:cNvSpPr txBox="1">
-            <a:spLocks/>
-          </p:cNvSpPr>
-          <p:nvPr/>
-        </p:nvSpPr>
-        <p:spPr bwMode="auto">
-          <a:xfrm>
-            <a:off x="539552" y="1763688"/>
-            <a:ext cx="8208912" cy="4032448"/>
-          </a:xfrm>
-          <a:prstGeom prst="rect">
-            <a:avLst/>
-          </a:prstGeom>
-          <a:noFill/>
-          <a:ln w="9525">
-            <a:noFill/>
-            <a:miter lim="800000"/>
-            <a:headEnd/>
-            <a:tailEnd/>
-          </a:ln>
-        </p:spPr>
-        <p:txBody>
-          <a:bodyPr vert="horz" wrap="square" lIns="91440" tIns="45720" rIns="91440" bIns="45720" numCol="1" anchor="t" anchorCtr="0" compatLnSpc="1">
-            <a:prstTxWarp prst="textNoShape">
-              <a:avLst/>
-            </a:prstTxWarp>
-          </a:bodyPr>
-          <a:lstStyle>
-            <a:lvl1pPr marL="342900" indent="-342900" algn="l" rtl="0" eaLnBrk="1" fontAlgn="base" hangingPunct="1">
-              <a:spcBef>
-                <a:spcPct val="20000"/>
-              </a:spcBef>
-              <a:spcAft>
-                <a:spcPct val="0"/>
-              </a:spcAft>
-              <a:buFont typeface="Arial" charset="0"/>
-              <a:buChar char="•"/>
-              <a:defRPr sz="3200" kern="1200">
-                <a:solidFill>
-                  <a:schemeClr val="tx1"/>
-                </a:solidFill>
-                <a:latin typeface="+mn-lt"/>
-                <a:ea typeface="+mn-ea"/>
-                <a:cs typeface="+mn-cs"/>
-              </a:defRPr>
-            </a:lvl1pPr>
-            <a:lvl2pPr marL="742950" indent="-285750" algn="l" rtl="0" eaLnBrk="1" fontAlgn="base" hangingPunct="1">
-              <a:spcBef>
-                <a:spcPct val="20000"/>
-              </a:spcBef>
-              <a:spcAft>
-                <a:spcPct val="0"/>
-              </a:spcAft>
-              <a:buFont typeface="Arial" charset="0"/>
-              <a:buChar char="–"/>
-              <a:defRPr sz="2800" kern="1200">
-                <a:solidFill>
-                  <a:schemeClr val="tx1"/>
-                </a:solidFill>
-                <a:latin typeface="+mn-lt"/>
-                <a:ea typeface="+mn-ea"/>
-                <a:cs typeface="+mn-cs"/>
-              </a:defRPr>
-            </a:lvl2pPr>
-            <a:lvl3pPr marL="1143000" indent="-228600" algn="l" rtl="0" eaLnBrk="1" fontAlgn="base" hangingPunct="1">
-              <a:spcBef>
-                <a:spcPct val="20000"/>
-              </a:spcBef>
-              <a:spcAft>
-                <a:spcPct val="0"/>
-              </a:spcAft>
-              <a:buFont typeface="Arial" charset="0"/>
-              <a:buChar char="•"/>
-              <a:defRPr sz="2400" kern="1200">
-                <a:solidFill>
-                  <a:schemeClr val="tx1"/>
-                </a:solidFill>
-                <a:latin typeface="+mn-lt"/>
-                <a:ea typeface="+mn-ea"/>
-                <a:cs typeface="+mn-cs"/>
-              </a:defRPr>
-            </a:lvl3pPr>
-            <a:lvl4pPr marL="1600200" indent="-228600" algn="l" rtl="0" eaLnBrk="1" fontAlgn="base" hangingPunct="1">
-              <a:spcBef>
-                <a:spcPct val="20000"/>
-              </a:spcBef>
-              <a:spcAft>
-                <a:spcPct val="0"/>
-              </a:spcAft>
-              <a:buFont typeface="Arial" charset="0"/>
-              <a:buChar char="–"/>
-              <a:defRPr sz="2000" kern="1200">
-                <a:solidFill>
-                  <a:schemeClr val="tx1"/>
-                </a:solidFill>
-                <a:latin typeface="+mn-lt"/>
-                <a:ea typeface="+mn-ea"/>
-                <a:cs typeface="+mn-cs"/>
-              </a:defRPr>
-            </a:lvl4pPr>
-            <a:lvl5pPr marL="2057400" indent="-228600" algn="l" rtl="0" eaLnBrk="1" fontAlgn="base" hangingPunct="1">
-              <a:spcBef>
-                <a:spcPct val="20000"/>
-              </a:spcBef>
-              <a:spcAft>
-                <a:spcPct val="0"/>
-              </a:spcAft>
-              <a:buFont typeface="Arial" charset="0"/>
-              <a:buChar char="»"/>
-              <a:defRPr sz="2000" kern="1200">
-                <a:solidFill>
-                  <a:schemeClr val="tx1"/>
-                </a:solidFill>
-                <a:latin typeface="+mn-lt"/>
-                <a:ea typeface="+mn-ea"/>
-                <a:cs typeface="+mn-cs"/>
-              </a:defRPr>
-            </a:lvl5pPr>
-            <a:lvl6pPr marL="2514600" indent="-228600" algn="l" defTabSz="914400" rtl="0" eaLnBrk="1" latinLnBrk="0" hangingPunct="1">
-              <a:spcBef>
-                <a:spcPct val="20000"/>
-              </a:spcBef>
-              <a:buFont typeface="Arial" pitchFamily="34" charset="0"/>
-              <a:buChar char="•"/>
-              <a:defRPr sz="2000" kern="1200">
-                <a:solidFill>
-                  <a:schemeClr val="tx1"/>
-                </a:solidFill>
-                <a:latin typeface="+mn-lt"/>
-                <a:ea typeface="+mn-ea"/>
-                <a:cs typeface="+mn-cs"/>
-              </a:defRPr>
-            </a:lvl6pPr>
-            <a:lvl7pPr marL="2971800" indent="-228600" algn="l" defTabSz="914400" rtl="0" eaLnBrk="1" latinLnBrk="0" hangingPunct="1">
-              <a:spcBef>
-                <a:spcPct val="20000"/>
-              </a:spcBef>
-              <a:buFont typeface="Arial" pitchFamily="34" charset="0"/>
-              <a:buChar char="•"/>
-              <a:defRPr sz="2000" kern="1200">
-                <a:solidFill>
-                  <a:schemeClr val="tx1"/>
-                </a:solidFill>
-                <a:latin typeface="+mn-lt"/>
-                <a:ea typeface="+mn-ea"/>
-                <a:cs typeface="+mn-cs"/>
-              </a:defRPr>
-            </a:lvl7pPr>
-            <a:lvl8pPr marL="3429000" indent="-228600" algn="l" defTabSz="914400" rtl="0" eaLnBrk="1" latinLnBrk="0" hangingPunct="1">
-              <a:spcBef>
-                <a:spcPct val="20000"/>
-              </a:spcBef>
-              <a:buFont typeface="Arial" pitchFamily="34" charset="0"/>
-              <a:buChar char="•"/>
-              <a:defRPr sz="2000" kern="1200">
-                <a:solidFill>
-                  <a:schemeClr val="tx1"/>
-                </a:solidFill>
-                <a:latin typeface="+mn-lt"/>
-                <a:ea typeface="+mn-ea"/>
-                <a:cs typeface="+mn-cs"/>
-              </a:defRPr>
-            </a:lvl8pPr>
-            <a:lvl9pPr marL="3886200" indent="-228600" algn="l" defTabSz="914400" rtl="0" eaLnBrk="1" latinLnBrk="0" hangingPunct="1">
-              <a:spcBef>
-                <a:spcPct val="20000"/>
-              </a:spcBef>
-              <a:buFont typeface="Arial" pitchFamily="34" charset="0"/>
-              <a:buChar char="•"/>
-              <a:defRPr sz="2000" kern="1200">
-                <a:solidFill>
-                  <a:schemeClr val="tx1"/>
-                </a:solidFill>
-                <a:latin typeface="+mn-lt"/>
-                <a:ea typeface="+mn-ea"/>
-                <a:cs typeface="+mn-cs"/>
-              </a:defRPr>
-            </a:lvl9pPr>
-          </a:lstStyle>
-          <a:p>
-            <a:r>
-              <a:rPr lang="es-PE" sz="2800" dirty="0" smtClean="0"/>
-              <a:t>Nunca comenzar a </a:t>
-            </a:r>
-            <a:r>
-              <a:rPr lang="es-PE" sz="2800" dirty="0" err="1" smtClean="0"/>
-              <a:t>refactorizar</a:t>
-            </a:r>
-            <a:r>
-              <a:rPr lang="es-PE" sz="2800" dirty="0" smtClean="0"/>
-              <a:t> en rojo.</a:t>
-            </a:r>
-          </a:p>
-          <a:p>
-            <a:r>
-              <a:rPr lang="es-PE" sz="2800" dirty="0" smtClean="0"/>
-              <a:t>Evitar errores de compilación o resolverlos muy rápidamente.</a:t>
-            </a:r>
-          </a:p>
-          <a:p>
-            <a:r>
-              <a:rPr lang="es-PE" sz="2800" dirty="0" smtClean="0"/>
-              <a:t>Siempre realizar pasos muy pequeños.</a:t>
-            </a:r>
-          </a:p>
-          <a:p>
-            <a:r>
-              <a:rPr lang="es-PE" sz="2800" dirty="0" smtClean="0"/>
-              <a:t>Ejecutar los test constantemente.</a:t>
-            </a:r>
-          </a:p>
-          <a:p>
-            <a:pPr marL="0" indent="0">
-              <a:buNone/>
-            </a:pPr>
-            <a:endParaRPr lang="es-PE" sz="2800" dirty="0" smtClean="0"/>
-          </a:p>
-          <a:p>
-            <a:pPr marL="0" indent="0" algn="ctr">
-              <a:buNone/>
-            </a:pPr>
-            <a:r>
-              <a:rPr lang="es-PE" sz="2800" dirty="0" smtClean="0">
-                <a:solidFill>
-                  <a:srgbClr val="FF0000"/>
-                </a:solidFill>
-              </a:rPr>
-              <a:t>El mejor camino es tomar una actitud cautelosa, siempre en pasos muy pequeños y fáciles de revertir.</a:t>
-            </a:r>
-            <a:endParaRPr lang="es-PE" sz="2800" dirty="0">
-              <a:solidFill>
-                <a:srgbClr val="FF0000"/>
-              </a:solidFill>
-            </a:endParaRPr>
-          </a:p>
-          <a:p>
-            <a:pPr marL="0" indent="0">
-              <a:buNone/>
-            </a:pPr>
-            <a:endParaRPr lang="es-PE" sz="2800" dirty="0"/>
-          </a:p>
-        </p:txBody>
-      </p:sp>
-    </p:spTree>
-    <p:extLst>
-      <p:ext uri="{BB962C8B-B14F-4D97-AF65-F5344CB8AC3E}">
-        <p14:creationId xmlns:p14="http://schemas.microsoft.com/office/powerpoint/2010/main" val="3649338716"/>
-      </p:ext>
-    </p:extLst>
-  </p:cSld>
-  <p:clrMapOvr>
-    <a:masterClrMapping/>
-  </p:clrMapOvr>
-  <p:timing>
-    <p:tnLst>
-      <p:par>
-        <p:cTn id="1" dur="indefinite" restart="never" nodeType="tmRoot"/>
-      </p:par>
-    </p:tnLst>
-  </p:timing>
-</p:sld>
-</file>
-
-<file path=ppt/slides/slide41.xml><?xml version="1.0" encoding="utf-8"?>
-<p:sld xmlns:a="http://schemas.openxmlformats.org/drawingml/2006/main" xmlns:r="http://schemas.openxmlformats.org/officeDocument/2006/relationships" xmlns:p="http://schemas.openxmlformats.org/presentationml/2006/main">
-  <p:cSld>
-    <p:spTree>
-      <p:nvGrpSpPr>
-        <p:cNvPr id="1" name=""/>
-        <p:cNvGrpSpPr/>
-        <p:nvPr/>
-      </p:nvGrpSpPr>
-      <p:grpSpPr>
-        <a:xfrm>
-          <a:off x="0" y="0"/>
-          <a:ext cx="0" cy="0"/>
-          <a:chOff x="0" y="0"/>
-          <a:chExt cx="0" cy="0"/>
-        </a:xfrm>
-      </p:grpSpPr>
-      <p:sp>
-        <p:nvSpPr>
-          <p:cNvPr id="3" name="2 Título"/>
-          <p:cNvSpPr>
-            <a:spLocks noGrp="1"/>
-          </p:cNvSpPr>
-          <p:nvPr>
-            <p:ph type="title"/>
-          </p:nvPr>
-        </p:nvSpPr>
-        <p:spPr>
-          <a:xfrm>
-            <a:off x="457200" y="260648"/>
-            <a:ext cx="8229600" cy="796950"/>
-          </a:xfrm>
-        </p:spPr>
-        <p:txBody>
-          <a:bodyPr/>
-          <a:lstStyle/>
-          <a:p>
-            <a:r>
-              <a:rPr lang="es-PE" dirty="0" smtClean="0">
-                <a:solidFill>
-                  <a:srgbClr val="00823B"/>
-                </a:solidFill>
-              </a:rPr>
-              <a:t>Herramientas </a:t>
-            </a:r>
-            <a:r>
-              <a:rPr lang="es-PE" dirty="0" err="1" smtClean="0">
-                <a:solidFill>
-                  <a:srgbClr val="00823B"/>
-                </a:solidFill>
-              </a:rPr>
-              <a:t>Refactoring</a:t>
-            </a:r>
-            <a:endParaRPr lang="es-PE" dirty="0">
-              <a:solidFill>
-                <a:srgbClr val="00823B"/>
-              </a:solidFill>
-            </a:endParaRPr>
-          </a:p>
-        </p:txBody>
-      </p:sp>
-      <p:sp>
-        <p:nvSpPr>
-          <p:cNvPr id="7" name="5 Marcador de contenido"/>
-          <p:cNvSpPr txBox="1">
-            <a:spLocks/>
-          </p:cNvSpPr>
-          <p:nvPr/>
-        </p:nvSpPr>
-        <p:spPr bwMode="auto">
-          <a:xfrm>
-            <a:off x="393882" y="5358226"/>
-            <a:ext cx="8428243" cy="1066945"/>
-          </a:xfrm>
-          <a:prstGeom prst="rect">
-            <a:avLst/>
-          </a:prstGeom>
-          <a:noFill/>
-          <a:ln w="9525">
-            <a:noFill/>
-            <a:miter lim="800000"/>
-            <a:headEnd/>
-            <a:tailEnd/>
-          </a:ln>
-        </p:spPr>
-        <p:txBody>
-          <a:bodyPr vert="horz" wrap="square" lIns="91440" tIns="45720" rIns="91440" bIns="45720" numCol="1" anchor="t" anchorCtr="0" compatLnSpc="1">
-            <a:prstTxWarp prst="textNoShape">
-              <a:avLst/>
-            </a:prstTxWarp>
-          </a:bodyPr>
-          <a:lstStyle>
-            <a:lvl1pPr marL="342900" indent="-342900" algn="l" rtl="0" eaLnBrk="1" fontAlgn="base" hangingPunct="1">
-              <a:spcBef>
-                <a:spcPct val="20000"/>
-              </a:spcBef>
-              <a:spcAft>
-                <a:spcPct val="0"/>
-              </a:spcAft>
-              <a:buFont typeface="Arial" charset="0"/>
-              <a:buChar char="•"/>
-              <a:defRPr sz="3200" kern="1200">
-                <a:solidFill>
-                  <a:schemeClr val="tx1"/>
-                </a:solidFill>
-                <a:latin typeface="+mn-lt"/>
-                <a:ea typeface="+mn-ea"/>
-                <a:cs typeface="+mn-cs"/>
-              </a:defRPr>
-            </a:lvl1pPr>
-            <a:lvl2pPr marL="742950" indent="-285750" algn="l" rtl="0" eaLnBrk="1" fontAlgn="base" hangingPunct="1">
-              <a:spcBef>
-                <a:spcPct val="20000"/>
-              </a:spcBef>
-              <a:spcAft>
-                <a:spcPct val="0"/>
-              </a:spcAft>
-              <a:buFont typeface="Arial" charset="0"/>
-              <a:buChar char="–"/>
-              <a:defRPr sz="2800" kern="1200">
-                <a:solidFill>
-                  <a:schemeClr val="tx1"/>
-                </a:solidFill>
-                <a:latin typeface="+mn-lt"/>
-                <a:ea typeface="+mn-ea"/>
-                <a:cs typeface="+mn-cs"/>
-              </a:defRPr>
-            </a:lvl2pPr>
-            <a:lvl3pPr marL="1143000" indent="-228600" algn="l" rtl="0" eaLnBrk="1" fontAlgn="base" hangingPunct="1">
-              <a:spcBef>
-                <a:spcPct val="20000"/>
-              </a:spcBef>
-              <a:spcAft>
-                <a:spcPct val="0"/>
-              </a:spcAft>
-              <a:buFont typeface="Arial" charset="0"/>
-              <a:buChar char="•"/>
-              <a:defRPr sz="2400" kern="1200">
-                <a:solidFill>
-                  <a:schemeClr val="tx1"/>
-                </a:solidFill>
-                <a:latin typeface="+mn-lt"/>
-                <a:ea typeface="+mn-ea"/>
-                <a:cs typeface="+mn-cs"/>
-              </a:defRPr>
-            </a:lvl3pPr>
-            <a:lvl4pPr marL="1600200" indent="-228600" algn="l" rtl="0" eaLnBrk="1" fontAlgn="base" hangingPunct="1">
-              <a:spcBef>
-                <a:spcPct val="20000"/>
-              </a:spcBef>
-              <a:spcAft>
-                <a:spcPct val="0"/>
-              </a:spcAft>
-              <a:buFont typeface="Arial" charset="0"/>
-              <a:buChar char="–"/>
-              <a:defRPr sz="2000" kern="1200">
-                <a:solidFill>
-                  <a:schemeClr val="tx1"/>
-                </a:solidFill>
-                <a:latin typeface="+mn-lt"/>
-                <a:ea typeface="+mn-ea"/>
-                <a:cs typeface="+mn-cs"/>
-              </a:defRPr>
-            </a:lvl4pPr>
-            <a:lvl5pPr marL="2057400" indent="-228600" algn="l" rtl="0" eaLnBrk="1" fontAlgn="base" hangingPunct="1">
-              <a:spcBef>
-                <a:spcPct val="20000"/>
-              </a:spcBef>
-              <a:spcAft>
-                <a:spcPct val="0"/>
-              </a:spcAft>
-              <a:buFont typeface="Arial" charset="0"/>
-              <a:buChar char="»"/>
-              <a:defRPr sz="2000" kern="1200">
-                <a:solidFill>
-                  <a:schemeClr val="tx1"/>
-                </a:solidFill>
-                <a:latin typeface="+mn-lt"/>
-                <a:ea typeface="+mn-ea"/>
-                <a:cs typeface="+mn-cs"/>
-              </a:defRPr>
-            </a:lvl5pPr>
-            <a:lvl6pPr marL="2514600" indent="-228600" algn="l" defTabSz="914400" rtl="0" eaLnBrk="1" latinLnBrk="0" hangingPunct="1">
-              <a:spcBef>
-                <a:spcPct val="20000"/>
-              </a:spcBef>
-              <a:buFont typeface="Arial" pitchFamily="34" charset="0"/>
-              <a:buChar char="•"/>
-              <a:defRPr sz="2000" kern="1200">
-                <a:solidFill>
-                  <a:schemeClr val="tx1"/>
-                </a:solidFill>
-                <a:latin typeface="+mn-lt"/>
-                <a:ea typeface="+mn-ea"/>
-                <a:cs typeface="+mn-cs"/>
-              </a:defRPr>
-            </a:lvl6pPr>
-            <a:lvl7pPr marL="2971800" indent="-228600" algn="l" defTabSz="914400" rtl="0" eaLnBrk="1" latinLnBrk="0" hangingPunct="1">
-              <a:spcBef>
-                <a:spcPct val="20000"/>
-              </a:spcBef>
-              <a:buFont typeface="Arial" pitchFamily="34" charset="0"/>
-              <a:buChar char="•"/>
-              <a:defRPr sz="2000" kern="1200">
-                <a:solidFill>
-                  <a:schemeClr val="tx1"/>
-                </a:solidFill>
-                <a:latin typeface="+mn-lt"/>
-                <a:ea typeface="+mn-ea"/>
-                <a:cs typeface="+mn-cs"/>
-              </a:defRPr>
-            </a:lvl7pPr>
-            <a:lvl8pPr marL="3429000" indent="-228600" algn="l" defTabSz="914400" rtl="0" eaLnBrk="1" latinLnBrk="0" hangingPunct="1">
-              <a:spcBef>
-                <a:spcPct val="20000"/>
-              </a:spcBef>
-              <a:buFont typeface="Arial" pitchFamily="34" charset="0"/>
-              <a:buChar char="•"/>
-              <a:defRPr sz="2000" kern="1200">
-                <a:solidFill>
-                  <a:schemeClr val="tx1"/>
-                </a:solidFill>
-                <a:latin typeface="+mn-lt"/>
-                <a:ea typeface="+mn-ea"/>
-                <a:cs typeface="+mn-cs"/>
-              </a:defRPr>
-            </a:lvl8pPr>
-            <a:lvl9pPr marL="3886200" indent="-228600" algn="l" defTabSz="914400" rtl="0" eaLnBrk="1" latinLnBrk="0" hangingPunct="1">
-              <a:spcBef>
-                <a:spcPct val="20000"/>
-              </a:spcBef>
-              <a:buFont typeface="Arial" pitchFamily="34" charset="0"/>
-              <a:buChar char="•"/>
-              <a:defRPr sz="2000" kern="1200">
-                <a:solidFill>
-                  <a:schemeClr val="tx1"/>
-                </a:solidFill>
-                <a:latin typeface="+mn-lt"/>
-                <a:ea typeface="+mn-ea"/>
-                <a:cs typeface="+mn-cs"/>
-              </a:defRPr>
-            </a:lvl9pPr>
-          </a:lstStyle>
-          <a:p>
-            <a:r>
-              <a:rPr lang="es-PE" sz="2600" dirty="0" smtClean="0">
-                <a:solidFill>
-                  <a:schemeClr val="tx1">
-                    <a:lumMod val="95000"/>
-                  </a:schemeClr>
-                </a:solidFill>
-              </a:rPr>
-              <a:t>La gran mayoría de </a:t>
-            </a:r>
-            <a:r>
-              <a:rPr lang="es-PE" sz="2600" dirty="0" err="1" smtClean="0">
-                <a:solidFill>
-                  <a:schemeClr val="tx1">
-                    <a:lumMod val="95000"/>
-                  </a:schemeClr>
-                </a:solidFill>
-              </a:rPr>
-              <a:t>IDEs</a:t>
-            </a:r>
-            <a:r>
-              <a:rPr lang="es-PE" sz="2600" dirty="0" smtClean="0">
-                <a:solidFill>
-                  <a:schemeClr val="tx1">
-                    <a:lumMod val="95000"/>
-                  </a:schemeClr>
-                </a:solidFill>
-              </a:rPr>
-              <a:t> ya proveen estas herramientas.</a:t>
-            </a:r>
-          </a:p>
-          <a:p>
-            <a:r>
-              <a:rPr lang="es-PE" sz="2600" dirty="0" smtClean="0">
-                <a:solidFill>
-                  <a:schemeClr val="tx1">
-                    <a:lumMod val="95000"/>
-                  </a:schemeClr>
-                </a:solidFill>
-              </a:rPr>
-              <a:t>No son perfectas.</a:t>
-            </a:r>
-            <a:endParaRPr lang="es-PE" sz="2600" dirty="0">
-              <a:solidFill>
-                <a:schemeClr val="tx1">
-                  <a:lumMod val="95000"/>
-                </a:schemeClr>
-              </a:solidFill>
-            </a:endParaRPr>
-          </a:p>
-        </p:txBody>
-      </p:sp>
-      <p:pic>
-        <p:nvPicPr>
-          <p:cNvPr id="9" name="Picture 2"/>
-          <p:cNvPicPr>
-            <a:picLocks noChangeAspect="1" noChangeArrowheads="1"/>
-          </p:cNvPicPr>
-          <p:nvPr/>
-        </p:nvPicPr>
-        <p:blipFill rotWithShape="1">
-          <a:blip r:embed="rId3">
-            <a:extLst>
-              <a:ext uri="{28A0092B-C50C-407E-A947-70E740481C1C}">
-                <a14:useLocalDpi xmlns:a14="http://schemas.microsoft.com/office/drawing/2010/main" val="0"/>
-              </a:ext>
-            </a:extLst>
-          </a:blip>
-          <a:srcRect l="7605" r="-1" b="17955"/>
-          <a:stretch/>
-        </p:blipFill>
-        <p:spPr bwMode="auto">
-          <a:xfrm>
-            <a:off x="2842267" y="2261882"/>
-            <a:ext cx="3531474" cy="2952328"/>
-          </a:xfrm>
-          <a:prstGeom prst="rect">
-            <a:avLst/>
-          </a:prstGeom>
-          <a:noFill/>
-          <a:ln>
-            <a:noFill/>
-          </a:ln>
-          <a:effectLst/>
-          <a:extLst>
-            <a:ext uri="{909E8E84-426E-40DD-AFC4-6F175D3DCCD1}">
-              <a14:hiddenFill xmlns:a14="http://schemas.microsoft.com/office/drawing/2010/main">
-                <a:solidFill>
-                  <a:schemeClr val="accent1"/>
-                </a:solidFill>
-              </a14:hiddenFill>
-            </a:ext>
-            <a:ext uri="{91240B29-F687-4F45-9708-019B960494DF}">
-              <a14:hiddenLine xmlns:a14="http://schemas.microsoft.com/office/drawing/2010/main" w="9525">
-                <a:solidFill>
-                  <a:schemeClr val="tx1"/>
-                </a:solidFill>
-                <a:miter lim="800000"/>
-                <a:headEnd/>
-                <a:tailEnd/>
-              </a14:hiddenLine>
-            </a:ext>
-            <a:ext uri="{AF507438-7753-43E0-B8FC-AC1667EBCBE1}">
-              <a14:hiddenEffects xmlns:a14="http://schemas.microsoft.com/office/drawing/2010/main">
-                <a:effectLst>
-                  <a:outerShdw dist="35921" dir="2700000" algn="ctr" rotWithShape="0">
-                    <a:schemeClr val="bg2"/>
-                  </a:outerShdw>
-                </a:effectLst>
-              </a14:hiddenEffects>
-            </a:ext>
-          </a:extLst>
-        </p:spPr>
-      </p:pic>
-      <p:sp>
-        <p:nvSpPr>
-          <p:cNvPr id="10" name="9 Rectángulo"/>
-          <p:cNvSpPr/>
-          <p:nvPr/>
-        </p:nvSpPr>
-        <p:spPr>
-          <a:xfrm>
-            <a:off x="1151620" y="1124744"/>
-            <a:ext cx="6912768" cy="954107"/>
-          </a:xfrm>
-          <a:prstGeom prst="rect">
-            <a:avLst/>
-          </a:prstGeom>
-        </p:spPr>
-        <p:txBody>
-          <a:bodyPr wrap="square">
-            <a:spAutoFit/>
-          </a:bodyPr>
-          <a:lstStyle/>
-          <a:p>
-            <a:pPr algn="ctr"/>
-            <a:r>
-              <a:rPr lang="es-PE" sz="2800" dirty="0" smtClean="0">
-                <a:solidFill>
-                  <a:srgbClr val="FFC000"/>
-                </a:solidFill>
-              </a:rPr>
-              <a:t>Permiten producir </a:t>
-            </a:r>
-            <a:r>
-              <a:rPr lang="es-PE" sz="2800" dirty="0">
-                <a:solidFill>
-                  <a:srgbClr val="FFC000"/>
-                </a:solidFill>
-              </a:rPr>
-              <a:t>mejoras significativas en el diseño sin mucho </a:t>
-            </a:r>
-            <a:r>
-              <a:rPr lang="es-PE" sz="2800" dirty="0" smtClean="0">
-                <a:solidFill>
-                  <a:srgbClr val="FFC000"/>
-                </a:solidFill>
-              </a:rPr>
-              <a:t>esfuerzo. </a:t>
-            </a:r>
-            <a:endParaRPr lang="es-PE" sz="2800" dirty="0">
-              <a:solidFill>
-                <a:srgbClr val="FFC000"/>
-              </a:solidFill>
-            </a:endParaRPr>
-          </a:p>
-        </p:txBody>
-      </p:sp>
-    </p:spTree>
-    <p:extLst>
-      <p:ext uri="{BB962C8B-B14F-4D97-AF65-F5344CB8AC3E}">
-        <p14:creationId xmlns:p14="http://schemas.microsoft.com/office/powerpoint/2010/main" val="201101586"/>
-      </p:ext>
-    </p:extLst>
-  </p:cSld>
-  <p:clrMapOvr>
-    <a:masterClrMapping/>
-  </p:clrMapOvr>
-  <p:timing>
-    <p:tnLst>
-      <p:par>
-        <p:cTn id="1" dur="indefinite" restart="never" nodeType="tmRoot"/>
-      </p:par>
-    </p:tnLst>
-  </p:timing>
-</p:sld>
-</file>
-
-<file path=ppt/slides/slide42.xml><?xml version="1.0" encoding="utf-8"?>
-<p:sld xmlns:a="http://schemas.openxmlformats.org/drawingml/2006/main" xmlns:r="http://schemas.openxmlformats.org/officeDocument/2006/relationships" xmlns:p="http://schemas.openxmlformats.org/presentationml/2006/main">
-  <p:cSld>
-    <p:spTree>
-      <p:nvGrpSpPr>
-        <p:cNvPr id="1" name=""/>
-        <p:cNvGrpSpPr/>
-        <p:nvPr/>
-      </p:nvGrpSpPr>
-      <p:grpSpPr>
-        <a:xfrm>
-          <a:off x="0" y="0"/>
-          <a:ext cx="0" cy="0"/>
-          <a:chOff x="0" y="0"/>
-          <a:chExt cx="0" cy="0"/>
-        </a:xfrm>
-      </p:grpSpPr>
-      <p:sp>
-        <p:nvSpPr>
-          <p:cNvPr id="3" name="2 Título"/>
-          <p:cNvSpPr>
-            <a:spLocks noGrp="1"/>
-          </p:cNvSpPr>
-          <p:nvPr>
-            <p:ph type="title"/>
-          </p:nvPr>
-        </p:nvSpPr>
-        <p:spPr>
-          <a:xfrm>
-            <a:off x="467544" y="2348880"/>
-            <a:ext cx="8229600" cy="1296144"/>
-          </a:xfrm>
-        </p:spPr>
-        <p:txBody>
-          <a:bodyPr/>
-          <a:lstStyle/>
-          <a:p>
-            <a:r>
-              <a:rPr lang="es-PE" dirty="0" smtClean="0">
-                <a:solidFill>
-                  <a:srgbClr val="FFC000"/>
-                </a:solidFill>
-              </a:rPr>
-              <a:t>Ejercicio </a:t>
-            </a:r>
-            <a:r>
-              <a:rPr lang="es-PE" dirty="0" smtClean="0">
-                <a:solidFill>
-                  <a:srgbClr val="00823B"/>
-                </a:solidFill>
-              </a:rPr>
-              <a:t/>
-            </a:r>
-            <a:br>
-              <a:rPr lang="es-PE" dirty="0" smtClean="0">
-                <a:solidFill>
-                  <a:srgbClr val="00823B"/>
-                </a:solidFill>
-              </a:rPr>
-            </a:br>
-            <a:r>
-              <a:rPr lang="es-PE" dirty="0" err="1" smtClean="0">
-                <a:solidFill>
-                  <a:srgbClr val="00823B"/>
-                </a:solidFill>
-              </a:rPr>
-              <a:t>Refactorizar</a:t>
-            </a:r>
-            <a:r>
-              <a:rPr lang="es-PE" dirty="0" smtClean="0">
-                <a:solidFill>
-                  <a:srgbClr val="00823B"/>
-                </a:solidFill>
-              </a:rPr>
-              <a:t> </a:t>
-            </a:r>
-            <a:r>
-              <a:rPr lang="es-PE" dirty="0" err="1" smtClean="0">
-                <a:solidFill>
-                  <a:srgbClr val="00823B"/>
-                </a:solidFill>
-              </a:rPr>
-              <a:t>Code</a:t>
-            </a:r>
-            <a:r>
-              <a:rPr lang="es-PE" dirty="0" smtClean="0">
-                <a:solidFill>
-                  <a:srgbClr val="00823B"/>
-                </a:solidFill>
-              </a:rPr>
-              <a:t> </a:t>
-            </a:r>
-            <a:r>
-              <a:rPr lang="es-PE" dirty="0" err="1" smtClean="0">
-                <a:solidFill>
-                  <a:srgbClr val="00823B"/>
-                </a:solidFill>
-              </a:rPr>
-              <a:t>Smells</a:t>
-            </a:r>
-            <a:endParaRPr lang="es-PE" dirty="0">
-              <a:solidFill>
-                <a:srgbClr val="00823B"/>
-              </a:solidFill>
-            </a:endParaRPr>
-          </a:p>
-        </p:txBody>
-      </p:sp>
-    </p:spTree>
-    <p:extLst>
-      <p:ext uri="{BB962C8B-B14F-4D97-AF65-F5344CB8AC3E}">
-        <p14:creationId xmlns:p14="http://schemas.microsoft.com/office/powerpoint/2010/main" val="1734597820"/>
-      </p:ext>
-    </p:extLst>
-  </p:cSld>
-  <p:clrMapOvr>
-    <a:masterClrMapping/>
-  </p:clrMapOvr>
-  <p:timing>
-    <p:tnLst>
-      <p:par>
-        <p:cTn id="1" dur="indefinite" restart="never" nodeType="tmRoot"/>
-      </p:par>
-    </p:tnLst>
-  </p:timing>
-</p:sld>
-</file>
-
-<file path=ppt/slides/slide43.xml><?xml version="1.0" encoding="utf-8"?>
-<p:sld xmlns:a="http://schemas.openxmlformats.org/drawingml/2006/main" xmlns:r="http://schemas.openxmlformats.org/officeDocument/2006/relationships" xmlns:p="http://schemas.openxmlformats.org/presentationml/2006/main">
-  <p:cSld>
-    <p:spTree>
-      <p:nvGrpSpPr>
-        <p:cNvPr id="1" name=""/>
-        <p:cNvGrpSpPr/>
-        <p:nvPr/>
-      </p:nvGrpSpPr>
-      <p:grpSpPr>
-        <a:xfrm>
-          <a:off x="0" y="0"/>
-          <a:ext cx="0" cy="0"/>
-          <a:chOff x="0" y="0"/>
-          <a:chExt cx="0" cy="0"/>
-        </a:xfrm>
-      </p:grpSpPr>
-      <p:sp>
-        <p:nvSpPr>
-          <p:cNvPr id="8" name="1 Título"/>
-          <p:cNvSpPr txBox="1">
-            <a:spLocks/>
-          </p:cNvSpPr>
-          <p:nvPr/>
-        </p:nvSpPr>
-        <p:spPr bwMode="auto">
-          <a:xfrm>
-            <a:off x="467544" y="216350"/>
-            <a:ext cx="8229600" cy="720080"/>
-          </a:xfrm>
-          <a:prstGeom prst="rect">
-            <a:avLst/>
-          </a:prstGeom>
-          <a:noFill/>
-          <a:ln w="9525">
-            <a:noFill/>
-            <a:miter lim="800000"/>
-            <a:headEnd/>
-            <a:tailEnd/>
-          </a:ln>
-        </p:spPr>
-        <p:txBody>
-          <a:bodyPr vert="horz" wrap="square" lIns="91440" tIns="45720" rIns="91440" bIns="45720" numCol="1" anchor="ctr" anchorCtr="0" compatLnSpc="1">
-            <a:prstTxWarp prst="textNoShape">
-              <a:avLst/>
-            </a:prstTxWarp>
-            <a:normAutofit fontScale="97500" lnSpcReduction="10000"/>
-          </a:bodyPr>
-          <a:lstStyle>
-            <a:lvl1pPr algn="ctr" rtl="0" eaLnBrk="1" fontAlgn="base" hangingPunct="1">
-              <a:spcBef>
-                <a:spcPct val="0"/>
-              </a:spcBef>
-              <a:spcAft>
-                <a:spcPct val="0"/>
-              </a:spcAft>
-              <a:defRPr sz="4400" kern="1200">
-                <a:solidFill>
-                  <a:schemeClr val="tx1"/>
-                </a:solidFill>
-                <a:latin typeface="+mj-lt"/>
-                <a:ea typeface="+mj-ea"/>
-                <a:cs typeface="+mj-cs"/>
-              </a:defRPr>
-            </a:lvl1pPr>
-            <a:lvl2pPr algn="ctr" rtl="0" eaLnBrk="1" fontAlgn="base" hangingPunct="1">
-              <a:spcBef>
-                <a:spcPct val="0"/>
-              </a:spcBef>
-              <a:spcAft>
-                <a:spcPct val="0"/>
-              </a:spcAft>
-              <a:defRPr sz="4400">
-                <a:solidFill>
-                  <a:schemeClr val="tx1"/>
-                </a:solidFill>
-                <a:latin typeface="Calibri" pitchFamily="34" charset="0"/>
-              </a:defRPr>
-            </a:lvl2pPr>
-            <a:lvl3pPr algn="ctr" rtl="0" eaLnBrk="1" fontAlgn="base" hangingPunct="1">
-              <a:spcBef>
-                <a:spcPct val="0"/>
-              </a:spcBef>
-              <a:spcAft>
-                <a:spcPct val="0"/>
-              </a:spcAft>
-              <a:defRPr sz="4400">
-                <a:solidFill>
-                  <a:schemeClr val="tx1"/>
-                </a:solidFill>
-                <a:latin typeface="Calibri" pitchFamily="34" charset="0"/>
-              </a:defRPr>
-            </a:lvl3pPr>
-            <a:lvl4pPr algn="ctr" rtl="0" eaLnBrk="1" fontAlgn="base" hangingPunct="1">
-              <a:spcBef>
-                <a:spcPct val="0"/>
-              </a:spcBef>
-              <a:spcAft>
-                <a:spcPct val="0"/>
-              </a:spcAft>
-              <a:defRPr sz="4400">
-                <a:solidFill>
-                  <a:schemeClr val="tx1"/>
-                </a:solidFill>
-                <a:latin typeface="Calibri" pitchFamily="34" charset="0"/>
-              </a:defRPr>
-            </a:lvl4pPr>
-            <a:lvl5pPr algn="ctr" rtl="0" eaLnBrk="1" fontAlgn="base" hangingPunct="1">
-              <a:spcBef>
-                <a:spcPct val="0"/>
-              </a:spcBef>
-              <a:spcAft>
-                <a:spcPct val="0"/>
-              </a:spcAft>
-              <a:defRPr sz="4400">
-                <a:solidFill>
-                  <a:schemeClr val="tx1"/>
-                </a:solidFill>
-                <a:latin typeface="Calibri" pitchFamily="34" charset="0"/>
-              </a:defRPr>
-            </a:lvl5pPr>
-            <a:lvl6pPr marL="457200" algn="ctr" rtl="0" eaLnBrk="1" fontAlgn="base" hangingPunct="1">
-              <a:spcBef>
-                <a:spcPct val="0"/>
-              </a:spcBef>
-              <a:spcAft>
-                <a:spcPct val="0"/>
-              </a:spcAft>
-              <a:defRPr sz="4400">
-                <a:solidFill>
-                  <a:schemeClr val="tx1"/>
-                </a:solidFill>
-                <a:latin typeface="Calibri" pitchFamily="34" charset="0"/>
-              </a:defRPr>
-            </a:lvl6pPr>
-            <a:lvl7pPr marL="914400" algn="ctr" rtl="0" eaLnBrk="1" fontAlgn="base" hangingPunct="1">
-              <a:spcBef>
-                <a:spcPct val="0"/>
-              </a:spcBef>
-              <a:spcAft>
-                <a:spcPct val="0"/>
-              </a:spcAft>
-              <a:defRPr sz="4400">
-                <a:solidFill>
-                  <a:schemeClr val="tx1"/>
-                </a:solidFill>
-                <a:latin typeface="Calibri" pitchFamily="34" charset="0"/>
-              </a:defRPr>
-            </a:lvl7pPr>
-            <a:lvl8pPr marL="1371600" algn="ctr" rtl="0" eaLnBrk="1" fontAlgn="base" hangingPunct="1">
-              <a:spcBef>
-                <a:spcPct val="0"/>
-              </a:spcBef>
-              <a:spcAft>
-                <a:spcPct val="0"/>
-              </a:spcAft>
-              <a:defRPr sz="4400">
-                <a:solidFill>
-                  <a:schemeClr val="tx1"/>
-                </a:solidFill>
-                <a:latin typeface="Calibri" pitchFamily="34" charset="0"/>
-              </a:defRPr>
-            </a:lvl8pPr>
-            <a:lvl9pPr marL="1828800" algn="ctr" rtl="0" eaLnBrk="1" fontAlgn="base" hangingPunct="1">
-              <a:spcBef>
-                <a:spcPct val="0"/>
-              </a:spcBef>
-              <a:spcAft>
-                <a:spcPct val="0"/>
-              </a:spcAft>
-              <a:defRPr sz="4400">
-                <a:solidFill>
-                  <a:schemeClr val="tx1"/>
-                </a:solidFill>
-                <a:latin typeface="Calibri" pitchFamily="34" charset="0"/>
-              </a:defRPr>
-            </a:lvl9pPr>
-          </a:lstStyle>
-          <a:p>
-            <a:r>
-              <a:rPr lang="es-PE" dirty="0" smtClean="0">
-                <a:solidFill>
-                  <a:srgbClr val="009A46"/>
-                </a:solidFill>
-                <a:latin typeface="Arial" pitchFamily="34" charset="0"/>
-                <a:cs typeface="Arial" pitchFamily="34" charset="0"/>
-              </a:rPr>
-              <a:t>Referencias</a:t>
-            </a:r>
-            <a:endParaRPr lang="es-PE" dirty="0">
-              <a:solidFill>
-                <a:srgbClr val="009A46"/>
-              </a:solidFill>
-              <a:latin typeface="Arial" pitchFamily="34" charset="0"/>
-              <a:cs typeface="Arial" pitchFamily="34" charset="0"/>
-            </a:endParaRPr>
-          </a:p>
-        </p:txBody>
-      </p:sp>
-      <p:sp>
-        <p:nvSpPr>
-          <p:cNvPr id="9" name="8 CuadroTexto"/>
-          <p:cNvSpPr txBox="1"/>
-          <p:nvPr/>
-        </p:nvSpPr>
-        <p:spPr>
-          <a:xfrm>
-            <a:off x="251520" y="1196752"/>
-            <a:ext cx="8638873" cy="3046988"/>
-          </a:xfrm>
-          <a:prstGeom prst="rect">
-            <a:avLst/>
-          </a:prstGeom>
-          <a:noFill/>
-        </p:spPr>
-        <p:txBody>
-          <a:bodyPr wrap="square" rtlCol="0">
-            <a:spAutoFit/>
-          </a:bodyPr>
-          <a:lstStyle/>
-          <a:p>
-            <a:pPr>
-              <a:buNone/>
-            </a:pPr>
-            <a:r>
-              <a:rPr lang="es-PE" sz="2400" b="1" dirty="0" smtClean="0">
-                <a:latin typeface="Arial" pitchFamily="34" charset="0"/>
-                <a:cs typeface="Arial" pitchFamily="34" charset="0"/>
-              </a:rPr>
-              <a:t>Páginas</a:t>
-            </a:r>
-            <a:endParaRPr lang="es-PE" sz="2000" b="1" dirty="0">
-              <a:latin typeface="Arial" pitchFamily="34" charset="0"/>
-              <a:cs typeface="Arial" pitchFamily="34" charset="0"/>
-            </a:endParaRPr>
-          </a:p>
-          <a:p>
-            <a:pPr marL="342900" lvl="0" indent="-342900" eaLnBrk="0" fontAlgn="base" hangingPunct="0">
-              <a:spcBef>
-                <a:spcPct val="0"/>
-              </a:spcBef>
-              <a:spcAft>
-                <a:spcPct val="0"/>
-              </a:spcAft>
-              <a:buFont typeface="Arial" pitchFamily="34" charset="0"/>
-              <a:buChar char="•"/>
-            </a:pPr>
-            <a:r>
-              <a:rPr lang="es-PE" sz="2000" dirty="0" smtClean="0">
-                <a:latin typeface="Arial" pitchFamily="34" charset="0"/>
-                <a:cs typeface="Arial" pitchFamily="34" charset="0"/>
-              </a:rPr>
-              <a:t>Martin </a:t>
-            </a:r>
-            <a:r>
-              <a:rPr lang="es-PE" sz="2000" dirty="0" err="1" smtClean="0">
-                <a:latin typeface="Arial" pitchFamily="34" charset="0"/>
-                <a:cs typeface="Arial" pitchFamily="34" charset="0"/>
-              </a:rPr>
-              <a:t>fowler</a:t>
-            </a:r>
-            <a:r>
-              <a:rPr lang="es-PE" sz="2000" dirty="0" smtClean="0">
-                <a:latin typeface="Arial" pitchFamily="34" charset="0"/>
-                <a:cs typeface="Arial" pitchFamily="34" charset="0"/>
-              </a:rPr>
-              <a:t> - </a:t>
-            </a:r>
-            <a:r>
-              <a:rPr lang="es-PE" sz="2000" dirty="0" smtClean="0">
-                <a:solidFill>
-                  <a:srgbClr val="FF0000"/>
-                </a:solidFill>
-                <a:latin typeface="Arial" pitchFamily="34" charset="0"/>
-                <a:ea typeface="Calibri" pitchFamily="34" charset="0"/>
-                <a:cs typeface="Arial" pitchFamily="34" charset="0"/>
-              </a:rPr>
-              <a:t>http</a:t>
-            </a:r>
-            <a:r>
-              <a:rPr lang="es-PE" sz="2000" dirty="0">
-                <a:solidFill>
-                  <a:srgbClr val="FF0000"/>
-                </a:solidFill>
-                <a:latin typeface="Arial" pitchFamily="34" charset="0"/>
-                <a:ea typeface="Calibri" pitchFamily="34" charset="0"/>
-                <a:cs typeface="Arial" pitchFamily="34" charset="0"/>
-              </a:rPr>
-              <a:t>://martinfowler.com/bliki/refactoring.html</a:t>
-            </a:r>
-            <a:r>
-              <a:rPr lang="es-PE" sz="2000" dirty="0">
-                <a:solidFill>
-                  <a:srgbClr val="FF0000"/>
-                </a:solidFill>
-                <a:latin typeface="Arial" pitchFamily="34" charset="0"/>
-                <a:cs typeface="Arial" pitchFamily="34" charset="0"/>
-              </a:rPr>
-              <a:t> </a:t>
-            </a:r>
-            <a:endParaRPr lang="es-PE" sz="2000" dirty="0" smtClean="0">
-              <a:solidFill>
-                <a:srgbClr val="FF0000"/>
-              </a:solidFill>
-              <a:latin typeface="Arial" pitchFamily="34" charset="0"/>
-              <a:cs typeface="Arial" pitchFamily="34" charset="0"/>
-            </a:endParaRPr>
-          </a:p>
-          <a:p>
-            <a:pPr marL="342900" lvl="0" indent="-342900" eaLnBrk="0" fontAlgn="base" hangingPunct="0">
-              <a:spcBef>
-                <a:spcPct val="0"/>
-              </a:spcBef>
-              <a:spcAft>
-                <a:spcPct val="0"/>
-              </a:spcAft>
-              <a:buFont typeface="Arial" pitchFamily="34" charset="0"/>
-              <a:buChar char="•"/>
-            </a:pPr>
-            <a:r>
-              <a:rPr lang="es-PE" sz="2000" dirty="0" err="1" smtClean="0">
-                <a:latin typeface="Arial" pitchFamily="34" charset="0"/>
-                <a:cs typeface="Arial" pitchFamily="34" charset="0"/>
-              </a:rPr>
-              <a:t>Source</a:t>
-            </a:r>
-            <a:r>
-              <a:rPr lang="es-PE" sz="2000" dirty="0" smtClean="0">
-                <a:latin typeface="Arial" pitchFamily="34" charset="0"/>
-                <a:cs typeface="Arial" pitchFamily="34" charset="0"/>
-              </a:rPr>
-              <a:t> </a:t>
-            </a:r>
-            <a:r>
-              <a:rPr lang="es-PE" sz="2000" dirty="0" err="1" smtClean="0">
-                <a:latin typeface="Arial" pitchFamily="34" charset="0"/>
-                <a:cs typeface="Arial" pitchFamily="34" charset="0"/>
-              </a:rPr>
-              <a:t>Making</a:t>
-            </a:r>
-            <a:r>
-              <a:rPr lang="es-PE" sz="2000" dirty="0" smtClean="0">
-                <a:latin typeface="Arial" pitchFamily="34" charset="0"/>
-                <a:cs typeface="Arial" pitchFamily="34" charset="0"/>
-              </a:rPr>
-              <a:t> - </a:t>
-            </a:r>
-            <a:r>
-              <a:rPr lang="es-PE" sz="2000" dirty="0">
-                <a:solidFill>
-                  <a:srgbClr val="FF0000"/>
-                </a:solidFill>
-                <a:latin typeface="Arial" pitchFamily="34" charset="0"/>
-                <a:ea typeface="Calibri" pitchFamily="34" charset="0"/>
-                <a:cs typeface="Arial" pitchFamily="34" charset="0"/>
-              </a:rPr>
-              <a:t>http://sourcemaking.com/refactoring</a:t>
-            </a:r>
-            <a:r>
-              <a:rPr lang="es-PE" sz="2000" dirty="0">
-                <a:solidFill>
-                  <a:srgbClr val="0070C0"/>
-                </a:solidFill>
-                <a:latin typeface="Arial" pitchFamily="34" charset="0"/>
-                <a:cs typeface="Arial" pitchFamily="34" charset="0"/>
-              </a:rPr>
-              <a:t> </a:t>
-            </a:r>
-          </a:p>
-          <a:p>
-            <a:pPr>
-              <a:buNone/>
-            </a:pPr>
-            <a:endParaRPr lang="es-PE" sz="2400" b="1" dirty="0">
-              <a:latin typeface="Arial" pitchFamily="34" charset="0"/>
-              <a:cs typeface="Arial" pitchFamily="34" charset="0"/>
-            </a:endParaRPr>
-          </a:p>
-          <a:p>
-            <a:pPr>
-              <a:buNone/>
-            </a:pPr>
-            <a:r>
-              <a:rPr lang="es-PE" sz="2400" b="1" dirty="0" smtClean="0">
-                <a:latin typeface="Arial" pitchFamily="34" charset="0"/>
-                <a:cs typeface="Arial" pitchFamily="34" charset="0"/>
-              </a:rPr>
-              <a:t>Libros</a:t>
-            </a:r>
-          </a:p>
-          <a:p>
-            <a:pPr marL="342900" indent="-342900">
-              <a:buFont typeface="Arial" pitchFamily="34" charset="0"/>
-              <a:buChar char="•"/>
-            </a:pPr>
-            <a:r>
-              <a:rPr lang="es-PE" sz="2000" dirty="0" err="1" smtClean="0">
-                <a:latin typeface="Arial" pitchFamily="34" charset="0"/>
-                <a:cs typeface="Arial" pitchFamily="34" charset="0"/>
-              </a:rPr>
-              <a:t>Clean</a:t>
-            </a:r>
-            <a:r>
-              <a:rPr lang="es-PE" sz="2000" dirty="0" smtClean="0">
-                <a:latin typeface="Arial" pitchFamily="34" charset="0"/>
-                <a:cs typeface="Arial" pitchFamily="34" charset="0"/>
-              </a:rPr>
-              <a:t> </a:t>
-            </a:r>
-            <a:r>
-              <a:rPr lang="es-PE" sz="2000" dirty="0" err="1" smtClean="0">
-                <a:latin typeface="Arial" pitchFamily="34" charset="0"/>
-                <a:cs typeface="Arial" pitchFamily="34" charset="0"/>
-              </a:rPr>
-              <a:t>Code</a:t>
-            </a:r>
-            <a:endParaRPr lang="es-PE" sz="2000" dirty="0" smtClean="0">
-              <a:latin typeface="Arial" pitchFamily="34" charset="0"/>
-              <a:cs typeface="Arial" pitchFamily="34" charset="0"/>
-            </a:endParaRPr>
-          </a:p>
-          <a:p>
-            <a:pPr marL="342900" indent="-342900">
-              <a:buFont typeface="Arial" pitchFamily="34" charset="0"/>
-              <a:buChar char="•"/>
-            </a:pPr>
-            <a:r>
-              <a:rPr lang="es-PE" sz="2000" dirty="0" err="1" smtClean="0">
-                <a:latin typeface="Arial" pitchFamily="34" charset="0"/>
-                <a:cs typeface="Arial" pitchFamily="34" charset="0"/>
-              </a:rPr>
-              <a:t>Improving</a:t>
-            </a:r>
-            <a:r>
-              <a:rPr lang="es-PE" sz="2000" dirty="0" smtClean="0">
-                <a:latin typeface="Arial" pitchFamily="34" charset="0"/>
-                <a:cs typeface="Arial" pitchFamily="34" charset="0"/>
-              </a:rPr>
-              <a:t> </a:t>
-            </a:r>
-            <a:r>
-              <a:rPr lang="es-PE" sz="2000" dirty="0" err="1" smtClean="0">
-                <a:latin typeface="Arial" pitchFamily="34" charset="0"/>
-                <a:cs typeface="Arial" pitchFamily="34" charset="0"/>
-              </a:rPr>
-              <a:t>the</a:t>
-            </a:r>
-            <a:r>
-              <a:rPr lang="es-PE" sz="2000" dirty="0" smtClean="0">
-                <a:latin typeface="Arial" pitchFamily="34" charset="0"/>
-                <a:cs typeface="Arial" pitchFamily="34" charset="0"/>
-              </a:rPr>
-              <a:t> </a:t>
-            </a:r>
-            <a:r>
-              <a:rPr lang="es-PE" sz="2000" dirty="0" err="1" smtClean="0">
-                <a:latin typeface="Arial" pitchFamily="34" charset="0"/>
-                <a:cs typeface="Arial" pitchFamily="34" charset="0"/>
-              </a:rPr>
-              <a:t>Design</a:t>
-            </a:r>
-            <a:r>
-              <a:rPr lang="es-PE" sz="2000" dirty="0" smtClean="0">
-                <a:latin typeface="Arial" pitchFamily="34" charset="0"/>
-                <a:cs typeface="Arial" pitchFamily="34" charset="0"/>
-              </a:rPr>
-              <a:t> of </a:t>
-            </a:r>
-            <a:r>
-              <a:rPr lang="es-PE" sz="2000" dirty="0" err="1" smtClean="0">
-                <a:latin typeface="Arial" pitchFamily="34" charset="0"/>
-                <a:cs typeface="Arial" pitchFamily="34" charset="0"/>
-              </a:rPr>
-              <a:t>Existing</a:t>
-            </a:r>
-            <a:r>
-              <a:rPr lang="es-PE" sz="2000" dirty="0" smtClean="0">
-                <a:latin typeface="Arial" pitchFamily="34" charset="0"/>
-                <a:cs typeface="Arial" pitchFamily="34" charset="0"/>
-              </a:rPr>
-              <a:t> </a:t>
-            </a:r>
-            <a:r>
-              <a:rPr lang="es-PE" sz="2000" dirty="0" err="1" smtClean="0">
-                <a:latin typeface="Arial" pitchFamily="34" charset="0"/>
-                <a:cs typeface="Arial" pitchFamily="34" charset="0"/>
-              </a:rPr>
-              <a:t>Code</a:t>
-            </a:r>
-            <a:endParaRPr lang="es-PE" sz="2000" dirty="0" smtClean="0">
-              <a:latin typeface="Arial" pitchFamily="34" charset="0"/>
-              <a:cs typeface="Arial" pitchFamily="34" charset="0"/>
-            </a:endParaRPr>
-          </a:p>
-          <a:p>
-            <a:pPr marL="342900" indent="-342900">
-              <a:buFont typeface="Arial" pitchFamily="34" charset="0"/>
-              <a:buChar char="•"/>
-            </a:pPr>
-            <a:r>
-              <a:rPr lang="es-PE" sz="2000" dirty="0" smtClean="0">
-                <a:latin typeface="Arial" pitchFamily="34" charset="0"/>
-                <a:cs typeface="Arial" pitchFamily="34" charset="0"/>
-              </a:rPr>
-              <a:t>Refactoring </a:t>
-            </a:r>
-            <a:r>
-              <a:rPr lang="es-PE" sz="2000" dirty="0" err="1" smtClean="0">
-                <a:latin typeface="Arial" pitchFamily="34" charset="0"/>
-                <a:cs typeface="Arial" pitchFamily="34" charset="0"/>
-              </a:rPr>
-              <a:t>to</a:t>
-            </a:r>
-            <a:r>
-              <a:rPr lang="es-PE" sz="2000" dirty="0" smtClean="0">
-                <a:latin typeface="Arial" pitchFamily="34" charset="0"/>
-                <a:cs typeface="Arial" pitchFamily="34" charset="0"/>
-              </a:rPr>
-              <a:t> </a:t>
-            </a:r>
-            <a:r>
-              <a:rPr lang="es-PE" sz="2000" dirty="0" err="1" smtClean="0">
-                <a:latin typeface="Arial" pitchFamily="34" charset="0"/>
-                <a:cs typeface="Arial" pitchFamily="34" charset="0"/>
-              </a:rPr>
-              <a:t>Patterns</a:t>
-            </a:r>
-            <a:endParaRPr lang="es-PE" sz="2000" dirty="0" smtClean="0">
-              <a:latin typeface="Arial" pitchFamily="34" charset="0"/>
-              <a:cs typeface="Arial" pitchFamily="34" charset="0"/>
-            </a:endParaRPr>
-          </a:p>
-          <a:p>
-            <a:pPr marL="342900" indent="-342900">
-              <a:buFont typeface="Arial" pitchFamily="34" charset="0"/>
-              <a:buChar char="•"/>
-            </a:pPr>
-            <a:r>
-              <a:rPr lang="es-PE" sz="2000" dirty="0">
-                <a:latin typeface="Arial" pitchFamily="34" charset="0"/>
-                <a:ea typeface="Calibri" pitchFamily="34" charset="0"/>
-                <a:cs typeface="Arial" pitchFamily="34" charset="0"/>
-              </a:rPr>
-              <a:t>Refactoring </a:t>
-            </a:r>
-            <a:r>
-              <a:rPr lang="es-PE" sz="2000" dirty="0" err="1" smtClean="0">
-                <a:latin typeface="Arial" pitchFamily="34" charset="0"/>
-                <a:ea typeface="Calibri" pitchFamily="34" charset="0"/>
-                <a:cs typeface="Arial" pitchFamily="34" charset="0"/>
-              </a:rPr>
-              <a:t>Workbook</a:t>
-            </a:r>
-            <a:endParaRPr lang="es-PE" sz="2000" dirty="0">
-              <a:latin typeface="Arial" pitchFamily="34" charset="0"/>
-              <a:ea typeface="Calibri" pitchFamily="34" charset="0"/>
-              <a:cs typeface="Arial" pitchFamily="34" charset="0"/>
-            </a:endParaRPr>
-          </a:p>
-        </p:txBody>
-      </p:sp>
-      <p:sp>
-        <p:nvSpPr>
-          <p:cNvPr id="12" name="2 Subtítulo"/>
-          <p:cNvSpPr txBox="1">
-            <a:spLocks/>
-          </p:cNvSpPr>
-          <p:nvPr/>
-        </p:nvSpPr>
-        <p:spPr bwMode="auto">
-          <a:xfrm>
-            <a:off x="179512" y="5407164"/>
-            <a:ext cx="3214709" cy="515717"/>
-          </a:xfrm>
-          <a:prstGeom prst="rect">
-            <a:avLst/>
-          </a:prstGeom>
-          <a:noFill/>
-          <a:ln w="9525">
-            <a:noFill/>
-            <a:miter lim="800000"/>
-            <a:headEnd/>
-            <a:tailEnd/>
-          </a:ln>
-        </p:spPr>
-        <p:txBody>
-          <a:bodyPr vert="horz" wrap="square" lIns="91440" tIns="45720" rIns="91440" bIns="45720" numCol="1" rtlCol="0" anchor="t" anchorCtr="0" compatLnSpc="1">
-            <a:prstTxWarp prst="textNoShape">
-              <a:avLst/>
-            </a:prstTxWarp>
-            <a:noAutofit/>
-          </a:bodyPr>
-          <a:lstStyle/>
-          <a:p>
-            <a:pPr marL="0" marR="0" lvl="0" indent="0" algn="ctr" defTabSz="914400" rtl="0" eaLnBrk="1" fontAlgn="auto" latinLnBrk="0" hangingPunct="1">
-              <a:lnSpc>
-                <a:spcPct val="100000"/>
-              </a:lnSpc>
-              <a:spcBef>
-                <a:spcPct val="20000"/>
-              </a:spcBef>
-              <a:spcAft>
-                <a:spcPts val="0"/>
-              </a:spcAft>
-              <a:buClrTx/>
-              <a:buSzTx/>
-              <a:buFont typeface="Arial" pitchFamily="34" charset="0"/>
-              <a:buNone/>
-              <a:tabLst/>
-              <a:defRPr/>
-            </a:pPr>
-            <a:r>
-              <a:rPr kumimoji="0" lang="es-PE" sz="2600" b="1" i="0" u="none" strike="noStrike" kern="1200" cap="none" spc="0" normalizeH="0" baseline="0" noProof="0" dirty="0" smtClean="0">
-                <a:ln>
-                  <a:noFill/>
-                </a:ln>
-                <a:solidFill>
-                  <a:srgbClr val="00B050"/>
-                </a:solidFill>
-                <a:effectLst/>
-                <a:uLnTx/>
-                <a:uFillTx/>
-              </a:rPr>
-              <a:t>Angel Núñez Salazar</a:t>
-            </a:r>
-          </a:p>
-        </p:txBody>
-      </p:sp>
-      <p:sp>
-        <p:nvSpPr>
-          <p:cNvPr id="13" name="Rectangle 1"/>
-          <p:cNvSpPr>
-            <a:spLocks noChangeArrowheads="1"/>
-          </p:cNvSpPr>
-          <p:nvPr/>
-        </p:nvSpPr>
-        <p:spPr bwMode="auto">
-          <a:xfrm>
-            <a:off x="3715072" y="5157192"/>
-            <a:ext cx="5105400" cy="1015663"/>
-          </a:xfrm>
-          <a:prstGeom prst="rect">
-            <a:avLst/>
-          </a:prstGeom>
-          <a:noFill/>
-          <a:ln w="9525">
-            <a:noFill/>
-            <a:miter lim="800000"/>
-            <a:headEnd/>
-            <a:tailEnd/>
-          </a:ln>
-          <a:effectLst/>
-        </p:spPr>
-        <p:txBody>
-          <a:bodyPr vert="horz" wrap="square" lIns="91440" tIns="45720" rIns="91440" bIns="45720" numCol="1" anchor="ctr" anchorCtr="0" compatLnSpc="1">
-            <a:prstTxWarp prst="textNoShape">
-              <a:avLst/>
-            </a:prstTxWarp>
-            <a:spAutoFit/>
-          </a:bodyPr>
-          <a:lstStyle/>
-          <a:p>
-            <a:pPr algn="r" fontAlgn="base">
-              <a:spcBef>
-                <a:spcPct val="0"/>
-              </a:spcBef>
-              <a:spcAft>
-                <a:spcPct val="0"/>
-              </a:spcAft>
-            </a:pPr>
-            <a:r>
-              <a:rPr lang="en-US" sz="2000" dirty="0" smtClean="0">
-                <a:latin typeface="Trebuchet MS" pitchFamily="34" charset="0"/>
-                <a:ea typeface="Calibri" pitchFamily="34" charset="0"/>
-                <a:cs typeface="Arial" pitchFamily="34" charset="0"/>
-              </a:rPr>
-              <a:t>Email: </a:t>
-            </a:r>
-            <a:r>
-              <a:rPr lang="en-US" sz="2000" dirty="0">
-                <a:solidFill>
-                  <a:srgbClr val="FFC000"/>
-                </a:solidFill>
-                <a:latin typeface="Trebuchet MS" pitchFamily="34" charset="0"/>
-                <a:ea typeface="Calibri" pitchFamily="34" charset="0"/>
-                <a:cs typeface="Arial" pitchFamily="34" charset="0"/>
-              </a:rPr>
-              <a:t>angel.nunez.salazar@gmail.com</a:t>
-            </a:r>
-          </a:p>
-          <a:p>
-            <a:pPr lvl="0" algn="r" eaLnBrk="0" fontAlgn="base" hangingPunct="0">
-              <a:spcBef>
-                <a:spcPct val="0"/>
-              </a:spcBef>
-              <a:spcAft>
-                <a:spcPct val="0"/>
-              </a:spcAft>
-            </a:pPr>
-            <a:r>
-              <a:rPr lang="en-US" sz="2000" dirty="0" smtClean="0">
-                <a:latin typeface="Trebuchet MS" pitchFamily="34" charset="0"/>
-                <a:ea typeface="Calibri" pitchFamily="34" charset="0"/>
-                <a:cs typeface="Arial" pitchFamily="34" charset="0"/>
-              </a:rPr>
-              <a:t>Blog: </a:t>
-            </a:r>
-            <a:r>
-              <a:rPr lang="en-US" sz="2000" dirty="0">
-                <a:solidFill>
-                  <a:srgbClr val="FFC000"/>
-                </a:solidFill>
-                <a:latin typeface="Trebuchet MS" pitchFamily="34" charset="0"/>
-                <a:ea typeface="Calibri" pitchFamily="34" charset="0"/>
-                <a:cs typeface="Arial" pitchFamily="34" charset="0"/>
-              </a:rPr>
-              <a:t>http://</a:t>
-            </a:r>
-            <a:r>
-              <a:rPr lang="en-US" sz="2000" dirty="0" smtClean="0">
-                <a:solidFill>
-                  <a:srgbClr val="FFC000"/>
-                </a:solidFill>
-                <a:latin typeface="Trebuchet MS" pitchFamily="34" charset="0"/>
-                <a:ea typeface="Calibri" pitchFamily="34" charset="0"/>
-                <a:cs typeface="Arial" pitchFamily="34" charset="0"/>
-              </a:rPr>
-              <a:t>snahider.blogspot.com</a:t>
-            </a:r>
-          </a:p>
-          <a:p>
-            <a:pPr lvl="0" algn="r" eaLnBrk="0" fontAlgn="base" hangingPunct="0">
-              <a:spcBef>
-                <a:spcPct val="0"/>
-              </a:spcBef>
-              <a:spcAft>
-                <a:spcPct val="0"/>
-              </a:spcAft>
-            </a:pPr>
-            <a:r>
-              <a:rPr lang="en-US" sz="2000" dirty="0" smtClean="0">
-                <a:latin typeface="Trebuchet MS" pitchFamily="34" charset="0"/>
-                <a:ea typeface="Calibri" pitchFamily="34" charset="0"/>
-                <a:cs typeface="Arial" pitchFamily="34" charset="0"/>
-              </a:rPr>
-              <a:t>Twitter: </a:t>
-            </a:r>
-            <a:r>
-              <a:rPr lang="en-US" sz="2000" dirty="0" smtClean="0">
-                <a:solidFill>
-                  <a:srgbClr val="FFC000"/>
-                </a:solidFill>
-                <a:latin typeface="Trebuchet MS" pitchFamily="34" charset="0"/>
-                <a:ea typeface="Calibri" pitchFamily="34" charset="0"/>
-                <a:cs typeface="Arial" pitchFamily="34" charset="0"/>
-              </a:rPr>
-              <a:t>@</a:t>
-            </a:r>
-            <a:r>
-              <a:rPr lang="en-US" sz="2000" dirty="0" err="1" smtClean="0">
-                <a:solidFill>
-                  <a:srgbClr val="FFC000"/>
-                </a:solidFill>
-                <a:latin typeface="Trebuchet MS" pitchFamily="34" charset="0"/>
-                <a:ea typeface="Calibri" pitchFamily="34" charset="0"/>
-                <a:cs typeface="Arial" pitchFamily="34" charset="0"/>
-              </a:rPr>
-              <a:t>snahider</a:t>
-            </a:r>
-            <a:r>
-              <a:rPr lang="en-US" sz="2000" dirty="0" smtClean="0">
-                <a:solidFill>
-                  <a:srgbClr val="FFC000"/>
-                </a:solidFill>
-                <a:latin typeface="Trebuchet MS" pitchFamily="34" charset="0"/>
-                <a:cs typeface="Arial" pitchFamily="34" charset="0"/>
-              </a:rPr>
-              <a:t> </a:t>
-            </a:r>
-          </a:p>
-        </p:txBody>
-      </p:sp>
-    </p:spTree>
-    <p:extLst>
-      <p:ext uri="{BB962C8B-B14F-4D97-AF65-F5344CB8AC3E}">
-        <p14:creationId xmlns:p14="http://schemas.microsoft.com/office/powerpoint/2010/main" val="3929104299"/>
-      </p:ext>
-    </p:extLst>
-  </p:cSld>
-  <p:clrMapOvr>
-    <a:masterClrMapping/>
-  </p:clrMapOvr>
 </p:sld>
 </file>
 

--- a/Diapositivas/Code Smells and Refactoring.pptx
+++ b/Diapositivas/Code Smells and Refactoring.pptx
@@ -5,7 +5,7 @@
     <p:sldMasterId id="2147483684" r:id="rId1"/>
   </p:sldMasterIdLst>
   <p:notesMasterIdLst>
-    <p:notesMasterId r:id="rId28"/>
+    <p:notesMasterId r:id="rId34"/>
   </p:notesMasterIdLst>
   <p:sldIdLst>
     <p:sldId id="321" r:id="rId2"/>
@@ -34,6 +34,12 @@
     <p:sldId id="344" r:id="rId25"/>
     <p:sldId id="710" r:id="rId26"/>
     <p:sldId id="705" r:id="rId27"/>
+    <p:sldId id="718" r:id="rId28"/>
+    <p:sldId id="719" r:id="rId29"/>
+    <p:sldId id="720" r:id="rId30"/>
+    <p:sldId id="721" r:id="rId31"/>
+    <p:sldId id="722" r:id="rId32"/>
+    <p:sldId id="723" r:id="rId33"/>
   </p:sldIdLst>
   <p:sldSz cx="9144000" cy="6858000" type="screen4x3"/>
   <p:notesSz cx="6858000" cy="9144000"/>
@@ -138,7 +144,7 @@
 
 <file path=ppt/commentAuthors.xml><?xml version="1.0" encoding="utf-8"?>
 <p:cmAuthorLst xmlns:a="http://schemas.openxmlformats.org/drawingml/2006/main" xmlns:r="http://schemas.openxmlformats.org/officeDocument/2006/relationships" xmlns:p="http://schemas.openxmlformats.org/presentationml/2006/main">
-  <p:cmAuthor id="0" name="Snahider" initials="S" lastIdx="4" clrIdx="0"/>
+  <p:cmAuthor id="0" name="Snahider" initials="S" lastIdx="5" clrIdx="0"/>
 </p:cmAuthorLst>
 </file>
 
@@ -147,6 +153,15 @@
   <p:cm authorId="0" dt="2012-10-30T02:25:38.882" idx="1">
     <p:pos x="10" y="10"/>
     <p:text>Texto Similar a IND</p:text>
+  </p:cm>
+</p:cmLst>
+</file>
+
+<file path=ppt/comments/comment2.xml><?xml version="1.0" encoding="utf-8"?>
+<p:cmLst xmlns:a="http://schemas.openxmlformats.org/drawingml/2006/main" xmlns:r="http://schemas.openxmlformats.org/officeDocument/2006/relationships" xmlns:p="http://schemas.openxmlformats.org/presentationml/2006/main">
+  <p:cm authorId="0" dt="2012-10-31T00:38:25.122" idx="5">
+    <p:pos x="10" y="10"/>
+    <p:text>Texto similar e imagen similar a ID</p:text>
   </p:cm>
 </p:cmLst>
 </file>
@@ -3038,7 +3053,7 @@
           <a:p>
             <a:fld id="{82731913-02B6-467D-B183-D787C0857BBF}" type="datetimeFigureOut">
               <a:rPr lang="es-PE" smtClean="0"/>
-              <a:t>10/11/2012</a:t>
+              <a:t>13/02/2013</a:t>
             </a:fld>
             <a:endParaRPr lang="es-PE"/>
           </a:p>
@@ -5352,7 +5367,7 @@
             <a:fld id="{807CB568-C05F-482F-9F26-AA302B8892DF}" type="datetimeFigureOut">
               <a:rPr lang="es-ES" smtClean="0"/>
               <a:pPr/>
-              <a:t>10/11/2012</a:t>
+              <a:t>13/02/2013</a:t>
             </a:fld>
             <a:endParaRPr lang="es-ES"/>
           </a:p>
@@ -5531,7 +5546,7 @@
             <a:fld id="{807CB568-C05F-482F-9F26-AA302B8892DF}" type="datetimeFigureOut">
               <a:rPr lang="es-ES" smtClean="0"/>
               <a:pPr/>
-              <a:t>10/11/2012</a:t>
+              <a:t>13/02/2013</a:t>
             </a:fld>
             <a:endParaRPr lang="es-ES"/>
           </a:p>
@@ -5720,7 +5735,7 @@
             <a:fld id="{807CB568-C05F-482F-9F26-AA302B8892DF}" type="datetimeFigureOut">
               <a:rPr lang="es-ES" smtClean="0"/>
               <a:pPr/>
-              <a:t>10/11/2012</a:t>
+              <a:t>13/02/2013</a:t>
             </a:fld>
             <a:endParaRPr lang="es-ES"/>
           </a:p>
@@ -5899,7 +5914,7 @@
             <a:fld id="{807CB568-C05F-482F-9F26-AA302B8892DF}" type="datetimeFigureOut">
               <a:rPr lang="es-ES" smtClean="0"/>
               <a:pPr/>
-              <a:t>10/11/2012</a:t>
+              <a:t>13/02/2013</a:t>
             </a:fld>
             <a:endParaRPr lang="es-ES"/>
           </a:p>
@@ -6154,7 +6169,7 @@
             <a:fld id="{807CB568-C05F-482F-9F26-AA302B8892DF}" type="datetimeFigureOut">
               <a:rPr lang="es-ES" smtClean="0"/>
               <a:pPr/>
-              <a:t>10/11/2012</a:t>
+              <a:t>13/02/2013</a:t>
             </a:fld>
             <a:endParaRPr lang="es-ES"/>
           </a:p>
@@ -6451,7 +6466,7 @@
             <a:fld id="{807CB568-C05F-482F-9F26-AA302B8892DF}" type="datetimeFigureOut">
               <a:rPr lang="es-ES" smtClean="0"/>
               <a:pPr/>
-              <a:t>10/11/2012</a:t>
+              <a:t>13/02/2013</a:t>
             </a:fld>
             <a:endParaRPr lang="es-ES"/>
           </a:p>
@@ -6882,7 +6897,7 @@
             <a:fld id="{807CB568-C05F-482F-9F26-AA302B8892DF}" type="datetimeFigureOut">
               <a:rPr lang="es-ES" smtClean="0"/>
               <a:pPr/>
-              <a:t>10/11/2012</a:t>
+              <a:t>13/02/2013</a:t>
             </a:fld>
             <a:endParaRPr lang="es-ES"/>
           </a:p>
@@ -7009,7 +7024,7 @@
             <a:fld id="{807CB568-C05F-482F-9F26-AA302B8892DF}" type="datetimeFigureOut">
               <a:rPr lang="es-ES" smtClean="0"/>
               <a:pPr/>
-              <a:t>10/11/2012</a:t>
+              <a:t>13/02/2013</a:t>
             </a:fld>
             <a:endParaRPr lang="es-ES"/>
           </a:p>
@@ -7113,7 +7128,7 @@
             <a:fld id="{807CB568-C05F-482F-9F26-AA302B8892DF}" type="datetimeFigureOut">
               <a:rPr lang="es-ES" smtClean="0"/>
               <a:pPr/>
-              <a:t>10/11/2012</a:t>
+              <a:t>13/02/2013</a:t>
             </a:fld>
             <a:endParaRPr lang="es-ES"/>
           </a:p>
@@ -7399,7 +7414,7 @@
             <a:fld id="{807CB568-C05F-482F-9F26-AA302B8892DF}" type="datetimeFigureOut">
               <a:rPr lang="es-ES" smtClean="0"/>
               <a:pPr/>
-              <a:t>10/11/2012</a:t>
+              <a:t>13/02/2013</a:t>
             </a:fld>
             <a:endParaRPr lang="es-ES"/>
           </a:p>
@@ -7668,7 +7683,7 @@
             <a:fld id="{807CB568-C05F-482F-9F26-AA302B8892DF}" type="datetimeFigureOut">
               <a:rPr lang="es-ES" smtClean="0"/>
               <a:pPr/>
-              <a:t>10/11/2012</a:t>
+              <a:t>13/02/2013</a:t>
             </a:fld>
             <a:endParaRPr lang="es-ES"/>
           </a:p>
@@ -7919,7 +7934,7 @@
             <a:fld id="{807CB568-C05F-482F-9F26-AA302B8892DF}" type="datetimeFigureOut">
               <a:rPr lang="es-ES" smtClean="0"/>
               <a:pPr/>
-              <a:t>10/11/2012</a:t>
+              <a:t>13/02/2013</a:t>
             </a:fld>
             <a:endParaRPr lang="es-ES"/>
           </a:p>
@@ -14549,6 +14564,344 @@
 </p:sld>
 </file>
 
+<file path=ppt/slides/slide27.xml><?xml version="1.0" encoding="utf-8"?>
+<p:sld xmlns:a="http://schemas.openxmlformats.org/drawingml/2006/main" xmlns:r="http://schemas.openxmlformats.org/officeDocument/2006/relationships" xmlns:p="http://schemas.openxmlformats.org/presentationml/2006/main">
+  <p:cSld>
+    <p:spTree>
+      <p:nvGrpSpPr>
+        <p:cNvPr id="1" name=""/>
+        <p:cNvGrpSpPr/>
+        <p:nvPr/>
+      </p:nvGrpSpPr>
+      <p:grpSpPr>
+        <a:xfrm>
+          <a:off x="0" y="0"/>
+          <a:ext cx="0" cy="0"/>
+          <a:chOff x="0" y="0"/>
+          <a:chExt cx="0" cy="0"/>
+        </a:xfrm>
+      </p:grpSpPr>
+      <p:sp>
+        <p:nvSpPr>
+          <p:cNvPr id="2" name="1 Título"/>
+          <p:cNvSpPr>
+            <a:spLocks noGrp="1"/>
+          </p:cNvSpPr>
+          <p:nvPr>
+            <p:ph type="title"/>
+          </p:nvPr>
+        </p:nvSpPr>
+        <p:spPr>
+          <a:xfrm>
+            <a:off x="457200" y="125760"/>
+            <a:ext cx="8229600" cy="1143000"/>
+          </a:xfrm>
+        </p:spPr>
+        <p:txBody>
+          <a:bodyPr/>
+          <a:lstStyle/>
+          <a:p>
+            <a:r>
+              <a:rPr lang="es-PE" dirty="0" smtClean="0">
+                <a:solidFill>
+                  <a:srgbClr val="FF0000"/>
+                </a:solidFill>
+              </a:rPr>
+              <a:t>Long </a:t>
+            </a:r>
+            <a:r>
+              <a:rPr lang="es-PE" dirty="0" err="1" smtClean="0">
+                <a:solidFill>
+                  <a:srgbClr val="FF0000"/>
+                </a:solidFill>
+              </a:rPr>
+              <a:t>Method</a:t>
+            </a:r>
+            <a:endParaRPr lang="es-PE" dirty="0">
+              <a:solidFill>
+                <a:srgbClr val="FF0000"/>
+              </a:solidFill>
+            </a:endParaRPr>
+          </a:p>
+        </p:txBody>
+      </p:sp>
+      <p:pic>
+        <p:nvPicPr>
+          <p:cNvPr id="4" name="3 Imagen"/>
+          <p:cNvPicPr>
+            <a:picLocks noChangeAspect="1"/>
+          </p:cNvPicPr>
+          <p:nvPr/>
+        </p:nvPicPr>
+        <p:blipFill rotWithShape="1">
+          <a:blip r:embed="rId2">
+            <a:extLst>
+              <a:ext uri="{28A0092B-C50C-407E-A947-70E740481C1C}">
+                <a14:useLocalDpi xmlns:a14="http://schemas.microsoft.com/office/drawing/2010/main" val="0"/>
+              </a:ext>
+            </a:extLst>
+          </a:blip>
+          <a:srcRect b="8895"/>
+          <a:stretch/>
+        </p:blipFill>
+        <p:spPr>
+          <a:xfrm>
+            <a:off x="3203848" y="1628800"/>
+            <a:ext cx="2743200" cy="3702482"/>
+          </a:xfrm>
+          <a:prstGeom prst="rect">
+            <a:avLst/>
+          </a:prstGeom>
+        </p:spPr>
+      </p:pic>
+    </p:spTree>
+    <p:extLst>
+      <p:ext uri="{BB962C8B-B14F-4D97-AF65-F5344CB8AC3E}">
+        <p14:creationId xmlns:p14="http://schemas.microsoft.com/office/powerpoint/2010/main" val="3276661375"/>
+      </p:ext>
+    </p:extLst>
+  </p:cSld>
+  <p:clrMapOvr>
+    <a:masterClrMapping/>
+  </p:clrMapOvr>
+  <p:timing>
+    <p:tnLst>
+      <p:par>
+        <p:cTn id="1" dur="indefinite" restart="never" nodeType="tmRoot"/>
+      </p:par>
+    </p:tnLst>
+  </p:timing>
+</p:sld>
+</file>
+
+<file path=ppt/slides/slide28.xml><?xml version="1.0" encoding="utf-8"?>
+<p:sld xmlns:a="http://schemas.openxmlformats.org/drawingml/2006/main" xmlns:r="http://schemas.openxmlformats.org/officeDocument/2006/relationships" xmlns:p="http://schemas.openxmlformats.org/presentationml/2006/main">
+  <p:cSld>
+    <p:spTree>
+      <p:nvGrpSpPr>
+        <p:cNvPr id="1" name=""/>
+        <p:cNvGrpSpPr/>
+        <p:nvPr/>
+      </p:nvGrpSpPr>
+      <p:grpSpPr>
+        <a:xfrm>
+          <a:off x="0" y="0"/>
+          <a:ext cx="0" cy="0"/>
+          <a:chOff x="0" y="0"/>
+          <a:chExt cx="0" cy="0"/>
+        </a:xfrm>
+      </p:grpSpPr>
+      <p:sp>
+        <p:nvSpPr>
+          <p:cNvPr id="2" name="1 Título"/>
+          <p:cNvSpPr>
+            <a:spLocks noGrp="1"/>
+          </p:cNvSpPr>
+          <p:nvPr>
+            <p:ph type="title"/>
+          </p:nvPr>
+        </p:nvSpPr>
+        <p:spPr/>
+        <p:txBody>
+          <a:bodyPr/>
+          <a:lstStyle/>
+          <a:p>
+            <a:r>
+              <a:rPr lang="es-PE" dirty="0" err="1" smtClean="0">
+                <a:solidFill>
+                  <a:srgbClr val="FF0000"/>
+                </a:solidFill>
+              </a:rPr>
+              <a:t>Duplicate</a:t>
+            </a:r>
+            <a:r>
+              <a:rPr lang="es-PE" dirty="0" smtClean="0">
+                <a:solidFill>
+                  <a:srgbClr val="FF0000"/>
+                </a:solidFill>
+              </a:rPr>
+              <a:t> </a:t>
+            </a:r>
+            <a:r>
+              <a:rPr lang="es-PE" dirty="0" err="1" smtClean="0">
+                <a:solidFill>
+                  <a:srgbClr val="FF0000"/>
+                </a:solidFill>
+              </a:rPr>
+              <a:t>Code</a:t>
+            </a:r>
+            <a:endParaRPr lang="es-PE" dirty="0">
+              <a:solidFill>
+                <a:srgbClr val="FF0000"/>
+              </a:solidFill>
+            </a:endParaRPr>
+          </a:p>
+        </p:txBody>
+      </p:sp>
+      <p:pic>
+        <p:nvPicPr>
+          <p:cNvPr id="7" name="6 Imagen"/>
+          <p:cNvPicPr>
+            <a:picLocks noChangeAspect="1"/>
+          </p:cNvPicPr>
+          <p:nvPr/>
+        </p:nvPicPr>
+        <p:blipFill>
+          <a:blip r:embed="rId2">
+            <a:extLst>
+              <a:ext uri="{28A0092B-C50C-407E-A947-70E740481C1C}">
+                <a14:useLocalDpi xmlns:a14="http://schemas.microsoft.com/office/drawing/2010/main" val="0"/>
+              </a:ext>
+            </a:extLst>
+          </a:blip>
+          <a:stretch>
+            <a:fillRect/>
+          </a:stretch>
+        </p:blipFill>
+        <p:spPr>
+          <a:xfrm>
+            <a:off x="2987824" y="2564904"/>
+            <a:ext cx="3397809" cy="2591739"/>
+          </a:xfrm>
+          <a:prstGeom prst="rect">
+            <a:avLst/>
+          </a:prstGeom>
+        </p:spPr>
+      </p:pic>
+    </p:spTree>
+    <p:extLst>
+      <p:ext uri="{BB962C8B-B14F-4D97-AF65-F5344CB8AC3E}">
+        <p14:creationId xmlns:p14="http://schemas.microsoft.com/office/powerpoint/2010/main" val="1142429973"/>
+      </p:ext>
+    </p:extLst>
+  </p:cSld>
+  <p:clrMapOvr>
+    <a:masterClrMapping/>
+  </p:clrMapOvr>
+  <p:timing>
+    <p:tnLst>
+      <p:par>
+        <p:cTn id="1" dur="indefinite" restart="never" nodeType="tmRoot"/>
+      </p:par>
+    </p:tnLst>
+  </p:timing>
+</p:sld>
+</file>
+
+<file path=ppt/slides/slide29.xml><?xml version="1.0" encoding="utf-8"?>
+<p:sld xmlns:a="http://schemas.openxmlformats.org/drawingml/2006/main" xmlns:r="http://schemas.openxmlformats.org/officeDocument/2006/relationships" xmlns:p="http://schemas.openxmlformats.org/presentationml/2006/main">
+  <p:cSld>
+    <p:spTree>
+      <p:nvGrpSpPr>
+        <p:cNvPr id="1" name=""/>
+        <p:cNvGrpSpPr/>
+        <p:nvPr/>
+      </p:nvGrpSpPr>
+      <p:grpSpPr>
+        <a:xfrm>
+          <a:off x="0" y="0"/>
+          <a:ext cx="0" cy="0"/>
+          <a:chOff x="0" y="0"/>
+          <a:chExt cx="0" cy="0"/>
+        </a:xfrm>
+      </p:grpSpPr>
+      <p:sp>
+        <p:nvSpPr>
+          <p:cNvPr id="2" name="1 Título"/>
+          <p:cNvSpPr>
+            <a:spLocks noGrp="1"/>
+          </p:cNvSpPr>
+          <p:nvPr>
+            <p:ph type="title"/>
+          </p:nvPr>
+        </p:nvSpPr>
+        <p:spPr/>
+        <p:txBody>
+          <a:bodyPr/>
+          <a:lstStyle/>
+          <a:p>
+            <a:r>
+              <a:rPr lang="es-PE" dirty="0" err="1">
+                <a:solidFill>
+                  <a:srgbClr val="FF0000"/>
+                </a:solidFill>
+              </a:rPr>
+              <a:t>Dead</a:t>
+            </a:r>
+            <a:r>
+              <a:rPr lang="es-PE" dirty="0">
+                <a:solidFill>
+                  <a:srgbClr val="009A46"/>
+                </a:solidFill>
+              </a:rPr>
+              <a:t> </a:t>
+            </a:r>
+            <a:r>
+              <a:rPr lang="es-PE" dirty="0" err="1">
+                <a:solidFill>
+                  <a:srgbClr val="FF0000"/>
+                </a:solidFill>
+              </a:rPr>
+              <a:t>Code</a:t>
+            </a:r>
+            <a:endParaRPr lang="es-PE" dirty="0">
+              <a:solidFill>
+                <a:srgbClr val="FF0000"/>
+              </a:solidFill>
+            </a:endParaRPr>
+          </a:p>
+        </p:txBody>
+      </p:sp>
+      <p:pic>
+        <p:nvPicPr>
+          <p:cNvPr id="5" name="4 Imagen"/>
+          <p:cNvPicPr>
+            <a:picLocks noChangeAspect="1"/>
+          </p:cNvPicPr>
+          <p:nvPr/>
+        </p:nvPicPr>
+        <p:blipFill>
+          <a:blip r:embed="rId2">
+            <a:extLst>
+              <a:ext uri="{28A0092B-C50C-407E-A947-70E740481C1C}">
+                <a14:useLocalDpi xmlns:a14="http://schemas.microsoft.com/office/drawing/2010/main" val="0"/>
+              </a:ext>
+            </a:extLst>
+          </a:blip>
+          <a:stretch>
+            <a:fillRect/>
+          </a:stretch>
+        </p:blipFill>
+        <p:spPr>
+          <a:xfrm>
+            <a:off x="3347864" y="1916832"/>
+            <a:ext cx="2444482" cy="3240360"/>
+          </a:xfrm>
+          <a:prstGeom prst="rect">
+            <a:avLst/>
+          </a:prstGeom>
+        </p:spPr>
+      </p:pic>
+    </p:spTree>
+    <p:extLst>
+      <p:ext uri="{BB962C8B-B14F-4D97-AF65-F5344CB8AC3E}">
+        <p14:creationId xmlns:p14="http://schemas.microsoft.com/office/powerpoint/2010/main" val="4237765569"/>
+      </p:ext>
+    </p:extLst>
+  </p:cSld>
+  <p:clrMapOvr>
+    <a:masterClrMapping/>
+  </p:clrMapOvr>
+  <p:timing>
+    <p:tnLst>
+      <p:par>
+        <p:cTn id="1" dur="indefinite" restart="never" nodeType="tmRoot"/>
+      </p:par>
+    </p:tnLst>
+  </p:timing>
+</p:sld>
+</file>
+
 <file path=ppt/slides/slide3.xml><?xml version="1.0" encoding="utf-8"?>
 <p:sld xmlns:a="http://schemas.openxmlformats.org/drawingml/2006/main" xmlns:r="http://schemas.openxmlformats.org/officeDocument/2006/relationships" xmlns:p="http://schemas.openxmlformats.org/presentationml/2006/main">
   <p:cSld>
@@ -14684,6 +15037,377 @@
     <p:extLst>
       <p:ext uri="{BB962C8B-B14F-4D97-AF65-F5344CB8AC3E}">
         <p14:creationId xmlns:p14="http://schemas.microsoft.com/office/powerpoint/2010/main" val="222094944"/>
+      </p:ext>
+    </p:extLst>
+  </p:cSld>
+  <p:clrMapOvr>
+    <a:masterClrMapping/>
+  </p:clrMapOvr>
+  <p:timing>
+    <p:tnLst>
+      <p:par>
+        <p:cTn id="1" dur="indefinite" restart="never" nodeType="tmRoot"/>
+      </p:par>
+    </p:tnLst>
+  </p:timing>
+</p:sld>
+</file>
+
+<file path=ppt/slides/slide30.xml><?xml version="1.0" encoding="utf-8"?>
+<p:sld xmlns:a="http://schemas.openxmlformats.org/drawingml/2006/main" xmlns:r="http://schemas.openxmlformats.org/officeDocument/2006/relationships" xmlns:p="http://schemas.openxmlformats.org/presentationml/2006/main">
+  <p:cSld>
+    <p:spTree>
+      <p:nvGrpSpPr>
+        <p:cNvPr id="1" name=""/>
+        <p:cNvGrpSpPr/>
+        <p:nvPr/>
+      </p:nvGrpSpPr>
+      <p:grpSpPr>
+        <a:xfrm>
+          <a:off x="0" y="0"/>
+          <a:ext cx="0" cy="0"/>
+          <a:chOff x="0" y="0"/>
+          <a:chExt cx="0" cy="0"/>
+        </a:xfrm>
+      </p:grpSpPr>
+      <p:sp>
+        <p:nvSpPr>
+          <p:cNvPr id="2" name="1 Título"/>
+          <p:cNvSpPr>
+            <a:spLocks noGrp="1"/>
+          </p:cNvSpPr>
+          <p:nvPr>
+            <p:ph type="title"/>
+          </p:nvPr>
+        </p:nvSpPr>
+        <p:spPr>
+          <a:xfrm>
+            <a:off x="457200" y="125760"/>
+            <a:ext cx="8229600" cy="1143000"/>
+          </a:xfrm>
+        </p:spPr>
+        <p:txBody>
+          <a:bodyPr/>
+          <a:lstStyle/>
+          <a:p>
+            <a:r>
+              <a:rPr lang="es-PE" dirty="0" smtClean="0">
+                <a:solidFill>
+                  <a:srgbClr val="FF0000"/>
+                </a:solidFill>
+              </a:rPr>
+              <a:t>Comentarios</a:t>
+            </a:r>
+            <a:endParaRPr lang="es-PE" dirty="0">
+              <a:solidFill>
+                <a:srgbClr val="FF0000"/>
+              </a:solidFill>
+            </a:endParaRPr>
+          </a:p>
+        </p:txBody>
+      </p:sp>
+      <p:pic>
+        <p:nvPicPr>
+          <p:cNvPr id="5" name="4 Imagen"/>
+          <p:cNvPicPr>
+            <a:picLocks noChangeAspect="1"/>
+          </p:cNvPicPr>
+          <p:nvPr/>
+        </p:nvPicPr>
+        <p:blipFill>
+          <a:blip r:embed="rId2">
+            <a:extLst>
+              <a:ext uri="{28A0092B-C50C-407E-A947-70E740481C1C}">
+                <a14:useLocalDpi xmlns:a14="http://schemas.microsoft.com/office/drawing/2010/main" val="0"/>
+              </a:ext>
+            </a:extLst>
+          </a:blip>
+          <a:stretch>
+            <a:fillRect/>
+          </a:stretch>
+        </p:blipFill>
+        <p:spPr>
+          <a:xfrm>
+            <a:off x="2195736" y="1761081"/>
+            <a:ext cx="4856463" cy="3252095"/>
+          </a:xfrm>
+          <a:prstGeom prst="rect">
+            <a:avLst/>
+          </a:prstGeom>
+        </p:spPr>
+      </p:pic>
+    </p:spTree>
+    <p:extLst>
+      <p:ext uri="{BB962C8B-B14F-4D97-AF65-F5344CB8AC3E}">
+        <p14:creationId xmlns:p14="http://schemas.microsoft.com/office/powerpoint/2010/main" val="2378485532"/>
+      </p:ext>
+    </p:extLst>
+  </p:cSld>
+  <p:clrMapOvr>
+    <a:masterClrMapping/>
+  </p:clrMapOvr>
+  <p:timing>
+    <p:tnLst>
+      <p:par>
+        <p:cTn id="1" dur="indefinite" restart="never" nodeType="tmRoot"/>
+      </p:par>
+    </p:tnLst>
+  </p:timing>
+</p:sld>
+</file>
+
+<file path=ppt/slides/slide31.xml><?xml version="1.0" encoding="utf-8"?>
+<p:sld xmlns:a="http://schemas.openxmlformats.org/drawingml/2006/main" xmlns:r="http://schemas.openxmlformats.org/officeDocument/2006/relationships" xmlns:p="http://schemas.openxmlformats.org/presentationml/2006/main">
+  <p:cSld>
+    <p:spTree>
+      <p:nvGrpSpPr>
+        <p:cNvPr id="1" name=""/>
+        <p:cNvGrpSpPr/>
+        <p:nvPr/>
+      </p:nvGrpSpPr>
+      <p:grpSpPr>
+        <a:xfrm>
+          <a:off x="0" y="0"/>
+          <a:ext cx="0" cy="0"/>
+          <a:chOff x="0" y="0"/>
+          <a:chExt cx="0" cy="0"/>
+        </a:xfrm>
+      </p:grpSpPr>
+      <p:sp>
+        <p:nvSpPr>
+          <p:cNvPr id="2" name="1 Título"/>
+          <p:cNvSpPr>
+            <a:spLocks noGrp="1"/>
+          </p:cNvSpPr>
+          <p:nvPr>
+            <p:ph type="title"/>
+          </p:nvPr>
+        </p:nvSpPr>
+        <p:spPr/>
+        <p:txBody>
+          <a:bodyPr/>
+          <a:lstStyle/>
+          <a:p>
+            <a:r>
+              <a:rPr lang="es-PE" dirty="0" err="1" smtClean="0">
+                <a:solidFill>
+                  <a:srgbClr val="FF0000"/>
+                </a:solidFill>
+              </a:rPr>
+              <a:t>Primitive</a:t>
+            </a:r>
+            <a:r>
+              <a:rPr lang="es-PE" dirty="0" smtClean="0">
+                <a:solidFill>
+                  <a:srgbClr val="FF0000"/>
+                </a:solidFill>
+              </a:rPr>
+              <a:t> </a:t>
+            </a:r>
+            <a:r>
+              <a:rPr lang="es-PE" dirty="0" err="1" smtClean="0">
+                <a:solidFill>
+                  <a:srgbClr val="FF0000"/>
+                </a:solidFill>
+              </a:rPr>
+              <a:t>Obsession</a:t>
+            </a:r>
+            <a:endParaRPr lang="es-PE" dirty="0">
+              <a:solidFill>
+                <a:srgbClr val="FF0000"/>
+              </a:solidFill>
+            </a:endParaRPr>
+          </a:p>
+        </p:txBody>
+      </p:sp>
+      <p:pic>
+        <p:nvPicPr>
+          <p:cNvPr id="2050" name="Picture 2"/>
+          <p:cNvPicPr>
+            <a:picLocks noChangeAspect="1" noChangeArrowheads="1"/>
+          </p:cNvPicPr>
+          <p:nvPr/>
+        </p:nvPicPr>
+        <p:blipFill>
+          <a:blip r:embed="rId2">
+            <a:extLst>
+              <a:ext uri="{28A0092B-C50C-407E-A947-70E740481C1C}">
+                <a14:useLocalDpi xmlns:a14="http://schemas.microsoft.com/office/drawing/2010/main" val="0"/>
+              </a:ext>
+            </a:extLst>
+          </a:blip>
+          <a:srcRect/>
+          <a:stretch>
+            <a:fillRect/>
+          </a:stretch>
+        </p:blipFill>
+        <p:spPr bwMode="auto">
+          <a:xfrm>
+            <a:off x="3131840" y="2132856"/>
+            <a:ext cx="3084562" cy="2914770"/>
+          </a:xfrm>
+          <a:prstGeom prst="rect">
+            <a:avLst/>
+          </a:prstGeom>
+          <a:ln>
+            <a:noFill/>
+          </a:ln>
+          <a:effectLst>
+            <a:softEdge rad="112500"/>
+          </a:effectLst>
+          <a:extLst>
+            <a:ext uri="{909E8E84-426E-40DD-AFC4-6F175D3DCCD1}">
+              <a14:hiddenFill xmlns:a14="http://schemas.microsoft.com/office/drawing/2010/main">
+                <a:solidFill>
+                  <a:schemeClr val="accent1"/>
+                </a:solidFill>
+              </a14:hiddenFill>
+            </a:ext>
+            <a:ext uri="{91240B29-F687-4F45-9708-019B960494DF}">
+              <a14:hiddenLine xmlns:a14="http://schemas.microsoft.com/office/drawing/2010/main" w="9525">
+                <a:solidFill>
+                  <a:schemeClr val="tx1"/>
+                </a:solidFill>
+                <a:miter lim="800000"/>
+                <a:headEnd/>
+                <a:tailEnd/>
+              </a14:hiddenLine>
+            </a:ext>
+            <a:ext uri="{AF507438-7753-43E0-B8FC-AC1667EBCBE1}">
+              <a14:hiddenEffects xmlns:a14="http://schemas.microsoft.com/office/drawing/2010/main">
+                <a:effectLst>
+                  <a:outerShdw dist="35921" dir="2700000" algn="ctr" rotWithShape="0">
+                    <a:schemeClr val="bg2"/>
+                  </a:outerShdw>
+                </a:effectLst>
+              </a14:hiddenEffects>
+            </a:ext>
+          </a:extLst>
+        </p:spPr>
+      </p:pic>
+    </p:spTree>
+    <p:extLst>
+      <p:ext uri="{BB962C8B-B14F-4D97-AF65-F5344CB8AC3E}">
+        <p14:creationId xmlns:p14="http://schemas.microsoft.com/office/powerpoint/2010/main" val="4184390931"/>
+      </p:ext>
+    </p:extLst>
+  </p:cSld>
+  <p:clrMapOvr>
+    <a:masterClrMapping/>
+  </p:clrMapOvr>
+  <p:timing>
+    <p:tnLst>
+      <p:par>
+        <p:cTn id="1" dur="indefinite" restart="never" nodeType="tmRoot"/>
+      </p:par>
+    </p:tnLst>
+  </p:timing>
+</p:sld>
+</file>
+
+<file path=ppt/slides/slide32.xml><?xml version="1.0" encoding="utf-8"?>
+<p:sld xmlns:a="http://schemas.openxmlformats.org/drawingml/2006/main" xmlns:r="http://schemas.openxmlformats.org/officeDocument/2006/relationships" xmlns:p="http://schemas.openxmlformats.org/presentationml/2006/main">
+  <p:cSld>
+    <p:spTree>
+      <p:nvGrpSpPr>
+        <p:cNvPr id="1" name=""/>
+        <p:cNvGrpSpPr/>
+        <p:nvPr/>
+      </p:nvGrpSpPr>
+      <p:grpSpPr>
+        <a:xfrm>
+          <a:off x="0" y="0"/>
+          <a:ext cx="0" cy="0"/>
+          <a:chOff x="0" y="0"/>
+          <a:chExt cx="0" cy="0"/>
+        </a:xfrm>
+      </p:grpSpPr>
+      <p:sp>
+        <p:nvSpPr>
+          <p:cNvPr id="2" name="1 Título"/>
+          <p:cNvSpPr>
+            <a:spLocks noGrp="1"/>
+          </p:cNvSpPr>
+          <p:nvPr>
+            <p:ph type="title"/>
+          </p:nvPr>
+        </p:nvSpPr>
+        <p:spPr>
+          <a:xfrm>
+            <a:off x="467544" y="332656"/>
+            <a:ext cx="8229600" cy="796951"/>
+          </a:xfrm>
+        </p:spPr>
+        <p:txBody>
+          <a:bodyPr/>
+          <a:lstStyle/>
+          <a:p>
+            <a:r>
+              <a:rPr lang="es-PE" dirty="0" err="1" smtClean="0">
+                <a:solidFill>
+                  <a:srgbClr val="FF0000"/>
+                </a:solidFill>
+              </a:rPr>
+              <a:t>Feature</a:t>
+            </a:r>
+            <a:r>
+              <a:rPr lang="es-PE" dirty="0" smtClean="0">
+                <a:solidFill>
+                  <a:srgbClr val="FF0000"/>
+                </a:solidFill>
+              </a:rPr>
+              <a:t> </a:t>
+            </a:r>
+            <a:r>
+              <a:rPr lang="es-PE" dirty="0" err="1" smtClean="0">
+                <a:solidFill>
+                  <a:srgbClr val="FF0000"/>
+                </a:solidFill>
+              </a:rPr>
+              <a:t>Envy</a:t>
+            </a:r>
+            <a:endParaRPr lang="es-PE" dirty="0">
+              <a:solidFill>
+                <a:srgbClr val="FF0000"/>
+              </a:solidFill>
+            </a:endParaRPr>
+          </a:p>
+        </p:txBody>
+      </p:sp>
+      <p:pic>
+        <p:nvPicPr>
+          <p:cNvPr id="3" name="2 Imagen"/>
+          <p:cNvPicPr>
+            <a:picLocks noChangeAspect="1"/>
+          </p:cNvPicPr>
+          <p:nvPr/>
+        </p:nvPicPr>
+        <p:blipFill>
+          <a:blip r:embed="rId2">
+            <a:extLst>
+              <a:ext uri="{28A0092B-C50C-407E-A947-70E740481C1C}">
+                <a14:useLocalDpi xmlns:a14="http://schemas.microsoft.com/office/drawing/2010/main" val="0"/>
+              </a:ext>
+            </a:extLst>
+          </a:blip>
+          <a:stretch>
+            <a:fillRect/>
+          </a:stretch>
+        </p:blipFill>
+        <p:spPr>
+          <a:xfrm>
+            <a:off x="2026060" y="1844824"/>
+            <a:ext cx="5112568" cy="3363921"/>
+          </a:xfrm>
+          <a:prstGeom prst="rect">
+            <a:avLst/>
+          </a:prstGeom>
+        </p:spPr>
+      </p:pic>
+    </p:spTree>
+    <p:extLst>
+      <p:ext uri="{BB962C8B-B14F-4D97-AF65-F5344CB8AC3E}">
+        <p14:creationId xmlns:p14="http://schemas.microsoft.com/office/powerpoint/2010/main" val="3282213096"/>
       </p:ext>
     </p:extLst>
   </p:cSld>

--- a/Diapositivas/Code Smells and Refactoring.pptx
+++ b/Diapositivas/Code Smells and Refactoring.pptx
@@ -5,7 +5,7 @@
     <p:sldMasterId id="2147483684" r:id="rId1"/>
   </p:sldMasterIdLst>
   <p:notesMasterIdLst>
-    <p:notesMasterId r:id="rId52"/>
+    <p:notesMasterId r:id="rId56"/>
   </p:notesMasterIdLst>
   <p:sldIdLst>
     <p:sldId id="717" r:id="rId2"/>
@@ -44,20 +44,24 @@
     <p:sldId id="757" r:id="rId35"/>
     <p:sldId id="743" r:id="rId36"/>
     <p:sldId id="716" r:id="rId37"/>
-    <p:sldId id="730" r:id="rId38"/>
-    <p:sldId id="514" r:id="rId39"/>
-    <p:sldId id="340" r:id="rId40"/>
-    <p:sldId id="668" r:id="rId41"/>
-    <p:sldId id="667" r:id="rId42"/>
-    <p:sldId id="341" r:id="rId43"/>
-    <p:sldId id="692" r:id="rId44"/>
-    <p:sldId id="708" r:id="rId45"/>
-    <p:sldId id="709" r:id="rId46"/>
-    <p:sldId id="342" r:id="rId47"/>
-    <p:sldId id="519" r:id="rId48"/>
-    <p:sldId id="344" r:id="rId49"/>
-    <p:sldId id="710" r:id="rId50"/>
-    <p:sldId id="705" r:id="rId51"/>
+    <p:sldId id="758" r:id="rId38"/>
+    <p:sldId id="759" r:id="rId39"/>
+    <p:sldId id="730" r:id="rId40"/>
+    <p:sldId id="514" r:id="rId41"/>
+    <p:sldId id="340" r:id="rId42"/>
+    <p:sldId id="668" r:id="rId43"/>
+    <p:sldId id="667" r:id="rId44"/>
+    <p:sldId id="341" r:id="rId45"/>
+    <p:sldId id="692" r:id="rId46"/>
+    <p:sldId id="708" r:id="rId47"/>
+    <p:sldId id="761" r:id="rId48"/>
+    <p:sldId id="762" r:id="rId49"/>
+    <p:sldId id="709" r:id="rId50"/>
+    <p:sldId id="342" r:id="rId51"/>
+    <p:sldId id="519" r:id="rId52"/>
+    <p:sldId id="344" r:id="rId53"/>
+    <p:sldId id="710" r:id="rId54"/>
+    <p:sldId id="705" r:id="rId55"/>
   </p:sldIdLst>
   <p:sldSz cx="9144000" cy="6858000" type="screen4x3"/>
   <p:notesSz cx="6858000" cy="9144000"/>
@@ -1883,6 +1887,13 @@
         </dgm:presLayoutVars>
       </dgm:prSet>
       <dgm:spPr/>
+      <dgm:t>
+        <a:bodyPr/>
+        <a:lstStyle/>
+        <a:p>
+          <a:endParaRPr lang="es-PE"/>
+        </a:p>
+      </dgm:t>
     </dgm:pt>
     <dgm:pt modelId="{8D88EC16-041F-468E-A4EE-B0C17C298D88}" type="pres">
       <dgm:prSet presAssocID="{2D629D79-084D-4FF9-8DF9-08F54FFF92DE}" presName="node" presStyleLbl="node1" presStyleIdx="0" presStyleCnt="5">
@@ -1891,14 +1902,35 @@
         </dgm:presLayoutVars>
       </dgm:prSet>
       <dgm:spPr/>
+      <dgm:t>
+        <a:bodyPr/>
+        <a:lstStyle/>
+        <a:p>
+          <a:endParaRPr lang="es-PE"/>
+        </a:p>
+      </dgm:t>
     </dgm:pt>
     <dgm:pt modelId="{CED54BA0-F15B-4184-B79E-B8D2EC41BDAD}" type="pres">
       <dgm:prSet presAssocID="{899BA343-E663-4062-B766-D4AB02F4C39C}" presName="sibTrans" presStyleLbl="sibTrans2D1" presStyleIdx="0" presStyleCnt="5"/>
       <dgm:spPr/>
+      <dgm:t>
+        <a:bodyPr/>
+        <a:lstStyle/>
+        <a:p>
+          <a:endParaRPr lang="es-PE"/>
+        </a:p>
+      </dgm:t>
     </dgm:pt>
     <dgm:pt modelId="{DB7A3A1A-810F-4459-AD3E-971F11602EE1}" type="pres">
       <dgm:prSet presAssocID="{899BA343-E663-4062-B766-D4AB02F4C39C}" presName="connectorText" presStyleLbl="sibTrans2D1" presStyleIdx="0" presStyleCnt="5"/>
       <dgm:spPr/>
+      <dgm:t>
+        <a:bodyPr/>
+        <a:lstStyle/>
+        <a:p>
+          <a:endParaRPr lang="es-PE"/>
+        </a:p>
+      </dgm:t>
     </dgm:pt>
     <dgm:pt modelId="{2CCF0EC0-5E87-4702-9012-7254A3821684}" type="pres">
       <dgm:prSet presAssocID="{9768ADBD-E274-445C-8DCD-B40B42EBD27B}" presName="node" presStyleLbl="node1" presStyleIdx="1" presStyleCnt="5">
@@ -1918,10 +1950,24 @@
     <dgm:pt modelId="{DCE9FE20-3966-495F-9530-23A38286FCDB}" type="pres">
       <dgm:prSet presAssocID="{E43FB99E-5163-4102-8C51-726D611F747C}" presName="sibTrans" presStyleLbl="sibTrans2D1" presStyleIdx="1" presStyleCnt="5"/>
       <dgm:spPr/>
+      <dgm:t>
+        <a:bodyPr/>
+        <a:lstStyle/>
+        <a:p>
+          <a:endParaRPr lang="es-PE"/>
+        </a:p>
+      </dgm:t>
     </dgm:pt>
     <dgm:pt modelId="{F30247C7-152E-4FDC-9646-BB20CCC1E8C7}" type="pres">
       <dgm:prSet presAssocID="{E43FB99E-5163-4102-8C51-726D611F747C}" presName="connectorText" presStyleLbl="sibTrans2D1" presStyleIdx="1" presStyleCnt="5"/>
       <dgm:spPr/>
+      <dgm:t>
+        <a:bodyPr/>
+        <a:lstStyle/>
+        <a:p>
+          <a:endParaRPr lang="es-PE"/>
+        </a:p>
+      </dgm:t>
     </dgm:pt>
     <dgm:pt modelId="{FB6A06C4-A2A0-4F93-829D-27E882A8B839}" type="pres">
       <dgm:prSet presAssocID="{76A1EA92-51E5-49EB-A181-D50B98697B05}" presName="node" presStyleLbl="node1" presStyleIdx="2" presStyleCnt="5">
@@ -1941,10 +1987,24 @@
     <dgm:pt modelId="{F75A18FD-DF04-47F0-8AE8-A3F3E3B7ADA9}" type="pres">
       <dgm:prSet presAssocID="{9E4C12CE-879A-4AB8-B6B2-D13C4FC29454}" presName="sibTrans" presStyleLbl="sibTrans2D1" presStyleIdx="2" presStyleCnt="5"/>
       <dgm:spPr/>
+      <dgm:t>
+        <a:bodyPr/>
+        <a:lstStyle/>
+        <a:p>
+          <a:endParaRPr lang="es-PE"/>
+        </a:p>
+      </dgm:t>
     </dgm:pt>
     <dgm:pt modelId="{5D06DDED-AB1D-4844-98C0-F17BCAF7D19F}" type="pres">
       <dgm:prSet presAssocID="{9E4C12CE-879A-4AB8-B6B2-D13C4FC29454}" presName="connectorText" presStyleLbl="sibTrans2D1" presStyleIdx="2" presStyleCnt="5"/>
       <dgm:spPr/>
+      <dgm:t>
+        <a:bodyPr/>
+        <a:lstStyle/>
+        <a:p>
+          <a:endParaRPr lang="es-PE"/>
+        </a:p>
+      </dgm:t>
     </dgm:pt>
     <dgm:pt modelId="{9C286F3C-FAF2-4FCF-B113-145FCACE16AA}" type="pres">
       <dgm:prSet presAssocID="{7EB66F7D-EDF6-4CF9-8307-CDC396A315D2}" presName="node" presStyleLbl="node1" presStyleIdx="3" presStyleCnt="5">
@@ -1964,10 +2024,24 @@
     <dgm:pt modelId="{4B49315F-91DD-4CBB-BA8F-EFE63A088439}" type="pres">
       <dgm:prSet presAssocID="{3766CEFC-D74E-4FC6-B9BD-CE4F3847A8F1}" presName="sibTrans" presStyleLbl="sibTrans2D1" presStyleIdx="3" presStyleCnt="5"/>
       <dgm:spPr/>
+      <dgm:t>
+        <a:bodyPr/>
+        <a:lstStyle/>
+        <a:p>
+          <a:endParaRPr lang="es-PE"/>
+        </a:p>
+      </dgm:t>
     </dgm:pt>
     <dgm:pt modelId="{B4DAEDC5-1010-434A-AA93-DB22F5A7CB1E}" type="pres">
       <dgm:prSet presAssocID="{3766CEFC-D74E-4FC6-B9BD-CE4F3847A8F1}" presName="connectorText" presStyleLbl="sibTrans2D1" presStyleIdx="3" presStyleCnt="5"/>
       <dgm:spPr/>
+      <dgm:t>
+        <a:bodyPr/>
+        <a:lstStyle/>
+        <a:p>
+          <a:endParaRPr lang="es-PE"/>
+        </a:p>
+      </dgm:t>
     </dgm:pt>
     <dgm:pt modelId="{B4181A90-3A21-4F79-83DB-5F7E138E1000}" type="pres">
       <dgm:prSet presAssocID="{86434053-B40A-4DA1-AC86-B95A2468B2D6}" presName="node" presStyleLbl="node1" presStyleIdx="4" presStyleCnt="5">
@@ -1976,38 +2050,59 @@
         </dgm:presLayoutVars>
       </dgm:prSet>
       <dgm:spPr/>
+      <dgm:t>
+        <a:bodyPr/>
+        <a:lstStyle/>
+        <a:p>
+          <a:endParaRPr lang="es-PE"/>
+        </a:p>
+      </dgm:t>
     </dgm:pt>
     <dgm:pt modelId="{19C3351F-DE4C-4425-8FAE-716FD4A6218E}" type="pres">
       <dgm:prSet presAssocID="{17CA2C55-0354-4402-9601-202C7F5A5539}" presName="sibTrans" presStyleLbl="sibTrans2D1" presStyleIdx="4" presStyleCnt="5"/>
       <dgm:spPr/>
+      <dgm:t>
+        <a:bodyPr/>
+        <a:lstStyle/>
+        <a:p>
+          <a:endParaRPr lang="es-PE"/>
+        </a:p>
+      </dgm:t>
     </dgm:pt>
     <dgm:pt modelId="{6552A34E-30A2-429F-881E-FE5C4BE2A18D}" type="pres">
       <dgm:prSet presAssocID="{17CA2C55-0354-4402-9601-202C7F5A5539}" presName="connectorText" presStyleLbl="sibTrans2D1" presStyleIdx="4" presStyleCnt="5"/>
       <dgm:spPr/>
+      <dgm:t>
+        <a:bodyPr/>
+        <a:lstStyle/>
+        <a:p>
+          <a:endParaRPr lang="es-PE"/>
+        </a:p>
+      </dgm:t>
     </dgm:pt>
   </dgm:ptLst>
   <dgm:cxnLst>
+    <dgm:cxn modelId="{DF27FA98-7CA1-4F3A-9D2A-28BB86C08A1F}" type="presOf" srcId="{7EB66F7D-EDF6-4CF9-8307-CDC396A315D2}" destId="{9C286F3C-FAF2-4FCF-B113-145FCACE16AA}" srcOrd="0" destOrd="0" presId="urn:microsoft.com/office/officeart/2005/8/layout/cycle2"/>
+    <dgm:cxn modelId="{C3EFE9D5-356F-43BB-8855-ACD1EBA14763}" type="presOf" srcId="{899BA343-E663-4062-B766-D4AB02F4C39C}" destId="{DB7A3A1A-810F-4459-AD3E-971F11602EE1}" srcOrd="1" destOrd="0" presId="urn:microsoft.com/office/officeart/2005/8/layout/cycle2"/>
+    <dgm:cxn modelId="{6FFB25DC-95F4-401F-9839-243525DDC9FC}" type="presOf" srcId="{9E4C12CE-879A-4AB8-B6B2-D13C4FC29454}" destId="{5D06DDED-AB1D-4844-98C0-F17BCAF7D19F}" srcOrd="1" destOrd="0" presId="urn:microsoft.com/office/officeart/2005/8/layout/cycle2"/>
+    <dgm:cxn modelId="{D2517C94-D49C-40CF-8F01-BD012AEDACB4}" type="presOf" srcId="{AA37C565-8227-47BE-938D-F0254EF29510}" destId="{357AEA59-21F0-45F8-A04A-C6A6C8AF2562}" srcOrd="0" destOrd="0" presId="urn:microsoft.com/office/officeart/2005/8/layout/cycle2"/>
+    <dgm:cxn modelId="{10FC8423-D70C-492B-B6FF-1F1F63130C82}" type="presOf" srcId="{3766CEFC-D74E-4FC6-B9BD-CE4F3847A8F1}" destId="{4B49315F-91DD-4CBB-BA8F-EFE63A088439}" srcOrd="0" destOrd="0" presId="urn:microsoft.com/office/officeart/2005/8/layout/cycle2"/>
+    <dgm:cxn modelId="{37E6F1B8-6B3C-455E-A22B-87797D117EFD}" type="presOf" srcId="{E43FB99E-5163-4102-8C51-726D611F747C}" destId="{F30247C7-152E-4FDC-9646-BB20CCC1E8C7}" srcOrd="1" destOrd="0" presId="urn:microsoft.com/office/officeart/2005/8/layout/cycle2"/>
+    <dgm:cxn modelId="{45E609DB-0B88-4C79-808F-C6DAAB46BF34}" type="presOf" srcId="{E43FB99E-5163-4102-8C51-726D611F747C}" destId="{DCE9FE20-3966-495F-9530-23A38286FCDB}" srcOrd="0" destOrd="0" presId="urn:microsoft.com/office/officeart/2005/8/layout/cycle2"/>
     <dgm:cxn modelId="{FAF39910-6301-4B2E-AD44-4E47E6F7C813}" srcId="{AA37C565-8227-47BE-938D-F0254EF29510}" destId="{86434053-B40A-4DA1-AC86-B95A2468B2D6}" srcOrd="4" destOrd="0" parTransId="{CC9DCF9E-D07A-4952-A019-8526313875CE}" sibTransId="{17CA2C55-0354-4402-9601-202C7F5A5539}"/>
-    <dgm:cxn modelId="{D2517C94-D49C-40CF-8F01-BD012AEDACB4}" type="presOf" srcId="{AA37C565-8227-47BE-938D-F0254EF29510}" destId="{357AEA59-21F0-45F8-A04A-C6A6C8AF2562}" srcOrd="0" destOrd="0" presId="urn:microsoft.com/office/officeart/2005/8/layout/cycle2"/>
-    <dgm:cxn modelId="{45E609DB-0B88-4C79-808F-C6DAAB46BF34}" type="presOf" srcId="{E43FB99E-5163-4102-8C51-726D611F747C}" destId="{DCE9FE20-3966-495F-9530-23A38286FCDB}" srcOrd="0" destOrd="0" presId="urn:microsoft.com/office/officeart/2005/8/layout/cycle2"/>
     <dgm:cxn modelId="{1F2D3032-C3FD-4D8B-8952-050E3649D2B8}" type="presOf" srcId="{9E4C12CE-879A-4AB8-B6B2-D13C4FC29454}" destId="{F75A18FD-DF04-47F0-8AE8-A3F3E3B7ADA9}" srcOrd="0" destOrd="0" presId="urn:microsoft.com/office/officeart/2005/8/layout/cycle2"/>
+    <dgm:cxn modelId="{118D518B-4E4B-4165-A5B9-7E7CDA798BAF}" srcId="{AA37C565-8227-47BE-938D-F0254EF29510}" destId="{76A1EA92-51E5-49EB-A181-D50B98697B05}" srcOrd="2" destOrd="0" parTransId="{3A80FFA8-4626-4D9F-869E-08D8049AE90B}" sibTransId="{9E4C12CE-879A-4AB8-B6B2-D13C4FC29454}"/>
+    <dgm:cxn modelId="{9C5856E4-CA75-447E-B76A-6CB88C391DE8}" srcId="{AA37C565-8227-47BE-938D-F0254EF29510}" destId="{9768ADBD-E274-445C-8DCD-B40B42EBD27B}" srcOrd="1" destOrd="0" parTransId="{4AEA6F8B-1A64-45EC-93BD-3D31C0888883}" sibTransId="{E43FB99E-5163-4102-8C51-726D611F747C}"/>
+    <dgm:cxn modelId="{9694F126-3ADB-43F5-85B1-5AB66EDBA53C}" srcId="{AA37C565-8227-47BE-938D-F0254EF29510}" destId="{2D629D79-084D-4FF9-8DF9-08F54FFF92DE}" srcOrd="0" destOrd="0" parTransId="{30A8A669-EA91-4A1E-9661-BB7D11EAB2EF}" sibTransId="{899BA343-E663-4062-B766-D4AB02F4C39C}"/>
+    <dgm:cxn modelId="{F2AB151D-21B9-4D2B-A657-006D73F49BC8}" type="presOf" srcId="{9768ADBD-E274-445C-8DCD-B40B42EBD27B}" destId="{2CCF0EC0-5E87-4702-9012-7254A3821684}" srcOrd="0" destOrd="0" presId="urn:microsoft.com/office/officeart/2005/8/layout/cycle2"/>
+    <dgm:cxn modelId="{4B86B7C8-E32E-4E93-BEB0-78CDA56678D2}" type="presOf" srcId="{76A1EA92-51E5-49EB-A181-D50B98697B05}" destId="{FB6A06C4-A2A0-4F93-829D-27E882A8B839}" srcOrd="0" destOrd="0" presId="urn:microsoft.com/office/officeart/2005/8/layout/cycle2"/>
+    <dgm:cxn modelId="{D7A616E2-9700-4CBA-9BBE-43444D8A6564}" type="presOf" srcId="{17CA2C55-0354-4402-9601-202C7F5A5539}" destId="{6552A34E-30A2-429F-881E-FE5C4BE2A18D}" srcOrd="1" destOrd="0" presId="urn:microsoft.com/office/officeart/2005/8/layout/cycle2"/>
+    <dgm:cxn modelId="{1089786B-FC8F-44D2-845E-383202AFE628}" type="presOf" srcId="{3766CEFC-D74E-4FC6-B9BD-CE4F3847A8F1}" destId="{B4DAEDC5-1010-434A-AA93-DB22F5A7CB1E}" srcOrd="1" destOrd="0" presId="urn:microsoft.com/office/officeart/2005/8/layout/cycle2"/>
+    <dgm:cxn modelId="{9E7B1AD0-4B2E-401B-B82A-F21921E14474}" srcId="{AA37C565-8227-47BE-938D-F0254EF29510}" destId="{7EB66F7D-EDF6-4CF9-8307-CDC396A315D2}" srcOrd="3" destOrd="0" parTransId="{1C435CE0-1330-4C41-B432-980635612D78}" sibTransId="{3766CEFC-D74E-4FC6-B9BD-CE4F3847A8F1}"/>
     <dgm:cxn modelId="{D953A32C-4D27-4AB5-8837-349E35D4EC32}" type="presOf" srcId="{86434053-B40A-4DA1-AC86-B95A2468B2D6}" destId="{B4181A90-3A21-4F79-83DB-5F7E138E1000}" srcOrd="0" destOrd="0" presId="urn:microsoft.com/office/officeart/2005/8/layout/cycle2"/>
-    <dgm:cxn modelId="{9E7B1AD0-4B2E-401B-B82A-F21921E14474}" srcId="{AA37C565-8227-47BE-938D-F0254EF29510}" destId="{7EB66F7D-EDF6-4CF9-8307-CDC396A315D2}" srcOrd="3" destOrd="0" parTransId="{1C435CE0-1330-4C41-B432-980635612D78}" sibTransId="{3766CEFC-D74E-4FC6-B9BD-CE4F3847A8F1}"/>
-    <dgm:cxn modelId="{10FC8423-D70C-492B-B6FF-1F1F63130C82}" type="presOf" srcId="{3766CEFC-D74E-4FC6-B9BD-CE4F3847A8F1}" destId="{4B49315F-91DD-4CBB-BA8F-EFE63A088439}" srcOrd="0" destOrd="0" presId="urn:microsoft.com/office/officeart/2005/8/layout/cycle2"/>
-    <dgm:cxn modelId="{9C5856E4-CA75-447E-B76A-6CB88C391DE8}" srcId="{AA37C565-8227-47BE-938D-F0254EF29510}" destId="{9768ADBD-E274-445C-8DCD-B40B42EBD27B}" srcOrd="1" destOrd="0" parTransId="{4AEA6F8B-1A64-45EC-93BD-3D31C0888883}" sibTransId="{E43FB99E-5163-4102-8C51-726D611F747C}"/>
     <dgm:cxn modelId="{9476F479-5E75-4A48-B836-A1328D3E5B65}" type="presOf" srcId="{2D629D79-084D-4FF9-8DF9-08F54FFF92DE}" destId="{8D88EC16-041F-468E-A4EE-B0C17C298D88}" srcOrd="0" destOrd="0" presId="urn:microsoft.com/office/officeart/2005/8/layout/cycle2"/>
-    <dgm:cxn modelId="{118D518B-4E4B-4165-A5B9-7E7CDA798BAF}" srcId="{AA37C565-8227-47BE-938D-F0254EF29510}" destId="{76A1EA92-51E5-49EB-A181-D50B98697B05}" srcOrd="2" destOrd="0" parTransId="{3A80FFA8-4626-4D9F-869E-08D8049AE90B}" sibTransId="{9E4C12CE-879A-4AB8-B6B2-D13C4FC29454}"/>
-    <dgm:cxn modelId="{37E6F1B8-6B3C-455E-A22B-87797D117EFD}" type="presOf" srcId="{E43FB99E-5163-4102-8C51-726D611F747C}" destId="{F30247C7-152E-4FDC-9646-BB20CCC1E8C7}" srcOrd="1" destOrd="0" presId="urn:microsoft.com/office/officeart/2005/8/layout/cycle2"/>
-    <dgm:cxn modelId="{C3EFE9D5-356F-43BB-8855-ACD1EBA14763}" type="presOf" srcId="{899BA343-E663-4062-B766-D4AB02F4C39C}" destId="{DB7A3A1A-810F-4459-AD3E-971F11602EE1}" srcOrd="1" destOrd="0" presId="urn:microsoft.com/office/officeart/2005/8/layout/cycle2"/>
-    <dgm:cxn modelId="{F2AB151D-21B9-4D2B-A657-006D73F49BC8}" type="presOf" srcId="{9768ADBD-E274-445C-8DCD-B40B42EBD27B}" destId="{2CCF0EC0-5E87-4702-9012-7254A3821684}" srcOrd="0" destOrd="0" presId="urn:microsoft.com/office/officeart/2005/8/layout/cycle2"/>
-    <dgm:cxn modelId="{6FFB25DC-95F4-401F-9839-243525DDC9FC}" type="presOf" srcId="{9E4C12CE-879A-4AB8-B6B2-D13C4FC29454}" destId="{5D06DDED-AB1D-4844-98C0-F17BCAF7D19F}" srcOrd="1" destOrd="0" presId="urn:microsoft.com/office/officeart/2005/8/layout/cycle2"/>
-    <dgm:cxn modelId="{DF27FA98-7CA1-4F3A-9D2A-28BB86C08A1F}" type="presOf" srcId="{7EB66F7D-EDF6-4CF9-8307-CDC396A315D2}" destId="{9C286F3C-FAF2-4FCF-B113-145FCACE16AA}" srcOrd="0" destOrd="0" presId="urn:microsoft.com/office/officeart/2005/8/layout/cycle2"/>
-    <dgm:cxn modelId="{9694F126-3ADB-43F5-85B1-5AB66EDBA53C}" srcId="{AA37C565-8227-47BE-938D-F0254EF29510}" destId="{2D629D79-084D-4FF9-8DF9-08F54FFF92DE}" srcOrd="0" destOrd="0" parTransId="{30A8A669-EA91-4A1E-9661-BB7D11EAB2EF}" sibTransId="{899BA343-E663-4062-B766-D4AB02F4C39C}"/>
     <dgm:cxn modelId="{E4C3E423-9E5F-4380-80CE-AA5DD2EC4561}" type="presOf" srcId="{17CA2C55-0354-4402-9601-202C7F5A5539}" destId="{19C3351F-DE4C-4425-8FAE-716FD4A6218E}" srcOrd="0" destOrd="0" presId="urn:microsoft.com/office/officeart/2005/8/layout/cycle2"/>
-    <dgm:cxn modelId="{4B86B7C8-E32E-4E93-BEB0-78CDA56678D2}" type="presOf" srcId="{76A1EA92-51E5-49EB-A181-D50B98697B05}" destId="{FB6A06C4-A2A0-4F93-829D-27E882A8B839}" srcOrd="0" destOrd="0" presId="urn:microsoft.com/office/officeart/2005/8/layout/cycle2"/>
     <dgm:cxn modelId="{D0BF1C5D-4AEE-4000-A73E-07FB007D1DD0}" type="presOf" srcId="{899BA343-E663-4062-B766-D4AB02F4C39C}" destId="{CED54BA0-F15B-4184-B79E-B8D2EC41BDAD}" srcOrd="0" destOrd="0" presId="urn:microsoft.com/office/officeart/2005/8/layout/cycle2"/>
-    <dgm:cxn modelId="{1089786B-FC8F-44D2-845E-383202AFE628}" type="presOf" srcId="{3766CEFC-D74E-4FC6-B9BD-CE4F3847A8F1}" destId="{B4DAEDC5-1010-434A-AA93-DB22F5A7CB1E}" srcOrd="1" destOrd="0" presId="urn:microsoft.com/office/officeart/2005/8/layout/cycle2"/>
-    <dgm:cxn modelId="{D7A616E2-9700-4CBA-9BBE-43444D8A6564}" type="presOf" srcId="{17CA2C55-0354-4402-9601-202C7F5A5539}" destId="{6552A34E-30A2-429F-881E-FE5C4BE2A18D}" srcOrd="1" destOrd="0" presId="urn:microsoft.com/office/officeart/2005/8/layout/cycle2"/>
     <dgm:cxn modelId="{CBC10EAA-8F0C-41E1-9278-C296B2586423}" type="presParOf" srcId="{357AEA59-21F0-45F8-A04A-C6A6C8AF2562}" destId="{8D88EC16-041F-468E-A4EE-B0C17C298D88}" srcOrd="0" destOrd="0" presId="urn:microsoft.com/office/officeart/2005/8/layout/cycle2"/>
     <dgm:cxn modelId="{FE7D04E3-1D3B-47AB-AD00-657B851C3C2E}" type="presParOf" srcId="{357AEA59-21F0-45F8-A04A-C6A6C8AF2562}" destId="{CED54BA0-F15B-4184-B79E-B8D2EC41BDAD}" srcOrd="1" destOrd="0" presId="urn:microsoft.com/office/officeart/2005/8/layout/cycle2"/>
     <dgm:cxn modelId="{62236F32-2446-45AC-8FBF-D4DEEFC7AD46}" type="presParOf" srcId="{CED54BA0-F15B-4184-B79E-B8D2EC41BDAD}" destId="{DB7A3A1A-810F-4459-AD3E-971F11602EE1}" srcOrd="0" destOrd="0" presId="urn:microsoft.com/office/officeart/2005/8/layout/cycle2"/>
@@ -6168,7 +6263,7 @@
           <a:p>
             <a:fld id="{82731913-02B6-467D-B183-D787C0857BBF}" type="datetimeFigureOut">
               <a:rPr lang="es-PE" smtClean="0"/>
-              <a:t>02/06/2013</a:t>
+              <a:t>03/06/2013</a:t>
             </a:fld>
             <a:endParaRPr lang="es-PE"/>
           </a:p>
@@ -7336,14 +7431,6 @@
           <a:bodyPr/>
           <a:lstStyle/>
           <a:p>
-            <a:r>
-              <a:rPr lang="es-PE" dirty="0" smtClean="0"/>
-              <a:t>Nos juntamos en grupos,</a:t>
-            </a:r>
-            <a:r>
-              <a:rPr lang="es-PE" baseline="0" dirty="0" smtClean="0"/>
-              <a:t> cada pareja comparte el significado </a:t>
-            </a:r>
             <a:endParaRPr lang="es-PE" dirty="0"/>
           </a:p>
         </p:txBody>
@@ -7480,7 +7567,11 @@
             </a:r>
             <a:r>
               <a:rPr lang="en-US" baseline="0" dirty="0" smtClean="0"/>
-              <a:t> Shotgun Surgery y Indecent Exposure?</a:t>
+              <a:t> </a:t>
+            </a:r>
+            <a:r>
+              <a:rPr lang="en-US" baseline="0" smtClean="0"/>
+              <a:t>Shotgun Surgery</a:t>
             </a:r>
             <a:endParaRPr lang="es-PE" dirty="0"/>
           </a:p>
@@ -7566,29 +7657,10 @@
           <a:bodyPr/>
           <a:lstStyle/>
           <a:p>
-            <a:pPr marL="0" marR="0" indent="0" algn="l" defTabSz="914400" rtl="0" eaLnBrk="1" fontAlgn="auto" latinLnBrk="0" hangingPunct="1">
-              <a:lnSpc>
-                <a:spcPct val="100000"/>
-              </a:lnSpc>
-              <a:spcBef>
-                <a:spcPts val="0"/>
-              </a:spcBef>
-              <a:spcAft>
-                <a:spcPts val="0"/>
-              </a:spcAft>
-              <a:buClrTx/>
-              <a:buSzTx/>
+            <a:pPr marL="171450" indent="-171450">
               <a:buFontTx/>
-              <a:buNone/>
-              <a:tabLst/>
-              <a:defRPr/>
+              <a:buChar char="-"/>
             </a:pPr>
-            <a:r>
-              <a:rPr lang="es-PE" sz="1200" dirty="0" smtClean="0"/>
-              <a:t>Recordar que en un enfoque ágil entregamos valor de manera constante.</a:t>
-            </a:r>
-          </a:p>
-          <a:p>
             <a:endParaRPr lang="es-PE" dirty="0"/>
           </a:p>
         </p:txBody>
@@ -7610,7 +7682,7 @@
           <a:p>
             <a:fld id="{80C14895-23C8-45AE-85D5-3B35E5980A68}" type="slidenum">
               <a:rPr lang="es-PE" smtClean="0"/>
-              <a:t>41</a:t>
+              <a:t>37</a:t>
             </a:fld>
             <a:endParaRPr lang="es-PE"/>
           </a:p>
@@ -7619,7 +7691,7 @@
     </p:spTree>
     <p:extLst>
       <p:ext uri="{BB962C8B-B14F-4D97-AF65-F5344CB8AC3E}">
-        <p14:creationId xmlns:p14="http://schemas.microsoft.com/office/powerpoint/2010/main" val="2610960858"/>
+        <p14:creationId xmlns:p14="http://schemas.microsoft.com/office/powerpoint/2010/main" val="3432092158"/>
       </p:ext>
     </p:extLst>
   </p:cSld>
@@ -7757,10 +7829,10 @@
           <a:bodyPr/>
           <a:lstStyle/>
           <a:p>
-            <a:r>
-              <a:rPr lang="es-PE" dirty="0" smtClean="0"/>
-              <a:t>Qué nos motiva a mejorar el código.</a:t>
-            </a:r>
+            <a:pPr marL="171450" indent="-171450">
+              <a:buFontTx/>
+              <a:buChar char="-"/>
+            </a:pPr>
             <a:endParaRPr lang="es-PE" dirty="0"/>
           </a:p>
         </p:txBody>
@@ -7782,7 +7854,7 @@
           <a:p>
             <a:fld id="{80C14895-23C8-45AE-85D5-3B35E5980A68}" type="slidenum">
               <a:rPr lang="es-PE" smtClean="0"/>
-              <a:t>42</a:t>
+              <a:t>38</a:t>
             </a:fld>
             <a:endParaRPr lang="es-PE"/>
           </a:p>
@@ -7791,7 +7863,7 @@
     </p:spTree>
     <p:extLst>
       <p:ext uri="{BB962C8B-B14F-4D97-AF65-F5344CB8AC3E}">
-        <p14:creationId xmlns:p14="http://schemas.microsoft.com/office/powerpoint/2010/main" val="3098316260"/>
+        <p14:creationId xmlns:p14="http://schemas.microsoft.com/office/powerpoint/2010/main" val="3432092158"/>
       </p:ext>
     </p:extLst>
   </p:cSld>
@@ -7845,6 +7917,29 @@
           <a:bodyPr/>
           <a:lstStyle/>
           <a:p>
+            <a:pPr marL="0" marR="0" indent="0" algn="l" defTabSz="914400" rtl="0" eaLnBrk="1" fontAlgn="auto" latinLnBrk="0" hangingPunct="1">
+              <a:lnSpc>
+                <a:spcPct val="100000"/>
+              </a:lnSpc>
+              <a:spcBef>
+                <a:spcPts val="0"/>
+              </a:spcBef>
+              <a:spcAft>
+                <a:spcPts val="0"/>
+              </a:spcAft>
+              <a:buClrTx/>
+              <a:buSzTx/>
+              <a:buFontTx/>
+              <a:buNone/>
+              <a:tabLst/>
+              <a:defRPr/>
+            </a:pPr>
+            <a:r>
+              <a:rPr lang="es-PE" sz="1200" dirty="0" smtClean="0"/>
+              <a:t>Recordar que en un enfoque ágil entregamos valor de manera constante.</a:t>
+            </a:r>
+          </a:p>
+          <a:p>
             <a:endParaRPr lang="es-PE" dirty="0"/>
           </a:p>
         </p:txBody>
@@ -7866,7 +7961,7 @@
           <a:p>
             <a:fld id="{80C14895-23C8-45AE-85D5-3B35E5980A68}" type="slidenum">
               <a:rPr lang="es-PE" smtClean="0"/>
-              <a:t>44</a:t>
+              <a:t>43</a:t>
             </a:fld>
             <a:endParaRPr lang="es-PE"/>
           </a:p>
@@ -7875,7 +7970,7 @@
     </p:spTree>
     <p:extLst>
       <p:ext uri="{BB962C8B-B14F-4D97-AF65-F5344CB8AC3E}">
-        <p14:creationId xmlns:p14="http://schemas.microsoft.com/office/powerpoint/2010/main" val="3432092158"/>
+        <p14:creationId xmlns:p14="http://schemas.microsoft.com/office/powerpoint/2010/main" val="2610960858"/>
       </p:ext>
     </p:extLst>
   </p:cSld>
@@ -7929,6 +8024,10 @@
           <a:bodyPr/>
           <a:lstStyle/>
           <a:p>
+            <a:r>
+              <a:rPr lang="es-PE" dirty="0" smtClean="0"/>
+              <a:t>Qué nos motiva a mejorar el código.</a:t>
+            </a:r>
             <a:endParaRPr lang="es-PE" dirty="0"/>
           </a:p>
         </p:txBody>
@@ -7950,7 +8049,7 @@
           <a:p>
             <a:fld id="{80C14895-23C8-45AE-85D5-3B35E5980A68}" type="slidenum">
               <a:rPr lang="es-PE" smtClean="0"/>
-              <a:t>45</a:t>
+              <a:t>44</a:t>
             </a:fld>
             <a:endParaRPr lang="es-PE"/>
           </a:p>
@@ -7959,7 +8058,7 @@
     </p:spTree>
     <p:extLst>
       <p:ext uri="{BB962C8B-B14F-4D97-AF65-F5344CB8AC3E}">
-        <p14:creationId xmlns:p14="http://schemas.microsoft.com/office/powerpoint/2010/main" val="3432092158"/>
+        <p14:creationId xmlns:p14="http://schemas.microsoft.com/office/powerpoint/2010/main" val="3098316260"/>
       </p:ext>
     </p:extLst>
   </p:cSld>
@@ -8097,6 +8196,10 @@
           <a:bodyPr/>
           <a:lstStyle/>
           <a:p>
+            <a:pPr marL="171450" indent="-171450">
+              <a:buFontTx/>
+              <a:buChar char="-"/>
+            </a:pPr>
             <a:endParaRPr lang="es-PE" dirty="0"/>
           </a:p>
         </p:txBody>
@@ -8181,6 +8284,10 @@
           <a:bodyPr/>
           <a:lstStyle/>
           <a:p>
+            <a:pPr marL="171450" indent="-171450">
+              <a:buFontTx/>
+              <a:buChar char="-"/>
+            </a:pPr>
             <a:endParaRPr lang="es-PE" dirty="0"/>
           </a:p>
         </p:txBody>
@@ -8305,6 +8412,258 @@
 </p:notes>
 </file>
 
+<file path=ppt/notesSlides/notesSlide27.xml><?xml version="1.0" encoding="utf-8"?>
+<p:notes xmlns:a="http://schemas.openxmlformats.org/drawingml/2006/main" xmlns:r="http://schemas.openxmlformats.org/officeDocument/2006/relationships" xmlns:p="http://schemas.openxmlformats.org/presentationml/2006/main">
+  <p:cSld>
+    <p:spTree>
+      <p:nvGrpSpPr>
+        <p:cNvPr id="1" name=""/>
+        <p:cNvGrpSpPr/>
+        <p:nvPr/>
+      </p:nvGrpSpPr>
+      <p:grpSpPr>
+        <a:xfrm>
+          <a:off x="0" y="0"/>
+          <a:ext cx="0" cy="0"/>
+          <a:chOff x="0" y="0"/>
+          <a:chExt cx="0" cy="0"/>
+        </a:xfrm>
+      </p:grpSpPr>
+      <p:sp>
+        <p:nvSpPr>
+          <p:cNvPr id="2" name="1 Marcador de imagen de diapositiva"/>
+          <p:cNvSpPr>
+            <a:spLocks noGrp="1" noRot="1" noChangeAspect="1"/>
+          </p:cNvSpPr>
+          <p:nvPr>
+            <p:ph type="sldImg"/>
+          </p:nvPr>
+        </p:nvSpPr>
+        <p:spPr/>
+      </p:sp>
+      <p:sp>
+        <p:nvSpPr>
+          <p:cNvPr id="3" name="2 Marcador de notas"/>
+          <p:cNvSpPr>
+            <a:spLocks noGrp="1"/>
+          </p:cNvSpPr>
+          <p:nvPr>
+            <p:ph type="body" idx="1"/>
+          </p:nvPr>
+        </p:nvSpPr>
+        <p:spPr/>
+        <p:txBody>
+          <a:bodyPr/>
+          <a:lstStyle/>
+          <a:p>
+            <a:endParaRPr lang="es-PE" dirty="0"/>
+          </a:p>
+        </p:txBody>
+      </p:sp>
+      <p:sp>
+        <p:nvSpPr>
+          <p:cNvPr id="4" name="3 Marcador de número de diapositiva"/>
+          <p:cNvSpPr>
+            <a:spLocks noGrp="1"/>
+          </p:cNvSpPr>
+          <p:nvPr>
+            <p:ph type="sldNum" sz="quarter" idx="10"/>
+          </p:nvPr>
+        </p:nvSpPr>
+        <p:spPr/>
+        <p:txBody>
+          <a:bodyPr/>
+          <a:lstStyle/>
+          <a:p>
+            <a:fld id="{80C14895-23C8-45AE-85D5-3B35E5980A68}" type="slidenum">
+              <a:rPr lang="es-PE" smtClean="0"/>
+              <a:t>50</a:t>
+            </a:fld>
+            <a:endParaRPr lang="es-PE"/>
+          </a:p>
+        </p:txBody>
+      </p:sp>
+    </p:spTree>
+    <p:extLst>
+      <p:ext uri="{BB962C8B-B14F-4D97-AF65-F5344CB8AC3E}">
+        <p14:creationId xmlns:p14="http://schemas.microsoft.com/office/powerpoint/2010/main" val="3432092158"/>
+      </p:ext>
+    </p:extLst>
+  </p:cSld>
+  <p:clrMapOvr>
+    <a:masterClrMapping/>
+  </p:clrMapOvr>
+</p:notes>
+</file>
+
+<file path=ppt/notesSlides/notesSlide28.xml><?xml version="1.0" encoding="utf-8"?>
+<p:notes xmlns:a="http://schemas.openxmlformats.org/drawingml/2006/main" xmlns:r="http://schemas.openxmlformats.org/officeDocument/2006/relationships" xmlns:p="http://schemas.openxmlformats.org/presentationml/2006/main">
+  <p:cSld>
+    <p:spTree>
+      <p:nvGrpSpPr>
+        <p:cNvPr id="1" name=""/>
+        <p:cNvGrpSpPr/>
+        <p:nvPr/>
+      </p:nvGrpSpPr>
+      <p:grpSpPr>
+        <a:xfrm>
+          <a:off x="0" y="0"/>
+          <a:ext cx="0" cy="0"/>
+          <a:chOff x="0" y="0"/>
+          <a:chExt cx="0" cy="0"/>
+        </a:xfrm>
+      </p:grpSpPr>
+      <p:sp>
+        <p:nvSpPr>
+          <p:cNvPr id="2" name="1 Marcador de imagen de diapositiva"/>
+          <p:cNvSpPr>
+            <a:spLocks noGrp="1" noRot="1" noChangeAspect="1"/>
+          </p:cNvSpPr>
+          <p:nvPr>
+            <p:ph type="sldImg"/>
+          </p:nvPr>
+        </p:nvSpPr>
+        <p:spPr/>
+      </p:sp>
+      <p:sp>
+        <p:nvSpPr>
+          <p:cNvPr id="3" name="2 Marcador de notas"/>
+          <p:cNvSpPr>
+            <a:spLocks noGrp="1"/>
+          </p:cNvSpPr>
+          <p:nvPr>
+            <p:ph type="body" idx="1"/>
+          </p:nvPr>
+        </p:nvSpPr>
+        <p:spPr/>
+        <p:txBody>
+          <a:bodyPr/>
+          <a:lstStyle/>
+          <a:p>
+            <a:endParaRPr lang="es-PE" dirty="0"/>
+          </a:p>
+        </p:txBody>
+      </p:sp>
+      <p:sp>
+        <p:nvSpPr>
+          <p:cNvPr id="4" name="3 Marcador de número de diapositiva"/>
+          <p:cNvSpPr>
+            <a:spLocks noGrp="1"/>
+          </p:cNvSpPr>
+          <p:nvPr>
+            <p:ph type="sldNum" sz="quarter" idx="10"/>
+          </p:nvPr>
+        </p:nvSpPr>
+        <p:spPr/>
+        <p:txBody>
+          <a:bodyPr/>
+          <a:lstStyle/>
+          <a:p>
+            <a:fld id="{80C14895-23C8-45AE-85D5-3B35E5980A68}" type="slidenum">
+              <a:rPr lang="es-PE" smtClean="0"/>
+              <a:t>51</a:t>
+            </a:fld>
+            <a:endParaRPr lang="es-PE"/>
+          </a:p>
+        </p:txBody>
+      </p:sp>
+    </p:spTree>
+    <p:extLst>
+      <p:ext uri="{BB962C8B-B14F-4D97-AF65-F5344CB8AC3E}">
+        <p14:creationId xmlns:p14="http://schemas.microsoft.com/office/powerpoint/2010/main" val="3432092158"/>
+      </p:ext>
+    </p:extLst>
+  </p:cSld>
+  <p:clrMapOvr>
+    <a:masterClrMapping/>
+  </p:clrMapOvr>
+</p:notes>
+</file>
+
+<file path=ppt/notesSlides/notesSlide29.xml><?xml version="1.0" encoding="utf-8"?>
+<p:notes xmlns:a="http://schemas.openxmlformats.org/drawingml/2006/main" xmlns:r="http://schemas.openxmlformats.org/officeDocument/2006/relationships" xmlns:p="http://schemas.openxmlformats.org/presentationml/2006/main">
+  <p:cSld>
+    <p:spTree>
+      <p:nvGrpSpPr>
+        <p:cNvPr id="1" name=""/>
+        <p:cNvGrpSpPr/>
+        <p:nvPr/>
+      </p:nvGrpSpPr>
+      <p:grpSpPr>
+        <a:xfrm>
+          <a:off x="0" y="0"/>
+          <a:ext cx="0" cy="0"/>
+          <a:chOff x="0" y="0"/>
+          <a:chExt cx="0" cy="0"/>
+        </a:xfrm>
+      </p:grpSpPr>
+      <p:sp>
+        <p:nvSpPr>
+          <p:cNvPr id="2" name="1 Marcador de imagen de diapositiva"/>
+          <p:cNvSpPr>
+            <a:spLocks noGrp="1" noRot="1" noChangeAspect="1"/>
+          </p:cNvSpPr>
+          <p:nvPr>
+            <p:ph type="sldImg"/>
+          </p:nvPr>
+        </p:nvSpPr>
+        <p:spPr/>
+      </p:sp>
+      <p:sp>
+        <p:nvSpPr>
+          <p:cNvPr id="3" name="2 Marcador de notas"/>
+          <p:cNvSpPr>
+            <a:spLocks noGrp="1"/>
+          </p:cNvSpPr>
+          <p:nvPr>
+            <p:ph type="body" idx="1"/>
+          </p:nvPr>
+        </p:nvSpPr>
+        <p:spPr/>
+        <p:txBody>
+          <a:bodyPr/>
+          <a:lstStyle/>
+          <a:p>
+            <a:endParaRPr lang="es-PE" dirty="0"/>
+          </a:p>
+        </p:txBody>
+      </p:sp>
+      <p:sp>
+        <p:nvSpPr>
+          <p:cNvPr id="4" name="3 Marcador de número de diapositiva"/>
+          <p:cNvSpPr>
+            <a:spLocks noGrp="1"/>
+          </p:cNvSpPr>
+          <p:nvPr>
+            <p:ph type="sldNum" sz="quarter" idx="10"/>
+          </p:nvPr>
+        </p:nvSpPr>
+        <p:spPr/>
+        <p:txBody>
+          <a:bodyPr/>
+          <a:lstStyle/>
+          <a:p>
+            <a:fld id="{80C14895-23C8-45AE-85D5-3B35E5980A68}" type="slidenum">
+              <a:rPr lang="es-PE" smtClean="0"/>
+              <a:t>52</a:t>
+            </a:fld>
+            <a:endParaRPr lang="es-PE"/>
+          </a:p>
+        </p:txBody>
+      </p:sp>
+    </p:spTree>
+    <p:extLst>
+      <p:ext uri="{BB962C8B-B14F-4D97-AF65-F5344CB8AC3E}">
+        <p14:creationId xmlns:p14="http://schemas.microsoft.com/office/powerpoint/2010/main" val="3432092158"/>
+      </p:ext>
+    </p:extLst>
+  </p:cSld>
+  <p:clrMapOvr>
+    <a:masterClrMapping/>
+  </p:clrMapOvr>
+</p:notes>
+</file>
+
 <file path=ppt/notesSlides/notesSlide3.xml><?xml version="1.0" encoding="utf-8"?>
 <p:notes xmlns:a="http://schemas.openxmlformats.org/drawingml/2006/main" xmlns:r="http://schemas.openxmlformats.org/officeDocument/2006/relationships" xmlns:p="http://schemas.openxmlformats.org/presentationml/2006/main">
   <p:cSld>
@@ -8484,11 +8843,7 @@
           <a:p>
             <a:r>
               <a:rPr lang="en-US" i="1" dirty="0" smtClean="0"/>
-              <a:t>In </a:t>
-            </a:r>
-            <a:r>
-              <a:rPr lang="en-US" i="1" dirty="0" smtClean="0"/>
-              <a:t>this metaphor, doing things the quick and dirty way sets us up with a technical debt, which is similar to a financial debt. Like a financial debt, the technical debt incurs interest payments, which come in the form of the extra effort that we have to do in future development because of the quick and dirty design choice. We can choose to continue paying the interest, or we can pay down the principal by refactoring the quick and dirty design into the better design. Although it costs to pay down the principal, we gain by reduced interest payments in the future.</a:t>
+              <a:t>In this metaphor, doing things the quick and dirty way sets us up with a technical debt, which is similar to a financial debt. Like a financial debt, the technical debt incurs interest payments, which come in the form of the extra effort that we have to do in future development because of the quick and dirty design choice. We can choose to continue paying the interest, or we can pay down the principal by refactoring the quick and dirty design into the better design. Although it costs to pay down the principal, we gain by reduced interest payments in the future.</a:t>
             </a:r>
           </a:p>
           <a:p>
@@ -8802,6 +9157,90 @@
     <p:extLst>
       <p:ext uri="{BB962C8B-B14F-4D97-AF65-F5344CB8AC3E}">
         <p14:creationId xmlns:p14="http://schemas.microsoft.com/office/powerpoint/2010/main" val="3614550747"/>
+      </p:ext>
+    </p:extLst>
+  </p:cSld>
+  <p:clrMapOvr>
+    <a:masterClrMapping/>
+  </p:clrMapOvr>
+</p:notes>
+</file>
+
+<file path=ppt/notesSlides/notesSlide30.xml><?xml version="1.0" encoding="utf-8"?>
+<p:notes xmlns:a="http://schemas.openxmlformats.org/drawingml/2006/main" xmlns:r="http://schemas.openxmlformats.org/officeDocument/2006/relationships" xmlns:p="http://schemas.openxmlformats.org/presentationml/2006/main">
+  <p:cSld>
+    <p:spTree>
+      <p:nvGrpSpPr>
+        <p:cNvPr id="1" name=""/>
+        <p:cNvGrpSpPr/>
+        <p:nvPr/>
+      </p:nvGrpSpPr>
+      <p:grpSpPr>
+        <a:xfrm>
+          <a:off x="0" y="0"/>
+          <a:ext cx="0" cy="0"/>
+          <a:chOff x="0" y="0"/>
+          <a:chExt cx="0" cy="0"/>
+        </a:xfrm>
+      </p:grpSpPr>
+      <p:sp>
+        <p:nvSpPr>
+          <p:cNvPr id="2" name="1 Marcador de imagen de diapositiva"/>
+          <p:cNvSpPr>
+            <a:spLocks noGrp="1" noRot="1" noChangeAspect="1"/>
+          </p:cNvSpPr>
+          <p:nvPr>
+            <p:ph type="sldImg"/>
+          </p:nvPr>
+        </p:nvSpPr>
+        <p:spPr/>
+      </p:sp>
+      <p:sp>
+        <p:nvSpPr>
+          <p:cNvPr id="3" name="2 Marcador de notas"/>
+          <p:cNvSpPr>
+            <a:spLocks noGrp="1"/>
+          </p:cNvSpPr>
+          <p:nvPr>
+            <p:ph type="body" idx="1"/>
+          </p:nvPr>
+        </p:nvSpPr>
+        <p:spPr/>
+        <p:txBody>
+          <a:bodyPr/>
+          <a:lstStyle/>
+          <a:p>
+            <a:endParaRPr lang="es-PE" dirty="0"/>
+          </a:p>
+        </p:txBody>
+      </p:sp>
+      <p:sp>
+        <p:nvSpPr>
+          <p:cNvPr id="4" name="3 Marcador de número de diapositiva"/>
+          <p:cNvSpPr>
+            <a:spLocks noGrp="1"/>
+          </p:cNvSpPr>
+          <p:nvPr>
+            <p:ph type="sldNum" sz="quarter" idx="10"/>
+          </p:nvPr>
+        </p:nvSpPr>
+        <p:spPr/>
+        <p:txBody>
+          <a:bodyPr/>
+          <a:lstStyle/>
+          <a:p>
+            <a:fld id="{80C14895-23C8-45AE-85D5-3B35E5980A68}" type="slidenum">
+              <a:rPr lang="es-PE" smtClean="0"/>
+              <a:t>53</a:t>
+            </a:fld>
+            <a:endParaRPr lang="es-PE"/>
+          </a:p>
+        </p:txBody>
+      </p:sp>
+    </p:spTree>
+    <p:extLst>
+      <p:ext uri="{BB962C8B-B14F-4D97-AF65-F5344CB8AC3E}">
+        <p14:creationId xmlns:p14="http://schemas.microsoft.com/office/powerpoint/2010/main" val="3432092158"/>
       </p:ext>
     </p:extLst>
   </p:cSld>
@@ -8929,11 +9368,7 @@
             </a:pPr>
             <a:r>
               <a:rPr lang="es-PE" sz="1200" dirty="0" smtClean="0"/>
-              <a:t>Rotación </a:t>
-            </a:r>
-            <a:r>
-              <a:rPr lang="es-PE" sz="1200" dirty="0" smtClean="0"/>
-              <a:t>de personal</a:t>
+              <a:t>Rotación de personal</a:t>
             </a:r>
           </a:p>
           <a:p>
@@ -9803,7 +10238,7 @@
             <a:fld id="{807CB568-C05F-482F-9F26-AA302B8892DF}" type="datetimeFigureOut">
               <a:rPr lang="es-ES" smtClean="0"/>
               <a:pPr/>
-              <a:t>02/06/2013</a:t>
+              <a:t>03/06/2013</a:t>
             </a:fld>
             <a:endParaRPr lang="es-ES"/>
           </a:p>
@@ -9982,7 +10417,7 @@
             <a:fld id="{807CB568-C05F-482F-9F26-AA302B8892DF}" type="datetimeFigureOut">
               <a:rPr lang="es-ES" smtClean="0"/>
               <a:pPr/>
-              <a:t>02/06/2013</a:t>
+              <a:t>03/06/2013</a:t>
             </a:fld>
             <a:endParaRPr lang="es-ES"/>
           </a:p>
@@ -10171,7 +10606,7 @@
             <a:fld id="{807CB568-C05F-482F-9F26-AA302B8892DF}" type="datetimeFigureOut">
               <a:rPr lang="es-ES" smtClean="0"/>
               <a:pPr/>
-              <a:t>02/06/2013</a:t>
+              <a:t>03/06/2013</a:t>
             </a:fld>
             <a:endParaRPr lang="es-ES"/>
           </a:p>
@@ -10350,7 +10785,7 @@
             <a:fld id="{807CB568-C05F-482F-9F26-AA302B8892DF}" type="datetimeFigureOut">
               <a:rPr lang="es-ES" smtClean="0"/>
               <a:pPr/>
-              <a:t>02/06/2013</a:t>
+              <a:t>03/06/2013</a:t>
             </a:fld>
             <a:endParaRPr lang="es-ES"/>
           </a:p>
@@ -10605,7 +11040,7 @@
             <a:fld id="{807CB568-C05F-482F-9F26-AA302B8892DF}" type="datetimeFigureOut">
               <a:rPr lang="es-ES" smtClean="0"/>
               <a:pPr/>
-              <a:t>02/06/2013</a:t>
+              <a:t>03/06/2013</a:t>
             </a:fld>
             <a:endParaRPr lang="es-ES"/>
           </a:p>
@@ -10902,7 +11337,7 @@
             <a:fld id="{807CB568-C05F-482F-9F26-AA302B8892DF}" type="datetimeFigureOut">
               <a:rPr lang="es-ES" smtClean="0"/>
               <a:pPr/>
-              <a:t>02/06/2013</a:t>
+              <a:t>03/06/2013</a:t>
             </a:fld>
             <a:endParaRPr lang="es-ES"/>
           </a:p>
@@ -11333,7 +11768,7 @@
             <a:fld id="{807CB568-C05F-482F-9F26-AA302B8892DF}" type="datetimeFigureOut">
               <a:rPr lang="es-ES" smtClean="0"/>
               <a:pPr/>
-              <a:t>02/06/2013</a:t>
+              <a:t>03/06/2013</a:t>
             </a:fld>
             <a:endParaRPr lang="es-ES"/>
           </a:p>
@@ -11460,7 +11895,7 @@
             <a:fld id="{807CB568-C05F-482F-9F26-AA302B8892DF}" type="datetimeFigureOut">
               <a:rPr lang="es-ES" smtClean="0"/>
               <a:pPr/>
-              <a:t>02/06/2013</a:t>
+              <a:t>03/06/2013</a:t>
             </a:fld>
             <a:endParaRPr lang="es-ES"/>
           </a:p>
@@ -11564,7 +11999,7 @@
             <a:fld id="{807CB568-C05F-482F-9F26-AA302B8892DF}" type="datetimeFigureOut">
               <a:rPr lang="es-ES" smtClean="0"/>
               <a:pPr/>
-              <a:t>02/06/2013</a:t>
+              <a:t>03/06/2013</a:t>
             </a:fld>
             <a:endParaRPr lang="es-ES"/>
           </a:p>
@@ -11850,7 +12285,7 @@
             <a:fld id="{807CB568-C05F-482F-9F26-AA302B8892DF}" type="datetimeFigureOut">
               <a:rPr lang="es-ES" smtClean="0"/>
               <a:pPr/>
-              <a:t>02/06/2013</a:t>
+              <a:t>03/06/2013</a:t>
             </a:fld>
             <a:endParaRPr lang="es-ES"/>
           </a:p>
@@ -12119,7 +12554,7 @@
             <a:fld id="{807CB568-C05F-482F-9F26-AA302B8892DF}" type="datetimeFigureOut">
               <a:rPr lang="es-ES" smtClean="0"/>
               <a:pPr/>
-              <a:t>02/06/2013</a:t>
+              <a:t>03/06/2013</a:t>
             </a:fld>
             <a:endParaRPr lang="es-ES"/>
           </a:p>
@@ -12370,7 +12805,7 @@
             <a:fld id="{807CB568-C05F-482F-9F26-AA302B8892DF}" type="datetimeFigureOut">
               <a:rPr lang="es-ES" smtClean="0"/>
               <a:pPr/>
-              <a:t>02/06/2013</a:t>
+              <a:t>03/06/2013</a:t>
             </a:fld>
             <a:endParaRPr lang="es-ES"/>
           </a:p>
@@ -13007,11 +13442,7 @@
           <a:p>
             <a:r>
               <a:rPr lang="en-US" sz="2200" dirty="0" smtClean="0"/>
-              <a:t>"Technical Debt, Code </a:t>
-            </a:r>
-            <a:r>
-              <a:rPr lang="en-US" sz="2200" dirty="0" smtClean="0"/>
-              <a:t>Smells and Refactoring"</a:t>
+              <a:t>"Technical Debt, Code Smells and Refactoring"</a:t>
             </a:r>
             <a:r>
               <a:rPr lang="en-US" sz="2200" dirty="0"/>
@@ -13237,15 +13668,7 @@
                   <a:srgbClr val="009A46"/>
                 </a:solidFill>
               </a:rPr>
-              <a:t>¿Por qu</a:t>
-            </a:r>
-            <a:r>
-              <a:rPr lang="es-PE" dirty="0" smtClean="0">
-                <a:solidFill>
-                  <a:srgbClr val="009A46"/>
-                </a:solidFill>
-              </a:rPr>
-              <a:t>é esta metáfora es particularmente importante</a:t>
+              <a:t>¿Por qué esta metáfora es particularmente importante</a:t>
             </a:r>
             <a:r>
               <a:rPr lang="en-US" dirty="0" smtClean="0">
@@ -13586,7 +14009,6 @@
               <a:rPr lang="en-US" sz="2800" dirty="0" smtClean="0"/>
               <a:t>Frequent Refactoring</a:t>
             </a:r>
-            <a:endParaRPr lang="en-US" sz="2800" dirty="0" smtClean="0"/>
           </a:p>
           <a:p>
             <a:pPr marL="342900" indent="-342900">
@@ -13654,7 +14076,6 @@
               <a:rPr lang="en-US" sz="2800" dirty="0" smtClean="0"/>
               <a:t>… … … …</a:t>
             </a:r>
-            <a:endParaRPr lang="en-US" sz="2800" dirty="0" smtClean="0"/>
           </a:p>
         </p:txBody>
       </p:sp>
@@ -15318,7 +15739,6 @@
               <a:rPr lang="es-PE" sz="2400" dirty="0"/>
               <a:t>al resto del grupo y discuten al respecto.</a:t>
             </a:r>
-            <a:endParaRPr lang="es-PE" sz="2400" dirty="0"/>
           </a:p>
         </p:txBody>
       </p:sp>
@@ -15779,8 +16199,31 @@
               <a:buChar char="•"/>
             </a:pPr>
             <a:r>
-              <a:rPr lang="es-PE" sz="2400" smtClean="0"/>
-              <a:t>Se mostrará imágenes con analogías que representen a los Code Smells.</a:t>
+              <a:rPr lang="es-PE" sz="2400" dirty="0" smtClean="0"/>
+              <a:t>Se mostrará imágenes con analogías que representen a los </a:t>
+            </a:r>
+            <a:r>
+              <a:rPr lang="es-PE" sz="2400" dirty="0" smtClean="0"/>
+              <a:t/>
+            </a:r>
+            <a:br>
+              <a:rPr lang="es-PE" sz="2400" dirty="0" smtClean="0"/>
+            </a:br>
+            <a:r>
+              <a:rPr lang="es-PE" sz="2400" dirty="0" err="1" smtClean="0"/>
+              <a:t>Code</a:t>
+            </a:r>
+            <a:r>
+              <a:rPr lang="es-PE" sz="2400" dirty="0" smtClean="0"/>
+              <a:t> </a:t>
+            </a:r>
+            <a:r>
+              <a:rPr lang="es-PE" sz="2400" dirty="0" err="1" smtClean="0"/>
+              <a:t>Smells</a:t>
+            </a:r>
+            <a:r>
+              <a:rPr lang="es-PE" sz="2400" dirty="0" smtClean="0"/>
+              <a:t>.</a:t>
             </a:r>
           </a:p>
           <a:p>
@@ -15788,7 +16231,7 @@
               <a:buFont typeface="Arial" pitchFamily="34" charset="0"/>
               <a:buChar char="•"/>
             </a:pPr>
-            <a:endParaRPr lang="es-PE" sz="2400" smtClean="0"/>
+            <a:endParaRPr lang="es-PE" sz="2400" dirty="0" smtClean="0"/>
           </a:p>
           <a:p>
             <a:pPr marL="285750" indent="-285750">
@@ -15796,8 +16239,32 @@
               <a:buChar char="•"/>
             </a:pPr>
             <a:r>
-              <a:rPr lang="es-PE" sz="2400" smtClean="0"/>
-              <a:t>Identificar de qué Code Smell se trata.</a:t>
+              <a:rPr lang="es-PE" sz="2400" dirty="0" smtClean="0"/>
+              <a:t>Identificar </a:t>
+            </a:r>
+            <a:r>
+              <a:rPr lang="es-PE" sz="2400" dirty="0" smtClean="0"/>
+              <a:t>entre todos de </a:t>
+            </a:r>
+            <a:r>
+              <a:rPr lang="es-PE" sz="2400" dirty="0" smtClean="0"/>
+              <a:t>qué </a:t>
+            </a:r>
+            <a:r>
+              <a:rPr lang="es-PE" sz="2400" dirty="0" err="1" smtClean="0"/>
+              <a:t>Code</a:t>
+            </a:r>
+            <a:r>
+              <a:rPr lang="es-PE" sz="2400" dirty="0" smtClean="0"/>
+              <a:t> </a:t>
+            </a:r>
+            <a:r>
+              <a:rPr lang="es-PE" sz="2400" dirty="0" err="1" smtClean="0"/>
+              <a:t>Smell</a:t>
+            </a:r>
+            <a:r>
+              <a:rPr lang="es-PE" sz="2400" dirty="0" smtClean="0"/>
+              <a:t> se trata.</a:t>
             </a:r>
           </a:p>
           <a:p>
@@ -15805,7 +16272,7 @@
               <a:buFont typeface="Arial" pitchFamily="34" charset="0"/>
               <a:buChar char="•"/>
             </a:pPr>
-            <a:endParaRPr lang="es-PE" sz="2400" smtClean="0"/>
+            <a:endParaRPr lang="es-PE" sz="2400" dirty="0" smtClean="0"/>
           </a:p>
           <a:p>
             <a:pPr marL="285750" indent="-285750">
@@ -15813,10 +16280,25 @@
               <a:buChar char="•"/>
             </a:pPr>
             <a:r>
-              <a:rPr lang="es-PE" sz="2400" smtClean="0"/>
-              <a:t>A la persona que le tocó ese Code Smell, se levanta y lo comparte con el resto.</a:t>
-            </a:r>
-            <a:endParaRPr lang="es-PE" sz="2400" smtClean="0"/>
+              <a:rPr lang="es-PE" sz="2400" dirty="0" smtClean="0"/>
+              <a:t>A la persona que le tocó ese </a:t>
+            </a:r>
+            <a:r>
+              <a:rPr lang="es-PE" sz="2400" dirty="0" err="1" smtClean="0"/>
+              <a:t>Code</a:t>
+            </a:r>
+            <a:r>
+              <a:rPr lang="es-PE" sz="2400" dirty="0" smtClean="0"/>
+              <a:t> </a:t>
+            </a:r>
+            <a:r>
+              <a:rPr lang="es-PE" sz="2400" dirty="0" err="1" smtClean="0"/>
+              <a:t>Smell</a:t>
+            </a:r>
+            <a:r>
+              <a:rPr lang="es-PE" sz="2400" dirty="0" smtClean="0"/>
+              <a:t>, se levanta y lo comparte con el resto.</a:t>
+            </a:r>
           </a:p>
         </p:txBody>
       </p:sp>
@@ -19202,7 +19684,7 @@
         <p:spPr>
           <a:xfrm>
             <a:off x="323529" y="2505085"/>
-            <a:ext cx="8496944" cy="1938992"/>
+            <a:ext cx="8496944" cy="2308324"/>
           </a:xfrm>
           <a:prstGeom prst="rect">
             <a:avLst/>
@@ -19248,7 +19730,11 @@
             </a:pPr>
             <a:r>
               <a:rPr lang="es-PE" sz="2400" dirty="0" smtClean="0"/>
-              <a:t>Identificar dentro del código, los </a:t>
+              <a:t>Identificar dentro del </a:t>
+            </a:r>
+            <a:r>
+              <a:rPr lang="es-PE" sz="2400" dirty="0" smtClean="0"/>
+              <a:t>código todos los </a:t>
             </a:r>
             <a:r>
               <a:rPr lang="es-PE" sz="2400" dirty="0" err="1" smtClean="0"/>
@@ -19256,9 +19742,23 @@
             </a:r>
             <a:r>
               <a:rPr lang="es-PE" sz="2400" dirty="0" smtClean="0"/>
-              <a:t> que le han sido a asignados a cada persona de la pareja.</a:t>
-            </a:r>
-            <a:endParaRPr lang="es-PE" sz="2400" dirty="0"/>
+              <a:t> que le han sido asignados al grupo.</a:t>
+            </a:r>
+            <a:br>
+              <a:rPr lang="es-PE" sz="2400" dirty="0" smtClean="0"/>
+            </a:br>
+            <a:r>
+              <a:rPr lang="es-PE" sz="2400" dirty="0" smtClean="0"/>
+              <a:t>(Apuntar la clase y método donde identifiquen el </a:t>
+            </a:r>
+            <a:r>
+              <a:rPr lang="es-PE" sz="2400" dirty="0" err="1" smtClean="0"/>
+              <a:t>smell</a:t>
+            </a:r>
+            <a:r>
+              <a:rPr lang="es-PE" sz="2400" dirty="0" smtClean="0"/>
+              <a:t>)</a:t>
+            </a:r>
           </a:p>
         </p:txBody>
       </p:sp>
@@ -19301,6 +19801,385 @@
       </p:grpSpPr>
       <p:sp>
         <p:nvSpPr>
+          <p:cNvPr id="3" name="2 Título"/>
+          <p:cNvSpPr>
+            <a:spLocks noGrp="1"/>
+          </p:cNvSpPr>
+          <p:nvPr>
+            <p:ph type="title"/>
+          </p:nvPr>
+        </p:nvSpPr>
+        <p:spPr>
+          <a:xfrm>
+            <a:off x="395536" y="1145654"/>
+            <a:ext cx="8229600" cy="2088232"/>
+          </a:xfrm>
+        </p:spPr>
+        <p:txBody>
+          <a:bodyPr/>
+          <a:lstStyle/>
+          <a:p>
+            <a:r>
+              <a:rPr lang="es-PE" dirty="0" smtClean="0">
+                <a:solidFill>
+                  <a:srgbClr val="FFC000"/>
+                </a:solidFill>
+              </a:rPr>
+              <a:t>Ejercicio </a:t>
+            </a:r>
+            <a:r>
+              <a:rPr lang="es-PE" dirty="0" smtClean="0">
+                <a:solidFill>
+                  <a:srgbClr val="00823B"/>
+                </a:solidFill>
+              </a:rPr>
+              <a:t/>
+            </a:r>
+            <a:br>
+              <a:rPr lang="es-PE" dirty="0" smtClean="0">
+                <a:solidFill>
+                  <a:srgbClr val="00823B"/>
+                </a:solidFill>
+              </a:rPr>
+            </a:br>
+            <a:r>
+              <a:rPr lang="es-PE" dirty="0" smtClean="0">
+                <a:solidFill>
+                  <a:srgbClr val="00823B"/>
+                </a:solidFill>
+              </a:rPr>
+              <a:t>Aprender y reconocer </a:t>
+            </a:r>
+            <a:r>
+              <a:rPr lang="es-PE" dirty="0" err="1" smtClean="0">
+                <a:solidFill>
+                  <a:srgbClr val="00823B"/>
+                </a:solidFill>
+              </a:rPr>
+              <a:t>Code</a:t>
+            </a:r>
+            <a:r>
+              <a:rPr lang="es-PE" dirty="0" smtClean="0">
+                <a:solidFill>
+                  <a:srgbClr val="00823B"/>
+                </a:solidFill>
+              </a:rPr>
+              <a:t> </a:t>
+            </a:r>
+            <a:r>
+              <a:rPr lang="es-PE" dirty="0" err="1" smtClean="0">
+                <a:solidFill>
+                  <a:srgbClr val="00823B"/>
+                </a:solidFill>
+              </a:rPr>
+              <a:t>Smells</a:t>
+            </a:r>
+            <a:r>
+              <a:rPr lang="es-PE" dirty="0" smtClean="0">
+                <a:solidFill>
+                  <a:srgbClr val="00823B"/>
+                </a:solidFill>
+              </a:rPr>
+              <a:t> dentro del código</a:t>
+            </a:r>
+            <a:endParaRPr lang="es-PE" dirty="0">
+              <a:solidFill>
+                <a:srgbClr val="00823B"/>
+              </a:solidFill>
+            </a:endParaRPr>
+          </a:p>
+        </p:txBody>
+      </p:sp>
+      <p:sp>
+        <p:nvSpPr>
+          <p:cNvPr id="4" name="3 CuadroTexto"/>
+          <p:cNvSpPr txBox="1"/>
+          <p:nvPr/>
+        </p:nvSpPr>
+        <p:spPr>
+          <a:xfrm>
+            <a:off x="611561" y="3462099"/>
+            <a:ext cx="7920879" cy="830997"/>
+          </a:xfrm>
+          <a:prstGeom prst="rect">
+            <a:avLst/>
+          </a:prstGeom>
+          <a:noFill/>
+        </p:spPr>
+        <p:txBody>
+          <a:bodyPr wrap="square" rtlCol="0">
+            <a:spAutoFit/>
+          </a:bodyPr>
+          <a:lstStyle/>
+          <a:p>
+            <a:pPr algn="ctr"/>
+            <a:r>
+              <a:rPr lang="es-PE" sz="2400" dirty="0" smtClean="0"/>
+              <a:t>En grupos, discutir y contrastar los resultados con las otras parejas del grupo.</a:t>
+            </a:r>
+            <a:endParaRPr lang="es-PE" sz="2400" dirty="0"/>
+          </a:p>
+        </p:txBody>
+      </p:sp>
+    </p:spTree>
+    <p:extLst>
+      <p:ext uri="{BB962C8B-B14F-4D97-AF65-F5344CB8AC3E}">
+        <p14:creationId xmlns:p14="http://schemas.microsoft.com/office/powerpoint/2010/main" val="843799895"/>
+      </p:ext>
+    </p:extLst>
+  </p:cSld>
+  <p:clrMapOvr>
+    <a:masterClrMapping/>
+  </p:clrMapOvr>
+  <p:timing>
+    <p:tnLst>
+      <p:par>
+        <p:cTn id="1" dur="indefinite" restart="never" nodeType="tmRoot"/>
+      </p:par>
+    </p:tnLst>
+  </p:timing>
+</p:sld>
+</file>
+
+<file path=ppt/slides/slide38.xml><?xml version="1.0" encoding="utf-8"?>
+<p:sld xmlns:a="http://schemas.openxmlformats.org/drawingml/2006/main" xmlns:r="http://schemas.openxmlformats.org/officeDocument/2006/relationships" xmlns:p="http://schemas.openxmlformats.org/presentationml/2006/main">
+  <p:cSld>
+    <p:spTree>
+      <p:nvGrpSpPr>
+        <p:cNvPr id="1" name=""/>
+        <p:cNvGrpSpPr/>
+        <p:nvPr/>
+      </p:nvGrpSpPr>
+      <p:grpSpPr>
+        <a:xfrm>
+          <a:off x="0" y="0"/>
+          <a:ext cx="0" cy="0"/>
+          <a:chOff x="0" y="0"/>
+          <a:chExt cx="0" cy="0"/>
+        </a:xfrm>
+      </p:grpSpPr>
+      <p:sp>
+        <p:nvSpPr>
+          <p:cNvPr id="3" name="2 Título"/>
+          <p:cNvSpPr>
+            <a:spLocks noGrp="1"/>
+          </p:cNvSpPr>
+          <p:nvPr>
+            <p:ph type="title"/>
+          </p:nvPr>
+        </p:nvSpPr>
+        <p:spPr>
+          <a:xfrm>
+            <a:off x="395536" y="628238"/>
+            <a:ext cx="8229600" cy="2088232"/>
+          </a:xfrm>
+        </p:spPr>
+        <p:txBody>
+          <a:bodyPr/>
+          <a:lstStyle/>
+          <a:p>
+            <a:r>
+              <a:rPr lang="es-PE" dirty="0" smtClean="0">
+                <a:solidFill>
+                  <a:srgbClr val="FFC000"/>
+                </a:solidFill>
+              </a:rPr>
+              <a:t>Ejercicio </a:t>
+            </a:r>
+            <a:r>
+              <a:rPr lang="es-PE" dirty="0" smtClean="0">
+                <a:solidFill>
+                  <a:srgbClr val="00823B"/>
+                </a:solidFill>
+              </a:rPr>
+              <a:t/>
+            </a:r>
+            <a:br>
+              <a:rPr lang="es-PE" dirty="0" smtClean="0">
+                <a:solidFill>
+                  <a:srgbClr val="00823B"/>
+                </a:solidFill>
+              </a:rPr>
+            </a:br>
+            <a:r>
+              <a:rPr lang="es-PE" dirty="0" smtClean="0">
+                <a:solidFill>
+                  <a:srgbClr val="00823B"/>
+                </a:solidFill>
+              </a:rPr>
+              <a:t>Aprender y reconocer </a:t>
+            </a:r>
+            <a:r>
+              <a:rPr lang="es-PE" dirty="0" err="1" smtClean="0">
+                <a:solidFill>
+                  <a:srgbClr val="00823B"/>
+                </a:solidFill>
+              </a:rPr>
+              <a:t>Code</a:t>
+            </a:r>
+            <a:r>
+              <a:rPr lang="es-PE" dirty="0" smtClean="0">
+                <a:solidFill>
+                  <a:srgbClr val="00823B"/>
+                </a:solidFill>
+              </a:rPr>
+              <a:t> </a:t>
+            </a:r>
+            <a:r>
+              <a:rPr lang="es-PE" dirty="0" err="1" smtClean="0">
+                <a:solidFill>
+                  <a:srgbClr val="00823B"/>
+                </a:solidFill>
+              </a:rPr>
+              <a:t>Smells</a:t>
+            </a:r>
+            <a:r>
+              <a:rPr lang="es-PE" dirty="0" smtClean="0">
+                <a:solidFill>
+                  <a:srgbClr val="00823B"/>
+                </a:solidFill>
+              </a:rPr>
+              <a:t> dentro del código</a:t>
+            </a:r>
+            <a:endParaRPr lang="es-PE" dirty="0">
+              <a:solidFill>
+                <a:srgbClr val="00823B"/>
+              </a:solidFill>
+            </a:endParaRPr>
+          </a:p>
+        </p:txBody>
+      </p:sp>
+      <p:sp>
+        <p:nvSpPr>
+          <p:cNvPr id="5" name="4 CuadroTexto"/>
+          <p:cNvSpPr txBox="1"/>
+          <p:nvPr/>
+        </p:nvSpPr>
+        <p:spPr>
+          <a:xfrm>
+            <a:off x="323529" y="2983592"/>
+            <a:ext cx="8496944" cy="1938992"/>
+          </a:xfrm>
+          <a:prstGeom prst="rect">
+            <a:avLst/>
+          </a:prstGeom>
+          <a:noFill/>
+        </p:spPr>
+        <p:txBody>
+          <a:bodyPr wrap="square" rtlCol="0">
+            <a:spAutoFit/>
+          </a:bodyPr>
+          <a:lstStyle/>
+          <a:p>
+            <a:pPr marL="285750" indent="-285750">
+              <a:buFont typeface="Arial" pitchFamily="34" charset="0"/>
+              <a:buChar char="•"/>
+            </a:pPr>
+            <a:r>
+              <a:rPr lang="es-PE" sz="2400" dirty="0" smtClean="0"/>
+              <a:t>Uno a uno nombraremos cada </a:t>
+            </a:r>
+            <a:r>
+              <a:rPr lang="es-PE" sz="2400" dirty="0" err="1" smtClean="0"/>
+              <a:t>Code</a:t>
+            </a:r>
+            <a:r>
+              <a:rPr lang="es-PE" sz="2400" dirty="0" smtClean="0"/>
+              <a:t> </a:t>
+            </a:r>
+            <a:r>
+              <a:rPr lang="es-PE" sz="2400" dirty="0" err="1" smtClean="0"/>
+              <a:t>Smell</a:t>
+            </a:r>
+            <a:r>
+              <a:rPr lang="es-PE" sz="2400" dirty="0" smtClean="0"/>
+              <a:t>.</a:t>
+            </a:r>
+            <a:endParaRPr lang="es-PE" sz="2400" dirty="0" smtClean="0"/>
+          </a:p>
+          <a:p>
+            <a:pPr marL="285750" indent="-285750">
+              <a:buFont typeface="Arial" pitchFamily="34" charset="0"/>
+              <a:buChar char="•"/>
+            </a:pPr>
+            <a:endParaRPr lang="es-PE" sz="2400" dirty="0" smtClean="0"/>
+          </a:p>
+          <a:p>
+            <a:pPr marL="285750" indent="-285750">
+              <a:buFont typeface="Arial" pitchFamily="34" charset="0"/>
+              <a:buChar char="•"/>
+            </a:pPr>
+            <a:r>
+              <a:rPr lang="es-PE" sz="2400" dirty="0" smtClean="0"/>
+              <a:t>Cualquier miembro del grupo donde le tocó ese </a:t>
+            </a:r>
+            <a:r>
+              <a:rPr lang="es-PE" sz="2400" dirty="0" err="1" smtClean="0"/>
+              <a:t>Code</a:t>
+            </a:r>
+            <a:r>
+              <a:rPr lang="es-PE" sz="2400" dirty="0" smtClean="0"/>
+              <a:t> </a:t>
+            </a:r>
+            <a:r>
+              <a:rPr lang="es-PE" sz="2400" dirty="0" err="1" smtClean="0"/>
+              <a:t>Smell</a:t>
+            </a:r>
+            <a:r>
+              <a:rPr lang="es-PE" sz="2400" dirty="0" smtClean="0"/>
+              <a:t> se levanta, explica al resto donde lo identificó y por qué </a:t>
+            </a:r>
+            <a:r>
+              <a:rPr lang="es-PE" sz="2400" dirty="0"/>
+              <a:t> </a:t>
+            </a:r>
+            <a:r>
+              <a:rPr lang="es-PE" sz="2400" dirty="0" smtClean="0"/>
+              <a:t>cree que se encuentra ahí.</a:t>
+            </a:r>
+            <a:endParaRPr lang="es-PE" sz="2400" dirty="0" smtClean="0"/>
+          </a:p>
+        </p:txBody>
+      </p:sp>
+    </p:spTree>
+    <p:extLst>
+      <p:ext uri="{BB962C8B-B14F-4D97-AF65-F5344CB8AC3E}">
+        <p14:creationId xmlns:p14="http://schemas.microsoft.com/office/powerpoint/2010/main" val="3224512098"/>
+      </p:ext>
+    </p:extLst>
+  </p:cSld>
+  <p:clrMapOvr>
+    <a:masterClrMapping/>
+  </p:clrMapOvr>
+  <p:timing>
+    <p:tnLst>
+      <p:par>
+        <p:cTn id="1" dur="indefinite" restart="never" nodeType="tmRoot"/>
+      </p:par>
+    </p:tnLst>
+  </p:timing>
+</p:sld>
+</file>
+
+<file path=ppt/slides/slide39.xml><?xml version="1.0" encoding="utf-8"?>
+<p:sld xmlns:a="http://schemas.openxmlformats.org/drawingml/2006/main" xmlns:r="http://schemas.openxmlformats.org/officeDocument/2006/relationships" xmlns:p="http://schemas.openxmlformats.org/presentationml/2006/main">
+  <p:cSld>
+    <p:spTree>
+      <p:nvGrpSpPr>
+        <p:cNvPr id="1" name=""/>
+        <p:cNvGrpSpPr/>
+        <p:nvPr/>
+      </p:nvGrpSpPr>
+      <p:grpSpPr>
+        <a:xfrm>
+          <a:off x="0" y="0"/>
+          <a:ext cx="0" cy="0"/>
+          <a:chOff x="0" y="0"/>
+          <a:chExt cx="0" cy="0"/>
+        </a:xfrm>
+      </p:grpSpPr>
+      <p:sp>
+        <p:nvSpPr>
           <p:cNvPr id="2" name="1 Título"/>
           <p:cNvSpPr>
             <a:spLocks noGrp="1"/>
@@ -19560,268 +20439,6 @@
     <p:extLst>
       <p:ext uri="{BB962C8B-B14F-4D97-AF65-F5344CB8AC3E}">
         <p14:creationId xmlns:p14="http://schemas.microsoft.com/office/powerpoint/2010/main" val="4245678843"/>
-      </p:ext>
-    </p:extLst>
-  </p:cSld>
-  <p:clrMapOvr>
-    <a:masterClrMapping/>
-  </p:clrMapOvr>
-  <p:timing>
-    <p:tnLst>
-      <p:par>
-        <p:cTn id="1" dur="indefinite" restart="never" nodeType="tmRoot"/>
-      </p:par>
-    </p:tnLst>
-  </p:timing>
-</p:sld>
-</file>
-
-<file path=ppt/slides/slide38.xml><?xml version="1.0" encoding="utf-8"?>
-<p:sld xmlns:a="http://schemas.openxmlformats.org/drawingml/2006/main" xmlns:r="http://schemas.openxmlformats.org/officeDocument/2006/relationships" xmlns:p="http://schemas.openxmlformats.org/presentationml/2006/main">
-  <p:cSld>
-    <p:spTree>
-      <p:nvGrpSpPr>
-        <p:cNvPr id="1" name=""/>
-        <p:cNvGrpSpPr/>
-        <p:nvPr/>
-      </p:nvGrpSpPr>
-      <p:grpSpPr>
-        <a:xfrm>
-          <a:off x="0" y="0"/>
-          <a:ext cx="0" cy="0"/>
-          <a:chOff x="0" y="0"/>
-          <a:chExt cx="0" cy="0"/>
-        </a:xfrm>
-      </p:grpSpPr>
-      <p:sp>
-        <p:nvSpPr>
-          <p:cNvPr id="3" name="2 Marcador de contenido"/>
-          <p:cNvSpPr>
-            <a:spLocks noGrp="1"/>
-          </p:cNvSpPr>
-          <p:nvPr>
-            <p:ph idx="1"/>
-          </p:nvPr>
-        </p:nvSpPr>
-        <p:spPr>
-          <a:xfrm>
-            <a:off x="467544" y="2752331"/>
-            <a:ext cx="8229600" cy="1468757"/>
-          </a:xfrm>
-        </p:spPr>
-        <p:txBody>
-          <a:bodyPr/>
-          <a:lstStyle/>
-          <a:p>
-            <a:pPr marL="0" indent="0" algn="ctr">
-              <a:buNone/>
-            </a:pPr>
-            <a:r>
-              <a:rPr lang="es-PE" dirty="0" smtClean="0"/>
-              <a:t>Ahora que sabemos </a:t>
-            </a:r>
-            <a:r>
-              <a:rPr lang="es-PE" sz="4400" dirty="0">
-                <a:solidFill>
-                  <a:srgbClr val="FFC000"/>
-                </a:solidFill>
-              </a:rPr>
-              <a:t>qué</a:t>
-            </a:r>
-            <a:r>
-              <a:rPr lang="es-PE" dirty="0">
-                <a:solidFill>
-                  <a:srgbClr val="FFC000"/>
-                </a:solidFill>
-              </a:rPr>
-              <a:t> </a:t>
-            </a:r>
-            <a:r>
-              <a:rPr lang="es-PE" dirty="0" smtClean="0"/>
-              <a:t>mejorar, vamos a aprender </a:t>
-            </a:r>
-            <a:r>
-              <a:rPr lang="es-PE" sz="4400" dirty="0" smtClean="0">
-                <a:solidFill>
-                  <a:srgbClr val="FFC000"/>
-                </a:solidFill>
-              </a:rPr>
-              <a:t>cómo</a:t>
-            </a:r>
-            <a:r>
-              <a:rPr lang="es-PE" sz="4400" dirty="0" smtClean="0"/>
-              <a:t> </a:t>
-            </a:r>
-            <a:r>
-              <a:rPr lang="es-PE" dirty="0" smtClean="0"/>
-              <a:t>mejorarlo.</a:t>
-            </a:r>
-            <a:endParaRPr lang="es-PE" dirty="0"/>
-          </a:p>
-        </p:txBody>
-      </p:sp>
-    </p:spTree>
-    <p:extLst>
-      <p:ext uri="{BB962C8B-B14F-4D97-AF65-F5344CB8AC3E}">
-        <p14:creationId xmlns:p14="http://schemas.microsoft.com/office/powerpoint/2010/main" val="4040939438"/>
-      </p:ext>
-    </p:extLst>
-  </p:cSld>
-  <p:clrMapOvr>
-    <a:masterClrMapping/>
-  </p:clrMapOvr>
-  <p:timing>
-    <p:tnLst>
-      <p:par>
-        <p:cTn id="1" dur="indefinite" restart="never" nodeType="tmRoot"/>
-      </p:par>
-    </p:tnLst>
-  </p:timing>
-</p:sld>
-</file>
-
-<file path=ppt/slides/slide39.xml><?xml version="1.0" encoding="utf-8"?>
-<p:sld xmlns:a="http://schemas.openxmlformats.org/drawingml/2006/main" xmlns:r="http://schemas.openxmlformats.org/officeDocument/2006/relationships" xmlns:p="http://schemas.openxmlformats.org/presentationml/2006/main">
-  <p:cSld>
-    <p:spTree>
-      <p:nvGrpSpPr>
-        <p:cNvPr id="1" name=""/>
-        <p:cNvGrpSpPr/>
-        <p:nvPr/>
-      </p:nvGrpSpPr>
-      <p:grpSpPr>
-        <a:xfrm>
-          <a:off x="0" y="0"/>
-          <a:ext cx="0" cy="0"/>
-          <a:chOff x="0" y="0"/>
-          <a:chExt cx="0" cy="0"/>
-        </a:xfrm>
-      </p:grpSpPr>
-      <p:sp>
-        <p:nvSpPr>
-          <p:cNvPr id="7" name="1 Título"/>
-          <p:cNvSpPr>
-            <a:spLocks noGrp="1"/>
-          </p:cNvSpPr>
-          <p:nvPr>
-            <p:ph type="title"/>
-          </p:nvPr>
-        </p:nvSpPr>
-        <p:spPr>
-          <a:xfrm>
-            <a:off x="493204" y="1124744"/>
-            <a:ext cx="8229600" cy="1143000"/>
-          </a:xfrm>
-        </p:spPr>
-        <p:txBody>
-          <a:bodyPr/>
-          <a:lstStyle/>
-          <a:p>
-            <a:r>
-              <a:rPr lang="es-PE" dirty="0" smtClean="0">
-                <a:solidFill>
-                  <a:srgbClr val="009A46"/>
-                </a:solidFill>
-              </a:rPr>
-              <a:t>¿Qué es </a:t>
-            </a:r>
-            <a:r>
-              <a:rPr lang="es-PE" dirty="0" err="1" smtClean="0">
-                <a:solidFill>
-                  <a:srgbClr val="009A46"/>
-                </a:solidFill>
-              </a:rPr>
-              <a:t>Refactoring</a:t>
-            </a:r>
-            <a:r>
-              <a:rPr lang="es-PE" dirty="0" smtClean="0">
-                <a:solidFill>
-                  <a:srgbClr val="009A46"/>
-                </a:solidFill>
-              </a:rPr>
-              <a:t> ?</a:t>
-            </a:r>
-            <a:endParaRPr lang="es-PE" dirty="0">
-              <a:solidFill>
-                <a:srgbClr val="009A46"/>
-              </a:solidFill>
-            </a:endParaRPr>
-          </a:p>
-        </p:txBody>
-      </p:sp>
-      <p:sp>
-        <p:nvSpPr>
-          <p:cNvPr id="3" name="2 CuadroTexto"/>
-          <p:cNvSpPr txBox="1"/>
-          <p:nvPr/>
-        </p:nvSpPr>
-        <p:spPr>
-          <a:xfrm>
-            <a:off x="899592" y="2348880"/>
-            <a:ext cx="7416824" cy="1384995"/>
-          </a:xfrm>
-          <a:prstGeom prst="rect">
-            <a:avLst/>
-          </a:prstGeom>
-          <a:noFill/>
-        </p:spPr>
-        <p:txBody>
-          <a:bodyPr wrap="square" rtlCol="0">
-            <a:spAutoFit/>
-          </a:bodyPr>
-          <a:lstStyle/>
-          <a:p>
-            <a:pPr algn="ctr"/>
-            <a:r>
-              <a:rPr lang="es-PE" sz="2800" i="1" dirty="0">
-                <a:latin typeface="Arial" pitchFamily="34" charset="0"/>
-                <a:cs typeface="Arial" pitchFamily="34" charset="0"/>
-              </a:rPr>
-              <a:t>Es una técnica disciplinada que nos permite mejorar la estructura interna del código sin alterar su comportamiento.</a:t>
-            </a:r>
-          </a:p>
-        </p:txBody>
-      </p:sp>
-      <p:sp>
-        <p:nvSpPr>
-          <p:cNvPr id="5" name="4 CuadroTexto"/>
-          <p:cNvSpPr txBox="1"/>
-          <p:nvPr/>
-        </p:nvSpPr>
-        <p:spPr>
-          <a:xfrm>
-            <a:off x="4420158" y="4136821"/>
-            <a:ext cx="3896258" cy="461665"/>
-          </a:xfrm>
-          <a:prstGeom prst="rect">
-            <a:avLst/>
-          </a:prstGeom>
-          <a:noFill/>
-        </p:spPr>
-        <p:txBody>
-          <a:bodyPr wrap="none" rtlCol="0">
-            <a:spAutoFit/>
-          </a:bodyPr>
-          <a:lstStyle/>
-          <a:p>
-            <a:pPr algn="ctr"/>
-            <a:r>
-              <a:rPr lang="es-PE" sz="2400" dirty="0">
-                <a:solidFill>
-                  <a:srgbClr val="FFC000"/>
-                </a:solidFill>
-                <a:latin typeface="Arial" pitchFamily="34" charset="0"/>
-                <a:cs typeface="Arial" pitchFamily="34" charset="0"/>
-              </a:rPr>
-              <a:t>http://www.refactoring.com/</a:t>
-            </a:r>
-          </a:p>
-        </p:txBody>
-      </p:sp>
-    </p:spTree>
-    <p:extLst>
-      <p:ext uri="{BB962C8B-B14F-4D97-AF65-F5344CB8AC3E}">
-        <p14:creationId xmlns:p14="http://schemas.microsoft.com/office/powerpoint/2010/main" val="3147889052"/>
       </p:ext>
     </p:extLst>
   </p:cSld>
@@ -19965,109 +20582,75 @@
       </p:grpSpPr>
       <p:sp>
         <p:nvSpPr>
-          <p:cNvPr id="7" name="1 Título"/>
+          <p:cNvPr id="3" name="2 Marcador de contenido"/>
           <p:cNvSpPr>
             <a:spLocks noGrp="1"/>
           </p:cNvSpPr>
           <p:nvPr>
-            <p:ph type="title"/>
+            <p:ph idx="1"/>
           </p:nvPr>
         </p:nvSpPr>
         <p:spPr>
           <a:xfrm>
-            <a:off x="493204" y="1196752"/>
-            <a:ext cx="8229600" cy="1143000"/>
+            <a:off x="467544" y="2752331"/>
+            <a:ext cx="8229600" cy="1468757"/>
           </a:xfrm>
         </p:spPr>
         <p:txBody>
           <a:bodyPr/>
           <a:lstStyle/>
           <a:p>
-            <a:r>
-              <a:rPr lang="es-PE" dirty="0" smtClean="0">
-                <a:solidFill>
-                  <a:srgbClr val="009A46"/>
-                </a:solidFill>
-              </a:rPr>
-              <a:t>¿Qué es </a:t>
-            </a:r>
-            <a:r>
-              <a:rPr lang="es-PE" dirty="0" err="1" smtClean="0">
-                <a:solidFill>
-                  <a:srgbClr val="009A46"/>
-                </a:solidFill>
-              </a:rPr>
-              <a:t>Refactoring</a:t>
-            </a:r>
-            <a:r>
-              <a:rPr lang="es-PE" dirty="0" smtClean="0">
-                <a:solidFill>
-                  <a:srgbClr val="009A46"/>
-                </a:solidFill>
-              </a:rPr>
-              <a:t> ?</a:t>
-            </a:r>
-            <a:endParaRPr lang="es-PE" dirty="0">
-              <a:solidFill>
-                <a:srgbClr val="009A46"/>
-              </a:solidFill>
-            </a:endParaRPr>
-          </a:p>
-        </p:txBody>
-      </p:sp>
-      <p:sp>
-        <p:nvSpPr>
-          <p:cNvPr id="3" name="2 CuadroTexto"/>
-          <p:cNvSpPr txBox="1"/>
-          <p:nvPr/>
-        </p:nvSpPr>
-        <p:spPr>
-          <a:xfrm>
-            <a:off x="899592" y="2420888"/>
-            <a:ext cx="7416824" cy="2462213"/>
-          </a:xfrm>
-          <a:prstGeom prst="rect">
-            <a:avLst/>
-          </a:prstGeom>
-          <a:noFill/>
-        </p:spPr>
-        <p:txBody>
-          <a:bodyPr wrap="square" rtlCol="0">
-            <a:spAutoFit/>
-          </a:bodyPr>
-          <a:lstStyle/>
-          <a:p>
-            <a:pPr algn="ctr"/>
-            <a:r>
-              <a:rPr lang="es-PE" sz="2800" dirty="0" smtClean="0"/>
-              <a:t>Mejorar la estructura interna de un sistema sin modificar su comportamiento.</a:t>
-            </a:r>
-          </a:p>
-          <a:p>
-            <a:pPr algn="ctr"/>
+            <a:pPr marL="0" indent="0" algn="ctr">
+              <a:buNone/>
+            </a:pPr>
+            <a:r>
+              <a:rPr lang="es-PE" dirty="0" smtClean="0"/>
+              <a:t>Ahora que sabemos </a:t>
+            </a:r>
+            <a:r>
+              <a:rPr lang="es-PE" sz="4400" dirty="0">
+                <a:solidFill>
+                  <a:srgbClr val="FFC000"/>
+                </a:solidFill>
+              </a:rPr>
+              <a:t>qué</a:t>
+            </a:r>
+            <a:r>
+              <a:rPr lang="es-PE" dirty="0">
+                <a:solidFill>
+                  <a:srgbClr val="FFC000"/>
+                </a:solidFill>
+              </a:rPr>
+              <a:t> </a:t>
+            </a:r>
+            <a:r>
+              <a:rPr lang="es-PE" dirty="0" smtClean="0"/>
+              <a:t>mejorar, vamos a aprender </a:t>
+            </a:r>
+            <a:r>
+              <a:rPr lang="es-PE" sz="4400" dirty="0" smtClean="0">
+                <a:solidFill>
+                  <a:srgbClr val="FFC000"/>
+                </a:solidFill>
+              </a:rPr>
+              <a:t>cómo</a:t>
+            </a:r>
             <a:r>
               <a:rPr lang="es-PE" sz="4400" dirty="0" smtClean="0"/>
-              <a:t>=</a:t>
-            </a:r>
-            <a:endParaRPr lang="es-PE" sz="4400" dirty="0"/>
-          </a:p>
-          <a:p>
-            <a:pPr algn="ctr"/>
-            <a:r>
-              <a:rPr lang="es-PE" sz="5400" dirty="0" smtClean="0">
-                <a:solidFill>
-                  <a:srgbClr val="FF0000"/>
-                </a:solidFill>
-              </a:rPr>
-              <a:t>Mejorar el diseño</a:t>
-            </a:r>
+              <a:t> </a:t>
+            </a:r>
+            <a:r>
+              <a:rPr lang="es-PE" dirty="0" smtClean="0"/>
+              <a:t>mejorarlo.</a:t>
+            </a:r>
+            <a:endParaRPr lang="es-PE" dirty="0"/>
           </a:p>
         </p:txBody>
       </p:sp>
     </p:spTree>
     <p:extLst>
       <p:ext uri="{BB962C8B-B14F-4D97-AF65-F5344CB8AC3E}">
-        <p14:creationId xmlns:p14="http://schemas.microsoft.com/office/powerpoint/2010/main" val="745560787"/>
+        <p14:creationId xmlns:p14="http://schemas.microsoft.com/office/powerpoint/2010/main" val="4040939438"/>
       </p:ext>
     </p:extLst>
   </p:cSld>
@@ -20113,7 +20696,7 @@
         </p:nvSpPr>
         <p:spPr>
           <a:xfrm>
-            <a:off x="467544" y="624751"/>
+            <a:off x="493204" y="1124744"/>
             <a:ext cx="8229600" cy="1143000"/>
           </a:xfrm>
         </p:spPr>
@@ -20127,7 +20710,23 @@
                   <a:srgbClr val="009A46"/>
                 </a:solidFill>
               </a:rPr>
-              <a:t>¿Por qué es importante?</a:t>
+              <a:t>¿Qué es </a:t>
+            </a:r>
+            <a:r>
+              <a:rPr lang="es-PE" dirty="0" err="1" smtClean="0">
+                <a:solidFill>
+                  <a:srgbClr val="009A46"/>
+                </a:solidFill>
+              </a:rPr>
+              <a:t>Refactoring</a:t>
+            </a:r>
+            <a:r>
+              <a:rPr lang="es-PE" dirty="0" smtClean="0">
+                <a:solidFill>
+                  <a:srgbClr val="009A46"/>
+                </a:solidFill>
+              </a:rPr>
+              <a:t> ?</a:t>
             </a:r>
             <a:endParaRPr lang="es-PE" dirty="0">
               <a:solidFill>
@@ -20139,330 +20738,69 @@
       </p:sp>
       <p:sp>
         <p:nvSpPr>
-          <p:cNvPr id="6" name="5 Marcador de contenido"/>
-          <p:cNvSpPr txBox="1">
-            <a:spLocks/>
-          </p:cNvSpPr>
+          <p:cNvPr id="3" name="2 CuadroTexto"/>
+          <p:cNvSpPr txBox="1"/>
           <p:nvPr/>
         </p:nvSpPr>
-        <p:spPr bwMode="auto">
+        <p:spPr>
           <a:xfrm>
-            <a:off x="899592" y="1848887"/>
-            <a:ext cx="7344816" cy="2232248"/>
+            <a:off x="899592" y="2348880"/>
+            <a:ext cx="7416824" cy="1384995"/>
           </a:xfrm>
           <a:prstGeom prst="rect">
             <a:avLst/>
           </a:prstGeom>
           <a:noFill/>
-          <a:ln w="9525">
-            <a:noFill/>
-            <a:miter lim="800000"/>
-            <a:headEnd/>
-            <a:tailEnd/>
-          </a:ln>
         </p:spPr>
         <p:txBody>
-          <a:bodyPr vert="horz" wrap="square" lIns="91440" tIns="45720" rIns="91440" bIns="45720" numCol="1" anchor="t" anchorCtr="0" compatLnSpc="1">
-            <a:prstTxWarp prst="textNoShape">
-              <a:avLst/>
-            </a:prstTxWarp>
+          <a:bodyPr wrap="square" rtlCol="0">
+            <a:spAutoFit/>
           </a:bodyPr>
-          <a:lstStyle>
-            <a:lvl1pPr marL="342900" indent="-342900" algn="l" rtl="0" eaLnBrk="1" fontAlgn="base" hangingPunct="1">
-              <a:spcBef>
-                <a:spcPct val="20000"/>
-              </a:spcBef>
-              <a:spcAft>
-                <a:spcPct val="0"/>
-              </a:spcAft>
-              <a:buFont typeface="Arial" charset="0"/>
-              <a:buChar char="•"/>
-              <a:defRPr sz="3200" kern="1200">
-                <a:solidFill>
-                  <a:schemeClr val="tx1"/>
-                </a:solidFill>
-                <a:latin typeface="+mn-lt"/>
-                <a:ea typeface="+mn-ea"/>
-                <a:cs typeface="+mn-cs"/>
-              </a:defRPr>
-            </a:lvl1pPr>
-            <a:lvl2pPr marL="742950" indent="-285750" algn="l" rtl="0" eaLnBrk="1" fontAlgn="base" hangingPunct="1">
-              <a:spcBef>
-                <a:spcPct val="20000"/>
-              </a:spcBef>
-              <a:spcAft>
-                <a:spcPct val="0"/>
-              </a:spcAft>
-              <a:buFont typeface="Arial" charset="0"/>
-              <a:buChar char="–"/>
-              <a:defRPr sz="2800" kern="1200">
-                <a:solidFill>
-                  <a:schemeClr val="tx1"/>
-                </a:solidFill>
-                <a:latin typeface="+mn-lt"/>
-                <a:ea typeface="+mn-ea"/>
-                <a:cs typeface="+mn-cs"/>
-              </a:defRPr>
-            </a:lvl2pPr>
-            <a:lvl3pPr marL="1143000" indent="-228600" algn="l" rtl="0" eaLnBrk="1" fontAlgn="base" hangingPunct="1">
-              <a:spcBef>
-                <a:spcPct val="20000"/>
-              </a:spcBef>
-              <a:spcAft>
-                <a:spcPct val="0"/>
-              </a:spcAft>
-              <a:buFont typeface="Arial" charset="0"/>
-              <a:buChar char="•"/>
-              <a:defRPr sz="2400" kern="1200">
-                <a:solidFill>
-                  <a:schemeClr val="tx1"/>
-                </a:solidFill>
-                <a:latin typeface="+mn-lt"/>
-                <a:ea typeface="+mn-ea"/>
-                <a:cs typeface="+mn-cs"/>
-              </a:defRPr>
-            </a:lvl3pPr>
-            <a:lvl4pPr marL="1600200" indent="-228600" algn="l" rtl="0" eaLnBrk="1" fontAlgn="base" hangingPunct="1">
-              <a:spcBef>
-                <a:spcPct val="20000"/>
-              </a:spcBef>
-              <a:spcAft>
-                <a:spcPct val="0"/>
-              </a:spcAft>
-              <a:buFont typeface="Arial" charset="0"/>
-              <a:buChar char="–"/>
-              <a:defRPr sz="2000" kern="1200">
-                <a:solidFill>
-                  <a:schemeClr val="tx1"/>
-                </a:solidFill>
-                <a:latin typeface="+mn-lt"/>
-                <a:ea typeface="+mn-ea"/>
-                <a:cs typeface="+mn-cs"/>
-              </a:defRPr>
-            </a:lvl4pPr>
-            <a:lvl5pPr marL="2057400" indent="-228600" algn="l" rtl="0" eaLnBrk="1" fontAlgn="base" hangingPunct="1">
-              <a:spcBef>
-                <a:spcPct val="20000"/>
-              </a:spcBef>
-              <a:spcAft>
-                <a:spcPct val="0"/>
-              </a:spcAft>
-              <a:buFont typeface="Arial" charset="0"/>
-              <a:buChar char="»"/>
-              <a:defRPr sz="2000" kern="1200">
-                <a:solidFill>
-                  <a:schemeClr val="tx1"/>
-                </a:solidFill>
-                <a:latin typeface="+mn-lt"/>
-                <a:ea typeface="+mn-ea"/>
-                <a:cs typeface="+mn-cs"/>
-              </a:defRPr>
-            </a:lvl5pPr>
-            <a:lvl6pPr marL="2514600" indent="-228600" algn="l" defTabSz="914400" rtl="0" eaLnBrk="1" latinLnBrk="0" hangingPunct="1">
-              <a:spcBef>
-                <a:spcPct val="20000"/>
-              </a:spcBef>
-              <a:buFont typeface="Arial" pitchFamily="34" charset="0"/>
-              <a:buChar char="•"/>
-              <a:defRPr sz="2000" kern="1200">
-                <a:solidFill>
-                  <a:schemeClr val="tx1"/>
-                </a:solidFill>
-                <a:latin typeface="+mn-lt"/>
-                <a:ea typeface="+mn-ea"/>
-                <a:cs typeface="+mn-cs"/>
-              </a:defRPr>
-            </a:lvl6pPr>
-            <a:lvl7pPr marL="2971800" indent="-228600" algn="l" defTabSz="914400" rtl="0" eaLnBrk="1" latinLnBrk="0" hangingPunct="1">
-              <a:spcBef>
-                <a:spcPct val="20000"/>
-              </a:spcBef>
-              <a:buFont typeface="Arial" pitchFamily="34" charset="0"/>
-              <a:buChar char="•"/>
-              <a:defRPr sz="2000" kern="1200">
-                <a:solidFill>
-                  <a:schemeClr val="tx1"/>
-                </a:solidFill>
-                <a:latin typeface="+mn-lt"/>
-                <a:ea typeface="+mn-ea"/>
-                <a:cs typeface="+mn-cs"/>
-              </a:defRPr>
-            </a:lvl7pPr>
-            <a:lvl8pPr marL="3429000" indent="-228600" algn="l" defTabSz="914400" rtl="0" eaLnBrk="1" latinLnBrk="0" hangingPunct="1">
-              <a:spcBef>
-                <a:spcPct val="20000"/>
-              </a:spcBef>
-              <a:buFont typeface="Arial" pitchFamily="34" charset="0"/>
-              <a:buChar char="•"/>
-              <a:defRPr sz="2000" kern="1200">
-                <a:solidFill>
-                  <a:schemeClr val="tx1"/>
-                </a:solidFill>
-                <a:latin typeface="+mn-lt"/>
-                <a:ea typeface="+mn-ea"/>
-                <a:cs typeface="+mn-cs"/>
-              </a:defRPr>
-            </a:lvl8pPr>
-            <a:lvl9pPr marL="3886200" indent="-228600" algn="l" defTabSz="914400" rtl="0" eaLnBrk="1" latinLnBrk="0" hangingPunct="1">
-              <a:spcBef>
-                <a:spcPct val="20000"/>
-              </a:spcBef>
-              <a:buFont typeface="Arial" pitchFamily="34" charset="0"/>
-              <a:buChar char="•"/>
-              <a:defRPr sz="2000" kern="1200">
-                <a:solidFill>
-                  <a:schemeClr val="tx1"/>
-                </a:solidFill>
-                <a:latin typeface="+mn-lt"/>
-                <a:ea typeface="+mn-ea"/>
-                <a:cs typeface="+mn-cs"/>
-              </a:defRPr>
-            </a:lvl9pPr>
-          </a:lstStyle>
-          <a:p>
-            <a:pPr marL="0" indent="0">
-              <a:buNone/>
-            </a:pPr>
-            <a:r>
-              <a:rPr lang="es-PE" sz="2800" dirty="0" smtClean="0"/>
-              <a:t>Por que si tenemos un código:</a:t>
-            </a:r>
-          </a:p>
-          <a:p>
-            <a:r>
-              <a:rPr lang="es-PE" sz="2800" dirty="0" smtClean="0"/>
-              <a:t>Poco entendible </a:t>
-            </a:r>
-          </a:p>
-          <a:p>
-            <a:r>
-              <a:rPr lang="es-PE" sz="2800" dirty="0" smtClean="0"/>
-              <a:t>Duplicado</a:t>
-            </a:r>
-          </a:p>
-          <a:p>
-            <a:r>
-              <a:rPr lang="es-PE" sz="2800" dirty="0" smtClean="0"/>
-              <a:t>Muy complejo</a:t>
+          <a:lstStyle/>
+          <a:p>
+            <a:pPr algn="ctr"/>
+            <a:r>
+              <a:rPr lang="es-PE" sz="2800" i="1" dirty="0">
+                <a:latin typeface="Arial" pitchFamily="34" charset="0"/>
+                <a:cs typeface="Arial" pitchFamily="34" charset="0"/>
+              </a:rPr>
+              <a:t>Es una técnica disciplinada que nos permite mejorar la estructura interna del código sin alterar su comportamiento.</a:t>
             </a:r>
           </a:p>
         </p:txBody>
       </p:sp>
       <p:sp>
         <p:nvSpPr>
-          <p:cNvPr id="2" name="1 Rectángulo"/>
-          <p:cNvSpPr/>
+          <p:cNvPr id="5" name="4 CuadroTexto"/>
+          <p:cNvSpPr txBox="1"/>
           <p:nvPr/>
         </p:nvSpPr>
         <p:spPr>
           <a:xfrm>
-            <a:off x="467544" y="4225151"/>
-            <a:ext cx="8208912" cy="1508105"/>
+            <a:off x="4420158" y="4136821"/>
+            <a:ext cx="3896258" cy="461665"/>
           </a:xfrm>
           <a:prstGeom prst="rect">
             <a:avLst/>
           </a:prstGeom>
+          <a:noFill/>
         </p:spPr>
         <p:txBody>
-          <a:bodyPr wrap="square">
+          <a:bodyPr wrap="none" rtlCol="0">
             <a:spAutoFit/>
           </a:bodyPr>
           <a:lstStyle/>
           <a:p>
             <a:pPr algn="ctr"/>
             <a:r>
-              <a:rPr lang="es-PE" sz="2800" dirty="0" smtClean="0">
-                <a:solidFill>
-                  <a:srgbClr val="FF0000"/>
-                </a:solidFill>
-              </a:rPr>
-              <a:t>Es difícil modificar </a:t>
-            </a:r>
-            <a:r>
-              <a:rPr lang="es-PE" sz="2800" dirty="0">
-                <a:solidFill>
-                  <a:srgbClr val="FF0000"/>
-                </a:solidFill>
-              </a:rPr>
-              <a:t>o agregar </a:t>
-            </a:r>
-            <a:r>
-              <a:rPr lang="es-PE" sz="2800" dirty="0" smtClean="0">
-                <a:solidFill>
-                  <a:srgbClr val="FF0000"/>
-                </a:solidFill>
-              </a:rPr>
-              <a:t>funcionalidad </a:t>
-            </a:r>
-            <a:br>
-              <a:rPr lang="es-PE" sz="2800" dirty="0" smtClean="0">
-                <a:solidFill>
-                  <a:srgbClr val="FF0000"/>
-                </a:solidFill>
-              </a:rPr>
-            </a:br>
-            <a:r>
-              <a:rPr lang="es-PE" sz="2800" dirty="0" smtClean="0">
-                <a:solidFill>
-                  <a:srgbClr val="FF0000"/>
-                </a:solidFill>
-              </a:rPr>
-              <a:t>(</a:t>
-            </a:r>
-            <a:r>
-              <a:rPr lang="es-PE" sz="3600" dirty="0" smtClean="0">
-                <a:solidFill>
-                  <a:srgbClr val="FF0000"/>
-                </a:solidFill>
-              </a:rPr>
-              <a:t>valor de negocio</a:t>
-            </a:r>
-            <a:r>
-              <a:rPr lang="es-PE" sz="2800" dirty="0" smtClean="0">
-                <a:solidFill>
-                  <a:srgbClr val="FF0000"/>
-                </a:solidFill>
-              </a:rPr>
-              <a:t>) </a:t>
-            </a:r>
-            <a:br>
-              <a:rPr lang="es-PE" sz="2800" dirty="0" smtClean="0">
-                <a:solidFill>
-                  <a:srgbClr val="FF0000"/>
-                </a:solidFill>
-              </a:rPr>
-            </a:br>
-            <a:r>
-              <a:rPr lang="es-PE" sz="2800" dirty="0" smtClean="0">
-                <a:solidFill>
-                  <a:srgbClr val="FF0000"/>
-                </a:solidFill>
-              </a:rPr>
-              <a:t>y </a:t>
-            </a:r>
-            <a:r>
-              <a:rPr lang="es-PE" sz="2800" dirty="0">
-                <a:solidFill>
-                  <a:srgbClr val="FF0000"/>
-                </a:solidFill>
-              </a:rPr>
-              <a:t>por lo tanto más costoso </a:t>
-            </a:r>
-            <a:r>
-              <a:rPr lang="es-PE" sz="2800" dirty="0" smtClean="0">
-                <a:solidFill>
-                  <a:srgbClr val="FF0000"/>
-                </a:solidFill>
-              </a:rPr>
-              <a:t>en </a:t>
-            </a:r>
-            <a:r>
-              <a:rPr lang="es-PE" sz="2800" dirty="0">
-                <a:solidFill>
-                  <a:srgbClr val="FF0000"/>
-                </a:solidFill>
-              </a:rPr>
-              <a:t>tiempo y dinero.</a:t>
+              <a:rPr lang="es-PE" sz="2400" dirty="0">
+                <a:solidFill>
+                  <a:srgbClr val="FFC000"/>
+                </a:solidFill>
+                <a:latin typeface="Arial" pitchFamily="34" charset="0"/>
+                <a:cs typeface="Arial" pitchFamily="34" charset="0"/>
+              </a:rPr>
+              <a:t>http://www.refactoring.com/</a:t>
             </a:r>
           </a:p>
         </p:txBody>
@@ -20470,7 +20808,7 @@
     </p:spTree>
     <p:extLst>
       <p:ext uri="{BB962C8B-B14F-4D97-AF65-F5344CB8AC3E}">
-        <p14:creationId xmlns:p14="http://schemas.microsoft.com/office/powerpoint/2010/main" val="849523064"/>
+        <p14:creationId xmlns:p14="http://schemas.microsoft.com/office/powerpoint/2010/main" val="3147889052"/>
       </p:ext>
     </p:extLst>
   </p:cSld>
@@ -20516,6 +20854,547 @@
         </p:nvSpPr>
         <p:spPr>
           <a:xfrm>
+            <a:off x="493204" y="1196752"/>
+            <a:ext cx="8229600" cy="1143000"/>
+          </a:xfrm>
+        </p:spPr>
+        <p:txBody>
+          <a:bodyPr/>
+          <a:lstStyle/>
+          <a:p>
+            <a:r>
+              <a:rPr lang="es-PE" dirty="0" smtClean="0">
+                <a:solidFill>
+                  <a:srgbClr val="009A46"/>
+                </a:solidFill>
+              </a:rPr>
+              <a:t>¿Qué es </a:t>
+            </a:r>
+            <a:r>
+              <a:rPr lang="es-PE" dirty="0" err="1" smtClean="0">
+                <a:solidFill>
+                  <a:srgbClr val="009A46"/>
+                </a:solidFill>
+              </a:rPr>
+              <a:t>Refactoring</a:t>
+            </a:r>
+            <a:r>
+              <a:rPr lang="es-PE" dirty="0" smtClean="0">
+                <a:solidFill>
+                  <a:srgbClr val="009A46"/>
+                </a:solidFill>
+              </a:rPr>
+              <a:t> ?</a:t>
+            </a:r>
+            <a:endParaRPr lang="es-PE" dirty="0">
+              <a:solidFill>
+                <a:srgbClr val="009A46"/>
+              </a:solidFill>
+            </a:endParaRPr>
+          </a:p>
+        </p:txBody>
+      </p:sp>
+      <p:sp>
+        <p:nvSpPr>
+          <p:cNvPr id="3" name="2 CuadroTexto"/>
+          <p:cNvSpPr txBox="1"/>
+          <p:nvPr/>
+        </p:nvSpPr>
+        <p:spPr>
+          <a:xfrm>
+            <a:off x="899592" y="2420888"/>
+            <a:ext cx="7416824" cy="2462213"/>
+          </a:xfrm>
+          <a:prstGeom prst="rect">
+            <a:avLst/>
+          </a:prstGeom>
+          <a:noFill/>
+        </p:spPr>
+        <p:txBody>
+          <a:bodyPr wrap="square" rtlCol="0">
+            <a:spAutoFit/>
+          </a:bodyPr>
+          <a:lstStyle/>
+          <a:p>
+            <a:pPr algn="ctr"/>
+            <a:r>
+              <a:rPr lang="es-PE" sz="2800" dirty="0" smtClean="0"/>
+              <a:t>Mejorar la estructura interna de un sistema sin modificar su comportamiento.</a:t>
+            </a:r>
+          </a:p>
+          <a:p>
+            <a:pPr algn="ctr"/>
+            <a:r>
+              <a:rPr lang="es-PE" sz="4400" dirty="0" smtClean="0"/>
+              <a:t>=</a:t>
+            </a:r>
+            <a:endParaRPr lang="es-PE" sz="4400" dirty="0"/>
+          </a:p>
+          <a:p>
+            <a:pPr algn="ctr"/>
+            <a:r>
+              <a:rPr lang="es-PE" sz="5400" dirty="0" smtClean="0">
+                <a:solidFill>
+                  <a:srgbClr val="FF0000"/>
+                </a:solidFill>
+              </a:rPr>
+              <a:t>Mejorar el diseño</a:t>
+            </a:r>
+          </a:p>
+        </p:txBody>
+      </p:sp>
+    </p:spTree>
+    <p:extLst>
+      <p:ext uri="{BB962C8B-B14F-4D97-AF65-F5344CB8AC3E}">
+        <p14:creationId xmlns:p14="http://schemas.microsoft.com/office/powerpoint/2010/main" val="745560787"/>
+      </p:ext>
+    </p:extLst>
+  </p:cSld>
+  <p:clrMapOvr>
+    <a:masterClrMapping/>
+  </p:clrMapOvr>
+  <p:timing>
+    <p:tnLst>
+      <p:par>
+        <p:cTn id="1" dur="indefinite" restart="never" nodeType="tmRoot"/>
+      </p:par>
+    </p:tnLst>
+  </p:timing>
+</p:sld>
+</file>
+
+<file path=ppt/slides/slide43.xml><?xml version="1.0" encoding="utf-8"?>
+<p:sld xmlns:a="http://schemas.openxmlformats.org/drawingml/2006/main" xmlns:r="http://schemas.openxmlformats.org/officeDocument/2006/relationships" xmlns:p="http://schemas.openxmlformats.org/presentationml/2006/main">
+  <p:cSld>
+    <p:spTree>
+      <p:nvGrpSpPr>
+        <p:cNvPr id="1" name=""/>
+        <p:cNvGrpSpPr/>
+        <p:nvPr/>
+      </p:nvGrpSpPr>
+      <p:grpSpPr>
+        <a:xfrm>
+          <a:off x="0" y="0"/>
+          <a:ext cx="0" cy="0"/>
+          <a:chOff x="0" y="0"/>
+          <a:chExt cx="0" cy="0"/>
+        </a:xfrm>
+      </p:grpSpPr>
+      <p:sp>
+        <p:nvSpPr>
+          <p:cNvPr id="7" name="1 Título"/>
+          <p:cNvSpPr>
+            <a:spLocks noGrp="1"/>
+          </p:cNvSpPr>
+          <p:nvPr>
+            <p:ph type="title"/>
+          </p:nvPr>
+        </p:nvSpPr>
+        <p:spPr>
+          <a:xfrm>
+            <a:off x="467544" y="624751"/>
+            <a:ext cx="8229600" cy="1143000"/>
+          </a:xfrm>
+        </p:spPr>
+        <p:txBody>
+          <a:bodyPr/>
+          <a:lstStyle/>
+          <a:p>
+            <a:r>
+              <a:rPr lang="es-PE" dirty="0" smtClean="0">
+                <a:solidFill>
+                  <a:srgbClr val="009A46"/>
+                </a:solidFill>
+              </a:rPr>
+              <a:t>¿Por qué es importante?</a:t>
+            </a:r>
+            <a:endParaRPr lang="es-PE" dirty="0">
+              <a:solidFill>
+                <a:srgbClr val="009A46"/>
+              </a:solidFill>
+            </a:endParaRPr>
+          </a:p>
+        </p:txBody>
+      </p:sp>
+      <p:sp>
+        <p:nvSpPr>
+          <p:cNvPr id="6" name="5 Marcador de contenido"/>
+          <p:cNvSpPr txBox="1">
+            <a:spLocks/>
+          </p:cNvSpPr>
+          <p:nvPr/>
+        </p:nvSpPr>
+        <p:spPr bwMode="auto">
+          <a:xfrm>
+            <a:off x="899592" y="1848887"/>
+            <a:ext cx="7344816" cy="2232248"/>
+          </a:xfrm>
+          <a:prstGeom prst="rect">
+            <a:avLst/>
+          </a:prstGeom>
+          <a:noFill/>
+          <a:ln w="9525">
+            <a:noFill/>
+            <a:miter lim="800000"/>
+            <a:headEnd/>
+            <a:tailEnd/>
+          </a:ln>
+        </p:spPr>
+        <p:txBody>
+          <a:bodyPr vert="horz" wrap="square" lIns="91440" tIns="45720" rIns="91440" bIns="45720" numCol="1" anchor="t" anchorCtr="0" compatLnSpc="1">
+            <a:prstTxWarp prst="textNoShape">
+              <a:avLst/>
+            </a:prstTxWarp>
+          </a:bodyPr>
+          <a:lstStyle>
+            <a:lvl1pPr marL="342900" indent="-342900" algn="l" rtl="0" eaLnBrk="1" fontAlgn="base" hangingPunct="1">
+              <a:spcBef>
+                <a:spcPct val="20000"/>
+              </a:spcBef>
+              <a:spcAft>
+                <a:spcPct val="0"/>
+              </a:spcAft>
+              <a:buFont typeface="Arial" charset="0"/>
+              <a:buChar char="•"/>
+              <a:defRPr sz="3200" kern="1200">
+                <a:solidFill>
+                  <a:schemeClr val="tx1"/>
+                </a:solidFill>
+                <a:latin typeface="+mn-lt"/>
+                <a:ea typeface="+mn-ea"/>
+                <a:cs typeface="+mn-cs"/>
+              </a:defRPr>
+            </a:lvl1pPr>
+            <a:lvl2pPr marL="742950" indent="-285750" algn="l" rtl="0" eaLnBrk="1" fontAlgn="base" hangingPunct="1">
+              <a:spcBef>
+                <a:spcPct val="20000"/>
+              </a:spcBef>
+              <a:spcAft>
+                <a:spcPct val="0"/>
+              </a:spcAft>
+              <a:buFont typeface="Arial" charset="0"/>
+              <a:buChar char="–"/>
+              <a:defRPr sz="2800" kern="1200">
+                <a:solidFill>
+                  <a:schemeClr val="tx1"/>
+                </a:solidFill>
+                <a:latin typeface="+mn-lt"/>
+                <a:ea typeface="+mn-ea"/>
+                <a:cs typeface="+mn-cs"/>
+              </a:defRPr>
+            </a:lvl2pPr>
+            <a:lvl3pPr marL="1143000" indent="-228600" algn="l" rtl="0" eaLnBrk="1" fontAlgn="base" hangingPunct="1">
+              <a:spcBef>
+                <a:spcPct val="20000"/>
+              </a:spcBef>
+              <a:spcAft>
+                <a:spcPct val="0"/>
+              </a:spcAft>
+              <a:buFont typeface="Arial" charset="0"/>
+              <a:buChar char="•"/>
+              <a:defRPr sz="2400" kern="1200">
+                <a:solidFill>
+                  <a:schemeClr val="tx1"/>
+                </a:solidFill>
+                <a:latin typeface="+mn-lt"/>
+                <a:ea typeface="+mn-ea"/>
+                <a:cs typeface="+mn-cs"/>
+              </a:defRPr>
+            </a:lvl3pPr>
+            <a:lvl4pPr marL="1600200" indent="-228600" algn="l" rtl="0" eaLnBrk="1" fontAlgn="base" hangingPunct="1">
+              <a:spcBef>
+                <a:spcPct val="20000"/>
+              </a:spcBef>
+              <a:spcAft>
+                <a:spcPct val="0"/>
+              </a:spcAft>
+              <a:buFont typeface="Arial" charset="0"/>
+              <a:buChar char="–"/>
+              <a:defRPr sz="2000" kern="1200">
+                <a:solidFill>
+                  <a:schemeClr val="tx1"/>
+                </a:solidFill>
+                <a:latin typeface="+mn-lt"/>
+                <a:ea typeface="+mn-ea"/>
+                <a:cs typeface="+mn-cs"/>
+              </a:defRPr>
+            </a:lvl4pPr>
+            <a:lvl5pPr marL="2057400" indent="-228600" algn="l" rtl="0" eaLnBrk="1" fontAlgn="base" hangingPunct="1">
+              <a:spcBef>
+                <a:spcPct val="20000"/>
+              </a:spcBef>
+              <a:spcAft>
+                <a:spcPct val="0"/>
+              </a:spcAft>
+              <a:buFont typeface="Arial" charset="0"/>
+              <a:buChar char="»"/>
+              <a:defRPr sz="2000" kern="1200">
+                <a:solidFill>
+                  <a:schemeClr val="tx1"/>
+                </a:solidFill>
+                <a:latin typeface="+mn-lt"/>
+                <a:ea typeface="+mn-ea"/>
+                <a:cs typeface="+mn-cs"/>
+              </a:defRPr>
+            </a:lvl5pPr>
+            <a:lvl6pPr marL="2514600" indent="-228600" algn="l" defTabSz="914400" rtl="0" eaLnBrk="1" latinLnBrk="0" hangingPunct="1">
+              <a:spcBef>
+                <a:spcPct val="20000"/>
+              </a:spcBef>
+              <a:buFont typeface="Arial" pitchFamily="34" charset="0"/>
+              <a:buChar char="•"/>
+              <a:defRPr sz="2000" kern="1200">
+                <a:solidFill>
+                  <a:schemeClr val="tx1"/>
+                </a:solidFill>
+                <a:latin typeface="+mn-lt"/>
+                <a:ea typeface="+mn-ea"/>
+                <a:cs typeface="+mn-cs"/>
+              </a:defRPr>
+            </a:lvl6pPr>
+            <a:lvl7pPr marL="2971800" indent="-228600" algn="l" defTabSz="914400" rtl="0" eaLnBrk="1" latinLnBrk="0" hangingPunct="1">
+              <a:spcBef>
+                <a:spcPct val="20000"/>
+              </a:spcBef>
+              <a:buFont typeface="Arial" pitchFamily="34" charset="0"/>
+              <a:buChar char="•"/>
+              <a:defRPr sz="2000" kern="1200">
+                <a:solidFill>
+                  <a:schemeClr val="tx1"/>
+                </a:solidFill>
+                <a:latin typeface="+mn-lt"/>
+                <a:ea typeface="+mn-ea"/>
+                <a:cs typeface="+mn-cs"/>
+              </a:defRPr>
+            </a:lvl7pPr>
+            <a:lvl8pPr marL="3429000" indent="-228600" algn="l" defTabSz="914400" rtl="0" eaLnBrk="1" latinLnBrk="0" hangingPunct="1">
+              <a:spcBef>
+                <a:spcPct val="20000"/>
+              </a:spcBef>
+              <a:buFont typeface="Arial" pitchFamily="34" charset="0"/>
+              <a:buChar char="•"/>
+              <a:defRPr sz="2000" kern="1200">
+                <a:solidFill>
+                  <a:schemeClr val="tx1"/>
+                </a:solidFill>
+                <a:latin typeface="+mn-lt"/>
+                <a:ea typeface="+mn-ea"/>
+                <a:cs typeface="+mn-cs"/>
+              </a:defRPr>
+            </a:lvl8pPr>
+            <a:lvl9pPr marL="3886200" indent="-228600" algn="l" defTabSz="914400" rtl="0" eaLnBrk="1" latinLnBrk="0" hangingPunct="1">
+              <a:spcBef>
+                <a:spcPct val="20000"/>
+              </a:spcBef>
+              <a:buFont typeface="Arial" pitchFamily="34" charset="0"/>
+              <a:buChar char="•"/>
+              <a:defRPr sz="2000" kern="1200">
+                <a:solidFill>
+                  <a:schemeClr val="tx1"/>
+                </a:solidFill>
+                <a:latin typeface="+mn-lt"/>
+                <a:ea typeface="+mn-ea"/>
+                <a:cs typeface="+mn-cs"/>
+              </a:defRPr>
+            </a:lvl9pPr>
+          </a:lstStyle>
+          <a:p>
+            <a:pPr marL="0" indent="0">
+              <a:buNone/>
+            </a:pPr>
+            <a:r>
+              <a:rPr lang="es-PE" sz="2800" dirty="0" smtClean="0"/>
+              <a:t>Por que si tenemos un código:</a:t>
+            </a:r>
+          </a:p>
+          <a:p>
+            <a:r>
+              <a:rPr lang="es-PE" sz="2800" dirty="0" smtClean="0"/>
+              <a:t>Poco entendible </a:t>
+            </a:r>
+          </a:p>
+          <a:p>
+            <a:r>
+              <a:rPr lang="es-PE" sz="2800" dirty="0" smtClean="0"/>
+              <a:t>Duplicado</a:t>
+            </a:r>
+          </a:p>
+          <a:p>
+            <a:r>
+              <a:rPr lang="es-PE" sz="2800" dirty="0" smtClean="0"/>
+              <a:t>Muy complejo</a:t>
+            </a:r>
+          </a:p>
+        </p:txBody>
+      </p:sp>
+      <p:sp>
+        <p:nvSpPr>
+          <p:cNvPr id="2" name="1 Rectángulo"/>
+          <p:cNvSpPr/>
+          <p:nvPr/>
+        </p:nvSpPr>
+        <p:spPr>
+          <a:xfrm>
+            <a:off x="467544" y="4225151"/>
+            <a:ext cx="8208912" cy="1508105"/>
+          </a:xfrm>
+          <a:prstGeom prst="rect">
+            <a:avLst/>
+          </a:prstGeom>
+        </p:spPr>
+        <p:txBody>
+          <a:bodyPr wrap="square">
+            <a:spAutoFit/>
+          </a:bodyPr>
+          <a:lstStyle/>
+          <a:p>
+            <a:pPr algn="ctr"/>
+            <a:r>
+              <a:rPr lang="es-PE" sz="2800" dirty="0" smtClean="0">
+                <a:solidFill>
+                  <a:srgbClr val="FF0000"/>
+                </a:solidFill>
+              </a:rPr>
+              <a:t>Es difícil modificar </a:t>
+            </a:r>
+            <a:r>
+              <a:rPr lang="es-PE" sz="2800" dirty="0">
+                <a:solidFill>
+                  <a:srgbClr val="FF0000"/>
+                </a:solidFill>
+              </a:rPr>
+              <a:t>o agregar </a:t>
+            </a:r>
+            <a:r>
+              <a:rPr lang="es-PE" sz="2800" dirty="0" smtClean="0">
+                <a:solidFill>
+                  <a:srgbClr val="FF0000"/>
+                </a:solidFill>
+              </a:rPr>
+              <a:t>funcionalidad </a:t>
+            </a:r>
+            <a:br>
+              <a:rPr lang="es-PE" sz="2800" dirty="0" smtClean="0">
+                <a:solidFill>
+                  <a:srgbClr val="FF0000"/>
+                </a:solidFill>
+              </a:rPr>
+            </a:br>
+            <a:r>
+              <a:rPr lang="es-PE" sz="2800" dirty="0" smtClean="0">
+                <a:solidFill>
+                  <a:srgbClr val="FF0000"/>
+                </a:solidFill>
+              </a:rPr>
+              <a:t>(</a:t>
+            </a:r>
+            <a:r>
+              <a:rPr lang="es-PE" sz="3600" dirty="0" smtClean="0">
+                <a:solidFill>
+                  <a:srgbClr val="FF0000"/>
+                </a:solidFill>
+              </a:rPr>
+              <a:t>valor de negocio</a:t>
+            </a:r>
+            <a:r>
+              <a:rPr lang="es-PE" sz="2800" dirty="0" smtClean="0">
+                <a:solidFill>
+                  <a:srgbClr val="FF0000"/>
+                </a:solidFill>
+              </a:rPr>
+              <a:t>) </a:t>
+            </a:r>
+            <a:br>
+              <a:rPr lang="es-PE" sz="2800" dirty="0" smtClean="0">
+                <a:solidFill>
+                  <a:srgbClr val="FF0000"/>
+                </a:solidFill>
+              </a:rPr>
+            </a:br>
+            <a:r>
+              <a:rPr lang="es-PE" sz="2800" dirty="0" smtClean="0">
+                <a:solidFill>
+                  <a:srgbClr val="FF0000"/>
+                </a:solidFill>
+              </a:rPr>
+              <a:t>y </a:t>
+            </a:r>
+            <a:r>
+              <a:rPr lang="es-PE" sz="2800" dirty="0">
+                <a:solidFill>
+                  <a:srgbClr val="FF0000"/>
+                </a:solidFill>
+              </a:rPr>
+              <a:t>por lo tanto más costoso </a:t>
+            </a:r>
+            <a:r>
+              <a:rPr lang="es-PE" sz="2800" dirty="0" smtClean="0">
+                <a:solidFill>
+                  <a:srgbClr val="FF0000"/>
+                </a:solidFill>
+              </a:rPr>
+              <a:t>en </a:t>
+            </a:r>
+            <a:r>
+              <a:rPr lang="es-PE" sz="2800" dirty="0">
+                <a:solidFill>
+                  <a:srgbClr val="FF0000"/>
+                </a:solidFill>
+              </a:rPr>
+              <a:t>tiempo y dinero.</a:t>
+            </a:r>
+          </a:p>
+        </p:txBody>
+      </p:sp>
+    </p:spTree>
+    <p:extLst>
+      <p:ext uri="{BB962C8B-B14F-4D97-AF65-F5344CB8AC3E}">
+        <p14:creationId xmlns:p14="http://schemas.microsoft.com/office/powerpoint/2010/main" val="849523064"/>
+      </p:ext>
+    </p:extLst>
+  </p:cSld>
+  <p:clrMapOvr>
+    <a:masterClrMapping/>
+  </p:clrMapOvr>
+  <p:timing>
+    <p:tnLst>
+      <p:par>
+        <p:cTn id="1" dur="indefinite" restart="never" nodeType="tmRoot"/>
+      </p:par>
+    </p:tnLst>
+  </p:timing>
+</p:sld>
+</file>
+
+<file path=ppt/slides/slide44.xml><?xml version="1.0" encoding="utf-8"?>
+<p:sld xmlns:a="http://schemas.openxmlformats.org/drawingml/2006/main" xmlns:r="http://schemas.openxmlformats.org/officeDocument/2006/relationships" xmlns:p="http://schemas.openxmlformats.org/presentationml/2006/main">
+  <p:cSld>
+    <p:spTree>
+      <p:nvGrpSpPr>
+        <p:cNvPr id="1" name=""/>
+        <p:cNvGrpSpPr/>
+        <p:nvPr/>
+      </p:nvGrpSpPr>
+      <p:grpSpPr>
+        <a:xfrm>
+          <a:off x="0" y="0"/>
+          <a:ext cx="0" cy="0"/>
+          <a:chOff x="0" y="0"/>
+          <a:chExt cx="0" cy="0"/>
+        </a:xfrm>
+      </p:grpSpPr>
+      <p:sp>
+        <p:nvSpPr>
+          <p:cNvPr id="7" name="1 Título"/>
+          <p:cNvSpPr>
+            <a:spLocks noGrp="1"/>
+          </p:cNvSpPr>
+          <p:nvPr>
+            <p:ph type="title"/>
+          </p:nvPr>
+        </p:nvSpPr>
+        <p:spPr>
+          <a:xfrm>
             <a:off x="467544" y="620688"/>
             <a:ext cx="8229600" cy="1143000"/>
           </a:xfrm>
@@ -20785,7 +21664,7 @@
 </p:sld>
 </file>
 
-<file path=ppt/slides/slide43.xml><?xml version="1.0" encoding="utf-8"?>
+<file path=ppt/slides/slide45.xml><?xml version="1.0" encoding="utf-8"?>
 <p:sld xmlns:a="http://schemas.openxmlformats.org/drawingml/2006/main" xmlns:r="http://schemas.openxmlformats.org/officeDocument/2006/relationships" xmlns:p="http://schemas.openxmlformats.org/presentationml/2006/main">
   <p:cSld>
     <p:bg>
@@ -20859,7 +21738,7 @@
 </p:sld>
 </file>
 
-<file path=ppt/slides/slide44.xml><?xml version="1.0" encoding="utf-8"?>
+<file path=ppt/slides/slide46.xml><?xml version="1.0" encoding="utf-8"?>
 <p:sld xmlns:a="http://schemas.openxmlformats.org/drawingml/2006/main" xmlns:r="http://schemas.openxmlformats.org/officeDocument/2006/relationships" xmlns:p="http://schemas.openxmlformats.org/presentationml/2006/main">
   <p:cSld>
     <p:spTree>
@@ -20975,7 +21854,7 @@
         <p:spPr>
           <a:xfrm>
             <a:off x="323529" y="2893000"/>
-            <a:ext cx="8496944" cy="1938992"/>
+            <a:ext cx="8496944" cy="2308324"/>
           </a:xfrm>
           <a:prstGeom prst="rect">
             <a:avLst/>
@@ -20994,7 +21873,15 @@
             </a:pPr>
             <a:r>
               <a:rPr lang="es-PE" sz="2400" dirty="0" smtClean="0"/>
-              <a:t>A cada uno se le ha entregado un catálogo de </a:t>
+              <a:t>A cada </a:t>
+            </a:r>
+            <a:r>
+              <a:rPr lang="es-PE" sz="2400" dirty="0" smtClean="0"/>
+              <a:t>persona </a:t>
+            </a:r>
+            <a:r>
+              <a:rPr lang="es-PE" sz="2400" dirty="0" smtClean="0"/>
+              <a:t>se le ha entregado un catálogo de </a:t>
             </a:r>
             <a:r>
               <a:rPr lang="es-PE" sz="2400" dirty="0" err="1" smtClean="0"/>
@@ -21037,7 +21924,11 @@
             </a:r>
             <a:r>
               <a:rPr lang="es-PE" sz="2400" dirty="0" smtClean="0"/>
-              <a:t> de ese catálogo solucionarían los </a:t>
+              <a:t> de ese catálogo solucionarían </a:t>
+            </a:r>
+            <a:r>
+              <a:rPr lang="es-PE" sz="2400" dirty="0" smtClean="0"/>
+              <a:t>cada uno de todos los </a:t>
             </a:r>
             <a:r>
               <a:rPr lang="es-PE" sz="2400" dirty="0" err="1" smtClean="0"/>
@@ -21045,9 +21936,19 @@
             </a:r>
             <a:r>
               <a:rPr lang="es-PE" sz="2400" dirty="0" smtClean="0"/>
-              <a:t> del código que han identificado previamente.</a:t>
-            </a:r>
-            <a:endParaRPr lang="es-PE" sz="2400" dirty="0"/>
+              <a:t>.</a:t>
+            </a:r>
+            <a:r>
+              <a:rPr lang="es-PE" sz="2400" dirty="0"/>
+              <a:t/>
+            </a:r>
+            <a:br>
+              <a:rPr lang="es-PE" sz="2400" dirty="0"/>
+            </a:br>
+            <a:r>
+              <a:rPr lang="es-PE" sz="2400" dirty="0" smtClean="0"/>
+              <a:t>(Utilizar la tabla para apuntar las respuestas)</a:t>
+            </a:r>
           </a:p>
         </p:txBody>
       </p:sp>
@@ -21064,166 +21965,665 @@
   <p:timing>
     <p:tnLst>
       <p:par>
-        <p:cTn id="1" dur="indefinite" restart="never" nodeType="tmRoot">
-          <p:childTnLst>
-            <p:seq concurrent="1" nextAc="seek">
-              <p:cTn id="2" dur="indefinite" nodeType="mainSeq">
-                <p:childTnLst>
-                  <p:par>
-                    <p:cTn id="3" fill="hold">
-                      <p:stCondLst>
-                        <p:cond delay="indefinite"/>
-                      </p:stCondLst>
-                      <p:childTnLst>
-                        <p:par>
-                          <p:cTn id="4" fill="hold">
-                            <p:stCondLst>
-                              <p:cond delay="0"/>
-                            </p:stCondLst>
-                            <p:childTnLst>
-                              <p:par>
-                                <p:cTn id="5" presetID="1" presetClass="entr" presetSubtype="0" fill="hold" nodeType="clickEffect">
-                                  <p:stCondLst>
-                                    <p:cond delay="0"/>
-                                  </p:stCondLst>
-                                  <p:childTnLst>
-                                    <p:set>
-                                      <p:cBhvr>
-                                        <p:cTn id="6" dur="1" fill="hold">
-                                          <p:stCondLst>
-                                            <p:cond delay="0"/>
-                                          </p:stCondLst>
-                                        </p:cTn>
-                                        <p:tgtEl>
-                                          <p:spTgt spid="4">
-                                            <p:txEl>
-                                              <p:pRg st="2" end="2"/>
-                                            </p:txEl>
-                                          </p:spTgt>
-                                        </p:tgtEl>
-                                        <p:attrNameLst>
-                                          <p:attrName>style.visibility</p:attrName>
-                                        </p:attrNameLst>
-                                      </p:cBhvr>
-                                      <p:to>
-                                        <p:strVal val="visible"/>
-                                      </p:to>
-                                    </p:set>
-                                  </p:childTnLst>
-                                </p:cTn>
-                              </p:par>
-                            </p:childTnLst>
-                          </p:cTn>
-                        </p:par>
-                      </p:childTnLst>
-                    </p:cTn>
-                  </p:par>
-                  <p:par>
-                    <p:cTn id="7" fill="hold">
-                      <p:stCondLst>
-                        <p:cond delay="indefinite"/>
-                      </p:stCondLst>
-                      <p:childTnLst>
-                        <p:par>
-                          <p:cTn id="8" fill="hold">
-                            <p:stCondLst>
-                              <p:cond delay="0"/>
-                            </p:stCondLst>
-                            <p:childTnLst>
-                              <p:par>
-                                <p:cTn id="9" presetID="1" presetClass="entr" presetSubtype="0" fill="hold" nodeType="clickEffect">
-                                  <p:stCondLst>
-                                    <p:cond delay="0"/>
-                                  </p:stCondLst>
-                                  <p:childTnLst>
-                                    <p:set>
-                                      <p:cBhvr>
-                                        <p:cTn id="10" dur="1" fill="hold">
-                                          <p:stCondLst>
-                                            <p:cond delay="0"/>
-                                          </p:stCondLst>
-                                        </p:cTn>
-                                        <p:tgtEl>
-                                          <p:spTgt spid="4">
-                                            <p:txEl>
-                                              <p:pRg st="0" end="0"/>
-                                            </p:txEl>
-                                          </p:spTgt>
-                                        </p:tgtEl>
-                                        <p:attrNameLst>
-                                          <p:attrName>style.visibility</p:attrName>
-                                        </p:attrNameLst>
-                                      </p:cBhvr>
-                                      <p:to>
-                                        <p:strVal val="visible"/>
-                                      </p:to>
-                                    </p:set>
-                                  </p:childTnLst>
-                                </p:cTn>
-                              </p:par>
-                              <p:par>
-                                <p:cTn id="11" presetID="1" presetClass="entr" presetSubtype="0" fill="hold" nodeType="withEffect">
-                                  <p:stCondLst>
-                                    <p:cond delay="0"/>
-                                  </p:stCondLst>
-                                  <p:childTnLst>
-                                    <p:set>
-                                      <p:cBhvr>
-                                        <p:cTn id="12" dur="1" fill="hold">
-                                          <p:stCondLst>
-                                            <p:cond delay="0"/>
-                                          </p:stCondLst>
-                                        </p:cTn>
-                                        <p:tgtEl>
-                                          <p:spTgt spid="4">
-                                            <p:txEl>
-                                              <p:pRg st="3" end="3"/>
-                                            </p:txEl>
-                                          </p:spTgt>
-                                        </p:tgtEl>
-                                        <p:attrNameLst>
-                                          <p:attrName>style.visibility</p:attrName>
-                                        </p:attrNameLst>
-                                      </p:cBhvr>
-                                      <p:to>
-                                        <p:strVal val="visible"/>
-                                      </p:to>
-                                    </p:set>
-                                  </p:childTnLst>
-                                </p:cTn>
-                              </p:par>
-                            </p:childTnLst>
-                          </p:cTn>
-                        </p:par>
-                      </p:childTnLst>
-                    </p:cTn>
-                  </p:par>
-                </p:childTnLst>
-              </p:cTn>
-              <p:prevCondLst>
-                <p:cond evt="onPrev" delay="0">
-                  <p:tgtEl>
-                    <p:sldTgt/>
-                  </p:tgtEl>
-                </p:cond>
-              </p:prevCondLst>
-              <p:nextCondLst>
-                <p:cond evt="onNext" delay="0">
-                  <p:tgtEl>
-                    <p:sldTgt/>
-                  </p:tgtEl>
-                </p:cond>
-              </p:nextCondLst>
-            </p:seq>
-          </p:childTnLst>
-        </p:cTn>
+        <p:cTn id="1" dur="indefinite" restart="never" nodeType="tmRoot"/>
       </p:par>
     </p:tnLst>
   </p:timing>
 </p:sld>
 </file>
 
-<file path=ppt/slides/slide45.xml><?xml version="1.0" encoding="utf-8"?>
+<file path=ppt/slides/slide47.xml><?xml version="1.0" encoding="utf-8"?>
+<p:sld xmlns:a="http://schemas.openxmlformats.org/drawingml/2006/main" xmlns:r="http://schemas.openxmlformats.org/officeDocument/2006/relationships" xmlns:p="http://schemas.openxmlformats.org/presentationml/2006/main">
+  <p:cSld>
+    <p:spTree>
+      <p:nvGrpSpPr>
+        <p:cNvPr id="1" name=""/>
+        <p:cNvGrpSpPr/>
+        <p:nvPr/>
+      </p:nvGrpSpPr>
+      <p:grpSpPr>
+        <a:xfrm>
+          <a:off x="0" y="0"/>
+          <a:ext cx="0" cy="0"/>
+          <a:chOff x="0" y="0"/>
+          <a:chExt cx="0" cy="0"/>
+        </a:xfrm>
+      </p:grpSpPr>
+      <p:sp>
+        <p:nvSpPr>
+          <p:cNvPr id="4" name="3 CuadroTexto"/>
+          <p:cNvSpPr txBox="1"/>
+          <p:nvPr/>
+        </p:nvSpPr>
+        <p:spPr>
+          <a:xfrm>
+            <a:off x="611561" y="3462099"/>
+            <a:ext cx="7920879" cy="830997"/>
+          </a:xfrm>
+          <a:prstGeom prst="rect">
+            <a:avLst/>
+          </a:prstGeom>
+          <a:noFill/>
+        </p:spPr>
+        <p:txBody>
+          <a:bodyPr wrap="square" rtlCol="0">
+            <a:spAutoFit/>
+          </a:bodyPr>
+          <a:lstStyle/>
+          <a:p>
+            <a:pPr algn="ctr"/>
+            <a:r>
+              <a:rPr lang="es-PE" sz="2400" dirty="0" smtClean="0"/>
+              <a:t>En grupos, discutir y contrastar los resultados con las otras parejas del grupo.</a:t>
+            </a:r>
+            <a:endParaRPr lang="es-PE" sz="2400" dirty="0"/>
+          </a:p>
+        </p:txBody>
+      </p:sp>
+      <p:sp>
+        <p:nvSpPr>
+          <p:cNvPr id="5" name="2 Título"/>
+          <p:cNvSpPr txBox="1">
+            <a:spLocks/>
+          </p:cNvSpPr>
+          <p:nvPr/>
+        </p:nvSpPr>
+        <p:spPr bwMode="auto">
+          <a:xfrm>
+            <a:off x="446856" y="1124744"/>
+            <a:ext cx="8229600" cy="2088232"/>
+          </a:xfrm>
+          <a:prstGeom prst="rect">
+            <a:avLst/>
+          </a:prstGeom>
+          <a:noFill/>
+          <a:ln w="9525">
+            <a:noFill/>
+            <a:miter lim="800000"/>
+            <a:headEnd/>
+            <a:tailEnd/>
+          </a:ln>
+        </p:spPr>
+        <p:txBody>
+          <a:bodyPr vert="horz" wrap="square" lIns="91440" tIns="45720" rIns="91440" bIns="45720" numCol="1" anchor="ctr" anchorCtr="0" compatLnSpc="1">
+            <a:prstTxWarp prst="textNoShape">
+              <a:avLst/>
+            </a:prstTxWarp>
+          </a:bodyPr>
+          <a:lstStyle>
+            <a:lvl1pPr algn="ctr" rtl="0" eaLnBrk="1" fontAlgn="base" hangingPunct="1">
+              <a:spcBef>
+                <a:spcPct val="0"/>
+              </a:spcBef>
+              <a:spcAft>
+                <a:spcPct val="0"/>
+              </a:spcAft>
+              <a:defRPr sz="4400" kern="1200">
+                <a:solidFill>
+                  <a:schemeClr val="tx1"/>
+                </a:solidFill>
+                <a:latin typeface="+mj-lt"/>
+                <a:ea typeface="+mj-ea"/>
+                <a:cs typeface="+mj-cs"/>
+              </a:defRPr>
+            </a:lvl1pPr>
+            <a:lvl2pPr algn="ctr" rtl="0" eaLnBrk="1" fontAlgn="base" hangingPunct="1">
+              <a:spcBef>
+                <a:spcPct val="0"/>
+              </a:spcBef>
+              <a:spcAft>
+                <a:spcPct val="0"/>
+              </a:spcAft>
+              <a:defRPr sz="4400">
+                <a:solidFill>
+                  <a:schemeClr val="tx1"/>
+                </a:solidFill>
+                <a:latin typeface="Calibri" pitchFamily="34" charset="0"/>
+              </a:defRPr>
+            </a:lvl2pPr>
+            <a:lvl3pPr algn="ctr" rtl="0" eaLnBrk="1" fontAlgn="base" hangingPunct="1">
+              <a:spcBef>
+                <a:spcPct val="0"/>
+              </a:spcBef>
+              <a:spcAft>
+                <a:spcPct val="0"/>
+              </a:spcAft>
+              <a:defRPr sz="4400">
+                <a:solidFill>
+                  <a:schemeClr val="tx1"/>
+                </a:solidFill>
+                <a:latin typeface="Calibri" pitchFamily="34" charset="0"/>
+              </a:defRPr>
+            </a:lvl3pPr>
+            <a:lvl4pPr algn="ctr" rtl="0" eaLnBrk="1" fontAlgn="base" hangingPunct="1">
+              <a:spcBef>
+                <a:spcPct val="0"/>
+              </a:spcBef>
+              <a:spcAft>
+                <a:spcPct val="0"/>
+              </a:spcAft>
+              <a:defRPr sz="4400">
+                <a:solidFill>
+                  <a:schemeClr val="tx1"/>
+                </a:solidFill>
+                <a:latin typeface="Calibri" pitchFamily="34" charset="0"/>
+              </a:defRPr>
+            </a:lvl4pPr>
+            <a:lvl5pPr algn="ctr" rtl="0" eaLnBrk="1" fontAlgn="base" hangingPunct="1">
+              <a:spcBef>
+                <a:spcPct val="0"/>
+              </a:spcBef>
+              <a:spcAft>
+                <a:spcPct val="0"/>
+              </a:spcAft>
+              <a:defRPr sz="4400">
+                <a:solidFill>
+                  <a:schemeClr val="tx1"/>
+                </a:solidFill>
+                <a:latin typeface="Calibri" pitchFamily="34" charset="0"/>
+              </a:defRPr>
+            </a:lvl5pPr>
+            <a:lvl6pPr marL="457200" algn="ctr" rtl="0" eaLnBrk="1" fontAlgn="base" hangingPunct="1">
+              <a:spcBef>
+                <a:spcPct val="0"/>
+              </a:spcBef>
+              <a:spcAft>
+                <a:spcPct val="0"/>
+              </a:spcAft>
+              <a:defRPr sz="4400">
+                <a:solidFill>
+                  <a:schemeClr val="tx1"/>
+                </a:solidFill>
+                <a:latin typeface="Calibri" pitchFamily="34" charset="0"/>
+              </a:defRPr>
+            </a:lvl6pPr>
+            <a:lvl7pPr marL="914400" algn="ctr" rtl="0" eaLnBrk="1" fontAlgn="base" hangingPunct="1">
+              <a:spcBef>
+                <a:spcPct val="0"/>
+              </a:spcBef>
+              <a:spcAft>
+                <a:spcPct val="0"/>
+              </a:spcAft>
+              <a:defRPr sz="4400">
+                <a:solidFill>
+                  <a:schemeClr val="tx1"/>
+                </a:solidFill>
+                <a:latin typeface="Calibri" pitchFamily="34" charset="0"/>
+              </a:defRPr>
+            </a:lvl7pPr>
+            <a:lvl8pPr marL="1371600" algn="ctr" rtl="0" eaLnBrk="1" fontAlgn="base" hangingPunct="1">
+              <a:spcBef>
+                <a:spcPct val="0"/>
+              </a:spcBef>
+              <a:spcAft>
+                <a:spcPct val="0"/>
+              </a:spcAft>
+              <a:defRPr sz="4400">
+                <a:solidFill>
+                  <a:schemeClr val="tx1"/>
+                </a:solidFill>
+                <a:latin typeface="Calibri" pitchFamily="34" charset="0"/>
+              </a:defRPr>
+            </a:lvl8pPr>
+            <a:lvl9pPr marL="1828800" algn="ctr" rtl="0" eaLnBrk="1" fontAlgn="base" hangingPunct="1">
+              <a:spcBef>
+                <a:spcPct val="0"/>
+              </a:spcBef>
+              <a:spcAft>
+                <a:spcPct val="0"/>
+              </a:spcAft>
+              <a:defRPr sz="4400">
+                <a:solidFill>
+                  <a:schemeClr val="tx1"/>
+                </a:solidFill>
+                <a:latin typeface="Calibri" pitchFamily="34" charset="0"/>
+              </a:defRPr>
+            </a:lvl9pPr>
+          </a:lstStyle>
+          <a:p>
+            <a:r>
+              <a:rPr lang="es-PE" dirty="0" smtClean="0">
+                <a:solidFill>
+                  <a:srgbClr val="FFC000"/>
+                </a:solidFill>
+              </a:rPr>
+              <a:t>Ejercicio </a:t>
+            </a:r>
+            <a:r>
+              <a:rPr lang="es-PE" dirty="0" smtClean="0">
+                <a:solidFill>
+                  <a:srgbClr val="00823B"/>
+                </a:solidFill>
+              </a:rPr>
+              <a:t/>
+            </a:r>
+            <a:br>
+              <a:rPr lang="es-PE" dirty="0" smtClean="0">
+                <a:solidFill>
+                  <a:srgbClr val="00823B"/>
+                </a:solidFill>
+              </a:rPr>
+            </a:br>
+            <a:r>
+              <a:rPr lang="es-PE" dirty="0" smtClean="0">
+                <a:solidFill>
+                  <a:srgbClr val="00823B"/>
+                </a:solidFill>
+              </a:rPr>
+              <a:t>Identificando </a:t>
+            </a:r>
+            <a:r>
+              <a:rPr lang="es-PE" dirty="0" err="1" smtClean="0">
+                <a:solidFill>
+                  <a:srgbClr val="00823B"/>
+                </a:solidFill>
+              </a:rPr>
+              <a:t>Refactorings</a:t>
+            </a:r>
+            <a:r>
+              <a:rPr lang="es-PE" dirty="0" smtClean="0">
+                <a:solidFill>
+                  <a:srgbClr val="00823B"/>
+                </a:solidFill>
+              </a:rPr>
+              <a:t/>
+            </a:r>
+            <a:br>
+              <a:rPr lang="es-PE" dirty="0" smtClean="0">
+                <a:solidFill>
+                  <a:srgbClr val="00823B"/>
+                </a:solidFill>
+              </a:rPr>
+            </a:br>
+            <a:r>
+              <a:rPr lang="es-PE" dirty="0" smtClean="0">
+                <a:solidFill>
+                  <a:srgbClr val="00823B"/>
+                </a:solidFill>
+              </a:rPr>
+              <a:t>dentro del código.</a:t>
+            </a:r>
+            <a:endParaRPr lang="es-PE" dirty="0">
+              <a:solidFill>
+                <a:srgbClr val="00823B"/>
+              </a:solidFill>
+            </a:endParaRPr>
+          </a:p>
+        </p:txBody>
+      </p:sp>
+    </p:spTree>
+    <p:extLst>
+      <p:ext uri="{BB962C8B-B14F-4D97-AF65-F5344CB8AC3E}">
+        <p14:creationId xmlns:p14="http://schemas.microsoft.com/office/powerpoint/2010/main" val="365812212"/>
+      </p:ext>
+    </p:extLst>
+  </p:cSld>
+  <p:clrMapOvr>
+    <a:masterClrMapping/>
+  </p:clrMapOvr>
+  <p:timing>
+    <p:tnLst>
+      <p:par>
+        <p:cTn id="1" dur="indefinite" restart="never" nodeType="tmRoot"/>
+      </p:par>
+    </p:tnLst>
+  </p:timing>
+</p:sld>
+</file>
+
+<file path=ppt/slides/slide48.xml><?xml version="1.0" encoding="utf-8"?>
+<p:sld xmlns:a="http://schemas.openxmlformats.org/drawingml/2006/main" xmlns:r="http://schemas.openxmlformats.org/officeDocument/2006/relationships" xmlns:p="http://schemas.openxmlformats.org/presentationml/2006/main">
+  <p:cSld>
+    <p:spTree>
+      <p:nvGrpSpPr>
+        <p:cNvPr id="1" name=""/>
+        <p:cNvGrpSpPr/>
+        <p:nvPr/>
+      </p:nvGrpSpPr>
+      <p:grpSpPr>
+        <a:xfrm>
+          <a:off x="0" y="0"/>
+          <a:ext cx="0" cy="0"/>
+          <a:chOff x="0" y="0"/>
+          <a:chExt cx="0" cy="0"/>
+        </a:xfrm>
+      </p:grpSpPr>
+      <p:sp>
+        <p:nvSpPr>
+          <p:cNvPr id="5" name="4 CuadroTexto"/>
+          <p:cNvSpPr txBox="1"/>
+          <p:nvPr/>
+        </p:nvSpPr>
+        <p:spPr>
+          <a:xfrm>
+            <a:off x="863589" y="3083476"/>
+            <a:ext cx="7416823" cy="1569660"/>
+          </a:xfrm>
+          <a:prstGeom prst="rect">
+            <a:avLst/>
+          </a:prstGeom>
+          <a:noFill/>
+        </p:spPr>
+        <p:txBody>
+          <a:bodyPr wrap="square" rtlCol="0">
+            <a:spAutoFit/>
+          </a:bodyPr>
+          <a:lstStyle/>
+          <a:p>
+            <a:pPr marL="285750" indent="-285750">
+              <a:buFont typeface="Arial" pitchFamily="34" charset="0"/>
+              <a:buChar char="•"/>
+            </a:pPr>
+            <a:r>
+              <a:rPr lang="es-PE" sz="2400" dirty="0" smtClean="0"/>
+              <a:t>Uno a uno nombraremos cada </a:t>
+            </a:r>
+            <a:r>
+              <a:rPr lang="es-PE" sz="2400" dirty="0" err="1" smtClean="0"/>
+              <a:t>Code</a:t>
+            </a:r>
+            <a:r>
+              <a:rPr lang="es-PE" sz="2400" dirty="0" smtClean="0"/>
+              <a:t> </a:t>
+            </a:r>
+            <a:r>
+              <a:rPr lang="es-PE" sz="2400" dirty="0" err="1" smtClean="0"/>
+              <a:t>Smell</a:t>
+            </a:r>
+            <a:r>
+              <a:rPr lang="es-PE" sz="2400" dirty="0" smtClean="0"/>
+              <a:t>.</a:t>
+            </a:r>
+            <a:endParaRPr lang="es-PE" sz="2400" dirty="0" smtClean="0"/>
+          </a:p>
+          <a:p>
+            <a:pPr marL="285750" indent="-285750">
+              <a:buFont typeface="Arial" pitchFamily="34" charset="0"/>
+              <a:buChar char="•"/>
+            </a:pPr>
+            <a:endParaRPr lang="es-PE" sz="2400" dirty="0" smtClean="0"/>
+          </a:p>
+          <a:p>
+            <a:pPr marL="285750" indent="-285750">
+              <a:buFont typeface="Arial" pitchFamily="34" charset="0"/>
+              <a:buChar char="•"/>
+            </a:pPr>
+            <a:r>
+              <a:rPr lang="es-PE" sz="2400" dirty="0" smtClean="0"/>
+              <a:t>Cualquier persona se levanta, explica al resto cuál es el </a:t>
+            </a:r>
+            <a:r>
+              <a:rPr lang="es-PE" sz="2400" dirty="0"/>
+              <a:t>R</a:t>
+            </a:r>
+            <a:r>
+              <a:rPr lang="es-PE" sz="2400" dirty="0" smtClean="0"/>
+              <a:t>efactoring que aplicaría para solucionar ese </a:t>
+            </a:r>
+            <a:r>
+              <a:rPr lang="es-PE" sz="2400" dirty="0" err="1" smtClean="0"/>
+              <a:t>Smell</a:t>
+            </a:r>
+            <a:r>
+              <a:rPr lang="es-PE" sz="2400" dirty="0" smtClean="0"/>
+              <a:t>.</a:t>
+            </a:r>
+            <a:endParaRPr lang="es-PE" sz="2400" dirty="0" smtClean="0"/>
+          </a:p>
+        </p:txBody>
+      </p:sp>
+      <p:sp>
+        <p:nvSpPr>
+          <p:cNvPr id="6" name="2 Título"/>
+          <p:cNvSpPr txBox="1">
+            <a:spLocks/>
+          </p:cNvSpPr>
+          <p:nvPr/>
+        </p:nvSpPr>
+        <p:spPr bwMode="auto">
+          <a:xfrm>
+            <a:off x="446856" y="648564"/>
+            <a:ext cx="8229600" cy="2088232"/>
+          </a:xfrm>
+          <a:prstGeom prst="rect">
+            <a:avLst/>
+          </a:prstGeom>
+          <a:noFill/>
+          <a:ln w="9525">
+            <a:noFill/>
+            <a:miter lim="800000"/>
+            <a:headEnd/>
+            <a:tailEnd/>
+          </a:ln>
+        </p:spPr>
+        <p:txBody>
+          <a:bodyPr vert="horz" wrap="square" lIns="91440" tIns="45720" rIns="91440" bIns="45720" numCol="1" anchor="ctr" anchorCtr="0" compatLnSpc="1">
+            <a:prstTxWarp prst="textNoShape">
+              <a:avLst/>
+            </a:prstTxWarp>
+          </a:bodyPr>
+          <a:lstStyle>
+            <a:lvl1pPr algn="ctr" rtl="0" eaLnBrk="1" fontAlgn="base" hangingPunct="1">
+              <a:spcBef>
+                <a:spcPct val="0"/>
+              </a:spcBef>
+              <a:spcAft>
+                <a:spcPct val="0"/>
+              </a:spcAft>
+              <a:defRPr sz="4400" kern="1200">
+                <a:solidFill>
+                  <a:schemeClr val="tx1"/>
+                </a:solidFill>
+                <a:latin typeface="+mj-lt"/>
+                <a:ea typeface="+mj-ea"/>
+                <a:cs typeface="+mj-cs"/>
+              </a:defRPr>
+            </a:lvl1pPr>
+            <a:lvl2pPr algn="ctr" rtl="0" eaLnBrk="1" fontAlgn="base" hangingPunct="1">
+              <a:spcBef>
+                <a:spcPct val="0"/>
+              </a:spcBef>
+              <a:spcAft>
+                <a:spcPct val="0"/>
+              </a:spcAft>
+              <a:defRPr sz="4400">
+                <a:solidFill>
+                  <a:schemeClr val="tx1"/>
+                </a:solidFill>
+                <a:latin typeface="Calibri" pitchFamily="34" charset="0"/>
+              </a:defRPr>
+            </a:lvl2pPr>
+            <a:lvl3pPr algn="ctr" rtl="0" eaLnBrk="1" fontAlgn="base" hangingPunct="1">
+              <a:spcBef>
+                <a:spcPct val="0"/>
+              </a:spcBef>
+              <a:spcAft>
+                <a:spcPct val="0"/>
+              </a:spcAft>
+              <a:defRPr sz="4400">
+                <a:solidFill>
+                  <a:schemeClr val="tx1"/>
+                </a:solidFill>
+                <a:latin typeface="Calibri" pitchFamily="34" charset="0"/>
+              </a:defRPr>
+            </a:lvl3pPr>
+            <a:lvl4pPr algn="ctr" rtl="0" eaLnBrk="1" fontAlgn="base" hangingPunct="1">
+              <a:spcBef>
+                <a:spcPct val="0"/>
+              </a:spcBef>
+              <a:spcAft>
+                <a:spcPct val="0"/>
+              </a:spcAft>
+              <a:defRPr sz="4400">
+                <a:solidFill>
+                  <a:schemeClr val="tx1"/>
+                </a:solidFill>
+                <a:latin typeface="Calibri" pitchFamily="34" charset="0"/>
+              </a:defRPr>
+            </a:lvl4pPr>
+            <a:lvl5pPr algn="ctr" rtl="0" eaLnBrk="1" fontAlgn="base" hangingPunct="1">
+              <a:spcBef>
+                <a:spcPct val="0"/>
+              </a:spcBef>
+              <a:spcAft>
+                <a:spcPct val="0"/>
+              </a:spcAft>
+              <a:defRPr sz="4400">
+                <a:solidFill>
+                  <a:schemeClr val="tx1"/>
+                </a:solidFill>
+                <a:latin typeface="Calibri" pitchFamily="34" charset="0"/>
+              </a:defRPr>
+            </a:lvl5pPr>
+            <a:lvl6pPr marL="457200" algn="ctr" rtl="0" eaLnBrk="1" fontAlgn="base" hangingPunct="1">
+              <a:spcBef>
+                <a:spcPct val="0"/>
+              </a:spcBef>
+              <a:spcAft>
+                <a:spcPct val="0"/>
+              </a:spcAft>
+              <a:defRPr sz="4400">
+                <a:solidFill>
+                  <a:schemeClr val="tx1"/>
+                </a:solidFill>
+                <a:latin typeface="Calibri" pitchFamily="34" charset="0"/>
+              </a:defRPr>
+            </a:lvl6pPr>
+            <a:lvl7pPr marL="914400" algn="ctr" rtl="0" eaLnBrk="1" fontAlgn="base" hangingPunct="1">
+              <a:spcBef>
+                <a:spcPct val="0"/>
+              </a:spcBef>
+              <a:spcAft>
+                <a:spcPct val="0"/>
+              </a:spcAft>
+              <a:defRPr sz="4400">
+                <a:solidFill>
+                  <a:schemeClr val="tx1"/>
+                </a:solidFill>
+                <a:latin typeface="Calibri" pitchFamily="34" charset="0"/>
+              </a:defRPr>
+            </a:lvl7pPr>
+            <a:lvl8pPr marL="1371600" algn="ctr" rtl="0" eaLnBrk="1" fontAlgn="base" hangingPunct="1">
+              <a:spcBef>
+                <a:spcPct val="0"/>
+              </a:spcBef>
+              <a:spcAft>
+                <a:spcPct val="0"/>
+              </a:spcAft>
+              <a:defRPr sz="4400">
+                <a:solidFill>
+                  <a:schemeClr val="tx1"/>
+                </a:solidFill>
+                <a:latin typeface="Calibri" pitchFamily="34" charset="0"/>
+              </a:defRPr>
+            </a:lvl8pPr>
+            <a:lvl9pPr marL="1828800" algn="ctr" rtl="0" eaLnBrk="1" fontAlgn="base" hangingPunct="1">
+              <a:spcBef>
+                <a:spcPct val="0"/>
+              </a:spcBef>
+              <a:spcAft>
+                <a:spcPct val="0"/>
+              </a:spcAft>
+              <a:defRPr sz="4400">
+                <a:solidFill>
+                  <a:schemeClr val="tx1"/>
+                </a:solidFill>
+                <a:latin typeface="Calibri" pitchFamily="34" charset="0"/>
+              </a:defRPr>
+            </a:lvl9pPr>
+          </a:lstStyle>
+          <a:p>
+            <a:r>
+              <a:rPr lang="es-PE" dirty="0" smtClean="0">
+                <a:solidFill>
+                  <a:srgbClr val="FFC000"/>
+                </a:solidFill>
+              </a:rPr>
+              <a:t>Ejercicio </a:t>
+            </a:r>
+            <a:r>
+              <a:rPr lang="es-PE" dirty="0" smtClean="0">
+                <a:solidFill>
+                  <a:srgbClr val="00823B"/>
+                </a:solidFill>
+              </a:rPr>
+              <a:t/>
+            </a:r>
+            <a:br>
+              <a:rPr lang="es-PE" dirty="0" smtClean="0">
+                <a:solidFill>
+                  <a:srgbClr val="00823B"/>
+                </a:solidFill>
+              </a:rPr>
+            </a:br>
+            <a:r>
+              <a:rPr lang="es-PE" dirty="0" smtClean="0">
+                <a:solidFill>
+                  <a:srgbClr val="00823B"/>
+                </a:solidFill>
+              </a:rPr>
+              <a:t>Identificando </a:t>
+            </a:r>
+            <a:r>
+              <a:rPr lang="es-PE" dirty="0" err="1" smtClean="0">
+                <a:solidFill>
+                  <a:srgbClr val="00823B"/>
+                </a:solidFill>
+              </a:rPr>
+              <a:t>Refactorings</a:t>
+            </a:r>
+            <a:r>
+              <a:rPr lang="es-PE" dirty="0" smtClean="0">
+                <a:solidFill>
+                  <a:srgbClr val="00823B"/>
+                </a:solidFill>
+              </a:rPr>
+              <a:t/>
+            </a:r>
+            <a:br>
+              <a:rPr lang="es-PE" dirty="0" smtClean="0">
+                <a:solidFill>
+                  <a:srgbClr val="00823B"/>
+                </a:solidFill>
+              </a:rPr>
+            </a:br>
+            <a:r>
+              <a:rPr lang="es-PE" dirty="0" smtClean="0">
+                <a:solidFill>
+                  <a:srgbClr val="00823B"/>
+                </a:solidFill>
+              </a:rPr>
+              <a:t>dentro del código.</a:t>
+            </a:r>
+            <a:endParaRPr lang="es-PE" dirty="0">
+              <a:solidFill>
+                <a:srgbClr val="00823B"/>
+              </a:solidFill>
+            </a:endParaRPr>
+          </a:p>
+        </p:txBody>
+      </p:sp>
+    </p:spTree>
+    <p:extLst>
+      <p:ext uri="{BB962C8B-B14F-4D97-AF65-F5344CB8AC3E}">
+        <p14:creationId xmlns:p14="http://schemas.microsoft.com/office/powerpoint/2010/main" val="3222784279"/>
+      </p:ext>
+    </p:extLst>
+  </p:cSld>
+  <p:clrMapOvr>
+    <a:masterClrMapping/>
+  </p:clrMapOvr>
+  <p:timing>
+    <p:tnLst>
+      <p:par>
+        <p:cTn id="1" dur="indefinite" restart="never" nodeType="tmRoot"/>
+      </p:par>
+    </p:tnLst>
+  </p:timing>
+</p:sld>
+</file>
+
+<file path=ppt/slides/slide49.xml><?xml version="1.0" encoding="utf-8"?>
 <p:sld xmlns:a="http://schemas.openxmlformats.org/drawingml/2006/main" xmlns:r="http://schemas.openxmlformats.org/officeDocument/2006/relationships" xmlns:p="http://schemas.openxmlformats.org/presentationml/2006/main">
   <p:cSld>
     <p:spTree>
@@ -21772,1456 +23172,6 @@
 </p:sld>
 </file>
 
-<file path=ppt/slides/slide46.xml><?xml version="1.0" encoding="utf-8"?>
-<p:sld xmlns:a="http://schemas.openxmlformats.org/drawingml/2006/main" xmlns:r="http://schemas.openxmlformats.org/officeDocument/2006/relationships" xmlns:p="http://schemas.openxmlformats.org/presentationml/2006/main">
-  <p:cSld>
-    <p:spTree>
-      <p:nvGrpSpPr>
-        <p:cNvPr id="1" name=""/>
-        <p:cNvGrpSpPr/>
-        <p:nvPr/>
-      </p:nvGrpSpPr>
-      <p:grpSpPr>
-        <a:xfrm>
-          <a:off x="0" y="0"/>
-          <a:ext cx="0" cy="0"/>
-          <a:chOff x="0" y="0"/>
-          <a:chExt cx="0" cy="0"/>
-        </a:xfrm>
-      </p:grpSpPr>
-      <p:sp>
-        <p:nvSpPr>
-          <p:cNvPr id="7" name="1 Título"/>
-          <p:cNvSpPr>
-            <a:spLocks noGrp="1"/>
-          </p:cNvSpPr>
-          <p:nvPr>
-            <p:ph type="title"/>
-          </p:nvPr>
-        </p:nvSpPr>
-        <p:spPr>
-          <a:xfrm>
-            <a:off x="529208" y="51761"/>
-            <a:ext cx="8229600" cy="1143000"/>
-          </a:xfrm>
-        </p:spPr>
-        <p:txBody>
-          <a:bodyPr/>
-          <a:lstStyle/>
-          <a:p>
-            <a:r>
-              <a:rPr lang="es-PE" dirty="0" smtClean="0">
-                <a:solidFill>
-                  <a:srgbClr val="009A46"/>
-                </a:solidFill>
-              </a:rPr>
-              <a:t>¿Cómo </a:t>
-            </a:r>
-            <a:r>
-              <a:rPr lang="es-PE" dirty="0" err="1" smtClean="0">
-                <a:solidFill>
-                  <a:srgbClr val="009A46"/>
-                </a:solidFill>
-              </a:rPr>
-              <a:t>refactorizar</a:t>
-            </a:r>
-            <a:r>
-              <a:rPr lang="es-PE" dirty="0" smtClean="0">
-                <a:solidFill>
-                  <a:srgbClr val="009A46"/>
-                </a:solidFill>
-              </a:rPr>
-              <a:t>?</a:t>
-            </a:r>
-            <a:endParaRPr lang="es-PE" dirty="0">
-              <a:solidFill>
-                <a:srgbClr val="009A46"/>
-              </a:solidFill>
-            </a:endParaRPr>
-          </a:p>
-        </p:txBody>
-      </p:sp>
-      <p:sp>
-        <p:nvSpPr>
-          <p:cNvPr id="9" name="5 Marcador de contenido"/>
-          <p:cNvSpPr txBox="1">
-            <a:spLocks/>
-          </p:cNvSpPr>
-          <p:nvPr/>
-        </p:nvSpPr>
-        <p:spPr bwMode="auto">
-          <a:xfrm>
-            <a:off x="2987824" y="1145777"/>
-            <a:ext cx="3403352" cy="504056"/>
-          </a:xfrm>
-          <a:prstGeom prst="rect">
-            <a:avLst/>
-          </a:prstGeom>
-          <a:noFill/>
-          <a:ln w="9525">
-            <a:noFill/>
-            <a:miter lim="800000"/>
-            <a:headEnd/>
-            <a:tailEnd/>
-          </a:ln>
-        </p:spPr>
-        <p:txBody>
-          <a:bodyPr vert="horz" wrap="square" lIns="91440" tIns="45720" rIns="91440" bIns="45720" numCol="1" anchor="t" anchorCtr="0" compatLnSpc="1">
-            <a:prstTxWarp prst="textNoShape">
-              <a:avLst/>
-            </a:prstTxWarp>
-          </a:bodyPr>
-          <a:lstStyle>
-            <a:lvl1pPr marL="342900" indent="-342900" algn="l" rtl="0" eaLnBrk="1" fontAlgn="base" hangingPunct="1">
-              <a:spcBef>
-                <a:spcPct val="20000"/>
-              </a:spcBef>
-              <a:spcAft>
-                <a:spcPct val="0"/>
-              </a:spcAft>
-              <a:buFont typeface="Arial" charset="0"/>
-              <a:buChar char="•"/>
-              <a:defRPr sz="3200" kern="1200">
-                <a:solidFill>
-                  <a:schemeClr val="tx1"/>
-                </a:solidFill>
-                <a:latin typeface="+mn-lt"/>
-                <a:ea typeface="+mn-ea"/>
-                <a:cs typeface="+mn-cs"/>
-              </a:defRPr>
-            </a:lvl1pPr>
-            <a:lvl2pPr marL="742950" indent="-285750" algn="l" rtl="0" eaLnBrk="1" fontAlgn="base" hangingPunct="1">
-              <a:spcBef>
-                <a:spcPct val="20000"/>
-              </a:spcBef>
-              <a:spcAft>
-                <a:spcPct val="0"/>
-              </a:spcAft>
-              <a:buFont typeface="Arial" charset="0"/>
-              <a:buChar char="–"/>
-              <a:defRPr sz="2800" kern="1200">
-                <a:solidFill>
-                  <a:schemeClr val="tx1"/>
-                </a:solidFill>
-                <a:latin typeface="+mn-lt"/>
-                <a:ea typeface="+mn-ea"/>
-                <a:cs typeface="+mn-cs"/>
-              </a:defRPr>
-            </a:lvl2pPr>
-            <a:lvl3pPr marL="1143000" indent="-228600" algn="l" rtl="0" eaLnBrk="1" fontAlgn="base" hangingPunct="1">
-              <a:spcBef>
-                <a:spcPct val="20000"/>
-              </a:spcBef>
-              <a:spcAft>
-                <a:spcPct val="0"/>
-              </a:spcAft>
-              <a:buFont typeface="Arial" charset="0"/>
-              <a:buChar char="•"/>
-              <a:defRPr sz="2400" kern="1200">
-                <a:solidFill>
-                  <a:schemeClr val="tx1"/>
-                </a:solidFill>
-                <a:latin typeface="+mn-lt"/>
-                <a:ea typeface="+mn-ea"/>
-                <a:cs typeface="+mn-cs"/>
-              </a:defRPr>
-            </a:lvl3pPr>
-            <a:lvl4pPr marL="1600200" indent="-228600" algn="l" rtl="0" eaLnBrk="1" fontAlgn="base" hangingPunct="1">
-              <a:spcBef>
-                <a:spcPct val="20000"/>
-              </a:spcBef>
-              <a:spcAft>
-                <a:spcPct val="0"/>
-              </a:spcAft>
-              <a:buFont typeface="Arial" charset="0"/>
-              <a:buChar char="–"/>
-              <a:defRPr sz="2000" kern="1200">
-                <a:solidFill>
-                  <a:schemeClr val="tx1"/>
-                </a:solidFill>
-                <a:latin typeface="+mn-lt"/>
-                <a:ea typeface="+mn-ea"/>
-                <a:cs typeface="+mn-cs"/>
-              </a:defRPr>
-            </a:lvl4pPr>
-            <a:lvl5pPr marL="2057400" indent="-228600" algn="l" rtl="0" eaLnBrk="1" fontAlgn="base" hangingPunct="1">
-              <a:spcBef>
-                <a:spcPct val="20000"/>
-              </a:spcBef>
-              <a:spcAft>
-                <a:spcPct val="0"/>
-              </a:spcAft>
-              <a:buFont typeface="Arial" charset="0"/>
-              <a:buChar char="»"/>
-              <a:defRPr sz="2000" kern="1200">
-                <a:solidFill>
-                  <a:schemeClr val="tx1"/>
-                </a:solidFill>
-                <a:latin typeface="+mn-lt"/>
-                <a:ea typeface="+mn-ea"/>
-                <a:cs typeface="+mn-cs"/>
-              </a:defRPr>
-            </a:lvl5pPr>
-            <a:lvl6pPr marL="2514600" indent="-228600" algn="l" defTabSz="914400" rtl="0" eaLnBrk="1" latinLnBrk="0" hangingPunct="1">
-              <a:spcBef>
-                <a:spcPct val="20000"/>
-              </a:spcBef>
-              <a:buFont typeface="Arial" pitchFamily="34" charset="0"/>
-              <a:buChar char="•"/>
-              <a:defRPr sz="2000" kern="1200">
-                <a:solidFill>
-                  <a:schemeClr val="tx1"/>
-                </a:solidFill>
-                <a:latin typeface="+mn-lt"/>
-                <a:ea typeface="+mn-ea"/>
-                <a:cs typeface="+mn-cs"/>
-              </a:defRPr>
-            </a:lvl6pPr>
-            <a:lvl7pPr marL="2971800" indent="-228600" algn="l" defTabSz="914400" rtl="0" eaLnBrk="1" latinLnBrk="0" hangingPunct="1">
-              <a:spcBef>
-                <a:spcPct val="20000"/>
-              </a:spcBef>
-              <a:buFont typeface="Arial" pitchFamily="34" charset="0"/>
-              <a:buChar char="•"/>
-              <a:defRPr sz="2000" kern="1200">
-                <a:solidFill>
-                  <a:schemeClr val="tx1"/>
-                </a:solidFill>
-                <a:latin typeface="+mn-lt"/>
-                <a:ea typeface="+mn-ea"/>
-                <a:cs typeface="+mn-cs"/>
-              </a:defRPr>
-            </a:lvl7pPr>
-            <a:lvl8pPr marL="3429000" indent="-228600" algn="l" defTabSz="914400" rtl="0" eaLnBrk="1" latinLnBrk="0" hangingPunct="1">
-              <a:spcBef>
-                <a:spcPct val="20000"/>
-              </a:spcBef>
-              <a:buFont typeface="Arial" pitchFamily="34" charset="0"/>
-              <a:buChar char="•"/>
-              <a:defRPr sz="2000" kern="1200">
-                <a:solidFill>
-                  <a:schemeClr val="tx1"/>
-                </a:solidFill>
-                <a:latin typeface="+mn-lt"/>
-                <a:ea typeface="+mn-ea"/>
-                <a:cs typeface="+mn-cs"/>
-              </a:defRPr>
-            </a:lvl8pPr>
-            <a:lvl9pPr marL="3886200" indent="-228600" algn="l" defTabSz="914400" rtl="0" eaLnBrk="1" latinLnBrk="0" hangingPunct="1">
-              <a:spcBef>
-                <a:spcPct val="20000"/>
-              </a:spcBef>
-              <a:buFont typeface="Arial" pitchFamily="34" charset="0"/>
-              <a:buChar char="•"/>
-              <a:defRPr sz="2000" kern="1200">
-                <a:solidFill>
-                  <a:schemeClr val="tx1"/>
-                </a:solidFill>
-                <a:latin typeface="+mn-lt"/>
-                <a:ea typeface="+mn-ea"/>
-                <a:cs typeface="+mn-cs"/>
-              </a:defRPr>
-            </a:lvl9pPr>
-          </a:lstStyle>
-          <a:p>
-            <a:pPr marL="0" indent="0" algn="ctr">
-              <a:buNone/>
-            </a:pPr>
-            <a:r>
-              <a:rPr lang="es-PE" b="1" dirty="0" smtClean="0">
-                <a:solidFill>
-                  <a:srgbClr val="FF0000"/>
-                </a:solidFill>
-              </a:rPr>
-              <a:t>Ejecutar </a:t>
-            </a:r>
-            <a:r>
-              <a:rPr lang="es-PE" b="1" dirty="0" err="1" smtClean="0">
-                <a:solidFill>
-                  <a:srgbClr val="FF0000"/>
-                </a:solidFill>
-              </a:rPr>
-              <a:t>Tests</a:t>
-            </a:r>
-            <a:r>
-              <a:rPr lang="es-PE" b="1" dirty="0" smtClean="0">
-                <a:solidFill>
-                  <a:srgbClr val="FF0000"/>
-                </a:solidFill>
-              </a:rPr>
-              <a:t> Frecuentemente </a:t>
-            </a:r>
-            <a:endParaRPr lang="es-PE" b="1" dirty="0">
-              <a:solidFill>
-                <a:srgbClr val="FF0000"/>
-              </a:solidFill>
-            </a:endParaRPr>
-          </a:p>
-        </p:txBody>
-      </p:sp>
-      <p:sp>
-        <p:nvSpPr>
-          <p:cNvPr id="11" name="5 Marcador de contenido"/>
-          <p:cNvSpPr txBox="1">
-            <a:spLocks/>
-          </p:cNvSpPr>
-          <p:nvPr/>
-        </p:nvSpPr>
-        <p:spPr bwMode="auto">
-          <a:xfrm>
-            <a:off x="395536" y="2382089"/>
-            <a:ext cx="8352928" cy="1368152"/>
-          </a:xfrm>
-          <a:prstGeom prst="rect">
-            <a:avLst/>
-          </a:prstGeom>
-          <a:noFill/>
-          <a:ln w="9525">
-            <a:noFill/>
-            <a:miter lim="800000"/>
-            <a:headEnd/>
-            <a:tailEnd/>
-          </a:ln>
-        </p:spPr>
-        <p:txBody>
-          <a:bodyPr vert="horz" wrap="square" lIns="91440" tIns="45720" rIns="91440" bIns="45720" numCol="1" anchor="t" anchorCtr="0" compatLnSpc="1">
-            <a:prstTxWarp prst="textNoShape">
-              <a:avLst/>
-            </a:prstTxWarp>
-          </a:bodyPr>
-          <a:lstStyle>
-            <a:lvl1pPr marL="342900" indent="-342900" algn="l" rtl="0" eaLnBrk="1" fontAlgn="base" hangingPunct="1">
-              <a:spcBef>
-                <a:spcPct val="20000"/>
-              </a:spcBef>
-              <a:spcAft>
-                <a:spcPct val="0"/>
-              </a:spcAft>
-              <a:buFont typeface="Arial" charset="0"/>
-              <a:buChar char="•"/>
-              <a:defRPr sz="3200" kern="1200">
-                <a:solidFill>
-                  <a:schemeClr val="tx1"/>
-                </a:solidFill>
-                <a:latin typeface="+mn-lt"/>
-                <a:ea typeface="+mn-ea"/>
-                <a:cs typeface="+mn-cs"/>
-              </a:defRPr>
-            </a:lvl1pPr>
-            <a:lvl2pPr marL="742950" indent="-285750" algn="l" rtl="0" eaLnBrk="1" fontAlgn="base" hangingPunct="1">
-              <a:spcBef>
-                <a:spcPct val="20000"/>
-              </a:spcBef>
-              <a:spcAft>
-                <a:spcPct val="0"/>
-              </a:spcAft>
-              <a:buFont typeface="Arial" charset="0"/>
-              <a:buChar char="–"/>
-              <a:defRPr sz="2800" kern="1200">
-                <a:solidFill>
-                  <a:schemeClr val="tx1"/>
-                </a:solidFill>
-                <a:latin typeface="+mn-lt"/>
-                <a:ea typeface="+mn-ea"/>
-                <a:cs typeface="+mn-cs"/>
-              </a:defRPr>
-            </a:lvl2pPr>
-            <a:lvl3pPr marL="1143000" indent="-228600" algn="l" rtl="0" eaLnBrk="1" fontAlgn="base" hangingPunct="1">
-              <a:spcBef>
-                <a:spcPct val="20000"/>
-              </a:spcBef>
-              <a:spcAft>
-                <a:spcPct val="0"/>
-              </a:spcAft>
-              <a:buFont typeface="Arial" charset="0"/>
-              <a:buChar char="•"/>
-              <a:defRPr sz="2400" kern="1200">
-                <a:solidFill>
-                  <a:schemeClr val="tx1"/>
-                </a:solidFill>
-                <a:latin typeface="+mn-lt"/>
-                <a:ea typeface="+mn-ea"/>
-                <a:cs typeface="+mn-cs"/>
-              </a:defRPr>
-            </a:lvl3pPr>
-            <a:lvl4pPr marL="1600200" indent="-228600" algn="l" rtl="0" eaLnBrk="1" fontAlgn="base" hangingPunct="1">
-              <a:spcBef>
-                <a:spcPct val="20000"/>
-              </a:spcBef>
-              <a:spcAft>
-                <a:spcPct val="0"/>
-              </a:spcAft>
-              <a:buFont typeface="Arial" charset="0"/>
-              <a:buChar char="–"/>
-              <a:defRPr sz="2000" kern="1200">
-                <a:solidFill>
-                  <a:schemeClr val="tx1"/>
-                </a:solidFill>
-                <a:latin typeface="+mn-lt"/>
-                <a:ea typeface="+mn-ea"/>
-                <a:cs typeface="+mn-cs"/>
-              </a:defRPr>
-            </a:lvl4pPr>
-            <a:lvl5pPr marL="2057400" indent="-228600" algn="l" rtl="0" eaLnBrk="1" fontAlgn="base" hangingPunct="1">
-              <a:spcBef>
-                <a:spcPct val="20000"/>
-              </a:spcBef>
-              <a:spcAft>
-                <a:spcPct val="0"/>
-              </a:spcAft>
-              <a:buFont typeface="Arial" charset="0"/>
-              <a:buChar char="»"/>
-              <a:defRPr sz="2000" kern="1200">
-                <a:solidFill>
-                  <a:schemeClr val="tx1"/>
-                </a:solidFill>
-                <a:latin typeface="+mn-lt"/>
-                <a:ea typeface="+mn-ea"/>
-                <a:cs typeface="+mn-cs"/>
-              </a:defRPr>
-            </a:lvl5pPr>
-            <a:lvl6pPr marL="2514600" indent="-228600" algn="l" defTabSz="914400" rtl="0" eaLnBrk="1" latinLnBrk="0" hangingPunct="1">
-              <a:spcBef>
-                <a:spcPct val="20000"/>
-              </a:spcBef>
-              <a:buFont typeface="Arial" pitchFamily="34" charset="0"/>
-              <a:buChar char="•"/>
-              <a:defRPr sz="2000" kern="1200">
-                <a:solidFill>
-                  <a:schemeClr val="tx1"/>
-                </a:solidFill>
-                <a:latin typeface="+mn-lt"/>
-                <a:ea typeface="+mn-ea"/>
-                <a:cs typeface="+mn-cs"/>
-              </a:defRPr>
-            </a:lvl6pPr>
-            <a:lvl7pPr marL="2971800" indent="-228600" algn="l" defTabSz="914400" rtl="0" eaLnBrk="1" latinLnBrk="0" hangingPunct="1">
-              <a:spcBef>
-                <a:spcPct val="20000"/>
-              </a:spcBef>
-              <a:buFont typeface="Arial" pitchFamily="34" charset="0"/>
-              <a:buChar char="•"/>
-              <a:defRPr sz="2000" kern="1200">
-                <a:solidFill>
-                  <a:schemeClr val="tx1"/>
-                </a:solidFill>
-                <a:latin typeface="+mn-lt"/>
-                <a:ea typeface="+mn-ea"/>
-                <a:cs typeface="+mn-cs"/>
-              </a:defRPr>
-            </a:lvl7pPr>
-            <a:lvl8pPr marL="3429000" indent="-228600" algn="l" defTabSz="914400" rtl="0" eaLnBrk="1" latinLnBrk="0" hangingPunct="1">
-              <a:spcBef>
-                <a:spcPct val="20000"/>
-              </a:spcBef>
-              <a:buFont typeface="Arial" pitchFamily="34" charset="0"/>
-              <a:buChar char="•"/>
-              <a:defRPr sz="2000" kern="1200">
-                <a:solidFill>
-                  <a:schemeClr val="tx1"/>
-                </a:solidFill>
-                <a:latin typeface="+mn-lt"/>
-                <a:ea typeface="+mn-ea"/>
-                <a:cs typeface="+mn-cs"/>
-              </a:defRPr>
-            </a:lvl8pPr>
-            <a:lvl9pPr marL="3886200" indent="-228600" algn="l" defTabSz="914400" rtl="0" eaLnBrk="1" latinLnBrk="0" hangingPunct="1">
-              <a:spcBef>
-                <a:spcPct val="20000"/>
-              </a:spcBef>
-              <a:buFont typeface="Arial" pitchFamily="34" charset="0"/>
-              <a:buChar char="•"/>
-              <a:defRPr sz="2000" kern="1200">
-                <a:solidFill>
-                  <a:schemeClr val="tx1"/>
-                </a:solidFill>
-                <a:latin typeface="+mn-lt"/>
-                <a:ea typeface="+mn-ea"/>
-                <a:cs typeface="+mn-cs"/>
-              </a:defRPr>
-            </a:lvl9pPr>
-          </a:lstStyle>
-          <a:p>
-            <a:pPr marL="0" indent="0" algn="ctr">
-              <a:buNone/>
-            </a:pPr>
-            <a:r>
-              <a:rPr lang="es-PE" sz="2800" dirty="0" smtClean="0">
-                <a:solidFill>
-                  <a:schemeClr val="tx1">
-                    <a:lumMod val="95000"/>
-                  </a:schemeClr>
-                </a:solidFill>
-              </a:rPr>
-              <a:t>Cualquier cambio al código puede introducir defectos. Ejecutar los </a:t>
-            </a:r>
-            <a:r>
-              <a:rPr lang="es-PE" sz="2800" dirty="0" err="1" smtClean="0">
-                <a:solidFill>
-                  <a:schemeClr val="tx1">
-                    <a:lumMod val="95000"/>
-                  </a:schemeClr>
-                </a:solidFill>
-              </a:rPr>
-              <a:t>tests</a:t>
-            </a:r>
-            <a:r>
-              <a:rPr lang="es-PE" sz="2800" dirty="0" smtClean="0">
-                <a:solidFill>
-                  <a:schemeClr val="tx1">
-                    <a:lumMod val="95000"/>
-                  </a:schemeClr>
-                </a:solidFill>
-              </a:rPr>
-              <a:t> luego de cada cambio nos permitirá detectar errores de manera oportuna.</a:t>
-            </a:r>
-            <a:endParaRPr lang="es-PE" sz="2800" dirty="0">
-              <a:solidFill>
-                <a:schemeClr val="tx1">
-                  <a:lumMod val="95000"/>
-                </a:schemeClr>
-              </a:solidFill>
-            </a:endParaRPr>
-          </a:p>
-        </p:txBody>
-      </p:sp>
-      <p:graphicFrame>
-        <p:nvGraphicFramePr>
-          <p:cNvPr id="13" name="12 Diagrama"/>
-          <p:cNvGraphicFramePr/>
-          <p:nvPr>
-            <p:extLst>
-              <p:ext uri="{D42A27DB-BD31-4B8C-83A1-F6EECF244321}">
-                <p14:modId xmlns:p14="http://schemas.microsoft.com/office/powerpoint/2010/main" val="2760076755"/>
-              </p:ext>
-            </p:extLst>
-          </p:nvPr>
-        </p:nvGraphicFramePr>
-        <p:xfrm>
-          <a:off x="656531" y="4182289"/>
-          <a:ext cx="7992887" cy="758879"/>
-        </p:xfrm>
-        <a:graphic>
-          <a:graphicData uri="http://schemas.openxmlformats.org/drawingml/2006/diagram">
-            <dgm:relIds xmlns:dgm="http://schemas.openxmlformats.org/drawingml/2006/diagram" xmlns:r="http://schemas.openxmlformats.org/officeDocument/2006/relationships" r:dm="rId3" r:lo="rId4" r:qs="rId5" r:cs="rId6"/>
-          </a:graphicData>
-        </a:graphic>
-      </p:graphicFrame>
-    </p:spTree>
-    <p:extLst>
-      <p:ext uri="{BB962C8B-B14F-4D97-AF65-F5344CB8AC3E}">
-        <p14:creationId xmlns:p14="http://schemas.microsoft.com/office/powerpoint/2010/main" val="399224212"/>
-      </p:ext>
-    </p:extLst>
-  </p:cSld>
-  <p:clrMapOvr>
-    <a:masterClrMapping/>
-  </p:clrMapOvr>
-  <p:timing>
-    <p:tnLst>
-      <p:par>
-        <p:cTn id="1" dur="indefinite" restart="never" nodeType="tmRoot"/>
-      </p:par>
-    </p:tnLst>
-  </p:timing>
-</p:sld>
-</file>
-
-<file path=ppt/slides/slide47.xml><?xml version="1.0" encoding="utf-8"?>
-<p:sld xmlns:a="http://schemas.openxmlformats.org/drawingml/2006/main" xmlns:r="http://schemas.openxmlformats.org/officeDocument/2006/relationships" xmlns:p="http://schemas.openxmlformats.org/presentationml/2006/main">
-  <p:cSld>
-    <p:spTree>
-      <p:nvGrpSpPr>
-        <p:cNvPr id="1" name=""/>
-        <p:cNvGrpSpPr/>
-        <p:nvPr/>
-      </p:nvGrpSpPr>
-      <p:grpSpPr>
-        <a:xfrm>
-          <a:off x="0" y="0"/>
-          <a:ext cx="0" cy="0"/>
-          <a:chOff x="0" y="0"/>
-          <a:chExt cx="0" cy="0"/>
-        </a:xfrm>
-      </p:grpSpPr>
-      <p:sp>
-        <p:nvSpPr>
-          <p:cNvPr id="7" name="1 Título"/>
-          <p:cNvSpPr>
-            <a:spLocks noGrp="1"/>
-          </p:cNvSpPr>
-          <p:nvPr>
-            <p:ph type="title"/>
-          </p:nvPr>
-        </p:nvSpPr>
-        <p:spPr>
-          <a:xfrm>
-            <a:off x="505024" y="548680"/>
-            <a:ext cx="8229600" cy="1143000"/>
-          </a:xfrm>
-        </p:spPr>
-        <p:txBody>
-          <a:bodyPr/>
-          <a:lstStyle/>
-          <a:p>
-            <a:r>
-              <a:rPr lang="es-PE" dirty="0" smtClean="0">
-                <a:solidFill>
-                  <a:srgbClr val="009A46"/>
-                </a:solidFill>
-              </a:rPr>
-              <a:t>¿Cómo </a:t>
-            </a:r>
-            <a:r>
-              <a:rPr lang="es-PE" dirty="0" err="1" smtClean="0">
-                <a:solidFill>
-                  <a:srgbClr val="009A46"/>
-                </a:solidFill>
-              </a:rPr>
-              <a:t>refactorizar</a:t>
-            </a:r>
-            <a:r>
-              <a:rPr lang="es-PE" dirty="0" smtClean="0">
-                <a:solidFill>
-                  <a:srgbClr val="009A46"/>
-                </a:solidFill>
-              </a:rPr>
-              <a:t>?</a:t>
-            </a:r>
-            <a:endParaRPr lang="es-PE" dirty="0">
-              <a:solidFill>
-                <a:srgbClr val="009A46"/>
-              </a:solidFill>
-            </a:endParaRPr>
-          </a:p>
-        </p:txBody>
-      </p:sp>
-      <p:sp>
-        <p:nvSpPr>
-          <p:cNvPr id="8" name="5 Marcador de contenido"/>
-          <p:cNvSpPr txBox="1">
-            <a:spLocks/>
-          </p:cNvSpPr>
-          <p:nvPr/>
-        </p:nvSpPr>
-        <p:spPr bwMode="auto">
-          <a:xfrm>
-            <a:off x="539552" y="1763688"/>
-            <a:ext cx="8208912" cy="4032448"/>
-          </a:xfrm>
-          <a:prstGeom prst="rect">
-            <a:avLst/>
-          </a:prstGeom>
-          <a:noFill/>
-          <a:ln w="9525">
-            <a:noFill/>
-            <a:miter lim="800000"/>
-            <a:headEnd/>
-            <a:tailEnd/>
-          </a:ln>
-        </p:spPr>
-        <p:txBody>
-          <a:bodyPr vert="horz" wrap="square" lIns="91440" tIns="45720" rIns="91440" bIns="45720" numCol="1" anchor="t" anchorCtr="0" compatLnSpc="1">
-            <a:prstTxWarp prst="textNoShape">
-              <a:avLst/>
-            </a:prstTxWarp>
-          </a:bodyPr>
-          <a:lstStyle>
-            <a:lvl1pPr marL="342900" indent="-342900" algn="l" rtl="0" eaLnBrk="1" fontAlgn="base" hangingPunct="1">
-              <a:spcBef>
-                <a:spcPct val="20000"/>
-              </a:spcBef>
-              <a:spcAft>
-                <a:spcPct val="0"/>
-              </a:spcAft>
-              <a:buFont typeface="Arial" charset="0"/>
-              <a:buChar char="•"/>
-              <a:defRPr sz="3200" kern="1200">
-                <a:solidFill>
-                  <a:schemeClr val="tx1"/>
-                </a:solidFill>
-                <a:latin typeface="+mn-lt"/>
-                <a:ea typeface="+mn-ea"/>
-                <a:cs typeface="+mn-cs"/>
-              </a:defRPr>
-            </a:lvl1pPr>
-            <a:lvl2pPr marL="742950" indent="-285750" algn="l" rtl="0" eaLnBrk="1" fontAlgn="base" hangingPunct="1">
-              <a:spcBef>
-                <a:spcPct val="20000"/>
-              </a:spcBef>
-              <a:spcAft>
-                <a:spcPct val="0"/>
-              </a:spcAft>
-              <a:buFont typeface="Arial" charset="0"/>
-              <a:buChar char="–"/>
-              <a:defRPr sz="2800" kern="1200">
-                <a:solidFill>
-                  <a:schemeClr val="tx1"/>
-                </a:solidFill>
-                <a:latin typeface="+mn-lt"/>
-                <a:ea typeface="+mn-ea"/>
-                <a:cs typeface="+mn-cs"/>
-              </a:defRPr>
-            </a:lvl2pPr>
-            <a:lvl3pPr marL="1143000" indent="-228600" algn="l" rtl="0" eaLnBrk="1" fontAlgn="base" hangingPunct="1">
-              <a:spcBef>
-                <a:spcPct val="20000"/>
-              </a:spcBef>
-              <a:spcAft>
-                <a:spcPct val="0"/>
-              </a:spcAft>
-              <a:buFont typeface="Arial" charset="0"/>
-              <a:buChar char="•"/>
-              <a:defRPr sz="2400" kern="1200">
-                <a:solidFill>
-                  <a:schemeClr val="tx1"/>
-                </a:solidFill>
-                <a:latin typeface="+mn-lt"/>
-                <a:ea typeface="+mn-ea"/>
-                <a:cs typeface="+mn-cs"/>
-              </a:defRPr>
-            </a:lvl3pPr>
-            <a:lvl4pPr marL="1600200" indent="-228600" algn="l" rtl="0" eaLnBrk="1" fontAlgn="base" hangingPunct="1">
-              <a:spcBef>
-                <a:spcPct val="20000"/>
-              </a:spcBef>
-              <a:spcAft>
-                <a:spcPct val="0"/>
-              </a:spcAft>
-              <a:buFont typeface="Arial" charset="0"/>
-              <a:buChar char="–"/>
-              <a:defRPr sz="2000" kern="1200">
-                <a:solidFill>
-                  <a:schemeClr val="tx1"/>
-                </a:solidFill>
-                <a:latin typeface="+mn-lt"/>
-                <a:ea typeface="+mn-ea"/>
-                <a:cs typeface="+mn-cs"/>
-              </a:defRPr>
-            </a:lvl4pPr>
-            <a:lvl5pPr marL="2057400" indent="-228600" algn="l" rtl="0" eaLnBrk="1" fontAlgn="base" hangingPunct="1">
-              <a:spcBef>
-                <a:spcPct val="20000"/>
-              </a:spcBef>
-              <a:spcAft>
-                <a:spcPct val="0"/>
-              </a:spcAft>
-              <a:buFont typeface="Arial" charset="0"/>
-              <a:buChar char="»"/>
-              <a:defRPr sz="2000" kern="1200">
-                <a:solidFill>
-                  <a:schemeClr val="tx1"/>
-                </a:solidFill>
-                <a:latin typeface="+mn-lt"/>
-                <a:ea typeface="+mn-ea"/>
-                <a:cs typeface="+mn-cs"/>
-              </a:defRPr>
-            </a:lvl5pPr>
-            <a:lvl6pPr marL="2514600" indent="-228600" algn="l" defTabSz="914400" rtl="0" eaLnBrk="1" latinLnBrk="0" hangingPunct="1">
-              <a:spcBef>
-                <a:spcPct val="20000"/>
-              </a:spcBef>
-              <a:buFont typeface="Arial" pitchFamily="34" charset="0"/>
-              <a:buChar char="•"/>
-              <a:defRPr sz="2000" kern="1200">
-                <a:solidFill>
-                  <a:schemeClr val="tx1"/>
-                </a:solidFill>
-                <a:latin typeface="+mn-lt"/>
-                <a:ea typeface="+mn-ea"/>
-                <a:cs typeface="+mn-cs"/>
-              </a:defRPr>
-            </a:lvl6pPr>
-            <a:lvl7pPr marL="2971800" indent="-228600" algn="l" defTabSz="914400" rtl="0" eaLnBrk="1" latinLnBrk="0" hangingPunct="1">
-              <a:spcBef>
-                <a:spcPct val="20000"/>
-              </a:spcBef>
-              <a:buFont typeface="Arial" pitchFamily="34" charset="0"/>
-              <a:buChar char="•"/>
-              <a:defRPr sz="2000" kern="1200">
-                <a:solidFill>
-                  <a:schemeClr val="tx1"/>
-                </a:solidFill>
-                <a:latin typeface="+mn-lt"/>
-                <a:ea typeface="+mn-ea"/>
-                <a:cs typeface="+mn-cs"/>
-              </a:defRPr>
-            </a:lvl7pPr>
-            <a:lvl8pPr marL="3429000" indent="-228600" algn="l" defTabSz="914400" rtl="0" eaLnBrk="1" latinLnBrk="0" hangingPunct="1">
-              <a:spcBef>
-                <a:spcPct val="20000"/>
-              </a:spcBef>
-              <a:buFont typeface="Arial" pitchFamily="34" charset="0"/>
-              <a:buChar char="•"/>
-              <a:defRPr sz="2000" kern="1200">
-                <a:solidFill>
-                  <a:schemeClr val="tx1"/>
-                </a:solidFill>
-                <a:latin typeface="+mn-lt"/>
-                <a:ea typeface="+mn-ea"/>
-                <a:cs typeface="+mn-cs"/>
-              </a:defRPr>
-            </a:lvl8pPr>
-            <a:lvl9pPr marL="3886200" indent="-228600" algn="l" defTabSz="914400" rtl="0" eaLnBrk="1" latinLnBrk="0" hangingPunct="1">
-              <a:spcBef>
-                <a:spcPct val="20000"/>
-              </a:spcBef>
-              <a:buFont typeface="Arial" pitchFamily="34" charset="0"/>
-              <a:buChar char="•"/>
-              <a:defRPr sz="2000" kern="1200">
-                <a:solidFill>
-                  <a:schemeClr val="tx1"/>
-                </a:solidFill>
-                <a:latin typeface="+mn-lt"/>
-                <a:ea typeface="+mn-ea"/>
-                <a:cs typeface="+mn-cs"/>
-              </a:defRPr>
-            </a:lvl9pPr>
-          </a:lstStyle>
-          <a:p>
-            <a:r>
-              <a:rPr lang="es-PE" sz="2800" dirty="0" smtClean="0"/>
-              <a:t>Nunca comenzar a </a:t>
-            </a:r>
-            <a:r>
-              <a:rPr lang="es-PE" sz="2800" dirty="0" err="1" smtClean="0"/>
-              <a:t>refactorizar</a:t>
-            </a:r>
-            <a:r>
-              <a:rPr lang="es-PE" sz="2800" dirty="0" smtClean="0"/>
-              <a:t> en rojo.</a:t>
-            </a:r>
-          </a:p>
-          <a:p>
-            <a:r>
-              <a:rPr lang="es-PE" sz="2800" dirty="0" smtClean="0"/>
-              <a:t>Evitar errores de compilación o resolverlos muy rápidamente.</a:t>
-            </a:r>
-          </a:p>
-          <a:p>
-            <a:r>
-              <a:rPr lang="es-PE" sz="2800" dirty="0" smtClean="0"/>
-              <a:t>Siempre realizar pasos muy pequeños.</a:t>
-            </a:r>
-          </a:p>
-          <a:p>
-            <a:r>
-              <a:rPr lang="es-PE" sz="2800" dirty="0" smtClean="0"/>
-              <a:t>Ejecutar los test constantemente.</a:t>
-            </a:r>
-          </a:p>
-          <a:p>
-            <a:pPr marL="0" indent="0">
-              <a:buNone/>
-            </a:pPr>
-            <a:endParaRPr lang="es-PE" sz="2800" dirty="0" smtClean="0"/>
-          </a:p>
-          <a:p>
-            <a:pPr marL="0" indent="0" algn="ctr">
-              <a:buNone/>
-            </a:pPr>
-            <a:r>
-              <a:rPr lang="es-PE" sz="2800" dirty="0" smtClean="0">
-                <a:solidFill>
-                  <a:srgbClr val="FF0000"/>
-                </a:solidFill>
-              </a:rPr>
-              <a:t>El mejor camino es tomar una actitud cautelosa, siempre en pasos muy pequeños y fáciles de revertir.</a:t>
-            </a:r>
-            <a:endParaRPr lang="es-PE" sz="2800" dirty="0">
-              <a:solidFill>
-                <a:srgbClr val="FF0000"/>
-              </a:solidFill>
-            </a:endParaRPr>
-          </a:p>
-          <a:p>
-            <a:pPr marL="0" indent="0">
-              <a:buNone/>
-            </a:pPr>
-            <a:endParaRPr lang="es-PE" sz="2800" dirty="0"/>
-          </a:p>
-        </p:txBody>
-      </p:sp>
-    </p:spTree>
-    <p:extLst>
-      <p:ext uri="{BB962C8B-B14F-4D97-AF65-F5344CB8AC3E}">
-        <p14:creationId xmlns:p14="http://schemas.microsoft.com/office/powerpoint/2010/main" val="3649338716"/>
-      </p:ext>
-    </p:extLst>
-  </p:cSld>
-  <p:clrMapOvr>
-    <a:masterClrMapping/>
-  </p:clrMapOvr>
-  <p:timing>
-    <p:tnLst>
-      <p:par>
-        <p:cTn id="1" dur="indefinite" restart="never" nodeType="tmRoot"/>
-      </p:par>
-    </p:tnLst>
-  </p:timing>
-</p:sld>
-</file>
-
-<file path=ppt/slides/slide48.xml><?xml version="1.0" encoding="utf-8"?>
-<p:sld xmlns:a="http://schemas.openxmlformats.org/drawingml/2006/main" xmlns:r="http://schemas.openxmlformats.org/officeDocument/2006/relationships" xmlns:p="http://schemas.openxmlformats.org/presentationml/2006/main">
-  <p:cSld>
-    <p:spTree>
-      <p:nvGrpSpPr>
-        <p:cNvPr id="1" name=""/>
-        <p:cNvGrpSpPr/>
-        <p:nvPr/>
-      </p:nvGrpSpPr>
-      <p:grpSpPr>
-        <a:xfrm>
-          <a:off x="0" y="0"/>
-          <a:ext cx="0" cy="0"/>
-          <a:chOff x="0" y="0"/>
-          <a:chExt cx="0" cy="0"/>
-        </a:xfrm>
-      </p:grpSpPr>
-      <p:sp>
-        <p:nvSpPr>
-          <p:cNvPr id="3" name="2 Título"/>
-          <p:cNvSpPr>
-            <a:spLocks noGrp="1"/>
-          </p:cNvSpPr>
-          <p:nvPr>
-            <p:ph type="title"/>
-          </p:nvPr>
-        </p:nvSpPr>
-        <p:spPr>
-          <a:xfrm>
-            <a:off x="457200" y="260648"/>
-            <a:ext cx="8229600" cy="796950"/>
-          </a:xfrm>
-        </p:spPr>
-        <p:txBody>
-          <a:bodyPr/>
-          <a:lstStyle/>
-          <a:p>
-            <a:r>
-              <a:rPr lang="es-PE" dirty="0" smtClean="0">
-                <a:solidFill>
-                  <a:srgbClr val="00823B"/>
-                </a:solidFill>
-              </a:rPr>
-              <a:t>Herramientas </a:t>
-            </a:r>
-            <a:r>
-              <a:rPr lang="es-PE" dirty="0" err="1" smtClean="0">
-                <a:solidFill>
-                  <a:srgbClr val="00823B"/>
-                </a:solidFill>
-              </a:rPr>
-              <a:t>Refactoring</a:t>
-            </a:r>
-            <a:endParaRPr lang="es-PE" dirty="0">
-              <a:solidFill>
-                <a:srgbClr val="00823B"/>
-              </a:solidFill>
-            </a:endParaRPr>
-          </a:p>
-        </p:txBody>
-      </p:sp>
-      <p:sp>
-        <p:nvSpPr>
-          <p:cNvPr id="7" name="5 Marcador de contenido"/>
-          <p:cNvSpPr txBox="1">
-            <a:spLocks/>
-          </p:cNvSpPr>
-          <p:nvPr/>
-        </p:nvSpPr>
-        <p:spPr bwMode="auto">
-          <a:xfrm>
-            <a:off x="393882" y="5358226"/>
-            <a:ext cx="8428243" cy="1066945"/>
-          </a:xfrm>
-          <a:prstGeom prst="rect">
-            <a:avLst/>
-          </a:prstGeom>
-          <a:noFill/>
-          <a:ln w="9525">
-            <a:noFill/>
-            <a:miter lim="800000"/>
-            <a:headEnd/>
-            <a:tailEnd/>
-          </a:ln>
-        </p:spPr>
-        <p:txBody>
-          <a:bodyPr vert="horz" wrap="square" lIns="91440" tIns="45720" rIns="91440" bIns="45720" numCol="1" anchor="t" anchorCtr="0" compatLnSpc="1">
-            <a:prstTxWarp prst="textNoShape">
-              <a:avLst/>
-            </a:prstTxWarp>
-          </a:bodyPr>
-          <a:lstStyle>
-            <a:lvl1pPr marL="342900" indent="-342900" algn="l" rtl="0" eaLnBrk="1" fontAlgn="base" hangingPunct="1">
-              <a:spcBef>
-                <a:spcPct val="20000"/>
-              </a:spcBef>
-              <a:spcAft>
-                <a:spcPct val="0"/>
-              </a:spcAft>
-              <a:buFont typeface="Arial" charset="0"/>
-              <a:buChar char="•"/>
-              <a:defRPr sz="3200" kern="1200">
-                <a:solidFill>
-                  <a:schemeClr val="tx1"/>
-                </a:solidFill>
-                <a:latin typeface="+mn-lt"/>
-                <a:ea typeface="+mn-ea"/>
-                <a:cs typeface="+mn-cs"/>
-              </a:defRPr>
-            </a:lvl1pPr>
-            <a:lvl2pPr marL="742950" indent="-285750" algn="l" rtl="0" eaLnBrk="1" fontAlgn="base" hangingPunct="1">
-              <a:spcBef>
-                <a:spcPct val="20000"/>
-              </a:spcBef>
-              <a:spcAft>
-                <a:spcPct val="0"/>
-              </a:spcAft>
-              <a:buFont typeface="Arial" charset="0"/>
-              <a:buChar char="–"/>
-              <a:defRPr sz="2800" kern="1200">
-                <a:solidFill>
-                  <a:schemeClr val="tx1"/>
-                </a:solidFill>
-                <a:latin typeface="+mn-lt"/>
-                <a:ea typeface="+mn-ea"/>
-                <a:cs typeface="+mn-cs"/>
-              </a:defRPr>
-            </a:lvl2pPr>
-            <a:lvl3pPr marL="1143000" indent="-228600" algn="l" rtl="0" eaLnBrk="1" fontAlgn="base" hangingPunct="1">
-              <a:spcBef>
-                <a:spcPct val="20000"/>
-              </a:spcBef>
-              <a:spcAft>
-                <a:spcPct val="0"/>
-              </a:spcAft>
-              <a:buFont typeface="Arial" charset="0"/>
-              <a:buChar char="•"/>
-              <a:defRPr sz="2400" kern="1200">
-                <a:solidFill>
-                  <a:schemeClr val="tx1"/>
-                </a:solidFill>
-                <a:latin typeface="+mn-lt"/>
-                <a:ea typeface="+mn-ea"/>
-                <a:cs typeface="+mn-cs"/>
-              </a:defRPr>
-            </a:lvl3pPr>
-            <a:lvl4pPr marL="1600200" indent="-228600" algn="l" rtl="0" eaLnBrk="1" fontAlgn="base" hangingPunct="1">
-              <a:spcBef>
-                <a:spcPct val="20000"/>
-              </a:spcBef>
-              <a:spcAft>
-                <a:spcPct val="0"/>
-              </a:spcAft>
-              <a:buFont typeface="Arial" charset="0"/>
-              <a:buChar char="–"/>
-              <a:defRPr sz="2000" kern="1200">
-                <a:solidFill>
-                  <a:schemeClr val="tx1"/>
-                </a:solidFill>
-                <a:latin typeface="+mn-lt"/>
-                <a:ea typeface="+mn-ea"/>
-                <a:cs typeface="+mn-cs"/>
-              </a:defRPr>
-            </a:lvl4pPr>
-            <a:lvl5pPr marL="2057400" indent="-228600" algn="l" rtl="0" eaLnBrk="1" fontAlgn="base" hangingPunct="1">
-              <a:spcBef>
-                <a:spcPct val="20000"/>
-              </a:spcBef>
-              <a:spcAft>
-                <a:spcPct val="0"/>
-              </a:spcAft>
-              <a:buFont typeface="Arial" charset="0"/>
-              <a:buChar char="»"/>
-              <a:defRPr sz="2000" kern="1200">
-                <a:solidFill>
-                  <a:schemeClr val="tx1"/>
-                </a:solidFill>
-                <a:latin typeface="+mn-lt"/>
-                <a:ea typeface="+mn-ea"/>
-                <a:cs typeface="+mn-cs"/>
-              </a:defRPr>
-            </a:lvl5pPr>
-            <a:lvl6pPr marL="2514600" indent="-228600" algn="l" defTabSz="914400" rtl="0" eaLnBrk="1" latinLnBrk="0" hangingPunct="1">
-              <a:spcBef>
-                <a:spcPct val="20000"/>
-              </a:spcBef>
-              <a:buFont typeface="Arial" pitchFamily="34" charset="0"/>
-              <a:buChar char="•"/>
-              <a:defRPr sz="2000" kern="1200">
-                <a:solidFill>
-                  <a:schemeClr val="tx1"/>
-                </a:solidFill>
-                <a:latin typeface="+mn-lt"/>
-                <a:ea typeface="+mn-ea"/>
-                <a:cs typeface="+mn-cs"/>
-              </a:defRPr>
-            </a:lvl6pPr>
-            <a:lvl7pPr marL="2971800" indent="-228600" algn="l" defTabSz="914400" rtl="0" eaLnBrk="1" latinLnBrk="0" hangingPunct="1">
-              <a:spcBef>
-                <a:spcPct val="20000"/>
-              </a:spcBef>
-              <a:buFont typeface="Arial" pitchFamily="34" charset="0"/>
-              <a:buChar char="•"/>
-              <a:defRPr sz="2000" kern="1200">
-                <a:solidFill>
-                  <a:schemeClr val="tx1"/>
-                </a:solidFill>
-                <a:latin typeface="+mn-lt"/>
-                <a:ea typeface="+mn-ea"/>
-                <a:cs typeface="+mn-cs"/>
-              </a:defRPr>
-            </a:lvl7pPr>
-            <a:lvl8pPr marL="3429000" indent="-228600" algn="l" defTabSz="914400" rtl="0" eaLnBrk="1" latinLnBrk="0" hangingPunct="1">
-              <a:spcBef>
-                <a:spcPct val="20000"/>
-              </a:spcBef>
-              <a:buFont typeface="Arial" pitchFamily="34" charset="0"/>
-              <a:buChar char="•"/>
-              <a:defRPr sz="2000" kern="1200">
-                <a:solidFill>
-                  <a:schemeClr val="tx1"/>
-                </a:solidFill>
-                <a:latin typeface="+mn-lt"/>
-                <a:ea typeface="+mn-ea"/>
-                <a:cs typeface="+mn-cs"/>
-              </a:defRPr>
-            </a:lvl8pPr>
-            <a:lvl9pPr marL="3886200" indent="-228600" algn="l" defTabSz="914400" rtl="0" eaLnBrk="1" latinLnBrk="0" hangingPunct="1">
-              <a:spcBef>
-                <a:spcPct val="20000"/>
-              </a:spcBef>
-              <a:buFont typeface="Arial" pitchFamily="34" charset="0"/>
-              <a:buChar char="•"/>
-              <a:defRPr sz="2000" kern="1200">
-                <a:solidFill>
-                  <a:schemeClr val="tx1"/>
-                </a:solidFill>
-                <a:latin typeface="+mn-lt"/>
-                <a:ea typeface="+mn-ea"/>
-                <a:cs typeface="+mn-cs"/>
-              </a:defRPr>
-            </a:lvl9pPr>
-          </a:lstStyle>
-          <a:p>
-            <a:r>
-              <a:rPr lang="es-PE" sz="2600" dirty="0" smtClean="0">
-                <a:solidFill>
-                  <a:schemeClr val="tx1">
-                    <a:lumMod val="95000"/>
-                  </a:schemeClr>
-                </a:solidFill>
-              </a:rPr>
-              <a:t>La gran mayoría de </a:t>
-            </a:r>
-            <a:r>
-              <a:rPr lang="es-PE" sz="2600" dirty="0" err="1" smtClean="0">
-                <a:solidFill>
-                  <a:schemeClr val="tx1">
-                    <a:lumMod val="95000"/>
-                  </a:schemeClr>
-                </a:solidFill>
-              </a:rPr>
-              <a:t>IDEs</a:t>
-            </a:r>
-            <a:r>
-              <a:rPr lang="es-PE" sz="2600" dirty="0" smtClean="0">
-                <a:solidFill>
-                  <a:schemeClr val="tx1">
-                    <a:lumMod val="95000"/>
-                  </a:schemeClr>
-                </a:solidFill>
-              </a:rPr>
-              <a:t> ya proveen estas herramientas.</a:t>
-            </a:r>
-          </a:p>
-          <a:p>
-            <a:r>
-              <a:rPr lang="es-PE" sz="2600" dirty="0" smtClean="0">
-                <a:solidFill>
-                  <a:schemeClr val="tx1">
-                    <a:lumMod val="95000"/>
-                  </a:schemeClr>
-                </a:solidFill>
-              </a:rPr>
-              <a:t>No son perfectas.</a:t>
-            </a:r>
-            <a:endParaRPr lang="es-PE" sz="2600" dirty="0">
-              <a:solidFill>
-                <a:schemeClr val="tx1">
-                  <a:lumMod val="95000"/>
-                </a:schemeClr>
-              </a:solidFill>
-            </a:endParaRPr>
-          </a:p>
-        </p:txBody>
-      </p:sp>
-      <p:pic>
-        <p:nvPicPr>
-          <p:cNvPr id="9" name="Picture 2"/>
-          <p:cNvPicPr>
-            <a:picLocks noChangeAspect="1" noChangeArrowheads="1"/>
-          </p:cNvPicPr>
-          <p:nvPr/>
-        </p:nvPicPr>
-        <p:blipFill rotWithShape="1">
-          <a:blip r:embed="rId3">
-            <a:extLst>
-              <a:ext uri="{28A0092B-C50C-407E-A947-70E740481C1C}">
-                <a14:useLocalDpi xmlns:a14="http://schemas.microsoft.com/office/drawing/2010/main" val="0"/>
-              </a:ext>
-            </a:extLst>
-          </a:blip>
-          <a:srcRect l="7605" r="-1" b="17955"/>
-          <a:stretch/>
-        </p:blipFill>
-        <p:spPr bwMode="auto">
-          <a:xfrm>
-            <a:off x="2842267" y="2261882"/>
-            <a:ext cx="3531474" cy="2952328"/>
-          </a:xfrm>
-          <a:prstGeom prst="rect">
-            <a:avLst/>
-          </a:prstGeom>
-          <a:noFill/>
-          <a:ln>
-            <a:noFill/>
-          </a:ln>
-          <a:effectLst/>
-          <a:extLst>
-            <a:ext uri="{909E8E84-426E-40DD-AFC4-6F175D3DCCD1}">
-              <a14:hiddenFill xmlns:a14="http://schemas.microsoft.com/office/drawing/2010/main">
-                <a:solidFill>
-                  <a:schemeClr val="accent1"/>
-                </a:solidFill>
-              </a14:hiddenFill>
-            </a:ext>
-            <a:ext uri="{91240B29-F687-4F45-9708-019B960494DF}">
-              <a14:hiddenLine xmlns:a14="http://schemas.microsoft.com/office/drawing/2010/main" w="9525">
-                <a:solidFill>
-                  <a:schemeClr val="tx1"/>
-                </a:solidFill>
-                <a:miter lim="800000"/>
-                <a:headEnd/>
-                <a:tailEnd/>
-              </a14:hiddenLine>
-            </a:ext>
-            <a:ext uri="{AF507438-7753-43E0-B8FC-AC1667EBCBE1}">
-              <a14:hiddenEffects xmlns:a14="http://schemas.microsoft.com/office/drawing/2010/main">
-                <a:effectLst>
-                  <a:outerShdw dist="35921" dir="2700000" algn="ctr" rotWithShape="0">
-                    <a:schemeClr val="bg2"/>
-                  </a:outerShdw>
-                </a:effectLst>
-              </a14:hiddenEffects>
-            </a:ext>
-          </a:extLst>
-        </p:spPr>
-      </p:pic>
-      <p:sp>
-        <p:nvSpPr>
-          <p:cNvPr id="10" name="9 Rectángulo"/>
-          <p:cNvSpPr/>
-          <p:nvPr/>
-        </p:nvSpPr>
-        <p:spPr>
-          <a:xfrm>
-            <a:off x="1151620" y="1124744"/>
-            <a:ext cx="6912768" cy="954107"/>
-          </a:xfrm>
-          <a:prstGeom prst="rect">
-            <a:avLst/>
-          </a:prstGeom>
-        </p:spPr>
-        <p:txBody>
-          <a:bodyPr wrap="square">
-            <a:spAutoFit/>
-          </a:bodyPr>
-          <a:lstStyle/>
-          <a:p>
-            <a:pPr algn="ctr"/>
-            <a:r>
-              <a:rPr lang="es-PE" sz="2800" dirty="0" smtClean="0">
-                <a:solidFill>
-                  <a:srgbClr val="FFC000"/>
-                </a:solidFill>
-              </a:rPr>
-              <a:t>Permiten producir </a:t>
-            </a:r>
-            <a:r>
-              <a:rPr lang="es-PE" sz="2800" dirty="0">
-                <a:solidFill>
-                  <a:srgbClr val="FFC000"/>
-                </a:solidFill>
-              </a:rPr>
-              <a:t>mejoras significativas en el diseño sin mucho </a:t>
-            </a:r>
-            <a:r>
-              <a:rPr lang="es-PE" sz="2800" dirty="0" smtClean="0">
-                <a:solidFill>
-                  <a:srgbClr val="FFC000"/>
-                </a:solidFill>
-              </a:rPr>
-              <a:t>esfuerzo. </a:t>
-            </a:r>
-            <a:endParaRPr lang="es-PE" sz="2800" dirty="0">
-              <a:solidFill>
-                <a:srgbClr val="FFC000"/>
-              </a:solidFill>
-            </a:endParaRPr>
-          </a:p>
-        </p:txBody>
-      </p:sp>
-    </p:spTree>
-    <p:extLst>
-      <p:ext uri="{BB962C8B-B14F-4D97-AF65-F5344CB8AC3E}">
-        <p14:creationId xmlns:p14="http://schemas.microsoft.com/office/powerpoint/2010/main" val="201101586"/>
-      </p:ext>
-    </p:extLst>
-  </p:cSld>
-  <p:clrMapOvr>
-    <a:masterClrMapping/>
-  </p:clrMapOvr>
-  <p:timing>
-    <p:tnLst>
-      <p:par>
-        <p:cTn id="1" dur="indefinite" restart="never" nodeType="tmRoot"/>
-      </p:par>
-    </p:tnLst>
-  </p:timing>
-</p:sld>
-</file>
-
-<file path=ppt/slides/slide49.xml><?xml version="1.0" encoding="utf-8"?>
-<p:sld xmlns:a="http://schemas.openxmlformats.org/drawingml/2006/main" xmlns:r="http://schemas.openxmlformats.org/officeDocument/2006/relationships" xmlns:p="http://schemas.openxmlformats.org/presentationml/2006/main">
-  <p:cSld>
-    <p:spTree>
-      <p:nvGrpSpPr>
-        <p:cNvPr id="1" name=""/>
-        <p:cNvGrpSpPr/>
-        <p:nvPr/>
-      </p:nvGrpSpPr>
-      <p:grpSpPr>
-        <a:xfrm>
-          <a:off x="0" y="0"/>
-          <a:ext cx="0" cy="0"/>
-          <a:chOff x="0" y="0"/>
-          <a:chExt cx="0" cy="0"/>
-        </a:xfrm>
-      </p:grpSpPr>
-      <p:sp>
-        <p:nvSpPr>
-          <p:cNvPr id="3" name="2 Título"/>
-          <p:cNvSpPr>
-            <a:spLocks noGrp="1"/>
-          </p:cNvSpPr>
-          <p:nvPr>
-            <p:ph type="title"/>
-          </p:nvPr>
-        </p:nvSpPr>
-        <p:spPr>
-          <a:xfrm>
-            <a:off x="467544" y="2348880"/>
-            <a:ext cx="8229600" cy="1296144"/>
-          </a:xfrm>
-        </p:spPr>
-        <p:txBody>
-          <a:bodyPr/>
-          <a:lstStyle/>
-          <a:p>
-            <a:r>
-              <a:rPr lang="es-PE" dirty="0" smtClean="0">
-                <a:solidFill>
-                  <a:srgbClr val="FFC000"/>
-                </a:solidFill>
-              </a:rPr>
-              <a:t>Ejercicio </a:t>
-            </a:r>
-            <a:r>
-              <a:rPr lang="es-PE" dirty="0" smtClean="0">
-                <a:solidFill>
-                  <a:srgbClr val="00823B"/>
-                </a:solidFill>
-              </a:rPr>
-              <a:t/>
-            </a:r>
-            <a:br>
-              <a:rPr lang="es-PE" dirty="0" smtClean="0">
-                <a:solidFill>
-                  <a:srgbClr val="00823B"/>
-                </a:solidFill>
-              </a:rPr>
-            </a:br>
-            <a:r>
-              <a:rPr lang="es-PE" dirty="0" err="1" smtClean="0">
-                <a:solidFill>
-                  <a:srgbClr val="00823B"/>
-                </a:solidFill>
-              </a:rPr>
-              <a:t>Refactorizar</a:t>
-            </a:r>
-            <a:r>
-              <a:rPr lang="es-PE" dirty="0" smtClean="0">
-                <a:solidFill>
-                  <a:srgbClr val="00823B"/>
-                </a:solidFill>
-              </a:rPr>
-              <a:t> </a:t>
-            </a:r>
-            <a:r>
-              <a:rPr lang="es-PE" dirty="0" err="1" smtClean="0">
-                <a:solidFill>
-                  <a:srgbClr val="00823B"/>
-                </a:solidFill>
-              </a:rPr>
-              <a:t>Code</a:t>
-            </a:r>
-            <a:r>
-              <a:rPr lang="es-PE" dirty="0" smtClean="0">
-                <a:solidFill>
-                  <a:srgbClr val="00823B"/>
-                </a:solidFill>
-              </a:rPr>
-              <a:t> </a:t>
-            </a:r>
-            <a:r>
-              <a:rPr lang="es-PE" dirty="0" err="1" smtClean="0">
-                <a:solidFill>
-                  <a:srgbClr val="00823B"/>
-                </a:solidFill>
-              </a:rPr>
-              <a:t>Smells</a:t>
-            </a:r>
-            <a:endParaRPr lang="es-PE" dirty="0">
-              <a:solidFill>
-                <a:srgbClr val="00823B"/>
-              </a:solidFill>
-            </a:endParaRPr>
-          </a:p>
-        </p:txBody>
-      </p:sp>
-    </p:spTree>
-    <p:extLst>
-      <p:ext uri="{BB962C8B-B14F-4D97-AF65-F5344CB8AC3E}">
-        <p14:creationId xmlns:p14="http://schemas.microsoft.com/office/powerpoint/2010/main" val="1734597820"/>
-      </p:ext>
-    </p:extLst>
-  </p:cSld>
-  <p:clrMapOvr>
-    <a:masterClrMapping/>
-  </p:clrMapOvr>
-  <p:timing>
-    <p:tnLst>
-      <p:par>
-        <p:cTn id="1" dur="indefinite" restart="never" nodeType="tmRoot"/>
-      </p:par>
-    </p:tnLst>
-  </p:timing>
-</p:sld>
-</file>
-
 <file path=ppt/slides/slide5.xml><?xml version="1.0" encoding="utf-8"?>
 <p:sld xmlns:a="http://schemas.openxmlformats.org/drawingml/2006/main" xmlns:r="http://schemas.openxmlformats.org/officeDocument/2006/relationships" xmlns:p="http://schemas.openxmlformats.org/presentationml/2006/main">
   <p:cSld>
@@ -23509,6 +23459,1456 @@
 </file>
 
 <file path=ppt/slides/slide50.xml><?xml version="1.0" encoding="utf-8"?>
+<p:sld xmlns:a="http://schemas.openxmlformats.org/drawingml/2006/main" xmlns:r="http://schemas.openxmlformats.org/officeDocument/2006/relationships" xmlns:p="http://schemas.openxmlformats.org/presentationml/2006/main">
+  <p:cSld>
+    <p:spTree>
+      <p:nvGrpSpPr>
+        <p:cNvPr id="1" name=""/>
+        <p:cNvGrpSpPr/>
+        <p:nvPr/>
+      </p:nvGrpSpPr>
+      <p:grpSpPr>
+        <a:xfrm>
+          <a:off x="0" y="0"/>
+          <a:ext cx="0" cy="0"/>
+          <a:chOff x="0" y="0"/>
+          <a:chExt cx="0" cy="0"/>
+        </a:xfrm>
+      </p:grpSpPr>
+      <p:sp>
+        <p:nvSpPr>
+          <p:cNvPr id="7" name="1 Título"/>
+          <p:cNvSpPr>
+            <a:spLocks noGrp="1"/>
+          </p:cNvSpPr>
+          <p:nvPr>
+            <p:ph type="title"/>
+          </p:nvPr>
+        </p:nvSpPr>
+        <p:spPr>
+          <a:xfrm>
+            <a:off x="529208" y="51761"/>
+            <a:ext cx="8229600" cy="1143000"/>
+          </a:xfrm>
+        </p:spPr>
+        <p:txBody>
+          <a:bodyPr/>
+          <a:lstStyle/>
+          <a:p>
+            <a:r>
+              <a:rPr lang="es-PE" dirty="0" smtClean="0">
+                <a:solidFill>
+                  <a:srgbClr val="009A46"/>
+                </a:solidFill>
+              </a:rPr>
+              <a:t>¿Cómo </a:t>
+            </a:r>
+            <a:r>
+              <a:rPr lang="es-PE" dirty="0" err="1" smtClean="0">
+                <a:solidFill>
+                  <a:srgbClr val="009A46"/>
+                </a:solidFill>
+              </a:rPr>
+              <a:t>refactorizar</a:t>
+            </a:r>
+            <a:r>
+              <a:rPr lang="es-PE" dirty="0" smtClean="0">
+                <a:solidFill>
+                  <a:srgbClr val="009A46"/>
+                </a:solidFill>
+              </a:rPr>
+              <a:t>?</a:t>
+            </a:r>
+            <a:endParaRPr lang="es-PE" dirty="0">
+              <a:solidFill>
+                <a:srgbClr val="009A46"/>
+              </a:solidFill>
+            </a:endParaRPr>
+          </a:p>
+        </p:txBody>
+      </p:sp>
+      <p:sp>
+        <p:nvSpPr>
+          <p:cNvPr id="9" name="5 Marcador de contenido"/>
+          <p:cNvSpPr txBox="1">
+            <a:spLocks/>
+          </p:cNvSpPr>
+          <p:nvPr/>
+        </p:nvSpPr>
+        <p:spPr bwMode="auto">
+          <a:xfrm>
+            <a:off x="1583668" y="1412776"/>
+            <a:ext cx="5976664" cy="504056"/>
+          </a:xfrm>
+          <a:prstGeom prst="rect">
+            <a:avLst/>
+          </a:prstGeom>
+          <a:noFill/>
+          <a:ln w="9525">
+            <a:noFill/>
+            <a:miter lim="800000"/>
+            <a:headEnd/>
+            <a:tailEnd/>
+          </a:ln>
+        </p:spPr>
+        <p:txBody>
+          <a:bodyPr vert="horz" wrap="square" lIns="91440" tIns="45720" rIns="91440" bIns="45720" numCol="1" anchor="t" anchorCtr="0" compatLnSpc="1">
+            <a:prstTxWarp prst="textNoShape">
+              <a:avLst/>
+            </a:prstTxWarp>
+          </a:bodyPr>
+          <a:lstStyle>
+            <a:lvl1pPr marL="342900" indent="-342900" algn="l" rtl="0" eaLnBrk="1" fontAlgn="base" hangingPunct="1">
+              <a:spcBef>
+                <a:spcPct val="20000"/>
+              </a:spcBef>
+              <a:spcAft>
+                <a:spcPct val="0"/>
+              </a:spcAft>
+              <a:buFont typeface="Arial" charset="0"/>
+              <a:buChar char="•"/>
+              <a:defRPr sz="3200" kern="1200">
+                <a:solidFill>
+                  <a:schemeClr val="tx1"/>
+                </a:solidFill>
+                <a:latin typeface="+mn-lt"/>
+                <a:ea typeface="+mn-ea"/>
+                <a:cs typeface="+mn-cs"/>
+              </a:defRPr>
+            </a:lvl1pPr>
+            <a:lvl2pPr marL="742950" indent="-285750" algn="l" rtl="0" eaLnBrk="1" fontAlgn="base" hangingPunct="1">
+              <a:spcBef>
+                <a:spcPct val="20000"/>
+              </a:spcBef>
+              <a:spcAft>
+                <a:spcPct val="0"/>
+              </a:spcAft>
+              <a:buFont typeface="Arial" charset="0"/>
+              <a:buChar char="–"/>
+              <a:defRPr sz="2800" kern="1200">
+                <a:solidFill>
+                  <a:schemeClr val="tx1"/>
+                </a:solidFill>
+                <a:latin typeface="+mn-lt"/>
+                <a:ea typeface="+mn-ea"/>
+                <a:cs typeface="+mn-cs"/>
+              </a:defRPr>
+            </a:lvl2pPr>
+            <a:lvl3pPr marL="1143000" indent="-228600" algn="l" rtl="0" eaLnBrk="1" fontAlgn="base" hangingPunct="1">
+              <a:spcBef>
+                <a:spcPct val="20000"/>
+              </a:spcBef>
+              <a:spcAft>
+                <a:spcPct val="0"/>
+              </a:spcAft>
+              <a:buFont typeface="Arial" charset="0"/>
+              <a:buChar char="•"/>
+              <a:defRPr sz="2400" kern="1200">
+                <a:solidFill>
+                  <a:schemeClr val="tx1"/>
+                </a:solidFill>
+                <a:latin typeface="+mn-lt"/>
+                <a:ea typeface="+mn-ea"/>
+                <a:cs typeface="+mn-cs"/>
+              </a:defRPr>
+            </a:lvl3pPr>
+            <a:lvl4pPr marL="1600200" indent="-228600" algn="l" rtl="0" eaLnBrk="1" fontAlgn="base" hangingPunct="1">
+              <a:spcBef>
+                <a:spcPct val="20000"/>
+              </a:spcBef>
+              <a:spcAft>
+                <a:spcPct val="0"/>
+              </a:spcAft>
+              <a:buFont typeface="Arial" charset="0"/>
+              <a:buChar char="–"/>
+              <a:defRPr sz="2000" kern="1200">
+                <a:solidFill>
+                  <a:schemeClr val="tx1"/>
+                </a:solidFill>
+                <a:latin typeface="+mn-lt"/>
+                <a:ea typeface="+mn-ea"/>
+                <a:cs typeface="+mn-cs"/>
+              </a:defRPr>
+            </a:lvl4pPr>
+            <a:lvl5pPr marL="2057400" indent="-228600" algn="l" rtl="0" eaLnBrk="1" fontAlgn="base" hangingPunct="1">
+              <a:spcBef>
+                <a:spcPct val="20000"/>
+              </a:spcBef>
+              <a:spcAft>
+                <a:spcPct val="0"/>
+              </a:spcAft>
+              <a:buFont typeface="Arial" charset="0"/>
+              <a:buChar char="»"/>
+              <a:defRPr sz="2000" kern="1200">
+                <a:solidFill>
+                  <a:schemeClr val="tx1"/>
+                </a:solidFill>
+                <a:latin typeface="+mn-lt"/>
+                <a:ea typeface="+mn-ea"/>
+                <a:cs typeface="+mn-cs"/>
+              </a:defRPr>
+            </a:lvl5pPr>
+            <a:lvl6pPr marL="2514600" indent="-228600" algn="l" defTabSz="914400" rtl="0" eaLnBrk="1" latinLnBrk="0" hangingPunct="1">
+              <a:spcBef>
+                <a:spcPct val="20000"/>
+              </a:spcBef>
+              <a:buFont typeface="Arial" pitchFamily="34" charset="0"/>
+              <a:buChar char="•"/>
+              <a:defRPr sz="2000" kern="1200">
+                <a:solidFill>
+                  <a:schemeClr val="tx1"/>
+                </a:solidFill>
+                <a:latin typeface="+mn-lt"/>
+                <a:ea typeface="+mn-ea"/>
+                <a:cs typeface="+mn-cs"/>
+              </a:defRPr>
+            </a:lvl6pPr>
+            <a:lvl7pPr marL="2971800" indent="-228600" algn="l" defTabSz="914400" rtl="0" eaLnBrk="1" latinLnBrk="0" hangingPunct="1">
+              <a:spcBef>
+                <a:spcPct val="20000"/>
+              </a:spcBef>
+              <a:buFont typeface="Arial" pitchFamily="34" charset="0"/>
+              <a:buChar char="•"/>
+              <a:defRPr sz="2000" kern="1200">
+                <a:solidFill>
+                  <a:schemeClr val="tx1"/>
+                </a:solidFill>
+                <a:latin typeface="+mn-lt"/>
+                <a:ea typeface="+mn-ea"/>
+                <a:cs typeface="+mn-cs"/>
+              </a:defRPr>
+            </a:lvl7pPr>
+            <a:lvl8pPr marL="3429000" indent="-228600" algn="l" defTabSz="914400" rtl="0" eaLnBrk="1" latinLnBrk="0" hangingPunct="1">
+              <a:spcBef>
+                <a:spcPct val="20000"/>
+              </a:spcBef>
+              <a:buFont typeface="Arial" pitchFamily="34" charset="0"/>
+              <a:buChar char="•"/>
+              <a:defRPr sz="2000" kern="1200">
+                <a:solidFill>
+                  <a:schemeClr val="tx1"/>
+                </a:solidFill>
+                <a:latin typeface="+mn-lt"/>
+                <a:ea typeface="+mn-ea"/>
+                <a:cs typeface="+mn-cs"/>
+              </a:defRPr>
+            </a:lvl8pPr>
+            <a:lvl9pPr marL="3886200" indent="-228600" algn="l" defTabSz="914400" rtl="0" eaLnBrk="1" latinLnBrk="0" hangingPunct="1">
+              <a:spcBef>
+                <a:spcPct val="20000"/>
+              </a:spcBef>
+              <a:buFont typeface="Arial" pitchFamily="34" charset="0"/>
+              <a:buChar char="•"/>
+              <a:defRPr sz="2000" kern="1200">
+                <a:solidFill>
+                  <a:schemeClr val="tx1"/>
+                </a:solidFill>
+                <a:latin typeface="+mn-lt"/>
+                <a:ea typeface="+mn-ea"/>
+                <a:cs typeface="+mn-cs"/>
+              </a:defRPr>
+            </a:lvl9pPr>
+          </a:lstStyle>
+          <a:p>
+            <a:pPr marL="0" indent="0" algn="ctr">
+              <a:buNone/>
+            </a:pPr>
+            <a:r>
+              <a:rPr lang="es-PE" b="1" dirty="0" smtClean="0">
+                <a:solidFill>
+                  <a:srgbClr val="FF0000"/>
+                </a:solidFill>
+              </a:rPr>
+              <a:t>Ejecutar </a:t>
+            </a:r>
+            <a:r>
+              <a:rPr lang="es-PE" b="1" dirty="0" err="1" smtClean="0">
+                <a:solidFill>
+                  <a:srgbClr val="FF0000"/>
+                </a:solidFill>
+              </a:rPr>
+              <a:t>Tests</a:t>
+            </a:r>
+            <a:r>
+              <a:rPr lang="es-PE" b="1" dirty="0" smtClean="0">
+                <a:solidFill>
+                  <a:srgbClr val="FF0000"/>
+                </a:solidFill>
+              </a:rPr>
+              <a:t> Frecuentemente </a:t>
+            </a:r>
+            <a:endParaRPr lang="es-PE" b="1" dirty="0">
+              <a:solidFill>
+                <a:srgbClr val="FF0000"/>
+              </a:solidFill>
+            </a:endParaRPr>
+          </a:p>
+        </p:txBody>
+      </p:sp>
+      <p:sp>
+        <p:nvSpPr>
+          <p:cNvPr id="11" name="5 Marcador de contenido"/>
+          <p:cNvSpPr txBox="1">
+            <a:spLocks/>
+          </p:cNvSpPr>
+          <p:nvPr/>
+        </p:nvSpPr>
+        <p:spPr bwMode="auto">
+          <a:xfrm>
+            <a:off x="395536" y="2204864"/>
+            <a:ext cx="8352928" cy="1368152"/>
+          </a:xfrm>
+          <a:prstGeom prst="rect">
+            <a:avLst/>
+          </a:prstGeom>
+          <a:noFill/>
+          <a:ln w="9525">
+            <a:noFill/>
+            <a:miter lim="800000"/>
+            <a:headEnd/>
+            <a:tailEnd/>
+          </a:ln>
+        </p:spPr>
+        <p:txBody>
+          <a:bodyPr vert="horz" wrap="square" lIns="91440" tIns="45720" rIns="91440" bIns="45720" numCol="1" anchor="t" anchorCtr="0" compatLnSpc="1">
+            <a:prstTxWarp prst="textNoShape">
+              <a:avLst/>
+            </a:prstTxWarp>
+          </a:bodyPr>
+          <a:lstStyle>
+            <a:lvl1pPr marL="342900" indent="-342900" algn="l" rtl="0" eaLnBrk="1" fontAlgn="base" hangingPunct="1">
+              <a:spcBef>
+                <a:spcPct val="20000"/>
+              </a:spcBef>
+              <a:spcAft>
+                <a:spcPct val="0"/>
+              </a:spcAft>
+              <a:buFont typeface="Arial" charset="0"/>
+              <a:buChar char="•"/>
+              <a:defRPr sz="3200" kern="1200">
+                <a:solidFill>
+                  <a:schemeClr val="tx1"/>
+                </a:solidFill>
+                <a:latin typeface="+mn-lt"/>
+                <a:ea typeface="+mn-ea"/>
+                <a:cs typeface="+mn-cs"/>
+              </a:defRPr>
+            </a:lvl1pPr>
+            <a:lvl2pPr marL="742950" indent="-285750" algn="l" rtl="0" eaLnBrk="1" fontAlgn="base" hangingPunct="1">
+              <a:spcBef>
+                <a:spcPct val="20000"/>
+              </a:spcBef>
+              <a:spcAft>
+                <a:spcPct val="0"/>
+              </a:spcAft>
+              <a:buFont typeface="Arial" charset="0"/>
+              <a:buChar char="–"/>
+              <a:defRPr sz="2800" kern="1200">
+                <a:solidFill>
+                  <a:schemeClr val="tx1"/>
+                </a:solidFill>
+                <a:latin typeface="+mn-lt"/>
+                <a:ea typeface="+mn-ea"/>
+                <a:cs typeface="+mn-cs"/>
+              </a:defRPr>
+            </a:lvl2pPr>
+            <a:lvl3pPr marL="1143000" indent="-228600" algn="l" rtl="0" eaLnBrk="1" fontAlgn="base" hangingPunct="1">
+              <a:spcBef>
+                <a:spcPct val="20000"/>
+              </a:spcBef>
+              <a:spcAft>
+                <a:spcPct val="0"/>
+              </a:spcAft>
+              <a:buFont typeface="Arial" charset="0"/>
+              <a:buChar char="•"/>
+              <a:defRPr sz="2400" kern="1200">
+                <a:solidFill>
+                  <a:schemeClr val="tx1"/>
+                </a:solidFill>
+                <a:latin typeface="+mn-lt"/>
+                <a:ea typeface="+mn-ea"/>
+                <a:cs typeface="+mn-cs"/>
+              </a:defRPr>
+            </a:lvl3pPr>
+            <a:lvl4pPr marL="1600200" indent="-228600" algn="l" rtl="0" eaLnBrk="1" fontAlgn="base" hangingPunct="1">
+              <a:spcBef>
+                <a:spcPct val="20000"/>
+              </a:spcBef>
+              <a:spcAft>
+                <a:spcPct val="0"/>
+              </a:spcAft>
+              <a:buFont typeface="Arial" charset="0"/>
+              <a:buChar char="–"/>
+              <a:defRPr sz="2000" kern="1200">
+                <a:solidFill>
+                  <a:schemeClr val="tx1"/>
+                </a:solidFill>
+                <a:latin typeface="+mn-lt"/>
+                <a:ea typeface="+mn-ea"/>
+                <a:cs typeface="+mn-cs"/>
+              </a:defRPr>
+            </a:lvl4pPr>
+            <a:lvl5pPr marL="2057400" indent="-228600" algn="l" rtl="0" eaLnBrk="1" fontAlgn="base" hangingPunct="1">
+              <a:spcBef>
+                <a:spcPct val="20000"/>
+              </a:spcBef>
+              <a:spcAft>
+                <a:spcPct val="0"/>
+              </a:spcAft>
+              <a:buFont typeface="Arial" charset="0"/>
+              <a:buChar char="»"/>
+              <a:defRPr sz="2000" kern="1200">
+                <a:solidFill>
+                  <a:schemeClr val="tx1"/>
+                </a:solidFill>
+                <a:latin typeface="+mn-lt"/>
+                <a:ea typeface="+mn-ea"/>
+                <a:cs typeface="+mn-cs"/>
+              </a:defRPr>
+            </a:lvl5pPr>
+            <a:lvl6pPr marL="2514600" indent="-228600" algn="l" defTabSz="914400" rtl="0" eaLnBrk="1" latinLnBrk="0" hangingPunct="1">
+              <a:spcBef>
+                <a:spcPct val="20000"/>
+              </a:spcBef>
+              <a:buFont typeface="Arial" pitchFamily="34" charset="0"/>
+              <a:buChar char="•"/>
+              <a:defRPr sz="2000" kern="1200">
+                <a:solidFill>
+                  <a:schemeClr val="tx1"/>
+                </a:solidFill>
+                <a:latin typeface="+mn-lt"/>
+                <a:ea typeface="+mn-ea"/>
+                <a:cs typeface="+mn-cs"/>
+              </a:defRPr>
+            </a:lvl6pPr>
+            <a:lvl7pPr marL="2971800" indent="-228600" algn="l" defTabSz="914400" rtl="0" eaLnBrk="1" latinLnBrk="0" hangingPunct="1">
+              <a:spcBef>
+                <a:spcPct val="20000"/>
+              </a:spcBef>
+              <a:buFont typeface="Arial" pitchFamily="34" charset="0"/>
+              <a:buChar char="•"/>
+              <a:defRPr sz="2000" kern="1200">
+                <a:solidFill>
+                  <a:schemeClr val="tx1"/>
+                </a:solidFill>
+                <a:latin typeface="+mn-lt"/>
+                <a:ea typeface="+mn-ea"/>
+                <a:cs typeface="+mn-cs"/>
+              </a:defRPr>
+            </a:lvl7pPr>
+            <a:lvl8pPr marL="3429000" indent="-228600" algn="l" defTabSz="914400" rtl="0" eaLnBrk="1" latinLnBrk="0" hangingPunct="1">
+              <a:spcBef>
+                <a:spcPct val="20000"/>
+              </a:spcBef>
+              <a:buFont typeface="Arial" pitchFamily="34" charset="0"/>
+              <a:buChar char="•"/>
+              <a:defRPr sz="2000" kern="1200">
+                <a:solidFill>
+                  <a:schemeClr val="tx1"/>
+                </a:solidFill>
+                <a:latin typeface="+mn-lt"/>
+                <a:ea typeface="+mn-ea"/>
+                <a:cs typeface="+mn-cs"/>
+              </a:defRPr>
+            </a:lvl8pPr>
+            <a:lvl9pPr marL="3886200" indent="-228600" algn="l" defTabSz="914400" rtl="0" eaLnBrk="1" latinLnBrk="0" hangingPunct="1">
+              <a:spcBef>
+                <a:spcPct val="20000"/>
+              </a:spcBef>
+              <a:buFont typeface="Arial" pitchFamily="34" charset="0"/>
+              <a:buChar char="•"/>
+              <a:defRPr sz="2000" kern="1200">
+                <a:solidFill>
+                  <a:schemeClr val="tx1"/>
+                </a:solidFill>
+                <a:latin typeface="+mn-lt"/>
+                <a:ea typeface="+mn-ea"/>
+                <a:cs typeface="+mn-cs"/>
+              </a:defRPr>
+            </a:lvl9pPr>
+          </a:lstStyle>
+          <a:p>
+            <a:pPr marL="0" indent="0" algn="ctr">
+              <a:buNone/>
+            </a:pPr>
+            <a:r>
+              <a:rPr lang="es-PE" sz="2800" dirty="0" smtClean="0">
+                <a:solidFill>
+                  <a:schemeClr val="tx1">
+                    <a:lumMod val="95000"/>
+                  </a:schemeClr>
+                </a:solidFill>
+              </a:rPr>
+              <a:t>Cualquier cambio al código puede introducir defectos. Ejecutar los </a:t>
+            </a:r>
+            <a:r>
+              <a:rPr lang="es-PE" sz="2800" dirty="0" err="1" smtClean="0">
+                <a:solidFill>
+                  <a:schemeClr val="tx1">
+                    <a:lumMod val="95000"/>
+                  </a:schemeClr>
+                </a:solidFill>
+              </a:rPr>
+              <a:t>tests</a:t>
+            </a:r>
+            <a:r>
+              <a:rPr lang="es-PE" sz="2800" dirty="0" smtClean="0">
+                <a:solidFill>
+                  <a:schemeClr val="tx1">
+                    <a:lumMod val="95000"/>
+                  </a:schemeClr>
+                </a:solidFill>
+              </a:rPr>
+              <a:t> luego de cada cambio nos permitirá detectar errores de manera oportuna.</a:t>
+            </a:r>
+            <a:endParaRPr lang="es-PE" sz="2800" dirty="0">
+              <a:solidFill>
+                <a:schemeClr val="tx1">
+                  <a:lumMod val="95000"/>
+                </a:schemeClr>
+              </a:solidFill>
+            </a:endParaRPr>
+          </a:p>
+        </p:txBody>
+      </p:sp>
+      <p:graphicFrame>
+        <p:nvGraphicFramePr>
+          <p:cNvPr id="13" name="12 Diagrama"/>
+          <p:cNvGraphicFramePr/>
+          <p:nvPr>
+            <p:extLst>
+              <p:ext uri="{D42A27DB-BD31-4B8C-83A1-F6EECF244321}">
+                <p14:modId xmlns:p14="http://schemas.microsoft.com/office/powerpoint/2010/main" val="1038885685"/>
+              </p:ext>
+            </p:extLst>
+          </p:nvPr>
+        </p:nvGraphicFramePr>
+        <p:xfrm>
+          <a:off x="656531" y="4005064"/>
+          <a:ext cx="7992887" cy="758879"/>
+        </p:xfrm>
+        <a:graphic>
+          <a:graphicData uri="http://schemas.openxmlformats.org/drawingml/2006/diagram">
+            <dgm:relIds xmlns:dgm="http://schemas.openxmlformats.org/drawingml/2006/diagram" xmlns:r="http://schemas.openxmlformats.org/officeDocument/2006/relationships" r:dm="rId3" r:lo="rId4" r:qs="rId5" r:cs="rId6"/>
+          </a:graphicData>
+        </a:graphic>
+      </p:graphicFrame>
+    </p:spTree>
+    <p:extLst>
+      <p:ext uri="{BB962C8B-B14F-4D97-AF65-F5344CB8AC3E}">
+        <p14:creationId xmlns:p14="http://schemas.microsoft.com/office/powerpoint/2010/main" val="399224212"/>
+      </p:ext>
+    </p:extLst>
+  </p:cSld>
+  <p:clrMapOvr>
+    <a:masterClrMapping/>
+  </p:clrMapOvr>
+  <p:timing>
+    <p:tnLst>
+      <p:par>
+        <p:cTn id="1" dur="indefinite" restart="never" nodeType="tmRoot"/>
+      </p:par>
+    </p:tnLst>
+  </p:timing>
+</p:sld>
+</file>
+
+<file path=ppt/slides/slide51.xml><?xml version="1.0" encoding="utf-8"?>
+<p:sld xmlns:a="http://schemas.openxmlformats.org/drawingml/2006/main" xmlns:r="http://schemas.openxmlformats.org/officeDocument/2006/relationships" xmlns:p="http://schemas.openxmlformats.org/presentationml/2006/main">
+  <p:cSld>
+    <p:spTree>
+      <p:nvGrpSpPr>
+        <p:cNvPr id="1" name=""/>
+        <p:cNvGrpSpPr/>
+        <p:nvPr/>
+      </p:nvGrpSpPr>
+      <p:grpSpPr>
+        <a:xfrm>
+          <a:off x="0" y="0"/>
+          <a:ext cx="0" cy="0"/>
+          <a:chOff x="0" y="0"/>
+          <a:chExt cx="0" cy="0"/>
+        </a:xfrm>
+      </p:grpSpPr>
+      <p:sp>
+        <p:nvSpPr>
+          <p:cNvPr id="7" name="1 Título"/>
+          <p:cNvSpPr>
+            <a:spLocks noGrp="1"/>
+          </p:cNvSpPr>
+          <p:nvPr>
+            <p:ph type="title"/>
+          </p:nvPr>
+        </p:nvSpPr>
+        <p:spPr>
+          <a:xfrm>
+            <a:off x="505024" y="548680"/>
+            <a:ext cx="8229600" cy="1143000"/>
+          </a:xfrm>
+        </p:spPr>
+        <p:txBody>
+          <a:bodyPr/>
+          <a:lstStyle/>
+          <a:p>
+            <a:r>
+              <a:rPr lang="es-PE" dirty="0" smtClean="0">
+                <a:solidFill>
+                  <a:srgbClr val="009A46"/>
+                </a:solidFill>
+              </a:rPr>
+              <a:t>¿Cómo </a:t>
+            </a:r>
+            <a:r>
+              <a:rPr lang="es-PE" dirty="0" err="1" smtClean="0">
+                <a:solidFill>
+                  <a:srgbClr val="009A46"/>
+                </a:solidFill>
+              </a:rPr>
+              <a:t>refactorizar</a:t>
+            </a:r>
+            <a:r>
+              <a:rPr lang="es-PE" dirty="0" smtClean="0">
+                <a:solidFill>
+                  <a:srgbClr val="009A46"/>
+                </a:solidFill>
+              </a:rPr>
+              <a:t>?</a:t>
+            </a:r>
+            <a:endParaRPr lang="es-PE" dirty="0">
+              <a:solidFill>
+                <a:srgbClr val="009A46"/>
+              </a:solidFill>
+            </a:endParaRPr>
+          </a:p>
+        </p:txBody>
+      </p:sp>
+      <p:sp>
+        <p:nvSpPr>
+          <p:cNvPr id="8" name="5 Marcador de contenido"/>
+          <p:cNvSpPr txBox="1">
+            <a:spLocks/>
+          </p:cNvSpPr>
+          <p:nvPr/>
+        </p:nvSpPr>
+        <p:spPr bwMode="auto">
+          <a:xfrm>
+            <a:off x="539552" y="1763688"/>
+            <a:ext cx="8208912" cy="4032448"/>
+          </a:xfrm>
+          <a:prstGeom prst="rect">
+            <a:avLst/>
+          </a:prstGeom>
+          <a:noFill/>
+          <a:ln w="9525">
+            <a:noFill/>
+            <a:miter lim="800000"/>
+            <a:headEnd/>
+            <a:tailEnd/>
+          </a:ln>
+        </p:spPr>
+        <p:txBody>
+          <a:bodyPr vert="horz" wrap="square" lIns="91440" tIns="45720" rIns="91440" bIns="45720" numCol="1" anchor="t" anchorCtr="0" compatLnSpc="1">
+            <a:prstTxWarp prst="textNoShape">
+              <a:avLst/>
+            </a:prstTxWarp>
+          </a:bodyPr>
+          <a:lstStyle>
+            <a:lvl1pPr marL="342900" indent="-342900" algn="l" rtl="0" eaLnBrk="1" fontAlgn="base" hangingPunct="1">
+              <a:spcBef>
+                <a:spcPct val="20000"/>
+              </a:spcBef>
+              <a:spcAft>
+                <a:spcPct val="0"/>
+              </a:spcAft>
+              <a:buFont typeface="Arial" charset="0"/>
+              <a:buChar char="•"/>
+              <a:defRPr sz="3200" kern="1200">
+                <a:solidFill>
+                  <a:schemeClr val="tx1"/>
+                </a:solidFill>
+                <a:latin typeface="+mn-lt"/>
+                <a:ea typeface="+mn-ea"/>
+                <a:cs typeface="+mn-cs"/>
+              </a:defRPr>
+            </a:lvl1pPr>
+            <a:lvl2pPr marL="742950" indent="-285750" algn="l" rtl="0" eaLnBrk="1" fontAlgn="base" hangingPunct="1">
+              <a:spcBef>
+                <a:spcPct val="20000"/>
+              </a:spcBef>
+              <a:spcAft>
+                <a:spcPct val="0"/>
+              </a:spcAft>
+              <a:buFont typeface="Arial" charset="0"/>
+              <a:buChar char="–"/>
+              <a:defRPr sz="2800" kern="1200">
+                <a:solidFill>
+                  <a:schemeClr val="tx1"/>
+                </a:solidFill>
+                <a:latin typeface="+mn-lt"/>
+                <a:ea typeface="+mn-ea"/>
+                <a:cs typeface="+mn-cs"/>
+              </a:defRPr>
+            </a:lvl2pPr>
+            <a:lvl3pPr marL="1143000" indent="-228600" algn="l" rtl="0" eaLnBrk="1" fontAlgn="base" hangingPunct="1">
+              <a:spcBef>
+                <a:spcPct val="20000"/>
+              </a:spcBef>
+              <a:spcAft>
+                <a:spcPct val="0"/>
+              </a:spcAft>
+              <a:buFont typeface="Arial" charset="0"/>
+              <a:buChar char="•"/>
+              <a:defRPr sz="2400" kern="1200">
+                <a:solidFill>
+                  <a:schemeClr val="tx1"/>
+                </a:solidFill>
+                <a:latin typeface="+mn-lt"/>
+                <a:ea typeface="+mn-ea"/>
+                <a:cs typeface="+mn-cs"/>
+              </a:defRPr>
+            </a:lvl3pPr>
+            <a:lvl4pPr marL="1600200" indent="-228600" algn="l" rtl="0" eaLnBrk="1" fontAlgn="base" hangingPunct="1">
+              <a:spcBef>
+                <a:spcPct val="20000"/>
+              </a:spcBef>
+              <a:spcAft>
+                <a:spcPct val="0"/>
+              </a:spcAft>
+              <a:buFont typeface="Arial" charset="0"/>
+              <a:buChar char="–"/>
+              <a:defRPr sz="2000" kern="1200">
+                <a:solidFill>
+                  <a:schemeClr val="tx1"/>
+                </a:solidFill>
+                <a:latin typeface="+mn-lt"/>
+                <a:ea typeface="+mn-ea"/>
+                <a:cs typeface="+mn-cs"/>
+              </a:defRPr>
+            </a:lvl4pPr>
+            <a:lvl5pPr marL="2057400" indent="-228600" algn="l" rtl="0" eaLnBrk="1" fontAlgn="base" hangingPunct="1">
+              <a:spcBef>
+                <a:spcPct val="20000"/>
+              </a:spcBef>
+              <a:spcAft>
+                <a:spcPct val="0"/>
+              </a:spcAft>
+              <a:buFont typeface="Arial" charset="0"/>
+              <a:buChar char="»"/>
+              <a:defRPr sz="2000" kern="1200">
+                <a:solidFill>
+                  <a:schemeClr val="tx1"/>
+                </a:solidFill>
+                <a:latin typeface="+mn-lt"/>
+                <a:ea typeface="+mn-ea"/>
+                <a:cs typeface="+mn-cs"/>
+              </a:defRPr>
+            </a:lvl5pPr>
+            <a:lvl6pPr marL="2514600" indent="-228600" algn="l" defTabSz="914400" rtl="0" eaLnBrk="1" latinLnBrk="0" hangingPunct="1">
+              <a:spcBef>
+                <a:spcPct val="20000"/>
+              </a:spcBef>
+              <a:buFont typeface="Arial" pitchFamily="34" charset="0"/>
+              <a:buChar char="•"/>
+              <a:defRPr sz="2000" kern="1200">
+                <a:solidFill>
+                  <a:schemeClr val="tx1"/>
+                </a:solidFill>
+                <a:latin typeface="+mn-lt"/>
+                <a:ea typeface="+mn-ea"/>
+                <a:cs typeface="+mn-cs"/>
+              </a:defRPr>
+            </a:lvl6pPr>
+            <a:lvl7pPr marL="2971800" indent="-228600" algn="l" defTabSz="914400" rtl="0" eaLnBrk="1" latinLnBrk="0" hangingPunct="1">
+              <a:spcBef>
+                <a:spcPct val="20000"/>
+              </a:spcBef>
+              <a:buFont typeface="Arial" pitchFamily="34" charset="0"/>
+              <a:buChar char="•"/>
+              <a:defRPr sz="2000" kern="1200">
+                <a:solidFill>
+                  <a:schemeClr val="tx1"/>
+                </a:solidFill>
+                <a:latin typeface="+mn-lt"/>
+                <a:ea typeface="+mn-ea"/>
+                <a:cs typeface="+mn-cs"/>
+              </a:defRPr>
+            </a:lvl7pPr>
+            <a:lvl8pPr marL="3429000" indent="-228600" algn="l" defTabSz="914400" rtl="0" eaLnBrk="1" latinLnBrk="0" hangingPunct="1">
+              <a:spcBef>
+                <a:spcPct val="20000"/>
+              </a:spcBef>
+              <a:buFont typeface="Arial" pitchFamily="34" charset="0"/>
+              <a:buChar char="•"/>
+              <a:defRPr sz="2000" kern="1200">
+                <a:solidFill>
+                  <a:schemeClr val="tx1"/>
+                </a:solidFill>
+                <a:latin typeface="+mn-lt"/>
+                <a:ea typeface="+mn-ea"/>
+                <a:cs typeface="+mn-cs"/>
+              </a:defRPr>
+            </a:lvl8pPr>
+            <a:lvl9pPr marL="3886200" indent="-228600" algn="l" defTabSz="914400" rtl="0" eaLnBrk="1" latinLnBrk="0" hangingPunct="1">
+              <a:spcBef>
+                <a:spcPct val="20000"/>
+              </a:spcBef>
+              <a:buFont typeface="Arial" pitchFamily="34" charset="0"/>
+              <a:buChar char="•"/>
+              <a:defRPr sz="2000" kern="1200">
+                <a:solidFill>
+                  <a:schemeClr val="tx1"/>
+                </a:solidFill>
+                <a:latin typeface="+mn-lt"/>
+                <a:ea typeface="+mn-ea"/>
+                <a:cs typeface="+mn-cs"/>
+              </a:defRPr>
+            </a:lvl9pPr>
+          </a:lstStyle>
+          <a:p>
+            <a:r>
+              <a:rPr lang="es-PE" sz="2800" dirty="0" smtClean="0"/>
+              <a:t>Nunca comenzar a </a:t>
+            </a:r>
+            <a:r>
+              <a:rPr lang="es-PE" sz="2800" dirty="0" err="1" smtClean="0"/>
+              <a:t>refactorizar</a:t>
+            </a:r>
+            <a:r>
+              <a:rPr lang="es-PE" sz="2800" dirty="0" smtClean="0"/>
+              <a:t> en rojo.</a:t>
+            </a:r>
+          </a:p>
+          <a:p>
+            <a:r>
+              <a:rPr lang="es-PE" sz="2800" dirty="0" smtClean="0"/>
+              <a:t>Evitar errores de compilación o resolverlos muy rápidamente.</a:t>
+            </a:r>
+          </a:p>
+          <a:p>
+            <a:r>
+              <a:rPr lang="es-PE" sz="2800" dirty="0" smtClean="0"/>
+              <a:t>Siempre realizar pasos muy pequeños.</a:t>
+            </a:r>
+          </a:p>
+          <a:p>
+            <a:r>
+              <a:rPr lang="es-PE" sz="2800" dirty="0" smtClean="0"/>
+              <a:t>Ejecutar los test constantemente.</a:t>
+            </a:r>
+          </a:p>
+          <a:p>
+            <a:pPr marL="0" indent="0">
+              <a:buNone/>
+            </a:pPr>
+            <a:endParaRPr lang="es-PE" sz="2800" dirty="0" smtClean="0"/>
+          </a:p>
+          <a:p>
+            <a:pPr marL="0" indent="0" algn="ctr">
+              <a:buNone/>
+            </a:pPr>
+            <a:r>
+              <a:rPr lang="es-PE" sz="2800" dirty="0" smtClean="0">
+                <a:solidFill>
+                  <a:srgbClr val="FFC000"/>
+                </a:solidFill>
+              </a:rPr>
+              <a:t>El mejor camino es tomar una actitud cautelosa, siempre en pasos muy pequeños y fáciles de revertir.</a:t>
+            </a:r>
+            <a:endParaRPr lang="es-PE" sz="2800" dirty="0">
+              <a:solidFill>
+                <a:srgbClr val="FFC000"/>
+              </a:solidFill>
+            </a:endParaRPr>
+          </a:p>
+          <a:p>
+            <a:pPr marL="0" indent="0">
+              <a:buNone/>
+            </a:pPr>
+            <a:endParaRPr lang="es-PE" sz="2800" dirty="0"/>
+          </a:p>
+        </p:txBody>
+      </p:sp>
+    </p:spTree>
+    <p:extLst>
+      <p:ext uri="{BB962C8B-B14F-4D97-AF65-F5344CB8AC3E}">
+        <p14:creationId xmlns:p14="http://schemas.microsoft.com/office/powerpoint/2010/main" val="3649338716"/>
+      </p:ext>
+    </p:extLst>
+  </p:cSld>
+  <p:clrMapOvr>
+    <a:masterClrMapping/>
+  </p:clrMapOvr>
+  <p:timing>
+    <p:tnLst>
+      <p:par>
+        <p:cTn id="1" dur="indefinite" restart="never" nodeType="tmRoot"/>
+      </p:par>
+    </p:tnLst>
+  </p:timing>
+</p:sld>
+</file>
+
+<file path=ppt/slides/slide52.xml><?xml version="1.0" encoding="utf-8"?>
+<p:sld xmlns:a="http://schemas.openxmlformats.org/drawingml/2006/main" xmlns:r="http://schemas.openxmlformats.org/officeDocument/2006/relationships" xmlns:p="http://schemas.openxmlformats.org/presentationml/2006/main">
+  <p:cSld>
+    <p:spTree>
+      <p:nvGrpSpPr>
+        <p:cNvPr id="1" name=""/>
+        <p:cNvGrpSpPr/>
+        <p:nvPr/>
+      </p:nvGrpSpPr>
+      <p:grpSpPr>
+        <a:xfrm>
+          <a:off x="0" y="0"/>
+          <a:ext cx="0" cy="0"/>
+          <a:chOff x="0" y="0"/>
+          <a:chExt cx="0" cy="0"/>
+        </a:xfrm>
+      </p:grpSpPr>
+      <p:sp>
+        <p:nvSpPr>
+          <p:cNvPr id="3" name="2 Título"/>
+          <p:cNvSpPr>
+            <a:spLocks noGrp="1"/>
+          </p:cNvSpPr>
+          <p:nvPr>
+            <p:ph type="title"/>
+          </p:nvPr>
+        </p:nvSpPr>
+        <p:spPr>
+          <a:xfrm>
+            <a:off x="457200" y="260648"/>
+            <a:ext cx="8229600" cy="796950"/>
+          </a:xfrm>
+        </p:spPr>
+        <p:txBody>
+          <a:bodyPr/>
+          <a:lstStyle/>
+          <a:p>
+            <a:r>
+              <a:rPr lang="es-PE" dirty="0" smtClean="0">
+                <a:solidFill>
+                  <a:srgbClr val="00823B"/>
+                </a:solidFill>
+              </a:rPr>
+              <a:t>Herramientas </a:t>
+            </a:r>
+            <a:r>
+              <a:rPr lang="es-PE" dirty="0" err="1" smtClean="0">
+                <a:solidFill>
+                  <a:srgbClr val="00823B"/>
+                </a:solidFill>
+              </a:rPr>
+              <a:t>Refactoring</a:t>
+            </a:r>
+            <a:endParaRPr lang="es-PE" dirty="0">
+              <a:solidFill>
+                <a:srgbClr val="00823B"/>
+              </a:solidFill>
+            </a:endParaRPr>
+          </a:p>
+        </p:txBody>
+      </p:sp>
+      <p:sp>
+        <p:nvSpPr>
+          <p:cNvPr id="7" name="5 Marcador de contenido"/>
+          <p:cNvSpPr txBox="1">
+            <a:spLocks/>
+          </p:cNvSpPr>
+          <p:nvPr/>
+        </p:nvSpPr>
+        <p:spPr bwMode="auto">
+          <a:xfrm>
+            <a:off x="393882" y="5358226"/>
+            <a:ext cx="8428243" cy="1066945"/>
+          </a:xfrm>
+          <a:prstGeom prst="rect">
+            <a:avLst/>
+          </a:prstGeom>
+          <a:noFill/>
+          <a:ln w="9525">
+            <a:noFill/>
+            <a:miter lim="800000"/>
+            <a:headEnd/>
+            <a:tailEnd/>
+          </a:ln>
+        </p:spPr>
+        <p:txBody>
+          <a:bodyPr vert="horz" wrap="square" lIns="91440" tIns="45720" rIns="91440" bIns="45720" numCol="1" anchor="t" anchorCtr="0" compatLnSpc="1">
+            <a:prstTxWarp prst="textNoShape">
+              <a:avLst/>
+            </a:prstTxWarp>
+          </a:bodyPr>
+          <a:lstStyle>
+            <a:lvl1pPr marL="342900" indent="-342900" algn="l" rtl="0" eaLnBrk="1" fontAlgn="base" hangingPunct="1">
+              <a:spcBef>
+                <a:spcPct val="20000"/>
+              </a:spcBef>
+              <a:spcAft>
+                <a:spcPct val="0"/>
+              </a:spcAft>
+              <a:buFont typeface="Arial" charset="0"/>
+              <a:buChar char="•"/>
+              <a:defRPr sz="3200" kern="1200">
+                <a:solidFill>
+                  <a:schemeClr val="tx1"/>
+                </a:solidFill>
+                <a:latin typeface="+mn-lt"/>
+                <a:ea typeface="+mn-ea"/>
+                <a:cs typeface="+mn-cs"/>
+              </a:defRPr>
+            </a:lvl1pPr>
+            <a:lvl2pPr marL="742950" indent="-285750" algn="l" rtl="0" eaLnBrk="1" fontAlgn="base" hangingPunct="1">
+              <a:spcBef>
+                <a:spcPct val="20000"/>
+              </a:spcBef>
+              <a:spcAft>
+                <a:spcPct val="0"/>
+              </a:spcAft>
+              <a:buFont typeface="Arial" charset="0"/>
+              <a:buChar char="–"/>
+              <a:defRPr sz="2800" kern="1200">
+                <a:solidFill>
+                  <a:schemeClr val="tx1"/>
+                </a:solidFill>
+                <a:latin typeface="+mn-lt"/>
+                <a:ea typeface="+mn-ea"/>
+                <a:cs typeface="+mn-cs"/>
+              </a:defRPr>
+            </a:lvl2pPr>
+            <a:lvl3pPr marL="1143000" indent="-228600" algn="l" rtl="0" eaLnBrk="1" fontAlgn="base" hangingPunct="1">
+              <a:spcBef>
+                <a:spcPct val="20000"/>
+              </a:spcBef>
+              <a:spcAft>
+                <a:spcPct val="0"/>
+              </a:spcAft>
+              <a:buFont typeface="Arial" charset="0"/>
+              <a:buChar char="•"/>
+              <a:defRPr sz="2400" kern="1200">
+                <a:solidFill>
+                  <a:schemeClr val="tx1"/>
+                </a:solidFill>
+                <a:latin typeface="+mn-lt"/>
+                <a:ea typeface="+mn-ea"/>
+                <a:cs typeface="+mn-cs"/>
+              </a:defRPr>
+            </a:lvl3pPr>
+            <a:lvl4pPr marL="1600200" indent="-228600" algn="l" rtl="0" eaLnBrk="1" fontAlgn="base" hangingPunct="1">
+              <a:spcBef>
+                <a:spcPct val="20000"/>
+              </a:spcBef>
+              <a:spcAft>
+                <a:spcPct val="0"/>
+              </a:spcAft>
+              <a:buFont typeface="Arial" charset="0"/>
+              <a:buChar char="–"/>
+              <a:defRPr sz="2000" kern="1200">
+                <a:solidFill>
+                  <a:schemeClr val="tx1"/>
+                </a:solidFill>
+                <a:latin typeface="+mn-lt"/>
+                <a:ea typeface="+mn-ea"/>
+                <a:cs typeface="+mn-cs"/>
+              </a:defRPr>
+            </a:lvl4pPr>
+            <a:lvl5pPr marL="2057400" indent="-228600" algn="l" rtl="0" eaLnBrk="1" fontAlgn="base" hangingPunct="1">
+              <a:spcBef>
+                <a:spcPct val="20000"/>
+              </a:spcBef>
+              <a:spcAft>
+                <a:spcPct val="0"/>
+              </a:spcAft>
+              <a:buFont typeface="Arial" charset="0"/>
+              <a:buChar char="»"/>
+              <a:defRPr sz="2000" kern="1200">
+                <a:solidFill>
+                  <a:schemeClr val="tx1"/>
+                </a:solidFill>
+                <a:latin typeface="+mn-lt"/>
+                <a:ea typeface="+mn-ea"/>
+                <a:cs typeface="+mn-cs"/>
+              </a:defRPr>
+            </a:lvl5pPr>
+            <a:lvl6pPr marL="2514600" indent="-228600" algn="l" defTabSz="914400" rtl="0" eaLnBrk="1" latinLnBrk="0" hangingPunct="1">
+              <a:spcBef>
+                <a:spcPct val="20000"/>
+              </a:spcBef>
+              <a:buFont typeface="Arial" pitchFamily="34" charset="0"/>
+              <a:buChar char="•"/>
+              <a:defRPr sz="2000" kern="1200">
+                <a:solidFill>
+                  <a:schemeClr val="tx1"/>
+                </a:solidFill>
+                <a:latin typeface="+mn-lt"/>
+                <a:ea typeface="+mn-ea"/>
+                <a:cs typeface="+mn-cs"/>
+              </a:defRPr>
+            </a:lvl6pPr>
+            <a:lvl7pPr marL="2971800" indent="-228600" algn="l" defTabSz="914400" rtl="0" eaLnBrk="1" latinLnBrk="0" hangingPunct="1">
+              <a:spcBef>
+                <a:spcPct val="20000"/>
+              </a:spcBef>
+              <a:buFont typeface="Arial" pitchFamily="34" charset="0"/>
+              <a:buChar char="•"/>
+              <a:defRPr sz="2000" kern="1200">
+                <a:solidFill>
+                  <a:schemeClr val="tx1"/>
+                </a:solidFill>
+                <a:latin typeface="+mn-lt"/>
+                <a:ea typeface="+mn-ea"/>
+                <a:cs typeface="+mn-cs"/>
+              </a:defRPr>
+            </a:lvl7pPr>
+            <a:lvl8pPr marL="3429000" indent="-228600" algn="l" defTabSz="914400" rtl="0" eaLnBrk="1" latinLnBrk="0" hangingPunct="1">
+              <a:spcBef>
+                <a:spcPct val="20000"/>
+              </a:spcBef>
+              <a:buFont typeface="Arial" pitchFamily="34" charset="0"/>
+              <a:buChar char="•"/>
+              <a:defRPr sz="2000" kern="1200">
+                <a:solidFill>
+                  <a:schemeClr val="tx1"/>
+                </a:solidFill>
+                <a:latin typeface="+mn-lt"/>
+                <a:ea typeface="+mn-ea"/>
+                <a:cs typeface="+mn-cs"/>
+              </a:defRPr>
+            </a:lvl8pPr>
+            <a:lvl9pPr marL="3886200" indent="-228600" algn="l" defTabSz="914400" rtl="0" eaLnBrk="1" latinLnBrk="0" hangingPunct="1">
+              <a:spcBef>
+                <a:spcPct val="20000"/>
+              </a:spcBef>
+              <a:buFont typeface="Arial" pitchFamily="34" charset="0"/>
+              <a:buChar char="•"/>
+              <a:defRPr sz="2000" kern="1200">
+                <a:solidFill>
+                  <a:schemeClr val="tx1"/>
+                </a:solidFill>
+                <a:latin typeface="+mn-lt"/>
+                <a:ea typeface="+mn-ea"/>
+                <a:cs typeface="+mn-cs"/>
+              </a:defRPr>
+            </a:lvl9pPr>
+          </a:lstStyle>
+          <a:p>
+            <a:r>
+              <a:rPr lang="es-PE" sz="2600" dirty="0" smtClean="0">
+                <a:solidFill>
+                  <a:schemeClr val="tx1">
+                    <a:lumMod val="95000"/>
+                  </a:schemeClr>
+                </a:solidFill>
+              </a:rPr>
+              <a:t>La gran mayoría de </a:t>
+            </a:r>
+            <a:r>
+              <a:rPr lang="es-PE" sz="2600" dirty="0" err="1" smtClean="0">
+                <a:solidFill>
+                  <a:schemeClr val="tx1">
+                    <a:lumMod val="95000"/>
+                  </a:schemeClr>
+                </a:solidFill>
+              </a:rPr>
+              <a:t>IDEs</a:t>
+            </a:r>
+            <a:r>
+              <a:rPr lang="es-PE" sz="2600" dirty="0" smtClean="0">
+                <a:solidFill>
+                  <a:schemeClr val="tx1">
+                    <a:lumMod val="95000"/>
+                  </a:schemeClr>
+                </a:solidFill>
+              </a:rPr>
+              <a:t> ya proveen estas herramientas.</a:t>
+            </a:r>
+          </a:p>
+          <a:p>
+            <a:r>
+              <a:rPr lang="es-PE" sz="2600" dirty="0" smtClean="0">
+                <a:solidFill>
+                  <a:schemeClr val="tx1">
+                    <a:lumMod val="95000"/>
+                  </a:schemeClr>
+                </a:solidFill>
+              </a:rPr>
+              <a:t>No son perfectas.</a:t>
+            </a:r>
+            <a:endParaRPr lang="es-PE" sz="2600" dirty="0">
+              <a:solidFill>
+                <a:schemeClr val="tx1">
+                  <a:lumMod val="95000"/>
+                </a:schemeClr>
+              </a:solidFill>
+            </a:endParaRPr>
+          </a:p>
+        </p:txBody>
+      </p:sp>
+      <p:pic>
+        <p:nvPicPr>
+          <p:cNvPr id="9" name="Picture 2"/>
+          <p:cNvPicPr>
+            <a:picLocks noChangeAspect="1" noChangeArrowheads="1"/>
+          </p:cNvPicPr>
+          <p:nvPr/>
+        </p:nvPicPr>
+        <p:blipFill rotWithShape="1">
+          <a:blip r:embed="rId3">
+            <a:extLst>
+              <a:ext uri="{28A0092B-C50C-407E-A947-70E740481C1C}">
+                <a14:useLocalDpi xmlns:a14="http://schemas.microsoft.com/office/drawing/2010/main" val="0"/>
+              </a:ext>
+            </a:extLst>
+          </a:blip>
+          <a:srcRect l="7605" r="-1" b="17955"/>
+          <a:stretch/>
+        </p:blipFill>
+        <p:spPr bwMode="auto">
+          <a:xfrm>
+            <a:off x="2842267" y="2261882"/>
+            <a:ext cx="3531474" cy="2952328"/>
+          </a:xfrm>
+          <a:prstGeom prst="rect">
+            <a:avLst/>
+          </a:prstGeom>
+          <a:noFill/>
+          <a:ln>
+            <a:noFill/>
+          </a:ln>
+          <a:effectLst/>
+          <a:extLst>
+            <a:ext uri="{909E8E84-426E-40DD-AFC4-6F175D3DCCD1}">
+              <a14:hiddenFill xmlns:a14="http://schemas.microsoft.com/office/drawing/2010/main">
+                <a:solidFill>
+                  <a:schemeClr val="accent1"/>
+                </a:solidFill>
+              </a14:hiddenFill>
+            </a:ext>
+            <a:ext uri="{91240B29-F687-4F45-9708-019B960494DF}">
+              <a14:hiddenLine xmlns:a14="http://schemas.microsoft.com/office/drawing/2010/main" w="9525">
+                <a:solidFill>
+                  <a:schemeClr val="tx1"/>
+                </a:solidFill>
+                <a:miter lim="800000"/>
+                <a:headEnd/>
+                <a:tailEnd/>
+              </a14:hiddenLine>
+            </a:ext>
+            <a:ext uri="{AF507438-7753-43E0-B8FC-AC1667EBCBE1}">
+              <a14:hiddenEffects xmlns:a14="http://schemas.microsoft.com/office/drawing/2010/main">
+                <a:effectLst>
+                  <a:outerShdw dist="35921" dir="2700000" algn="ctr" rotWithShape="0">
+                    <a:schemeClr val="bg2"/>
+                  </a:outerShdw>
+                </a:effectLst>
+              </a14:hiddenEffects>
+            </a:ext>
+          </a:extLst>
+        </p:spPr>
+      </p:pic>
+      <p:sp>
+        <p:nvSpPr>
+          <p:cNvPr id="10" name="9 Rectángulo"/>
+          <p:cNvSpPr/>
+          <p:nvPr/>
+        </p:nvSpPr>
+        <p:spPr>
+          <a:xfrm>
+            <a:off x="1151620" y="1124744"/>
+            <a:ext cx="6912768" cy="954107"/>
+          </a:xfrm>
+          <a:prstGeom prst="rect">
+            <a:avLst/>
+          </a:prstGeom>
+        </p:spPr>
+        <p:txBody>
+          <a:bodyPr wrap="square">
+            <a:spAutoFit/>
+          </a:bodyPr>
+          <a:lstStyle/>
+          <a:p>
+            <a:pPr algn="ctr"/>
+            <a:r>
+              <a:rPr lang="es-PE" sz="2800" dirty="0" smtClean="0">
+                <a:solidFill>
+                  <a:srgbClr val="FFC000"/>
+                </a:solidFill>
+              </a:rPr>
+              <a:t>Permiten producir </a:t>
+            </a:r>
+            <a:r>
+              <a:rPr lang="es-PE" sz="2800" dirty="0">
+                <a:solidFill>
+                  <a:srgbClr val="FFC000"/>
+                </a:solidFill>
+              </a:rPr>
+              <a:t>mejoras significativas en el diseño sin mucho </a:t>
+            </a:r>
+            <a:r>
+              <a:rPr lang="es-PE" sz="2800" dirty="0" smtClean="0">
+                <a:solidFill>
+                  <a:srgbClr val="FFC000"/>
+                </a:solidFill>
+              </a:rPr>
+              <a:t>esfuerzo. </a:t>
+            </a:r>
+            <a:endParaRPr lang="es-PE" sz="2800" dirty="0">
+              <a:solidFill>
+                <a:srgbClr val="FFC000"/>
+              </a:solidFill>
+            </a:endParaRPr>
+          </a:p>
+        </p:txBody>
+      </p:sp>
+    </p:spTree>
+    <p:extLst>
+      <p:ext uri="{BB962C8B-B14F-4D97-AF65-F5344CB8AC3E}">
+        <p14:creationId xmlns:p14="http://schemas.microsoft.com/office/powerpoint/2010/main" val="201101586"/>
+      </p:ext>
+    </p:extLst>
+  </p:cSld>
+  <p:clrMapOvr>
+    <a:masterClrMapping/>
+  </p:clrMapOvr>
+  <p:timing>
+    <p:tnLst>
+      <p:par>
+        <p:cTn id="1" dur="indefinite" restart="never" nodeType="tmRoot"/>
+      </p:par>
+    </p:tnLst>
+  </p:timing>
+</p:sld>
+</file>
+
+<file path=ppt/slides/slide53.xml><?xml version="1.0" encoding="utf-8"?>
+<p:sld xmlns:a="http://schemas.openxmlformats.org/drawingml/2006/main" xmlns:r="http://schemas.openxmlformats.org/officeDocument/2006/relationships" xmlns:p="http://schemas.openxmlformats.org/presentationml/2006/main">
+  <p:cSld>
+    <p:spTree>
+      <p:nvGrpSpPr>
+        <p:cNvPr id="1" name=""/>
+        <p:cNvGrpSpPr/>
+        <p:nvPr/>
+      </p:nvGrpSpPr>
+      <p:grpSpPr>
+        <a:xfrm>
+          <a:off x="0" y="0"/>
+          <a:ext cx="0" cy="0"/>
+          <a:chOff x="0" y="0"/>
+          <a:chExt cx="0" cy="0"/>
+        </a:xfrm>
+      </p:grpSpPr>
+      <p:sp>
+        <p:nvSpPr>
+          <p:cNvPr id="3" name="2 Título"/>
+          <p:cNvSpPr>
+            <a:spLocks noGrp="1"/>
+          </p:cNvSpPr>
+          <p:nvPr>
+            <p:ph type="title"/>
+          </p:nvPr>
+        </p:nvSpPr>
+        <p:spPr>
+          <a:xfrm>
+            <a:off x="467544" y="2348880"/>
+            <a:ext cx="8229600" cy="1296144"/>
+          </a:xfrm>
+        </p:spPr>
+        <p:txBody>
+          <a:bodyPr/>
+          <a:lstStyle/>
+          <a:p>
+            <a:r>
+              <a:rPr lang="es-PE" dirty="0" smtClean="0">
+                <a:solidFill>
+                  <a:srgbClr val="FFC000"/>
+                </a:solidFill>
+              </a:rPr>
+              <a:t>Ejercicio </a:t>
+            </a:r>
+            <a:r>
+              <a:rPr lang="es-PE" dirty="0" smtClean="0">
+                <a:solidFill>
+                  <a:srgbClr val="00823B"/>
+                </a:solidFill>
+              </a:rPr>
+              <a:t/>
+            </a:r>
+            <a:br>
+              <a:rPr lang="es-PE" dirty="0" smtClean="0">
+                <a:solidFill>
+                  <a:srgbClr val="00823B"/>
+                </a:solidFill>
+              </a:rPr>
+            </a:br>
+            <a:r>
+              <a:rPr lang="es-PE" dirty="0" err="1" smtClean="0">
+                <a:solidFill>
+                  <a:srgbClr val="00823B"/>
+                </a:solidFill>
+              </a:rPr>
+              <a:t>Refactorizar</a:t>
+            </a:r>
+            <a:r>
+              <a:rPr lang="es-PE" dirty="0" smtClean="0">
+                <a:solidFill>
+                  <a:srgbClr val="00823B"/>
+                </a:solidFill>
+              </a:rPr>
+              <a:t> </a:t>
+            </a:r>
+            <a:r>
+              <a:rPr lang="es-PE" dirty="0" err="1" smtClean="0">
+                <a:solidFill>
+                  <a:srgbClr val="00823B"/>
+                </a:solidFill>
+              </a:rPr>
+              <a:t>Code</a:t>
+            </a:r>
+            <a:r>
+              <a:rPr lang="es-PE" dirty="0" smtClean="0">
+                <a:solidFill>
+                  <a:srgbClr val="00823B"/>
+                </a:solidFill>
+              </a:rPr>
+              <a:t> </a:t>
+            </a:r>
+            <a:r>
+              <a:rPr lang="es-PE" dirty="0" err="1" smtClean="0">
+                <a:solidFill>
+                  <a:srgbClr val="00823B"/>
+                </a:solidFill>
+              </a:rPr>
+              <a:t>Smells</a:t>
+            </a:r>
+            <a:endParaRPr lang="es-PE" dirty="0">
+              <a:solidFill>
+                <a:srgbClr val="00823B"/>
+              </a:solidFill>
+            </a:endParaRPr>
+          </a:p>
+        </p:txBody>
+      </p:sp>
+    </p:spTree>
+    <p:extLst>
+      <p:ext uri="{BB962C8B-B14F-4D97-AF65-F5344CB8AC3E}">
+        <p14:creationId xmlns:p14="http://schemas.microsoft.com/office/powerpoint/2010/main" val="1734597820"/>
+      </p:ext>
+    </p:extLst>
+  </p:cSld>
+  <p:clrMapOvr>
+    <a:masterClrMapping/>
+  </p:clrMapOvr>
+  <p:timing>
+    <p:tnLst>
+      <p:par>
+        <p:cTn id="1" dur="indefinite" restart="never" nodeType="tmRoot"/>
+      </p:par>
+    </p:tnLst>
+  </p:timing>
+</p:sld>
+</file>
+
+<file path=ppt/slides/slide54.xml><?xml version="1.0" encoding="utf-8"?>
 <p:sld xmlns:a="http://schemas.openxmlformats.org/drawingml/2006/main" xmlns:r="http://schemas.openxmlformats.org/officeDocument/2006/relationships" xmlns:p="http://schemas.openxmlformats.org/presentationml/2006/main">
   <p:cSld>
     <p:spTree>
@@ -24570,11 +25970,11 @@
   <p:clrMapOvr>
     <a:masterClrMapping/>
   </p:clrMapOvr>
-  <mc:AlternateContent xmlns:mc="http://schemas.openxmlformats.org/markup-compatibility/2006">
-    <mc:Choice xmlns:p14="http://schemas.microsoft.com/office/powerpoint/2010/main" Requires="p14">
+  <mc:AlternateContent xmlns:mc="http://schemas.openxmlformats.org/markup-compatibility/2006" xmlns:p14="http://schemas.microsoft.com/office/powerpoint/2010/main">
+    <mc:Choice Requires="p14">
       <p:transition spd="slow" p14:dur="2000"/>
     </mc:Choice>
-    <mc:Fallback>
+    <mc:Fallback xmlns="">
       <p:transition spd="slow"/>
     </mc:Fallback>
   </mc:AlternateContent>

--- a/Diapositivas/Code Smells and Refactoring.pptx
+++ b/Diapositivas/Code Smells and Refactoring.pptx
@@ -5,7 +5,7 @@
     <p:sldMasterId id="2147483684" r:id="rId1"/>
   </p:sldMasterIdLst>
   <p:notesMasterIdLst>
-    <p:notesMasterId r:id="rId56"/>
+    <p:notesMasterId r:id="rId58"/>
   </p:notesMasterIdLst>
   <p:sldIdLst>
     <p:sldId id="717" r:id="rId2"/>
@@ -55,13 +55,15 @@
     <p:sldId id="692" r:id="rId46"/>
     <p:sldId id="708" r:id="rId47"/>
     <p:sldId id="761" r:id="rId48"/>
-    <p:sldId id="762" r:id="rId49"/>
-    <p:sldId id="709" r:id="rId50"/>
-    <p:sldId id="342" r:id="rId51"/>
-    <p:sldId id="519" r:id="rId52"/>
+    <p:sldId id="709" r:id="rId49"/>
+    <p:sldId id="342" r:id="rId50"/>
+    <p:sldId id="519" r:id="rId51"/>
+    <p:sldId id="764" r:id="rId52"/>
     <p:sldId id="344" r:id="rId53"/>
-    <p:sldId id="710" r:id="rId54"/>
-    <p:sldId id="705" r:id="rId55"/>
+    <p:sldId id="762" r:id="rId54"/>
+    <p:sldId id="763" r:id="rId55"/>
+    <p:sldId id="710" r:id="rId56"/>
+    <p:sldId id="705" r:id="rId57"/>
   </p:sldIdLst>
   <p:sldSz cx="9144000" cy="6858000" type="screen4x3"/>
   <p:notesSz cx="6858000" cy="9144000"/>
@@ -2096,9 +2098,9 @@
     <dgm:cxn modelId="{9694F126-3ADB-43F5-85B1-5AB66EDBA53C}" srcId="{AA37C565-8227-47BE-938D-F0254EF29510}" destId="{2D629D79-084D-4FF9-8DF9-08F54FFF92DE}" srcOrd="0" destOrd="0" parTransId="{30A8A669-EA91-4A1E-9661-BB7D11EAB2EF}" sibTransId="{899BA343-E663-4062-B766-D4AB02F4C39C}"/>
     <dgm:cxn modelId="{F2AB151D-21B9-4D2B-A657-006D73F49BC8}" type="presOf" srcId="{9768ADBD-E274-445C-8DCD-B40B42EBD27B}" destId="{2CCF0EC0-5E87-4702-9012-7254A3821684}" srcOrd="0" destOrd="0" presId="urn:microsoft.com/office/officeart/2005/8/layout/cycle2"/>
     <dgm:cxn modelId="{4B86B7C8-E32E-4E93-BEB0-78CDA56678D2}" type="presOf" srcId="{76A1EA92-51E5-49EB-A181-D50B98697B05}" destId="{FB6A06C4-A2A0-4F93-829D-27E882A8B839}" srcOrd="0" destOrd="0" presId="urn:microsoft.com/office/officeart/2005/8/layout/cycle2"/>
-    <dgm:cxn modelId="{D7A616E2-9700-4CBA-9BBE-43444D8A6564}" type="presOf" srcId="{17CA2C55-0354-4402-9601-202C7F5A5539}" destId="{6552A34E-30A2-429F-881E-FE5C4BE2A18D}" srcOrd="1" destOrd="0" presId="urn:microsoft.com/office/officeart/2005/8/layout/cycle2"/>
     <dgm:cxn modelId="{1089786B-FC8F-44D2-845E-383202AFE628}" type="presOf" srcId="{3766CEFC-D74E-4FC6-B9BD-CE4F3847A8F1}" destId="{B4DAEDC5-1010-434A-AA93-DB22F5A7CB1E}" srcOrd="1" destOrd="0" presId="urn:microsoft.com/office/officeart/2005/8/layout/cycle2"/>
     <dgm:cxn modelId="{9E7B1AD0-4B2E-401B-B82A-F21921E14474}" srcId="{AA37C565-8227-47BE-938D-F0254EF29510}" destId="{7EB66F7D-EDF6-4CF9-8307-CDC396A315D2}" srcOrd="3" destOrd="0" parTransId="{1C435CE0-1330-4C41-B432-980635612D78}" sibTransId="{3766CEFC-D74E-4FC6-B9BD-CE4F3847A8F1}"/>
+    <dgm:cxn modelId="{D7A616E2-9700-4CBA-9BBE-43444D8A6564}" type="presOf" srcId="{17CA2C55-0354-4402-9601-202C7F5A5539}" destId="{6552A34E-30A2-429F-881E-FE5C4BE2A18D}" srcOrd="1" destOrd="0" presId="urn:microsoft.com/office/officeart/2005/8/layout/cycle2"/>
     <dgm:cxn modelId="{D953A32C-4D27-4AB5-8837-349E35D4EC32}" type="presOf" srcId="{86434053-B40A-4DA1-AC86-B95A2468B2D6}" destId="{B4181A90-3A21-4F79-83DB-5F7E138E1000}" srcOrd="0" destOrd="0" presId="urn:microsoft.com/office/officeart/2005/8/layout/cycle2"/>
     <dgm:cxn modelId="{9476F479-5E75-4A48-B836-A1328D3E5B65}" type="presOf" srcId="{2D629D79-084D-4FF9-8DF9-08F54FFF92DE}" destId="{8D88EC16-041F-468E-A4EE-B0C17C298D88}" srcOrd="0" destOrd="0" presId="urn:microsoft.com/office/officeart/2005/8/layout/cycle2"/>
     <dgm:cxn modelId="{E4C3E423-9E5F-4380-80CE-AA5DD2EC4561}" type="presOf" srcId="{17CA2C55-0354-4402-9601-202C7F5A5539}" destId="{19C3351F-DE4C-4425-8FAE-716FD4A6218E}" srcOrd="0" destOrd="0" presId="urn:microsoft.com/office/officeart/2005/8/layout/cycle2"/>
@@ -8284,10 +8286,6 @@
           <a:bodyPr/>
           <a:lstStyle/>
           <a:p>
-            <a:pPr marL="171450" indent="-171450">
-              <a:buFontTx/>
-              <a:buChar char="-"/>
-            </a:pPr>
             <a:endParaRPr lang="es-PE" dirty="0"/>
           </a:p>
         </p:txBody>
@@ -9210,6 +9208,210 @@
           <a:bodyPr/>
           <a:lstStyle/>
           <a:p>
+            <a:r>
+              <a:rPr lang="en-US" sz="1200" kern="1200" dirty="0" err="1" smtClean="0">
+                <a:solidFill>
+                  <a:schemeClr val="tx1"/>
+                </a:solidFill>
+                <a:effectLst/>
+                <a:latin typeface="+mn-lt"/>
+                <a:ea typeface="+mn-ea"/>
+                <a:cs typeface="+mn-cs"/>
+              </a:rPr>
+              <a:t>Otras</a:t>
+            </a:r>
+            <a:r>
+              <a:rPr lang="en-US" sz="1200" kern="1200" dirty="0" smtClean="0">
+                <a:solidFill>
+                  <a:schemeClr val="tx1"/>
+                </a:solidFill>
+                <a:effectLst/>
+                <a:latin typeface="+mn-lt"/>
+                <a:ea typeface="+mn-ea"/>
+                <a:cs typeface="+mn-cs"/>
+              </a:rPr>
+              <a:t> </a:t>
+            </a:r>
+            <a:r>
+              <a:rPr lang="en-US" sz="1200" kern="1200" dirty="0" err="1" smtClean="0">
+                <a:solidFill>
+                  <a:schemeClr val="tx1"/>
+                </a:solidFill>
+                <a:effectLst/>
+                <a:latin typeface="+mn-lt"/>
+                <a:ea typeface="+mn-ea"/>
+                <a:cs typeface="+mn-cs"/>
+              </a:rPr>
+              <a:t>reversiones</a:t>
+            </a:r>
+            <a:r>
+              <a:rPr lang="en-US" sz="1200" kern="1200" dirty="0" smtClean="0">
+                <a:solidFill>
+                  <a:schemeClr val="tx1"/>
+                </a:solidFill>
+                <a:effectLst/>
+                <a:latin typeface="+mn-lt"/>
+                <a:ea typeface="+mn-ea"/>
+                <a:cs typeface="+mn-cs"/>
+              </a:rPr>
+              <a:t>: </a:t>
+            </a:r>
+          </a:p>
+          <a:p>
+            <a:r>
+              <a:rPr lang="en-US" sz="1200" kern="1200" dirty="0" smtClean="0">
+                <a:solidFill>
+                  <a:schemeClr val="tx1"/>
+                </a:solidFill>
+                <a:effectLst/>
+                <a:latin typeface="+mn-lt"/>
+                <a:ea typeface="+mn-ea"/>
+                <a:cs typeface="+mn-cs"/>
+              </a:rPr>
+              <a:t>Hide Delegate</a:t>
+            </a:r>
+            <a:r>
+              <a:rPr lang="es-PE" sz="1200" kern="1200" baseline="0" dirty="0" smtClean="0">
+                <a:solidFill>
+                  <a:schemeClr val="tx1"/>
+                </a:solidFill>
+                <a:effectLst/>
+                <a:latin typeface="+mn-lt"/>
+                <a:ea typeface="+mn-ea"/>
+                <a:cs typeface="+mn-cs"/>
+              </a:rPr>
+              <a:t> - </a:t>
+            </a:r>
+            <a:r>
+              <a:rPr lang="en-US" sz="1200" kern="1200" dirty="0" smtClean="0">
+                <a:solidFill>
+                  <a:schemeClr val="tx1"/>
+                </a:solidFill>
+                <a:effectLst/>
+                <a:latin typeface="+mn-lt"/>
+                <a:ea typeface="+mn-ea"/>
+                <a:cs typeface="+mn-cs"/>
+              </a:rPr>
+              <a:t>Remove Middle Man</a:t>
+            </a:r>
+          </a:p>
+          <a:p>
+            <a:pPr marL="0" marR="0" indent="0" algn="l" defTabSz="914400" rtl="0" eaLnBrk="1" fontAlgn="auto" latinLnBrk="0" hangingPunct="1">
+              <a:lnSpc>
+                <a:spcPct val="100000"/>
+              </a:lnSpc>
+              <a:spcBef>
+                <a:spcPts val="0"/>
+              </a:spcBef>
+              <a:spcAft>
+                <a:spcPts val="0"/>
+              </a:spcAft>
+              <a:buClrTx/>
+              <a:buSzTx/>
+              <a:buFontTx/>
+              <a:buNone/>
+              <a:tabLst/>
+              <a:defRPr/>
+            </a:pPr>
+            <a:r>
+              <a:rPr lang="es-PE" sz="1200" kern="1200" dirty="0" err="1" smtClean="0">
+                <a:solidFill>
+                  <a:schemeClr val="tx1"/>
+                </a:solidFill>
+                <a:effectLst/>
+                <a:latin typeface="+mn-lt"/>
+                <a:ea typeface="+mn-ea"/>
+                <a:cs typeface="+mn-cs"/>
+              </a:rPr>
+              <a:t>Parameterize</a:t>
+            </a:r>
+            <a:r>
+              <a:rPr lang="es-PE" sz="1200" kern="1200" dirty="0" smtClean="0">
+                <a:solidFill>
+                  <a:schemeClr val="tx1"/>
+                </a:solidFill>
+                <a:effectLst/>
+                <a:latin typeface="+mn-lt"/>
+                <a:ea typeface="+mn-ea"/>
+                <a:cs typeface="+mn-cs"/>
+              </a:rPr>
+              <a:t> </a:t>
+            </a:r>
+            <a:r>
+              <a:rPr lang="es-PE" sz="1200" kern="1200" dirty="0" err="1" smtClean="0">
+                <a:solidFill>
+                  <a:schemeClr val="tx1"/>
+                </a:solidFill>
+                <a:effectLst/>
+                <a:latin typeface="+mn-lt"/>
+                <a:ea typeface="+mn-ea"/>
+                <a:cs typeface="+mn-cs"/>
+              </a:rPr>
+              <a:t>Method</a:t>
+            </a:r>
+            <a:r>
+              <a:rPr lang="es-PE" sz="1200" kern="1200" dirty="0" smtClean="0">
+                <a:solidFill>
+                  <a:schemeClr val="tx1"/>
+                </a:solidFill>
+                <a:effectLst/>
+                <a:latin typeface="+mn-lt"/>
+                <a:ea typeface="+mn-ea"/>
+                <a:cs typeface="+mn-cs"/>
+              </a:rPr>
+              <a:t> </a:t>
+            </a:r>
+            <a:r>
+              <a:rPr lang="en-US" sz="1200" kern="1200" dirty="0" smtClean="0">
+                <a:solidFill>
+                  <a:schemeClr val="tx1"/>
+                </a:solidFill>
+                <a:effectLst/>
+                <a:latin typeface="+mn-lt"/>
+                <a:ea typeface="+mn-ea"/>
+                <a:cs typeface="+mn-cs"/>
+              </a:rPr>
+              <a:t>-</a:t>
+            </a:r>
+            <a:r>
+              <a:rPr lang="en-US" sz="1200" kern="1200" baseline="0" dirty="0" smtClean="0">
+                <a:solidFill>
+                  <a:schemeClr val="tx1"/>
+                </a:solidFill>
+                <a:effectLst/>
+                <a:latin typeface="+mn-lt"/>
+                <a:ea typeface="+mn-ea"/>
+                <a:cs typeface="+mn-cs"/>
+              </a:rPr>
+              <a:t> </a:t>
+            </a:r>
+            <a:r>
+              <a:rPr lang="en-US" sz="1200" b="0" i="0" kern="1200" dirty="0" smtClean="0">
+                <a:solidFill>
+                  <a:schemeClr val="tx1"/>
+                </a:solidFill>
+                <a:effectLst/>
+                <a:latin typeface="+mn-lt"/>
+                <a:ea typeface="+mn-ea"/>
+                <a:cs typeface="+mn-cs"/>
+              </a:rPr>
+              <a:t>Replace Parameter with Explicit Methods</a:t>
+            </a:r>
+            <a:endParaRPr lang="es-PE" sz="1200" kern="1200" dirty="0" smtClean="0">
+              <a:solidFill>
+                <a:schemeClr val="tx1"/>
+              </a:solidFill>
+              <a:effectLst/>
+              <a:latin typeface="+mn-lt"/>
+              <a:ea typeface="+mn-ea"/>
+              <a:cs typeface="+mn-cs"/>
+            </a:endParaRPr>
+          </a:p>
+          <a:p>
+            <a:pPr marL="171450" indent="-171450">
+              <a:buFontTx/>
+              <a:buChar char="-"/>
+            </a:pPr>
             <a:endParaRPr lang="es-PE" dirty="0"/>
           </a:p>
         </p:txBody>
@@ -9232,6 +9434,189 @@
             <a:fld id="{80C14895-23C8-45AE-85D5-3B35E5980A68}" type="slidenum">
               <a:rPr lang="es-PE" smtClean="0"/>
               <a:t>53</a:t>
+            </a:fld>
+            <a:endParaRPr lang="es-PE"/>
+          </a:p>
+        </p:txBody>
+      </p:sp>
+    </p:spTree>
+    <p:extLst>
+      <p:ext uri="{BB962C8B-B14F-4D97-AF65-F5344CB8AC3E}">
+        <p14:creationId xmlns:p14="http://schemas.microsoft.com/office/powerpoint/2010/main" val="3432092158"/>
+      </p:ext>
+    </p:extLst>
+  </p:cSld>
+  <p:clrMapOvr>
+    <a:masterClrMapping/>
+  </p:clrMapOvr>
+</p:notes>
+</file>
+
+<file path=ppt/notesSlides/notesSlide31.xml><?xml version="1.0" encoding="utf-8"?>
+<p:notes xmlns:a="http://schemas.openxmlformats.org/drawingml/2006/main" xmlns:r="http://schemas.openxmlformats.org/officeDocument/2006/relationships" xmlns:p="http://schemas.openxmlformats.org/presentationml/2006/main">
+  <p:cSld>
+    <p:spTree>
+      <p:nvGrpSpPr>
+        <p:cNvPr id="1" name=""/>
+        <p:cNvGrpSpPr/>
+        <p:nvPr/>
+      </p:nvGrpSpPr>
+      <p:grpSpPr>
+        <a:xfrm>
+          <a:off x="0" y="0"/>
+          <a:ext cx="0" cy="0"/>
+          <a:chOff x="0" y="0"/>
+          <a:chExt cx="0" cy="0"/>
+        </a:xfrm>
+      </p:grpSpPr>
+      <p:sp>
+        <p:nvSpPr>
+          <p:cNvPr id="2" name="1 Marcador de imagen de diapositiva"/>
+          <p:cNvSpPr>
+            <a:spLocks noGrp="1" noRot="1" noChangeAspect="1"/>
+          </p:cNvSpPr>
+          <p:nvPr>
+            <p:ph type="sldImg"/>
+          </p:nvPr>
+        </p:nvSpPr>
+        <p:spPr/>
+      </p:sp>
+      <p:sp>
+        <p:nvSpPr>
+          <p:cNvPr id="3" name="2 Marcador de notas"/>
+          <p:cNvSpPr>
+            <a:spLocks noGrp="1"/>
+          </p:cNvSpPr>
+          <p:nvPr>
+            <p:ph type="body" idx="1"/>
+          </p:nvPr>
+        </p:nvSpPr>
+        <p:spPr/>
+        <p:txBody>
+          <a:bodyPr/>
+          <a:lstStyle/>
+          <a:p>
+            <a:r>
+              <a:rPr lang="es-PE" dirty="0" smtClean="0">
+                <a:hlinkClick r:id="rId3"/>
+              </a:rPr>
+              <a:t>http://www.youtube.com/watch?v=7RJmoCWx4cE</a:t>
+            </a:r>
+            <a:endParaRPr lang="es-PE" dirty="0" smtClean="0"/>
+          </a:p>
+          <a:p>
+            <a:r>
+              <a:rPr lang="es-PE" dirty="0" smtClean="0">
+                <a:hlinkClick r:id="rId4"/>
+              </a:rPr>
+              <a:t>http://www.youtube.com/watch?v=5fd-hpjeg9c</a:t>
+            </a:r>
+            <a:endParaRPr lang="es-PE" dirty="0"/>
+          </a:p>
+        </p:txBody>
+      </p:sp>
+      <p:sp>
+        <p:nvSpPr>
+          <p:cNvPr id="4" name="3 Marcador de número de diapositiva"/>
+          <p:cNvSpPr>
+            <a:spLocks noGrp="1"/>
+          </p:cNvSpPr>
+          <p:nvPr>
+            <p:ph type="sldNum" sz="quarter" idx="10"/>
+          </p:nvPr>
+        </p:nvSpPr>
+        <p:spPr/>
+        <p:txBody>
+          <a:bodyPr/>
+          <a:lstStyle/>
+          <a:p>
+            <a:fld id="{80C14895-23C8-45AE-85D5-3B35E5980A68}" type="slidenum">
+              <a:rPr lang="es-PE" smtClean="0"/>
+              <a:t>54</a:t>
+            </a:fld>
+            <a:endParaRPr lang="es-PE"/>
+          </a:p>
+        </p:txBody>
+      </p:sp>
+    </p:spTree>
+    <p:extLst>
+      <p:ext uri="{BB962C8B-B14F-4D97-AF65-F5344CB8AC3E}">
+        <p14:creationId xmlns:p14="http://schemas.microsoft.com/office/powerpoint/2010/main" val="3432092158"/>
+      </p:ext>
+    </p:extLst>
+  </p:cSld>
+  <p:clrMapOvr>
+    <a:masterClrMapping/>
+  </p:clrMapOvr>
+</p:notes>
+</file>
+
+<file path=ppt/notesSlides/notesSlide32.xml><?xml version="1.0" encoding="utf-8"?>
+<p:notes xmlns:a="http://schemas.openxmlformats.org/drawingml/2006/main" xmlns:r="http://schemas.openxmlformats.org/officeDocument/2006/relationships" xmlns:p="http://schemas.openxmlformats.org/presentationml/2006/main">
+  <p:cSld>
+    <p:spTree>
+      <p:nvGrpSpPr>
+        <p:cNvPr id="1" name=""/>
+        <p:cNvGrpSpPr/>
+        <p:nvPr/>
+      </p:nvGrpSpPr>
+      <p:grpSpPr>
+        <a:xfrm>
+          <a:off x="0" y="0"/>
+          <a:ext cx="0" cy="0"/>
+          <a:chOff x="0" y="0"/>
+          <a:chExt cx="0" cy="0"/>
+        </a:xfrm>
+      </p:grpSpPr>
+      <p:sp>
+        <p:nvSpPr>
+          <p:cNvPr id="2" name="1 Marcador de imagen de diapositiva"/>
+          <p:cNvSpPr>
+            <a:spLocks noGrp="1" noRot="1" noChangeAspect="1"/>
+          </p:cNvSpPr>
+          <p:nvPr>
+            <p:ph type="sldImg"/>
+          </p:nvPr>
+        </p:nvSpPr>
+        <p:spPr/>
+      </p:sp>
+      <p:sp>
+        <p:nvSpPr>
+          <p:cNvPr id="3" name="2 Marcador de notas"/>
+          <p:cNvSpPr>
+            <a:spLocks noGrp="1"/>
+          </p:cNvSpPr>
+          <p:nvPr>
+            <p:ph type="body" idx="1"/>
+          </p:nvPr>
+        </p:nvSpPr>
+        <p:spPr/>
+        <p:txBody>
+          <a:bodyPr/>
+          <a:lstStyle/>
+          <a:p>
+            <a:endParaRPr lang="es-PE" dirty="0"/>
+          </a:p>
+        </p:txBody>
+      </p:sp>
+      <p:sp>
+        <p:nvSpPr>
+          <p:cNvPr id="4" name="3 Marcador de número de diapositiva"/>
+          <p:cNvSpPr>
+            <a:spLocks noGrp="1"/>
+          </p:cNvSpPr>
+          <p:nvPr>
+            <p:ph type="sldNum" sz="quarter" idx="10"/>
+          </p:nvPr>
+        </p:nvSpPr>
+        <p:spPr/>
+        <p:txBody>
+          <a:bodyPr/>
+          <a:lstStyle/>
+          <a:p>
+            <a:fld id="{80C14895-23C8-45AE-85D5-3B35E5980A68}" type="slidenum">
+              <a:rPr lang="es-PE" smtClean="0"/>
+              <a:t>55</a:t>
             </a:fld>
             <a:endParaRPr lang="es-PE"/>
           </a:p>
@@ -16202,10 +16587,6 @@
               <a:rPr lang="es-PE" sz="2400" dirty="0" smtClean="0"/>
               <a:t>Se mostrará imágenes con analogías que representen a los </a:t>
             </a:r>
-            <a:r>
-              <a:rPr lang="es-PE" sz="2400" dirty="0" smtClean="0"/>
-              <a:t/>
-            </a:r>
             <a:br>
               <a:rPr lang="es-PE" sz="2400" dirty="0" smtClean="0"/>
             </a:br>
@@ -16240,15 +16621,7 @@
             </a:pPr>
             <a:r>
               <a:rPr lang="es-PE" sz="2400" dirty="0" smtClean="0"/>
-              <a:t>Identificar </a:t>
-            </a:r>
-            <a:r>
-              <a:rPr lang="es-PE" sz="2400" dirty="0" smtClean="0"/>
-              <a:t>entre todos de </a:t>
-            </a:r>
-            <a:r>
-              <a:rPr lang="es-PE" sz="2400" dirty="0" smtClean="0"/>
-              <a:t>qué </a:t>
+              <a:t>Identificar entre todos de qué </a:t>
             </a:r>
             <a:r>
               <a:rPr lang="es-PE" sz="2400" dirty="0" err="1" smtClean="0"/>
@@ -19730,11 +20103,7 @@
             </a:pPr>
             <a:r>
               <a:rPr lang="es-PE" sz="2400" dirty="0" smtClean="0"/>
-              <a:t>Identificar dentro del </a:t>
-            </a:r>
-            <a:r>
-              <a:rPr lang="es-PE" sz="2400" dirty="0" smtClean="0"/>
-              <a:t>código todos los </a:t>
+              <a:t>Identificar dentro del código todos los </a:t>
             </a:r>
             <a:r>
               <a:rPr lang="es-PE" sz="2400" dirty="0" err="1" smtClean="0"/>
@@ -20095,7 +20464,6 @@
               <a:rPr lang="es-PE" sz="2400" dirty="0" smtClean="0"/>
               <a:t>.</a:t>
             </a:r>
-            <a:endParaRPr lang="es-PE" sz="2400" dirty="0" smtClean="0"/>
           </a:p>
           <a:p>
             <a:pPr marL="285750" indent="-285750">
@@ -20137,7 +20505,6 @@
               <a:rPr lang="es-PE" sz="2400" dirty="0" smtClean="0"/>
               <a:t>cree que se encuentra ahí.</a:t>
             </a:r>
-            <a:endParaRPr lang="es-PE" sz="2400" dirty="0" smtClean="0"/>
           </a:p>
         </p:txBody>
       </p:sp>
@@ -21873,15 +22240,7 @@
             </a:pPr>
             <a:r>
               <a:rPr lang="es-PE" sz="2400" dirty="0" smtClean="0"/>
-              <a:t>A cada </a:t>
-            </a:r>
-            <a:r>
-              <a:rPr lang="es-PE" sz="2400" dirty="0" smtClean="0"/>
-              <a:t>persona </a:t>
-            </a:r>
-            <a:r>
-              <a:rPr lang="es-PE" sz="2400" dirty="0" smtClean="0"/>
-              <a:t>se le ha entregado un catálogo de </a:t>
+              <a:t>A cada persona se le ha entregado un catálogo de </a:t>
             </a:r>
             <a:r>
               <a:rPr lang="es-PE" sz="2400" dirty="0" err="1" smtClean="0"/>
@@ -21924,11 +22283,7 @@
             </a:r>
             <a:r>
               <a:rPr lang="es-PE" sz="2400" dirty="0" smtClean="0"/>
-              <a:t> de ese catálogo solucionarían </a:t>
-            </a:r>
-            <a:r>
-              <a:rPr lang="es-PE" sz="2400" dirty="0" smtClean="0"/>
-              <a:t>cada uno de todos los </a:t>
+              <a:t> de ese catálogo solucionarían cada uno de todos los </a:t>
             </a:r>
             <a:r>
               <a:rPr lang="es-PE" sz="2400" dirty="0" err="1" smtClean="0"/>
@@ -22272,358 +22627,6 @@
 </file>
 
 <file path=ppt/slides/slide48.xml><?xml version="1.0" encoding="utf-8"?>
-<p:sld xmlns:a="http://schemas.openxmlformats.org/drawingml/2006/main" xmlns:r="http://schemas.openxmlformats.org/officeDocument/2006/relationships" xmlns:p="http://schemas.openxmlformats.org/presentationml/2006/main">
-  <p:cSld>
-    <p:spTree>
-      <p:nvGrpSpPr>
-        <p:cNvPr id="1" name=""/>
-        <p:cNvGrpSpPr/>
-        <p:nvPr/>
-      </p:nvGrpSpPr>
-      <p:grpSpPr>
-        <a:xfrm>
-          <a:off x="0" y="0"/>
-          <a:ext cx="0" cy="0"/>
-          <a:chOff x="0" y="0"/>
-          <a:chExt cx="0" cy="0"/>
-        </a:xfrm>
-      </p:grpSpPr>
-      <p:sp>
-        <p:nvSpPr>
-          <p:cNvPr id="5" name="4 CuadroTexto"/>
-          <p:cNvSpPr txBox="1"/>
-          <p:nvPr/>
-        </p:nvSpPr>
-        <p:spPr>
-          <a:xfrm>
-            <a:off x="863589" y="3083476"/>
-            <a:ext cx="7416823" cy="1569660"/>
-          </a:xfrm>
-          <a:prstGeom prst="rect">
-            <a:avLst/>
-          </a:prstGeom>
-          <a:noFill/>
-        </p:spPr>
-        <p:txBody>
-          <a:bodyPr wrap="square" rtlCol="0">
-            <a:spAutoFit/>
-          </a:bodyPr>
-          <a:lstStyle/>
-          <a:p>
-            <a:pPr marL="285750" indent="-285750">
-              <a:buFont typeface="Arial" pitchFamily="34" charset="0"/>
-              <a:buChar char="•"/>
-            </a:pPr>
-            <a:r>
-              <a:rPr lang="es-PE" sz="2400" dirty="0" smtClean="0"/>
-              <a:t>Uno a uno nombraremos cada </a:t>
-            </a:r>
-            <a:r>
-              <a:rPr lang="es-PE" sz="2400" dirty="0" err="1" smtClean="0"/>
-              <a:t>Code</a:t>
-            </a:r>
-            <a:r>
-              <a:rPr lang="es-PE" sz="2400" dirty="0" smtClean="0"/>
-              <a:t> </a:t>
-            </a:r>
-            <a:r>
-              <a:rPr lang="es-PE" sz="2400" dirty="0" err="1" smtClean="0"/>
-              <a:t>Smell</a:t>
-            </a:r>
-            <a:r>
-              <a:rPr lang="es-PE" sz="2400" dirty="0" smtClean="0"/>
-              <a:t>.</a:t>
-            </a:r>
-            <a:endParaRPr lang="es-PE" sz="2400" dirty="0" smtClean="0"/>
-          </a:p>
-          <a:p>
-            <a:pPr marL="285750" indent="-285750">
-              <a:buFont typeface="Arial" pitchFamily="34" charset="0"/>
-              <a:buChar char="•"/>
-            </a:pPr>
-            <a:endParaRPr lang="es-PE" sz="2400" dirty="0" smtClean="0"/>
-          </a:p>
-          <a:p>
-            <a:pPr marL="285750" indent="-285750">
-              <a:buFont typeface="Arial" pitchFamily="34" charset="0"/>
-              <a:buChar char="•"/>
-            </a:pPr>
-            <a:r>
-              <a:rPr lang="es-PE" sz="2400" dirty="0" smtClean="0"/>
-              <a:t>Cualquier persona se levanta, explica al resto cuál es el </a:t>
-            </a:r>
-            <a:r>
-              <a:rPr lang="es-PE" sz="2400" dirty="0"/>
-              <a:t>R</a:t>
-            </a:r>
-            <a:r>
-              <a:rPr lang="es-PE" sz="2400" dirty="0" smtClean="0"/>
-              <a:t>efactoring que aplicaría para solucionar ese </a:t>
-            </a:r>
-            <a:r>
-              <a:rPr lang="es-PE" sz="2400" dirty="0" err="1" smtClean="0"/>
-              <a:t>Smell</a:t>
-            </a:r>
-            <a:r>
-              <a:rPr lang="es-PE" sz="2400" dirty="0" smtClean="0"/>
-              <a:t>.</a:t>
-            </a:r>
-            <a:endParaRPr lang="es-PE" sz="2400" dirty="0" smtClean="0"/>
-          </a:p>
-        </p:txBody>
-      </p:sp>
-      <p:sp>
-        <p:nvSpPr>
-          <p:cNvPr id="6" name="2 Título"/>
-          <p:cNvSpPr txBox="1">
-            <a:spLocks/>
-          </p:cNvSpPr>
-          <p:nvPr/>
-        </p:nvSpPr>
-        <p:spPr bwMode="auto">
-          <a:xfrm>
-            <a:off x="446856" y="648564"/>
-            <a:ext cx="8229600" cy="2088232"/>
-          </a:xfrm>
-          <a:prstGeom prst="rect">
-            <a:avLst/>
-          </a:prstGeom>
-          <a:noFill/>
-          <a:ln w="9525">
-            <a:noFill/>
-            <a:miter lim="800000"/>
-            <a:headEnd/>
-            <a:tailEnd/>
-          </a:ln>
-        </p:spPr>
-        <p:txBody>
-          <a:bodyPr vert="horz" wrap="square" lIns="91440" tIns="45720" rIns="91440" bIns="45720" numCol="1" anchor="ctr" anchorCtr="0" compatLnSpc="1">
-            <a:prstTxWarp prst="textNoShape">
-              <a:avLst/>
-            </a:prstTxWarp>
-          </a:bodyPr>
-          <a:lstStyle>
-            <a:lvl1pPr algn="ctr" rtl="0" eaLnBrk="1" fontAlgn="base" hangingPunct="1">
-              <a:spcBef>
-                <a:spcPct val="0"/>
-              </a:spcBef>
-              <a:spcAft>
-                <a:spcPct val="0"/>
-              </a:spcAft>
-              <a:defRPr sz="4400" kern="1200">
-                <a:solidFill>
-                  <a:schemeClr val="tx1"/>
-                </a:solidFill>
-                <a:latin typeface="+mj-lt"/>
-                <a:ea typeface="+mj-ea"/>
-                <a:cs typeface="+mj-cs"/>
-              </a:defRPr>
-            </a:lvl1pPr>
-            <a:lvl2pPr algn="ctr" rtl="0" eaLnBrk="1" fontAlgn="base" hangingPunct="1">
-              <a:spcBef>
-                <a:spcPct val="0"/>
-              </a:spcBef>
-              <a:spcAft>
-                <a:spcPct val="0"/>
-              </a:spcAft>
-              <a:defRPr sz="4400">
-                <a:solidFill>
-                  <a:schemeClr val="tx1"/>
-                </a:solidFill>
-                <a:latin typeface="Calibri" pitchFamily="34" charset="0"/>
-              </a:defRPr>
-            </a:lvl2pPr>
-            <a:lvl3pPr algn="ctr" rtl="0" eaLnBrk="1" fontAlgn="base" hangingPunct="1">
-              <a:spcBef>
-                <a:spcPct val="0"/>
-              </a:spcBef>
-              <a:spcAft>
-                <a:spcPct val="0"/>
-              </a:spcAft>
-              <a:defRPr sz="4400">
-                <a:solidFill>
-                  <a:schemeClr val="tx1"/>
-                </a:solidFill>
-                <a:latin typeface="Calibri" pitchFamily="34" charset="0"/>
-              </a:defRPr>
-            </a:lvl3pPr>
-            <a:lvl4pPr algn="ctr" rtl="0" eaLnBrk="1" fontAlgn="base" hangingPunct="1">
-              <a:spcBef>
-                <a:spcPct val="0"/>
-              </a:spcBef>
-              <a:spcAft>
-                <a:spcPct val="0"/>
-              </a:spcAft>
-              <a:defRPr sz="4400">
-                <a:solidFill>
-                  <a:schemeClr val="tx1"/>
-                </a:solidFill>
-                <a:latin typeface="Calibri" pitchFamily="34" charset="0"/>
-              </a:defRPr>
-            </a:lvl4pPr>
-            <a:lvl5pPr algn="ctr" rtl="0" eaLnBrk="1" fontAlgn="base" hangingPunct="1">
-              <a:spcBef>
-                <a:spcPct val="0"/>
-              </a:spcBef>
-              <a:spcAft>
-                <a:spcPct val="0"/>
-              </a:spcAft>
-              <a:defRPr sz="4400">
-                <a:solidFill>
-                  <a:schemeClr val="tx1"/>
-                </a:solidFill>
-                <a:latin typeface="Calibri" pitchFamily="34" charset="0"/>
-              </a:defRPr>
-            </a:lvl5pPr>
-            <a:lvl6pPr marL="457200" algn="ctr" rtl="0" eaLnBrk="1" fontAlgn="base" hangingPunct="1">
-              <a:spcBef>
-                <a:spcPct val="0"/>
-              </a:spcBef>
-              <a:spcAft>
-                <a:spcPct val="0"/>
-              </a:spcAft>
-              <a:defRPr sz="4400">
-                <a:solidFill>
-                  <a:schemeClr val="tx1"/>
-                </a:solidFill>
-                <a:latin typeface="Calibri" pitchFamily="34" charset="0"/>
-              </a:defRPr>
-            </a:lvl6pPr>
-            <a:lvl7pPr marL="914400" algn="ctr" rtl="0" eaLnBrk="1" fontAlgn="base" hangingPunct="1">
-              <a:spcBef>
-                <a:spcPct val="0"/>
-              </a:spcBef>
-              <a:spcAft>
-                <a:spcPct val="0"/>
-              </a:spcAft>
-              <a:defRPr sz="4400">
-                <a:solidFill>
-                  <a:schemeClr val="tx1"/>
-                </a:solidFill>
-                <a:latin typeface="Calibri" pitchFamily="34" charset="0"/>
-              </a:defRPr>
-            </a:lvl7pPr>
-            <a:lvl8pPr marL="1371600" algn="ctr" rtl="0" eaLnBrk="1" fontAlgn="base" hangingPunct="1">
-              <a:spcBef>
-                <a:spcPct val="0"/>
-              </a:spcBef>
-              <a:spcAft>
-                <a:spcPct val="0"/>
-              </a:spcAft>
-              <a:defRPr sz="4400">
-                <a:solidFill>
-                  <a:schemeClr val="tx1"/>
-                </a:solidFill>
-                <a:latin typeface="Calibri" pitchFamily="34" charset="0"/>
-              </a:defRPr>
-            </a:lvl8pPr>
-            <a:lvl9pPr marL="1828800" algn="ctr" rtl="0" eaLnBrk="1" fontAlgn="base" hangingPunct="1">
-              <a:spcBef>
-                <a:spcPct val="0"/>
-              </a:spcBef>
-              <a:spcAft>
-                <a:spcPct val="0"/>
-              </a:spcAft>
-              <a:defRPr sz="4400">
-                <a:solidFill>
-                  <a:schemeClr val="tx1"/>
-                </a:solidFill>
-                <a:latin typeface="Calibri" pitchFamily="34" charset="0"/>
-              </a:defRPr>
-            </a:lvl9pPr>
-          </a:lstStyle>
-          <a:p>
-            <a:r>
-              <a:rPr lang="es-PE" dirty="0" smtClean="0">
-                <a:solidFill>
-                  <a:srgbClr val="FFC000"/>
-                </a:solidFill>
-              </a:rPr>
-              <a:t>Ejercicio </a:t>
-            </a:r>
-            <a:r>
-              <a:rPr lang="es-PE" dirty="0" smtClean="0">
-                <a:solidFill>
-                  <a:srgbClr val="00823B"/>
-                </a:solidFill>
-              </a:rPr>
-              <a:t/>
-            </a:r>
-            <a:br>
-              <a:rPr lang="es-PE" dirty="0" smtClean="0">
-                <a:solidFill>
-                  <a:srgbClr val="00823B"/>
-                </a:solidFill>
-              </a:rPr>
-            </a:br>
-            <a:r>
-              <a:rPr lang="es-PE" dirty="0" smtClean="0">
-                <a:solidFill>
-                  <a:srgbClr val="00823B"/>
-                </a:solidFill>
-              </a:rPr>
-              <a:t>Identificando </a:t>
-            </a:r>
-            <a:r>
-              <a:rPr lang="es-PE" dirty="0" err="1" smtClean="0">
-                <a:solidFill>
-                  <a:srgbClr val="00823B"/>
-                </a:solidFill>
-              </a:rPr>
-              <a:t>Refactorings</a:t>
-            </a:r>
-            <a:r>
-              <a:rPr lang="es-PE" dirty="0" smtClean="0">
-                <a:solidFill>
-                  <a:srgbClr val="00823B"/>
-                </a:solidFill>
-              </a:rPr>
-              <a:t/>
-            </a:r>
-            <a:br>
-              <a:rPr lang="es-PE" dirty="0" smtClean="0">
-                <a:solidFill>
-                  <a:srgbClr val="00823B"/>
-                </a:solidFill>
-              </a:rPr>
-            </a:br>
-            <a:r>
-              <a:rPr lang="es-PE" dirty="0" smtClean="0">
-                <a:solidFill>
-                  <a:srgbClr val="00823B"/>
-                </a:solidFill>
-              </a:rPr>
-              <a:t>dentro del código.</a:t>
-            </a:r>
-            <a:endParaRPr lang="es-PE" dirty="0">
-              <a:solidFill>
-                <a:srgbClr val="00823B"/>
-              </a:solidFill>
-            </a:endParaRPr>
-          </a:p>
-        </p:txBody>
-      </p:sp>
-    </p:spTree>
-    <p:extLst>
-      <p:ext uri="{BB962C8B-B14F-4D97-AF65-F5344CB8AC3E}">
-        <p14:creationId xmlns:p14="http://schemas.microsoft.com/office/powerpoint/2010/main" val="3222784279"/>
-      </p:ext>
-    </p:extLst>
-  </p:cSld>
-  <p:clrMapOvr>
-    <a:masterClrMapping/>
-  </p:clrMapOvr>
-  <p:timing>
-    <p:tnLst>
-      <p:par>
-        <p:cTn id="1" dur="indefinite" restart="never" nodeType="tmRoot"/>
-      </p:par>
-    </p:tnLst>
-  </p:timing>
-</p:sld>
-</file>
-
-<file path=ppt/slides/slide49.xml><?xml version="1.0" encoding="utf-8"?>
 <p:sld xmlns:a="http://schemas.openxmlformats.org/drawingml/2006/main" xmlns:r="http://schemas.openxmlformats.org/officeDocument/2006/relationships" xmlns:p="http://schemas.openxmlformats.org/presentationml/2006/main">
   <p:cSld>
     <p:spTree>
@@ -23172,6 +23175,561 @@
 </p:sld>
 </file>
 
+<file path=ppt/slides/slide49.xml><?xml version="1.0" encoding="utf-8"?>
+<p:sld xmlns:a="http://schemas.openxmlformats.org/drawingml/2006/main" xmlns:r="http://schemas.openxmlformats.org/officeDocument/2006/relationships" xmlns:p="http://schemas.openxmlformats.org/presentationml/2006/main">
+  <p:cSld>
+    <p:spTree>
+      <p:nvGrpSpPr>
+        <p:cNvPr id="1" name=""/>
+        <p:cNvGrpSpPr/>
+        <p:nvPr/>
+      </p:nvGrpSpPr>
+      <p:grpSpPr>
+        <a:xfrm>
+          <a:off x="0" y="0"/>
+          <a:ext cx="0" cy="0"/>
+          <a:chOff x="0" y="0"/>
+          <a:chExt cx="0" cy="0"/>
+        </a:xfrm>
+      </p:grpSpPr>
+      <p:sp>
+        <p:nvSpPr>
+          <p:cNvPr id="7" name="1 Título"/>
+          <p:cNvSpPr>
+            <a:spLocks noGrp="1"/>
+          </p:cNvSpPr>
+          <p:nvPr>
+            <p:ph type="title"/>
+          </p:nvPr>
+        </p:nvSpPr>
+        <p:spPr>
+          <a:xfrm>
+            <a:off x="529208" y="51761"/>
+            <a:ext cx="8229600" cy="1143000"/>
+          </a:xfrm>
+        </p:spPr>
+        <p:txBody>
+          <a:bodyPr/>
+          <a:lstStyle/>
+          <a:p>
+            <a:r>
+              <a:rPr lang="es-PE" dirty="0" smtClean="0">
+                <a:solidFill>
+                  <a:srgbClr val="009A46"/>
+                </a:solidFill>
+              </a:rPr>
+              <a:t>¿Cómo </a:t>
+            </a:r>
+            <a:r>
+              <a:rPr lang="es-PE" dirty="0" err="1" smtClean="0">
+                <a:solidFill>
+                  <a:srgbClr val="009A46"/>
+                </a:solidFill>
+              </a:rPr>
+              <a:t>refactorizar</a:t>
+            </a:r>
+            <a:r>
+              <a:rPr lang="es-PE" dirty="0" smtClean="0">
+                <a:solidFill>
+                  <a:srgbClr val="009A46"/>
+                </a:solidFill>
+              </a:rPr>
+              <a:t>?</a:t>
+            </a:r>
+            <a:endParaRPr lang="es-PE" dirty="0">
+              <a:solidFill>
+                <a:srgbClr val="009A46"/>
+              </a:solidFill>
+            </a:endParaRPr>
+          </a:p>
+        </p:txBody>
+      </p:sp>
+      <p:sp>
+        <p:nvSpPr>
+          <p:cNvPr id="9" name="5 Marcador de contenido"/>
+          <p:cNvSpPr txBox="1">
+            <a:spLocks/>
+          </p:cNvSpPr>
+          <p:nvPr/>
+        </p:nvSpPr>
+        <p:spPr bwMode="auto">
+          <a:xfrm>
+            <a:off x="1583668" y="1412776"/>
+            <a:ext cx="5976664" cy="504056"/>
+          </a:xfrm>
+          <a:prstGeom prst="rect">
+            <a:avLst/>
+          </a:prstGeom>
+          <a:noFill/>
+          <a:ln w="9525">
+            <a:noFill/>
+            <a:miter lim="800000"/>
+            <a:headEnd/>
+            <a:tailEnd/>
+          </a:ln>
+        </p:spPr>
+        <p:txBody>
+          <a:bodyPr vert="horz" wrap="square" lIns="91440" tIns="45720" rIns="91440" bIns="45720" numCol="1" anchor="t" anchorCtr="0" compatLnSpc="1">
+            <a:prstTxWarp prst="textNoShape">
+              <a:avLst/>
+            </a:prstTxWarp>
+          </a:bodyPr>
+          <a:lstStyle>
+            <a:lvl1pPr marL="342900" indent="-342900" algn="l" rtl="0" eaLnBrk="1" fontAlgn="base" hangingPunct="1">
+              <a:spcBef>
+                <a:spcPct val="20000"/>
+              </a:spcBef>
+              <a:spcAft>
+                <a:spcPct val="0"/>
+              </a:spcAft>
+              <a:buFont typeface="Arial" charset="0"/>
+              <a:buChar char="•"/>
+              <a:defRPr sz="3200" kern="1200">
+                <a:solidFill>
+                  <a:schemeClr val="tx1"/>
+                </a:solidFill>
+                <a:latin typeface="+mn-lt"/>
+                <a:ea typeface="+mn-ea"/>
+                <a:cs typeface="+mn-cs"/>
+              </a:defRPr>
+            </a:lvl1pPr>
+            <a:lvl2pPr marL="742950" indent="-285750" algn="l" rtl="0" eaLnBrk="1" fontAlgn="base" hangingPunct="1">
+              <a:spcBef>
+                <a:spcPct val="20000"/>
+              </a:spcBef>
+              <a:spcAft>
+                <a:spcPct val="0"/>
+              </a:spcAft>
+              <a:buFont typeface="Arial" charset="0"/>
+              <a:buChar char="–"/>
+              <a:defRPr sz="2800" kern="1200">
+                <a:solidFill>
+                  <a:schemeClr val="tx1"/>
+                </a:solidFill>
+                <a:latin typeface="+mn-lt"/>
+                <a:ea typeface="+mn-ea"/>
+                <a:cs typeface="+mn-cs"/>
+              </a:defRPr>
+            </a:lvl2pPr>
+            <a:lvl3pPr marL="1143000" indent="-228600" algn="l" rtl="0" eaLnBrk="1" fontAlgn="base" hangingPunct="1">
+              <a:spcBef>
+                <a:spcPct val="20000"/>
+              </a:spcBef>
+              <a:spcAft>
+                <a:spcPct val="0"/>
+              </a:spcAft>
+              <a:buFont typeface="Arial" charset="0"/>
+              <a:buChar char="•"/>
+              <a:defRPr sz="2400" kern="1200">
+                <a:solidFill>
+                  <a:schemeClr val="tx1"/>
+                </a:solidFill>
+                <a:latin typeface="+mn-lt"/>
+                <a:ea typeface="+mn-ea"/>
+                <a:cs typeface="+mn-cs"/>
+              </a:defRPr>
+            </a:lvl3pPr>
+            <a:lvl4pPr marL="1600200" indent="-228600" algn="l" rtl="0" eaLnBrk="1" fontAlgn="base" hangingPunct="1">
+              <a:spcBef>
+                <a:spcPct val="20000"/>
+              </a:spcBef>
+              <a:spcAft>
+                <a:spcPct val="0"/>
+              </a:spcAft>
+              <a:buFont typeface="Arial" charset="0"/>
+              <a:buChar char="–"/>
+              <a:defRPr sz="2000" kern="1200">
+                <a:solidFill>
+                  <a:schemeClr val="tx1"/>
+                </a:solidFill>
+                <a:latin typeface="+mn-lt"/>
+                <a:ea typeface="+mn-ea"/>
+                <a:cs typeface="+mn-cs"/>
+              </a:defRPr>
+            </a:lvl4pPr>
+            <a:lvl5pPr marL="2057400" indent="-228600" algn="l" rtl="0" eaLnBrk="1" fontAlgn="base" hangingPunct="1">
+              <a:spcBef>
+                <a:spcPct val="20000"/>
+              </a:spcBef>
+              <a:spcAft>
+                <a:spcPct val="0"/>
+              </a:spcAft>
+              <a:buFont typeface="Arial" charset="0"/>
+              <a:buChar char="»"/>
+              <a:defRPr sz="2000" kern="1200">
+                <a:solidFill>
+                  <a:schemeClr val="tx1"/>
+                </a:solidFill>
+                <a:latin typeface="+mn-lt"/>
+                <a:ea typeface="+mn-ea"/>
+                <a:cs typeface="+mn-cs"/>
+              </a:defRPr>
+            </a:lvl5pPr>
+            <a:lvl6pPr marL="2514600" indent="-228600" algn="l" defTabSz="914400" rtl="0" eaLnBrk="1" latinLnBrk="0" hangingPunct="1">
+              <a:spcBef>
+                <a:spcPct val="20000"/>
+              </a:spcBef>
+              <a:buFont typeface="Arial" pitchFamily="34" charset="0"/>
+              <a:buChar char="•"/>
+              <a:defRPr sz="2000" kern="1200">
+                <a:solidFill>
+                  <a:schemeClr val="tx1"/>
+                </a:solidFill>
+                <a:latin typeface="+mn-lt"/>
+                <a:ea typeface="+mn-ea"/>
+                <a:cs typeface="+mn-cs"/>
+              </a:defRPr>
+            </a:lvl6pPr>
+            <a:lvl7pPr marL="2971800" indent="-228600" algn="l" defTabSz="914400" rtl="0" eaLnBrk="1" latinLnBrk="0" hangingPunct="1">
+              <a:spcBef>
+                <a:spcPct val="20000"/>
+              </a:spcBef>
+              <a:buFont typeface="Arial" pitchFamily="34" charset="0"/>
+              <a:buChar char="•"/>
+              <a:defRPr sz="2000" kern="1200">
+                <a:solidFill>
+                  <a:schemeClr val="tx1"/>
+                </a:solidFill>
+                <a:latin typeface="+mn-lt"/>
+                <a:ea typeface="+mn-ea"/>
+                <a:cs typeface="+mn-cs"/>
+              </a:defRPr>
+            </a:lvl7pPr>
+            <a:lvl8pPr marL="3429000" indent="-228600" algn="l" defTabSz="914400" rtl="0" eaLnBrk="1" latinLnBrk="0" hangingPunct="1">
+              <a:spcBef>
+                <a:spcPct val="20000"/>
+              </a:spcBef>
+              <a:buFont typeface="Arial" pitchFamily="34" charset="0"/>
+              <a:buChar char="•"/>
+              <a:defRPr sz="2000" kern="1200">
+                <a:solidFill>
+                  <a:schemeClr val="tx1"/>
+                </a:solidFill>
+                <a:latin typeface="+mn-lt"/>
+                <a:ea typeface="+mn-ea"/>
+                <a:cs typeface="+mn-cs"/>
+              </a:defRPr>
+            </a:lvl8pPr>
+            <a:lvl9pPr marL="3886200" indent="-228600" algn="l" defTabSz="914400" rtl="0" eaLnBrk="1" latinLnBrk="0" hangingPunct="1">
+              <a:spcBef>
+                <a:spcPct val="20000"/>
+              </a:spcBef>
+              <a:buFont typeface="Arial" pitchFamily="34" charset="0"/>
+              <a:buChar char="•"/>
+              <a:defRPr sz="2000" kern="1200">
+                <a:solidFill>
+                  <a:schemeClr val="tx1"/>
+                </a:solidFill>
+                <a:latin typeface="+mn-lt"/>
+                <a:ea typeface="+mn-ea"/>
+                <a:cs typeface="+mn-cs"/>
+              </a:defRPr>
+            </a:lvl9pPr>
+          </a:lstStyle>
+          <a:p>
+            <a:pPr marL="0" indent="0" algn="ctr">
+              <a:buNone/>
+            </a:pPr>
+            <a:r>
+              <a:rPr lang="es-PE" b="1" dirty="0" smtClean="0">
+                <a:solidFill>
+                  <a:srgbClr val="FF0000"/>
+                </a:solidFill>
+              </a:rPr>
+              <a:t>Ejecutar </a:t>
+            </a:r>
+            <a:r>
+              <a:rPr lang="es-PE" b="1" dirty="0" err="1" smtClean="0">
+                <a:solidFill>
+                  <a:srgbClr val="FF0000"/>
+                </a:solidFill>
+              </a:rPr>
+              <a:t>Tests</a:t>
+            </a:r>
+            <a:r>
+              <a:rPr lang="es-PE" b="1" dirty="0" smtClean="0">
+                <a:solidFill>
+                  <a:srgbClr val="FF0000"/>
+                </a:solidFill>
+              </a:rPr>
+              <a:t> Frecuentemente </a:t>
+            </a:r>
+            <a:endParaRPr lang="es-PE" b="1" dirty="0">
+              <a:solidFill>
+                <a:srgbClr val="FF0000"/>
+              </a:solidFill>
+            </a:endParaRPr>
+          </a:p>
+        </p:txBody>
+      </p:sp>
+      <p:sp>
+        <p:nvSpPr>
+          <p:cNvPr id="11" name="5 Marcador de contenido"/>
+          <p:cNvSpPr txBox="1">
+            <a:spLocks/>
+          </p:cNvSpPr>
+          <p:nvPr/>
+        </p:nvSpPr>
+        <p:spPr bwMode="auto">
+          <a:xfrm>
+            <a:off x="395536" y="2204864"/>
+            <a:ext cx="8352928" cy="1368152"/>
+          </a:xfrm>
+          <a:prstGeom prst="rect">
+            <a:avLst/>
+          </a:prstGeom>
+          <a:noFill/>
+          <a:ln w="9525">
+            <a:noFill/>
+            <a:miter lim="800000"/>
+            <a:headEnd/>
+            <a:tailEnd/>
+          </a:ln>
+        </p:spPr>
+        <p:txBody>
+          <a:bodyPr vert="horz" wrap="square" lIns="91440" tIns="45720" rIns="91440" bIns="45720" numCol="1" anchor="t" anchorCtr="0" compatLnSpc="1">
+            <a:prstTxWarp prst="textNoShape">
+              <a:avLst/>
+            </a:prstTxWarp>
+          </a:bodyPr>
+          <a:lstStyle>
+            <a:lvl1pPr marL="342900" indent="-342900" algn="l" rtl="0" eaLnBrk="1" fontAlgn="base" hangingPunct="1">
+              <a:spcBef>
+                <a:spcPct val="20000"/>
+              </a:spcBef>
+              <a:spcAft>
+                <a:spcPct val="0"/>
+              </a:spcAft>
+              <a:buFont typeface="Arial" charset="0"/>
+              <a:buChar char="•"/>
+              <a:defRPr sz="3200" kern="1200">
+                <a:solidFill>
+                  <a:schemeClr val="tx1"/>
+                </a:solidFill>
+                <a:latin typeface="+mn-lt"/>
+                <a:ea typeface="+mn-ea"/>
+                <a:cs typeface="+mn-cs"/>
+              </a:defRPr>
+            </a:lvl1pPr>
+            <a:lvl2pPr marL="742950" indent="-285750" algn="l" rtl="0" eaLnBrk="1" fontAlgn="base" hangingPunct="1">
+              <a:spcBef>
+                <a:spcPct val="20000"/>
+              </a:spcBef>
+              <a:spcAft>
+                <a:spcPct val="0"/>
+              </a:spcAft>
+              <a:buFont typeface="Arial" charset="0"/>
+              <a:buChar char="–"/>
+              <a:defRPr sz="2800" kern="1200">
+                <a:solidFill>
+                  <a:schemeClr val="tx1"/>
+                </a:solidFill>
+                <a:latin typeface="+mn-lt"/>
+                <a:ea typeface="+mn-ea"/>
+                <a:cs typeface="+mn-cs"/>
+              </a:defRPr>
+            </a:lvl2pPr>
+            <a:lvl3pPr marL="1143000" indent="-228600" algn="l" rtl="0" eaLnBrk="1" fontAlgn="base" hangingPunct="1">
+              <a:spcBef>
+                <a:spcPct val="20000"/>
+              </a:spcBef>
+              <a:spcAft>
+                <a:spcPct val="0"/>
+              </a:spcAft>
+              <a:buFont typeface="Arial" charset="0"/>
+              <a:buChar char="•"/>
+              <a:defRPr sz="2400" kern="1200">
+                <a:solidFill>
+                  <a:schemeClr val="tx1"/>
+                </a:solidFill>
+                <a:latin typeface="+mn-lt"/>
+                <a:ea typeface="+mn-ea"/>
+                <a:cs typeface="+mn-cs"/>
+              </a:defRPr>
+            </a:lvl3pPr>
+            <a:lvl4pPr marL="1600200" indent="-228600" algn="l" rtl="0" eaLnBrk="1" fontAlgn="base" hangingPunct="1">
+              <a:spcBef>
+                <a:spcPct val="20000"/>
+              </a:spcBef>
+              <a:spcAft>
+                <a:spcPct val="0"/>
+              </a:spcAft>
+              <a:buFont typeface="Arial" charset="0"/>
+              <a:buChar char="–"/>
+              <a:defRPr sz="2000" kern="1200">
+                <a:solidFill>
+                  <a:schemeClr val="tx1"/>
+                </a:solidFill>
+                <a:latin typeface="+mn-lt"/>
+                <a:ea typeface="+mn-ea"/>
+                <a:cs typeface="+mn-cs"/>
+              </a:defRPr>
+            </a:lvl4pPr>
+            <a:lvl5pPr marL="2057400" indent="-228600" algn="l" rtl="0" eaLnBrk="1" fontAlgn="base" hangingPunct="1">
+              <a:spcBef>
+                <a:spcPct val="20000"/>
+              </a:spcBef>
+              <a:spcAft>
+                <a:spcPct val="0"/>
+              </a:spcAft>
+              <a:buFont typeface="Arial" charset="0"/>
+              <a:buChar char="»"/>
+              <a:defRPr sz="2000" kern="1200">
+                <a:solidFill>
+                  <a:schemeClr val="tx1"/>
+                </a:solidFill>
+                <a:latin typeface="+mn-lt"/>
+                <a:ea typeface="+mn-ea"/>
+                <a:cs typeface="+mn-cs"/>
+              </a:defRPr>
+            </a:lvl5pPr>
+            <a:lvl6pPr marL="2514600" indent="-228600" algn="l" defTabSz="914400" rtl="0" eaLnBrk="1" latinLnBrk="0" hangingPunct="1">
+              <a:spcBef>
+                <a:spcPct val="20000"/>
+              </a:spcBef>
+              <a:buFont typeface="Arial" pitchFamily="34" charset="0"/>
+              <a:buChar char="•"/>
+              <a:defRPr sz="2000" kern="1200">
+                <a:solidFill>
+                  <a:schemeClr val="tx1"/>
+                </a:solidFill>
+                <a:latin typeface="+mn-lt"/>
+                <a:ea typeface="+mn-ea"/>
+                <a:cs typeface="+mn-cs"/>
+              </a:defRPr>
+            </a:lvl6pPr>
+            <a:lvl7pPr marL="2971800" indent="-228600" algn="l" defTabSz="914400" rtl="0" eaLnBrk="1" latinLnBrk="0" hangingPunct="1">
+              <a:spcBef>
+                <a:spcPct val="20000"/>
+              </a:spcBef>
+              <a:buFont typeface="Arial" pitchFamily="34" charset="0"/>
+              <a:buChar char="•"/>
+              <a:defRPr sz="2000" kern="1200">
+                <a:solidFill>
+                  <a:schemeClr val="tx1"/>
+                </a:solidFill>
+                <a:latin typeface="+mn-lt"/>
+                <a:ea typeface="+mn-ea"/>
+                <a:cs typeface="+mn-cs"/>
+              </a:defRPr>
+            </a:lvl7pPr>
+            <a:lvl8pPr marL="3429000" indent="-228600" algn="l" defTabSz="914400" rtl="0" eaLnBrk="1" latinLnBrk="0" hangingPunct="1">
+              <a:spcBef>
+                <a:spcPct val="20000"/>
+              </a:spcBef>
+              <a:buFont typeface="Arial" pitchFamily="34" charset="0"/>
+              <a:buChar char="•"/>
+              <a:defRPr sz="2000" kern="1200">
+                <a:solidFill>
+                  <a:schemeClr val="tx1"/>
+                </a:solidFill>
+                <a:latin typeface="+mn-lt"/>
+                <a:ea typeface="+mn-ea"/>
+                <a:cs typeface="+mn-cs"/>
+              </a:defRPr>
+            </a:lvl8pPr>
+            <a:lvl9pPr marL="3886200" indent="-228600" algn="l" defTabSz="914400" rtl="0" eaLnBrk="1" latinLnBrk="0" hangingPunct="1">
+              <a:spcBef>
+                <a:spcPct val="20000"/>
+              </a:spcBef>
+              <a:buFont typeface="Arial" pitchFamily="34" charset="0"/>
+              <a:buChar char="•"/>
+              <a:defRPr sz="2000" kern="1200">
+                <a:solidFill>
+                  <a:schemeClr val="tx1"/>
+                </a:solidFill>
+                <a:latin typeface="+mn-lt"/>
+                <a:ea typeface="+mn-ea"/>
+                <a:cs typeface="+mn-cs"/>
+              </a:defRPr>
+            </a:lvl9pPr>
+          </a:lstStyle>
+          <a:p>
+            <a:pPr marL="0" indent="0" algn="ctr">
+              <a:buNone/>
+            </a:pPr>
+            <a:r>
+              <a:rPr lang="es-PE" sz="2800" dirty="0" smtClean="0">
+                <a:solidFill>
+                  <a:schemeClr val="tx1">
+                    <a:lumMod val="95000"/>
+                  </a:schemeClr>
+                </a:solidFill>
+              </a:rPr>
+              <a:t>Cualquier cambio al código puede introducir defectos. Ejecutar los </a:t>
+            </a:r>
+            <a:r>
+              <a:rPr lang="es-PE" sz="2800" dirty="0" err="1" smtClean="0">
+                <a:solidFill>
+                  <a:schemeClr val="tx1">
+                    <a:lumMod val="95000"/>
+                  </a:schemeClr>
+                </a:solidFill>
+              </a:rPr>
+              <a:t>tests</a:t>
+            </a:r>
+            <a:r>
+              <a:rPr lang="es-PE" sz="2800" dirty="0" smtClean="0">
+                <a:solidFill>
+                  <a:schemeClr val="tx1">
+                    <a:lumMod val="95000"/>
+                  </a:schemeClr>
+                </a:solidFill>
+              </a:rPr>
+              <a:t> luego de cada cambio nos permitirá detectar errores de manera oportuna.</a:t>
+            </a:r>
+            <a:endParaRPr lang="es-PE" sz="2800" dirty="0">
+              <a:solidFill>
+                <a:schemeClr val="tx1">
+                  <a:lumMod val="95000"/>
+                </a:schemeClr>
+              </a:solidFill>
+            </a:endParaRPr>
+          </a:p>
+        </p:txBody>
+      </p:sp>
+      <p:graphicFrame>
+        <p:nvGraphicFramePr>
+          <p:cNvPr id="13" name="12 Diagrama"/>
+          <p:cNvGraphicFramePr/>
+          <p:nvPr>
+            <p:extLst>
+              <p:ext uri="{D42A27DB-BD31-4B8C-83A1-F6EECF244321}">
+                <p14:modId xmlns:p14="http://schemas.microsoft.com/office/powerpoint/2010/main" val="1038885685"/>
+              </p:ext>
+            </p:extLst>
+          </p:nvPr>
+        </p:nvGraphicFramePr>
+        <p:xfrm>
+          <a:off x="656531" y="4005064"/>
+          <a:ext cx="7992887" cy="758879"/>
+        </p:xfrm>
+        <a:graphic>
+          <a:graphicData uri="http://schemas.openxmlformats.org/drawingml/2006/diagram">
+            <dgm:relIds xmlns:dgm="http://schemas.openxmlformats.org/drawingml/2006/diagram" xmlns:r="http://schemas.openxmlformats.org/officeDocument/2006/relationships" r:dm="rId3" r:lo="rId4" r:qs="rId5" r:cs="rId6"/>
+          </a:graphicData>
+        </a:graphic>
+      </p:graphicFrame>
+    </p:spTree>
+    <p:extLst>
+      <p:ext uri="{BB962C8B-B14F-4D97-AF65-F5344CB8AC3E}">
+        <p14:creationId xmlns:p14="http://schemas.microsoft.com/office/powerpoint/2010/main" val="399224212"/>
+      </p:ext>
+    </p:extLst>
+  </p:cSld>
+  <p:clrMapOvr>
+    <a:masterClrMapping/>
+  </p:clrMapOvr>
+  <p:timing>
+    <p:tnLst>
+      <p:par>
+        <p:cTn id="1" dur="indefinite" restart="never" nodeType="tmRoot"/>
+      </p:par>
+    </p:tnLst>
+  </p:timing>
+</p:sld>
+</file>
+
 <file path=ppt/slides/slide5.xml><?xml version="1.0" encoding="utf-8"?>
 <p:sld xmlns:a="http://schemas.openxmlformats.org/drawingml/2006/main" xmlns:r="http://schemas.openxmlformats.org/officeDocument/2006/relationships" xmlns:p="http://schemas.openxmlformats.org/presentationml/2006/main">
   <p:cSld>
@@ -23487,561 +24045,6 @@
         </p:nvSpPr>
         <p:spPr>
           <a:xfrm>
-            <a:off x="529208" y="51761"/>
-            <a:ext cx="8229600" cy="1143000"/>
-          </a:xfrm>
-        </p:spPr>
-        <p:txBody>
-          <a:bodyPr/>
-          <a:lstStyle/>
-          <a:p>
-            <a:r>
-              <a:rPr lang="es-PE" dirty="0" smtClean="0">
-                <a:solidFill>
-                  <a:srgbClr val="009A46"/>
-                </a:solidFill>
-              </a:rPr>
-              <a:t>¿Cómo </a:t>
-            </a:r>
-            <a:r>
-              <a:rPr lang="es-PE" dirty="0" err="1" smtClean="0">
-                <a:solidFill>
-                  <a:srgbClr val="009A46"/>
-                </a:solidFill>
-              </a:rPr>
-              <a:t>refactorizar</a:t>
-            </a:r>
-            <a:r>
-              <a:rPr lang="es-PE" dirty="0" smtClean="0">
-                <a:solidFill>
-                  <a:srgbClr val="009A46"/>
-                </a:solidFill>
-              </a:rPr>
-              <a:t>?</a:t>
-            </a:r>
-            <a:endParaRPr lang="es-PE" dirty="0">
-              <a:solidFill>
-                <a:srgbClr val="009A46"/>
-              </a:solidFill>
-            </a:endParaRPr>
-          </a:p>
-        </p:txBody>
-      </p:sp>
-      <p:sp>
-        <p:nvSpPr>
-          <p:cNvPr id="9" name="5 Marcador de contenido"/>
-          <p:cNvSpPr txBox="1">
-            <a:spLocks/>
-          </p:cNvSpPr>
-          <p:nvPr/>
-        </p:nvSpPr>
-        <p:spPr bwMode="auto">
-          <a:xfrm>
-            <a:off x="1583668" y="1412776"/>
-            <a:ext cx="5976664" cy="504056"/>
-          </a:xfrm>
-          <a:prstGeom prst="rect">
-            <a:avLst/>
-          </a:prstGeom>
-          <a:noFill/>
-          <a:ln w="9525">
-            <a:noFill/>
-            <a:miter lim="800000"/>
-            <a:headEnd/>
-            <a:tailEnd/>
-          </a:ln>
-        </p:spPr>
-        <p:txBody>
-          <a:bodyPr vert="horz" wrap="square" lIns="91440" tIns="45720" rIns="91440" bIns="45720" numCol="1" anchor="t" anchorCtr="0" compatLnSpc="1">
-            <a:prstTxWarp prst="textNoShape">
-              <a:avLst/>
-            </a:prstTxWarp>
-          </a:bodyPr>
-          <a:lstStyle>
-            <a:lvl1pPr marL="342900" indent="-342900" algn="l" rtl="0" eaLnBrk="1" fontAlgn="base" hangingPunct="1">
-              <a:spcBef>
-                <a:spcPct val="20000"/>
-              </a:spcBef>
-              <a:spcAft>
-                <a:spcPct val="0"/>
-              </a:spcAft>
-              <a:buFont typeface="Arial" charset="0"/>
-              <a:buChar char="•"/>
-              <a:defRPr sz="3200" kern="1200">
-                <a:solidFill>
-                  <a:schemeClr val="tx1"/>
-                </a:solidFill>
-                <a:latin typeface="+mn-lt"/>
-                <a:ea typeface="+mn-ea"/>
-                <a:cs typeface="+mn-cs"/>
-              </a:defRPr>
-            </a:lvl1pPr>
-            <a:lvl2pPr marL="742950" indent="-285750" algn="l" rtl="0" eaLnBrk="1" fontAlgn="base" hangingPunct="1">
-              <a:spcBef>
-                <a:spcPct val="20000"/>
-              </a:spcBef>
-              <a:spcAft>
-                <a:spcPct val="0"/>
-              </a:spcAft>
-              <a:buFont typeface="Arial" charset="0"/>
-              <a:buChar char="–"/>
-              <a:defRPr sz="2800" kern="1200">
-                <a:solidFill>
-                  <a:schemeClr val="tx1"/>
-                </a:solidFill>
-                <a:latin typeface="+mn-lt"/>
-                <a:ea typeface="+mn-ea"/>
-                <a:cs typeface="+mn-cs"/>
-              </a:defRPr>
-            </a:lvl2pPr>
-            <a:lvl3pPr marL="1143000" indent="-228600" algn="l" rtl="0" eaLnBrk="1" fontAlgn="base" hangingPunct="1">
-              <a:spcBef>
-                <a:spcPct val="20000"/>
-              </a:spcBef>
-              <a:spcAft>
-                <a:spcPct val="0"/>
-              </a:spcAft>
-              <a:buFont typeface="Arial" charset="0"/>
-              <a:buChar char="•"/>
-              <a:defRPr sz="2400" kern="1200">
-                <a:solidFill>
-                  <a:schemeClr val="tx1"/>
-                </a:solidFill>
-                <a:latin typeface="+mn-lt"/>
-                <a:ea typeface="+mn-ea"/>
-                <a:cs typeface="+mn-cs"/>
-              </a:defRPr>
-            </a:lvl3pPr>
-            <a:lvl4pPr marL="1600200" indent="-228600" algn="l" rtl="0" eaLnBrk="1" fontAlgn="base" hangingPunct="1">
-              <a:spcBef>
-                <a:spcPct val="20000"/>
-              </a:spcBef>
-              <a:spcAft>
-                <a:spcPct val="0"/>
-              </a:spcAft>
-              <a:buFont typeface="Arial" charset="0"/>
-              <a:buChar char="–"/>
-              <a:defRPr sz="2000" kern="1200">
-                <a:solidFill>
-                  <a:schemeClr val="tx1"/>
-                </a:solidFill>
-                <a:latin typeface="+mn-lt"/>
-                <a:ea typeface="+mn-ea"/>
-                <a:cs typeface="+mn-cs"/>
-              </a:defRPr>
-            </a:lvl4pPr>
-            <a:lvl5pPr marL="2057400" indent="-228600" algn="l" rtl="0" eaLnBrk="1" fontAlgn="base" hangingPunct="1">
-              <a:spcBef>
-                <a:spcPct val="20000"/>
-              </a:spcBef>
-              <a:spcAft>
-                <a:spcPct val="0"/>
-              </a:spcAft>
-              <a:buFont typeface="Arial" charset="0"/>
-              <a:buChar char="»"/>
-              <a:defRPr sz="2000" kern="1200">
-                <a:solidFill>
-                  <a:schemeClr val="tx1"/>
-                </a:solidFill>
-                <a:latin typeface="+mn-lt"/>
-                <a:ea typeface="+mn-ea"/>
-                <a:cs typeface="+mn-cs"/>
-              </a:defRPr>
-            </a:lvl5pPr>
-            <a:lvl6pPr marL="2514600" indent="-228600" algn="l" defTabSz="914400" rtl="0" eaLnBrk="1" latinLnBrk="0" hangingPunct="1">
-              <a:spcBef>
-                <a:spcPct val="20000"/>
-              </a:spcBef>
-              <a:buFont typeface="Arial" pitchFamily="34" charset="0"/>
-              <a:buChar char="•"/>
-              <a:defRPr sz="2000" kern="1200">
-                <a:solidFill>
-                  <a:schemeClr val="tx1"/>
-                </a:solidFill>
-                <a:latin typeface="+mn-lt"/>
-                <a:ea typeface="+mn-ea"/>
-                <a:cs typeface="+mn-cs"/>
-              </a:defRPr>
-            </a:lvl6pPr>
-            <a:lvl7pPr marL="2971800" indent="-228600" algn="l" defTabSz="914400" rtl="0" eaLnBrk="1" latinLnBrk="0" hangingPunct="1">
-              <a:spcBef>
-                <a:spcPct val="20000"/>
-              </a:spcBef>
-              <a:buFont typeface="Arial" pitchFamily="34" charset="0"/>
-              <a:buChar char="•"/>
-              <a:defRPr sz="2000" kern="1200">
-                <a:solidFill>
-                  <a:schemeClr val="tx1"/>
-                </a:solidFill>
-                <a:latin typeface="+mn-lt"/>
-                <a:ea typeface="+mn-ea"/>
-                <a:cs typeface="+mn-cs"/>
-              </a:defRPr>
-            </a:lvl7pPr>
-            <a:lvl8pPr marL="3429000" indent="-228600" algn="l" defTabSz="914400" rtl="0" eaLnBrk="1" latinLnBrk="0" hangingPunct="1">
-              <a:spcBef>
-                <a:spcPct val="20000"/>
-              </a:spcBef>
-              <a:buFont typeface="Arial" pitchFamily="34" charset="0"/>
-              <a:buChar char="•"/>
-              <a:defRPr sz="2000" kern="1200">
-                <a:solidFill>
-                  <a:schemeClr val="tx1"/>
-                </a:solidFill>
-                <a:latin typeface="+mn-lt"/>
-                <a:ea typeface="+mn-ea"/>
-                <a:cs typeface="+mn-cs"/>
-              </a:defRPr>
-            </a:lvl8pPr>
-            <a:lvl9pPr marL="3886200" indent="-228600" algn="l" defTabSz="914400" rtl="0" eaLnBrk="1" latinLnBrk="0" hangingPunct="1">
-              <a:spcBef>
-                <a:spcPct val="20000"/>
-              </a:spcBef>
-              <a:buFont typeface="Arial" pitchFamily="34" charset="0"/>
-              <a:buChar char="•"/>
-              <a:defRPr sz="2000" kern="1200">
-                <a:solidFill>
-                  <a:schemeClr val="tx1"/>
-                </a:solidFill>
-                <a:latin typeface="+mn-lt"/>
-                <a:ea typeface="+mn-ea"/>
-                <a:cs typeface="+mn-cs"/>
-              </a:defRPr>
-            </a:lvl9pPr>
-          </a:lstStyle>
-          <a:p>
-            <a:pPr marL="0" indent="0" algn="ctr">
-              <a:buNone/>
-            </a:pPr>
-            <a:r>
-              <a:rPr lang="es-PE" b="1" dirty="0" smtClean="0">
-                <a:solidFill>
-                  <a:srgbClr val="FF0000"/>
-                </a:solidFill>
-              </a:rPr>
-              <a:t>Ejecutar </a:t>
-            </a:r>
-            <a:r>
-              <a:rPr lang="es-PE" b="1" dirty="0" err="1" smtClean="0">
-                <a:solidFill>
-                  <a:srgbClr val="FF0000"/>
-                </a:solidFill>
-              </a:rPr>
-              <a:t>Tests</a:t>
-            </a:r>
-            <a:r>
-              <a:rPr lang="es-PE" b="1" dirty="0" smtClean="0">
-                <a:solidFill>
-                  <a:srgbClr val="FF0000"/>
-                </a:solidFill>
-              </a:rPr>
-              <a:t> Frecuentemente </a:t>
-            </a:r>
-            <a:endParaRPr lang="es-PE" b="1" dirty="0">
-              <a:solidFill>
-                <a:srgbClr val="FF0000"/>
-              </a:solidFill>
-            </a:endParaRPr>
-          </a:p>
-        </p:txBody>
-      </p:sp>
-      <p:sp>
-        <p:nvSpPr>
-          <p:cNvPr id="11" name="5 Marcador de contenido"/>
-          <p:cNvSpPr txBox="1">
-            <a:spLocks/>
-          </p:cNvSpPr>
-          <p:nvPr/>
-        </p:nvSpPr>
-        <p:spPr bwMode="auto">
-          <a:xfrm>
-            <a:off x="395536" y="2204864"/>
-            <a:ext cx="8352928" cy="1368152"/>
-          </a:xfrm>
-          <a:prstGeom prst="rect">
-            <a:avLst/>
-          </a:prstGeom>
-          <a:noFill/>
-          <a:ln w="9525">
-            <a:noFill/>
-            <a:miter lim="800000"/>
-            <a:headEnd/>
-            <a:tailEnd/>
-          </a:ln>
-        </p:spPr>
-        <p:txBody>
-          <a:bodyPr vert="horz" wrap="square" lIns="91440" tIns="45720" rIns="91440" bIns="45720" numCol="1" anchor="t" anchorCtr="0" compatLnSpc="1">
-            <a:prstTxWarp prst="textNoShape">
-              <a:avLst/>
-            </a:prstTxWarp>
-          </a:bodyPr>
-          <a:lstStyle>
-            <a:lvl1pPr marL="342900" indent="-342900" algn="l" rtl="0" eaLnBrk="1" fontAlgn="base" hangingPunct="1">
-              <a:spcBef>
-                <a:spcPct val="20000"/>
-              </a:spcBef>
-              <a:spcAft>
-                <a:spcPct val="0"/>
-              </a:spcAft>
-              <a:buFont typeface="Arial" charset="0"/>
-              <a:buChar char="•"/>
-              <a:defRPr sz="3200" kern="1200">
-                <a:solidFill>
-                  <a:schemeClr val="tx1"/>
-                </a:solidFill>
-                <a:latin typeface="+mn-lt"/>
-                <a:ea typeface="+mn-ea"/>
-                <a:cs typeface="+mn-cs"/>
-              </a:defRPr>
-            </a:lvl1pPr>
-            <a:lvl2pPr marL="742950" indent="-285750" algn="l" rtl="0" eaLnBrk="1" fontAlgn="base" hangingPunct="1">
-              <a:spcBef>
-                <a:spcPct val="20000"/>
-              </a:spcBef>
-              <a:spcAft>
-                <a:spcPct val="0"/>
-              </a:spcAft>
-              <a:buFont typeface="Arial" charset="0"/>
-              <a:buChar char="–"/>
-              <a:defRPr sz="2800" kern="1200">
-                <a:solidFill>
-                  <a:schemeClr val="tx1"/>
-                </a:solidFill>
-                <a:latin typeface="+mn-lt"/>
-                <a:ea typeface="+mn-ea"/>
-                <a:cs typeface="+mn-cs"/>
-              </a:defRPr>
-            </a:lvl2pPr>
-            <a:lvl3pPr marL="1143000" indent="-228600" algn="l" rtl="0" eaLnBrk="1" fontAlgn="base" hangingPunct="1">
-              <a:spcBef>
-                <a:spcPct val="20000"/>
-              </a:spcBef>
-              <a:spcAft>
-                <a:spcPct val="0"/>
-              </a:spcAft>
-              <a:buFont typeface="Arial" charset="0"/>
-              <a:buChar char="•"/>
-              <a:defRPr sz="2400" kern="1200">
-                <a:solidFill>
-                  <a:schemeClr val="tx1"/>
-                </a:solidFill>
-                <a:latin typeface="+mn-lt"/>
-                <a:ea typeface="+mn-ea"/>
-                <a:cs typeface="+mn-cs"/>
-              </a:defRPr>
-            </a:lvl3pPr>
-            <a:lvl4pPr marL="1600200" indent="-228600" algn="l" rtl="0" eaLnBrk="1" fontAlgn="base" hangingPunct="1">
-              <a:spcBef>
-                <a:spcPct val="20000"/>
-              </a:spcBef>
-              <a:spcAft>
-                <a:spcPct val="0"/>
-              </a:spcAft>
-              <a:buFont typeface="Arial" charset="0"/>
-              <a:buChar char="–"/>
-              <a:defRPr sz="2000" kern="1200">
-                <a:solidFill>
-                  <a:schemeClr val="tx1"/>
-                </a:solidFill>
-                <a:latin typeface="+mn-lt"/>
-                <a:ea typeface="+mn-ea"/>
-                <a:cs typeface="+mn-cs"/>
-              </a:defRPr>
-            </a:lvl4pPr>
-            <a:lvl5pPr marL="2057400" indent="-228600" algn="l" rtl="0" eaLnBrk="1" fontAlgn="base" hangingPunct="1">
-              <a:spcBef>
-                <a:spcPct val="20000"/>
-              </a:spcBef>
-              <a:spcAft>
-                <a:spcPct val="0"/>
-              </a:spcAft>
-              <a:buFont typeface="Arial" charset="0"/>
-              <a:buChar char="»"/>
-              <a:defRPr sz="2000" kern="1200">
-                <a:solidFill>
-                  <a:schemeClr val="tx1"/>
-                </a:solidFill>
-                <a:latin typeface="+mn-lt"/>
-                <a:ea typeface="+mn-ea"/>
-                <a:cs typeface="+mn-cs"/>
-              </a:defRPr>
-            </a:lvl5pPr>
-            <a:lvl6pPr marL="2514600" indent="-228600" algn="l" defTabSz="914400" rtl="0" eaLnBrk="1" latinLnBrk="0" hangingPunct="1">
-              <a:spcBef>
-                <a:spcPct val="20000"/>
-              </a:spcBef>
-              <a:buFont typeface="Arial" pitchFamily="34" charset="0"/>
-              <a:buChar char="•"/>
-              <a:defRPr sz="2000" kern="1200">
-                <a:solidFill>
-                  <a:schemeClr val="tx1"/>
-                </a:solidFill>
-                <a:latin typeface="+mn-lt"/>
-                <a:ea typeface="+mn-ea"/>
-                <a:cs typeface="+mn-cs"/>
-              </a:defRPr>
-            </a:lvl6pPr>
-            <a:lvl7pPr marL="2971800" indent="-228600" algn="l" defTabSz="914400" rtl="0" eaLnBrk="1" latinLnBrk="0" hangingPunct="1">
-              <a:spcBef>
-                <a:spcPct val="20000"/>
-              </a:spcBef>
-              <a:buFont typeface="Arial" pitchFamily="34" charset="0"/>
-              <a:buChar char="•"/>
-              <a:defRPr sz="2000" kern="1200">
-                <a:solidFill>
-                  <a:schemeClr val="tx1"/>
-                </a:solidFill>
-                <a:latin typeface="+mn-lt"/>
-                <a:ea typeface="+mn-ea"/>
-                <a:cs typeface="+mn-cs"/>
-              </a:defRPr>
-            </a:lvl7pPr>
-            <a:lvl8pPr marL="3429000" indent="-228600" algn="l" defTabSz="914400" rtl="0" eaLnBrk="1" latinLnBrk="0" hangingPunct="1">
-              <a:spcBef>
-                <a:spcPct val="20000"/>
-              </a:spcBef>
-              <a:buFont typeface="Arial" pitchFamily="34" charset="0"/>
-              <a:buChar char="•"/>
-              <a:defRPr sz="2000" kern="1200">
-                <a:solidFill>
-                  <a:schemeClr val="tx1"/>
-                </a:solidFill>
-                <a:latin typeface="+mn-lt"/>
-                <a:ea typeface="+mn-ea"/>
-                <a:cs typeface="+mn-cs"/>
-              </a:defRPr>
-            </a:lvl8pPr>
-            <a:lvl9pPr marL="3886200" indent="-228600" algn="l" defTabSz="914400" rtl="0" eaLnBrk="1" latinLnBrk="0" hangingPunct="1">
-              <a:spcBef>
-                <a:spcPct val="20000"/>
-              </a:spcBef>
-              <a:buFont typeface="Arial" pitchFamily="34" charset="0"/>
-              <a:buChar char="•"/>
-              <a:defRPr sz="2000" kern="1200">
-                <a:solidFill>
-                  <a:schemeClr val="tx1"/>
-                </a:solidFill>
-                <a:latin typeface="+mn-lt"/>
-                <a:ea typeface="+mn-ea"/>
-                <a:cs typeface="+mn-cs"/>
-              </a:defRPr>
-            </a:lvl9pPr>
-          </a:lstStyle>
-          <a:p>
-            <a:pPr marL="0" indent="0" algn="ctr">
-              <a:buNone/>
-            </a:pPr>
-            <a:r>
-              <a:rPr lang="es-PE" sz="2800" dirty="0" smtClean="0">
-                <a:solidFill>
-                  <a:schemeClr val="tx1">
-                    <a:lumMod val="95000"/>
-                  </a:schemeClr>
-                </a:solidFill>
-              </a:rPr>
-              <a:t>Cualquier cambio al código puede introducir defectos. Ejecutar los </a:t>
-            </a:r>
-            <a:r>
-              <a:rPr lang="es-PE" sz="2800" dirty="0" err="1" smtClean="0">
-                <a:solidFill>
-                  <a:schemeClr val="tx1">
-                    <a:lumMod val="95000"/>
-                  </a:schemeClr>
-                </a:solidFill>
-              </a:rPr>
-              <a:t>tests</a:t>
-            </a:r>
-            <a:r>
-              <a:rPr lang="es-PE" sz="2800" dirty="0" smtClean="0">
-                <a:solidFill>
-                  <a:schemeClr val="tx1">
-                    <a:lumMod val="95000"/>
-                  </a:schemeClr>
-                </a:solidFill>
-              </a:rPr>
-              <a:t> luego de cada cambio nos permitirá detectar errores de manera oportuna.</a:t>
-            </a:r>
-            <a:endParaRPr lang="es-PE" sz="2800" dirty="0">
-              <a:solidFill>
-                <a:schemeClr val="tx1">
-                  <a:lumMod val="95000"/>
-                </a:schemeClr>
-              </a:solidFill>
-            </a:endParaRPr>
-          </a:p>
-        </p:txBody>
-      </p:sp>
-      <p:graphicFrame>
-        <p:nvGraphicFramePr>
-          <p:cNvPr id="13" name="12 Diagrama"/>
-          <p:cNvGraphicFramePr/>
-          <p:nvPr>
-            <p:extLst>
-              <p:ext uri="{D42A27DB-BD31-4B8C-83A1-F6EECF244321}">
-                <p14:modId xmlns:p14="http://schemas.microsoft.com/office/powerpoint/2010/main" val="1038885685"/>
-              </p:ext>
-            </p:extLst>
-          </p:nvPr>
-        </p:nvGraphicFramePr>
-        <p:xfrm>
-          <a:off x="656531" y="4005064"/>
-          <a:ext cx="7992887" cy="758879"/>
-        </p:xfrm>
-        <a:graphic>
-          <a:graphicData uri="http://schemas.openxmlformats.org/drawingml/2006/diagram">
-            <dgm:relIds xmlns:dgm="http://schemas.openxmlformats.org/drawingml/2006/diagram" xmlns:r="http://schemas.openxmlformats.org/officeDocument/2006/relationships" r:dm="rId3" r:lo="rId4" r:qs="rId5" r:cs="rId6"/>
-          </a:graphicData>
-        </a:graphic>
-      </p:graphicFrame>
-    </p:spTree>
-    <p:extLst>
-      <p:ext uri="{BB962C8B-B14F-4D97-AF65-F5344CB8AC3E}">
-        <p14:creationId xmlns:p14="http://schemas.microsoft.com/office/powerpoint/2010/main" val="399224212"/>
-      </p:ext>
-    </p:extLst>
-  </p:cSld>
-  <p:clrMapOvr>
-    <a:masterClrMapping/>
-  </p:clrMapOvr>
-  <p:timing>
-    <p:tnLst>
-      <p:par>
-        <p:cTn id="1" dur="indefinite" restart="never" nodeType="tmRoot"/>
-      </p:par>
-    </p:tnLst>
-  </p:timing>
-</p:sld>
-</file>
-
-<file path=ppt/slides/slide51.xml><?xml version="1.0" encoding="utf-8"?>
-<p:sld xmlns:a="http://schemas.openxmlformats.org/drawingml/2006/main" xmlns:r="http://schemas.openxmlformats.org/officeDocument/2006/relationships" xmlns:p="http://schemas.openxmlformats.org/presentationml/2006/main">
-  <p:cSld>
-    <p:spTree>
-      <p:nvGrpSpPr>
-        <p:cNvPr id="1" name=""/>
-        <p:cNvGrpSpPr/>
-        <p:nvPr/>
-      </p:nvGrpSpPr>
-      <p:grpSpPr>
-        <a:xfrm>
-          <a:off x="0" y="0"/>
-          <a:ext cx="0" cy="0"/>
-          <a:chOff x="0" y="0"/>
-          <a:chExt cx="0" cy="0"/>
-        </a:xfrm>
-      </p:grpSpPr>
-      <p:sp>
-        <p:nvSpPr>
-          <p:cNvPr id="7" name="1 Título"/>
-          <p:cNvSpPr>
-            <a:spLocks noGrp="1"/>
-          </p:cNvSpPr>
-          <p:nvPr>
-            <p:ph type="title"/>
-          </p:nvPr>
-        </p:nvSpPr>
-        <p:spPr>
-          <a:xfrm>
             <a:off x="505024" y="548680"/>
             <a:ext cx="8229600" cy="1143000"/>
           </a:xfrm>
@@ -24332,6 +24335,163 @@
     <p:extLst>
       <p:ext uri="{BB962C8B-B14F-4D97-AF65-F5344CB8AC3E}">
         <p14:creationId xmlns:p14="http://schemas.microsoft.com/office/powerpoint/2010/main" val="3649338716"/>
+      </p:ext>
+    </p:extLst>
+  </p:cSld>
+  <p:clrMapOvr>
+    <a:masterClrMapping/>
+  </p:clrMapOvr>
+  <p:timing>
+    <p:tnLst>
+      <p:par>
+        <p:cTn id="1" dur="indefinite" restart="never" nodeType="tmRoot"/>
+      </p:par>
+    </p:tnLst>
+  </p:timing>
+</p:sld>
+</file>
+
+<file path=ppt/slides/slide51.xml><?xml version="1.0" encoding="utf-8"?>
+<p:sld xmlns:a="http://schemas.openxmlformats.org/drawingml/2006/main" xmlns:r="http://schemas.openxmlformats.org/officeDocument/2006/relationships" xmlns:p="http://schemas.openxmlformats.org/presentationml/2006/main">
+  <p:cSld>
+    <p:spTree>
+      <p:nvGrpSpPr>
+        <p:cNvPr id="1" name=""/>
+        <p:cNvGrpSpPr/>
+        <p:nvPr/>
+      </p:nvGrpSpPr>
+      <p:grpSpPr>
+        <a:xfrm>
+          <a:off x="0" y="0"/>
+          <a:ext cx="0" cy="0"/>
+          <a:chOff x="0" y="0"/>
+          <a:chExt cx="0" cy="0"/>
+        </a:xfrm>
+      </p:grpSpPr>
+      <p:sp>
+        <p:nvSpPr>
+          <p:cNvPr id="3" name="2 Título"/>
+          <p:cNvSpPr>
+            <a:spLocks noGrp="1"/>
+          </p:cNvSpPr>
+          <p:nvPr>
+            <p:ph type="title"/>
+          </p:nvPr>
+        </p:nvSpPr>
+        <p:spPr>
+          <a:xfrm>
+            <a:off x="446856" y="260648"/>
+            <a:ext cx="8229600" cy="2088232"/>
+          </a:xfrm>
+        </p:spPr>
+        <p:txBody>
+          <a:bodyPr/>
+          <a:lstStyle/>
+          <a:p>
+            <a:r>
+              <a:rPr lang="es-PE" dirty="0" smtClean="0">
+                <a:solidFill>
+                  <a:srgbClr val="FFC000"/>
+                </a:solidFill>
+              </a:rPr>
+              <a:t>Ejercicio </a:t>
+            </a:r>
+            <a:r>
+              <a:rPr lang="es-PE" dirty="0" smtClean="0">
+                <a:solidFill>
+                  <a:srgbClr val="00823B"/>
+                </a:solidFill>
+              </a:rPr>
+              <a:t/>
+            </a:r>
+            <a:br>
+              <a:rPr lang="es-PE" dirty="0" smtClean="0">
+                <a:solidFill>
+                  <a:srgbClr val="00823B"/>
+                </a:solidFill>
+              </a:rPr>
+            </a:br>
+            <a:r>
+              <a:rPr lang="es-PE" dirty="0" smtClean="0">
+                <a:solidFill>
+                  <a:srgbClr val="00823B"/>
+                </a:solidFill>
+              </a:rPr>
+              <a:t>Aplicando </a:t>
+            </a:r>
+            <a:r>
+              <a:rPr lang="es-PE" dirty="0" err="1" smtClean="0">
+                <a:solidFill>
+                  <a:srgbClr val="00823B"/>
+                </a:solidFill>
+              </a:rPr>
+              <a:t>Refactorings</a:t>
+            </a:r>
+            <a:r>
+              <a:rPr lang="es-PE" dirty="0" smtClean="0">
+                <a:solidFill>
+                  <a:srgbClr val="00823B"/>
+                </a:solidFill>
+              </a:rPr>
+              <a:t> </a:t>
+            </a:r>
+            <a:br>
+              <a:rPr lang="es-PE" dirty="0" smtClean="0">
+                <a:solidFill>
+                  <a:srgbClr val="00823B"/>
+                </a:solidFill>
+              </a:rPr>
+            </a:br>
+            <a:r>
+              <a:rPr lang="es-PE" dirty="0" smtClean="0">
+                <a:solidFill>
+                  <a:srgbClr val="00823B"/>
+                </a:solidFill>
+              </a:rPr>
+              <a:t>sobre Código </a:t>
+            </a:r>
+            <a:endParaRPr lang="es-PE" dirty="0">
+              <a:solidFill>
+                <a:srgbClr val="00823B"/>
+              </a:solidFill>
+            </a:endParaRPr>
+          </a:p>
+        </p:txBody>
+      </p:sp>
+      <p:sp>
+        <p:nvSpPr>
+          <p:cNvPr id="4" name="3 CuadroTexto"/>
+          <p:cNvSpPr txBox="1"/>
+          <p:nvPr/>
+        </p:nvSpPr>
+        <p:spPr>
+          <a:xfrm>
+            <a:off x="323529" y="2636912"/>
+            <a:ext cx="8496944" cy="461665"/>
+          </a:xfrm>
+          <a:prstGeom prst="rect">
+            <a:avLst/>
+          </a:prstGeom>
+          <a:noFill/>
+        </p:spPr>
+        <p:txBody>
+          <a:bodyPr wrap="square" rtlCol="0">
+            <a:spAutoFit/>
+          </a:bodyPr>
+          <a:lstStyle/>
+          <a:p>
+            <a:r>
+              <a:rPr lang="es-PE" sz="2400" i="1" dirty="0" smtClean="0"/>
+              <a:t>……</a:t>
+            </a:r>
+            <a:endParaRPr lang="es-PE" sz="2400" i="1" dirty="0" smtClean="0"/>
+          </a:p>
+        </p:txBody>
+      </p:sp>
+    </p:spTree>
+    <p:extLst>
+      <p:ext uri="{BB962C8B-B14F-4D97-AF65-F5344CB8AC3E}">
+        <p14:creationId xmlns:p14="http://schemas.microsoft.com/office/powerpoint/2010/main" val="1541523818"/>
       </p:ext>
     </p:extLst>
   </p:cSld>
@@ -24799,6 +24959,544 @@
       </p:grpSpPr>
       <p:sp>
         <p:nvSpPr>
+          <p:cNvPr id="5" name="4 CuadroTexto"/>
+          <p:cNvSpPr txBox="1"/>
+          <p:nvPr/>
+        </p:nvSpPr>
+        <p:spPr>
+          <a:xfrm>
+            <a:off x="446856" y="2276872"/>
+            <a:ext cx="8445623" cy="3046988"/>
+          </a:xfrm>
+          <a:prstGeom prst="rect">
+            <a:avLst/>
+          </a:prstGeom>
+          <a:noFill/>
+        </p:spPr>
+        <p:txBody>
+          <a:bodyPr wrap="square" rtlCol="0">
+            <a:spAutoFit/>
+          </a:bodyPr>
+          <a:lstStyle/>
+          <a:p>
+            <a:r>
+              <a:rPr lang="es-PE" sz="2400" dirty="0" smtClean="0"/>
+              <a:t>Necesitamos revertir un </a:t>
+            </a:r>
+            <a:r>
+              <a:rPr lang="es-PE" sz="2400" dirty="0" smtClean="0"/>
+              <a:t>R</a:t>
+            </a:r>
+            <a:r>
+              <a:rPr lang="es-PE" sz="2400" dirty="0" smtClean="0"/>
+              <a:t>efactoring cuando:</a:t>
+            </a:r>
+          </a:p>
+          <a:p>
+            <a:pPr marL="342900" indent="-342900">
+              <a:buFont typeface="Arial" pitchFamily="34" charset="0"/>
+              <a:buChar char="•"/>
+            </a:pPr>
+            <a:r>
+              <a:rPr lang="es-PE" sz="2400" dirty="0" smtClean="0"/>
+              <a:t>H</a:t>
+            </a:r>
+            <a:r>
+              <a:rPr lang="es-PE" sz="2400" dirty="0" smtClean="0"/>
+              <a:t>emos realizado un paso muy grande que ha producido errores</a:t>
+            </a:r>
+          </a:p>
+          <a:p>
+            <a:pPr marL="342900" indent="-342900">
+              <a:buFont typeface="Arial" pitchFamily="34" charset="0"/>
+              <a:buChar char="•"/>
+            </a:pPr>
+            <a:r>
+              <a:rPr lang="es-PE" sz="2400" dirty="0" smtClean="0"/>
+              <a:t>Un cambio  que era bueno hoy ya no parece tan bueno para mañana.</a:t>
+            </a:r>
+          </a:p>
+          <a:p>
+            <a:pPr marL="342900" indent="-342900">
+              <a:buFont typeface="Arial" pitchFamily="34" charset="0"/>
+              <a:buChar char="•"/>
+            </a:pPr>
+            <a:endParaRPr lang="es-PE" sz="2400" dirty="0" smtClean="0"/>
+          </a:p>
+          <a:p>
+            <a:pPr algn="ctr"/>
+            <a:r>
+              <a:rPr lang="es-PE" sz="2400" dirty="0" smtClean="0"/>
+              <a:t>En parejas, para cada uno de los </a:t>
+            </a:r>
+            <a:r>
+              <a:rPr lang="es-PE" sz="2400" dirty="0" err="1" smtClean="0"/>
+              <a:t>Refactorings</a:t>
+            </a:r>
+            <a:r>
+              <a:rPr lang="es-PE" sz="2400" dirty="0" smtClean="0"/>
+              <a:t> que se entregarán a continuación, </a:t>
+            </a:r>
+            <a:r>
+              <a:rPr lang="es-PE" sz="2400" dirty="0" err="1" smtClean="0"/>
+              <a:t>identifca</a:t>
+            </a:r>
+            <a:r>
+              <a:rPr lang="es-PE" sz="2400" dirty="0" smtClean="0"/>
+              <a:t> cuál es el nombre del </a:t>
+            </a:r>
+            <a:r>
+              <a:rPr lang="es-PE" sz="2400" dirty="0" err="1" smtClean="0"/>
+              <a:t>refactoring</a:t>
+            </a:r>
+            <a:r>
+              <a:rPr lang="es-PE" sz="2400" dirty="0" smtClean="0"/>
+              <a:t> que revierte su cambio.</a:t>
+            </a:r>
+            <a:endParaRPr lang="es-PE" sz="2400" dirty="0" smtClean="0"/>
+          </a:p>
+        </p:txBody>
+      </p:sp>
+      <p:sp>
+        <p:nvSpPr>
+          <p:cNvPr id="6" name="2 Título"/>
+          <p:cNvSpPr txBox="1">
+            <a:spLocks/>
+          </p:cNvSpPr>
+          <p:nvPr/>
+        </p:nvSpPr>
+        <p:spPr bwMode="auto">
+          <a:xfrm>
+            <a:off x="446856" y="395372"/>
+            <a:ext cx="8229600" cy="1377444"/>
+          </a:xfrm>
+          <a:prstGeom prst="rect">
+            <a:avLst/>
+          </a:prstGeom>
+          <a:noFill/>
+          <a:ln w="9525">
+            <a:noFill/>
+            <a:miter lim="800000"/>
+            <a:headEnd/>
+            <a:tailEnd/>
+          </a:ln>
+        </p:spPr>
+        <p:txBody>
+          <a:bodyPr vert="horz" wrap="square" lIns="91440" tIns="45720" rIns="91440" bIns="45720" numCol="1" anchor="ctr" anchorCtr="0" compatLnSpc="1">
+            <a:prstTxWarp prst="textNoShape">
+              <a:avLst/>
+            </a:prstTxWarp>
+          </a:bodyPr>
+          <a:lstStyle>
+            <a:lvl1pPr algn="ctr" rtl="0" eaLnBrk="1" fontAlgn="base" hangingPunct="1">
+              <a:spcBef>
+                <a:spcPct val="0"/>
+              </a:spcBef>
+              <a:spcAft>
+                <a:spcPct val="0"/>
+              </a:spcAft>
+              <a:defRPr sz="4400" kern="1200">
+                <a:solidFill>
+                  <a:schemeClr val="tx1"/>
+                </a:solidFill>
+                <a:latin typeface="+mj-lt"/>
+                <a:ea typeface="+mj-ea"/>
+                <a:cs typeface="+mj-cs"/>
+              </a:defRPr>
+            </a:lvl1pPr>
+            <a:lvl2pPr algn="ctr" rtl="0" eaLnBrk="1" fontAlgn="base" hangingPunct="1">
+              <a:spcBef>
+                <a:spcPct val="0"/>
+              </a:spcBef>
+              <a:spcAft>
+                <a:spcPct val="0"/>
+              </a:spcAft>
+              <a:defRPr sz="4400">
+                <a:solidFill>
+                  <a:schemeClr val="tx1"/>
+                </a:solidFill>
+                <a:latin typeface="Calibri" pitchFamily="34" charset="0"/>
+              </a:defRPr>
+            </a:lvl2pPr>
+            <a:lvl3pPr algn="ctr" rtl="0" eaLnBrk="1" fontAlgn="base" hangingPunct="1">
+              <a:spcBef>
+                <a:spcPct val="0"/>
+              </a:spcBef>
+              <a:spcAft>
+                <a:spcPct val="0"/>
+              </a:spcAft>
+              <a:defRPr sz="4400">
+                <a:solidFill>
+                  <a:schemeClr val="tx1"/>
+                </a:solidFill>
+                <a:latin typeface="Calibri" pitchFamily="34" charset="0"/>
+              </a:defRPr>
+            </a:lvl3pPr>
+            <a:lvl4pPr algn="ctr" rtl="0" eaLnBrk="1" fontAlgn="base" hangingPunct="1">
+              <a:spcBef>
+                <a:spcPct val="0"/>
+              </a:spcBef>
+              <a:spcAft>
+                <a:spcPct val="0"/>
+              </a:spcAft>
+              <a:defRPr sz="4400">
+                <a:solidFill>
+                  <a:schemeClr val="tx1"/>
+                </a:solidFill>
+                <a:latin typeface="Calibri" pitchFamily="34" charset="0"/>
+              </a:defRPr>
+            </a:lvl4pPr>
+            <a:lvl5pPr algn="ctr" rtl="0" eaLnBrk="1" fontAlgn="base" hangingPunct="1">
+              <a:spcBef>
+                <a:spcPct val="0"/>
+              </a:spcBef>
+              <a:spcAft>
+                <a:spcPct val="0"/>
+              </a:spcAft>
+              <a:defRPr sz="4400">
+                <a:solidFill>
+                  <a:schemeClr val="tx1"/>
+                </a:solidFill>
+                <a:latin typeface="Calibri" pitchFamily="34" charset="0"/>
+              </a:defRPr>
+            </a:lvl5pPr>
+            <a:lvl6pPr marL="457200" algn="ctr" rtl="0" eaLnBrk="1" fontAlgn="base" hangingPunct="1">
+              <a:spcBef>
+                <a:spcPct val="0"/>
+              </a:spcBef>
+              <a:spcAft>
+                <a:spcPct val="0"/>
+              </a:spcAft>
+              <a:defRPr sz="4400">
+                <a:solidFill>
+                  <a:schemeClr val="tx1"/>
+                </a:solidFill>
+                <a:latin typeface="Calibri" pitchFamily="34" charset="0"/>
+              </a:defRPr>
+            </a:lvl6pPr>
+            <a:lvl7pPr marL="914400" algn="ctr" rtl="0" eaLnBrk="1" fontAlgn="base" hangingPunct="1">
+              <a:spcBef>
+                <a:spcPct val="0"/>
+              </a:spcBef>
+              <a:spcAft>
+                <a:spcPct val="0"/>
+              </a:spcAft>
+              <a:defRPr sz="4400">
+                <a:solidFill>
+                  <a:schemeClr val="tx1"/>
+                </a:solidFill>
+                <a:latin typeface="Calibri" pitchFamily="34" charset="0"/>
+              </a:defRPr>
+            </a:lvl7pPr>
+            <a:lvl8pPr marL="1371600" algn="ctr" rtl="0" eaLnBrk="1" fontAlgn="base" hangingPunct="1">
+              <a:spcBef>
+                <a:spcPct val="0"/>
+              </a:spcBef>
+              <a:spcAft>
+                <a:spcPct val="0"/>
+              </a:spcAft>
+              <a:defRPr sz="4400">
+                <a:solidFill>
+                  <a:schemeClr val="tx1"/>
+                </a:solidFill>
+                <a:latin typeface="Calibri" pitchFamily="34" charset="0"/>
+              </a:defRPr>
+            </a:lvl8pPr>
+            <a:lvl9pPr marL="1828800" algn="ctr" rtl="0" eaLnBrk="1" fontAlgn="base" hangingPunct="1">
+              <a:spcBef>
+                <a:spcPct val="0"/>
+              </a:spcBef>
+              <a:spcAft>
+                <a:spcPct val="0"/>
+              </a:spcAft>
+              <a:defRPr sz="4400">
+                <a:solidFill>
+                  <a:schemeClr val="tx1"/>
+                </a:solidFill>
+                <a:latin typeface="Calibri" pitchFamily="34" charset="0"/>
+              </a:defRPr>
+            </a:lvl9pPr>
+          </a:lstStyle>
+          <a:p>
+            <a:r>
+              <a:rPr lang="es-PE" dirty="0" smtClean="0">
+                <a:solidFill>
+                  <a:srgbClr val="FFC000"/>
+                </a:solidFill>
+              </a:rPr>
+              <a:t>Ejercicio </a:t>
+            </a:r>
+            <a:r>
+              <a:rPr lang="es-PE" dirty="0" smtClean="0">
+                <a:solidFill>
+                  <a:srgbClr val="00823B"/>
+                </a:solidFill>
+              </a:rPr>
+              <a:t/>
+            </a:r>
+            <a:br>
+              <a:rPr lang="es-PE" dirty="0" smtClean="0">
+                <a:solidFill>
+                  <a:srgbClr val="00823B"/>
+                </a:solidFill>
+              </a:rPr>
+            </a:br>
+            <a:r>
+              <a:rPr lang="es-PE" dirty="0" smtClean="0">
+                <a:solidFill>
+                  <a:srgbClr val="00823B"/>
+                </a:solidFill>
+              </a:rPr>
+              <a:t>Entendiendo Más </a:t>
+            </a:r>
+            <a:r>
+              <a:rPr lang="es-PE" dirty="0" err="1" smtClean="0">
+                <a:solidFill>
+                  <a:srgbClr val="00823B"/>
+                </a:solidFill>
+              </a:rPr>
+              <a:t>Refactorings</a:t>
+            </a:r>
+            <a:endParaRPr lang="es-PE" dirty="0">
+              <a:solidFill>
+                <a:srgbClr val="00823B"/>
+              </a:solidFill>
+            </a:endParaRPr>
+          </a:p>
+        </p:txBody>
+      </p:sp>
+    </p:spTree>
+    <p:extLst>
+      <p:ext uri="{BB962C8B-B14F-4D97-AF65-F5344CB8AC3E}">
+        <p14:creationId xmlns:p14="http://schemas.microsoft.com/office/powerpoint/2010/main" val="3222784279"/>
+      </p:ext>
+    </p:extLst>
+  </p:cSld>
+  <p:clrMapOvr>
+    <a:masterClrMapping/>
+  </p:clrMapOvr>
+  <p:timing>
+    <p:tnLst>
+      <p:par>
+        <p:cTn id="1" dur="indefinite" restart="never" nodeType="tmRoot"/>
+      </p:par>
+    </p:tnLst>
+  </p:timing>
+</p:sld>
+</file>
+
+<file path=ppt/slides/slide54.xml><?xml version="1.0" encoding="utf-8"?>
+<p:sld xmlns:a="http://schemas.openxmlformats.org/drawingml/2006/main" xmlns:r="http://schemas.openxmlformats.org/officeDocument/2006/relationships" xmlns:p="http://schemas.openxmlformats.org/presentationml/2006/main">
+  <p:cSld>
+    <p:spTree>
+      <p:nvGrpSpPr>
+        <p:cNvPr id="1" name=""/>
+        <p:cNvGrpSpPr/>
+        <p:nvPr/>
+      </p:nvGrpSpPr>
+      <p:grpSpPr>
+        <a:xfrm>
+          <a:off x="0" y="0"/>
+          <a:ext cx="0" cy="0"/>
+          <a:chOff x="0" y="0"/>
+          <a:chExt cx="0" cy="0"/>
+        </a:xfrm>
+      </p:grpSpPr>
+      <p:sp>
+        <p:nvSpPr>
+          <p:cNvPr id="3" name="2 Título"/>
+          <p:cNvSpPr>
+            <a:spLocks noGrp="1"/>
+          </p:cNvSpPr>
+          <p:nvPr>
+            <p:ph type="title"/>
+          </p:nvPr>
+        </p:nvSpPr>
+        <p:spPr>
+          <a:xfrm>
+            <a:off x="446856" y="260648"/>
+            <a:ext cx="8229600" cy="2088232"/>
+          </a:xfrm>
+        </p:spPr>
+        <p:txBody>
+          <a:bodyPr/>
+          <a:lstStyle/>
+          <a:p>
+            <a:r>
+              <a:rPr lang="es-PE" dirty="0" smtClean="0">
+                <a:solidFill>
+                  <a:srgbClr val="FFC000"/>
+                </a:solidFill>
+              </a:rPr>
+              <a:t>Ejercicio </a:t>
+            </a:r>
+            <a:r>
+              <a:rPr lang="es-PE" dirty="0" smtClean="0">
+                <a:solidFill>
+                  <a:srgbClr val="00823B"/>
+                </a:solidFill>
+              </a:rPr>
+              <a:t/>
+            </a:r>
+            <a:br>
+              <a:rPr lang="es-PE" dirty="0" smtClean="0">
+                <a:solidFill>
+                  <a:srgbClr val="00823B"/>
+                </a:solidFill>
+              </a:rPr>
+            </a:br>
+            <a:r>
+              <a:rPr lang="es-PE" dirty="0" smtClean="0">
+                <a:solidFill>
+                  <a:srgbClr val="00823B"/>
+                </a:solidFill>
+              </a:rPr>
+              <a:t>Aprendiendo a usar las Herramientas de Refactoring</a:t>
+            </a:r>
+            <a:endParaRPr lang="es-PE" dirty="0">
+              <a:solidFill>
+                <a:srgbClr val="00823B"/>
+              </a:solidFill>
+            </a:endParaRPr>
+          </a:p>
+        </p:txBody>
+      </p:sp>
+      <p:sp>
+        <p:nvSpPr>
+          <p:cNvPr id="4" name="3 CuadroTexto"/>
+          <p:cNvSpPr txBox="1"/>
+          <p:nvPr/>
+        </p:nvSpPr>
+        <p:spPr>
+          <a:xfrm>
+            <a:off x="323529" y="2636912"/>
+            <a:ext cx="8496944" cy="3046988"/>
+          </a:xfrm>
+          <a:prstGeom prst="rect">
+            <a:avLst/>
+          </a:prstGeom>
+          <a:noFill/>
+        </p:spPr>
+        <p:txBody>
+          <a:bodyPr wrap="square" rtlCol="0">
+            <a:spAutoFit/>
+          </a:bodyPr>
+          <a:lstStyle/>
+          <a:p>
+            <a:pPr marL="285750" indent="-285750">
+              <a:buFont typeface="Arial" pitchFamily="34" charset="0"/>
+              <a:buChar char="•"/>
+            </a:pPr>
+            <a:r>
+              <a:rPr lang="es-PE" sz="2400" i="1" dirty="0" smtClean="0"/>
+              <a:t>Refactoring</a:t>
+            </a:r>
+            <a:r>
+              <a:rPr lang="es-PE" sz="2400" dirty="0" smtClean="0"/>
+              <a:t> es realizar cambios en el código para mejorar la calidad interna.</a:t>
+            </a:r>
+          </a:p>
+          <a:p>
+            <a:pPr marL="285750" indent="-285750">
+              <a:buFont typeface="Arial" pitchFamily="34" charset="0"/>
+              <a:buChar char="•"/>
+            </a:pPr>
+            <a:endParaRPr lang="es-PE" sz="2400" dirty="0" smtClean="0"/>
+          </a:p>
+          <a:p>
+            <a:pPr marL="285750" indent="-285750">
+              <a:buFont typeface="Arial" pitchFamily="34" charset="0"/>
+              <a:buChar char="•"/>
+            </a:pPr>
+            <a:r>
+              <a:rPr lang="es-PE" sz="2400" i="1" dirty="0" err="1" smtClean="0"/>
+              <a:t>Refuctoring</a:t>
+            </a:r>
+            <a:r>
+              <a:rPr lang="es-PE" sz="2400" dirty="0" smtClean="0"/>
+              <a:t> es tomar un código bien diseñado, realizar una serie cambios, hasta hacerlo </a:t>
+            </a:r>
+            <a:r>
+              <a:rPr lang="es-PE" sz="2400" dirty="0" err="1" smtClean="0"/>
+              <a:t>inmantenible</a:t>
+            </a:r>
+            <a:r>
+              <a:rPr lang="es-PE" sz="2400" dirty="0" smtClean="0"/>
+              <a:t>.</a:t>
+            </a:r>
+          </a:p>
+          <a:p>
+            <a:pPr marL="285750" indent="-285750">
+              <a:buFont typeface="Arial" pitchFamily="34" charset="0"/>
+              <a:buChar char="•"/>
+            </a:pPr>
+            <a:endParaRPr lang="es-PE" sz="2400" dirty="0" smtClean="0"/>
+          </a:p>
+          <a:p>
+            <a:pPr algn="ctr"/>
+            <a:r>
+              <a:rPr lang="es-PE" sz="2400" dirty="0" smtClean="0"/>
+              <a:t>Vamos a identificar y practicar las herramientas automatizadas, </a:t>
+            </a:r>
+            <a:r>
+              <a:rPr lang="es-PE" sz="2400" dirty="0" err="1" smtClean="0"/>
+              <a:t>refuctorizando</a:t>
+            </a:r>
+            <a:r>
+              <a:rPr lang="es-PE" sz="2400" dirty="0" smtClean="0"/>
+              <a:t> un simple: </a:t>
+            </a:r>
+            <a:r>
+              <a:rPr lang="es-PE" sz="2400" i="1" dirty="0" err="1" smtClean="0"/>
+              <a:t>return</a:t>
+            </a:r>
+            <a:r>
+              <a:rPr lang="es-PE" sz="2400" i="1" dirty="0" smtClean="0"/>
+              <a:t> "Hola Mundo".</a:t>
+            </a:r>
+            <a:endParaRPr lang="es-PE" sz="2400" i="1" dirty="0" smtClean="0"/>
+          </a:p>
+        </p:txBody>
+      </p:sp>
+    </p:spTree>
+    <p:extLst>
+      <p:ext uri="{BB962C8B-B14F-4D97-AF65-F5344CB8AC3E}">
+        <p14:creationId xmlns:p14="http://schemas.microsoft.com/office/powerpoint/2010/main" val="2451066504"/>
+      </p:ext>
+    </p:extLst>
+  </p:cSld>
+  <p:clrMapOvr>
+    <a:masterClrMapping/>
+  </p:clrMapOvr>
+  <p:timing>
+    <p:tnLst>
+      <p:par>
+        <p:cTn id="1" dur="indefinite" restart="never" nodeType="tmRoot"/>
+      </p:par>
+    </p:tnLst>
+  </p:timing>
+</p:sld>
+</file>
+
+<file path=ppt/slides/slide55.xml><?xml version="1.0" encoding="utf-8"?>
+<p:sld xmlns:a="http://schemas.openxmlformats.org/drawingml/2006/main" xmlns:r="http://schemas.openxmlformats.org/officeDocument/2006/relationships" xmlns:p="http://schemas.openxmlformats.org/presentationml/2006/main">
+  <p:cSld>
+    <p:spTree>
+      <p:nvGrpSpPr>
+        <p:cNvPr id="1" name=""/>
+        <p:cNvGrpSpPr/>
+        <p:nvPr/>
+      </p:nvGrpSpPr>
+      <p:grpSpPr>
+        <a:xfrm>
+          <a:off x="0" y="0"/>
+          <a:ext cx="0" cy="0"/>
+          <a:chOff x="0" y="0"/>
+          <a:chExt cx="0" cy="0"/>
+        </a:xfrm>
+      </p:grpSpPr>
+      <p:sp>
+        <p:nvSpPr>
           <p:cNvPr id="3" name="2 Título"/>
           <p:cNvSpPr>
             <a:spLocks noGrp="1"/>
@@ -24908,7 +25606,7 @@
 </p:sld>
 </file>
 
-<file path=ppt/slides/slide54.xml><?xml version="1.0" encoding="utf-8"?>
+<file path=ppt/slides/slide56.xml><?xml version="1.0" encoding="utf-8"?>
 <p:sld xmlns:a="http://schemas.openxmlformats.org/drawingml/2006/main" xmlns:r="http://schemas.openxmlformats.org/officeDocument/2006/relationships" xmlns:p="http://schemas.openxmlformats.org/presentationml/2006/main">
   <p:cSld>
     <p:spTree>

--- a/Diapositivas/Code Smells and Refactoring.pptx
+++ b/Diapositivas/Code Smells and Refactoring.pptx
@@ -2099,8 +2099,8 @@
     <dgm:cxn modelId="{F2AB151D-21B9-4D2B-A657-006D73F49BC8}" type="presOf" srcId="{9768ADBD-E274-445C-8DCD-B40B42EBD27B}" destId="{2CCF0EC0-5E87-4702-9012-7254A3821684}" srcOrd="0" destOrd="0" presId="urn:microsoft.com/office/officeart/2005/8/layout/cycle2"/>
     <dgm:cxn modelId="{4B86B7C8-E32E-4E93-BEB0-78CDA56678D2}" type="presOf" srcId="{76A1EA92-51E5-49EB-A181-D50B98697B05}" destId="{FB6A06C4-A2A0-4F93-829D-27E882A8B839}" srcOrd="0" destOrd="0" presId="urn:microsoft.com/office/officeart/2005/8/layout/cycle2"/>
     <dgm:cxn modelId="{1089786B-FC8F-44D2-845E-383202AFE628}" type="presOf" srcId="{3766CEFC-D74E-4FC6-B9BD-CE4F3847A8F1}" destId="{B4DAEDC5-1010-434A-AA93-DB22F5A7CB1E}" srcOrd="1" destOrd="0" presId="urn:microsoft.com/office/officeart/2005/8/layout/cycle2"/>
+    <dgm:cxn modelId="{D7A616E2-9700-4CBA-9BBE-43444D8A6564}" type="presOf" srcId="{17CA2C55-0354-4402-9601-202C7F5A5539}" destId="{6552A34E-30A2-429F-881E-FE5C4BE2A18D}" srcOrd="1" destOrd="0" presId="urn:microsoft.com/office/officeart/2005/8/layout/cycle2"/>
     <dgm:cxn modelId="{9E7B1AD0-4B2E-401B-B82A-F21921E14474}" srcId="{AA37C565-8227-47BE-938D-F0254EF29510}" destId="{7EB66F7D-EDF6-4CF9-8307-CDC396A315D2}" srcOrd="3" destOrd="0" parTransId="{1C435CE0-1330-4C41-B432-980635612D78}" sibTransId="{3766CEFC-D74E-4FC6-B9BD-CE4F3847A8F1}"/>
-    <dgm:cxn modelId="{D7A616E2-9700-4CBA-9BBE-43444D8A6564}" type="presOf" srcId="{17CA2C55-0354-4402-9601-202C7F5A5539}" destId="{6552A34E-30A2-429F-881E-FE5C4BE2A18D}" srcOrd="1" destOrd="0" presId="urn:microsoft.com/office/officeart/2005/8/layout/cycle2"/>
     <dgm:cxn modelId="{D953A32C-4D27-4AB5-8837-349E35D4EC32}" type="presOf" srcId="{86434053-B40A-4DA1-AC86-B95A2468B2D6}" destId="{B4181A90-3A21-4F79-83DB-5F7E138E1000}" srcOrd="0" destOrd="0" presId="urn:microsoft.com/office/officeart/2005/8/layout/cycle2"/>
     <dgm:cxn modelId="{9476F479-5E75-4A48-B836-A1328D3E5B65}" type="presOf" srcId="{2D629D79-084D-4FF9-8DF9-08F54FFF92DE}" destId="{8D88EC16-041F-468E-A4EE-B0C17C298D88}" srcOrd="0" destOrd="0" presId="urn:microsoft.com/office/officeart/2005/8/layout/cycle2"/>
     <dgm:cxn modelId="{E4C3E423-9E5F-4380-80CE-AA5DD2EC4561}" type="presOf" srcId="{17CA2C55-0354-4402-9601-202C7F5A5539}" destId="{19C3351F-DE4C-4425-8FAE-716FD4A6218E}" srcOrd="0" destOrd="0" presId="urn:microsoft.com/office/officeart/2005/8/layout/cycle2"/>
@@ -24460,14 +24460,14 @@
       </p:sp>
       <p:sp>
         <p:nvSpPr>
-          <p:cNvPr id="4" name="3 CuadroTexto"/>
+          <p:cNvPr id="5" name="4 CuadroTexto"/>
           <p:cNvSpPr txBox="1"/>
           <p:nvPr/>
         </p:nvSpPr>
         <p:spPr>
           <a:xfrm>
-            <a:off x="323529" y="2636912"/>
-            <a:ext cx="8496944" cy="461665"/>
+            <a:off x="446856" y="2686268"/>
+            <a:ext cx="8445623" cy="2677656"/>
           </a:xfrm>
           <a:prstGeom prst="rect">
             <a:avLst/>
@@ -24480,11 +24480,85 @@
           </a:bodyPr>
           <a:lstStyle/>
           <a:p>
-            <a:r>
-              <a:rPr lang="es-PE" sz="2400" i="1" dirty="0" smtClean="0"/>
-              <a:t>……</a:t>
-            </a:r>
-            <a:endParaRPr lang="es-PE" sz="2400" i="1" dirty="0" smtClean="0"/>
+            <a:pPr algn="ctr"/>
+            <a:r>
+              <a:rPr lang="es-PE" sz="2400" dirty="0" smtClean="0"/>
+              <a:t>Aprenderemos  a aplicar "</a:t>
+            </a:r>
+            <a:r>
+              <a:rPr lang="es-PE" sz="2400" dirty="0" err="1" smtClean="0"/>
+              <a:t>Extract</a:t>
+            </a:r>
+            <a:r>
+              <a:rPr lang="es-PE" sz="2400" dirty="0" smtClean="0"/>
+              <a:t> </a:t>
+            </a:r>
+            <a:r>
+              <a:rPr lang="es-PE" sz="2400" dirty="0" err="1" smtClean="0"/>
+              <a:t>Method</a:t>
+            </a:r>
+            <a:r>
+              <a:rPr lang="es-PE" sz="2400" dirty="0" smtClean="0"/>
+              <a:t>" siguiendo paso a paso la mecánica manual para este </a:t>
+            </a:r>
+            <a:r>
+              <a:rPr lang="es-PE" sz="2400" dirty="0" err="1" smtClean="0"/>
+              <a:t>refactoring</a:t>
+            </a:r>
+            <a:r>
+              <a:rPr lang="es-PE" sz="2400" dirty="0" smtClean="0"/>
+              <a:t>. </a:t>
+            </a:r>
+          </a:p>
+          <a:p>
+            <a:pPr algn="ctr"/>
+            <a:endParaRPr lang="es-PE" sz="2400" dirty="0"/>
+          </a:p>
+          <a:p>
+            <a:r>
+              <a:rPr lang="es-PE" sz="2400" dirty="0" smtClean="0"/>
+              <a:t>Aplicaremos este </a:t>
+            </a:r>
+            <a:r>
+              <a:rPr lang="es-PE" sz="2400" dirty="0" err="1" smtClean="0"/>
+              <a:t>refactoring</a:t>
+            </a:r>
+            <a:r>
+              <a:rPr lang="es-PE" sz="2400" dirty="0" smtClean="0"/>
+              <a:t> en 3 tipos de contextos:</a:t>
+            </a:r>
+            <a:endParaRPr lang="es-PE" sz="2400" dirty="0" smtClean="0"/>
+          </a:p>
+          <a:p>
+            <a:pPr marL="342900" indent="-342900">
+              <a:buFont typeface="Arial" pitchFamily="34" charset="0"/>
+              <a:buChar char="•"/>
+            </a:pPr>
+            <a:r>
+              <a:rPr lang="es-PE" sz="2400" dirty="0" smtClean="0"/>
+              <a:t>Código sin Variables Locales</a:t>
+            </a:r>
+          </a:p>
+          <a:p>
+            <a:pPr marL="342900" indent="-342900">
+              <a:buFont typeface="Arial" pitchFamily="34" charset="0"/>
+              <a:buChar char="•"/>
+            </a:pPr>
+            <a:r>
+              <a:rPr lang="es-PE" sz="2400" dirty="0" smtClean="0"/>
+              <a:t>Código con Variables Locales</a:t>
+            </a:r>
+          </a:p>
+          <a:p>
+            <a:pPr marL="342900" indent="-342900">
+              <a:buFont typeface="Arial" pitchFamily="34" charset="0"/>
+              <a:buChar char="•"/>
+            </a:pPr>
+            <a:r>
+              <a:rPr lang="es-PE" sz="2400" dirty="0" smtClean="0"/>
+              <a:t>Reasignando el valor de Variables Locales</a:t>
+            </a:r>
+            <a:endParaRPr lang="es-PE" sz="2400" dirty="0" smtClean="0"/>
           </a:p>
         </p:txBody>
       </p:sp>
@@ -24981,15 +25055,7 @@
           <a:p>
             <a:r>
               <a:rPr lang="es-PE" sz="2400" dirty="0" smtClean="0"/>
-              <a:t>Necesitamos revertir un </a:t>
-            </a:r>
-            <a:r>
-              <a:rPr lang="es-PE" sz="2400" dirty="0" smtClean="0"/>
-              <a:t>R</a:t>
-            </a:r>
-            <a:r>
-              <a:rPr lang="es-PE" sz="2400" dirty="0" smtClean="0"/>
-              <a:t>efactoring cuando:</a:t>
+              <a:t>Necesitamos revertir un Refactoring cuando:</a:t>
             </a:r>
           </a:p>
           <a:p>
@@ -24999,11 +25065,7 @@
             </a:pPr>
             <a:r>
               <a:rPr lang="es-PE" sz="2400" dirty="0" smtClean="0"/>
-              <a:t>H</a:t>
-            </a:r>
-            <a:r>
-              <a:rPr lang="es-PE" sz="2400" dirty="0" smtClean="0"/>
-              <a:t>emos realizado un paso muy grande que ha producido errores</a:t>
+              <a:t>Hemos realizado un paso muy grande que ha producido errores</a:t>
             </a:r>
           </a:p>
           <a:p>
@@ -25053,7 +25115,6 @@
               <a:rPr lang="es-PE" sz="2400" dirty="0" smtClean="0"/>
               <a:t> que revierte su cambio.</a:t>
             </a:r>
-            <a:endParaRPr lang="es-PE" sz="2400" dirty="0" smtClean="0"/>
           </a:p>
         </p:txBody>
       </p:sp>
@@ -25454,7 +25515,6 @@
               <a:rPr lang="es-PE" sz="2400" i="1" dirty="0" smtClean="0"/>
               <a:t> "Hola Mundo".</a:t>
             </a:r>
-            <a:endParaRPr lang="es-PE" sz="2400" i="1" dirty="0" smtClean="0"/>
           </a:p>
         </p:txBody>
       </p:sp>

--- a/Diapositivas/Code Smells and Refactoring.pptx
+++ b/Diapositivas/Code Smells and Refactoring.pptx
@@ -28,20 +28,20 @@
     <p:sldId id="509" r:id="rId19"/>
     <p:sldId id="733" r:id="rId20"/>
     <p:sldId id="732" r:id="rId21"/>
-    <p:sldId id="734" r:id="rId22"/>
-    <p:sldId id="746" r:id="rId23"/>
-    <p:sldId id="747" r:id="rId24"/>
-    <p:sldId id="748" r:id="rId25"/>
-    <p:sldId id="744" r:id="rId26"/>
-    <p:sldId id="749" r:id="rId27"/>
-    <p:sldId id="750" r:id="rId28"/>
-    <p:sldId id="751" r:id="rId29"/>
-    <p:sldId id="752" r:id="rId30"/>
-    <p:sldId id="753" r:id="rId31"/>
-    <p:sldId id="754" r:id="rId32"/>
-    <p:sldId id="755" r:id="rId33"/>
-    <p:sldId id="756" r:id="rId34"/>
-    <p:sldId id="757" r:id="rId35"/>
+    <p:sldId id="747" r:id="rId22"/>
+    <p:sldId id="750" r:id="rId23"/>
+    <p:sldId id="746" r:id="rId24"/>
+    <p:sldId id="752" r:id="rId25"/>
+    <p:sldId id="748" r:id="rId26"/>
+    <p:sldId id="751" r:id="rId27"/>
+    <p:sldId id="744" r:id="rId28"/>
+    <p:sldId id="754" r:id="rId29"/>
+    <p:sldId id="757" r:id="rId30"/>
+    <p:sldId id="749" r:id="rId31"/>
+    <p:sldId id="734" r:id="rId32"/>
+    <p:sldId id="753" r:id="rId33"/>
+    <p:sldId id="755" r:id="rId34"/>
+    <p:sldId id="756" r:id="rId35"/>
     <p:sldId id="743" r:id="rId36"/>
     <p:sldId id="716" r:id="rId37"/>
     <p:sldId id="758" r:id="rId38"/>
@@ -2099,8 +2099,8 @@
     <dgm:cxn modelId="{F2AB151D-21B9-4D2B-A657-006D73F49BC8}" type="presOf" srcId="{9768ADBD-E274-445C-8DCD-B40B42EBD27B}" destId="{2CCF0EC0-5E87-4702-9012-7254A3821684}" srcOrd="0" destOrd="0" presId="urn:microsoft.com/office/officeart/2005/8/layout/cycle2"/>
     <dgm:cxn modelId="{4B86B7C8-E32E-4E93-BEB0-78CDA56678D2}" type="presOf" srcId="{76A1EA92-51E5-49EB-A181-D50B98697B05}" destId="{FB6A06C4-A2A0-4F93-829D-27E882A8B839}" srcOrd="0" destOrd="0" presId="urn:microsoft.com/office/officeart/2005/8/layout/cycle2"/>
     <dgm:cxn modelId="{1089786B-FC8F-44D2-845E-383202AFE628}" type="presOf" srcId="{3766CEFC-D74E-4FC6-B9BD-CE4F3847A8F1}" destId="{B4DAEDC5-1010-434A-AA93-DB22F5A7CB1E}" srcOrd="1" destOrd="0" presId="urn:microsoft.com/office/officeart/2005/8/layout/cycle2"/>
+    <dgm:cxn modelId="{9E7B1AD0-4B2E-401B-B82A-F21921E14474}" srcId="{AA37C565-8227-47BE-938D-F0254EF29510}" destId="{7EB66F7D-EDF6-4CF9-8307-CDC396A315D2}" srcOrd="3" destOrd="0" parTransId="{1C435CE0-1330-4C41-B432-980635612D78}" sibTransId="{3766CEFC-D74E-4FC6-B9BD-CE4F3847A8F1}"/>
     <dgm:cxn modelId="{D7A616E2-9700-4CBA-9BBE-43444D8A6564}" type="presOf" srcId="{17CA2C55-0354-4402-9601-202C7F5A5539}" destId="{6552A34E-30A2-429F-881E-FE5C4BE2A18D}" srcOrd="1" destOrd="0" presId="urn:microsoft.com/office/officeart/2005/8/layout/cycle2"/>
-    <dgm:cxn modelId="{9E7B1AD0-4B2E-401B-B82A-F21921E14474}" srcId="{AA37C565-8227-47BE-938D-F0254EF29510}" destId="{7EB66F7D-EDF6-4CF9-8307-CDC396A315D2}" srcOrd="3" destOrd="0" parTransId="{1C435CE0-1330-4C41-B432-980635612D78}" sibTransId="{3766CEFC-D74E-4FC6-B9BD-CE4F3847A8F1}"/>
     <dgm:cxn modelId="{D953A32C-4D27-4AB5-8837-349E35D4EC32}" type="presOf" srcId="{86434053-B40A-4DA1-AC86-B95A2468B2D6}" destId="{B4181A90-3A21-4F79-83DB-5F7E138E1000}" srcOrd="0" destOrd="0" presId="urn:microsoft.com/office/officeart/2005/8/layout/cycle2"/>
     <dgm:cxn modelId="{9476F479-5E75-4A48-B836-A1328D3E5B65}" type="presOf" srcId="{2D629D79-084D-4FF9-8DF9-08F54FFF92DE}" destId="{8D88EC16-041F-468E-A4EE-B0C17C298D88}" srcOrd="0" destOrd="0" presId="urn:microsoft.com/office/officeart/2005/8/layout/cycle2"/>
     <dgm:cxn modelId="{E4C3E423-9E5F-4380-80CE-AA5DD2EC4561}" type="presOf" srcId="{17CA2C55-0354-4402-9601-202C7F5A5539}" destId="{19C3351F-DE4C-4425-8FAE-716FD4A6218E}" srcOrd="0" destOrd="0" presId="urn:microsoft.com/office/officeart/2005/8/layout/cycle2"/>
@@ -16733,12 +16733,20 @@
           <a:lstStyle/>
           <a:p>
             <a:r>
+              <a:rPr lang="es-PE" dirty="0" err="1" smtClean="0">
+                <a:solidFill>
+                  <a:srgbClr val="FF0000"/>
+                </a:solidFill>
+              </a:rPr>
+              <a:t>Duplicated</a:t>
+            </a:r>
+            <a:r>
               <a:rPr lang="es-PE" dirty="0" smtClean="0">
                 <a:solidFill>
                   <a:srgbClr val="FF0000"/>
                 </a:solidFill>
               </a:rPr>
-              <a:t>Long </a:t>
+              <a:t> </a:t>
             </a:r>
             <a:r>
               <a:rPr lang="es-PE" dirty="0" err="1" smtClean="0">
@@ -16746,7 +16754,7 @@
                   <a:srgbClr val="FF0000"/>
                 </a:solidFill>
               </a:rPr>
-              <a:t>Method</a:t>
+              <a:t>Code</a:t>
             </a:r>
             <a:endParaRPr lang="es-PE" dirty="0">
               <a:solidFill>
@@ -16758,13 +16766,13 @@
       </p:sp>
       <p:pic>
         <p:nvPicPr>
-          <p:cNvPr id="1026" name="Picture 2" descr="D:\Laboral\Cursos\Code Smells and Refactoring\Imagenes\longmethod3.jpg"/>
+          <p:cNvPr id="3074" name="Picture 2" descr="D:\Laboral\Cursos\Code Smells and Refactoring\Imagenes\duplicatecode.jpg"/>
           <p:cNvPicPr>
             <a:picLocks noChangeAspect="1" noChangeArrowheads="1"/>
           </p:cNvPicPr>
           <p:nvPr/>
         </p:nvPicPr>
-        <p:blipFill rotWithShape="1">
+        <p:blipFill>
           <a:blip r:embed="rId2">
             <a:extLst>
               <a:ext uri="{28A0092B-C50C-407E-A947-70E740481C1C}">
@@ -16772,13 +16780,15 @@
               </a:ext>
             </a:extLst>
           </a:blip>
-          <a:srcRect l="23115" t="9127" r="21672"/>
-          <a:stretch/>
+          <a:srcRect/>
+          <a:stretch>
+            <a:fillRect/>
+          </a:stretch>
         </p:blipFill>
         <p:spPr bwMode="auto">
           <a:xfrm>
-            <a:off x="2915816" y="1196752"/>
-            <a:ext cx="3173389" cy="5222974"/>
+            <a:off x="1619672" y="1484784"/>
+            <a:ext cx="5781675" cy="4410075"/>
           </a:xfrm>
           <a:prstGeom prst="rect">
             <a:avLst/>
@@ -16798,7 +16808,7 @@
     </p:spTree>
     <p:extLst>
       <p:ext uri="{BB962C8B-B14F-4D97-AF65-F5344CB8AC3E}">
-        <p14:creationId xmlns:p14="http://schemas.microsoft.com/office/powerpoint/2010/main" val="1609912120"/>
+        <p14:creationId xmlns:p14="http://schemas.microsoft.com/office/powerpoint/2010/main" val="69434363"/>
       </p:ext>
     </p:extLst>
   </p:cSld>
@@ -16913,23 +16923,26 @@
             <p:ph type="title"/>
           </p:nvPr>
         </p:nvSpPr>
-        <p:spPr>
-          <a:xfrm>
-            <a:off x="457200" y="125760"/>
-            <a:ext cx="8229600" cy="1143000"/>
-          </a:xfrm>
-        </p:spPr>
+        <p:spPr/>
         <p:txBody>
           <a:bodyPr/>
           <a:lstStyle/>
           <a:p>
             <a:r>
+              <a:rPr lang="es-PE" dirty="0" err="1" smtClean="0">
+                <a:solidFill>
+                  <a:srgbClr val="FF0000"/>
+                </a:solidFill>
+              </a:rPr>
+              <a:t>Switch</a:t>
+            </a:r>
+            <a:r>
               <a:rPr lang="es-PE" dirty="0" smtClean="0">
                 <a:solidFill>
                   <a:srgbClr val="FF0000"/>
                 </a:solidFill>
               </a:rPr>
-              <a:t>Long </a:t>
+              <a:t> </a:t>
             </a:r>
             <a:r>
               <a:rPr lang="es-PE" dirty="0" err="1" smtClean="0">
@@ -16937,23 +16950,7 @@
                   <a:srgbClr val="FF0000"/>
                 </a:solidFill>
               </a:rPr>
-              <a:t>Parameter</a:t>
-            </a:r>
-            <a:r>
-              <a:rPr lang="es-PE" dirty="0" smtClean="0">
-                <a:solidFill>
-                  <a:srgbClr val="FF0000"/>
-                </a:solidFill>
-              </a:rPr>
-              <a:t> </a:t>
-            </a:r>
-            <a:r>
-              <a:rPr lang="es-PE" dirty="0" err="1" smtClean="0">
-                <a:solidFill>
-                  <a:srgbClr val="FF0000"/>
-                </a:solidFill>
-              </a:rPr>
-              <a:t>List</a:t>
+              <a:t>Statements</a:t>
             </a:r>
             <a:endParaRPr lang="es-PE" dirty="0">
               <a:solidFill>
@@ -16965,29 +16962,27 @@
       </p:sp>
       <p:pic>
         <p:nvPicPr>
-          <p:cNvPr id="2050" name="Picture 2" descr="D:\Laboral\Cursos\Code Smells and Refactoring\Imagenes\parameters3.png"/>
+          <p:cNvPr id="6146" name="Picture 2" descr="D:\Laboral\Cursos\Code Smells and Refactoring\Imagenes\Switch3.jpg"/>
           <p:cNvPicPr>
             <a:picLocks noChangeAspect="1" noChangeArrowheads="1"/>
           </p:cNvPicPr>
           <p:nvPr/>
         </p:nvPicPr>
-        <p:blipFill>
-          <a:blip r:embed="rId2" cstate="print">
+        <p:blipFill rotWithShape="1">
+          <a:blip r:embed="rId2">
             <a:extLst>
               <a:ext uri="{28A0092B-C50C-407E-A947-70E740481C1C}">
                 <a14:useLocalDpi xmlns:a14="http://schemas.microsoft.com/office/drawing/2010/main" val="0"/>
               </a:ext>
             </a:extLst>
           </a:blip>
-          <a:srcRect/>
-          <a:stretch>
-            <a:fillRect/>
-          </a:stretch>
+          <a:srcRect l="4399" t="10825" r="6172" b="13175"/>
+          <a:stretch/>
         </p:blipFill>
         <p:spPr bwMode="auto">
           <a:xfrm>
-            <a:off x="899592" y="1428526"/>
-            <a:ext cx="7315200" cy="4376738"/>
+            <a:off x="2016579" y="1628800"/>
+            <a:ext cx="5110843" cy="4343400"/>
           </a:xfrm>
           <a:prstGeom prst="rect">
             <a:avLst/>
@@ -17007,7 +17002,7 @@
     </p:spTree>
     <p:extLst>
       <p:ext uri="{BB962C8B-B14F-4D97-AF65-F5344CB8AC3E}">
-        <p14:creationId xmlns:p14="http://schemas.microsoft.com/office/powerpoint/2010/main" val="69434363"/>
+        <p14:creationId xmlns:p14="http://schemas.microsoft.com/office/powerpoint/2010/main" val="3649250400"/>
       </p:ext>
     </p:extLst>
   </p:cSld>
@@ -17133,12 +17128,20 @@
           <a:lstStyle/>
           <a:p>
             <a:r>
+              <a:rPr lang="es-PE" dirty="0" smtClean="0">
+                <a:solidFill>
+                  <a:srgbClr val="FF0000"/>
+                </a:solidFill>
+              </a:rPr>
+              <a:t>Long </a:t>
+            </a:r>
+            <a:r>
               <a:rPr lang="es-PE" dirty="0" err="1" smtClean="0">
                 <a:solidFill>
                   <a:srgbClr val="FF0000"/>
                 </a:solidFill>
               </a:rPr>
-              <a:t>Duplicated</a:t>
+              <a:t>Parameter</a:t>
             </a:r>
             <a:r>
               <a:rPr lang="es-PE" dirty="0" smtClean="0">
@@ -17154,7 +17157,7 @@
                   <a:srgbClr val="FF0000"/>
                 </a:solidFill>
               </a:rPr>
-              <a:t>Code</a:t>
+              <a:t>List</a:t>
             </a:r>
             <a:endParaRPr lang="es-PE" dirty="0">
               <a:solidFill>
@@ -17166,14 +17169,14 @@
       </p:sp>
       <p:pic>
         <p:nvPicPr>
-          <p:cNvPr id="3074" name="Picture 2" descr="D:\Laboral\Cursos\Code Smells and Refactoring\Imagenes\duplicatecode.jpg"/>
+          <p:cNvPr id="2050" name="Picture 2" descr="D:\Laboral\Cursos\Code Smells and Refactoring\Imagenes\parameters3.png"/>
           <p:cNvPicPr>
             <a:picLocks noChangeAspect="1" noChangeArrowheads="1"/>
           </p:cNvPicPr>
           <p:nvPr/>
         </p:nvPicPr>
         <p:blipFill>
-          <a:blip r:embed="rId2">
+          <a:blip r:embed="rId2" cstate="print">
             <a:extLst>
               <a:ext uri="{28A0092B-C50C-407E-A947-70E740481C1C}">
                 <a14:useLocalDpi xmlns:a14="http://schemas.microsoft.com/office/drawing/2010/main" val="0"/>
@@ -17187,8 +17190,8 @@
         </p:blipFill>
         <p:spPr bwMode="auto">
           <a:xfrm>
-            <a:off x="1619672" y="1484784"/>
-            <a:ext cx="5781675" cy="4410075"/>
+            <a:off x="899592" y="1428526"/>
+            <a:ext cx="7315200" cy="4376738"/>
           </a:xfrm>
           <a:prstGeom prst="rect">
             <a:avLst/>
@@ -17323,23 +17326,26 @@
             <p:ph type="title"/>
           </p:nvPr>
         </p:nvSpPr>
-        <p:spPr>
-          <a:xfrm>
-            <a:off x="457200" y="125760"/>
-            <a:ext cx="8229600" cy="1143000"/>
-          </a:xfrm>
-        </p:spPr>
+        <p:spPr/>
         <p:txBody>
           <a:bodyPr/>
           <a:lstStyle/>
           <a:p>
             <a:r>
+              <a:rPr lang="es-PE" dirty="0" err="1" smtClean="0">
+                <a:solidFill>
+                  <a:srgbClr val="FF0000"/>
+                </a:solidFill>
+              </a:rPr>
+              <a:t>Lazy</a:t>
+            </a:r>
+            <a:r>
               <a:rPr lang="es-PE" dirty="0" smtClean="0">
                 <a:solidFill>
                   <a:srgbClr val="FF0000"/>
                 </a:solidFill>
               </a:rPr>
-              <a:t>Data </a:t>
+              <a:t> </a:t>
             </a:r>
             <a:r>
               <a:rPr lang="es-PE" dirty="0" err="1" smtClean="0">
@@ -17347,7 +17353,7 @@
                   <a:srgbClr val="FF0000"/>
                 </a:solidFill>
               </a:rPr>
-              <a:t>Clumps</a:t>
+              <a:t>Class</a:t>
             </a:r>
             <a:endParaRPr lang="es-PE" dirty="0">
               <a:solidFill>
@@ -17359,7 +17365,7 @@
       </p:sp>
       <p:pic>
         <p:nvPicPr>
-          <p:cNvPr id="4098" name="Picture 2" descr="D:\Laboral\Cursos\Code Smells and Refactoring\Imagenes\clumps.jpg"/>
+          <p:cNvPr id="8194" name="Picture 2" descr="D:\Laboral\Cursos\Code Smells and Refactoring\Imagenes\lazy1.jpg"/>
           <p:cNvPicPr>
             <a:picLocks noChangeAspect="1" noChangeArrowheads="1"/>
           </p:cNvPicPr>
@@ -17373,13 +17379,13 @@
               </a:ext>
             </a:extLst>
           </a:blip>
-          <a:srcRect l="7419" t="5225" b="10267"/>
+          <a:srcRect l="3572" t="18313" r="7701"/>
           <a:stretch/>
         </p:blipFill>
         <p:spPr bwMode="auto">
           <a:xfrm>
-            <a:off x="1176507" y="1340768"/>
-            <a:ext cx="6851877" cy="4676665"/>
+            <a:off x="1006514" y="1484784"/>
+            <a:ext cx="7130972" cy="4923846"/>
           </a:xfrm>
           <a:prstGeom prst="rect">
             <a:avLst/>
@@ -17399,7 +17405,7 @@
     </p:spTree>
     <p:extLst>
       <p:ext uri="{BB962C8B-B14F-4D97-AF65-F5344CB8AC3E}">
-        <p14:creationId xmlns:p14="http://schemas.microsoft.com/office/powerpoint/2010/main" val="69434363"/>
+        <p14:creationId xmlns:p14="http://schemas.microsoft.com/office/powerpoint/2010/main" val="2911380291"/>
       </p:ext>
     </p:extLst>
   </p:cSld>
@@ -17514,34 +17520,31 @@
             <p:ph type="title"/>
           </p:nvPr>
         </p:nvSpPr>
-        <p:spPr/>
+        <p:spPr>
+          <a:xfrm>
+            <a:off x="457200" y="125760"/>
+            <a:ext cx="8229600" cy="1143000"/>
+          </a:xfrm>
+        </p:spPr>
         <p:txBody>
           <a:bodyPr/>
           <a:lstStyle/>
           <a:p>
             <a:r>
+              <a:rPr lang="es-PE" dirty="0" smtClean="0">
+                <a:solidFill>
+                  <a:srgbClr val="FF0000"/>
+                </a:solidFill>
+              </a:rPr>
+              <a:t>Data </a:t>
+            </a:r>
+            <a:r>
               <a:rPr lang="es-PE" dirty="0" err="1" smtClean="0">
                 <a:solidFill>
                   <a:srgbClr val="FF0000"/>
                 </a:solidFill>
               </a:rPr>
-              <a:t>Primitive</a:t>
-            </a:r>
-            <a:r>
-              <a:rPr lang="es-PE" dirty="0" smtClean="0">
-                <a:solidFill>
-                  <a:srgbClr val="FF0000"/>
-                </a:solidFill>
-              </a:rPr>
-              <a:t> </a:t>
-            </a:r>
-            <a:r>
-              <a:rPr lang="es-PE" dirty="0" err="1" smtClean="0">
-                <a:solidFill>
-                  <a:srgbClr val="FF0000"/>
-                </a:solidFill>
-              </a:rPr>
-              <a:t>Obsession</a:t>
+              <a:t>Clumps</a:t>
             </a:r>
             <a:endParaRPr lang="es-PE" dirty="0">
               <a:solidFill>
@@ -17553,13 +17556,13 @@
       </p:sp>
       <p:pic>
         <p:nvPicPr>
-          <p:cNvPr id="2050" name="Picture 2"/>
+          <p:cNvPr id="4098" name="Picture 2" descr="D:\Laboral\Cursos\Code Smells and Refactoring\Imagenes\clumps.jpg"/>
           <p:cNvPicPr>
             <a:picLocks noChangeAspect="1" noChangeArrowheads="1"/>
           </p:cNvPicPr>
           <p:nvPr/>
         </p:nvPicPr>
-        <p:blipFill>
+        <p:blipFill rotWithShape="1">
           <a:blip r:embed="rId2">
             <a:extLst>
               <a:ext uri="{28A0092B-C50C-407E-A947-70E740481C1C}">
@@ -17567,51 +17570,25 @@
               </a:ext>
             </a:extLst>
           </a:blip>
-          <a:srcRect/>
-          <a:stretch>
-            <a:fillRect/>
-          </a:stretch>
+          <a:srcRect l="7419" t="5225" b="10267"/>
+          <a:stretch/>
         </p:blipFill>
         <p:spPr bwMode="auto">
           <a:xfrm>
-            <a:off x="3029719" y="1844824"/>
-            <a:ext cx="3084562" cy="2914770"/>
+            <a:off x="1176507" y="1340768"/>
+            <a:ext cx="6851877" cy="4676665"/>
           </a:xfrm>
           <a:prstGeom prst="rect">
             <a:avLst/>
           </a:prstGeom>
-          <a:ln>
-            <a:noFill/>
-          </a:ln>
-          <a:effectLst>
-            <a:softEdge rad="112500"/>
-          </a:effectLst>
+          <a:noFill/>
           <a:extLst>
             <a:ext uri="{909E8E84-426E-40DD-AFC4-6F175D3DCCD1}">
               <a14:hiddenFill xmlns:a14="http://schemas.microsoft.com/office/drawing/2010/main">
                 <a:solidFill>
-                  <a:schemeClr val="accent1"/>
+                  <a:srgbClr val="FFFFFF"/>
                 </a:solidFill>
               </a14:hiddenFill>
-            </a:ext>
-            <a:ext uri="{91240B29-F687-4F45-9708-019B960494DF}">
-              <a14:hiddenLine xmlns:a14="http://schemas.microsoft.com/office/drawing/2010/main" w="9525">
-                <a:solidFill>
-                  <a:schemeClr val="tx1"/>
-                </a:solidFill>
-                <a:miter lim="800000"/>
-                <a:headEnd/>
-                <a:tailEnd/>
-              </a14:hiddenLine>
-            </a:ext>
-            <a:ext uri="{AF507438-7753-43E0-B8FC-AC1667EBCBE1}">
-              <a14:hiddenEffects xmlns:a14="http://schemas.microsoft.com/office/drawing/2010/main">
-                <a:effectLst>
-                  <a:outerShdw dist="35921" dir="2700000" algn="ctr" rotWithShape="0">
-                    <a:schemeClr val="bg2"/>
-                  </a:outerShdw>
-                </a:effectLst>
-              </a14:hiddenEffects>
             </a:ext>
           </a:extLst>
         </p:spPr>
@@ -17619,7 +17596,7 @@
     </p:spTree>
     <p:extLst>
       <p:ext uri="{BB962C8B-B14F-4D97-AF65-F5344CB8AC3E}">
-        <p14:creationId xmlns:p14="http://schemas.microsoft.com/office/powerpoint/2010/main" val="3454049703"/>
+        <p14:creationId xmlns:p14="http://schemas.microsoft.com/office/powerpoint/2010/main" val="69434363"/>
       </p:ext>
     </p:extLst>
   </p:cSld>
@@ -17734,21 +17711,26 @@
             <p:ph type="title"/>
           </p:nvPr>
         </p:nvSpPr>
-        <p:spPr/>
+        <p:spPr>
+          <a:xfrm>
+            <a:off x="457200" y="188640"/>
+            <a:ext cx="8229600" cy="1143000"/>
+          </a:xfrm>
+        </p:spPr>
         <p:txBody>
           <a:bodyPr/>
           <a:lstStyle/>
           <a:p>
             <a:r>
-              <a:rPr lang="es-PE" dirty="0" err="1">
+              <a:rPr lang="es-PE" dirty="0" err="1" smtClean="0">
                 <a:solidFill>
                   <a:srgbClr val="FF0000"/>
                 </a:solidFill>
               </a:rPr>
-              <a:t>Refused</a:t>
-            </a:r>
-            <a:r>
-              <a:rPr lang="es-PE" dirty="0">
+              <a:t>Shotgun</a:t>
+            </a:r>
+            <a:r>
+              <a:rPr lang="es-PE" dirty="0" smtClean="0">
                 <a:solidFill>
                   <a:srgbClr val="FF0000"/>
                 </a:solidFill>
@@ -17756,12 +17738,12 @@
               <a:t> </a:t>
             </a:r>
             <a:r>
-              <a:rPr lang="es-PE" dirty="0" err="1">
+              <a:rPr lang="es-PE" dirty="0" err="1" smtClean="0">
                 <a:solidFill>
                   <a:srgbClr val="FF0000"/>
                 </a:solidFill>
               </a:rPr>
-              <a:t>Bequest</a:t>
+              <a:t>Surgery</a:t>
             </a:r>
             <a:endParaRPr lang="es-PE" dirty="0">
               <a:solidFill>
@@ -17773,13 +17755,13 @@
       </p:sp>
       <p:pic>
         <p:nvPicPr>
-          <p:cNvPr id="5122" name="Picture 2" descr="D:\Laboral\Cursos\Code Smells and Refactoring\Imagenes\refused1.jpg"/>
+          <p:cNvPr id="7170" name="Picture 2" descr="D:\Laboral\Cursos\Code Smells and Refactoring\Imagenes\surgery2.jpg"/>
           <p:cNvPicPr>
             <a:picLocks noChangeAspect="1" noChangeArrowheads="1"/>
           </p:cNvPicPr>
           <p:nvPr/>
         </p:nvPicPr>
-        <p:blipFill>
+        <p:blipFill rotWithShape="1">
           <a:blip r:embed="rId2">
             <a:extLst>
               <a:ext uri="{28A0092B-C50C-407E-A947-70E740481C1C}">
@@ -17787,15 +17769,13 @@
               </a:ext>
             </a:extLst>
           </a:blip>
-          <a:srcRect/>
-          <a:stretch>
-            <a:fillRect/>
-          </a:stretch>
+          <a:srcRect l="8513" t="12708" r="8272" b="7284"/>
+          <a:stretch/>
         </p:blipFill>
         <p:spPr bwMode="auto">
           <a:xfrm>
-            <a:off x="2043113" y="1772816"/>
-            <a:ext cx="4762500" cy="3743325"/>
+            <a:off x="2483768" y="1340768"/>
+            <a:ext cx="3962674" cy="5181532"/>
           </a:xfrm>
           <a:prstGeom prst="rect">
             <a:avLst/>
@@ -17815,7 +17795,7 @@
     </p:spTree>
     <p:extLst>
       <p:ext uri="{BB962C8B-B14F-4D97-AF65-F5344CB8AC3E}">
-        <p14:creationId xmlns:p14="http://schemas.microsoft.com/office/powerpoint/2010/main" val="3072398000"/>
+        <p14:creationId xmlns:p14="http://schemas.microsoft.com/office/powerpoint/2010/main" val="2468646230"/>
       </p:ext>
     </p:extLst>
   </p:cSld>
@@ -17941,7 +17921,7 @@
                   <a:srgbClr val="FF0000"/>
                 </a:solidFill>
               </a:rPr>
-              <a:t>Switch</a:t>
+              <a:t>Primitive</a:t>
             </a:r>
             <a:r>
               <a:rPr lang="es-PE" dirty="0" smtClean="0">
@@ -17957,7 +17937,7 @@
                   <a:srgbClr val="FF0000"/>
                 </a:solidFill>
               </a:rPr>
-              <a:t>Statements</a:t>
+              <a:t>Obsession</a:t>
             </a:r>
             <a:endParaRPr lang="es-PE" dirty="0">
               <a:solidFill>
@@ -17969,13 +17949,13 @@
       </p:sp>
       <p:pic>
         <p:nvPicPr>
-          <p:cNvPr id="6146" name="Picture 2" descr="D:\Laboral\Cursos\Code Smells and Refactoring\Imagenes\Switch3.jpg"/>
+          <p:cNvPr id="2050" name="Picture 2"/>
           <p:cNvPicPr>
             <a:picLocks noChangeAspect="1" noChangeArrowheads="1"/>
           </p:cNvPicPr>
           <p:nvPr/>
         </p:nvPicPr>
-        <p:blipFill rotWithShape="1">
+        <p:blipFill>
           <a:blip r:embed="rId2">
             <a:extLst>
               <a:ext uri="{28A0092B-C50C-407E-A947-70E740481C1C}">
@@ -17983,25 +17963,51 @@
               </a:ext>
             </a:extLst>
           </a:blip>
-          <a:srcRect l="4399" t="10825" r="6172" b="13175"/>
-          <a:stretch/>
+          <a:srcRect/>
+          <a:stretch>
+            <a:fillRect/>
+          </a:stretch>
         </p:blipFill>
         <p:spPr bwMode="auto">
           <a:xfrm>
-            <a:off x="2016579" y="1628800"/>
-            <a:ext cx="5110843" cy="4343400"/>
+            <a:off x="3029719" y="1844824"/>
+            <a:ext cx="3084562" cy="2914770"/>
           </a:xfrm>
           <a:prstGeom prst="rect">
             <a:avLst/>
           </a:prstGeom>
-          <a:noFill/>
+          <a:ln>
+            <a:noFill/>
+          </a:ln>
+          <a:effectLst>
+            <a:softEdge rad="112500"/>
+          </a:effectLst>
           <a:extLst>
             <a:ext uri="{909E8E84-426E-40DD-AFC4-6F175D3DCCD1}">
               <a14:hiddenFill xmlns:a14="http://schemas.microsoft.com/office/drawing/2010/main">
                 <a:solidFill>
-                  <a:srgbClr val="FFFFFF"/>
+                  <a:schemeClr val="accent1"/>
                 </a:solidFill>
               </a14:hiddenFill>
+            </a:ext>
+            <a:ext uri="{91240B29-F687-4F45-9708-019B960494DF}">
+              <a14:hiddenLine xmlns:a14="http://schemas.microsoft.com/office/drawing/2010/main" w="9525">
+                <a:solidFill>
+                  <a:schemeClr val="tx1"/>
+                </a:solidFill>
+                <a:miter lim="800000"/>
+                <a:headEnd/>
+                <a:tailEnd/>
+              </a14:hiddenLine>
+            </a:ext>
+            <a:ext uri="{AF507438-7753-43E0-B8FC-AC1667EBCBE1}">
+              <a14:hiddenEffects xmlns:a14="http://schemas.microsoft.com/office/drawing/2010/main">
+                <a:effectLst>
+                  <a:outerShdw dist="35921" dir="2700000" algn="ctr" rotWithShape="0">
+                    <a:schemeClr val="bg2"/>
+                  </a:outerShdw>
+                </a:effectLst>
+              </a14:hiddenEffects>
             </a:ext>
           </a:extLst>
         </p:spPr>
@@ -18009,7 +18015,7 @@
     </p:spTree>
     <p:extLst>
       <p:ext uri="{BB962C8B-B14F-4D97-AF65-F5344CB8AC3E}">
-        <p14:creationId xmlns:p14="http://schemas.microsoft.com/office/powerpoint/2010/main" val="3649250400"/>
+        <p14:creationId xmlns:p14="http://schemas.microsoft.com/office/powerpoint/2010/main" val="3454049703"/>
       </p:ext>
     </p:extLst>
   </p:cSld>
@@ -18124,12 +18130,7 @@
             <p:ph type="title"/>
           </p:nvPr>
         </p:nvSpPr>
-        <p:spPr>
-          <a:xfrm>
-            <a:off x="457200" y="188640"/>
-            <a:ext cx="8229600" cy="1143000"/>
-          </a:xfrm>
-        </p:spPr>
+        <p:spPr/>
         <p:txBody>
           <a:bodyPr/>
           <a:lstStyle/>
@@ -18140,7 +18141,7 @@
                   <a:srgbClr val="FF0000"/>
                 </a:solidFill>
               </a:rPr>
-              <a:t>Shotgun</a:t>
+              <a:t>Feature</a:t>
             </a:r>
             <a:r>
               <a:rPr lang="es-PE" dirty="0" smtClean="0">
@@ -18156,7 +18157,7 @@
                   <a:srgbClr val="FF0000"/>
                 </a:solidFill>
               </a:rPr>
-              <a:t>Surgery</a:t>
+              <a:t>Envy</a:t>
             </a:r>
             <a:endParaRPr lang="es-PE" dirty="0">
               <a:solidFill>
@@ -18168,13 +18169,13 @@
       </p:sp>
       <p:pic>
         <p:nvPicPr>
-          <p:cNvPr id="7170" name="Picture 2" descr="D:\Laboral\Cursos\Code Smells and Refactoring\Imagenes\surgery2.jpg"/>
+          <p:cNvPr id="4" name="Picture 2" descr="D:\Laboral\Cursos\Code Smells and Refactoring\Imagenes\featureenvy1.jpg"/>
           <p:cNvPicPr>
             <a:picLocks noChangeAspect="1" noChangeArrowheads="1"/>
           </p:cNvPicPr>
           <p:nvPr/>
         </p:nvPicPr>
-        <p:blipFill rotWithShape="1">
+        <p:blipFill>
           <a:blip r:embed="rId2">
             <a:extLst>
               <a:ext uri="{28A0092B-C50C-407E-A947-70E740481C1C}">
@@ -18182,13 +18183,15 @@
               </a:ext>
             </a:extLst>
           </a:blip>
-          <a:srcRect l="8513" t="12708" r="8272" b="7284"/>
-          <a:stretch/>
+          <a:srcRect/>
+          <a:stretch>
+            <a:fillRect/>
+          </a:stretch>
         </p:blipFill>
         <p:spPr bwMode="auto">
           <a:xfrm>
-            <a:off x="2483768" y="1340768"/>
-            <a:ext cx="3962674" cy="5181532"/>
+            <a:off x="1285875" y="1556792"/>
+            <a:ext cx="6572251" cy="4324350"/>
           </a:xfrm>
           <a:prstGeom prst="rect">
             <a:avLst/>
@@ -18208,7 +18211,7 @@
     </p:spTree>
     <p:extLst>
       <p:ext uri="{BB962C8B-B14F-4D97-AF65-F5344CB8AC3E}">
-        <p14:creationId xmlns:p14="http://schemas.microsoft.com/office/powerpoint/2010/main" val="2468646230"/>
+        <p14:creationId xmlns:p14="http://schemas.microsoft.com/office/powerpoint/2010/main" val="1733137113"/>
       </p:ext>
     </p:extLst>
   </p:cSld>
@@ -18297,7 +18300,7 @@
 </file>
 
 <file path=ppt/slides/slide29.xml><?xml version="1.0" encoding="utf-8"?>
-<p:sld xmlns:a="http://schemas.openxmlformats.org/drawingml/2006/main" xmlns:r="http://schemas.openxmlformats.org/officeDocument/2006/relationships" xmlns:p="http://schemas.openxmlformats.org/presentationml/2006/main">
+<p:sld xmlns:a="http://schemas.openxmlformats.org/drawingml/2006/main" xmlns:r="http://schemas.openxmlformats.org/officeDocument/2006/relationships" xmlns:p="http://schemas.openxmlformats.org/presentationml/2006/main" show="0">
   <p:cSld>
     <p:spTree>
       <p:nvGrpSpPr>
@@ -18334,7 +18337,7 @@
                   <a:srgbClr val="FF0000"/>
                 </a:solidFill>
               </a:rPr>
-              <a:t>Lazy</a:t>
+              <a:t>Divergent</a:t>
             </a:r>
             <a:r>
               <a:rPr lang="es-PE" dirty="0" smtClean="0">
@@ -18350,7 +18353,7 @@
                   <a:srgbClr val="FF0000"/>
                 </a:solidFill>
               </a:rPr>
-              <a:t>Class</a:t>
+              <a:t>Change</a:t>
             </a:r>
             <a:endParaRPr lang="es-PE" dirty="0">
               <a:solidFill>
@@ -18362,13 +18365,13 @@
       </p:sp>
       <p:pic>
         <p:nvPicPr>
-          <p:cNvPr id="8194" name="Picture 2" descr="D:\Laboral\Cursos\Code Smells and Refactoring\Imagenes\lazy1.jpg"/>
+          <p:cNvPr id="13314" name="Picture 2" descr="D:\Laboral\Cursos\Code Smells and Refactoring\Imagenes\divergentchange.jpg"/>
           <p:cNvPicPr>
             <a:picLocks noChangeAspect="1" noChangeArrowheads="1"/>
           </p:cNvPicPr>
           <p:nvPr/>
         </p:nvPicPr>
-        <p:blipFill rotWithShape="1">
+        <p:blipFill>
           <a:blip r:embed="rId2">
             <a:extLst>
               <a:ext uri="{28A0092B-C50C-407E-A947-70E740481C1C}">
@@ -18376,13 +18379,15 @@
               </a:ext>
             </a:extLst>
           </a:blip>
-          <a:srcRect l="3572" t="18313" r="7701"/>
-          <a:stretch/>
+          <a:srcRect/>
+          <a:stretch>
+            <a:fillRect/>
+          </a:stretch>
         </p:blipFill>
         <p:spPr bwMode="auto">
           <a:xfrm>
-            <a:off x="1006514" y="1484784"/>
-            <a:ext cx="7130972" cy="4923846"/>
+            <a:off x="1397000" y="1556792"/>
+            <a:ext cx="6350000" cy="4762500"/>
           </a:xfrm>
           <a:prstGeom prst="rect">
             <a:avLst/>
@@ -18402,13 +18407,21 @@
     </p:spTree>
     <p:extLst>
       <p:ext uri="{BB962C8B-B14F-4D97-AF65-F5344CB8AC3E}">
-        <p14:creationId xmlns:p14="http://schemas.microsoft.com/office/powerpoint/2010/main" val="2911380291"/>
+        <p14:creationId xmlns:p14="http://schemas.microsoft.com/office/powerpoint/2010/main" val="2930329455"/>
       </p:ext>
     </p:extLst>
   </p:cSld>
   <p:clrMapOvr>
     <a:masterClrMapping/>
   </p:clrMapOvr>
+  <mc:AlternateContent xmlns:mc="http://schemas.openxmlformats.org/markup-compatibility/2006">
+    <mc:Choice xmlns:p14="http://schemas.microsoft.com/office/powerpoint/2010/main" Requires="p14">
+      <p:transition spd="slow" p14:dur="2000"/>
+    </mc:Choice>
+    <mc:Fallback>
+      <p:transition spd="slow"/>
+    </mc:Fallback>
+  </mc:AlternateContent>
   <p:timing>
     <p:tnLst>
       <p:par>
@@ -18659,26 +18672,21 @@
             <p:ph type="title"/>
           </p:nvPr>
         </p:nvSpPr>
-        <p:spPr>
-          <a:xfrm>
-            <a:off x="457200" y="188640"/>
-            <a:ext cx="8229600" cy="1143000"/>
-          </a:xfrm>
-        </p:spPr>
+        <p:spPr/>
         <p:txBody>
           <a:bodyPr/>
           <a:lstStyle/>
           <a:p>
             <a:r>
-              <a:rPr lang="es-PE" dirty="0" err="1" smtClean="0">
+              <a:rPr lang="es-PE" dirty="0" err="1">
                 <a:solidFill>
                   <a:srgbClr val="FF0000"/>
                 </a:solidFill>
               </a:rPr>
-              <a:t>Indecent</a:t>
-            </a:r>
-            <a:r>
-              <a:rPr lang="es-PE" dirty="0" smtClean="0">
+              <a:t>Refused</a:t>
+            </a:r>
+            <a:r>
+              <a:rPr lang="es-PE" dirty="0">
                 <a:solidFill>
                   <a:srgbClr val="FF0000"/>
                 </a:solidFill>
@@ -18686,12 +18694,12 @@
               <a:t> </a:t>
             </a:r>
             <a:r>
-              <a:rPr lang="es-PE" dirty="0" err="1" smtClean="0">
+              <a:rPr lang="es-PE" dirty="0" err="1">
                 <a:solidFill>
                   <a:srgbClr val="FF0000"/>
                 </a:solidFill>
               </a:rPr>
-              <a:t>Exposure</a:t>
+              <a:t>Bequest</a:t>
             </a:r>
             <a:endParaRPr lang="es-PE" dirty="0">
               <a:solidFill>
@@ -18703,13 +18711,13 @@
       </p:sp>
       <p:pic>
         <p:nvPicPr>
-          <p:cNvPr id="9218" name="Picture 2" descr="D:\Laboral\Cursos\Code Smells and Refactoring\Imagenes\indecent3.jpg"/>
+          <p:cNvPr id="5122" name="Picture 2" descr="D:\Laboral\Cursos\Code Smells and Refactoring\Imagenes\refused1.jpg"/>
           <p:cNvPicPr>
             <a:picLocks noChangeAspect="1" noChangeArrowheads="1"/>
           </p:cNvPicPr>
           <p:nvPr/>
         </p:nvPicPr>
-        <p:blipFill rotWithShape="1">
+        <p:blipFill>
           <a:blip r:embed="rId2">
             <a:extLst>
               <a:ext uri="{28A0092B-C50C-407E-A947-70E740481C1C}">
@@ -18717,13 +18725,15 @@
               </a:ext>
             </a:extLst>
           </a:blip>
-          <a:srcRect l="7368" t="8267" r="11851" b="2369"/>
-          <a:stretch/>
+          <a:srcRect/>
+          <a:stretch>
+            <a:fillRect/>
+          </a:stretch>
         </p:blipFill>
         <p:spPr bwMode="auto">
           <a:xfrm>
-            <a:off x="1880904" y="1405460"/>
-            <a:ext cx="5382192" cy="5047876"/>
+            <a:off x="2043113" y="1772816"/>
+            <a:ext cx="4762500" cy="3743325"/>
           </a:xfrm>
           <a:prstGeom prst="rect">
             <a:avLst/>
@@ -18743,7 +18753,7 @@
     </p:spTree>
     <p:extLst>
       <p:ext uri="{BB962C8B-B14F-4D97-AF65-F5344CB8AC3E}">
-        <p14:creationId xmlns:p14="http://schemas.microsoft.com/office/powerpoint/2010/main" val="2353984545"/>
+        <p14:creationId xmlns:p14="http://schemas.microsoft.com/office/powerpoint/2010/main" val="3072398000"/>
       </p:ext>
     </p:extLst>
   </p:cSld>
@@ -18858,34 +18868,31 @@
             <p:ph type="title"/>
           </p:nvPr>
         </p:nvSpPr>
-        <p:spPr/>
+        <p:spPr>
+          <a:xfrm>
+            <a:off x="457200" y="125760"/>
+            <a:ext cx="8229600" cy="1143000"/>
+          </a:xfrm>
+        </p:spPr>
         <p:txBody>
           <a:bodyPr/>
           <a:lstStyle/>
           <a:p>
             <a:r>
+              <a:rPr lang="es-PE" dirty="0" smtClean="0">
+                <a:solidFill>
+                  <a:srgbClr val="FF0000"/>
+                </a:solidFill>
+              </a:rPr>
+              <a:t>Long </a:t>
+            </a:r>
+            <a:r>
               <a:rPr lang="es-PE" dirty="0" err="1" smtClean="0">
                 <a:solidFill>
                   <a:srgbClr val="FF0000"/>
                 </a:solidFill>
               </a:rPr>
-              <a:t>Feature</a:t>
-            </a:r>
-            <a:r>
-              <a:rPr lang="es-PE" dirty="0" smtClean="0">
-                <a:solidFill>
-                  <a:srgbClr val="FF0000"/>
-                </a:solidFill>
-              </a:rPr>
-              <a:t> </a:t>
-            </a:r>
-            <a:r>
-              <a:rPr lang="es-PE" dirty="0" err="1" smtClean="0">
-                <a:solidFill>
-                  <a:srgbClr val="FF0000"/>
-                </a:solidFill>
-              </a:rPr>
-              <a:t>Envy</a:t>
+              <a:t>Method</a:t>
             </a:r>
             <a:endParaRPr lang="es-PE" dirty="0">
               <a:solidFill>
@@ -18897,13 +18904,13 @@
       </p:sp>
       <p:pic>
         <p:nvPicPr>
-          <p:cNvPr id="4" name="Picture 2" descr="D:\Laboral\Cursos\Code Smells and Refactoring\Imagenes\featureenvy1.jpg"/>
+          <p:cNvPr id="1026" name="Picture 2" descr="D:\Laboral\Cursos\Code Smells and Refactoring\Imagenes\longmethod3.jpg"/>
           <p:cNvPicPr>
             <a:picLocks noChangeAspect="1" noChangeArrowheads="1"/>
           </p:cNvPicPr>
           <p:nvPr/>
         </p:nvPicPr>
-        <p:blipFill>
+        <p:blipFill rotWithShape="1">
           <a:blip r:embed="rId2">
             <a:extLst>
               <a:ext uri="{28A0092B-C50C-407E-A947-70E740481C1C}">
@@ -18911,15 +18918,13 @@
               </a:ext>
             </a:extLst>
           </a:blip>
-          <a:srcRect/>
-          <a:stretch>
-            <a:fillRect/>
-          </a:stretch>
+          <a:srcRect l="23115" t="9127" r="21672"/>
+          <a:stretch/>
         </p:blipFill>
         <p:spPr bwMode="auto">
           <a:xfrm>
-            <a:off x="1285875" y="1556792"/>
-            <a:ext cx="6572251" cy="4324350"/>
+            <a:off x="2915816" y="1196752"/>
+            <a:ext cx="3173389" cy="5222974"/>
           </a:xfrm>
           <a:prstGeom prst="rect">
             <a:avLst/>
@@ -18939,7 +18944,7 @@
     </p:spTree>
     <p:extLst>
       <p:ext uri="{BB962C8B-B14F-4D97-AF65-F5344CB8AC3E}">
-        <p14:creationId xmlns:p14="http://schemas.microsoft.com/office/powerpoint/2010/main" val="1733137113"/>
+        <p14:creationId xmlns:p14="http://schemas.microsoft.com/office/powerpoint/2010/main" val="1609912120"/>
       </p:ext>
     </p:extLst>
   </p:cSld>
@@ -19054,7 +19059,12 @@
             <p:ph type="title"/>
           </p:nvPr>
         </p:nvSpPr>
-        <p:spPr/>
+        <p:spPr>
+          <a:xfrm>
+            <a:off x="457200" y="188640"/>
+            <a:ext cx="8229600" cy="1143000"/>
+          </a:xfrm>
+        </p:spPr>
         <p:txBody>
           <a:bodyPr/>
           <a:lstStyle/>
@@ -19065,7 +19075,7 @@
                   <a:srgbClr val="FF0000"/>
                 </a:solidFill>
               </a:rPr>
-              <a:t>Speculative</a:t>
+              <a:t>Indecent</a:t>
             </a:r>
             <a:r>
               <a:rPr lang="es-PE" dirty="0" smtClean="0">
@@ -19081,7 +19091,7 @@
                   <a:srgbClr val="FF0000"/>
                 </a:solidFill>
               </a:rPr>
-              <a:t>Generality</a:t>
+              <a:t>Exposure</a:t>
             </a:r>
             <a:endParaRPr lang="es-PE" dirty="0">
               <a:solidFill>
@@ -19093,7 +19103,7 @@
       </p:sp>
       <p:pic>
         <p:nvPicPr>
-          <p:cNvPr id="11267" name="Picture 3" descr="D:\Laboral\Cursos\Code Smells and Refactoring\Imagenes\speculative1.jpg"/>
+          <p:cNvPr id="9218" name="Picture 2" descr="D:\Laboral\Cursos\Code Smells and Refactoring\Imagenes\indecent3.jpg"/>
           <p:cNvPicPr>
             <a:picLocks noChangeAspect="1" noChangeArrowheads="1"/>
           </p:cNvPicPr>
@@ -19102,30 +19112,18 @@
         <p:blipFill rotWithShape="1">
           <a:blip r:embed="rId2">
             <a:extLst>
-              <a:ext uri="{BEBA8EAE-BF5A-486C-A8C5-ECC9F3942E4B}">
-                <a14:imgProps xmlns:a14="http://schemas.microsoft.com/office/drawing/2010/main">
-                  <a14:imgLayer r:embed="rId3">
-                    <a14:imgEffect>
-                      <a14:colorTemperature colorTemp="8800"/>
-                    </a14:imgEffect>
-                    <a14:imgEffect>
-                      <a14:saturation sat="200000"/>
-                    </a14:imgEffect>
-                  </a14:imgLayer>
-                </a14:imgProps>
-              </a:ext>
               <a:ext uri="{28A0092B-C50C-407E-A947-70E740481C1C}">
                 <a14:useLocalDpi xmlns:a14="http://schemas.microsoft.com/office/drawing/2010/main" val="0"/>
               </a:ext>
             </a:extLst>
           </a:blip>
-          <a:srcRect l="11075" t="11118" r="11051" b="21451"/>
+          <a:srcRect l="7368" t="8267" r="11851" b="2369"/>
           <a:stretch/>
         </p:blipFill>
         <p:spPr bwMode="auto">
           <a:xfrm>
-            <a:off x="2609782" y="1903036"/>
-            <a:ext cx="3924436" cy="3398172"/>
+            <a:off x="1880904" y="1405460"/>
+            <a:ext cx="5382192" cy="5047876"/>
           </a:xfrm>
           <a:prstGeom prst="rect">
             <a:avLst/>
@@ -19145,7 +19143,7 @@
     </p:spTree>
     <p:extLst>
       <p:ext uri="{BB962C8B-B14F-4D97-AF65-F5344CB8AC3E}">
-        <p14:creationId xmlns:p14="http://schemas.microsoft.com/office/powerpoint/2010/main" val="456937128"/>
+        <p14:creationId xmlns:p14="http://schemas.microsoft.com/office/powerpoint/2010/main" val="2353984545"/>
       </p:ext>
     </p:extLst>
   </p:cSld>
@@ -19271,7 +19269,7 @@
                   <a:srgbClr val="FF0000"/>
                 </a:solidFill>
               </a:rPr>
-              <a:t>Dead</a:t>
+              <a:t>Speculative</a:t>
             </a:r>
             <a:r>
               <a:rPr lang="es-PE" dirty="0" smtClean="0">
@@ -19287,7 +19285,7 @@
                   <a:srgbClr val="FF0000"/>
                 </a:solidFill>
               </a:rPr>
-              <a:t>Code</a:t>
+              <a:t>Generality</a:t>
             </a:r>
             <a:endParaRPr lang="es-PE" dirty="0">
               <a:solidFill>
@@ -19299,29 +19297,39 @@
       </p:sp>
       <p:pic>
         <p:nvPicPr>
-          <p:cNvPr id="12290" name="Picture 2" descr="D:\Laboral\Cursos\Code Smells and Refactoring\Imagenes\deadcode.jpg"/>
+          <p:cNvPr id="11267" name="Picture 3" descr="D:\Laboral\Cursos\Code Smells and Refactoring\Imagenes\speculative1.jpg"/>
           <p:cNvPicPr>
             <a:picLocks noChangeAspect="1" noChangeArrowheads="1"/>
           </p:cNvPicPr>
           <p:nvPr/>
         </p:nvPicPr>
-        <p:blipFill>
+        <p:blipFill rotWithShape="1">
           <a:blip r:embed="rId2">
             <a:extLst>
+              <a:ext uri="{BEBA8EAE-BF5A-486C-A8C5-ECC9F3942E4B}">
+                <a14:imgProps xmlns:a14="http://schemas.microsoft.com/office/drawing/2010/main">
+                  <a14:imgLayer r:embed="rId3">
+                    <a14:imgEffect>
+                      <a14:colorTemperature colorTemp="8800"/>
+                    </a14:imgEffect>
+                    <a14:imgEffect>
+                      <a14:saturation sat="200000"/>
+                    </a14:imgEffect>
+                  </a14:imgLayer>
+                </a14:imgProps>
+              </a:ext>
               <a:ext uri="{28A0092B-C50C-407E-A947-70E740481C1C}">
                 <a14:useLocalDpi xmlns:a14="http://schemas.microsoft.com/office/drawing/2010/main" val="0"/>
               </a:ext>
             </a:extLst>
           </a:blip>
-          <a:srcRect/>
-          <a:stretch>
-            <a:fillRect/>
-          </a:stretch>
+          <a:srcRect l="11075" t="11118" r="11051" b="21451"/>
+          <a:stretch/>
         </p:blipFill>
         <p:spPr bwMode="auto">
           <a:xfrm>
-            <a:off x="2660650" y="1412776"/>
-            <a:ext cx="3822700" cy="5067300"/>
+            <a:off x="2609782" y="1903036"/>
+            <a:ext cx="3924436" cy="3398172"/>
           </a:xfrm>
           <a:prstGeom prst="rect">
             <a:avLst/>
@@ -19341,7 +19349,7 @@
     </p:spTree>
     <p:extLst>
       <p:ext uri="{BB962C8B-B14F-4D97-AF65-F5344CB8AC3E}">
-        <p14:creationId xmlns:p14="http://schemas.microsoft.com/office/powerpoint/2010/main" val="2851072734"/>
+        <p14:creationId xmlns:p14="http://schemas.microsoft.com/office/powerpoint/2010/main" val="456937128"/>
       </p:ext>
     </p:extLst>
   </p:cSld>
@@ -19467,7 +19475,7 @@
                   <a:srgbClr val="FF0000"/>
                 </a:solidFill>
               </a:rPr>
-              <a:t>Divergent</a:t>
+              <a:t>Dead</a:t>
             </a:r>
             <a:r>
               <a:rPr lang="es-PE" dirty="0" smtClean="0">
@@ -19483,7 +19491,7 @@
                   <a:srgbClr val="FF0000"/>
                 </a:solidFill>
               </a:rPr>
-              <a:t>Change</a:t>
+              <a:t>Code</a:t>
             </a:r>
             <a:endParaRPr lang="es-PE" dirty="0">
               <a:solidFill>
@@ -19495,7 +19503,7 @@
       </p:sp>
       <p:pic>
         <p:nvPicPr>
-          <p:cNvPr id="13314" name="Picture 2" descr="D:\Laboral\Cursos\Code Smells and Refactoring\Imagenes\divergentchange.jpg"/>
+          <p:cNvPr id="12290" name="Picture 2" descr="D:\Laboral\Cursos\Code Smells and Refactoring\Imagenes\deadcode.jpg"/>
           <p:cNvPicPr>
             <a:picLocks noChangeAspect="1" noChangeArrowheads="1"/>
           </p:cNvPicPr>
@@ -19516,8 +19524,8 @@
         </p:blipFill>
         <p:spPr bwMode="auto">
           <a:xfrm>
-            <a:off x="1397000" y="1556792"/>
-            <a:ext cx="6350000" cy="4762500"/>
+            <a:off x="2660650" y="1412776"/>
+            <a:ext cx="3822700" cy="5067300"/>
           </a:xfrm>
           <a:prstGeom prst="rect">
             <a:avLst/>
@@ -19537,7 +19545,7 @@
     </p:spTree>
     <p:extLst>
       <p:ext uri="{BB962C8B-B14F-4D97-AF65-F5344CB8AC3E}">
-        <p14:creationId xmlns:p14="http://schemas.microsoft.com/office/powerpoint/2010/main" val="2930329455"/>
+        <p14:creationId xmlns:p14="http://schemas.microsoft.com/office/powerpoint/2010/main" val="2851072734"/>
       </p:ext>
     </p:extLst>
   </p:cSld>
@@ -19626,7 +19634,7 @@
 </file>
 
 <file path=ppt/slides/slide35.xml><?xml version="1.0" encoding="utf-8"?>
-<p:sld xmlns:a="http://schemas.openxmlformats.org/drawingml/2006/main" xmlns:r="http://schemas.openxmlformats.org/officeDocument/2006/relationships" xmlns:p="http://schemas.openxmlformats.org/presentationml/2006/main">
+<p:sld xmlns:a="http://schemas.openxmlformats.org/drawingml/2006/main" xmlns:r="http://schemas.openxmlformats.org/officeDocument/2006/relationships" xmlns:p="http://schemas.openxmlformats.org/presentationml/2006/main" show="0">
   <p:cSld>
     <p:spTree>
       <p:nvGrpSpPr>
@@ -19859,6 +19867,14 @@
   <p:clrMapOvr>
     <a:masterClrMapping/>
   </p:clrMapOvr>
+  <mc:AlternateContent xmlns:mc="http://schemas.openxmlformats.org/markup-compatibility/2006">
+    <mc:Choice xmlns:p14="http://schemas.microsoft.com/office/powerpoint/2010/main" Requires="p14">
+      <p:transition spd="slow" p14:dur="2000"/>
+    </mc:Choice>
+    <mc:Fallback>
+      <p:transition spd="slow"/>
+    </mc:Fallback>
+  </mc:AlternateContent>
   <p:timing>
     <p:tnLst>
       <p:par>
@@ -21193,7 +21209,7 @@
 </file>
 
 <file path=ppt/slides/slide42.xml><?xml version="1.0" encoding="utf-8"?>
-<p:sld xmlns:a="http://schemas.openxmlformats.org/drawingml/2006/main" xmlns:r="http://schemas.openxmlformats.org/officeDocument/2006/relationships" xmlns:p="http://schemas.openxmlformats.org/presentationml/2006/main">
+<p:sld xmlns:a="http://schemas.openxmlformats.org/drawingml/2006/main" xmlns:r="http://schemas.openxmlformats.org/officeDocument/2006/relationships" xmlns:p="http://schemas.openxmlformats.org/presentationml/2006/main" show="0">
   <p:cSld>
     <p:spTree>
       <p:nvGrpSpPr>
@@ -21320,6 +21336,14 @@
   <p:clrMapOvr>
     <a:masterClrMapping/>
   </p:clrMapOvr>
+  <mc:AlternateContent xmlns:mc="http://schemas.openxmlformats.org/markup-compatibility/2006">
+    <mc:Choice xmlns:p14="http://schemas.microsoft.com/office/powerpoint/2010/main" Requires="p14">
+      <p:transition spd="slow" p14:dur="2000"/>
+    </mc:Choice>
+    <mc:Fallback>
+      <p:transition spd="slow"/>
+    </mc:Fallback>
+  </mc:AlternateContent>
   <p:timing>
     <p:tnLst>
       <p:par>
@@ -21359,8 +21383,8 @@
         </p:nvSpPr>
         <p:spPr>
           <a:xfrm>
-            <a:off x="467544" y="624751"/>
-            <a:ext cx="8229600" cy="1143000"/>
+            <a:off x="467544" y="552743"/>
+            <a:ext cx="8229600" cy="788025"/>
           </a:xfrm>
         </p:spPr>
         <p:txBody>
@@ -21373,11 +21397,34 @@
                   <a:srgbClr val="009A46"/>
                 </a:solidFill>
               </a:rPr>
-              <a:t>¿Por qué es importante?</a:t>
-            </a:r>
-            <a:endParaRPr lang="es-PE" dirty="0">
+              <a:t>¿Por qué es importante</a:t>
+            </a:r>
+            <a:r>
+              <a:rPr lang="es-PE" dirty="0" smtClean="0">
+                <a:solidFill>
+                  <a:srgbClr val="009A46"/>
+                </a:solidFill>
+              </a:rPr>
+              <a:t>?</a:t>
+            </a:r>
+            <a:br>
+              <a:rPr lang="es-PE" dirty="0" smtClean="0">
+                <a:solidFill>
+                  <a:srgbClr val="009A46"/>
+                </a:solidFill>
+              </a:rPr>
+            </a:br>
+            <a:r>
+              <a:rPr lang="es-PE" sz="3200" dirty="0" smtClean="0">
+                <a:solidFill>
+                  <a:srgbClr val="FF0000"/>
+                </a:solidFill>
+              </a:rPr>
+              <a:t>Por qué necesito arreglar algo si no está roto</a:t>
+            </a:r>
+            <a:endParaRPr lang="es-PE" sz="3200" dirty="0">
               <a:solidFill>
-                <a:srgbClr val="009A46"/>
+                <a:srgbClr val="FF0000"/>
               </a:solidFill>
             </a:endParaRPr>
           </a:p>
@@ -21619,15 +21666,15 @@
             <a:r>
               <a:rPr lang="es-PE" sz="2800" dirty="0" smtClean="0">
                 <a:solidFill>
-                  <a:srgbClr val="FF0000"/>
-                </a:solidFill>
-              </a:rPr>
-              <a:t>Es difícil modificar </a:t>
+                  <a:srgbClr val="FFC000"/>
+                </a:solidFill>
+              </a:rPr>
+              <a:t>… es más difícil modificar </a:t>
             </a:r>
             <a:r>
               <a:rPr lang="es-PE" sz="2800" dirty="0">
                 <a:solidFill>
-                  <a:srgbClr val="FF0000"/>
+                  <a:srgbClr val="FFC000"/>
                 </a:solidFill>
               </a:rPr>
               <a:t>o agregar </a:t>
@@ -21635,7 +21682,7 @@
             <a:r>
               <a:rPr lang="es-PE" sz="2800" dirty="0" smtClean="0">
                 <a:solidFill>
-                  <a:srgbClr val="FF0000"/>
+                  <a:srgbClr val="FFC000"/>
                 </a:solidFill>
               </a:rPr>
               <a:t>funcionalidad </a:t>
@@ -21643,14 +21690,14 @@
             <a:br>
               <a:rPr lang="es-PE" sz="2800" dirty="0" smtClean="0">
                 <a:solidFill>
-                  <a:srgbClr val="FF0000"/>
+                  <a:srgbClr val="FFC000"/>
                 </a:solidFill>
               </a:rPr>
             </a:br>
             <a:r>
               <a:rPr lang="es-PE" sz="2800" dirty="0" smtClean="0">
                 <a:solidFill>
-                  <a:srgbClr val="FF0000"/>
+                  <a:srgbClr val="FFC000"/>
                 </a:solidFill>
               </a:rPr>
               <a:t>(</a:t>
@@ -21658,7 +21705,7 @@
             <a:r>
               <a:rPr lang="es-PE" sz="3600" dirty="0" smtClean="0">
                 <a:solidFill>
-                  <a:srgbClr val="FF0000"/>
+                  <a:srgbClr val="FFC000"/>
                 </a:solidFill>
               </a:rPr>
               <a:t>valor de negocio</a:t>
@@ -21666,7 +21713,7 @@
             <a:r>
               <a:rPr lang="es-PE" sz="2800" dirty="0" smtClean="0">
                 <a:solidFill>
-                  <a:srgbClr val="FF0000"/>
+                  <a:srgbClr val="FFC000"/>
                 </a:solidFill>
               </a:rPr>
               <a:t>) </a:t>
@@ -21674,14 +21721,14 @@
             <a:br>
               <a:rPr lang="es-PE" sz="2800" dirty="0" smtClean="0">
                 <a:solidFill>
-                  <a:srgbClr val="FF0000"/>
+                  <a:srgbClr val="FFC000"/>
                 </a:solidFill>
               </a:rPr>
             </a:br>
             <a:r>
               <a:rPr lang="es-PE" sz="2800" dirty="0" smtClean="0">
                 <a:solidFill>
-                  <a:srgbClr val="FF0000"/>
+                  <a:srgbClr val="FFC000"/>
                 </a:solidFill>
               </a:rPr>
               <a:t>y </a:t>
@@ -21689,7 +21736,7 @@
             <a:r>
               <a:rPr lang="es-PE" sz="2800" dirty="0">
                 <a:solidFill>
-                  <a:srgbClr val="FF0000"/>
+                  <a:srgbClr val="FFC000"/>
                 </a:solidFill>
               </a:rPr>
               <a:t>por lo tanto más costoso </a:t>
@@ -21697,7 +21744,7 @@
             <a:r>
               <a:rPr lang="es-PE" sz="2800" dirty="0" smtClean="0">
                 <a:solidFill>
-                  <a:srgbClr val="FF0000"/>
+                  <a:srgbClr val="FFC000"/>
                 </a:solidFill>
               </a:rPr>
               <a:t>en </a:t>
@@ -21705,7 +21752,7 @@
             <a:r>
               <a:rPr lang="es-PE" sz="2800" dirty="0">
                 <a:solidFill>
-                  <a:srgbClr val="FF0000"/>
+                  <a:srgbClr val="FFC000"/>
                 </a:solidFill>
               </a:rPr>
               <a:t>tiempo y dinero.</a:t>
@@ -24527,7 +24574,6 @@
               <a:rPr lang="es-PE" sz="2400" dirty="0" smtClean="0"/>
               <a:t> en 3 tipos de contextos:</a:t>
             </a:r>
-            <a:endParaRPr lang="es-PE" sz="2400" dirty="0" smtClean="0"/>
           </a:p>
           <a:p>
             <a:pPr marL="342900" indent="-342900">
@@ -24558,7 +24604,6 @@
               <a:rPr lang="es-PE" sz="2400" dirty="0" smtClean="0"/>
               <a:t>Reasignando el valor de Variables Locales</a:t>
             </a:r>
-            <a:endParaRPr lang="es-PE" sz="2400" dirty="0" smtClean="0"/>
           </a:p>
         </p:txBody>
       </p:sp>
@@ -26469,7 +26514,7 @@
 </file>
 
 <file path=ppt/slides/slide6.xml><?xml version="1.0" encoding="utf-8"?>
-<p:sld xmlns:a="http://schemas.openxmlformats.org/drawingml/2006/main" xmlns:r="http://schemas.openxmlformats.org/officeDocument/2006/relationships" xmlns:p="http://schemas.openxmlformats.org/presentationml/2006/main" show="0">
+<p:sld xmlns:a="http://schemas.openxmlformats.org/drawingml/2006/main" xmlns:r="http://schemas.openxmlformats.org/officeDocument/2006/relationships" xmlns:p="http://schemas.openxmlformats.org/presentationml/2006/main">
   <p:cSld>
     <p:spTree>
       <p:nvGrpSpPr>
@@ -26728,11 +26773,11 @@
   <p:clrMapOvr>
     <a:masterClrMapping/>
   </p:clrMapOvr>
-  <mc:AlternateContent xmlns:mc="http://schemas.openxmlformats.org/markup-compatibility/2006" xmlns:p14="http://schemas.microsoft.com/office/powerpoint/2010/main">
-    <mc:Choice Requires="p14">
+  <mc:AlternateContent xmlns:mc="http://schemas.openxmlformats.org/markup-compatibility/2006">
+    <mc:Choice xmlns:p14="http://schemas.microsoft.com/office/powerpoint/2010/main" Requires="p14">
       <p:transition spd="slow" p14:dur="2000"/>
     </mc:Choice>
-    <mc:Fallback xmlns="">
+    <mc:Fallback>
       <p:transition spd="slow"/>
     </mc:Fallback>
   </mc:AlternateContent>

--- a/Diapositivas/Code Smells and Refactoring.pptx
+++ b/Diapositivas/Code Smells and Refactoring.pptx
@@ -5,7 +5,7 @@
     <p:sldMasterId id="2147483684" r:id="rId1"/>
   </p:sldMasterIdLst>
   <p:notesMasterIdLst>
-    <p:notesMasterId r:id="rId58"/>
+    <p:notesMasterId r:id="rId65"/>
   </p:notesMasterIdLst>
   <p:sldIdLst>
     <p:sldId id="717" r:id="rId2"/>
@@ -60,10 +60,17 @@
     <p:sldId id="519" r:id="rId51"/>
     <p:sldId id="764" r:id="rId52"/>
     <p:sldId id="344" r:id="rId53"/>
-    <p:sldId id="762" r:id="rId54"/>
-    <p:sldId id="763" r:id="rId55"/>
-    <p:sldId id="710" r:id="rId56"/>
-    <p:sldId id="705" r:id="rId57"/>
+    <p:sldId id="765" r:id="rId54"/>
+    <p:sldId id="766" r:id="rId55"/>
+    <p:sldId id="762" r:id="rId56"/>
+    <p:sldId id="767" r:id="rId57"/>
+    <p:sldId id="768" r:id="rId58"/>
+    <p:sldId id="770" r:id="rId59"/>
+    <p:sldId id="769" r:id="rId60"/>
+    <p:sldId id="771" r:id="rId61"/>
+    <p:sldId id="772" r:id="rId62"/>
+    <p:sldId id="773" r:id="rId63"/>
+    <p:sldId id="705" r:id="rId64"/>
   </p:sldIdLst>
   <p:sldSz cx="9144000" cy="6858000" type="screen4x3"/>
   <p:notesSz cx="6858000" cy="9144000"/>
@@ -6265,7 +6272,7 @@
           <a:p>
             <a:fld id="{82731913-02B6-467D-B183-D787C0857BBF}" type="datetimeFigureOut">
               <a:rPr lang="es-PE" smtClean="0"/>
-              <a:t>03/06/2013</a:t>
+              <a:t>05/06/2013</a:t>
             </a:fld>
             <a:endParaRPr lang="es-PE"/>
           </a:p>
@@ -9209,209 +9216,54 @@
           <a:lstStyle/>
           <a:p>
             <a:r>
-              <a:rPr lang="en-US" sz="1200" kern="1200" dirty="0" err="1" smtClean="0">
-                <a:solidFill>
-                  <a:schemeClr val="tx1"/>
-                </a:solidFill>
-                <a:effectLst/>
-                <a:latin typeface="+mn-lt"/>
-                <a:ea typeface="+mn-ea"/>
-                <a:cs typeface="+mn-cs"/>
-              </a:rPr>
-              <a:t>Otras</a:t>
-            </a:r>
-            <a:r>
-              <a:rPr lang="en-US" sz="1200" kern="1200" dirty="0" smtClean="0">
-                <a:solidFill>
-                  <a:schemeClr val="tx1"/>
-                </a:solidFill>
-                <a:effectLst/>
-                <a:latin typeface="+mn-lt"/>
-                <a:ea typeface="+mn-ea"/>
-                <a:cs typeface="+mn-cs"/>
-              </a:rPr>
-              <a:t> </a:t>
-            </a:r>
-            <a:r>
-              <a:rPr lang="en-US" sz="1200" kern="1200" dirty="0" err="1" smtClean="0">
-                <a:solidFill>
-                  <a:schemeClr val="tx1"/>
-                </a:solidFill>
-                <a:effectLst/>
-                <a:latin typeface="+mn-lt"/>
-                <a:ea typeface="+mn-ea"/>
-                <a:cs typeface="+mn-cs"/>
-              </a:rPr>
-              <a:t>reversiones</a:t>
-            </a:r>
-            <a:r>
-              <a:rPr lang="en-US" sz="1200" kern="1200" dirty="0" smtClean="0">
-                <a:solidFill>
-                  <a:schemeClr val="tx1"/>
-                </a:solidFill>
-                <a:effectLst/>
-                <a:latin typeface="+mn-lt"/>
-                <a:ea typeface="+mn-ea"/>
-                <a:cs typeface="+mn-cs"/>
-              </a:rPr>
-              <a:t>: </a:t>
-            </a:r>
-          </a:p>
-          <a:p>
-            <a:r>
-              <a:rPr lang="en-US" sz="1200" kern="1200" dirty="0" smtClean="0">
-                <a:solidFill>
-                  <a:schemeClr val="tx1"/>
-                </a:solidFill>
-                <a:effectLst/>
-                <a:latin typeface="+mn-lt"/>
-                <a:ea typeface="+mn-ea"/>
-                <a:cs typeface="+mn-cs"/>
-              </a:rPr>
-              <a:t>Hide Delegate</a:t>
-            </a:r>
-            <a:r>
-              <a:rPr lang="es-PE" sz="1200" kern="1200" baseline="0" dirty="0" smtClean="0">
-                <a:solidFill>
-                  <a:schemeClr val="tx1"/>
-                </a:solidFill>
-                <a:effectLst/>
-                <a:latin typeface="+mn-lt"/>
-                <a:ea typeface="+mn-ea"/>
-                <a:cs typeface="+mn-cs"/>
-              </a:rPr>
-              <a:t> - </a:t>
-            </a:r>
-            <a:r>
-              <a:rPr lang="en-US" sz="1200" kern="1200" dirty="0" smtClean="0">
-                <a:solidFill>
-                  <a:schemeClr val="tx1"/>
-                </a:solidFill>
-                <a:effectLst/>
-                <a:latin typeface="+mn-lt"/>
-                <a:ea typeface="+mn-ea"/>
-                <a:cs typeface="+mn-cs"/>
-              </a:rPr>
-              <a:t>Remove Middle Man</a:t>
-            </a:r>
-          </a:p>
-          <a:p>
-            <a:pPr marL="0" marR="0" indent="0" algn="l" defTabSz="914400" rtl="0" eaLnBrk="1" fontAlgn="auto" latinLnBrk="0" hangingPunct="1">
-              <a:lnSpc>
-                <a:spcPct val="100000"/>
-              </a:lnSpc>
-              <a:spcBef>
-                <a:spcPts val="0"/>
-              </a:spcBef>
-              <a:spcAft>
-                <a:spcPts val="0"/>
-              </a:spcAft>
-              <a:buClrTx/>
-              <a:buSzTx/>
-              <a:buFontTx/>
-              <a:buNone/>
-              <a:tabLst/>
-              <a:defRPr/>
-            </a:pPr>
-            <a:r>
-              <a:rPr lang="es-PE" sz="1200" kern="1200" dirty="0" err="1" smtClean="0">
-                <a:solidFill>
-                  <a:schemeClr val="tx1"/>
-                </a:solidFill>
-                <a:effectLst/>
-                <a:latin typeface="+mn-lt"/>
-                <a:ea typeface="+mn-ea"/>
-                <a:cs typeface="+mn-cs"/>
-              </a:rPr>
-              <a:t>Parameterize</a:t>
-            </a:r>
-            <a:r>
-              <a:rPr lang="es-PE" sz="1200" kern="1200" dirty="0" smtClean="0">
-                <a:solidFill>
-                  <a:schemeClr val="tx1"/>
-                </a:solidFill>
-                <a:effectLst/>
-                <a:latin typeface="+mn-lt"/>
-                <a:ea typeface="+mn-ea"/>
-                <a:cs typeface="+mn-cs"/>
-              </a:rPr>
-              <a:t> </a:t>
-            </a:r>
-            <a:r>
-              <a:rPr lang="es-PE" sz="1200" kern="1200" dirty="0" err="1" smtClean="0">
-                <a:solidFill>
-                  <a:schemeClr val="tx1"/>
-                </a:solidFill>
-                <a:effectLst/>
-                <a:latin typeface="+mn-lt"/>
-                <a:ea typeface="+mn-ea"/>
-                <a:cs typeface="+mn-cs"/>
-              </a:rPr>
-              <a:t>Method</a:t>
-            </a:r>
-            <a:r>
-              <a:rPr lang="es-PE" sz="1200" kern="1200" dirty="0" smtClean="0">
-                <a:solidFill>
-                  <a:schemeClr val="tx1"/>
-                </a:solidFill>
-                <a:effectLst/>
-                <a:latin typeface="+mn-lt"/>
-                <a:ea typeface="+mn-ea"/>
-                <a:cs typeface="+mn-cs"/>
-              </a:rPr>
-              <a:t> </a:t>
-            </a:r>
-            <a:r>
-              <a:rPr lang="en-US" sz="1200" kern="1200" dirty="0" smtClean="0">
-                <a:solidFill>
-                  <a:schemeClr val="tx1"/>
-                </a:solidFill>
-                <a:effectLst/>
-                <a:latin typeface="+mn-lt"/>
-                <a:ea typeface="+mn-ea"/>
-                <a:cs typeface="+mn-cs"/>
-              </a:rPr>
-              <a:t>-</a:t>
-            </a:r>
-            <a:r>
-              <a:rPr lang="en-US" sz="1200" kern="1200" baseline="0" dirty="0" smtClean="0">
-                <a:solidFill>
-                  <a:schemeClr val="tx1"/>
-                </a:solidFill>
-                <a:effectLst/>
-                <a:latin typeface="+mn-lt"/>
-                <a:ea typeface="+mn-ea"/>
-                <a:cs typeface="+mn-cs"/>
-              </a:rPr>
-              <a:t> </a:t>
-            </a:r>
-            <a:r>
-              <a:rPr lang="en-US" sz="1200" b="0" i="0" kern="1200" dirty="0" smtClean="0">
-                <a:solidFill>
-                  <a:schemeClr val="tx1"/>
-                </a:solidFill>
-                <a:effectLst/>
-                <a:latin typeface="+mn-lt"/>
-                <a:ea typeface="+mn-ea"/>
-                <a:cs typeface="+mn-cs"/>
-              </a:rPr>
-              <a:t>Replace Parameter with Explicit Methods</a:t>
-            </a:r>
-            <a:endParaRPr lang="es-PE" sz="1200" kern="1200" dirty="0" smtClean="0">
-              <a:solidFill>
-                <a:schemeClr val="tx1"/>
-              </a:solidFill>
-              <a:effectLst/>
-              <a:latin typeface="+mn-lt"/>
-              <a:ea typeface="+mn-ea"/>
-              <a:cs typeface="+mn-cs"/>
-            </a:endParaRPr>
-          </a:p>
-          <a:p>
-            <a:pPr marL="171450" indent="-171450">
-              <a:buFontTx/>
-              <a:buChar char="-"/>
-            </a:pPr>
+              <a:rPr lang="es-PE" dirty="0" smtClean="0">
+                <a:hlinkClick r:id="rId3"/>
+              </a:rPr>
+              <a:t>http://www.youtube.com/watch?v=7RJmoCWx4cE</a:t>
+            </a:r>
+            <a:endParaRPr lang="es-PE" dirty="0" smtClean="0"/>
+          </a:p>
+          <a:p>
+            <a:r>
+              <a:rPr lang="es-PE" dirty="0" smtClean="0">
+                <a:hlinkClick r:id="rId4"/>
+              </a:rPr>
+              <a:t>http://</a:t>
+            </a:r>
+            <a:r>
+              <a:rPr lang="es-PE" dirty="0" smtClean="0">
+                <a:hlinkClick r:id="rId4"/>
+              </a:rPr>
+              <a:t>www.youtube.com/watch?v=5fd-hpjeg9c</a:t>
+            </a:r>
+            <a:endParaRPr lang="es-PE" dirty="0" smtClean="0"/>
+          </a:p>
+          <a:p>
+            <a:endParaRPr lang="es-PE" dirty="0" smtClean="0"/>
+          </a:p>
+          <a:p>
+            <a:r>
+              <a:rPr lang="es-PE" dirty="0" smtClean="0"/>
+              <a:t>Crear Clase Saludo con un método Saludar</a:t>
+            </a:r>
+          </a:p>
+          <a:p>
+            <a:r>
+              <a:rPr lang="es-PE" dirty="0" smtClean="0"/>
+              <a:t>Separar en Concatenación</a:t>
+            </a:r>
+          </a:p>
+          <a:p>
+            <a:r>
+              <a:rPr lang="es-PE" dirty="0" smtClean="0"/>
+              <a:t>Separar en Métodos cada palabra</a:t>
+            </a:r>
+          </a:p>
+          <a:p>
+            <a:r>
+              <a:rPr lang="es-PE" smtClean="0"/>
+              <a:t>Mover a una nueva clase</a:t>
+            </a:r>
             <a:endParaRPr lang="es-PE" dirty="0"/>
           </a:p>
         </p:txBody>
@@ -9496,21 +9348,6 @@
           <a:bodyPr/>
           <a:lstStyle/>
           <a:p>
-            <a:r>
-              <a:rPr lang="es-PE" dirty="0" smtClean="0">
-                <a:hlinkClick r:id="rId3"/>
-              </a:rPr>
-              <a:t>http://www.youtube.com/watch?v=7RJmoCWx4cE</a:t>
-            </a:r>
-            <a:endParaRPr lang="es-PE" dirty="0" smtClean="0"/>
-          </a:p>
-          <a:p>
-            <a:r>
-              <a:rPr lang="es-PE" dirty="0" smtClean="0">
-                <a:hlinkClick r:id="rId4"/>
-              </a:rPr>
-              <a:t>http://www.youtube.com/watch?v=5fd-hpjeg9c</a:t>
-            </a:r>
             <a:endParaRPr lang="es-PE" dirty="0"/>
           </a:p>
         </p:txBody>
@@ -9595,6 +9432,210 @@
           <a:bodyPr/>
           <a:lstStyle/>
           <a:p>
+            <a:r>
+              <a:rPr lang="en-US" sz="1200" kern="1200" dirty="0" err="1" smtClean="0">
+                <a:solidFill>
+                  <a:schemeClr val="tx1"/>
+                </a:solidFill>
+                <a:effectLst/>
+                <a:latin typeface="+mn-lt"/>
+                <a:ea typeface="+mn-ea"/>
+                <a:cs typeface="+mn-cs"/>
+              </a:rPr>
+              <a:t>Otras</a:t>
+            </a:r>
+            <a:r>
+              <a:rPr lang="en-US" sz="1200" kern="1200" dirty="0" smtClean="0">
+                <a:solidFill>
+                  <a:schemeClr val="tx1"/>
+                </a:solidFill>
+                <a:effectLst/>
+                <a:latin typeface="+mn-lt"/>
+                <a:ea typeface="+mn-ea"/>
+                <a:cs typeface="+mn-cs"/>
+              </a:rPr>
+              <a:t> </a:t>
+            </a:r>
+            <a:r>
+              <a:rPr lang="en-US" sz="1200" kern="1200" dirty="0" err="1" smtClean="0">
+                <a:solidFill>
+                  <a:schemeClr val="tx1"/>
+                </a:solidFill>
+                <a:effectLst/>
+                <a:latin typeface="+mn-lt"/>
+                <a:ea typeface="+mn-ea"/>
+                <a:cs typeface="+mn-cs"/>
+              </a:rPr>
+              <a:t>reversiones</a:t>
+            </a:r>
+            <a:r>
+              <a:rPr lang="en-US" sz="1200" kern="1200" dirty="0" smtClean="0">
+                <a:solidFill>
+                  <a:schemeClr val="tx1"/>
+                </a:solidFill>
+                <a:effectLst/>
+                <a:latin typeface="+mn-lt"/>
+                <a:ea typeface="+mn-ea"/>
+                <a:cs typeface="+mn-cs"/>
+              </a:rPr>
+              <a:t>: </a:t>
+            </a:r>
+          </a:p>
+          <a:p>
+            <a:r>
+              <a:rPr lang="en-US" sz="1200" kern="1200" dirty="0" smtClean="0">
+                <a:solidFill>
+                  <a:schemeClr val="tx1"/>
+                </a:solidFill>
+                <a:effectLst/>
+                <a:latin typeface="+mn-lt"/>
+                <a:ea typeface="+mn-ea"/>
+                <a:cs typeface="+mn-cs"/>
+              </a:rPr>
+              <a:t>Hide Delegate</a:t>
+            </a:r>
+            <a:r>
+              <a:rPr lang="es-PE" sz="1200" kern="1200" baseline="0" dirty="0" smtClean="0">
+                <a:solidFill>
+                  <a:schemeClr val="tx1"/>
+                </a:solidFill>
+                <a:effectLst/>
+                <a:latin typeface="+mn-lt"/>
+                <a:ea typeface="+mn-ea"/>
+                <a:cs typeface="+mn-cs"/>
+              </a:rPr>
+              <a:t> - </a:t>
+            </a:r>
+            <a:r>
+              <a:rPr lang="en-US" sz="1200" kern="1200" dirty="0" smtClean="0">
+                <a:solidFill>
+                  <a:schemeClr val="tx1"/>
+                </a:solidFill>
+                <a:effectLst/>
+                <a:latin typeface="+mn-lt"/>
+                <a:ea typeface="+mn-ea"/>
+                <a:cs typeface="+mn-cs"/>
+              </a:rPr>
+              <a:t>Remove Middle Man</a:t>
+            </a:r>
+          </a:p>
+          <a:p>
+            <a:pPr marL="0" marR="0" indent="0" algn="l" defTabSz="914400" rtl="0" eaLnBrk="1" fontAlgn="auto" latinLnBrk="0" hangingPunct="1">
+              <a:lnSpc>
+                <a:spcPct val="100000"/>
+              </a:lnSpc>
+              <a:spcBef>
+                <a:spcPts val="0"/>
+              </a:spcBef>
+              <a:spcAft>
+                <a:spcPts val="0"/>
+              </a:spcAft>
+              <a:buClrTx/>
+              <a:buSzTx/>
+              <a:buFontTx/>
+              <a:buNone/>
+              <a:tabLst/>
+              <a:defRPr/>
+            </a:pPr>
+            <a:r>
+              <a:rPr lang="es-PE" sz="1200" kern="1200" dirty="0" err="1" smtClean="0">
+                <a:solidFill>
+                  <a:schemeClr val="tx1"/>
+                </a:solidFill>
+                <a:effectLst/>
+                <a:latin typeface="+mn-lt"/>
+                <a:ea typeface="+mn-ea"/>
+                <a:cs typeface="+mn-cs"/>
+              </a:rPr>
+              <a:t>Parameterize</a:t>
+            </a:r>
+            <a:r>
+              <a:rPr lang="es-PE" sz="1200" kern="1200" dirty="0" smtClean="0">
+                <a:solidFill>
+                  <a:schemeClr val="tx1"/>
+                </a:solidFill>
+                <a:effectLst/>
+                <a:latin typeface="+mn-lt"/>
+                <a:ea typeface="+mn-ea"/>
+                <a:cs typeface="+mn-cs"/>
+              </a:rPr>
+              <a:t> </a:t>
+            </a:r>
+            <a:r>
+              <a:rPr lang="es-PE" sz="1200" kern="1200" dirty="0" err="1" smtClean="0">
+                <a:solidFill>
+                  <a:schemeClr val="tx1"/>
+                </a:solidFill>
+                <a:effectLst/>
+                <a:latin typeface="+mn-lt"/>
+                <a:ea typeface="+mn-ea"/>
+                <a:cs typeface="+mn-cs"/>
+              </a:rPr>
+              <a:t>Method</a:t>
+            </a:r>
+            <a:r>
+              <a:rPr lang="es-PE" sz="1200" kern="1200" dirty="0" smtClean="0">
+                <a:solidFill>
+                  <a:schemeClr val="tx1"/>
+                </a:solidFill>
+                <a:effectLst/>
+                <a:latin typeface="+mn-lt"/>
+                <a:ea typeface="+mn-ea"/>
+                <a:cs typeface="+mn-cs"/>
+              </a:rPr>
+              <a:t> </a:t>
+            </a:r>
+            <a:r>
+              <a:rPr lang="en-US" sz="1200" kern="1200" dirty="0" smtClean="0">
+                <a:solidFill>
+                  <a:schemeClr val="tx1"/>
+                </a:solidFill>
+                <a:effectLst/>
+                <a:latin typeface="+mn-lt"/>
+                <a:ea typeface="+mn-ea"/>
+                <a:cs typeface="+mn-cs"/>
+              </a:rPr>
+              <a:t>-</a:t>
+            </a:r>
+            <a:r>
+              <a:rPr lang="en-US" sz="1200" kern="1200" baseline="0" dirty="0" smtClean="0">
+                <a:solidFill>
+                  <a:schemeClr val="tx1"/>
+                </a:solidFill>
+                <a:effectLst/>
+                <a:latin typeface="+mn-lt"/>
+                <a:ea typeface="+mn-ea"/>
+                <a:cs typeface="+mn-cs"/>
+              </a:rPr>
+              <a:t> </a:t>
+            </a:r>
+            <a:r>
+              <a:rPr lang="en-US" sz="1200" b="0" i="0" kern="1200" dirty="0" smtClean="0">
+                <a:solidFill>
+                  <a:schemeClr val="tx1"/>
+                </a:solidFill>
+                <a:effectLst/>
+                <a:latin typeface="+mn-lt"/>
+                <a:ea typeface="+mn-ea"/>
+                <a:cs typeface="+mn-cs"/>
+              </a:rPr>
+              <a:t>Replace Parameter with Explicit Methods</a:t>
+            </a:r>
+            <a:endParaRPr lang="es-PE" sz="1200" kern="1200" dirty="0" smtClean="0">
+              <a:solidFill>
+                <a:schemeClr val="tx1"/>
+              </a:solidFill>
+              <a:effectLst/>
+              <a:latin typeface="+mn-lt"/>
+              <a:ea typeface="+mn-ea"/>
+              <a:cs typeface="+mn-cs"/>
+            </a:endParaRPr>
+          </a:p>
+          <a:p>
+            <a:pPr marL="171450" indent="-171450">
+              <a:buFontTx/>
+              <a:buChar char="-"/>
+            </a:pPr>
             <a:endParaRPr lang="es-PE" dirty="0"/>
           </a:p>
         </p:txBody>
@@ -9617,6 +9658,785 @@
             <a:fld id="{80C14895-23C8-45AE-85D5-3B35E5980A68}" type="slidenum">
               <a:rPr lang="es-PE" smtClean="0"/>
               <a:t>55</a:t>
+            </a:fld>
+            <a:endParaRPr lang="es-PE"/>
+          </a:p>
+        </p:txBody>
+      </p:sp>
+    </p:spTree>
+    <p:extLst>
+      <p:ext uri="{BB962C8B-B14F-4D97-AF65-F5344CB8AC3E}">
+        <p14:creationId xmlns:p14="http://schemas.microsoft.com/office/powerpoint/2010/main" val="3432092158"/>
+      </p:ext>
+    </p:extLst>
+  </p:cSld>
+  <p:clrMapOvr>
+    <a:masterClrMapping/>
+  </p:clrMapOvr>
+</p:notes>
+</file>
+
+<file path=ppt/notesSlides/notesSlide33.xml><?xml version="1.0" encoding="utf-8"?>
+<p:notes xmlns:a="http://schemas.openxmlformats.org/drawingml/2006/main" xmlns:r="http://schemas.openxmlformats.org/officeDocument/2006/relationships" xmlns:p="http://schemas.openxmlformats.org/presentationml/2006/main">
+  <p:cSld>
+    <p:spTree>
+      <p:nvGrpSpPr>
+        <p:cNvPr id="1" name=""/>
+        <p:cNvGrpSpPr/>
+        <p:nvPr/>
+      </p:nvGrpSpPr>
+      <p:grpSpPr>
+        <a:xfrm>
+          <a:off x="0" y="0"/>
+          <a:ext cx="0" cy="0"/>
+          <a:chOff x="0" y="0"/>
+          <a:chExt cx="0" cy="0"/>
+        </a:xfrm>
+      </p:grpSpPr>
+      <p:sp>
+        <p:nvSpPr>
+          <p:cNvPr id="2" name="1 Marcador de imagen de diapositiva"/>
+          <p:cNvSpPr>
+            <a:spLocks noGrp="1" noRot="1" noChangeAspect="1"/>
+          </p:cNvSpPr>
+          <p:nvPr>
+            <p:ph type="sldImg"/>
+          </p:nvPr>
+        </p:nvSpPr>
+        <p:spPr/>
+      </p:sp>
+      <p:sp>
+        <p:nvSpPr>
+          <p:cNvPr id="3" name="2 Marcador de notas"/>
+          <p:cNvSpPr>
+            <a:spLocks noGrp="1"/>
+          </p:cNvSpPr>
+          <p:nvPr>
+            <p:ph type="body" idx="1"/>
+          </p:nvPr>
+        </p:nvSpPr>
+        <p:spPr/>
+        <p:txBody>
+          <a:bodyPr/>
+          <a:lstStyle/>
+          <a:p>
+            <a:endParaRPr lang="es-PE" dirty="0"/>
+          </a:p>
+        </p:txBody>
+      </p:sp>
+      <p:sp>
+        <p:nvSpPr>
+          <p:cNvPr id="4" name="3 Marcador de número de diapositiva"/>
+          <p:cNvSpPr>
+            <a:spLocks noGrp="1"/>
+          </p:cNvSpPr>
+          <p:nvPr>
+            <p:ph type="sldNum" sz="quarter" idx="10"/>
+          </p:nvPr>
+        </p:nvSpPr>
+        <p:spPr/>
+        <p:txBody>
+          <a:bodyPr/>
+          <a:lstStyle/>
+          <a:p>
+            <a:fld id="{80C14895-23C8-45AE-85D5-3B35E5980A68}" type="slidenum">
+              <a:rPr lang="es-PE" smtClean="0"/>
+              <a:t>56</a:t>
+            </a:fld>
+            <a:endParaRPr lang="es-PE"/>
+          </a:p>
+        </p:txBody>
+      </p:sp>
+    </p:spTree>
+    <p:extLst>
+      <p:ext uri="{BB962C8B-B14F-4D97-AF65-F5344CB8AC3E}">
+        <p14:creationId xmlns:p14="http://schemas.microsoft.com/office/powerpoint/2010/main" val="3432092158"/>
+      </p:ext>
+    </p:extLst>
+  </p:cSld>
+  <p:clrMapOvr>
+    <a:masterClrMapping/>
+  </p:clrMapOvr>
+</p:notes>
+</file>
+
+<file path=ppt/notesSlides/notesSlide34.xml><?xml version="1.0" encoding="utf-8"?>
+<p:notes xmlns:a="http://schemas.openxmlformats.org/drawingml/2006/main" xmlns:r="http://schemas.openxmlformats.org/officeDocument/2006/relationships" xmlns:p="http://schemas.openxmlformats.org/presentationml/2006/main">
+  <p:cSld>
+    <p:spTree>
+      <p:nvGrpSpPr>
+        <p:cNvPr id="1" name=""/>
+        <p:cNvGrpSpPr/>
+        <p:nvPr/>
+      </p:nvGrpSpPr>
+      <p:grpSpPr>
+        <a:xfrm>
+          <a:off x="0" y="0"/>
+          <a:ext cx="0" cy="0"/>
+          <a:chOff x="0" y="0"/>
+          <a:chExt cx="0" cy="0"/>
+        </a:xfrm>
+      </p:grpSpPr>
+      <p:sp>
+        <p:nvSpPr>
+          <p:cNvPr id="2" name="1 Marcador de imagen de diapositiva"/>
+          <p:cNvSpPr>
+            <a:spLocks noGrp="1" noRot="1" noChangeAspect="1"/>
+          </p:cNvSpPr>
+          <p:nvPr>
+            <p:ph type="sldImg"/>
+          </p:nvPr>
+        </p:nvSpPr>
+        <p:spPr/>
+      </p:sp>
+      <p:sp>
+        <p:nvSpPr>
+          <p:cNvPr id="3" name="2 Marcador de notas"/>
+          <p:cNvSpPr>
+            <a:spLocks noGrp="1"/>
+          </p:cNvSpPr>
+          <p:nvPr>
+            <p:ph type="body" idx="1"/>
+          </p:nvPr>
+        </p:nvSpPr>
+        <p:spPr/>
+        <p:txBody>
+          <a:bodyPr/>
+          <a:lstStyle/>
+          <a:p>
+            <a:pPr marL="0" marR="0" indent="0" algn="l" defTabSz="914400" rtl="0" eaLnBrk="1" fontAlgn="auto" latinLnBrk="0" hangingPunct="1">
+              <a:lnSpc>
+                <a:spcPct val="100000"/>
+              </a:lnSpc>
+              <a:spcBef>
+                <a:spcPts val="0"/>
+              </a:spcBef>
+              <a:spcAft>
+                <a:spcPts val="0"/>
+              </a:spcAft>
+              <a:buClrTx/>
+              <a:buSzTx/>
+              <a:buFontTx/>
+              <a:buNone/>
+              <a:tabLst/>
+              <a:defRPr/>
+            </a:pPr>
+            <a:r>
+              <a:rPr lang="es-PE" sz="1200" dirty="0" smtClean="0"/>
+              <a:t>Recordar que en un enfoque ágil entregamos valor de manera constante.</a:t>
+            </a:r>
+          </a:p>
+          <a:p>
+            <a:endParaRPr lang="es-PE" dirty="0"/>
+          </a:p>
+        </p:txBody>
+      </p:sp>
+      <p:sp>
+        <p:nvSpPr>
+          <p:cNvPr id="4" name="3 Marcador de número de diapositiva"/>
+          <p:cNvSpPr>
+            <a:spLocks noGrp="1"/>
+          </p:cNvSpPr>
+          <p:nvPr>
+            <p:ph type="sldNum" sz="quarter" idx="10"/>
+          </p:nvPr>
+        </p:nvSpPr>
+        <p:spPr/>
+        <p:txBody>
+          <a:bodyPr/>
+          <a:lstStyle/>
+          <a:p>
+            <a:fld id="{80C14895-23C8-45AE-85D5-3B35E5980A68}" type="slidenum">
+              <a:rPr lang="es-PE" smtClean="0"/>
+              <a:t>57</a:t>
+            </a:fld>
+            <a:endParaRPr lang="es-PE"/>
+          </a:p>
+        </p:txBody>
+      </p:sp>
+    </p:spTree>
+    <p:extLst>
+      <p:ext uri="{BB962C8B-B14F-4D97-AF65-F5344CB8AC3E}">
+        <p14:creationId xmlns:p14="http://schemas.microsoft.com/office/powerpoint/2010/main" val="2610960858"/>
+      </p:ext>
+    </p:extLst>
+  </p:cSld>
+  <p:clrMapOvr>
+    <a:masterClrMapping/>
+  </p:clrMapOvr>
+</p:notes>
+</file>
+
+<file path=ppt/notesSlides/notesSlide35.xml><?xml version="1.0" encoding="utf-8"?>
+<p:notes xmlns:a="http://schemas.openxmlformats.org/drawingml/2006/main" xmlns:r="http://schemas.openxmlformats.org/officeDocument/2006/relationships" xmlns:p="http://schemas.openxmlformats.org/presentationml/2006/main">
+  <p:cSld>
+    <p:spTree>
+      <p:nvGrpSpPr>
+        <p:cNvPr id="1" name=""/>
+        <p:cNvGrpSpPr/>
+        <p:nvPr/>
+      </p:nvGrpSpPr>
+      <p:grpSpPr>
+        <a:xfrm>
+          <a:off x="0" y="0"/>
+          <a:ext cx="0" cy="0"/>
+          <a:chOff x="0" y="0"/>
+          <a:chExt cx="0" cy="0"/>
+        </a:xfrm>
+      </p:grpSpPr>
+      <p:sp>
+        <p:nvSpPr>
+          <p:cNvPr id="2" name="1 Marcador de imagen de diapositiva"/>
+          <p:cNvSpPr>
+            <a:spLocks noGrp="1" noRot="1" noChangeAspect="1"/>
+          </p:cNvSpPr>
+          <p:nvPr>
+            <p:ph type="sldImg"/>
+          </p:nvPr>
+        </p:nvSpPr>
+        <p:spPr/>
+      </p:sp>
+      <p:sp>
+        <p:nvSpPr>
+          <p:cNvPr id="3" name="2 Marcador de notas"/>
+          <p:cNvSpPr>
+            <a:spLocks noGrp="1"/>
+          </p:cNvSpPr>
+          <p:nvPr>
+            <p:ph type="body" idx="1"/>
+          </p:nvPr>
+        </p:nvSpPr>
+        <p:spPr/>
+        <p:txBody>
+          <a:bodyPr/>
+          <a:lstStyle/>
+          <a:p>
+            <a:pPr marL="0" marR="0" indent="0" algn="l" defTabSz="914400" rtl="0" eaLnBrk="1" fontAlgn="auto" latinLnBrk="0" hangingPunct="1">
+              <a:lnSpc>
+                <a:spcPct val="100000"/>
+              </a:lnSpc>
+              <a:spcBef>
+                <a:spcPts val="0"/>
+              </a:spcBef>
+              <a:spcAft>
+                <a:spcPts val="0"/>
+              </a:spcAft>
+              <a:buClrTx/>
+              <a:buSzTx/>
+              <a:buFontTx/>
+              <a:buNone/>
+              <a:tabLst/>
+              <a:defRPr/>
+            </a:pPr>
+            <a:r>
+              <a:rPr lang="es-PE" sz="1200" dirty="0" smtClean="0"/>
+              <a:t>Recordar que en un enfoque ágil entregamos valor de manera constante.</a:t>
+            </a:r>
+          </a:p>
+          <a:p>
+            <a:endParaRPr lang="es-PE" dirty="0"/>
+          </a:p>
+        </p:txBody>
+      </p:sp>
+      <p:sp>
+        <p:nvSpPr>
+          <p:cNvPr id="4" name="3 Marcador de número de diapositiva"/>
+          <p:cNvSpPr>
+            <a:spLocks noGrp="1"/>
+          </p:cNvSpPr>
+          <p:nvPr>
+            <p:ph type="sldNum" sz="quarter" idx="10"/>
+          </p:nvPr>
+        </p:nvSpPr>
+        <p:spPr/>
+        <p:txBody>
+          <a:bodyPr/>
+          <a:lstStyle/>
+          <a:p>
+            <a:fld id="{80C14895-23C8-45AE-85D5-3B35E5980A68}" type="slidenum">
+              <a:rPr lang="es-PE" smtClean="0"/>
+              <a:t>58</a:t>
+            </a:fld>
+            <a:endParaRPr lang="es-PE"/>
+          </a:p>
+        </p:txBody>
+      </p:sp>
+    </p:spTree>
+    <p:extLst>
+      <p:ext uri="{BB962C8B-B14F-4D97-AF65-F5344CB8AC3E}">
+        <p14:creationId xmlns:p14="http://schemas.microsoft.com/office/powerpoint/2010/main" val="2610960858"/>
+      </p:ext>
+    </p:extLst>
+  </p:cSld>
+  <p:clrMapOvr>
+    <a:masterClrMapping/>
+  </p:clrMapOvr>
+</p:notes>
+</file>
+
+<file path=ppt/notesSlides/notesSlide36.xml><?xml version="1.0" encoding="utf-8"?>
+<p:notes xmlns:a="http://schemas.openxmlformats.org/drawingml/2006/main" xmlns:r="http://schemas.openxmlformats.org/officeDocument/2006/relationships" xmlns:p="http://schemas.openxmlformats.org/presentationml/2006/main">
+  <p:cSld>
+    <p:spTree>
+      <p:nvGrpSpPr>
+        <p:cNvPr id="1" name=""/>
+        <p:cNvGrpSpPr/>
+        <p:nvPr/>
+      </p:nvGrpSpPr>
+      <p:grpSpPr>
+        <a:xfrm>
+          <a:off x="0" y="0"/>
+          <a:ext cx="0" cy="0"/>
+          <a:chOff x="0" y="0"/>
+          <a:chExt cx="0" cy="0"/>
+        </a:xfrm>
+      </p:grpSpPr>
+      <p:sp>
+        <p:nvSpPr>
+          <p:cNvPr id="2" name="1 Marcador de imagen de diapositiva"/>
+          <p:cNvSpPr>
+            <a:spLocks noGrp="1" noRot="1" noChangeAspect="1"/>
+          </p:cNvSpPr>
+          <p:nvPr>
+            <p:ph type="sldImg"/>
+          </p:nvPr>
+        </p:nvSpPr>
+        <p:spPr/>
+      </p:sp>
+      <p:sp>
+        <p:nvSpPr>
+          <p:cNvPr id="3" name="2 Marcador de notas"/>
+          <p:cNvSpPr>
+            <a:spLocks noGrp="1"/>
+          </p:cNvSpPr>
+          <p:nvPr>
+            <p:ph type="body" idx="1"/>
+          </p:nvPr>
+        </p:nvSpPr>
+        <p:spPr/>
+        <p:txBody>
+          <a:bodyPr/>
+          <a:lstStyle/>
+          <a:p>
+            <a:r>
+              <a:rPr lang="en-US" sz="1200" b="0" i="0" kern="1200" dirty="0" smtClean="0">
+                <a:solidFill>
+                  <a:schemeClr val="tx1"/>
+                </a:solidFill>
+                <a:effectLst/>
+                <a:latin typeface="+mn-lt"/>
+                <a:ea typeface="+mn-ea"/>
+                <a:cs typeface="+mn-cs"/>
+              </a:rPr>
+              <a:t>For example, to change a member field of a class from one type to another you often need to make many small changes within the class.</a:t>
+            </a:r>
+          </a:p>
+          <a:p>
+            <a:r>
+              <a:rPr lang="en-US" sz="1200" b="0" i="0" kern="1200" dirty="0" smtClean="0">
+                <a:solidFill>
+                  <a:schemeClr val="tx1"/>
+                </a:solidFill>
+                <a:effectLst/>
+                <a:latin typeface="+mn-lt"/>
+                <a:ea typeface="+mn-ea"/>
+                <a:cs typeface="+mn-cs"/>
+              </a:rPr>
+              <a:t>The more changes you need to make, the riskier the work.</a:t>
+            </a:r>
+            <a:endParaRPr lang="es-PE" dirty="0"/>
+          </a:p>
+        </p:txBody>
+      </p:sp>
+      <p:sp>
+        <p:nvSpPr>
+          <p:cNvPr id="4" name="3 Marcador de número de diapositiva"/>
+          <p:cNvSpPr>
+            <a:spLocks noGrp="1"/>
+          </p:cNvSpPr>
+          <p:nvPr>
+            <p:ph type="sldNum" sz="quarter" idx="10"/>
+          </p:nvPr>
+        </p:nvSpPr>
+        <p:spPr/>
+        <p:txBody>
+          <a:bodyPr/>
+          <a:lstStyle/>
+          <a:p>
+            <a:fld id="{80C14895-23C8-45AE-85D5-3B35E5980A68}" type="slidenum">
+              <a:rPr lang="es-PE" smtClean="0"/>
+              <a:t>59</a:t>
+            </a:fld>
+            <a:endParaRPr lang="es-PE"/>
+          </a:p>
+        </p:txBody>
+      </p:sp>
+    </p:spTree>
+    <p:extLst>
+      <p:ext uri="{BB962C8B-B14F-4D97-AF65-F5344CB8AC3E}">
+        <p14:creationId xmlns:p14="http://schemas.microsoft.com/office/powerpoint/2010/main" val="2610960858"/>
+      </p:ext>
+    </p:extLst>
+  </p:cSld>
+  <p:clrMapOvr>
+    <a:masterClrMapping/>
+  </p:clrMapOvr>
+</p:notes>
+</file>
+
+<file path=ppt/notesSlides/notesSlide37.xml><?xml version="1.0" encoding="utf-8"?>
+<p:notes xmlns:a="http://schemas.openxmlformats.org/drawingml/2006/main" xmlns:r="http://schemas.openxmlformats.org/officeDocument/2006/relationships" xmlns:p="http://schemas.openxmlformats.org/presentationml/2006/main">
+  <p:cSld>
+    <p:spTree>
+      <p:nvGrpSpPr>
+        <p:cNvPr id="1" name=""/>
+        <p:cNvGrpSpPr/>
+        <p:nvPr/>
+      </p:nvGrpSpPr>
+      <p:grpSpPr>
+        <a:xfrm>
+          <a:off x="0" y="0"/>
+          <a:ext cx="0" cy="0"/>
+          <a:chOff x="0" y="0"/>
+          <a:chExt cx="0" cy="0"/>
+        </a:xfrm>
+      </p:grpSpPr>
+      <p:sp>
+        <p:nvSpPr>
+          <p:cNvPr id="2" name="1 Marcador de imagen de diapositiva"/>
+          <p:cNvSpPr>
+            <a:spLocks noGrp="1" noRot="1" noChangeAspect="1"/>
+          </p:cNvSpPr>
+          <p:nvPr>
+            <p:ph type="sldImg"/>
+          </p:nvPr>
+        </p:nvSpPr>
+        <p:spPr/>
+      </p:sp>
+      <p:sp>
+        <p:nvSpPr>
+          <p:cNvPr id="3" name="2 Marcador de notas"/>
+          <p:cNvSpPr>
+            <a:spLocks noGrp="1"/>
+          </p:cNvSpPr>
+          <p:nvPr>
+            <p:ph type="body" idx="1"/>
+          </p:nvPr>
+        </p:nvSpPr>
+        <p:spPr/>
+        <p:txBody>
+          <a:bodyPr/>
+          <a:lstStyle/>
+          <a:p>
+            <a:r>
+              <a:rPr lang="en-US" sz="1200" b="0" i="0" kern="1200" dirty="0" smtClean="0">
+                <a:solidFill>
+                  <a:schemeClr val="tx1"/>
+                </a:solidFill>
+                <a:effectLst/>
+                <a:latin typeface="+mn-lt"/>
+                <a:ea typeface="+mn-ea"/>
+                <a:cs typeface="+mn-cs"/>
+              </a:rPr>
+              <a:t>Refactoring from an old way of doing something to a new way can sometimes be difficult.</a:t>
+            </a:r>
+          </a:p>
+          <a:p>
+            <a:r>
+              <a:rPr lang="en-US" sz="1200" b="0" i="0" kern="1200" dirty="0" smtClean="0">
+                <a:solidFill>
+                  <a:schemeClr val="tx1"/>
+                </a:solidFill>
+                <a:effectLst/>
+                <a:latin typeface="+mn-lt"/>
+                <a:ea typeface="+mn-ea"/>
+                <a:cs typeface="+mn-cs"/>
+              </a:rPr>
+              <a:t>Examples include shifting from using a file system to a database or from a primitive type to a custom-designed class.</a:t>
+            </a:r>
+          </a:p>
+          <a:p>
+            <a:r>
+              <a:rPr lang="en-US" sz="1200" b="0" i="0" kern="1200" dirty="0" smtClean="0">
+                <a:solidFill>
+                  <a:schemeClr val="tx1"/>
+                </a:solidFill>
+                <a:effectLst/>
+                <a:latin typeface="+mn-lt"/>
+                <a:ea typeface="+mn-ea"/>
+                <a:cs typeface="+mn-cs"/>
+              </a:rPr>
+              <a:t>Parallel Change helps you gradually evolve a new design in a safe and easy way.</a:t>
+            </a:r>
+          </a:p>
+          <a:p>
+            <a:endParaRPr lang="en-US" sz="1200" b="0" i="0" kern="1200" dirty="0" smtClean="0">
+              <a:solidFill>
+                <a:schemeClr val="tx1"/>
+              </a:solidFill>
+              <a:effectLst/>
+              <a:latin typeface="+mn-lt"/>
+              <a:ea typeface="+mn-ea"/>
+              <a:cs typeface="+mn-cs"/>
+            </a:endParaRPr>
+          </a:p>
+          <a:p>
+            <a:r>
+              <a:rPr lang="en-US" sz="1200" b="0" i="0" kern="1200" dirty="0" smtClean="0">
+                <a:solidFill>
+                  <a:schemeClr val="tx1"/>
+                </a:solidFill>
+                <a:effectLst/>
+                <a:latin typeface="+mn-lt"/>
+                <a:ea typeface="+mn-ea"/>
+                <a:cs typeface="+mn-cs"/>
+              </a:rPr>
+              <a:t>This is a very conservative safe approach to refactoring.</a:t>
+            </a:r>
+          </a:p>
+          <a:p>
+            <a:r>
+              <a:rPr lang="en-US" sz="1200" b="0" i="0" kern="1200" dirty="0" smtClean="0">
+                <a:solidFill>
+                  <a:schemeClr val="tx1"/>
+                </a:solidFill>
+                <a:effectLst/>
+                <a:latin typeface="+mn-lt"/>
+                <a:ea typeface="+mn-ea"/>
+                <a:cs typeface="+mn-cs"/>
+              </a:rPr>
+              <a:t>It also gives management the ability to make the decision whether or not to cut over to the new code in a release</a:t>
+            </a:r>
+          </a:p>
+          <a:p>
+            <a:r>
+              <a:rPr lang="en-US" sz="1200" b="0" i="0" kern="1200" dirty="0" smtClean="0">
+                <a:solidFill>
+                  <a:schemeClr val="tx1"/>
+                </a:solidFill>
+                <a:effectLst/>
+                <a:latin typeface="+mn-lt"/>
+                <a:ea typeface="+mn-ea"/>
+                <a:cs typeface="+mn-cs"/>
+              </a:rPr>
+              <a:t>So if it is not tested properly by the time of the release, just don’t switch over, no need to </a:t>
+            </a:r>
+            <a:r>
+              <a:rPr lang="en-US" sz="1200" b="0" i="0" kern="1200" dirty="0" err="1" smtClean="0">
+                <a:solidFill>
+                  <a:schemeClr val="tx1"/>
+                </a:solidFill>
+                <a:effectLst/>
+                <a:latin typeface="+mn-lt"/>
+                <a:ea typeface="+mn-ea"/>
+                <a:cs typeface="+mn-cs"/>
+              </a:rPr>
+              <a:t>roleback</a:t>
+            </a:r>
+            <a:r>
+              <a:rPr lang="en-US" sz="1200" b="0" i="0" kern="1200" dirty="0" smtClean="0">
+                <a:solidFill>
+                  <a:schemeClr val="tx1"/>
+                </a:solidFill>
+                <a:effectLst/>
+                <a:latin typeface="+mn-lt"/>
+                <a:ea typeface="+mn-ea"/>
+                <a:cs typeface="+mn-cs"/>
+              </a:rPr>
+              <a:t> changes or take any other steps</a:t>
+            </a:r>
+          </a:p>
+          <a:p>
+            <a:endParaRPr lang="es-PE" dirty="0"/>
+          </a:p>
+        </p:txBody>
+      </p:sp>
+      <p:sp>
+        <p:nvSpPr>
+          <p:cNvPr id="4" name="3 Marcador de número de diapositiva"/>
+          <p:cNvSpPr>
+            <a:spLocks noGrp="1"/>
+          </p:cNvSpPr>
+          <p:nvPr>
+            <p:ph type="sldNum" sz="quarter" idx="10"/>
+          </p:nvPr>
+        </p:nvSpPr>
+        <p:spPr/>
+        <p:txBody>
+          <a:bodyPr/>
+          <a:lstStyle/>
+          <a:p>
+            <a:fld id="{80C14895-23C8-45AE-85D5-3B35E5980A68}" type="slidenum">
+              <a:rPr lang="es-PE" smtClean="0"/>
+              <a:t>60</a:t>
+            </a:fld>
+            <a:endParaRPr lang="es-PE"/>
+          </a:p>
+        </p:txBody>
+      </p:sp>
+    </p:spTree>
+    <p:extLst>
+      <p:ext uri="{BB962C8B-B14F-4D97-AF65-F5344CB8AC3E}">
+        <p14:creationId xmlns:p14="http://schemas.microsoft.com/office/powerpoint/2010/main" val="2610960858"/>
+      </p:ext>
+    </p:extLst>
+  </p:cSld>
+  <p:clrMapOvr>
+    <a:masterClrMapping/>
+  </p:clrMapOvr>
+</p:notes>
+</file>
+
+<file path=ppt/notesSlides/notesSlide38.xml><?xml version="1.0" encoding="utf-8"?>
+<p:notes xmlns:a="http://schemas.openxmlformats.org/drawingml/2006/main" xmlns:r="http://schemas.openxmlformats.org/officeDocument/2006/relationships" xmlns:p="http://schemas.openxmlformats.org/presentationml/2006/main">
+  <p:cSld>
+    <p:spTree>
+      <p:nvGrpSpPr>
+        <p:cNvPr id="1" name=""/>
+        <p:cNvGrpSpPr/>
+        <p:nvPr/>
+      </p:nvGrpSpPr>
+      <p:grpSpPr>
+        <a:xfrm>
+          <a:off x="0" y="0"/>
+          <a:ext cx="0" cy="0"/>
+          <a:chOff x="0" y="0"/>
+          <a:chExt cx="0" cy="0"/>
+        </a:xfrm>
+      </p:grpSpPr>
+      <p:sp>
+        <p:nvSpPr>
+          <p:cNvPr id="2" name="1 Marcador de imagen de diapositiva"/>
+          <p:cNvSpPr>
+            <a:spLocks noGrp="1" noRot="1" noChangeAspect="1"/>
+          </p:cNvSpPr>
+          <p:nvPr>
+            <p:ph type="sldImg"/>
+          </p:nvPr>
+        </p:nvSpPr>
+        <p:spPr/>
+      </p:sp>
+      <p:sp>
+        <p:nvSpPr>
+          <p:cNvPr id="3" name="2 Marcador de notas"/>
+          <p:cNvSpPr>
+            <a:spLocks noGrp="1"/>
+          </p:cNvSpPr>
+          <p:nvPr>
+            <p:ph type="body" idx="1"/>
+          </p:nvPr>
+        </p:nvSpPr>
+        <p:spPr/>
+        <p:txBody>
+          <a:bodyPr/>
+          <a:lstStyle/>
+          <a:p>
+            <a:endParaRPr lang="es-PE" dirty="0"/>
+          </a:p>
+        </p:txBody>
+      </p:sp>
+      <p:sp>
+        <p:nvSpPr>
+          <p:cNvPr id="4" name="3 Marcador de número de diapositiva"/>
+          <p:cNvSpPr>
+            <a:spLocks noGrp="1"/>
+          </p:cNvSpPr>
+          <p:nvPr>
+            <p:ph type="sldNum" sz="quarter" idx="10"/>
+          </p:nvPr>
+        </p:nvSpPr>
+        <p:spPr/>
+        <p:txBody>
+          <a:bodyPr/>
+          <a:lstStyle/>
+          <a:p>
+            <a:fld id="{80C14895-23C8-45AE-85D5-3B35E5980A68}" type="slidenum">
+              <a:rPr lang="es-PE" smtClean="0"/>
+              <a:t>61</a:t>
+            </a:fld>
+            <a:endParaRPr lang="es-PE"/>
+          </a:p>
+        </p:txBody>
+      </p:sp>
+    </p:spTree>
+    <p:extLst>
+      <p:ext uri="{BB962C8B-B14F-4D97-AF65-F5344CB8AC3E}">
+        <p14:creationId xmlns:p14="http://schemas.microsoft.com/office/powerpoint/2010/main" val="3432092158"/>
+      </p:ext>
+    </p:extLst>
+  </p:cSld>
+  <p:clrMapOvr>
+    <a:masterClrMapping/>
+  </p:clrMapOvr>
+</p:notes>
+</file>
+
+<file path=ppt/notesSlides/notesSlide39.xml><?xml version="1.0" encoding="utf-8"?>
+<p:notes xmlns:a="http://schemas.openxmlformats.org/drawingml/2006/main" xmlns:r="http://schemas.openxmlformats.org/officeDocument/2006/relationships" xmlns:p="http://schemas.openxmlformats.org/presentationml/2006/main">
+  <p:cSld>
+    <p:spTree>
+      <p:nvGrpSpPr>
+        <p:cNvPr id="1" name=""/>
+        <p:cNvGrpSpPr/>
+        <p:nvPr/>
+      </p:nvGrpSpPr>
+      <p:grpSpPr>
+        <a:xfrm>
+          <a:off x="0" y="0"/>
+          <a:ext cx="0" cy="0"/>
+          <a:chOff x="0" y="0"/>
+          <a:chExt cx="0" cy="0"/>
+        </a:xfrm>
+      </p:grpSpPr>
+      <p:sp>
+        <p:nvSpPr>
+          <p:cNvPr id="2" name="1 Marcador de imagen de diapositiva"/>
+          <p:cNvSpPr>
+            <a:spLocks noGrp="1" noRot="1" noChangeAspect="1"/>
+          </p:cNvSpPr>
+          <p:nvPr>
+            <p:ph type="sldImg"/>
+          </p:nvPr>
+        </p:nvSpPr>
+        <p:spPr/>
+      </p:sp>
+      <p:sp>
+        <p:nvSpPr>
+          <p:cNvPr id="3" name="2 Marcador de notas"/>
+          <p:cNvSpPr>
+            <a:spLocks noGrp="1"/>
+          </p:cNvSpPr>
+          <p:nvPr>
+            <p:ph type="body" idx="1"/>
+          </p:nvPr>
+        </p:nvSpPr>
+        <p:spPr/>
+        <p:txBody>
+          <a:bodyPr/>
+          <a:lstStyle/>
+          <a:p>
+            <a:endParaRPr lang="es-PE" dirty="0"/>
+          </a:p>
+        </p:txBody>
+      </p:sp>
+      <p:sp>
+        <p:nvSpPr>
+          <p:cNvPr id="4" name="3 Marcador de número de diapositiva"/>
+          <p:cNvSpPr>
+            <a:spLocks noGrp="1"/>
+          </p:cNvSpPr>
+          <p:nvPr>
+            <p:ph type="sldNum" sz="quarter" idx="10"/>
+          </p:nvPr>
+        </p:nvSpPr>
+        <p:spPr/>
+        <p:txBody>
+          <a:bodyPr/>
+          <a:lstStyle/>
+          <a:p>
+            <a:fld id="{80C14895-23C8-45AE-85D5-3B35E5980A68}" type="slidenum">
+              <a:rPr lang="es-PE" smtClean="0"/>
+              <a:t>62</a:t>
             </a:fld>
             <a:endParaRPr lang="es-PE"/>
           </a:p>
@@ -10623,7 +11443,7 @@
             <a:fld id="{807CB568-C05F-482F-9F26-AA302B8892DF}" type="datetimeFigureOut">
               <a:rPr lang="es-ES" smtClean="0"/>
               <a:pPr/>
-              <a:t>03/06/2013</a:t>
+              <a:t>05/06/2013</a:t>
             </a:fld>
             <a:endParaRPr lang="es-ES"/>
           </a:p>
@@ -10802,7 +11622,7 @@
             <a:fld id="{807CB568-C05F-482F-9F26-AA302B8892DF}" type="datetimeFigureOut">
               <a:rPr lang="es-ES" smtClean="0"/>
               <a:pPr/>
-              <a:t>03/06/2013</a:t>
+              <a:t>05/06/2013</a:t>
             </a:fld>
             <a:endParaRPr lang="es-ES"/>
           </a:p>
@@ -10991,7 +11811,7 @@
             <a:fld id="{807CB568-C05F-482F-9F26-AA302B8892DF}" type="datetimeFigureOut">
               <a:rPr lang="es-ES" smtClean="0"/>
               <a:pPr/>
-              <a:t>03/06/2013</a:t>
+              <a:t>05/06/2013</a:t>
             </a:fld>
             <a:endParaRPr lang="es-ES"/>
           </a:p>
@@ -11170,7 +11990,7 @@
             <a:fld id="{807CB568-C05F-482F-9F26-AA302B8892DF}" type="datetimeFigureOut">
               <a:rPr lang="es-ES" smtClean="0"/>
               <a:pPr/>
-              <a:t>03/06/2013</a:t>
+              <a:t>05/06/2013</a:t>
             </a:fld>
             <a:endParaRPr lang="es-ES"/>
           </a:p>
@@ -11425,7 +12245,7 @@
             <a:fld id="{807CB568-C05F-482F-9F26-AA302B8892DF}" type="datetimeFigureOut">
               <a:rPr lang="es-ES" smtClean="0"/>
               <a:pPr/>
-              <a:t>03/06/2013</a:t>
+              <a:t>05/06/2013</a:t>
             </a:fld>
             <a:endParaRPr lang="es-ES"/>
           </a:p>
@@ -11722,7 +12542,7 @@
             <a:fld id="{807CB568-C05F-482F-9F26-AA302B8892DF}" type="datetimeFigureOut">
               <a:rPr lang="es-ES" smtClean="0"/>
               <a:pPr/>
-              <a:t>03/06/2013</a:t>
+              <a:t>05/06/2013</a:t>
             </a:fld>
             <a:endParaRPr lang="es-ES"/>
           </a:p>
@@ -12153,7 +12973,7 @@
             <a:fld id="{807CB568-C05F-482F-9F26-AA302B8892DF}" type="datetimeFigureOut">
               <a:rPr lang="es-ES" smtClean="0"/>
               <a:pPr/>
-              <a:t>03/06/2013</a:t>
+              <a:t>05/06/2013</a:t>
             </a:fld>
             <a:endParaRPr lang="es-ES"/>
           </a:p>
@@ -12280,7 +13100,7 @@
             <a:fld id="{807CB568-C05F-482F-9F26-AA302B8892DF}" type="datetimeFigureOut">
               <a:rPr lang="es-ES" smtClean="0"/>
               <a:pPr/>
-              <a:t>03/06/2013</a:t>
+              <a:t>05/06/2013</a:t>
             </a:fld>
             <a:endParaRPr lang="es-ES"/>
           </a:p>
@@ -12384,7 +13204,7 @@
             <a:fld id="{807CB568-C05F-482F-9F26-AA302B8892DF}" type="datetimeFigureOut">
               <a:rPr lang="es-ES" smtClean="0"/>
               <a:pPr/>
-              <a:t>03/06/2013</a:t>
+              <a:t>05/06/2013</a:t>
             </a:fld>
             <a:endParaRPr lang="es-ES"/>
           </a:p>
@@ -12670,7 +13490,7 @@
             <a:fld id="{807CB568-C05F-482F-9F26-AA302B8892DF}" type="datetimeFigureOut">
               <a:rPr lang="es-ES" smtClean="0"/>
               <a:pPr/>
-              <a:t>03/06/2013</a:t>
+              <a:t>05/06/2013</a:t>
             </a:fld>
             <a:endParaRPr lang="es-ES"/>
           </a:p>
@@ -12939,7 +13759,7 @@
             <a:fld id="{807CB568-C05F-482F-9F26-AA302B8892DF}" type="datetimeFigureOut">
               <a:rPr lang="es-ES" smtClean="0"/>
               <a:pPr/>
-              <a:t>03/06/2013</a:t>
+              <a:t>05/06/2013</a:t>
             </a:fld>
             <a:endParaRPr lang="es-ES"/>
           </a:p>
@@ -13190,7 +14010,7 @@
             <a:fld id="{807CB568-C05F-482F-9F26-AA302B8892DF}" type="datetimeFigureOut">
               <a:rPr lang="es-ES" smtClean="0"/>
               <a:pPr/>
-              <a:t>03/06/2013</a:t>
+              <a:t>05/06/2013</a:t>
             </a:fld>
             <a:endParaRPr lang="es-ES"/>
           </a:p>
@@ -18414,11 +19234,11 @@
   <p:clrMapOvr>
     <a:masterClrMapping/>
   </p:clrMapOvr>
-  <mc:AlternateContent xmlns:mc="http://schemas.openxmlformats.org/markup-compatibility/2006">
-    <mc:Choice xmlns:p14="http://schemas.microsoft.com/office/powerpoint/2010/main" Requires="p14">
+  <mc:AlternateContent xmlns:mc="http://schemas.openxmlformats.org/markup-compatibility/2006" xmlns:p14="http://schemas.microsoft.com/office/powerpoint/2010/main">
+    <mc:Choice Requires="p14">
       <p:transition spd="slow" p14:dur="2000"/>
     </mc:Choice>
-    <mc:Fallback>
+    <mc:Fallback xmlns="">
       <p:transition spd="slow"/>
     </mc:Fallback>
   </mc:AlternateContent>
@@ -19867,11 +20687,11 @@
   <p:clrMapOvr>
     <a:masterClrMapping/>
   </p:clrMapOvr>
-  <mc:AlternateContent xmlns:mc="http://schemas.openxmlformats.org/markup-compatibility/2006">
-    <mc:Choice xmlns:p14="http://schemas.microsoft.com/office/powerpoint/2010/main" Requires="p14">
+  <mc:AlternateContent xmlns:mc="http://schemas.openxmlformats.org/markup-compatibility/2006" xmlns:p14="http://schemas.microsoft.com/office/powerpoint/2010/main">
+    <mc:Choice Requires="p14">
       <p:transition spd="slow" p14:dur="2000"/>
     </mc:Choice>
-    <mc:Fallback>
+    <mc:Fallback xmlns="">
       <p:transition spd="slow"/>
     </mc:Fallback>
   </mc:AlternateContent>
@@ -21336,11 +22156,11 @@
   <p:clrMapOvr>
     <a:masterClrMapping/>
   </p:clrMapOvr>
-  <mc:AlternateContent xmlns:mc="http://schemas.openxmlformats.org/markup-compatibility/2006">
-    <mc:Choice xmlns:p14="http://schemas.microsoft.com/office/powerpoint/2010/main" Requires="p14">
+  <mc:AlternateContent xmlns:mc="http://schemas.openxmlformats.org/markup-compatibility/2006" xmlns:p14="http://schemas.microsoft.com/office/powerpoint/2010/main">
+    <mc:Choice Requires="p14">
       <p:transition spd="slow" p14:dur="2000"/>
     </mc:Choice>
-    <mc:Fallback>
+    <mc:Fallback xmlns="">
       <p:transition spd="slow"/>
     </mc:Fallback>
   </mc:AlternateContent>
@@ -21397,15 +22217,7 @@
                   <a:srgbClr val="009A46"/>
                 </a:solidFill>
               </a:rPr>
-              <a:t>¿Por qué es importante</a:t>
-            </a:r>
-            <a:r>
-              <a:rPr lang="es-PE" dirty="0" smtClean="0">
-                <a:solidFill>
-                  <a:srgbClr val="009A46"/>
-                </a:solidFill>
-              </a:rPr>
-              <a:t>?</a:t>
+              <a:t>¿Por qué es importante?</a:t>
             </a:r>
             <a:br>
               <a:rPr lang="es-PE" dirty="0" smtClean="0">
@@ -24464,7 +25276,7 @@
                   <a:srgbClr val="00823B"/>
                 </a:solidFill>
               </a:rPr>
-              <a:t>Aplicando </a:t>
+              <a:t>Aprender a aplicar </a:t>
             </a:r>
             <a:r>
               <a:rPr lang="es-PE" dirty="0" err="1" smtClean="0">
@@ -24480,22 +25292,39 @@
                   <a:srgbClr val="00823B"/>
                 </a:solidFill>
               </a:rPr>
-              <a:t> </a:t>
-            </a:r>
-            <a:br>
+              <a:t> de </a:t>
+            </a:r>
+            <a:r>
+              <a:rPr lang="es-PE" dirty="0">
+                <a:solidFill>
+                  <a:srgbClr val="00823B"/>
+                </a:solidFill>
+              </a:rPr>
+              <a:t>F</a:t>
+            </a:r>
+            <a:r>
               <a:rPr lang="es-PE" dirty="0" smtClean="0">
                 <a:solidFill>
                   <a:srgbClr val="00823B"/>
                 </a:solidFill>
               </a:rPr>
-            </a:br>
+              <a:t>orma </a:t>
+            </a:r>
+            <a:r>
+              <a:rPr lang="es-PE" dirty="0">
+                <a:solidFill>
+                  <a:srgbClr val="00823B"/>
+                </a:solidFill>
+              </a:rPr>
+              <a:t>M</a:t>
+            </a:r>
             <a:r>
               <a:rPr lang="es-PE" dirty="0" smtClean="0">
                 <a:solidFill>
                   <a:srgbClr val="00823B"/>
                 </a:solidFill>
               </a:rPr>
-              <a:t>sobre Código </a:t>
+              <a:t>anual</a:t>
             </a:r>
             <a:endParaRPr lang="es-PE" dirty="0">
               <a:solidFill>
@@ -25060,7 +25889,7 @@
 </file>
 
 <file path=ppt/slides/slide53.xml><?xml version="1.0" encoding="utf-8"?>
-<p:sld xmlns:a="http://schemas.openxmlformats.org/drawingml/2006/main" xmlns:r="http://schemas.openxmlformats.org/officeDocument/2006/relationships" xmlns:p="http://schemas.openxmlformats.org/presentationml/2006/main">
+<p:sld xmlns:a="http://schemas.openxmlformats.org/drawingml/2006/main" xmlns:r="http://schemas.openxmlformats.org/officeDocument/2006/relationships" xmlns:p="http://schemas.openxmlformats.org/presentationml/2006/main" show="0">
   <p:cSld>
     <p:spTree>
       <p:nvGrpSpPr>
@@ -25078,14 +25907,73 @@
       </p:grpSpPr>
       <p:sp>
         <p:nvSpPr>
-          <p:cNvPr id="5" name="4 CuadroTexto"/>
+          <p:cNvPr id="3" name="2 Título"/>
+          <p:cNvSpPr>
+            <a:spLocks noGrp="1"/>
+          </p:cNvSpPr>
+          <p:nvPr>
+            <p:ph type="title"/>
+          </p:nvPr>
+        </p:nvSpPr>
+        <p:spPr>
+          <a:xfrm>
+            <a:off x="446856" y="260648"/>
+            <a:ext cx="8229600" cy="2088232"/>
+          </a:xfrm>
+        </p:spPr>
+        <p:txBody>
+          <a:bodyPr/>
+          <a:lstStyle/>
+          <a:p>
+            <a:r>
+              <a:rPr lang="es-PE" dirty="0" smtClean="0">
+                <a:solidFill>
+                  <a:srgbClr val="FFC000"/>
+                </a:solidFill>
+              </a:rPr>
+              <a:t>Ejercicio </a:t>
+            </a:r>
+            <a:r>
+              <a:rPr lang="es-PE" dirty="0" smtClean="0">
+                <a:solidFill>
+                  <a:srgbClr val="00823B"/>
+                </a:solidFill>
+              </a:rPr>
+              <a:t/>
+            </a:r>
+            <a:br>
+              <a:rPr lang="es-PE" dirty="0" smtClean="0">
+                <a:solidFill>
+                  <a:srgbClr val="00823B"/>
+                </a:solidFill>
+              </a:rPr>
+            </a:br>
+            <a:r>
+              <a:rPr lang="es-PE" dirty="0" smtClean="0">
+                <a:solidFill>
+                  <a:srgbClr val="00823B"/>
+                </a:solidFill>
+              </a:rPr>
+              <a:t>Aprendiendo a usar las Herramientas de Refactoring</a:t>
+            </a:r>
+            <a:endParaRPr lang="es-PE" dirty="0">
+              <a:solidFill>
+                <a:srgbClr val="00823B"/>
+              </a:solidFill>
+            </a:endParaRPr>
+          </a:p>
+        </p:txBody>
+      </p:sp>
+      <p:sp>
+        <p:nvSpPr>
+          <p:cNvPr id="4" name="3 CuadroTexto"/>
           <p:cNvSpPr txBox="1"/>
           <p:nvPr/>
         </p:nvSpPr>
         <p:spPr>
           <a:xfrm>
-            <a:off x="446856" y="2276872"/>
-            <a:ext cx="8445623" cy="3046988"/>
+            <a:off x="323529" y="2636912"/>
+            <a:ext cx="8496944" cy="3046988"/>
           </a:xfrm>
           <a:prstGeom prst="rect">
             <a:avLst/>
@@ -25098,289 +25986,98 @@
           </a:bodyPr>
           <a:lstStyle/>
           <a:p>
-            <a:r>
-              <a:rPr lang="es-PE" sz="2400" dirty="0" smtClean="0"/>
-              <a:t>Necesitamos revertir un Refactoring cuando:</a:t>
-            </a:r>
-          </a:p>
-          <a:p>
-            <a:pPr marL="342900" indent="-342900">
+            <a:pPr marL="285750" indent="-285750">
               <a:buFont typeface="Arial" pitchFamily="34" charset="0"/>
               <a:buChar char="•"/>
             </a:pPr>
             <a:r>
+              <a:rPr lang="es-PE" sz="2400" i="1" dirty="0" smtClean="0"/>
+              <a:t>Refactoring</a:t>
+            </a:r>
+            <a:r>
               <a:rPr lang="es-PE" sz="2400" dirty="0" smtClean="0"/>
-              <a:t>Hemos realizado un paso muy grande que ha producido errores</a:t>
-            </a:r>
-          </a:p>
-          <a:p>
-            <a:pPr marL="342900" indent="-342900">
-              <a:buFont typeface="Arial" pitchFamily="34" charset="0"/>
-              <a:buChar char="•"/>
-            </a:pPr>
-            <a:r>
-              <a:rPr lang="es-PE" sz="2400" dirty="0" smtClean="0"/>
-              <a:t>Un cambio  que era bueno hoy ya no parece tan bueno para mañana.</a:t>
-            </a:r>
-          </a:p>
-          <a:p>
-            <a:pPr marL="342900" indent="-342900">
+              <a:t> es realizar cambios en el código para mejorar la calidad interna.</a:t>
+            </a:r>
+          </a:p>
+          <a:p>
+            <a:pPr marL="285750" indent="-285750">
               <a:buFont typeface="Arial" pitchFamily="34" charset="0"/>
               <a:buChar char="•"/>
             </a:pPr>
             <a:endParaRPr lang="es-PE" sz="2400" dirty="0" smtClean="0"/>
           </a:p>
           <a:p>
+            <a:pPr marL="285750" indent="-285750">
+              <a:buFont typeface="Arial" pitchFamily="34" charset="0"/>
+              <a:buChar char="•"/>
+            </a:pPr>
+            <a:r>
+              <a:rPr lang="es-PE" sz="2400" i="1" dirty="0" err="1" smtClean="0"/>
+              <a:t>Refuctoring</a:t>
+            </a:r>
+            <a:r>
+              <a:rPr lang="es-PE" sz="2400" dirty="0" smtClean="0"/>
+              <a:t> es tomar un código bien diseñado, realizar una serie cambios, hasta hacerlo </a:t>
+            </a:r>
+            <a:r>
+              <a:rPr lang="es-PE" sz="2400" dirty="0" err="1" smtClean="0"/>
+              <a:t>inmantenible</a:t>
+            </a:r>
+            <a:r>
+              <a:rPr lang="es-PE" sz="2400" dirty="0" smtClean="0"/>
+              <a:t>.</a:t>
+            </a:r>
+          </a:p>
+          <a:p>
+            <a:pPr marL="285750" indent="-285750">
+              <a:buFont typeface="Arial" pitchFamily="34" charset="0"/>
+              <a:buChar char="•"/>
+            </a:pPr>
+            <a:endParaRPr lang="es-PE" sz="2400" dirty="0" smtClean="0"/>
+          </a:p>
+          <a:p>
             <a:pPr algn="ctr"/>
             <a:r>
               <a:rPr lang="es-PE" sz="2400" dirty="0" smtClean="0"/>
-              <a:t>En parejas, para cada uno de los </a:t>
+              <a:t>Vamos a identificar y practicar las herramientas automatizadas, </a:t>
             </a:r>
             <a:r>
               <a:rPr lang="es-PE" sz="2400" dirty="0" err="1" smtClean="0"/>
-              <a:t>Refactorings</a:t>
+              <a:t>refuctorizando</a:t>
             </a:r>
             <a:r>
               <a:rPr lang="es-PE" sz="2400" dirty="0" smtClean="0"/>
-              <a:t> que se entregarán a continuación, </a:t>
-            </a:r>
-            <a:r>
-              <a:rPr lang="es-PE" sz="2400" dirty="0" err="1" smtClean="0"/>
-              <a:t>identifca</a:t>
-            </a:r>
-            <a:r>
-              <a:rPr lang="es-PE" sz="2400" dirty="0" smtClean="0"/>
-              <a:t> cuál es el nombre del </a:t>
-            </a:r>
-            <a:r>
-              <a:rPr lang="es-PE" sz="2400" dirty="0" err="1" smtClean="0"/>
-              <a:t>refactoring</a:t>
-            </a:r>
-            <a:r>
-              <a:rPr lang="es-PE" sz="2400" dirty="0" smtClean="0"/>
-              <a:t> que revierte su cambio.</a:t>
-            </a:r>
-          </a:p>
-        </p:txBody>
-      </p:sp>
-      <p:sp>
-        <p:nvSpPr>
-          <p:cNvPr id="6" name="2 Título"/>
-          <p:cNvSpPr txBox="1">
-            <a:spLocks/>
-          </p:cNvSpPr>
-          <p:nvPr/>
-        </p:nvSpPr>
-        <p:spPr bwMode="auto">
-          <a:xfrm>
-            <a:off x="446856" y="395372"/>
-            <a:ext cx="8229600" cy="1377444"/>
-          </a:xfrm>
-          <a:prstGeom prst="rect">
-            <a:avLst/>
-          </a:prstGeom>
-          <a:noFill/>
-          <a:ln w="9525">
-            <a:noFill/>
-            <a:miter lim="800000"/>
-            <a:headEnd/>
-            <a:tailEnd/>
-          </a:ln>
-        </p:spPr>
-        <p:txBody>
-          <a:bodyPr vert="horz" wrap="square" lIns="91440" tIns="45720" rIns="91440" bIns="45720" numCol="1" anchor="ctr" anchorCtr="0" compatLnSpc="1">
-            <a:prstTxWarp prst="textNoShape">
-              <a:avLst/>
-            </a:prstTxWarp>
-          </a:bodyPr>
-          <a:lstStyle>
-            <a:lvl1pPr algn="ctr" rtl="0" eaLnBrk="1" fontAlgn="base" hangingPunct="1">
-              <a:spcBef>
-                <a:spcPct val="0"/>
-              </a:spcBef>
-              <a:spcAft>
-                <a:spcPct val="0"/>
-              </a:spcAft>
-              <a:defRPr sz="4400" kern="1200">
-                <a:solidFill>
-                  <a:schemeClr val="tx1"/>
-                </a:solidFill>
-                <a:latin typeface="+mj-lt"/>
-                <a:ea typeface="+mj-ea"/>
-                <a:cs typeface="+mj-cs"/>
-              </a:defRPr>
-            </a:lvl1pPr>
-            <a:lvl2pPr algn="ctr" rtl="0" eaLnBrk="1" fontAlgn="base" hangingPunct="1">
-              <a:spcBef>
-                <a:spcPct val="0"/>
-              </a:spcBef>
-              <a:spcAft>
-                <a:spcPct val="0"/>
-              </a:spcAft>
-              <a:defRPr sz="4400">
-                <a:solidFill>
-                  <a:schemeClr val="tx1"/>
-                </a:solidFill>
-                <a:latin typeface="Calibri" pitchFamily="34" charset="0"/>
-              </a:defRPr>
-            </a:lvl2pPr>
-            <a:lvl3pPr algn="ctr" rtl="0" eaLnBrk="1" fontAlgn="base" hangingPunct="1">
-              <a:spcBef>
-                <a:spcPct val="0"/>
-              </a:spcBef>
-              <a:spcAft>
-                <a:spcPct val="0"/>
-              </a:spcAft>
-              <a:defRPr sz="4400">
-                <a:solidFill>
-                  <a:schemeClr val="tx1"/>
-                </a:solidFill>
-                <a:latin typeface="Calibri" pitchFamily="34" charset="0"/>
-              </a:defRPr>
-            </a:lvl3pPr>
-            <a:lvl4pPr algn="ctr" rtl="0" eaLnBrk="1" fontAlgn="base" hangingPunct="1">
-              <a:spcBef>
-                <a:spcPct val="0"/>
-              </a:spcBef>
-              <a:spcAft>
-                <a:spcPct val="0"/>
-              </a:spcAft>
-              <a:defRPr sz="4400">
-                <a:solidFill>
-                  <a:schemeClr val="tx1"/>
-                </a:solidFill>
-                <a:latin typeface="Calibri" pitchFamily="34" charset="0"/>
-              </a:defRPr>
-            </a:lvl4pPr>
-            <a:lvl5pPr algn="ctr" rtl="0" eaLnBrk="1" fontAlgn="base" hangingPunct="1">
-              <a:spcBef>
-                <a:spcPct val="0"/>
-              </a:spcBef>
-              <a:spcAft>
-                <a:spcPct val="0"/>
-              </a:spcAft>
-              <a:defRPr sz="4400">
-                <a:solidFill>
-                  <a:schemeClr val="tx1"/>
-                </a:solidFill>
-                <a:latin typeface="Calibri" pitchFamily="34" charset="0"/>
-              </a:defRPr>
-            </a:lvl5pPr>
-            <a:lvl6pPr marL="457200" algn="ctr" rtl="0" eaLnBrk="1" fontAlgn="base" hangingPunct="1">
-              <a:spcBef>
-                <a:spcPct val="0"/>
-              </a:spcBef>
-              <a:spcAft>
-                <a:spcPct val="0"/>
-              </a:spcAft>
-              <a:defRPr sz="4400">
-                <a:solidFill>
-                  <a:schemeClr val="tx1"/>
-                </a:solidFill>
-                <a:latin typeface="Calibri" pitchFamily="34" charset="0"/>
-              </a:defRPr>
-            </a:lvl6pPr>
-            <a:lvl7pPr marL="914400" algn="ctr" rtl="0" eaLnBrk="1" fontAlgn="base" hangingPunct="1">
-              <a:spcBef>
-                <a:spcPct val="0"/>
-              </a:spcBef>
-              <a:spcAft>
-                <a:spcPct val="0"/>
-              </a:spcAft>
-              <a:defRPr sz="4400">
-                <a:solidFill>
-                  <a:schemeClr val="tx1"/>
-                </a:solidFill>
-                <a:latin typeface="Calibri" pitchFamily="34" charset="0"/>
-              </a:defRPr>
-            </a:lvl7pPr>
-            <a:lvl8pPr marL="1371600" algn="ctr" rtl="0" eaLnBrk="1" fontAlgn="base" hangingPunct="1">
-              <a:spcBef>
-                <a:spcPct val="0"/>
-              </a:spcBef>
-              <a:spcAft>
-                <a:spcPct val="0"/>
-              </a:spcAft>
-              <a:defRPr sz="4400">
-                <a:solidFill>
-                  <a:schemeClr val="tx1"/>
-                </a:solidFill>
-                <a:latin typeface="Calibri" pitchFamily="34" charset="0"/>
-              </a:defRPr>
-            </a:lvl8pPr>
-            <a:lvl9pPr marL="1828800" algn="ctr" rtl="0" eaLnBrk="1" fontAlgn="base" hangingPunct="1">
-              <a:spcBef>
-                <a:spcPct val="0"/>
-              </a:spcBef>
-              <a:spcAft>
-                <a:spcPct val="0"/>
-              </a:spcAft>
-              <a:defRPr sz="4400">
-                <a:solidFill>
-                  <a:schemeClr val="tx1"/>
-                </a:solidFill>
-                <a:latin typeface="Calibri" pitchFamily="34" charset="0"/>
-              </a:defRPr>
-            </a:lvl9pPr>
-          </a:lstStyle>
-          <a:p>
-            <a:r>
-              <a:rPr lang="es-PE" dirty="0" smtClean="0">
-                <a:solidFill>
-                  <a:srgbClr val="FFC000"/>
-                </a:solidFill>
-              </a:rPr>
-              <a:t>Ejercicio </a:t>
-            </a:r>
-            <a:r>
-              <a:rPr lang="es-PE" dirty="0" smtClean="0">
-                <a:solidFill>
-                  <a:srgbClr val="00823B"/>
-                </a:solidFill>
-              </a:rPr>
-              <a:t/>
-            </a:r>
-            <a:br>
-              <a:rPr lang="es-PE" dirty="0" smtClean="0">
-                <a:solidFill>
-                  <a:srgbClr val="00823B"/>
-                </a:solidFill>
-              </a:rPr>
-            </a:br>
-            <a:r>
-              <a:rPr lang="es-PE" dirty="0" smtClean="0">
-                <a:solidFill>
-                  <a:srgbClr val="00823B"/>
-                </a:solidFill>
-              </a:rPr>
-              <a:t>Entendiendo Más </a:t>
-            </a:r>
-            <a:r>
-              <a:rPr lang="es-PE" dirty="0" err="1" smtClean="0">
-                <a:solidFill>
-                  <a:srgbClr val="00823B"/>
-                </a:solidFill>
-              </a:rPr>
-              <a:t>Refactorings</a:t>
-            </a:r>
-            <a:endParaRPr lang="es-PE" dirty="0">
-              <a:solidFill>
-                <a:srgbClr val="00823B"/>
-              </a:solidFill>
-            </a:endParaRPr>
+              <a:t> un simple: </a:t>
+            </a:r>
+            <a:r>
+              <a:rPr lang="es-PE" sz="2400" i="1" dirty="0" err="1" smtClean="0"/>
+              <a:t>return</a:t>
+            </a:r>
+            <a:r>
+              <a:rPr lang="es-PE" sz="2400" i="1" dirty="0" smtClean="0"/>
+              <a:t> "Hola Mundo".</a:t>
+            </a:r>
           </a:p>
         </p:txBody>
       </p:sp>
     </p:spTree>
     <p:extLst>
       <p:ext uri="{BB962C8B-B14F-4D97-AF65-F5344CB8AC3E}">
-        <p14:creationId xmlns:p14="http://schemas.microsoft.com/office/powerpoint/2010/main" val="3222784279"/>
+        <p14:creationId xmlns:p14="http://schemas.microsoft.com/office/powerpoint/2010/main" val="4228502309"/>
       </p:ext>
     </p:extLst>
   </p:cSld>
   <p:clrMapOvr>
     <a:masterClrMapping/>
   </p:clrMapOvr>
+  <mc:AlternateContent xmlns:mc="http://schemas.openxmlformats.org/markup-compatibility/2006" xmlns:p14="http://schemas.microsoft.com/office/powerpoint/2010/main">
+    <mc:Choice Requires="p14">
+      <p:transition spd="slow" p14:dur="2000"/>
+    </mc:Choice>
+    <mc:Fallback xmlns="">
+      <p:transition spd="slow"/>
+    </mc:Fallback>
+  </mc:AlternateContent>
   <p:timing>
     <p:tnLst>
       <p:par>
@@ -25457,7 +26154,7 @@
                   <a:srgbClr val="00823B"/>
                 </a:solidFill>
               </a:rPr>
-              <a:t>Aprendiendo a usar las Herramientas de Refactoring</a:t>
+              <a:t>Aprendiendo a aplicar Refactoring de manera Efectiva y Eficiente.</a:t>
             </a:r>
             <a:endParaRPr lang="es-PE" dirty="0">
               <a:solidFill>
@@ -25476,7 +26173,7 @@
         <p:spPr>
           <a:xfrm>
             <a:off x="323529" y="2636912"/>
-            <a:ext cx="8496944" cy="3046988"/>
+            <a:ext cx="8496944" cy="2677656"/>
           </a:xfrm>
           <a:prstGeom prst="rect">
             <a:avLst/>
@@ -25489,76 +26186,71 @@
           </a:bodyPr>
           <a:lstStyle/>
           <a:p>
-            <a:pPr marL="285750" indent="-285750">
+            <a:pPr algn="ctr"/>
+            <a:r>
+              <a:rPr lang="es-PE" sz="2400" dirty="0" smtClean="0"/>
+              <a:t>De manera guiada vamos a </a:t>
+            </a:r>
+            <a:r>
+              <a:rPr lang="es-PE" sz="2400" dirty="0" err="1" smtClean="0"/>
+              <a:t>refactorizar</a:t>
+            </a:r>
+            <a:r>
+              <a:rPr lang="es-PE" sz="2400" dirty="0" smtClean="0"/>
+              <a:t> el famoso ejemplo de "</a:t>
+            </a:r>
+            <a:r>
+              <a:rPr lang="es-PE" sz="2400" dirty="0" err="1" smtClean="0"/>
+              <a:t>Movie</a:t>
+            </a:r>
+            <a:r>
+              <a:rPr lang="es-PE" sz="2400" dirty="0" smtClean="0"/>
+              <a:t> </a:t>
+            </a:r>
+            <a:r>
+              <a:rPr lang="es-PE" sz="2400" dirty="0" err="1" smtClean="0"/>
+              <a:t>Rental</a:t>
+            </a:r>
+            <a:r>
+              <a:rPr lang="es-PE" sz="2400" dirty="0" smtClean="0"/>
+              <a:t>".</a:t>
+            </a:r>
+          </a:p>
+          <a:p>
+            <a:endParaRPr lang="es-PE" sz="2400" dirty="0"/>
+          </a:p>
+          <a:p>
+            <a:r>
+              <a:rPr lang="es-PE" sz="2400" dirty="0" smtClean="0"/>
+              <a:t>Objetivos:</a:t>
+            </a:r>
+          </a:p>
+          <a:p>
+            <a:pPr marL="342900" indent="-342900">
               <a:buFont typeface="Arial" pitchFamily="34" charset="0"/>
               <a:buChar char="•"/>
             </a:pPr>
             <a:r>
-              <a:rPr lang="es-PE" sz="2400" i="1" dirty="0" smtClean="0"/>
-              <a:t>Refactoring</a:t>
-            </a:r>
-            <a:r>
               <a:rPr lang="es-PE" sz="2400" dirty="0" smtClean="0"/>
-              <a:t> es realizar cambios en el código para mejorar la calidad interna.</a:t>
-            </a:r>
-          </a:p>
-          <a:p>
-            <a:pPr marL="285750" indent="-285750">
+              <a:t>Comprender y aplicar la mecánica que se debe de seguir para </a:t>
+            </a:r>
+            <a:r>
+              <a:rPr lang="es-PE" sz="2400" dirty="0" err="1" smtClean="0"/>
+              <a:t>refactorizar</a:t>
+            </a:r>
+            <a:r>
+              <a:rPr lang="es-PE" sz="2400" dirty="0" smtClean="0"/>
+              <a:t> de manera efectiva y eficiente</a:t>
+            </a:r>
+          </a:p>
+          <a:p>
+            <a:pPr marL="342900" indent="-342900">
               <a:buFont typeface="Arial" pitchFamily="34" charset="0"/>
               <a:buChar char="•"/>
             </a:pPr>
-            <a:endParaRPr lang="es-PE" sz="2400" dirty="0" smtClean="0"/>
-          </a:p>
-          <a:p>
-            <a:pPr marL="285750" indent="-285750">
-              <a:buFont typeface="Arial" pitchFamily="34" charset="0"/>
-              <a:buChar char="•"/>
-            </a:pPr>
-            <a:r>
-              <a:rPr lang="es-PE" sz="2400" i="1" dirty="0" err="1" smtClean="0"/>
-              <a:t>Refuctoring</a:t>
-            </a:r>
             <a:r>
               <a:rPr lang="es-PE" sz="2400" dirty="0" smtClean="0"/>
-              <a:t> es tomar un código bien diseñado, realizar una serie cambios, hasta hacerlo </a:t>
-            </a:r>
-            <a:r>
-              <a:rPr lang="es-PE" sz="2400" dirty="0" err="1" smtClean="0"/>
-              <a:t>inmantenible</a:t>
-            </a:r>
-            <a:r>
-              <a:rPr lang="es-PE" sz="2400" dirty="0" smtClean="0"/>
-              <a:t>.</a:t>
-            </a:r>
-          </a:p>
-          <a:p>
-            <a:pPr marL="285750" indent="-285750">
-              <a:buFont typeface="Arial" pitchFamily="34" charset="0"/>
-              <a:buChar char="•"/>
-            </a:pPr>
-            <a:endParaRPr lang="es-PE" sz="2400" dirty="0" smtClean="0"/>
-          </a:p>
-          <a:p>
-            <a:pPr algn="ctr"/>
-            <a:r>
-              <a:rPr lang="es-PE" sz="2400" dirty="0" smtClean="0"/>
-              <a:t>Vamos a identificar y practicar las herramientas automatizadas, </a:t>
-            </a:r>
-            <a:r>
-              <a:rPr lang="es-PE" sz="2400" dirty="0" err="1" smtClean="0"/>
-              <a:t>refuctorizando</a:t>
-            </a:r>
-            <a:r>
-              <a:rPr lang="es-PE" sz="2400" dirty="0" smtClean="0"/>
-              <a:t> un simple: </a:t>
-            </a:r>
-            <a:r>
-              <a:rPr lang="es-PE" sz="2400" i="1" dirty="0" err="1" smtClean="0"/>
-              <a:t>return</a:t>
-            </a:r>
-            <a:r>
-              <a:rPr lang="es-PE" sz="2400" i="1" dirty="0" smtClean="0"/>
-              <a:t> "Hola Mundo".</a:t>
+              <a:t>Comprender y utilizar Herramientas Automatizadas.</a:t>
             </a:r>
           </a:p>
         </p:txBody>
@@ -25566,7 +26258,7 @@
     </p:spTree>
     <p:extLst>
       <p:ext uri="{BB962C8B-B14F-4D97-AF65-F5344CB8AC3E}">
-        <p14:creationId xmlns:p14="http://schemas.microsoft.com/office/powerpoint/2010/main" val="2451066504"/>
+        <p14:creationId xmlns:p14="http://schemas.microsoft.com/office/powerpoint/2010/main" val="3413126935"/>
       </p:ext>
     </p:extLst>
   </p:cSld>
@@ -25602,23 +26294,251 @@
       </p:grpSpPr>
       <p:sp>
         <p:nvSpPr>
-          <p:cNvPr id="3" name="2 Título"/>
-          <p:cNvSpPr>
-            <a:spLocks noGrp="1"/>
-          </p:cNvSpPr>
-          <p:nvPr>
-            <p:ph type="title"/>
-          </p:nvPr>
+          <p:cNvPr id="5" name="4 CuadroTexto"/>
+          <p:cNvSpPr txBox="1"/>
+          <p:nvPr/>
         </p:nvSpPr>
         <p:spPr>
           <a:xfrm>
-            <a:off x="467544" y="2348880"/>
-            <a:ext cx="8229600" cy="1296144"/>
+            <a:off x="446856" y="2276872"/>
+            <a:ext cx="8445623" cy="3046988"/>
           </a:xfrm>
+          <a:prstGeom prst="rect">
+            <a:avLst/>
+          </a:prstGeom>
+          <a:noFill/>
         </p:spPr>
         <p:txBody>
-          <a:bodyPr/>
+          <a:bodyPr wrap="square" rtlCol="0">
+            <a:spAutoFit/>
+          </a:bodyPr>
           <a:lstStyle/>
+          <a:p>
+            <a:r>
+              <a:rPr lang="es-PE" sz="2400" dirty="0" smtClean="0"/>
+              <a:t>Necesitamos revertir un Refactoring cuando:</a:t>
+            </a:r>
+          </a:p>
+          <a:p>
+            <a:pPr marL="342900" indent="-342900">
+              <a:buFont typeface="Arial" pitchFamily="34" charset="0"/>
+              <a:buChar char="•"/>
+            </a:pPr>
+            <a:r>
+              <a:rPr lang="es-PE" sz="2400" dirty="0" smtClean="0"/>
+              <a:t>Hemos realizado un paso muy grande que ha producido errores</a:t>
+            </a:r>
+          </a:p>
+          <a:p>
+            <a:pPr marL="342900" indent="-342900">
+              <a:buFont typeface="Arial" pitchFamily="34" charset="0"/>
+              <a:buChar char="•"/>
+            </a:pPr>
+            <a:r>
+              <a:rPr lang="es-PE" sz="2400" dirty="0" smtClean="0"/>
+              <a:t>Un cambio  que era bueno hoy ya no parece tan bueno para mañana.</a:t>
+            </a:r>
+          </a:p>
+          <a:p>
+            <a:pPr marL="342900" indent="-342900">
+              <a:buFont typeface="Arial" pitchFamily="34" charset="0"/>
+              <a:buChar char="•"/>
+            </a:pPr>
+            <a:endParaRPr lang="es-PE" sz="2400" dirty="0" smtClean="0"/>
+          </a:p>
+          <a:p>
+            <a:pPr algn="ctr"/>
+            <a:r>
+              <a:rPr lang="es-PE" sz="2400" dirty="0" smtClean="0"/>
+              <a:t>En parejas, para cada uno de los </a:t>
+            </a:r>
+            <a:r>
+              <a:rPr lang="es-PE" sz="2400" dirty="0" err="1" smtClean="0"/>
+              <a:t>Refactorings</a:t>
+            </a:r>
+            <a:r>
+              <a:rPr lang="es-PE" sz="2400" dirty="0" smtClean="0"/>
+              <a:t> que se entregarán a continuación, </a:t>
+            </a:r>
+            <a:r>
+              <a:rPr lang="es-PE" sz="2400" dirty="0" err="1" smtClean="0"/>
+              <a:t>identifca</a:t>
+            </a:r>
+            <a:r>
+              <a:rPr lang="es-PE" sz="2400" dirty="0" smtClean="0"/>
+              <a:t> cuál es el nombre del </a:t>
+            </a:r>
+            <a:r>
+              <a:rPr lang="es-PE" sz="2400" dirty="0" err="1" smtClean="0"/>
+              <a:t>refactoring</a:t>
+            </a:r>
+            <a:r>
+              <a:rPr lang="es-PE" sz="2400" dirty="0" smtClean="0"/>
+              <a:t> que revierte su cambio.</a:t>
+            </a:r>
+          </a:p>
+        </p:txBody>
+      </p:sp>
+      <p:sp>
+        <p:nvSpPr>
+          <p:cNvPr id="6" name="2 Título"/>
+          <p:cNvSpPr txBox="1">
+            <a:spLocks/>
+          </p:cNvSpPr>
+          <p:nvPr/>
+        </p:nvSpPr>
+        <p:spPr bwMode="auto">
+          <a:xfrm>
+            <a:off x="446856" y="395372"/>
+            <a:ext cx="8229600" cy="1377444"/>
+          </a:xfrm>
+          <a:prstGeom prst="rect">
+            <a:avLst/>
+          </a:prstGeom>
+          <a:noFill/>
+          <a:ln w="9525">
+            <a:noFill/>
+            <a:miter lim="800000"/>
+            <a:headEnd/>
+            <a:tailEnd/>
+          </a:ln>
+        </p:spPr>
+        <p:txBody>
+          <a:bodyPr vert="horz" wrap="square" lIns="91440" tIns="45720" rIns="91440" bIns="45720" numCol="1" anchor="ctr" anchorCtr="0" compatLnSpc="1">
+            <a:prstTxWarp prst="textNoShape">
+              <a:avLst/>
+            </a:prstTxWarp>
+          </a:bodyPr>
+          <a:lstStyle>
+            <a:lvl1pPr algn="ctr" rtl="0" eaLnBrk="1" fontAlgn="base" hangingPunct="1">
+              <a:spcBef>
+                <a:spcPct val="0"/>
+              </a:spcBef>
+              <a:spcAft>
+                <a:spcPct val="0"/>
+              </a:spcAft>
+              <a:defRPr sz="4400" kern="1200">
+                <a:solidFill>
+                  <a:schemeClr val="tx1"/>
+                </a:solidFill>
+                <a:latin typeface="+mj-lt"/>
+                <a:ea typeface="+mj-ea"/>
+                <a:cs typeface="+mj-cs"/>
+              </a:defRPr>
+            </a:lvl1pPr>
+            <a:lvl2pPr algn="ctr" rtl="0" eaLnBrk="1" fontAlgn="base" hangingPunct="1">
+              <a:spcBef>
+                <a:spcPct val="0"/>
+              </a:spcBef>
+              <a:spcAft>
+                <a:spcPct val="0"/>
+              </a:spcAft>
+              <a:defRPr sz="4400">
+                <a:solidFill>
+                  <a:schemeClr val="tx1"/>
+                </a:solidFill>
+                <a:latin typeface="Calibri" pitchFamily="34" charset="0"/>
+              </a:defRPr>
+            </a:lvl2pPr>
+            <a:lvl3pPr algn="ctr" rtl="0" eaLnBrk="1" fontAlgn="base" hangingPunct="1">
+              <a:spcBef>
+                <a:spcPct val="0"/>
+              </a:spcBef>
+              <a:spcAft>
+                <a:spcPct val="0"/>
+              </a:spcAft>
+              <a:defRPr sz="4400">
+                <a:solidFill>
+                  <a:schemeClr val="tx1"/>
+                </a:solidFill>
+                <a:latin typeface="Calibri" pitchFamily="34" charset="0"/>
+              </a:defRPr>
+            </a:lvl3pPr>
+            <a:lvl4pPr algn="ctr" rtl="0" eaLnBrk="1" fontAlgn="base" hangingPunct="1">
+              <a:spcBef>
+                <a:spcPct val="0"/>
+              </a:spcBef>
+              <a:spcAft>
+                <a:spcPct val="0"/>
+              </a:spcAft>
+              <a:defRPr sz="4400">
+                <a:solidFill>
+                  <a:schemeClr val="tx1"/>
+                </a:solidFill>
+                <a:latin typeface="Calibri" pitchFamily="34" charset="0"/>
+              </a:defRPr>
+            </a:lvl4pPr>
+            <a:lvl5pPr algn="ctr" rtl="0" eaLnBrk="1" fontAlgn="base" hangingPunct="1">
+              <a:spcBef>
+                <a:spcPct val="0"/>
+              </a:spcBef>
+              <a:spcAft>
+                <a:spcPct val="0"/>
+              </a:spcAft>
+              <a:defRPr sz="4400">
+                <a:solidFill>
+                  <a:schemeClr val="tx1"/>
+                </a:solidFill>
+                <a:latin typeface="Calibri" pitchFamily="34" charset="0"/>
+              </a:defRPr>
+            </a:lvl5pPr>
+            <a:lvl6pPr marL="457200" algn="ctr" rtl="0" eaLnBrk="1" fontAlgn="base" hangingPunct="1">
+              <a:spcBef>
+                <a:spcPct val="0"/>
+              </a:spcBef>
+              <a:spcAft>
+                <a:spcPct val="0"/>
+              </a:spcAft>
+              <a:defRPr sz="4400">
+                <a:solidFill>
+                  <a:schemeClr val="tx1"/>
+                </a:solidFill>
+                <a:latin typeface="Calibri" pitchFamily="34" charset="0"/>
+              </a:defRPr>
+            </a:lvl6pPr>
+            <a:lvl7pPr marL="914400" algn="ctr" rtl="0" eaLnBrk="1" fontAlgn="base" hangingPunct="1">
+              <a:spcBef>
+                <a:spcPct val="0"/>
+              </a:spcBef>
+              <a:spcAft>
+                <a:spcPct val="0"/>
+              </a:spcAft>
+              <a:defRPr sz="4400">
+                <a:solidFill>
+                  <a:schemeClr val="tx1"/>
+                </a:solidFill>
+                <a:latin typeface="Calibri" pitchFamily="34" charset="0"/>
+              </a:defRPr>
+            </a:lvl7pPr>
+            <a:lvl8pPr marL="1371600" algn="ctr" rtl="0" eaLnBrk="1" fontAlgn="base" hangingPunct="1">
+              <a:spcBef>
+                <a:spcPct val="0"/>
+              </a:spcBef>
+              <a:spcAft>
+                <a:spcPct val="0"/>
+              </a:spcAft>
+              <a:defRPr sz="4400">
+                <a:solidFill>
+                  <a:schemeClr val="tx1"/>
+                </a:solidFill>
+                <a:latin typeface="Calibri" pitchFamily="34" charset="0"/>
+              </a:defRPr>
+            </a:lvl8pPr>
+            <a:lvl9pPr marL="1828800" algn="ctr" rtl="0" eaLnBrk="1" fontAlgn="base" hangingPunct="1">
+              <a:spcBef>
+                <a:spcPct val="0"/>
+              </a:spcBef>
+              <a:spcAft>
+                <a:spcPct val="0"/>
+              </a:spcAft>
+              <a:defRPr sz="4400">
+                <a:solidFill>
+                  <a:schemeClr val="tx1"/>
+                </a:solidFill>
+                <a:latin typeface="Calibri" pitchFamily="34" charset="0"/>
+              </a:defRPr>
+            </a:lvl9pPr>
+          </a:lstStyle>
           <a:p>
             <a:r>
               <a:rPr lang="es-PE" dirty="0" smtClean="0">
@@ -25649,7 +26569,7 @@
                   <a:srgbClr val="00823B"/>
                 </a:solidFill>
               </a:rPr>
-              <a:t>Refactorizar</a:t>
+              <a:t>Refactorings</a:t>
             </a:r>
             <a:r>
               <a:rPr lang="es-PE" dirty="0" smtClean="0">
@@ -25657,31 +26577,7 @@
                   <a:srgbClr val="00823B"/>
                 </a:solidFill>
               </a:rPr>
-              <a:t> </a:t>
-            </a:r>
-            <a:r>
-              <a:rPr lang="es-PE" dirty="0" err="1" smtClean="0">
-                <a:solidFill>
-                  <a:srgbClr val="00823B"/>
-                </a:solidFill>
-              </a:rPr>
-              <a:t>Code</a:t>
-            </a:r>
-            <a:r>
-              <a:rPr lang="es-PE" dirty="0" smtClean="0">
-                <a:solidFill>
-                  <a:srgbClr val="00823B"/>
-                </a:solidFill>
-              </a:rPr>
-              <a:t> </a:t>
-            </a:r>
-            <a:r>
-              <a:rPr lang="es-PE" dirty="0" err="1" smtClean="0">
-                <a:solidFill>
-                  <a:srgbClr val="00823B"/>
-                </a:solidFill>
-              </a:rPr>
-              <a:t>Smells</a:t>
+              <a:t> Inversos</a:t>
             </a:r>
             <a:endParaRPr lang="es-PE" dirty="0">
               <a:solidFill>
@@ -25694,7 +26590,7 @@
     </p:spTree>
     <p:extLst>
       <p:ext uri="{BB962C8B-B14F-4D97-AF65-F5344CB8AC3E}">
-        <p14:creationId xmlns:p14="http://schemas.microsoft.com/office/powerpoint/2010/main" val="1734597820"/>
+        <p14:creationId xmlns:p14="http://schemas.microsoft.com/office/powerpoint/2010/main" val="3222784279"/>
       </p:ext>
     </p:extLst>
   </p:cSld>
@@ -25730,7 +26626,148 @@
       </p:grpSpPr>
       <p:sp>
         <p:nvSpPr>
-          <p:cNvPr id="8" name="1 Título"/>
+          <p:cNvPr id="3" name="2 Título"/>
+          <p:cNvSpPr>
+            <a:spLocks noGrp="1"/>
+          </p:cNvSpPr>
+          <p:nvPr>
+            <p:ph type="title"/>
+          </p:nvPr>
+        </p:nvSpPr>
+        <p:spPr>
+          <a:xfrm>
+            <a:off x="446856" y="1124744"/>
+            <a:ext cx="8229600" cy="2088232"/>
+          </a:xfrm>
+        </p:spPr>
+        <p:txBody>
+          <a:bodyPr/>
+          <a:lstStyle/>
+          <a:p>
+            <a:r>
+              <a:rPr lang="es-PE" dirty="0" smtClean="0">
+                <a:solidFill>
+                  <a:srgbClr val="FFC000"/>
+                </a:solidFill>
+              </a:rPr>
+              <a:t>Ejercicio </a:t>
+            </a:r>
+            <a:r>
+              <a:rPr lang="es-PE" dirty="0" smtClean="0">
+                <a:solidFill>
+                  <a:srgbClr val="00823B"/>
+                </a:solidFill>
+              </a:rPr>
+              <a:t/>
+            </a:r>
+            <a:br>
+              <a:rPr lang="es-PE" dirty="0" smtClean="0">
+                <a:solidFill>
+                  <a:srgbClr val="00823B"/>
+                </a:solidFill>
+              </a:rPr>
+            </a:br>
+            <a:r>
+              <a:rPr lang="es-PE" dirty="0" smtClean="0">
+                <a:solidFill>
+                  <a:srgbClr val="00823B"/>
+                </a:solidFill>
+              </a:rPr>
+              <a:t>Aprendiendo a aplicar Refactoring de manera Efectiva y Eficiente.</a:t>
+            </a:r>
+            <a:endParaRPr lang="es-PE" dirty="0">
+              <a:solidFill>
+                <a:srgbClr val="00823B"/>
+              </a:solidFill>
+            </a:endParaRPr>
+          </a:p>
+        </p:txBody>
+      </p:sp>
+      <p:sp>
+        <p:nvSpPr>
+          <p:cNvPr id="4" name="3 CuadroTexto"/>
+          <p:cNvSpPr txBox="1"/>
+          <p:nvPr/>
+        </p:nvSpPr>
+        <p:spPr>
+          <a:xfrm>
+            <a:off x="323529" y="3501008"/>
+            <a:ext cx="8496944" cy="830997"/>
+          </a:xfrm>
+          <a:prstGeom prst="rect">
+            <a:avLst/>
+          </a:prstGeom>
+          <a:noFill/>
+        </p:spPr>
+        <p:txBody>
+          <a:bodyPr wrap="square" rtlCol="0">
+            <a:spAutoFit/>
+          </a:bodyPr>
+          <a:lstStyle/>
+          <a:p>
+            <a:pPr algn="ctr"/>
+            <a:r>
+              <a:rPr lang="es-PE" sz="2400" dirty="0" smtClean="0"/>
+              <a:t>Vamos a poner a prueba nuestros conocimientos de </a:t>
+            </a:r>
+            <a:r>
+              <a:rPr lang="es-PE" sz="2400" dirty="0" err="1" smtClean="0"/>
+              <a:t>refactoring</a:t>
+            </a:r>
+            <a:r>
+              <a:rPr lang="es-PE" sz="2400" dirty="0" smtClean="0"/>
+              <a:t>. </a:t>
+            </a:r>
+            <a:br>
+              <a:rPr lang="es-PE" sz="2400" dirty="0" smtClean="0"/>
+            </a:br>
+            <a:r>
+              <a:rPr lang="es-PE" sz="2400" dirty="0" smtClean="0"/>
+              <a:t>"Refactoring Golf"</a:t>
+            </a:r>
+          </a:p>
+        </p:txBody>
+      </p:sp>
+    </p:spTree>
+    <p:extLst>
+      <p:ext uri="{BB962C8B-B14F-4D97-AF65-F5344CB8AC3E}">
+        <p14:creationId xmlns:p14="http://schemas.microsoft.com/office/powerpoint/2010/main" val="3028531799"/>
+      </p:ext>
+    </p:extLst>
+  </p:cSld>
+  <p:clrMapOvr>
+    <a:masterClrMapping/>
+  </p:clrMapOvr>
+  <p:timing>
+    <p:tnLst>
+      <p:par>
+        <p:cTn id="1" dur="indefinite" restart="never" nodeType="tmRoot"/>
+      </p:par>
+    </p:tnLst>
+  </p:timing>
+</p:sld>
+</file>
+
+<file path=ppt/slides/slide57.xml><?xml version="1.0" encoding="utf-8"?>
+<p:sld xmlns:a="http://schemas.openxmlformats.org/drawingml/2006/main" xmlns:r="http://schemas.openxmlformats.org/officeDocument/2006/relationships" xmlns:p="http://schemas.openxmlformats.org/presentationml/2006/main">
+  <p:cSld>
+    <p:spTree>
+      <p:nvGrpSpPr>
+        <p:cNvPr id="1" name=""/>
+        <p:cNvGrpSpPr/>
+        <p:nvPr/>
+      </p:nvGrpSpPr>
+      <p:grpSpPr>
+        <a:xfrm>
+          <a:off x="0" y="0"/>
+          <a:ext cx="0" cy="0"/>
+          <a:chOff x="0" y="0"/>
+          <a:chExt cx="0" cy="0"/>
+        </a:xfrm>
+      </p:grpSpPr>
+      <p:sp>
+        <p:nvSpPr>
+          <p:cNvPr id="6" name="5 Marcador de contenido"/>
           <p:cNvSpPr txBox="1">
             <a:spLocks/>
           </p:cNvSpPr>
@@ -25738,8 +26775,8 @@
         </p:nvSpPr>
         <p:spPr bwMode="auto">
           <a:xfrm>
-            <a:off x="467544" y="216350"/>
-            <a:ext cx="8229600" cy="720080"/>
+            <a:off x="899592" y="1412776"/>
+            <a:ext cx="7344816" cy="2232248"/>
           </a:xfrm>
           <a:prstGeom prst="rect">
             <a:avLst/>
@@ -25753,528 +26790,309 @@
           </a:ln>
         </p:spPr>
         <p:txBody>
-          <a:bodyPr vert="horz" wrap="square" lIns="91440" tIns="45720" rIns="91440" bIns="45720" numCol="1" anchor="ctr" anchorCtr="0" compatLnSpc="1">
+          <a:bodyPr vert="horz" wrap="square" lIns="91440" tIns="45720" rIns="91440" bIns="45720" numCol="1" anchor="t" anchorCtr="0" compatLnSpc="1">
             <a:prstTxWarp prst="textNoShape">
               <a:avLst/>
             </a:prstTxWarp>
-            <a:normAutofit fontScale="97500" lnSpcReduction="10000"/>
           </a:bodyPr>
           <a:lstStyle>
-            <a:lvl1pPr algn="ctr" rtl="0" eaLnBrk="1" fontAlgn="base" hangingPunct="1">
+            <a:lvl1pPr marL="342900" indent="-342900" algn="l" rtl="0" eaLnBrk="1" fontAlgn="base" hangingPunct="1">
               <a:spcBef>
-                <a:spcPct val="0"/>
+                <a:spcPct val="20000"/>
               </a:spcBef>
               <a:spcAft>
                 <a:spcPct val="0"/>
               </a:spcAft>
-              <a:defRPr sz="4400" kern="1200">
+              <a:buFont typeface="Arial" charset="0"/>
+              <a:buChar char="•"/>
+              <a:defRPr sz="3200" kern="1200">
                 <a:solidFill>
                   <a:schemeClr val="tx1"/>
                 </a:solidFill>
-                <a:latin typeface="+mj-lt"/>
-                <a:ea typeface="+mj-ea"/>
-                <a:cs typeface="+mj-cs"/>
+                <a:latin typeface="+mn-lt"/>
+                <a:ea typeface="+mn-ea"/>
+                <a:cs typeface="+mn-cs"/>
               </a:defRPr>
             </a:lvl1pPr>
-            <a:lvl2pPr algn="ctr" rtl="0" eaLnBrk="1" fontAlgn="base" hangingPunct="1">
+            <a:lvl2pPr marL="742950" indent="-285750" algn="l" rtl="0" eaLnBrk="1" fontAlgn="base" hangingPunct="1">
               <a:spcBef>
-                <a:spcPct val="0"/>
+                <a:spcPct val="20000"/>
               </a:spcBef>
               <a:spcAft>
                 <a:spcPct val="0"/>
               </a:spcAft>
-              <a:defRPr sz="4400">
+              <a:buFont typeface="Arial" charset="0"/>
+              <a:buChar char="–"/>
+              <a:defRPr sz="2800" kern="1200">
                 <a:solidFill>
                   <a:schemeClr val="tx1"/>
                 </a:solidFill>
-                <a:latin typeface="Calibri" pitchFamily="34" charset="0"/>
+                <a:latin typeface="+mn-lt"/>
+                <a:ea typeface="+mn-ea"/>
+                <a:cs typeface="+mn-cs"/>
               </a:defRPr>
             </a:lvl2pPr>
-            <a:lvl3pPr algn="ctr" rtl="0" eaLnBrk="1" fontAlgn="base" hangingPunct="1">
+            <a:lvl3pPr marL="1143000" indent="-228600" algn="l" rtl="0" eaLnBrk="1" fontAlgn="base" hangingPunct="1">
               <a:spcBef>
-                <a:spcPct val="0"/>
+                <a:spcPct val="20000"/>
               </a:spcBef>
               <a:spcAft>
                 <a:spcPct val="0"/>
               </a:spcAft>
-              <a:defRPr sz="4400">
+              <a:buFont typeface="Arial" charset="0"/>
+              <a:buChar char="•"/>
+              <a:defRPr sz="2400" kern="1200">
                 <a:solidFill>
                   <a:schemeClr val="tx1"/>
                 </a:solidFill>
-                <a:latin typeface="Calibri" pitchFamily="34" charset="0"/>
+                <a:latin typeface="+mn-lt"/>
+                <a:ea typeface="+mn-ea"/>
+                <a:cs typeface="+mn-cs"/>
               </a:defRPr>
             </a:lvl3pPr>
-            <a:lvl4pPr algn="ctr" rtl="0" eaLnBrk="1" fontAlgn="base" hangingPunct="1">
+            <a:lvl4pPr marL="1600200" indent="-228600" algn="l" rtl="0" eaLnBrk="1" fontAlgn="base" hangingPunct="1">
               <a:spcBef>
-                <a:spcPct val="0"/>
+                <a:spcPct val="20000"/>
               </a:spcBef>
               <a:spcAft>
                 <a:spcPct val="0"/>
               </a:spcAft>
-              <a:defRPr sz="4400">
+              <a:buFont typeface="Arial" charset="0"/>
+              <a:buChar char="–"/>
+              <a:defRPr sz="2000" kern="1200">
                 <a:solidFill>
                   <a:schemeClr val="tx1"/>
                 </a:solidFill>
-                <a:latin typeface="Calibri" pitchFamily="34" charset="0"/>
+                <a:latin typeface="+mn-lt"/>
+                <a:ea typeface="+mn-ea"/>
+                <a:cs typeface="+mn-cs"/>
               </a:defRPr>
             </a:lvl4pPr>
-            <a:lvl5pPr algn="ctr" rtl="0" eaLnBrk="1" fontAlgn="base" hangingPunct="1">
+            <a:lvl5pPr marL="2057400" indent="-228600" algn="l" rtl="0" eaLnBrk="1" fontAlgn="base" hangingPunct="1">
               <a:spcBef>
-                <a:spcPct val="0"/>
+                <a:spcPct val="20000"/>
               </a:spcBef>
               <a:spcAft>
                 <a:spcPct val="0"/>
               </a:spcAft>
-              <a:defRPr sz="4400">
+              <a:buFont typeface="Arial" charset="0"/>
+              <a:buChar char="»"/>
+              <a:defRPr sz="2000" kern="1200">
                 <a:solidFill>
                   <a:schemeClr val="tx1"/>
                 </a:solidFill>
-                <a:latin typeface="Calibri" pitchFamily="34" charset="0"/>
+                <a:latin typeface="+mn-lt"/>
+                <a:ea typeface="+mn-ea"/>
+                <a:cs typeface="+mn-cs"/>
               </a:defRPr>
             </a:lvl5pPr>
-            <a:lvl6pPr marL="457200" algn="ctr" rtl="0" eaLnBrk="1" fontAlgn="base" hangingPunct="1">
+            <a:lvl6pPr marL="2514600" indent="-228600" algn="l" defTabSz="914400" rtl="0" eaLnBrk="1" latinLnBrk="0" hangingPunct="1">
               <a:spcBef>
-                <a:spcPct val="0"/>
+                <a:spcPct val="20000"/>
               </a:spcBef>
-              <a:spcAft>
-                <a:spcPct val="0"/>
-              </a:spcAft>
-              <a:defRPr sz="4400">
+              <a:buFont typeface="Arial" pitchFamily="34" charset="0"/>
+              <a:buChar char="•"/>
+              <a:defRPr sz="2000" kern="1200">
                 <a:solidFill>
                   <a:schemeClr val="tx1"/>
                 </a:solidFill>
-                <a:latin typeface="Calibri" pitchFamily="34" charset="0"/>
+                <a:latin typeface="+mn-lt"/>
+                <a:ea typeface="+mn-ea"/>
+                <a:cs typeface="+mn-cs"/>
               </a:defRPr>
             </a:lvl6pPr>
-            <a:lvl7pPr marL="914400" algn="ctr" rtl="0" eaLnBrk="1" fontAlgn="base" hangingPunct="1">
+            <a:lvl7pPr marL="2971800" indent="-228600" algn="l" defTabSz="914400" rtl="0" eaLnBrk="1" latinLnBrk="0" hangingPunct="1">
               <a:spcBef>
-                <a:spcPct val="0"/>
+                <a:spcPct val="20000"/>
               </a:spcBef>
-              <a:spcAft>
-                <a:spcPct val="0"/>
-              </a:spcAft>
-              <a:defRPr sz="4400">
+              <a:buFont typeface="Arial" pitchFamily="34" charset="0"/>
+              <a:buChar char="•"/>
+              <a:defRPr sz="2000" kern="1200">
                 <a:solidFill>
                   <a:schemeClr val="tx1"/>
                 </a:solidFill>
-                <a:latin typeface="Calibri" pitchFamily="34" charset="0"/>
+                <a:latin typeface="+mn-lt"/>
+                <a:ea typeface="+mn-ea"/>
+                <a:cs typeface="+mn-cs"/>
               </a:defRPr>
             </a:lvl7pPr>
-            <a:lvl8pPr marL="1371600" algn="ctr" rtl="0" eaLnBrk="1" fontAlgn="base" hangingPunct="1">
+            <a:lvl8pPr marL="3429000" indent="-228600" algn="l" defTabSz="914400" rtl="0" eaLnBrk="1" latinLnBrk="0" hangingPunct="1">
               <a:spcBef>
-                <a:spcPct val="0"/>
+                <a:spcPct val="20000"/>
               </a:spcBef>
-              <a:spcAft>
-                <a:spcPct val="0"/>
-              </a:spcAft>
-              <a:defRPr sz="4400">
+              <a:buFont typeface="Arial" pitchFamily="34" charset="0"/>
+              <a:buChar char="•"/>
+              <a:defRPr sz="2000" kern="1200">
                 <a:solidFill>
                   <a:schemeClr val="tx1"/>
                 </a:solidFill>
-                <a:latin typeface="Calibri" pitchFamily="34" charset="0"/>
+                <a:latin typeface="+mn-lt"/>
+                <a:ea typeface="+mn-ea"/>
+                <a:cs typeface="+mn-cs"/>
               </a:defRPr>
             </a:lvl8pPr>
-            <a:lvl9pPr marL="1828800" algn="ctr" rtl="0" eaLnBrk="1" fontAlgn="base" hangingPunct="1">
+            <a:lvl9pPr marL="3886200" indent="-228600" algn="l" defTabSz="914400" rtl="0" eaLnBrk="1" latinLnBrk="0" hangingPunct="1">
               <a:spcBef>
-                <a:spcPct val="0"/>
+                <a:spcPct val="20000"/>
               </a:spcBef>
-              <a:spcAft>
-                <a:spcPct val="0"/>
-              </a:spcAft>
-              <a:defRPr sz="4400">
+              <a:buFont typeface="Arial" pitchFamily="34" charset="0"/>
+              <a:buChar char="•"/>
+              <a:defRPr sz="2000" kern="1200">
                 <a:solidFill>
                   <a:schemeClr val="tx1"/>
                 </a:solidFill>
-                <a:latin typeface="Calibri" pitchFamily="34" charset="0"/>
+                <a:latin typeface="+mn-lt"/>
+                <a:ea typeface="+mn-ea"/>
+                <a:cs typeface="+mn-cs"/>
               </a:defRPr>
             </a:lvl9pPr>
           </a:lstStyle>
           <a:p>
+            <a:pPr marL="0" indent="0" algn="ctr">
+              <a:buNone/>
+            </a:pPr>
+            <a:r>
+              <a:rPr lang="es-PE" sz="2800" dirty="0" smtClean="0"/>
+              <a:t>Patrones que nos ayudan a enfrentar cambios grandes o complejos en el diseño.</a:t>
+            </a:r>
+          </a:p>
+          <a:p>
+            <a:pPr marL="0" indent="0">
+              <a:buNone/>
+            </a:pPr>
+            <a:endParaRPr lang="es-PE" sz="2800" dirty="0" smtClean="0"/>
+          </a:p>
+          <a:p>
+            <a:r>
+              <a:rPr lang="es-PE" sz="2800" dirty="0" err="1"/>
+              <a:t>Unified</a:t>
+            </a:r>
+            <a:r>
+              <a:rPr lang="es-PE" sz="2800" dirty="0"/>
+              <a:t> </a:t>
+            </a:r>
+            <a:r>
+              <a:rPr lang="es-PE" sz="2800" dirty="0" err="1" smtClean="0"/>
+              <a:t>Methods</a:t>
+            </a:r>
+            <a:endParaRPr lang="es-PE" sz="2800" dirty="0" smtClean="0"/>
+          </a:p>
+          <a:p>
+            <a:r>
+              <a:rPr lang="es-PE" sz="2800" dirty="0" err="1" smtClean="0"/>
+              <a:t>Narrowed</a:t>
+            </a:r>
+            <a:r>
+              <a:rPr lang="es-PE" sz="2800" dirty="0" smtClean="0"/>
+              <a:t>  </a:t>
+            </a:r>
+            <a:r>
+              <a:rPr lang="es-PE" sz="2800" dirty="0" err="1" smtClean="0"/>
+              <a:t>Change</a:t>
+            </a:r>
+            <a:endParaRPr lang="es-PE" sz="2800" dirty="0" smtClean="0"/>
+          </a:p>
+          <a:p>
+            <a:r>
+              <a:rPr lang="es-PE" sz="2800" dirty="0" err="1" smtClean="0"/>
+              <a:t>Parallel</a:t>
+            </a:r>
+            <a:r>
+              <a:rPr lang="es-PE" sz="2800" dirty="0" smtClean="0"/>
+              <a:t> </a:t>
+            </a:r>
+            <a:r>
+              <a:rPr lang="es-PE" sz="2800" dirty="0" err="1" smtClean="0"/>
+              <a:t>Change</a:t>
+            </a:r>
+            <a:endParaRPr lang="es-PE" sz="2800" dirty="0" smtClean="0"/>
+          </a:p>
+        </p:txBody>
+      </p:sp>
+      <p:sp>
+        <p:nvSpPr>
+          <p:cNvPr id="8" name="1 Título"/>
+          <p:cNvSpPr>
+            <a:spLocks noGrp="1"/>
+          </p:cNvSpPr>
+          <p:nvPr>
+            <p:ph type="title"/>
+          </p:nvPr>
+        </p:nvSpPr>
+        <p:spPr>
+          <a:xfrm>
+            <a:off x="529208" y="51761"/>
+            <a:ext cx="8229600" cy="1143000"/>
+          </a:xfrm>
+        </p:spPr>
+        <p:txBody>
+          <a:bodyPr/>
+          <a:lstStyle/>
+          <a:p>
             <a:r>
               <a:rPr lang="es-PE" dirty="0" smtClean="0">
                 <a:solidFill>
                   <a:srgbClr val="009A46"/>
                 </a:solidFill>
-                <a:latin typeface="Arial" pitchFamily="34" charset="0"/>
-                <a:cs typeface="Arial" pitchFamily="34" charset="0"/>
-              </a:rPr>
-              <a:t>Referencias</a:t>
+              </a:rPr>
+              <a:t>Refactoring </a:t>
+            </a:r>
+            <a:r>
+              <a:rPr lang="es-PE" dirty="0" err="1" smtClean="0">
+                <a:solidFill>
+                  <a:srgbClr val="009A46"/>
+                </a:solidFill>
+              </a:rPr>
+              <a:t>Patterns</a:t>
             </a:r>
             <a:endParaRPr lang="es-PE" dirty="0">
               <a:solidFill>
                 <a:srgbClr val="009A46"/>
               </a:solidFill>
-              <a:latin typeface="Arial" pitchFamily="34" charset="0"/>
-              <a:cs typeface="Arial" pitchFamily="34" charset="0"/>
             </a:endParaRPr>
           </a:p>
         </p:txBody>
       </p:sp>
+    </p:spTree>
+    <p:extLst>
+      <p:ext uri="{BB962C8B-B14F-4D97-AF65-F5344CB8AC3E}">
+        <p14:creationId xmlns:p14="http://schemas.microsoft.com/office/powerpoint/2010/main" val="946358983"/>
+      </p:ext>
+    </p:extLst>
+  </p:cSld>
+  <p:clrMapOvr>
+    <a:masterClrMapping/>
+  </p:clrMapOvr>
+  <p:timing>
+    <p:tnLst>
+      <p:par>
+        <p:cTn id="1" dur="indefinite" restart="never" nodeType="tmRoot"/>
+      </p:par>
+    </p:tnLst>
+  </p:timing>
+</p:sld>
+</file>
+
+<file path=ppt/slides/slide58.xml><?xml version="1.0" encoding="utf-8"?>
+<p:sld xmlns:a="http://schemas.openxmlformats.org/drawingml/2006/main" xmlns:r="http://schemas.openxmlformats.org/officeDocument/2006/relationships" xmlns:p="http://schemas.openxmlformats.org/presentationml/2006/main">
+  <p:cSld>
+    <p:spTree>
+      <p:nvGrpSpPr>
+        <p:cNvPr id="1" name=""/>
+        <p:cNvGrpSpPr/>
+        <p:nvPr/>
+      </p:nvGrpSpPr>
+      <p:grpSpPr>
+        <a:xfrm>
+          <a:off x="0" y="0"/>
+          <a:ext cx="0" cy="0"/>
+          <a:chOff x="0" y="0"/>
+          <a:chExt cx="0" cy="0"/>
+        </a:xfrm>
+      </p:grpSpPr>
       <p:sp>
         <p:nvSpPr>
-          <p:cNvPr id="9" name="8 CuadroTexto"/>
-          <p:cNvSpPr txBox="1"/>
-          <p:nvPr/>
-        </p:nvSpPr>
-        <p:spPr>
-          <a:xfrm>
-            <a:off x="251520" y="1196752"/>
-            <a:ext cx="8638873" cy="3046988"/>
-          </a:xfrm>
-          <a:prstGeom prst="rect">
-            <a:avLst/>
-          </a:prstGeom>
-          <a:noFill/>
-        </p:spPr>
-        <p:txBody>
-          <a:bodyPr wrap="square" rtlCol="0">
-            <a:spAutoFit/>
-          </a:bodyPr>
-          <a:lstStyle/>
-          <a:p>
-            <a:pPr>
-              <a:buNone/>
-            </a:pPr>
-            <a:r>
-              <a:rPr lang="es-PE" sz="2400" b="1" dirty="0" smtClean="0">
-                <a:latin typeface="Arial" pitchFamily="34" charset="0"/>
-                <a:cs typeface="Arial" pitchFamily="34" charset="0"/>
-              </a:rPr>
-              <a:t>Páginas</a:t>
-            </a:r>
-            <a:endParaRPr lang="es-PE" sz="2000" b="1" dirty="0">
-              <a:latin typeface="Arial" pitchFamily="34" charset="0"/>
-              <a:cs typeface="Arial" pitchFamily="34" charset="0"/>
-            </a:endParaRPr>
-          </a:p>
-          <a:p>
-            <a:pPr marL="342900" lvl="0" indent="-342900" eaLnBrk="0" fontAlgn="base" hangingPunct="0">
-              <a:spcBef>
-                <a:spcPct val="0"/>
-              </a:spcBef>
-              <a:spcAft>
-                <a:spcPct val="0"/>
-              </a:spcAft>
-              <a:buFont typeface="Arial" pitchFamily="34" charset="0"/>
-              <a:buChar char="•"/>
-            </a:pPr>
-            <a:r>
-              <a:rPr lang="es-PE" sz="2000" dirty="0" smtClean="0">
-                <a:latin typeface="Arial" pitchFamily="34" charset="0"/>
-                <a:cs typeface="Arial" pitchFamily="34" charset="0"/>
-              </a:rPr>
-              <a:t>Martin </a:t>
-            </a:r>
-            <a:r>
-              <a:rPr lang="es-PE" sz="2000" dirty="0" err="1" smtClean="0">
-                <a:latin typeface="Arial" pitchFamily="34" charset="0"/>
-                <a:cs typeface="Arial" pitchFamily="34" charset="0"/>
-              </a:rPr>
-              <a:t>fowler</a:t>
-            </a:r>
-            <a:r>
-              <a:rPr lang="es-PE" sz="2000" dirty="0" smtClean="0">
-                <a:latin typeface="Arial" pitchFamily="34" charset="0"/>
-                <a:cs typeface="Arial" pitchFamily="34" charset="0"/>
-              </a:rPr>
-              <a:t> - </a:t>
-            </a:r>
-            <a:r>
-              <a:rPr lang="es-PE" sz="2000" dirty="0" smtClean="0">
-                <a:solidFill>
-                  <a:srgbClr val="FF0000"/>
-                </a:solidFill>
-                <a:latin typeface="Arial" pitchFamily="34" charset="0"/>
-                <a:ea typeface="Calibri" pitchFamily="34" charset="0"/>
-                <a:cs typeface="Arial" pitchFamily="34" charset="0"/>
-              </a:rPr>
-              <a:t>http</a:t>
-            </a:r>
-            <a:r>
-              <a:rPr lang="es-PE" sz="2000" dirty="0">
-                <a:solidFill>
-                  <a:srgbClr val="FF0000"/>
-                </a:solidFill>
-                <a:latin typeface="Arial" pitchFamily="34" charset="0"/>
-                <a:ea typeface="Calibri" pitchFamily="34" charset="0"/>
-                <a:cs typeface="Arial" pitchFamily="34" charset="0"/>
-              </a:rPr>
-              <a:t>://martinfowler.com/bliki/refactoring.html</a:t>
-            </a:r>
-            <a:r>
-              <a:rPr lang="es-PE" sz="2000" dirty="0">
-                <a:solidFill>
-                  <a:srgbClr val="FF0000"/>
-                </a:solidFill>
-                <a:latin typeface="Arial" pitchFamily="34" charset="0"/>
-                <a:cs typeface="Arial" pitchFamily="34" charset="0"/>
-              </a:rPr>
-              <a:t> </a:t>
-            </a:r>
-            <a:endParaRPr lang="es-PE" sz="2000" dirty="0" smtClean="0">
-              <a:solidFill>
-                <a:srgbClr val="FF0000"/>
-              </a:solidFill>
-              <a:latin typeface="Arial" pitchFamily="34" charset="0"/>
-              <a:cs typeface="Arial" pitchFamily="34" charset="0"/>
-            </a:endParaRPr>
-          </a:p>
-          <a:p>
-            <a:pPr marL="342900" lvl="0" indent="-342900" eaLnBrk="0" fontAlgn="base" hangingPunct="0">
-              <a:spcBef>
-                <a:spcPct val="0"/>
-              </a:spcBef>
-              <a:spcAft>
-                <a:spcPct val="0"/>
-              </a:spcAft>
-              <a:buFont typeface="Arial" pitchFamily="34" charset="0"/>
-              <a:buChar char="•"/>
-            </a:pPr>
-            <a:r>
-              <a:rPr lang="es-PE" sz="2000" dirty="0" err="1" smtClean="0">
-                <a:latin typeface="Arial" pitchFamily="34" charset="0"/>
-                <a:cs typeface="Arial" pitchFamily="34" charset="0"/>
-              </a:rPr>
-              <a:t>Source</a:t>
-            </a:r>
-            <a:r>
-              <a:rPr lang="es-PE" sz="2000" dirty="0" smtClean="0">
-                <a:latin typeface="Arial" pitchFamily="34" charset="0"/>
-                <a:cs typeface="Arial" pitchFamily="34" charset="0"/>
-              </a:rPr>
-              <a:t> </a:t>
-            </a:r>
-            <a:r>
-              <a:rPr lang="es-PE" sz="2000" dirty="0" err="1" smtClean="0">
-                <a:latin typeface="Arial" pitchFamily="34" charset="0"/>
-                <a:cs typeface="Arial" pitchFamily="34" charset="0"/>
-              </a:rPr>
-              <a:t>Making</a:t>
-            </a:r>
-            <a:r>
-              <a:rPr lang="es-PE" sz="2000" dirty="0" smtClean="0">
-                <a:latin typeface="Arial" pitchFamily="34" charset="0"/>
-                <a:cs typeface="Arial" pitchFamily="34" charset="0"/>
-              </a:rPr>
-              <a:t> - </a:t>
-            </a:r>
-            <a:r>
-              <a:rPr lang="es-PE" sz="2000" dirty="0">
-                <a:solidFill>
-                  <a:srgbClr val="FF0000"/>
-                </a:solidFill>
-                <a:latin typeface="Arial" pitchFamily="34" charset="0"/>
-                <a:ea typeface="Calibri" pitchFamily="34" charset="0"/>
-                <a:cs typeface="Arial" pitchFamily="34" charset="0"/>
-              </a:rPr>
-              <a:t>http://sourcemaking.com/refactoring</a:t>
-            </a:r>
-            <a:r>
-              <a:rPr lang="es-PE" sz="2000" dirty="0">
-                <a:solidFill>
-                  <a:srgbClr val="0070C0"/>
-                </a:solidFill>
-                <a:latin typeface="Arial" pitchFamily="34" charset="0"/>
-                <a:cs typeface="Arial" pitchFamily="34" charset="0"/>
-              </a:rPr>
-              <a:t> </a:t>
-            </a:r>
-          </a:p>
-          <a:p>
-            <a:pPr>
-              <a:buNone/>
-            </a:pPr>
-            <a:endParaRPr lang="es-PE" sz="2400" b="1" dirty="0">
-              <a:latin typeface="Arial" pitchFamily="34" charset="0"/>
-              <a:cs typeface="Arial" pitchFamily="34" charset="0"/>
-            </a:endParaRPr>
-          </a:p>
-          <a:p>
-            <a:pPr>
-              <a:buNone/>
-            </a:pPr>
-            <a:r>
-              <a:rPr lang="es-PE" sz="2400" b="1" dirty="0" smtClean="0">
-                <a:latin typeface="Arial" pitchFamily="34" charset="0"/>
-                <a:cs typeface="Arial" pitchFamily="34" charset="0"/>
-              </a:rPr>
-              <a:t>Libros</a:t>
-            </a:r>
-          </a:p>
-          <a:p>
-            <a:pPr marL="342900" indent="-342900">
-              <a:buFont typeface="Arial" pitchFamily="34" charset="0"/>
-              <a:buChar char="•"/>
-            </a:pPr>
-            <a:r>
-              <a:rPr lang="es-PE" sz="2000" dirty="0" err="1" smtClean="0">
-                <a:latin typeface="Arial" pitchFamily="34" charset="0"/>
-                <a:cs typeface="Arial" pitchFamily="34" charset="0"/>
-              </a:rPr>
-              <a:t>Clean</a:t>
-            </a:r>
-            <a:r>
-              <a:rPr lang="es-PE" sz="2000" dirty="0" smtClean="0">
-                <a:latin typeface="Arial" pitchFamily="34" charset="0"/>
-                <a:cs typeface="Arial" pitchFamily="34" charset="0"/>
-              </a:rPr>
-              <a:t> </a:t>
-            </a:r>
-            <a:r>
-              <a:rPr lang="es-PE" sz="2000" dirty="0" err="1" smtClean="0">
-                <a:latin typeface="Arial" pitchFamily="34" charset="0"/>
-                <a:cs typeface="Arial" pitchFamily="34" charset="0"/>
-              </a:rPr>
-              <a:t>Code</a:t>
-            </a:r>
-            <a:endParaRPr lang="es-PE" sz="2000" dirty="0" smtClean="0">
-              <a:latin typeface="Arial" pitchFamily="34" charset="0"/>
-              <a:cs typeface="Arial" pitchFamily="34" charset="0"/>
-            </a:endParaRPr>
-          </a:p>
-          <a:p>
-            <a:pPr marL="342900" indent="-342900">
-              <a:buFont typeface="Arial" pitchFamily="34" charset="0"/>
-              <a:buChar char="•"/>
-            </a:pPr>
-            <a:r>
-              <a:rPr lang="es-PE" sz="2000" dirty="0" err="1" smtClean="0">
-                <a:latin typeface="Arial" pitchFamily="34" charset="0"/>
-                <a:cs typeface="Arial" pitchFamily="34" charset="0"/>
-              </a:rPr>
-              <a:t>Improving</a:t>
-            </a:r>
-            <a:r>
-              <a:rPr lang="es-PE" sz="2000" dirty="0" smtClean="0">
-                <a:latin typeface="Arial" pitchFamily="34" charset="0"/>
-                <a:cs typeface="Arial" pitchFamily="34" charset="0"/>
-              </a:rPr>
-              <a:t> </a:t>
-            </a:r>
-            <a:r>
-              <a:rPr lang="es-PE" sz="2000" dirty="0" err="1" smtClean="0">
-                <a:latin typeface="Arial" pitchFamily="34" charset="0"/>
-                <a:cs typeface="Arial" pitchFamily="34" charset="0"/>
-              </a:rPr>
-              <a:t>the</a:t>
-            </a:r>
-            <a:r>
-              <a:rPr lang="es-PE" sz="2000" dirty="0" smtClean="0">
-                <a:latin typeface="Arial" pitchFamily="34" charset="0"/>
-                <a:cs typeface="Arial" pitchFamily="34" charset="0"/>
-              </a:rPr>
-              <a:t> </a:t>
-            </a:r>
-            <a:r>
-              <a:rPr lang="es-PE" sz="2000" dirty="0" err="1" smtClean="0">
-                <a:latin typeface="Arial" pitchFamily="34" charset="0"/>
-                <a:cs typeface="Arial" pitchFamily="34" charset="0"/>
-              </a:rPr>
-              <a:t>Design</a:t>
-            </a:r>
-            <a:r>
-              <a:rPr lang="es-PE" sz="2000" dirty="0" smtClean="0">
-                <a:latin typeface="Arial" pitchFamily="34" charset="0"/>
-                <a:cs typeface="Arial" pitchFamily="34" charset="0"/>
-              </a:rPr>
-              <a:t> of </a:t>
-            </a:r>
-            <a:r>
-              <a:rPr lang="es-PE" sz="2000" dirty="0" err="1" smtClean="0">
-                <a:latin typeface="Arial" pitchFamily="34" charset="0"/>
-                <a:cs typeface="Arial" pitchFamily="34" charset="0"/>
-              </a:rPr>
-              <a:t>Existing</a:t>
-            </a:r>
-            <a:r>
-              <a:rPr lang="es-PE" sz="2000" dirty="0" smtClean="0">
-                <a:latin typeface="Arial" pitchFamily="34" charset="0"/>
-                <a:cs typeface="Arial" pitchFamily="34" charset="0"/>
-              </a:rPr>
-              <a:t> </a:t>
-            </a:r>
-            <a:r>
-              <a:rPr lang="es-PE" sz="2000" dirty="0" err="1" smtClean="0">
-                <a:latin typeface="Arial" pitchFamily="34" charset="0"/>
-                <a:cs typeface="Arial" pitchFamily="34" charset="0"/>
-              </a:rPr>
-              <a:t>Code</a:t>
-            </a:r>
-            <a:endParaRPr lang="es-PE" sz="2000" dirty="0" smtClean="0">
-              <a:latin typeface="Arial" pitchFamily="34" charset="0"/>
-              <a:cs typeface="Arial" pitchFamily="34" charset="0"/>
-            </a:endParaRPr>
-          </a:p>
-          <a:p>
-            <a:pPr marL="342900" indent="-342900">
-              <a:buFont typeface="Arial" pitchFamily="34" charset="0"/>
-              <a:buChar char="•"/>
-            </a:pPr>
-            <a:r>
-              <a:rPr lang="es-PE" sz="2000" dirty="0" smtClean="0">
-                <a:latin typeface="Arial" pitchFamily="34" charset="0"/>
-                <a:cs typeface="Arial" pitchFamily="34" charset="0"/>
-              </a:rPr>
-              <a:t>Refactoring </a:t>
-            </a:r>
-            <a:r>
-              <a:rPr lang="es-PE" sz="2000" dirty="0" err="1" smtClean="0">
-                <a:latin typeface="Arial" pitchFamily="34" charset="0"/>
-                <a:cs typeface="Arial" pitchFamily="34" charset="0"/>
-              </a:rPr>
-              <a:t>to</a:t>
-            </a:r>
-            <a:r>
-              <a:rPr lang="es-PE" sz="2000" dirty="0" smtClean="0">
-                <a:latin typeface="Arial" pitchFamily="34" charset="0"/>
-                <a:cs typeface="Arial" pitchFamily="34" charset="0"/>
-              </a:rPr>
-              <a:t> </a:t>
-            </a:r>
-            <a:r>
-              <a:rPr lang="es-PE" sz="2000" dirty="0" err="1" smtClean="0">
-                <a:latin typeface="Arial" pitchFamily="34" charset="0"/>
-                <a:cs typeface="Arial" pitchFamily="34" charset="0"/>
-              </a:rPr>
-              <a:t>Patterns</a:t>
-            </a:r>
-            <a:endParaRPr lang="es-PE" sz="2000" dirty="0" smtClean="0">
-              <a:latin typeface="Arial" pitchFamily="34" charset="0"/>
-              <a:cs typeface="Arial" pitchFamily="34" charset="0"/>
-            </a:endParaRPr>
-          </a:p>
-          <a:p>
-            <a:pPr marL="342900" indent="-342900">
-              <a:buFont typeface="Arial" pitchFamily="34" charset="0"/>
-              <a:buChar char="•"/>
-            </a:pPr>
-            <a:r>
-              <a:rPr lang="es-PE" sz="2000" dirty="0">
-                <a:latin typeface="Arial" pitchFamily="34" charset="0"/>
-                <a:ea typeface="Calibri" pitchFamily="34" charset="0"/>
-                <a:cs typeface="Arial" pitchFamily="34" charset="0"/>
-              </a:rPr>
-              <a:t>Refactoring </a:t>
-            </a:r>
-            <a:r>
-              <a:rPr lang="es-PE" sz="2000" dirty="0" err="1" smtClean="0">
-                <a:latin typeface="Arial" pitchFamily="34" charset="0"/>
-                <a:ea typeface="Calibri" pitchFamily="34" charset="0"/>
-                <a:cs typeface="Arial" pitchFamily="34" charset="0"/>
-              </a:rPr>
-              <a:t>Workbook</a:t>
-            </a:r>
-            <a:endParaRPr lang="es-PE" sz="2000" dirty="0">
-              <a:latin typeface="Arial" pitchFamily="34" charset="0"/>
-              <a:ea typeface="Calibri" pitchFamily="34" charset="0"/>
-              <a:cs typeface="Arial" pitchFamily="34" charset="0"/>
-            </a:endParaRPr>
-          </a:p>
-        </p:txBody>
-      </p:sp>
-      <p:sp>
-        <p:nvSpPr>
-          <p:cNvPr id="12" name="2 Subtítulo"/>
+          <p:cNvPr id="6" name="5 Marcador de contenido"/>
           <p:cNvSpPr txBox="1">
             <a:spLocks/>
           </p:cNvSpPr>
@@ -26282,8 +27100,8 @@
         </p:nvSpPr>
         <p:spPr bwMode="auto">
           <a:xfrm>
-            <a:off x="179512" y="5407164"/>
-            <a:ext cx="3214709" cy="515717"/>
+            <a:off x="317646" y="1106741"/>
+            <a:ext cx="8424936" cy="1596549"/>
           </a:xfrm>
           <a:prstGeom prst="rect">
             <a:avLst/>
@@ -26297,60 +27115,355 @@
           </a:ln>
         </p:spPr>
         <p:txBody>
-          <a:bodyPr vert="horz" wrap="square" lIns="91440" tIns="45720" rIns="91440" bIns="45720" numCol="1" rtlCol="0" anchor="t" anchorCtr="0" compatLnSpc="1">
+          <a:bodyPr vert="horz" wrap="square" lIns="91440" tIns="45720" rIns="91440" bIns="45720" numCol="1" anchor="t" anchorCtr="0" compatLnSpc="1">
             <a:prstTxWarp prst="textNoShape">
               <a:avLst/>
             </a:prstTxWarp>
-            <a:noAutofit/>
           </a:bodyPr>
-          <a:lstStyle/>
-          <a:p>
-            <a:pPr marL="0" marR="0" lvl="0" indent="0" algn="ctr" defTabSz="914400" rtl="0" eaLnBrk="1" fontAlgn="auto" latinLnBrk="0" hangingPunct="1">
-              <a:lnSpc>
-                <a:spcPct val="100000"/>
-              </a:lnSpc>
+          <a:lstStyle>
+            <a:lvl1pPr marL="342900" indent="-342900" algn="l" rtl="0" eaLnBrk="1" fontAlgn="base" hangingPunct="1">
               <a:spcBef>
                 <a:spcPct val="20000"/>
               </a:spcBef>
               <a:spcAft>
-                <a:spcPts val="0"/>
+                <a:spcPct val="0"/>
               </a:spcAft>
-              <a:buClrTx/>
-              <a:buSzTx/>
+              <a:buFont typeface="Arial" charset="0"/>
+              <a:buChar char="•"/>
+              <a:defRPr sz="3200" kern="1200">
+                <a:solidFill>
+                  <a:schemeClr val="tx1"/>
+                </a:solidFill>
+                <a:latin typeface="+mn-lt"/>
+                <a:ea typeface="+mn-ea"/>
+                <a:cs typeface="+mn-cs"/>
+              </a:defRPr>
+            </a:lvl1pPr>
+            <a:lvl2pPr marL="742950" indent="-285750" algn="l" rtl="0" eaLnBrk="1" fontAlgn="base" hangingPunct="1">
+              <a:spcBef>
+                <a:spcPct val="20000"/>
+              </a:spcBef>
+              <a:spcAft>
+                <a:spcPct val="0"/>
+              </a:spcAft>
+              <a:buFont typeface="Arial" charset="0"/>
+              <a:buChar char="–"/>
+              <a:defRPr sz="2800" kern="1200">
+                <a:solidFill>
+                  <a:schemeClr val="tx1"/>
+                </a:solidFill>
+                <a:latin typeface="+mn-lt"/>
+                <a:ea typeface="+mn-ea"/>
+                <a:cs typeface="+mn-cs"/>
+              </a:defRPr>
+            </a:lvl2pPr>
+            <a:lvl3pPr marL="1143000" indent="-228600" algn="l" rtl="0" eaLnBrk="1" fontAlgn="base" hangingPunct="1">
+              <a:spcBef>
+                <a:spcPct val="20000"/>
+              </a:spcBef>
+              <a:spcAft>
+                <a:spcPct val="0"/>
+              </a:spcAft>
+              <a:buFont typeface="Arial" charset="0"/>
+              <a:buChar char="•"/>
+              <a:defRPr sz="2400" kern="1200">
+                <a:solidFill>
+                  <a:schemeClr val="tx1"/>
+                </a:solidFill>
+                <a:latin typeface="+mn-lt"/>
+                <a:ea typeface="+mn-ea"/>
+                <a:cs typeface="+mn-cs"/>
+              </a:defRPr>
+            </a:lvl3pPr>
+            <a:lvl4pPr marL="1600200" indent="-228600" algn="l" rtl="0" eaLnBrk="1" fontAlgn="base" hangingPunct="1">
+              <a:spcBef>
+                <a:spcPct val="20000"/>
+              </a:spcBef>
+              <a:spcAft>
+                <a:spcPct val="0"/>
+              </a:spcAft>
+              <a:buFont typeface="Arial" charset="0"/>
+              <a:buChar char="–"/>
+              <a:defRPr sz="2000" kern="1200">
+                <a:solidFill>
+                  <a:schemeClr val="tx1"/>
+                </a:solidFill>
+                <a:latin typeface="+mn-lt"/>
+                <a:ea typeface="+mn-ea"/>
+                <a:cs typeface="+mn-cs"/>
+              </a:defRPr>
+            </a:lvl4pPr>
+            <a:lvl5pPr marL="2057400" indent="-228600" algn="l" rtl="0" eaLnBrk="1" fontAlgn="base" hangingPunct="1">
+              <a:spcBef>
+                <a:spcPct val="20000"/>
+              </a:spcBef>
+              <a:spcAft>
+                <a:spcPct val="0"/>
+              </a:spcAft>
+              <a:buFont typeface="Arial" charset="0"/>
+              <a:buChar char="»"/>
+              <a:defRPr sz="2000" kern="1200">
+                <a:solidFill>
+                  <a:schemeClr val="tx1"/>
+                </a:solidFill>
+                <a:latin typeface="+mn-lt"/>
+                <a:ea typeface="+mn-ea"/>
+                <a:cs typeface="+mn-cs"/>
+              </a:defRPr>
+            </a:lvl5pPr>
+            <a:lvl6pPr marL="2514600" indent="-228600" algn="l" defTabSz="914400" rtl="0" eaLnBrk="1" latinLnBrk="0" hangingPunct="1">
+              <a:spcBef>
+                <a:spcPct val="20000"/>
+              </a:spcBef>
               <a:buFont typeface="Arial" pitchFamily="34" charset="0"/>
+              <a:buChar char="•"/>
+              <a:defRPr sz="2000" kern="1200">
+                <a:solidFill>
+                  <a:schemeClr val="tx1"/>
+                </a:solidFill>
+                <a:latin typeface="+mn-lt"/>
+                <a:ea typeface="+mn-ea"/>
+                <a:cs typeface="+mn-cs"/>
+              </a:defRPr>
+            </a:lvl6pPr>
+            <a:lvl7pPr marL="2971800" indent="-228600" algn="l" defTabSz="914400" rtl="0" eaLnBrk="1" latinLnBrk="0" hangingPunct="1">
+              <a:spcBef>
+                <a:spcPct val="20000"/>
+              </a:spcBef>
+              <a:buFont typeface="Arial" pitchFamily="34" charset="0"/>
+              <a:buChar char="•"/>
+              <a:defRPr sz="2000" kern="1200">
+                <a:solidFill>
+                  <a:schemeClr val="tx1"/>
+                </a:solidFill>
+                <a:latin typeface="+mn-lt"/>
+                <a:ea typeface="+mn-ea"/>
+                <a:cs typeface="+mn-cs"/>
+              </a:defRPr>
+            </a:lvl7pPr>
+            <a:lvl8pPr marL="3429000" indent="-228600" algn="l" defTabSz="914400" rtl="0" eaLnBrk="1" latinLnBrk="0" hangingPunct="1">
+              <a:spcBef>
+                <a:spcPct val="20000"/>
+              </a:spcBef>
+              <a:buFont typeface="Arial" pitchFamily="34" charset="0"/>
+              <a:buChar char="•"/>
+              <a:defRPr sz="2000" kern="1200">
+                <a:solidFill>
+                  <a:schemeClr val="tx1"/>
+                </a:solidFill>
+                <a:latin typeface="+mn-lt"/>
+                <a:ea typeface="+mn-ea"/>
+                <a:cs typeface="+mn-cs"/>
+              </a:defRPr>
+            </a:lvl8pPr>
+            <a:lvl9pPr marL="3886200" indent="-228600" algn="l" defTabSz="914400" rtl="0" eaLnBrk="1" latinLnBrk="0" hangingPunct="1">
+              <a:spcBef>
+                <a:spcPct val="20000"/>
+              </a:spcBef>
+              <a:buFont typeface="Arial" pitchFamily="34" charset="0"/>
+              <a:buChar char="•"/>
+              <a:defRPr sz="2000" kern="1200">
+                <a:solidFill>
+                  <a:schemeClr val="tx1"/>
+                </a:solidFill>
+                <a:latin typeface="+mn-lt"/>
+                <a:ea typeface="+mn-ea"/>
+                <a:cs typeface="+mn-cs"/>
+              </a:defRPr>
+            </a:lvl9pPr>
+          </a:lstStyle>
+          <a:p>
+            <a:pPr marL="0" indent="0" algn="ctr">
               <a:buNone/>
-              <a:tabLst/>
-              <a:defRPr/>
             </a:pPr>
             <a:r>
-              <a:rPr kumimoji="0" lang="es-PE" sz="2600" b="1" i="0" u="none" strike="noStrike" kern="1200" cap="none" spc="0" normalizeH="0" baseline="0" noProof="0" dirty="0" smtClean="0">
-                <a:ln>
-                  <a:noFill/>
-                </a:ln>
-                <a:solidFill>
-                  <a:srgbClr val="00B050"/>
-                </a:solidFill>
-                <a:effectLst/>
-                <a:uLnTx/>
-                <a:uFillTx/>
-              </a:rPr>
-              <a:t>Angel Núñez Salazar</a:t>
+              <a:rPr lang="es-PE" sz="2800" dirty="0" smtClean="0"/>
+              <a:t>Para remover código duplicado en métodos grandes o complejos, uniformizarlos de tal manera que sean lo más idénticos posibles.</a:t>
             </a:r>
           </a:p>
         </p:txBody>
       </p:sp>
       <p:sp>
         <p:nvSpPr>
-          <p:cNvPr id="13" name="Rectangle 1"/>
+          <p:cNvPr id="8" name="1 Título"/>
           <p:cNvSpPr>
-            <a:spLocks noChangeArrowheads="1"/>
+            <a:spLocks noGrp="1"/>
+          </p:cNvSpPr>
+          <p:nvPr>
+            <p:ph type="title"/>
+          </p:nvPr>
+        </p:nvSpPr>
+        <p:spPr>
+          <a:xfrm>
+            <a:off x="529208" y="242645"/>
+            <a:ext cx="8229600" cy="784951"/>
+          </a:xfrm>
+        </p:spPr>
+        <p:txBody>
+          <a:bodyPr/>
+          <a:lstStyle/>
+          <a:p>
+            <a:r>
+              <a:rPr lang="es-PE" dirty="0" err="1" smtClean="0">
+                <a:solidFill>
+                  <a:srgbClr val="009A46"/>
+                </a:solidFill>
+              </a:rPr>
+              <a:t>Unified</a:t>
+            </a:r>
+            <a:r>
+              <a:rPr lang="es-PE" dirty="0" smtClean="0">
+                <a:solidFill>
+                  <a:srgbClr val="009A46"/>
+                </a:solidFill>
+              </a:rPr>
+              <a:t> </a:t>
+            </a:r>
+            <a:r>
+              <a:rPr lang="es-PE" dirty="0" err="1" smtClean="0">
+                <a:solidFill>
+                  <a:srgbClr val="009A46"/>
+                </a:solidFill>
+              </a:rPr>
+              <a:t>Methods</a:t>
+            </a:r>
+            <a:endParaRPr lang="es-PE" dirty="0">
+              <a:solidFill>
+                <a:srgbClr val="009A46"/>
+              </a:solidFill>
+            </a:endParaRPr>
+          </a:p>
+        </p:txBody>
+      </p:sp>
+      <p:pic>
+        <p:nvPicPr>
+          <p:cNvPr id="5" name="Picture 2" descr="http://p.twimg.com/Ap26m73CQAEebn3.jpg:large"/>
+          <p:cNvPicPr>
+            <a:picLocks noChangeAspect="1" noChangeArrowheads="1"/>
+          </p:cNvPicPr>
+          <p:nvPr/>
+        </p:nvPicPr>
+        <p:blipFill rotWithShape="1">
+          <a:blip r:embed="rId3">
+            <a:extLst>
+              <a:ext uri="{BEBA8EAE-BF5A-486C-A8C5-ECC9F3942E4B}">
+                <a14:imgProps xmlns:a14="http://schemas.microsoft.com/office/drawing/2010/main">
+                  <a14:imgLayer r:embed="rId4">
+                    <a14:imgEffect>
+                      <a14:sharpenSoften amount="50000"/>
+                    </a14:imgEffect>
+                    <a14:imgEffect>
+                      <a14:colorTemperature colorTemp="11200"/>
+                    </a14:imgEffect>
+                  </a14:imgLayer>
+                </a14:imgProps>
+              </a:ext>
+              <a:ext uri="{28A0092B-C50C-407E-A947-70E740481C1C}">
+                <a14:useLocalDpi xmlns:a14="http://schemas.microsoft.com/office/drawing/2010/main" val="0"/>
+              </a:ext>
+            </a:extLst>
+          </a:blip>
+          <a:srcRect l="6870" t="7995" r="6730" b="29074"/>
+          <a:stretch/>
+        </p:blipFill>
+        <p:spPr bwMode="auto">
+          <a:xfrm>
+            <a:off x="2547663" y="2635595"/>
+            <a:ext cx="4114800" cy="2457602"/>
+          </a:xfrm>
+          <a:prstGeom prst="rect">
+            <a:avLst/>
+          </a:prstGeom>
+          <a:noFill/>
+          <a:extLst>
+            <a:ext uri="{909E8E84-426E-40DD-AFC4-6F175D3DCCD1}">
+              <a14:hiddenFill xmlns:a14="http://schemas.microsoft.com/office/drawing/2010/main">
+                <a:solidFill>
+                  <a:srgbClr val="FFFFFF"/>
+                </a:solidFill>
+              </a14:hiddenFill>
+            </a:ext>
+          </a:extLst>
+        </p:spPr>
+      </p:pic>
+      <p:sp>
+        <p:nvSpPr>
+          <p:cNvPr id="2" name="1 Rectángulo"/>
+          <p:cNvSpPr/>
+          <p:nvPr/>
+        </p:nvSpPr>
+        <p:spPr>
+          <a:xfrm>
+            <a:off x="467544" y="5211197"/>
+            <a:ext cx="8275038" cy="954107"/>
+          </a:xfrm>
+          <a:prstGeom prst="rect">
+            <a:avLst/>
+          </a:prstGeom>
+        </p:spPr>
+        <p:txBody>
+          <a:bodyPr wrap="square">
+            <a:spAutoFit/>
+          </a:bodyPr>
+          <a:lstStyle/>
+          <a:p>
+            <a:pPr algn="ctr"/>
+            <a:r>
+              <a:rPr lang="es-PE" sz="2800" dirty="0"/>
+              <a:t>Extraer el código que es uniforme a todos estos métodos y compartirlo (ya no duplicarlo).</a:t>
+            </a:r>
+          </a:p>
+        </p:txBody>
+      </p:sp>
+    </p:spTree>
+    <p:extLst>
+      <p:ext uri="{BB962C8B-B14F-4D97-AF65-F5344CB8AC3E}">
+        <p14:creationId xmlns:p14="http://schemas.microsoft.com/office/powerpoint/2010/main" val="2857359437"/>
+      </p:ext>
+    </p:extLst>
+  </p:cSld>
+  <p:clrMapOvr>
+    <a:masterClrMapping/>
+  </p:clrMapOvr>
+  <p:timing>
+    <p:tnLst>
+      <p:par>
+        <p:cTn id="1" dur="indefinite" restart="never" nodeType="tmRoot"/>
+      </p:par>
+    </p:tnLst>
+  </p:timing>
+</p:sld>
+</file>
+
+<file path=ppt/slides/slide59.xml><?xml version="1.0" encoding="utf-8"?>
+<p:sld xmlns:a="http://schemas.openxmlformats.org/drawingml/2006/main" xmlns:r="http://schemas.openxmlformats.org/officeDocument/2006/relationships" xmlns:p="http://schemas.openxmlformats.org/presentationml/2006/main">
+  <p:cSld>
+    <p:spTree>
+      <p:nvGrpSpPr>
+        <p:cNvPr id="1" name=""/>
+        <p:cNvGrpSpPr/>
+        <p:nvPr/>
+      </p:nvGrpSpPr>
+      <p:grpSpPr>
+        <a:xfrm>
+          <a:off x="0" y="0"/>
+          <a:ext cx="0" cy="0"/>
+          <a:chOff x="0" y="0"/>
+          <a:chExt cx="0" cy="0"/>
+        </a:xfrm>
+      </p:grpSpPr>
+      <p:sp>
+        <p:nvSpPr>
+          <p:cNvPr id="6" name="5 Marcador de contenido"/>
+          <p:cNvSpPr txBox="1">
+            <a:spLocks/>
           </p:cNvSpPr>
           <p:nvPr/>
         </p:nvSpPr>
         <p:spPr bwMode="auto">
           <a:xfrm>
-            <a:off x="3715072" y="5157192"/>
-            <a:ext cx="5105400" cy="1015663"/>
+            <a:off x="323528" y="1268760"/>
+            <a:ext cx="8424936" cy="4248472"/>
           </a:xfrm>
           <a:prstGeom prst="rect">
             <a:avLst/>
@@ -26362,141 +27475,319 @@
             <a:headEnd/>
             <a:tailEnd/>
           </a:ln>
-          <a:effectLst/>
         </p:spPr>
         <p:txBody>
-          <a:bodyPr vert="horz" wrap="square" lIns="91440" tIns="45720" rIns="91440" bIns="45720" numCol="1" anchor="ctr" anchorCtr="0" compatLnSpc="1">
+          <a:bodyPr vert="horz" wrap="square" lIns="91440" tIns="45720" rIns="91440" bIns="45720" numCol="1" anchor="t" anchorCtr="0" compatLnSpc="1">
             <a:prstTxWarp prst="textNoShape">
               <a:avLst/>
             </a:prstTxWarp>
-            <a:spAutoFit/>
           </a:bodyPr>
-          <a:lstStyle/>
-          <a:p>
-            <a:pPr algn="r" fontAlgn="base">
+          <a:lstStyle>
+            <a:lvl1pPr marL="342900" indent="-342900" algn="l" rtl="0" eaLnBrk="1" fontAlgn="base" hangingPunct="1">
               <a:spcBef>
-                <a:spcPct val="0"/>
+                <a:spcPct val="20000"/>
               </a:spcBef>
               <a:spcAft>
                 <a:spcPct val="0"/>
               </a:spcAft>
-            </a:pPr>
-            <a:r>
-              <a:rPr lang="en-US" sz="2000" dirty="0" smtClean="0">
-                <a:latin typeface="Trebuchet MS" pitchFamily="34" charset="0"/>
-                <a:ea typeface="Calibri" pitchFamily="34" charset="0"/>
-                <a:cs typeface="Arial" pitchFamily="34" charset="0"/>
-              </a:rPr>
-              <a:t>Email: </a:t>
-            </a:r>
-            <a:r>
-              <a:rPr lang="en-US" sz="2000" dirty="0">
-                <a:solidFill>
-                  <a:srgbClr val="FFC000"/>
-                </a:solidFill>
-                <a:latin typeface="Trebuchet MS" pitchFamily="34" charset="0"/>
-                <a:ea typeface="Calibri" pitchFamily="34" charset="0"/>
-                <a:cs typeface="Arial" pitchFamily="34" charset="0"/>
-              </a:rPr>
-              <a:t>angel.nunez.salazar@gmail.com</a:t>
-            </a:r>
-          </a:p>
-          <a:p>
-            <a:pPr lvl="0" algn="r" eaLnBrk="0" fontAlgn="base" hangingPunct="0">
+              <a:buFont typeface="Arial" charset="0"/>
+              <a:buChar char="•"/>
+              <a:defRPr sz="3200" kern="1200">
+                <a:solidFill>
+                  <a:schemeClr val="tx1"/>
+                </a:solidFill>
+                <a:latin typeface="+mn-lt"/>
+                <a:ea typeface="+mn-ea"/>
+                <a:cs typeface="+mn-cs"/>
+              </a:defRPr>
+            </a:lvl1pPr>
+            <a:lvl2pPr marL="742950" indent="-285750" algn="l" rtl="0" eaLnBrk="1" fontAlgn="base" hangingPunct="1">
               <a:spcBef>
-                <a:spcPct val="0"/>
+                <a:spcPct val="20000"/>
               </a:spcBef>
               <a:spcAft>
                 <a:spcPct val="0"/>
               </a:spcAft>
-            </a:pPr>
-            <a:r>
-              <a:rPr lang="en-US" sz="2000" dirty="0" smtClean="0">
-                <a:latin typeface="Trebuchet MS" pitchFamily="34" charset="0"/>
-                <a:ea typeface="Calibri" pitchFamily="34" charset="0"/>
-                <a:cs typeface="Arial" pitchFamily="34" charset="0"/>
-              </a:rPr>
-              <a:t>Blog: </a:t>
-            </a:r>
-            <a:r>
-              <a:rPr lang="en-US" sz="2000" dirty="0">
-                <a:solidFill>
-                  <a:srgbClr val="FFC000"/>
-                </a:solidFill>
-                <a:latin typeface="Trebuchet MS" pitchFamily="34" charset="0"/>
-                <a:ea typeface="Calibri" pitchFamily="34" charset="0"/>
-                <a:cs typeface="Arial" pitchFamily="34" charset="0"/>
-              </a:rPr>
-              <a:t>http://</a:t>
-            </a:r>
-            <a:r>
-              <a:rPr lang="en-US" sz="2000" dirty="0" smtClean="0">
-                <a:solidFill>
-                  <a:srgbClr val="FFC000"/>
-                </a:solidFill>
-                <a:latin typeface="Trebuchet MS" pitchFamily="34" charset="0"/>
-                <a:ea typeface="Calibri" pitchFamily="34" charset="0"/>
-                <a:cs typeface="Arial" pitchFamily="34" charset="0"/>
-              </a:rPr>
-              <a:t>snahider.blogspot.com</a:t>
-            </a:r>
-          </a:p>
-          <a:p>
-            <a:pPr lvl="0" algn="r" eaLnBrk="0" fontAlgn="base" hangingPunct="0">
+              <a:buFont typeface="Arial" charset="0"/>
+              <a:buChar char="–"/>
+              <a:defRPr sz="2800" kern="1200">
+                <a:solidFill>
+                  <a:schemeClr val="tx1"/>
+                </a:solidFill>
+                <a:latin typeface="+mn-lt"/>
+                <a:ea typeface="+mn-ea"/>
+                <a:cs typeface="+mn-cs"/>
+              </a:defRPr>
+            </a:lvl2pPr>
+            <a:lvl3pPr marL="1143000" indent="-228600" algn="l" rtl="0" eaLnBrk="1" fontAlgn="base" hangingPunct="1">
               <a:spcBef>
-                <a:spcPct val="0"/>
+                <a:spcPct val="20000"/>
               </a:spcBef>
               <a:spcAft>
                 <a:spcPct val="0"/>
               </a:spcAft>
+              <a:buFont typeface="Arial" charset="0"/>
+              <a:buChar char="•"/>
+              <a:defRPr sz="2400" kern="1200">
+                <a:solidFill>
+                  <a:schemeClr val="tx1"/>
+                </a:solidFill>
+                <a:latin typeface="+mn-lt"/>
+                <a:ea typeface="+mn-ea"/>
+                <a:cs typeface="+mn-cs"/>
+              </a:defRPr>
+            </a:lvl3pPr>
+            <a:lvl4pPr marL="1600200" indent="-228600" algn="l" rtl="0" eaLnBrk="1" fontAlgn="base" hangingPunct="1">
+              <a:spcBef>
+                <a:spcPct val="20000"/>
+              </a:spcBef>
+              <a:spcAft>
+                <a:spcPct val="0"/>
+              </a:spcAft>
+              <a:buFont typeface="Arial" charset="0"/>
+              <a:buChar char="–"/>
+              <a:defRPr sz="2000" kern="1200">
+                <a:solidFill>
+                  <a:schemeClr val="tx1"/>
+                </a:solidFill>
+                <a:latin typeface="+mn-lt"/>
+                <a:ea typeface="+mn-ea"/>
+                <a:cs typeface="+mn-cs"/>
+              </a:defRPr>
+            </a:lvl4pPr>
+            <a:lvl5pPr marL="2057400" indent="-228600" algn="l" rtl="0" eaLnBrk="1" fontAlgn="base" hangingPunct="1">
+              <a:spcBef>
+                <a:spcPct val="20000"/>
+              </a:spcBef>
+              <a:spcAft>
+                <a:spcPct val="0"/>
+              </a:spcAft>
+              <a:buFont typeface="Arial" charset="0"/>
+              <a:buChar char="»"/>
+              <a:defRPr sz="2000" kern="1200">
+                <a:solidFill>
+                  <a:schemeClr val="tx1"/>
+                </a:solidFill>
+                <a:latin typeface="+mn-lt"/>
+                <a:ea typeface="+mn-ea"/>
+                <a:cs typeface="+mn-cs"/>
+              </a:defRPr>
+            </a:lvl5pPr>
+            <a:lvl6pPr marL="2514600" indent="-228600" algn="l" defTabSz="914400" rtl="0" eaLnBrk="1" latinLnBrk="0" hangingPunct="1">
+              <a:spcBef>
+                <a:spcPct val="20000"/>
+              </a:spcBef>
+              <a:buFont typeface="Arial" pitchFamily="34" charset="0"/>
+              <a:buChar char="•"/>
+              <a:defRPr sz="2000" kern="1200">
+                <a:solidFill>
+                  <a:schemeClr val="tx1"/>
+                </a:solidFill>
+                <a:latin typeface="+mn-lt"/>
+                <a:ea typeface="+mn-ea"/>
+                <a:cs typeface="+mn-cs"/>
+              </a:defRPr>
+            </a:lvl6pPr>
+            <a:lvl7pPr marL="2971800" indent="-228600" algn="l" defTabSz="914400" rtl="0" eaLnBrk="1" latinLnBrk="0" hangingPunct="1">
+              <a:spcBef>
+                <a:spcPct val="20000"/>
+              </a:spcBef>
+              <a:buFont typeface="Arial" pitchFamily="34" charset="0"/>
+              <a:buChar char="•"/>
+              <a:defRPr sz="2000" kern="1200">
+                <a:solidFill>
+                  <a:schemeClr val="tx1"/>
+                </a:solidFill>
+                <a:latin typeface="+mn-lt"/>
+                <a:ea typeface="+mn-ea"/>
+                <a:cs typeface="+mn-cs"/>
+              </a:defRPr>
+            </a:lvl7pPr>
+            <a:lvl8pPr marL="3429000" indent="-228600" algn="l" defTabSz="914400" rtl="0" eaLnBrk="1" latinLnBrk="0" hangingPunct="1">
+              <a:spcBef>
+                <a:spcPct val="20000"/>
+              </a:spcBef>
+              <a:buFont typeface="Arial" pitchFamily="34" charset="0"/>
+              <a:buChar char="•"/>
+              <a:defRPr sz="2000" kern="1200">
+                <a:solidFill>
+                  <a:schemeClr val="tx1"/>
+                </a:solidFill>
+                <a:latin typeface="+mn-lt"/>
+                <a:ea typeface="+mn-ea"/>
+                <a:cs typeface="+mn-cs"/>
+              </a:defRPr>
+            </a:lvl8pPr>
+            <a:lvl9pPr marL="3886200" indent="-228600" algn="l" defTabSz="914400" rtl="0" eaLnBrk="1" latinLnBrk="0" hangingPunct="1">
+              <a:spcBef>
+                <a:spcPct val="20000"/>
+              </a:spcBef>
+              <a:buFont typeface="Arial" pitchFamily="34" charset="0"/>
+              <a:buChar char="•"/>
+              <a:defRPr sz="2000" kern="1200">
+                <a:solidFill>
+                  <a:schemeClr val="tx1"/>
+                </a:solidFill>
+                <a:latin typeface="+mn-lt"/>
+                <a:ea typeface="+mn-ea"/>
+                <a:cs typeface="+mn-cs"/>
+              </a:defRPr>
+            </a:lvl9pPr>
+          </a:lstStyle>
+          <a:p>
+            <a:pPr marL="0" indent="0" algn="ctr">
+              <a:buNone/>
             </a:pPr>
             <a:r>
-              <a:rPr lang="en-US" sz="2000" dirty="0" smtClean="0">
-                <a:latin typeface="Trebuchet MS" pitchFamily="34" charset="0"/>
-                <a:ea typeface="Calibri" pitchFamily="34" charset="0"/>
-                <a:cs typeface="Arial" pitchFamily="34" charset="0"/>
-              </a:rPr>
-              <a:t>Twitter: </a:t>
-            </a:r>
-            <a:r>
-              <a:rPr lang="en-US" sz="2000" dirty="0" smtClean="0">
+              <a:rPr lang="es-PE" sz="2800" dirty="0" smtClean="0"/>
+              <a:t>Asilar los lugares que necesitan ser cambiados antes de realizar el cambio.</a:t>
+            </a:r>
+            <a:br>
+              <a:rPr lang="es-PE" sz="2800" dirty="0" smtClean="0"/>
+            </a:br>
+            <a:r>
+              <a:rPr lang="es-PE" sz="2800" dirty="0"/>
+              <a:t>(</a:t>
+            </a:r>
+            <a:r>
+              <a:rPr lang="es-PE" sz="2800" dirty="0" err="1"/>
+              <a:t>Refactorizar</a:t>
+            </a:r>
+            <a:r>
+              <a:rPr lang="es-PE" sz="2800" dirty="0"/>
+              <a:t> 3 en vez de 50)</a:t>
+            </a:r>
+          </a:p>
+          <a:p>
+            <a:pPr marL="0" indent="0">
+              <a:buNone/>
+            </a:pPr>
+            <a:endParaRPr lang="en-US" sz="2800" dirty="0" smtClean="0"/>
+          </a:p>
+          <a:p>
+            <a:pPr marL="0" indent="0">
+              <a:buNone/>
+            </a:pPr>
+            <a:r>
+              <a:rPr lang="en-US" sz="2800" dirty="0" err="1" smtClean="0">
                 <a:solidFill>
                   <a:srgbClr val="FFC000"/>
                 </a:solidFill>
-                <a:latin typeface="Trebuchet MS" pitchFamily="34" charset="0"/>
-                <a:ea typeface="Calibri" pitchFamily="34" charset="0"/>
-                <a:cs typeface="Arial" pitchFamily="34" charset="0"/>
-              </a:rPr>
-              <a:t>@</a:t>
-            </a:r>
-            <a:r>
-              <a:rPr lang="en-US" sz="2000" dirty="0" err="1" smtClean="0">
-                <a:solidFill>
-                  <a:srgbClr val="FFC000"/>
-                </a:solidFill>
-                <a:latin typeface="Trebuchet MS" pitchFamily="34" charset="0"/>
-                <a:ea typeface="Calibri" pitchFamily="34" charset="0"/>
-                <a:cs typeface="Arial" pitchFamily="34" charset="0"/>
-              </a:rPr>
-              <a:t>snahider</a:t>
-            </a:r>
-            <a:r>
-              <a:rPr lang="en-US" sz="2000" dirty="0" smtClean="0">
-                <a:solidFill>
-                  <a:srgbClr val="FFC000"/>
-                </a:solidFill>
-                <a:latin typeface="Trebuchet MS" pitchFamily="34" charset="0"/>
-                <a:cs typeface="Arial" pitchFamily="34" charset="0"/>
+              </a:rPr>
+              <a:t>Mecánica</a:t>
+            </a:r>
+            <a:endParaRPr lang="es-PE" sz="2800" dirty="0" smtClean="0">
+              <a:solidFill>
+                <a:srgbClr val="FFC000"/>
+              </a:solidFill>
+            </a:endParaRPr>
+          </a:p>
+          <a:p>
+            <a:r>
+              <a:rPr lang="es-PE" sz="2800" dirty="0" smtClean="0"/>
+              <a:t>Extraer métodos que consoliden los lugares a cambiar</a:t>
+            </a:r>
+            <a:r>
+              <a:rPr lang="es-PE" sz="2800" dirty="0"/>
+              <a:t>. </a:t>
+            </a:r>
+            <a:endParaRPr lang="es-PE" sz="2800" dirty="0" smtClean="0"/>
+          </a:p>
+          <a:p>
+            <a:r>
+              <a:rPr lang="es-PE" sz="2800" dirty="0" smtClean="0"/>
+              <a:t>Cambiar el código dentro de los métodos </a:t>
+            </a:r>
+            <a:r>
+              <a:rPr lang="es-PE" sz="2800" dirty="0" err="1" smtClean="0"/>
+              <a:t>extraidos</a:t>
+            </a:r>
+            <a:r>
+              <a:rPr lang="es-PE" sz="2800" dirty="0" smtClean="0"/>
+              <a:t>.</a:t>
+            </a:r>
+          </a:p>
+          <a:p>
+            <a:r>
+              <a:rPr lang="es-PE" sz="2800" dirty="0" smtClean="0"/>
+              <a:t>Realizar un </a:t>
+            </a:r>
+            <a:r>
+              <a:rPr lang="es-PE" sz="2800" dirty="0" err="1" smtClean="0"/>
+              <a:t>Inline</a:t>
+            </a:r>
+            <a:r>
+              <a:rPr lang="es-PE" sz="2800" dirty="0" smtClean="0"/>
+              <a:t> para propagar el cambio y eliminar el método </a:t>
+            </a:r>
+            <a:r>
+              <a:rPr lang="es-PE" sz="2800" dirty="0" err="1" smtClean="0"/>
+              <a:t>extraido</a:t>
+            </a:r>
+            <a:r>
+              <a:rPr lang="es-PE" sz="2800" dirty="0" smtClean="0"/>
+              <a:t>.</a:t>
+            </a:r>
+            <a:endParaRPr lang="es-PE" sz="2800" dirty="0"/>
+          </a:p>
+        </p:txBody>
+      </p:sp>
+      <p:sp>
+        <p:nvSpPr>
+          <p:cNvPr id="8" name="1 Título"/>
+          <p:cNvSpPr>
+            <a:spLocks noGrp="1"/>
+          </p:cNvSpPr>
+          <p:nvPr>
+            <p:ph type="title"/>
+          </p:nvPr>
+        </p:nvSpPr>
+        <p:spPr>
+          <a:xfrm>
+            <a:off x="529208" y="51761"/>
+            <a:ext cx="8229600" cy="1143000"/>
+          </a:xfrm>
+        </p:spPr>
+        <p:txBody>
+          <a:bodyPr/>
+          <a:lstStyle/>
+          <a:p>
+            <a:r>
+              <a:rPr lang="es-PE" dirty="0" err="1" smtClean="0">
+                <a:solidFill>
+                  <a:srgbClr val="009A46"/>
+                </a:solidFill>
+              </a:rPr>
+              <a:t>Narrowed</a:t>
+            </a:r>
+            <a:r>
+              <a:rPr lang="es-PE" dirty="0" smtClean="0">
+                <a:solidFill>
+                  <a:srgbClr val="009A46"/>
+                </a:solidFill>
               </a:rPr>
               <a:t> </a:t>
             </a:r>
+            <a:r>
+              <a:rPr lang="es-PE" dirty="0" err="1" smtClean="0">
+                <a:solidFill>
+                  <a:srgbClr val="009A46"/>
+                </a:solidFill>
+              </a:rPr>
+              <a:t>Change</a:t>
+            </a:r>
+            <a:endParaRPr lang="es-PE" dirty="0">
+              <a:solidFill>
+                <a:srgbClr val="009A46"/>
+              </a:solidFill>
+            </a:endParaRPr>
           </a:p>
         </p:txBody>
       </p:sp>
     </p:spTree>
     <p:extLst>
       <p:ext uri="{BB962C8B-B14F-4D97-AF65-F5344CB8AC3E}">
-        <p14:creationId xmlns:p14="http://schemas.microsoft.com/office/powerpoint/2010/main" val="3929104299"/>
+        <p14:creationId xmlns:p14="http://schemas.microsoft.com/office/powerpoint/2010/main" val="2787066783"/>
       </p:ext>
     </p:extLst>
   </p:cSld>
@@ -26773,11 +28064,11 @@
   <p:clrMapOvr>
     <a:masterClrMapping/>
   </p:clrMapOvr>
-  <mc:AlternateContent xmlns:mc="http://schemas.openxmlformats.org/markup-compatibility/2006">
-    <mc:Choice xmlns:p14="http://schemas.microsoft.com/office/powerpoint/2010/main" Requires="p14">
+  <mc:AlternateContent xmlns:mc="http://schemas.openxmlformats.org/markup-compatibility/2006" xmlns:p14="http://schemas.microsoft.com/office/powerpoint/2010/main">
+    <mc:Choice Requires="p14">
       <p:transition spd="slow" p14:dur="2000"/>
     </mc:Choice>
-    <mc:Fallback>
+    <mc:Fallback xmlns="">
       <p:transition spd="slow"/>
     </mc:Fallback>
   </mc:AlternateContent>
@@ -26913,6 +28204,1400 @@
       <p:bldP spid="7" grpId="0"/>
       <p:bldP spid="6" grpId="0"/>
     </p:bldLst>
+  </p:timing>
+</p:sld>
+</file>
+
+<file path=ppt/slides/slide60.xml><?xml version="1.0" encoding="utf-8"?>
+<p:sld xmlns:a="http://schemas.openxmlformats.org/drawingml/2006/main" xmlns:r="http://schemas.openxmlformats.org/officeDocument/2006/relationships" xmlns:p="http://schemas.openxmlformats.org/presentationml/2006/main">
+  <p:cSld>
+    <p:spTree>
+      <p:nvGrpSpPr>
+        <p:cNvPr id="1" name=""/>
+        <p:cNvGrpSpPr/>
+        <p:nvPr/>
+      </p:nvGrpSpPr>
+      <p:grpSpPr>
+        <a:xfrm>
+          <a:off x="0" y="0"/>
+          <a:ext cx="0" cy="0"/>
+          <a:chOff x="0" y="0"/>
+          <a:chExt cx="0" cy="0"/>
+        </a:xfrm>
+      </p:grpSpPr>
+      <p:sp>
+        <p:nvSpPr>
+          <p:cNvPr id="6" name="5 Marcador de contenido"/>
+          <p:cNvSpPr txBox="1">
+            <a:spLocks/>
+          </p:cNvSpPr>
+          <p:nvPr/>
+        </p:nvSpPr>
+        <p:spPr bwMode="auto">
+          <a:xfrm>
+            <a:off x="251520" y="1268760"/>
+            <a:ext cx="8568952" cy="4968552"/>
+          </a:xfrm>
+          <a:prstGeom prst="rect">
+            <a:avLst/>
+          </a:prstGeom>
+          <a:noFill/>
+          <a:ln w="9525">
+            <a:noFill/>
+            <a:miter lim="800000"/>
+            <a:headEnd/>
+            <a:tailEnd/>
+          </a:ln>
+        </p:spPr>
+        <p:txBody>
+          <a:bodyPr vert="horz" wrap="square" lIns="91440" tIns="45720" rIns="91440" bIns="45720" numCol="1" anchor="t" anchorCtr="0" compatLnSpc="1">
+            <a:prstTxWarp prst="textNoShape">
+              <a:avLst/>
+            </a:prstTxWarp>
+          </a:bodyPr>
+          <a:lstStyle>
+            <a:lvl1pPr marL="342900" indent="-342900" algn="l" rtl="0" eaLnBrk="1" fontAlgn="base" hangingPunct="1">
+              <a:spcBef>
+                <a:spcPct val="20000"/>
+              </a:spcBef>
+              <a:spcAft>
+                <a:spcPct val="0"/>
+              </a:spcAft>
+              <a:buFont typeface="Arial" charset="0"/>
+              <a:buChar char="•"/>
+              <a:defRPr sz="3200" kern="1200">
+                <a:solidFill>
+                  <a:schemeClr val="tx1"/>
+                </a:solidFill>
+                <a:latin typeface="+mn-lt"/>
+                <a:ea typeface="+mn-ea"/>
+                <a:cs typeface="+mn-cs"/>
+              </a:defRPr>
+            </a:lvl1pPr>
+            <a:lvl2pPr marL="742950" indent="-285750" algn="l" rtl="0" eaLnBrk="1" fontAlgn="base" hangingPunct="1">
+              <a:spcBef>
+                <a:spcPct val="20000"/>
+              </a:spcBef>
+              <a:spcAft>
+                <a:spcPct val="0"/>
+              </a:spcAft>
+              <a:buFont typeface="Arial" charset="0"/>
+              <a:buChar char="–"/>
+              <a:defRPr sz="2800" kern="1200">
+                <a:solidFill>
+                  <a:schemeClr val="tx1"/>
+                </a:solidFill>
+                <a:latin typeface="+mn-lt"/>
+                <a:ea typeface="+mn-ea"/>
+                <a:cs typeface="+mn-cs"/>
+              </a:defRPr>
+            </a:lvl2pPr>
+            <a:lvl3pPr marL="1143000" indent="-228600" algn="l" rtl="0" eaLnBrk="1" fontAlgn="base" hangingPunct="1">
+              <a:spcBef>
+                <a:spcPct val="20000"/>
+              </a:spcBef>
+              <a:spcAft>
+                <a:spcPct val="0"/>
+              </a:spcAft>
+              <a:buFont typeface="Arial" charset="0"/>
+              <a:buChar char="•"/>
+              <a:defRPr sz="2400" kern="1200">
+                <a:solidFill>
+                  <a:schemeClr val="tx1"/>
+                </a:solidFill>
+                <a:latin typeface="+mn-lt"/>
+                <a:ea typeface="+mn-ea"/>
+                <a:cs typeface="+mn-cs"/>
+              </a:defRPr>
+            </a:lvl3pPr>
+            <a:lvl4pPr marL="1600200" indent="-228600" algn="l" rtl="0" eaLnBrk="1" fontAlgn="base" hangingPunct="1">
+              <a:spcBef>
+                <a:spcPct val="20000"/>
+              </a:spcBef>
+              <a:spcAft>
+                <a:spcPct val="0"/>
+              </a:spcAft>
+              <a:buFont typeface="Arial" charset="0"/>
+              <a:buChar char="–"/>
+              <a:defRPr sz="2000" kern="1200">
+                <a:solidFill>
+                  <a:schemeClr val="tx1"/>
+                </a:solidFill>
+                <a:latin typeface="+mn-lt"/>
+                <a:ea typeface="+mn-ea"/>
+                <a:cs typeface="+mn-cs"/>
+              </a:defRPr>
+            </a:lvl4pPr>
+            <a:lvl5pPr marL="2057400" indent="-228600" algn="l" rtl="0" eaLnBrk="1" fontAlgn="base" hangingPunct="1">
+              <a:spcBef>
+                <a:spcPct val="20000"/>
+              </a:spcBef>
+              <a:spcAft>
+                <a:spcPct val="0"/>
+              </a:spcAft>
+              <a:buFont typeface="Arial" charset="0"/>
+              <a:buChar char="»"/>
+              <a:defRPr sz="2000" kern="1200">
+                <a:solidFill>
+                  <a:schemeClr val="tx1"/>
+                </a:solidFill>
+                <a:latin typeface="+mn-lt"/>
+                <a:ea typeface="+mn-ea"/>
+                <a:cs typeface="+mn-cs"/>
+              </a:defRPr>
+            </a:lvl5pPr>
+            <a:lvl6pPr marL="2514600" indent="-228600" algn="l" defTabSz="914400" rtl="0" eaLnBrk="1" latinLnBrk="0" hangingPunct="1">
+              <a:spcBef>
+                <a:spcPct val="20000"/>
+              </a:spcBef>
+              <a:buFont typeface="Arial" pitchFamily="34" charset="0"/>
+              <a:buChar char="•"/>
+              <a:defRPr sz="2000" kern="1200">
+                <a:solidFill>
+                  <a:schemeClr val="tx1"/>
+                </a:solidFill>
+                <a:latin typeface="+mn-lt"/>
+                <a:ea typeface="+mn-ea"/>
+                <a:cs typeface="+mn-cs"/>
+              </a:defRPr>
+            </a:lvl6pPr>
+            <a:lvl7pPr marL="2971800" indent="-228600" algn="l" defTabSz="914400" rtl="0" eaLnBrk="1" latinLnBrk="0" hangingPunct="1">
+              <a:spcBef>
+                <a:spcPct val="20000"/>
+              </a:spcBef>
+              <a:buFont typeface="Arial" pitchFamily="34" charset="0"/>
+              <a:buChar char="•"/>
+              <a:defRPr sz="2000" kern="1200">
+                <a:solidFill>
+                  <a:schemeClr val="tx1"/>
+                </a:solidFill>
+                <a:latin typeface="+mn-lt"/>
+                <a:ea typeface="+mn-ea"/>
+                <a:cs typeface="+mn-cs"/>
+              </a:defRPr>
+            </a:lvl7pPr>
+            <a:lvl8pPr marL="3429000" indent="-228600" algn="l" defTabSz="914400" rtl="0" eaLnBrk="1" latinLnBrk="0" hangingPunct="1">
+              <a:spcBef>
+                <a:spcPct val="20000"/>
+              </a:spcBef>
+              <a:buFont typeface="Arial" pitchFamily="34" charset="0"/>
+              <a:buChar char="•"/>
+              <a:defRPr sz="2000" kern="1200">
+                <a:solidFill>
+                  <a:schemeClr val="tx1"/>
+                </a:solidFill>
+                <a:latin typeface="+mn-lt"/>
+                <a:ea typeface="+mn-ea"/>
+                <a:cs typeface="+mn-cs"/>
+              </a:defRPr>
+            </a:lvl8pPr>
+            <a:lvl9pPr marL="3886200" indent="-228600" algn="l" defTabSz="914400" rtl="0" eaLnBrk="1" latinLnBrk="0" hangingPunct="1">
+              <a:spcBef>
+                <a:spcPct val="20000"/>
+              </a:spcBef>
+              <a:buFont typeface="Arial" pitchFamily="34" charset="0"/>
+              <a:buChar char="•"/>
+              <a:defRPr sz="2000" kern="1200">
+                <a:solidFill>
+                  <a:schemeClr val="tx1"/>
+                </a:solidFill>
+                <a:latin typeface="+mn-lt"/>
+                <a:ea typeface="+mn-ea"/>
+                <a:cs typeface="+mn-cs"/>
+              </a:defRPr>
+            </a:lvl9pPr>
+          </a:lstStyle>
+          <a:p>
+            <a:pPr marL="0" indent="0" algn="ctr">
+              <a:buNone/>
+            </a:pPr>
+            <a:r>
+              <a:rPr lang="es-PE" sz="2800" dirty="0" smtClean="0"/>
+              <a:t>Asilar los lugares que necesitan ser cambiados antes de realizar el cambio.</a:t>
+            </a:r>
+            <a:br>
+              <a:rPr lang="es-PE" sz="2800" dirty="0" smtClean="0"/>
+            </a:br>
+            <a:r>
+              <a:rPr lang="es-PE" sz="2800" dirty="0" smtClean="0"/>
+              <a:t>(</a:t>
+            </a:r>
+            <a:r>
+              <a:rPr lang="es-PE" sz="2800" dirty="0" err="1" smtClean="0"/>
+              <a:t>Refactorizar</a:t>
+            </a:r>
+            <a:r>
+              <a:rPr lang="es-PE" sz="2800" dirty="0" smtClean="0"/>
+              <a:t> 3 en vez de 50)</a:t>
+            </a:r>
+          </a:p>
+          <a:p>
+            <a:pPr marL="0" indent="0">
+              <a:buNone/>
+            </a:pPr>
+            <a:endParaRPr lang="es-PE" sz="2800" dirty="0" smtClean="0"/>
+          </a:p>
+          <a:p>
+            <a:pPr marL="0" indent="0">
+              <a:buNone/>
+            </a:pPr>
+            <a:r>
+              <a:rPr lang="es-PE" sz="2800" dirty="0" smtClean="0">
+                <a:solidFill>
+                  <a:srgbClr val="FFC000"/>
+                </a:solidFill>
+              </a:rPr>
+              <a:t>Mecánica</a:t>
+            </a:r>
+          </a:p>
+          <a:p>
+            <a:r>
+              <a:rPr lang="es-PE" sz="2800" dirty="0" smtClean="0"/>
+              <a:t>Agregar el nuevo código justo a lado de cada código que queremos cambiar. No eliminar el código antiguo.</a:t>
+            </a:r>
+          </a:p>
+          <a:p>
+            <a:r>
+              <a:rPr lang="es-PE" sz="2800" dirty="0" smtClean="0"/>
+              <a:t>Cuando se haya agregado todo el código nuevo,  ambos deben convivir sin afectar ninguna funcionalidad.</a:t>
+            </a:r>
+          </a:p>
+          <a:p>
+            <a:r>
+              <a:rPr lang="es-PE" sz="2800" dirty="0" smtClean="0"/>
+              <a:t>Gradualmente ir retirando el código antiguo.</a:t>
+            </a:r>
+          </a:p>
+          <a:p>
+            <a:endParaRPr lang="es-PE" sz="2800" dirty="0"/>
+          </a:p>
+        </p:txBody>
+      </p:sp>
+      <p:sp>
+        <p:nvSpPr>
+          <p:cNvPr id="8" name="1 Título"/>
+          <p:cNvSpPr>
+            <a:spLocks noGrp="1"/>
+          </p:cNvSpPr>
+          <p:nvPr>
+            <p:ph type="title"/>
+          </p:nvPr>
+        </p:nvSpPr>
+        <p:spPr>
+          <a:xfrm>
+            <a:off x="529208" y="51761"/>
+            <a:ext cx="8229600" cy="1143000"/>
+          </a:xfrm>
+        </p:spPr>
+        <p:txBody>
+          <a:bodyPr/>
+          <a:lstStyle/>
+          <a:p>
+            <a:r>
+              <a:rPr lang="es-PE" dirty="0" err="1" smtClean="0">
+                <a:solidFill>
+                  <a:srgbClr val="009A46"/>
+                </a:solidFill>
+              </a:rPr>
+              <a:t>Parallel</a:t>
+            </a:r>
+            <a:r>
+              <a:rPr lang="es-PE" dirty="0" smtClean="0">
+                <a:solidFill>
+                  <a:srgbClr val="009A46"/>
+                </a:solidFill>
+              </a:rPr>
+              <a:t> </a:t>
+            </a:r>
+            <a:r>
+              <a:rPr lang="es-PE" dirty="0" err="1" smtClean="0">
+                <a:solidFill>
+                  <a:srgbClr val="009A46"/>
+                </a:solidFill>
+              </a:rPr>
+              <a:t>Change</a:t>
+            </a:r>
+            <a:endParaRPr lang="es-PE" dirty="0">
+              <a:solidFill>
+                <a:srgbClr val="009A46"/>
+              </a:solidFill>
+            </a:endParaRPr>
+          </a:p>
+        </p:txBody>
+      </p:sp>
+    </p:spTree>
+    <p:extLst>
+      <p:ext uri="{BB962C8B-B14F-4D97-AF65-F5344CB8AC3E}">
+        <p14:creationId xmlns:p14="http://schemas.microsoft.com/office/powerpoint/2010/main" val="1817539638"/>
+      </p:ext>
+    </p:extLst>
+  </p:cSld>
+  <p:clrMapOvr>
+    <a:masterClrMapping/>
+  </p:clrMapOvr>
+  <p:timing>
+    <p:tnLst>
+      <p:par>
+        <p:cTn id="1" dur="indefinite" restart="never" nodeType="tmRoot"/>
+      </p:par>
+    </p:tnLst>
+  </p:timing>
+</p:sld>
+</file>
+
+<file path=ppt/slides/slide61.xml><?xml version="1.0" encoding="utf-8"?>
+<p:sld xmlns:a="http://schemas.openxmlformats.org/drawingml/2006/main" xmlns:r="http://schemas.openxmlformats.org/officeDocument/2006/relationships" xmlns:p="http://schemas.openxmlformats.org/presentationml/2006/main">
+  <p:cSld>
+    <p:spTree>
+      <p:nvGrpSpPr>
+        <p:cNvPr id="1" name=""/>
+        <p:cNvGrpSpPr/>
+        <p:nvPr/>
+      </p:nvGrpSpPr>
+      <p:grpSpPr>
+        <a:xfrm>
+          <a:off x="0" y="0"/>
+          <a:ext cx="0" cy="0"/>
+          <a:chOff x="0" y="0"/>
+          <a:chExt cx="0" cy="0"/>
+        </a:xfrm>
+      </p:grpSpPr>
+      <p:sp>
+        <p:nvSpPr>
+          <p:cNvPr id="3" name="2 Título"/>
+          <p:cNvSpPr>
+            <a:spLocks noGrp="1"/>
+          </p:cNvSpPr>
+          <p:nvPr>
+            <p:ph type="title"/>
+          </p:nvPr>
+        </p:nvSpPr>
+        <p:spPr>
+          <a:xfrm>
+            <a:off x="446856" y="1124744"/>
+            <a:ext cx="8229600" cy="2088232"/>
+          </a:xfrm>
+        </p:spPr>
+        <p:txBody>
+          <a:bodyPr/>
+          <a:lstStyle/>
+          <a:p>
+            <a:r>
+              <a:rPr lang="es-PE" dirty="0" smtClean="0">
+                <a:solidFill>
+                  <a:srgbClr val="FFC000"/>
+                </a:solidFill>
+              </a:rPr>
+              <a:t>Ejercicio </a:t>
+            </a:r>
+            <a:r>
+              <a:rPr lang="es-PE" dirty="0" smtClean="0">
+                <a:solidFill>
+                  <a:srgbClr val="00823B"/>
+                </a:solidFill>
+              </a:rPr>
+              <a:t/>
+            </a:r>
+            <a:br>
+              <a:rPr lang="es-PE" dirty="0" smtClean="0">
+                <a:solidFill>
+                  <a:srgbClr val="00823B"/>
+                </a:solidFill>
+              </a:rPr>
+            </a:br>
+            <a:r>
+              <a:rPr lang="es-PE" dirty="0" smtClean="0">
+                <a:solidFill>
+                  <a:srgbClr val="00823B"/>
+                </a:solidFill>
+              </a:rPr>
+              <a:t>Aprendiendo Refactoring </a:t>
+            </a:r>
+            <a:r>
+              <a:rPr lang="es-PE" dirty="0" err="1" smtClean="0">
+                <a:solidFill>
+                  <a:srgbClr val="00823B"/>
+                </a:solidFill>
+              </a:rPr>
+              <a:t>Patterns</a:t>
+            </a:r>
+            <a:endParaRPr lang="es-PE" dirty="0">
+              <a:solidFill>
+                <a:srgbClr val="00823B"/>
+              </a:solidFill>
+            </a:endParaRPr>
+          </a:p>
+        </p:txBody>
+      </p:sp>
+      <p:sp>
+        <p:nvSpPr>
+          <p:cNvPr id="4" name="3 CuadroTexto"/>
+          <p:cNvSpPr txBox="1"/>
+          <p:nvPr/>
+        </p:nvSpPr>
+        <p:spPr>
+          <a:xfrm>
+            <a:off x="323529" y="3429000"/>
+            <a:ext cx="8496944" cy="830997"/>
+          </a:xfrm>
+          <a:prstGeom prst="rect">
+            <a:avLst/>
+          </a:prstGeom>
+          <a:noFill/>
+        </p:spPr>
+        <p:txBody>
+          <a:bodyPr wrap="square" rtlCol="0">
+            <a:spAutoFit/>
+          </a:bodyPr>
+          <a:lstStyle/>
+          <a:p>
+            <a:pPr algn="ctr"/>
+            <a:r>
+              <a:rPr lang="es-PE" sz="2400" dirty="0" smtClean="0"/>
+              <a:t>Aplicar las técnicas de "</a:t>
+            </a:r>
+            <a:r>
+              <a:rPr lang="es-PE" sz="2400" dirty="0" err="1" smtClean="0"/>
+              <a:t>Narrowed</a:t>
+            </a:r>
+            <a:r>
+              <a:rPr lang="es-PE" sz="2400" dirty="0" smtClean="0"/>
+              <a:t> </a:t>
+            </a:r>
+            <a:r>
+              <a:rPr lang="es-PE" sz="2400" dirty="0" err="1" smtClean="0"/>
+              <a:t>Change</a:t>
+            </a:r>
+            <a:r>
+              <a:rPr lang="es-PE" sz="2400" dirty="0" smtClean="0"/>
+              <a:t>" y "</a:t>
+            </a:r>
+            <a:r>
+              <a:rPr lang="es-PE" sz="2400" dirty="0" err="1" smtClean="0"/>
+              <a:t>Paralell</a:t>
+            </a:r>
+            <a:r>
+              <a:rPr lang="es-PE" sz="2400" dirty="0" smtClean="0"/>
+              <a:t> </a:t>
+            </a:r>
+            <a:r>
+              <a:rPr lang="es-PE" sz="2400" dirty="0" err="1" smtClean="0"/>
+              <a:t>Change</a:t>
+            </a:r>
+            <a:r>
+              <a:rPr lang="es-PE" sz="2400" dirty="0" smtClean="0"/>
+              <a:t>" para </a:t>
+            </a:r>
+            <a:r>
+              <a:rPr lang="es-PE" sz="2400" dirty="0" err="1" smtClean="0"/>
+              <a:t>refactorizar</a:t>
+            </a:r>
+            <a:r>
+              <a:rPr lang="es-PE" sz="2400" dirty="0" smtClean="0"/>
+              <a:t> una clase "</a:t>
+            </a:r>
+            <a:r>
+              <a:rPr lang="es-PE" sz="2400" dirty="0" err="1" smtClean="0"/>
+              <a:t>Stack</a:t>
+            </a:r>
+            <a:r>
+              <a:rPr lang="es-PE" sz="2400" dirty="0" smtClean="0"/>
+              <a:t>". </a:t>
+            </a:r>
+          </a:p>
+        </p:txBody>
+      </p:sp>
+    </p:spTree>
+    <p:extLst>
+      <p:ext uri="{BB962C8B-B14F-4D97-AF65-F5344CB8AC3E}">
+        <p14:creationId xmlns:p14="http://schemas.microsoft.com/office/powerpoint/2010/main" val="1279926904"/>
+      </p:ext>
+    </p:extLst>
+  </p:cSld>
+  <p:clrMapOvr>
+    <a:masterClrMapping/>
+  </p:clrMapOvr>
+  <p:timing>
+    <p:tnLst>
+      <p:par>
+        <p:cTn id="1" dur="indefinite" restart="never" nodeType="tmRoot"/>
+      </p:par>
+    </p:tnLst>
+  </p:timing>
+</p:sld>
+</file>
+
+<file path=ppt/slides/slide62.xml><?xml version="1.0" encoding="utf-8"?>
+<p:sld xmlns:a="http://schemas.openxmlformats.org/drawingml/2006/main" xmlns:r="http://schemas.openxmlformats.org/officeDocument/2006/relationships" xmlns:p="http://schemas.openxmlformats.org/presentationml/2006/main">
+  <p:cSld>
+    <p:spTree>
+      <p:nvGrpSpPr>
+        <p:cNvPr id="1" name=""/>
+        <p:cNvGrpSpPr/>
+        <p:nvPr/>
+      </p:nvGrpSpPr>
+      <p:grpSpPr>
+        <a:xfrm>
+          <a:off x="0" y="0"/>
+          <a:ext cx="0" cy="0"/>
+          <a:chOff x="0" y="0"/>
+          <a:chExt cx="0" cy="0"/>
+        </a:xfrm>
+      </p:grpSpPr>
+      <p:sp>
+        <p:nvSpPr>
+          <p:cNvPr id="3" name="2 Título"/>
+          <p:cNvSpPr>
+            <a:spLocks noGrp="1"/>
+          </p:cNvSpPr>
+          <p:nvPr>
+            <p:ph type="title"/>
+          </p:nvPr>
+        </p:nvSpPr>
+        <p:spPr>
+          <a:xfrm>
+            <a:off x="228600" y="1700808"/>
+            <a:ext cx="8686800" cy="2700300"/>
+          </a:xfrm>
+        </p:spPr>
+        <p:txBody>
+          <a:bodyPr/>
+          <a:lstStyle/>
+          <a:p>
+            <a:r>
+              <a:rPr lang="es-PE" sz="8000" dirty="0" smtClean="0">
+                <a:solidFill>
+                  <a:srgbClr val="FFC000"/>
+                </a:solidFill>
+              </a:rPr>
+              <a:t>Conclusiones</a:t>
+            </a:r>
+            <a:endParaRPr lang="es-PE" sz="8000" dirty="0">
+              <a:solidFill>
+                <a:srgbClr val="00823B"/>
+              </a:solidFill>
+            </a:endParaRPr>
+          </a:p>
+        </p:txBody>
+      </p:sp>
+    </p:spTree>
+    <p:extLst>
+      <p:ext uri="{BB962C8B-B14F-4D97-AF65-F5344CB8AC3E}">
+        <p14:creationId xmlns:p14="http://schemas.microsoft.com/office/powerpoint/2010/main" val="3410004770"/>
+      </p:ext>
+    </p:extLst>
+  </p:cSld>
+  <p:clrMapOvr>
+    <a:masterClrMapping/>
+  </p:clrMapOvr>
+  <p:timing>
+    <p:tnLst>
+      <p:par>
+        <p:cTn id="1" dur="indefinite" restart="never" nodeType="tmRoot"/>
+      </p:par>
+    </p:tnLst>
+  </p:timing>
+</p:sld>
+</file>
+
+<file path=ppt/slides/slide63.xml><?xml version="1.0" encoding="utf-8"?>
+<p:sld xmlns:a="http://schemas.openxmlformats.org/drawingml/2006/main" xmlns:r="http://schemas.openxmlformats.org/officeDocument/2006/relationships" xmlns:p="http://schemas.openxmlformats.org/presentationml/2006/main">
+  <p:cSld>
+    <p:spTree>
+      <p:nvGrpSpPr>
+        <p:cNvPr id="1" name=""/>
+        <p:cNvGrpSpPr/>
+        <p:nvPr/>
+      </p:nvGrpSpPr>
+      <p:grpSpPr>
+        <a:xfrm>
+          <a:off x="0" y="0"/>
+          <a:ext cx="0" cy="0"/>
+          <a:chOff x="0" y="0"/>
+          <a:chExt cx="0" cy="0"/>
+        </a:xfrm>
+      </p:grpSpPr>
+      <p:sp>
+        <p:nvSpPr>
+          <p:cNvPr id="8" name="1 Título"/>
+          <p:cNvSpPr txBox="1">
+            <a:spLocks/>
+          </p:cNvSpPr>
+          <p:nvPr/>
+        </p:nvSpPr>
+        <p:spPr bwMode="auto">
+          <a:xfrm>
+            <a:off x="467544" y="216350"/>
+            <a:ext cx="8229600" cy="720080"/>
+          </a:xfrm>
+          <a:prstGeom prst="rect">
+            <a:avLst/>
+          </a:prstGeom>
+          <a:noFill/>
+          <a:ln w="9525">
+            <a:noFill/>
+            <a:miter lim="800000"/>
+            <a:headEnd/>
+            <a:tailEnd/>
+          </a:ln>
+        </p:spPr>
+        <p:txBody>
+          <a:bodyPr vert="horz" wrap="square" lIns="91440" tIns="45720" rIns="91440" bIns="45720" numCol="1" anchor="ctr" anchorCtr="0" compatLnSpc="1">
+            <a:prstTxWarp prst="textNoShape">
+              <a:avLst/>
+            </a:prstTxWarp>
+            <a:normAutofit fontScale="97500" lnSpcReduction="10000"/>
+          </a:bodyPr>
+          <a:lstStyle>
+            <a:lvl1pPr algn="ctr" rtl="0" eaLnBrk="1" fontAlgn="base" hangingPunct="1">
+              <a:spcBef>
+                <a:spcPct val="0"/>
+              </a:spcBef>
+              <a:spcAft>
+                <a:spcPct val="0"/>
+              </a:spcAft>
+              <a:defRPr sz="4400" kern="1200">
+                <a:solidFill>
+                  <a:schemeClr val="tx1"/>
+                </a:solidFill>
+                <a:latin typeface="+mj-lt"/>
+                <a:ea typeface="+mj-ea"/>
+                <a:cs typeface="+mj-cs"/>
+              </a:defRPr>
+            </a:lvl1pPr>
+            <a:lvl2pPr algn="ctr" rtl="0" eaLnBrk="1" fontAlgn="base" hangingPunct="1">
+              <a:spcBef>
+                <a:spcPct val="0"/>
+              </a:spcBef>
+              <a:spcAft>
+                <a:spcPct val="0"/>
+              </a:spcAft>
+              <a:defRPr sz="4400">
+                <a:solidFill>
+                  <a:schemeClr val="tx1"/>
+                </a:solidFill>
+                <a:latin typeface="Calibri" pitchFamily="34" charset="0"/>
+              </a:defRPr>
+            </a:lvl2pPr>
+            <a:lvl3pPr algn="ctr" rtl="0" eaLnBrk="1" fontAlgn="base" hangingPunct="1">
+              <a:spcBef>
+                <a:spcPct val="0"/>
+              </a:spcBef>
+              <a:spcAft>
+                <a:spcPct val="0"/>
+              </a:spcAft>
+              <a:defRPr sz="4400">
+                <a:solidFill>
+                  <a:schemeClr val="tx1"/>
+                </a:solidFill>
+                <a:latin typeface="Calibri" pitchFamily="34" charset="0"/>
+              </a:defRPr>
+            </a:lvl3pPr>
+            <a:lvl4pPr algn="ctr" rtl="0" eaLnBrk="1" fontAlgn="base" hangingPunct="1">
+              <a:spcBef>
+                <a:spcPct val="0"/>
+              </a:spcBef>
+              <a:spcAft>
+                <a:spcPct val="0"/>
+              </a:spcAft>
+              <a:defRPr sz="4400">
+                <a:solidFill>
+                  <a:schemeClr val="tx1"/>
+                </a:solidFill>
+                <a:latin typeface="Calibri" pitchFamily="34" charset="0"/>
+              </a:defRPr>
+            </a:lvl4pPr>
+            <a:lvl5pPr algn="ctr" rtl="0" eaLnBrk="1" fontAlgn="base" hangingPunct="1">
+              <a:spcBef>
+                <a:spcPct val="0"/>
+              </a:spcBef>
+              <a:spcAft>
+                <a:spcPct val="0"/>
+              </a:spcAft>
+              <a:defRPr sz="4400">
+                <a:solidFill>
+                  <a:schemeClr val="tx1"/>
+                </a:solidFill>
+                <a:latin typeface="Calibri" pitchFamily="34" charset="0"/>
+              </a:defRPr>
+            </a:lvl5pPr>
+            <a:lvl6pPr marL="457200" algn="ctr" rtl="0" eaLnBrk="1" fontAlgn="base" hangingPunct="1">
+              <a:spcBef>
+                <a:spcPct val="0"/>
+              </a:spcBef>
+              <a:spcAft>
+                <a:spcPct val="0"/>
+              </a:spcAft>
+              <a:defRPr sz="4400">
+                <a:solidFill>
+                  <a:schemeClr val="tx1"/>
+                </a:solidFill>
+                <a:latin typeface="Calibri" pitchFamily="34" charset="0"/>
+              </a:defRPr>
+            </a:lvl6pPr>
+            <a:lvl7pPr marL="914400" algn="ctr" rtl="0" eaLnBrk="1" fontAlgn="base" hangingPunct="1">
+              <a:spcBef>
+                <a:spcPct val="0"/>
+              </a:spcBef>
+              <a:spcAft>
+                <a:spcPct val="0"/>
+              </a:spcAft>
+              <a:defRPr sz="4400">
+                <a:solidFill>
+                  <a:schemeClr val="tx1"/>
+                </a:solidFill>
+                <a:latin typeface="Calibri" pitchFamily="34" charset="0"/>
+              </a:defRPr>
+            </a:lvl7pPr>
+            <a:lvl8pPr marL="1371600" algn="ctr" rtl="0" eaLnBrk="1" fontAlgn="base" hangingPunct="1">
+              <a:spcBef>
+                <a:spcPct val="0"/>
+              </a:spcBef>
+              <a:spcAft>
+                <a:spcPct val="0"/>
+              </a:spcAft>
+              <a:defRPr sz="4400">
+                <a:solidFill>
+                  <a:schemeClr val="tx1"/>
+                </a:solidFill>
+                <a:latin typeface="Calibri" pitchFamily="34" charset="0"/>
+              </a:defRPr>
+            </a:lvl8pPr>
+            <a:lvl9pPr marL="1828800" algn="ctr" rtl="0" eaLnBrk="1" fontAlgn="base" hangingPunct="1">
+              <a:spcBef>
+                <a:spcPct val="0"/>
+              </a:spcBef>
+              <a:spcAft>
+                <a:spcPct val="0"/>
+              </a:spcAft>
+              <a:defRPr sz="4400">
+                <a:solidFill>
+                  <a:schemeClr val="tx1"/>
+                </a:solidFill>
+                <a:latin typeface="Calibri" pitchFamily="34" charset="0"/>
+              </a:defRPr>
+            </a:lvl9pPr>
+          </a:lstStyle>
+          <a:p>
+            <a:r>
+              <a:rPr lang="es-PE" dirty="0" smtClean="0">
+                <a:solidFill>
+                  <a:srgbClr val="009A46"/>
+                </a:solidFill>
+                <a:latin typeface="Arial" pitchFamily="34" charset="0"/>
+                <a:cs typeface="Arial" pitchFamily="34" charset="0"/>
+              </a:rPr>
+              <a:t>Referencias</a:t>
+            </a:r>
+            <a:endParaRPr lang="es-PE" dirty="0">
+              <a:solidFill>
+                <a:srgbClr val="009A46"/>
+              </a:solidFill>
+              <a:latin typeface="Arial" pitchFamily="34" charset="0"/>
+              <a:cs typeface="Arial" pitchFamily="34" charset="0"/>
+            </a:endParaRPr>
+          </a:p>
+        </p:txBody>
+      </p:sp>
+      <p:sp>
+        <p:nvSpPr>
+          <p:cNvPr id="9" name="8 CuadroTexto"/>
+          <p:cNvSpPr txBox="1"/>
+          <p:nvPr/>
+        </p:nvSpPr>
+        <p:spPr>
+          <a:xfrm>
+            <a:off x="251520" y="1196752"/>
+            <a:ext cx="8638873" cy="3046988"/>
+          </a:xfrm>
+          <a:prstGeom prst="rect">
+            <a:avLst/>
+          </a:prstGeom>
+          <a:noFill/>
+        </p:spPr>
+        <p:txBody>
+          <a:bodyPr wrap="square" rtlCol="0">
+            <a:spAutoFit/>
+          </a:bodyPr>
+          <a:lstStyle/>
+          <a:p>
+            <a:pPr>
+              <a:buNone/>
+            </a:pPr>
+            <a:r>
+              <a:rPr lang="es-PE" sz="2400" b="1" dirty="0" smtClean="0">
+                <a:latin typeface="Arial" pitchFamily="34" charset="0"/>
+                <a:cs typeface="Arial" pitchFamily="34" charset="0"/>
+              </a:rPr>
+              <a:t>Páginas</a:t>
+            </a:r>
+            <a:endParaRPr lang="es-PE" sz="2000" b="1" dirty="0">
+              <a:latin typeface="Arial" pitchFamily="34" charset="0"/>
+              <a:cs typeface="Arial" pitchFamily="34" charset="0"/>
+            </a:endParaRPr>
+          </a:p>
+          <a:p>
+            <a:pPr marL="342900" lvl="0" indent="-342900" eaLnBrk="0" fontAlgn="base" hangingPunct="0">
+              <a:spcBef>
+                <a:spcPct val="0"/>
+              </a:spcBef>
+              <a:spcAft>
+                <a:spcPct val="0"/>
+              </a:spcAft>
+              <a:buFont typeface="Arial" pitchFamily="34" charset="0"/>
+              <a:buChar char="•"/>
+            </a:pPr>
+            <a:r>
+              <a:rPr lang="es-PE" sz="2000" dirty="0" smtClean="0">
+                <a:latin typeface="Arial" pitchFamily="34" charset="0"/>
+                <a:cs typeface="Arial" pitchFamily="34" charset="0"/>
+              </a:rPr>
+              <a:t>Martin </a:t>
+            </a:r>
+            <a:r>
+              <a:rPr lang="es-PE" sz="2000" dirty="0" err="1" smtClean="0">
+                <a:latin typeface="Arial" pitchFamily="34" charset="0"/>
+                <a:cs typeface="Arial" pitchFamily="34" charset="0"/>
+              </a:rPr>
+              <a:t>fowler</a:t>
+            </a:r>
+            <a:r>
+              <a:rPr lang="es-PE" sz="2000" dirty="0" smtClean="0">
+                <a:latin typeface="Arial" pitchFamily="34" charset="0"/>
+                <a:cs typeface="Arial" pitchFamily="34" charset="0"/>
+              </a:rPr>
+              <a:t> - </a:t>
+            </a:r>
+            <a:r>
+              <a:rPr lang="es-PE" sz="2000" dirty="0" smtClean="0">
+                <a:solidFill>
+                  <a:srgbClr val="FF0000"/>
+                </a:solidFill>
+                <a:latin typeface="Arial" pitchFamily="34" charset="0"/>
+                <a:ea typeface="Calibri" pitchFamily="34" charset="0"/>
+                <a:cs typeface="Arial" pitchFamily="34" charset="0"/>
+              </a:rPr>
+              <a:t>http</a:t>
+            </a:r>
+            <a:r>
+              <a:rPr lang="es-PE" sz="2000" dirty="0">
+                <a:solidFill>
+                  <a:srgbClr val="FF0000"/>
+                </a:solidFill>
+                <a:latin typeface="Arial" pitchFamily="34" charset="0"/>
+                <a:ea typeface="Calibri" pitchFamily="34" charset="0"/>
+                <a:cs typeface="Arial" pitchFamily="34" charset="0"/>
+              </a:rPr>
+              <a:t>://martinfowler.com/bliki/refactoring.html</a:t>
+            </a:r>
+            <a:r>
+              <a:rPr lang="es-PE" sz="2000" dirty="0">
+                <a:solidFill>
+                  <a:srgbClr val="FF0000"/>
+                </a:solidFill>
+                <a:latin typeface="Arial" pitchFamily="34" charset="0"/>
+                <a:cs typeface="Arial" pitchFamily="34" charset="0"/>
+              </a:rPr>
+              <a:t> </a:t>
+            </a:r>
+            <a:endParaRPr lang="es-PE" sz="2000" dirty="0" smtClean="0">
+              <a:solidFill>
+                <a:srgbClr val="FF0000"/>
+              </a:solidFill>
+              <a:latin typeface="Arial" pitchFamily="34" charset="0"/>
+              <a:cs typeface="Arial" pitchFamily="34" charset="0"/>
+            </a:endParaRPr>
+          </a:p>
+          <a:p>
+            <a:pPr marL="342900" lvl="0" indent="-342900" eaLnBrk="0" fontAlgn="base" hangingPunct="0">
+              <a:spcBef>
+                <a:spcPct val="0"/>
+              </a:spcBef>
+              <a:spcAft>
+                <a:spcPct val="0"/>
+              </a:spcAft>
+              <a:buFont typeface="Arial" pitchFamily="34" charset="0"/>
+              <a:buChar char="•"/>
+            </a:pPr>
+            <a:r>
+              <a:rPr lang="es-PE" sz="2000" dirty="0" err="1" smtClean="0">
+                <a:latin typeface="Arial" pitchFamily="34" charset="0"/>
+                <a:cs typeface="Arial" pitchFamily="34" charset="0"/>
+              </a:rPr>
+              <a:t>Source</a:t>
+            </a:r>
+            <a:r>
+              <a:rPr lang="es-PE" sz="2000" dirty="0" smtClean="0">
+                <a:latin typeface="Arial" pitchFamily="34" charset="0"/>
+                <a:cs typeface="Arial" pitchFamily="34" charset="0"/>
+              </a:rPr>
+              <a:t> </a:t>
+            </a:r>
+            <a:r>
+              <a:rPr lang="es-PE" sz="2000" dirty="0" err="1" smtClean="0">
+                <a:latin typeface="Arial" pitchFamily="34" charset="0"/>
+                <a:cs typeface="Arial" pitchFamily="34" charset="0"/>
+              </a:rPr>
+              <a:t>Making</a:t>
+            </a:r>
+            <a:r>
+              <a:rPr lang="es-PE" sz="2000" dirty="0" smtClean="0">
+                <a:latin typeface="Arial" pitchFamily="34" charset="0"/>
+                <a:cs typeface="Arial" pitchFamily="34" charset="0"/>
+              </a:rPr>
+              <a:t> - </a:t>
+            </a:r>
+            <a:r>
+              <a:rPr lang="es-PE" sz="2000" dirty="0">
+                <a:solidFill>
+                  <a:srgbClr val="FF0000"/>
+                </a:solidFill>
+                <a:latin typeface="Arial" pitchFamily="34" charset="0"/>
+                <a:ea typeface="Calibri" pitchFamily="34" charset="0"/>
+                <a:cs typeface="Arial" pitchFamily="34" charset="0"/>
+              </a:rPr>
+              <a:t>http://sourcemaking.com/refactoring</a:t>
+            </a:r>
+            <a:r>
+              <a:rPr lang="es-PE" sz="2000" dirty="0">
+                <a:solidFill>
+                  <a:srgbClr val="0070C0"/>
+                </a:solidFill>
+                <a:latin typeface="Arial" pitchFamily="34" charset="0"/>
+                <a:cs typeface="Arial" pitchFamily="34" charset="0"/>
+              </a:rPr>
+              <a:t> </a:t>
+            </a:r>
+          </a:p>
+          <a:p>
+            <a:pPr>
+              <a:buNone/>
+            </a:pPr>
+            <a:endParaRPr lang="es-PE" sz="2400" b="1" dirty="0">
+              <a:latin typeface="Arial" pitchFamily="34" charset="0"/>
+              <a:cs typeface="Arial" pitchFamily="34" charset="0"/>
+            </a:endParaRPr>
+          </a:p>
+          <a:p>
+            <a:pPr>
+              <a:buNone/>
+            </a:pPr>
+            <a:r>
+              <a:rPr lang="es-PE" sz="2400" b="1" dirty="0" smtClean="0">
+                <a:latin typeface="Arial" pitchFamily="34" charset="0"/>
+                <a:cs typeface="Arial" pitchFamily="34" charset="0"/>
+              </a:rPr>
+              <a:t>Libros</a:t>
+            </a:r>
+          </a:p>
+          <a:p>
+            <a:pPr marL="342900" indent="-342900">
+              <a:buFont typeface="Arial" pitchFamily="34" charset="0"/>
+              <a:buChar char="•"/>
+            </a:pPr>
+            <a:r>
+              <a:rPr lang="es-PE" sz="2000" dirty="0" err="1" smtClean="0">
+                <a:latin typeface="Arial" pitchFamily="34" charset="0"/>
+                <a:cs typeface="Arial" pitchFamily="34" charset="0"/>
+              </a:rPr>
+              <a:t>Clean</a:t>
+            </a:r>
+            <a:r>
+              <a:rPr lang="es-PE" sz="2000" dirty="0" smtClean="0">
+                <a:latin typeface="Arial" pitchFamily="34" charset="0"/>
+                <a:cs typeface="Arial" pitchFamily="34" charset="0"/>
+              </a:rPr>
+              <a:t> </a:t>
+            </a:r>
+            <a:r>
+              <a:rPr lang="es-PE" sz="2000" dirty="0" err="1" smtClean="0">
+                <a:latin typeface="Arial" pitchFamily="34" charset="0"/>
+                <a:cs typeface="Arial" pitchFamily="34" charset="0"/>
+              </a:rPr>
+              <a:t>Code</a:t>
+            </a:r>
+            <a:endParaRPr lang="es-PE" sz="2000" dirty="0" smtClean="0">
+              <a:latin typeface="Arial" pitchFamily="34" charset="0"/>
+              <a:cs typeface="Arial" pitchFamily="34" charset="0"/>
+            </a:endParaRPr>
+          </a:p>
+          <a:p>
+            <a:pPr marL="342900" indent="-342900">
+              <a:buFont typeface="Arial" pitchFamily="34" charset="0"/>
+              <a:buChar char="•"/>
+            </a:pPr>
+            <a:r>
+              <a:rPr lang="es-PE" sz="2000" dirty="0" err="1" smtClean="0">
+                <a:latin typeface="Arial" pitchFamily="34" charset="0"/>
+                <a:cs typeface="Arial" pitchFamily="34" charset="0"/>
+              </a:rPr>
+              <a:t>Improving</a:t>
+            </a:r>
+            <a:r>
+              <a:rPr lang="es-PE" sz="2000" dirty="0" smtClean="0">
+                <a:latin typeface="Arial" pitchFamily="34" charset="0"/>
+                <a:cs typeface="Arial" pitchFamily="34" charset="0"/>
+              </a:rPr>
+              <a:t> </a:t>
+            </a:r>
+            <a:r>
+              <a:rPr lang="es-PE" sz="2000" dirty="0" err="1" smtClean="0">
+                <a:latin typeface="Arial" pitchFamily="34" charset="0"/>
+                <a:cs typeface="Arial" pitchFamily="34" charset="0"/>
+              </a:rPr>
+              <a:t>the</a:t>
+            </a:r>
+            <a:r>
+              <a:rPr lang="es-PE" sz="2000" dirty="0" smtClean="0">
+                <a:latin typeface="Arial" pitchFamily="34" charset="0"/>
+                <a:cs typeface="Arial" pitchFamily="34" charset="0"/>
+              </a:rPr>
+              <a:t> </a:t>
+            </a:r>
+            <a:r>
+              <a:rPr lang="es-PE" sz="2000" dirty="0" err="1" smtClean="0">
+                <a:latin typeface="Arial" pitchFamily="34" charset="0"/>
+                <a:cs typeface="Arial" pitchFamily="34" charset="0"/>
+              </a:rPr>
+              <a:t>Design</a:t>
+            </a:r>
+            <a:r>
+              <a:rPr lang="es-PE" sz="2000" dirty="0" smtClean="0">
+                <a:latin typeface="Arial" pitchFamily="34" charset="0"/>
+                <a:cs typeface="Arial" pitchFamily="34" charset="0"/>
+              </a:rPr>
+              <a:t> of </a:t>
+            </a:r>
+            <a:r>
+              <a:rPr lang="es-PE" sz="2000" dirty="0" err="1" smtClean="0">
+                <a:latin typeface="Arial" pitchFamily="34" charset="0"/>
+                <a:cs typeface="Arial" pitchFamily="34" charset="0"/>
+              </a:rPr>
+              <a:t>Existing</a:t>
+            </a:r>
+            <a:r>
+              <a:rPr lang="es-PE" sz="2000" dirty="0" smtClean="0">
+                <a:latin typeface="Arial" pitchFamily="34" charset="0"/>
+                <a:cs typeface="Arial" pitchFamily="34" charset="0"/>
+              </a:rPr>
+              <a:t> </a:t>
+            </a:r>
+            <a:r>
+              <a:rPr lang="es-PE" sz="2000" dirty="0" err="1" smtClean="0">
+                <a:latin typeface="Arial" pitchFamily="34" charset="0"/>
+                <a:cs typeface="Arial" pitchFamily="34" charset="0"/>
+              </a:rPr>
+              <a:t>Code</a:t>
+            </a:r>
+            <a:endParaRPr lang="es-PE" sz="2000" dirty="0" smtClean="0">
+              <a:latin typeface="Arial" pitchFamily="34" charset="0"/>
+              <a:cs typeface="Arial" pitchFamily="34" charset="0"/>
+            </a:endParaRPr>
+          </a:p>
+          <a:p>
+            <a:pPr marL="342900" indent="-342900">
+              <a:buFont typeface="Arial" pitchFamily="34" charset="0"/>
+              <a:buChar char="•"/>
+            </a:pPr>
+            <a:r>
+              <a:rPr lang="es-PE" sz="2000" dirty="0" smtClean="0">
+                <a:latin typeface="Arial" pitchFamily="34" charset="0"/>
+                <a:cs typeface="Arial" pitchFamily="34" charset="0"/>
+              </a:rPr>
+              <a:t>Refactoring </a:t>
+            </a:r>
+            <a:r>
+              <a:rPr lang="es-PE" sz="2000" dirty="0" err="1" smtClean="0">
+                <a:latin typeface="Arial" pitchFamily="34" charset="0"/>
+                <a:cs typeface="Arial" pitchFamily="34" charset="0"/>
+              </a:rPr>
+              <a:t>to</a:t>
+            </a:r>
+            <a:r>
+              <a:rPr lang="es-PE" sz="2000" dirty="0" smtClean="0">
+                <a:latin typeface="Arial" pitchFamily="34" charset="0"/>
+                <a:cs typeface="Arial" pitchFamily="34" charset="0"/>
+              </a:rPr>
+              <a:t> </a:t>
+            </a:r>
+            <a:r>
+              <a:rPr lang="es-PE" sz="2000" dirty="0" err="1" smtClean="0">
+                <a:latin typeface="Arial" pitchFamily="34" charset="0"/>
+                <a:cs typeface="Arial" pitchFamily="34" charset="0"/>
+              </a:rPr>
+              <a:t>Patterns</a:t>
+            </a:r>
+            <a:endParaRPr lang="es-PE" sz="2000" dirty="0" smtClean="0">
+              <a:latin typeface="Arial" pitchFamily="34" charset="0"/>
+              <a:cs typeface="Arial" pitchFamily="34" charset="0"/>
+            </a:endParaRPr>
+          </a:p>
+          <a:p>
+            <a:pPr marL="342900" indent="-342900">
+              <a:buFont typeface="Arial" pitchFamily="34" charset="0"/>
+              <a:buChar char="•"/>
+            </a:pPr>
+            <a:r>
+              <a:rPr lang="es-PE" sz="2000" dirty="0">
+                <a:latin typeface="Arial" pitchFamily="34" charset="0"/>
+                <a:ea typeface="Calibri" pitchFamily="34" charset="0"/>
+                <a:cs typeface="Arial" pitchFamily="34" charset="0"/>
+              </a:rPr>
+              <a:t>Refactoring </a:t>
+            </a:r>
+            <a:r>
+              <a:rPr lang="es-PE" sz="2000" dirty="0" err="1" smtClean="0">
+                <a:latin typeface="Arial" pitchFamily="34" charset="0"/>
+                <a:ea typeface="Calibri" pitchFamily="34" charset="0"/>
+                <a:cs typeface="Arial" pitchFamily="34" charset="0"/>
+              </a:rPr>
+              <a:t>Workbook</a:t>
+            </a:r>
+            <a:endParaRPr lang="es-PE" sz="2000" dirty="0">
+              <a:latin typeface="Arial" pitchFamily="34" charset="0"/>
+              <a:ea typeface="Calibri" pitchFamily="34" charset="0"/>
+              <a:cs typeface="Arial" pitchFamily="34" charset="0"/>
+            </a:endParaRPr>
+          </a:p>
+        </p:txBody>
+      </p:sp>
+      <p:sp>
+        <p:nvSpPr>
+          <p:cNvPr id="12" name="2 Subtítulo"/>
+          <p:cNvSpPr txBox="1">
+            <a:spLocks/>
+          </p:cNvSpPr>
+          <p:nvPr/>
+        </p:nvSpPr>
+        <p:spPr bwMode="auto">
+          <a:xfrm>
+            <a:off x="179512" y="5407164"/>
+            <a:ext cx="3214709" cy="515717"/>
+          </a:xfrm>
+          <a:prstGeom prst="rect">
+            <a:avLst/>
+          </a:prstGeom>
+          <a:noFill/>
+          <a:ln w="9525">
+            <a:noFill/>
+            <a:miter lim="800000"/>
+            <a:headEnd/>
+            <a:tailEnd/>
+          </a:ln>
+        </p:spPr>
+        <p:txBody>
+          <a:bodyPr vert="horz" wrap="square" lIns="91440" tIns="45720" rIns="91440" bIns="45720" numCol="1" rtlCol="0" anchor="t" anchorCtr="0" compatLnSpc="1">
+            <a:prstTxWarp prst="textNoShape">
+              <a:avLst/>
+            </a:prstTxWarp>
+            <a:noAutofit/>
+          </a:bodyPr>
+          <a:lstStyle/>
+          <a:p>
+            <a:pPr marL="0" marR="0" lvl="0" indent="0" algn="ctr" defTabSz="914400" rtl="0" eaLnBrk="1" fontAlgn="auto" latinLnBrk="0" hangingPunct="1">
+              <a:lnSpc>
+                <a:spcPct val="100000"/>
+              </a:lnSpc>
+              <a:spcBef>
+                <a:spcPct val="20000"/>
+              </a:spcBef>
+              <a:spcAft>
+                <a:spcPts val="0"/>
+              </a:spcAft>
+              <a:buClrTx/>
+              <a:buSzTx/>
+              <a:buFont typeface="Arial" pitchFamily="34" charset="0"/>
+              <a:buNone/>
+              <a:tabLst/>
+              <a:defRPr/>
+            </a:pPr>
+            <a:r>
+              <a:rPr kumimoji="0" lang="es-PE" sz="2600" b="1" i="0" u="none" strike="noStrike" kern="1200" cap="none" spc="0" normalizeH="0" baseline="0" noProof="0" dirty="0" smtClean="0">
+                <a:ln>
+                  <a:noFill/>
+                </a:ln>
+                <a:solidFill>
+                  <a:srgbClr val="00B050"/>
+                </a:solidFill>
+                <a:effectLst/>
+                <a:uLnTx/>
+                <a:uFillTx/>
+              </a:rPr>
+              <a:t>Angel Núñez Salazar</a:t>
+            </a:r>
+          </a:p>
+        </p:txBody>
+      </p:sp>
+      <p:sp>
+        <p:nvSpPr>
+          <p:cNvPr id="13" name="Rectangle 1"/>
+          <p:cNvSpPr>
+            <a:spLocks noChangeArrowheads="1"/>
+          </p:cNvSpPr>
+          <p:nvPr/>
+        </p:nvSpPr>
+        <p:spPr bwMode="auto">
+          <a:xfrm>
+            <a:off x="3715072" y="5157192"/>
+            <a:ext cx="5105400" cy="1015663"/>
+          </a:xfrm>
+          <a:prstGeom prst="rect">
+            <a:avLst/>
+          </a:prstGeom>
+          <a:noFill/>
+          <a:ln w="9525">
+            <a:noFill/>
+            <a:miter lim="800000"/>
+            <a:headEnd/>
+            <a:tailEnd/>
+          </a:ln>
+          <a:effectLst/>
+        </p:spPr>
+        <p:txBody>
+          <a:bodyPr vert="horz" wrap="square" lIns="91440" tIns="45720" rIns="91440" bIns="45720" numCol="1" anchor="ctr" anchorCtr="0" compatLnSpc="1">
+            <a:prstTxWarp prst="textNoShape">
+              <a:avLst/>
+            </a:prstTxWarp>
+            <a:spAutoFit/>
+          </a:bodyPr>
+          <a:lstStyle/>
+          <a:p>
+            <a:pPr algn="r" fontAlgn="base">
+              <a:spcBef>
+                <a:spcPct val="0"/>
+              </a:spcBef>
+              <a:spcAft>
+                <a:spcPct val="0"/>
+              </a:spcAft>
+            </a:pPr>
+            <a:r>
+              <a:rPr lang="en-US" sz="2000" dirty="0" smtClean="0">
+                <a:latin typeface="Trebuchet MS" pitchFamily="34" charset="0"/>
+                <a:ea typeface="Calibri" pitchFamily="34" charset="0"/>
+                <a:cs typeface="Arial" pitchFamily="34" charset="0"/>
+              </a:rPr>
+              <a:t>Email: </a:t>
+            </a:r>
+            <a:r>
+              <a:rPr lang="en-US" sz="2000" dirty="0">
+                <a:solidFill>
+                  <a:srgbClr val="FFC000"/>
+                </a:solidFill>
+                <a:latin typeface="Trebuchet MS" pitchFamily="34" charset="0"/>
+                <a:ea typeface="Calibri" pitchFamily="34" charset="0"/>
+                <a:cs typeface="Arial" pitchFamily="34" charset="0"/>
+              </a:rPr>
+              <a:t>angel.nunez.salazar@gmail.com</a:t>
+            </a:r>
+          </a:p>
+          <a:p>
+            <a:pPr lvl="0" algn="r" eaLnBrk="0" fontAlgn="base" hangingPunct="0">
+              <a:spcBef>
+                <a:spcPct val="0"/>
+              </a:spcBef>
+              <a:spcAft>
+                <a:spcPct val="0"/>
+              </a:spcAft>
+            </a:pPr>
+            <a:r>
+              <a:rPr lang="en-US" sz="2000" dirty="0" smtClean="0">
+                <a:latin typeface="Trebuchet MS" pitchFamily="34" charset="0"/>
+                <a:ea typeface="Calibri" pitchFamily="34" charset="0"/>
+                <a:cs typeface="Arial" pitchFamily="34" charset="0"/>
+              </a:rPr>
+              <a:t>Blog: </a:t>
+            </a:r>
+            <a:r>
+              <a:rPr lang="en-US" sz="2000" dirty="0">
+                <a:solidFill>
+                  <a:srgbClr val="FFC000"/>
+                </a:solidFill>
+                <a:latin typeface="Trebuchet MS" pitchFamily="34" charset="0"/>
+                <a:ea typeface="Calibri" pitchFamily="34" charset="0"/>
+                <a:cs typeface="Arial" pitchFamily="34" charset="0"/>
+              </a:rPr>
+              <a:t>http://</a:t>
+            </a:r>
+            <a:r>
+              <a:rPr lang="en-US" sz="2000" dirty="0" smtClean="0">
+                <a:solidFill>
+                  <a:srgbClr val="FFC000"/>
+                </a:solidFill>
+                <a:latin typeface="Trebuchet MS" pitchFamily="34" charset="0"/>
+                <a:ea typeface="Calibri" pitchFamily="34" charset="0"/>
+                <a:cs typeface="Arial" pitchFamily="34" charset="0"/>
+              </a:rPr>
+              <a:t>snahider.blogspot.com</a:t>
+            </a:r>
+          </a:p>
+          <a:p>
+            <a:pPr lvl="0" algn="r" eaLnBrk="0" fontAlgn="base" hangingPunct="0">
+              <a:spcBef>
+                <a:spcPct val="0"/>
+              </a:spcBef>
+              <a:spcAft>
+                <a:spcPct val="0"/>
+              </a:spcAft>
+            </a:pPr>
+            <a:r>
+              <a:rPr lang="en-US" sz="2000" dirty="0" smtClean="0">
+                <a:latin typeface="Trebuchet MS" pitchFamily="34" charset="0"/>
+                <a:ea typeface="Calibri" pitchFamily="34" charset="0"/>
+                <a:cs typeface="Arial" pitchFamily="34" charset="0"/>
+              </a:rPr>
+              <a:t>Twitter: </a:t>
+            </a:r>
+            <a:r>
+              <a:rPr lang="en-US" sz="2000" dirty="0" smtClean="0">
+                <a:solidFill>
+                  <a:srgbClr val="FFC000"/>
+                </a:solidFill>
+                <a:latin typeface="Trebuchet MS" pitchFamily="34" charset="0"/>
+                <a:ea typeface="Calibri" pitchFamily="34" charset="0"/>
+                <a:cs typeface="Arial" pitchFamily="34" charset="0"/>
+              </a:rPr>
+              <a:t>@</a:t>
+            </a:r>
+            <a:r>
+              <a:rPr lang="en-US" sz="2000" dirty="0" err="1" smtClean="0">
+                <a:solidFill>
+                  <a:srgbClr val="FFC000"/>
+                </a:solidFill>
+                <a:latin typeface="Trebuchet MS" pitchFamily="34" charset="0"/>
+                <a:ea typeface="Calibri" pitchFamily="34" charset="0"/>
+                <a:cs typeface="Arial" pitchFamily="34" charset="0"/>
+              </a:rPr>
+              <a:t>snahider</a:t>
+            </a:r>
+            <a:r>
+              <a:rPr lang="en-US" sz="2000" dirty="0" smtClean="0">
+                <a:solidFill>
+                  <a:srgbClr val="FFC000"/>
+                </a:solidFill>
+                <a:latin typeface="Trebuchet MS" pitchFamily="34" charset="0"/>
+                <a:cs typeface="Arial" pitchFamily="34" charset="0"/>
+              </a:rPr>
+              <a:t> </a:t>
+            </a:r>
+          </a:p>
+        </p:txBody>
+      </p:sp>
+    </p:spTree>
+    <p:extLst>
+      <p:ext uri="{BB962C8B-B14F-4D97-AF65-F5344CB8AC3E}">
+        <p14:creationId xmlns:p14="http://schemas.microsoft.com/office/powerpoint/2010/main" val="3929104299"/>
+      </p:ext>
+    </p:extLst>
+  </p:cSld>
+  <p:clrMapOvr>
+    <a:masterClrMapping/>
+  </p:clrMapOvr>
+  <p:timing>
+    <p:tnLst>
+      <p:par>
+        <p:cTn id="1" dur="indefinite" restart="never" nodeType="tmRoot"/>
+      </p:par>
+    </p:tnLst>
   </p:timing>
 </p:sld>
 </file>

--- a/Diapositivas/Code Smells and Refactoring.pptx
+++ b/Diapositivas/Code Smells and Refactoring.pptx
@@ -2106,8 +2106,8 @@
     <dgm:cxn modelId="{F2AB151D-21B9-4D2B-A657-006D73F49BC8}" type="presOf" srcId="{9768ADBD-E274-445C-8DCD-B40B42EBD27B}" destId="{2CCF0EC0-5E87-4702-9012-7254A3821684}" srcOrd="0" destOrd="0" presId="urn:microsoft.com/office/officeart/2005/8/layout/cycle2"/>
     <dgm:cxn modelId="{4B86B7C8-E32E-4E93-BEB0-78CDA56678D2}" type="presOf" srcId="{76A1EA92-51E5-49EB-A181-D50B98697B05}" destId="{FB6A06C4-A2A0-4F93-829D-27E882A8B839}" srcOrd="0" destOrd="0" presId="urn:microsoft.com/office/officeart/2005/8/layout/cycle2"/>
     <dgm:cxn modelId="{1089786B-FC8F-44D2-845E-383202AFE628}" type="presOf" srcId="{3766CEFC-D74E-4FC6-B9BD-CE4F3847A8F1}" destId="{B4DAEDC5-1010-434A-AA93-DB22F5A7CB1E}" srcOrd="1" destOrd="0" presId="urn:microsoft.com/office/officeart/2005/8/layout/cycle2"/>
+    <dgm:cxn modelId="{D7A616E2-9700-4CBA-9BBE-43444D8A6564}" type="presOf" srcId="{17CA2C55-0354-4402-9601-202C7F5A5539}" destId="{6552A34E-30A2-429F-881E-FE5C4BE2A18D}" srcOrd="1" destOrd="0" presId="urn:microsoft.com/office/officeart/2005/8/layout/cycle2"/>
     <dgm:cxn modelId="{9E7B1AD0-4B2E-401B-B82A-F21921E14474}" srcId="{AA37C565-8227-47BE-938D-F0254EF29510}" destId="{7EB66F7D-EDF6-4CF9-8307-CDC396A315D2}" srcOrd="3" destOrd="0" parTransId="{1C435CE0-1330-4C41-B432-980635612D78}" sibTransId="{3766CEFC-D74E-4FC6-B9BD-CE4F3847A8F1}"/>
-    <dgm:cxn modelId="{D7A616E2-9700-4CBA-9BBE-43444D8A6564}" type="presOf" srcId="{17CA2C55-0354-4402-9601-202C7F5A5539}" destId="{6552A34E-30A2-429F-881E-FE5C4BE2A18D}" srcOrd="1" destOrd="0" presId="urn:microsoft.com/office/officeart/2005/8/layout/cycle2"/>
     <dgm:cxn modelId="{D953A32C-4D27-4AB5-8837-349E35D4EC32}" type="presOf" srcId="{86434053-B40A-4DA1-AC86-B95A2468B2D6}" destId="{B4181A90-3A21-4F79-83DB-5F7E138E1000}" srcOrd="0" destOrd="0" presId="urn:microsoft.com/office/officeart/2005/8/layout/cycle2"/>
     <dgm:cxn modelId="{9476F479-5E75-4A48-B836-A1328D3E5B65}" type="presOf" srcId="{2D629D79-084D-4FF9-8DF9-08F54FFF92DE}" destId="{8D88EC16-041F-468E-A4EE-B0C17C298D88}" srcOrd="0" destOrd="0" presId="urn:microsoft.com/office/officeart/2005/8/layout/cycle2"/>
     <dgm:cxn modelId="{E4C3E423-9E5F-4380-80CE-AA5DD2EC4561}" type="presOf" srcId="{17CA2C55-0354-4402-9601-202C7F5A5539}" destId="{19C3351F-DE4C-4425-8FAE-716FD4A6218E}" srcOrd="0" destOrd="0" presId="urn:microsoft.com/office/officeart/2005/8/layout/cycle2"/>
@@ -9228,13 +9228,7 @@
               <a:rPr lang="es-PE" dirty="0" smtClean="0">
                 <a:hlinkClick r:id="rId4"/>
               </a:rPr>
-              <a:t>http://</a:t>
-            </a:r>
-            <a:r>
-              <a:rPr lang="es-PE" dirty="0" smtClean="0">
-                <a:hlinkClick r:id="rId4"/>
-              </a:rPr>
-              <a:t>www.youtube.com/watch?v=5fd-hpjeg9c</a:t>
+              <a:t>http://www.youtube.com/watch?v=5fd-hpjeg9c</a:t>
             </a:r>
             <a:endParaRPr lang="es-PE" dirty="0" smtClean="0"/>
           </a:p>
@@ -9910,29 +9904,6 @@
         <p:txBody>
           <a:bodyPr/>
           <a:lstStyle/>
-          <a:p>
-            <a:pPr marL="0" marR="0" indent="0" algn="l" defTabSz="914400" rtl="0" eaLnBrk="1" fontAlgn="auto" latinLnBrk="0" hangingPunct="1">
-              <a:lnSpc>
-                <a:spcPct val="100000"/>
-              </a:lnSpc>
-              <a:spcBef>
-                <a:spcPts val="0"/>
-              </a:spcBef>
-              <a:spcAft>
-                <a:spcPts val="0"/>
-              </a:spcAft>
-              <a:buClrTx/>
-              <a:buSzTx/>
-              <a:buFontTx/>
-              <a:buNone/>
-              <a:tabLst/>
-              <a:defRPr/>
-            </a:pPr>
-            <a:r>
-              <a:rPr lang="es-PE" sz="1200" dirty="0" smtClean="0"/>
-              <a:t>Recordar que en un enfoque ágil entregamos valor de manera constante.</a:t>
-            </a:r>
-          </a:p>
           <a:p>
             <a:endParaRPr lang="es-PE" dirty="0"/>
           </a:p>
@@ -25889,7 +25860,7 @@
 </file>
 
 <file path=ppt/slides/slide53.xml><?xml version="1.0" encoding="utf-8"?>
-<p:sld xmlns:a="http://schemas.openxmlformats.org/drawingml/2006/main" xmlns:r="http://schemas.openxmlformats.org/officeDocument/2006/relationships" xmlns:p="http://schemas.openxmlformats.org/presentationml/2006/main" show="0">
+<p:sld xmlns:a="http://schemas.openxmlformats.org/drawingml/2006/main" xmlns:r="http://schemas.openxmlformats.org/officeDocument/2006/relationships" xmlns:p="http://schemas.openxmlformats.org/presentationml/2006/main">
   <p:cSld>
     <p:spTree>
       <p:nvGrpSpPr>
@@ -26070,11 +26041,11 @@
   <p:clrMapOvr>
     <a:masterClrMapping/>
   </p:clrMapOvr>
-  <mc:AlternateContent xmlns:mc="http://schemas.openxmlformats.org/markup-compatibility/2006" xmlns:p14="http://schemas.microsoft.com/office/powerpoint/2010/main">
-    <mc:Choice Requires="p14">
+  <mc:AlternateContent xmlns:mc="http://schemas.openxmlformats.org/markup-compatibility/2006">
+    <mc:Choice xmlns:p14="http://schemas.microsoft.com/office/powerpoint/2010/main" Requires="p14">
       <p:transition spd="slow" p14:dur="2000"/>
     </mc:Choice>
-    <mc:Fallback xmlns="">
+    <mc:Fallback>
       <p:transition spd="slow"/>
     </mc:Fallback>
   </mc:AlternateContent>

--- a/Diapositivas/Code Smells and Refactoring.pptx
+++ b/Diapositivas/Code Smells and Refactoring.pptx
@@ -5,7 +5,7 @@
     <p:sldMasterId id="2147483684" r:id="rId1"/>
   </p:sldMasterIdLst>
   <p:notesMasterIdLst>
-    <p:notesMasterId r:id="rId65"/>
+    <p:notesMasterId r:id="rId66"/>
   </p:notesMasterIdLst>
   <p:sldIdLst>
     <p:sldId id="717" r:id="rId2"/>
@@ -65,12 +65,13 @@
     <p:sldId id="762" r:id="rId56"/>
     <p:sldId id="767" r:id="rId57"/>
     <p:sldId id="768" r:id="rId58"/>
-    <p:sldId id="770" r:id="rId59"/>
-    <p:sldId id="769" r:id="rId60"/>
-    <p:sldId id="771" r:id="rId61"/>
-    <p:sldId id="772" r:id="rId62"/>
-    <p:sldId id="773" r:id="rId63"/>
-    <p:sldId id="705" r:id="rId64"/>
+    <p:sldId id="769" r:id="rId59"/>
+    <p:sldId id="771" r:id="rId60"/>
+    <p:sldId id="772" r:id="rId61"/>
+    <p:sldId id="770" r:id="rId62"/>
+    <p:sldId id="774" r:id="rId63"/>
+    <p:sldId id="773" r:id="rId64"/>
+    <p:sldId id="705" r:id="rId65"/>
   </p:sldIdLst>
   <p:sldSz cx="9144000" cy="6858000" type="screen4x3"/>
   <p:notesSz cx="6858000" cy="9144000"/>
@@ -2106,8 +2107,8 @@
     <dgm:cxn modelId="{F2AB151D-21B9-4D2B-A657-006D73F49BC8}" type="presOf" srcId="{9768ADBD-E274-445C-8DCD-B40B42EBD27B}" destId="{2CCF0EC0-5E87-4702-9012-7254A3821684}" srcOrd="0" destOrd="0" presId="urn:microsoft.com/office/officeart/2005/8/layout/cycle2"/>
     <dgm:cxn modelId="{4B86B7C8-E32E-4E93-BEB0-78CDA56678D2}" type="presOf" srcId="{76A1EA92-51E5-49EB-A181-D50B98697B05}" destId="{FB6A06C4-A2A0-4F93-829D-27E882A8B839}" srcOrd="0" destOrd="0" presId="urn:microsoft.com/office/officeart/2005/8/layout/cycle2"/>
     <dgm:cxn modelId="{1089786B-FC8F-44D2-845E-383202AFE628}" type="presOf" srcId="{3766CEFC-D74E-4FC6-B9BD-CE4F3847A8F1}" destId="{B4DAEDC5-1010-434A-AA93-DB22F5A7CB1E}" srcOrd="1" destOrd="0" presId="urn:microsoft.com/office/officeart/2005/8/layout/cycle2"/>
+    <dgm:cxn modelId="{9E7B1AD0-4B2E-401B-B82A-F21921E14474}" srcId="{AA37C565-8227-47BE-938D-F0254EF29510}" destId="{7EB66F7D-EDF6-4CF9-8307-CDC396A315D2}" srcOrd="3" destOrd="0" parTransId="{1C435CE0-1330-4C41-B432-980635612D78}" sibTransId="{3766CEFC-D74E-4FC6-B9BD-CE4F3847A8F1}"/>
     <dgm:cxn modelId="{D7A616E2-9700-4CBA-9BBE-43444D8A6564}" type="presOf" srcId="{17CA2C55-0354-4402-9601-202C7F5A5539}" destId="{6552A34E-30A2-429F-881E-FE5C4BE2A18D}" srcOrd="1" destOrd="0" presId="urn:microsoft.com/office/officeart/2005/8/layout/cycle2"/>
-    <dgm:cxn modelId="{9E7B1AD0-4B2E-401B-B82A-F21921E14474}" srcId="{AA37C565-8227-47BE-938D-F0254EF29510}" destId="{7EB66F7D-EDF6-4CF9-8307-CDC396A315D2}" srcOrd="3" destOrd="0" parTransId="{1C435CE0-1330-4C41-B432-980635612D78}" sibTransId="{3766CEFC-D74E-4FC6-B9BD-CE4F3847A8F1}"/>
     <dgm:cxn modelId="{D953A32C-4D27-4AB5-8837-349E35D4EC32}" type="presOf" srcId="{86434053-B40A-4DA1-AC86-B95A2468B2D6}" destId="{B4181A90-3A21-4F79-83DB-5F7E138E1000}" srcOrd="0" destOrd="0" presId="urn:microsoft.com/office/officeart/2005/8/layout/cycle2"/>
     <dgm:cxn modelId="{9476F479-5E75-4A48-B836-A1328D3E5B65}" type="presOf" srcId="{2D629D79-084D-4FF9-8DF9-08F54FFF92DE}" destId="{8D88EC16-041F-468E-A4EE-B0C17C298D88}" srcOrd="0" destOrd="0" presId="urn:microsoft.com/office/officeart/2005/8/layout/cycle2"/>
     <dgm:cxn modelId="{E4C3E423-9E5F-4380-80CE-AA5DD2EC4561}" type="presOf" srcId="{17CA2C55-0354-4402-9601-202C7F5A5539}" destId="{19C3351F-DE4C-4425-8FAE-716FD4A6218E}" srcOrd="0" destOrd="0" presId="urn:microsoft.com/office/officeart/2005/8/layout/cycle2"/>
@@ -3235,406 +3236,6 @@
       <dsp:cNvGrpSpPr/>
     </dsp:nvGrpSpPr>
     <dsp:grpSpPr/>
-    <dsp:sp modelId="{24CAC893-EE9B-4D01-BB90-0CB36FFE22ED}">
-      <dsp:nvSpPr>
-        <dsp:cNvPr id="0" name=""/>
-        <dsp:cNvSpPr/>
-      </dsp:nvSpPr>
-      <dsp:spPr>
-        <a:xfrm>
-          <a:off x="3206" y="16090"/>
-          <a:ext cx="1816742" cy="726697"/>
-        </a:xfrm>
-        <a:prstGeom prst="homePlate">
-          <a:avLst/>
-        </a:prstGeom>
-        <a:solidFill>
-          <a:schemeClr val="accent1">
-            <a:hueOff val="0"/>
-            <a:satOff val="0"/>
-            <a:lumOff val="0"/>
-            <a:alphaOff val="0"/>
-          </a:schemeClr>
-        </a:solidFill>
-        <a:ln w="25400" cap="flat" cmpd="sng" algn="ctr">
-          <a:solidFill>
-            <a:schemeClr val="lt1">
-              <a:hueOff val="0"/>
-              <a:satOff val="0"/>
-              <a:lumOff val="0"/>
-              <a:alphaOff val="0"/>
-            </a:schemeClr>
-          </a:solidFill>
-          <a:prstDash val="solid"/>
-        </a:ln>
-        <a:effectLst/>
-      </dsp:spPr>
-      <dsp:style>
-        <a:lnRef idx="2">
-          <a:scrgbClr r="0" g="0" b="0"/>
-        </a:lnRef>
-        <a:fillRef idx="1">
-          <a:scrgbClr r="0" g="0" b="0"/>
-        </a:fillRef>
-        <a:effectRef idx="0">
-          <a:scrgbClr r="0" g="0" b="0"/>
-        </a:effectRef>
-        <a:fontRef idx="minor">
-          <a:schemeClr val="lt1"/>
-        </a:fontRef>
-      </dsp:style>
-      <dsp:txBody>
-        <a:bodyPr spcFirstLastPara="0" vert="horz" wrap="square" lIns="106680" tIns="53340" rIns="26670" bIns="53340" numCol="1" spcCol="1270" anchor="ctr" anchorCtr="0">
-          <a:noAutofit/>
-        </a:bodyPr>
-        <a:lstStyle/>
-        <a:p>
-          <a:pPr lvl="0" algn="ctr" defTabSz="889000">
-            <a:lnSpc>
-              <a:spcPct val="90000"/>
-            </a:lnSpc>
-            <a:spcBef>
-              <a:spcPct val="0"/>
-            </a:spcBef>
-            <a:spcAft>
-              <a:spcPct val="35000"/>
-            </a:spcAft>
-          </a:pPr>
-          <a:r>
-            <a:rPr lang="es-PE" sz="2000" b="1" kern="1200" dirty="0" smtClean="0"/>
-            <a:t>Small </a:t>
-          </a:r>
-          <a:br>
-            <a:rPr lang="es-PE" sz="2000" b="1" kern="1200" dirty="0" smtClean="0"/>
-          </a:br>
-          <a:r>
-            <a:rPr lang="es-PE" sz="2000" b="1" kern="1200" dirty="0" smtClean="0"/>
-            <a:t>Refactoring</a:t>
-          </a:r>
-          <a:endParaRPr lang="es-PE" sz="2000" b="1" kern="1200" dirty="0"/>
-        </a:p>
-      </dsp:txBody>
-      <dsp:txXfrm>
-        <a:off x="3206" y="16090"/>
-        <a:ext cx="1635068" cy="726697"/>
-      </dsp:txXfrm>
-    </dsp:sp>
-    <dsp:sp modelId="{B5F9542A-6098-4FB8-BB83-B5125E571D9D}">
-      <dsp:nvSpPr>
-        <dsp:cNvPr id="0" name=""/>
-        <dsp:cNvSpPr/>
-      </dsp:nvSpPr>
-      <dsp:spPr>
-        <a:xfrm>
-          <a:off x="1456600" y="16090"/>
-          <a:ext cx="1816742" cy="726697"/>
-        </a:xfrm>
-        <a:prstGeom prst="chevron">
-          <a:avLst/>
-        </a:prstGeom>
-        <a:solidFill>
-          <a:schemeClr val="accent1">
-            <a:hueOff val="0"/>
-            <a:satOff val="0"/>
-            <a:lumOff val="0"/>
-            <a:alphaOff val="0"/>
-          </a:schemeClr>
-        </a:solidFill>
-        <a:ln w="25400" cap="flat" cmpd="sng" algn="ctr">
-          <a:solidFill>
-            <a:schemeClr val="lt1">
-              <a:hueOff val="0"/>
-              <a:satOff val="0"/>
-              <a:lumOff val="0"/>
-              <a:alphaOff val="0"/>
-            </a:schemeClr>
-          </a:solidFill>
-          <a:prstDash val="solid"/>
-        </a:ln>
-        <a:effectLst/>
-      </dsp:spPr>
-      <dsp:style>
-        <a:lnRef idx="2">
-          <a:scrgbClr r="0" g="0" b="0"/>
-        </a:lnRef>
-        <a:fillRef idx="1">
-          <a:scrgbClr r="0" g="0" b="0"/>
-        </a:fillRef>
-        <a:effectRef idx="0">
-          <a:scrgbClr r="0" g="0" b="0"/>
-        </a:effectRef>
-        <a:fontRef idx="minor">
-          <a:schemeClr val="lt1"/>
-        </a:fontRef>
-      </dsp:style>
-      <dsp:txBody>
-        <a:bodyPr spcFirstLastPara="0" vert="horz" wrap="square" lIns="80010" tIns="53340" rIns="26670" bIns="53340" numCol="1" spcCol="1270" anchor="ctr" anchorCtr="0">
-          <a:noAutofit/>
-        </a:bodyPr>
-        <a:lstStyle/>
-        <a:p>
-          <a:pPr lvl="0" algn="ctr" defTabSz="889000">
-            <a:lnSpc>
-              <a:spcPct val="90000"/>
-            </a:lnSpc>
-            <a:spcBef>
-              <a:spcPct val="0"/>
-            </a:spcBef>
-            <a:spcAft>
-              <a:spcPct val="35000"/>
-            </a:spcAft>
-          </a:pPr>
-          <a:r>
-            <a:rPr lang="es-PE" sz="2000" b="1" kern="1200" dirty="0" err="1" smtClean="0"/>
-            <a:t>Run</a:t>
-          </a:r>
-          <a:r>
-            <a:rPr lang="es-PE" sz="2000" b="1" kern="1200" dirty="0" smtClean="0"/>
-            <a:t> Test</a:t>
-          </a:r>
-          <a:endParaRPr lang="es-PE" sz="2000" b="1" kern="1200" dirty="0"/>
-        </a:p>
-      </dsp:txBody>
-      <dsp:txXfrm>
-        <a:off x="1819949" y="16090"/>
-        <a:ext cx="1090045" cy="726697"/>
-      </dsp:txXfrm>
-    </dsp:sp>
-    <dsp:sp modelId="{601A0D37-4256-4B03-929F-B3C0F426A913}">
-      <dsp:nvSpPr>
-        <dsp:cNvPr id="0" name=""/>
-        <dsp:cNvSpPr/>
-      </dsp:nvSpPr>
-      <dsp:spPr>
-        <a:xfrm>
-          <a:off x="2909995" y="16090"/>
-          <a:ext cx="2172896" cy="726697"/>
-        </a:xfrm>
-        <a:prstGeom prst="chevron">
-          <a:avLst/>
-        </a:prstGeom>
-        <a:solidFill>
-          <a:schemeClr val="accent1">
-            <a:hueOff val="0"/>
-            <a:satOff val="0"/>
-            <a:lumOff val="0"/>
-            <a:alphaOff val="0"/>
-          </a:schemeClr>
-        </a:solidFill>
-        <a:ln w="25400" cap="flat" cmpd="sng" algn="ctr">
-          <a:solidFill>
-            <a:schemeClr val="lt1">
-              <a:hueOff val="0"/>
-              <a:satOff val="0"/>
-              <a:lumOff val="0"/>
-              <a:alphaOff val="0"/>
-            </a:schemeClr>
-          </a:solidFill>
-          <a:prstDash val="solid"/>
-        </a:ln>
-        <a:effectLst/>
-      </dsp:spPr>
-      <dsp:style>
-        <a:lnRef idx="2">
-          <a:scrgbClr r="0" g="0" b="0"/>
-        </a:lnRef>
-        <a:fillRef idx="1">
-          <a:scrgbClr r="0" g="0" b="0"/>
-        </a:fillRef>
-        <a:effectRef idx="0">
-          <a:scrgbClr r="0" g="0" b="0"/>
-        </a:effectRef>
-        <a:fontRef idx="minor">
-          <a:schemeClr val="lt1"/>
-        </a:fontRef>
-      </dsp:style>
-      <dsp:txBody>
-        <a:bodyPr spcFirstLastPara="0" vert="horz" wrap="square" lIns="80010" tIns="53340" rIns="26670" bIns="53340" numCol="1" spcCol="1270" anchor="ctr" anchorCtr="0">
-          <a:noAutofit/>
-        </a:bodyPr>
-        <a:lstStyle/>
-        <a:p>
-          <a:pPr lvl="0" algn="ctr" defTabSz="889000">
-            <a:lnSpc>
-              <a:spcPct val="90000"/>
-            </a:lnSpc>
-            <a:spcBef>
-              <a:spcPct val="0"/>
-            </a:spcBef>
-            <a:spcAft>
-              <a:spcPct val="35000"/>
-            </a:spcAft>
-          </a:pPr>
-          <a:r>
-            <a:rPr lang="es-PE" sz="2000" b="1" kern="1200" dirty="0" smtClean="0"/>
-            <a:t>Small Refactoring</a:t>
-          </a:r>
-          <a:endParaRPr lang="es-PE" sz="2000" b="1" kern="1200" dirty="0"/>
-        </a:p>
-      </dsp:txBody>
-      <dsp:txXfrm>
-        <a:off x="3273344" y="16090"/>
-        <a:ext cx="1446199" cy="726697"/>
-      </dsp:txXfrm>
-    </dsp:sp>
-    <dsp:sp modelId="{28010DC8-3136-49BC-9983-7489D855A8B1}">
-      <dsp:nvSpPr>
-        <dsp:cNvPr id="0" name=""/>
-        <dsp:cNvSpPr/>
-      </dsp:nvSpPr>
-      <dsp:spPr>
-        <a:xfrm>
-          <a:off x="4719543" y="16090"/>
-          <a:ext cx="1816742" cy="726697"/>
-        </a:xfrm>
-        <a:prstGeom prst="chevron">
-          <a:avLst/>
-        </a:prstGeom>
-        <a:solidFill>
-          <a:schemeClr val="accent1">
-            <a:hueOff val="0"/>
-            <a:satOff val="0"/>
-            <a:lumOff val="0"/>
-            <a:alphaOff val="0"/>
-          </a:schemeClr>
-        </a:solidFill>
-        <a:ln w="25400" cap="flat" cmpd="sng" algn="ctr">
-          <a:solidFill>
-            <a:schemeClr val="lt1">
-              <a:hueOff val="0"/>
-              <a:satOff val="0"/>
-              <a:lumOff val="0"/>
-              <a:alphaOff val="0"/>
-            </a:schemeClr>
-          </a:solidFill>
-          <a:prstDash val="solid"/>
-        </a:ln>
-        <a:effectLst/>
-      </dsp:spPr>
-      <dsp:style>
-        <a:lnRef idx="2">
-          <a:scrgbClr r="0" g="0" b="0"/>
-        </a:lnRef>
-        <a:fillRef idx="1">
-          <a:scrgbClr r="0" g="0" b="0"/>
-        </a:fillRef>
-        <a:effectRef idx="0">
-          <a:scrgbClr r="0" g="0" b="0"/>
-        </a:effectRef>
-        <a:fontRef idx="minor">
-          <a:schemeClr val="lt1"/>
-        </a:fontRef>
-      </dsp:style>
-      <dsp:txBody>
-        <a:bodyPr spcFirstLastPara="0" vert="horz" wrap="square" lIns="80010" tIns="53340" rIns="26670" bIns="53340" numCol="1" spcCol="1270" anchor="ctr" anchorCtr="0">
-          <a:noAutofit/>
-        </a:bodyPr>
-        <a:lstStyle/>
-        <a:p>
-          <a:pPr lvl="0" algn="ctr" defTabSz="889000">
-            <a:lnSpc>
-              <a:spcPct val="90000"/>
-            </a:lnSpc>
-            <a:spcBef>
-              <a:spcPct val="0"/>
-            </a:spcBef>
-            <a:spcAft>
-              <a:spcPct val="35000"/>
-            </a:spcAft>
-          </a:pPr>
-          <a:r>
-            <a:rPr lang="es-PE" sz="2000" b="1" kern="1200" dirty="0" err="1" smtClean="0"/>
-            <a:t>Run</a:t>
-          </a:r>
-          <a:r>
-            <a:rPr lang="es-PE" sz="2000" b="1" kern="1200" dirty="0" smtClean="0"/>
-            <a:t> Test</a:t>
-          </a:r>
-          <a:endParaRPr lang="es-PE" sz="2000" b="1" kern="1200" dirty="0"/>
-        </a:p>
-      </dsp:txBody>
-      <dsp:txXfrm>
-        <a:off x="5082892" y="16090"/>
-        <a:ext cx="1090045" cy="726697"/>
-      </dsp:txXfrm>
-    </dsp:sp>
-    <dsp:sp modelId="{1DD64DFB-8EE0-41B5-B8F9-3F2D3C1A3C58}">
-      <dsp:nvSpPr>
-        <dsp:cNvPr id="0" name=""/>
-        <dsp:cNvSpPr/>
-      </dsp:nvSpPr>
-      <dsp:spPr>
-        <a:xfrm>
-          <a:off x="6172937" y="16090"/>
-          <a:ext cx="1816742" cy="726697"/>
-        </a:xfrm>
-        <a:prstGeom prst="chevron">
-          <a:avLst/>
-        </a:prstGeom>
-        <a:solidFill>
-          <a:schemeClr val="accent1">
-            <a:hueOff val="0"/>
-            <a:satOff val="0"/>
-            <a:lumOff val="0"/>
-            <a:alphaOff val="0"/>
-          </a:schemeClr>
-        </a:solidFill>
-        <a:ln w="25400" cap="flat" cmpd="sng" algn="ctr">
-          <a:solidFill>
-            <a:schemeClr val="lt1">
-              <a:hueOff val="0"/>
-              <a:satOff val="0"/>
-              <a:lumOff val="0"/>
-              <a:alphaOff val="0"/>
-            </a:schemeClr>
-          </a:solidFill>
-          <a:prstDash val="solid"/>
-        </a:ln>
-        <a:effectLst/>
-      </dsp:spPr>
-      <dsp:style>
-        <a:lnRef idx="2">
-          <a:scrgbClr r="0" g="0" b="0"/>
-        </a:lnRef>
-        <a:fillRef idx="1">
-          <a:scrgbClr r="0" g="0" b="0"/>
-        </a:fillRef>
-        <a:effectRef idx="0">
-          <a:scrgbClr r="0" g="0" b="0"/>
-        </a:effectRef>
-        <a:fontRef idx="minor">
-          <a:schemeClr val="lt1"/>
-        </a:fontRef>
-      </dsp:style>
-      <dsp:txBody>
-        <a:bodyPr spcFirstLastPara="0" vert="horz" wrap="square" lIns="80010" tIns="53340" rIns="26670" bIns="53340" numCol="1" spcCol="1270" anchor="ctr" anchorCtr="0">
-          <a:noAutofit/>
-        </a:bodyPr>
-        <a:lstStyle/>
-        <a:p>
-          <a:pPr lvl="0" algn="ctr" defTabSz="889000">
-            <a:lnSpc>
-              <a:spcPct val="90000"/>
-            </a:lnSpc>
-            <a:spcBef>
-              <a:spcPct val="0"/>
-            </a:spcBef>
-            <a:spcAft>
-              <a:spcPct val="35000"/>
-            </a:spcAft>
-          </a:pPr>
-          <a:r>
-            <a:rPr lang="es-PE" sz="2000" b="1" kern="1200" dirty="0" smtClean="0"/>
-            <a:t>….</a:t>
-          </a:r>
-          <a:endParaRPr lang="es-PE" sz="2000" b="1" kern="1200" dirty="0"/>
-        </a:p>
-      </dsp:txBody>
-      <dsp:txXfrm>
-        <a:off x="6536286" y="16090"/>
-        <a:ext cx="1090045" cy="726697"/>
-      </dsp:txXfrm>
-    </dsp:sp>
   </dsp:spTree>
 </dsp:drawing>
 </file>
@@ -6272,7 +5873,7 @@
           <a:p>
             <a:fld id="{82731913-02B6-467D-B183-D787C0857BBF}" type="datetimeFigureOut">
               <a:rPr lang="es-PE" smtClean="0"/>
-              <a:t>05/06/2013</a:t>
+              <a:t>12/06/2013</a:t>
             </a:fld>
             <a:endParaRPr lang="es-PE"/>
           </a:p>
@@ -9905,6 +9506,32 @@
           <a:bodyPr/>
           <a:lstStyle/>
           <a:p>
+            <a:r>
+              <a:rPr lang="en-US" sz="1200" b="0" i="0" kern="1200" dirty="0" smtClean="0">
+                <a:solidFill>
+                  <a:schemeClr val="tx1"/>
+                </a:solidFill>
+                <a:effectLst/>
+                <a:latin typeface="+mn-lt"/>
+                <a:ea typeface="+mn-ea"/>
+                <a:cs typeface="+mn-cs"/>
+              </a:rPr>
+              <a:t>For example, to change a member field of a class from one type to another you often need to make many small changes within the class.</a:t>
+            </a:r>
+          </a:p>
+          <a:p>
+            <a:r>
+              <a:rPr lang="en-US" sz="1200" b="0" i="0" kern="1200" dirty="0" smtClean="0">
+                <a:solidFill>
+                  <a:schemeClr val="tx1"/>
+                </a:solidFill>
+                <a:effectLst/>
+                <a:latin typeface="+mn-lt"/>
+                <a:ea typeface="+mn-ea"/>
+                <a:cs typeface="+mn-cs"/>
+              </a:rPr>
+              <a:t>The more changes you need to make, the riskier the work.</a:t>
+            </a:r>
             <a:endParaRPr lang="es-PE" dirty="0"/>
           </a:p>
         </p:txBody>
@@ -9999,7 +9626,7 @@
                 <a:ea typeface="+mn-ea"/>
                 <a:cs typeface="+mn-cs"/>
               </a:rPr>
-              <a:t>For example, to change a member field of a class from one type to another you often need to make many small changes within the class.</a:t>
+              <a:t>Refactoring from an old way of doing something to a new way can sometimes be difficult.</a:t>
             </a:r>
           </a:p>
           <a:p>
@@ -10013,8 +9640,101 @@
                 <a:ea typeface="+mn-ea"/>
                 <a:cs typeface="+mn-cs"/>
               </a:rPr>
-              <a:t>The more changes you need to make, the riskier the work.</a:t>
-            </a:r>
+              <a:t>Examples include shifting from using a file system to a database or from a primitive type to a custom-designed class.</a:t>
+            </a:r>
+          </a:p>
+          <a:p>
+            <a:r>
+              <a:rPr lang="en-US" sz="1200" b="0" i="0" kern="1200" dirty="0" smtClean="0">
+                <a:solidFill>
+                  <a:schemeClr val="tx1"/>
+                </a:solidFill>
+                <a:effectLst/>
+                <a:latin typeface="+mn-lt"/>
+                <a:ea typeface="+mn-ea"/>
+                <a:cs typeface="+mn-cs"/>
+              </a:rPr>
+              <a:t>Parallel Change helps you gradually evolve a new design in a safe and easy way.</a:t>
+            </a:r>
+          </a:p>
+          <a:p>
+            <a:endParaRPr lang="en-US" sz="1200" b="0" i="0" kern="1200" dirty="0" smtClean="0">
+              <a:solidFill>
+                <a:schemeClr val="tx1"/>
+              </a:solidFill>
+              <a:effectLst/>
+              <a:latin typeface="+mn-lt"/>
+              <a:ea typeface="+mn-ea"/>
+              <a:cs typeface="+mn-cs"/>
+            </a:endParaRPr>
+          </a:p>
+          <a:p>
+            <a:r>
+              <a:rPr lang="en-US" sz="1200" b="0" i="0" kern="1200" dirty="0" smtClean="0">
+                <a:solidFill>
+                  <a:schemeClr val="tx1"/>
+                </a:solidFill>
+                <a:effectLst/>
+                <a:latin typeface="+mn-lt"/>
+                <a:ea typeface="+mn-ea"/>
+                <a:cs typeface="+mn-cs"/>
+              </a:rPr>
+              <a:t>This is a very conservative safe approach to refactoring.</a:t>
+            </a:r>
+          </a:p>
+          <a:p>
+            <a:r>
+              <a:rPr lang="en-US" sz="1200" b="0" i="0" kern="1200" dirty="0" smtClean="0">
+                <a:solidFill>
+                  <a:schemeClr val="tx1"/>
+                </a:solidFill>
+                <a:effectLst/>
+                <a:latin typeface="+mn-lt"/>
+                <a:ea typeface="+mn-ea"/>
+                <a:cs typeface="+mn-cs"/>
+              </a:rPr>
+              <a:t>It also gives management the ability to make the decision whether or not to cut over to the new code in a release</a:t>
+            </a:r>
+          </a:p>
+          <a:p>
+            <a:r>
+              <a:rPr lang="en-US" sz="1200" b="0" i="0" kern="1200" dirty="0" smtClean="0">
+                <a:solidFill>
+                  <a:schemeClr val="tx1"/>
+                </a:solidFill>
+                <a:effectLst/>
+                <a:latin typeface="+mn-lt"/>
+                <a:ea typeface="+mn-ea"/>
+                <a:cs typeface="+mn-cs"/>
+              </a:rPr>
+              <a:t>So if it is not tested properly by the time of the release, just don’t switch over, no need to </a:t>
+            </a:r>
+            <a:r>
+              <a:rPr lang="en-US" sz="1200" b="0" i="0" kern="1200" dirty="0" err="1" smtClean="0">
+                <a:solidFill>
+                  <a:schemeClr val="tx1"/>
+                </a:solidFill>
+                <a:effectLst/>
+                <a:latin typeface="+mn-lt"/>
+                <a:ea typeface="+mn-ea"/>
+                <a:cs typeface="+mn-cs"/>
+              </a:rPr>
+              <a:t>roleback</a:t>
+            </a:r>
+            <a:r>
+              <a:rPr lang="en-US" sz="1200" b="0" i="0" kern="1200" dirty="0" smtClean="0">
+                <a:solidFill>
+                  <a:schemeClr val="tx1"/>
+                </a:solidFill>
+                <a:effectLst/>
+                <a:latin typeface="+mn-lt"/>
+                <a:ea typeface="+mn-ea"/>
+                <a:cs typeface="+mn-cs"/>
+              </a:rPr>
+              <a:t> changes or take any other steps</a:t>
+            </a:r>
+          </a:p>
+          <a:p>
             <a:endParaRPr lang="es-PE" dirty="0"/>
           </a:p>
         </p:txBody>
@@ -10099,125 +9819,6 @@
           <a:bodyPr/>
           <a:lstStyle/>
           <a:p>
-            <a:r>
-              <a:rPr lang="en-US" sz="1200" b="0" i="0" kern="1200" dirty="0" smtClean="0">
-                <a:solidFill>
-                  <a:schemeClr val="tx1"/>
-                </a:solidFill>
-                <a:effectLst/>
-                <a:latin typeface="+mn-lt"/>
-                <a:ea typeface="+mn-ea"/>
-                <a:cs typeface="+mn-cs"/>
-              </a:rPr>
-              <a:t>Refactoring from an old way of doing something to a new way can sometimes be difficult.</a:t>
-            </a:r>
-          </a:p>
-          <a:p>
-            <a:r>
-              <a:rPr lang="en-US" sz="1200" b="0" i="0" kern="1200" dirty="0" smtClean="0">
-                <a:solidFill>
-                  <a:schemeClr val="tx1"/>
-                </a:solidFill>
-                <a:effectLst/>
-                <a:latin typeface="+mn-lt"/>
-                <a:ea typeface="+mn-ea"/>
-                <a:cs typeface="+mn-cs"/>
-              </a:rPr>
-              <a:t>Examples include shifting from using a file system to a database or from a primitive type to a custom-designed class.</a:t>
-            </a:r>
-          </a:p>
-          <a:p>
-            <a:r>
-              <a:rPr lang="en-US" sz="1200" b="0" i="0" kern="1200" dirty="0" smtClean="0">
-                <a:solidFill>
-                  <a:schemeClr val="tx1"/>
-                </a:solidFill>
-                <a:effectLst/>
-                <a:latin typeface="+mn-lt"/>
-                <a:ea typeface="+mn-ea"/>
-                <a:cs typeface="+mn-cs"/>
-              </a:rPr>
-              <a:t>Parallel Change helps you gradually evolve a new design in a safe and easy way.</a:t>
-            </a:r>
-          </a:p>
-          <a:p>
-            <a:endParaRPr lang="en-US" sz="1200" b="0" i="0" kern="1200" dirty="0" smtClean="0">
-              <a:solidFill>
-                <a:schemeClr val="tx1"/>
-              </a:solidFill>
-              <a:effectLst/>
-              <a:latin typeface="+mn-lt"/>
-              <a:ea typeface="+mn-ea"/>
-              <a:cs typeface="+mn-cs"/>
-            </a:endParaRPr>
-          </a:p>
-          <a:p>
-            <a:r>
-              <a:rPr lang="en-US" sz="1200" b="0" i="0" kern="1200" dirty="0" smtClean="0">
-                <a:solidFill>
-                  <a:schemeClr val="tx1"/>
-                </a:solidFill>
-                <a:effectLst/>
-                <a:latin typeface="+mn-lt"/>
-                <a:ea typeface="+mn-ea"/>
-                <a:cs typeface="+mn-cs"/>
-              </a:rPr>
-              <a:t>This is a very conservative safe approach to refactoring.</a:t>
-            </a:r>
-          </a:p>
-          <a:p>
-            <a:r>
-              <a:rPr lang="en-US" sz="1200" b="0" i="0" kern="1200" dirty="0" smtClean="0">
-                <a:solidFill>
-                  <a:schemeClr val="tx1"/>
-                </a:solidFill>
-                <a:effectLst/>
-                <a:latin typeface="+mn-lt"/>
-                <a:ea typeface="+mn-ea"/>
-                <a:cs typeface="+mn-cs"/>
-              </a:rPr>
-              <a:t>It also gives management the ability to make the decision whether or not to cut over to the new code in a release</a:t>
-            </a:r>
-          </a:p>
-          <a:p>
-            <a:r>
-              <a:rPr lang="en-US" sz="1200" b="0" i="0" kern="1200" dirty="0" smtClean="0">
-                <a:solidFill>
-                  <a:schemeClr val="tx1"/>
-                </a:solidFill>
-                <a:effectLst/>
-                <a:latin typeface="+mn-lt"/>
-                <a:ea typeface="+mn-ea"/>
-                <a:cs typeface="+mn-cs"/>
-              </a:rPr>
-              <a:t>So if it is not tested properly by the time of the release, just don’t switch over, no need to </a:t>
-            </a:r>
-            <a:r>
-              <a:rPr lang="en-US" sz="1200" b="0" i="0" kern="1200" dirty="0" err="1" smtClean="0">
-                <a:solidFill>
-                  <a:schemeClr val="tx1"/>
-                </a:solidFill>
-                <a:effectLst/>
-                <a:latin typeface="+mn-lt"/>
-                <a:ea typeface="+mn-ea"/>
-                <a:cs typeface="+mn-cs"/>
-              </a:rPr>
-              <a:t>roleback</a:t>
-            </a:r>
-            <a:r>
-              <a:rPr lang="en-US" sz="1200" b="0" i="0" kern="1200" dirty="0" smtClean="0">
-                <a:solidFill>
-                  <a:schemeClr val="tx1"/>
-                </a:solidFill>
-                <a:effectLst/>
-                <a:latin typeface="+mn-lt"/>
-                <a:ea typeface="+mn-ea"/>
-                <a:cs typeface="+mn-cs"/>
-              </a:rPr>
-              <a:t> changes or take any other steps</a:t>
-            </a:r>
-          </a:p>
-          <a:p>
             <a:endParaRPr lang="es-PE" dirty="0"/>
           </a:p>
         </p:txBody>
@@ -10248,7 +9849,7 @@
     </p:spTree>
     <p:extLst>
       <p:ext uri="{BB962C8B-B14F-4D97-AF65-F5344CB8AC3E}">
-        <p14:creationId xmlns:p14="http://schemas.microsoft.com/office/powerpoint/2010/main" val="2610960858"/>
+        <p14:creationId xmlns:p14="http://schemas.microsoft.com/office/powerpoint/2010/main" val="3432092158"/>
       </p:ext>
     </p:extLst>
   </p:cSld>
@@ -10332,7 +9933,7 @@
     </p:spTree>
     <p:extLst>
       <p:ext uri="{BB962C8B-B14F-4D97-AF65-F5344CB8AC3E}">
-        <p14:creationId xmlns:p14="http://schemas.microsoft.com/office/powerpoint/2010/main" val="3432092158"/>
+        <p14:creationId xmlns:p14="http://schemas.microsoft.com/office/powerpoint/2010/main" val="2610960858"/>
       </p:ext>
     </p:extLst>
   </p:cSld>
@@ -10679,6 +10280,90 @@
 </p:notes>
 </file>
 
+<file path=ppt/notesSlides/notesSlide40.xml><?xml version="1.0" encoding="utf-8"?>
+<p:notes xmlns:a="http://schemas.openxmlformats.org/drawingml/2006/main" xmlns:r="http://schemas.openxmlformats.org/officeDocument/2006/relationships" xmlns:p="http://schemas.openxmlformats.org/presentationml/2006/main">
+  <p:cSld>
+    <p:spTree>
+      <p:nvGrpSpPr>
+        <p:cNvPr id="1" name=""/>
+        <p:cNvGrpSpPr/>
+        <p:nvPr/>
+      </p:nvGrpSpPr>
+      <p:grpSpPr>
+        <a:xfrm>
+          <a:off x="0" y="0"/>
+          <a:ext cx="0" cy="0"/>
+          <a:chOff x="0" y="0"/>
+          <a:chExt cx="0" cy="0"/>
+        </a:xfrm>
+      </p:grpSpPr>
+      <p:sp>
+        <p:nvSpPr>
+          <p:cNvPr id="2" name="1 Marcador de imagen de diapositiva"/>
+          <p:cNvSpPr>
+            <a:spLocks noGrp="1" noRot="1" noChangeAspect="1"/>
+          </p:cNvSpPr>
+          <p:nvPr>
+            <p:ph type="sldImg"/>
+          </p:nvPr>
+        </p:nvSpPr>
+        <p:spPr/>
+      </p:sp>
+      <p:sp>
+        <p:nvSpPr>
+          <p:cNvPr id="3" name="2 Marcador de notas"/>
+          <p:cNvSpPr>
+            <a:spLocks noGrp="1"/>
+          </p:cNvSpPr>
+          <p:nvPr>
+            <p:ph type="body" idx="1"/>
+          </p:nvPr>
+        </p:nvSpPr>
+        <p:spPr/>
+        <p:txBody>
+          <a:bodyPr/>
+          <a:lstStyle/>
+          <a:p>
+            <a:endParaRPr lang="es-PE" dirty="0"/>
+          </a:p>
+        </p:txBody>
+      </p:sp>
+      <p:sp>
+        <p:nvSpPr>
+          <p:cNvPr id="4" name="3 Marcador de número de diapositiva"/>
+          <p:cNvSpPr>
+            <a:spLocks noGrp="1"/>
+          </p:cNvSpPr>
+          <p:nvPr>
+            <p:ph type="sldNum" sz="quarter" idx="10"/>
+          </p:nvPr>
+        </p:nvSpPr>
+        <p:spPr/>
+        <p:txBody>
+          <a:bodyPr/>
+          <a:lstStyle/>
+          <a:p>
+            <a:fld id="{80C14895-23C8-45AE-85D5-3B35E5980A68}" type="slidenum">
+              <a:rPr lang="es-PE" smtClean="0"/>
+              <a:t>63</a:t>
+            </a:fld>
+            <a:endParaRPr lang="es-PE"/>
+          </a:p>
+        </p:txBody>
+      </p:sp>
+    </p:spTree>
+    <p:extLst>
+      <p:ext uri="{BB962C8B-B14F-4D97-AF65-F5344CB8AC3E}">
+        <p14:creationId xmlns:p14="http://schemas.microsoft.com/office/powerpoint/2010/main" val="3432092158"/>
+      </p:ext>
+    </p:extLst>
+  </p:cSld>
+  <p:clrMapOvr>
+    <a:masterClrMapping/>
+  </p:clrMapOvr>
+</p:notes>
+</file>
+
 <file path=ppt/notesSlides/notesSlide5.xml><?xml version="1.0" encoding="utf-8"?>
 <p:notes xmlns:a="http://schemas.openxmlformats.org/drawingml/2006/main" xmlns:r="http://schemas.openxmlformats.org/officeDocument/2006/relationships" xmlns:p="http://schemas.openxmlformats.org/presentationml/2006/main">
   <p:cSld>
@@ -11414,7 +11099,7 @@
             <a:fld id="{807CB568-C05F-482F-9F26-AA302B8892DF}" type="datetimeFigureOut">
               <a:rPr lang="es-ES" smtClean="0"/>
               <a:pPr/>
-              <a:t>05/06/2013</a:t>
+              <a:t>12/06/2013</a:t>
             </a:fld>
             <a:endParaRPr lang="es-ES"/>
           </a:p>
@@ -11593,7 +11278,7 @@
             <a:fld id="{807CB568-C05F-482F-9F26-AA302B8892DF}" type="datetimeFigureOut">
               <a:rPr lang="es-ES" smtClean="0"/>
               <a:pPr/>
-              <a:t>05/06/2013</a:t>
+              <a:t>12/06/2013</a:t>
             </a:fld>
             <a:endParaRPr lang="es-ES"/>
           </a:p>
@@ -11782,7 +11467,7 @@
             <a:fld id="{807CB568-C05F-482F-9F26-AA302B8892DF}" type="datetimeFigureOut">
               <a:rPr lang="es-ES" smtClean="0"/>
               <a:pPr/>
-              <a:t>05/06/2013</a:t>
+              <a:t>12/06/2013</a:t>
             </a:fld>
             <a:endParaRPr lang="es-ES"/>
           </a:p>
@@ -11961,7 +11646,7 @@
             <a:fld id="{807CB568-C05F-482F-9F26-AA302B8892DF}" type="datetimeFigureOut">
               <a:rPr lang="es-ES" smtClean="0"/>
               <a:pPr/>
-              <a:t>05/06/2013</a:t>
+              <a:t>12/06/2013</a:t>
             </a:fld>
             <a:endParaRPr lang="es-ES"/>
           </a:p>
@@ -12216,7 +11901,7 @@
             <a:fld id="{807CB568-C05F-482F-9F26-AA302B8892DF}" type="datetimeFigureOut">
               <a:rPr lang="es-ES" smtClean="0"/>
               <a:pPr/>
-              <a:t>05/06/2013</a:t>
+              <a:t>12/06/2013</a:t>
             </a:fld>
             <a:endParaRPr lang="es-ES"/>
           </a:p>
@@ -12513,7 +12198,7 @@
             <a:fld id="{807CB568-C05F-482F-9F26-AA302B8892DF}" type="datetimeFigureOut">
               <a:rPr lang="es-ES" smtClean="0"/>
               <a:pPr/>
-              <a:t>05/06/2013</a:t>
+              <a:t>12/06/2013</a:t>
             </a:fld>
             <a:endParaRPr lang="es-ES"/>
           </a:p>
@@ -12944,7 +12629,7 @@
             <a:fld id="{807CB568-C05F-482F-9F26-AA302B8892DF}" type="datetimeFigureOut">
               <a:rPr lang="es-ES" smtClean="0"/>
               <a:pPr/>
-              <a:t>05/06/2013</a:t>
+              <a:t>12/06/2013</a:t>
             </a:fld>
             <a:endParaRPr lang="es-ES"/>
           </a:p>
@@ -13071,7 +12756,7 @@
             <a:fld id="{807CB568-C05F-482F-9F26-AA302B8892DF}" type="datetimeFigureOut">
               <a:rPr lang="es-ES" smtClean="0"/>
               <a:pPr/>
-              <a:t>05/06/2013</a:t>
+              <a:t>12/06/2013</a:t>
             </a:fld>
             <a:endParaRPr lang="es-ES"/>
           </a:p>
@@ -13175,7 +12860,7 @@
             <a:fld id="{807CB568-C05F-482F-9F26-AA302B8892DF}" type="datetimeFigureOut">
               <a:rPr lang="es-ES" smtClean="0"/>
               <a:pPr/>
-              <a:t>05/06/2013</a:t>
+              <a:t>12/06/2013</a:t>
             </a:fld>
             <a:endParaRPr lang="es-ES"/>
           </a:p>
@@ -13461,7 +13146,7 @@
             <a:fld id="{807CB568-C05F-482F-9F26-AA302B8892DF}" type="datetimeFigureOut">
               <a:rPr lang="es-ES" smtClean="0"/>
               <a:pPr/>
-              <a:t>05/06/2013</a:t>
+              <a:t>12/06/2013</a:t>
             </a:fld>
             <a:endParaRPr lang="es-ES"/>
           </a:p>
@@ -13730,7 +13415,7 @@
             <a:fld id="{807CB568-C05F-482F-9F26-AA302B8892DF}" type="datetimeFigureOut">
               <a:rPr lang="es-ES" smtClean="0"/>
               <a:pPr/>
-              <a:t>05/06/2013</a:t>
+              <a:t>12/06/2013</a:t>
             </a:fld>
             <a:endParaRPr lang="es-ES"/>
           </a:p>
@@ -13981,7 +13666,7 @@
             <a:fld id="{807CB568-C05F-482F-9F26-AA302B8892DF}" type="datetimeFigureOut">
               <a:rPr lang="es-ES" smtClean="0"/>
               <a:pPr/>
-              <a:t>05/06/2013</a:t>
+              <a:t>12/06/2013</a:t>
             </a:fld>
             <a:endParaRPr lang="es-ES"/>
           </a:p>
@@ -26041,11 +25726,11 @@
   <p:clrMapOvr>
     <a:masterClrMapping/>
   </p:clrMapOvr>
-  <mc:AlternateContent xmlns:mc="http://schemas.openxmlformats.org/markup-compatibility/2006">
-    <mc:Choice xmlns:p14="http://schemas.microsoft.com/office/powerpoint/2010/main" Requires="p14">
+  <mc:AlternateContent xmlns:mc="http://schemas.openxmlformats.org/markup-compatibility/2006" xmlns:p14="http://schemas.microsoft.com/office/powerpoint/2010/main">
+    <mc:Choice Requires="p14">
       <p:transition spd="slow" p14:dur="2000"/>
     </mc:Choice>
-    <mc:Fallback>
+    <mc:Fallback xmlns="">
       <p:transition spd="slow"/>
     </mc:Fallback>
   </mc:AlternateContent>
@@ -27071,8 +26756,8 @@
         </p:nvSpPr>
         <p:spPr bwMode="auto">
           <a:xfrm>
-            <a:off x="317646" y="1106741"/>
-            <a:ext cx="8424936" cy="1596549"/>
+            <a:off x="323528" y="1268760"/>
+            <a:ext cx="8424936" cy="4248472"/>
           </a:xfrm>
           <a:prstGeom prst="rect">
             <a:avLst/>
@@ -27249,8 +26934,95 @@
             </a:pPr>
             <a:r>
               <a:rPr lang="es-PE" sz="2800" dirty="0" smtClean="0"/>
-              <a:t>Para remover código duplicado en métodos grandes o complejos, uniformizarlos de tal manera que sean lo más idénticos posibles.</a:t>
-            </a:r>
+              <a:t>Asilar los lugares que necesitan ser cambiados antes de realizar el cambio.</a:t>
+            </a:r>
+            <a:br>
+              <a:rPr lang="es-PE" sz="2800" dirty="0" smtClean="0"/>
+            </a:br>
+            <a:r>
+              <a:rPr lang="es-PE" sz="2800" dirty="0"/>
+              <a:t>(</a:t>
+            </a:r>
+            <a:r>
+              <a:rPr lang="es-PE" sz="2800" dirty="0" err="1"/>
+              <a:t>Refactorizar</a:t>
+            </a:r>
+            <a:r>
+              <a:rPr lang="es-PE" sz="2800" dirty="0"/>
+              <a:t> 3 en vez de 50)</a:t>
+            </a:r>
+          </a:p>
+          <a:p>
+            <a:pPr marL="0" indent="0">
+              <a:buNone/>
+            </a:pPr>
+            <a:endParaRPr lang="en-US" sz="2800" dirty="0" smtClean="0"/>
+          </a:p>
+          <a:p>
+            <a:pPr marL="0" indent="0">
+              <a:buNone/>
+            </a:pPr>
+            <a:r>
+              <a:rPr lang="en-US" sz="2800" dirty="0" err="1" smtClean="0">
+                <a:solidFill>
+                  <a:srgbClr val="FFC000"/>
+                </a:solidFill>
+              </a:rPr>
+              <a:t>Mecánica</a:t>
+            </a:r>
+            <a:endParaRPr lang="es-PE" sz="2800" dirty="0" smtClean="0">
+              <a:solidFill>
+                <a:srgbClr val="FFC000"/>
+              </a:solidFill>
+            </a:endParaRPr>
+          </a:p>
+          <a:p>
+            <a:r>
+              <a:rPr lang="es-PE" sz="2800" dirty="0" smtClean="0"/>
+              <a:t>Extraer métodos que consoliden los lugares a cambiar</a:t>
+            </a:r>
+            <a:r>
+              <a:rPr lang="es-PE" sz="2800" dirty="0"/>
+              <a:t>. </a:t>
+            </a:r>
+            <a:endParaRPr lang="es-PE" sz="2800" dirty="0" smtClean="0"/>
+          </a:p>
+          <a:p>
+            <a:r>
+              <a:rPr lang="es-PE" sz="2800" dirty="0" smtClean="0"/>
+              <a:t>Cambiar el código dentro de los métodos </a:t>
+            </a:r>
+            <a:r>
+              <a:rPr lang="es-PE" sz="2800" dirty="0" err="1" smtClean="0"/>
+              <a:t>extraidos</a:t>
+            </a:r>
+            <a:r>
+              <a:rPr lang="es-PE" sz="2800" dirty="0" smtClean="0"/>
+              <a:t>.</a:t>
+            </a:r>
+          </a:p>
+          <a:p>
+            <a:r>
+              <a:rPr lang="es-PE" sz="2800" dirty="0" smtClean="0"/>
+              <a:t>Realizar un </a:t>
+            </a:r>
+            <a:r>
+              <a:rPr lang="es-PE" sz="2800" dirty="0" err="1" smtClean="0"/>
+              <a:t>Inline</a:t>
+            </a:r>
+            <a:r>
+              <a:rPr lang="es-PE" sz="2800" dirty="0" smtClean="0"/>
+              <a:t> para propagar el cambio y eliminar el método </a:t>
+            </a:r>
+            <a:r>
+              <a:rPr lang="es-PE" sz="2800" dirty="0" err="1" smtClean="0"/>
+              <a:t>extraido</a:t>
+            </a:r>
+            <a:r>
+              <a:rPr lang="es-PE" sz="2800" dirty="0" smtClean="0"/>
+              <a:t>.</a:t>
+            </a:r>
+            <a:endParaRPr lang="es-PE" sz="2800" dirty="0"/>
           </a:p>
         </p:txBody>
       </p:sp>
@@ -27266,8 +27038,8 @@
         </p:nvSpPr>
         <p:spPr>
           <a:xfrm>
-            <a:off x="529208" y="242645"/>
-            <a:ext cx="8229600" cy="784951"/>
+            <a:off x="529208" y="51761"/>
+            <a:ext cx="8229600" cy="1143000"/>
           </a:xfrm>
         </p:spPr>
         <p:txBody>
@@ -27280,7 +27052,7 @@
                   <a:srgbClr val="009A46"/>
                 </a:solidFill>
               </a:rPr>
-              <a:t>Unified</a:t>
+              <a:t>Narrowed</a:t>
             </a:r>
             <a:r>
               <a:rPr lang="es-PE" dirty="0" smtClean="0">
@@ -27296,7 +27068,7 @@
                   <a:srgbClr val="009A46"/>
                 </a:solidFill>
               </a:rPr>
-              <a:t>Methods</a:t>
+              <a:t>Change</a:t>
             </a:r>
             <a:endParaRPr lang="es-PE" dirty="0">
               <a:solidFill>
@@ -27306,90 +27078,10 @@
           </a:p>
         </p:txBody>
       </p:sp>
-      <p:pic>
-        <p:nvPicPr>
-          <p:cNvPr id="5" name="Picture 2" descr="http://p.twimg.com/Ap26m73CQAEebn3.jpg:large"/>
-          <p:cNvPicPr>
-            <a:picLocks noChangeAspect="1" noChangeArrowheads="1"/>
-          </p:cNvPicPr>
-          <p:nvPr/>
-        </p:nvPicPr>
-        <p:blipFill rotWithShape="1">
-          <a:blip r:embed="rId3">
-            <a:extLst>
-              <a:ext uri="{BEBA8EAE-BF5A-486C-A8C5-ECC9F3942E4B}">
-                <a14:imgProps xmlns:a14="http://schemas.microsoft.com/office/drawing/2010/main">
-                  <a14:imgLayer r:embed="rId4">
-                    <a14:imgEffect>
-                      <a14:sharpenSoften amount="50000"/>
-                    </a14:imgEffect>
-                    <a14:imgEffect>
-                      <a14:colorTemperature colorTemp="11200"/>
-                    </a14:imgEffect>
-                  </a14:imgLayer>
-                </a14:imgProps>
-              </a:ext>
-              <a:ext uri="{28A0092B-C50C-407E-A947-70E740481C1C}">
-                <a14:useLocalDpi xmlns:a14="http://schemas.microsoft.com/office/drawing/2010/main" val="0"/>
-              </a:ext>
-            </a:extLst>
-          </a:blip>
-          <a:srcRect l="6870" t="7995" r="6730" b="29074"/>
-          <a:stretch/>
-        </p:blipFill>
-        <p:spPr bwMode="auto">
-          <a:xfrm>
-            <a:off x="2547663" y="2635595"/>
-            <a:ext cx="4114800" cy="2457602"/>
-          </a:xfrm>
-          <a:prstGeom prst="rect">
-            <a:avLst/>
-          </a:prstGeom>
-          <a:noFill/>
-          <a:extLst>
-            <a:ext uri="{909E8E84-426E-40DD-AFC4-6F175D3DCCD1}">
-              <a14:hiddenFill xmlns:a14="http://schemas.microsoft.com/office/drawing/2010/main">
-                <a:solidFill>
-                  <a:srgbClr val="FFFFFF"/>
-                </a:solidFill>
-              </a14:hiddenFill>
-            </a:ext>
-          </a:extLst>
-        </p:spPr>
-      </p:pic>
-      <p:sp>
-        <p:nvSpPr>
-          <p:cNvPr id="2" name="1 Rectángulo"/>
-          <p:cNvSpPr/>
-          <p:nvPr/>
-        </p:nvSpPr>
-        <p:spPr>
-          <a:xfrm>
-            <a:off x="467544" y="5211197"/>
-            <a:ext cx="8275038" cy="954107"/>
-          </a:xfrm>
-          <a:prstGeom prst="rect">
-            <a:avLst/>
-          </a:prstGeom>
-        </p:spPr>
-        <p:txBody>
-          <a:bodyPr wrap="square">
-            <a:spAutoFit/>
-          </a:bodyPr>
-          <a:lstStyle/>
-          <a:p>
-            <a:pPr algn="ctr"/>
-            <a:r>
-              <a:rPr lang="es-PE" sz="2800" dirty="0"/>
-              <a:t>Extraer el código que es uniforme a todos estos métodos y compartirlo (ya no duplicarlo).</a:t>
-            </a:r>
-          </a:p>
-        </p:txBody>
-      </p:sp>
     </p:spTree>
     <p:extLst>
       <p:ext uri="{BB962C8B-B14F-4D97-AF65-F5344CB8AC3E}">
-        <p14:creationId xmlns:p14="http://schemas.microsoft.com/office/powerpoint/2010/main" val="2857359437"/>
+        <p14:creationId xmlns:p14="http://schemas.microsoft.com/office/powerpoint/2010/main" val="2787066783"/>
       </p:ext>
     </p:extLst>
   </p:cSld>
@@ -27433,8 +27125,8 @@
         </p:nvSpPr>
         <p:spPr bwMode="auto">
           <a:xfrm>
-            <a:off x="323528" y="1268760"/>
-            <a:ext cx="8424936" cy="4248472"/>
+            <a:off x="251520" y="1268760"/>
+            <a:ext cx="8568952" cy="4968552"/>
           </a:xfrm>
           <a:prstGeom prst="rect">
             <a:avLst/>
@@ -27611,94 +27303,48 @@
             </a:pPr>
             <a:r>
               <a:rPr lang="es-PE" sz="2800" dirty="0" smtClean="0"/>
-              <a:t>Asilar los lugares que necesitan ser cambiados antes de realizar el cambio.</a:t>
-            </a:r>
-            <a:br>
-              <a:rPr lang="es-PE" sz="2800" dirty="0" smtClean="0"/>
-            </a:br>
-            <a:r>
-              <a:rPr lang="es-PE" sz="2800" dirty="0"/>
-              <a:t>(</a:t>
-            </a:r>
-            <a:r>
-              <a:rPr lang="es-PE" sz="2800" dirty="0" err="1"/>
-              <a:t>Refactorizar</a:t>
-            </a:r>
-            <a:r>
-              <a:rPr lang="es-PE" sz="2800" dirty="0"/>
-              <a:t> 3 en vez de 50)</a:t>
-            </a:r>
+              <a:t>Agregar el todo nuevo código sin eliminar el anterior, eliminar de manera paulatina el código viejo.</a:t>
+            </a:r>
+            <a:endParaRPr lang="es-PE" sz="2800" dirty="0" smtClean="0"/>
           </a:p>
           <a:p>
             <a:pPr marL="0" indent="0">
               <a:buNone/>
             </a:pPr>
-            <a:endParaRPr lang="en-US" sz="2800" dirty="0" smtClean="0"/>
+            <a:endParaRPr lang="es-PE" sz="2800" dirty="0" smtClean="0"/>
           </a:p>
           <a:p>
             <a:pPr marL="0" indent="0">
               <a:buNone/>
             </a:pPr>
             <a:r>
-              <a:rPr lang="en-US" sz="2800" dirty="0" err="1" smtClean="0">
+              <a:rPr lang="es-PE" sz="2800" dirty="0" smtClean="0">
                 <a:solidFill>
                   <a:srgbClr val="FFC000"/>
                 </a:solidFill>
               </a:rPr>
               <a:t>Mecánica</a:t>
             </a:r>
-            <a:endParaRPr lang="es-PE" sz="2800" dirty="0" smtClean="0">
-              <a:solidFill>
-                <a:srgbClr val="FFC000"/>
-              </a:solidFill>
-            </a:endParaRPr>
           </a:p>
           <a:p>
             <a:r>
               <a:rPr lang="es-PE" sz="2800" dirty="0" smtClean="0"/>
-              <a:t>Extraer métodos que consoliden los lugares a cambiar</a:t>
-            </a:r>
-            <a:r>
-              <a:rPr lang="es-PE" sz="2800" dirty="0"/>
-              <a:t>. </a:t>
-            </a:r>
-            <a:endParaRPr lang="es-PE" sz="2800" dirty="0" smtClean="0"/>
+              <a:t>Agregar el nuevo código justo a lado de cada código que queremos cambiar. No eliminar el código antiguo.</a:t>
+            </a:r>
           </a:p>
           <a:p>
             <a:r>
               <a:rPr lang="es-PE" sz="2800" dirty="0" smtClean="0"/>
-              <a:t>Cambiar el código dentro de los métodos </a:t>
-            </a:r>
-            <a:r>
-              <a:rPr lang="es-PE" sz="2800" dirty="0" err="1" smtClean="0"/>
-              <a:t>extraidos</a:t>
-            </a:r>
+              <a:t>Cuando se haya agregado todo el código nuevo,  ambos deben convivir sin afectar ninguna funcionalidad.</a:t>
+            </a:r>
+          </a:p>
+          <a:p>
             <a:r>
               <a:rPr lang="es-PE" sz="2800" dirty="0" smtClean="0"/>
-              <a:t>.</a:t>
-            </a:r>
-          </a:p>
-          <a:p>
-            <a:r>
-              <a:rPr lang="es-PE" sz="2800" dirty="0" smtClean="0"/>
-              <a:t>Realizar un </a:t>
-            </a:r>
-            <a:r>
-              <a:rPr lang="es-PE" sz="2800" dirty="0" err="1" smtClean="0"/>
-              <a:t>Inline</a:t>
-            </a:r>
-            <a:r>
-              <a:rPr lang="es-PE" sz="2800" dirty="0" smtClean="0"/>
-              <a:t> para propagar el cambio y eliminar el método </a:t>
-            </a:r>
-            <a:r>
-              <a:rPr lang="es-PE" sz="2800" dirty="0" err="1" smtClean="0"/>
-              <a:t>extraido</a:t>
-            </a:r>
-            <a:r>
-              <a:rPr lang="es-PE" sz="2800" dirty="0" smtClean="0"/>
-              <a:t>.</a:t>
-            </a:r>
+              <a:t>Gradualmente ir retirando el código antiguo.</a:t>
+            </a:r>
+          </a:p>
+          <a:p>
             <a:endParaRPr lang="es-PE" sz="2800" dirty="0"/>
           </a:p>
         </p:txBody>
@@ -27729,7 +27375,7 @@
                   <a:srgbClr val="009A46"/>
                 </a:solidFill>
               </a:rPr>
-              <a:t>Narrowed</a:t>
+              <a:t>Parallel</a:t>
             </a:r>
             <a:r>
               <a:rPr lang="es-PE" dirty="0" smtClean="0">
@@ -27758,7 +27404,7 @@
     </p:spTree>
     <p:extLst>
       <p:ext uri="{BB962C8B-B14F-4D97-AF65-F5344CB8AC3E}">
-        <p14:creationId xmlns:p14="http://schemas.microsoft.com/office/powerpoint/2010/main" val="2787066783"/>
+        <p14:creationId xmlns:p14="http://schemas.microsoft.com/office/powerpoint/2010/main" val="1817539638"/>
       </p:ext>
     </p:extLst>
   </p:cSld>
@@ -28198,255 +27844,7 @@
       </p:grpSpPr>
       <p:sp>
         <p:nvSpPr>
-          <p:cNvPr id="6" name="5 Marcador de contenido"/>
-          <p:cNvSpPr txBox="1">
-            <a:spLocks/>
-          </p:cNvSpPr>
-          <p:nvPr/>
-        </p:nvSpPr>
-        <p:spPr bwMode="auto">
-          <a:xfrm>
-            <a:off x="251520" y="1268760"/>
-            <a:ext cx="8568952" cy="4968552"/>
-          </a:xfrm>
-          <a:prstGeom prst="rect">
-            <a:avLst/>
-          </a:prstGeom>
-          <a:noFill/>
-          <a:ln w="9525">
-            <a:noFill/>
-            <a:miter lim="800000"/>
-            <a:headEnd/>
-            <a:tailEnd/>
-          </a:ln>
-        </p:spPr>
-        <p:txBody>
-          <a:bodyPr vert="horz" wrap="square" lIns="91440" tIns="45720" rIns="91440" bIns="45720" numCol="1" anchor="t" anchorCtr="0" compatLnSpc="1">
-            <a:prstTxWarp prst="textNoShape">
-              <a:avLst/>
-            </a:prstTxWarp>
-          </a:bodyPr>
-          <a:lstStyle>
-            <a:lvl1pPr marL="342900" indent="-342900" algn="l" rtl="0" eaLnBrk="1" fontAlgn="base" hangingPunct="1">
-              <a:spcBef>
-                <a:spcPct val="20000"/>
-              </a:spcBef>
-              <a:spcAft>
-                <a:spcPct val="0"/>
-              </a:spcAft>
-              <a:buFont typeface="Arial" charset="0"/>
-              <a:buChar char="•"/>
-              <a:defRPr sz="3200" kern="1200">
-                <a:solidFill>
-                  <a:schemeClr val="tx1"/>
-                </a:solidFill>
-                <a:latin typeface="+mn-lt"/>
-                <a:ea typeface="+mn-ea"/>
-                <a:cs typeface="+mn-cs"/>
-              </a:defRPr>
-            </a:lvl1pPr>
-            <a:lvl2pPr marL="742950" indent="-285750" algn="l" rtl="0" eaLnBrk="1" fontAlgn="base" hangingPunct="1">
-              <a:spcBef>
-                <a:spcPct val="20000"/>
-              </a:spcBef>
-              <a:spcAft>
-                <a:spcPct val="0"/>
-              </a:spcAft>
-              <a:buFont typeface="Arial" charset="0"/>
-              <a:buChar char="–"/>
-              <a:defRPr sz="2800" kern="1200">
-                <a:solidFill>
-                  <a:schemeClr val="tx1"/>
-                </a:solidFill>
-                <a:latin typeface="+mn-lt"/>
-                <a:ea typeface="+mn-ea"/>
-                <a:cs typeface="+mn-cs"/>
-              </a:defRPr>
-            </a:lvl2pPr>
-            <a:lvl3pPr marL="1143000" indent="-228600" algn="l" rtl="0" eaLnBrk="1" fontAlgn="base" hangingPunct="1">
-              <a:spcBef>
-                <a:spcPct val="20000"/>
-              </a:spcBef>
-              <a:spcAft>
-                <a:spcPct val="0"/>
-              </a:spcAft>
-              <a:buFont typeface="Arial" charset="0"/>
-              <a:buChar char="•"/>
-              <a:defRPr sz="2400" kern="1200">
-                <a:solidFill>
-                  <a:schemeClr val="tx1"/>
-                </a:solidFill>
-                <a:latin typeface="+mn-lt"/>
-                <a:ea typeface="+mn-ea"/>
-                <a:cs typeface="+mn-cs"/>
-              </a:defRPr>
-            </a:lvl3pPr>
-            <a:lvl4pPr marL="1600200" indent="-228600" algn="l" rtl="0" eaLnBrk="1" fontAlgn="base" hangingPunct="1">
-              <a:spcBef>
-                <a:spcPct val="20000"/>
-              </a:spcBef>
-              <a:spcAft>
-                <a:spcPct val="0"/>
-              </a:spcAft>
-              <a:buFont typeface="Arial" charset="0"/>
-              <a:buChar char="–"/>
-              <a:defRPr sz="2000" kern="1200">
-                <a:solidFill>
-                  <a:schemeClr val="tx1"/>
-                </a:solidFill>
-                <a:latin typeface="+mn-lt"/>
-                <a:ea typeface="+mn-ea"/>
-                <a:cs typeface="+mn-cs"/>
-              </a:defRPr>
-            </a:lvl4pPr>
-            <a:lvl5pPr marL="2057400" indent="-228600" algn="l" rtl="0" eaLnBrk="1" fontAlgn="base" hangingPunct="1">
-              <a:spcBef>
-                <a:spcPct val="20000"/>
-              </a:spcBef>
-              <a:spcAft>
-                <a:spcPct val="0"/>
-              </a:spcAft>
-              <a:buFont typeface="Arial" charset="0"/>
-              <a:buChar char="»"/>
-              <a:defRPr sz="2000" kern="1200">
-                <a:solidFill>
-                  <a:schemeClr val="tx1"/>
-                </a:solidFill>
-                <a:latin typeface="+mn-lt"/>
-                <a:ea typeface="+mn-ea"/>
-                <a:cs typeface="+mn-cs"/>
-              </a:defRPr>
-            </a:lvl5pPr>
-            <a:lvl6pPr marL="2514600" indent="-228600" algn="l" defTabSz="914400" rtl="0" eaLnBrk="1" latinLnBrk="0" hangingPunct="1">
-              <a:spcBef>
-                <a:spcPct val="20000"/>
-              </a:spcBef>
-              <a:buFont typeface="Arial" pitchFamily="34" charset="0"/>
-              <a:buChar char="•"/>
-              <a:defRPr sz="2000" kern="1200">
-                <a:solidFill>
-                  <a:schemeClr val="tx1"/>
-                </a:solidFill>
-                <a:latin typeface="+mn-lt"/>
-                <a:ea typeface="+mn-ea"/>
-                <a:cs typeface="+mn-cs"/>
-              </a:defRPr>
-            </a:lvl6pPr>
-            <a:lvl7pPr marL="2971800" indent="-228600" algn="l" defTabSz="914400" rtl="0" eaLnBrk="1" latinLnBrk="0" hangingPunct="1">
-              <a:spcBef>
-                <a:spcPct val="20000"/>
-              </a:spcBef>
-              <a:buFont typeface="Arial" pitchFamily="34" charset="0"/>
-              <a:buChar char="•"/>
-              <a:defRPr sz="2000" kern="1200">
-                <a:solidFill>
-                  <a:schemeClr val="tx1"/>
-                </a:solidFill>
-                <a:latin typeface="+mn-lt"/>
-                <a:ea typeface="+mn-ea"/>
-                <a:cs typeface="+mn-cs"/>
-              </a:defRPr>
-            </a:lvl7pPr>
-            <a:lvl8pPr marL="3429000" indent="-228600" algn="l" defTabSz="914400" rtl="0" eaLnBrk="1" latinLnBrk="0" hangingPunct="1">
-              <a:spcBef>
-                <a:spcPct val="20000"/>
-              </a:spcBef>
-              <a:buFont typeface="Arial" pitchFamily="34" charset="0"/>
-              <a:buChar char="•"/>
-              <a:defRPr sz="2000" kern="1200">
-                <a:solidFill>
-                  <a:schemeClr val="tx1"/>
-                </a:solidFill>
-                <a:latin typeface="+mn-lt"/>
-                <a:ea typeface="+mn-ea"/>
-                <a:cs typeface="+mn-cs"/>
-              </a:defRPr>
-            </a:lvl8pPr>
-            <a:lvl9pPr marL="3886200" indent="-228600" algn="l" defTabSz="914400" rtl="0" eaLnBrk="1" latinLnBrk="0" hangingPunct="1">
-              <a:spcBef>
-                <a:spcPct val="20000"/>
-              </a:spcBef>
-              <a:buFont typeface="Arial" pitchFamily="34" charset="0"/>
-              <a:buChar char="•"/>
-              <a:defRPr sz="2000" kern="1200">
-                <a:solidFill>
-                  <a:schemeClr val="tx1"/>
-                </a:solidFill>
-                <a:latin typeface="+mn-lt"/>
-                <a:ea typeface="+mn-ea"/>
-                <a:cs typeface="+mn-cs"/>
-              </a:defRPr>
-            </a:lvl9pPr>
-          </a:lstStyle>
-          <a:p>
-            <a:pPr marL="0" indent="0" algn="ctr">
-              <a:buNone/>
-            </a:pPr>
-            <a:r>
-              <a:rPr lang="es-PE" sz="2800" dirty="0" smtClean="0"/>
-              <a:t>Asilar los lugares que necesitan ser cambiados antes de realizar el cambio.</a:t>
-            </a:r>
-            <a:br>
-              <a:rPr lang="es-PE" sz="2800" dirty="0" smtClean="0"/>
-            </a:br>
-            <a:r>
-              <a:rPr lang="es-PE" sz="2800" dirty="0" smtClean="0"/>
-              <a:t>(</a:t>
-            </a:r>
-            <a:r>
-              <a:rPr lang="es-PE" sz="2800" dirty="0" err="1" smtClean="0"/>
-              <a:t>Refactorizar</a:t>
-            </a:r>
-            <a:r>
-              <a:rPr lang="es-PE" sz="2800" dirty="0" smtClean="0"/>
-              <a:t> 3 en vez de 50)</a:t>
-            </a:r>
-          </a:p>
-          <a:p>
-            <a:pPr marL="0" indent="0">
-              <a:buNone/>
-            </a:pPr>
-            <a:endParaRPr lang="es-PE" sz="2800" dirty="0" smtClean="0"/>
-          </a:p>
-          <a:p>
-            <a:pPr marL="0" indent="0">
-              <a:buNone/>
-            </a:pPr>
-            <a:r>
-              <a:rPr lang="es-PE" sz="2800" dirty="0" smtClean="0">
-                <a:solidFill>
-                  <a:srgbClr val="FFC000"/>
-                </a:solidFill>
-              </a:rPr>
-              <a:t>Mecánica</a:t>
-            </a:r>
-          </a:p>
-          <a:p>
-            <a:r>
-              <a:rPr lang="es-PE" sz="2800" dirty="0" smtClean="0"/>
-              <a:t>Agregar el nuevo código justo a lado de cada código que queremos cambiar. No eliminar el código antiguo.</a:t>
-            </a:r>
-          </a:p>
-          <a:p>
-            <a:r>
-              <a:rPr lang="es-PE" sz="2800" dirty="0" smtClean="0"/>
-              <a:t>Cuando se haya agregado todo el código nuevo,  ambos deben convivir sin afectar ninguna funcionalidad.</a:t>
-            </a:r>
-          </a:p>
-          <a:p>
-            <a:r>
-              <a:rPr lang="es-PE" sz="2800" dirty="0" smtClean="0"/>
-              <a:t>Gradualmente ir retirando el código antiguo.</a:t>
-            </a:r>
-          </a:p>
-          <a:p>
-            <a:endParaRPr lang="es-PE" sz="2800" dirty="0"/>
-          </a:p>
-        </p:txBody>
-      </p:sp>
-      <p:sp>
-        <p:nvSpPr>
-          <p:cNvPr id="8" name="1 Título"/>
+          <p:cNvPr id="3" name="2 Título"/>
           <p:cNvSpPr>
             <a:spLocks noGrp="1"/>
           </p:cNvSpPr>
@@ -28456,8 +27854,8 @@
         </p:nvSpPr>
         <p:spPr>
           <a:xfrm>
-            <a:off x="529208" y="51761"/>
-            <a:ext cx="8229600" cy="1143000"/>
+            <a:off x="446856" y="1124744"/>
+            <a:ext cx="8229600" cy="2088232"/>
           </a:xfrm>
         </p:spPr>
         <p:txBody>
@@ -28465,41 +27863,134 @@
           <a:lstStyle/>
           <a:p>
             <a:r>
+              <a:rPr lang="es-PE" dirty="0" smtClean="0">
+                <a:solidFill>
+                  <a:srgbClr val="FFC000"/>
+                </a:solidFill>
+              </a:rPr>
+              <a:t>Ejercicio </a:t>
+            </a:r>
+            <a:r>
+              <a:rPr lang="es-PE" dirty="0" smtClean="0">
+                <a:solidFill>
+                  <a:srgbClr val="00823B"/>
+                </a:solidFill>
+              </a:rPr>
+              <a:t/>
+            </a:r>
+            <a:br>
+              <a:rPr lang="es-PE" dirty="0" smtClean="0">
+                <a:solidFill>
+                  <a:srgbClr val="00823B"/>
+                </a:solidFill>
+              </a:rPr>
+            </a:br>
+            <a:r>
+              <a:rPr lang="es-PE" dirty="0" smtClean="0">
+                <a:solidFill>
+                  <a:srgbClr val="00823B"/>
+                </a:solidFill>
+              </a:rPr>
+              <a:t>Aprendiendo Refactoring </a:t>
+            </a:r>
+            <a:r>
               <a:rPr lang="es-PE" dirty="0" err="1" smtClean="0">
                 <a:solidFill>
-                  <a:srgbClr val="009A46"/>
-                </a:solidFill>
-              </a:rPr>
-              <a:t>Parallel</a:t>
-            </a:r>
-            <a:r>
-              <a:rPr lang="es-PE" dirty="0" smtClean="0">
-                <a:solidFill>
-                  <a:srgbClr val="009A46"/>
-                </a:solidFill>
-              </a:rPr>
-              <a:t> </a:t>
-            </a:r>
-            <a:r>
-              <a:rPr lang="es-PE" dirty="0" err="1" smtClean="0">
-                <a:solidFill>
-                  <a:srgbClr val="009A46"/>
-                </a:solidFill>
-              </a:rPr>
-              <a:t>Change</a:t>
+                  <a:srgbClr val="00823B"/>
+                </a:solidFill>
+              </a:rPr>
+              <a:t>Patterns</a:t>
             </a:r>
             <a:endParaRPr lang="es-PE" dirty="0">
               <a:solidFill>
-                <a:srgbClr val="009A46"/>
+                <a:srgbClr val="00823B"/>
               </a:solidFill>
             </a:endParaRPr>
+          </a:p>
+        </p:txBody>
+      </p:sp>
+      <p:sp>
+        <p:nvSpPr>
+          <p:cNvPr id="4" name="3 CuadroTexto"/>
+          <p:cNvSpPr txBox="1"/>
+          <p:nvPr/>
+        </p:nvSpPr>
+        <p:spPr>
+          <a:xfrm>
+            <a:off x="323529" y="3429000"/>
+            <a:ext cx="8496944" cy="830997"/>
+          </a:xfrm>
+          <a:prstGeom prst="rect">
+            <a:avLst/>
+          </a:prstGeom>
+          <a:noFill/>
+        </p:spPr>
+        <p:txBody>
+          <a:bodyPr wrap="square" rtlCol="0">
+            <a:spAutoFit/>
+          </a:bodyPr>
+          <a:lstStyle/>
+          <a:p>
+            <a:pPr algn="ctr"/>
+            <a:r>
+              <a:rPr lang="es-PE" sz="2400" dirty="0" smtClean="0"/>
+              <a:t>Aplicar las técnicas de "</a:t>
+            </a:r>
+            <a:r>
+              <a:rPr lang="es-PE" sz="2400" dirty="0" err="1" smtClean="0"/>
+              <a:t>Narrowed</a:t>
+            </a:r>
+            <a:r>
+              <a:rPr lang="es-PE" sz="2400" dirty="0" smtClean="0"/>
+              <a:t> </a:t>
+            </a:r>
+            <a:r>
+              <a:rPr lang="es-PE" sz="2400" dirty="0" err="1" smtClean="0"/>
+              <a:t>Change</a:t>
+            </a:r>
+            <a:r>
+              <a:rPr lang="es-PE" sz="2400" dirty="0" smtClean="0"/>
+              <a:t>" y "</a:t>
+            </a:r>
+            <a:r>
+              <a:rPr lang="es-PE" sz="2400" dirty="0" err="1" smtClean="0"/>
+              <a:t>Paralell</a:t>
+            </a:r>
+            <a:r>
+              <a:rPr lang="es-PE" sz="2400" dirty="0" smtClean="0"/>
+              <a:t> </a:t>
+            </a:r>
+            <a:r>
+              <a:rPr lang="es-PE" sz="2400" dirty="0" err="1" smtClean="0"/>
+              <a:t>Change</a:t>
+            </a:r>
+            <a:r>
+              <a:rPr lang="es-PE" sz="2400" dirty="0" smtClean="0"/>
+              <a:t>" para </a:t>
+            </a:r>
+            <a:r>
+              <a:rPr lang="es-PE" sz="2400" dirty="0" err="1" smtClean="0"/>
+              <a:t>refactorizar</a:t>
+            </a:r>
+            <a:r>
+              <a:rPr lang="es-PE" sz="2400" dirty="0" smtClean="0"/>
+              <a:t> una clase "</a:t>
+            </a:r>
+            <a:r>
+              <a:rPr lang="es-PE" sz="2400" dirty="0" err="1" smtClean="0"/>
+              <a:t>Stack</a:t>
+            </a:r>
+            <a:r>
+              <a:rPr lang="es-PE" sz="2400" dirty="0" smtClean="0"/>
+              <a:t>". </a:t>
+            </a:r>
           </a:p>
         </p:txBody>
       </p:sp>
     </p:spTree>
     <p:extLst>
       <p:ext uri="{BB962C8B-B14F-4D97-AF65-F5344CB8AC3E}">
-        <p14:creationId xmlns:p14="http://schemas.microsoft.com/office/powerpoint/2010/main" val="1817539638"/>
+        <p14:creationId xmlns:p14="http://schemas.microsoft.com/office/powerpoint/2010/main" val="1279926904"/>
       </p:ext>
     </p:extLst>
   </p:cSld>
@@ -28535,7 +28026,200 @@
       </p:grpSpPr>
       <p:sp>
         <p:nvSpPr>
-          <p:cNvPr id="3" name="2 Título"/>
+          <p:cNvPr id="6" name="5 Marcador de contenido"/>
+          <p:cNvSpPr txBox="1">
+            <a:spLocks/>
+          </p:cNvSpPr>
+          <p:nvPr/>
+        </p:nvSpPr>
+        <p:spPr bwMode="auto">
+          <a:xfrm>
+            <a:off x="317646" y="1106741"/>
+            <a:ext cx="8424936" cy="1596549"/>
+          </a:xfrm>
+          <a:prstGeom prst="rect">
+            <a:avLst/>
+          </a:prstGeom>
+          <a:noFill/>
+          <a:ln w="9525">
+            <a:noFill/>
+            <a:miter lim="800000"/>
+            <a:headEnd/>
+            <a:tailEnd/>
+          </a:ln>
+        </p:spPr>
+        <p:txBody>
+          <a:bodyPr vert="horz" wrap="square" lIns="91440" tIns="45720" rIns="91440" bIns="45720" numCol="1" anchor="t" anchorCtr="0" compatLnSpc="1">
+            <a:prstTxWarp prst="textNoShape">
+              <a:avLst/>
+            </a:prstTxWarp>
+          </a:bodyPr>
+          <a:lstStyle>
+            <a:lvl1pPr marL="342900" indent="-342900" algn="l" rtl="0" eaLnBrk="1" fontAlgn="base" hangingPunct="1">
+              <a:spcBef>
+                <a:spcPct val="20000"/>
+              </a:spcBef>
+              <a:spcAft>
+                <a:spcPct val="0"/>
+              </a:spcAft>
+              <a:buFont typeface="Arial" charset="0"/>
+              <a:buChar char="•"/>
+              <a:defRPr sz="3200" kern="1200">
+                <a:solidFill>
+                  <a:schemeClr val="tx1"/>
+                </a:solidFill>
+                <a:latin typeface="+mn-lt"/>
+                <a:ea typeface="+mn-ea"/>
+                <a:cs typeface="+mn-cs"/>
+              </a:defRPr>
+            </a:lvl1pPr>
+            <a:lvl2pPr marL="742950" indent="-285750" algn="l" rtl="0" eaLnBrk="1" fontAlgn="base" hangingPunct="1">
+              <a:spcBef>
+                <a:spcPct val="20000"/>
+              </a:spcBef>
+              <a:spcAft>
+                <a:spcPct val="0"/>
+              </a:spcAft>
+              <a:buFont typeface="Arial" charset="0"/>
+              <a:buChar char="–"/>
+              <a:defRPr sz="2800" kern="1200">
+                <a:solidFill>
+                  <a:schemeClr val="tx1"/>
+                </a:solidFill>
+                <a:latin typeface="+mn-lt"/>
+                <a:ea typeface="+mn-ea"/>
+                <a:cs typeface="+mn-cs"/>
+              </a:defRPr>
+            </a:lvl2pPr>
+            <a:lvl3pPr marL="1143000" indent="-228600" algn="l" rtl="0" eaLnBrk="1" fontAlgn="base" hangingPunct="1">
+              <a:spcBef>
+                <a:spcPct val="20000"/>
+              </a:spcBef>
+              <a:spcAft>
+                <a:spcPct val="0"/>
+              </a:spcAft>
+              <a:buFont typeface="Arial" charset="0"/>
+              <a:buChar char="•"/>
+              <a:defRPr sz="2400" kern="1200">
+                <a:solidFill>
+                  <a:schemeClr val="tx1"/>
+                </a:solidFill>
+                <a:latin typeface="+mn-lt"/>
+                <a:ea typeface="+mn-ea"/>
+                <a:cs typeface="+mn-cs"/>
+              </a:defRPr>
+            </a:lvl3pPr>
+            <a:lvl4pPr marL="1600200" indent="-228600" algn="l" rtl="0" eaLnBrk="1" fontAlgn="base" hangingPunct="1">
+              <a:spcBef>
+                <a:spcPct val="20000"/>
+              </a:spcBef>
+              <a:spcAft>
+                <a:spcPct val="0"/>
+              </a:spcAft>
+              <a:buFont typeface="Arial" charset="0"/>
+              <a:buChar char="–"/>
+              <a:defRPr sz="2000" kern="1200">
+                <a:solidFill>
+                  <a:schemeClr val="tx1"/>
+                </a:solidFill>
+                <a:latin typeface="+mn-lt"/>
+                <a:ea typeface="+mn-ea"/>
+                <a:cs typeface="+mn-cs"/>
+              </a:defRPr>
+            </a:lvl4pPr>
+            <a:lvl5pPr marL="2057400" indent="-228600" algn="l" rtl="0" eaLnBrk="1" fontAlgn="base" hangingPunct="1">
+              <a:spcBef>
+                <a:spcPct val="20000"/>
+              </a:spcBef>
+              <a:spcAft>
+                <a:spcPct val="0"/>
+              </a:spcAft>
+              <a:buFont typeface="Arial" charset="0"/>
+              <a:buChar char="»"/>
+              <a:defRPr sz="2000" kern="1200">
+                <a:solidFill>
+                  <a:schemeClr val="tx1"/>
+                </a:solidFill>
+                <a:latin typeface="+mn-lt"/>
+                <a:ea typeface="+mn-ea"/>
+                <a:cs typeface="+mn-cs"/>
+              </a:defRPr>
+            </a:lvl5pPr>
+            <a:lvl6pPr marL="2514600" indent="-228600" algn="l" defTabSz="914400" rtl="0" eaLnBrk="1" latinLnBrk="0" hangingPunct="1">
+              <a:spcBef>
+                <a:spcPct val="20000"/>
+              </a:spcBef>
+              <a:buFont typeface="Arial" pitchFamily="34" charset="0"/>
+              <a:buChar char="•"/>
+              <a:defRPr sz="2000" kern="1200">
+                <a:solidFill>
+                  <a:schemeClr val="tx1"/>
+                </a:solidFill>
+                <a:latin typeface="+mn-lt"/>
+                <a:ea typeface="+mn-ea"/>
+                <a:cs typeface="+mn-cs"/>
+              </a:defRPr>
+            </a:lvl6pPr>
+            <a:lvl7pPr marL="2971800" indent="-228600" algn="l" defTabSz="914400" rtl="0" eaLnBrk="1" latinLnBrk="0" hangingPunct="1">
+              <a:spcBef>
+                <a:spcPct val="20000"/>
+              </a:spcBef>
+              <a:buFont typeface="Arial" pitchFamily="34" charset="0"/>
+              <a:buChar char="•"/>
+              <a:defRPr sz="2000" kern="1200">
+                <a:solidFill>
+                  <a:schemeClr val="tx1"/>
+                </a:solidFill>
+                <a:latin typeface="+mn-lt"/>
+                <a:ea typeface="+mn-ea"/>
+                <a:cs typeface="+mn-cs"/>
+              </a:defRPr>
+            </a:lvl7pPr>
+            <a:lvl8pPr marL="3429000" indent="-228600" algn="l" defTabSz="914400" rtl="0" eaLnBrk="1" latinLnBrk="0" hangingPunct="1">
+              <a:spcBef>
+                <a:spcPct val="20000"/>
+              </a:spcBef>
+              <a:buFont typeface="Arial" pitchFamily="34" charset="0"/>
+              <a:buChar char="•"/>
+              <a:defRPr sz="2000" kern="1200">
+                <a:solidFill>
+                  <a:schemeClr val="tx1"/>
+                </a:solidFill>
+                <a:latin typeface="+mn-lt"/>
+                <a:ea typeface="+mn-ea"/>
+                <a:cs typeface="+mn-cs"/>
+              </a:defRPr>
+            </a:lvl8pPr>
+            <a:lvl9pPr marL="3886200" indent="-228600" algn="l" defTabSz="914400" rtl="0" eaLnBrk="1" latinLnBrk="0" hangingPunct="1">
+              <a:spcBef>
+                <a:spcPct val="20000"/>
+              </a:spcBef>
+              <a:buFont typeface="Arial" pitchFamily="34" charset="0"/>
+              <a:buChar char="•"/>
+              <a:defRPr sz="2000" kern="1200">
+                <a:solidFill>
+                  <a:schemeClr val="tx1"/>
+                </a:solidFill>
+                <a:latin typeface="+mn-lt"/>
+                <a:ea typeface="+mn-ea"/>
+                <a:cs typeface="+mn-cs"/>
+              </a:defRPr>
+            </a:lvl9pPr>
+          </a:lstStyle>
+          <a:p>
+            <a:pPr marL="0" indent="0" algn="ctr">
+              <a:buNone/>
+            </a:pPr>
+            <a:r>
+              <a:rPr lang="es-PE" sz="2800" dirty="0" smtClean="0"/>
+              <a:t>Para remover código duplicado en métodos grandes o complejos, uniformizarlos de tal manera que sean lo más idénticos posibles.</a:t>
+            </a:r>
+          </a:p>
+        </p:txBody>
+      </p:sp>
+      <p:sp>
+        <p:nvSpPr>
+          <p:cNvPr id="8" name="1 Título"/>
           <p:cNvSpPr>
             <a:spLocks noGrp="1"/>
           </p:cNvSpPr>
@@ -28545,8 +28229,8 @@
         </p:nvSpPr>
         <p:spPr>
           <a:xfrm>
-            <a:off x="446856" y="1124744"/>
-            <a:ext cx="8229600" cy="2088232"/>
+            <a:off x="529208" y="242645"/>
+            <a:ext cx="8229600" cy="784951"/>
           </a:xfrm>
         </p:spPr>
         <p:txBody>
@@ -28554,126 +28238,113 @@
           <a:lstStyle/>
           <a:p>
             <a:r>
+              <a:rPr lang="es-PE" dirty="0" err="1" smtClean="0">
+                <a:solidFill>
+                  <a:srgbClr val="009A46"/>
+                </a:solidFill>
+              </a:rPr>
+              <a:t>Unified</a:t>
+            </a:r>
+            <a:r>
               <a:rPr lang="es-PE" dirty="0" smtClean="0">
                 <a:solidFill>
-                  <a:srgbClr val="FFC000"/>
-                </a:solidFill>
-              </a:rPr>
-              <a:t>Ejercicio </a:t>
-            </a:r>
-            <a:r>
-              <a:rPr lang="es-PE" dirty="0" smtClean="0">
-                <a:solidFill>
-                  <a:srgbClr val="00823B"/>
-                </a:solidFill>
-              </a:rPr>
-              <a:t/>
-            </a:r>
-            <a:br>
-              <a:rPr lang="es-PE" dirty="0" smtClean="0">
-                <a:solidFill>
-                  <a:srgbClr val="00823B"/>
-                </a:solidFill>
-              </a:rPr>
-            </a:br>
-            <a:r>
-              <a:rPr lang="es-PE" dirty="0" smtClean="0">
-                <a:solidFill>
-                  <a:srgbClr val="00823B"/>
-                </a:solidFill>
-              </a:rPr>
-              <a:t>Aprendiendo Refactoring </a:t>
+                  <a:srgbClr val="009A46"/>
+                </a:solidFill>
+              </a:rPr>
+              <a:t> </a:t>
             </a:r>
             <a:r>
               <a:rPr lang="es-PE" dirty="0" err="1" smtClean="0">
                 <a:solidFill>
-                  <a:srgbClr val="00823B"/>
-                </a:solidFill>
-              </a:rPr>
-              <a:t>Patterns</a:t>
+                  <a:srgbClr val="009A46"/>
+                </a:solidFill>
+              </a:rPr>
+              <a:t>Methods</a:t>
             </a:r>
             <a:endParaRPr lang="es-PE" dirty="0">
               <a:solidFill>
-                <a:srgbClr val="00823B"/>
+                <a:srgbClr val="009A46"/>
               </a:solidFill>
             </a:endParaRPr>
           </a:p>
         </p:txBody>
       </p:sp>
-      <p:sp>
-        <p:nvSpPr>
-          <p:cNvPr id="4" name="3 CuadroTexto"/>
-          <p:cNvSpPr txBox="1"/>
+      <p:pic>
+        <p:nvPicPr>
+          <p:cNvPr id="5" name="Picture 2" descr="http://p.twimg.com/Ap26m73CQAEebn3.jpg:large"/>
+          <p:cNvPicPr>
+            <a:picLocks noChangeAspect="1" noChangeArrowheads="1"/>
+          </p:cNvPicPr>
           <p:nvPr/>
-        </p:nvSpPr>
-        <p:spPr>
+        </p:nvPicPr>
+        <p:blipFill rotWithShape="1">
+          <a:blip r:embed="rId3">
+            <a:extLst>
+              <a:ext uri="{BEBA8EAE-BF5A-486C-A8C5-ECC9F3942E4B}">
+                <a14:imgProps xmlns:a14="http://schemas.microsoft.com/office/drawing/2010/main">
+                  <a14:imgLayer r:embed="rId4">
+                    <a14:imgEffect>
+                      <a14:sharpenSoften amount="50000"/>
+                    </a14:imgEffect>
+                    <a14:imgEffect>
+                      <a14:colorTemperature colorTemp="11200"/>
+                    </a14:imgEffect>
+                  </a14:imgLayer>
+                </a14:imgProps>
+              </a:ext>
+              <a:ext uri="{28A0092B-C50C-407E-A947-70E740481C1C}">
+                <a14:useLocalDpi xmlns:a14="http://schemas.microsoft.com/office/drawing/2010/main" val="0"/>
+              </a:ext>
+            </a:extLst>
+          </a:blip>
+          <a:srcRect l="6870" t="7995" r="6730" b="29074"/>
+          <a:stretch/>
+        </p:blipFill>
+        <p:spPr bwMode="auto">
           <a:xfrm>
-            <a:off x="323529" y="3429000"/>
-            <a:ext cx="8496944" cy="830997"/>
+            <a:off x="2547663" y="2635595"/>
+            <a:ext cx="4114800" cy="2457602"/>
           </a:xfrm>
           <a:prstGeom prst="rect">
             <a:avLst/>
           </a:prstGeom>
           <a:noFill/>
+          <a:extLst>
+            <a:ext uri="{909E8E84-426E-40DD-AFC4-6F175D3DCCD1}">
+              <a14:hiddenFill xmlns:a14="http://schemas.microsoft.com/office/drawing/2010/main">
+                <a:solidFill>
+                  <a:srgbClr val="FFFFFF"/>
+                </a:solidFill>
+              </a14:hiddenFill>
+            </a:ext>
+          </a:extLst>
+        </p:spPr>
+      </p:pic>
+      <p:sp>
+        <p:nvSpPr>
+          <p:cNvPr id="2" name="1 Rectángulo"/>
+          <p:cNvSpPr/>
+          <p:nvPr/>
+        </p:nvSpPr>
+        <p:spPr>
+          <a:xfrm>
+            <a:off x="467544" y="5211197"/>
+            <a:ext cx="8275038" cy="954107"/>
+          </a:xfrm>
+          <a:prstGeom prst="rect">
+            <a:avLst/>
+          </a:prstGeom>
         </p:spPr>
         <p:txBody>
-          <a:bodyPr wrap="square" rtlCol="0">
+          <a:bodyPr wrap="square">
             <a:spAutoFit/>
           </a:bodyPr>
           <a:lstStyle/>
           <a:p>
             <a:pPr algn="ctr"/>
             <a:r>
-              <a:rPr lang="es-PE" sz="2400" dirty="0" smtClean="0"/>
-              <a:t>Aplicar las técnicas de "</a:t>
-            </a:r>
-            <a:r>
-              <a:rPr lang="es-PE" sz="2400" dirty="0" err="1" smtClean="0"/>
-              <a:t>Narrowed</a:t>
-            </a:r>
-            <a:r>
-              <a:rPr lang="es-PE" sz="2400" dirty="0" smtClean="0"/>
-              <a:t> </a:t>
-            </a:r>
-            <a:r>
-              <a:rPr lang="es-PE" sz="2400" dirty="0" err="1" smtClean="0"/>
-              <a:t>Change</a:t>
-            </a:r>
-            <a:r>
-              <a:rPr lang="es-PE" sz="2400" dirty="0" smtClean="0"/>
-              <a:t>" y "</a:t>
-            </a:r>
-            <a:r>
-              <a:rPr lang="es-PE" sz="2400" dirty="0" err="1" smtClean="0"/>
-              <a:t>Paralell</a:t>
-            </a:r>
-            <a:r>
-              <a:rPr lang="es-PE" sz="2400" dirty="0" smtClean="0"/>
-              <a:t> </a:t>
-            </a:r>
-            <a:r>
-              <a:rPr lang="es-PE" sz="2400" dirty="0" err="1" smtClean="0"/>
-              <a:t>Change</a:t>
-            </a:r>
-            <a:r>
-              <a:rPr lang="es-PE" sz="2400" dirty="0" smtClean="0"/>
-              <a:t>" para </a:t>
-            </a:r>
-            <a:r>
-              <a:rPr lang="es-PE" sz="2400" dirty="0" err="1" smtClean="0"/>
-              <a:t>refactorizar</a:t>
-            </a:r>
-            <a:r>
-              <a:rPr lang="es-PE" sz="2400" dirty="0" smtClean="0"/>
-              <a:t> una clase "</a:t>
-            </a:r>
-            <a:r>
-              <a:rPr lang="es-PE" sz="2400" dirty="0" err="1" smtClean="0"/>
-              <a:t>Stack</a:t>
-            </a:r>
-            <a:r>
-              <a:rPr lang="es-PE" sz="2400" dirty="0" smtClean="0"/>
-              <a:t>". </a:t>
+              <a:rPr lang="es-PE" sz="2800" dirty="0"/>
+              <a:t>Extraer el código que es uniforme a todos estos métodos y compartirlo (ya no duplicarlo).</a:t>
             </a:r>
           </a:p>
         </p:txBody>
@@ -28681,7 +28352,7 @@
     </p:spTree>
     <p:extLst>
       <p:ext uri="{BB962C8B-B14F-4D97-AF65-F5344CB8AC3E}">
-        <p14:creationId xmlns:p14="http://schemas.microsoft.com/office/powerpoint/2010/main" val="1279926904"/>
+        <p14:creationId xmlns:p14="http://schemas.microsoft.com/office/powerpoint/2010/main" val="2857359437"/>
       </p:ext>
     </p:extLst>
   </p:cSld>
@@ -28727,6 +28398,193 @@
         </p:nvSpPr>
         <p:spPr>
           <a:xfrm>
+            <a:off x="446856" y="1124744"/>
+            <a:ext cx="8229600" cy="2088232"/>
+          </a:xfrm>
+        </p:spPr>
+        <p:txBody>
+          <a:bodyPr/>
+          <a:lstStyle/>
+          <a:p>
+            <a:r>
+              <a:rPr lang="es-PE" dirty="0" smtClean="0">
+                <a:solidFill>
+                  <a:srgbClr val="FFC000"/>
+                </a:solidFill>
+              </a:rPr>
+              <a:t>Ejercicio </a:t>
+            </a:r>
+            <a:r>
+              <a:rPr lang="es-PE" dirty="0" smtClean="0">
+                <a:solidFill>
+                  <a:srgbClr val="00823B"/>
+                </a:solidFill>
+              </a:rPr>
+              <a:t/>
+            </a:r>
+            <a:br>
+              <a:rPr lang="es-PE" dirty="0" smtClean="0">
+                <a:solidFill>
+                  <a:srgbClr val="00823B"/>
+                </a:solidFill>
+              </a:rPr>
+            </a:br>
+            <a:r>
+              <a:rPr lang="es-PE" dirty="0" smtClean="0">
+                <a:solidFill>
+                  <a:srgbClr val="00823B"/>
+                </a:solidFill>
+              </a:rPr>
+              <a:t>Aprendiendo Refactoring </a:t>
+            </a:r>
+            <a:r>
+              <a:rPr lang="es-PE" dirty="0" err="1" smtClean="0">
+                <a:solidFill>
+                  <a:srgbClr val="00823B"/>
+                </a:solidFill>
+              </a:rPr>
+              <a:t>Patterns</a:t>
+            </a:r>
+            <a:endParaRPr lang="es-PE" dirty="0">
+              <a:solidFill>
+                <a:srgbClr val="00823B"/>
+              </a:solidFill>
+            </a:endParaRPr>
+          </a:p>
+        </p:txBody>
+      </p:sp>
+      <p:sp>
+        <p:nvSpPr>
+          <p:cNvPr id="4" name="3 CuadroTexto"/>
+          <p:cNvSpPr txBox="1"/>
+          <p:nvPr/>
+        </p:nvSpPr>
+        <p:spPr>
+          <a:xfrm>
+            <a:off x="323529" y="3429000"/>
+            <a:ext cx="8496944" cy="830997"/>
+          </a:xfrm>
+          <a:prstGeom prst="rect">
+            <a:avLst/>
+          </a:prstGeom>
+          <a:noFill/>
+        </p:spPr>
+        <p:txBody>
+          <a:bodyPr wrap="square" rtlCol="0">
+            <a:spAutoFit/>
+          </a:bodyPr>
+          <a:lstStyle/>
+          <a:p>
+            <a:pPr algn="ctr"/>
+            <a:r>
+              <a:rPr lang="es-PE" sz="2400" dirty="0" smtClean="0"/>
+              <a:t>Aplicar las técnicas de </a:t>
+            </a:r>
+            <a:r>
+              <a:rPr lang="es-PE" sz="2400" dirty="0" smtClean="0"/>
+              <a:t>"</a:t>
+            </a:r>
+            <a:r>
+              <a:rPr lang="es-PE" sz="2400" dirty="0" err="1" smtClean="0"/>
+              <a:t>Unified</a:t>
+            </a:r>
+            <a:r>
+              <a:rPr lang="es-PE" sz="2400" dirty="0" smtClean="0"/>
+              <a:t> </a:t>
+            </a:r>
+            <a:r>
+              <a:rPr lang="es-PE" sz="2400" dirty="0" err="1" smtClean="0"/>
+              <a:t>Methods</a:t>
+            </a:r>
+            <a:r>
+              <a:rPr lang="es-PE" sz="2400" dirty="0" smtClean="0"/>
+              <a:t>" </a:t>
+            </a:r>
+            <a:r>
+              <a:rPr lang="es-PE" sz="2400" dirty="0" smtClean="0"/>
+              <a:t>y </a:t>
+            </a:r>
+            <a:r>
+              <a:rPr lang="es-PE" sz="2400" dirty="0"/>
+              <a:t> </a:t>
+            </a:r>
+            <a:r>
+              <a:rPr lang="es-PE" sz="2400" dirty="0" smtClean="0"/>
+              <a:t>a una </a:t>
+            </a:r>
+            <a:r>
+              <a:rPr lang="es-PE" sz="2400" dirty="0"/>
+              <a:t>j</a:t>
+            </a:r>
+            <a:r>
+              <a:rPr lang="es-PE" sz="2400" dirty="0" smtClean="0"/>
+              <a:t>erarquía de clases "</a:t>
+            </a:r>
+            <a:r>
+              <a:rPr lang="es-PE" sz="2400" dirty="0" err="1" smtClean="0"/>
+              <a:t>Employee</a:t>
+            </a:r>
+            <a:r>
+              <a:rPr lang="es-PE" sz="2400" dirty="0"/>
+              <a:t>"</a:t>
+            </a:r>
+            <a:r>
+              <a:rPr lang="es-PE" sz="2400" dirty="0" smtClean="0"/>
+              <a:t> </a:t>
+            </a:r>
+            <a:endParaRPr lang="es-PE" sz="2400" dirty="0" smtClean="0"/>
+          </a:p>
+        </p:txBody>
+      </p:sp>
+    </p:spTree>
+    <p:extLst>
+      <p:ext uri="{BB962C8B-B14F-4D97-AF65-F5344CB8AC3E}">
+        <p14:creationId xmlns:p14="http://schemas.microsoft.com/office/powerpoint/2010/main" val="2553407246"/>
+      </p:ext>
+    </p:extLst>
+  </p:cSld>
+  <p:clrMapOvr>
+    <a:masterClrMapping/>
+  </p:clrMapOvr>
+  <p:timing>
+    <p:tnLst>
+      <p:par>
+        <p:cTn id="1" dur="indefinite" restart="never" nodeType="tmRoot"/>
+      </p:par>
+    </p:tnLst>
+  </p:timing>
+</p:sld>
+</file>
+
+<file path=ppt/slides/slide63.xml><?xml version="1.0" encoding="utf-8"?>
+<p:sld xmlns:a="http://schemas.openxmlformats.org/drawingml/2006/main" xmlns:r="http://schemas.openxmlformats.org/officeDocument/2006/relationships" xmlns:p="http://schemas.openxmlformats.org/presentationml/2006/main">
+  <p:cSld>
+    <p:spTree>
+      <p:nvGrpSpPr>
+        <p:cNvPr id="1" name=""/>
+        <p:cNvGrpSpPr/>
+        <p:nvPr/>
+      </p:nvGrpSpPr>
+      <p:grpSpPr>
+        <a:xfrm>
+          <a:off x="0" y="0"/>
+          <a:ext cx="0" cy="0"/>
+          <a:chOff x="0" y="0"/>
+          <a:chExt cx="0" cy="0"/>
+        </a:xfrm>
+      </p:grpSpPr>
+      <p:sp>
+        <p:nvSpPr>
+          <p:cNvPr id="3" name="2 Título"/>
+          <p:cNvSpPr>
+            <a:spLocks noGrp="1"/>
+          </p:cNvSpPr>
+          <p:nvPr>
+            <p:ph type="title"/>
+          </p:nvPr>
+        </p:nvSpPr>
+        <p:spPr>
+          <a:xfrm>
             <a:off x="228600" y="1700808"/>
             <a:ext cx="8686800" cy="2700300"/>
           </a:xfrm>
@@ -28771,7 +28629,7 @@
 </p:sld>
 </file>
 
-<file path=ppt/slides/slide63.xml><?xml version="1.0" encoding="utf-8"?>
+<file path=ppt/slides/slide64.xml><?xml version="1.0" encoding="utf-8"?>
 <p:sld xmlns:a="http://schemas.openxmlformats.org/drawingml/2006/main" xmlns:r="http://schemas.openxmlformats.org/officeDocument/2006/relationships" xmlns:p="http://schemas.openxmlformats.org/presentationml/2006/main">
   <p:cSld>
     <p:spTree>

--- a/Diapositivas/Code Smells and Refactoring.pptx
+++ b/Diapositivas/Code Smells and Refactoring.pptx
@@ -2107,8 +2107,8 @@
     <dgm:cxn modelId="{F2AB151D-21B9-4D2B-A657-006D73F49BC8}" type="presOf" srcId="{9768ADBD-E274-445C-8DCD-B40B42EBD27B}" destId="{2CCF0EC0-5E87-4702-9012-7254A3821684}" srcOrd="0" destOrd="0" presId="urn:microsoft.com/office/officeart/2005/8/layout/cycle2"/>
     <dgm:cxn modelId="{4B86B7C8-E32E-4E93-BEB0-78CDA56678D2}" type="presOf" srcId="{76A1EA92-51E5-49EB-A181-D50B98697B05}" destId="{FB6A06C4-A2A0-4F93-829D-27E882A8B839}" srcOrd="0" destOrd="0" presId="urn:microsoft.com/office/officeart/2005/8/layout/cycle2"/>
     <dgm:cxn modelId="{1089786B-FC8F-44D2-845E-383202AFE628}" type="presOf" srcId="{3766CEFC-D74E-4FC6-B9BD-CE4F3847A8F1}" destId="{B4DAEDC5-1010-434A-AA93-DB22F5A7CB1E}" srcOrd="1" destOrd="0" presId="urn:microsoft.com/office/officeart/2005/8/layout/cycle2"/>
+    <dgm:cxn modelId="{D7A616E2-9700-4CBA-9BBE-43444D8A6564}" type="presOf" srcId="{17CA2C55-0354-4402-9601-202C7F5A5539}" destId="{6552A34E-30A2-429F-881E-FE5C4BE2A18D}" srcOrd="1" destOrd="0" presId="urn:microsoft.com/office/officeart/2005/8/layout/cycle2"/>
     <dgm:cxn modelId="{9E7B1AD0-4B2E-401B-B82A-F21921E14474}" srcId="{AA37C565-8227-47BE-938D-F0254EF29510}" destId="{7EB66F7D-EDF6-4CF9-8307-CDC396A315D2}" srcOrd="3" destOrd="0" parTransId="{1C435CE0-1330-4C41-B432-980635612D78}" sibTransId="{3766CEFC-D74E-4FC6-B9BD-CE4F3847A8F1}"/>
-    <dgm:cxn modelId="{D7A616E2-9700-4CBA-9BBE-43444D8A6564}" type="presOf" srcId="{17CA2C55-0354-4402-9601-202C7F5A5539}" destId="{6552A34E-30A2-429F-881E-FE5C4BE2A18D}" srcOrd="1" destOrd="0" presId="urn:microsoft.com/office/officeart/2005/8/layout/cycle2"/>
     <dgm:cxn modelId="{D953A32C-4D27-4AB5-8837-349E35D4EC32}" type="presOf" srcId="{86434053-B40A-4DA1-AC86-B95A2468B2D6}" destId="{B4181A90-3A21-4F79-83DB-5F7E138E1000}" srcOrd="0" destOrd="0" presId="urn:microsoft.com/office/officeart/2005/8/layout/cycle2"/>
     <dgm:cxn modelId="{9476F479-5E75-4A48-B836-A1328D3E5B65}" type="presOf" srcId="{2D629D79-084D-4FF9-8DF9-08F54FFF92DE}" destId="{8D88EC16-041F-468E-A4EE-B0C17C298D88}" srcOrd="0" destOrd="0" presId="urn:microsoft.com/office/officeart/2005/8/layout/cycle2"/>
     <dgm:cxn modelId="{E4C3E423-9E5F-4380-80CE-AA5DD2EC4561}" type="presOf" srcId="{17CA2C55-0354-4402-9601-202C7F5A5539}" destId="{19C3351F-DE4C-4425-8FAE-716FD4A6218E}" srcOrd="0" destOrd="0" presId="urn:microsoft.com/office/officeart/2005/8/layout/cycle2"/>
@@ -5873,7 +5873,7 @@
           <a:p>
             <a:fld id="{82731913-02B6-467D-B183-D787C0857BBF}" type="datetimeFigureOut">
               <a:rPr lang="es-PE" smtClean="0"/>
-              <a:t>12/06/2013</a:t>
+              <a:t>13/06/2013</a:t>
             </a:fld>
             <a:endParaRPr lang="es-PE"/>
           </a:p>
@@ -11099,7 +11099,7 @@
             <a:fld id="{807CB568-C05F-482F-9F26-AA302B8892DF}" type="datetimeFigureOut">
               <a:rPr lang="es-ES" smtClean="0"/>
               <a:pPr/>
-              <a:t>12/06/2013</a:t>
+              <a:t>13/06/2013</a:t>
             </a:fld>
             <a:endParaRPr lang="es-ES"/>
           </a:p>
@@ -11278,7 +11278,7 @@
             <a:fld id="{807CB568-C05F-482F-9F26-AA302B8892DF}" type="datetimeFigureOut">
               <a:rPr lang="es-ES" smtClean="0"/>
               <a:pPr/>
-              <a:t>12/06/2013</a:t>
+              <a:t>13/06/2013</a:t>
             </a:fld>
             <a:endParaRPr lang="es-ES"/>
           </a:p>
@@ -11467,7 +11467,7 @@
             <a:fld id="{807CB568-C05F-482F-9F26-AA302B8892DF}" type="datetimeFigureOut">
               <a:rPr lang="es-ES" smtClean="0"/>
               <a:pPr/>
-              <a:t>12/06/2013</a:t>
+              <a:t>13/06/2013</a:t>
             </a:fld>
             <a:endParaRPr lang="es-ES"/>
           </a:p>
@@ -11646,7 +11646,7 @@
             <a:fld id="{807CB568-C05F-482F-9F26-AA302B8892DF}" type="datetimeFigureOut">
               <a:rPr lang="es-ES" smtClean="0"/>
               <a:pPr/>
-              <a:t>12/06/2013</a:t>
+              <a:t>13/06/2013</a:t>
             </a:fld>
             <a:endParaRPr lang="es-ES"/>
           </a:p>
@@ -11901,7 +11901,7 @@
             <a:fld id="{807CB568-C05F-482F-9F26-AA302B8892DF}" type="datetimeFigureOut">
               <a:rPr lang="es-ES" smtClean="0"/>
               <a:pPr/>
-              <a:t>12/06/2013</a:t>
+              <a:t>13/06/2013</a:t>
             </a:fld>
             <a:endParaRPr lang="es-ES"/>
           </a:p>
@@ -12198,7 +12198,7 @@
             <a:fld id="{807CB568-C05F-482F-9F26-AA302B8892DF}" type="datetimeFigureOut">
               <a:rPr lang="es-ES" smtClean="0"/>
               <a:pPr/>
-              <a:t>12/06/2013</a:t>
+              <a:t>13/06/2013</a:t>
             </a:fld>
             <a:endParaRPr lang="es-ES"/>
           </a:p>
@@ -12629,7 +12629,7 @@
             <a:fld id="{807CB568-C05F-482F-9F26-AA302B8892DF}" type="datetimeFigureOut">
               <a:rPr lang="es-ES" smtClean="0"/>
               <a:pPr/>
-              <a:t>12/06/2013</a:t>
+              <a:t>13/06/2013</a:t>
             </a:fld>
             <a:endParaRPr lang="es-ES"/>
           </a:p>
@@ -12756,7 +12756,7 @@
             <a:fld id="{807CB568-C05F-482F-9F26-AA302B8892DF}" type="datetimeFigureOut">
               <a:rPr lang="es-ES" smtClean="0"/>
               <a:pPr/>
-              <a:t>12/06/2013</a:t>
+              <a:t>13/06/2013</a:t>
             </a:fld>
             <a:endParaRPr lang="es-ES"/>
           </a:p>
@@ -12860,7 +12860,7 @@
             <a:fld id="{807CB568-C05F-482F-9F26-AA302B8892DF}" type="datetimeFigureOut">
               <a:rPr lang="es-ES" smtClean="0"/>
               <a:pPr/>
-              <a:t>12/06/2013</a:t>
+              <a:t>13/06/2013</a:t>
             </a:fld>
             <a:endParaRPr lang="es-ES"/>
           </a:p>
@@ -13146,7 +13146,7 @@
             <a:fld id="{807CB568-C05F-482F-9F26-AA302B8892DF}" type="datetimeFigureOut">
               <a:rPr lang="es-ES" smtClean="0"/>
               <a:pPr/>
-              <a:t>12/06/2013</a:t>
+              <a:t>13/06/2013</a:t>
             </a:fld>
             <a:endParaRPr lang="es-ES"/>
           </a:p>
@@ -13415,7 +13415,7 @@
             <a:fld id="{807CB568-C05F-482F-9F26-AA302B8892DF}" type="datetimeFigureOut">
               <a:rPr lang="es-ES" smtClean="0"/>
               <a:pPr/>
-              <a:t>12/06/2013</a:t>
+              <a:t>13/06/2013</a:t>
             </a:fld>
             <a:endParaRPr lang="es-ES"/>
           </a:p>
@@ -13666,7 +13666,7 @@
             <a:fld id="{807CB568-C05F-482F-9F26-AA302B8892DF}" type="datetimeFigureOut">
               <a:rPr lang="es-ES" smtClean="0"/>
               <a:pPr/>
-              <a:t>12/06/2013</a:t>
+              <a:t>13/06/2013</a:t>
             </a:fld>
             <a:endParaRPr lang="es-ES"/>
           </a:p>
@@ -14302,8 +14302,12 @@
           <a:lstStyle/>
           <a:p>
             <a:r>
+              <a:rPr lang="en-US" sz="2200" smtClean="0"/>
+              <a:t>"Code </a:t>
+            </a:r>
+            <a:r>
               <a:rPr lang="en-US" sz="2200" dirty="0" smtClean="0"/>
-              <a:t>"Technical Debt, Code Smells and Refactoring"</a:t>
+              <a:t>Smells and Refactoring"</a:t>
             </a:r>
             <a:r>
               <a:rPr lang="en-US" sz="2200" dirty="0"/>
@@ -27305,7 +27309,6 @@
               <a:rPr lang="es-PE" sz="2800" dirty="0" smtClean="0"/>
               <a:t>Agregar el todo nuevo código sin eliminar el anterior, eliminar de manera paulatina el código viejo.</a:t>
             </a:r>
-            <a:endParaRPr lang="es-PE" sz="2800" dirty="0" smtClean="0"/>
           </a:p>
           <a:p>
             <a:pPr marL="0" indent="0">
@@ -28478,11 +28481,7 @@
             <a:pPr algn="ctr"/>
             <a:r>
               <a:rPr lang="es-PE" sz="2400" dirty="0" smtClean="0"/>
-              <a:t>Aplicar las técnicas de </a:t>
-            </a:r>
-            <a:r>
-              <a:rPr lang="es-PE" sz="2400" dirty="0" smtClean="0"/>
-              <a:t>"</a:t>
+              <a:t>Aplicar las técnicas de "</a:t>
             </a:r>
             <a:r>
               <a:rPr lang="es-PE" sz="2400" dirty="0" err="1" smtClean="0"/>
@@ -28498,11 +28497,7 @@
             </a:r>
             <a:r>
               <a:rPr lang="es-PE" sz="2400" dirty="0" smtClean="0"/>
-              <a:t>" </a:t>
-            </a:r>
-            <a:r>
-              <a:rPr lang="es-PE" sz="2400" dirty="0" smtClean="0"/>
-              <a:t>y </a:t>
+              <a:t>" y </a:t>
             </a:r>
             <a:r>
               <a:rPr lang="es-PE" sz="2400" dirty="0"/>
@@ -28532,7 +28527,6 @@
               <a:rPr lang="es-PE" sz="2400" dirty="0" smtClean="0"/>
               <a:t> </a:t>
             </a:r>
-            <a:endParaRPr lang="es-PE" sz="2400" dirty="0" smtClean="0"/>
           </a:p>
         </p:txBody>
       </p:sp>

--- a/Diapositivas/Code Smells and Refactoring.pptx
+++ b/Diapositivas/Code Smells and Refactoring.pptx
@@ -170,7 +170,22 @@
       </a:defRPr>
     </a:lvl9pPr>
   </p:defaultTextStyle>
-  <p:extLst/>
+  <p:extLst>
+    <p:ext uri="{EFAFB233-063F-42B5-8137-9DF3F51BA10A}">
+      <p15:sldGuideLst xmlns:p15="http://schemas.microsoft.com/office/powerpoint/2012/main">
+        <p15:guide id="1" orient="horz" pos="2160">
+          <p15:clr>
+            <a:srgbClr val="A4A3A4"/>
+          </p15:clr>
+        </p15:guide>
+        <p15:guide id="2" pos="2880">
+          <p15:clr>
+            <a:srgbClr val="A4A3A4"/>
+          </p15:clr>
+        </p15:guide>
+      </p15:sldGuideLst>
+    </p:ext>
+  </p:extLst>
 </p:presentation>
 </file>
 
@@ -2107,8 +2122,8 @@
     <dgm:cxn modelId="{F2AB151D-21B9-4D2B-A657-006D73F49BC8}" type="presOf" srcId="{9768ADBD-E274-445C-8DCD-B40B42EBD27B}" destId="{2CCF0EC0-5E87-4702-9012-7254A3821684}" srcOrd="0" destOrd="0" presId="urn:microsoft.com/office/officeart/2005/8/layout/cycle2"/>
     <dgm:cxn modelId="{4B86B7C8-E32E-4E93-BEB0-78CDA56678D2}" type="presOf" srcId="{76A1EA92-51E5-49EB-A181-D50B98697B05}" destId="{FB6A06C4-A2A0-4F93-829D-27E882A8B839}" srcOrd="0" destOrd="0" presId="urn:microsoft.com/office/officeart/2005/8/layout/cycle2"/>
     <dgm:cxn modelId="{1089786B-FC8F-44D2-845E-383202AFE628}" type="presOf" srcId="{3766CEFC-D74E-4FC6-B9BD-CE4F3847A8F1}" destId="{B4DAEDC5-1010-434A-AA93-DB22F5A7CB1E}" srcOrd="1" destOrd="0" presId="urn:microsoft.com/office/officeart/2005/8/layout/cycle2"/>
+    <dgm:cxn modelId="{9E7B1AD0-4B2E-401B-B82A-F21921E14474}" srcId="{AA37C565-8227-47BE-938D-F0254EF29510}" destId="{7EB66F7D-EDF6-4CF9-8307-CDC396A315D2}" srcOrd="3" destOrd="0" parTransId="{1C435CE0-1330-4C41-B432-980635612D78}" sibTransId="{3766CEFC-D74E-4FC6-B9BD-CE4F3847A8F1}"/>
     <dgm:cxn modelId="{D7A616E2-9700-4CBA-9BBE-43444D8A6564}" type="presOf" srcId="{17CA2C55-0354-4402-9601-202C7F5A5539}" destId="{6552A34E-30A2-429F-881E-FE5C4BE2A18D}" srcOrd="1" destOrd="0" presId="urn:microsoft.com/office/officeart/2005/8/layout/cycle2"/>
-    <dgm:cxn modelId="{9E7B1AD0-4B2E-401B-B82A-F21921E14474}" srcId="{AA37C565-8227-47BE-938D-F0254EF29510}" destId="{7EB66F7D-EDF6-4CF9-8307-CDC396A315D2}" srcOrd="3" destOrd="0" parTransId="{1C435CE0-1330-4C41-B432-980635612D78}" sibTransId="{3766CEFC-D74E-4FC6-B9BD-CE4F3847A8F1}"/>
     <dgm:cxn modelId="{D953A32C-4D27-4AB5-8837-349E35D4EC32}" type="presOf" srcId="{86434053-B40A-4DA1-AC86-B95A2468B2D6}" destId="{B4181A90-3A21-4F79-83DB-5F7E138E1000}" srcOrd="0" destOrd="0" presId="urn:microsoft.com/office/officeart/2005/8/layout/cycle2"/>
     <dgm:cxn modelId="{9476F479-5E75-4A48-B836-A1328D3E5B65}" type="presOf" srcId="{2D629D79-084D-4FF9-8DF9-08F54FFF92DE}" destId="{8D88EC16-041F-468E-A4EE-B0C17C298D88}" srcOrd="0" destOrd="0" presId="urn:microsoft.com/office/officeart/2005/8/layout/cycle2"/>
     <dgm:cxn modelId="{E4C3E423-9E5F-4380-80CE-AA5DD2EC4561}" type="presOf" srcId="{17CA2C55-0354-4402-9601-202C7F5A5539}" destId="{19C3351F-DE4C-4425-8FAE-716FD4A6218E}" srcOrd="0" destOrd="0" presId="urn:microsoft.com/office/officeart/2005/8/layout/cycle2"/>
@@ -2487,17 +2502,29 @@
       <dsp:cNvGrpSpPr/>
     </dsp:nvGrpSpPr>
     <dsp:grpSpPr/>
-    <dsp:sp modelId="{8D88EC16-041F-468E-A4EE-B0C17C298D88}">
+  </dsp:spTree>
+</dsp:drawing>
+</file>
+
+<file path=ppt/diagrams/drawing2.xml><?xml version="1.0" encoding="utf-8"?>
+<dsp:drawing xmlns:dgm="http://schemas.openxmlformats.org/drawingml/2006/diagram" xmlns:dsp="http://schemas.microsoft.com/office/drawing/2008/diagram" xmlns:a="http://schemas.openxmlformats.org/drawingml/2006/main">
+  <dsp:spTree>
+    <dsp:nvGrpSpPr>
+      <dsp:cNvPr id="0" name=""/>
+      <dsp:cNvGrpSpPr/>
+    </dsp:nvGrpSpPr>
+    <dsp:grpSpPr/>
+    <dsp:sp modelId="{24CAC893-EE9B-4D01-BB90-0CB36FFE22ED}">
       <dsp:nvSpPr>
         <dsp:cNvPr id="0" name=""/>
         <dsp:cNvSpPr/>
       </dsp:nvSpPr>
       <dsp:spPr>
         <a:xfrm>
-          <a:off x="2435537" y="1584"/>
-          <a:ext cx="1608925" cy="1608925"/>
+          <a:off x="3206" y="16090"/>
+          <a:ext cx="1816742" cy="726697"/>
         </a:xfrm>
-        <a:prstGeom prst="ellipse">
+        <a:prstGeom prst="homePlate">
           <a:avLst/>
         </a:prstGeom>
         <a:solidFill>
@@ -2536,7 +2563,7 @@
         </a:fontRef>
       </dsp:style>
       <dsp:txBody>
-        <a:bodyPr spcFirstLastPara="0" vert="horz" wrap="square" lIns="25400" tIns="25400" rIns="25400" bIns="25400" numCol="1" spcCol="1270" anchor="ctr" anchorCtr="0">
+        <a:bodyPr spcFirstLastPara="0" vert="horz" wrap="square" lIns="106680" tIns="53340" rIns="26670" bIns="53340" numCol="1" spcCol="1270" anchor="ctr" anchorCtr="0">
           <a:noAutofit/>
         </a:bodyPr>
         <a:lstStyle/>
@@ -2553,97 +2580,35 @@
             </a:spcAft>
           </a:pPr>
           <a:r>
-            <a:rPr lang="es-PE" sz="2000" kern="1200" noProof="0" smtClean="0"/>
-            <a:t>Tomar Deuda Técnica</a:t>
+            <a:rPr lang="es-PE" sz="2000" b="1" kern="1200" dirty="0" smtClean="0"/>
+            <a:t>Small </a:t>
           </a:r>
-          <a:endParaRPr lang="es-PE" sz="2000" kern="1200" noProof="0"/>
+          <a:br>
+            <a:rPr lang="es-PE" sz="2000" b="1" kern="1200" dirty="0" smtClean="0"/>
+          </a:br>
+          <a:r>
+            <a:rPr lang="es-PE" sz="2000" b="1" kern="1200" dirty="0" smtClean="0"/>
+            <a:t>Refactoring</a:t>
+          </a:r>
+          <a:endParaRPr lang="es-PE" sz="2000" b="1" kern="1200" dirty="0"/>
         </a:p>
       </dsp:txBody>
       <dsp:txXfrm>
-        <a:off x="2671159" y="237206"/>
-        <a:ext cx="1137681" cy="1137681"/>
+        <a:off x="3206" y="16090"/>
+        <a:ext cx="1635068" cy="726697"/>
       </dsp:txXfrm>
     </dsp:sp>
-    <dsp:sp modelId="{CED54BA0-F15B-4184-B79E-B8D2EC41BDAD}">
-      <dsp:nvSpPr>
-        <dsp:cNvPr id="0" name=""/>
-        <dsp:cNvSpPr/>
-      </dsp:nvSpPr>
-      <dsp:spPr>
-        <a:xfrm rot="2160000">
-          <a:off x="3993463" y="1237111"/>
-          <a:ext cx="427082" cy="543012"/>
-        </a:xfrm>
-        <a:prstGeom prst="rightArrow">
-          <a:avLst>
-            <a:gd name="adj1" fmla="val 60000"/>
-            <a:gd name="adj2" fmla="val 50000"/>
-          </a:avLst>
-        </a:prstGeom>
-        <a:solidFill>
-          <a:schemeClr val="accent1">
-            <a:tint val="60000"/>
-            <a:hueOff val="0"/>
-            <a:satOff val="0"/>
-            <a:lumOff val="0"/>
-            <a:alphaOff val="0"/>
-          </a:schemeClr>
-        </a:solidFill>
-        <a:ln>
-          <a:noFill/>
-        </a:ln>
-        <a:effectLst/>
-      </dsp:spPr>
-      <dsp:style>
-        <a:lnRef idx="0">
-          <a:scrgbClr r="0" g="0" b="0"/>
-        </a:lnRef>
-        <a:fillRef idx="1">
-          <a:scrgbClr r="0" g="0" b="0"/>
-        </a:fillRef>
-        <a:effectRef idx="0">
-          <a:scrgbClr r="0" g="0" b="0"/>
-        </a:effectRef>
-        <a:fontRef idx="minor">
-          <a:schemeClr val="lt1"/>
-        </a:fontRef>
-      </dsp:style>
-      <dsp:txBody>
-        <a:bodyPr spcFirstLastPara="0" vert="horz" wrap="square" lIns="0" tIns="0" rIns="0" bIns="0" numCol="1" spcCol="1270" anchor="ctr" anchorCtr="0">
-          <a:noAutofit/>
-        </a:bodyPr>
-        <a:lstStyle/>
-        <a:p>
-          <a:pPr lvl="0" algn="ctr" defTabSz="711200">
-            <a:lnSpc>
-              <a:spcPct val="90000"/>
-            </a:lnSpc>
-            <a:spcBef>
-              <a:spcPct val="0"/>
-            </a:spcBef>
-            <a:spcAft>
-              <a:spcPct val="35000"/>
-            </a:spcAft>
-          </a:pPr>
-          <a:endParaRPr lang="es-PE" sz="1600" kern="1200" noProof="0"/>
-        </a:p>
-      </dsp:txBody>
-      <dsp:txXfrm>
-        <a:off x="4005698" y="1308058"/>
-        <a:ext cx="298957" cy="325808"/>
-      </dsp:txXfrm>
-    </dsp:sp>
-    <dsp:sp modelId="{2CCF0EC0-5E87-4702-9012-7254A3821684}">
+    <dsp:sp modelId="{B5F9542A-6098-4FB8-BB83-B5125E571D9D}">
       <dsp:nvSpPr>
         <dsp:cNvPr id="0" name=""/>
         <dsp:cNvSpPr/>
       </dsp:nvSpPr>
       <dsp:spPr>
         <a:xfrm>
-          <a:off x="4389103" y="1420934"/>
-          <a:ext cx="1608925" cy="1608925"/>
+          <a:off x="1456600" y="16090"/>
+          <a:ext cx="1816742" cy="726697"/>
         </a:xfrm>
-        <a:prstGeom prst="ellipse">
+        <a:prstGeom prst="chevron">
           <a:avLst/>
         </a:prstGeom>
         <a:solidFill>
@@ -2682,7 +2647,7 @@
         </a:fontRef>
       </dsp:style>
       <dsp:txBody>
-        <a:bodyPr spcFirstLastPara="0" vert="horz" wrap="square" lIns="25400" tIns="25400" rIns="25400" bIns="25400" numCol="1" spcCol="1270" anchor="ctr" anchorCtr="0">
+        <a:bodyPr spcFirstLastPara="0" vert="horz" wrap="square" lIns="80010" tIns="53340" rIns="26670" bIns="53340" numCol="1" spcCol="1270" anchor="ctr" anchorCtr="0">
           <a:noAutofit/>
         </a:bodyPr>
         <a:lstStyle/>
@@ -2699,97 +2664,32 @@
             </a:spcAft>
           </a:pPr>
           <a:r>
-            <a:rPr lang="es-PE" sz="2000" kern="1200" noProof="0" smtClean="0"/>
-            <a:t>No pagar Duda Técnica</a:t>
+            <a:rPr lang="es-PE" sz="2000" b="1" kern="1200" dirty="0" err="1" smtClean="0"/>
+            <a:t>Run</a:t>
           </a:r>
-          <a:endParaRPr lang="es-PE" sz="2000" kern="1200" noProof="0"/>
+          <a:r>
+            <a:rPr lang="es-PE" sz="2000" b="1" kern="1200" dirty="0" smtClean="0"/>
+            <a:t> Test</a:t>
+          </a:r>
+          <a:endParaRPr lang="es-PE" sz="2000" b="1" kern="1200" dirty="0"/>
         </a:p>
       </dsp:txBody>
       <dsp:txXfrm>
-        <a:off x="4624725" y="1656556"/>
-        <a:ext cx="1137681" cy="1137681"/>
+        <a:off x="1819949" y="16090"/>
+        <a:ext cx="1090045" cy="726697"/>
       </dsp:txXfrm>
     </dsp:sp>
-    <dsp:sp modelId="{DCE9FE20-3966-495F-9530-23A38286FCDB}">
-      <dsp:nvSpPr>
-        <dsp:cNvPr id="0" name=""/>
-        <dsp:cNvSpPr/>
-      </dsp:nvSpPr>
-      <dsp:spPr>
-        <a:xfrm rot="6480000">
-          <a:off x="4610662" y="3090672"/>
-          <a:ext cx="427082" cy="543012"/>
-        </a:xfrm>
-        <a:prstGeom prst="rightArrow">
-          <a:avLst>
-            <a:gd name="adj1" fmla="val 60000"/>
-            <a:gd name="adj2" fmla="val 50000"/>
-          </a:avLst>
-        </a:prstGeom>
-        <a:solidFill>
-          <a:schemeClr val="accent1">
-            <a:tint val="60000"/>
-            <a:hueOff val="0"/>
-            <a:satOff val="0"/>
-            <a:lumOff val="0"/>
-            <a:alphaOff val="0"/>
-          </a:schemeClr>
-        </a:solidFill>
-        <a:ln>
-          <a:noFill/>
-        </a:ln>
-        <a:effectLst/>
-      </dsp:spPr>
-      <dsp:style>
-        <a:lnRef idx="0">
-          <a:scrgbClr r="0" g="0" b="0"/>
-        </a:lnRef>
-        <a:fillRef idx="1">
-          <a:scrgbClr r="0" g="0" b="0"/>
-        </a:fillRef>
-        <a:effectRef idx="0">
-          <a:scrgbClr r="0" g="0" b="0"/>
-        </a:effectRef>
-        <a:fontRef idx="minor">
-          <a:schemeClr val="lt1"/>
-        </a:fontRef>
-      </dsp:style>
-      <dsp:txBody>
-        <a:bodyPr spcFirstLastPara="0" vert="horz" wrap="square" lIns="0" tIns="0" rIns="0" bIns="0" numCol="1" spcCol="1270" anchor="ctr" anchorCtr="0">
-          <a:noAutofit/>
-        </a:bodyPr>
-        <a:lstStyle/>
-        <a:p>
-          <a:pPr lvl="0" algn="ctr" defTabSz="711200">
-            <a:lnSpc>
-              <a:spcPct val="90000"/>
-            </a:lnSpc>
-            <a:spcBef>
-              <a:spcPct val="0"/>
-            </a:spcBef>
-            <a:spcAft>
-              <a:spcPct val="35000"/>
-            </a:spcAft>
-          </a:pPr>
-          <a:endParaRPr lang="es-PE" sz="1600" kern="1200" noProof="0"/>
-        </a:p>
-      </dsp:txBody>
-      <dsp:txXfrm rot="10800000">
-        <a:off x="4694521" y="3138347"/>
-        <a:ext cx="298957" cy="325808"/>
-      </dsp:txXfrm>
-    </dsp:sp>
-    <dsp:sp modelId="{FB6A06C4-A2A0-4F93-829D-27E882A8B839}">
+    <dsp:sp modelId="{601A0D37-4256-4B03-929F-B3C0F426A913}">
       <dsp:nvSpPr>
         <dsp:cNvPr id="0" name=""/>
         <dsp:cNvSpPr/>
       </dsp:nvSpPr>
       <dsp:spPr>
         <a:xfrm>
-          <a:off x="3642907" y="3717489"/>
-          <a:ext cx="1608925" cy="1608925"/>
+          <a:off x="2909995" y="16090"/>
+          <a:ext cx="2172896" cy="726697"/>
         </a:xfrm>
-        <a:prstGeom prst="ellipse">
+        <a:prstGeom prst="chevron">
           <a:avLst/>
         </a:prstGeom>
         <a:solidFill>
@@ -2828,7 +2728,7 @@
         </a:fontRef>
       </dsp:style>
       <dsp:txBody>
-        <a:bodyPr spcFirstLastPara="0" vert="horz" wrap="square" lIns="25400" tIns="25400" rIns="25400" bIns="25400" numCol="1" spcCol="1270" anchor="ctr" anchorCtr="0">
+        <a:bodyPr spcFirstLastPara="0" vert="horz" wrap="square" lIns="80010" tIns="53340" rIns="26670" bIns="53340" numCol="1" spcCol="1270" anchor="ctr" anchorCtr="0">
           <a:noAutofit/>
         </a:bodyPr>
         <a:lstStyle/>
@@ -2845,97 +2745,28 @@
             </a:spcAft>
           </a:pPr>
           <a:r>
-            <a:rPr lang="es-PE" sz="2000" kern="1200" noProof="0" dirty="0" smtClean="0"/>
-            <a:t>Acumula la Deuda</a:t>
+            <a:rPr lang="es-PE" sz="2000" b="1" kern="1200" dirty="0" smtClean="0"/>
+            <a:t>Small Refactoring</a:t>
           </a:r>
-          <a:endParaRPr lang="es-PE" sz="2000" kern="1200" noProof="0" dirty="0"/>
+          <a:endParaRPr lang="es-PE" sz="2000" b="1" kern="1200" dirty="0"/>
         </a:p>
       </dsp:txBody>
       <dsp:txXfrm>
-        <a:off x="3878529" y="3953111"/>
-        <a:ext cx="1137681" cy="1137681"/>
+        <a:off x="3273344" y="16090"/>
+        <a:ext cx="1446199" cy="726697"/>
       </dsp:txXfrm>
     </dsp:sp>
-    <dsp:sp modelId="{F75A18FD-DF04-47F0-8AE8-A3F3E3B7ADA9}">
-      <dsp:nvSpPr>
-        <dsp:cNvPr id="0" name=""/>
-        <dsp:cNvSpPr/>
-      </dsp:nvSpPr>
-      <dsp:spPr>
-        <a:xfrm rot="10800000">
-          <a:off x="3038546" y="4250446"/>
-          <a:ext cx="427082" cy="543012"/>
-        </a:xfrm>
-        <a:prstGeom prst="rightArrow">
-          <a:avLst>
-            <a:gd name="adj1" fmla="val 60000"/>
-            <a:gd name="adj2" fmla="val 50000"/>
-          </a:avLst>
-        </a:prstGeom>
-        <a:solidFill>
-          <a:schemeClr val="accent1">
-            <a:tint val="60000"/>
-            <a:hueOff val="0"/>
-            <a:satOff val="0"/>
-            <a:lumOff val="0"/>
-            <a:alphaOff val="0"/>
-          </a:schemeClr>
-        </a:solidFill>
-        <a:ln>
-          <a:noFill/>
-        </a:ln>
-        <a:effectLst/>
-      </dsp:spPr>
-      <dsp:style>
-        <a:lnRef idx="0">
-          <a:scrgbClr r="0" g="0" b="0"/>
-        </a:lnRef>
-        <a:fillRef idx="1">
-          <a:scrgbClr r="0" g="0" b="0"/>
-        </a:fillRef>
-        <a:effectRef idx="0">
-          <a:scrgbClr r="0" g="0" b="0"/>
-        </a:effectRef>
-        <a:fontRef idx="minor">
-          <a:schemeClr val="lt1"/>
-        </a:fontRef>
-      </dsp:style>
-      <dsp:txBody>
-        <a:bodyPr spcFirstLastPara="0" vert="horz" wrap="square" lIns="0" tIns="0" rIns="0" bIns="0" numCol="1" spcCol="1270" anchor="ctr" anchorCtr="0">
-          <a:noAutofit/>
-        </a:bodyPr>
-        <a:lstStyle/>
-        <a:p>
-          <a:pPr lvl="0" algn="ctr" defTabSz="711200">
-            <a:lnSpc>
-              <a:spcPct val="90000"/>
-            </a:lnSpc>
-            <a:spcBef>
-              <a:spcPct val="0"/>
-            </a:spcBef>
-            <a:spcAft>
-              <a:spcPct val="35000"/>
-            </a:spcAft>
-          </a:pPr>
-          <a:endParaRPr lang="es-PE" sz="1600" kern="1200" noProof="0"/>
-        </a:p>
-      </dsp:txBody>
-      <dsp:txXfrm rot="10800000">
-        <a:off x="3166671" y="4359048"/>
-        <a:ext cx="298957" cy="325808"/>
-      </dsp:txXfrm>
-    </dsp:sp>
-    <dsp:sp modelId="{9C286F3C-FAF2-4FCF-B113-145FCACE16AA}">
+    <dsp:sp modelId="{28010DC8-3136-49BC-9983-7489D855A8B1}">
       <dsp:nvSpPr>
         <dsp:cNvPr id="0" name=""/>
         <dsp:cNvSpPr/>
       </dsp:nvSpPr>
       <dsp:spPr>
         <a:xfrm>
-          <a:off x="1228166" y="3717489"/>
-          <a:ext cx="1608925" cy="1608925"/>
+          <a:off x="4719543" y="16090"/>
+          <a:ext cx="1816742" cy="726697"/>
         </a:xfrm>
-        <a:prstGeom prst="ellipse">
+        <a:prstGeom prst="chevron">
           <a:avLst/>
         </a:prstGeom>
         <a:solidFill>
@@ -2974,7 +2805,7 @@
         </a:fontRef>
       </dsp:style>
       <dsp:txBody>
-        <a:bodyPr spcFirstLastPara="0" vert="horz" wrap="square" lIns="25400" tIns="25400" rIns="25400" bIns="25400" numCol="1" spcCol="1270" anchor="ctr" anchorCtr="0">
+        <a:bodyPr spcFirstLastPara="0" vert="horz" wrap="square" lIns="80010" tIns="53340" rIns="26670" bIns="53340" numCol="1" spcCol="1270" anchor="ctr" anchorCtr="0">
           <a:noAutofit/>
         </a:bodyPr>
         <a:lstStyle/>
@@ -2991,97 +2822,32 @@
             </a:spcAft>
           </a:pPr>
           <a:r>
-            <a:rPr lang="es-PE" sz="2000" kern="1200" noProof="0" dirty="0" smtClean="0"/>
-            <a:t>Disminuye Velocidad Equipo</a:t>
+            <a:rPr lang="es-PE" sz="2000" b="1" kern="1200" dirty="0" err="1" smtClean="0"/>
+            <a:t>Run</a:t>
           </a:r>
-          <a:endParaRPr lang="es-PE" sz="2000" kern="1200" noProof="0" dirty="0"/>
+          <a:r>
+            <a:rPr lang="es-PE" sz="2000" b="1" kern="1200" dirty="0" smtClean="0"/>
+            <a:t> Test</a:t>
+          </a:r>
+          <a:endParaRPr lang="es-PE" sz="2000" b="1" kern="1200" dirty="0"/>
         </a:p>
       </dsp:txBody>
       <dsp:txXfrm>
-        <a:off x="1463788" y="3953111"/>
-        <a:ext cx="1137681" cy="1137681"/>
+        <a:off x="5082892" y="16090"/>
+        <a:ext cx="1090045" cy="726697"/>
       </dsp:txXfrm>
     </dsp:sp>
-    <dsp:sp modelId="{4B49315F-91DD-4CBB-BA8F-EFE63A088439}">
-      <dsp:nvSpPr>
-        <dsp:cNvPr id="0" name=""/>
-        <dsp:cNvSpPr/>
-      </dsp:nvSpPr>
-      <dsp:spPr>
-        <a:xfrm rot="15120000">
-          <a:off x="1449725" y="3113664"/>
-          <a:ext cx="427082" cy="543012"/>
-        </a:xfrm>
-        <a:prstGeom prst="rightArrow">
-          <a:avLst>
-            <a:gd name="adj1" fmla="val 60000"/>
-            <a:gd name="adj2" fmla="val 50000"/>
-          </a:avLst>
-        </a:prstGeom>
-        <a:solidFill>
-          <a:schemeClr val="accent1">
-            <a:tint val="60000"/>
-            <a:hueOff val="0"/>
-            <a:satOff val="0"/>
-            <a:lumOff val="0"/>
-            <a:alphaOff val="0"/>
-          </a:schemeClr>
-        </a:solidFill>
-        <a:ln>
-          <a:noFill/>
-        </a:ln>
-        <a:effectLst/>
-      </dsp:spPr>
-      <dsp:style>
-        <a:lnRef idx="0">
-          <a:scrgbClr r="0" g="0" b="0"/>
-        </a:lnRef>
-        <a:fillRef idx="1">
-          <a:scrgbClr r="0" g="0" b="0"/>
-        </a:fillRef>
-        <a:effectRef idx="0">
-          <a:scrgbClr r="0" g="0" b="0"/>
-        </a:effectRef>
-        <a:fontRef idx="minor">
-          <a:schemeClr val="lt1"/>
-        </a:fontRef>
-      </dsp:style>
-      <dsp:txBody>
-        <a:bodyPr spcFirstLastPara="0" vert="horz" wrap="square" lIns="0" tIns="0" rIns="0" bIns="0" numCol="1" spcCol="1270" anchor="ctr" anchorCtr="0">
-          <a:noAutofit/>
-        </a:bodyPr>
-        <a:lstStyle/>
-        <a:p>
-          <a:pPr lvl="0" algn="ctr" defTabSz="711200">
-            <a:lnSpc>
-              <a:spcPct val="90000"/>
-            </a:lnSpc>
-            <a:spcBef>
-              <a:spcPct val="0"/>
-            </a:spcBef>
-            <a:spcAft>
-              <a:spcPct val="35000"/>
-            </a:spcAft>
-          </a:pPr>
-          <a:endParaRPr lang="es-PE" sz="1600" kern="1200" noProof="0"/>
-        </a:p>
-      </dsp:txBody>
-      <dsp:txXfrm rot="10800000">
-        <a:off x="1533584" y="3283193"/>
-        <a:ext cx="298957" cy="325808"/>
-      </dsp:txXfrm>
-    </dsp:sp>
-    <dsp:sp modelId="{B4181A90-3A21-4F79-83DB-5F7E138E1000}">
+    <dsp:sp modelId="{1DD64DFB-8EE0-41B5-B8F9-3F2D3C1A3C58}">
       <dsp:nvSpPr>
         <dsp:cNvPr id="0" name=""/>
         <dsp:cNvSpPr/>
       </dsp:nvSpPr>
       <dsp:spPr>
         <a:xfrm>
-          <a:off x="481970" y="1420934"/>
-          <a:ext cx="1608925" cy="1608925"/>
+          <a:off x="6172937" y="16090"/>
+          <a:ext cx="1816742" cy="726697"/>
         </a:xfrm>
-        <a:prstGeom prst="ellipse">
+        <a:prstGeom prst="chevron">
           <a:avLst/>
         </a:prstGeom>
         <a:solidFill>
@@ -3120,7 +2886,7 @@
         </a:fontRef>
       </dsp:style>
       <dsp:txBody>
-        <a:bodyPr spcFirstLastPara="0" vert="horz" wrap="square" lIns="25400" tIns="25400" rIns="25400" bIns="25400" numCol="1" spcCol="1270" anchor="ctr" anchorCtr="0">
+        <a:bodyPr spcFirstLastPara="0" vert="horz" wrap="square" lIns="80010" tIns="53340" rIns="26670" bIns="53340" numCol="1" spcCol="1270" anchor="ctr" anchorCtr="0">
           <a:noAutofit/>
         </a:bodyPr>
         <a:lstStyle/>
@@ -3137,105 +2903,17 @@
             </a:spcAft>
           </a:pPr>
           <a:r>
-            <a:rPr lang="es-PE" sz="2000" kern="1200" noProof="0" dirty="0" smtClean="0"/>
-            <a:t>(Más)</a:t>
+            <a:rPr lang="es-PE" sz="2000" b="1" kern="1200" dirty="0" smtClean="0"/>
+            <a:t>….</a:t>
           </a:r>
-          <a:br>
-            <a:rPr lang="es-PE" sz="2000" kern="1200" noProof="0" dirty="0" smtClean="0"/>
-          </a:br>
-          <a:r>
-            <a:rPr lang="es-PE" sz="2000" kern="1200" noProof="0" dirty="0" smtClean="0"/>
-            <a:t>Incesante Presión.</a:t>
-          </a:r>
-          <a:endParaRPr lang="es-PE" sz="2000" kern="1200" noProof="0" dirty="0"/>
+          <a:endParaRPr lang="es-PE" sz="2000" b="1" kern="1200" dirty="0"/>
         </a:p>
       </dsp:txBody>
       <dsp:txXfrm>
-        <a:off x="717592" y="1656556"/>
-        <a:ext cx="1137681" cy="1137681"/>
+        <a:off x="6536286" y="16090"/>
+        <a:ext cx="1090045" cy="726697"/>
       </dsp:txXfrm>
     </dsp:sp>
-    <dsp:sp modelId="{19C3351F-DE4C-4425-8FAE-716FD4A6218E}">
-      <dsp:nvSpPr>
-        <dsp:cNvPr id="0" name=""/>
-        <dsp:cNvSpPr/>
-      </dsp:nvSpPr>
-      <dsp:spPr>
-        <a:xfrm rot="19440000">
-          <a:off x="2039896" y="1251320"/>
-          <a:ext cx="427082" cy="543012"/>
-        </a:xfrm>
-        <a:prstGeom prst="rightArrow">
-          <a:avLst>
-            <a:gd name="adj1" fmla="val 60000"/>
-            <a:gd name="adj2" fmla="val 50000"/>
-          </a:avLst>
-        </a:prstGeom>
-        <a:solidFill>
-          <a:schemeClr val="accent1">
-            <a:tint val="60000"/>
-            <a:hueOff val="0"/>
-            <a:satOff val="0"/>
-            <a:lumOff val="0"/>
-            <a:alphaOff val="0"/>
-          </a:schemeClr>
-        </a:solidFill>
-        <a:ln>
-          <a:noFill/>
-        </a:ln>
-        <a:effectLst/>
-      </dsp:spPr>
-      <dsp:style>
-        <a:lnRef idx="0">
-          <a:scrgbClr r="0" g="0" b="0"/>
-        </a:lnRef>
-        <a:fillRef idx="1">
-          <a:scrgbClr r="0" g="0" b="0"/>
-        </a:fillRef>
-        <a:effectRef idx="0">
-          <a:scrgbClr r="0" g="0" b="0"/>
-        </a:effectRef>
-        <a:fontRef idx="minor">
-          <a:schemeClr val="lt1"/>
-        </a:fontRef>
-      </dsp:style>
-      <dsp:txBody>
-        <a:bodyPr spcFirstLastPara="0" vert="horz" wrap="square" lIns="0" tIns="0" rIns="0" bIns="0" numCol="1" spcCol="1270" anchor="ctr" anchorCtr="0">
-          <a:noAutofit/>
-        </a:bodyPr>
-        <a:lstStyle/>
-        <a:p>
-          <a:pPr lvl="0" algn="ctr" defTabSz="711200">
-            <a:lnSpc>
-              <a:spcPct val="90000"/>
-            </a:lnSpc>
-            <a:spcBef>
-              <a:spcPct val="0"/>
-            </a:spcBef>
-            <a:spcAft>
-              <a:spcPct val="35000"/>
-            </a:spcAft>
-          </a:pPr>
-          <a:endParaRPr lang="es-PE" sz="1600" kern="1200" noProof="0"/>
-        </a:p>
-      </dsp:txBody>
-      <dsp:txXfrm>
-        <a:off x="2052131" y="1397577"/>
-        <a:ext cx="298957" cy="325808"/>
-      </dsp:txXfrm>
-    </dsp:sp>
-  </dsp:spTree>
-</dsp:drawing>
-</file>
-
-<file path=ppt/diagrams/drawing2.xml><?xml version="1.0" encoding="utf-8"?>
-<dsp:drawing xmlns:dgm="http://schemas.openxmlformats.org/drawingml/2006/diagram" xmlns:dsp="http://schemas.microsoft.com/office/drawing/2008/diagram" xmlns:a="http://schemas.openxmlformats.org/drawingml/2006/main">
-  <dsp:spTree>
-    <dsp:nvGrpSpPr>
-      <dsp:cNvPr id="0" name=""/>
-      <dsp:cNvGrpSpPr/>
-    </dsp:nvGrpSpPr>
-    <dsp:grpSpPr/>
   </dsp:spTree>
 </dsp:drawing>
 </file>
@@ -5873,7 +5551,7 @@
           <a:p>
             <a:fld id="{82731913-02B6-467D-B183-D787C0857BBF}" type="datetimeFigureOut">
               <a:rPr lang="es-PE" smtClean="0"/>
-              <a:t>13/06/2013</a:t>
+              <a:t>20/11/2013</a:t>
             </a:fld>
             <a:endParaRPr lang="es-PE"/>
           </a:p>
@@ -11099,7 +10777,7 @@
             <a:fld id="{807CB568-C05F-482F-9F26-AA302B8892DF}" type="datetimeFigureOut">
               <a:rPr lang="es-ES" smtClean="0"/>
               <a:pPr/>
-              <a:t>13/06/2013</a:t>
+              <a:t>20/11/2013</a:t>
             </a:fld>
             <a:endParaRPr lang="es-ES"/>
           </a:p>
@@ -11278,7 +10956,7 @@
             <a:fld id="{807CB568-C05F-482F-9F26-AA302B8892DF}" type="datetimeFigureOut">
               <a:rPr lang="es-ES" smtClean="0"/>
               <a:pPr/>
-              <a:t>13/06/2013</a:t>
+              <a:t>20/11/2013</a:t>
             </a:fld>
             <a:endParaRPr lang="es-ES"/>
           </a:p>
@@ -11467,7 +11145,7 @@
             <a:fld id="{807CB568-C05F-482F-9F26-AA302B8892DF}" type="datetimeFigureOut">
               <a:rPr lang="es-ES" smtClean="0"/>
               <a:pPr/>
-              <a:t>13/06/2013</a:t>
+              <a:t>20/11/2013</a:t>
             </a:fld>
             <a:endParaRPr lang="es-ES"/>
           </a:p>
@@ -11646,7 +11324,7 @@
             <a:fld id="{807CB568-C05F-482F-9F26-AA302B8892DF}" type="datetimeFigureOut">
               <a:rPr lang="es-ES" smtClean="0"/>
               <a:pPr/>
-              <a:t>13/06/2013</a:t>
+              <a:t>20/11/2013</a:t>
             </a:fld>
             <a:endParaRPr lang="es-ES"/>
           </a:p>
@@ -11901,7 +11579,7 @@
             <a:fld id="{807CB568-C05F-482F-9F26-AA302B8892DF}" type="datetimeFigureOut">
               <a:rPr lang="es-ES" smtClean="0"/>
               <a:pPr/>
-              <a:t>13/06/2013</a:t>
+              <a:t>20/11/2013</a:t>
             </a:fld>
             <a:endParaRPr lang="es-ES"/>
           </a:p>
@@ -12198,7 +11876,7 @@
             <a:fld id="{807CB568-C05F-482F-9F26-AA302B8892DF}" type="datetimeFigureOut">
               <a:rPr lang="es-ES" smtClean="0"/>
               <a:pPr/>
-              <a:t>13/06/2013</a:t>
+              <a:t>20/11/2013</a:t>
             </a:fld>
             <a:endParaRPr lang="es-ES"/>
           </a:p>
@@ -12629,7 +12307,7 @@
             <a:fld id="{807CB568-C05F-482F-9F26-AA302B8892DF}" type="datetimeFigureOut">
               <a:rPr lang="es-ES" smtClean="0"/>
               <a:pPr/>
-              <a:t>13/06/2013</a:t>
+              <a:t>20/11/2013</a:t>
             </a:fld>
             <a:endParaRPr lang="es-ES"/>
           </a:p>
@@ -12756,7 +12434,7 @@
             <a:fld id="{807CB568-C05F-482F-9F26-AA302B8892DF}" type="datetimeFigureOut">
               <a:rPr lang="es-ES" smtClean="0"/>
               <a:pPr/>
-              <a:t>13/06/2013</a:t>
+              <a:t>20/11/2013</a:t>
             </a:fld>
             <a:endParaRPr lang="es-ES"/>
           </a:p>
@@ -12860,7 +12538,7 @@
             <a:fld id="{807CB568-C05F-482F-9F26-AA302B8892DF}" type="datetimeFigureOut">
               <a:rPr lang="es-ES" smtClean="0"/>
               <a:pPr/>
-              <a:t>13/06/2013</a:t>
+              <a:t>20/11/2013</a:t>
             </a:fld>
             <a:endParaRPr lang="es-ES"/>
           </a:p>
@@ -13146,7 +12824,7 @@
             <a:fld id="{807CB568-C05F-482F-9F26-AA302B8892DF}" type="datetimeFigureOut">
               <a:rPr lang="es-ES" smtClean="0"/>
               <a:pPr/>
-              <a:t>13/06/2013</a:t>
+              <a:t>20/11/2013</a:t>
             </a:fld>
             <a:endParaRPr lang="es-ES"/>
           </a:p>
@@ -13415,7 +13093,7 @@
             <a:fld id="{807CB568-C05F-482F-9F26-AA302B8892DF}" type="datetimeFigureOut">
               <a:rPr lang="es-ES" smtClean="0"/>
               <a:pPr/>
-              <a:t>13/06/2013</a:t>
+              <a:t>20/11/2013</a:t>
             </a:fld>
             <a:endParaRPr lang="es-ES"/>
           </a:p>
@@ -13666,7 +13344,7 @@
             <a:fld id="{807CB568-C05F-482F-9F26-AA302B8892DF}" type="datetimeFigureOut">
               <a:rPr lang="es-ES" smtClean="0"/>
               <a:pPr/>
-              <a:t>13/06/2013</a:t>
+              <a:t>20/11/2013</a:t>
             </a:fld>
             <a:endParaRPr lang="es-ES"/>
           </a:p>
@@ -28497,23 +28175,15 @@
             </a:r>
             <a:r>
               <a:rPr lang="es-PE" sz="2400" dirty="0" smtClean="0"/>
-              <a:t>" y </a:t>
-            </a:r>
-            <a:r>
-              <a:rPr lang="es-PE" sz="2400" dirty="0"/>
-              <a:t> </a:t>
+              <a:t>" </a:t>
             </a:r>
             <a:r>
               <a:rPr lang="es-PE" sz="2400" dirty="0" smtClean="0"/>
-              <a:t>a una </a:t>
-            </a:r>
-            <a:r>
-              <a:rPr lang="es-PE" sz="2400" dirty="0"/>
-              <a:t>j</a:t>
+              <a:t>a la jerarquía </a:t>
             </a:r>
             <a:r>
               <a:rPr lang="es-PE" sz="2400" dirty="0" smtClean="0"/>
-              <a:t>erarquía de clases "</a:t>
+              <a:t>de clases "</a:t>
             </a:r>
             <a:r>
               <a:rPr lang="es-PE" sz="2400" dirty="0" err="1" smtClean="0"/>
